--- a/writing/images/train.pptx
+++ b/writing/images/train.pptx
@@ -6,6 +6,7 @@
   </p:sldMasterIdLst>
   <p:sldIdLst>
     <p:sldId id="256" r:id="rId2"/>
+    <p:sldId id="257" r:id="rId3"/>
   </p:sldIdLst>
   <p:sldSz cx="9144000" cy="6858000" type="screen4x3"/>
   <p:notesSz cx="6858000" cy="9144000"/>
@@ -288,7 +289,8 @@
           <a:p>
             <a:fld id="{68BDF4EC-5B70-45D8-B718-E56EB4C6B13E}" type="datetimeFigureOut">
               <a:rPr lang="fr-BE" smtClean="0"/>
-              <a:t>10/05/2011</a:t>
+              <a:pPr/>
+              <a:t>16/05/2011</a:t>
             </a:fld>
             <a:endParaRPr lang="fr-BE"/>
           </a:p>
@@ -330,6 +332,7 @@
           <a:p>
             <a:fld id="{9C878DBD-DCCA-42D2-988D-119D2C0CFC0B}" type="slidenum">
               <a:rPr lang="fr-BE" smtClean="0"/>
+              <a:pPr/>
               <a:t>‹N°›</a:t>
             </a:fld>
             <a:endParaRPr lang="fr-BE"/>
@@ -453,7 +456,8 @@
           <a:p>
             <a:fld id="{68BDF4EC-5B70-45D8-B718-E56EB4C6B13E}" type="datetimeFigureOut">
               <a:rPr lang="fr-BE" smtClean="0"/>
-              <a:t>10/05/2011</a:t>
+              <a:pPr/>
+              <a:t>16/05/2011</a:t>
             </a:fld>
             <a:endParaRPr lang="fr-BE"/>
           </a:p>
@@ -495,6 +499,7 @@
           <a:p>
             <a:fld id="{9C878DBD-DCCA-42D2-988D-119D2C0CFC0B}" type="slidenum">
               <a:rPr lang="fr-BE" smtClean="0"/>
+              <a:pPr/>
               <a:t>‹N°›</a:t>
             </a:fld>
             <a:endParaRPr lang="fr-BE"/>
@@ -628,7 +633,8 @@
           <a:p>
             <a:fld id="{68BDF4EC-5B70-45D8-B718-E56EB4C6B13E}" type="datetimeFigureOut">
               <a:rPr lang="fr-BE" smtClean="0"/>
-              <a:t>10/05/2011</a:t>
+              <a:pPr/>
+              <a:t>16/05/2011</a:t>
             </a:fld>
             <a:endParaRPr lang="fr-BE"/>
           </a:p>
@@ -670,6 +676,7 @@
           <a:p>
             <a:fld id="{9C878DBD-DCCA-42D2-988D-119D2C0CFC0B}" type="slidenum">
               <a:rPr lang="fr-BE" smtClean="0"/>
+              <a:pPr/>
               <a:t>‹N°›</a:t>
             </a:fld>
             <a:endParaRPr lang="fr-BE"/>
@@ -793,7 +800,8 @@
           <a:p>
             <a:fld id="{68BDF4EC-5B70-45D8-B718-E56EB4C6B13E}" type="datetimeFigureOut">
               <a:rPr lang="fr-BE" smtClean="0"/>
-              <a:t>10/05/2011</a:t>
+              <a:pPr/>
+              <a:t>16/05/2011</a:t>
             </a:fld>
             <a:endParaRPr lang="fr-BE"/>
           </a:p>
@@ -835,6 +843,7 @@
           <a:p>
             <a:fld id="{9C878DBD-DCCA-42D2-988D-119D2C0CFC0B}" type="slidenum">
               <a:rPr lang="fr-BE" smtClean="0"/>
+              <a:pPr/>
               <a:t>‹N°›</a:t>
             </a:fld>
             <a:endParaRPr lang="fr-BE"/>
@@ -1034,7 +1043,8 @@
           <a:p>
             <a:fld id="{68BDF4EC-5B70-45D8-B718-E56EB4C6B13E}" type="datetimeFigureOut">
               <a:rPr lang="fr-BE" smtClean="0"/>
-              <a:t>10/05/2011</a:t>
+              <a:pPr/>
+              <a:t>16/05/2011</a:t>
             </a:fld>
             <a:endParaRPr lang="fr-BE"/>
           </a:p>
@@ -1076,6 +1086,7 @@
           <a:p>
             <a:fld id="{9C878DBD-DCCA-42D2-988D-119D2C0CFC0B}" type="slidenum">
               <a:rPr lang="fr-BE" smtClean="0"/>
+              <a:pPr/>
               <a:t>‹N°›</a:t>
             </a:fld>
             <a:endParaRPr lang="fr-BE"/>
@@ -1317,7 +1328,8 @@
           <a:p>
             <a:fld id="{68BDF4EC-5B70-45D8-B718-E56EB4C6B13E}" type="datetimeFigureOut">
               <a:rPr lang="fr-BE" smtClean="0"/>
-              <a:t>10/05/2011</a:t>
+              <a:pPr/>
+              <a:t>16/05/2011</a:t>
             </a:fld>
             <a:endParaRPr lang="fr-BE"/>
           </a:p>
@@ -1359,6 +1371,7 @@
           <a:p>
             <a:fld id="{9C878DBD-DCCA-42D2-988D-119D2C0CFC0B}" type="slidenum">
               <a:rPr lang="fr-BE" smtClean="0"/>
+              <a:pPr/>
               <a:t>‹N°›</a:t>
             </a:fld>
             <a:endParaRPr lang="fr-BE"/>
@@ -1734,7 +1747,8 @@
           <a:p>
             <a:fld id="{68BDF4EC-5B70-45D8-B718-E56EB4C6B13E}" type="datetimeFigureOut">
               <a:rPr lang="fr-BE" smtClean="0"/>
-              <a:t>10/05/2011</a:t>
+              <a:pPr/>
+              <a:t>16/05/2011</a:t>
             </a:fld>
             <a:endParaRPr lang="fr-BE"/>
           </a:p>
@@ -1776,6 +1790,7 @@
           <a:p>
             <a:fld id="{9C878DBD-DCCA-42D2-988D-119D2C0CFC0B}" type="slidenum">
               <a:rPr lang="fr-BE" smtClean="0"/>
+              <a:pPr/>
               <a:t>‹N°›</a:t>
             </a:fld>
             <a:endParaRPr lang="fr-BE"/>
@@ -1847,7 +1862,8 @@
           <a:p>
             <a:fld id="{68BDF4EC-5B70-45D8-B718-E56EB4C6B13E}" type="datetimeFigureOut">
               <a:rPr lang="fr-BE" smtClean="0"/>
-              <a:t>10/05/2011</a:t>
+              <a:pPr/>
+              <a:t>16/05/2011</a:t>
             </a:fld>
             <a:endParaRPr lang="fr-BE"/>
           </a:p>
@@ -1889,6 +1905,7 @@
           <a:p>
             <a:fld id="{9C878DBD-DCCA-42D2-988D-119D2C0CFC0B}" type="slidenum">
               <a:rPr lang="fr-BE" smtClean="0"/>
+              <a:pPr/>
               <a:t>‹N°›</a:t>
             </a:fld>
             <a:endParaRPr lang="fr-BE"/>
@@ -1937,7 +1954,8 @@
           <a:p>
             <a:fld id="{68BDF4EC-5B70-45D8-B718-E56EB4C6B13E}" type="datetimeFigureOut">
               <a:rPr lang="fr-BE" smtClean="0"/>
-              <a:t>10/05/2011</a:t>
+              <a:pPr/>
+              <a:t>16/05/2011</a:t>
             </a:fld>
             <a:endParaRPr lang="fr-BE"/>
           </a:p>
@@ -1979,6 +1997,7 @@
           <a:p>
             <a:fld id="{9C878DBD-DCCA-42D2-988D-119D2C0CFC0B}" type="slidenum">
               <a:rPr lang="fr-BE" smtClean="0"/>
+              <a:pPr/>
               <a:t>‹N°›</a:t>
             </a:fld>
             <a:endParaRPr lang="fr-BE"/>
@@ -2209,7 +2228,8 @@
           <a:p>
             <a:fld id="{68BDF4EC-5B70-45D8-B718-E56EB4C6B13E}" type="datetimeFigureOut">
               <a:rPr lang="fr-BE" smtClean="0"/>
-              <a:t>10/05/2011</a:t>
+              <a:pPr/>
+              <a:t>16/05/2011</a:t>
             </a:fld>
             <a:endParaRPr lang="fr-BE"/>
           </a:p>
@@ -2251,6 +2271,7 @@
           <a:p>
             <a:fld id="{9C878DBD-DCCA-42D2-988D-119D2C0CFC0B}" type="slidenum">
               <a:rPr lang="fr-BE" smtClean="0"/>
+              <a:pPr/>
               <a:t>‹N°›</a:t>
             </a:fld>
             <a:endParaRPr lang="fr-BE"/>
@@ -2457,7 +2478,8 @@
           <a:p>
             <a:fld id="{68BDF4EC-5B70-45D8-B718-E56EB4C6B13E}" type="datetimeFigureOut">
               <a:rPr lang="fr-BE" smtClean="0"/>
-              <a:t>10/05/2011</a:t>
+              <a:pPr/>
+              <a:t>16/05/2011</a:t>
             </a:fld>
             <a:endParaRPr lang="fr-BE"/>
           </a:p>
@@ -2499,6 +2521,7 @@
           <a:p>
             <a:fld id="{9C878DBD-DCCA-42D2-988D-119D2C0CFC0B}" type="slidenum">
               <a:rPr lang="fr-BE" smtClean="0"/>
+              <a:pPr/>
               <a:t>‹N°›</a:t>
             </a:fld>
             <a:endParaRPr lang="fr-BE"/>
@@ -2665,7 +2688,8 @@
           <a:p>
             <a:fld id="{68BDF4EC-5B70-45D8-B718-E56EB4C6B13E}" type="datetimeFigureOut">
               <a:rPr lang="fr-BE" smtClean="0"/>
-              <a:t>10/05/2011</a:t>
+              <a:pPr/>
+              <a:t>16/05/2011</a:t>
             </a:fld>
             <a:endParaRPr lang="fr-BE"/>
           </a:p>
@@ -2743,6 +2767,7 @@
           <a:p>
             <a:fld id="{9C878DBD-DCCA-42D2-988D-119D2C0CFC0B}" type="slidenum">
               <a:rPr lang="fr-BE" smtClean="0"/>
+              <a:pPr/>
               <a:t>‹N°›</a:t>
             </a:fld>
             <a:endParaRPr lang="fr-BE"/>
@@ -4306,6 +4331,1144 @@
 </p:sld>
 </file>
 
+<file path=ppt/slides/slide2.xml><?xml version="1.0" encoding="utf-8"?>
+<p:sld xmlns:a="http://schemas.openxmlformats.org/drawingml/2006/main" xmlns:r="http://schemas.openxmlformats.org/officeDocument/2006/relationships" xmlns:p="http://schemas.openxmlformats.org/presentationml/2006/main">
+  <p:cSld>
+    <p:spTree>
+      <p:nvGrpSpPr>
+        <p:cNvPr id="1" name=""/>
+        <p:cNvGrpSpPr/>
+        <p:nvPr/>
+      </p:nvGrpSpPr>
+      <p:grpSpPr>
+        <a:xfrm>
+          <a:off x="0" y="0"/>
+          <a:ext cx="0" cy="0"/>
+          <a:chOff x="0" y="0"/>
+          <a:chExt cx="0" cy="0"/>
+        </a:xfrm>
+      </p:grpSpPr>
+      <p:grpSp>
+        <p:nvGrpSpPr>
+          <p:cNvPr id="73" name="Groupe 72"/>
+          <p:cNvGrpSpPr/>
+          <p:nvPr/>
+        </p:nvGrpSpPr>
+        <p:grpSpPr>
+          <a:xfrm>
+            <a:off x="179512" y="332656"/>
+            <a:ext cx="5578524" cy="2532980"/>
+            <a:chOff x="937692" y="1111788"/>
+            <a:chExt cx="5578524" cy="2532980"/>
+          </a:xfrm>
+        </p:grpSpPr>
+        <p:sp>
+          <p:nvSpPr>
+            <p:cNvPr id="72" name="Rectangle 71"/>
+            <p:cNvSpPr/>
+            <p:nvPr/>
+          </p:nvSpPr>
+          <p:spPr>
+            <a:xfrm>
+              <a:off x="1717080" y="1111788"/>
+              <a:ext cx="720080" cy="216024"/>
+            </a:xfrm>
+            <a:prstGeom prst="rect">
+              <a:avLst/>
+            </a:prstGeom>
+            <a:ln>
+              <a:noFill/>
+            </a:ln>
+          </p:spPr>
+          <p:style>
+            <a:lnRef idx="2">
+              <a:schemeClr val="dk1"/>
+            </a:lnRef>
+            <a:fillRef idx="1">
+              <a:schemeClr val="lt1"/>
+            </a:fillRef>
+            <a:effectRef idx="0">
+              <a:schemeClr val="dk1"/>
+            </a:effectRef>
+            <a:fontRef idx="minor">
+              <a:schemeClr val="dk1"/>
+            </a:fontRef>
+          </p:style>
+          <p:txBody>
+            <a:bodyPr lIns="36000" tIns="36000" rIns="36000" bIns="36000" rtlCol="0" anchor="ctr" anchorCtr="0"/>
+            <a:lstStyle/>
+            <a:p>
+              <a:pPr algn="ctr"/>
+              <a:r>
+                <a:rPr lang="fr-BE" sz="1100" smtClean="0"/>
+                <a:t>Machine</a:t>
+              </a:r>
+              <a:endParaRPr lang="fr-BE" sz="1100"/>
+            </a:p>
+          </p:txBody>
+        </p:sp>
+        <p:sp>
+          <p:nvSpPr>
+            <p:cNvPr id="59" name="Rectangle 58"/>
+            <p:cNvSpPr/>
+            <p:nvPr/>
+          </p:nvSpPr>
+          <p:spPr>
+            <a:xfrm>
+              <a:off x="1835696" y="1340768"/>
+              <a:ext cx="2952328" cy="2304000"/>
+            </a:xfrm>
+            <a:prstGeom prst="rect">
+              <a:avLst/>
+            </a:prstGeom>
+            <a:ln>
+              <a:prstDash val="dash"/>
+            </a:ln>
+          </p:spPr>
+          <p:style>
+            <a:lnRef idx="2">
+              <a:schemeClr val="dk1"/>
+            </a:lnRef>
+            <a:fillRef idx="1">
+              <a:schemeClr val="lt1"/>
+            </a:fillRef>
+            <a:effectRef idx="0">
+              <a:schemeClr val="dk1"/>
+            </a:effectRef>
+            <a:fontRef idx="minor">
+              <a:schemeClr val="dk1"/>
+            </a:fontRef>
+          </p:style>
+          <p:txBody>
+            <a:bodyPr rtlCol="0" anchor="ctr"/>
+            <a:lstStyle/>
+            <a:p>
+              <a:pPr algn="ctr"/>
+              <a:endParaRPr lang="fr-BE"/>
+            </a:p>
+          </p:txBody>
+        </p:sp>
+        <p:sp>
+          <p:nvSpPr>
+            <p:cNvPr id="4" name="Rectangle 3"/>
+            <p:cNvSpPr/>
+            <p:nvPr/>
+          </p:nvSpPr>
+          <p:spPr>
+            <a:xfrm>
+              <a:off x="937692" y="1484785"/>
+              <a:ext cx="720080" cy="324000"/>
+            </a:xfrm>
+            <a:prstGeom prst="rect">
+              <a:avLst/>
+            </a:prstGeom>
+          </p:spPr>
+          <p:style>
+            <a:lnRef idx="2">
+              <a:schemeClr val="dk1"/>
+            </a:lnRef>
+            <a:fillRef idx="1">
+              <a:schemeClr val="lt1"/>
+            </a:fillRef>
+            <a:effectRef idx="0">
+              <a:schemeClr val="dk1"/>
+            </a:effectRef>
+            <a:fontRef idx="minor">
+              <a:schemeClr val="dk1"/>
+            </a:fontRef>
+          </p:style>
+          <p:txBody>
+            <a:bodyPr lIns="36000" tIns="36000" rIns="36000" bIns="36000" rtlCol="0" anchor="ctr"/>
+            <a:lstStyle/>
+            <a:p>
+              <a:pPr algn="ctr"/>
+              <a:r>
+                <a:rPr lang="fr-BE" sz="1100" smtClean="0"/>
+                <a:t>Passenger</a:t>
+              </a:r>
+              <a:endParaRPr lang="fr-BE" sz="1100"/>
+            </a:p>
+          </p:txBody>
+        </p:sp>
+        <p:sp>
+          <p:nvSpPr>
+            <p:cNvPr id="5" name="Rectangle 4"/>
+            <p:cNvSpPr/>
+            <p:nvPr/>
+          </p:nvSpPr>
+          <p:spPr>
+            <a:xfrm>
+              <a:off x="2843808" y="1484785"/>
+              <a:ext cx="864096" cy="324000"/>
+            </a:xfrm>
+            <a:prstGeom prst="rect">
+              <a:avLst/>
+            </a:prstGeom>
+          </p:spPr>
+          <p:style>
+            <a:lnRef idx="2">
+              <a:schemeClr val="dk1"/>
+            </a:lnRef>
+            <a:fillRef idx="1">
+              <a:schemeClr val="lt1"/>
+            </a:fillRef>
+            <a:effectRef idx="0">
+              <a:schemeClr val="dk1"/>
+            </a:effectRef>
+            <a:fontRef idx="minor">
+              <a:schemeClr val="dk1"/>
+            </a:fontRef>
+          </p:style>
+          <p:txBody>
+            <a:bodyPr lIns="36000" tIns="36000" rIns="36000" bIns="36000" rtlCol="0" anchor="ctr" anchorCtr="0"/>
+            <a:lstStyle/>
+            <a:p>
+              <a:pPr algn="ctr"/>
+              <a:r>
+                <a:rPr lang="fr-BE" sz="1100" smtClean="0"/>
+                <a:t>Controller</a:t>
+              </a:r>
+              <a:endParaRPr lang="fr-BE" sz="1100"/>
+            </a:p>
+          </p:txBody>
+        </p:sp>
+        <p:sp>
+          <p:nvSpPr>
+            <p:cNvPr id="7" name="Rectangle 6"/>
+            <p:cNvSpPr/>
+            <p:nvPr/>
+          </p:nvSpPr>
+          <p:spPr>
+            <a:xfrm>
+              <a:off x="3923928" y="1484785"/>
+              <a:ext cx="720080" cy="324000"/>
+            </a:xfrm>
+            <a:prstGeom prst="rect">
+              <a:avLst/>
+            </a:prstGeom>
+          </p:spPr>
+          <p:style>
+            <a:lnRef idx="2">
+              <a:schemeClr val="dk1"/>
+            </a:lnRef>
+            <a:fillRef idx="1">
+              <a:schemeClr val="lt1"/>
+            </a:fillRef>
+            <a:effectRef idx="0">
+              <a:schemeClr val="dk1"/>
+            </a:effectRef>
+            <a:fontRef idx="minor">
+              <a:schemeClr val="dk1"/>
+            </a:fontRef>
+          </p:style>
+          <p:txBody>
+            <a:bodyPr lIns="36000" tIns="36000" rIns="36000" bIns="36000" rtlCol="0" anchor="ctr"/>
+            <a:lstStyle/>
+            <a:p>
+              <a:pPr algn="ctr"/>
+              <a:r>
+                <a:rPr lang="fr-BE" sz="1100" smtClean="0"/>
+                <a:t>Actuators</a:t>
+              </a:r>
+              <a:endParaRPr lang="fr-BE" sz="1100"/>
+            </a:p>
+          </p:txBody>
+        </p:sp>
+        <p:sp>
+          <p:nvSpPr>
+            <p:cNvPr id="9" name="Rectangle 8"/>
+            <p:cNvSpPr/>
+            <p:nvPr/>
+          </p:nvSpPr>
+          <p:spPr>
+            <a:xfrm>
+              <a:off x="5796136" y="1484785"/>
+              <a:ext cx="720080" cy="324000"/>
+            </a:xfrm>
+            <a:prstGeom prst="rect">
+              <a:avLst/>
+            </a:prstGeom>
+          </p:spPr>
+          <p:style>
+            <a:lnRef idx="2">
+              <a:schemeClr val="dk1"/>
+            </a:lnRef>
+            <a:fillRef idx="1">
+              <a:schemeClr val="lt1"/>
+            </a:fillRef>
+            <a:effectRef idx="0">
+              <a:schemeClr val="dk1"/>
+            </a:effectRef>
+            <a:fontRef idx="minor">
+              <a:schemeClr val="dk1"/>
+            </a:fontRef>
+          </p:style>
+          <p:txBody>
+            <a:bodyPr lIns="36000" tIns="36000" rIns="36000" bIns="36000" rtlCol="0" anchor="ctr"/>
+            <a:lstStyle/>
+            <a:p>
+              <a:pPr algn="ctr"/>
+              <a:r>
+                <a:rPr lang="fr-BE" sz="1100" smtClean="0"/>
+                <a:t>Engine</a:t>
+              </a:r>
+            </a:p>
+          </p:txBody>
+        </p:sp>
+        <p:sp>
+          <p:nvSpPr>
+            <p:cNvPr id="10" name="Rectangle 9"/>
+            <p:cNvSpPr/>
+            <p:nvPr/>
+          </p:nvSpPr>
+          <p:spPr>
+            <a:xfrm>
+              <a:off x="4932040" y="1484785"/>
+              <a:ext cx="720080" cy="324000"/>
+            </a:xfrm>
+            <a:prstGeom prst="rect">
+              <a:avLst/>
+            </a:prstGeom>
+          </p:spPr>
+          <p:style>
+            <a:lnRef idx="2">
+              <a:schemeClr val="dk1"/>
+            </a:lnRef>
+            <a:fillRef idx="1">
+              <a:schemeClr val="lt1"/>
+            </a:fillRef>
+            <a:effectRef idx="0">
+              <a:schemeClr val="dk1"/>
+            </a:effectRef>
+            <a:fontRef idx="minor">
+              <a:schemeClr val="dk1"/>
+            </a:fontRef>
+          </p:style>
+          <p:txBody>
+            <a:bodyPr lIns="36000" tIns="36000" rIns="36000" bIns="36000" rtlCol="0" anchor="ctr"/>
+            <a:lstStyle/>
+            <a:p>
+              <a:pPr algn="ctr"/>
+              <a:r>
+                <a:rPr lang="fr-BE" sz="1100" smtClean="0"/>
+                <a:t>Doors</a:t>
+              </a:r>
+            </a:p>
+          </p:txBody>
+        </p:sp>
+        <p:sp>
+          <p:nvSpPr>
+            <p:cNvPr id="11" name="Rectangle 10"/>
+            <p:cNvSpPr/>
+            <p:nvPr/>
+          </p:nvSpPr>
+          <p:spPr>
+            <a:xfrm>
+              <a:off x="1957968" y="1484785"/>
+              <a:ext cx="720080" cy="324000"/>
+            </a:xfrm>
+            <a:prstGeom prst="rect">
+              <a:avLst/>
+            </a:prstGeom>
+          </p:spPr>
+          <p:style>
+            <a:lnRef idx="2">
+              <a:schemeClr val="dk1"/>
+            </a:lnRef>
+            <a:fillRef idx="1">
+              <a:schemeClr val="lt1"/>
+            </a:fillRef>
+            <a:effectRef idx="0">
+              <a:schemeClr val="dk1"/>
+            </a:effectRef>
+            <a:fontRef idx="minor">
+              <a:schemeClr val="dk1"/>
+            </a:fontRef>
+          </p:style>
+          <p:txBody>
+            <a:bodyPr lIns="36000" tIns="36000" rIns="36000" bIns="36000" rtlCol="0" anchor="ctr"/>
+            <a:lstStyle/>
+            <a:p>
+              <a:pPr algn="ctr"/>
+              <a:r>
+                <a:rPr lang="fr-BE" sz="1100" smtClean="0"/>
+                <a:t>Sensors</a:t>
+              </a:r>
+              <a:endParaRPr lang="fr-BE" sz="1100" smtClean="0"/>
+            </a:p>
+          </p:txBody>
+        </p:sp>
+        <p:cxnSp>
+          <p:nvCxnSpPr>
+            <p:cNvPr id="13" name="Connecteur droit avec flèche 12"/>
+            <p:cNvCxnSpPr>
+              <a:stCxn id="5" idx="2"/>
+            </p:cNvCxnSpPr>
+            <p:nvPr/>
+          </p:nvCxnSpPr>
+          <p:spPr>
+            <a:xfrm rot="5400000">
+              <a:off x="2411459" y="2672388"/>
+              <a:ext cx="1728000" cy="794"/>
+            </a:xfrm>
+            <a:prstGeom prst="straightConnector1">
+              <a:avLst/>
+            </a:prstGeom>
+            <a:ln>
+              <a:tailEnd type="triangle"/>
+            </a:ln>
+          </p:spPr>
+          <p:style>
+            <a:lnRef idx="2">
+              <a:schemeClr val="dk1"/>
+            </a:lnRef>
+            <a:fillRef idx="0">
+              <a:schemeClr val="dk1"/>
+            </a:fillRef>
+            <a:effectRef idx="1">
+              <a:schemeClr val="dk1"/>
+            </a:effectRef>
+            <a:fontRef idx="minor">
+              <a:schemeClr val="tx1"/>
+            </a:fontRef>
+          </p:style>
+        </p:cxnSp>
+        <p:cxnSp>
+          <p:nvCxnSpPr>
+            <p:cNvPr id="14" name="Connecteur droit avec flèche 13"/>
+            <p:cNvCxnSpPr>
+              <a:stCxn id="4" idx="2"/>
+            </p:cNvCxnSpPr>
+            <p:nvPr/>
+          </p:nvCxnSpPr>
+          <p:spPr>
+            <a:xfrm rot="5400000">
+              <a:off x="433335" y="2672388"/>
+              <a:ext cx="1728000" cy="794"/>
+            </a:xfrm>
+            <a:prstGeom prst="straightConnector1">
+              <a:avLst/>
+            </a:prstGeom>
+            <a:ln>
+              <a:tailEnd type="triangle"/>
+            </a:ln>
+          </p:spPr>
+          <p:style>
+            <a:lnRef idx="2">
+              <a:schemeClr val="dk1"/>
+            </a:lnRef>
+            <a:fillRef idx="0">
+              <a:schemeClr val="dk1"/>
+            </a:fillRef>
+            <a:effectRef idx="1">
+              <a:schemeClr val="dk1"/>
+            </a:effectRef>
+            <a:fontRef idx="minor">
+              <a:schemeClr val="tx1"/>
+            </a:fontRef>
+          </p:style>
+        </p:cxnSp>
+        <p:cxnSp>
+          <p:nvCxnSpPr>
+            <p:cNvPr id="16" name="Connecteur droit avec flèche 15"/>
+            <p:cNvCxnSpPr>
+              <a:stCxn id="7" idx="2"/>
+            </p:cNvCxnSpPr>
+            <p:nvPr/>
+          </p:nvCxnSpPr>
+          <p:spPr>
+            <a:xfrm rot="5400000">
+              <a:off x="3419571" y="2672388"/>
+              <a:ext cx="1728000" cy="794"/>
+            </a:xfrm>
+            <a:prstGeom prst="straightConnector1">
+              <a:avLst/>
+            </a:prstGeom>
+            <a:ln>
+              <a:tailEnd type="triangle"/>
+            </a:ln>
+          </p:spPr>
+          <p:style>
+            <a:lnRef idx="2">
+              <a:schemeClr val="dk1"/>
+            </a:lnRef>
+            <a:fillRef idx="0">
+              <a:schemeClr val="dk1"/>
+            </a:fillRef>
+            <a:effectRef idx="1">
+              <a:schemeClr val="dk1"/>
+            </a:effectRef>
+            <a:fontRef idx="minor">
+              <a:schemeClr val="tx1"/>
+            </a:fontRef>
+          </p:style>
+        </p:cxnSp>
+        <p:cxnSp>
+          <p:nvCxnSpPr>
+            <p:cNvPr id="20" name="Connecteur droit avec flèche 19"/>
+            <p:cNvCxnSpPr>
+              <a:stCxn id="11" idx="2"/>
+            </p:cNvCxnSpPr>
+            <p:nvPr/>
+          </p:nvCxnSpPr>
+          <p:spPr>
+            <a:xfrm rot="5400000">
+              <a:off x="1453611" y="2672388"/>
+              <a:ext cx="1728000" cy="794"/>
+            </a:xfrm>
+            <a:prstGeom prst="straightConnector1">
+              <a:avLst/>
+            </a:prstGeom>
+            <a:ln>
+              <a:tailEnd type="triangle"/>
+            </a:ln>
+          </p:spPr>
+          <p:style>
+            <a:lnRef idx="2">
+              <a:schemeClr val="dk1"/>
+            </a:lnRef>
+            <a:fillRef idx="0">
+              <a:schemeClr val="dk1"/>
+            </a:fillRef>
+            <a:effectRef idx="1">
+              <a:schemeClr val="dk1"/>
+            </a:effectRef>
+            <a:fontRef idx="minor">
+              <a:schemeClr val="tx1"/>
+            </a:fontRef>
+          </p:style>
+        </p:cxnSp>
+        <p:cxnSp>
+          <p:nvCxnSpPr>
+            <p:cNvPr id="22" name="Connecteur droit avec flèche 21"/>
+            <p:cNvCxnSpPr>
+              <a:stCxn id="10" idx="2"/>
+            </p:cNvCxnSpPr>
+            <p:nvPr/>
+          </p:nvCxnSpPr>
+          <p:spPr>
+            <a:xfrm rot="5400000">
+              <a:off x="4427683" y="2672388"/>
+              <a:ext cx="1728000" cy="794"/>
+            </a:xfrm>
+            <a:prstGeom prst="straightConnector1">
+              <a:avLst/>
+            </a:prstGeom>
+            <a:ln>
+              <a:tailEnd type="triangle"/>
+            </a:ln>
+          </p:spPr>
+          <p:style>
+            <a:lnRef idx="2">
+              <a:schemeClr val="dk1"/>
+            </a:lnRef>
+            <a:fillRef idx="0">
+              <a:schemeClr val="dk1"/>
+            </a:fillRef>
+            <a:effectRef idx="1">
+              <a:schemeClr val="dk1"/>
+            </a:effectRef>
+            <a:fontRef idx="minor">
+              <a:schemeClr val="tx1"/>
+            </a:fontRef>
+          </p:style>
+        </p:cxnSp>
+        <p:cxnSp>
+          <p:nvCxnSpPr>
+            <p:cNvPr id="24" name="Connecteur droit avec flèche 23"/>
+            <p:cNvCxnSpPr>
+              <a:stCxn id="9" idx="2"/>
+            </p:cNvCxnSpPr>
+            <p:nvPr/>
+          </p:nvCxnSpPr>
+          <p:spPr>
+            <a:xfrm rot="5400000">
+              <a:off x="5291779" y="2672388"/>
+              <a:ext cx="1728000" cy="794"/>
+            </a:xfrm>
+            <a:prstGeom prst="straightConnector1">
+              <a:avLst/>
+            </a:prstGeom>
+            <a:ln>
+              <a:tailEnd type="triangle"/>
+            </a:ln>
+          </p:spPr>
+          <p:style>
+            <a:lnRef idx="2">
+              <a:schemeClr val="dk1"/>
+            </a:lnRef>
+            <a:fillRef idx="0">
+              <a:schemeClr val="dk1"/>
+            </a:fillRef>
+            <a:effectRef idx="1">
+              <a:schemeClr val="dk1"/>
+            </a:effectRef>
+            <a:fontRef idx="minor">
+              <a:schemeClr val="tx1"/>
+            </a:fontRef>
+          </p:style>
+        </p:cxnSp>
+        <p:cxnSp>
+          <p:nvCxnSpPr>
+            <p:cNvPr id="27" name="Connecteur droit avec flèche 26"/>
+            <p:cNvCxnSpPr/>
+            <p:nvPr/>
+          </p:nvCxnSpPr>
+          <p:spPr>
+            <a:xfrm>
+              <a:off x="1297732" y="2451884"/>
+              <a:ext cx="1008112" cy="1588"/>
+            </a:xfrm>
+            <a:prstGeom prst="straightConnector1">
+              <a:avLst/>
+            </a:prstGeom>
+            <a:ln>
+              <a:tailEnd type="triangle"/>
+            </a:ln>
+          </p:spPr>
+          <p:style>
+            <a:lnRef idx="1">
+              <a:schemeClr val="dk1"/>
+            </a:lnRef>
+            <a:fillRef idx="0">
+              <a:schemeClr val="dk1"/>
+            </a:fillRef>
+            <a:effectRef idx="0">
+              <a:schemeClr val="dk1"/>
+            </a:effectRef>
+            <a:fontRef idx="minor">
+              <a:schemeClr val="tx1"/>
+            </a:fontRef>
+          </p:style>
+        </p:cxnSp>
+        <p:sp>
+          <p:nvSpPr>
+            <p:cNvPr id="28" name="ZoneTexte 27"/>
+            <p:cNvSpPr txBox="1"/>
+            <p:nvPr/>
+          </p:nvSpPr>
+          <p:spPr>
+            <a:xfrm>
+              <a:off x="1321424" y="2350533"/>
+              <a:ext cx="864000" cy="180000"/>
+            </a:xfrm>
+            <a:prstGeom prst="rect">
+              <a:avLst/>
+            </a:prstGeom>
+            <a:solidFill>
+              <a:schemeClr val="lt1"/>
+            </a:solidFill>
+            <a:ln>
+              <a:noFill/>
+            </a:ln>
+          </p:spPr>
+          <p:txBody>
+            <a:bodyPr wrap="square" lIns="18000" tIns="0" rIns="18000" bIns="0" rtlCol="0">
+              <a:spAutoFit/>
+            </a:bodyPr>
+            <a:lstStyle/>
+            <a:p>
+              <a:pPr algn="ctr"/>
+              <a:r>
+                <a:rPr lang="fr-BE" sz="1100" smtClean="0"/>
+                <a:t>alarm-pressed</a:t>
+              </a:r>
+              <a:endParaRPr lang="fr-BE" sz="1100"/>
+            </a:p>
+          </p:txBody>
+        </p:sp>
+        <p:cxnSp>
+          <p:nvCxnSpPr>
+            <p:cNvPr id="32" name="Connecteur droit avec flèche 31"/>
+            <p:cNvCxnSpPr/>
+            <p:nvPr/>
+          </p:nvCxnSpPr>
+          <p:spPr>
+            <a:xfrm>
+              <a:off x="3275856" y="2083842"/>
+              <a:ext cx="1005025" cy="0"/>
+            </a:xfrm>
+            <a:prstGeom prst="straightConnector1">
+              <a:avLst/>
+            </a:prstGeom>
+            <a:ln>
+              <a:tailEnd type="triangle"/>
+            </a:ln>
+          </p:spPr>
+          <p:style>
+            <a:lnRef idx="1">
+              <a:schemeClr val="dk1"/>
+            </a:lnRef>
+            <a:fillRef idx="0">
+              <a:schemeClr val="dk1"/>
+            </a:fillRef>
+            <a:effectRef idx="0">
+              <a:schemeClr val="dk1"/>
+            </a:effectRef>
+            <a:fontRef idx="minor">
+              <a:schemeClr val="tx1"/>
+            </a:fontRef>
+          </p:style>
+        </p:cxnSp>
+        <p:sp>
+          <p:nvSpPr>
+            <p:cNvPr id="33" name="ZoneTexte 32"/>
+            <p:cNvSpPr txBox="1"/>
+            <p:nvPr/>
+          </p:nvSpPr>
+          <p:spPr>
+            <a:xfrm>
+              <a:off x="3375725" y="1983890"/>
+              <a:ext cx="720000" cy="169277"/>
+            </a:xfrm>
+            <a:prstGeom prst="rect">
+              <a:avLst/>
+            </a:prstGeom>
+            <a:solidFill>
+              <a:schemeClr val="lt1"/>
+            </a:solidFill>
+            <a:ln>
+              <a:noFill/>
+            </a:ln>
+          </p:spPr>
+          <p:txBody>
+            <a:bodyPr wrap="square" lIns="18000" tIns="0" rIns="18000" bIns="0" rtlCol="0">
+              <a:spAutoFit/>
+            </a:bodyPr>
+            <a:lstStyle/>
+            <a:p>
+              <a:pPr algn="ctr"/>
+              <a:r>
+                <a:rPr lang="fr-BE" sz="1100" smtClean="0"/>
+                <a:t>start-signal</a:t>
+              </a:r>
+              <a:endParaRPr lang="fr-BE" sz="1100"/>
+            </a:p>
+          </p:txBody>
+        </p:sp>
+        <p:cxnSp>
+          <p:nvCxnSpPr>
+            <p:cNvPr id="34" name="Connecteur droit avec flèche 33"/>
+            <p:cNvCxnSpPr/>
+            <p:nvPr/>
+          </p:nvCxnSpPr>
+          <p:spPr>
+            <a:xfrm>
+              <a:off x="4283968" y="2231556"/>
+              <a:ext cx="1872208" cy="1588"/>
+            </a:xfrm>
+            <a:prstGeom prst="straightConnector1">
+              <a:avLst/>
+            </a:prstGeom>
+            <a:ln>
+              <a:tailEnd type="triangle"/>
+            </a:ln>
+          </p:spPr>
+          <p:style>
+            <a:lnRef idx="1">
+              <a:schemeClr val="dk1"/>
+            </a:lnRef>
+            <a:fillRef idx="0">
+              <a:schemeClr val="dk1"/>
+            </a:fillRef>
+            <a:effectRef idx="0">
+              <a:schemeClr val="dk1"/>
+            </a:effectRef>
+            <a:fontRef idx="minor">
+              <a:schemeClr val="tx1"/>
+            </a:fontRef>
+          </p:style>
+        </p:cxnSp>
+        <p:sp>
+          <p:nvSpPr>
+            <p:cNvPr id="35" name="ZoneTexte 34"/>
+            <p:cNvSpPr txBox="1"/>
+            <p:nvPr/>
+          </p:nvSpPr>
+          <p:spPr>
+            <a:xfrm>
+              <a:off x="5122550" y="2136300"/>
+              <a:ext cx="324000" cy="169277"/>
+            </a:xfrm>
+            <a:prstGeom prst="rect">
+              <a:avLst/>
+            </a:prstGeom>
+            <a:solidFill>
+              <a:schemeClr val="lt1"/>
+            </a:solidFill>
+            <a:ln>
+              <a:noFill/>
+            </a:ln>
+          </p:spPr>
+          <p:txBody>
+            <a:bodyPr wrap="square" lIns="18000" tIns="0" rIns="18000" bIns="0" rtlCol="0">
+              <a:spAutoFit/>
+            </a:bodyPr>
+            <a:lstStyle/>
+            <a:p>
+              <a:pPr algn="ctr"/>
+              <a:r>
+                <a:rPr lang="fr-BE" sz="1100" smtClean="0"/>
+                <a:t>start</a:t>
+              </a:r>
+              <a:endParaRPr lang="fr-BE" sz="1100"/>
+            </a:p>
+          </p:txBody>
+        </p:sp>
+        <p:cxnSp>
+          <p:nvCxnSpPr>
+            <p:cNvPr id="45" name="Connecteur droit avec flèche 44"/>
+            <p:cNvCxnSpPr/>
+            <p:nvPr/>
+          </p:nvCxnSpPr>
+          <p:spPr>
+            <a:xfrm>
+              <a:off x="3275856" y="2803922"/>
+              <a:ext cx="1008112" cy="1588"/>
+            </a:xfrm>
+            <a:prstGeom prst="straightConnector1">
+              <a:avLst/>
+            </a:prstGeom>
+            <a:ln>
+              <a:tailEnd type="triangle"/>
+            </a:ln>
+          </p:spPr>
+          <p:style>
+            <a:lnRef idx="1">
+              <a:schemeClr val="dk1"/>
+            </a:lnRef>
+            <a:fillRef idx="0">
+              <a:schemeClr val="dk1"/>
+            </a:fillRef>
+            <a:effectRef idx="0">
+              <a:schemeClr val="dk1"/>
+            </a:effectRef>
+            <a:fontRef idx="minor">
+              <a:schemeClr val="tx1"/>
+            </a:fontRef>
+          </p:style>
+        </p:cxnSp>
+        <p:sp>
+          <p:nvSpPr>
+            <p:cNvPr id="46" name="ZoneTexte 45"/>
+            <p:cNvSpPr txBox="1"/>
+            <p:nvPr/>
+          </p:nvSpPr>
+          <p:spPr>
+            <a:xfrm>
+              <a:off x="3375725" y="2708921"/>
+              <a:ext cx="720000" cy="169277"/>
+            </a:xfrm>
+            <a:prstGeom prst="rect">
+              <a:avLst/>
+            </a:prstGeom>
+            <a:solidFill>
+              <a:schemeClr val="lt1"/>
+            </a:solidFill>
+            <a:ln>
+              <a:noFill/>
+            </a:ln>
+          </p:spPr>
+          <p:txBody>
+            <a:bodyPr wrap="square" lIns="18000" tIns="0" rIns="18000" bIns="0" rtlCol="0">
+              <a:spAutoFit/>
+            </a:bodyPr>
+            <a:lstStyle/>
+            <a:p>
+              <a:pPr algn="ctr"/>
+              <a:r>
+                <a:rPr lang="fr-BE" sz="1100" smtClean="0"/>
+                <a:t>stop-signal</a:t>
+              </a:r>
+              <a:endParaRPr lang="fr-BE" sz="1100"/>
+            </a:p>
+          </p:txBody>
+        </p:sp>
+        <p:cxnSp>
+          <p:nvCxnSpPr>
+            <p:cNvPr id="48" name="Connecteur droit avec flèche 47"/>
+            <p:cNvCxnSpPr/>
+            <p:nvPr/>
+          </p:nvCxnSpPr>
+          <p:spPr>
+            <a:xfrm>
+              <a:off x="4283968" y="2986938"/>
+              <a:ext cx="1872208" cy="1588"/>
+            </a:xfrm>
+            <a:prstGeom prst="straightConnector1">
+              <a:avLst/>
+            </a:prstGeom>
+            <a:ln>
+              <a:tailEnd type="triangle"/>
+            </a:ln>
+          </p:spPr>
+          <p:style>
+            <a:lnRef idx="1">
+              <a:schemeClr val="dk1"/>
+            </a:lnRef>
+            <a:fillRef idx="0">
+              <a:schemeClr val="dk1"/>
+            </a:fillRef>
+            <a:effectRef idx="0">
+              <a:schemeClr val="dk1"/>
+            </a:effectRef>
+            <a:fontRef idx="minor">
+              <a:schemeClr val="tx1"/>
+            </a:fontRef>
+          </p:style>
+        </p:cxnSp>
+        <p:sp>
+          <p:nvSpPr>
+            <p:cNvPr id="49" name="ZoneTexte 48"/>
+            <p:cNvSpPr txBox="1"/>
+            <p:nvPr/>
+          </p:nvSpPr>
+          <p:spPr>
+            <a:xfrm>
+              <a:off x="5122550" y="2891682"/>
+              <a:ext cx="324000" cy="169277"/>
+            </a:xfrm>
+            <a:prstGeom prst="rect">
+              <a:avLst/>
+            </a:prstGeom>
+            <a:solidFill>
+              <a:schemeClr val="lt1"/>
+            </a:solidFill>
+            <a:ln>
+              <a:noFill/>
+            </a:ln>
+          </p:spPr>
+          <p:txBody>
+            <a:bodyPr wrap="square" lIns="18000" tIns="0" rIns="18000" bIns="0" rtlCol="0">
+              <a:spAutoFit/>
+            </a:bodyPr>
+            <a:lstStyle/>
+            <a:p>
+              <a:pPr algn="ctr"/>
+              <a:r>
+                <a:rPr lang="fr-BE" sz="1100" smtClean="0"/>
+                <a:t>stop</a:t>
+              </a:r>
+              <a:endParaRPr lang="fr-BE" sz="1100"/>
+            </a:p>
+          </p:txBody>
+        </p:sp>
+        <p:cxnSp>
+          <p:nvCxnSpPr>
+            <p:cNvPr id="54" name="Connecteur droit avec flèche 53"/>
+            <p:cNvCxnSpPr/>
+            <p:nvPr/>
+          </p:nvCxnSpPr>
+          <p:spPr>
+            <a:xfrm flipV="1">
+              <a:off x="3275856" y="3145588"/>
+              <a:ext cx="1008000" cy="862"/>
+            </a:xfrm>
+            <a:prstGeom prst="straightConnector1">
+              <a:avLst/>
+            </a:prstGeom>
+            <a:ln>
+              <a:tailEnd type="triangle"/>
+            </a:ln>
+          </p:spPr>
+          <p:style>
+            <a:lnRef idx="1">
+              <a:schemeClr val="dk1"/>
+            </a:lnRef>
+            <a:fillRef idx="0">
+              <a:schemeClr val="dk1"/>
+            </a:fillRef>
+            <a:effectRef idx="0">
+              <a:schemeClr val="dk1"/>
+            </a:effectRef>
+            <a:fontRef idx="minor">
+              <a:schemeClr val="tx1"/>
+            </a:fontRef>
+          </p:style>
+        </p:cxnSp>
+        <p:sp>
+          <p:nvSpPr>
+            <p:cNvPr id="55" name="ZoneTexte 54"/>
+            <p:cNvSpPr txBox="1"/>
+            <p:nvPr/>
+          </p:nvSpPr>
+          <p:spPr>
+            <a:xfrm>
+              <a:off x="3375725" y="3051449"/>
+              <a:ext cx="720000" cy="169277"/>
+            </a:xfrm>
+            <a:prstGeom prst="rect">
+              <a:avLst/>
+            </a:prstGeom>
+            <a:solidFill>
+              <a:schemeClr val="lt1"/>
+            </a:solidFill>
+            <a:ln>
+              <a:noFill/>
+            </a:ln>
+          </p:spPr>
+          <p:txBody>
+            <a:bodyPr wrap="square" lIns="18000" tIns="0" rIns="18000" bIns="0" rtlCol="0">
+              <a:spAutoFit/>
+            </a:bodyPr>
+            <a:lstStyle/>
+            <a:p>
+              <a:pPr algn="ctr"/>
+              <a:r>
+                <a:rPr lang="fr-BE" sz="1100" smtClean="0"/>
+                <a:t>open-signal</a:t>
+              </a:r>
+              <a:endParaRPr lang="fr-BE" sz="1100"/>
+            </a:p>
+          </p:txBody>
+        </p:sp>
+        <p:cxnSp>
+          <p:nvCxnSpPr>
+            <p:cNvPr id="57" name="Connecteur droit avec flèche 56"/>
+            <p:cNvCxnSpPr/>
+            <p:nvPr/>
+          </p:nvCxnSpPr>
+          <p:spPr>
+            <a:xfrm>
+              <a:off x="4283968" y="3289604"/>
+              <a:ext cx="1008112" cy="3130"/>
+            </a:xfrm>
+            <a:prstGeom prst="straightConnector1">
+              <a:avLst/>
+            </a:prstGeom>
+            <a:ln>
+              <a:tailEnd type="triangle"/>
+            </a:ln>
+          </p:spPr>
+          <p:style>
+            <a:lnRef idx="1">
+              <a:schemeClr val="dk1"/>
+            </a:lnRef>
+            <a:fillRef idx="0">
+              <a:schemeClr val="dk1"/>
+            </a:fillRef>
+            <a:effectRef idx="0">
+              <a:schemeClr val="dk1"/>
+            </a:effectRef>
+            <a:fontRef idx="minor">
+              <a:schemeClr val="tx1"/>
+            </a:fontRef>
+          </p:style>
+        </p:cxnSp>
+        <p:sp>
+          <p:nvSpPr>
+            <p:cNvPr id="58" name="ZoneTexte 57"/>
+            <p:cNvSpPr txBox="1"/>
+            <p:nvPr/>
+          </p:nvSpPr>
+          <p:spPr>
+            <a:xfrm>
+              <a:off x="4618534" y="3187716"/>
+              <a:ext cx="360000" cy="169277"/>
+            </a:xfrm>
+            <a:prstGeom prst="rect">
+              <a:avLst/>
+            </a:prstGeom>
+            <a:solidFill>
+              <a:schemeClr val="lt1"/>
+            </a:solidFill>
+            <a:ln>
+              <a:noFill/>
+            </a:ln>
+          </p:spPr>
+          <p:txBody>
+            <a:bodyPr wrap="square" lIns="18000" tIns="0" rIns="18000" bIns="0" rtlCol="0">
+              <a:spAutoFit/>
+            </a:bodyPr>
+            <a:lstStyle/>
+            <a:p>
+              <a:pPr algn="ctr"/>
+              <a:r>
+                <a:rPr lang="fr-BE" sz="1100" smtClean="0"/>
+                <a:t>open</a:t>
+              </a:r>
+              <a:endParaRPr lang="fr-BE" sz="1100"/>
+            </a:p>
+          </p:txBody>
+        </p:sp>
+        <p:cxnSp>
+          <p:nvCxnSpPr>
+            <p:cNvPr id="66" name="Connecteur droit avec flèche 65"/>
+            <p:cNvCxnSpPr/>
+            <p:nvPr/>
+          </p:nvCxnSpPr>
+          <p:spPr>
+            <a:xfrm>
+              <a:off x="2333506" y="2626896"/>
+              <a:ext cx="936000" cy="1588"/>
+            </a:xfrm>
+            <a:prstGeom prst="straightConnector1">
+              <a:avLst/>
+            </a:prstGeom>
+            <a:ln>
+              <a:tailEnd type="triangle"/>
+            </a:ln>
+          </p:spPr>
+          <p:style>
+            <a:lnRef idx="1">
+              <a:schemeClr val="dk1"/>
+            </a:lnRef>
+            <a:fillRef idx="0">
+              <a:schemeClr val="dk1"/>
+            </a:fillRef>
+            <a:effectRef idx="0">
+              <a:schemeClr val="dk1"/>
+            </a:effectRef>
+            <a:fontRef idx="minor">
+              <a:schemeClr val="tx1"/>
+            </a:fontRef>
+          </p:style>
+        </p:cxnSp>
+        <p:sp>
+          <p:nvSpPr>
+            <p:cNvPr id="67" name="ZoneTexte 66"/>
+            <p:cNvSpPr txBox="1"/>
+            <p:nvPr/>
+          </p:nvSpPr>
+          <p:spPr>
+            <a:xfrm>
+              <a:off x="2383053" y="2533294"/>
+              <a:ext cx="756000" cy="169277"/>
+            </a:xfrm>
+            <a:prstGeom prst="rect">
+              <a:avLst/>
+            </a:prstGeom>
+            <a:solidFill>
+              <a:schemeClr val="lt1"/>
+            </a:solidFill>
+            <a:ln>
+              <a:noFill/>
+            </a:ln>
+          </p:spPr>
+          <p:txBody>
+            <a:bodyPr wrap="square" lIns="18000" tIns="0" rIns="18000" bIns="0" rtlCol="0">
+              <a:spAutoFit/>
+            </a:bodyPr>
+            <a:lstStyle/>
+            <a:p>
+              <a:pPr algn="ctr"/>
+              <a:r>
+                <a:rPr lang="fr-BE" sz="1100" smtClean="0"/>
+                <a:t>alarm-signal</a:t>
+              </a:r>
+              <a:endParaRPr lang="fr-BE" sz="1100"/>
+            </a:p>
+          </p:txBody>
+        </p:sp>
+      </p:grpSp>
+    </p:spTree>
+  </p:cSld>
+  <p:clrMapOvr>
+    <a:masterClrMapping/>
+  </p:clrMapOvr>
+</p:sld>
+</file>
+
 <file path=ppt/theme/theme1.xml><?xml version="1.0" encoding="utf-8"?>
 <a:theme xmlns:a="http://schemas.openxmlformats.org/drawingml/2006/main" name="Thème Office">
   <a:themeElements>

--- a/writing/images/train.pptx
+++ b/writing/images/train.pptx
@@ -290,7 +290,7 @@
             <a:fld id="{68BDF4EC-5B70-45D8-B718-E56EB4C6B13E}" type="datetimeFigureOut">
               <a:rPr lang="fr-BE" smtClean="0"/>
               <a:pPr/>
-              <a:t>16/05/2011</a:t>
+              <a:t>17/05/2011</a:t>
             </a:fld>
             <a:endParaRPr lang="fr-BE"/>
           </a:p>
@@ -457,7 +457,7 @@
             <a:fld id="{68BDF4EC-5B70-45D8-B718-E56EB4C6B13E}" type="datetimeFigureOut">
               <a:rPr lang="fr-BE" smtClean="0"/>
               <a:pPr/>
-              <a:t>16/05/2011</a:t>
+              <a:t>17/05/2011</a:t>
             </a:fld>
             <a:endParaRPr lang="fr-BE"/>
           </a:p>
@@ -634,7 +634,7 @@
             <a:fld id="{68BDF4EC-5B70-45D8-B718-E56EB4C6B13E}" type="datetimeFigureOut">
               <a:rPr lang="fr-BE" smtClean="0"/>
               <a:pPr/>
-              <a:t>16/05/2011</a:t>
+              <a:t>17/05/2011</a:t>
             </a:fld>
             <a:endParaRPr lang="fr-BE"/>
           </a:p>
@@ -801,7 +801,7 @@
             <a:fld id="{68BDF4EC-5B70-45D8-B718-E56EB4C6B13E}" type="datetimeFigureOut">
               <a:rPr lang="fr-BE" smtClean="0"/>
               <a:pPr/>
-              <a:t>16/05/2011</a:t>
+              <a:t>17/05/2011</a:t>
             </a:fld>
             <a:endParaRPr lang="fr-BE"/>
           </a:p>
@@ -1044,7 +1044,7 @@
             <a:fld id="{68BDF4EC-5B70-45D8-B718-E56EB4C6B13E}" type="datetimeFigureOut">
               <a:rPr lang="fr-BE" smtClean="0"/>
               <a:pPr/>
-              <a:t>16/05/2011</a:t>
+              <a:t>17/05/2011</a:t>
             </a:fld>
             <a:endParaRPr lang="fr-BE"/>
           </a:p>
@@ -1329,7 +1329,7 @@
             <a:fld id="{68BDF4EC-5B70-45D8-B718-E56EB4C6B13E}" type="datetimeFigureOut">
               <a:rPr lang="fr-BE" smtClean="0"/>
               <a:pPr/>
-              <a:t>16/05/2011</a:t>
+              <a:t>17/05/2011</a:t>
             </a:fld>
             <a:endParaRPr lang="fr-BE"/>
           </a:p>
@@ -1748,7 +1748,7 @@
             <a:fld id="{68BDF4EC-5B70-45D8-B718-E56EB4C6B13E}" type="datetimeFigureOut">
               <a:rPr lang="fr-BE" smtClean="0"/>
               <a:pPr/>
-              <a:t>16/05/2011</a:t>
+              <a:t>17/05/2011</a:t>
             </a:fld>
             <a:endParaRPr lang="fr-BE"/>
           </a:p>
@@ -1863,7 +1863,7 @@
             <a:fld id="{68BDF4EC-5B70-45D8-B718-E56EB4C6B13E}" type="datetimeFigureOut">
               <a:rPr lang="fr-BE" smtClean="0"/>
               <a:pPr/>
-              <a:t>16/05/2011</a:t>
+              <a:t>17/05/2011</a:t>
             </a:fld>
             <a:endParaRPr lang="fr-BE"/>
           </a:p>
@@ -1955,7 +1955,7 @@
             <a:fld id="{68BDF4EC-5B70-45D8-B718-E56EB4C6B13E}" type="datetimeFigureOut">
               <a:rPr lang="fr-BE" smtClean="0"/>
               <a:pPr/>
-              <a:t>16/05/2011</a:t>
+              <a:t>17/05/2011</a:t>
             </a:fld>
             <a:endParaRPr lang="fr-BE"/>
           </a:p>
@@ -2229,7 +2229,7 @@
             <a:fld id="{68BDF4EC-5B70-45D8-B718-E56EB4C6B13E}" type="datetimeFigureOut">
               <a:rPr lang="fr-BE" smtClean="0"/>
               <a:pPr/>
-              <a:t>16/05/2011</a:t>
+              <a:t>17/05/2011</a:t>
             </a:fld>
             <a:endParaRPr lang="fr-BE"/>
           </a:p>
@@ -2479,7 +2479,7 @@
             <a:fld id="{68BDF4EC-5B70-45D8-B718-E56EB4C6B13E}" type="datetimeFigureOut">
               <a:rPr lang="fr-BE" smtClean="0"/>
               <a:pPr/>
-              <a:t>16/05/2011</a:t>
+              <a:t>17/05/2011</a:t>
             </a:fld>
             <a:endParaRPr lang="fr-BE"/>
           </a:p>
@@ -2689,7 +2689,7 @@
             <a:fld id="{68BDF4EC-5B70-45D8-B718-E56EB4C6B13E}" type="datetimeFigureOut">
               <a:rPr lang="fr-BE" smtClean="0"/>
               <a:pPr/>
-              <a:t>16/05/2011</a:t>
+              <a:t>17/05/2011</a:t>
             </a:fld>
             <a:endParaRPr lang="fr-BE"/>
           </a:p>
@@ -4350,27 +4350,73 @@
       </p:grpSpPr>
       <p:grpSp>
         <p:nvGrpSpPr>
-          <p:cNvPr id="73" name="Groupe 72"/>
+          <p:cNvPr id="122" name="Groupe 121"/>
           <p:cNvGrpSpPr/>
           <p:nvPr/>
         </p:nvGrpSpPr>
         <p:grpSpPr>
           <a:xfrm>
-            <a:off x="179512" y="332656"/>
-            <a:ext cx="5578524" cy="2532980"/>
-            <a:chOff x="937692" y="1111788"/>
-            <a:chExt cx="5578524" cy="2532980"/>
+            <a:off x="107504" y="288206"/>
+            <a:ext cx="5760640" cy="2736304"/>
+            <a:chOff x="107504" y="288206"/>
+            <a:chExt cx="5760640" cy="2736304"/>
           </a:xfrm>
         </p:grpSpPr>
         <p:sp>
           <p:nvSpPr>
+            <p:cNvPr id="120" name="Rectangle 119"/>
+            <p:cNvSpPr/>
+            <p:nvPr/>
+          </p:nvSpPr>
+          <p:spPr>
+            <a:xfrm>
+              <a:off x="107504" y="288206"/>
+              <a:ext cx="5760640" cy="2736304"/>
+            </a:xfrm>
+            <a:prstGeom prst="rect">
+              <a:avLst/>
+            </a:prstGeom>
+            <a:solidFill>
+              <a:schemeClr val="bg1"/>
+            </a:solidFill>
+            <a:ln>
+              <a:noFill/>
+            </a:ln>
+          </p:spPr>
+          <p:style>
+            <a:lnRef idx="2">
+              <a:schemeClr val="accent1">
+                <a:shade val="50000"/>
+              </a:schemeClr>
+            </a:lnRef>
+            <a:fillRef idx="1">
+              <a:schemeClr val="accent1"/>
+            </a:fillRef>
+            <a:effectRef idx="0">
+              <a:schemeClr val="accent1"/>
+            </a:effectRef>
+            <a:fontRef idx="minor">
+              <a:schemeClr val="lt1"/>
+            </a:fontRef>
+          </p:style>
+          <p:txBody>
+            <a:bodyPr rtlCol="0" anchor="ctr"/>
+            <a:lstStyle/>
+            <a:p>
+              <a:pPr algn="ctr"/>
+              <a:endParaRPr lang="fr-BE"/>
+            </a:p>
+          </p:txBody>
+        </p:sp>
+        <p:sp>
+          <p:nvSpPr>
             <p:cNvPr id="72" name="Rectangle 71"/>
             <p:cNvSpPr/>
             <p:nvPr/>
           </p:nvSpPr>
           <p:spPr>
             <a:xfrm>
-              <a:off x="1717080" y="1111788"/>
+              <a:off x="958900" y="332656"/>
               <a:ext cx="720080" cy="216024"/>
             </a:xfrm>
             <a:prstGeom prst="rect">
@@ -4415,7 +4461,7 @@
           </p:nvSpPr>
           <p:spPr>
             <a:xfrm>
-              <a:off x="1835696" y="1340768"/>
+              <a:off x="1077516" y="561636"/>
               <a:ext cx="2952328" cy="2304000"/>
             </a:xfrm>
             <a:prstGeom prst="rect">
@@ -4456,7 +4502,7 @@
           </p:nvSpPr>
           <p:spPr>
             <a:xfrm>
-              <a:off x="937692" y="1484785"/>
+              <a:off x="179512" y="705653"/>
               <a:ext cx="720080" cy="324000"/>
             </a:xfrm>
             <a:prstGeom prst="rect">
@@ -4498,7 +4544,7 @@
           </p:nvSpPr>
           <p:spPr>
             <a:xfrm>
-              <a:off x="2843808" y="1484785"/>
+              <a:off x="2085628" y="705653"/>
               <a:ext cx="864096" cy="324000"/>
             </a:xfrm>
             <a:prstGeom prst="rect">
@@ -4540,7 +4586,7 @@
           </p:nvSpPr>
           <p:spPr>
             <a:xfrm>
-              <a:off x="3923928" y="1484785"/>
+              <a:off x="3165748" y="705653"/>
               <a:ext cx="720080" cy="324000"/>
             </a:xfrm>
             <a:prstGeom prst="rect">
@@ -4582,7 +4628,7 @@
           </p:nvSpPr>
           <p:spPr>
             <a:xfrm>
-              <a:off x="5796136" y="1484785"/>
+              <a:off x="5037956" y="705653"/>
               <a:ext cx="720080" cy="324000"/>
             </a:xfrm>
             <a:prstGeom prst="rect">
@@ -4623,7 +4669,7 @@
           </p:nvSpPr>
           <p:spPr>
             <a:xfrm>
-              <a:off x="4932040" y="1484785"/>
+              <a:off x="4173860" y="705653"/>
               <a:ext cx="720080" cy="324000"/>
             </a:xfrm>
             <a:prstGeom prst="rect">
@@ -4664,7 +4710,7 @@
           </p:nvSpPr>
           <p:spPr>
             <a:xfrm>
-              <a:off x="1957968" y="1484785"/>
+              <a:off x="1199788" y="705653"/>
               <a:ext cx="720080" cy="324000"/>
             </a:xfrm>
             <a:prstGeom prst="rect">
@@ -4694,7 +4740,6 @@
                 <a:rPr lang="fr-BE" sz="1100" smtClean="0"/>
                 <a:t>Sensors</a:t>
               </a:r>
-              <a:endParaRPr lang="fr-BE" sz="1100" smtClean="0"/>
             </a:p>
           </p:txBody>
         </p:sp>
@@ -4708,7 +4753,7 @@
           </p:nvCxnSpPr>
           <p:spPr>
             <a:xfrm rot="5400000">
-              <a:off x="2411459" y="2672388"/>
+              <a:off x="1653279" y="1893256"/>
               <a:ext cx="1728000" cy="794"/>
             </a:xfrm>
             <a:prstGeom prst="straightConnector1">
@@ -4743,7 +4788,7 @@
           </p:nvCxnSpPr>
           <p:spPr>
             <a:xfrm rot="5400000">
-              <a:off x="433335" y="2672388"/>
+              <a:off x="-324845" y="1893256"/>
               <a:ext cx="1728000" cy="794"/>
             </a:xfrm>
             <a:prstGeom prst="straightConnector1">
@@ -4778,7 +4823,7 @@
           </p:nvCxnSpPr>
           <p:spPr>
             <a:xfrm rot="5400000">
-              <a:off x="3419571" y="2672388"/>
+              <a:off x="2661391" y="1893256"/>
               <a:ext cx="1728000" cy="794"/>
             </a:xfrm>
             <a:prstGeom prst="straightConnector1">
@@ -4813,7 +4858,7 @@
           </p:nvCxnSpPr>
           <p:spPr>
             <a:xfrm rot="5400000">
-              <a:off x="1453611" y="2672388"/>
+              <a:off x="695431" y="1893256"/>
               <a:ext cx="1728000" cy="794"/>
             </a:xfrm>
             <a:prstGeom prst="straightConnector1">
@@ -4848,7 +4893,7 @@
           </p:nvCxnSpPr>
           <p:spPr>
             <a:xfrm rot="5400000">
-              <a:off x="4427683" y="2672388"/>
+              <a:off x="3669503" y="1893256"/>
               <a:ext cx="1728000" cy="794"/>
             </a:xfrm>
             <a:prstGeom prst="straightConnector1">
@@ -4883,7 +4928,7 @@
           </p:nvCxnSpPr>
           <p:spPr>
             <a:xfrm rot="5400000">
-              <a:off x="5291779" y="2672388"/>
+              <a:off x="4533599" y="1893256"/>
               <a:ext cx="1728000" cy="794"/>
             </a:xfrm>
             <a:prstGeom prst="straightConnector1">
@@ -4916,7 +4961,7 @@
           </p:nvCxnSpPr>
           <p:spPr>
             <a:xfrm>
-              <a:off x="1297732" y="2451884"/>
+              <a:off x="539552" y="1672752"/>
               <a:ext cx="1008112" cy="1588"/>
             </a:xfrm>
             <a:prstGeom prst="straightConnector1">
@@ -4949,7 +4994,7 @@
           </p:nvSpPr>
           <p:spPr>
             <a:xfrm>
-              <a:off x="1321424" y="2350533"/>
+              <a:off x="563244" y="1571401"/>
               <a:ext cx="864000" cy="180000"/>
             </a:xfrm>
             <a:prstGeom prst="rect">
@@ -4985,7 +5030,7 @@
           </p:nvCxnSpPr>
           <p:spPr>
             <a:xfrm>
-              <a:off x="3275856" y="2083842"/>
+              <a:off x="2517676" y="1304710"/>
               <a:ext cx="1005025" cy="0"/>
             </a:xfrm>
             <a:prstGeom prst="straightConnector1">
@@ -5018,7 +5063,7 @@
           </p:nvSpPr>
           <p:spPr>
             <a:xfrm>
-              <a:off x="3375725" y="1983890"/>
+              <a:off x="2617545" y="1204758"/>
               <a:ext cx="720000" cy="169277"/>
             </a:xfrm>
             <a:prstGeom prst="rect">
@@ -5054,7 +5099,7 @@
           </p:nvCxnSpPr>
           <p:spPr>
             <a:xfrm>
-              <a:off x="4283968" y="2231556"/>
+              <a:off x="3525788" y="1452424"/>
               <a:ext cx="1872208" cy="1588"/>
             </a:xfrm>
             <a:prstGeom prst="straightConnector1">
@@ -5087,7 +5132,7 @@
           </p:nvSpPr>
           <p:spPr>
             <a:xfrm>
-              <a:off x="5122550" y="2136300"/>
+              <a:off x="4364370" y="1357168"/>
               <a:ext cx="324000" cy="169277"/>
             </a:xfrm>
             <a:prstGeom prst="rect">
@@ -5123,7 +5168,7 @@
           </p:nvCxnSpPr>
           <p:spPr>
             <a:xfrm>
-              <a:off x="3275856" y="2803922"/>
+              <a:off x="2517676" y="2024790"/>
               <a:ext cx="1008112" cy="1588"/>
             </a:xfrm>
             <a:prstGeom prst="straightConnector1">
@@ -5156,7 +5201,7 @@
           </p:nvSpPr>
           <p:spPr>
             <a:xfrm>
-              <a:off x="3375725" y="2708921"/>
+              <a:off x="2617545" y="1929789"/>
               <a:ext cx="720000" cy="169277"/>
             </a:xfrm>
             <a:prstGeom prst="rect">
@@ -5192,7 +5237,7 @@
           </p:nvCxnSpPr>
           <p:spPr>
             <a:xfrm>
-              <a:off x="4283968" y="2986938"/>
+              <a:off x="3525788" y="2207806"/>
               <a:ext cx="1872208" cy="1588"/>
             </a:xfrm>
             <a:prstGeom prst="straightConnector1">
@@ -5225,7 +5270,7 @@
           </p:nvSpPr>
           <p:spPr>
             <a:xfrm>
-              <a:off x="5122550" y="2891682"/>
+              <a:off x="4364370" y="2112550"/>
               <a:ext cx="324000" cy="169277"/>
             </a:xfrm>
             <a:prstGeom prst="rect">
@@ -5261,7 +5306,7 @@
           </p:nvCxnSpPr>
           <p:spPr>
             <a:xfrm flipV="1">
-              <a:off x="3275856" y="3145588"/>
+              <a:off x="2517676" y="2366456"/>
               <a:ext cx="1008000" cy="862"/>
             </a:xfrm>
             <a:prstGeom prst="straightConnector1">
@@ -5294,7 +5339,7 @@
           </p:nvSpPr>
           <p:spPr>
             <a:xfrm>
-              <a:off x="3375725" y="3051449"/>
+              <a:off x="2617545" y="2272317"/>
               <a:ext cx="720000" cy="169277"/>
             </a:xfrm>
             <a:prstGeom prst="rect">
@@ -5330,7 +5375,7 @@
           </p:nvCxnSpPr>
           <p:spPr>
             <a:xfrm>
-              <a:off x="4283968" y="3289604"/>
+              <a:off x="3525788" y="2510472"/>
               <a:ext cx="1008112" cy="3130"/>
             </a:xfrm>
             <a:prstGeom prst="straightConnector1">
@@ -5363,7 +5408,7 @@
           </p:nvSpPr>
           <p:spPr>
             <a:xfrm>
-              <a:off x="4618534" y="3187716"/>
+              <a:off x="3860354" y="2408584"/>
               <a:ext cx="360000" cy="169277"/>
             </a:xfrm>
             <a:prstGeom prst="rect">
@@ -5399,7 +5444,7 @@
           </p:nvCxnSpPr>
           <p:spPr>
             <a:xfrm>
-              <a:off x="2333506" y="2626896"/>
+              <a:off x="1575326" y="1847764"/>
               <a:ext cx="936000" cy="1588"/>
             </a:xfrm>
             <a:prstGeom prst="straightConnector1">
@@ -5432,7 +5477,7 @@
           </p:nvSpPr>
           <p:spPr>
             <a:xfrm>
-              <a:off x="2383053" y="2533294"/>
+              <a:off x="1624873" y="1754162"/>
               <a:ext cx="756000" cy="169277"/>
             </a:xfrm>
             <a:prstGeom prst="rect">
@@ -5457,6 +5502,643 @@
                 <a:t>alarm-signal</a:t>
               </a:r>
               <a:endParaRPr lang="fr-BE" sz="1100"/>
+            </a:p>
+          </p:txBody>
+        </p:sp>
+      </p:grpSp>
+      <p:grpSp>
+        <p:nvGrpSpPr>
+          <p:cNvPr id="123" name="Groupe 122"/>
+          <p:cNvGrpSpPr/>
+          <p:nvPr/>
+        </p:nvGrpSpPr>
+        <p:grpSpPr>
+          <a:xfrm>
+            <a:off x="2051720" y="3356992"/>
+            <a:ext cx="3888432" cy="1728192"/>
+            <a:chOff x="2051720" y="3356992"/>
+            <a:chExt cx="3888432" cy="1728192"/>
+          </a:xfrm>
+        </p:grpSpPr>
+        <p:sp>
+          <p:nvSpPr>
+            <p:cNvPr id="121" name="Rectangle 120"/>
+            <p:cNvSpPr/>
+            <p:nvPr/>
+          </p:nvSpPr>
+          <p:spPr>
+            <a:xfrm>
+              <a:off x="2051720" y="3356992"/>
+              <a:ext cx="3888432" cy="1728192"/>
+            </a:xfrm>
+            <a:prstGeom prst="rect">
+              <a:avLst/>
+            </a:prstGeom>
+            <a:solidFill>
+              <a:schemeClr val="bg1"/>
+            </a:solidFill>
+            <a:ln>
+              <a:noFill/>
+            </a:ln>
+          </p:spPr>
+          <p:style>
+            <a:lnRef idx="2">
+              <a:schemeClr val="accent1">
+                <a:shade val="50000"/>
+              </a:schemeClr>
+            </a:lnRef>
+            <a:fillRef idx="1">
+              <a:schemeClr val="accent1"/>
+            </a:fillRef>
+            <a:effectRef idx="0">
+              <a:schemeClr val="accent1"/>
+            </a:effectRef>
+            <a:fontRef idx="minor">
+              <a:schemeClr val="lt1"/>
+            </a:fontRef>
+          </p:style>
+          <p:txBody>
+            <a:bodyPr rtlCol="0" anchor="ctr"/>
+            <a:lstStyle/>
+            <a:p>
+              <a:pPr algn="ctr"/>
+              <a:endParaRPr lang="fr-BE"/>
+            </a:p>
+          </p:txBody>
+        </p:sp>
+        <p:cxnSp>
+          <p:nvCxnSpPr>
+            <p:cNvPr id="81" name="Connecteur droit 80"/>
+            <p:cNvCxnSpPr/>
+            <p:nvPr/>
+          </p:nvCxnSpPr>
+          <p:spPr>
+            <a:xfrm>
+              <a:off x="2346102" y="4462512"/>
+              <a:ext cx="3348000" cy="0"/>
+            </a:xfrm>
+            <a:prstGeom prst="line">
+              <a:avLst/>
+            </a:prstGeom>
+            <a:ln>
+              <a:prstDash val="sysDash"/>
+            </a:ln>
+          </p:spPr>
+          <p:style>
+            <a:lnRef idx="2">
+              <a:schemeClr val="dk1"/>
+            </a:lnRef>
+            <a:fillRef idx="0">
+              <a:schemeClr val="dk1"/>
+            </a:fillRef>
+            <a:effectRef idx="1">
+              <a:schemeClr val="dk1"/>
+            </a:effectRef>
+            <a:fontRef idx="minor">
+              <a:schemeClr val="tx1"/>
+            </a:fontRef>
+          </p:style>
+        </p:cxnSp>
+        <p:sp>
+          <p:nvSpPr>
+            <p:cNvPr id="90" name="Rectangle 89"/>
+            <p:cNvSpPr/>
+            <p:nvPr/>
+          </p:nvSpPr>
+          <p:spPr>
+            <a:xfrm>
+              <a:off x="2157636" y="3513965"/>
+              <a:ext cx="864096" cy="324000"/>
+            </a:xfrm>
+            <a:prstGeom prst="rect">
+              <a:avLst/>
+            </a:prstGeom>
+          </p:spPr>
+          <p:style>
+            <a:lnRef idx="2">
+              <a:schemeClr val="dk1"/>
+            </a:lnRef>
+            <a:fillRef idx="1">
+              <a:schemeClr val="lt1"/>
+            </a:fillRef>
+            <a:effectRef idx="0">
+              <a:schemeClr val="dk1"/>
+            </a:effectRef>
+            <a:fontRef idx="minor">
+              <a:schemeClr val="dk1"/>
+            </a:fontRef>
+          </p:style>
+          <p:txBody>
+            <a:bodyPr lIns="36000" tIns="36000" rIns="36000" bIns="36000" rtlCol="0" anchor="ctr" anchorCtr="0"/>
+            <a:lstStyle/>
+            <a:p>
+              <a:pPr algn="ctr"/>
+              <a:r>
+                <a:rPr lang="fr-BE" sz="1100" smtClean="0"/>
+                <a:t>Controller</a:t>
+              </a:r>
+              <a:endParaRPr lang="fr-BE" sz="1100"/>
+            </a:p>
+          </p:txBody>
+        </p:sp>
+        <p:sp>
+          <p:nvSpPr>
+            <p:cNvPr id="91" name="Rectangle 90"/>
+            <p:cNvSpPr/>
+            <p:nvPr/>
+          </p:nvSpPr>
+          <p:spPr>
+            <a:xfrm>
+              <a:off x="3347864" y="3513965"/>
+              <a:ext cx="720080" cy="324000"/>
+            </a:xfrm>
+            <a:prstGeom prst="rect">
+              <a:avLst/>
+            </a:prstGeom>
+          </p:spPr>
+          <p:style>
+            <a:lnRef idx="2">
+              <a:schemeClr val="dk1"/>
+            </a:lnRef>
+            <a:fillRef idx="1">
+              <a:schemeClr val="lt1"/>
+            </a:fillRef>
+            <a:effectRef idx="0">
+              <a:schemeClr val="dk1"/>
+            </a:effectRef>
+            <a:fontRef idx="minor">
+              <a:schemeClr val="dk1"/>
+            </a:fontRef>
+          </p:style>
+          <p:txBody>
+            <a:bodyPr lIns="36000" tIns="36000" rIns="36000" bIns="36000" rtlCol="0" anchor="ctr"/>
+            <a:lstStyle/>
+            <a:p>
+              <a:pPr algn="ctr"/>
+              <a:r>
+                <a:rPr lang="fr-BE" sz="1100" smtClean="0"/>
+                <a:t>Actuators</a:t>
+              </a:r>
+              <a:endParaRPr lang="fr-BE" sz="1100"/>
+            </a:p>
+          </p:txBody>
+        </p:sp>
+        <p:sp>
+          <p:nvSpPr>
+            <p:cNvPr id="92" name="Rectangle 91"/>
+            <p:cNvSpPr/>
+            <p:nvPr/>
+          </p:nvSpPr>
+          <p:spPr>
+            <a:xfrm>
+              <a:off x="5109964" y="3513965"/>
+              <a:ext cx="720080" cy="324000"/>
+            </a:xfrm>
+            <a:prstGeom prst="rect">
+              <a:avLst/>
+            </a:prstGeom>
+          </p:spPr>
+          <p:style>
+            <a:lnRef idx="2">
+              <a:schemeClr val="dk1"/>
+            </a:lnRef>
+            <a:fillRef idx="1">
+              <a:schemeClr val="lt1"/>
+            </a:fillRef>
+            <a:effectRef idx="0">
+              <a:schemeClr val="dk1"/>
+            </a:effectRef>
+            <a:fontRef idx="minor">
+              <a:schemeClr val="dk1"/>
+            </a:fontRef>
+          </p:style>
+          <p:txBody>
+            <a:bodyPr lIns="36000" tIns="36000" rIns="36000" bIns="36000" rtlCol="0" anchor="ctr"/>
+            <a:lstStyle/>
+            <a:p>
+              <a:pPr algn="ctr"/>
+              <a:r>
+                <a:rPr lang="fr-BE" sz="1100" smtClean="0"/>
+                <a:t>Engine</a:t>
+              </a:r>
+            </a:p>
+          </p:txBody>
+        </p:sp>
+        <p:sp>
+          <p:nvSpPr>
+            <p:cNvPr id="93" name="Rectangle 92"/>
+            <p:cNvSpPr/>
+            <p:nvPr/>
+          </p:nvSpPr>
+          <p:spPr>
+            <a:xfrm>
+              <a:off x="4245868" y="3513965"/>
+              <a:ext cx="720080" cy="324000"/>
+            </a:xfrm>
+            <a:prstGeom prst="rect">
+              <a:avLst/>
+            </a:prstGeom>
+          </p:spPr>
+          <p:style>
+            <a:lnRef idx="2">
+              <a:schemeClr val="dk1"/>
+            </a:lnRef>
+            <a:fillRef idx="1">
+              <a:schemeClr val="lt1"/>
+            </a:fillRef>
+            <a:effectRef idx="0">
+              <a:schemeClr val="dk1"/>
+            </a:effectRef>
+            <a:fontRef idx="minor">
+              <a:schemeClr val="dk1"/>
+            </a:fontRef>
+          </p:style>
+          <p:txBody>
+            <a:bodyPr lIns="36000" tIns="36000" rIns="36000" bIns="36000" rtlCol="0" anchor="ctr"/>
+            <a:lstStyle/>
+            <a:p>
+              <a:pPr algn="ctr"/>
+              <a:r>
+                <a:rPr lang="fr-BE" sz="1100" smtClean="0"/>
+                <a:t>Doors</a:t>
+              </a:r>
+            </a:p>
+          </p:txBody>
+        </p:sp>
+        <p:cxnSp>
+          <p:nvCxnSpPr>
+            <p:cNvPr id="95" name="Connecteur droit avec flèche 94"/>
+            <p:cNvCxnSpPr>
+              <a:stCxn id="90" idx="2"/>
+            </p:cNvCxnSpPr>
+            <p:nvPr/>
+          </p:nvCxnSpPr>
+          <p:spPr>
+            <a:xfrm rot="5400000">
+              <a:off x="2013287" y="4413568"/>
+              <a:ext cx="1152000" cy="794"/>
+            </a:xfrm>
+            <a:prstGeom prst="straightConnector1">
+              <a:avLst/>
+            </a:prstGeom>
+            <a:ln>
+              <a:tailEnd type="triangle"/>
+            </a:ln>
+          </p:spPr>
+          <p:style>
+            <a:lnRef idx="2">
+              <a:schemeClr val="dk1"/>
+            </a:lnRef>
+            <a:fillRef idx="0">
+              <a:schemeClr val="dk1"/>
+            </a:fillRef>
+            <a:effectRef idx="1">
+              <a:schemeClr val="dk1"/>
+            </a:effectRef>
+            <a:fontRef idx="minor">
+              <a:schemeClr val="tx1"/>
+            </a:fontRef>
+          </p:style>
+        </p:cxnSp>
+        <p:cxnSp>
+          <p:nvCxnSpPr>
+            <p:cNvPr id="97" name="Connecteur droit avec flèche 96"/>
+            <p:cNvCxnSpPr>
+              <a:stCxn id="91" idx="2"/>
+            </p:cNvCxnSpPr>
+            <p:nvPr/>
+          </p:nvCxnSpPr>
+          <p:spPr>
+            <a:xfrm rot="5400000">
+              <a:off x="3131507" y="4413568"/>
+              <a:ext cx="1152000" cy="794"/>
+            </a:xfrm>
+            <a:prstGeom prst="straightConnector1">
+              <a:avLst/>
+            </a:prstGeom>
+            <a:ln>
+              <a:tailEnd type="triangle"/>
+            </a:ln>
+          </p:spPr>
+          <p:style>
+            <a:lnRef idx="2">
+              <a:schemeClr val="dk1"/>
+            </a:lnRef>
+            <a:fillRef idx="0">
+              <a:schemeClr val="dk1"/>
+            </a:fillRef>
+            <a:effectRef idx="1">
+              <a:schemeClr val="dk1"/>
+            </a:effectRef>
+            <a:fontRef idx="minor">
+              <a:schemeClr val="tx1"/>
+            </a:fontRef>
+          </p:style>
+        </p:cxnSp>
+        <p:cxnSp>
+          <p:nvCxnSpPr>
+            <p:cNvPr id="99" name="Connecteur droit avec flèche 98"/>
+            <p:cNvCxnSpPr>
+              <a:stCxn id="93" idx="2"/>
+            </p:cNvCxnSpPr>
+            <p:nvPr/>
+          </p:nvCxnSpPr>
+          <p:spPr>
+            <a:xfrm rot="5400000">
+              <a:off x="4029511" y="4413568"/>
+              <a:ext cx="1152000" cy="794"/>
+            </a:xfrm>
+            <a:prstGeom prst="straightConnector1">
+              <a:avLst/>
+            </a:prstGeom>
+            <a:ln>
+              <a:tailEnd type="triangle"/>
+            </a:ln>
+          </p:spPr>
+          <p:style>
+            <a:lnRef idx="2">
+              <a:schemeClr val="dk1"/>
+            </a:lnRef>
+            <a:fillRef idx="0">
+              <a:schemeClr val="dk1"/>
+            </a:fillRef>
+            <a:effectRef idx="1">
+              <a:schemeClr val="dk1"/>
+            </a:effectRef>
+            <a:fontRef idx="minor">
+              <a:schemeClr val="tx1"/>
+            </a:fontRef>
+          </p:style>
+        </p:cxnSp>
+        <p:cxnSp>
+          <p:nvCxnSpPr>
+            <p:cNvPr id="100" name="Connecteur droit avec flèche 99"/>
+            <p:cNvCxnSpPr>
+              <a:stCxn id="92" idx="2"/>
+            </p:cNvCxnSpPr>
+            <p:nvPr/>
+          </p:nvCxnSpPr>
+          <p:spPr>
+            <a:xfrm rot="5400000">
+              <a:off x="4893607" y="4413568"/>
+              <a:ext cx="1152000" cy="794"/>
+            </a:xfrm>
+            <a:prstGeom prst="straightConnector1">
+              <a:avLst/>
+            </a:prstGeom>
+            <a:ln>
+              <a:tailEnd type="triangle"/>
+            </a:ln>
+          </p:spPr>
+          <p:style>
+            <a:lnRef idx="2">
+              <a:schemeClr val="dk1"/>
+            </a:lnRef>
+            <a:fillRef idx="0">
+              <a:schemeClr val="dk1"/>
+            </a:fillRef>
+            <a:effectRef idx="1">
+              <a:schemeClr val="dk1"/>
+            </a:effectRef>
+            <a:fontRef idx="minor">
+              <a:schemeClr val="tx1"/>
+            </a:fontRef>
+          </p:style>
+        </p:cxnSp>
+        <p:cxnSp>
+          <p:nvCxnSpPr>
+            <p:cNvPr id="103" name="Connecteur droit avec flèche 102"/>
+            <p:cNvCxnSpPr/>
+            <p:nvPr/>
+          </p:nvCxnSpPr>
+          <p:spPr>
+            <a:xfrm>
+              <a:off x="2589684" y="4113022"/>
+              <a:ext cx="1116000" cy="0"/>
+            </a:xfrm>
+            <a:prstGeom prst="straightConnector1">
+              <a:avLst/>
+            </a:prstGeom>
+            <a:ln>
+              <a:tailEnd type="triangle"/>
+            </a:ln>
+          </p:spPr>
+          <p:style>
+            <a:lnRef idx="1">
+              <a:schemeClr val="dk1"/>
+            </a:lnRef>
+            <a:fillRef idx="0">
+              <a:schemeClr val="dk1"/>
+            </a:fillRef>
+            <a:effectRef idx="0">
+              <a:schemeClr val="dk1"/>
+            </a:effectRef>
+            <a:fontRef idx="minor">
+              <a:schemeClr val="tx1"/>
+            </a:fontRef>
+          </p:style>
+        </p:cxnSp>
+        <p:sp>
+          <p:nvSpPr>
+            <p:cNvPr id="104" name="ZoneTexte 103"/>
+            <p:cNvSpPr txBox="1"/>
+            <p:nvPr/>
+          </p:nvSpPr>
+          <p:spPr>
+            <a:xfrm>
+              <a:off x="2689553" y="4013070"/>
+              <a:ext cx="720000" cy="169277"/>
+            </a:xfrm>
+            <a:prstGeom prst="rect">
+              <a:avLst/>
+            </a:prstGeom>
+            <a:solidFill>
+              <a:schemeClr val="lt1"/>
+            </a:solidFill>
+            <a:ln>
+              <a:noFill/>
+            </a:ln>
+          </p:spPr>
+          <p:txBody>
+            <a:bodyPr wrap="square" lIns="18000" tIns="0" rIns="18000" bIns="0" rtlCol="0">
+              <a:spAutoFit/>
+            </a:bodyPr>
+            <a:lstStyle/>
+            <a:p>
+              <a:pPr algn="ctr"/>
+              <a:r>
+                <a:rPr lang="fr-BE" sz="1100" smtClean="0"/>
+                <a:t>start-signal</a:t>
+              </a:r>
+              <a:endParaRPr lang="fr-BE" sz="1100"/>
+            </a:p>
+          </p:txBody>
+        </p:sp>
+        <p:cxnSp>
+          <p:nvCxnSpPr>
+            <p:cNvPr id="105" name="Connecteur droit avec flèche 104"/>
+            <p:cNvCxnSpPr/>
+            <p:nvPr/>
+          </p:nvCxnSpPr>
+          <p:spPr>
+            <a:xfrm>
+              <a:off x="3708096" y="4260736"/>
+              <a:ext cx="1764000" cy="1588"/>
+            </a:xfrm>
+            <a:prstGeom prst="straightConnector1">
+              <a:avLst/>
+            </a:prstGeom>
+            <a:ln>
+              <a:tailEnd type="triangle"/>
+            </a:ln>
+          </p:spPr>
+          <p:style>
+            <a:lnRef idx="1">
+              <a:schemeClr val="dk1"/>
+            </a:lnRef>
+            <a:fillRef idx="0">
+              <a:schemeClr val="dk1"/>
+            </a:fillRef>
+            <a:effectRef idx="0">
+              <a:schemeClr val="dk1"/>
+            </a:effectRef>
+            <a:fontRef idx="minor">
+              <a:schemeClr val="tx1"/>
+            </a:fontRef>
+          </p:style>
+        </p:cxnSp>
+        <p:sp>
+          <p:nvSpPr>
+            <p:cNvPr id="106" name="ZoneTexte 105"/>
+            <p:cNvSpPr txBox="1"/>
+            <p:nvPr/>
+          </p:nvSpPr>
+          <p:spPr>
+            <a:xfrm>
+              <a:off x="4436378" y="4165480"/>
+              <a:ext cx="324000" cy="169277"/>
+            </a:xfrm>
+            <a:prstGeom prst="rect">
+              <a:avLst/>
+            </a:prstGeom>
+            <a:solidFill>
+              <a:schemeClr val="lt1"/>
+            </a:solidFill>
+            <a:ln>
+              <a:noFill/>
+            </a:ln>
+          </p:spPr>
+          <p:txBody>
+            <a:bodyPr wrap="square" lIns="18000" tIns="0" rIns="18000" bIns="0" rtlCol="0">
+              <a:spAutoFit/>
+            </a:bodyPr>
+            <a:lstStyle/>
+            <a:p>
+              <a:pPr algn="ctr"/>
+              <a:r>
+                <a:rPr lang="fr-BE" sz="1100" smtClean="0"/>
+                <a:t>start</a:t>
+              </a:r>
+              <a:endParaRPr lang="fr-BE" sz="1100"/>
+            </a:p>
+          </p:txBody>
+        </p:sp>
+        <p:cxnSp>
+          <p:nvCxnSpPr>
+            <p:cNvPr id="117" name="Connecteur droit avec flèche 116"/>
+            <p:cNvCxnSpPr/>
+            <p:nvPr/>
+          </p:nvCxnSpPr>
+          <p:spPr>
+            <a:xfrm flipV="1">
+              <a:off x="2589684" y="4731494"/>
+              <a:ext cx="1116000" cy="862"/>
+            </a:xfrm>
+            <a:prstGeom prst="straightConnector1">
+              <a:avLst/>
+            </a:prstGeom>
+            <a:ln>
+              <a:tailEnd type="triangle"/>
+            </a:ln>
+          </p:spPr>
+          <p:style>
+            <a:lnRef idx="1">
+              <a:schemeClr val="dk1"/>
+            </a:lnRef>
+            <a:fillRef idx="0">
+              <a:schemeClr val="dk1"/>
+            </a:fillRef>
+            <a:effectRef idx="0">
+              <a:schemeClr val="dk1"/>
+            </a:effectRef>
+            <a:fontRef idx="minor">
+              <a:schemeClr val="tx1"/>
+            </a:fontRef>
+          </p:style>
+        </p:cxnSp>
+        <p:sp>
+          <p:nvSpPr>
+            <p:cNvPr id="118" name="ZoneTexte 117"/>
+            <p:cNvSpPr txBox="1"/>
+            <p:nvPr/>
+          </p:nvSpPr>
+          <p:spPr>
+            <a:xfrm>
+              <a:off x="2843808" y="4637355"/>
+              <a:ext cx="720000" cy="169277"/>
+            </a:xfrm>
+            <a:prstGeom prst="rect">
+              <a:avLst/>
+            </a:prstGeom>
+            <a:solidFill>
+              <a:schemeClr val="lt1"/>
+            </a:solidFill>
+            <a:ln>
+              <a:noFill/>
+            </a:ln>
+          </p:spPr>
+          <p:txBody>
+            <a:bodyPr wrap="square" lIns="18000" tIns="0" rIns="18000" bIns="0" rtlCol="0">
+              <a:spAutoFit/>
+            </a:bodyPr>
+            <a:lstStyle/>
+            <a:p>
+              <a:pPr algn="ctr"/>
+              <a:r>
+                <a:rPr lang="fr-BE" sz="1100" smtClean="0"/>
+                <a:t>open-signal</a:t>
+              </a:r>
+              <a:endParaRPr lang="fr-BE" sz="1100"/>
+            </a:p>
+          </p:txBody>
+        </p:sp>
+        <p:sp>
+          <p:nvSpPr>
+            <p:cNvPr id="119" name="ZoneTexte 118"/>
+            <p:cNvSpPr txBox="1"/>
+            <p:nvPr/>
+          </p:nvSpPr>
+          <p:spPr>
+            <a:xfrm>
+              <a:off x="2570850" y="4502770"/>
+              <a:ext cx="344966" cy="461665"/>
+            </a:xfrm>
+            <a:prstGeom prst="rect">
+              <a:avLst/>
+            </a:prstGeom>
+            <a:noFill/>
+          </p:spPr>
+          <p:txBody>
+            <a:bodyPr wrap="none" rtlCol="0">
+              <a:spAutoFit/>
+            </a:bodyPr>
+            <a:lstStyle/>
+            <a:p>
+              <a:r>
+                <a:rPr lang="fr-BE" sz="2400" smtClean="0"/>
+                <a:t>X</a:t>
+              </a:r>
+              <a:endParaRPr lang="fr-BE" sz="2400"/>
             </a:p>
           </p:txBody>
         </p:sp>

--- a/writing/images/train.pptx
+++ b/writing/images/train.pptx
@@ -7,6 +7,7 @@
   <p:sldIdLst>
     <p:sldId id="256" r:id="rId2"/>
     <p:sldId id="257" r:id="rId3"/>
+    <p:sldId id="258" r:id="rId4"/>
   </p:sldIdLst>
   <p:sldSz cx="9144000" cy="6858000" type="screen4x3"/>
   <p:notesSz cx="6858000" cy="9144000"/>
@@ -6151,6 +6152,3544 @@
 </p:sld>
 </file>
 
+<file path=ppt/slides/slide3.xml><?xml version="1.0" encoding="utf-8"?>
+<p:sld xmlns:a="http://schemas.openxmlformats.org/drawingml/2006/main" xmlns:r="http://schemas.openxmlformats.org/officeDocument/2006/relationships" xmlns:p="http://schemas.openxmlformats.org/presentationml/2006/main">
+  <p:cSld>
+    <p:spTree>
+      <p:nvGrpSpPr>
+        <p:cNvPr id="1" name=""/>
+        <p:cNvGrpSpPr/>
+        <p:nvPr/>
+      </p:nvGrpSpPr>
+      <p:grpSpPr>
+        <a:xfrm>
+          <a:off x="0" y="0"/>
+          <a:ext cx="0" cy="0"/>
+          <a:chOff x="0" y="0"/>
+          <a:chExt cx="0" cy="0"/>
+        </a:xfrm>
+      </p:grpSpPr>
+      <p:grpSp>
+        <p:nvGrpSpPr>
+          <p:cNvPr id="166" name="Groupe 165"/>
+          <p:cNvGrpSpPr/>
+          <p:nvPr/>
+        </p:nvGrpSpPr>
+        <p:grpSpPr>
+          <a:xfrm>
+            <a:off x="3995936" y="6741368"/>
+            <a:ext cx="5578524" cy="2052000"/>
+            <a:chOff x="240150" y="3249016"/>
+            <a:chExt cx="5578524" cy="2052000"/>
+          </a:xfrm>
+        </p:grpSpPr>
+        <p:sp>
+          <p:nvSpPr>
+            <p:cNvPr id="52" name="Rectangle 51"/>
+            <p:cNvSpPr/>
+            <p:nvPr/>
+          </p:nvSpPr>
+          <p:spPr>
+            <a:xfrm>
+              <a:off x="240150" y="3249016"/>
+              <a:ext cx="720080" cy="324000"/>
+            </a:xfrm>
+            <a:prstGeom prst="rect">
+              <a:avLst/>
+            </a:prstGeom>
+          </p:spPr>
+          <p:style>
+            <a:lnRef idx="2">
+              <a:schemeClr val="dk1"/>
+            </a:lnRef>
+            <a:fillRef idx="1">
+              <a:schemeClr val="lt1"/>
+            </a:fillRef>
+            <a:effectRef idx="0">
+              <a:schemeClr val="dk1"/>
+            </a:effectRef>
+            <a:fontRef idx="minor">
+              <a:schemeClr val="dk1"/>
+            </a:fontRef>
+          </p:style>
+          <p:txBody>
+            <a:bodyPr lIns="36000" tIns="36000" rIns="36000" bIns="36000" rtlCol="0" anchor="ctr"/>
+            <a:lstStyle/>
+            <a:p>
+              <a:pPr algn="ctr"/>
+              <a:r>
+                <a:rPr lang="fr-BE" sz="1100" smtClean="0"/>
+                <a:t>Passenger</a:t>
+              </a:r>
+              <a:endParaRPr lang="fr-BE" sz="1100"/>
+            </a:p>
+          </p:txBody>
+        </p:sp>
+        <p:sp>
+          <p:nvSpPr>
+            <p:cNvPr id="53" name="Rectangle 52"/>
+            <p:cNvSpPr/>
+            <p:nvPr/>
+          </p:nvSpPr>
+          <p:spPr>
+            <a:xfrm>
+              <a:off x="2146266" y="3249016"/>
+              <a:ext cx="864096" cy="324000"/>
+            </a:xfrm>
+            <a:prstGeom prst="rect">
+              <a:avLst/>
+            </a:prstGeom>
+          </p:spPr>
+          <p:style>
+            <a:lnRef idx="2">
+              <a:schemeClr val="dk1"/>
+            </a:lnRef>
+            <a:fillRef idx="1">
+              <a:schemeClr val="lt1"/>
+            </a:fillRef>
+            <a:effectRef idx="0">
+              <a:schemeClr val="dk1"/>
+            </a:effectRef>
+            <a:fontRef idx="minor">
+              <a:schemeClr val="dk1"/>
+            </a:fontRef>
+          </p:style>
+          <p:txBody>
+            <a:bodyPr lIns="36000" tIns="36000" rIns="36000" bIns="36000" rtlCol="0" anchor="ctr" anchorCtr="0"/>
+            <a:lstStyle/>
+            <a:p>
+              <a:pPr algn="ctr"/>
+              <a:r>
+                <a:rPr lang="fr-BE" sz="1100" smtClean="0"/>
+                <a:t>Controller</a:t>
+              </a:r>
+              <a:endParaRPr lang="fr-BE" sz="1100"/>
+            </a:p>
+          </p:txBody>
+        </p:sp>
+        <p:sp>
+          <p:nvSpPr>
+            <p:cNvPr id="56" name="Rectangle 55"/>
+            <p:cNvSpPr/>
+            <p:nvPr/>
+          </p:nvSpPr>
+          <p:spPr>
+            <a:xfrm>
+              <a:off x="3226386" y="3249016"/>
+              <a:ext cx="720080" cy="324000"/>
+            </a:xfrm>
+            <a:prstGeom prst="rect">
+              <a:avLst/>
+            </a:prstGeom>
+          </p:spPr>
+          <p:style>
+            <a:lnRef idx="2">
+              <a:schemeClr val="dk1"/>
+            </a:lnRef>
+            <a:fillRef idx="1">
+              <a:schemeClr val="lt1"/>
+            </a:fillRef>
+            <a:effectRef idx="0">
+              <a:schemeClr val="dk1"/>
+            </a:effectRef>
+            <a:fontRef idx="minor">
+              <a:schemeClr val="dk1"/>
+            </a:fontRef>
+          </p:style>
+          <p:txBody>
+            <a:bodyPr lIns="36000" tIns="36000" rIns="36000" bIns="36000" rtlCol="0" anchor="ctr"/>
+            <a:lstStyle/>
+            <a:p>
+              <a:pPr algn="ctr"/>
+              <a:r>
+                <a:rPr lang="fr-BE" sz="1100" smtClean="0"/>
+                <a:t>Actuators</a:t>
+              </a:r>
+              <a:endParaRPr lang="fr-BE" sz="1100"/>
+            </a:p>
+          </p:txBody>
+        </p:sp>
+        <p:sp>
+          <p:nvSpPr>
+            <p:cNvPr id="60" name="Rectangle 59"/>
+            <p:cNvSpPr/>
+            <p:nvPr/>
+          </p:nvSpPr>
+          <p:spPr>
+            <a:xfrm>
+              <a:off x="5098594" y="3249016"/>
+              <a:ext cx="720080" cy="324000"/>
+            </a:xfrm>
+            <a:prstGeom prst="rect">
+              <a:avLst/>
+            </a:prstGeom>
+          </p:spPr>
+          <p:style>
+            <a:lnRef idx="2">
+              <a:schemeClr val="dk1"/>
+            </a:lnRef>
+            <a:fillRef idx="1">
+              <a:schemeClr val="lt1"/>
+            </a:fillRef>
+            <a:effectRef idx="0">
+              <a:schemeClr val="dk1"/>
+            </a:effectRef>
+            <a:fontRef idx="minor">
+              <a:schemeClr val="dk1"/>
+            </a:fontRef>
+          </p:style>
+          <p:txBody>
+            <a:bodyPr lIns="36000" tIns="36000" rIns="36000" bIns="36000" rtlCol="0" anchor="ctr"/>
+            <a:lstStyle/>
+            <a:p>
+              <a:pPr algn="ctr"/>
+              <a:r>
+                <a:rPr lang="fr-BE" sz="1100" smtClean="0"/>
+                <a:t>Engine</a:t>
+              </a:r>
+            </a:p>
+          </p:txBody>
+        </p:sp>
+        <p:sp>
+          <p:nvSpPr>
+            <p:cNvPr id="61" name="Rectangle 60"/>
+            <p:cNvSpPr/>
+            <p:nvPr/>
+          </p:nvSpPr>
+          <p:spPr>
+            <a:xfrm>
+              <a:off x="4234498" y="3249016"/>
+              <a:ext cx="720080" cy="324000"/>
+            </a:xfrm>
+            <a:prstGeom prst="rect">
+              <a:avLst/>
+            </a:prstGeom>
+          </p:spPr>
+          <p:style>
+            <a:lnRef idx="2">
+              <a:schemeClr val="dk1"/>
+            </a:lnRef>
+            <a:fillRef idx="1">
+              <a:schemeClr val="lt1"/>
+            </a:fillRef>
+            <a:effectRef idx="0">
+              <a:schemeClr val="dk1"/>
+            </a:effectRef>
+            <a:fontRef idx="minor">
+              <a:schemeClr val="dk1"/>
+            </a:fontRef>
+          </p:style>
+          <p:txBody>
+            <a:bodyPr lIns="36000" tIns="36000" rIns="36000" bIns="36000" rtlCol="0" anchor="ctr"/>
+            <a:lstStyle/>
+            <a:p>
+              <a:pPr algn="ctr"/>
+              <a:r>
+                <a:rPr lang="fr-BE" sz="1100" smtClean="0"/>
+                <a:t>Doors</a:t>
+              </a:r>
+            </a:p>
+          </p:txBody>
+        </p:sp>
+        <p:sp>
+          <p:nvSpPr>
+            <p:cNvPr id="62" name="Rectangle 61"/>
+            <p:cNvSpPr/>
+            <p:nvPr/>
+          </p:nvSpPr>
+          <p:spPr>
+            <a:xfrm>
+              <a:off x="1260426" y="3249016"/>
+              <a:ext cx="720080" cy="324000"/>
+            </a:xfrm>
+            <a:prstGeom prst="rect">
+              <a:avLst/>
+            </a:prstGeom>
+          </p:spPr>
+          <p:style>
+            <a:lnRef idx="2">
+              <a:schemeClr val="dk1"/>
+            </a:lnRef>
+            <a:fillRef idx="1">
+              <a:schemeClr val="lt1"/>
+            </a:fillRef>
+            <a:effectRef idx="0">
+              <a:schemeClr val="dk1"/>
+            </a:effectRef>
+            <a:fontRef idx="minor">
+              <a:schemeClr val="dk1"/>
+            </a:fontRef>
+          </p:style>
+          <p:txBody>
+            <a:bodyPr lIns="36000" tIns="36000" rIns="36000" bIns="36000" rtlCol="0" anchor="ctr"/>
+            <a:lstStyle/>
+            <a:p>
+              <a:pPr algn="ctr"/>
+              <a:r>
+                <a:rPr lang="fr-BE" sz="1100" smtClean="0"/>
+                <a:t>Sensors</a:t>
+              </a:r>
+            </a:p>
+          </p:txBody>
+        </p:sp>
+        <p:cxnSp>
+          <p:nvCxnSpPr>
+            <p:cNvPr id="63" name="Connecteur droit avec flèche 62"/>
+            <p:cNvCxnSpPr>
+              <a:stCxn id="53" idx="2"/>
+            </p:cNvCxnSpPr>
+            <p:nvPr/>
+          </p:nvCxnSpPr>
+          <p:spPr>
+            <a:xfrm rot="5400000">
+              <a:off x="1713917" y="4436619"/>
+              <a:ext cx="1728000" cy="794"/>
+            </a:xfrm>
+            <a:prstGeom prst="straightConnector1">
+              <a:avLst/>
+            </a:prstGeom>
+            <a:ln>
+              <a:tailEnd type="triangle"/>
+            </a:ln>
+          </p:spPr>
+          <p:style>
+            <a:lnRef idx="2">
+              <a:schemeClr val="dk1"/>
+            </a:lnRef>
+            <a:fillRef idx="0">
+              <a:schemeClr val="dk1"/>
+            </a:fillRef>
+            <a:effectRef idx="1">
+              <a:schemeClr val="dk1"/>
+            </a:effectRef>
+            <a:fontRef idx="minor">
+              <a:schemeClr val="tx1"/>
+            </a:fontRef>
+          </p:style>
+        </p:cxnSp>
+        <p:cxnSp>
+          <p:nvCxnSpPr>
+            <p:cNvPr id="64" name="Connecteur droit avec flèche 63"/>
+            <p:cNvCxnSpPr>
+              <a:stCxn id="52" idx="2"/>
+            </p:cNvCxnSpPr>
+            <p:nvPr/>
+          </p:nvCxnSpPr>
+          <p:spPr>
+            <a:xfrm rot="5400000">
+              <a:off x="-264207" y="4436619"/>
+              <a:ext cx="1728000" cy="794"/>
+            </a:xfrm>
+            <a:prstGeom prst="straightConnector1">
+              <a:avLst/>
+            </a:prstGeom>
+            <a:ln>
+              <a:tailEnd type="triangle"/>
+            </a:ln>
+          </p:spPr>
+          <p:style>
+            <a:lnRef idx="2">
+              <a:schemeClr val="dk1"/>
+            </a:lnRef>
+            <a:fillRef idx="0">
+              <a:schemeClr val="dk1"/>
+            </a:fillRef>
+            <a:effectRef idx="1">
+              <a:schemeClr val="dk1"/>
+            </a:effectRef>
+            <a:fontRef idx="minor">
+              <a:schemeClr val="tx1"/>
+            </a:fontRef>
+          </p:style>
+        </p:cxnSp>
+        <p:cxnSp>
+          <p:nvCxnSpPr>
+            <p:cNvPr id="65" name="Connecteur droit avec flèche 64"/>
+            <p:cNvCxnSpPr>
+              <a:stCxn id="56" idx="2"/>
+            </p:cNvCxnSpPr>
+            <p:nvPr/>
+          </p:nvCxnSpPr>
+          <p:spPr>
+            <a:xfrm rot="5400000">
+              <a:off x="2722029" y="4436619"/>
+              <a:ext cx="1728000" cy="794"/>
+            </a:xfrm>
+            <a:prstGeom prst="straightConnector1">
+              <a:avLst/>
+            </a:prstGeom>
+            <a:ln>
+              <a:tailEnd type="triangle"/>
+            </a:ln>
+          </p:spPr>
+          <p:style>
+            <a:lnRef idx="2">
+              <a:schemeClr val="dk1"/>
+            </a:lnRef>
+            <a:fillRef idx="0">
+              <a:schemeClr val="dk1"/>
+            </a:fillRef>
+            <a:effectRef idx="1">
+              <a:schemeClr val="dk1"/>
+            </a:effectRef>
+            <a:fontRef idx="minor">
+              <a:schemeClr val="tx1"/>
+            </a:fontRef>
+          </p:style>
+        </p:cxnSp>
+        <p:cxnSp>
+          <p:nvCxnSpPr>
+            <p:cNvPr id="68" name="Connecteur droit avec flèche 67"/>
+            <p:cNvCxnSpPr>
+              <a:stCxn id="62" idx="2"/>
+            </p:cNvCxnSpPr>
+            <p:nvPr/>
+          </p:nvCxnSpPr>
+          <p:spPr>
+            <a:xfrm rot="5400000">
+              <a:off x="756069" y="4436619"/>
+              <a:ext cx="1728000" cy="794"/>
+            </a:xfrm>
+            <a:prstGeom prst="straightConnector1">
+              <a:avLst/>
+            </a:prstGeom>
+            <a:ln>
+              <a:tailEnd type="triangle"/>
+            </a:ln>
+          </p:spPr>
+          <p:style>
+            <a:lnRef idx="2">
+              <a:schemeClr val="dk1"/>
+            </a:lnRef>
+            <a:fillRef idx="0">
+              <a:schemeClr val="dk1"/>
+            </a:fillRef>
+            <a:effectRef idx="1">
+              <a:schemeClr val="dk1"/>
+            </a:effectRef>
+            <a:fontRef idx="minor">
+              <a:schemeClr val="tx1"/>
+            </a:fontRef>
+          </p:style>
+        </p:cxnSp>
+        <p:cxnSp>
+          <p:nvCxnSpPr>
+            <p:cNvPr id="69" name="Connecteur droit avec flèche 68"/>
+            <p:cNvCxnSpPr>
+              <a:stCxn id="61" idx="2"/>
+            </p:cNvCxnSpPr>
+            <p:nvPr/>
+          </p:nvCxnSpPr>
+          <p:spPr>
+            <a:xfrm rot="5400000">
+              <a:off x="3730141" y="4436619"/>
+              <a:ext cx="1728000" cy="794"/>
+            </a:xfrm>
+            <a:prstGeom prst="straightConnector1">
+              <a:avLst/>
+            </a:prstGeom>
+            <a:ln>
+              <a:tailEnd type="triangle"/>
+            </a:ln>
+          </p:spPr>
+          <p:style>
+            <a:lnRef idx="2">
+              <a:schemeClr val="dk1"/>
+            </a:lnRef>
+            <a:fillRef idx="0">
+              <a:schemeClr val="dk1"/>
+            </a:fillRef>
+            <a:effectRef idx="1">
+              <a:schemeClr val="dk1"/>
+            </a:effectRef>
+            <a:fontRef idx="minor">
+              <a:schemeClr val="tx1"/>
+            </a:fontRef>
+          </p:style>
+        </p:cxnSp>
+        <p:cxnSp>
+          <p:nvCxnSpPr>
+            <p:cNvPr id="70" name="Connecteur droit avec flèche 69"/>
+            <p:cNvCxnSpPr>
+              <a:stCxn id="60" idx="2"/>
+            </p:cNvCxnSpPr>
+            <p:nvPr/>
+          </p:nvCxnSpPr>
+          <p:spPr>
+            <a:xfrm rot="5400000">
+              <a:off x="4594237" y="4436619"/>
+              <a:ext cx="1728000" cy="794"/>
+            </a:xfrm>
+            <a:prstGeom prst="straightConnector1">
+              <a:avLst/>
+            </a:prstGeom>
+            <a:ln>
+              <a:tailEnd type="triangle"/>
+            </a:ln>
+          </p:spPr>
+          <p:style>
+            <a:lnRef idx="2">
+              <a:schemeClr val="dk1"/>
+            </a:lnRef>
+            <a:fillRef idx="0">
+              <a:schemeClr val="dk1"/>
+            </a:fillRef>
+            <a:effectRef idx="1">
+              <a:schemeClr val="dk1"/>
+            </a:effectRef>
+            <a:fontRef idx="minor">
+              <a:schemeClr val="tx1"/>
+            </a:fontRef>
+          </p:style>
+        </p:cxnSp>
+        <p:cxnSp>
+          <p:nvCxnSpPr>
+            <p:cNvPr id="71" name="Connecteur droit avec flèche 70"/>
+            <p:cNvCxnSpPr/>
+            <p:nvPr/>
+          </p:nvCxnSpPr>
+          <p:spPr>
+            <a:xfrm>
+              <a:off x="600190" y="4216115"/>
+              <a:ext cx="1008112" cy="1588"/>
+            </a:xfrm>
+            <a:prstGeom prst="straightConnector1">
+              <a:avLst/>
+            </a:prstGeom>
+            <a:ln>
+              <a:tailEnd type="triangle"/>
+            </a:ln>
+          </p:spPr>
+          <p:style>
+            <a:lnRef idx="1">
+              <a:schemeClr val="dk1"/>
+            </a:lnRef>
+            <a:fillRef idx="0">
+              <a:schemeClr val="dk1"/>
+            </a:fillRef>
+            <a:effectRef idx="0">
+              <a:schemeClr val="dk1"/>
+            </a:effectRef>
+            <a:fontRef idx="minor">
+              <a:schemeClr val="tx1"/>
+            </a:fontRef>
+          </p:style>
+        </p:cxnSp>
+        <p:sp>
+          <p:nvSpPr>
+            <p:cNvPr id="73" name="ZoneTexte 72"/>
+            <p:cNvSpPr txBox="1"/>
+            <p:nvPr/>
+          </p:nvSpPr>
+          <p:spPr>
+            <a:xfrm>
+              <a:off x="623882" y="4114764"/>
+              <a:ext cx="864000" cy="180000"/>
+            </a:xfrm>
+            <a:prstGeom prst="rect">
+              <a:avLst/>
+            </a:prstGeom>
+            <a:solidFill>
+              <a:schemeClr val="lt1"/>
+            </a:solidFill>
+            <a:ln>
+              <a:noFill/>
+            </a:ln>
+          </p:spPr>
+          <p:txBody>
+            <a:bodyPr wrap="square" lIns="18000" tIns="0" rIns="18000" bIns="0" rtlCol="0">
+              <a:spAutoFit/>
+            </a:bodyPr>
+            <a:lstStyle/>
+            <a:p>
+              <a:pPr algn="ctr"/>
+              <a:r>
+                <a:rPr lang="fr-BE" sz="1100" smtClean="0"/>
+                <a:t>alarm-pressed</a:t>
+              </a:r>
+              <a:endParaRPr lang="fr-BE" sz="1100"/>
+            </a:p>
+          </p:txBody>
+        </p:sp>
+        <p:cxnSp>
+          <p:nvCxnSpPr>
+            <p:cNvPr id="74" name="Connecteur droit avec flèche 73"/>
+            <p:cNvCxnSpPr/>
+            <p:nvPr/>
+          </p:nvCxnSpPr>
+          <p:spPr>
+            <a:xfrm>
+              <a:off x="2578314" y="3848073"/>
+              <a:ext cx="1005025" cy="0"/>
+            </a:xfrm>
+            <a:prstGeom prst="straightConnector1">
+              <a:avLst/>
+            </a:prstGeom>
+            <a:ln>
+              <a:tailEnd type="triangle"/>
+            </a:ln>
+          </p:spPr>
+          <p:style>
+            <a:lnRef idx="1">
+              <a:schemeClr val="dk1"/>
+            </a:lnRef>
+            <a:fillRef idx="0">
+              <a:schemeClr val="dk1"/>
+            </a:fillRef>
+            <a:effectRef idx="0">
+              <a:schemeClr val="dk1"/>
+            </a:effectRef>
+            <a:fontRef idx="minor">
+              <a:schemeClr val="tx1"/>
+            </a:fontRef>
+          </p:style>
+        </p:cxnSp>
+        <p:sp>
+          <p:nvSpPr>
+            <p:cNvPr id="75" name="ZoneTexte 74"/>
+            <p:cNvSpPr txBox="1"/>
+            <p:nvPr/>
+          </p:nvSpPr>
+          <p:spPr>
+            <a:xfrm>
+              <a:off x="2678183" y="3748121"/>
+              <a:ext cx="720000" cy="169277"/>
+            </a:xfrm>
+            <a:prstGeom prst="rect">
+              <a:avLst/>
+            </a:prstGeom>
+            <a:solidFill>
+              <a:schemeClr val="lt1"/>
+            </a:solidFill>
+            <a:ln>
+              <a:noFill/>
+            </a:ln>
+          </p:spPr>
+          <p:txBody>
+            <a:bodyPr wrap="square" lIns="18000" tIns="0" rIns="18000" bIns="0" rtlCol="0">
+              <a:spAutoFit/>
+            </a:bodyPr>
+            <a:lstStyle/>
+            <a:p>
+              <a:pPr algn="ctr"/>
+              <a:r>
+                <a:rPr lang="fr-BE" sz="1100" smtClean="0"/>
+                <a:t>start-signal</a:t>
+              </a:r>
+              <a:endParaRPr lang="fr-BE" sz="1100"/>
+            </a:p>
+          </p:txBody>
+        </p:sp>
+        <p:cxnSp>
+          <p:nvCxnSpPr>
+            <p:cNvPr id="76" name="Connecteur droit avec flèche 75"/>
+            <p:cNvCxnSpPr/>
+            <p:nvPr/>
+          </p:nvCxnSpPr>
+          <p:spPr>
+            <a:xfrm>
+              <a:off x="3586426" y="3995787"/>
+              <a:ext cx="1872208" cy="1588"/>
+            </a:xfrm>
+            <a:prstGeom prst="straightConnector1">
+              <a:avLst/>
+            </a:prstGeom>
+            <a:ln>
+              <a:tailEnd type="triangle"/>
+            </a:ln>
+          </p:spPr>
+          <p:style>
+            <a:lnRef idx="1">
+              <a:schemeClr val="dk1"/>
+            </a:lnRef>
+            <a:fillRef idx="0">
+              <a:schemeClr val="dk1"/>
+            </a:fillRef>
+            <a:effectRef idx="0">
+              <a:schemeClr val="dk1"/>
+            </a:effectRef>
+            <a:fontRef idx="minor">
+              <a:schemeClr val="tx1"/>
+            </a:fontRef>
+          </p:style>
+        </p:cxnSp>
+        <p:sp>
+          <p:nvSpPr>
+            <p:cNvPr id="77" name="ZoneTexte 76"/>
+            <p:cNvSpPr txBox="1"/>
+            <p:nvPr/>
+          </p:nvSpPr>
+          <p:spPr>
+            <a:xfrm>
+              <a:off x="4425008" y="3900531"/>
+              <a:ext cx="324000" cy="169277"/>
+            </a:xfrm>
+            <a:prstGeom prst="rect">
+              <a:avLst/>
+            </a:prstGeom>
+            <a:solidFill>
+              <a:schemeClr val="lt1"/>
+            </a:solidFill>
+            <a:ln>
+              <a:noFill/>
+            </a:ln>
+          </p:spPr>
+          <p:txBody>
+            <a:bodyPr wrap="square" lIns="18000" tIns="0" rIns="18000" bIns="0" rtlCol="0">
+              <a:spAutoFit/>
+            </a:bodyPr>
+            <a:lstStyle/>
+            <a:p>
+              <a:pPr algn="ctr"/>
+              <a:r>
+                <a:rPr lang="fr-BE" sz="1100" smtClean="0"/>
+                <a:t>start</a:t>
+              </a:r>
+              <a:endParaRPr lang="fr-BE" sz="1100"/>
+            </a:p>
+          </p:txBody>
+        </p:sp>
+        <p:cxnSp>
+          <p:nvCxnSpPr>
+            <p:cNvPr id="78" name="Connecteur droit avec flèche 77"/>
+            <p:cNvCxnSpPr/>
+            <p:nvPr/>
+          </p:nvCxnSpPr>
+          <p:spPr>
+            <a:xfrm>
+              <a:off x="2578314" y="4568153"/>
+              <a:ext cx="1008112" cy="1588"/>
+            </a:xfrm>
+            <a:prstGeom prst="straightConnector1">
+              <a:avLst/>
+            </a:prstGeom>
+            <a:ln>
+              <a:tailEnd type="triangle"/>
+            </a:ln>
+          </p:spPr>
+          <p:style>
+            <a:lnRef idx="1">
+              <a:schemeClr val="dk1"/>
+            </a:lnRef>
+            <a:fillRef idx="0">
+              <a:schemeClr val="dk1"/>
+            </a:fillRef>
+            <a:effectRef idx="0">
+              <a:schemeClr val="dk1"/>
+            </a:effectRef>
+            <a:fontRef idx="minor">
+              <a:schemeClr val="tx1"/>
+            </a:fontRef>
+          </p:style>
+        </p:cxnSp>
+        <p:sp>
+          <p:nvSpPr>
+            <p:cNvPr id="79" name="ZoneTexte 78"/>
+            <p:cNvSpPr txBox="1"/>
+            <p:nvPr/>
+          </p:nvSpPr>
+          <p:spPr>
+            <a:xfrm>
+              <a:off x="2678183" y="4473152"/>
+              <a:ext cx="720000" cy="169277"/>
+            </a:xfrm>
+            <a:prstGeom prst="rect">
+              <a:avLst/>
+            </a:prstGeom>
+            <a:solidFill>
+              <a:schemeClr val="lt1"/>
+            </a:solidFill>
+            <a:ln>
+              <a:noFill/>
+            </a:ln>
+          </p:spPr>
+          <p:txBody>
+            <a:bodyPr wrap="square" lIns="18000" tIns="0" rIns="18000" bIns="0" rtlCol="0">
+              <a:spAutoFit/>
+            </a:bodyPr>
+            <a:lstStyle/>
+            <a:p>
+              <a:pPr algn="ctr"/>
+              <a:r>
+                <a:rPr lang="fr-BE" sz="1100" smtClean="0"/>
+                <a:t>stop-signal</a:t>
+              </a:r>
+              <a:endParaRPr lang="fr-BE" sz="1100"/>
+            </a:p>
+          </p:txBody>
+        </p:sp>
+        <p:cxnSp>
+          <p:nvCxnSpPr>
+            <p:cNvPr id="80" name="Connecteur droit avec flèche 79"/>
+            <p:cNvCxnSpPr/>
+            <p:nvPr/>
+          </p:nvCxnSpPr>
+          <p:spPr>
+            <a:xfrm>
+              <a:off x="3586426" y="4751169"/>
+              <a:ext cx="1872208" cy="1588"/>
+            </a:xfrm>
+            <a:prstGeom prst="straightConnector1">
+              <a:avLst/>
+            </a:prstGeom>
+            <a:ln>
+              <a:tailEnd type="triangle"/>
+            </a:ln>
+          </p:spPr>
+          <p:style>
+            <a:lnRef idx="1">
+              <a:schemeClr val="dk1"/>
+            </a:lnRef>
+            <a:fillRef idx="0">
+              <a:schemeClr val="dk1"/>
+            </a:fillRef>
+            <a:effectRef idx="0">
+              <a:schemeClr val="dk1"/>
+            </a:effectRef>
+            <a:fontRef idx="minor">
+              <a:schemeClr val="tx1"/>
+            </a:fontRef>
+          </p:style>
+        </p:cxnSp>
+        <p:sp>
+          <p:nvSpPr>
+            <p:cNvPr id="82" name="ZoneTexte 81"/>
+            <p:cNvSpPr txBox="1"/>
+            <p:nvPr/>
+          </p:nvSpPr>
+          <p:spPr>
+            <a:xfrm>
+              <a:off x="4425008" y="4655913"/>
+              <a:ext cx="324000" cy="169277"/>
+            </a:xfrm>
+            <a:prstGeom prst="rect">
+              <a:avLst/>
+            </a:prstGeom>
+            <a:solidFill>
+              <a:schemeClr val="lt1"/>
+            </a:solidFill>
+            <a:ln>
+              <a:noFill/>
+            </a:ln>
+          </p:spPr>
+          <p:txBody>
+            <a:bodyPr wrap="square" lIns="18000" tIns="0" rIns="18000" bIns="0" rtlCol="0">
+              <a:spAutoFit/>
+            </a:bodyPr>
+            <a:lstStyle/>
+            <a:p>
+              <a:pPr algn="ctr"/>
+              <a:r>
+                <a:rPr lang="fr-BE" sz="1100" smtClean="0"/>
+                <a:t>stop</a:t>
+              </a:r>
+              <a:endParaRPr lang="fr-BE" sz="1100"/>
+            </a:p>
+          </p:txBody>
+        </p:sp>
+        <p:cxnSp>
+          <p:nvCxnSpPr>
+            <p:cNvPr id="83" name="Connecteur droit avec flèche 82"/>
+            <p:cNvCxnSpPr/>
+            <p:nvPr/>
+          </p:nvCxnSpPr>
+          <p:spPr>
+            <a:xfrm flipV="1">
+              <a:off x="2578314" y="4909819"/>
+              <a:ext cx="1008000" cy="862"/>
+            </a:xfrm>
+            <a:prstGeom prst="straightConnector1">
+              <a:avLst/>
+            </a:prstGeom>
+            <a:ln>
+              <a:tailEnd type="triangle"/>
+            </a:ln>
+          </p:spPr>
+          <p:style>
+            <a:lnRef idx="1">
+              <a:schemeClr val="dk1"/>
+            </a:lnRef>
+            <a:fillRef idx="0">
+              <a:schemeClr val="dk1"/>
+            </a:fillRef>
+            <a:effectRef idx="0">
+              <a:schemeClr val="dk1"/>
+            </a:effectRef>
+            <a:fontRef idx="minor">
+              <a:schemeClr val="tx1"/>
+            </a:fontRef>
+          </p:style>
+        </p:cxnSp>
+        <p:sp>
+          <p:nvSpPr>
+            <p:cNvPr id="84" name="ZoneTexte 83"/>
+            <p:cNvSpPr txBox="1"/>
+            <p:nvPr/>
+          </p:nvSpPr>
+          <p:spPr>
+            <a:xfrm>
+              <a:off x="2678183" y="4815680"/>
+              <a:ext cx="720000" cy="169277"/>
+            </a:xfrm>
+            <a:prstGeom prst="rect">
+              <a:avLst/>
+            </a:prstGeom>
+            <a:solidFill>
+              <a:schemeClr val="lt1"/>
+            </a:solidFill>
+            <a:ln>
+              <a:noFill/>
+            </a:ln>
+          </p:spPr>
+          <p:txBody>
+            <a:bodyPr wrap="square" lIns="18000" tIns="0" rIns="18000" bIns="0" rtlCol="0">
+              <a:spAutoFit/>
+            </a:bodyPr>
+            <a:lstStyle/>
+            <a:p>
+              <a:pPr algn="ctr"/>
+              <a:r>
+                <a:rPr lang="fr-BE" sz="1100" smtClean="0"/>
+                <a:t>open-signal</a:t>
+              </a:r>
+              <a:endParaRPr lang="fr-BE" sz="1100"/>
+            </a:p>
+          </p:txBody>
+        </p:sp>
+        <p:cxnSp>
+          <p:nvCxnSpPr>
+            <p:cNvPr id="85" name="Connecteur droit avec flèche 84"/>
+            <p:cNvCxnSpPr/>
+            <p:nvPr/>
+          </p:nvCxnSpPr>
+          <p:spPr>
+            <a:xfrm>
+              <a:off x="3586426" y="5053835"/>
+              <a:ext cx="1008112" cy="3130"/>
+            </a:xfrm>
+            <a:prstGeom prst="straightConnector1">
+              <a:avLst/>
+            </a:prstGeom>
+            <a:ln>
+              <a:tailEnd type="triangle"/>
+            </a:ln>
+          </p:spPr>
+          <p:style>
+            <a:lnRef idx="1">
+              <a:schemeClr val="dk1"/>
+            </a:lnRef>
+            <a:fillRef idx="0">
+              <a:schemeClr val="dk1"/>
+            </a:fillRef>
+            <a:effectRef idx="0">
+              <a:schemeClr val="dk1"/>
+            </a:effectRef>
+            <a:fontRef idx="minor">
+              <a:schemeClr val="tx1"/>
+            </a:fontRef>
+          </p:style>
+        </p:cxnSp>
+        <p:sp>
+          <p:nvSpPr>
+            <p:cNvPr id="86" name="ZoneTexte 85"/>
+            <p:cNvSpPr txBox="1"/>
+            <p:nvPr/>
+          </p:nvSpPr>
+          <p:spPr>
+            <a:xfrm>
+              <a:off x="3920992" y="4951947"/>
+              <a:ext cx="360000" cy="169277"/>
+            </a:xfrm>
+            <a:prstGeom prst="rect">
+              <a:avLst/>
+            </a:prstGeom>
+            <a:solidFill>
+              <a:schemeClr val="lt1"/>
+            </a:solidFill>
+            <a:ln>
+              <a:noFill/>
+            </a:ln>
+          </p:spPr>
+          <p:txBody>
+            <a:bodyPr wrap="square" lIns="18000" tIns="0" rIns="18000" bIns="0" rtlCol="0">
+              <a:spAutoFit/>
+            </a:bodyPr>
+            <a:lstStyle/>
+            <a:p>
+              <a:pPr algn="ctr"/>
+              <a:r>
+                <a:rPr lang="fr-BE" sz="1100" smtClean="0"/>
+                <a:t>open</a:t>
+              </a:r>
+              <a:endParaRPr lang="fr-BE" sz="1100"/>
+            </a:p>
+          </p:txBody>
+        </p:sp>
+        <p:cxnSp>
+          <p:nvCxnSpPr>
+            <p:cNvPr id="87" name="Connecteur droit avec flèche 86"/>
+            <p:cNvCxnSpPr/>
+            <p:nvPr/>
+          </p:nvCxnSpPr>
+          <p:spPr>
+            <a:xfrm>
+              <a:off x="1635964" y="4391127"/>
+              <a:ext cx="936000" cy="1588"/>
+            </a:xfrm>
+            <a:prstGeom prst="straightConnector1">
+              <a:avLst/>
+            </a:prstGeom>
+            <a:ln>
+              <a:tailEnd type="triangle"/>
+            </a:ln>
+          </p:spPr>
+          <p:style>
+            <a:lnRef idx="1">
+              <a:schemeClr val="dk1"/>
+            </a:lnRef>
+            <a:fillRef idx="0">
+              <a:schemeClr val="dk1"/>
+            </a:fillRef>
+            <a:effectRef idx="0">
+              <a:schemeClr val="dk1"/>
+            </a:effectRef>
+            <a:fontRef idx="minor">
+              <a:schemeClr val="tx1"/>
+            </a:fontRef>
+          </p:style>
+        </p:cxnSp>
+        <p:sp>
+          <p:nvSpPr>
+            <p:cNvPr id="88" name="ZoneTexte 87"/>
+            <p:cNvSpPr txBox="1"/>
+            <p:nvPr/>
+          </p:nvSpPr>
+          <p:spPr>
+            <a:xfrm>
+              <a:off x="1685511" y="4297525"/>
+              <a:ext cx="756000" cy="169277"/>
+            </a:xfrm>
+            <a:prstGeom prst="rect">
+              <a:avLst/>
+            </a:prstGeom>
+            <a:solidFill>
+              <a:schemeClr val="lt1"/>
+            </a:solidFill>
+            <a:ln>
+              <a:noFill/>
+            </a:ln>
+          </p:spPr>
+          <p:txBody>
+            <a:bodyPr wrap="square" lIns="18000" tIns="0" rIns="18000" bIns="0" rtlCol="0">
+              <a:spAutoFit/>
+            </a:bodyPr>
+            <a:lstStyle/>
+            <a:p>
+              <a:pPr algn="ctr"/>
+              <a:r>
+                <a:rPr lang="fr-BE" sz="1100" smtClean="0"/>
+                <a:t>alarm-signal</a:t>
+              </a:r>
+              <a:endParaRPr lang="fr-BE" sz="1100"/>
+            </a:p>
+          </p:txBody>
+        </p:sp>
+      </p:grpSp>
+      <p:grpSp>
+        <p:nvGrpSpPr>
+          <p:cNvPr id="307" name="Groupe 306"/>
+          <p:cNvGrpSpPr/>
+          <p:nvPr/>
+        </p:nvGrpSpPr>
+        <p:grpSpPr>
+          <a:xfrm>
+            <a:off x="1115616" y="908720"/>
+            <a:ext cx="6912768" cy="4032448"/>
+            <a:chOff x="1115616" y="908720"/>
+            <a:chExt cx="6912768" cy="4032448"/>
+          </a:xfrm>
+        </p:grpSpPr>
+        <p:sp>
+          <p:nvSpPr>
+            <p:cNvPr id="306" name="Rectangle 305"/>
+            <p:cNvSpPr/>
+            <p:nvPr/>
+          </p:nvSpPr>
+          <p:spPr>
+            <a:xfrm>
+              <a:off x="1115616" y="908720"/>
+              <a:ext cx="6912768" cy="4032448"/>
+            </a:xfrm>
+            <a:prstGeom prst="rect">
+              <a:avLst/>
+            </a:prstGeom>
+            <a:ln w="3175"/>
+          </p:spPr>
+          <p:style>
+            <a:lnRef idx="2">
+              <a:schemeClr val="dk1"/>
+            </a:lnRef>
+            <a:fillRef idx="1">
+              <a:schemeClr val="lt1"/>
+            </a:fillRef>
+            <a:effectRef idx="0">
+              <a:schemeClr val="dk1"/>
+            </a:effectRef>
+            <a:fontRef idx="minor">
+              <a:schemeClr val="dk1"/>
+            </a:fontRef>
+          </p:style>
+          <p:txBody>
+            <a:bodyPr rtlCol="0" anchor="ctr"/>
+            <a:lstStyle/>
+            <a:p>
+              <a:pPr algn="ctr"/>
+              <a:endParaRPr lang="fr-BE"/>
+            </a:p>
+          </p:txBody>
+        </p:sp>
+        <p:grpSp>
+          <p:nvGrpSpPr>
+            <p:cNvPr id="305" name="Groupe 304"/>
+            <p:cNvGrpSpPr/>
+            <p:nvPr/>
+          </p:nvGrpSpPr>
+          <p:grpSpPr>
+            <a:xfrm>
+              <a:off x="1187624" y="986781"/>
+              <a:ext cx="6768752" cy="3882082"/>
+              <a:chOff x="179512" y="188640"/>
+              <a:chExt cx="6768752" cy="3882082"/>
+            </a:xfrm>
+          </p:grpSpPr>
+          <p:grpSp>
+            <p:nvGrpSpPr>
+              <p:cNvPr id="301" name="Groupe 300"/>
+              <p:cNvGrpSpPr/>
+              <p:nvPr/>
+            </p:nvGrpSpPr>
+            <p:grpSpPr>
+              <a:xfrm>
+                <a:off x="232470" y="204168"/>
+                <a:ext cx="2736304" cy="1136600"/>
+                <a:chOff x="232470" y="204168"/>
+                <a:chExt cx="2736304" cy="1136600"/>
+              </a:xfrm>
+            </p:grpSpPr>
+            <p:grpSp>
+              <p:nvGrpSpPr>
+                <p:cNvPr id="144" name="Groupe 143"/>
+                <p:cNvGrpSpPr/>
+                <p:nvPr/>
+              </p:nvGrpSpPr>
+              <p:grpSpPr>
+                <a:xfrm>
+                  <a:off x="232470" y="204168"/>
+                  <a:ext cx="2736304" cy="936000"/>
+                  <a:chOff x="2123728" y="296688"/>
+                  <a:chExt cx="2736304" cy="936000"/>
+                </a:xfrm>
+              </p:grpSpPr>
+              <p:sp>
+                <p:nvSpPr>
+                  <p:cNvPr id="145" name="Rectangle 144"/>
+                  <p:cNvSpPr/>
+                  <p:nvPr/>
+                </p:nvSpPr>
+                <p:spPr>
+                  <a:xfrm>
+                    <a:off x="2123728" y="296688"/>
+                    <a:ext cx="864096" cy="324000"/>
+                  </a:xfrm>
+                  <a:prstGeom prst="rect">
+                    <a:avLst/>
+                  </a:prstGeom>
+                </p:spPr>
+                <p:style>
+                  <a:lnRef idx="2">
+                    <a:schemeClr val="dk1"/>
+                  </a:lnRef>
+                  <a:fillRef idx="1">
+                    <a:schemeClr val="lt1"/>
+                  </a:fillRef>
+                  <a:effectRef idx="0">
+                    <a:schemeClr val="dk1"/>
+                  </a:effectRef>
+                  <a:fontRef idx="minor">
+                    <a:schemeClr val="dk1"/>
+                  </a:fontRef>
+                </p:style>
+                <p:txBody>
+                  <a:bodyPr lIns="36000" tIns="36000" rIns="36000" bIns="36000" rtlCol="0" anchor="ctr" anchorCtr="0"/>
+                  <a:lstStyle/>
+                  <a:p>
+                    <a:pPr algn="ctr"/>
+                    <a:r>
+                      <a:rPr lang="fr-BE" sz="1100" smtClean="0"/>
+                      <a:t>Controller</a:t>
+                    </a:r>
+                    <a:endParaRPr lang="fr-BE" sz="1100"/>
+                  </a:p>
+                </p:txBody>
+              </p:sp>
+              <p:sp>
+                <p:nvSpPr>
+                  <p:cNvPr id="146" name="Rectangle 145"/>
+                  <p:cNvSpPr/>
+                  <p:nvPr/>
+                </p:nvSpPr>
+                <p:spPr>
+                  <a:xfrm>
+                    <a:off x="3203848" y="296688"/>
+                    <a:ext cx="720080" cy="324000"/>
+                  </a:xfrm>
+                  <a:prstGeom prst="rect">
+                    <a:avLst/>
+                  </a:prstGeom>
+                </p:spPr>
+                <p:style>
+                  <a:lnRef idx="2">
+                    <a:schemeClr val="dk1"/>
+                  </a:lnRef>
+                  <a:fillRef idx="1">
+                    <a:schemeClr val="lt1"/>
+                  </a:fillRef>
+                  <a:effectRef idx="0">
+                    <a:schemeClr val="dk1"/>
+                  </a:effectRef>
+                  <a:fontRef idx="minor">
+                    <a:schemeClr val="dk1"/>
+                  </a:fontRef>
+                </p:style>
+                <p:txBody>
+                  <a:bodyPr lIns="36000" tIns="36000" rIns="36000" bIns="36000" rtlCol="0" anchor="ctr"/>
+                  <a:lstStyle/>
+                  <a:p>
+                    <a:pPr algn="ctr"/>
+                    <a:r>
+                      <a:rPr lang="fr-BE" sz="1100" smtClean="0"/>
+                      <a:t>Actuators</a:t>
+                    </a:r>
+                    <a:endParaRPr lang="fr-BE" sz="1100"/>
+                  </a:p>
+                </p:txBody>
+              </p:sp>
+              <p:sp>
+                <p:nvSpPr>
+                  <p:cNvPr id="147" name="Rectangle 146"/>
+                  <p:cNvSpPr/>
+                  <p:nvPr/>
+                </p:nvSpPr>
+                <p:spPr>
+                  <a:xfrm>
+                    <a:off x="4139952" y="296688"/>
+                    <a:ext cx="720080" cy="324000"/>
+                  </a:xfrm>
+                  <a:prstGeom prst="rect">
+                    <a:avLst/>
+                  </a:prstGeom>
+                </p:spPr>
+                <p:style>
+                  <a:lnRef idx="2">
+                    <a:schemeClr val="dk1"/>
+                  </a:lnRef>
+                  <a:fillRef idx="1">
+                    <a:schemeClr val="lt1"/>
+                  </a:fillRef>
+                  <a:effectRef idx="0">
+                    <a:schemeClr val="dk1"/>
+                  </a:effectRef>
+                  <a:fontRef idx="minor">
+                    <a:schemeClr val="dk1"/>
+                  </a:fontRef>
+                </p:style>
+                <p:txBody>
+                  <a:bodyPr lIns="36000" tIns="36000" rIns="36000" bIns="36000" rtlCol="0" anchor="ctr"/>
+                  <a:lstStyle/>
+                  <a:p>
+                    <a:pPr algn="ctr"/>
+                    <a:r>
+                      <a:rPr lang="fr-BE" sz="1100" smtClean="0"/>
+                      <a:t>Engine</a:t>
+                    </a:r>
+                    <a:endParaRPr lang="fr-BE" sz="1100" smtClean="0"/>
+                  </a:p>
+                </p:txBody>
+              </p:sp>
+              <p:cxnSp>
+                <p:nvCxnSpPr>
+                  <p:cNvPr id="148" name="Connecteur droit avec flèche 147"/>
+                  <p:cNvCxnSpPr>
+                    <a:stCxn id="145" idx="2"/>
+                  </p:cNvCxnSpPr>
+                  <p:nvPr/>
+                </p:nvCxnSpPr>
+                <p:spPr>
+                  <a:xfrm rot="5400000">
+                    <a:off x="2249379" y="926291"/>
+                    <a:ext cx="612000" cy="794"/>
+                  </a:xfrm>
+                  <a:prstGeom prst="straightConnector1">
+                    <a:avLst/>
+                  </a:prstGeom>
+                  <a:ln>
+                    <a:tailEnd type="triangle"/>
+                  </a:ln>
+                </p:spPr>
+                <p:style>
+                  <a:lnRef idx="2">
+                    <a:schemeClr val="dk1"/>
+                  </a:lnRef>
+                  <a:fillRef idx="0">
+                    <a:schemeClr val="dk1"/>
+                  </a:fillRef>
+                  <a:effectRef idx="1">
+                    <a:schemeClr val="dk1"/>
+                  </a:effectRef>
+                  <a:fontRef idx="minor">
+                    <a:schemeClr val="tx1"/>
+                  </a:fontRef>
+                </p:style>
+              </p:cxnSp>
+              <p:cxnSp>
+                <p:nvCxnSpPr>
+                  <p:cNvPr id="149" name="Connecteur droit avec flèche 148"/>
+                  <p:cNvCxnSpPr>
+                    <a:stCxn id="146" idx="2"/>
+                  </p:cNvCxnSpPr>
+                  <p:nvPr/>
+                </p:nvCxnSpPr>
+                <p:spPr>
+                  <a:xfrm rot="5400000">
+                    <a:off x="3257491" y="926291"/>
+                    <a:ext cx="612000" cy="794"/>
+                  </a:xfrm>
+                  <a:prstGeom prst="straightConnector1">
+                    <a:avLst/>
+                  </a:prstGeom>
+                  <a:ln>
+                    <a:tailEnd type="triangle"/>
+                  </a:ln>
+                </p:spPr>
+                <p:style>
+                  <a:lnRef idx="2">
+                    <a:schemeClr val="dk1"/>
+                  </a:lnRef>
+                  <a:fillRef idx="0">
+                    <a:schemeClr val="dk1"/>
+                  </a:fillRef>
+                  <a:effectRef idx="1">
+                    <a:schemeClr val="dk1"/>
+                  </a:effectRef>
+                  <a:fontRef idx="minor">
+                    <a:schemeClr val="tx1"/>
+                  </a:fontRef>
+                </p:style>
+              </p:cxnSp>
+              <p:cxnSp>
+                <p:nvCxnSpPr>
+                  <p:cNvPr id="150" name="Connecteur droit avec flèche 149"/>
+                  <p:cNvCxnSpPr>
+                    <a:stCxn id="147" idx="2"/>
+                  </p:cNvCxnSpPr>
+                  <p:nvPr/>
+                </p:nvCxnSpPr>
+                <p:spPr>
+                  <a:xfrm rot="5400000">
+                    <a:off x="4193595" y="926291"/>
+                    <a:ext cx="612000" cy="794"/>
+                  </a:xfrm>
+                  <a:prstGeom prst="straightConnector1">
+                    <a:avLst/>
+                  </a:prstGeom>
+                  <a:ln>
+                    <a:tailEnd type="triangle"/>
+                  </a:ln>
+                </p:spPr>
+                <p:style>
+                  <a:lnRef idx="2">
+                    <a:schemeClr val="dk1"/>
+                  </a:lnRef>
+                  <a:fillRef idx="0">
+                    <a:schemeClr val="dk1"/>
+                  </a:fillRef>
+                  <a:effectRef idx="1">
+                    <a:schemeClr val="dk1"/>
+                  </a:effectRef>
+                  <a:fontRef idx="minor">
+                    <a:schemeClr val="tx1"/>
+                  </a:fontRef>
+                </p:style>
+              </p:cxnSp>
+              <p:cxnSp>
+                <p:nvCxnSpPr>
+                  <p:cNvPr id="151" name="Connecteur droit avec flèche 150"/>
+                  <p:cNvCxnSpPr/>
+                  <p:nvPr/>
+                </p:nvCxnSpPr>
+                <p:spPr>
+                  <a:xfrm>
+                    <a:off x="2555776" y="828688"/>
+                    <a:ext cx="1005025" cy="0"/>
+                  </a:xfrm>
+                  <a:prstGeom prst="straightConnector1">
+                    <a:avLst/>
+                  </a:prstGeom>
+                  <a:ln>
+                    <a:tailEnd type="triangle"/>
+                  </a:ln>
+                </p:spPr>
+                <p:style>
+                  <a:lnRef idx="1">
+                    <a:schemeClr val="dk1"/>
+                  </a:lnRef>
+                  <a:fillRef idx="0">
+                    <a:schemeClr val="dk1"/>
+                  </a:fillRef>
+                  <a:effectRef idx="0">
+                    <a:schemeClr val="dk1"/>
+                  </a:effectRef>
+                  <a:fontRef idx="minor">
+                    <a:schemeClr val="tx1"/>
+                  </a:fontRef>
+                </p:style>
+              </p:cxnSp>
+              <p:sp>
+                <p:nvSpPr>
+                  <p:cNvPr id="152" name="ZoneTexte 151"/>
+                  <p:cNvSpPr txBox="1"/>
+                  <p:nvPr/>
+                </p:nvSpPr>
+                <p:spPr>
+                  <a:xfrm>
+                    <a:off x="2655645" y="728736"/>
+                    <a:ext cx="720000" cy="169277"/>
+                  </a:xfrm>
+                  <a:prstGeom prst="rect">
+                    <a:avLst/>
+                  </a:prstGeom>
+                  <a:solidFill>
+                    <a:schemeClr val="lt1"/>
+                  </a:solidFill>
+                  <a:ln>
+                    <a:noFill/>
+                  </a:ln>
+                </p:spPr>
+                <p:txBody>
+                  <a:bodyPr wrap="square" lIns="18000" tIns="0" rIns="18000" bIns="0" rtlCol="0">
+                    <a:spAutoFit/>
+                  </a:bodyPr>
+                  <a:lstStyle/>
+                  <a:p>
+                    <a:pPr algn="ctr"/>
+                    <a:r>
+                      <a:rPr lang="fr-BE" sz="1100" smtClean="0"/>
+                      <a:t>start-signal</a:t>
+                    </a:r>
+                    <a:endParaRPr lang="fr-BE" sz="1100"/>
+                  </a:p>
+                </p:txBody>
+              </p:sp>
+              <p:cxnSp>
+                <p:nvCxnSpPr>
+                  <p:cNvPr id="153" name="Connecteur droit avec flèche 152"/>
+                  <p:cNvCxnSpPr/>
+                  <p:nvPr/>
+                </p:nvCxnSpPr>
+                <p:spPr>
+                  <a:xfrm>
+                    <a:off x="3563888" y="976402"/>
+                    <a:ext cx="936000" cy="1588"/>
+                  </a:xfrm>
+                  <a:prstGeom prst="straightConnector1">
+                    <a:avLst/>
+                  </a:prstGeom>
+                  <a:ln>
+                    <a:tailEnd type="triangle"/>
+                  </a:ln>
+                </p:spPr>
+                <p:style>
+                  <a:lnRef idx="1">
+                    <a:schemeClr val="dk1"/>
+                  </a:lnRef>
+                  <a:fillRef idx="0">
+                    <a:schemeClr val="dk1"/>
+                  </a:fillRef>
+                  <a:effectRef idx="0">
+                    <a:schemeClr val="dk1"/>
+                  </a:effectRef>
+                  <a:fontRef idx="minor">
+                    <a:schemeClr val="tx1"/>
+                  </a:fontRef>
+                </p:style>
+              </p:cxnSp>
+              <p:sp>
+                <p:nvSpPr>
+                  <p:cNvPr id="154" name="ZoneTexte 153"/>
+                  <p:cNvSpPr txBox="1"/>
+                  <p:nvPr/>
+                </p:nvSpPr>
+                <p:spPr>
+                  <a:xfrm>
+                    <a:off x="3851920" y="881146"/>
+                    <a:ext cx="385554" cy="169277"/>
+                  </a:xfrm>
+                  <a:prstGeom prst="rect">
+                    <a:avLst/>
+                  </a:prstGeom>
+                  <a:solidFill>
+                    <a:schemeClr val="lt1"/>
+                  </a:solidFill>
+                  <a:ln>
+                    <a:noFill/>
+                  </a:ln>
+                </p:spPr>
+                <p:txBody>
+                  <a:bodyPr wrap="square" lIns="18000" tIns="0" rIns="18000" bIns="0" rtlCol="0">
+                    <a:spAutoFit/>
+                  </a:bodyPr>
+                  <a:lstStyle/>
+                  <a:p>
+                    <a:pPr algn="ctr"/>
+                    <a:r>
+                      <a:rPr lang="fr-BE" sz="1100" smtClean="0"/>
+                      <a:t>start</a:t>
+                    </a:r>
+                    <a:endParaRPr lang="fr-BE" sz="1100"/>
+                  </a:p>
+                </p:txBody>
+              </p:sp>
+            </p:grpSp>
+            <p:sp>
+              <p:nvSpPr>
+                <p:cNvPr id="256" name="ZoneTexte 255"/>
+                <p:cNvSpPr txBox="1"/>
+                <p:nvPr/>
+              </p:nvSpPr>
+              <p:spPr>
+                <a:xfrm>
+                  <a:off x="1220969" y="1186880"/>
+                  <a:ext cx="759306" cy="153888"/>
+                </a:xfrm>
+                <a:prstGeom prst="rect">
+                  <a:avLst/>
+                </a:prstGeom>
+                <a:solidFill>
+                  <a:schemeClr val="lt1"/>
+                </a:solidFill>
+                <a:ln>
+                  <a:noFill/>
+                </a:ln>
+              </p:spPr>
+              <p:txBody>
+                <a:bodyPr wrap="none" lIns="18000" tIns="0" rIns="18000" bIns="0" rtlCol="0">
+                  <a:spAutoFit/>
+                </a:bodyPr>
+                <a:lstStyle/>
+                <a:p>
+                  <a:r>
+                    <a:rPr lang="fr-BE" sz="1000" smtClean="0">
+                      <a:latin typeface="Arial" pitchFamily="34" charset="0"/>
+                      <a:cs typeface="Arial" pitchFamily="34" charset="0"/>
+                    </a:rPr>
+                    <a:t>Starting train</a:t>
+                  </a:r>
+                  <a:endParaRPr lang="fr-BE" sz="1000">
+                    <a:latin typeface="Arial" pitchFamily="34" charset="0"/>
+                    <a:cs typeface="Arial" pitchFamily="34" charset="0"/>
+                  </a:endParaRPr>
+                </a:p>
+              </p:txBody>
+            </p:sp>
+          </p:grpSp>
+          <p:grpSp>
+            <p:nvGrpSpPr>
+              <p:cNvPr id="295" name="Groupe 294"/>
+              <p:cNvGrpSpPr/>
+              <p:nvPr/>
+            </p:nvGrpSpPr>
+            <p:grpSpPr>
+              <a:xfrm>
+                <a:off x="3563888" y="1772816"/>
+                <a:ext cx="2449860" cy="2094582"/>
+                <a:chOff x="3059832" y="254298"/>
+                <a:chExt cx="2449860" cy="2094582"/>
+              </a:xfrm>
+            </p:grpSpPr>
+            <p:sp>
+              <p:nvSpPr>
+                <p:cNvPr id="263" name="Rectangle à coins arrondis 262"/>
+                <p:cNvSpPr/>
+                <p:nvPr/>
+              </p:nvSpPr>
+              <p:spPr>
+                <a:xfrm>
+                  <a:off x="4427984" y="548680"/>
+                  <a:ext cx="1080120" cy="360040"/>
+                </a:xfrm>
+                <a:prstGeom prst="roundRect">
+                  <a:avLst/>
+                </a:prstGeom>
+              </p:spPr>
+              <p:style>
+                <a:lnRef idx="2">
+                  <a:schemeClr val="dk1"/>
+                </a:lnRef>
+                <a:fillRef idx="1">
+                  <a:schemeClr val="lt1"/>
+                </a:fillRef>
+                <a:effectRef idx="0">
+                  <a:schemeClr val="dk1"/>
+                </a:effectRef>
+                <a:fontRef idx="minor">
+                  <a:schemeClr val="dk1"/>
+                </a:fontRef>
+              </p:style>
+              <p:txBody>
+                <a:bodyPr wrap="none" rtlCol="0" anchor="ctr"/>
+                <a:lstStyle/>
+                <a:p>
+                  <a:pPr algn="ctr"/>
+                  <a:r>
+                    <a:rPr lang="fr-BE" sz="1200" smtClean="0"/>
+                    <a:t>Starting train</a:t>
+                  </a:r>
+                  <a:endParaRPr lang="fr-BE" sz="1200"/>
+                </a:p>
+              </p:txBody>
+            </p:sp>
+            <p:sp>
+              <p:nvSpPr>
+                <p:cNvPr id="264" name="Rectangle à coins arrondis 263"/>
+                <p:cNvSpPr/>
+                <p:nvPr/>
+              </p:nvSpPr>
+              <p:spPr>
+                <a:xfrm>
+                  <a:off x="3059832" y="1268760"/>
+                  <a:ext cx="1080120" cy="360040"/>
+                </a:xfrm>
+                <a:prstGeom prst="roundRect">
+                  <a:avLst/>
+                </a:prstGeom>
+              </p:spPr>
+              <p:style>
+                <a:lnRef idx="2">
+                  <a:schemeClr val="dk1"/>
+                </a:lnRef>
+                <a:fillRef idx="1">
+                  <a:schemeClr val="lt1"/>
+                </a:fillRef>
+                <a:effectRef idx="0">
+                  <a:schemeClr val="dk1"/>
+                </a:effectRef>
+                <a:fontRef idx="minor">
+                  <a:schemeClr val="dk1"/>
+                </a:fontRef>
+              </p:style>
+              <p:txBody>
+                <a:bodyPr wrap="none" rtlCol="0" anchor="ctr"/>
+                <a:lstStyle/>
+                <a:p>
+                  <a:pPr algn="ctr"/>
+                  <a:r>
+                    <a:rPr lang="fr-BE" sz="1200" smtClean="0"/>
+                    <a:t>Pressing alarm</a:t>
+                  </a:r>
+                  <a:endParaRPr lang="fr-BE" sz="1200"/>
+                </a:p>
+              </p:txBody>
+            </p:sp>
+            <p:sp>
+              <p:nvSpPr>
+                <p:cNvPr id="265" name="Rectangle à coins arrondis 264"/>
+                <p:cNvSpPr/>
+                <p:nvPr/>
+              </p:nvSpPr>
+              <p:spPr>
+                <a:xfrm>
+                  <a:off x="4427984" y="1196752"/>
+                  <a:ext cx="1080120" cy="504056"/>
+                </a:xfrm>
+                <a:prstGeom prst="roundRect">
+                  <a:avLst/>
+                </a:prstGeom>
+              </p:spPr>
+              <p:style>
+                <a:lnRef idx="2">
+                  <a:schemeClr val="dk1"/>
+                </a:lnRef>
+                <a:fillRef idx="1">
+                  <a:schemeClr val="lt1"/>
+                </a:fillRef>
+                <a:effectRef idx="0">
+                  <a:schemeClr val="dk1"/>
+                </a:effectRef>
+                <a:fontRef idx="minor">
+                  <a:schemeClr val="dk1"/>
+                </a:fontRef>
+              </p:style>
+              <p:txBody>
+                <a:bodyPr wrap="none" rtlCol="0" anchor="ctr"/>
+                <a:lstStyle/>
+                <a:p>
+                  <a:pPr algn="ctr"/>
+                  <a:r>
+                    <a:rPr lang="fr-BE" sz="1200" smtClean="0"/>
+                    <a:t>Stopping &amp; </a:t>
+                  </a:r>
+                  <a:br>
+                    <a:rPr lang="fr-BE" sz="1200" smtClean="0"/>
+                  </a:br>
+                  <a:r>
+                    <a:rPr lang="fr-BE" sz="1200" smtClean="0"/>
+                    <a:t>Opening doors</a:t>
+                  </a:r>
+                </a:p>
+              </p:txBody>
+            </p:sp>
+            <p:sp>
+              <p:nvSpPr>
+                <p:cNvPr id="266" name="Rectangle à coins arrondis 265"/>
+                <p:cNvSpPr/>
+                <p:nvPr/>
+              </p:nvSpPr>
+              <p:spPr>
+                <a:xfrm>
+                  <a:off x="4427984" y="1988840"/>
+                  <a:ext cx="1080120" cy="360040"/>
+                </a:xfrm>
+                <a:prstGeom prst="roundRect">
+                  <a:avLst/>
+                </a:prstGeom>
+              </p:spPr>
+              <p:style>
+                <a:lnRef idx="2">
+                  <a:schemeClr val="dk1"/>
+                </a:lnRef>
+                <a:fillRef idx="1">
+                  <a:schemeClr val="lt1"/>
+                </a:fillRef>
+                <a:effectRef idx="0">
+                  <a:schemeClr val="dk1"/>
+                </a:effectRef>
+                <a:fontRef idx="minor">
+                  <a:schemeClr val="dk1"/>
+                </a:fontRef>
+              </p:style>
+              <p:txBody>
+                <a:bodyPr wrap="none" rtlCol="0" anchor="ctr"/>
+                <a:lstStyle/>
+                <a:p>
+                  <a:pPr algn="ctr"/>
+                  <a:r>
+                    <a:rPr lang="fr-BE" sz="1200" smtClean="0"/>
+                    <a:t>Closing doors</a:t>
+                  </a:r>
+                  <a:endParaRPr lang="fr-BE" sz="1200"/>
+                </a:p>
+              </p:txBody>
+            </p:sp>
+            <p:cxnSp>
+              <p:nvCxnSpPr>
+                <p:cNvPr id="268" name="Connecteur droit avec flèche 267"/>
+                <p:cNvCxnSpPr>
+                  <a:stCxn id="263" idx="2"/>
+                  <a:endCxn id="265" idx="0"/>
+                </p:cNvCxnSpPr>
+                <p:nvPr/>
+              </p:nvCxnSpPr>
+              <p:spPr>
+                <a:xfrm rot="5400000">
+                  <a:off x="4824028" y="1052736"/>
+                  <a:ext cx="288032" cy="1588"/>
+                </a:xfrm>
+                <a:prstGeom prst="straightConnector1">
+                  <a:avLst/>
+                </a:prstGeom>
+                <a:ln>
+                  <a:tailEnd type="arrow"/>
+                </a:ln>
+              </p:spPr>
+              <p:style>
+                <a:lnRef idx="2">
+                  <a:schemeClr val="dk1"/>
+                </a:lnRef>
+                <a:fillRef idx="0">
+                  <a:schemeClr val="dk1"/>
+                </a:fillRef>
+                <a:effectRef idx="1">
+                  <a:schemeClr val="dk1"/>
+                </a:effectRef>
+                <a:fontRef idx="minor">
+                  <a:schemeClr val="tx1"/>
+                </a:fontRef>
+              </p:style>
+            </p:cxnSp>
+            <p:cxnSp>
+              <p:nvCxnSpPr>
+                <p:cNvPr id="269" name="Connecteur droit avec flèche 268"/>
+                <p:cNvCxnSpPr>
+                  <a:stCxn id="265" idx="2"/>
+                  <a:endCxn id="266" idx="0"/>
+                </p:cNvCxnSpPr>
+                <p:nvPr/>
+              </p:nvCxnSpPr>
+              <p:spPr>
+                <a:xfrm rot="5400000">
+                  <a:off x="4824028" y="1844824"/>
+                  <a:ext cx="288032" cy="1588"/>
+                </a:xfrm>
+                <a:prstGeom prst="straightConnector1">
+                  <a:avLst/>
+                </a:prstGeom>
+                <a:ln>
+                  <a:tailEnd type="arrow"/>
+                </a:ln>
+              </p:spPr>
+              <p:style>
+                <a:lnRef idx="2">
+                  <a:schemeClr val="dk1"/>
+                </a:lnRef>
+                <a:fillRef idx="0">
+                  <a:schemeClr val="dk1"/>
+                </a:fillRef>
+                <a:effectRef idx="1">
+                  <a:schemeClr val="dk1"/>
+                </a:effectRef>
+                <a:fontRef idx="minor">
+                  <a:schemeClr val="tx1"/>
+                </a:fontRef>
+              </p:style>
+            </p:cxnSp>
+            <p:cxnSp>
+              <p:nvCxnSpPr>
+                <p:cNvPr id="272" name="Connecteur droit avec flèche 271"/>
+                <p:cNvCxnSpPr>
+                  <a:stCxn id="264" idx="3"/>
+                  <a:endCxn id="265" idx="1"/>
+                </p:cNvCxnSpPr>
+                <p:nvPr/>
+              </p:nvCxnSpPr>
+              <p:spPr>
+                <a:xfrm>
+                  <a:off x="4139952" y="1448780"/>
+                  <a:ext cx="288032" cy="1588"/>
+                </a:xfrm>
+                <a:prstGeom prst="straightConnector1">
+                  <a:avLst/>
+                </a:prstGeom>
+                <a:ln>
+                  <a:tailEnd type="arrow"/>
+                </a:ln>
+              </p:spPr>
+              <p:style>
+                <a:lnRef idx="2">
+                  <a:schemeClr val="dk1"/>
+                </a:lnRef>
+                <a:fillRef idx="0">
+                  <a:schemeClr val="dk1"/>
+                </a:fillRef>
+                <a:effectRef idx="1">
+                  <a:schemeClr val="dk1"/>
+                </a:effectRef>
+                <a:fontRef idx="minor">
+                  <a:schemeClr val="tx1"/>
+                </a:fontRef>
+              </p:style>
+            </p:cxnSp>
+            <p:cxnSp>
+              <p:nvCxnSpPr>
+                <p:cNvPr id="280" name="Connecteur en angle 279"/>
+                <p:cNvCxnSpPr>
+                  <a:stCxn id="266" idx="3"/>
+                  <a:endCxn id="263" idx="3"/>
+                </p:cNvCxnSpPr>
+                <p:nvPr/>
+              </p:nvCxnSpPr>
+              <p:spPr>
+                <a:xfrm flipV="1">
+                  <a:off x="5508104" y="728700"/>
+                  <a:ext cx="1588" cy="1440160"/>
+                </a:xfrm>
+                <a:prstGeom prst="bentConnector3">
+                  <a:avLst>
+                    <a:gd name="adj1" fmla="val 21193332"/>
+                  </a:avLst>
+                </a:prstGeom>
+                <a:ln>
+                  <a:tailEnd type="arrow"/>
+                </a:ln>
+              </p:spPr>
+              <p:style>
+                <a:lnRef idx="2">
+                  <a:schemeClr val="dk1"/>
+                </a:lnRef>
+                <a:fillRef idx="0">
+                  <a:schemeClr val="dk1"/>
+                </a:fillRef>
+                <a:effectRef idx="1">
+                  <a:schemeClr val="dk1"/>
+                </a:effectRef>
+                <a:fontRef idx="minor">
+                  <a:schemeClr val="tx1"/>
+                </a:fontRef>
+              </p:style>
+            </p:cxnSp>
+            <p:cxnSp>
+              <p:nvCxnSpPr>
+                <p:cNvPr id="282" name="Connecteur en angle 281"/>
+                <p:cNvCxnSpPr>
+                  <a:stCxn id="263" idx="1"/>
+                  <a:endCxn id="264" idx="0"/>
+                </p:cNvCxnSpPr>
+                <p:nvPr/>
+              </p:nvCxnSpPr>
+              <p:spPr>
+                <a:xfrm rot="10800000" flipV="1">
+                  <a:off x="3599892" y="728700"/>
+                  <a:ext cx="828092" cy="540060"/>
+                </a:xfrm>
+                <a:prstGeom prst="bentConnector2">
+                  <a:avLst/>
+                </a:prstGeom>
+                <a:ln>
+                  <a:tailEnd type="arrow"/>
+                </a:ln>
+              </p:spPr>
+              <p:style>
+                <a:lnRef idx="2">
+                  <a:schemeClr val="dk1"/>
+                </a:lnRef>
+                <a:fillRef idx="0">
+                  <a:schemeClr val="dk1"/>
+                </a:fillRef>
+                <a:effectRef idx="1">
+                  <a:schemeClr val="dk1"/>
+                </a:effectRef>
+                <a:fontRef idx="minor">
+                  <a:schemeClr val="tx1"/>
+                </a:fontRef>
+              </p:style>
+            </p:cxnSp>
+            <p:sp>
+              <p:nvSpPr>
+                <p:cNvPr id="291" name="Ellipse 290"/>
+                <p:cNvSpPr/>
+                <p:nvPr/>
+              </p:nvSpPr>
+              <p:spPr>
+                <a:xfrm>
+                  <a:off x="4932040" y="254298"/>
+                  <a:ext cx="72000" cy="72000"/>
+                </a:xfrm>
+                <a:prstGeom prst="ellipse">
+                  <a:avLst/>
+                </a:prstGeom>
+              </p:spPr>
+              <p:style>
+                <a:lnRef idx="2">
+                  <a:schemeClr val="dk1">
+                    <a:shade val="50000"/>
+                  </a:schemeClr>
+                </a:lnRef>
+                <a:fillRef idx="1">
+                  <a:schemeClr val="dk1"/>
+                </a:fillRef>
+                <a:effectRef idx="0">
+                  <a:schemeClr val="dk1"/>
+                </a:effectRef>
+                <a:fontRef idx="minor">
+                  <a:schemeClr val="lt1"/>
+                </a:fontRef>
+              </p:style>
+              <p:txBody>
+                <a:bodyPr rtlCol="0" anchor="ctr"/>
+                <a:lstStyle/>
+                <a:p>
+                  <a:pPr algn="ctr"/>
+                  <a:endParaRPr lang="fr-BE"/>
+                </a:p>
+              </p:txBody>
+            </p:sp>
+            <p:cxnSp>
+              <p:nvCxnSpPr>
+                <p:cNvPr id="292" name="Connecteur droit avec flèche 291"/>
+                <p:cNvCxnSpPr>
+                  <a:stCxn id="291" idx="4"/>
+                  <a:endCxn id="263" idx="0"/>
+                </p:cNvCxnSpPr>
+                <p:nvPr/>
+              </p:nvCxnSpPr>
+              <p:spPr>
+                <a:xfrm rot="16200000" flipH="1">
+                  <a:off x="4856851" y="437487"/>
+                  <a:ext cx="222382" cy="4"/>
+                </a:xfrm>
+                <a:prstGeom prst="straightConnector1">
+                  <a:avLst/>
+                </a:prstGeom>
+                <a:ln>
+                  <a:tailEnd type="arrow"/>
+                </a:ln>
+              </p:spPr>
+              <p:style>
+                <a:lnRef idx="2">
+                  <a:schemeClr val="dk1"/>
+                </a:lnRef>
+                <a:fillRef idx="0">
+                  <a:schemeClr val="dk1"/>
+                </a:fillRef>
+                <a:effectRef idx="1">
+                  <a:schemeClr val="dk1"/>
+                </a:effectRef>
+                <a:fontRef idx="minor">
+                  <a:schemeClr val="tx1"/>
+                </a:fontRef>
+              </p:style>
+            </p:cxnSp>
+          </p:grpSp>
+          <p:grpSp>
+            <p:nvGrpSpPr>
+              <p:cNvPr id="302" name="Groupe 301"/>
+              <p:cNvGrpSpPr/>
+              <p:nvPr/>
+            </p:nvGrpSpPr>
+            <p:grpSpPr>
+              <a:xfrm>
+                <a:off x="179512" y="1556792"/>
+                <a:ext cx="2842220" cy="1152128"/>
+                <a:chOff x="179512" y="1556792"/>
+                <a:chExt cx="2842220" cy="1152128"/>
+              </a:xfrm>
+            </p:grpSpPr>
+            <p:grpSp>
+              <p:nvGrpSpPr>
+                <p:cNvPr id="297" name="Groupe 296"/>
+                <p:cNvGrpSpPr/>
+                <p:nvPr/>
+              </p:nvGrpSpPr>
+              <p:grpSpPr>
+                <a:xfrm>
+                  <a:off x="179512" y="1556792"/>
+                  <a:ext cx="2842220" cy="972000"/>
+                  <a:chOff x="251520" y="2276872"/>
+                  <a:chExt cx="2842220" cy="972000"/>
+                </a:xfrm>
+              </p:grpSpPr>
+              <p:sp>
+                <p:nvSpPr>
+                  <p:cNvPr id="197" name="Rectangle 196"/>
+                  <p:cNvSpPr/>
+                  <p:nvPr/>
+                </p:nvSpPr>
+                <p:spPr>
+                  <a:xfrm>
+                    <a:off x="251520" y="2276872"/>
+                    <a:ext cx="720080" cy="324000"/>
+                  </a:xfrm>
+                  <a:prstGeom prst="rect">
+                    <a:avLst/>
+                  </a:prstGeom>
+                </p:spPr>
+                <p:style>
+                  <a:lnRef idx="2">
+                    <a:schemeClr val="dk1"/>
+                  </a:lnRef>
+                  <a:fillRef idx="1">
+                    <a:schemeClr val="lt1"/>
+                  </a:fillRef>
+                  <a:effectRef idx="0">
+                    <a:schemeClr val="dk1"/>
+                  </a:effectRef>
+                  <a:fontRef idx="minor">
+                    <a:schemeClr val="dk1"/>
+                  </a:fontRef>
+                </p:style>
+                <p:txBody>
+                  <a:bodyPr lIns="36000" tIns="36000" rIns="36000" bIns="36000" rtlCol="0" anchor="ctr"/>
+                  <a:lstStyle/>
+                  <a:p>
+                    <a:pPr algn="ctr"/>
+                    <a:r>
+                      <a:rPr lang="fr-BE" sz="1100" smtClean="0"/>
+                      <a:t>Passenger</a:t>
+                    </a:r>
+                    <a:endParaRPr lang="fr-BE" sz="1100"/>
+                  </a:p>
+                </p:txBody>
+              </p:sp>
+              <p:sp>
+                <p:nvSpPr>
+                  <p:cNvPr id="198" name="Rectangle 197"/>
+                  <p:cNvSpPr/>
+                  <p:nvPr/>
+                </p:nvSpPr>
+                <p:spPr>
+                  <a:xfrm>
+                    <a:off x="2229644" y="2276872"/>
+                    <a:ext cx="864096" cy="324000"/>
+                  </a:xfrm>
+                  <a:prstGeom prst="rect">
+                    <a:avLst/>
+                  </a:prstGeom>
+                </p:spPr>
+                <p:style>
+                  <a:lnRef idx="2">
+                    <a:schemeClr val="dk1"/>
+                  </a:lnRef>
+                  <a:fillRef idx="1">
+                    <a:schemeClr val="lt1"/>
+                  </a:fillRef>
+                  <a:effectRef idx="0">
+                    <a:schemeClr val="dk1"/>
+                  </a:effectRef>
+                  <a:fontRef idx="minor">
+                    <a:schemeClr val="dk1"/>
+                  </a:fontRef>
+                </p:style>
+                <p:txBody>
+                  <a:bodyPr lIns="36000" tIns="36000" rIns="36000" bIns="36000" rtlCol="0" anchor="ctr" anchorCtr="0"/>
+                  <a:lstStyle/>
+                  <a:p>
+                    <a:pPr algn="ctr"/>
+                    <a:r>
+                      <a:rPr lang="fr-BE" sz="1100" smtClean="0"/>
+                      <a:t>Controller</a:t>
+                    </a:r>
+                    <a:endParaRPr lang="fr-BE" sz="1100"/>
+                  </a:p>
+                </p:txBody>
+              </p:sp>
+              <p:sp>
+                <p:nvSpPr>
+                  <p:cNvPr id="202" name="Rectangle 201"/>
+                  <p:cNvSpPr/>
+                  <p:nvPr/>
+                </p:nvSpPr>
+                <p:spPr>
+                  <a:xfrm>
+                    <a:off x="1343804" y="2276872"/>
+                    <a:ext cx="720080" cy="324000"/>
+                  </a:xfrm>
+                  <a:prstGeom prst="rect">
+                    <a:avLst/>
+                  </a:prstGeom>
+                </p:spPr>
+                <p:style>
+                  <a:lnRef idx="2">
+                    <a:schemeClr val="dk1"/>
+                  </a:lnRef>
+                  <a:fillRef idx="1">
+                    <a:schemeClr val="lt1"/>
+                  </a:fillRef>
+                  <a:effectRef idx="0">
+                    <a:schemeClr val="dk1"/>
+                  </a:effectRef>
+                  <a:fontRef idx="minor">
+                    <a:schemeClr val="dk1"/>
+                  </a:fontRef>
+                </p:style>
+                <p:txBody>
+                  <a:bodyPr lIns="36000" tIns="36000" rIns="36000" bIns="36000" rtlCol="0" anchor="ctr"/>
+                  <a:lstStyle/>
+                  <a:p>
+                    <a:pPr algn="ctr"/>
+                    <a:r>
+                      <a:rPr lang="fr-BE" sz="1100" smtClean="0"/>
+                      <a:t>Sensors</a:t>
+                    </a:r>
+                  </a:p>
+                </p:txBody>
+              </p:sp>
+              <p:cxnSp>
+                <p:nvCxnSpPr>
+                  <p:cNvPr id="203" name="Connecteur droit avec flèche 202"/>
+                  <p:cNvCxnSpPr>
+                    <a:stCxn id="198" idx="2"/>
+                  </p:cNvCxnSpPr>
+                  <p:nvPr/>
+                </p:nvCxnSpPr>
+                <p:spPr>
+                  <a:xfrm rot="5400000">
+                    <a:off x="2337295" y="2924475"/>
+                    <a:ext cx="648000" cy="794"/>
+                  </a:xfrm>
+                  <a:prstGeom prst="straightConnector1">
+                    <a:avLst/>
+                  </a:prstGeom>
+                  <a:ln>
+                    <a:tailEnd type="triangle"/>
+                  </a:ln>
+                </p:spPr>
+                <p:style>
+                  <a:lnRef idx="2">
+                    <a:schemeClr val="dk1"/>
+                  </a:lnRef>
+                  <a:fillRef idx="0">
+                    <a:schemeClr val="dk1"/>
+                  </a:fillRef>
+                  <a:effectRef idx="1">
+                    <a:schemeClr val="dk1"/>
+                  </a:effectRef>
+                  <a:fontRef idx="minor">
+                    <a:schemeClr val="tx1"/>
+                  </a:fontRef>
+                </p:style>
+              </p:cxnSp>
+              <p:cxnSp>
+                <p:nvCxnSpPr>
+                  <p:cNvPr id="204" name="Connecteur droit avec flèche 203"/>
+                  <p:cNvCxnSpPr>
+                    <a:stCxn id="197" idx="2"/>
+                  </p:cNvCxnSpPr>
+                  <p:nvPr/>
+                </p:nvCxnSpPr>
+                <p:spPr>
+                  <a:xfrm rot="5400000">
+                    <a:off x="287163" y="2924475"/>
+                    <a:ext cx="648000" cy="794"/>
+                  </a:xfrm>
+                  <a:prstGeom prst="straightConnector1">
+                    <a:avLst/>
+                  </a:prstGeom>
+                  <a:ln>
+                    <a:tailEnd type="triangle"/>
+                  </a:ln>
+                </p:spPr>
+                <p:style>
+                  <a:lnRef idx="2">
+                    <a:schemeClr val="dk1"/>
+                  </a:lnRef>
+                  <a:fillRef idx="0">
+                    <a:schemeClr val="dk1"/>
+                  </a:fillRef>
+                  <a:effectRef idx="1">
+                    <a:schemeClr val="dk1"/>
+                  </a:effectRef>
+                  <a:fontRef idx="minor">
+                    <a:schemeClr val="tx1"/>
+                  </a:fontRef>
+                </p:style>
+              </p:cxnSp>
+              <p:cxnSp>
+                <p:nvCxnSpPr>
+                  <p:cNvPr id="206" name="Connecteur droit avec flèche 205"/>
+                  <p:cNvCxnSpPr>
+                    <a:stCxn id="202" idx="2"/>
+                  </p:cNvCxnSpPr>
+                  <p:nvPr/>
+                </p:nvCxnSpPr>
+                <p:spPr>
+                  <a:xfrm rot="5400000">
+                    <a:off x="1379447" y="2924475"/>
+                    <a:ext cx="648000" cy="794"/>
+                  </a:xfrm>
+                  <a:prstGeom prst="straightConnector1">
+                    <a:avLst/>
+                  </a:prstGeom>
+                  <a:ln>
+                    <a:tailEnd type="triangle"/>
+                  </a:ln>
+                </p:spPr>
+                <p:style>
+                  <a:lnRef idx="2">
+                    <a:schemeClr val="dk1"/>
+                  </a:lnRef>
+                  <a:fillRef idx="0">
+                    <a:schemeClr val="dk1"/>
+                  </a:fillRef>
+                  <a:effectRef idx="1">
+                    <a:schemeClr val="dk1"/>
+                  </a:effectRef>
+                  <a:fontRef idx="minor">
+                    <a:schemeClr val="tx1"/>
+                  </a:fontRef>
+                </p:style>
+              </p:cxnSp>
+              <p:cxnSp>
+                <p:nvCxnSpPr>
+                  <p:cNvPr id="209" name="Connecteur droit avec flèche 208"/>
+                  <p:cNvCxnSpPr/>
+                  <p:nvPr/>
+                </p:nvCxnSpPr>
+                <p:spPr>
+                  <a:xfrm>
+                    <a:off x="611560" y="2818273"/>
+                    <a:ext cx="1080000" cy="1588"/>
+                  </a:xfrm>
+                  <a:prstGeom prst="straightConnector1">
+                    <a:avLst/>
+                  </a:prstGeom>
+                  <a:ln>
+                    <a:tailEnd type="triangle"/>
+                  </a:ln>
+                </p:spPr>
+                <p:style>
+                  <a:lnRef idx="1">
+                    <a:schemeClr val="dk1"/>
+                  </a:lnRef>
+                  <a:fillRef idx="0">
+                    <a:schemeClr val="dk1"/>
+                  </a:fillRef>
+                  <a:effectRef idx="0">
+                    <a:schemeClr val="dk1"/>
+                  </a:effectRef>
+                  <a:fontRef idx="minor">
+                    <a:schemeClr val="tx1"/>
+                  </a:fontRef>
+                </p:style>
+              </p:cxnSp>
+              <p:sp>
+                <p:nvSpPr>
+                  <p:cNvPr id="210" name="ZoneTexte 209"/>
+                  <p:cNvSpPr txBox="1"/>
+                  <p:nvPr/>
+                </p:nvSpPr>
+                <p:spPr>
+                  <a:xfrm>
+                    <a:off x="707260" y="2716922"/>
+                    <a:ext cx="864000" cy="180000"/>
+                  </a:xfrm>
+                  <a:prstGeom prst="rect">
+                    <a:avLst/>
+                  </a:prstGeom>
+                  <a:solidFill>
+                    <a:schemeClr val="lt1"/>
+                  </a:solidFill>
+                  <a:ln>
+                    <a:noFill/>
+                  </a:ln>
+                </p:spPr>
+                <p:txBody>
+                  <a:bodyPr wrap="square" lIns="18000" tIns="0" rIns="18000" bIns="0" rtlCol="0">
+                    <a:spAutoFit/>
+                  </a:bodyPr>
+                  <a:lstStyle/>
+                  <a:p>
+                    <a:pPr algn="ctr"/>
+                    <a:r>
+                      <a:rPr lang="fr-BE" sz="1100" smtClean="0"/>
+                      <a:t>alarm-pressed</a:t>
+                    </a:r>
+                    <a:endParaRPr lang="fr-BE" sz="1100"/>
+                  </a:p>
+                </p:txBody>
+              </p:sp>
+              <p:cxnSp>
+                <p:nvCxnSpPr>
+                  <p:cNvPr id="223" name="Connecteur droit avec flèche 222"/>
+                  <p:cNvCxnSpPr/>
+                  <p:nvPr/>
+                </p:nvCxnSpPr>
+                <p:spPr>
+                  <a:xfrm>
+                    <a:off x="1719342" y="2993285"/>
+                    <a:ext cx="936000" cy="1588"/>
+                  </a:xfrm>
+                  <a:prstGeom prst="straightConnector1">
+                    <a:avLst/>
+                  </a:prstGeom>
+                  <a:ln>
+                    <a:tailEnd type="triangle"/>
+                  </a:ln>
+                </p:spPr>
+                <p:style>
+                  <a:lnRef idx="1">
+                    <a:schemeClr val="dk1"/>
+                  </a:lnRef>
+                  <a:fillRef idx="0">
+                    <a:schemeClr val="dk1"/>
+                  </a:fillRef>
+                  <a:effectRef idx="0">
+                    <a:schemeClr val="dk1"/>
+                  </a:effectRef>
+                  <a:fontRef idx="minor">
+                    <a:schemeClr val="tx1"/>
+                  </a:fontRef>
+                </p:style>
+              </p:cxnSp>
+              <p:sp>
+                <p:nvSpPr>
+                  <p:cNvPr id="224" name="ZoneTexte 223"/>
+                  <p:cNvSpPr txBox="1"/>
+                  <p:nvPr/>
+                </p:nvSpPr>
+                <p:spPr>
+                  <a:xfrm>
+                    <a:off x="1768889" y="2899683"/>
+                    <a:ext cx="756000" cy="169277"/>
+                  </a:xfrm>
+                  <a:prstGeom prst="rect">
+                    <a:avLst/>
+                  </a:prstGeom>
+                  <a:solidFill>
+                    <a:schemeClr val="lt1"/>
+                  </a:solidFill>
+                  <a:ln>
+                    <a:noFill/>
+                  </a:ln>
+                </p:spPr>
+                <p:txBody>
+                  <a:bodyPr wrap="square" lIns="18000" tIns="0" rIns="18000" bIns="0" rtlCol="0">
+                    <a:spAutoFit/>
+                  </a:bodyPr>
+                  <a:lstStyle/>
+                  <a:p>
+                    <a:pPr algn="ctr"/>
+                    <a:r>
+                      <a:rPr lang="fr-BE" sz="1100" smtClean="0"/>
+                      <a:t>alarm-signal</a:t>
+                    </a:r>
+                    <a:endParaRPr lang="fr-BE" sz="1100"/>
+                  </a:p>
+                </p:txBody>
+              </p:sp>
+            </p:grpSp>
+            <p:sp>
+              <p:nvSpPr>
+                <p:cNvPr id="296" name="ZoneTexte 295"/>
+                <p:cNvSpPr txBox="1"/>
+                <p:nvPr/>
+              </p:nvSpPr>
+              <p:spPr>
+                <a:xfrm>
+                  <a:off x="1156048" y="2555032"/>
+                  <a:ext cx="889149" cy="153888"/>
+                </a:xfrm>
+                <a:prstGeom prst="rect">
+                  <a:avLst/>
+                </a:prstGeom>
+                <a:solidFill>
+                  <a:schemeClr val="lt1"/>
+                </a:solidFill>
+                <a:ln>
+                  <a:noFill/>
+                </a:ln>
+              </p:spPr>
+              <p:txBody>
+                <a:bodyPr wrap="none" lIns="18000" tIns="0" rIns="18000" bIns="0" rtlCol="0">
+                  <a:spAutoFit/>
+                </a:bodyPr>
+                <a:lstStyle/>
+                <a:p>
+                  <a:r>
+                    <a:rPr lang="fr-BE" sz="1000" smtClean="0">
+                      <a:latin typeface="Arial" pitchFamily="34" charset="0"/>
+                      <a:cs typeface="Arial" pitchFamily="34" charset="0"/>
+                    </a:rPr>
+                    <a:t>Pressing alarm</a:t>
+                  </a:r>
+                  <a:endParaRPr lang="fr-BE" sz="1000">
+                    <a:latin typeface="Arial" pitchFamily="34" charset="0"/>
+                    <a:cs typeface="Arial" pitchFamily="34" charset="0"/>
+                  </a:endParaRPr>
+                </a:p>
+              </p:txBody>
+            </p:sp>
+          </p:grpSp>
+          <p:grpSp>
+            <p:nvGrpSpPr>
+              <p:cNvPr id="300" name="Groupe 299"/>
+              <p:cNvGrpSpPr/>
+              <p:nvPr/>
+            </p:nvGrpSpPr>
+            <p:grpSpPr>
+              <a:xfrm>
+                <a:off x="232470" y="2940472"/>
+                <a:ext cx="2736304" cy="1130250"/>
+                <a:chOff x="232470" y="2940472"/>
+                <a:chExt cx="2736304" cy="1130250"/>
+              </a:xfrm>
+            </p:grpSpPr>
+            <p:grpSp>
+              <p:nvGrpSpPr>
+                <p:cNvPr id="298" name="Groupe 297"/>
+                <p:cNvGrpSpPr/>
+                <p:nvPr/>
+              </p:nvGrpSpPr>
+              <p:grpSpPr>
+                <a:xfrm>
+                  <a:off x="232470" y="2940472"/>
+                  <a:ext cx="2736304" cy="936000"/>
+                  <a:chOff x="329878" y="3679036"/>
+                  <a:chExt cx="2736304" cy="936000"/>
+                </a:xfrm>
+              </p:grpSpPr>
+              <p:sp>
+                <p:nvSpPr>
+                  <p:cNvPr id="134" name="Rectangle 133"/>
+                  <p:cNvSpPr/>
+                  <p:nvPr/>
+                </p:nvSpPr>
+                <p:spPr>
+                  <a:xfrm>
+                    <a:off x="329878" y="3679036"/>
+                    <a:ext cx="864096" cy="324000"/>
+                  </a:xfrm>
+                  <a:prstGeom prst="rect">
+                    <a:avLst/>
+                  </a:prstGeom>
+                </p:spPr>
+                <p:style>
+                  <a:lnRef idx="2">
+                    <a:schemeClr val="dk1"/>
+                  </a:lnRef>
+                  <a:fillRef idx="1">
+                    <a:schemeClr val="lt1"/>
+                  </a:fillRef>
+                  <a:effectRef idx="0">
+                    <a:schemeClr val="dk1"/>
+                  </a:effectRef>
+                  <a:fontRef idx="minor">
+                    <a:schemeClr val="dk1"/>
+                  </a:fontRef>
+                </p:style>
+                <p:txBody>
+                  <a:bodyPr lIns="36000" tIns="36000" rIns="36000" bIns="36000" rtlCol="0" anchor="ctr" anchorCtr="0"/>
+                  <a:lstStyle/>
+                  <a:p>
+                    <a:pPr algn="ctr"/>
+                    <a:r>
+                      <a:rPr lang="fr-BE" sz="1100" smtClean="0"/>
+                      <a:t>Controller</a:t>
+                    </a:r>
+                    <a:endParaRPr lang="fr-BE" sz="1100"/>
+                  </a:p>
+                </p:txBody>
+              </p:sp>
+              <p:sp>
+                <p:nvSpPr>
+                  <p:cNvPr id="135" name="Rectangle 134"/>
+                  <p:cNvSpPr/>
+                  <p:nvPr/>
+                </p:nvSpPr>
+                <p:spPr>
+                  <a:xfrm>
+                    <a:off x="1409998" y="3679036"/>
+                    <a:ext cx="720080" cy="324000"/>
+                  </a:xfrm>
+                  <a:prstGeom prst="rect">
+                    <a:avLst/>
+                  </a:prstGeom>
+                </p:spPr>
+                <p:style>
+                  <a:lnRef idx="2">
+                    <a:schemeClr val="dk1"/>
+                  </a:lnRef>
+                  <a:fillRef idx="1">
+                    <a:schemeClr val="lt1"/>
+                  </a:fillRef>
+                  <a:effectRef idx="0">
+                    <a:schemeClr val="dk1"/>
+                  </a:effectRef>
+                  <a:fontRef idx="minor">
+                    <a:schemeClr val="dk1"/>
+                  </a:fontRef>
+                </p:style>
+                <p:txBody>
+                  <a:bodyPr lIns="36000" tIns="36000" rIns="36000" bIns="36000" rtlCol="0" anchor="ctr"/>
+                  <a:lstStyle/>
+                  <a:p>
+                    <a:pPr algn="ctr"/>
+                    <a:r>
+                      <a:rPr lang="fr-BE" sz="1100" smtClean="0"/>
+                      <a:t>Actuators</a:t>
+                    </a:r>
+                    <a:endParaRPr lang="fr-BE" sz="1100"/>
+                  </a:p>
+                </p:txBody>
+              </p:sp>
+              <p:sp>
+                <p:nvSpPr>
+                  <p:cNvPr id="136" name="Rectangle 135"/>
+                  <p:cNvSpPr/>
+                  <p:nvPr/>
+                </p:nvSpPr>
+                <p:spPr>
+                  <a:xfrm>
+                    <a:off x="2346102" y="3679036"/>
+                    <a:ext cx="720080" cy="324000"/>
+                  </a:xfrm>
+                  <a:prstGeom prst="rect">
+                    <a:avLst/>
+                  </a:prstGeom>
+                </p:spPr>
+                <p:style>
+                  <a:lnRef idx="2">
+                    <a:schemeClr val="dk1"/>
+                  </a:lnRef>
+                  <a:fillRef idx="1">
+                    <a:schemeClr val="lt1"/>
+                  </a:fillRef>
+                  <a:effectRef idx="0">
+                    <a:schemeClr val="dk1"/>
+                  </a:effectRef>
+                  <a:fontRef idx="minor">
+                    <a:schemeClr val="dk1"/>
+                  </a:fontRef>
+                </p:style>
+                <p:txBody>
+                  <a:bodyPr lIns="36000" tIns="36000" rIns="36000" bIns="36000" rtlCol="0" anchor="ctr"/>
+                  <a:lstStyle/>
+                  <a:p>
+                    <a:pPr algn="ctr"/>
+                    <a:r>
+                      <a:rPr lang="fr-BE" sz="1100" smtClean="0"/>
+                      <a:t>Doors</a:t>
+                    </a:r>
+                  </a:p>
+                </p:txBody>
+              </p:sp>
+              <p:cxnSp>
+                <p:nvCxnSpPr>
+                  <p:cNvPr id="137" name="Connecteur droit avec flèche 136"/>
+                  <p:cNvCxnSpPr>
+                    <a:stCxn id="134" idx="2"/>
+                  </p:cNvCxnSpPr>
+                  <p:nvPr/>
+                </p:nvCxnSpPr>
+                <p:spPr>
+                  <a:xfrm rot="5400000">
+                    <a:off x="455529" y="4308639"/>
+                    <a:ext cx="612000" cy="794"/>
+                  </a:xfrm>
+                  <a:prstGeom prst="straightConnector1">
+                    <a:avLst/>
+                  </a:prstGeom>
+                  <a:ln>
+                    <a:tailEnd type="triangle"/>
+                  </a:ln>
+                </p:spPr>
+                <p:style>
+                  <a:lnRef idx="2">
+                    <a:schemeClr val="dk1"/>
+                  </a:lnRef>
+                  <a:fillRef idx="0">
+                    <a:schemeClr val="dk1"/>
+                  </a:fillRef>
+                  <a:effectRef idx="1">
+                    <a:schemeClr val="dk1"/>
+                  </a:effectRef>
+                  <a:fontRef idx="minor">
+                    <a:schemeClr val="tx1"/>
+                  </a:fontRef>
+                </p:style>
+              </p:cxnSp>
+              <p:cxnSp>
+                <p:nvCxnSpPr>
+                  <p:cNvPr id="138" name="Connecteur droit avec flèche 137"/>
+                  <p:cNvCxnSpPr>
+                    <a:stCxn id="135" idx="2"/>
+                  </p:cNvCxnSpPr>
+                  <p:nvPr/>
+                </p:nvCxnSpPr>
+                <p:spPr>
+                  <a:xfrm rot="5400000">
+                    <a:off x="1463641" y="4308639"/>
+                    <a:ext cx="612000" cy="794"/>
+                  </a:xfrm>
+                  <a:prstGeom prst="straightConnector1">
+                    <a:avLst/>
+                  </a:prstGeom>
+                  <a:ln>
+                    <a:tailEnd type="triangle"/>
+                  </a:ln>
+                </p:spPr>
+                <p:style>
+                  <a:lnRef idx="2">
+                    <a:schemeClr val="dk1"/>
+                  </a:lnRef>
+                  <a:fillRef idx="0">
+                    <a:schemeClr val="dk1"/>
+                  </a:fillRef>
+                  <a:effectRef idx="1">
+                    <a:schemeClr val="dk1"/>
+                  </a:effectRef>
+                  <a:fontRef idx="minor">
+                    <a:schemeClr val="tx1"/>
+                  </a:fontRef>
+                </p:style>
+              </p:cxnSp>
+              <p:cxnSp>
+                <p:nvCxnSpPr>
+                  <p:cNvPr id="139" name="Connecteur droit avec flèche 138"/>
+                  <p:cNvCxnSpPr>
+                    <a:stCxn id="136" idx="2"/>
+                  </p:cNvCxnSpPr>
+                  <p:nvPr/>
+                </p:nvCxnSpPr>
+                <p:spPr>
+                  <a:xfrm rot="5400000">
+                    <a:off x="2399745" y="4308639"/>
+                    <a:ext cx="612000" cy="794"/>
+                  </a:xfrm>
+                  <a:prstGeom prst="straightConnector1">
+                    <a:avLst/>
+                  </a:prstGeom>
+                  <a:ln>
+                    <a:tailEnd type="triangle"/>
+                  </a:ln>
+                </p:spPr>
+                <p:style>
+                  <a:lnRef idx="2">
+                    <a:schemeClr val="dk1"/>
+                  </a:lnRef>
+                  <a:fillRef idx="0">
+                    <a:schemeClr val="dk1"/>
+                  </a:fillRef>
+                  <a:effectRef idx="1">
+                    <a:schemeClr val="dk1"/>
+                  </a:effectRef>
+                  <a:fontRef idx="minor">
+                    <a:schemeClr val="tx1"/>
+                  </a:fontRef>
+                </p:style>
+              </p:cxnSp>
+              <p:cxnSp>
+                <p:nvCxnSpPr>
+                  <p:cNvPr id="140" name="Connecteur droit avec flèche 139"/>
+                  <p:cNvCxnSpPr/>
+                  <p:nvPr/>
+                </p:nvCxnSpPr>
+                <p:spPr>
+                  <a:xfrm>
+                    <a:off x="761926" y="4211036"/>
+                    <a:ext cx="1005025" cy="0"/>
+                  </a:xfrm>
+                  <a:prstGeom prst="straightConnector1">
+                    <a:avLst/>
+                  </a:prstGeom>
+                  <a:ln>
+                    <a:tailEnd type="triangle"/>
+                  </a:ln>
+                </p:spPr>
+                <p:style>
+                  <a:lnRef idx="1">
+                    <a:schemeClr val="dk1"/>
+                  </a:lnRef>
+                  <a:fillRef idx="0">
+                    <a:schemeClr val="dk1"/>
+                  </a:fillRef>
+                  <a:effectRef idx="0">
+                    <a:schemeClr val="dk1"/>
+                  </a:effectRef>
+                  <a:fontRef idx="minor">
+                    <a:schemeClr val="tx1"/>
+                  </a:fontRef>
+                </p:style>
+              </p:cxnSp>
+              <p:sp>
+                <p:nvSpPr>
+                  <p:cNvPr id="141" name="ZoneTexte 140"/>
+                  <p:cNvSpPr txBox="1"/>
+                  <p:nvPr/>
+                </p:nvSpPr>
+                <p:spPr>
+                  <a:xfrm>
+                    <a:off x="861795" y="4111084"/>
+                    <a:ext cx="720000" cy="169277"/>
+                  </a:xfrm>
+                  <a:prstGeom prst="rect">
+                    <a:avLst/>
+                  </a:prstGeom>
+                  <a:solidFill>
+                    <a:schemeClr val="lt1"/>
+                  </a:solidFill>
+                  <a:ln>
+                    <a:noFill/>
+                  </a:ln>
+                </p:spPr>
+                <p:txBody>
+                  <a:bodyPr wrap="square" lIns="18000" tIns="0" rIns="18000" bIns="0" rtlCol="0">
+                    <a:spAutoFit/>
+                  </a:bodyPr>
+                  <a:lstStyle/>
+                  <a:p>
+                    <a:pPr algn="ctr"/>
+                    <a:r>
+                      <a:rPr lang="fr-BE" sz="1100" smtClean="0"/>
+                      <a:t>close-signal</a:t>
+                    </a:r>
+                    <a:endParaRPr lang="fr-BE" sz="1100"/>
+                  </a:p>
+                </p:txBody>
+              </p:sp>
+              <p:cxnSp>
+                <p:nvCxnSpPr>
+                  <p:cNvPr id="142" name="Connecteur droit avec flèche 141"/>
+                  <p:cNvCxnSpPr/>
+                  <p:nvPr/>
+                </p:nvCxnSpPr>
+                <p:spPr>
+                  <a:xfrm>
+                    <a:off x="1770038" y="4358750"/>
+                    <a:ext cx="936000" cy="1588"/>
+                  </a:xfrm>
+                  <a:prstGeom prst="straightConnector1">
+                    <a:avLst/>
+                  </a:prstGeom>
+                  <a:ln>
+                    <a:tailEnd type="triangle"/>
+                  </a:ln>
+                </p:spPr>
+                <p:style>
+                  <a:lnRef idx="1">
+                    <a:schemeClr val="dk1"/>
+                  </a:lnRef>
+                  <a:fillRef idx="0">
+                    <a:schemeClr val="dk1"/>
+                  </a:fillRef>
+                  <a:effectRef idx="0">
+                    <a:schemeClr val="dk1"/>
+                  </a:effectRef>
+                  <a:fontRef idx="minor">
+                    <a:schemeClr val="tx1"/>
+                  </a:fontRef>
+                </p:style>
+              </p:cxnSp>
+              <p:sp>
+                <p:nvSpPr>
+                  <p:cNvPr id="143" name="ZoneTexte 142"/>
+                  <p:cNvSpPr txBox="1"/>
+                  <p:nvPr/>
+                </p:nvSpPr>
+                <p:spPr>
+                  <a:xfrm>
+                    <a:off x="2058070" y="4263494"/>
+                    <a:ext cx="385554" cy="169277"/>
+                  </a:xfrm>
+                  <a:prstGeom prst="rect">
+                    <a:avLst/>
+                  </a:prstGeom>
+                  <a:solidFill>
+                    <a:schemeClr val="lt1"/>
+                  </a:solidFill>
+                  <a:ln>
+                    <a:noFill/>
+                  </a:ln>
+                </p:spPr>
+                <p:txBody>
+                  <a:bodyPr wrap="square" lIns="18000" tIns="0" rIns="18000" bIns="0" rtlCol="0">
+                    <a:spAutoFit/>
+                  </a:bodyPr>
+                  <a:lstStyle/>
+                  <a:p>
+                    <a:pPr algn="ctr"/>
+                    <a:r>
+                      <a:rPr lang="fr-BE" sz="1100" smtClean="0"/>
+                      <a:t>close</a:t>
+                    </a:r>
+                    <a:endParaRPr lang="fr-BE" sz="1100"/>
+                  </a:p>
+                </p:txBody>
+              </p:sp>
+            </p:grpSp>
+            <p:sp>
+              <p:nvSpPr>
+                <p:cNvPr id="299" name="ZoneTexte 298"/>
+                <p:cNvSpPr txBox="1"/>
+                <p:nvPr/>
+              </p:nvSpPr>
+              <p:spPr>
+                <a:xfrm>
+                  <a:off x="1192115" y="3916834"/>
+                  <a:ext cx="817014" cy="153888"/>
+                </a:xfrm>
+                <a:prstGeom prst="rect">
+                  <a:avLst/>
+                </a:prstGeom>
+                <a:solidFill>
+                  <a:schemeClr val="lt1"/>
+                </a:solidFill>
+                <a:ln>
+                  <a:noFill/>
+                </a:ln>
+              </p:spPr>
+              <p:txBody>
+                <a:bodyPr wrap="none" lIns="18000" tIns="0" rIns="18000" bIns="0" rtlCol="0">
+                  <a:spAutoFit/>
+                </a:bodyPr>
+                <a:lstStyle/>
+                <a:p>
+                  <a:r>
+                    <a:rPr lang="fr-BE" sz="1000" smtClean="0">
+                      <a:latin typeface="Arial" pitchFamily="34" charset="0"/>
+                      <a:cs typeface="Arial" pitchFamily="34" charset="0"/>
+                    </a:rPr>
+                    <a:t>Closing doors</a:t>
+                  </a:r>
+                  <a:endParaRPr lang="fr-BE" sz="1000">
+                    <a:latin typeface="Arial" pitchFamily="34" charset="0"/>
+                    <a:cs typeface="Arial" pitchFamily="34" charset="0"/>
+                  </a:endParaRPr>
+                </a:p>
+              </p:txBody>
+            </p:sp>
+          </p:grpSp>
+          <p:grpSp>
+            <p:nvGrpSpPr>
+              <p:cNvPr id="304" name="Groupe 303"/>
+              <p:cNvGrpSpPr/>
+              <p:nvPr/>
+            </p:nvGrpSpPr>
+            <p:grpSpPr>
+              <a:xfrm>
+                <a:off x="3275856" y="188640"/>
+                <a:ext cx="3672408" cy="1450032"/>
+                <a:chOff x="3419872" y="188640"/>
+                <a:chExt cx="3672408" cy="1450032"/>
+              </a:xfrm>
+            </p:grpSpPr>
+            <p:grpSp>
+              <p:nvGrpSpPr>
+                <p:cNvPr id="226" name="Groupe 225"/>
+                <p:cNvGrpSpPr/>
+                <p:nvPr/>
+              </p:nvGrpSpPr>
+              <p:grpSpPr>
+                <a:xfrm>
+                  <a:off x="3419872" y="188640"/>
+                  <a:ext cx="3672408" cy="1224000"/>
+                  <a:chOff x="2146266" y="3249016"/>
+                  <a:chExt cx="3672408" cy="1224000"/>
+                </a:xfrm>
+              </p:grpSpPr>
+              <p:sp>
+                <p:nvSpPr>
+                  <p:cNvPr id="228" name="Rectangle 227"/>
+                  <p:cNvSpPr/>
+                  <p:nvPr/>
+                </p:nvSpPr>
+                <p:spPr>
+                  <a:xfrm>
+                    <a:off x="2146266" y="3249016"/>
+                    <a:ext cx="864096" cy="324000"/>
+                  </a:xfrm>
+                  <a:prstGeom prst="rect">
+                    <a:avLst/>
+                  </a:prstGeom>
+                </p:spPr>
+                <p:style>
+                  <a:lnRef idx="2">
+                    <a:schemeClr val="dk1"/>
+                  </a:lnRef>
+                  <a:fillRef idx="1">
+                    <a:schemeClr val="lt1"/>
+                  </a:fillRef>
+                  <a:effectRef idx="0">
+                    <a:schemeClr val="dk1"/>
+                  </a:effectRef>
+                  <a:fontRef idx="minor">
+                    <a:schemeClr val="dk1"/>
+                  </a:fontRef>
+                </p:style>
+                <p:txBody>
+                  <a:bodyPr lIns="36000" tIns="36000" rIns="36000" bIns="36000" rtlCol="0" anchor="ctr" anchorCtr="0"/>
+                  <a:lstStyle/>
+                  <a:p>
+                    <a:pPr algn="ctr"/>
+                    <a:r>
+                      <a:rPr lang="fr-BE" sz="1100" smtClean="0"/>
+                      <a:t>Controller</a:t>
+                    </a:r>
+                    <a:endParaRPr lang="fr-BE" sz="1100"/>
+                  </a:p>
+                </p:txBody>
+              </p:sp>
+              <p:sp>
+                <p:nvSpPr>
+                  <p:cNvPr id="229" name="Rectangle 228"/>
+                  <p:cNvSpPr/>
+                  <p:nvPr/>
+                </p:nvSpPr>
+                <p:spPr>
+                  <a:xfrm>
+                    <a:off x="3226386" y="3249016"/>
+                    <a:ext cx="720080" cy="324000"/>
+                  </a:xfrm>
+                  <a:prstGeom prst="rect">
+                    <a:avLst/>
+                  </a:prstGeom>
+                </p:spPr>
+                <p:style>
+                  <a:lnRef idx="2">
+                    <a:schemeClr val="dk1"/>
+                  </a:lnRef>
+                  <a:fillRef idx="1">
+                    <a:schemeClr val="lt1"/>
+                  </a:fillRef>
+                  <a:effectRef idx="0">
+                    <a:schemeClr val="dk1"/>
+                  </a:effectRef>
+                  <a:fontRef idx="minor">
+                    <a:schemeClr val="dk1"/>
+                  </a:fontRef>
+                </p:style>
+                <p:txBody>
+                  <a:bodyPr lIns="36000" tIns="36000" rIns="36000" bIns="36000" rtlCol="0" anchor="ctr"/>
+                  <a:lstStyle/>
+                  <a:p>
+                    <a:pPr algn="ctr"/>
+                    <a:r>
+                      <a:rPr lang="fr-BE" sz="1100" smtClean="0"/>
+                      <a:t>Actuators</a:t>
+                    </a:r>
+                    <a:endParaRPr lang="fr-BE" sz="1100"/>
+                  </a:p>
+                </p:txBody>
+              </p:sp>
+              <p:sp>
+                <p:nvSpPr>
+                  <p:cNvPr id="230" name="Rectangle 229"/>
+                  <p:cNvSpPr/>
+                  <p:nvPr/>
+                </p:nvSpPr>
+                <p:spPr>
+                  <a:xfrm>
+                    <a:off x="5098594" y="3249016"/>
+                    <a:ext cx="720080" cy="324000"/>
+                  </a:xfrm>
+                  <a:prstGeom prst="rect">
+                    <a:avLst/>
+                  </a:prstGeom>
+                </p:spPr>
+                <p:style>
+                  <a:lnRef idx="2">
+                    <a:schemeClr val="dk1"/>
+                  </a:lnRef>
+                  <a:fillRef idx="1">
+                    <a:schemeClr val="lt1"/>
+                  </a:fillRef>
+                  <a:effectRef idx="0">
+                    <a:schemeClr val="dk1"/>
+                  </a:effectRef>
+                  <a:fontRef idx="minor">
+                    <a:schemeClr val="dk1"/>
+                  </a:fontRef>
+                </p:style>
+                <p:txBody>
+                  <a:bodyPr lIns="36000" tIns="36000" rIns="36000" bIns="36000" rtlCol="0" anchor="ctr"/>
+                  <a:lstStyle/>
+                  <a:p>
+                    <a:pPr algn="ctr"/>
+                    <a:r>
+                      <a:rPr lang="fr-BE" sz="1100" smtClean="0"/>
+                      <a:t>Engine</a:t>
+                    </a:r>
+                  </a:p>
+                </p:txBody>
+              </p:sp>
+              <p:sp>
+                <p:nvSpPr>
+                  <p:cNvPr id="231" name="Rectangle 230"/>
+                  <p:cNvSpPr/>
+                  <p:nvPr/>
+                </p:nvSpPr>
+                <p:spPr>
+                  <a:xfrm>
+                    <a:off x="4234498" y="3249016"/>
+                    <a:ext cx="720080" cy="324000"/>
+                  </a:xfrm>
+                  <a:prstGeom prst="rect">
+                    <a:avLst/>
+                  </a:prstGeom>
+                </p:spPr>
+                <p:style>
+                  <a:lnRef idx="2">
+                    <a:schemeClr val="dk1"/>
+                  </a:lnRef>
+                  <a:fillRef idx="1">
+                    <a:schemeClr val="lt1"/>
+                  </a:fillRef>
+                  <a:effectRef idx="0">
+                    <a:schemeClr val="dk1"/>
+                  </a:effectRef>
+                  <a:fontRef idx="minor">
+                    <a:schemeClr val="dk1"/>
+                  </a:fontRef>
+                </p:style>
+                <p:txBody>
+                  <a:bodyPr lIns="36000" tIns="36000" rIns="36000" bIns="36000" rtlCol="0" anchor="ctr"/>
+                  <a:lstStyle/>
+                  <a:p>
+                    <a:pPr algn="ctr"/>
+                    <a:r>
+                      <a:rPr lang="fr-BE" sz="1100" smtClean="0"/>
+                      <a:t>Doors</a:t>
+                    </a:r>
+                  </a:p>
+                </p:txBody>
+              </p:sp>
+              <p:cxnSp>
+                <p:nvCxnSpPr>
+                  <p:cNvPr id="233" name="Connecteur droit avec flèche 232"/>
+                  <p:cNvCxnSpPr>
+                    <a:stCxn id="228" idx="2"/>
+                  </p:cNvCxnSpPr>
+                  <p:nvPr/>
+                </p:nvCxnSpPr>
+                <p:spPr>
+                  <a:xfrm rot="5400000">
+                    <a:off x="2127917" y="4022619"/>
+                    <a:ext cx="900000" cy="794"/>
+                  </a:xfrm>
+                  <a:prstGeom prst="straightConnector1">
+                    <a:avLst/>
+                  </a:prstGeom>
+                  <a:ln>
+                    <a:tailEnd type="triangle"/>
+                  </a:ln>
+                </p:spPr>
+                <p:style>
+                  <a:lnRef idx="2">
+                    <a:schemeClr val="dk1"/>
+                  </a:lnRef>
+                  <a:fillRef idx="0">
+                    <a:schemeClr val="dk1"/>
+                  </a:fillRef>
+                  <a:effectRef idx="1">
+                    <a:schemeClr val="dk1"/>
+                  </a:effectRef>
+                  <a:fontRef idx="minor">
+                    <a:schemeClr val="tx1"/>
+                  </a:fontRef>
+                </p:style>
+              </p:cxnSp>
+              <p:cxnSp>
+                <p:nvCxnSpPr>
+                  <p:cNvPr id="235" name="Connecteur droit avec flèche 234"/>
+                  <p:cNvCxnSpPr>
+                    <a:stCxn id="229" idx="2"/>
+                  </p:cNvCxnSpPr>
+                  <p:nvPr/>
+                </p:nvCxnSpPr>
+                <p:spPr>
+                  <a:xfrm rot="5400000">
+                    <a:off x="3136029" y="4022619"/>
+                    <a:ext cx="900000" cy="794"/>
+                  </a:xfrm>
+                  <a:prstGeom prst="straightConnector1">
+                    <a:avLst/>
+                  </a:prstGeom>
+                  <a:ln>
+                    <a:tailEnd type="triangle"/>
+                  </a:ln>
+                </p:spPr>
+                <p:style>
+                  <a:lnRef idx="2">
+                    <a:schemeClr val="dk1"/>
+                  </a:lnRef>
+                  <a:fillRef idx="0">
+                    <a:schemeClr val="dk1"/>
+                  </a:fillRef>
+                  <a:effectRef idx="1">
+                    <a:schemeClr val="dk1"/>
+                  </a:effectRef>
+                  <a:fontRef idx="minor">
+                    <a:schemeClr val="tx1"/>
+                  </a:fontRef>
+                </p:style>
+              </p:cxnSp>
+              <p:cxnSp>
+                <p:nvCxnSpPr>
+                  <p:cNvPr id="237" name="Connecteur droit avec flèche 236"/>
+                  <p:cNvCxnSpPr>
+                    <a:stCxn id="231" idx="2"/>
+                  </p:cNvCxnSpPr>
+                  <p:nvPr/>
+                </p:nvCxnSpPr>
+                <p:spPr>
+                  <a:xfrm rot="5400000">
+                    <a:off x="4144141" y="4022619"/>
+                    <a:ext cx="900000" cy="794"/>
+                  </a:xfrm>
+                  <a:prstGeom prst="straightConnector1">
+                    <a:avLst/>
+                  </a:prstGeom>
+                  <a:ln>
+                    <a:tailEnd type="triangle"/>
+                  </a:ln>
+                </p:spPr>
+                <p:style>
+                  <a:lnRef idx="2">
+                    <a:schemeClr val="dk1"/>
+                  </a:lnRef>
+                  <a:fillRef idx="0">
+                    <a:schemeClr val="dk1"/>
+                  </a:fillRef>
+                  <a:effectRef idx="1">
+                    <a:schemeClr val="dk1"/>
+                  </a:effectRef>
+                  <a:fontRef idx="minor">
+                    <a:schemeClr val="tx1"/>
+                  </a:fontRef>
+                </p:style>
+              </p:cxnSp>
+              <p:cxnSp>
+                <p:nvCxnSpPr>
+                  <p:cNvPr id="238" name="Connecteur droit avec flèche 237"/>
+                  <p:cNvCxnSpPr>
+                    <a:stCxn id="230" idx="2"/>
+                  </p:cNvCxnSpPr>
+                  <p:nvPr/>
+                </p:nvCxnSpPr>
+                <p:spPr>
+                  <a:xfrm rot="5400000">
+                    <a:off x="5008237" y="4022619"/>
+                    <a:ext cx="900000" cy="794"/>
+                  </a:xfrm>
+                  <a:prstGeom prst="straightConnector1">
+                    <a:avLst/>
+                  </a:prstGeom>
+                  <a:ln>
+                    <a:tailEnd type="triangle"/>
+                  </a:ln>
+                </p:spPr>
+                <p:style>
+                  <a:lnRef idx="2">
+                    <a:schemeClr val="dk1"/>
+                  </a:lnRef>
+                  <a:fillRef idx="0">
+                    <a:schemeClr val="dk1"/>
+                  </a:fillRef>
+                  <a:effectRef idx="1">
+                    <a:schemeClr val="dk1"/>
+                  </a:effectRef>
+                  <a:fontRef idx="minor">
+                    <a:schemeClr val="tx1"/>
+                  </a:fontRef>
+                </p:style>
+              </p:cxnSp>
+              <p:cxnSp>
+                <p:nvCxnSpPr>
+                  <p:cNvPr id="245" name="Connecteur droit avec flèche 244"/>
+                  <p:cNvCxnSpPr/>
+                  <p:nvPr/>
+                </p:nvCxnSpPr>
+                <p:spPr>
+                  <a:xfrm>
+                    <a:off x="2578314" y="3776065"/>
+                    <a:ext cx="1008112" cy="1588"/>
+                  </a:xfrm>
+                  <a:prstGeom prst="straightConnector1">
+                    <a:avLst/>
+                  </a:prstGeom>
+                  <a:ln>
+                    <a:tailEnd type="triangle"/>
+                  </a:ln>
+                </p:spPr>
+                <p:style>
+                  <a:lnRef idx="1">
+                    <a:schemeClr val="dk1"/>
+                  </a:lnRef>
+                  <a:fillRef idx="0">
+                    <a:schemeClr val="dk1"/>
+                  </a:fillRef>
+                  <a:effectRef idx="0">
+                    <a:schemeClr val="dk1"/>
+                  </a:effectRef>
+                  <a:fontRef idx="minor">
+                    <a:schemeClr val="tx1"/>
+                  </a:fontRef>
+                </p:style>
+              </p:cxnSp>
+              <p:sp>
+                <p:nvSpPr>
+                  <p:cNvPr id="246" name="ZoneTexte 245"/>
+                  <p:cNvSpPr txBox="1"/>
+                  <p:nvPr/>
+                </p:nvSpPr>
+                <p:spPr>
+                  <a:xfrm>
+                    <a:off x="2678183" y="3681064"/>
+                    <a:ext cx="720000" cy="169277"/>
+                  </a:xfrm>
+                  <a:prstGeom prst="rect">
+                    <a:avLst/>
+                  </a:prstGeom>
+                  <a:solidFill>
+                    <a:schemeClr val="lt1"/>
+                  </a:solidFill>
+                  <a:ln>
+                    <a:noFill/>
+                  </a:ln>
+                </p:spPr>
+                <p:txBody>
+                  <a:bodyPr wrap="square" lIns="18000" tIns="0" rIns="18000" bIns="0" rtlCol="0">
+                    <a:spAutoFit/>
+                  </a:bodyPr>
+                  <a:lstStyle/>
+                  <a:p>
+                    <a:pPr algn="ctr"/>
+                    <a:r>
+                      <a:rPr lang="fr-BE" sz="1100" smtClean="0"/>
+                      <a:t>stop-signal</a:t>
+                    </a:r>
+                    <a:endParaRPr lang="fr-BE" sz="1100"/>
+                  </a:p>
+                </p:txBody>
+              </p:sp>
+              <p:cxnSp>
+                <p:nvCxnSpPr>
+                  <p:cNvPr id="247" name="Connecteur droit avec flèche 246"/>
+                  <p:cNvCxnSpPr/>
+                  <p:nvPr/>
+                </p:nvCxnSpPr>
+                <p:spPr>
+                  <a:xfrm>
+                    <a:off x="3586426" y="3959081"/>
+                    <a:ext cx="1872208" cy="1588"/>
+                  </a:xfrm>
+                  <a:prstGeom prst="straightConnector1">
+                    <a:avLst/>
+                  </a:prstGeom>
+                  <a:ln>
+                    <a:tailEnd type="triangle"/>
+                  </a:ln>
+                </p:spPr>
+                <p:style>
+                  <a:lnRef idx="1">
+                    <a:schemeClr val="dk1"/>
+                  </a:lnRef>
+                  <a:fillRef idx="0">
+                    <a:schemeClr val="dk1"/>
+                  </a:fillRef>
+                  <a:effectRef idx="0">
+                    <a:schemeClr val="dk1"/>
+                  </a:effectRef>
+                  <a:fontRef idx="minor">
+                    <a:schemeClr val="tx1"/>
+                  </a:fontRef>
+                </p:style>
+              </p:cxnSp>
+              <p:sp>
+                <p:nvSpPr>
+                  <p:cNvPr id="248" name="ZoneTexte 247"/>
+                  <p:cNvSpPr txBox="1"/>
+                  <p:nvPr/>
+                </p:nvSpPr>
+                <p:spPr>
+                  <a:xfrm>
+                    <a:off x="4425008" y="3863825"/>
+                    <a:ext cx="324000" cy="169277"/>
+                  </a:xfrm>
+                  <a:prstGeom prst="rect">
+                    <a:avLst/>
+                  </a:prstGeom>
+                  <a:solidFill>
+                    <a:schemeClr val="lt1"/>
+                  </a:solidFill>
+                  <a:ln>
+                    <a:noFill/>
+                  </a:ln>
+                </p:spPr>
+                <p:txBody>
+                  <a:bodyPr wrap="square" lIns="18000" tIns="0" rIns="18000" bIns="0" rtlCol="0">
+                    <a:spAutoFit/>
+                  </a:bodyPr>
+                  <a:lstStyle/>
+                  <a:p>
+                    <a:pPr algn="ctr"/>
+                    <a:r>
+                      <a:rPr lang="fr-BE" sz="1100" smtClean="0"/>
+                      <a:t>stop</a:t>
+                    </a:r>
+                    <a:endParaRPr lang="fr-BE" sz="1100"/>
+                  </a:p>
+                </p:txBody>
+              </p:sp>
+              <p:cxnSp>
+                <p:nvCxnSpPr>
+                  <p:cNvPr id="249" name="Connecteur droit avec flèche 248"/>
+                  <p:cNvCxnSpPr/>
+                  <p:nvPr/>
+                </p:nvCxnSpPr>
+                <p:spPr>
+                  <a:xfrm flipV="1">
+                    <a:off x="2578314" y="4117731"/>
+                    <a:ext cx="1008000" cy="862"/>
+                  </a:xfrm>
+                  <a:prstGeom prst="straightConnector1">
+                    <a:avLst/>
+                  </a:prstGeom>
+                  <a:ln>
+                    <a:tailEnd type="triangle"/>
+                  </a:ln>
+                </p:spPr>
+                <p:style>
+                  <a:lnRef idx="1">
+                    <a:schemeClr val="dk1"/>
+                  </a:lnRef>
+                  <a:fillRef idx="0">
+                    <a:schemeClr val="dk1"/>
+                  </a:fillRef>
+                  <a:effectRef idx="0">
+                    <a:schemeClr val="dk1"/>
+                  </a:effectRef>
+                  <a:fontRef idx="minor">
+                    <a:schemeClr val="tx1"/>
+                  </a:fontRef>
+                </p:style>
+              </p:cxnSp>
+              <p:sp>
+                <p:nvSpPr>
+                  <p:cNvPr id="250" name="ZoneTexte 249"/>
+                  <p:cNvSpPr txBox="1"/>
+                  <p:nvPr/>
+                </p:nvSpPr>
+                <p:spPr>
+                  <a:xfrm>
+                    <a:off x="2678183" y="4023592"/>
+                    <a:ext cx="720000" cy="169277"/>
+                  </a:xfrm>
+                  <a:prstGeom prst="rect">
+                    <a:avLst/>
+                  </a:prstGeom>
+                  <a:solidFill>
+                    <a:schemeClr val="lt1"/>
+                  </a:solidFill>
+                  <a:ln>
+                    <a:noFill/>
+                  </a:ln>
+                </p:spPr>
+                <p:txBody>
+                  <a:bodyPr wrap="square" lIns="18000" tIns="0" rIns="18000" bIns="0" rtlCol="0">
+                    <a:spAutoFit/>
+                  </a:bodyPr>
+                  <a:lstStyle/>
+                  <a:p>
+                    <a:pPr algn="ctr"/>
+                    <a:r>
+                      <a:rPr lang="fr-BE" sz="1100" smtClean="0"/>
+                      <a:t>open-signal</a:t>
+                    </a:r>
+                    <a:endParaRPr lang="fr-BE" sz="1100"/>
+                  </a:p>
+                </p:txBody>
+              </p:sp>
+              <p:cxnSp>
+                <p:nvCxnSpPr>
+                  <p:cNvPr id="251" name="Connecteur droit avec flèche 250"/>
+                  <p:cNvCxnSpPr/>
+                  <p:nvPr/>
+                </p:nvCxnSpPr>
+                <p:spPr>
+                  <a:xfrm>
+                    <a:off x="3586426" y="4261747"/>
+                    <a:ext cx="1008112" cy="3130"/>
+                  </a:xfrm>
+                  <a:prstGeom prst="straightConnector1">
+                    <a:avLst/>
+                  </a:prstGeom>
+                  <a:ln>
+                    <a:tailEnd type="triangle"/>
+                  </a:ln>
+                </p:spPr>
+                <p:style>
+                  <a:lnRef idx="1">
+                    <a:schemeClr val="dk1"/>
+                  </a:lnRef>
+                  <a:fillRef idx="0">
+                    <a:schemeClr val="dk1"/>
+                  </a:fillRef>
+                  <a:effectRef idx="0">
+                    <a:schemeClr val="dk1"/>
+                  </a:effectRef>
+                  <a:fontRef idx="minor">
+                    <a:schemeClr val="tx1"/>
+                  </a:fontRef>
+                </p:style>
+              </p:cxnSp>
+              <p:sp>
+                <p:nvSpPr>
+                  <p:cNvPr id="252" name="ZoneTexte 251"/>
+                  <p:cNvSpPr txBox="1"/>
+                  <p:nvPr/>
+                </p:nvSpPr>
+                <p:spPr>
+                  <a:xfrm>
+                    <a:off x="3920992" y="4159859"/>
+                    <a:ext cx="360000" cy="169277"/>
+                  </a:xfrm>
+                  <a:prstGeom prst="rect">
+                    <a:avLst/>
+                  </a:prstGeom>
+                  <a:solidFill>
+                    <a:schemeClr val="lt1"/>
+                  </a:solidFill>
+                  <a:ln>
+                    <a:noFill/>
+                  </a:ln>
+                </p:spPr>
+                <p:txBody>
+                  <a:bodyPr wrap="square" lIns="18000" tIns="0" rIns="18000" bIns="0" rtlCol="0">
+                    <a:spAutoFit/>
+                  </a:bodyPr>
+                  <a:lstStyle/>
+                  <a:p>
+                    <a:pPr algn="ctr"/>
+                    <a:r>
+                      <a:rPr lang="fr-BE" sz="1100" smtClean="0"/>
+                      <a:t>open</a:t>
+                    </a:r>
+                    <a:endParaRPr lang="fr-BE" sz="1100"/>
+                  </a:p>
+                </p:txBody>
+              </p:sp>
+            </p:grpSp>
+            <p:sp>
+              <p:nvSpPr>
+                <p:cNvPr id="303" name="ZoneTexte 302"/>
+                <p:cNvSpPr txBox="1"/>
+                <p:nvPr/>
+              </p:nvSpPr>
+              <p:spPr>
+                <a:xfrm>
+                  <a:off x="4491702" y="1484784"/>
+                  <a:ext cx="1528748" cy="153888"/>
+                </a:xfrm>
+                <a:prstGeom prst="rect">
+                  <a:avLst/>
+                </a:prstGeom>
+                <a:solidFill>
+                  <a:schemeClr val="lt1"/>
+                </a:solidFill>
+                <a:ln>
+                  <a:noFill/>
+                </a:ln>
+              </p:spPr>
+              <p:txBody>
+                <a:bodyPr wrap="none" lIns="18000" tIns="0" rIns="18000" bIns="0" rtlCol="0">
+                  <a:spAutoFit/>
+                </a:bodyPr>
+                <a:lstStyle/>
+                <a:p>
+                  <a:r>
+                    <a:rPr lang="fr-BE" sz="1000" smtClean="0">
+                      <a:latin typeface="Arial" pitchFamily="34" charset="0"/>
+                      <a:cs typeface="Arial" pitchFamily="34" charset="0"/>
+                    </a:rPr>
+                    <a:t>Stopping &amp; Opening doors</a:t>
+                  </a:r>
+                  <a:endParaRPr lang="fr-BE" sz="1000">
+                    <a:latin typeface="Arial" pitchFamily="34" charset="0"/>
+                    <a:cs typeface="Arial" pitchFamily="34" charset="0"/>
+                  </a:endParaRPr>
+                </a:p>
+              </p:txBody>
+            </p:sp>
+          </p:grpSp>
+        </p:grpSp>
+      </p:grpSp>
+    </p:spTree>
+  </p:cSld>
+  <p:clrMapOvr>
+    <a:masterClrMapping/>
+  </p:clrMapOvr>
+</p:sld>
+</file>
+
 <file path=ppt/theme/theme1.xml><?xml version="1.0" encoding="utf-8"?>
 <a:theme xmlns:a="http://schemas.openxmlformats.org/drawingml/2006/main" name="Thème Office">
   <a:themeElements>

--- a/writing/images/train.pptx
+++ b/writing/images/train.pptx
@@ -8,6 +8,9 @@
     <p:sldId id="256" r:id="rId2"/>
     <p:sldId id="257" r:id="rId3"/>
     <p:sldId id="258" r:id="rId4"/>
+    <p:sldId id="259" r:id="rId5"/>
+    <p:sldId id="260" r:id="rId6"/>
+    <p:sldId id="261" r:id="rId7"/>
   </p:sldIdLst>
   <p:sldSz cx="9144000" cy="6858000" type="screen4x3"/>
   <p:notesSz cx="6858000" cy="9144000"/>
@@ -291,7 +294,7 @@
             <a:fld id="{68BDF4EC-5B70-45D8-B718-E56EB4C6B13E}" type="datetimeFigureOut">
               <a:rPr lang="fr-BE" smtClean="0"/>
               <a:pPr/>
-              <a:t>17/05/2011</a:t>
+              <a:t>20/05/2011</a:t>
             </a:fld>
             <a:endParaRPr lang="fr-BE"/>
           </a:p>
@@ -458,7 +461,7 @@
             <a:fld id="{68BDF4EC-5B70-45D8-B718-E56EB4C6B13E}" type="datetimeFigureOut">
               <a:rPr lang="fr-BE" smtClean="0"/>
               <a:pPr/>
-              <a:t>17/05/2011</a:t>
+              <a:t>20/05/2011</a:t>
             </a:fld>
             <a:endParaRPr lang="fr-BE"/>
           </a:p>
@@ -635,7 +638,7 @@
             <a:fld id="{68BDF4EC-5B70-45D8-B718-E56EB4C6B13E}" type="datetimeFigureOut">
               <a:rPr lang="fr-BE" smtClean="0"/>
               <a:pPr/>
-              <a:t>17/05/2011</a:t>
+              <a:t>20/05/2011</a:t>
             </a:fld>
             <a:endParaRPr lang="fr-BE"/>
           </a:p>
@@ -802,7 +805,7 @@
             <a:fld id="{68BDF4EC-5B70-45D8-B718-E56EB4C6B13E}" type="datetimeFigureOut">
               <a:rPr lang="fr-BE" smtClean="0"/>
               <a:pPr/>
-              <a:t>17/05/2011</a:t>
+              <a:t>20/05/2011</a:t>
             </a:fld>
             <a:endParaRPr lang="fr-BE"/>
           </a:p>
@@ -1045,7 +1048,7 @@
             <a:fld id="{68BDF4EC-5B70-45D8-B718-E56EB4C6B13E}" type="datetimeFigureOut">
               <a:rPr lang="fr-BE" smtClean="0"/>
               <a:pPr/>
-              <a:t>17/05/2011</a:t>
+              <a:t>20/05/2011</a:t>
             </a:fld>
             <a:endParaRPr lang="fr-BE"/>
           </a:p>
@@ -1330,7 +1333,7 @@
             <a:fld id="{68BDF4EC-5B70-45D8-B718-E56EB4C6B13E}" type="datetimeFigureOut">
               <a:rPr lang="fr-BE" smtClean="0"/>
               <a:pPr/>
-              <a:t>17/05/2011</a:t>
+              <a:t>20/05/2011</a:t>
             </a:fld>
             <a:endParaRPr lang="fr-BE"/>
           </a:p>
@@ -1749,7 +1752,7 @@
             <a:fld id="{68BDF4EC-5B70-45D8-B718-E56EB4C6B13E}" type="datetimeFigureOut">
               <a:rPr lang="fr-BE" smtClean="0"/>
               <a:pPr/>
-              <a:t>17/05/2011</a:t>
+              <a:t>20/05/2011</a:t>
             </a:fld>
             <a:endParaRPr lang="fr-BE"/>
           </a:p>
@@ -1864,7 +1867,7 @@
             <a:fld id="{68BDF4EC-5B70-45D8-B718-E56EB4C6B13E}" type="datetimeFigureOut">
               <a:rPr lang="fr-BE" smtClean="0"/>
               <a:pPr/>
-              <a:t>17/05/2011</a:t>
+              <a:t>20/05/2011</a:t>
             </a:fld>
             <a:endParaRPr lang="fr-BE"/>
           </a:p>
@@ -1956,7 +1959,7 @@
             <a:fld id="{68BDF4EC-5B70-45D8-B718-E56EB4C6B13E}" type="datetimeFigureOut">
               <a:rPr lang="fr-BE" smtClean="0"/>
               <a:pPr/>
-              <a:t>17/05/2011</a:t>
+              <a:t>20/05/2011</a:t>
             </a:fld>
             <a:endParaRPr lang="fr-BE"/>
           </a:p>
@@ -2230,7 +2233,7 @@
             <a:fld id="{68BDF4EC-5B70-45D8-B718-E56EB4C6B13E}" type="datetimeFigureOut">
               <a:rPr lang="fr-BE" smtClean="0"/>
               <a:pPr/>
-              <a:t>17/05/2011</a:t>
+              <a:t>20/05/2011</a:t>
             </a:fld>
             <a:endParaRPr lang="fr-BE"/>
           </a:p>
@@ -2480,7 +2483,7 @@
             <a:fld id="{68BDF4EC-5B70-45D8-B718-E56EB4C6B13E}" type="datetimeFigureOut">
               <a:rPr lang="fr-BE" smtClean="0"/>
               <a:pPr/>
-              <a:t>17/05/2011</a:t>
+              <a:t>20/05/2011</a:t>
             </a:fld>
             <a:endParaRPr lang="fr-BE"/>
           </a:p>
@@ -2690,7 +2693,7 @@
             <a:fld id="{68BDF4EC-5B70-45D8-B718-E56EB4C6B13E}" type="datetimeFigureOut">
               <a:rPr lang="fr-BE" smtClean="0"/>
               <a:pPr/>
-              <a:t>17/05/2011</a:t>
+              <a:t>20/05/2011</a:t>
             </a:fld>
             <a:endParaRPr lang="fr-BE"/>
           </a:p>
@@ -6171,1032 +6174,6 @@
       </p:grpSpPr>
       <p:grpSp>
         <p:nvGrpSpPr>
-          <p:cNvPr id="166" name="Groupe 165"/>
-          <p:cNvGrpSpPr/>
-          <p:nvPr/>
-        </p:nvGrpSpPr>
-        <p:grpSpPr>
-          <a:xfrm>
-            <a:off x="3995936" y="6741368"/>
-            <a:ext cx="5578524" cy="2052000"/>
-            <a:chOff x="240150" y="3249016"/>
-            <a:chExt cx="5578524" cy="2052000"/>
-          </a:xfrm>
-        </p:grpSpPr>
-        <p:sp>
-          <p:nvSpPr>
-            <p:cNvPr id="52" name="Rectangle 51"/>
-            <p:cNvSpPr/>
-            <p:nvPr/>
-          </p:nvSpPr>
-          <p:spPr>
-            <a:xfrm>
-              <a:off x="240150" y="3249016"/>
-              <a:ext cx="720080" cy="324000"/>
-            </a:xfrm>
-            <a:prstGeom prst="rect">
-              <a:avLst/>
-            </a:prstGeom>
-          </p:spPr>
-          <p:style>
-            <a:lnRef idx="2">
-              <a:schemeClr val="dk1"/>
-            </a:lnRef>
-            <a:fillRef idx="1">
-              <a:schemeClr val="lt1"/>
-            </a:fillRef>
-            <a:effectRef idx="0">
-              <a:schemeClr val="dk1"/>
-            </a:effectRef>
-            <a:fontRef idx="minor">
-              <a:schemeClr val="dk1"/>
-            </a:fontRef>
-          </p:style>
-          <p:txBody>
-            <a:bodyPr lIns="36000" tIns="36000" rIns="36000" bIns="36000" rtlCol="0" anchor="ctr"/>
-            <a:lstStyle/>
-            <a:p>
-              <a:pPr algn="ctr"/>
-              <a:r>
-                <a:rPr lang="fr-BE" sz="1100" smtClean="0"/>
-                <a:t>Passenger</a:t>
-              </a:r>
-              <a:endParaRPr lang="fr-BE" sz="1100"/>
-            </a:p>
-          </p:txBody>
-        </p:sp>
-        <p:sp>
-          <p:nvSpPr>
-            <p:cNvPr id="53" name="Rectangle 52"/>
-            <p:cNvSpPr/>
-            <p:nvPr/>
-          </p:nvSpPr>
-          <p:spPr>
-            <a:xfrm>
-              <a:off x="2146266" y="3249016"/>
-              <a:ext cx="864096" cy="324000"/>
-            </a:xfrm>
-            <a:prstGeom prst="rect">
-              <a:avLst/>
-            </a:prstGeom>
-          </p:spPr>
-          <p:style>
-            <a:lnRef idx="2">
-              <a:schemeClr val="dk1"/>
-            </a:lnRef>
-            <a:fillRef idx="1">
-              <a:schemeClr val="lt1"/>
-            </a:fillRef>
-            <a:effectRef idx="0">
-              <a:schemeClr val="dk1"/>
-            </a:effectRef>
-            <a:fontRef idx="minor">
-              <a:schemeClr val="dk1"/>
-            </a:fontRef>
-          </p:style>
-          <p:txBody>
-            <a:bodyPr lIns="36000" tIns="36000" rIns="36000" bIns="36000" rtlCol="0" anchor="ctr" anchorCtr="0"/>
-            <a:lstStyle/>
-            <a:p>
-              <a:pPr algn="ctr"/>
-              <a:r>
-                <a:rPr lang="fr-BE" sz="1100" smtClean="0"/>
-                <a:t>Controller</a:t>
-              </a:r>
-              <a:endParaRPr lang="fr-BE" sz="1100"/>
-            </a:p>
-          </p:txBody>
-        </p:sp>
-        <p:sp>
-          <p:nvSpPr>
-            <p:cNvPr id="56" name="Rectangle 55"/>
-            <p:cNvSpPr/>
-            <p:nvPr/>
-          </p:nvSpPr>
-          <p:spPr>
-            <a:xfrm>
-              <a:off x="3226386" y="3249016"/>
-              <a:ext cx="720080" cy="324000"/>
-            </a:xfrm>
-            <a:prstGeom prst="rect">
-              <a:avLst/>
-            </a:prstGeom>
-          </p:spPr>
-          <p:style>
-            <a:lnRef idx="2">
-              <a:schemeClr val="dk1"/>
-            </a:lnRef>
-            <a:fillRef idx="1">
-              <a:schemeClr val="lt1"/>
-            </a:fillRef>
-            <a:effectRef idx="0">
-              <a:schemeClr val="dk1"/>
-            </a:effectRef>
-            <a:fontRef idx="minor">
-              <a:schemeClr val="dk1"/>
-            </a:fontRef>
-          </p:style>
-          <p:txBody>
-            <a:bodyPr lIns="36000" tIns="36000" rIns="36000" bIns="36000" rtlCol="0" anchor="ctr"/>
-            <a:lstStyle/>
-            <a:p>
-              <a:pPr algn="ctr"/>
-              <a:r>
-                <a:rPr lang="fr-BE" sz="1100" smtClean="0"/>
-                <a:t>Actuators</a:t>
-              </a:r>
-              <a:endParaRPr lang="fr-BE" sz="1100"/>
-            </a:p>
-          </p:txBody>
-        </p:sp>
-        <p:sp>
-          <p:nvSpPr>
-            <p:cNvPr id="60" name="Rectangle 59"/>
-            <p:cNvSpPr/>
-            <p:nvPr/>
-          </p:nvSpPr>
-          <p:spPr>
-            <a:xfrm>
-              <a:off x="5098594" y="3249016"/>
-              <a:ext cx="720080" cy="324000"/>
-            </a:xfrm>
-            <a:prstGeom prst="rect">
-              <a:avLst/>
-            </a:prstGeom>
-          </p:spPr>
-          <p:style>
-            <a:lnRef idx="2">
-              <a:schemeClr val="dk1"/>
-            </a:lnRef>
-            <a:fillRef idx="1">
-              <a:schemeClr val="lt1"/>
-            </a:fillRef>
-            <a:effectRef idx="0">
-              <a:schemeClr val="dk1"/>
-            </a:effectRef>
-            <a:fontRef idx="minor">
-              <a:schemeClr val="dk1"/>
-            </a:fontRef>
-          </p:style>
-          <p:txBody>
-            <a:bodyPr lIns="36000" tIns="36000" rIns="36000" bIns="36000" rtlCol="0" anchor="ctr"/>
-            <a:lstStyle/>
-            <a:p>
-              <a:pPr algn="ctr"/>
-              <a:r>
-                <a:rPr lang="fr-BE" sz="1100" smtClean="0"/>
-                <a:t>Engine</a:t>
-              </a:r>
-            </a:p>
-          </p:txBody>
-        </p:sp>
-        <p:sp>
-          <p:nvSpPr>
-            <p:cNvPr id="61" name="Rectangle 60"/>
-            <p:cNvSpPr/>
-            <p:nvPr/>
-          </p:nvSpPr>
-          <p:spPr>
-            <a:xfrm>
-              <a:off x="4234498" y="3249016"/>
-              <a:ext cx="720080" cy="324000"/>
-            </a:xfrm>
-            <a:prstGeom prst="rect">
-              <a:avLst/>
-            </a:prstGeom>
-          </p:spPr>
-          <p:style>
-            <a:lnRef idx="2">
-              <a:schemeClr val="dk1"/>
-            </a:lnRef>
-            <a:fillRef idx="1">
-              <a:schemeClr val="lt1"/>
-            </a:fillRef>
-            <a:effectRef idx="0">
-              <a:schemeClr val="dk1"/>
-            </a:effectRef>
-            <a:fontRef idx="minor">
-              <a:schemeClr val="dk1"/>
-            </a:fontRef>
-          </p:style>
-          <p:txBody>
-            <a:bodyPr lIns="36000" tIns="36000" rIns="36000" bIns="36000" rtlCol="0" anchor="ctr"/>
-            <a:lstStyle/>
-            <a:p>
-              <a:pPr algn="ctr"/>
-              <a:r>
-                <a:rPr lang="fr-BE" sz="1100" smtClean="0"/>
-                <a:t>Doors</a:t>
-              </a:r>
-            </a:p>
-          </p:txBody>
-        </p:sp>
-        <p:sp>
-          <p:nvSpPr>
-            <p:cNvPr id="62" name="Rectangle 61"/>
-            <p:cNvSpPr/>
-            <p:nvPr/>
-          </p:nvSpPr>
-          <p:spPr>
-            <a:xfrm>
-              <a:off x="1260426" y="3249016"/>
-              <a:ext cx="720080" cy="324000"/>
-            </a:xfrm>
-            <a:prstGeom prst="rect">
-              <a:avLst/>
-            </a:prstGeom>
-          </p:spPr>
-          <p:style>
-            <a:lnRef idx="2">
-              <a:schemeClr val="dk1"/>
-            </a:lnRef>
-            <a:fillRef idx="1">
-              <a:schemeClr val="lt1"/>
-            </a:fillRef>
-            <a:effectRef idx="0">
-              <a:schemeClr val="dk1"/>
-            </a:effectRef>
-            <a:fontRef idx="minor">
-              <a:schemeClr val="dk1"/>
-            </a:fontRef>
-          </p:style>
-          <p:txBody>
-            <a:bodyPr lIns="36000" tIns="36000" rIns="36000" bIns="36000" rtlCol="0" anchor="ctr"/>
-            <a:lstStyle/>
-            <a:p>
-              <a:pPr algn="ctr"/>
-              <a:r>
-                <a:rPr lang="fr-BE" sz="1100" smtClean="0"/>
-                <a:t>Sensors</a:t>
-              </a:r>
-            </a:p>
-          </p:txBody>
-        </p:sp>
-        <p:cxnSp>
-          <p:nvCxnSpPr>
-            <p:cNvPr id="63" name="Connecteur droit avec flèche 62"/>
-            <p:cNvCxnSpPr>
-              <a:stCxn id="53" idx="2"/>
-            </p:cNvCxnSpPr>
-            <p:nvPr/>
-          </p:nvCxnSpPr>
-          <p:spPr>
-            <a:xfrm rot="5400000">
-              <a:off x="1713917" y="4436619"/>
-              <a:ext cx="1728000" cy="794"/>
-            </a:xfrm>
-            <a:prstGeom prst="straightConnector1">
-              <a:avLst/>
-            </a:prstGeom>
-            <a:ln>
-              <a:tailEnd type="triangle"/>
-            </a:ln>
-          </p:spPr>
-          <p:style>
-            <a:lnRef idx="2">
-              <a:schemeClr val="dk1"/>
-            </a:lnRef>
-            <a:fillRef idx="0">
-              <a:schemeClr val="dk1"/>
-            </a:fillRef>
-            <a:effectRef idx="1">
-              <a:schemeClr val="dk1"/>
-            </a:effectRef>
-            <a:fontRef idx="minor">
-              <a:schemeClr val="tx1"/>
-            </a:fontRef>
-          </p:style>
-        </p:cxnSp>
-        <p:cxnSp>
-          <p:nvCxnSpPr>
-            <p:cNvPr id="64" name="Connecteur droit avec flèche 63"/>
-            <p:cNvCxnSpPr>
-              <a:stCxn id="52" idx="2"/>
-            </p:cNvCxnSpPr>
-            <p:nvPr/>
-          </p:nvCxnSpPr>
-          <p:spPr>
-            <a:xfrm rot="5400000">
-              <a:off x="-264207" y="4436619"/>
-              <a:ext cx="1728000" cy="794"/>
-            </a:xfrm>
-            <a:prstGeom prst="straightConnector1">
-              <a:avLst/>
-            </a:prstGeom>
-            <a:ln>
-              <a:tailEnd type="triangle"/>
-            </a:ln>
-          </p:spPr>
-          <p:style>
-            <a:lnRef idx="2">
-              <a:schemeClr val="dk1"/>
-            </a:lnRef>
-            <a:fillRef idx="0">
-              <a:schemeClr val="dk1"/>
-            </a:fillRef>
-            <a:effectRef idx="1">
-              <a:schemeClr val="dk1"/>
-            </a:effectRef>
-            <a:fontRef idx="minor">
-              <a:schemeClr val="tx1"/>
-            </a:fontRef>
-          </p:style>
-        </p:cxnSp>
-        <p:cxnSp>
-          <p:nvCxnSpPr>
-            <p:cNvPr id="65" name="Connecteur droit avec flèche 64"/>
-            <p:cNvCxnSpPr>
-              <a:stCxn id="56" idx="2"/>
-            </p:cNvCxnSpPr>
-            <p:nvPr/>
-          </p:nvCxnSpPr>
-          <p:spPr>
-            <a:xfrm rot="5400000">
-              <a:off x="2722029" y="4436619"/>
-              <a:ext cx="1728000" cy="794"/>
-            </a:xfrm>
-            <a:prstGeom prst="straightConnector1">
-              <a:avLst/>
-            </a:prstGeom>
-            <a:ln>
-              <a:tailEnd type="triangle"/>
-            </a:ln>
-          </p:spPr>
-          <p:style>
-            <a:lnRef idx="2">
-              <a:schemeClr val="dk1"/>
-            </a:lnRef>
-            <a:fillRef idx="0">
-              <a:schemeClr val="dk1"/>
-            </a:fillRef>
-            <a:effectRef idx="1">
-              <a:schemeClr val="dk1"/>
-            </a:effectRef>
-            <a:fontRef idx="minor">
-              <a:schemeClr val="tx1"/>
-            </a:fontRef>
-          </p:style>
-        </p:cxnSp>
-        <p:cxnSp>
-          <p:nvCxnSpPr>
-            <p:cNvPr id="68" name="Connecteur droit avec flèche 67"/>
-            <p:cNvCxnSpPr>
-              <a:stCxn id="62" idx="2"/>
-            </p:cNvCxnSpPr>
-            <p:nvPr/>
-          </p:nvCxnSpPr>
-          <p:spPr>
-            <a:xfrm rot="5400000">
-              <a:off x="756069" y="4436619"/>
-              <a:ext cx="1728000" cy="794"/>
-            </a:xfrm>
-            <a:prstGeom prst="straightConnector1">
-              <a:avLst/>
-            </a:prstGeom>
-            <a:ln>
-              <a:tailEnd type="triangle"/>
-            </a:ln>
-          </p:spPr>
-          <p:style>
-            <a:lnRef idx="2">
-              <a:schemeClr val="dk1"/>
-            </a:lnRef>
-            <a:fillRef idx="0">
-              <a:schemeClr val="dk1"/>
-            </a:fillRef>
-            <a:effectRef idx="1">
-              <a:schemeClr val="dk1"/>
-            </a:effectRef>
-            <a:fontRef idx="minor">
-              <a:schemeClr val="tx1"/>
-            </a:fontRef>
-          </p:style>
-        </p:cxnSp>
-        <p:cxnSp>
-          <p:nvCxnSpPr>
-            <p:cNvPr id="69" name="Connecteur droit avec flèche 68"/>
-            <p:cNvCxnSpPr>
-              <a:stCxn id="61" idx="2"/>
-            </p:cNvCxnSpPr>
-            <p:nvPr/>
-          </p:nvCxnSpPr>
-          <p:spPr>
-            <a:xfrm rot="5400000">
-              <a:off x="3730141" y="4436619"/>
-              <a:ext cx="1728000" cy="794"/>
-            </a:xfrm>
-            <a:prstGeom prst="straightConnector1">
-              <a:avLst/>
-            </a:prstGeom>
-            <a:ln>
-              <a:tailEnd type="triangle"/>
-            </a:ln>
-          </p:spPr>
-          <p:style>
-            <a:lnRef idx="2">
-              <a:schemeClr val="dk1"/>
-            </a:lnRef>
-            <a:fillRef idx="0">
-              <a:schemeClr val="dk1"/>
-            </a:fillRef>
-            <a:effectRef idx="1">
-              <a:schemeClr val="dk1"/>
-            </a:effectRef>
-            <a:fontRef idx="minor">
-              <a:schemeClr val="tx1"/>
-            </a:fontRef>
-          </p:style>
-        </p:cxnSp>
-        <p:cxnSp>
-          <p:nvCxnSpPr>
-            <p:cNvPr id="70" name="Connecteur droit avec flèche 69"/>
-            <p:cNvCxnSpPr>
-              <a:stCxn id="60" idx="2"/>
-            </p:cNvCxnSpPr>
-            <p:nvPr/>
-          </p:nvCxnSpPr>
-          <p:spPr>
-            <a:xfrm rot="5400000">
-              <a:off x="4594237" y="4436619"/>
-              <a:ext cx="1728000" cy="794"/>
-            </a:xfrm>
-            <a:prstGeom prst="straightConnector1">
-              <a:avLst/>
-            </a:prstGeom>
-            <a:ln>
-              <a:tailEnd type="triangle"/>
-            </a:ln>
-          </p:spPr>
-          <p:style>
-            <a:lnRef idx="2">
-              <a:schemeClr val="dk1"/>
-            </a:lnRef>
-            <a:fillRef idx="0">
-              <a:schemeClr val="dk1"/>
-            </a:fillRef>
-            <a:effectRef idx="1">
-              <a:schemeClr val="dk1"/>
-            </a:effectRef>
-            <a:fontRef idx="minor">
-              <a:schemeClr val="tx1"/>
-            </a:fontRef>
-          </p:style>
-        </p:cxnSp>
-        <p:cxnSp>
-          <p:nvCxnSpPr>
-            <p:cNvPr id="71" name="Connecteur droit avec flèche 70"/>
-            <p:cNvCxnSpPr/>
-            <p:nvPr/>
-          </p:nvCxnSpPr>
-          <p:spPr>
-            <a:xfrm>
-              <a:off x="600190" y="4216115"/>
-              <a:ext cx="1008112" cy="1588"/>
-            </a:xfrm>
-            <a:prstGeom prst="straightConnector1">
-              <a:avLst/>
-            </a:prstGeom>
-            <a:ln>
-              <a:tailEnd type="triangle"/>
-            </a:ln>
-          </p:spPr>
-          <p:style>
-            <a:lnRef idx="1">
-              <a:schemeClr val="dk1"/>
-            </a:lnRef>
-            <a:fillRef idx="0">
-              <a:schemeClr val="dk1"/>
-            </a:fillRef>
-            <a:effectRef idx="0">
-              <a:schemeClr val="dk1"/>
-            </a:effectRef>
-            <a:fontRef idx="minor">
-              <a:schemeClr val="tx1"/>
-            </a:fontRef>
-          </p:style>
-        </p:cxnSp>
-        <p:sp>
-          <p:nvSpPr>
-            <p:cNvPr id="73" name="ZoneTexte 72"/>
-            <p:cNvSpPr txBox="1"/>
-            <p:nvPr/>
-          </p:nvSpPr>
-          <p:spPr>
-            <a:xfrm>
-              <a:off x="623882" y="4114764"/>
-              <a:ext cx="864000" cy="180000"/>
-            </a:xfrm>
-            <a:prstGeom prst="rect">
-              <a:avLst/>
-            </a:prstGeom>
-            <a:solidFill>
-              <a:schemeClr val="lt1"/>
-            </a:solidFill>
-            <a:ln>
-              <a:noFill/>
-            </a:ln>
-          </p:spPr>
-          <p:txBody>
-            <a:bodyPr wrap="square" lIns="18000" tIns="0" rIns="18000" bIns="0" rtlCol="0">
-              <a:spAutoFit/>
-            </a:bodyPr>
-            <a:lstStyle/>
-            <a:p>
-              <a:pPr algn="ctr"/>
-              <a:r>
-                <a:rPr lang="fr-BE" sz="1100" smtClean="0"/>
-                <a:t>alarm-pressed</a:t>
-              </a:r>
-              <a:endParaRPr lang="fr-BE" sz="1100"/>
-            </a:p>
-          </p:txBody>
-        </p:sp>
-        <p:cxnSp>
-          <p:nvCxnSpPr>
-            <p:cNvPr id="74" name="Connecteur droit avec flèche 73"/>
-            <p:cNvCxnSpPr/>
-            <p:nvPr/>
-          </p:nvCxnSpPr>
-          <p:spPr>
-            <a:xfrm>
-              <a:off x="2578314" y="3848073"/>
-              <a:ext cx="1005025" cy="0"/>
-            </a:xfrm>
-            <a:prstGeom prst="straightConnector1">
-              <a:avLst/>
-            </a:prstGeom>
-            <a:ln>
-              <a:tailEnd type="triangle"/>
-            </a:ln>
-          </p:spPr>
-          <p:style>
-            <a:lnRef idx="1">
-              <a:schemeClr val="dk1"/>
-            </a:lnRef>
-            <a:fillRef idx="0">
-              <a:schemeClr val="dk1"/>
-            </a:fillRef>
-            <a:effectRef idx="0">
-              <a:schemeClr val="dk1"/>
-            </a:effectRef>
-            <a:fontRef idx="minor">
-              <a:schemeClr val="tx1"/>
-            </a:fontRef>
-          </p:style>
-        </p:cxnSp>
-        <p:sp>
-          <p:nvSpPr>
-            <p:cNvPr id="75" name="ZoneTexte 74"/>
-            <p:cNvSpPr txBox="1"/>
-            <p:nvPr/>
-          </p:nvSpPr>
-          <p:spPr>
-            <a:xfrm>
-              <a:off x="2678183" y="3748121"/>
-              <a:ext cx="720000" cy="169277"/>
-            </a:xfrm>
-            <a:prstGeom prst="rect">
-              <a:avLst/>
-            </a:prstGeom>
-            <a:solidFill>
-              <a:schemeClr val="lt1"/>
-            </a:solidFill>
-            <a:ln>
-              <a:noFill/>
-            </a:ln>
-          </p:spPr>
-          <p:txBody>
-            <a:bodyPr wrap="square" lIns="18000" tIns="0" rIns="18000" bIns="0" rtlCol="0">
-              <a:spAutoFit/>
-            </a:bodyPr>
-            <a:lstStyle/>
-            <a:p>
-              <a:pPr algn="ctr"/>
-              <a:r>
-                <a:rPr lang="fr-BE" sz="1100" smtClean="0"/>
-                <a:t>start-signal</a:t>
-              </a:r>
-              <a:endParaRPr lang="fr-BE" sz="1100"/>
-            </a:p>
-          </p:txBody>
-        </p:sp>
-        <p:cxnSp>
-          <p:nvCxnSpPr>
-            <p:cNvPr id="76" name="Connecteur droit avec flèche 75"/>
-            <p:cNvCxnSpPr/>
-            <p:nvPr/>
-          </p:nvCxnSpPr>
-          <p:spPr>
-            <a:xfrm>
-              <a:off x="3586426" y="3995787"/>
-              <a:ext cx="1872208" cy="1588"/>
-            </a:xfrm>
-            <a:prstGeom prst="straightConnector1">
-              <a:avLst/>
-            </a:prstGeom>
-            <a:ln>
-              <a:tailEnd type="triangle"/>
-            </a:ln>
-          </p:spPr>
-          <p:style>
-            <a:lnRef idx="1">
-              <a:schemeClr val="dk1"/>
-            </a:lnRef>
-            <a:fillRef idx="0">
-              <a:schemeClr val="dk1"/>
-            </a:fillRef>
-            <a:effectRef idx="0">
-              <a:schemeClr val="dk1"/>
-            </a:effectRef>
-            <a:fontRef idx="minor">
-              <a:schemeClr val="tx1"/>
-            </a:fontRef>
-          </p:style>
-        </p:cxnSp>
-        <p:sp>
-          <p:nvSpPr>
-            <p:cNvPr id="77" name="ZoneTexte 76"/>
-            <p:cNvSpPr txBox="1"/>
-            <p:nvPr/>
-          </p:nvSpPr>
-          <p:spPr>
-            <a:xfrm>
-              <a:off x="4425008" y="3900531"/>
-              <a:ext cx="324000" cy="169277"/>
-            </a:xfrm>
-            <a:prstGeom prst="rect">
-              <a:avLst/>
-            </a:prstGeom>
-            <a:solidFill>
-              <a:schemeClr val="lt1"/>
-            </a:solidFill>
-            <a:ln>
-              <a:noFill/>
-            </a:ln>
-          </p:spPr>
-          <p:txBody>
-            <a:bodyPr wrap="square" lIns="18000" tIns="0" rIns="18000" bIns="0" rtlCol="0">
-              <a:spAutoFit/>
-            </a:bodyPr>
-            <a:lstStyle/>
-            <a:p>
-              <a:pPr algn="ctr"/>
-              <a:r>
-                <a:rPr lang="fr-BE" sz="1100" smtClean="0"/>
-                <a:t>start</a:t>
-              </a:r>
-              <a:endParaRPr lang="fr-BE" sz="1100"/>
-            </a:p>
-          </p:txBody>
-        </p:sp>
-        <p:cxnSp>
-          <p:nvCxnSpPr>
-            <p:cNvPr id="78" name="Connecteur droit avec flèche 77"/>
-            <p:cNvCxnSpPr/>
-            <p:nvPr/>
-          </p:nvCxnSpPr>
-          <p:spPr>
-            <a:xfrm>
-              <a:off x="2578314" y="4568153"/>
-              <a:ext cx="1008112" cy="1588"/>
-            </a:xfrm>
-            <a:prstGeom prst="straightConnector1">
-              <a:avLst/>
-            </a:prstGeom>
-            <a:ln>
-              <a:tailEnd type="triangle"/>
-            </a:ln>
-          </p:spPr>
-          <p:style>
-            <a:lnRef idx="1">
-              <a:schemeClr val="dk1"/>
-            </a:lnRef>
-            <a:fillRef idx="0">
-              <a:schemeClr val="dk1"/>
-            </a:fillRef>
-            <a:effectRef idx="0">
-              <a:schemeClr val="dk1"/>
-            </a:effectRef>
-            <a:fontRef idx="minor">
-              <a:schemeClr val="tx1"/>
-            </a:fontRef>
-          </p:style>
-        </p:cxnSp>
-        <p:sp>
-          <p:nvSpPr>
-            <p:cNvPr id="79" name="ZoneTexte 78"/>
-            <p:cNvSpPr txBox="1"/>
-            <p:nvPr/>
-          </p:nvSpPr>
-          <p:spPr>
-            <a:xfrm>
-              <a:off x="2678183" y="4473152"/>
-              <a:ext cx="720000" cy="169277"/>
-            </a:xfrm>
-            <a:prstGeom prst="rect">
-              <a:avLst/>
-            </a:prstGeom>
-            <a:solidFill>
-              <a:schemeClr val="lt1"/>
-            </a:solidFill>
-            <a:ln>
-              <a:noFill/>
-            </a:ln>
-          </p:spPr>
-          <p:txBody>
-            <a:bodyPr wrap="square" lIns="18000" tIns="0" rIns="18000" bIns="0" rtlCol="0">
-              <a:spAutoFit/>
-            </a:bodyPr>
-            <a:lstStyle/>
-            <a:p>
-              <a:pPr algn="ctr"/>
-              <a:r>
-                <a:rPr lang="fr-BE" sz="1100" smtClean="0"/>
-                <a:t>stop-signal</a:t>
-              </a:r>
-              <a:endParaRPr lang="fr-BE" sz="1100"/>
-            </a:p>
-          </p:txBody>
-        </p:sp>
-        <p:cxnSp>
-          <p:nvCxnSpPr>
-            <p:cNvPr id="80" name="Connecteur droit avec flèche 79"/>
-            <p:cNvCxnSpPr/>
-            <p:nvPr/>
-          </p:nvCxnSpPr>
-          <p:spPr>
-            <a:xfrm>
-              <a:off x="3586426" y="4751169"/>
-              <a:ext cx="1872208" cy="1588"/>
-            </a:xfrm>
-            <a:prstGeom prst="straightConnector1">
-              <a:avLst/>
-            </a:prstGeom>
-            <a:ln>
-              <a:tailEnd type="triangle"/>
-            </a:ln>
-          </p:spPr>
-          <p:style>
-            <a:lnRef idx="1">
-              <a:schemeClr val="dk1"/>
-            </a:lnRef>
-            <a:fillRef idx="0">
-              <a:schemeClr val="dk1"/>
-            </a:fillRef>
-            <a:effectRef idx="0">
-              <a:schemeClr val="dk1"/>
-            </a:effectRef>
-            <a:fontRef idx="minor">
-              <a:schemeClr val="tx1"/>
-            </a:fontRef>
-          </p:style>
-        </p:cxnSp>
-        <p:sp>
-          <p:nvSpPr>
-            <p:cNvPr id="82" name="ZoneTexte 81"/>
-            <p:cNvSpPr txBox="1"/>
-            <p:nvPr/>
-          </p:nvSpPr>
-          <p:spPr>
-            <a:xfrm>
-              <a:off x="4425008" y="4655913"/>
-              <a:ext cx="324000" cy="169277"/>
-            </a:xfrm>
-            <a:prstGeom prst="rect">
-              <a:avLst/>
-            </a:prstGeom>
-            <a:solidFill>
-              <a:schemeClr val="lt1"/>
-            </a:solidFill>
-            <a:ln>
-              <a:noFill/>
-            </a:ln>
-          </p:spPr>
-          <p:txBody>
-            <a:bodyPr wrap="square" lIns="18000" tIns="0" rIns="18000" bIns="0" rtlCol="0">
-              <a:spAutoFit/>
-            </a:bodyPr>
-            <a:lstStyle/>
-            <a:p>
-              <a:pPr algn="ctr"/>
-              <a:r>
-                <a:rPr lang="fr-BE" sz="1100" smtClean="0"/>
-                <a:t>stop</a:t>
-              </a:r>
-              <a:endParaRPr lang="fr-BE" sz="1100"/>
-            </a:p>
-          </p:txBody>
-        </p:sp>
-        <p:cxnSp>
-          <p:nvCxnSpPr>
-            <p:cNvPr id="83" name="Connecteur droit avec flèche 82"/>
-            <p:cNvCxnSpPr/>
-            <p:nvPr/>
-          </p:nvCxnSpPr>
-          <p:spPr>
-            <a:xfrm flipV="1">
-              <a:off x="2578314" y="4909819"/>
-              <a:ext cx="1008000" cy="862"/>
-            </a:xfrm>
-            <a:prstGeom prst="straightConnector1">
-              <a:avLst/>
-            </a:prstGeom>
-            <a:ln>
-              <a:tailEnd type="triangle"/>
-            </a:ln>
-          </p:spPr>
-          <p:style>
-            <a:lnRef idx="1">
-              <a:schemeClr val="dk1"/>
-            </a:lnRef>
-            <a:fillRef idx="0">
-              <a:schemeClr val="dk1"/>
-            </a:fillRef>
-            <a:effectRef idx="0">
-              <a:schemeClr val="dk1"/>
-            </a:effectRef>
-            <a:fontRef idx="minor">
-              <a:schemeClr val="tx1"/>
-            </a:fontRef>
-          </p:style>
-        </p:cxnSp>
-        <p:sp>
-          <p:nvSpPr>
-            <p:cNvPr id="84" name="ZoneTexte 83"/>
-            <p:cNvSpPr txBox="1"/>
-            <p:nvPr/>
-          </p:nvSpPr>
-          <p:spPr>
-            <a:xfrm>
-              <a:off x="2678183" y="4815680"/>
-              <a:ext cx="720000" cy="169277"/>
-            </a:xfrm>
-            <a:prstGeom prst="rect">
-              <a:avLst/>
-            </a:prstGeom>
-            <a:solidFill>
-              <a:schemeClr val="lt1"/>
-            </a:solidFill>
-            <a:ln>
-              <a:noFill/>
-            </a:ln>
-          </p:spPr>
-          <p:txBody>
-            <a:bodyPr wrap="square" lIns="18000" tIns="0" rIns="18000" bIns="0" rtlCol="0">
-              <a:spAutoFit/>
-            </a:bodyPr>
-            <a:lstStyle/>
-            <a:p>
-              <a:pPr algn="ctr"/>
-              <a:r>
-                <a:rPr lang="fr-BE" sz="1100" smtClean="0"/>
-                <a:t>open-signal</a:t>
-              </a:r>
-              <a:endParaRPr lang="fr-BE" sz="1100"/>
-            </a:p>
-          </p:txBody>
-        </p:sp>
-        <p:cxnSp>
-          <p:nvCxnSpPr>
-            <p:cNvPr id="85" name="Connecteur droit avec flèche 84"/>
-            <p:cNvCxnSpPr/>
-            <p:nvPr/>
-          </p:nvCxnSpPr>
-          <p:spPr>
-            <a:xfrm>
-              <a:off x="3586426" y="5053835"/>
-              <a:ext cx="1008112" cy="3130"/>
-            </a:xfrm>
-            <a:prstGeom prst="straightConnector1">
-              <a:avLst/>
-            </a:prstGeom>
-            <a:ln>
-              <a:tailEnd type="triangle"/>
-            </a:ln>
-          </p:spPr>
-          <p:style>
-            <a:lnRef idx="1">
-              <a:schemeClr val="dk1"/>
-            </a:lnRef>
-            <a:fillRef idx="0">
-              <a:schemeClr val="dk1"/>
-            </a:fillRef>
-            <a:effectRef idx="0">
-              <a:schemeClr val="dk1"/>
-            </a:effectRef>
-            <a:fontRef idx="minor">
-              <a:schemeClr val="tx1"/>
-            </a:fontRef>
-          </p:style>
-        </p:cxnSp>
-        <p:sp>
-          <p:nvSpPr>
-            <p:cNvPr id="86" name="ZoneTexte 85"/>
-            <p:cNvSpPr txBox="1"/>
-            <p:nvPr/>
-          </p:nvSpPr>
-          <p:spPr>
-            <a:xfrm>
-              <a:off x="3920992" y="4951947"/>
-              <a:ext cx="360000" cy="169277"/>
-            </a:xfrm>
-            <a:prstGeom prst="rect">
-              <a:avLst/>
-            </a:prstGeom>
-            <a:solidFill>
-              <a:schemeClr val="lt1"/>
-            </a:solidFill>
-            <a:ln>
-              <a:noFill/>
-            </a:ln>
-          </p:spPr>
-          <p:txBody>
-            <a:bodyPr wrap="square" lIns="18000" tIns="0" rIns="18000" bIns="0" rtlCol="0">
-              <a:spAutoFit/>
-            </a:bodyPr>
-            <a:lstStyle/>
-            <a:p>
-              <a:pPr algn="ctr"/>
-              <a:r>
-                <a:rPr lang="fr-BE" sz="1100" smtClean="0"/>
-                <a:t>open</a:t>
-              </a:r>
-              <a:endParaRPr lang="fr-BE" sz="1100"/>
-            </a:p>
-          </p:txBody>
-        </p:sp>
-        <p:cxnSp>
-          <p:nvCxnSpPr>
-            <p:cNvPr id="87" name="Connecteur droit avec flèche 86"/>
-            <p:cNvCxnSpPr/>
-            <p:nvPr/>
-          </p:nvCxnSpPr>
-          <p:spPr>
-            <a:xfrm>
-              <a:off x="1635964" y="4391127"/>
-              <a:ext cx="936000" cy="1588"/>
-            </a:xfrm>
-            <a:prstGeom prst="straightConnector1">
-              <a:avLst/>
-            </a:prstGeom>
-            <a:ln>
-              <a:tailEnd type="triangle"/>
-            </a:ln>
-          </p:spPr>
-          <p:style>
-            <a:lnRef idx="1">
-              <a:schemeClr val="dk1"/>
-            </a:lnRef>
-            <a:fillRef idx="0">
-              <a:schemeClr val="dk1"/>
-            </a:fillRef>
-            <a:effectRef idx="0">
-              <a:schemeClr val="dk1"/>
-            </a:effectRef>
-            <a:fontRef idx="minor">
-              <a:schemeClr val="tx1"/>
-            </a:fontRef>
-          </p:style>
-        </p:cxnSp>
-        <p:sp>
-          <p:nvSpPr>
-            <p:cNvPr id="88" name="ZoneTexte 87"/>
-            <p:cNvSpPr txBox="1"/>
-            <p:nvPr/>
-          </p:nvSpPr>
-          <p:spPr>
-            <a:xfrm>
-              <a:off x="1685511" y="4297525"/>
-              <a:ext cx="756000" cy="169277"/>
-            </a:xfrm>
-            <a:prstGeom prst="rect">
-              <a:avLst/>
-            </a:prstGeom>
-            <a:solidFill>
-              <a:schemeClr val="lt1"/>
-            </a:solidFill>
-            <a:ln>
-              <a:noFill/>
-            </a:ln>
-          </p:spPr>
-          <p:txBody>
-            <a:bodyPr wrap="square" lIns="18000" tIns="0" rIns="18000" bIns="0" rtlCol="0">
-              <a:spAutoFit/>
-            </a:bodyPr>
-            <a:lstStyle/>
-            <a:p>
-              <a:pPr algn="ctr"/>
-              <a:r>
-                <a:rPr lang="fr-BE" sz="1100" smtClean="0"/>
-                <a:t>alarm-signal</a:t>
-              </a:r>
-              <a:endParaRPr lang="fr-BE" sz="1100"/>
-            </a:p>
-          </p:txBody>
-        </p:sp>
-      </p:grpSp>
-      <p:grpSp>
-        <p:nvGrpSpPr>
           <p:cNvPr id="307" name="Groupe 306"/>
           <p:cNvGrpSpPr/>
           <p:nvPr/>
@@ -7412,7 +6389,6 @@
                       <a:rPr lang="fr-BE" sz="1100" smtClean="0"/>
                       <a:t>Engine</a:t>
                     </a:r>
-                    <a:endParaRPr lang="fr-BE" sz="1100" smtClean="0"/>
                   </a:p>
                 </p:txBody>
               </p:sp>
@@ -9690,6 +8666,4674 @@
 </p:sld>
 </file>
 
+<file path=ppt/slides/slide4.xml><?xml version="1.0" encoding="utf-8"?>
+<p:sld xmlns:a="http://schemas.openxmlformats.org/drawingml/2006/main" xmlns:r="http://schemas.openxmlformats.org/officeDocument/2006/relationships" xmlns:p="http://schemas.openxmlformats.org/presentationml/2006/main">
+  <p:cSld>
+    <p:spTree>
+      <p:nvGrpSpPr>
+        <p:cNvPr id="1" name=""/>
+        <p:cNvGrpSpPr/>
+        <p:nvPr/>
+      </p:nvGrpSpPr>
+      <p:grpSpPr>
+        <a:xfrm>
+          <a:off x="0" y="0"/>
+          <a:ext cx="0" cy="0"/>
+          <a:chOff x="0" y="0"/>
+          <a:chExt cx="0" cy="0"/>
+        </a:xfrm>
+      </p:grpSpPr>
+      <p:grpSp>
+        <p:nvGrpSpPr>
+          <p:cNvPr id="12" name="Groupe 294"/>
+          <p:cNvGrpSpPr/>
+          <p:nvPr/>
+        </p:nvGrpSpPr>
+        <p:grpSpPr>
+          <a:xfrm>
+            <a:off x="251520" y="4293096"/>
+            <a:ext cx="2449860" cy="2094582"/>
+            <a:chOff x="3059832" y="254298"/>
+            <a:chExt cx="2449860" cy="2094582"/>
+          </a:xfrm>
+        </p:grpSpPr>
+        <p:sp>
+          <p:nvSpPr>
+            <p:cNvPr id="58" name="Rectangle à coins arrondis 57"/>
+            <p:cNvSpPr/>
+            <p:nvPr/>
+          </p:nvSpPr>
+          <p:spPr>
+            <a:xfrm>
+              <a:off x="4427984" y="548680"/>
+              <a:ext cx="1080120" cy="360040"/>
+            </a:xfrm>
+            <a:prstGeom prst="roundRect">
+              <a:avLst/>
+            </a:prstGeom>
+          </p:spPr>
+          <p:style>
+            <a:lnRef idx="2">
+              <a:schemeClr val="dk1"/>
+            </a:lnRef>
+            <a:fillRef idx="1">
+              <a:schemeClr val="lt1"/>
+            </a:fillRef>
+            <a:effectRef idx="0">
+              <a:schemeClr val="dk1"/>
+            </a:effectRef>
+            <a:fontRef idx="minor">
+              <a:schemeClr val="dk1"/>
+            </a:fontRef>
+          </p:style>
+          <p:txBody>
+            <a:bodyPr wrap="none" rtlCol="0" anchor="ctr"/>
+            <a:lstStyle/>
+            <a:p>
+              <a:pPr algn="ctr"/>
+              <a:r>
+                <a:rPr lang="fr-BE" sz="1200" smtClean="0"/>
+                <a:t>Starting train</a:t>
+              </a:r>
+              <a:endParaRPr lang="fr-BE" sz="1200"/>
+            </a:p>
+          </p:txBody>
+        </p:sp>
+        <p:sp>
+          <p:nvSpPr>
+            <p:cNvPr id="59" name="Rectangle à coins arrondis 58"/>
+            <p:cNvSpPr/>
+            <p:nvPr/>
+          </p:nvSpPr>
+          <p:spPr>
+            <a:xfrm>
+              <a:off x="3059832" y="1268760"/>
+              <a:ext cx="1080120" cy="360040"/>
+            </a:xfrm>
+            <a:prstGeom prst="roundRect">
+              <a:avLst/>
+            </a:prstGeom>
+          </p:spPr>
+          <p:style>
+            <a:lnRef idx="2">
+              <a:schemeClr val="dk1"/>
+            </a:lnRef>
+            <a:fillRef idx="1">
+              <a:schemeClr val="lt1"/>
+            </a:fillRef>
+            <a:effectRef idx="0">
+              <a:schemeClr val="dk1"/>
+            </a:effectRef>
+            <a:fontRef idx="minor">
+              <a:schemeClr val="dk1"/>
+            </a:fontRef>
+          </p:style>
+          <p:txBody>
+            <a:bodyPr wrap="none" rtlCol="0" anchor="ctr"/>
+            <a:lstStyle/>
+            <a:p>
+              <a:pPr algn="ctr"/>
+              <a:r>
+                <a:rPr lang="fr-BE" sz="1200" smtClean="0"/>
+                <a:t>Pressing alarm</a:t>
+              </a:r>
+              <a:endParaRPr lang="fr-BE" sz="1200"/>
+            </a:p>
+          </p:txBody>
+        </p:sp>
+        <p:sp>
+          <p:nvSpPr>
+            <p:cNvPr id="60" name="Rectangle à coins arrondis 59"/>
+            <p:cNvSpPr/>
+            <p:nvPr/>
+          </p:nvSpPr>
+          <p:spPr>
+            <a:xfrm>
+              <a:off x="4427984" y="1196752"/>
+              <a:ext cx="1080120" cy="504056"/>
+            </a:xfrm>
+            <a:prstGeom prst="roundRect">
+              <a:avLst/>
+            </a:prstGeom>
+          </p:spPr>
+          <p:style>
+            <a:lnRef idx="2">
+              <a:schemeClr val="dk1"/>
+            </a:lnRef>
+            <a:fillRef idx="1">
+              <a:schemeClr val="lt1"/>
+            </a:fillRef>
+            <a:effectRef idx="0">
+              <a:schemeClr val="dk1"/>
+            </a:effectRef>
+            <a:fontRef idx="minor">
+              <a:schemeClr val="dk1"/>
+            </a:fontRef>
+          </p:style>
+          <p:txBody>
+            <a:bodyPr wrap="none" rtlCol="0" anchor="ctr"/>
+            <a:lstStyle/>
+            <a:p>
+              <a:pPr algn="ctr"/>
+              <a:r>
+                <a:rPr lang="fr-BE" sz="1200" smtClean="0"/>
+                <a:t>Stopping &amp; </a:t>
+              </a:r>
+              <a:br>
+                <a:rPr lang="fr-BE" sz="1200" smtClean="0"/>
+              </a:br>
+              <a:r>
+                <a:rPr lang="fr-BE" sz="1200" smtClean="0"/>
+                <a:t>Opening doors</a:t>
+              </a:r>
+            </a:p>
+          </p:txBody>
+        </p:sp>
+        <p:sp>
+          <p:nvSpPr>
+            <p:cNvPr id="61" name="Rectangle à coins arrondis 60"/>
+            <p:cNvSpPr/>
+            <p:nvPr/>
+          </p:nvSpPr>
+          <p:spPr>
+            <a:xfrm>
+              <a:off x="4427984" y="1988840"/>
+              <a:ext cx="1080120" cy="360040"/>
+            </a:xfrm>
+            <a:prstGeom prst="roundRect">
+              <a:avLst/>
+            </a:prstGeom>
+          </p:spPr>
+          <p:style>
+            <a:lnRef idx="2">
+              <a:schemeClr val="dk1"/>
+            </a:lnRef>
+            <a:fillRef idx="1">
+              <a:schemeClr val="lt1"/>
+            </a:fillRef>
+            <a:effectRef idx="0">
+              <a:schemeClr val="dk1"/>
+            </a:effectRef>
+            <a:fontRef idx="minor">
+              <a:schemeClr val="dk1"/>
+            </a:fontRef>
+          </p:style>
+          <p:txBody>
+            <a:bodyPr wrap="none" rtlCol="0" anchor="ctr"/>
+            <a:lstStyle/>
+            <a:p>
+              <a:pPr algn="ctr"/>
+              <a:r>
+                <a:rPr lang="fr-BE" sz="1200" smtClean="0"/>
+                <a:t>Closing doors</a:t>
+              </a:r>
+              <a:endParaRPr lang="fr-BE" sz="1200"/>
+            </a:p>
+          </p:txBody>
+        </p:sp>
+        <p:cxnSp>
+          <p:nvCxnSpPr>
+            <p:cNvPr id="62" name="Connecteur droit avec flèche 61"/>
+            <p:cNvCxnSpPr>
+              <a:stCxn id="58" idx="2"/>
+              <a:endCxn id="60" idx="0"/>
+            </p:cNvCxnSpPr>
+            <p:nvPr/>
+          </p:nvCxnSpPr>
+          <p:spPr>
+            <a:xfrm rot="5400000">
+              <a:off x="4824028" y="1052736"/>
+              <a:ext cx="288032" cy="1588"/>
+            </a:xfrm>
+            <a:prstGeom prst="straightConnector1">
+              <a:avLst/>
+            </a:prstGeom>
+            <a:ln>
+              <a:tailEnd type="arrow"/>
+            </a:ln>
+          </p:spPr>
+          <p:style>
+            <a:lnRef idx="2">
+              <a:schemeClr val="dk1"/>
+            </a:lnRef>
+            <a:fillRef idx="0">
+              <a:schemeClr val="dk1"/>
+            </a:fillRef>
+            <a:effectRef idx="1">
+              <a:schemeClr val="dk1"/>
+            </a:effectRef>
+            <a:fontRef idx="minor">
+              <a:schemeClr val="tx1"/>
+            </a:fontRef>
+          </p:style>
+        </p:cxnSp>
+        <p:cxnSp>
+          <p:nvCxnSpPr>
+            <p:cNvPr id="63" name="Connecteur droit avec flèche 62"/>
+            <p:cNvCxnSpPr>
+              <a:stCxn id="60" idx="2"/>
+              <a:endCxn id="61" idx="0"/>
+            </p:cNvCxnSpPr>
+            <p:nvPr/>
+          </p:nvCxnSpPr>
+          <p:spPr>
+            <a:xfrm rot="5400000">
+              <a:off x="4824028" y="1844824"/>
+              <a:ext cx="288032" cy="1588"/>
+            </a:xfrm>
+            <a:prstGeom prst="straightConnector1">
+              <a:avLst/>
+            </a:prstGeom>
+            <a:ln>
+              <a:tailEnd type="arrow"/>
+            </a:ln>
+          </p:spPr>
+          <p:style>
+            <a:lnRef idx="2">
+              <a:schemeClr val="dk1"/>
+            </a:lnRef>
+            <a:fillRef idx="0">
+              <a:schemeClr val="dk1"/>
+            </a:fillRef>
+            <a:effectRef idx="1">
+              <a:schemeClr val="dk1"/>
+            </a:effectRef>
+            <a:fontRef idx="minor">
+              <a:schemeClr val="tx1"/>
+            </a:fontRef>
+          </p:style>
+        </p:cxnSp>
+        <p:cxnSp>
+          <p:nvCxnSpPr>
+            <p:cNvPr id="64" name="Connecteur droit avec flèche 63"/>
+            <p:cNvCxnSpPr>
+              <a:stCxn id="59" idx="3"/>
+              <a:endCxn id="60" idx="1"/>
+            </p:cNvCxnSpPr>
+            <p:nvPr/>
+          </p:nvCxnSpPr>
+          <p:spPr>
+            <a:xfrm>
+              <a:off x="4139952" y="1448780"/>
+              <a:ext cx="288032" cy="1588"/>
+            </a:xfrm>
+            <a:prstGeom prst="straightConnector1">
+              <a:avLst/>
+            </a:prstGeom>
+            <a:ln>
+              <a:tailEnd type="arrow"/>
+            </a:ln>
+          </p:spPr>
+          <p:style>
+            <a:lnRef idx="2">
+              <a:schemeClr val="dk1"/>
+            </a:lnRef>
+            <a:fillRef idx="0">
+              <a:schemeClr val="dk1"/>
+            </a:fillRef>
+            <a:effectRef idx="1">
+              <a:schemeClr val="dk1"/>
+            </a:effectRef>
+            <a:fontRef idx="minor">
+              <a:schemeClr val="tx1"/>
+            </a:fontRef>
+          </p:style>
+        </p:cxnSp>
+        <p:cxnSp>
+          <p:nvCxnSpPr>
+            <p:cNvPr id="65" name="Connecteur en angle 64"/>
+            <p:cNvCxnSpPr>
+              <a:stCxn id="61" idx="3"/>
+              <a:endCxn id="58" idx="3"/>
+            </p:cNvCxnSpPr>
+            <p:nvPr/>
+          </p:nvCxnSpPr>
+          <p:spPr>
+            <a:xfrm flipV="1">
+              <a:off x="5508104" y="728700"/>
+              <a:ext cx="1588" cy="1440160"/>
+            </a:xfrm>
+            <a:prstGeom prst="bentConnector3">
+              <a:avLst>
+                <a:gd name="adj1" fmla="val 21193332"/>
+              </a:avLst>
+            </a:prstGeom>
+            <a:ln>
+              <a:tailEnd type="arrow"/>
+            </a:ln>
+          </p:spPr>
+          <p:style>
+            <a:lnRef idx="2">
+              <a:schemeClr val="dk1"/>
+            </a:lnRef>
+            <a:fillRef idx="0">
+              <a:schemeClr val="dk1"/>
+            </a:fillRef>
+            <a:effectRef idx="1">
+              <a:schemeClr val="dk1"/>
+            </a:effectRef>
+            <a:fontRef idx="minor">
+              <a:schemeClr val="tx1"/>
+            </a:fontRef>
+          </p:style>
+        </p:cxnSp>
+        <p:cxnSp>
+          <p:nvCxnSpPr>
+            <p:cNvPr id="66" name="Connecteur en angle 281"/>
+            <p:cNvCxnSpPr>
+              <a:stCxn id="58" idx="1"/>
+              <a:endCxn id="59" idx="0"/>
+            </p:cNvCxnSpPr>
+            <p:nvPr/>
+          </p:nvCxnSpPr>
+          <p:spPr>
+            <a:xfrm rot="10800000" flipV="1">
+              <a:off x="3599892" y="728700"/>
+              <a:ext cx="828092" cy="540060"/>
+            </a:xfrm>
+            <a:prstGeom prst="bentConnector2">
+              <a:avLst/>
+            </a:prstGeom>
+            <a:ln>
+              <a:tailEnd type="arrow"/>
+            </a:ln>
+          </p:spPr>
+          <p:style>
+            <a:lnRef idx="2">
+              <a:schemeClr val="dk1"/>
+            </a:lnRef>
+            <a:fillRef idx="0">
+              <a:schemeClr val="dk1"/>
+            </a:fillRef>
+            <a:effectRef idx="1">
+              <a:schemeClr val="dk1"/>
+            </a:effectRef>
+            <a:fontRef idx="minor">
+              <a:schemeClr val="tx1"/>
+            </a:fontRef>
+          </p:style>
+        </p:cxnSp>
+        <p:sp>
+          <p:nvSpPr>
+            <p:cNvPr id="67" name="Ellipse 66"/>
+            <p:cNvSpPr/>
+            <p:nvPr/>
+          </p:nvSpPr>
+          <p:spPr>
+            <a:xfrm>
+              <a:off x="4932040" y="254298"/>
+              <a:ext cx="72000" cy="72000"/>
+            </a:xfrm>
+            <a:prstGeom prst="ellipse">
+              <a:avLst/>
+            </a:prstGeom>
+          </p:spPr>
+          <p:style>
+            <a:lnRef idx="2">
+              <a:schemeClr val="dk1">
+                <a:shade val="50000"/>
+              </a:schemeClr>
+            </a:lnRef>
+            <a:fillRef idx="1">
+              <a:schemeClr val="dk1"/>
+            </a:fillRef>
+            <a:effectRef idx="0">
+              <a:schemeClr val="dk1"/>
+            </a:effectRef>
+            <a:fontRef idx="minor">
+              <a:schemeClr val="lt1"/>
+            </a:fontRef>
+          </p:style>
+          <p:txBody>
+            <a:bodyPr rtlCol="0" anchor="ctr"/>
+            <a:lstStyle/>
+            <a:p>
+              <a:pPr algn="ctr"/>
+              <a:endParaRPr lang="fr-BE"/>
+            </a:p>
+          </p:txBody>
+        </p:sp>
+        <p:cxnSp>
+          <p:nvCxnSpPr>
+            <p:cNvPr id="68" name="Connecteur droit avec flèche 67"/>
+            <p:cNvCxnSpPr>
+              <a:stCxn id="67" idx="4"/>
+              <a:endCxn id="58" idx="0"/>
+            </p:cNvCxnSpPr>
+            <p:nvPr/>
+          </p:nvCxnSpPr>
+          <p:spPr>
+            <a:xfrm rot="16200000" flipH="1">
+              <a:off x="4856851" y="437487"/>
+              <a:ext cx="222382" cy="4"/>
+            </a:xfrm>
+            <a:prstGeom prst="straightConnector1">
+              <a:avLst/>
+            </a:prstGeom>
+            <a:ln>
+              <a:tailEnd type="arrow"/>
+            </a:ln>
+          </p:spPr>
+          <p:style>
+            <a:lnRef idx="2">
+              <a:schemeClr val="dk1"/>
+            </a:lnRef>
+            <a:fillRef idx="0">
+              <a:schemeClr val="dk1"/>
+            </a:fillRef>
+            <a:effectRef idx="1">
+              <a:schemeClr val="dk1"/>
+            </a:effectRef>
+            <a:fontRef idx="minor">
+              <a:schemeClr val="tx1"/>
+            </a:fontRef>
+          </p:style>
+        </p:cxnSp>
+      </p:grpSp>
+      <p:grpSp>
+        <p:nvGrpSpPr>
+          <p:cNvPr id="103" name="Groupe 102"/>
+          <p:cNvGrpSpPr/>
+          <p:nvPr/>
+        </p:nvGrpSpPr>
+        <p:grpSpPr>
+          <a:xfrm>
+            <a:off x="1448857" y="1147895"/>
+            <a:ext cx="4949082" cy="2713153"/>
+            <a:chOff x="1448857" y="1147895"/>
+            <a:chExt cx="4949082" cy="2713153"/>
+          </a:xfrm>
+        </p:grpSpPr>
+        <p:sp>
+          <p:nvSpPr>
+            <p:cNvPr id="83" name="Rectangle à coins arrondis 82"/>
+            <p:cNvSpPr/>
+            <p:nvPr/>
+          </p:nvSpPr>
+          <p:spPr>
+            <a:xfrm>
+              <a:off x="3851920" y="2401838"/>
+              <a:ext cx="2200498" cy="576064"/>
+            </a:xfrm>
+            <a:prstGeom prst="roundRect">
+              <a:avLst/>
+            </a:prstGeom>
+            <a:ln w="12700"/>
+          </p:spPr>
+          <p:style>
+            <a:lnRef idx="2">
+              <a:schemeClr val="dk1"/>
+            </a:lnRef>
+            <a:fillRef idx="1">
+              <a:schemeClr val="lt1"/>
+            </a:fillRef>
+            <a:effectRef idx="0">
+              <a:schemeClr val="dk1"/>
+            </a:effectRef>
+            <a:fontRef idx="minor">
+              <a:schemeClr val="dk1"/>
+            </a:fontRef>
+          </p:style>
+          <p:txBody>
+            <a:bodyPr wrap="none" lIns="36000" tIns="0" rIns="0" bIns="0" rtlCol="0" anchor="t" anchorCtr="0"/>
+            <a:lstStyle/>
+            <a:p>
+              <a:r>
+                <a:rPr lang="fr-BE" sz="1000" smtClean="0"/>
+                <a:t>Stopping &amp; Opening doors</a:t>
+              </a:r>
+              <a:endParaRPr lang="fr-BE" sz="1000"/>
+            </a:p>
+          </p:txBody>
+        </p:sp>
+        <p:sp>
+          <p:nvSpPr>
+            <p:cNvPr id="82" name="Rectangle à coins arrondis 81"/>
+            <p:cNvSpPr/>
+            <p:nvPr/>
+          </p:nvSpPr>
+          <p:spPr>
+            <a:xfrm>
+              <a:off x="1750988" y="2408188"/>
+              <a:ext cx="1440160" cy="576064"/>
+            </a:xfrm>
+            <a:prstGeom prst="roundRect">
+              <a:avLst/>
+            </a:prstGeom>
+            <a:ln w="12700"/>
+          </p:spPr>
+          <p:style>
+            <a:lnRef idx="2">
+              <a:schemeClr val="dk1"/>
+            </a:lnRef>
+            <a:fillRef idx="1">
+              <a:schemeClr val="lt1"/>
+            </a:fillRef>
+            <a:effectRef idx="0">
+              <a:schemeClr val="dk1"/>
+            </a:effectRef>
+            <a:fontRef idx="minor">
+              <a:schemeClr val="dk1"/>
+            </a:fontRef>
+          </p:style>
+          <p:txBody>
+            <a:bodyPr wrap="none" lIns="36000" tIns="0" rIns="0" bIns="0" rtlCol="0" anchor="t" anchorCtr="0"/>
+            <a:lstStyle/>
+            <a:p>
+              <a:r>
+                <a:rPr lang="fr-BE" sz="1000" smtClean="0"/>
+                <a:t>Pressing alarm</a:t>
+              </a:r>
+              <a:endParaRPr lang="fr-BE" sz="1000"/>
+            </a:p>
+          </p:txBody>
+        </p:sp>
+        <p:sp>
+          <p:nvSpPr>
+            <p:cNvPr id="81" name="Rectangle à coins arrondis 80"/>
+            <p:cNvSpPr/>
+            <p:nvPr/>
+          </p:nvSpPr>
+          <p:spPr>
+            <a:xfrm>
+              <a:off x="2987824" y="1340768"/>
+              <a:ext cx="1440160" cy="576064"/>
+            </a:xfrm>
+            <a:prstGeom prst="roundRect">
+              <a:avLst/>
+            </a:prstGeom>
+            <a:ln w="12700"/>
+          </p:spPr>
+          <p:style>
+            <a:lnRef idx="2">
+              <a:schemeClr val="dk1"/>
+            </a:lnRef>
+            <a:fillRef idx="1">
+              <a:schemeClr val="lt1"/>
+            </a:fillRef>
+            <a:effectRef idx="0">
+              <a:schemeClr val="dk1"/>
+            </a:effectRef>
+            <a:fontRef idx="minor">
+              <a:schemeClr val="dk1"/>
+            </a:fontRef>
+          </p:style>
+          <p:txBody>
+            <a:bodyPr wrap="none" lIns="36000" tIns="0" rIns="0" bIns="0" rtlCol="0" anchor="t" anchorCtr="0"/>
+            <a:lstStyle/>
+            <a:p>
+              <a:r>
+                <a:rPr lang="fr-BE" sz="1000" smtClean="0"/>
+                <a:t>Starting train</a:t>
+              </a:r>
+              <a:endParaRPr lang="fr-BE" sz="1000"/>
+            </a:p>
+          </p:txBody>
+        </p:sp>
+        <p:pic>
+          <p:nvPicPr>
+            <p:cNvPr id="1026" name="Picture 2" descr="D:\blambeau\Work\ucl\thesis\writing\src\2-framework\images\controller-stopping-and-opening.png"/>
+            <p:cNvPicPr>
+              <a:picLocks noChangeAspect="1" noChangeArrowheads="1"/>
+            </p:cNvPicPr>
+            <p:nvPr/>
+          </p:nvPicPr>
+          <p:blipFill>
+            <a:blip r:embed="rId2" cstate="print"/>
+            <a:srcRect/>
+            <a:stretch>
+              <a:fillRect/>
+            </a:stretch>
+          </p:blipFill>
+          <p:spPr bwMode="auto">
+            <a:xfrm>
+              <a:off x="4067944" y="2636911"/>
+              <a:ext cx="1936216" cy="314702"/>
+            </a:xfrm>
+            <a:prstGeom prst="rect">
+              <a:avLst/>
+            </a:prstGeom>
+            <a:noFill/>
+          </p:spPr>
+        </p:pic>
+        <p:pic>
+          <p:nvPicPr>
+            <p:cNvPr id="1028" name="Picture 4" descr="D:\blambeau\Work\ucl\thesis\writing\src\2-framework\images\controller-pressing-alarm.png"/>
+            <p:cNvPicPr>
+              <a:picLocks noChangeAspect="1" noChangeArrowheads="1"/>
+            </p:cNvPicPr>
+            <p:nvPr/>
+          </p:nvPicPr>
+          <p:blipFill>
+            <a:blip r:embed="rId3" cstate="print"/>
+            <a:srcRect/>
+            <a:stretch>
+              <a:fillRect/>
+            </a:stretch>
+          </p:blipFill>
+          <p:spPr bwMode="auto">
+            <a:xfrm>
+              <a:off x="1979712" y="2636911"/>
+              <a:ext cx="1168130" cy="314702"/>
+            </a:xfrm>
+            <a:prstGeom prst="rect">
+              <a:avLst/>
+            </a:prstGeom>
+            <a:noFill/>
+          </p:spPr>
+        </p:pic>
+        <p:pic>
+          <p:nvPicPr>
+            <p:cNvPr id="1029" name="Picture 5" descr="D:\blambeau\Work\ucl\thesis\writing\src\2-framework\images\controller-starting-train.png"/>
+            <p:cNvPicPr>
+              <a:picLocks noChangeAspect="1" noChangeArrowheads="1"/>
+            </p:cNvPicPr>
+            <p:nvPr/>
+          </p:nvPicPr>
+          <p:blipFill>
+            <a:blip r:embed="rId4" cstate="print"/>
+            <a:srcRect/>
+            <a:stretch>
+              <a:fillRect/>
+            </a:stretch>
+          </p:blipFill>
+          <p:spPr bwMode="auto">
+            <a:xfrm>
+              <a:off x="3271919" y="1575842"/>
+              <a:ext cx="1109457" cy="314702"/>
+            </a:xfrm>
+            <a:prstGeom prst="rect">
+              <a:avLst/>
+            </a:prstGeom>
+            <a:noFill/>
+          </p:spPr>
+        </p:pic>
+        <p:sp>
+          <p:nvSpPr>
+            <p:cNvPr id="84" name="Rectangle à coins arrondis 83"/>
+            <p:cNvSpPr/>
+            <p:nvPr/>
+          </p:nvSpPr>
+          <p:spPr>
+            <a:xfrm>
+              <a:off x="2915816" y="3284984"/>
+              <a:ext cx="1440160" cy="576064"/>
+            </a:xfrm>
+            <a:prstGeom prst="roundRect">
+              <a:avLst/>
+            </a:prstGeom>
+            <a:ln w="12700"/>
+          </p:spPr>
+          <p:style>
+            <a:lnRef idx="2">
+              <a:schemeClr val="dk1"/>
+            </a:lnRef>
+            <a:fillRef idx="1">
+              <a:schemeClr val="lt1"/>
+            </a:fillRef>
+            <a:effectRef idx="0">
+              <a:schemeClr val="dk1"/>
+            </a:effectRef>
+            <a:fontRef idx="minor">
+              <a:schemeClr val="dk1"/>
+            </a:fontRef>
+          </p:style>
+          <p:txBody>
+            <a:bodyPr wrap="none" lIns="36000" tIns="0" rIns="0" bIns="0" rtlCol="0" anchor="t" anchorCtr="0"/>
+            <a:lstStyle/>
+            <a:p>
+              <a:r>
+                <a:rPr lang="fr-BE" sz="1000" smtClean="0"/>
+                <a:t>Closing doors</a:t>
+              </a:r>
+              <a:endParaRPr lang="fr-BE" sz="1000"/>
+            </a:p>
+          </p:txBody>
+        </p:sp>
+        <p:pic>
+          <p:nvPicPr>
+            <p:cNvPr id="1027" name="Picture 3" descr="D:\blambeau\Work\ucl\thesis\writing\src\2-framework\images\controller-closing-doors.png"/>
+            <p:cNvPicPr>
+              <a:picLocks noChangeAspect="1" noChangeArrowheads="1"/>
+            </p:cNvPicPr>
+            <p:nvPr/>
+          </p:nvPicPr>
+          <p:blipFill>
+            <a:blip r:embed="rId5" cstate="print"/>
+            <a:srcRect/>
+            <a:stretch>
+              <a:fillRect/>
+            </a:stretch>
+          </p:blipFill>
+          <p:spPr bwMode="auto">
+            <a:xfrm>
+              <a:off x="3150890" y="3533943"/>
+              <a:ext cx="1152128" cy="314702"/>
+            </a:xfrm>
+            <a:prstGeom prst="rect">
+              <a:avLst/>
+            </a:prstGeom>
+            <a:noFill/>
+          </p:spPr>
+        </p:pic>
+        <p:sp>
+          <p:nvSpPr>
+            <p:cNvPr id="85" name="Forme libre 84"/>
+            <p:cNvSpPr/>
+            <p:nvPr/>
+          </p:nvSpPr>
+          <p:spPr>
+            <a:xfrm>
+              <a:off x="1448857" y="1842707"/>
+              <a:ext cx="2798516" cy="1053951"/>
+            </a:xfrm>
+            <a:custGeom>
+              <a:avLst/>
+              <a:gdLst>
+                <a:gd name="connsiteX0" fmla="*/ 2894542 w 3352800"/>
+                <a:gd name="connsiteY0" fmla="*/ 4233 h 1167341"/>
+                <a:gd name="connsiteX1" fmla="*/ 3148542 w 3352800"/>
+                <a:gd name="connsiteY1" fmla="*/ 55033 h 1167341"/>
+                <a:gd name="connsiteX2" fmla="*/ 3129492 w 3352800"/>
+                <a:gd name="connsiteY2" fmla="*/ 334433 h 1167341"/>
+                <a:gd name="connsiteX3" fmla="*/ 1808692 w 3352800"/>
+                <a:gd name="connsiteY3" fmla="*/ 366183 h 1167341"/>
+                <a:gd name="connsiteX4" fmla="*/ 805392 w 3352800"/>
+                <a:gd name="connsiteY4" fmla="*/ 429683 h 1167341"/>
+                <a:gd name="connsiteX5" fmla="*/ 113242 w 3352800"/>
+                <a:gd name="connsiteY5" fmla="*/ 626533 h 1167341"/>
+                <a:gd name="connsiteX6" fmla="*/ 125942 w 3352800"/>
+                <a:gd name="connsiteY6" fmla="*/ 1090083 h 1167341"/>
+                <a:gd name="connsiteX7" fmla="*/ 551392 w 3352800"/>
+                <a:gd name="connsiteY7" fmla="*/ 1090083 h 1167341"/>
+                <a:gd name="connsiteX0" fmla="*/ 2894542 w 3266459"/>
+                <a:gd name="connsiteY0" fmla="*/ 3750 h 1166858"/>
+                <a:gd name="connsiteX1" fmla="*/ 3148542 w 3266459"/>
+                <a:gd name="connsiteY1" fmla="*/ 54550 h 1166858"/>
+                <a:gd name="connsiteX2" fmla="*/ 2187038 w 3266459"/>
+                <a:gd name="connsiteY2" fmla="*/ 331048 h 1166858"/>
+                <a:gd name="connsiteX3" fmla="*/ 1808692 w 3266459"/>
+                <a:gd name="connsiteY3" fmla="*/ 365700 h 1166858"/>
+                <a:gd name="connsiteX4" fmla="*/ 805392 w 3266459"/>
+                <a:gd name="connsiteY4" fmla="*/ 429200 h 1166858"/>
+                <a:gd name="connsiteX5" fmla="*/ 113242 w 3266459"/>
+                <a:gd name="connsiteY5" fmla="*/ 626050 h 1166858"/>
+                <a:gd name="connsiteX6" fmla="*/ 125942 w 3266459"/>
+                <a:gd name="connsiteY6" fmla="*/ 1089600 h 1166858"/>
+                <a:gd name="connsiteX7" fmla="*/ 551392 w 3266459"/>
+                <a:gd name="connsiteY7" fmla="*/ 1089600 h 1166858"/>
+                <a:gd name="connsiteX0" fmla="*/ 2894542 w 3329517"/>
+                <a:gd name="connsiteY0" fmla="*/ 9525 h 1172633"/>
+                <a:gd name="connsiteX1" fmla="*/ 3148542 w 3329517"/>
+                <a:gd name="connsiteY1" fmla="*/ 60325 h 1172633"/>
+                <a:gd name="connsiteX2" fmla="*/ 1808692 w 3329517"/>
+                <a:gd name="connsiteY2" fmla="*/ 371475 h 1172633"/>
+                <a:gd name="connsiteX3" fmla="*/ 805392 w 3329517"/>
+                <a:gd name="connsiteY3" fmla="*/ 434975 h 1172633"/>
+                <a:gd name="connsiteX4" fmla="*/ 113242 w 3329517"/>
+                <a:gd name="connsiteY4" fmla="*/ 631825 h 1172633"/>
+                <a:gd name="connsiteX5" fmla="*/ 125942 w 3329517"/>
+                <a:gd name="connsiteY5" fmla="*/ 1095375 h 1172633"/>
+                <a:gd name="connsiteX6" fmla="*/ 551392 w 3329517"/>
+                <a:gd name="connsiteY6" fmla="*/ 1095375 h 1172633"/>
+                <a:gd name="connsiteX0" fmla="*/ 2894542 w 3001963"/>
+                <a:gd name="connsiteY0" fmla="*/ 2117 h 1165225"/>
+                <a:gd name="connsiteX1" fmla="*/ 2331055 w 3001963"/>
+                <a:gd name="connsiteY1" fmla="*/ 329415 h 1165225"/>
+                <a:gd name="connsiteX2" fmla="*/ 1808692 w 3001963"/>
+                <a:gd name="connsiteY2" fmla="*/ 364067 h 1165225"/>
+                <a:gd name="connsiteX3" fmla="*/ 805392 w 3001963"/>
+                <a:gd name="connsiteY3" fmla="*/ 427567 h 1165225"/>
+                <a:gd name="connsiteX4" fmla="*/ 113242 w 3001963"/>
+                <a:gd name="connsiteY4" fmla="*/ 624417 h 1165225"/>
+                <a:gd name="connsiteX5" fmla="*/ 125942 w 3001963"/>
+                <a:gd name="connsiteY5" fmla="*/ 1087967 h 1165225"/>
+                <a:gd name="connsiteX6" fmla="*/ 551392 w 3001963"/>
+                <a:gd name="connsiteY6" fmla="*/ 1087967 h 1165225"/>
+                <a:gd name="connsiteX0" fmla="*/ 2691095 w 2798516"/>
+                <a:gd name="connsiteY0" fmla="*/ 2117 h 1053951"/>
+                <a:gd name="connsiteX1" fmla="*/ 2331055 w 2798516"/>
+                <a:gd name="connsiteY1" fmla="*/ 218141 h 1053951"/>
+                <a:gd name="connsiteX2" fmla="*/ 1808692 w 2798516"/>
+                <a:gd name="connsiteY2" fmla="*/ 252793 h 1053951"/>
+                <a:gd name="connsiteX3" fmla="*/ 805392 w 2798516"/>
+                <a:gd name="connsiteY3" fmla="*/ 316293 h 1053951"/>
+                <a:gd name="connsiteX4" fmla="*/ 113242 w 2798516"/>
+                <a:gd name="connsiteY4" fmla="*/ 513143 h 1053951"/>
+                <a:gd name="connsiteX5" fmla="*/ 125942 w 2798516"/>
+                <a:gd name="connsiteY5" fmla="*/ 976693 h 1053951"/>
+                <a:gd name="connsiteX6" fmla="*/ 551392 w 2798516"/>
+                <a:gd name="connsiteY6" fmla="*/ 976693 h 1053951"/>
+              </a:gdLst>
+              <a:ahLst/>
+              <a:cxnLst>
+                <a:cxn ang="0">
+                  <a:pos x="connsiteX0" y="connsiteY0"/>
+                </a:cxn>
+                <a:cxn ang="0">
+                  <a:pos x="connsiteX1" y="connsiteY1"/>
+                </a:cxn>
+                <a:cxn ang="0">
+                  <a:pos x="connsiteX2" y="connsiteY2"/>
+                </a:cxn>
+                <a:cxn ang="0">
+                  <a:pos x="connsiteX3" y="connsiteY3"/>
+                </a:cxn>
+                <a:cxn ang="0">
+                  <a:pos x="connsiteX4" y="connsiteY4"/>
+                </a:cxn>
+                <a:cxn ang="0">
+                  <a:pos x="connsiteX5" y="connsiteY5"/>
+                </a:cxn>
+                <a:cxn ang="0">
+                  <a:pos x="connsiteX6" y="connsiteY6"/>
+                </a:cxn>
+              </a:cxnLst>
+              <a:rect l="l" t="t" r="r" b="b"/>
+              <a:pathLst>
+                <a:path w="2798516" h="1053951">
+                  <a:moveTo>
+                    <a:pt x="2691095" y="2117"/>
+                  </a:moveTo>
+                  <a:cubicBezTo>
+                    <a:pt x="2798516" y="0"/>
+                    <a:pt x="2478122" y="176362"/>
+                    <a:pt x="2331055" y="218141"/>
+                  </a:cubicBezTo>
+                  <a:cubicBezTo>
+                    <a:pt x="2183988" y="259920"/>
+                    <a:pt x="2062969" y="236434"/>
+                    <a:pt x="1808692" y="252793"/>
+                  </a:cubicBezTo>
+                  <a:cubicBezTo>
+                    <a:pt x="1554415" y="269152"/>
+                    <a:pt x="1087967" y="272901"/>
+                    <a:pt x="805392" y="316293"/>
+                  </a:cubicBezTo>
+                  <a:cubicBezTo>
+                    <a:pt x="522817" y="359685"/>
+                    <a:pt x="226484" y="403076"/>
+                    <a:pt x="113242" y="513143"/>
+                  </a:cubicBezTo>
+                  <a:cubicBezTo>
+                    <a:pt x="0" y="623210"/>
+                    <a:pt x="52917" y="899435"/>
+                    <a:pt x="125942" y="976693"/>
+                  </a:cubicBezTo>
+                  <a:cubicBezTo>
+                    <a:pt x="198967" y="1053951"/>
+                    <a:pt x="375179" y="1015322"/>
+                    <a:pt x="551392" y="976693"/>
+                  </a:cubicBezTo>
+                </a:path>
+              </a:pathLst>
+            </a:custGeom>
+            <a:ln>
+              <a:tailEnd type="triangle"/>
+            </a:ln>
+          </p:spPr>
+          <p:style>
+            <a:lnRef idx="1">
+              <a:schemeClr val="dk1"/>
+            </a:lnRef>
+            <a:fillRef idx="0">
+              <a:schemeClr val="dk1"/>
+            </a:fillRef>
+            <a:effectRef idx="0">
+              <a:schemeClr val="dk1"/>
+            </a:effectRef>
+            <a:fontRef idx="minor">
+              <a:schemeClr val="tx1"/>
+            </a:fontRef>
+          </p:style>
+          <p:txBody>
+            <a:bodyPr rtlCol="0" anchor="ctr"/>
+            <a:lstStyle/>
+            <a:p>
+              <a:pPr algn="ctr"/>
+              <a:endParaRPr lang="fr-BE"/>
+            </a:p>
+          </p:txBody>
+        </p:sp>
+        <p:sp>
+          <p:nvSpPr>
+            <p:cNvPr id="86" name="Forme libre 85"/>
+            <p:cNvSpPr/>
+            <p:nvPr/>
+          </p:nvSpPr>
+          <p:spPr>
+            <a:xfrm>
+              <a:off x="3111500" y="2787650"/>
+              <a:ext cx="990600" cy="12700"/>
+            </a:xfrm>
+            <a:custGeom>
+              <a:avLst/>
+              <a:gdLst>
+                <a:gd name="connsiteX0" fmla="*/ 0 w 990600"/>
+                <a:gd name="connsiteY0" fmla="*/ 12700 h 12700"/>
+                <a:gd name="connsiteX1" fmla="*/ 381000 w 990600"/>
+                <a:gd name="connsiteY1" fmla="*/ 0 h 12700"/>
+                <a:gd name="connsiteX2" fmla="*/ 990600 w 990600"/>
+                <a:gd name="connsiteY2" fmla="*/ 6350 h 12700"/>
+              </a:gdLst>
+              <a:ahLst/>
+              <a:cxnLst>
+                <a:cxn ang="0">
+                  <a:pos x="connsiteX0" y="connsiteY0"/>
+                </a:cxn>
+                <a:cxn ang="0">
+                  <a:pos x="connsiteX1" y="connsiteY1"/>
+                </a:cxn>
+                <a:cxn ang="0">
+                  <a:pos x="connsiteX2" y="connsiteY2"/>
+                </a:cxn>
+              </a:cxnLst>
+              <a:rect l="l" t="t" r="r" b="b"/>
+              <a:pathLst>
+                <a:path w="990600" h="12700">
+                  <a:moveTo>
+                    <a:pt x="0" y="12700"/>
+                  </a:moveTo>
+                  <a:cubicBezTo>
+                    <a:pt x="107950" y="6879"/>
+                    <a:pt x="381000" y="0"/>
+                    <a:pt x="381000" y="0"/>
+                  </a:cubicBezTo>
+                  <a:lnTo>
+                    <a:pt x="990600" y="6350"/>
+                  </a:lnTo>
+                </a:path>
+              </a:pathLst>
+            </a:custGeom>
+            <a:ln>
+              <a:tailEnd type="triangle"/>
+            </a:ln>
+          </p:spPr>
+          <p:style>
+            <a:lnRef idx="1">
+              <a:schemeClr val="dk1"/>
+            </a:lnRef>
+            <a:fillRef idx="0">
+              <a:schemeClr val="dk1"/>
+            </a:fillRef>
+            <a:effectRef idx="0">
+              <a:schemeClr val="dk1"/>
+            </a:effectRef>
+            <a:fontRef idx="minor">
+              <a:schemeClr val="tx1"/>
+            </a:fontRef>
+          </p:style>
+          <p:txBody>
+            <a:bodyPr rtlCol="0" anchor="ctr"/>
+            <a:lstStyle/>
+            <a:p>
+              <a:pPr algn="ctr"/>
+              <a:endParaRPr lang="fr-BE"/>
+            </a:p>
+          </p:txBody>
+        </p:sp>
+        <p:sp>
+          <p:nvSpPr>
+            <p:cNvPr id="87" name="Forme libre 86"/>
+            <p:cNvSpPr/>
+            <p:nvPr/>
+          </p:nvSpPr>
+          <p:spPr>
+            <a:xfrm>
+              <a:off x="3701033" y="1854200"/>
+              <a:ext cx="644484" cy="854720"/>
+            </a:xfrm>
+            <a:custGeom>
+              <a:avLst/>
+              <a:gdLst>
+                <a:gd name="connsiteX0" fmla="*/ 558800 w 643467"/>
+                <a:gd name="connsiteY0" fmla="*/ 0 h 831850"/>
+                <a:gd name="connsiteX1" fmla="*/ 590550 w 643467"/>
+                <a:gd name="connsiteY1" fmla="*/ 273050 h 831850"/>
+                <a:gd name="connsiteX2" fmla="*/ 241300 w 643467"/>
+                <a:gd name="connsiteY2" fmla="*/ 381000 h 831850"/>
+                <a:gd name="connsiteX3" fmla="*/ 31750 w 643467"/>
+                <a:gd name="connsiteY3" fmla="*/ 755650 h 831850"/>
+                <a:gd name="connsiteX4" fmla="*/ 431800 w 643467"/>
+                <a:gd name="connsiteY4" fmla="*/ 831850 h 831850"/>
+                <a:gd name="connsiteX0" fmla="*/ 559817 w 644484"/>
+                <a:gd name="connsiteY0" fmla="*/ 0 h 854720"/>
+                <a:gd name="connsiteX1" fmla="*/ 591567 w 644484"/>
+                <a:gd name="connsiteY1" fmla="*/ 273050 h 854720"/>
+                <a:gd name="connsiteX2" fmla="*/ 242317 w 644484"/>
+                <a:gd name="connsiteY2" fmla="*/ 381000 h 854720"/>
+                <a:gd name="connsiteX3" fmla="*/ 32767 w 644484"/>
+                <a:gd name="connsiteY3" fmla="*/ 755650 h 854720"/>
+                <a:gd name="connsiteX4" fmla="*/ 438919 w 644484"/>
+                <a:gd name="connsiteY4" fmla="*/ 854720 h 854720"/>
+                <a:gd name="connsiteX0" fmla="*/ 559817 w 644484"/>
+                <a:gd name="connsiteY0" fmla="*/ 0 h 854720"/>
+                <a:gd name="connsiteX1" fmla="*/ 591567 w 644484"/>
+                <a:gd name="connsiteY1" fmla="*/ 273050 h 854720"/>
+                <a:gd name="connsiteX2" fmla="*/ 242317 w 644484"/>
+                <a:gd name="connsiteY2" fmla="*/ 381000 h 854720"/>
+                <a:gd name="connsiteX3" fmla="*/ 32767 w 644484"/>
+                <a:gd name="connsiteY3" fmla="*/ 755650 h 854720"/>
+                <a:gd name="connsiteX4" fmla="*/ 438919 w 644484"/>
+                <a:gd name="connsiteY4" fmla="*/ 854720 h 854720"/>
+              </a:gdLst>
+              <a:ahLst/>
+              <a:cxnLst>
+                <a:cxn ang="0">
+                  <a:pos x="connsiteX0" y="connsiteY0"/>
+                </a:cxn>
+                <a:cxn ang="0">
+                  <a:pos x="connsiteX1" y="connsiteY1"/>
+                </a:cxn>
+                <a:cxn ang="0">
+                  <a:pos x="connsiteX2" y="connsiteY2"/>
+                </a:cxn>
+                <a:cxn ang="0">
+                  <a:pos x="connsiteX3" y="connsiteY3"/>
+                </a:cxn>
+                <a:cxn ang="0">
+                  <a:pos x="connsiteX4" y="connsiteY4"/>
+                </a:cxn>
+              </a:cxnLst>
+              <a:rect l="l" t="t" r="r" b="b"/>
+              <a:pathLst>
+                <a:path w="644484" h="854720">
+                  <a:moveTo>
+                    <a:pt x="559817" y="0"/>
+                  </a:moveTo>
+                  <a:cubicBezTo>
+                    <a:pt x="602150" y="104775"/>
+                    <a:pt x="644484" y="209550"/>
+                    <a:pt x="591567" y="273050"/>
+                  </a:cubicBezTo>
+                  <a:cubicBezTo>
+                    <a:pt x="538650" y="336550"/>
+                    <a:pt x="335450" y="300567"/>
+                    <a:pt x="242317" y="381000"/>
+                  </a:cubicBezTo>
+                  <a:cubicBezTo>
+                    <a:pt x="149184" y="461433"/>
+                    <a:pt x="0" y="676697"/>
+                    <a:pt x="32767" y="755650"/>
+                  </a:cubicBezTo>
+                  <a:cubicBezTo>
+                    <a:pt x="65534" y="834603"/>
+                    <a:pt x="280541" y="742421"/>
+                    <a:pt x="438919" y="854720"/>
+                  </a:cubicBezTo>
+                </a:path>
+              </a:pathLst>
+            </a:custGeom>
+            <a:ln>
+              <a:tailEnd type="triangle"/>
+            </a:ln>
+          </p:spPr>
+          <p:style>
+            <a:lnRef idx="1">
+              <a:schemeClr val="dk1"/>
+            </a:lnRef>
+            <a:fillRef idx="0">
+              <a:schemeClr val="dk1"/>
+            </a:fillRef>
+            <a:effectRef idx="0">
+              <a:schemeClr val="dk1"/>
+            </a:effectRef>
+            <a:fontRef idx="minor">
+              <a:schemeClr val="tx1"/>
+            </a:fontRef>
+          </p:style>
+          <p:txBody>
+            <a:bodyPr rtlCol="0" anchor="ctr"/>
+            <a:lstStyle/>
+            <a:p>
+              <a:pPr algn="ctr"/>
+              <a:endParaRPr lang="fr-BE"/>
+            </a:p>
+          </p:txBody>
+        </p:sp>
+        <p:sp>
+          <p:nvSpPr>
+            <p:cNvPr id="88" name="Forme libre 87"/>
+            <p:cNvSpPr/>
+            <p:nvPr/>
+          </p:nvSpPr>
+          <p:spPr>
+            <a:xfrm>
+              <a:off x="2639785" y="2921000"/>
+              <a:ext cx="3321071" cy="816479"/>
+            </a:xfrm>
+            <a:custGeom>
+              <a:avLst/>
+              <a:gdLst>
+                <a:gd name="connsiteX0" fmla="*/ 3565525 w 4005792"/>
+                <a:gd name="connsiteY0" fmla="*/ 0 h 818092"/>
+                <a:gd name="connsiteX1" fmla="*/ 3495675 w 4005792"/>
+                <a:gd name="connsiteY1" fmla="*/ 209550 h 818092"/>
+                <a:gd name="connsiteX2" fmla="*/ 504825 w 4005792"/>
+                <a:gd name="connsiteY2" fmla="*/ 247650 h 818092"/>
+                <a:gd name="connsiteX3" fmla="*/ 466725 w 4005792"/>
+                <a:gd name="connsiteY3" fmla="*/ 730250 h 818092"/>
+                <a:gd name="connsiteX4" fmla="*/ 892175 w 4005792"/>
+                <a:gd name="connsiteY4" fmla="*/ 774700 h 818092"/>
+                <a:gd name="connsiteX0" fmla="*/ 3496456 w 3716589"/>
+                <a:gd name="connsiteY0" fmla="*/ 0 h 818092"/>
+                <a:gd name="connsiteX1" fmla="*/ 3012194 w 3716589"/>
+                <a:gd name="connsiteY1" fmla="*/ 219968 h 818092"/>
+                <a:gd name="connsiteX2" fmla="*/ 435756 w 3716589"/>
+                <a:gd name="connsiteY2" fmla="*/ 247650 h 818092"/>
+                <a:gd name="connsiteX3" fmla="*/ 397656 w 3716589"/>
+                <a:gd name="connsiteY3" fmla="*/ 730250 h 818092"/>
+                <a:gd name="connsiteX4" fmla="*/ 823106 w 3716589"/>
+                <a:gd name="connsiteY4" fmla="*/ 774700 h 818092"/>
+                <a:gd name="connsiteX0" fmla="*/ 3496456 w 3596960"/>
+                <a:gd name="connsiteY0" fmla="*/ 0 h 818092"/>
+                <a:gd name="connsiteX1" fmla="*/ 3516250 w 3596960"/>
+                <a:gd name="connsiteY1" fmla="*/ 219968 h 818092"/>
+                <a:gd name="connsiteX2" fmla="*/ 3012194 w 3596960"/>
+                <a:gd name="connsiteY2" fmla="*/ 219968 h 818092"/>
+                <a:gd name="connsiteX3" fmla="*/ 435756 w 3596960"/>
+                <a:gd name="connsiteY3" fmla="*/ 247650 h 818092"/>
+                <a:gd name="connsiteX4" fmla="*/ 397656 w 3596960"/>
+                <a:gd name="connsiteY4" fmla="*/ 730250 h 818092"/>
+                <a:gd name="connsiteX5" fmla="*/ 823106 w 3596960"/>
+                <a:gd name="connsiteY5" fmla="*/ 774700 h 818092"/>
+                <a:gd name="connsiteX0" fmla="*/ 3492748 w 3593252"/>
+                <a:gd name="connsiteY0" fmla="*/ 0 h 811866"/>
+                <a:gd name="connsiteX1" fmla="*/ 3512542 w 3593252"/>
+                <a:gd name="connsiteY1" fmla="*/ 219968 h 811866"/>
+                <a:gd name="connsiteX2" fmla="*/ 3008486 w 3593252"/>
+                <a:gd name="connsiteY2" fmla="*/ 219968 h 811866"/>
+                <a:gd name="connsiteX3" fmla="*/ 432048 w 3593252"/>
+                <a:gd name="connsiteY3" fmla="*/ 247650 h 811866"/>
+                <a:gd name="connsiteX4" fmla="*/ 416198 w 3593252"/>
+                <a:gd name="connsiteY4" fmla="*/ 724024 h 811866"/>
+                <a:gd name="connsiteX5" fmla="*/ 819398 w 3593252"/>
+                <a:gd name="connsiteY5" fmla="*/ 774700 h 811866"/>
+                <a:gd name="connsiteX0" fmla="*/ 3220566 w 3321070"/>
+                <a:gd name="connsiteY0" fmla="*/ 0 h 816479"/>
+                <a:gd name="connsiteX1" fmla="*/ 3240360 w 3321070"/>
+                <a:gd name="connsiteY1" fmla="*/ 219968 h 816479"/>
+                <a:gd name="connsiteX2" fmla="*/ 2736304 w 3321070"/>
+                <a:gd name="connsiteY2" fmla="*/ 219968 h 816479"/>
+                <a:gd name="connsiteX3" fmla="*/ 432048 w 3321070"/>
+                <a:gd name="connsiteY3" fmla="*/ 219968 h 816479"/>
+                <a:gd name="connsiteX4" fmla="*/ 144016 w 3321070"/>
+                <a:gd name="connsiteY4" fmla="*/ 724024 h 816479"/>
+                <a:gd name="connsiteX5" fmla="*/ 547216 w 3321070"/>
+                <a:gd name="connsiteY5" fmla="*/ 774700 h 816479"/>
+                <a:gd name="connsiteX0" fmla="*/ 3208565 w 3321071"/>
+                <a:gd name="connsiteY0" fmla="*/ 0 h 816479"/>
+                <a:gd name="connsiteX1" fmla="*/ 3228359 w 3321071"/>
+                <a:gd name="connsiteY1" fmla="*/ 219968 h 816479"/>
+                <a:gd name="connsiteX2" fmla="*/ 2652295 w 3321071"/>
+                <a:gd name="connsiteY2" fmla="*/ 291976 h 816479"/>
+                <a:gd name="connsiteX3" fmla="*/ 420047 w 3321071"/>
+                <a:gd name="connsiteY3" fmla="*/ 219968 h 816479"/>
+                <a:gd name="connsiteX4" fmla="*/ 132015 w 3321071"/>
+                <a:gd name="connsiteY4" fmla="*/ 724024 h 816479"/>
+                <a:gd name="connsiteX5" fmla="*/ 535215 w 3321071"/>
+                <a:gd name="connsiteY5" fmla="*/ 774700 h 816479"/>
+              </a:gdLst>
+              <a:ahLst/>
+              <a:cxnLst>
+                <a:cxn ang="0">
+                  <a:pos x="connsiteX0" y="connsiteY0"/>
+                </a:cxn>
+                <a:cxn ang="0">
+                  <a:pos x="connsiteX1" y="connsiteY1"/>
+                </a:cxn>
+                <a:cxn ang="0">
+                  <a:pos x="connsiteX2" y="connsiteY2"/>
+                </a:cxn>
+                <a:cxn ang="0">
+                  <a:pos x="connsiteX3" y="connsiteY3"/>
+                </a:cxn>
+                <a:cxn ang="0">
+                  <a:pos x="connsiteX4" y="connsiteY4"/>
+                </a:cxn>
+                <a:cxn ang="0">
+                  <a:pos x="connsiteX5" y="connsiteY5"/>
+                </a:cxn>
+              </a:cxnLst>
+              <a:rect l="l" t="t" r="r" b="b"/>
+              <a:pathLst>
+                <a:path w="3321071" h="816479">
+                  <a:moveTo>
+                    <a:pt x="3208565" y="0"/>
+                  </a:moveTo>
+                  <a:cubicBezTo>
+                    <a:pt x="3200098" y="25400"/>
+                    <a:pt x="3321071" y="171305"/>
+                    <a:pt x="3228359" y="219968"/>
+                  </a:cubicBezTo>
+                  <a:cubicBezTo>
+                    <a:pt x="3135647" y="268631"/>
+                    <a:pt x="3120347" y="291976"/>
+                    <a:pt x="2652295" y="291976"/>
+                  </a:cubicBezTo>
+                  <a:cubicBezTo>
+                    <a:pt x="2184243" y="291976"/>
+                    <a:pt x="840094" y="147960"/>
+                    <a:pt x="420047" y="219968"/>
+                  </a:cubicBezTo>
+                  <a:cubicBezTo>
+                    <a:pt x="0" y="291976"/>
+                    <a:pt x="112820" y="631569"/>
+                    <a:pt x="132015" y="724024"/>
+                  </a:cubicBezTo>
+                  <a:cubicBezTo>
+                    <a:pt x="151210" y="816479"/>
+                    <a:pt x="354769" y="796396"/>
+                    <a:pt x="535215" y="774700"/>
+                  </a:cubicBezTo>
+                </a:path>
+              </a:pathLst>
+            </a:custGeom>
+            <a:ln>
+              <a:tailEnd type="triangle"/>
+            </a:ln>
+          </p:spPr>
+          <p:style>
+            <a:lnRef idx="1">
+              <a:schemeClr val="dk1"/>
+            </a:lnRef>
+            <a:fillRef idx="0">
+              <a:schemeClr val="dk1"/>
+            </a:fillRef>
+            <a:effectRef idx="0">
+              <a:schemeClr val="dk1"/>
+            </a:effectRef>
+            <a:fontRef idx="minor">
+              <a:schemeClr val="tx1"/>
+            </a:fontRef>
+          </p:style>
+          <p:txBody>
+            <a:bodyPr rtlCol="0" anchor="ctr"/>
+            <a:lstStyle/>
+            <a:p>
+              <a:pPr algn="ctr"/>
+              <a:endParaRPr lang="fr-BE"/>
+            </a:p>
+          </p:txBody>
+        </p:sp>
+        <p:sp>
+          <p:nvSpPr>
+            <p:cNvPr id="91" name="Forme libre 90"/>
+            <p:cNvSpPr/>
+            <p:nvPr/>
+          </p:nvSpPr>
+          <p:spPr>
+            <a:xfrm>
+              <a:off x="2647975" y="1147895"/>
+              <a:ext cx="3749964" cy="2663709"/>
+            </a:xfrm>
+            <a:custGeom>
+              <a:avLst/>
+              <a:gdLst>
+                <a:gd name="connsiteX0" fmla="*/ 1797050 w 3971925"/>
+                <a:gd name="connsiteY0" fmla="*/ 2588683 h 2893483"/>
+                <a:gd name="connsiteX1" fmla="*/ 3651250 w 3971925"/>
+                <a:gd name="connsiteY1" fmla="*/ 2588683 h 2893483"/>
+                <a:gd name="connsiteX2" fmla="*/ 3721100 w 3971925"/>
+                <a:gd name="connsiteY2" fmla="*/ 759883 h 2893483"/>
+                <a:gd name="connsiteX3" fmla="*/ 2838450 w 3971925"/>
+                <a:gd name="connsiteY3" fmla="*/ 143933 h 2893483"/>
+                <a:gd name="connsiteX4" fmla="*/ 419100 w 3971925"/>
+                <a:gd name="connsiteY4" fmla="*/ 86783 h 2893483"/>
+                <a:gd name="connsiteX5" fmla="*/ 323850 w 3971925"/>
+                <a:gd name="connsiteY5" fmla="*/ 664633 h 2893483"/>
+                <a:gd name="connsiteX6" fmla="*/ 819150 w 3971925"/>
+                <a:gd name="connsiteY6" fmla="*/ 626533 h 2893483"/>
+                <a:gd name="connsiteX0" fmla="*/ 1797050 w 4072359"/>
+                <a:gd name="connsiteY0" fmla="*/ 2588683 h 2741083"/>
+                <a:gd name="connsiteX1" fmla="*/ 3751684 w 4072359"/>
+                <a:gd name="connsiteY1" fmla="*/ 2381291 h 2741083"/>
+                <a:gd name="connsiteX2" fmla="*/ 3721100 w 4072359"/>
+                <a:gd name="connsiteY2" fmla="*/ 759883 h 2741083"/>
+                <a:gd name="connsiteX3" fmla="*/ 2838450 w 4072359"/>
+                <a:gd name="connsiteY3" fmla="*/ 143933 h 2741083"/>
+                <a:gd name="connsiteX4" fmla="*/ 419100 w 4072359"/>
+                <a:gd name="connsiteY4" fmla="*/ 86783 h 2741083"/>
+                <a:gd name="connsiteX5" fmla="*/ 323850 w 4072359"/>
+                <a:gd name="connsiteY5" fmla="*/ 664633 h 2741083"/>
+                <a:gd name="connsiteX6" fmla="*/ 819150 w 4072359"/>
+                <a:gd name="connsiteY6" fmla="*/ 626533 h 2741083"/>
+                <a:gd name="connsiteX0" fmla="*/ 1714500 w 3989809"/>
+                <a:gd name="connsiteY0" fmla="*/ 2582333 h 2734733"/>
+                <a:gd name="connsiteX1" fmla="*/ 3669134 w 3989809"/>
+                <a:gd name="connsiteY1" fmla="*/ 2374941 h 2734733"/>
+                <a:gd name="connsiteX2" fmla="*/ 3638550 w 3989809"/>
+                <a:gd name="connsiteY2" fmla="*/ 753533 h 2734733"/>
+                <a:gd name="connsiteX3" fmla="*/ 2755900 w 3989809"/>
+                <a:gd name="connsiteY3" fmla="*/ 137583 h 2734733"/>
+                <a:gd name="connsiteX4" fmla="*/ 336550 w 3989809"/>
+                <a:gd name="connsiteY4" fmla="*/ 80433 h 2734733"/>
+                <a:gd name="connsiteX5" fmla="*/ 736600 w 3989809"/>
+                <a:gd name="connsiteY5" fmla="*/ 620183 h 2734733"/>
+                <a:gd name="connsiteX0" fmla="*/ 1714500 w 3989809"/>
+                <a:gd name="connsiteY0" fmla="*/ 2582333 h 2734733"/>
+                <a:gd name="connsiteX1" fmla="*/ 3669134 w 3989809"/>
+                <a:gd name="connsiteY1" fmla="*/ 2374941 h 2734733"/>
+                <a:gd name="connsiteX2" fmla="*/ 3638550 w 3989809"/>
+                <a:gd name="connsiteY2" fmla="*/ 753533 h 2734733"/>
+                <a:gd name="connsiteX3" fmla="*/ 2755900 w 3989809"/>
+                <a:gd name="connsiteY3" fmla="*/ 137583 h 2734733"/>
+                <a:gd name="connsiteX4" fmla="*/ 336550 w 3989809"/>
+                <a:gd name="connsiteY4" fmla="*/ 80433 h 2734733"/>
+                <a:gd name="connsiteX5" fmla="*/ 736600 w 3989809"/>
+                <a:gd name="connsiteY5" fmla="*/ 620183 h 2734733"/>
+                <a:gd name="connsiteX0" fmla="*/ 1694284 w 3969593"/>
+                <a:gd name="connsiteY0" fmla="*/ 2546557 h 2698957"/>
+                <a:gd name="connsiteX1" fmla="*/ 3648918 w 3969593"/>
+                <a:gd name="connsiteY1" fmla="*/ 2339165 h 2698957"/>
+                <a:gd name="connsiteX2" fmla="*/ 3618334 w 3969593"/>
+                <a:gd name="connsiteY2" fmla="*/ 717757 h 2698957"/>
+                <a:gd name="connsiteX3" fmla="*/ 2735684 w 3969593"/>
+                <a:gd name="connsiteY3" fmla="*/ 101807 h 2698957"/>
+                <a:gd name="connsiteX4" fmla="*/ 336550 w 3969593"/>
+                <a:gd name="connsiteY4" fmla="*/ 106917 h 2698957"/>
+                <a:gd name="connsiteX5" fmla="*/ 716384 w 3969593"/>
+                <a:gd name="connsiteY5" fmla="*/ 584407 h 2698957"/>
+                <a:gd name="connsiteX0" fmla="*/ 1685582 w 3960891"/>
+                <a:gd name="connsiteY0" fmla="*/ 2546557 h 2698957"/>
+                <a:gd name="connsiteX1" fmla="*/ 3640216 w 3960891"/>
+                <a:gd name="connsiteY1" fmla="*/ 2339165 h 2698957"/>
+                <a:gd name="connsiteX2" fmla="*/ 3609632 w 3960891"/>
+                <a:gd name="connsiteY2" fmla="*/ 717757 h 2698957"/>
+                <a:gd name="connsiteX3" fmla="*/ 2726982 w 3960891"/>
+                <a:gd name="connsiteY3" fmla="*/ 101807 h 2698957"/>
+                <a:gd name="connsiteX4" fmla="*/ 327848 w 3960891"/>
+                <a:gd name="connsiteY4" fmla="*/ 106917 h 2698957"/>
+                <a:gd name="connsiteX5" fmla="*/ 759896 w 3960891"/>
+                <a:gd name="connsiteY5" fmla="*/ 466957 h 2698957"/>
+                <a:gd name="connsiteX0" fmla="*/ 1685582 w 3960891"/>
+                <a:gd name="connsiteY0" fmla="*/ 2546557 h 2698957"/>
+                <a:gd name="connsiteX1" fmla="*/ 3640216 w 3960891"/>
+                <a:gd name="connsiteY1" fmla="*/ 2339165 h 2698957"/>
+                <a:gd name="connsiteX2" fmla="*/ 3609632 w 3960891"/>
+                <a:gd name="connsiteY2" fmla="*/ 717757 h 2698957"/>
+                <a:gd name="connsiteX3" fmla="*/ 2726982 w 3960891"/>
+                <a:gd name="connsiteY3" fmla="*/ 101807 h 2698957"/>
+                <a:gd name="connsiteX4" fmla="*/ 327848 w 3960891"/>
+                <a:gd name="connsiteY4" fmla="*/ 106917 h 2698957"/>
+                <a:gd name="connsiteX5" fmla="*/ 759896 w 3960891"/>
+                <a:gd name="connsiteY5" fmla="*/ 466957 h 2698957"/>
+                <a:gd name="connsiteX0" fmla="*/ 1769591 w 4044900"/>
+                <a:gd name="connsiteY0" fmla="*/ 2546557 h 2698957"/>
+                <a:gd name="connsiteX1" fmla="*/ 3724225 w 4044900"/>
+                <a:gd name="connsiteY1" fmla="*/ 2339165 h 2698957"/>
+                <a:gd name="connsiteX2" fmla="*/ 3693641 w 4044900"/>
+                <a:gd name="connsiteY2" fmla="*/ 717757 h 2698957"/>
+                <a:gd name="connsiteX3" fmla="*/ 2810991 w 4044900"/>
+                <a:gd name="connsiteY3" fmla="*/ 101807 h 2698957"/>
+                <a:gd name="connsiteX4" fmla="*/ 411857 w 4044900"/>
+                <a:gd name="connsiteY4" fmla="*/ 106917 h 2698957"/>
+                <a:gd name="connsiteX5" fmla="*/ 339849 w 4044900"/>
+                <a:gd name="connsiteY5" fmla="*/ 394949 h 2698957"/>
+                <a:gd name="connsiteX6" fmla="*/ 843905 w 4044900"/>
+                <a:gd name="connsiteY6" fmla="*/ 466957 h 2698957"/>
+                <a:gd name="connsiteX0" fmla="*/ 1625575 w 3900884"/>
+                <a:gd name="connsiteY0" fmla="*/ 2560505 h 2712905"/>
+                <a:gd name="connsiteX1" fmla="*/ 3580209 w 3900884"/>
+                <a:gd name="connsiteY1" fmla="*/ 2353113 h 2712905"/>
+                <a:gd name="connsiteX2" fmla="*/ 3549625 w 3900884"/>
+                <a:gd name="connsiteY2" fmla="*/ 731705 h 2712905"/>
+                <a:gd name="connsiteX3" fmla="*/ 2666975 w 3900884"/>
+                <a:gd name="connsiteY3" fmla="*/ 115755 h 2712905"/>
+                <a:gd name="connsiteX4" fmla="*/ 411857 w 3900884"/>
+                <a:gd name="connsiteY4" fmla="*/ 48857 h 2712905"/>
+                <a:gd name="connsiteX5" fmla="*/ 195833 w 3900884"/>
+                <a:gd name="connsiteY5" fmla="*/ 408897 h 2712905"/>
+                <a:gd name="connsiteX6" fmla="*/ 699889 w 3900884"/>
+                <a:gd name="connsiteY6" fmla="*/ 480905 h 2712905"/>
+                <a:gd name="connsiteX0" fmla="*/ 1625575 w 3900884"/>
+                <a:gd name="connsiteY0" fmla="*/ 2560505 h 2657913"/>
+                <a:gd name="connsiteX1" fmla="*/ 3580209 w 3900884"/>
+                <a:gd name="connsiteY1" fmla="*/ 2353113 h 2657913"/>
+                <a:gd name="connsiteX2" fmla="*/ 3549625 w 3900884"/>
+                <a:gd name="connsiteY2" fmla="*/ 731705 h 2657913"/>
+                <a:gd name="connsiteX3" fmla="*/ 2666975 w 3900884"/>
+                <a:gd name="connsiteY3" fmla="*/ 115755 h 2657913"/>
+                <a:gd name="connsiteX4" fmla="*/ 411857 w 3900884"/>
+                <a:gd name="connsiteY4" fmla="*/ 48857 h 2657913"/>
+                <a:gd name="connsiteX5" fmla="*/ 195833 w 3900884"/>
+                <a:gd name="connsiteY5" fmla="*/ 408897 h 2657913"/>
+                <a:gd name="connsiteX6" fmla="*/ 699889 w 3900884"/>
+                <a:gd name="connsiteY6" fmla="*/ 480905 h 2657913"/>
+                <a:gd name="connsiteX0" fmla="*/ 1625575 w 3756868"/>
+                <a:gd name="connsiteY0" fmla="*/ 2560505 h 2657913"/>
+                <a:gd name="connsiteX1" fmla="*/ 3436193 w 3756868"/>
+                <a:gd name="connsiteY1" fmla="*/ 2353113 h 2657913"/>
+                <a:gd name="connsiteX2" fmla="*/ 3549625 w 3756868"/>
+                <a:gd name="connsiteY2" fmla="*/ 731705 h 2657913"/>
+                <a:gd name="connsiteX3" fmla="*/ 2666975 w 3756868"/>
+                <a:gd name="connsiteY3" fmla="*/ 115755 h 2657913"/>
+                <a:gd name="connsiteX4" fmla="*/ 411857 w 3756868"/>
+                <a:gd name="connsiteY4" fmla="*/ 48857 h 2657913"/>
+                <a:gd name="connsiteX5" fmla="*/ 195833 w 3756868"/>
+                <a:gd name="connsiteY5" fmla="*/ 408897 h 2657913"/>
+                <a:gd name="connsiteX6" fmla="*/ 699889 w 3756868"/>
+                <a:gd name="connsiteY6" fmla="*/ 480905 h 2657913"/>
+                <a:gd name="connsiteX0" fmla="*/ 1625575 w 3749964"/>
+                <a:gd name="connsiteY0" fmla="*/ 2560505 h 2663709"/>
+                <a:gd name="connsiteX1" fmla="*/ 3436193 w 3749964"/>
+                <a:gd name="connsiteY1" fmla="*/ 2353113 h 2663709"/>
+                <a:gd name="connsiteX2" fmla="*/ 3508201 w 3749964"/>
+                <a:gd name="connsiteY2" fmla="*/ 696929 h 2663709"/>
+                <a:gd name="connsiteX3" fmla="*/ 2666975 w 3749964"/>
+                <a:gd name="connsiteY3" fmla="*/ 115755 h 2663709"/>
+                <a:gd name="connsiteX4" fmla="*/ 411857 w 3749964"/>
+                <a:gd name="connsiteY4" fmla="*/ 48857 h 2663709"/>
+                <a:gd name="connsiteX5" fmla="*/ 195833 w 3749964"/>
+                <a:gd name="connsiteY5" fmla="*/ 408897 h 2663709"/>
+                <a:gd name="connsiteX6" fmla="*/ 699889 w 3749964"/>
+                <a:gd name="connsiteY6" fmla="*/ 480905 h 2663709"/>
+              </a:gdLst>
+              <a:ahLst/>
+              <a:cxnLst>
+                <a:cxn ang="0">
+                  <a:pos x="connsiteX0" y="connsiteY0"/>
+                </a:cxn>
+                <a:cxn ang="0">
+                  <a:pos x="connsiteX1" y="connsiteY1"/>
+                </a:cxn>
+                <a:cxn ang="0">
+                  <a:pos x="connsiteX2" y="connsiteY2"/>
+                </a:cxn>
+                <a:cxn ang="0">
+                  <a:pos x="connsiteX3" y="connsiteY3"/>
+                </a:cxn>
+                <a:cxn ang="0">
+                  <a:pos x="connsiteX4" y="connsiteY4"/>
+                </a:cxn>
+                <a:cxn ang="0">
+                  <a:pos x="connsiteX5" y="connsiteY5"/>
+                </a:cxn>
+                <a:cxn ang="0">
+                  <a:pos x="connsiteX6" y="connsiteY6"/>
+                </a:cxn>
+              </a:cxnLst>
+              <a:rect l="l" t="t" r="r" b="b"/>
+              <a:pathLst>
+                <a:path w="3749964" h="2663709">
+                  <a:moveTo>
+                    <a:pt x="1625575" y="2560505"/>
+                  </a:moveTo>
+                  <a:cubicBezTo>
+                    <a:pt x="2421681" y="2541207"/>
+                    <a:pt x="3122422" y="2663709"/>
+                    <a:pt x="3436193" y="2353113"/>
+                  </a:cubicBezTo>
+                  <a:cubicBezTo>
+                    <a:pt x="3749964" y="2042517"/>
+                    <a:pt x="3636404" y="1069822"/>
+                    <a:pt x="3508201" y="696929"/>
+                  </a:cubicBezTo>
+                  <a:cubicBezTo>
+                    <a:pt x="3379998" y="324036"/>
+                    <a:pt x="3183032" y="223767"/>
+                    <a:pt x="2666975" y="115755"/>
+                  </a:cubicBezTo>
+                  <a:cubicBezTo>
+                    <a:pt x="2150918" y="7743"/>
+                    <a:pt x="823714" y="0"/>
+                    <a:pt x="411857" y="48857"/>
+                  </a:cubicBezTo>
+                  <a:cubicBezTo>
+                    <a:pt x="0" y="97714"/>
+                    <a:pt x="147828" y="336889"/>
+                    <a:pt x="195833" y="408897"/>
+                  </a:cubicBezTo>
+                  <a:cubicBezTo>
+                    <a:pt x="243838" y="480905"/>
+                    <a:pt x="620278" y="446505"/>
+                    <a:pt x="699889" y="480905"/>
+                  </a:cubicBezTo>
+                </a:path>
+              </a:pathLst>
+            </a:custGeom>
+            <a:ln>
+              <a:tailEnd type="triangle"/>
+            </a:ln>
+          </p:spPr>
+          <p:style>
+            <a:lnRef idx="1">
+              <a:schemeClr val="dk1"/>
+            </a:lnRef>
+            <a:fillRef idx="0">
+              <a:schemeClr val="dk1"/>
+            </a:fillRef>
+            <a:effectRef idx="0">
+              <a:schemeClr val="dk1"/>
+            </a:effectRef>
+            <a:fontRef idx="minor">
+              <a:schemeClr val="tx1"/>
+            </a:fontRef>
+          </p:style>
+          <p:txBody>
+            <a:bodyPr rtlCol="0" anchor="ctr"/>
+            <a:lstStyle/>
+            <a:p>
+              <a:pPr algn="ctr"/>
+              <a:endParaRPr lang="fr-BE"/>
+            </a:p>
+          </p:txBody>
+        </p:sp>
+        <p:sp>
+          <p:nvSpPr>
+            <p:cNvPr id="92" name="ZoneTexte 91"/>
+            <p:cNvSpPr txBox="1"/>
+            <p:nvPr/>
+          </p:nvSpPr>
+          <p:spPr>
+            <a:xfrm>
+              <a:off x="2267744" y="1929532"/>
+              <a:ext cx="173693" cy="349702"/>
+            </a:xfrm>
+            <a:prstGeom prst="rect">
+              <a:avLst/>
+            </a:prstGeom>
+            <a:solidFill>
+              <a:schemeClr val="bg1"/>
+            </a:solidFill>
+          </p:spPr>
+          <p:txBody>
+            <a:bodyPr wrap="none" lIns="36000" tIns="36000" rIns="36000" bIns="36000" rtlCol="0" anchor="t" anchorCtr="0">
+              <a:spAutoFit/>
+            </a:bodyPr>
+            <a:lstStyle/>
+            <a:p>
+              <a:r>
+                <a:rPr lang="fr-BE" smtClean="0">
+                  <a:sym typeface="Symbol"/>
+                </a:rPr>
+                <a:t></a:t>
+              </a:r>
+              <a:endParaRPr lang="fr-BE"/>
+            </a:p>
+          </p:txBody>
+        </p:sp>
+        <p:sp>
+          <p:nvSpPr>
+            <p:cNvPr id="93" name="ZoneTexte 92"/>
+            <p:cNvSpPr txBox="1"/>
+            <p:nvPr/>
+          </p:nvSpPr>
+          <p:spPr>
+            <a:xfrm>
+              <a:off x="3995936" y="1988840"/>
+              <a:ext cx="173693" cy="349702"/>
+            </a:xfrm>
+            <a:prstGeom prst="rect">
+              <a:avLst/>
+            </a:prstGeom>
+            <a:solidFill>
+              <a:schemeClr val="bg1"/>
+            </a:solidFill>
+          </p:spPr>
+          <p:txBody>
+            <a:bodyPr wrap="none" lIns="36000" tIns="36000" rIns="36000" bIns="36000" rtlCol="0" anchor="t" anchorCtr="0">
+              <a:spAutoFit/>
+            </a:bodyPr>
+            <a:lstStyle/>
+            <a:p>
+              <a:r>
+                <a:rPr lang="fr-BE" smtClean="0">
+                  <a:sym typeface="Symbol"/>
+                </a:rPr>
+                <a:t></a:t>
+              </a:r>
+              <a:endParaRPr lang="fr-BE"/>
+            </a:p>
+          </p:txBody>
+        </p:sp>
+        <p:sp>
+          <p:nvSpPr>
+            <p:cNvPr id="94" name="ZoneTexte 93"/>
+            <p:cNvSpPr txBox="1"/>
+            <p:nvPr/>
+          </p:nvSpPr>
+          <p:spPr>
+            <a:xfrm>
+              <a:off x="3462203" y="2590304"/>
+              <a:ext cx="173693" cy="349702"/>
+            </a:xfrm>
+            <a:prstGeom prst="rect">
+              <a:avLst/>
+            </a:prstGeom>
+            <a:solidFill>
+              <a:schemeClr val="bg1"/>
+            </a:solidFill>
+          </p:spPr>
+          <p:txBody>
+            <a:bodyPr wrap="none" lIns="36000" tIns="36000" rIns="36000" bIns="36000" rtlCol="0" anchor="t" anchorCtr="0">
+              <a:spAutoFit/>
+            </a:bodyPr>
+            <a:lstStyle/>
+            <a:p>
+              <a:r>
+                <a:rPr lang="fr-BE" smtClean="0">
+                  <a:sym typeface="Symbol"/>
+                </a:rPr>
+                <a:t></a:t>
+              </a:r>
+              <a:endParaRPr lang="fr-BE"/>
+            </a:p>
+          </p:txBody>
+        </p:sp>
+        <p:sp>
+          <p:nvSpPr>
+            <p:cNvPr id="95" name="ZoneTexte 94"/>
+            <p:cNvSpPr txBox="1"/>
+            <p:nvPr/>
+          </p:nvSpPr>
+          <p:spPr>
+            <a:xfrm>
+              <a:off x="5220072" y="2996952"/>
+              <a:ext cx="173693" cy="349702"/>
+            </a:xfrm>
+            <a:prstGeom prst="rect">
+              <a:avLst/>
+            </a:prstGeom>
+            <a:solidFill>
+              <a:schemeClr val="bg1"/>
+            </a:solidFill>
+          </p:spPr>
+          <p:txBody>
+            <a:bodyPr wrap="none" lIns="36000" tIns="36000" rIns="36000" bIns="36000" rtlCol="0" anchor="t" anchorCtr="0">
+              <a:spAutoFit/>
+            </a:bodyPr>
+            <a:lstStyle/>
+            <a:p>
+              <a:r>
+                <a:rPr lang="fr-BE" smtClean="0">
+                  <a:sym typeface="Symbol"/>
+                </a:rPr>
+                <a:t></a:t>
+              </a:r>
+              <a:endParaRPr lang="fr-BE"/>
+            </a:p>
+          </p:txBody>
+        </p:sp>
+        <p:sp>
+          <p:nvSpPr>
+            <p:cNvPr id="96" name="ZoneTexte 95"/>
+            <p:cNvSpPr txBox="1"/>
+            <p:nvPr/>
+          </p:nvSpPr>
+          <p:spPr>
+            <a:xfrm>
+              <a:off x="4644008" y="3501008"/>
+              <a:ext cx="173693" cy="349702"/>
+            </a:xfrm>
+            <a:prstGeom prst="rect">
+              <a:avLst/>
+            </a:prstGeom>
+            <a:solidFill>
+              <a:schemeClr val="bg1"/>
+            </a:solidFill>
+          </p:spPr>
+          <p:txBody>
+            <a:bodyPr wrap="none" lIns="36000" tIns="36000" rIns="36000" bIns="36000" rtlCol="0" anchor="t" anchorCtr="0">
+              <a:spAutoFit/>
+            </a:bodyPr>
+            <a:lstStyle/>
+            <a:p>
+              <a:r>
+                <a:rPr lang="fr-BE" smtClean="0">
+                  <a:sym typeface="Symbol"/>
+                </a:rPr>
+                <a:t></a:t>
+              </a:r>
+              <a:endParaRPr lang="fr-BE"/>
+            </a:p>
+          </p:txBody>
+        </p:sp>
+        <p:sp>
+          <p:nvSpPr>
+            <p:cNvPr id="97" name="Ellipse 96"/>
+            <p:cNvSpPr/>
+            <p:nvPr/>
+          </p:nvSpPr>
+          <p:spPr>
+            <a:xfrm>
+              <a:off x="1954312" y="1478434"/>
+              <a:ext cx="234000" cy="234000"/>
+            </a:xfrm>
+            <a:prstGeom prst="ellipse">
+              <a:avLst/>
+            </a:prstGeom>
+            <a:ln w="6350"/>
+          </p:spPr>
+          <p:style>
+            <a:lnRef idx="2">
+              <a:schemeClr val="dk1"/>
+            </a:lnRef>
+            <a:fillRef idx="1">
+              <a:schemeClr val="lt1"/>
+            </a:fillRef>
+            <a:effectRef idx="0">
+              <a:schemeClr val="dk1"/>
+            </a:effectRef>
+            <a:fontRef idx="minor">
+              <a:schemeClr val="dk1"/>
+            </a:fontRef>
+          </p:style>
+          <p:txBody>
+            <a:bodyPr rtlCol="0" anchor="ctr"/>
+            <a:lstStyle/>
+            <a:p>
+              <a:pPr algn="ctr"/>
+              <a:endParaRPr lang="fr-BE"/>
+            </a:p>
+          </p:txBody>
+        </p:sp>
+        <p:sp>
+          <p:nvSpPr>
+            <p:cNvPr id="98" name="Forme libre 97"/>
+            <p:cNvSpPr/>
+            <p:nvPr/>
+          </p:nvSpPr>
+          <p:spPr>
+            <a:xfrm>
+              <a:off x="2190750" y="1638300"/>
+              <a:ext cx="1117600" cy="160867"/>
+            </a:xfrm>
+            <a:custGeom>
+              <a:avLst/>
+              <a:gdLst>
+                <a:gd name="connsiteX0" fmla="*/ 0 w 1117600"/>
+                <a:gd name="connsiteY0" fmla="*/ 0 h 160867"/>
+                <a:gd name="connsiteX1" fmla="*/ 577850 w 1117600"/>
+                <a:gd name="connsiteY1" fmla="*/ 139700 h 160867"/>
+                <a:gd name="connsiteX2" fmla="*/ 1117600 w 1117600"/>
+                <a:gd name="connsiteY2" fmla="*/ 127000 h 160867"/>
+              </a:gdLst>
+              <a:ahLst/>
+              <a:cxnLst>
+                <a:cxn ang="0">
+                  <a:pos x="connsiteX0" y="connsiteY0"/>
+                </a:cxn>
+                <a:cxn ang="0">
+                  <a:pos x="connsiteX1" y="connsiteY1"/>
+                </a:cxn>
+                <a:cxn ang="0">
+                  <a:pos x="connsiteX2" y="connsiteY2"/>
+                </a:cxn>
+              </a:cxnLst>
+              <a:rect l="l" t="t" r="r" b="b"/>
+              <a:pathLst>
+                <a:path w="1117600" h="160867">
+                  <a:moveTo>
+                    <a:pt x="0" y="0"/>
+                  </a:moveTo>
+                  <a:cubicBezTo>
+                    <a:pt x="195791" y="59266"/>
+                    <a:pt x="391583" y="118533"/>
+                    <a:pt x="577850" y="139700"/>
+                  </a:cubicBezTo>
+                  <a:cubicBezTo>
+                    <a:pt x="764117" y="160867"/>
+                    <a:pt x="940858" y="143933"/>
+                    <a:pt x="1117600" y="127000"/>
+                  </a:cubicBezTo>
+                </a:path>
+              </a:pathLst>
+            </a:custGeom>
+            <a:ln>
+              <a:tailEnd type="triangle"/>
+            </a:ln>
+          </p:spPr>
+          <p:style>
+            <a:lnRef idx="1">
+              <a:schemeClr val="dk1"/>
+            </a:lnRef>
+            <a:fillRef idx="0">
+              <a:schemeClr val="dk1"/>
+            </a:fillRef>
+            <a:effectRef idx="0">
+              <a:schemeClr val="dk1"/>
+            </a:effectRef>
+            <a:fontRef idx="minor">
+              <a:schemeClr val="tx1"/>
+            </a:fontRef>
+          </p:style>
+          <p:txBody>
+            <a:bodyPr rtlCol="0" anchor="ctr"/>
+            <a:lstStyle/>
+            <a:p>
+              <a:pPr algn="ctr"/>
+              <a:endParaRPr lang="fr-BE"/>
+            </a:p>
+          </p:txBody>
+        </p:sp>
+        <p:sp>
+          <p:nvSpPr>
+            <p:cNvPr id="99" name="ZoneTexte 98"/>
+            <p:cNvSpPr txBox="1"/>
+            <p:nvPr/>
+          </p:nvSpPr>
+          <p:spPr>
+            <a:xfrm>
+              <a:off x="2339752" y="1497484"/>
+              <a:ext cx="173693" cy="349702"/>
+            </a:xfrm>
+            <a:prstGeom prst="rect">
+              <a:avLst/>
+            </a:prstGeom>
+            <a:solidFill>
+              <a:schemeClr val="bg1"/>
+            </a:solidFill>
+          </p:spPr>
+          <p:txBody>
+            <a:bodyPr wrap="none" lIns="36000" tIns="36000" rIns="36000" bIns="36000" rtlCol="0" anchor="t" anchorCtr="0">
+              <a:spAutoFit/>
+            </a:bodyPr>
+            <a:lstStyle/>
+            <a:p>
+              <a:r>
+                <a:rPr lang="fr-BE" smtClean="0">
+                  <a:sym typeface="Symbol"/>
+                </a:rPr>
+                <a:t></a:t>
+              </a:r>
+              <a:endParaRPr lang="fr-BE"/>
+            </a:p>
+          </p:txBody>
+        </p:sp>
+        <p:cxnSp>
+          <p:nvCxnSpPr>
+            <p:cNvPr id="101" name="Connecteur droit avec flèche 100"/>
+            <p:cNvCxnSpPr>
+              <a:endCxn id="97" idx="2"/>
+            </p:cNvCxnSpPr>
+            <p:nvPr/>
+          </p:nvCxnSpPr>
+          <p:spPr>
+            <a:xfrm flipV="1">
+              <a:off x="1752600" y="1595434"/>
+              <a:ext cx="201712" cy="0"/>
+            </a:xfrm>
+            <a:prstGeom prst="straightConnector1">
+              <a:avLst/>
+            </a:prstGeom>
+            <a:ln>
+              <a:tailEnd type="triangle"/>
+            </a:ln>
+          </p:spPr>
+          <p:style>
+            <a:lnRef idx="1">
+              <a:schemeClr val="dk1"/>
+            </a:lnRef>
+            <a:fillRef idx="0">
+              <a:schemeClr val="dk1"/>
+            </a:fillRef>
+            <a:effectRef idx="0">
+              <a:schemeClr val="dk1"/>
+            </a:effectRef>
+            <a:fontRef idx="minor">
+              <a:schemeClr val="tx1"/>
+            </a:fontRef>
+          </p:style>
+        </p:cxnSp>
+      </p:grpSp>
+    </p:spTree>
+  </p:cSld>
+  <p:clrMapOvr>
+    <a:masterClrMapping/>
+  </p:clrMapOvr>
+</p:sld>
+</file>
+
+<file path=ppt/slides/slide5.xml><?xml version="1.0" encoding="utf-8"?>
+<p:sld xmlns:a="http://schemas.openxmlformats.org/drawingml/2006/main" xmlns:r="http://schemas.openxmlformats.org/officeDocument/2006/relationships" xmlns:p="http://schemas.openxmlformats.org/presentationml/2006/main">
+  <p:cSld>
+    <p:spTree>
+      <p:nvGrpSpPr>
+        <p:cNvPr id="1" name=""/>
+        <p:cNvGrpSpPr/>
+        <p:nvPr/>
+      </p:nvGrpSpPr>
+      <p:grpSpPr>
+        <a:xfrm>
+          <a:off x="0" y="0"/>
+          <a:ext cx="0" cy="0"/>
+          <a:chOff x="0" y="0"/>
+          <a:chExt cx="0" cy="0"/>
+        </a:xfrm>
+      </p:grpSpPr>
+      <p:grpSp>
+        <p:nvGrpSpPr>
+          <p:cNvPr id="13" name="Groupe 57"/>
+          <p:cNvGrpSpPr/>
+          <p:nvPr/>
+        </p:nvGrpSpPr>
+        <p:grpSpPr>
+          <a:xfrm>
+            <a:off x="3707904" y="548680"/>
+            <a:ext cx="1958620" cy="1224136"/>
+            <a:chOff x="5089052" y="3881083"/>
+            <a:chExt cx="3248493" cy="2030307"/>
+          </a:xfrm>
+        </p:grpSpPr>
+        <p:sp>
+          <p:nvSpPr>
+            <p:cNvPr id="14" name="Parallélogramme 13"/>
+            <p:cNvSpPr/>
+            <p:nvPr/>
+          </p:nvSpPr>
+          <p:spPr>
+            <a:xfrm>
+              <a:off x="5089052" y="5244780"/>
+              <a:ext cx="2943945" cy="666610"/>
+            </a:xfrm>
+            <a:prstGeom prst="parallelogram">
+              <a:avLst/>
+            </a:prstGeom>
+            <a:solidFill>
+              <a:schemeClr val="bg1"/>
+            </a:solidFill>
+            <a:ln w="22225">
+              <a:solidFill>
+                <a:schemeClr val="tx1"/>
+              </a:solidFill>
+            </a:ln>
+          </p:spPr>
+          <p:style>
+            <a:lnRef idx="2">
+              <a:schemeClr val="accent1">
+                <a:shade val="50000"/>
+              </a:schemeClr>
+            </a:lnRef>
+            <a:fillRef idx="1">
+              <a:schemeClr val="accent1"/>
+            </a:fillRef>
+            <a:effectRef idx="0">
+              <a:schemeClr val="accent1"/>
+            </a:effectRef>
+            <a:fontRef idx="minor">
+              <a:schemeClr val="lt1"/>
+            </a:fontRef>
+          </p:style>
+          <p:txBody>
+            <a:bodyPr lIns="0" tIns="0" rIns="0" bIns="0" rtlCol="0" anchor="ctr"/>
+            <a:lstStyle/>
+            <a:p>
+              <a:pPr algn="ctr"/>
+              <a:r>
+                <a:rPr lang="fr-BE" sz="1000" b="1" smtClean="0">
+                  <a:solidFill>
+                    <a:schemeClr val="tx1"/>
+                  </a:solidFill>
+                  <a:latin typeface="+mj-lt"/>
+                </a:rPr>
+                <a:t>Maintain[Doors Closed While Moving]</a:t>
+              </a:r>
+              <a:endParaRPr lang="fr-BE" sz="1000" b="1">
+                <a:solidFill>
+                  <a:schemeClr val="tx1"/>
+                </a:solidFill>
+                <a:latin typeface="+mj-lt"/>
+              </a:endParaRPr>
+            </a:p>
+          </p:txBody>
+        </p:sp>
+        <p:sp>
+          <p:nvSpPr>
+            <p:cNvPr id="15" name="Parallélogramme 14"/>
+            <p:cNvSpPr/>
+            <p:nvPr/>
+          </p:nvSpPr>
+          <p:spPr>
+            <a:xfrm>
+              <a:off x="5799657" y="3881083"/>
+              <a:ext cx="2088233" cy="648072"/>
+            </a:xfrm>
+            <a:prstGeom prst="parallelogram">
+              <a:avLst/>
+            </a:prstGeom>
+            <a:solidFill>
+              <a:schemeClr val="bg1"/>
+            </a:solidFill>
+            <a:ln w="22225">
+              <a:solidFill>
+                <a:schemeClr val="tx1"/>
+              </a:solidFill>
+            </a:ln>
+          </p:spPr>
+          <p:style>
+            <a:lnRef idx="2">
+              <a:schemeClr val="accent1">
+                <a:shade val="50000"/>
+              </a:schemeClr>
+            </a:lnRef>
+            <a:fillRef idx="1">
+              <a:schemeClr val="accent1"/>
+            </a:fillRef>
+            <a:effectRef idx="0">
+              <a:schemeClr val="accent1"/>
+            </a:effectRef>
+            <a:fontRef idx="minor">
+              <a:schemeClr val="lt1"/>
+            </a:fontRef>
+          </p:style>
+          <p:txBody>
+            <a:bodyPr lIns="0" tIns="0" rIns="0" bIns="0" rtlCol="0" anchor="ctr"/>
+            <a:lstStyle/>
+            <a:p>
+              <a:pPr algn="ctr"/>
+              <a:r>
+                <a:rPr lang="fr-BE" sz="1000" b="1" smtClean="0">
+                  <a:solidFill>
+                    <a:schemeClr val="tx1"/>
+                  </a:solidFill>
+                  <a:latin typeface="+mj-lt"/>
+                </a:rPr>
+                <a:t>Maintain[Safe Transportation]</a:t>
+              </a:r>
+              <a:endParaRPr lang="fr-BE" sz="1000" b="1">
+                <a:solidFill>
+                  <a:schemeClr val="tx1"/>
+                </a:solidFill>
+                <a:latin typeface="+mj-lt"/>
+              </a:endParaRPr>
+            </a:p>
+          </p:txBody>
+        </p:sp>
+        <p:sp>
+          <p:nvSpPr>
+            <p:cNvPr id="16" name="Ellipse 15"/>
+            <p:cNvSpPr/>
+            <p:nvPr/>
+          </p:nvSpPr>
+          <p:spPr>
+            <a:xfrm>
+              <a:off x="6833761" y="4891627"/>
+              <a:ext cx="144016" cy="144016"/>
+            </a:xfrm>
+            <a:prstGeom prst="ellipse">
+              <a:avLst/>
+            </a:prstGeom>
+            <a:solidFill>
+              <a:srgbClr val="FFFF00"/>
+            </a:solidFill>
+            <a:ln w="22225">
+              <a:solidFill>
+                <a:schemeClr val="tx1"/>
+              </a:solidFill>
+            </a:ln>
+          </p:spPr>
+          <p:style>
+            <a:lnRef idx="2">
+              <a:schemeClr val="accent1">
+                <a:shade val="50000"/>
+              </a:schemeClr>
+            </a:lnRef>
+            <a:fillRef idx="1">
+              <a:schemeClr val="accent1"/>
+            </a:fillRef>
+            <a:effectRef idx="0">
+              <a:schemeClr val="accent1"/>
+            </a:effectRef>
+            <a:fontRef idx="minor">
+              <a:schemeClr val="lt1"/>
+            </a:fontRef>
+          </p:style>
+          <p:txBody>
+            <a:bodyPr rtlCol="0" anchor="ctr"/>
+            <a:lstStyle/>
+            <a:p>
+              <a:pPr algn="ctr"/>
+              <a:endParaRPr lang="fr-BE" sz="1000" b="1">
+                <a:latin typeface="+mj-lt"/>
+              </a:endParaRPr>
+            </a:p>
+          </p:txBody>
+        </p:sp>
+        <p:cxnSp>
+          <p:nvCxnSpPr>
+            <p:cNvPr id="17" name="Connecteur droit avec flèche 16"/>
+            <p:cNvCxnSpPr>
+              <a:stCxn id="14" idx="0"/>
+              <a:endCxn id="16" idx="3"/>
+            </p:cNvCxnSpPr>
+            <p:nvPr/>
+          </p:nvCxnSpPr>
+          <p:spPr>
+            <a:xfrm rot="5400000" flipH="1" flipV="1">
+              <a:off x="6592824" y="4982755"/>
+              <a:ext cx="230228" cy="293825"/>
+            </a:xfrm>
+            <a:prstGeom prst="straightConnector1">
+              <a:avLst/>
+            </a:prstGeom>
+            <a:ln w="22225">
+              <a:tailEnd type="none"/>
+            </a:ln>
+          </p:spPr>
+          <p:style>
+            <a:lnRef idx="2">
+              <a:schemeClr val="dk1"/>
+            </a:lnRef>
+            <a:fillRef idx="0">
+              <a:schemeClr val="dk1"/>
+            </a:fillRef>
+            <a:effectRef idx="1">
+              <a:schemeClr val="dk1"/>
+            </a:effectRef>
+            <a:fontRef idx="minor">
+              <a:schemeClr val="tx1"/>
+            </a:fontRef>
+          </p:style>
+        </p:cxnSp>
+        <p:cxnSp>
+          <p:nvCxnSpPr>
+            <p:cNvPr id="18" name="Connecteur droit avec flèche 17"/>
+            <p:cNvCxnSpPr>
+              <a:stCxn id="16" idx="0"/>
+              <a:endCxn id="15" idx="3"/>
+            </p:cNvCxnSpPr>
+            <p:nvPr/>
+          </p:nvCxnSpPr>
+          <p:spPr>
+            <a:xfrm rot="16200000" flipV="1">
+              <a:off x="6653032" y="4638889"/>
+              <a:ext cx="362473" cy="143004"/>
+            </a:xfrm>
+            <a:prstGeom prst="straightConnector1">
+              <a:avLst/>
+            </a:prstGeom>
+            <a:ln w="22225">
+              <a:tailEnd type="triangle" w="lg" len="lg"/>
+            </a:ln>
+          </p:spPr>
+          <p:style>
+            <a:lnRef idx="2">
+              <a:schemeClr val="dk1"/>
+            </a:lnRef>
+            <a:fillRef idx="0">
+              <a:schemeClr val="dk1"/>
+            </a:fillRef>
+            <a:effectRef idx="1">
+              <a:schemeClr val="dk1"/>
+            </a:effectRef>
+            <a:fontRef idx="minor">
+              <a:schemeClr val="tx1"/>
+            </a:fontRef>
+          </p:style>
+        </p:cxnSp>
+        <p:sp>
+          <p:nvSpPr>
+            <p:cNvPr id="19" name="Parallélogramme 18"/>
+            <p:cNvSpPr/>
+            <p:nvPr/>
+          </p:nvSpPr>
+          <p:spPr>
+            <a:xfrm>
+              <a:off x="7481835" y="4747611"/>
+              <a:ext cx="855710" cy="351657"/>
+            </a:xfrm>
+            <a:prstGeom prst="parallelogram">
+              <a:avLst/>
+            </a:prstGeom>
+            <a:solidFill>
+              <a:schemeClr val="bg1"/>
+            </a:solidFill>
+            <a:ln w="22225">
+              <a:solidFill>
+                <a:schemeClr val="tx1"/>
+              </a:solidFill>
+            </a:ln>
+          </p:spPr>
+          <p:style>
+            <a:lnRef idx="2">
+              <a:schemeClr val="accent1">
+                <a:shade val="50000"/>
+              </a:schemeClr>
+            </a:lnRef>
+            <a:fillRef idx="1">
+              <a:schemeClr val="accent1"/>
+            </a:fillRef>
+            <a:effectRef idx="0">
+              <a:schemeClr val="accent1"/>
+            </a:effectRef>
+            <a:fontRef idx="minor">
+              <a:schemeClr val="lt1"/>
+            </a:fontRef>
+          </p:style>
+          <p:txBody>
+            <a:bodyPr lIns="0" tIns="0" rIns="0" bIns="0" rtlCol="0" anchor="ctr"/>
+            <a:lstStyle/>
+            <a:p>
+              <a:pPr algn="ctr"/>
+              <a:r>
+                <a:rPr lang="fr-BE" sz="1000" b="1" smtClean="0">
+                  <a:solidFill>
+                    <a:schemeClr val="tx1"/>
+                  </a:solidFill>
+                  <a:latin typeface="+mj-lt"/>
+                </a:rPr>
+                <a:t>...</a:t>
+              </a:r>
+              <a:endParaRPr lang="fr-BE" sz="1000" b="1">
+                <a:solidFill>
+                  <a:schemeClr val="tx1"/>
+                </a:solidFill>
+                <a:latin typeface="+mj-lt"/>
+              </a:endParaRPr>
+            </a:p>
+          </p:txBody>
+        </p:sp>
+        <p:cxnSp>
+          <p:nvCxnSpPr>
+            <p:cNvPr id="20" name="Connecteur droit avec flèche 19"/>
+            <p:cNvCxnSpPr>
+              <a:stCxn id="19" idx="5"/>
+              <a:endCxn id="16" idx="6"/>
+            </p:cNvCxnSpPr>
+            <p:nvPr/>
+          </p:nvCxnSpPr>
+          <p:spPr>
+            <a:xfrm rot="10800000" flipV="1">
+              <a:off x="6977777" y="4923440"/>
+              <a:ext cx="548015" cy="40196"/>
+            </a:xfrm>
+            <a:prstGeom prst="straightConnector1">
+              <a:avLst/>
+            </a:prstGeom>
+            <a:ln w="22225">
+              <a:tailEnd type="none"/>
+            </a:ln>
+          </p:spPr>
+          <p:style>
+            <a:lnRef idx="2">
+              <a:schemeClr val="dk1"/>
+            </a:lnRef>
+            <a:fillRef idx="0">
+              <a:schemeClr val="dk1"/>
+            </a:fillRef>
+            <a:effectRef idx="1">
+              <a:schemeClr val="dk1"/>
+            </a:effectRef>
+            <a:fontRef idx="minor">
+              <a:schemeClr val="tx1"/>
+            </a:fontRef>
+          </p:style>
+        </p:cxnSp>
+      </p:grpSp>
+      <p:grpSp>
+        <p:nvGrpSpPr>
+          <p:cNvPr id="21" name="Groupe 294"/>
+          <p:cNvGrpSpPr/>
+          <p:nvPr/>
+        </p:nvGrpSpPr>
+        <p:grpSpPr>
+          <a:xfrm>
+            <a:off x="179512" y="188640"/>
+            <a:ext cx="2449860" cy="2094582"/>
+            <a:chOff x="3059832" y="254298"/>
+            <a:chExt cx="2449860" cy="2094582"/>
+          </a:xfrm>
+        </p:grpSpPr>
+        <p:sp>
+          <p:nvSpPr>
+            <p:cNvPr id="22" name="Rectangle à coins arrondis 21"/>
+            <p:cNvSpPr/>
+            <p:nvPr/>
+          </p:nvSpPr>
+          <p:spPr>
+            <a:xfrm>
+              <a:off x="4427984" y="548680"/>
+              <a:ext cx="1080120" cy="360040"/>
+            </a:xfrm>
+            <a:prstGeom prst="roundRect">
+              <a:avLst/>
+            </a:prstGeom>
+            <a:ln w="22225"/>
+          </p:spPr>
+          <p:style>
+            <a:lnRef idx="2">
+              <a:schemeClr val="dk1"/>
+            </a:lnRef>
+            <a:fillRef idx="1">
+              <a:schemeClr val="lt1"/>
+            </a:fillRef>
+            <a:effectRef idx="0">
+              <a:schemeClr val="dk1"/>
+            </a:effectRef>
+            <a:fontRef idx="minor">
+              <a:schemeClr val="dk1"/>
+            </a:fontRef>
+          </p:style>
+          <p:txBody>
+            <a:bodyPr wrap="none" rtlCol="0" anchor="ctr"/>
+            <a:lstStyle/>
+            <a:p>
+              <a:pPr algn="ctr"/>
+              <a:r>
+                <a:rPr lang="fr-BE" sz="1000" b="1" smtClean="0">
+                  <a:latin typeface="+mj-lt"/>
+                </a:rPr>
+                <a:t>Starting train</a:t>
+              </a:r>
+              <a:endParaRPr lang="fr-BE" sz="1000" b="1">
+                <a:latin typeface="+mj-lt"/>
+              </a:endParaRPr>
+            </a:p>
+          </p:txBody>
+        </p:sp>
+        <p:sp>
+          <p:nvSpPr>
+            <p:cNvPr id="23" name="Rectangle à coins arrondis 22"/>
+            <p:cNvSpPr/>
+            <p:nvPr/>
+          </p:nvSpPr>
+          <p:spPr>
+            <a:xfrm>
+              <a:off x="3059832" y="1268760"/>
+              <a:ext cx="1080120" cy="360040"/>
+            </a:xfrm>
+            <a:prstGeom prst="roundRect">
+              <a:avLst/>
+            </a:prstGeom>
+            <a:ln w="22225"/>
+          </p:spPr>
+          <p:style>
+            <a:lnRef idx="2">
+              <a:schemeClr val="dk1"/>
+            </a:lnRef>
+            <a:fillRef idx="1">
+              <a:schemeClr val="lt1"/>
+            </a:fillRef>
+            <a:effectRef idx="0">
+              <a:schemeClr val="dk1"/>
+            </a:effectRef>
+            <a:fontRef idx="minor">
+              <a:schemeClr val="dk1"/>
+            </a:fontRef>
+          </p:style>
+          <p:txBody>
+            <a:bodyPr wrap="none" rtlCol="0" anchor="ctr"/>
+            <a:lstStyle/>
+            <a:p>
+              <a:pPr algn="ctr"/>
+              <a:r>
+                <a:rPr lang="fr-BE" sz="1000" b="1" smtClean="0">
+                  <a:latin typeface="+mj-lt"/>
+                </a:rPr>
+                <a:t>Pressing alarm</a:t>
+              </a:r>
+              <a:endParaRPr lang="fr-BE" sz="1000" b="1">
+                <a:latin typeface="+mj-lt"/>
+              </a:endParaRPr>
+            </a:p>
+          </p:txBody>
+        </p:sp>
+        <p:sp>
+          <p:nvSpPr>
+            <p:cNvPr id="24" name="Rectangle à coins arrondis 23"/>
+            <p:cNvSpPr/>
+            <p:nvPr/>
+          </p:nvSpPr>
+          <p:spPr>
+            <a:xfrm>
+              <a:off x="4427984" y="1196752"/>
+              <a:ext cx="1080120" cy="504056"/>
+            </a:xfrm>
+            <a:prstGeom prst="roundRect">
+              <a:avLst/>
+            </a:prstGeom>
+            <a:ln w="22225"/>
+          </p:spPr>
+          <p:style>
+            <a:lnRef idx="2">
+              <a:schemeClr val="dk1"/>
+            </a:lnRef>
+            <a:fillRef idx="1">
+              <a:schemeClr val="lt1"/>
+            </a:fillRef>
+            <a:effectRef idx="0">
+              <a:schemeClr val="dk1"/>
+            </a:effectRef>
+            <a:fontRef idx="minor">
+              <a:schemeClr val="dk1"/>
+            </a:fontRef>
+          </p:style>
+          <p:txBody>
+            <a:bodyPr wrap="none" rtlCol="0" anchor="ctr"/>
+            <a:lstStyle/>
+            <a:p>
+              <a:pPr algn="ctr"/>
+              <a:r>
+                <a:rPr lang="fr-BE" sz="1000" b="1" smtClean="0">
+                  <a:latin typeface="+mj-lt"/>
+                </a:rPr>
+                <a:t>Stopping &amp; </a:t>
+              </a:r>
+              <a:br>
+                <a:rPr lang="fr-BE" sz="1000" b="1" smtClean="0">
+                  <a:latin typeface="+mj-lt"/>
+                </a:rPr>
+              </a:br>
+              <a:r>
+                <a:rPr lang="fr-BE" sz="1000" b="1" smtClean="0">
+                  <a:latin typeface="+mj-lt"/>
+                </a:rPr>
+                <a:t>Opening doors</a:t>
+              </a:r>
+            </a:p>
+          </p:txBody>
+        </p:sp>
+        <p:sp>
+          <p:nvSpPr>
+            <p:cNvPr id="25" name="Rectangle à coins arrondis 24"/>
+            <p:cNvSpPr/>
+            <p:nvPr/>
+          </p:nvSpPr>
+          <p:spPr>
+            <a:xfrm>
+              <a:off x="4427984" y="1988840"/>
+              <a:ext cx="1080120" cy="360040"/>
+            </a:xfrm>
+            <a:prstGeom prst="roundRect">
+              <a:avLst/>
+            </a:prstGeom>
+            <a:ln w="22225"/>
+          </p:spPr>
+          <p:style>
+            <a:lnRef idx="2">
+              <a:schemeClr val="dk1"/>
+            </a:lnRef>
+            <a:fillRef idx="1">
+              <a:schemeClr val="lt1"/>
+            </a:fillRef>
+            <a:effectRef idx="0">
+              <a:schemeClr val="dk1"/>
+            </a:effectRef>
+            <a:fontRef idx="minor">
+              <a:schemeClr val="dk1"/>
+            </a:fontRef>
+          </p:style>
+          <p:txBody>
+            <a:bodyPr wrap="none" rtlCol="0" anchor="ctr"/>
+            <a:lstStyle/>
+            <a:p>
+              <a:pPr algn="ctr"/>
+              <a:r>
+                <a:rPr lang="fr-BE" sz="1000" b="1" smtClean="0">
+                  <a:latin typeface="+mj-lt"/>
+                </a:rPr>
+                <a:t>Closing doors</a:t>
+              </a:r>
+              <a:endParaRPr lang="fr-BE" sz="1000" b="1">
+                <a:latin typeface="+mj-lt"/>
+              </a:endParaRPr>
+            </a:p>
+          </p:txBody>
+        </p:sp>
+        <p:cxnSp>
+          <p:nvCxnSpPr>
+            <p:cNvPr id="26" name="Connecteur droit avec flèche 25"/>
+            <p:cNvCxnSpPr>
+              <a:stCxn id="22" idx="2"/>
+              <a:endCxn id="24" idx="0"/>
+            </p:cNvCxnSpPr>
+            <p:nvPr/>
+          </p:nvCxnSpPr>
+          <p:spPr>
+            <a:xfrm rot="5400000">
+              <a:off x="4824028" y="1052736"/>
+              <a:ext cx="288032" cy="1588"/>
+            </a:xfrm>
+            <a:prstGeom prst="straightConnector1">
+              <a:avLst/>
+            </a:prstGeom>
+            <a:ln w="22225">
+              <a:tailEnd type="arrow"/>
+            </a:ln>
+          </p:spPr>
+          <p:style>
+            <a:lnRef idx="2">
+              <a:schemeClr val="dk1"/>
+            </a:lnRef>
+            <a:fillRef idx="0">
+              <a:schemeClr val="dk1"/>
+            </a:fillRef>
+            <a:effectRef idx="1">
+              <a:schemeClr val="dk1"/>
+            </a:effectRef>
+            <a:fontRef idx="minor">
+              <a:schemeClr val="tx1"/>
+            </a:fontRef>
+          </p:style>
+        </p:cxnSp>
+        <p:cxnSp>
+          <p:nvCxnSpPr>
+            <p:cNvPr id="27" name="Connecteur droit avec flèche 26"/>
+            <p:cNvCxnSpPr>
+              <a:stCxn id="24" idx="2"/>
+              <a:endCxn id="25" idx="0"/>
+            </p:cNvCxnSpPr>
+            <p:nvPr/>
+          </p:nvCxnSpPr>
+          <p:spPr>
+            <a:xfrm rot="5400000">
+              <a:off x="4824028" y="1844824"/>
+              <a:ext cx="288032" cy="1588"/>
+            </a:xfrm>
+            <a:prstGeom prst="straightConnector1">
+              <a:avLst/>
+            </a:prstGeom>
+            <a:ln w="22225">
+              <a:tailEnd type="arrow"/>
+            </a:ln>
+          </p:spPr>
+          <p:style>
+            <a:lnRef idx="2">
+              <a:schemeClr val="dk1"/>
+            </a:lnRef>
+            <a:fillRef idx="0">
+              <a:schemeClr val="dk1"/>
+            </a:fillRef>
+            <a:effectRef idx="1">
+              <a:schemeClr val="dk1"/>
+            </a:effectRef>
+            <a:fontRef idx="minor">
+              <a:schemeClr val="tx1"/>
+            </a:fontRef>
+          </p:style>
+        </p:cxnSp>
+        <p:cxnSp>
+          <p:nvCxnSpPr>
+            <p:cNvPr id="28" name="Connecteur droit avec flèche 27"/>
+            <p:cNvCxnSpPr>
+              <a:stCxn id="23" idx="3"/>
+              <a:endCxn id="24" idx="1"/>
+            </p:cNvCxnSpPr>
+            <p:nvPr/>
+          </p:nvCxnSpPr>
+          <p:spPr>
+            <a:xfrm>
+              <a:off x="4139952" y="1448780"/>
+              <a:ext cx="288032" cy="1588"/>
+            </a:xfrm>
+            <a:prstGeom prst="straightConnector1">
+              <a:avLst/>
+            </a:prstGeom>
+            <a:ln w="22225">
+              <a:tailEnd type="arrow"/>
+            </a:ln>
+          </p:spPr>
+          <p:style>
+            <a:lnRef idx="2">
+              <a:schemeClr val="dk1"/>
+            </a:lnRef>
+            <a:fillRef idx="0">
+              <a:schemeClr val="dk1"/>
+            </a:fillRef>
+            <a:effectRef idx="1">
+              <a:schemeClr val="dk1"/>
+            </a:effectRef>
+            <a:fontRef idx="minor">
+              <a:schemeClr val="tx1"/>
+            </a:fontRef>
+          </p:style>
+        </p:cxnSp>
+        <p:cxnSp>
+          <p:nvCxnSpPr>
+            <p:cNvPr id="29" name="Connecteur en angle 28"/>
+            <p:cNvCxnSpPr>
+              <a:stCxn id="25" idx="3"/>
+              <a:endCxn id="22" idx="3"/>
+            </p:cNvCxnSpPr>
+            <p:nvPr/>
+          </p:nvCxnSpPr>
+          <p:spPr>
+            <a:xfrm flipV="1">
+              <a:off x="5508104" y="728700"/>
+              <a:ext cx="1588" cy="1440160"/>
+            </a:xfrm>
+            <a:prstGeom prst="bentConnector3">
+              <a:avLst>
+                <a:gd name="adj1" fmla="val 21193332"/>
+              </a:avLst>
+            </a:prstGeom>
+            <a:ln w="22225">
+              <a:tailEnd type="arrow"/>
+            </a:ln>
+          </p:spPr>
+          <p:style>
+            <a:lnRef idx="2">
+              <a:schemeClr val="dk1"/>
+            </a:lnRef>
+            <a:fillRef idx="0">
+              <a:schemeClr val="dk1"/>
+            </a:fillRef>
+            <a:effectRef idx="1">
+              <a:schemeClr val="dk1"/>
+            </a:effectRef>
+            <a:fontRef idx="minor">
+              <a:schemeClr val="tx1"/>
+            </a:fontRef>
+          </p:style>
+        </p:cxnSp>
+        <p:cxnSp>
+          <p:nvCxnSpPr>
+            <p:cNvPr id="30" name="Connecteur en angle 281"/>
+            <p:cNvCxnSpPr>
+              <a:stCxn id="22" idx="1"/>
+              <a:endCxn id="23" idx="0"/>
+            </p:cNvCxnSpPr>
+            <p:nvPr/>
+          </p:nvCxnSpPr>
+          <p:spPr>
+            <a:xfrm rot="10800000" flipV="1">
+              <a:off x="3599892" y="728700"/>
+              <a:ext cx="828092" cy="540060"/>
+            </a:xfrm>
+            <a:prstGeom prst="bentConnector2">
+              <a:avLst/>
+            </a:prstGeom>
+            <a:ln w="22225">
+              <a:tailEnd type="arrow"/>
+            </a:ln>
+          </p:spPr>
+          <p:style>
+            <a:lnRef idx="2">
+              <a:schemeClr val="dk1"/>
+            </a:lnRef>
+            <a:fillRef idx="0">
+              <a:schemeClr val="dk1"/>
+            </a:fillRef>
+            <a:effectRef idx="1">
+              <a:schemeClr val="dk1"/>
+            </a:effectRef>
+            <a:fontRef idx="minor">
+              <a:schemeClr val="tx1"/>
+            </a:fontRef>
+          </p:style>
+        </p:cxnSp>
+        <p:sp>
+          <p:nvSpPr>
+            <p:cNvPr id="31" name="Ellipse 30"/>
+            <p:cNvSpPr/>
+            <p:nvPr/>
+          </p:nvSpPr>
+          <p:spPr>
+            <a:xfrm>
+              <a:off x="4932040" y="254298"/>
+              <a:ext cx="72000" cy="72000"/>
+            </a:xfrm>
+            <a:prstGeom prst="ellipse">
+              <a:avLst/>
+            </a:prstGeom>
+            <a:ln w="22225"/>
+          </p:spPr>
+          <p:style>
+            <a:lnRef idx="2">
+              <a:schemeClr val="dk1">
+                <a:shade val="50000"/>
+              </a:schemeClr>
+            </a:lnRef>
+            <a:fillRef idx="1">
+              <a:schemeClr val="dk1"/>
+            </a:fillRef>
+            <a:effectRef idx="0">
+              <a:schemeClr val="dk1"/>
+            </a:effectRef>
+            <a:fontRef idx="minor">
+              <a:schemeClr val="lt1"/>
+            </a:fontRef>
+          </p:style>
+          <p:txBody>
+            <a:bodyPr rtlCol="0" anchor="ctr"/>
+            <a:lstStyle/>
+            <a:p>
+              <a:pPr algn="ctr"/>
+              <a:endParaRPr lang="fr-BE" sz="1000" b="1">
+                <a:latin typeface="+mj-lt"/>
+              </a:endParaRPr>
+            </a:p>
+          </p:txBody>
+        </p:sp>
+        <p:cxnSp>
+          <p:nvCxnSpPr>
+            <p:cNvPr id="32" name="Connecteur droit avec flèche 31"/>
+            <p:cNvCxnSpPr>
+              <a:stCxn id="31" idx="4"/>
+              <a:endCxn id="22" idx="0"/>
+            </p:cNvCxnSpPr>
+            <p:nvPr/>
+          </p:nvCxnSpPr>
+          <p:spPr>
+            <a:xfrm rot="16200000" flipH="1">
+              <a:off x="4856851" y="437487"/>
+              <a:ext cx="222382" cy="4"/>
+            </a:xfrm>
+            <a:prstGeom prst="straightConnector1">
+              <a:avLst/>
+            </a:prstGeom>
+            <a:ln w="22225">
+              <a:tailEnd type="arrow"/>
+            </a:ln>
+          </p:spPr>
+          <p:style>
+            <a:lnRef idx="2">
+              <a:schemeClr val="dk1"/>
+            </a:lnRef>
+            <a:fillRef idx="0">
+              <a:schemeClr val="dk1"/>
+            </a:fillRef>
+            <a:effectRef idx="1">
+              <a:schemeClr val="dk1"/>
+            </a:effectRef>
+            <a:fontRef idx="minor">
+              <a:schemeClr val="tx1"/>
+            </a:fontRef>
+          </p:style>
+        </p:cxnSp>
+      </p:grpSp>
+      <p:grpSp>
+        <p:nvGrpSpPr>
+          <p:cNvPr id="65" name="Groupe 64"/>
+          <p:cNvGrpSpPr/>
+          <p:nvPr/>
+        </p:nvGrpSpPr>
+        <p:grpSpPr>
+          <a:xfrm>
+            <a:off x="4716016" y="3140968"/>
+            <a:ext cx="3634308" cy="1512000"/>
+            <a:chOff x="2987824" y="3342391"/>
+            <a:chExt cx="3634308" cy="1512000"/>
+          </a:xfrm>
+        </p:grpSpPr>
+        <p:sp>
+          <p:nvSpPr>
+            <p:cNvPr id="37" name="Rectangle 36"/>
+            <p:cNvSpPr/>
+            <p:nvPr/>
+          </p:nvSpPr>
+          <p:spPr>
+            <a:xfrm>
+              <a:off x="2987824" y="3342391"/>
+              <a:ext cx="720080" cy="324000"/>
+            </a:xfrm>
+            <a:prstGeom prst="rect">
+              <a:avLst/>
+            </a:prstGeom>
+            <a:ln w="22225"/>
+          </p:spPr>
+          <p:style>
+            <a:lnRef idx="2">
+              <a:schemeClr val="dk1"/>
+            </a:lnRef>
+            <a:fillRef idx="1">
+              <a:schemeClr val="lt1"/>
+            </a:fillRef>
+            <a:effectRef idx="0">
+              <a:schemeClr val="dk1"/>
+            </a:effectRef>
+            <a:fontRef idx="minor">
+              <a:schemeClr val="dk1"/>
+            </a:fontRef>
+          </p:style>
+          <p:txBody>
+            <a:bodyPr lIns="36000" tIns="36000" rIns="36000" bIns="36000" rtlCol="0" anchor="ctr"/>
+            <a:lstStyle/>
+            <a:p>
+              <a:pPr algn="ctr"/>
+              <a:r>
+                <a:rPr lang="fr-BE" sz="1000" b="1" smtClean="0">
+                  <a:latin typeface="+mj-lt"/>
+                </a:rPr>
+                <a:t>Passenger</a:t>
+              </a:r>
+              <a:endParaRPr lang="fr-BE" sz="1000" b="1">
+                <a:latin typeface="+mj-lt"/>
+              </a:endParaRPr>
+            </a:p>
+          </p:txBody>
+        </p:sp>
+        <p:sp>
+          <p:nvSpPr>
+            <p:cNvPr id="38" name="Rectangle 37"/>
+            <p:cNvSpPr/>
+            <p:nvPr/>
+          </p:nvSpPr>
+          <p:spPr>
+            <a:xfrm>
+              <a:off x="3939168" y="3342391"/>
+              <a:ext cx="864096" cy="324000"/>
+            </a:xfrm>
+            <a:prstGeom prst="rect">
+              <a:avLst/>
+            </a:prstGeom>
+            <a:ln w="22225"/>
+          </p:spPr>
+          <p:style>
+            <a:lnRef idx="2">
+              <a:schemeClr val="dk1"/>
+            </a:lnRef>
+            <a:fillRef idx="1">
+              <a:schemeClr val="lt1"/>
+            </a:fillRef>
+            <a:effectRef idx="0">
+              <a:schemeClr val="dk1"/>
+            </a:effectRef>
+            <a:fontRef idx="minor">
+              <a:schemeClr val="dk1"/>
+            </a:fontRef>
+          </p:style>
+          <p:txBody>
+            <a:bodyPr lIns="36000" tIns="36000" rIns="36000" bIns="36000" rtlCol="0" anchor="ctr" anchorCtr="0"/>
+            <a:lstStyle/>
+            <a:p>
+              <a:pPr algn="ctr"/>
+              <a:r>
+                <a:rPr lang="fr-BE" sz="1000" b="1" smtClean="0">
+                  <a:latin typeface="+mj-lt"/>
+                </a:rPr>
+                <a:t>Controller</a:t>
+              </a:r>
+              <a:endParaRPr lang="fr-BE" sz="1000" b="1">
+                <a:latin typeface="+mj-lt"/>
+              </a:endParaRPr>
+            </a:p>
+          </p:txBody>
+        </p:sp>
+        <p:sp>
+          <p:nvSpPr>
+            <p:cNvPr id="40" name="Rectangle 39"/>
+            <p:cNvSpPr/>
+            <p:nvPr/>
+          </p:nvSpPr>
+          <p:spPr>
+            <a:xfrm>
+              <a:off x="5902052" y="3342391"/>
+              <a:ext cx="720080" cy="324000"/>
+            </a:xfrm>
+            <a:prstGeom prst="rect">
+              <a:avLst/>
+            </a:prstGeom>
+            <a:ln w="22225"/>
+          </p:spPr>
+          <p:style>
+            <a:lnRef idx="2">
+              <a:schemeClr val="dk1"/>
+            </a:lnRef>
+            <a:fillRef idx="1">
+              <a:schemeClr val="lt1"/>
+            </a:fillRef>
+            <a:effectRef idx="0">
+              <a:schemeClr val="dk1"/>
+            </a:effectRef>
+            <a:fontRef idx="minor">
+              <a:schemeClr val="dk1"/>
+            </a:fontRef>
+          </p:style>
+          <p:txBody>
+            <a:bodyPr lIns="36000" tIns="36000" rIns="36000" bIns="36000" rtlCol="0" anchor="ctr"/>
+            <a:lstStyle/>
+            <a:p>
+              <a:pPr algn="ctr"/>
+              <a:r>
+                <a:rPr lang="fr-BE" sz="1000" b="1" smtClean="0">
+                  <a:latin typeface="+mj-lt"/>
+                </a:rPr>
+                <a:t>Engine</a:t>
+              </a:r>
+            </a:p>
+          </p:txBody>
+        </p:sp>
+        <p:sp>
+          <p:nvSpPr>
+            <p:cNvPr id="41" name="Rectangle 40"/>
+            <p:cNvSpPr/>
+            <p:nvPr/>
+          </p:nvSpPr>
+          <p:spPr>
+            <a:xfrm>
+              <a:off x="5037956" y="3342391"/>
+              <a:ext cx="720080" cy="324000"/>
+            </a:xfrm>
+            <a:prstGeom prst="rect">
+              <a:avLst/>
+            </a:prstGeom>
+            <a:ln w="22225"/>
+          </p:spPr>
+          <p:style>
+            <a:lnRef idx="2">
+              <a:schemeClr val="dk1"/>
+            </a:lnRef>
+            <a:fillRef idx="1">
+              <a:schemeClr val="lt1"/>
+            </a:fillRef>
+            <a:effectRef idx="0">
+              <a:schemeClr val="dk1"/>
+            </a:effectRef>
+            <a:fontRef idx="minor">
+              <a:schemeClr val="dk1"/>
+            </a:fontRef>
+          </p:style>
+          <p:txBody>
+            <a:bodyPr lIns="36000" tIns="36000" rIns="36000" bIns="36000" rtlCol="0" anchor="ctr"/>
+            <a:lstStyle/>
+            <a:p>
+              <a:pPr algn="ctr"/>
+              <a:r>
+                <a:rPr lang="fr-BE" sz="1000" b="1" smtClean="0">
+                  <a:latin typeface="+mj-lt"/>
+                </a:rPr>
+                <a:t>Doors</a:t>
+              </a:r>
+            </a:p>
+          </p:txBody>
+        </p:sp>
+        <p:cxnSp>
+          <p:nvCxnSpPr>
+            <p:cNvPr id="43" name="Connecteur droit avec flèche 42"/>
+            <p:cNvCxnSpPr>
+              <a:stCxn id="38" idx="2"/>
+            </p:cNvCxnSpPr>
+            <p:nvPr/>
+          </p:nvCxnSpPr>
+          <p:spPr>
+            <a:xfrm rot="5400000">
+              <a:off x="3776819" y="4259994"/>
+              <a:ext cx="1188000" cy="794"/>
+            </a:xfrm>
+            <a:prstGeom prst="straightConnector1">
+              <a:avLst/>
+            </a:prstGeom>
+            <a:ln w="22225">
+              <a:tailEnd type="triangle"/>
+            </a:ln>
+          </p:spPr>
+          <p:style>
+            <a:lnRef idx="2">
+              <a:schemeClr val="dk1"/>
+            </a:lnRef>
+            <a:fillRef idx="0">
+              <a:schemeClr val="dk1"/>
+            </a:fillRef>
+            <a:effectRef idx="1">
+              <a:schemeClr val="dk1"/>
+            </a:effectRef>
+            <a:fontRef idx="minor">
+              <a:schemeClr val="tx1"/>
+            </a:fontRef>
+          </p:style>
+        </p:cxnSp>
+        <p:cxnSp>
+          <p:nvCxnSpPr>
+            <p:cNvPr id="44" name="Connecteur droit avec flèche 43"/>
+            <p:cNvCxnSpPr>
+              <a:stCxn id="37" idx="2"/>
+            </p:cNvCxnSpPr>
+            <p:nvPr/>
+          </p:nvCxnSpPr>
+          <p:spPr>
+            <a:xfrm rot="5400000">
+              <a:off x="2753467" y="4259994"/>
+              <a:ext cx="1188000" cy="794"/>
+            </a:xfrm>
+            <a:prstGeom prst="straightConnector1">
+              <a:avLst/>
+            </a:prstGeom>
+            <a:ln w="22225">
+              <a:tailEnd type="triangle"/>
+            </a:ln>
+          </p:spPr>
+          <p:style>
+            <a:lnRef idx="2">
+              <a:schemeClr val="dk1"/>
+            </a:lnRef>
+            <a:fillRef idx="0">
+              <a:schemeClr val="dk1"/>
+            </a:fillRef>
+            <a:effectRef idx="1">
+              <a:schemeClr val="dk1"/>
+            </a:effectRef>
+            <a:fontRef idx="minor">
+              <a:schemeClr val="tx1"/>
+            </a:fontRef>
+          </p:style>
+        </p:cxnSp>
+        <p:cxnSp>
+          <p:nvCxnSpPr>
+            <p:cNvPr id="47" name="Connecteur droit avec flèche 46"/>
+            <p:cNvCxnSpPr>
+              <a:stCxn id="41" idx="2"/>
+            </p:cNvCxnSpPr>
+            <p:nvPr/>
+          </p:nvCxnSpPr>
+          <p:spPr>
+            <a:xfrm rot="5400000">
+              <a:off x="4803599" y="4259994"/>
+              <a:ext cx="1188000" cy="794"/>
+            </a:xfrm>
+            <a:prstGeom prst="straightConnector1">
+              <a:avLst/>
+            </a:prstGeom>
+            <a:ln w="22225">
+              <a:tailEnd type="triangle"/>
+            </a:ln>
+          </p:spPr>
+          <p:style>
+            <a:lnRef idx="2">
+              <a:schemeClr val="dk1"/>
+            </a:lnRef>
+            <a:fillRef idx="0">
+              <a:schemeClr val="dk1"/>
+            </a:fillRef>
+            <a:effectRef idx="1">
+              <a:schemeClr val="dk1"/>
+            </a:effectRef>
+            <a:fontRef idx="minor">
+              <a:schemeClr val="tx1"/>
+            </a:fontRef>
+          </p:style>
+        </p:cxnSp>
+        <p:cxnSp>
+          <p:nvCxnSpPr>
+            <p:cNvPr id="48" name="Connecteur droit avec flèche 47"/>
+            <p:cNvCxnSpPr>
+              <a:stCxn id="40" idx="2"/>
+            </p:cNvCxnSpPr>
+            <p:nvPr/>
+          </p:nvCxnSpPr>
+          <p:spPr>
+            <a:xfrm rot="5400000">
+              <a:off x="5667695" y="4259994"/>
+              <a:ext cx="1188000" cy="794"/>
+            </a:xfrm>
+            <a:prstGeom prst="straightConnector1">
+              <a:avLst/>
+            </a:prstGeom>
+            <a:ln w="22225">
+              <a:tailEnd type="triangle"/>
+            </a:ln>
+          </p:spPr>
+          <p:style>
+            <a:lnRef idx="2">
+              <a:schemeClr val="dk1"/>
+            </a:lnRef>
+            <a:fillRef idx="0">
+              <a:schemeClr val="dk1"/>
+            </a:fillRef>
+            <a:effectRef idx="1">
+              <a:schemeClr val="dk1"/>
+            </a:effectRef>
+            <a:fontRef idx="minor">
+              <a:schemeClr val="tx1"/>
+            </a:fontRef>
+          </p:style>
+        </p:cxnSp>
+        <p:cxnSp>
+          <p:nvCxnSpPr>
+            <p:cNvPr id="49" name="Connecteur droit avec flèche 48"/>
+            <p:cNvCxnSpPr/>
+            <p:nvPr/>
+          </p:nvCxnSpPr>
+          <p:spPr>
+            <a:xfrm>
+              <a:off x="3347864" y="4153162"/>
+              <a:ext cx="1008112" cy="1588"/>
+            </a:xfrm>
+            <a:prstGeom prst="straightConnector1">
+              <a:avLst/>
+            </a:prstGeom>
+            <a:ln w="22225">
+              <a:tailEnd type="triangle"/>
+            </a:ln>
+          </p:spPr>
+          <p:style>
+            <a:lnRef idx="1">
+              <a:schemeClr val="dk1"/>
+            </a:lnRef>
+            <a:fillRef idx="0">
+              <a:schemeClr val="dk1"/>
+            </a:fillRef>
+            <a:effectRef idx="0">
+              <a:schemeClr val="dk1"/>
+            </a:effectRef>
+            <a:fontRef idx="minor">
+              <a:schemeClr val="tx1"/>
+            </a:fontRef>
+          </p:style>
+        </p:cxnSp>
+        <p:sp>
+          <p:nvSpPr>
+            <p:cNvPr id="50" name="ZoneTexte 49"/>
+            <p:cNvSpPr txBox="1"/>
+            <p:nvPr/>
+          </p:nvSpPr>
+          <p:spPr>
+            <a:xfrm>
+              <a:off x="3632293" y="4051811"/>
+              <a:ext cx="342526" cy="153888"/>
+            </a:xfrm>
+            <a:prstGeom prst="rect">
+              <a:avLst/>
+            </a:prstGeom>
+            <a:solidFill>
+              <a:schemeClr val="lt1"/>
+            </a:solidFill>
+            <a:ln w="22225">
+              <a:noFill/>
+            </a:ln>
+          </p:spPr>
+          <p:txBody>
+            <a:bodyPr wrap="none" lIns="18000" tIns="0" rIns="18000" bIns="0" rtlCol="0">
+              <a:spAutoFit/>
+            </a:bodyPr>
+            <a:lstStyle/>
+            <a:p>
+              <a:pPr algn="ctr"/>
+              <a:r>
+                <a:rPr lang="fr-BE" sz="1000" b="1" smtClean="0">
+                  <a:latin typeface="+mj-lt"/>
+                </a:rPr>
+                <a:t>alarm</a:t>
+              </a:r>
+              <a:endParaRPr lang="fr-BE" sz="1000" b="1">
+                <a:latin typeface="+mj-lt"/>
+              </a:endParaRPr>
+            </a:p>
+          </p:txBody>
+        </p:sp>
+        <p:cxnSp>
+          <p:nvCxnSpPr>
+            <p:cNvPr id="53" name="Connecteur droit avec flèche 52"/>
+            <p:cNvCxnSpPr/>
+            <p:nvPr/>
+          </p:nvCxnSpPr>
+          <p:spPr>
+            <a:xfrm>
+              <a:off x="4389884" y="3932834"/>
+              <a:ext cx="1872208" cy="1588"/>
+            </a:xfrm>
+            <a:prstGeom prst="straightConnector1">
+              <a:avLst/>
+            </a:prstGeom>
+            <a:ln w="22225">
+              <a:tailEnd type="triangle"/>
+            </a:ln>
+          </p:spPr>
+          <p:style>
+            <a:lnRef idx="1">
+              <a:schemeClr val="dk1"/>
+            </a:lnRef>
+            <a:fillRef idx="0">
+              <a:schemeClr val="dk1"/>
+            </a:fillRef>
+            <a:effectRef idx="0">
+              <a:schemeClr val="dk1"/>
+            </a:effectRef>
+            <a:fontRef idx="minor">
+              <a:schemeClr val="tx1"/>
+            </a:fontRef>
+          </p:style>
+        </p:cxnSp>
+        <p:sp>
+          <p:nvSpPr>
+            <p:cNvPr id="54" name="ZoneTexte 53"/>
+            <p:cNvSpPr txBox="1"/>
+            <p:nvPr/>
+          </p:nvSpPr>
+          <p:spPr>
+            <a:xfrm>
+              <a:off x="5228466" y="3837578"/>
+              <a:ext cx="324000" cy="153888"/>
+            </a:xfrm>
+            <a:prstGeom prst="rect">
+              <a:avLst/>
+            </a:prstGeom>
+            <a:solidFill>
+              <a:schemeClr val="lt1"/>
+            </a:solidFill>
+            <a:ln w="22225">
+              <a:noFill/>
+            </a:ln>
+          </p:spPr>
+          <p:txBody>
+            <a:bodyPr wrap="square" lIns="18000" tIns="0" rIns="18000" bIns="0" rtlCol="0">
+              <a:spAutoFit/>
+            </a:bodyPr>
+            <a:lstStyle/>
+            <a:p>
+              <a:pPr algn="ctr"/>
+              <a:r>
+                <a:rPr lang="fr-BE" sz="1000" b="1" smtClean="0">
+                  <a:latin typeface="+mj-lt"/>
+                </a:rPr>
+                <a:t>start</a:t>
+              </a:r>
+              <a:endParaRPr lang="fr-BE" sz="1000" b="1">
+                <a:latin typeface="+mj-lt"/>
+              </a:endParaRPr>
+            </a:p>
+          </p:txBody>
+        </p:sp>
+        <p:cxnSp>
+          <p:nvCxnSpPr>
+            <p:cNvPr id="57" name="Connecteur droit avec flèche 56"/>
+            <p:cNvCxnSpPr/>
+            <p:nvPr/>
+          </p:nvCxnSpPr>
+          <p:spPr>
+            <a:xfrm>
+              <a:off x="4389884" y="4316344"/>
+              <a:ext cx="1872208" cy="1588"/>
+            </a:xfrm>
+            <a:prstGeom prst="straightConnector1">
+              <a:avLst/>
+            </a:prstGeom>
+            <a:ln w="22225">
+              <a:tailEnd type="triangle"/>
+            </a:ln>
+          </p:spPr>
+          <p:style>
+            <a:lnRef idx="1">
+              <a:schemeClr val="dk1"/>
+            </a:lnRef>
+            <a:fillRef idx="0">
+              <a:schemeClr val="dk1"/>
+            </a:fillRef>
+            <a:effectRef idx="0">
+              <a:schemeClr val="dk1"/>
+            </a:effectRef>
+            <a:fontRef idx="minor">
+              <a:schemeClr val="tx1"/>
+            </a:fontRef>
+          </p:style>
+        </p:cxnSp>
+        <p:sp>
+          <p:nvSpPr>
+            <p:cNvPr id="58" name="ZoneTexte 57"/>
+            <p:cNvSpPr txBox="1"/>
+            <p:nvPr/>
+          </p:nvSpPr>
+          <p:spPr>
+            <a:xfrm>
+              <a:off x="5228466" y="4221088"/>
+              <a:ext cx="324000" cy="153888"/>
+            </a:xfrm>
+            <a:prstGeom prst="rect">
+              <a:avLst/>
+            </a:prstGeom>
+            <a:solidFill>
+              <a:schemeClr val="lt1"/>
+            </a:solidFill>
+            <a:ln w="22225">
+              <a:noFill/>
+            </a:ln>
+          </p:spPr>
+          <p:txBody>
+            <a:bodyPr wrap="square" lIns="18000" tIns="0" rIns="18000" bIns="0" rtlCol="0">
+              <a:spAutoFit/>
+            </a:bodyPr>
+            <a:lstStyle/>
+            <a:p>
+              <a:pPr algn="ctr"/>
+              <a:r>
+                <a:rPr lang="fr-BE" sz="1000" b="1" smtClean="0">
+                  <a:latin typeface="+mj-lt"/>
+                </a:rPr>
+                <a:t>stop</a:t>
+              </a:r>
+              <a:endParaRPr lang="fr-BE" sz="1000" b="1">
+                <a:latin typeface="+mj-lt"/>
+              </a:endParaRPr>
+            </a:p>
+          </p:txBody>
+        </p:sp>
+        <p:cxnSp>
+          <p:nvCxnSpPr>
+            <p:cNvPr id="61" name="Connecteur droit avec flèche 60"/>
+            <p:cNvCxnSpPr/>
+            <p:nvPr/>
+          </p:nvCxnSpPr>
+          <p:spPr>
+            <a:xfrm>
+              <a:off x="4389884" y="4619010"/>
+              <a:ext cx="1008112" cy="3130"/>
+            </a:xfrm>
+            <a:prstGeom prst="straightConnector1">
+              <a:avLst/>
+            </a:prstGeom>
+            <a:ln w="22225">
+              <a:tailEnd type="triangle"/>
+            </a:ln>
+          </p:spPr>
+          <p:style>
+            <a:lnRef idx="1">
+              <a:schemeClr val="dk1"/>
+            </a:lnRef>
+            <a:fillRef idx="0">
+              <a:schemeClr val="dk1"/>
+            </a:fillRef>
+            <a:effectRef idx="0">
+              <a:schemeClr val="dk1"/>
+            </a:effectRef>
+            <a:fontRef idx="minor">
+              <a:schemeClr val="tx1"/>
+            </a:fontRef>
+          </p:style>
+        </p:cxnSp>
+        <p:sp>
+          <p:nvSpPr>
+            <p:cNvPr id="62" name="ZoneTexte 61"/>
+            <p:cNvSpPr txBox="1"/>
+            <p:nvPr/>
+          </p:nvSpPr>
+          <p:spPr>
+            <a:xfrm>
+              <a:off x="4724450" y="4517122"/>
+              <a:ext cx="360000" cy="153888"/>
+            </a:xfrm>
+            <a:prstGeom prst="rect">
+              <a:avLst/>
+            </a:prstGeom>
+            <a:solidFill>
+              <a:schemeClr val="lt1"/>
+            </a:solidFill>
+            <a:ln w="22225">
+              <a:noFill/>
+            </a:ln>
+          </p:spPr>
+          <p:txBody>
+            <a:bodyPr wrap="square" lIns="18000" tIns="0" rIns="18000" bIns="0" rtlCol="0">
+              <a:spAutoFit/>
+            </a:bodyPr>
+            <a:lstStyle/>
+            <a:p>
+              <a:pPr algn="ctr"/>
+              <a:r>
+                <a:rPr lang="fr-BE" sz="1000" b="1" smtClean="0">
+                  <a:latin typeface="+mj-lt"/>
+                </a:rPr>
+                <a:t>open</a:t>
+              </a:r>
+              <a:endParaRPr lang="fr-BE" sz="1000" b="1">
+                <a:latin typeface="+mj-lt"/>
+              </a:endParaRPr>
+            </a:p>
+          </p:txBody>
+        </p:sp>
+      </p:grpSp>
+    </p:spTree>
+  </p:cSld>
+  <p:clrMapOvr>
+    <a:masterClrMapping/>
+  </p:clrMapOvr>
+</p:sld>
+</file>
+
+<file path=ppt/slides/slide6.xml><?xml version="1.0" encoding="utf-8"?>
+<p:sld xmlns:a="http://schemas.openxmlformats.org/drawingml/2006/main" xmlns:r="http://schemas.openxmlformats.org/officeDocument/2006/relationships" xmlns:p="http://schemas.openxmlformats.org/presentationml/2006/main">
+  <p:cSld>
+    <p:spTree>
+      <p:nvGrpSpPr>
+        <p:cNvPr id="1" name=""/>
+        <p:cNvGrpSpPr/>
+        <p:nvPr/>
+      </p:nvGrpSpPr>
+      <p:grpSpPr>
+        <a:xfrm>
+          <a:off x="0" y="0"/>
+          <a:ext cx="0" cy="0"/>
+          <a:chOff x="0" y="0"/>
+          <a:chExt cx="0" cy="0"/>
+        </a:xfrm>
+      </p:grpSpPr>
+      <p:sp>
+        <p:nvSpPr>
+          <p:cNvPr id="40" name="Rectangle 39"/>
+          <p:cNvSpPr/>
+          <p:nvPr/>
+        </p:nvSpPr>
+        <p:spPr>
+          <a:xfrm>
+            <a:off x="251520" y="620688"/>
+            <a:ext cx="8280920" cy="5616624"/>
+          </a:xfrm>
+          <a:prstGeom prst="rect">
+            <a:avLst/>
+          </a:prstGeom>
+          <a:ln w="3175"/>
+        </p:spPr>
+        <p:style>
+          <a:lnRef idx="2">
+            <a:schemeClr val="dk1"/>
+          </a:lnRef>
+          <a:fillRef idx="1">
+            <a:schemeClr val="lt1"/>
+          </a:fillRef>
+          <a:effectRef idx="0">
+            <a:schemeClr val="dk1"/>
+          </a:effectRef>
+          <a:fontRef idx="minor">
+            <a:schemeClr val="dk1"/>
+          </a:fontRef>
+        </p:style>
+        <p:txBody>
+          <a:bodyPr rtlCol="0" anchor="ctr"/>
+          <a:lstStyle/>
+          <a:p>
+            <a:pPr algn="ctr"/>
+            <a:endParaRPr lang="fr-BE"/>
+          </a:p>
+        </p:txBody>
+      </p:sp>
+      <p:grpSp>
+        <p:nvGrpSpPr>
+          <p:cNvPr id="47" name="Groupe 46"/>
+          <p:cNvGrpSpPr/>
+          <p:nvPr/>
+        </p:nvGrpSpPr>
+        <p:grpSpPr>
+          <a:xfrm>
+            <a:off x="251520" y="644203"/>
+            <a:ext cx="8280920" cy="5530393"/>
+            <a:chOff x="251520" y="644203"/>
+            <a:chExt cx="8280920" cy="5530393"/>
+          </a:xfrm>
+        </p:grpSpPr>
+        <p:grpSp>
+          <p:nvGrpSpPr>
+            <p:cNvPr id="38" name="Groupe 37"/>
+            <p:cNvGrpSpPr/>
+            <p:nvPr/>
+          </p:nvGrpSpPr>
+          <p:grpSpPr>
+            <a:xfrm>
+              <a:off x="251520" y="644203"/>
+              <a:ext cx="8280920" cy="5530393"/>
+              <a:chOff x="251520" y="644203"/>
+              <a:chExt cx="8280920" cy="5530393"/>
+            </a:xfrm>
+          </p:grpSpPr>
+          <p:sp>
+            <p:nvSpPr>
+              <p:cNvPr id="33" name="Ellipse 32"/>
+              <p:cNvSpPr/>
+              <p:nvPr/>
+            </p:nvSpPr>
+            <p:spPr>
+              <a:xfrm>
+                <a:off x="2339752" y="1412776"/>
+                <a:ext cx="4464496" cy="4248472"/>
+              </a:xfrm>
+              <a:prstGeom prst="ellipse">
+                <a:avLst/>
+              </a:prstGeom>
+              <a:ln w="50800">
+                <a:solidFill>
+                  <a:srgbClr val="00B050"/>
+                </a:solidFill>
+                <a:prstDash val="dash"/>
+              </a:ln>
+            </p:spPr>
+            <p:style>
+              <a:lnRef idx="2">
+                <a:schemeClr val="dk1"/>
+              </a:lnRef>
+              <a:fillRef idx="1">
+                <a:schemeClr val="lt1"/>
+              </a:fillRef>
+              <a:effectRef idx="0">
+                <a:schemeClr val="dk1"/>
+              </a:effectRef>
+              <a:fontRef idx="minor">
+                <a:schemeClr val="dk1"/>
+              </a:fontRef>
+            </p:style>
+            <p:txBody>
+              <a:bodyPr rtlCol="0" anchor="ctr"/>
+              <a:lstStyle/>
+              <a:p>
+                <a:pPr algn="ctr"/>
+                <a:endParaRPr lang="fr-BE"/>
+              </a:p>
+            </p:txBody>
+          </p:sp>
+          <p:sp>
+            <p:nvSpPr>
+              <p:cNvPr id="37" name="Rectangle 36"/>
+              <p:cNvSpPr/>
+              <p:nvPr/>
+            </p:nvSpPr>
+            <p:spPr>
+              <a:xfrm>
+                <a:off x="2195736" y="4725144"/>
+                <a:ext cx="4104456" cy="1080120"/>
+              </a:xfrm>
+              <a:prstGeom prst="rect">
+                <a:avLst/>
+              </a:prstGeom>
+              <a:solidFill>
+                <a:schemeClr val="bg1">
+                  <a:alpha val="69000"/>
+                </a:schemeClr>
+              </a:solidFill>
+              <a:ln>
+                <a:noFill/>
+              </a:ln>
+            </p:spPr>
+            <p:style>
+              <a:lnRef idx="2">
+                <a:schemeClr val="accent1">
+                  <a:shade val="50000"/>
+                </a:schemeClr>
+              </a:lnRef>
+              <a:fillRef idx="1">
+                <a:schemeClr val="accent1"/>
+              </a:fillRef>
+              <a:effectRef idx="0">
+                <a:schemeClr val="accent1"/>
+              </a:effectRef>
+              <a:fontRef idx="minor">
+                <a:schemeClr val="lt1"/>
+              </a:fontRef>
+            </p:style>
+            <p:txBody>
+              <a:bodyPr rtlCol="0" anchor="ctr"/>
+              <a:lstStyle/>
+              <a:p>
+                <a:pPr algn="ctr"/>
+                <a:endParaRPr lang="fr-BE"/>
+              </a:p>
+            </p:txBody>
+          </p:sp>
+          <p:sp>
+            <p:nvSpPr>
+              <p:cNvPr id="36" name="Rectangle 35"/>
+              <p:cNvSpPr/>
+              <p:nvPr/>
+            </p:nvSpPr>
+            <p:spPr>
+              <a:xfrm>
+                <a:off x="5652120" y="2492896"/>
+                <a:ext cx="2736304" cy="1584176"/>
+              </a:xfrm>
+              <a:prstGeom prst="rect">
+                <a:avLst/>
+              </a:prstGeom>
+              <a:solidFill>
+                <a:schemeClr val="bg1">
+                  <a:alpha val="69000"/>
+                </a:schemeClr>
+              </a:solidFill>
+              <a:ln>
+                <a:noFill/>
+              </a:ln>
+            </p:spPr>
+            <p:style>
+              <a:lnRef idx="2">
+                <a:schemeClr val="accent1">
+                  <a:shade val="50000"/>
+                </a:schemeClr>
+              </a:lnRef>
+              <a:fillRef idx="1">
+                <a:schemeClr val="accent1"/>
+              </a:fillRef>
+              <a:effectRef idx="0">
+                <a:schemeClr val="accent1"/>
+              </a:effectRef>
+              <a:fontRef idx="minor">
+                <a:schemeClr val="lt1"/>
+              </a:fontRef>
+            </p:style>
+            <p:txBody>
+              <a:bodyPr rtlCol="0" anchor="ctr"/>
+              <a:lstStyle/>
+              <a:p>
+                <a:pPr algn="ctr"/>
+                <a:endParaRPr lang="fr-BE"/>
+              </a:p>
+            </p:txBody>
+          </p:sp>
+          <p:grpSp>
+            <p:nvGrpSpPr>
+              <p:cNvPr id="31" name="Groupe 30"/>
+              <p:cNvGrpSpPr/>
+              <p:nvPr/>
+            </p:nvGrpSpPr>
+            <p:grpSpPr>
+              <a:xfrm>
+                <a:off x="5758785" y="1916832"/>
+                <a:ext cx="2773655" cy="2376264"/>
+                <a:chOff x="5254729" y="1772816"/>
+                <a:chExt cx="2773655" cy="2376264"/>
+              </a:xfrm>
+            </p:grpSpPr>
+            <p:pic>
+              <p:nvPicPr>
+                <p:cNvPr id="2053" name="Picture 5" descr="D:\blambeau\Work\ucl\thesis\writing\src\2-framework\images\train-hmsc-single.png"/>
+                <p:cNvPicPr>
+                  <a:picLocks noChangeAspect="1" noChangeArrowheads="1"/>
+                </p:cNvPicPr>
+                <p:nvPr/>
+              </p:nvPicPr>
+              <p:blipFill>
+                <a:blip r:embed="rId2" cstate="print"/>
+                <a:srcRect/>
+                <a:stretch>
+                  <a:fillRect/>
+                </a:stretch>
+              </p:blipFill>
+              <p:spPr bwMode="auto">
+                <a:xfrm>
+                  <a:off x="5254729" y="2420888"/>
+                  <a:ext cx="2320972" cy="1728192"/>
+                </a:xfrm>
+                <a:prstGeom prst="rect">
+                  <a:avLst/>
+                </a:prstGeom>
+                <a:noFill/>
+              </p:spPr>
+            </p:pic>
+            <p:sp>
+              <p:nvSpPr>
+                <p:cNvPr id="26" name="ZoneTexte 25"/>
+                <p:cNvSpPr txBox="1"/>
+                <p:nvPr/>
+              </p:nvSpPr>
+              <p:spPr>
+                <a:xfrm>
+                  <a:off x="5974745" y="1772816"/>
+                  <a:ext cx="2053639" cy="646331"/>
+                </a:xfrm>
+                <a:prstGeom prst="rect">
+                  <a:avLst/>
+                </a:prstGeom>
+                <a:noFill/>
+              </p:spPr>
+              <p:txBody>
+                <a:bodyPr wrap="none" rtlCol="0">
+                  <a:spAutoFit/>
+                </a:bodyPr>
+                <a:lstStyle/>
+                <a:p>
+                  <a:pPr algn="r"/>
+                  <a:r>
+                    <a:rPr lang="fr-BE" smtClean="0"/>
+                    <a:t>High-level scenarios</a:t>
+                  </a:r>
+                </a:p>
+                <a:p>
+                  <a:pPr algn="r"/>
+                  <a:r>
+                    <a:rPr lang="fr-BE" smtClean="0"/>
+                    <a:t>&amp; Task models</a:t>
+                  </a:r>
+                </a:p>
+              </p:txBody>
+            </p:sp>
+          </p:grpSp>
+          <p:sp>
+            <p:nvSpPr>
+              <p:cNvPr id="35" name="Rectangle 34"/>
+              <p:cNvSpPr/>
+              <p:nvPr/>
+            </p:nvSpPr>
+            <p:spPr>
+              <a:xfrm>
+                <a:off x="1187624" y="2708920"/>
+                <a:ext cx="2016224" cy="1368152"/>
+              </a:xfrm>
+              <a:prstGeom prst="rect">
+                <a:avLst/>
+              </a:prstGeom>
+              <a:solidFill>
+                <a:schemeClr val="bg1">
+                  <a:alpha val="69000"/>
+                </a:schemeClr>
+              </a:solidFill>
+              <a:ln>
+                <a:noFill/>
+              </a:ln>
+            </p:spPr>
+            <p:style>
+              <a:lnRef idx="2">
+                <a:schemeClr val="accent1">
+                  <a:shade val="50000"/>
+                </a:schemeClr>
+              </a:lnRef>
+              <a:fillRef idx="1">
+                <a:schemeClr val="accent1"/>
+              </a:fillRef>
+              <a:effectRef idx="0">
+                <a:schemeClr val="accent1"/>
+              </a:effectRef>
+              <a:fontRef idx="minor">
+                <a:schemeClr val="lt1"/>
+              </a:fontRef>
+            </p:style>
+            <p:txBody>
+              <a:bodyPr rtlCol="0" anchor="ctr"/>
+              <a:lstStyle/>
+              <a:p>
+                <a:pPr algn="ctr"/>
+                <a:endParaRPr lang="fr-BE"/>
+              </a:p>
+            </p:txBody>
+          </p:sp>
+          <p:sp>
+            <p:nvSpPr>
+              <p:cNvPr id="34" name="Rectangle 33"/>
+              <p:cNvSpPr/>
+              <p:nvPr/>
+            </p:nvSpPr>
+            <p:spPr>
+              <a:xfrm>
+                <a:off x="3203848" y="908720"/>
+                <a:ext cx="2736304" cy="1368152"/>
+              </a:xfrm>
+              <a:prstGeom prst="rect">
+                <a:avLst/>
+              </a:prstGeom>
+              <a:solidFill>
+                <a:schemeClr val="bg1">
+                  <a:alpha val="69000"/>
+                </a:schemeClr>
+              </a:solidFill>
+              <a:ln>
+                <a:noFill/>
+              </a:ln>
+            </p:spPr>
+            <p:style>
+              <a:lnRef idx="2">
+                <a:schemeClr val="accent1">
+                  <a:shade val="50000"/>
+                </a:schemeClr>
+              </a:lnRef>
+              <a:fillRef idx="1">
+                <a:schemeClr val="accent1"/>
+              </a:fillRef>
+              <a:effectRef idx="0">
+                <a:schemeClr val="accent1"/>
+              </a:effectRef>
+              <a:fontRef idx="minor">
+                <a:schemeClr val="lt1"/>
+              </a:fontRef>
+            </p:style>
+            <p:txBody>
+              <a:bodyPr rtlCol="0" anchor="ctr"/>
+              <a:lstStyle/>
+              <a:p>
+                <a:pPr algn="ctr"/>
+                <a:endParaRPr lang="fr-BE"/>
+              </a:p>
+            </p:txBody>
+          </p:sp>
+          <p:grpSp>
+            <p:nvGrpSpPr>
+              <p:cNvPr id="29" name="Groupe 28"/>
+              <p:cNvGrpSpPr/>
+              <p:nvPr/>
+            </p:nvGrpSpPr>
+            <p:grpSpPr>
+              <a:xfrm>
+                <a:off x="2699792" y="644203"/>
+                <a:ext cx="3213982" cy="1704677"/>
+                <a:chOff x="2051720" y="620688"/>
+                <a:chExt cx="3213982" cy="1704677"/>
+              </a:xfrm>
+            </p:grpSpPr>
+            <p:pic>
+              <p:nvPicPr>
+                <p:cNvPr id="3077" name="Picture 5" descr="D:\blambeau\Work\ucl\thesis\writing\src\2-framework\images\simple-scenario.png"/>
+                <p:cNvPicPr>
+                  <a:picLocks noChangeAspect="1" noChangeArrowheads="1"/>
+                </p:cNvPicPr>
+                <p:nvPr/>
+              </p:nvPicPr>
+              <p:blipFill>
+                <a:blip r:embed="rId3" cstate="print"/>
+                <a:srcRect/>
+                <a:stretch>
+                  <a:fillRect/>
+                </a:stretch>
+              </p:blipFill>
+              <p:spPr bwMode="auto">
+                <a:xfrm>
+                  <a:off x="2323036" y="980728"/>
+                  <a:ext cx="2942666" cy="1344637"/>
+                </a:xfrm>
+                <a:prstGeom prst="rect">
+                  <a:avLst/>
+                </a:prstGeom>
+                <a:noFill/>
+              </p:spPr>
+            </p:pic>
+            <p:sp>
+              <p:nvSpPr>
+                <p:cNvPr id="23" name="ZoneTexte 22"/>
+                <p:cNvSpPr txBox="1"/>
+                <p:nvPr/>
+              </p:nvSpPr>
+              <p:spPr>
+                <a:xfrm>
+                  <a:off x="2051720" y="620688"/>
+                  <a:ext cx="1080745" cy="369332"/>
+                </a:xfrm>
+                <a:prstGeom prst="rect">
+                  <a:avLst/>
+                </a:prstGeom>
+                <a:noFill/>
+              </p:spPr>
+              <p:txBody>
+                <a:bodyPr wrap="none" rtlCol="0">
+                  <a:spAutoFit/>
+                </a:bodyPr>
+                <a:lstStyle/>
+                <a:p>
+                  <a:r>
+                    <a:rPr lang="fr-BE" smtClean="0"/>
+                    <a:t>Scenarios</a:t>
+                  </a:r>
+                  <a:endParaRPr lang="fr-BE"/>
+                </a:p>
+              </p:txBody>
+            </p:sp>
+          </p:grpSp>
+          <p:grpSp>
+            <p:nvGrpSpPr>
+              <p:cNvPr id="30" name="Groupe 29"/>
+              <p:cNvGrpSpPr/>
+              <p:nvPr/>
+            </p:nvGrpSpPr>
+            <p:grpSpPr>
+              <a:xfrm>
+                <a:off x="251520" y="2780928"/>
+                <a:ext cx="2949156" cy="1584176"/>
+                <a:chOff x="110676" y="2780928"/>
+                <a:chExt cx="2949156" cy="1584176"/>
+              </a:xfrm>
+            </p:grpSpPr>
+            <p:pic>
+              <p:nvPicPr>
+                <p:cNvPr id="3074" name="Picture 2" descr="D:\blambeau\Work\ucl\thesis\writing\src\2-framework\images\goal-graph.png"/>
+                <p:cNvPicPr>
+                  <a:picLocks noChangeAspect="1" noChangeArrowheads="1"/>
+                </p:cNvPicPr>
+                <p:nvPr/>
+              </p:nvPicPr>
+              <p:blipFill>
+                <a:blip r:embed="rId4" cstate="print"/>
+                <a:srcRect/>
+                <a:stretch>
+                  <a:fillRect/>
+                </a:stretch>
+              </p:blipFill>
+              <p:spPr bwMode="auto">
+                <a:xfrm>
+                  <a:off x="1072282" y="2780928"/>
+                  <a:ext cx="1987550" cy="1249363"/>
+                </a:xfrm>
+                <a:prstGeom prst="rect">
+                  <a:avLst/>
+                </a:prstGeom>
+                <a:noFill/>
+              </p:spPr>
+            </p:pic>
+            <p:sp>
+              <p:nvSpPr>
+                <p:cNvPr id="24" name="ZoneTexte 23"/>
+                <p:cNvSpPr txBox="1"/>
+                <p:nvPr/>
+              </p:nvSpPr>
+              <p:spPr>
+                <a:xfrm>
+                  <a:off x="110676" y="3718773"/>
+                  <a:ext cx="1941044" cy="646331"/>
+                </a:xfrm>
+                <a:prstGeom prst="rect">
+                  <a:avLst/>
+                </a:prstGeom>
+                <a:noFill/>
+              </p:spPr>
+              <p:txBody>
+                <a:bodyPr wrap="none" rtlCol="0">
+                  <a:spAutoFit/>
+                </a:bodyPr>
+                <a:lstStyle/>
+                <a:p>
+                  <a:r>
+                    <a:rPr lang="fr-BE" smtClean="0"/>
+                    <a:t>Goals &amp; </a:t>
+                  </a:r>
+                  <a:br>
+                    <a:rPr lang="fr-BE" smtClean="0"/>
+                  </a:br>
+                  <a:r>
+                    <a:rPr lang="fr-BE" smtClean="0"/>
+                    <a:t>Domain Properties</a:t>
+                  </a:r>
+                  <a:endParaRPr lang="fr-BE"/>
+                </a:p>
+              </p:txBody>
+            </p:sp>
+          </p:grpSp>
+          <p:grpSp>
+            <p:nvGrpSpPr>
+              <p:cNvPr id="32" name="Groupe 31"/>
+              <p:cNvGrpSpPr/>
+              <p:nvPr/>
+            </p:nvGrpSpPr>
+            <p:grpSpPr>
+              <a:xfrm>
+                <a:off x="2267744" y="4797152"/>
+                <a:ext cx="4296900" cy="1377444"/>
+                <a:chOff x="1547664" y="4509120"/>
+                <a:chExt cx="4296900" cy="1377444"/>
+              </a:xfrm>
+            </p:grpSpPr>
+            <p:grpSp>
+              <p:nvGrpSpPr>
+                <p:cNvPr id="22" name="Groupe 21"/>
+                <p:cNvGrpSpPr/>
+                <p:nvPr/>
+              </p:nvGrpSpPr>
+              <p:grpSpPr>
+                <a:xfrm>
+                  <a:off x="1547664" y="4509120"/>
+                  <a:ext cx="3960440" cy="878960"/>
+                  <a:chOff x="1458940" y="4653136"/>
+                  <a:chExt cx="3960440" cy="878960"/>
+                </a:xfrm>
+              </p:grpSpPr>
+              <p:pic>
+                <p:nvPicPr>
+                  <p:cNvPr id="3078" name="Picture 6" descr="D:\blambeau\Work\ucl\thesis\writing\src\2-framework\images\controller.png"/>
+                  <p:cNvPicPr>
+                    <a:picLocks noChangeAspect="1" noChangeArrowheads="1"/>
+                  </p:cNvPicPr>
+                  <p:nvPr/>
+                </p:nvPicPr>
+                <p:blipFill>
+                  <a:blip r:embed="rId5" cstate="print"/>
+                  <a:srcRect/>
+                  <a:stretch>
+                    <a:fillRect/>
+                  </a:stretch>
+                </p:blipFill>
+                <p:spPr bwMode="auto">
+                  <a:xfrm>
+                    <a:off x="1458940" y="4653136"/>
+                    <a:ext cx="2658618" cy="859536"/>
+                  </a:xfrm>
+                  <a:prstGeom prst="rect">
+                    <a:avLst/>
+                  </a:prstGeom>
+                  <a:noFill/>
+                </p:spPr>
+              </p:pic>
+              <p:pic>
+                <p:nvPicPr>
+                  <p:cNvPr id="3081" name="Picture 9" descr="D:\blambeau\Work\ucl\thesis\writing\src\2-framework\images\open-close.png"/>
+                  <p:cNvPicPr>
+                    <a:picLocks noChangeAspect="1" noChangeArrowheads="1"/>
+                  </p:cNvPicPr>
+                  <p:nvPr/>
+                </p:nvPicPr>
+                <p:blipFill>
+                  <a:blip r:embed="rId6" cstate="print"/>
+                  <a:srcRect/>
+                  <a:stretch>
+                    <a:fillRect/>
+                  </a:stretch>
+                </p:blipFill>
+                <p:spPr bwMode="auto">
+                  <a:xfrm>
+                    <a:off x="4589562" y="5157192"/>
+                    <a:ext cx="829818" cy="374904"/>
+                  </a:xfrm>
+                  <a:prstGeom prst="rect">
+                    <a:avLst/>
+                  </a:prstGeom>
+                  <a:noFill/>
+                </p:spPr>
+              </p:pic>
+              <p:pic>
+                <p:nvPicPr>
+                  <p:cNvPr id="3082" name="Picture 10" descr="D:\blambeau\Work\ucl\thesis\writing\src\2-framework\images\start-stop-2.png"/>
+                  <p:cNvPicPr>
+                    <a:picLocks noChangeAspect="1" noChangeArrowheads="1"/>
+                  </p:cNvPicPr>
+                  <p:nvPr/>
+                </p:nvPicPr>
+                <p:blipFill>
+                  <a:blip r:embed="rId7" cstate="print"/>
+                  <a:srcRect/>
+                  <a:stretch>
+                    <a:fillRect/>
+                  </a:stretch>
+                </p:blipFill>
+                <p:spPr bwMode="auto">
+                  <a:xfrm>
+                    <a:off x="4604802" y="4684840"/>
+                    <a:ext cx="786384" cy="368046"/>
+                  </a:xfrm>
+                  <a:prstGeom prst="rect">
+                    <a:avLst/>
+                  </a:prstGeom>
+                  <a:noFill/>
+                </p:spPr>
+              </p:pic>
+              <p:sp>
+                <p:nvSpPr>
+                  <p:cNvPr id="21" name="ZoneTexte 20"/>
+                  <p:cNvSpPr txBox="1"/>
+                  <p:nvPr/>
+                </p:nvSpPr>
+                <p:spPr>
+                  <a:xfrm>
+                    <a:off x="4164764" y="4868863"/>
+                    <a:ext cx="428322" cy="400110"/>
+                  </a:xfrm>
+                  <a:prstGeom prst="rect">
+                    <a:avLst/>
+                  </a:prstGeom>
+                  <a:noFill/>
+                </p:spPr>
+                <p:txBody>
+                  <a:bodyPr wrap="none" rtlCol="0">
+                    <a:spAutoFit/>
+                  </a:bodyPr>
+                  <a:lstStyle/>
+                  <a:p>
+                    <a:r>
+                      <a:rPr lang="fr-BE" sz="2000" b="1" smtClean="0"/>
+                      <a:t>||</a:t>
+                    </a:r>
+                    <a:endParaRPr lang="fr-BE" sz="2000" b="1"/>
+                  </a:p>
+                </p:txBody>
+              </p:sp>
+            </p:grpSp>
+            <p:sp>
+              <p:nvSpPr>
+                <p:cNvPr id="25" name="ZoneTexte 24"/>
+                <p:cNvSpPr txBox="1"/>
+                <p:nvPr/>
+              </p:nvSpPr>
+              <p:spPr>
+                <a:xfrm>
+                  <a:off x="2699792" y="5517232"/>
+                  <a:ext cx="3144772" cy="369332"/>
+                </a:xfrm>
+                <a:prstGeom prst="rect">
+                  <a:avLst/>
+                </a:prstGeom>
+                <a:noFill/>
+              </p:spPr>
+              <p:txBody>
+                <a:bodyPr wrap="none" rtlCol="0">
+                  <a:spAutoFit/>
+                </a:bodyPr>
+                <a:lstStyle/>
+                <a:p>
+                  <a:r>
+                    <a:rPr lang="fr-BE" smtClean="0"/>
+                    <a:t>Agent &amp; System State machines</a:t>
+                  </a:r>
+                  <a:endParaRPr lang="fr-BE"/>
+                </a:p>
+              </p:txBody>
+            </p:sp>
+          </p:grpSp>
+          <p:sp>
+            <p:nvSpPr>
+              <p:cNvPr id="28" name="Nuage 27"/>
+              <p:cNvSpPr/>
+              <p:nvPr/>
+            </p:nvSpPr>
+            <p:spPr>
+              <a:xfrm>
+                <a:off x="3419872" y="3212976"/>
+                <a:ext cx="2160240" cy="792088"/>
+              </a:xfrm>
+              <a:prstGeom prst="cloud">
+                <a:avLst/>
+              </a:prstGeom>
+            </p:spPr>
+            <p:style>
+              <a:lnRef idx="2">
+                <a:schemeClr val="dk1"/>
+              </a:lnRef>
+              <a:fillRef idx="1">
+                <a:schemeClr val="lt1"/>
+              </a:fillRef>
+              <a:effectRef idx="0">
+                <a:schemeClr val="dk1"/>
+              </a:effectRef>
+              <a:fontRef idx="minor">
+                <a:schemeClr val="dk1"/>
+              </a:fontRef>
+            </p:style>
+            <p:txBody>
+              <a:bodyPr wrap="none" tIns="108000" rtlCol="0" anchor="ctr" anchorCtr="1"/>
+              <a:lstStyle/>
+              <a:p>
+                <a:pPr algn="ctr"/>
+                <a:r>
+                  <a:rPr lang="fr-BE" sz="1600" smtClean="0"/>
+                  <a:t>        Event traces (LTS) </a:t>
+                </a:r>
+                <a:br>
+                  <a:rPr lang="fr-BE" sz="1600" smtClean="0"/>
+                </a:br>
+                <a:r>
+                  <a:rPr lang="fr-BE" sz="1600" smtClean="0"/>
+                  <a:t>+ Fluents</a:t>
+                </a:r>
+                <a:endParaRPr lang="fr-BE" sz="1600"/>
+              </a:p>
+            </p:txBody>
+          </p:sp>
+        </p:grpSp>
+        <p:sp>
+          <p:nvSpPr>
+            <p:cNvPr id="39" name="Forme libre 38"/>
+            <p:cNvSpPr/>
+            <p:nvPr/>
+          </p:nvSpPr>
+          <p:spPr>
+            <a:xfrm>
+              <a:off x="4427220" y="2286000"/>
+              <a:ext cx="243840" cy="762000"/>
+            </a:xfrm>
+            <a:custGeom>
+              <a:avLst/>
+              <a:gdLst>
+                <a:gd name="connsiteX0" fmla="*/ 0 w 243840"/>
+                <a:gd name="connsiteY0" fmla="*/ 0 h 762000"/>
+                <a:gd name="connsiteX1" fmla="*/ 228600 w 243840"/>
+                <a:gd name="connsiteY1" fmla="*/ 365760 h 762000"/>
+                <a:gd name="connsiteX2" fmla="*/ 91440 w 243840"/>
+                <a:gd name="connsiteY2" fmla="*/ 762000 h 762000"/>
+              </a:gdLst>
+              <a:ahLst/>
+              <a:cxnLst>
+                <a:cxn ang="0">
+                  <a:pos x="connsiteX0" y="connsiteY0"/>
+                </a:cxn>
+                <a:cxn ang="0">
+                  <a:pos x="connsiteX1" y="connsiteY1"/>
+                </a:cxn>
+                <a:cxn ang="0">
+                  <a:pos x="connsiteX2" y="connsiteY2"/>
+                </a:cxn>
+              </a:cxnLst>
+              <a:rect l="l" t="t" r="r" b="b"/>
+              <a:pathLst>
+                <a:path w="243840" h="762000">
+                  <a:moveTo>
+                    <a:pt x="0" y="0"/>
+                  </a:moveTo>
+                  <a:cubicBezTo>
+                    <a:pt x="106680" y="119380"/>
+                    <a:pt x="213360" y="238760"/>
+                    <a:pt x="228600" y="365760"/>
+                  </a:cubicBezTo>
+                  <a:cubicBezTo>
+                    <a:pt x="243840" y="492760"/>
+                    <a:pt x="167640" y="627380"/>
+                    <a:pt x="91440" y="762000"/>
+                  </a:cubicBezTo>
+                </a:path>
+              </a:pathLst>
+            </a:custGeom>
+            <a:ln>
+              <a:solidFill>
+                <a:srgbClr val="00B050"/>
+              </a:solidFill>
+              <a:tailEnd type="triangle" w="lg" len="lg"/>
+            </a:ln>
+          </p:spPr>
+          <p:style>
+            <a:lnRef idx="2">
+              <a:schemeClr val="accent3"/>
+            </a:lnRef>
+            <a:fillRef idx="0">
+              <a:schemeClr val="accent3"/>
+            </a:fillRef>
+            <a:effectRef idx="1">
+              <a:schemeClr val="accent3"/>
+            </a:effectRef>
+            <a:fontRef idx="minor">
+              <a:schemeClr val="tx1"/>
+            </a:fontRef>
+          </p:style>
+          <p:txBody>
+            <a:bodyPr rtlCol="0" anchor="ctr"/>
+            <a:lstStyle/>
+            <a:p>
+              <a:pPr algn="ctr"/>
+              <a:endParaRPr lang="fr-BE"/>
+            </a:p>
+          </p:txBody>
+        </p:sp>
+        <p:sp>
+          <p:nvSpPr>
+            <p:cNvPr id="41" name="Forme libre 40"/>
+            <p:cNvSpPr/>
+            <p:nvPr/>
+          </p:nvSpPr>
+          <p:spPr>
+            <a:xfrm>
+              <a:off x="3055620" y="2933700"/>
+              <a:ext cx="655320" cy="274320"/>
+            </a:xfrm>
+            <a:custGeom>
+              <a:avLst/>
+              <a:gdLst>
+                <a:gd name="connsiteX0" fmla="*/ 0 w 655320"/>
+                <a:gd name="connsiteY0" fmla="*/ 91440 h 274320"/>
+                <a:gd name="connsiteX1" fmla="*/ 289560 w 655320"/>
+                <a:gd name="connsiteY1" fmla="*/ 30480 h 274320"/>
+                <a:gd name="connsiteX2" fmla="*/ 655320 w 655320"/>
+                <a:gd name="connsiteY2" fmla="*/ 274320 h 274320"/>
+              </a:gdLst>
+              <a:ahLst/>
+              <a:cxnLst>
+                <a:cxn ang="0">
+                  <a:pos x="connsiteX0" y="connsiteY0"/>
+                </a:cxn>
+                <a:cxn ang="0">
+                  <a:pos x="connsiteX1" y="connsiteY1"/>
+                </a:cxn>
+                <a:cxn ang="0">
+                  <a:pos x="connsiteX2" y="connsiteY2"/>
+                </a:cxn>
+              </a:cxnLst>
+              <a:rect l="l" t="t" r="r" b="b"/>
+              <a:pathLst>
+                <a:path w="655320" h="274320">
+                  <a:moveTo>
+                    <a:pt x="0" y="91440"/>
+                  </a:moveTo>
+                  <a:cubicBezTo>
+                    <a:pt x="90170" y="45720"/>
+                    <a:pt x="180340" y="0"/>
+                    <a:pt x="289560" y="30480"/>
+                  </a:cubicBezTo>
+                  <a:cubicBezTo>
+                    <a:pt x="398780" y="60960"/>
+                    <a:pt x="527050" y="167640"/>
+                    <a:pt x="655320" y="274320"/>
+                  </a:cubicBezTo>
+                </a:path>
+              </a:pathLst>
+            </a:custGeom>
+            <a:ln>
+              <a:solidFill>
+                <a:srgbClr val="00B050"/>
+              </a:solidFill>
+              <a:tailEnd type="triangle" w="lg" len="lg"/>
+            </a:ln>
+          </p:spPr>
+          <p:style>
+            <a:lnRef idx="2">
+              <a:schemeClr val="accent3"/>
+            </a:lnRef>
+            <a:fillRef idx="0">
+              <a:schemeClr val="accent3"/>
+            </a:fillRef>
+            <a:effectRef idx="1">
+              <a:schemeClr val="accent3"/>
+            </a:effectRef>
+            <a:fontRef idx="minor">
+              <a:schemeClr val="tx1"/>
+            </a:fontRef>
+          </p:style>
+          <p:txBody>
+            <a:bodyPr rtlCol="0" anchor="ctr"/>
+            <a:lstStyle/>
+            <a:p>
+              <a:pPr algn="ctr"/>
+              <a:endParaRPr lang="fr-BE"/>
+            </a:p>
+          </p:txBody>
+        </p:sp>
+        <p:sp>
+          <p:nvSpPr>
+            <p:cNvPr id="42" name="Forme libre 41"/>
+            <p:cNvSpPr/>
+            <p:nvPr/>
+          </p:nvSpPr>
+          <p:spPr>
+            <a:xfrm>
+              <a:off x="5280660" y="3962400"/>
+              <a:ext cx="914400" cy="229870"/>
+            </a:xfrm>
+            <a:custGeom>
+              <a:avLst/>
+              <a:gdLst>
+                <a:gd name="connsiteX0" fmla="*/ 914400 w 914400"/>
+                <a:gd name="connsiteY0" fmla="*/ 99060 h 229870"/>
+                <a:gd name="connsiteX1" fmla="*/ 327660 w 914400"/>
+                <a:gd name="connsiteY1" fmla="*/ 213360 h 229870"/>
+                <a:gd name="connsiteX2" fmla="*/ 0 w 914400"/>
+                <a:gd name="connsiteY2" fmla="*/ 0 h 229870"/>
+              </a:gdLst>
+              <a:ahLst/>
+              <a:cxnLst>
+                <a:cxn ang="0">
+                  <a:pos x="connsiteX0" y="connsiteY0"/>
+                </a:cxn>
+                <a:cxn ang="0">
+                  <a:pos x="connsiteX1" y="connsiteY1"/>
+                </a:cxn>
+                <a:cxn ang="0">
+                  <a:pos x="connsiteX2" y="connsiteY2"/>
+                </a:cxn>
+              </a:cxnLst>
+              <a:rect l="l" t="t" r="r" b="b"/>
+              <a:pathLst>
+                <a:path w="914400" h="229870">
+                  <a:moveTo>
+                    <a:pt x="914400" y="99060"/>
+                  </a:moveTo>
+                  <a:cubicBezTo>
+                    <a:pt x="697230" y="164465"/>
+                    <a:pt x="480060" y="229870"/>
+                    <a:pt x="327660" y="213360"/>
+                  </a:cubicBezTo>
+                  <a:cubicBezTo>
+                    <a:pt x="175260" y="196850"/>
+                    <a:pt x="87630" y="98425"/>
+                    <a:pt x="0" y="0"/>
+                  </a:cubicBezTo>
+                </a:path>
+              </a:pathLst>
+            </a:custGeom>
+            <a:ln>
+              <a:solidFill>
+                <a:srgbClr val="00B050"/>
+              </a:solidFill>
+              <a:tailEnd type="triangle" w="lg" len="lg"/>
+            </a:ln>
+          </p:spPr>
+          <p:style>
+            <a:lnRef idx="2">
+              <a:schemeClr val="accent3"/>
+            </a:lnRef>
+            <a:fillRef idx="0">
+              <a:schemeClr val="accent3"/>
+            </a:fillRef>
+            <a:effectRef idx="1">
+              <a:schemeClr val="accent3"/>
+            </a:effectRef>
+            <a:fontRef idx="minor">
+              <a:schemeClr val="tx1"/>
+            </a:fontRef>
+          </p:style>
+          <p:txBody>
+            <a:bodyPr rtlCol="0" anchor="ctr"/>
+            <a:lstStyle/>
+            <a:p>
+              <a:pPr algn="ctr"/>
+              <a:endParaRPr lang="fr-BE"/>
+            </a:p>
+          </p:txBody>
+        </p:sp>
+        <p:sp>
+          <p:nvSpPr>
+            <p:cNvPr id="43" name="Forme libre 42"/>
+            <p:cNvSpPr/>
+            <p:nvPr/>
+          </p:nvSpPr>
+          <p:spPr>
+            <a:xfrm>
+              <a:off x="4212590" y="4152900"/>
+              <a:ext cx="306070" cy="678180"/>
+            </a:xfrm>
+            <a:custGeom>
+              <a:avLst/>
+              <a:gdLst>
+                <a:gd name="connsiteX0" fmla="*/ 306070 w 306070"/>
+                <a:gd name="connsiteY0" fmla="*/ 678180 h 678180"/>
+                <a:gd name="connsiteX1" fmla="*/ 31750 w 306070"/>
+                <a:gd name="connsiteY1" fmla="*/ 335280 h 678180"/>
+                <a:gd name="connsiteX2" fmla="*/ 115570 w 306070"/>
+                <a:gd name="connsiteY2" fmla="*/ 0 h 678180"/>
+              </a:gdLst>
+              <a:ahLst/>
+              <a:cxnLst>
+                <a:cxn ang="0">
+                  <a:pos x="connsiteX0" y="connsiteY0"/>
+                </a:cxn>
+                <a:cxn ang="0">
+                  <a:pos x="connsiteX1" y="connsiteY1"/>
+                </a:cxn>
+                <a:cxn ang="0">
+                  <a:pos x="connsiteX2" y="connsiteY2"/>
+                </a:cxn>
+              </a:cxnLst>
+              <a:rect l="l" t="t" r="r" b="b"/>
+              <a:pathLst>
+                <a:path w="306070" h="678180">
+                  <a:moveTo>
+                    <a:pt x="306070" y="678180"/>
+                  </a:moveTo>
+                  <a:cubicBezTo>
+                    <a:pt x="184785" y="563245"/>
+                    <a:pt x="63500" y="448310"/>
+                    <a:pt x="31750" y="335280"/>
+                  </a:cubicBezTo>
+                  <a:cubicBezTo>
+                    <a:pt x="0" y="222250"/>
+                    <a:pt x="57785" y="111125"/>
+                    <a:pt x="115570" y="0"/>
+                  </a:cubicBezTo>
+                </a:path>
+              </a:pathLst>
+            </a:custGeom>
+            <a:ln>
+              <a:solidFill>
+                <a:srgbClr val="00B050"/>
+              </a:solidFill>
+              <a:tailEnd type="triangle" w="lg" len="lg"/>
+            </a:ln>
+          </p:spPr>
+          <p:style>
+            <a:lnRef idx="2">
+              <a:schemeClr val="accent3"/>
+            </a:lnRef>
+            <a:fillRef idx="0">
+              <a:schemeClr val="accent3"/>
+            </a:fillRef>
+            <a:effectRef idx="1">
+              <a:schemeClr val="accent3"/>
+            </a:effectRef>
+            <a:fontRef idx="minor">
+              <a:schemeClr val="tx1"/>
+            </a:fontRef>
+          </p:style>
+          <p:txBody>
+            <a:bodyPr rtlCol="0" anchor="ctr"/>
+            <a:lstStyle/>
+            <a:p>
+              <a:pPr algn="ctr"/>
+              <a:endParaRPr lang="fr-BE"/>
+            </a:p>
+          </p:txBody>
+        </p:sp>
+        <p:sp>
+          <p:nvSpPr>
+            <p:cNvPr id="44" name="ZoneTexte 43"/>
+            <p:cNvSpPr txBox="1"/>
+            <p:nvPr/>
+          </p:nvSpPr>
+          <p:spPr>
+            <a:xfrm>
+              <a:off x="4011045" y="2500516"/>
+              <a:ext cx="1139543" cy="276999"/>
+            </a:xfrm>
+            <a:prstGeom prst="rect">
+              <a:avLst/>
+            </a:prstGeom>
+            <a:solidFill>
+              <a:schemeClr val="bg1"/>
+            </a:solidFill>
+          </p:spPr>
+          <p:txBody>
+            <a:bodyPr wrap="none" tIns="0" bIns="0" rtlCol="0">
+              <a:spAutoFit/>
+            </a:bodyPr>
+            <a:lstStyle/>
+            <a:p>
+              <a:r>
+                <a:rPr lang="fr-BE" b="1" i="1" smtClean="0"/>
+                <a:t>semantics</a:t>
+              </a:r>
+              <a:endParaRPr lang="fr-BE" b="1" i="1"/>
+            </a:p>
+          </p:txBody>
+        </p:sp>
+        <p:sp>
+          <p:nvSpPr>
+            <p:cNvPr id="45" name="ZoneTexte 44"/>
+            <p:cNvSpPr txBox="1"/>
+            <p:nvPr/>
+          </p:nvSpPr>
+          <p:spPr>
+            <a:xfrm>
+              <a:off x="6876256" y="4891226"/>
+              <a:ext cx="1304203" cy="553998"/>
+            </a:xfrm>
+            <a:prstGeom prst="rect">
+              <a:avLst/>
+            </a:prstGeom>
+            <a:solidFill>
+              <a:schemeClr val="bg1"/>
+            </a:solidFill>
+          </p:spPr>
+          <p:txBody>
+            <a:bodyPr wrap="none" tIns="0" bIns="0" rtlCol="0">
+              <a:spAutoFit/>
+            </a:bodyPr>
+            <a:lstStyle/>
+            <a:p>
+              <a:r>
+                <a:rPr lang="fr-BE" b="1" i="1" smtClean="0"/>
+                <a:t>inter-model</a:t>
+              </a:r>
+            </a:p>
+            <a:p>
+              <a:r>
+                <a:rPr lang="fr-BE" b="1" i="1" smtClean="0"/>
+                <a:t>consistency</a:t>
+              </a:r>
+              <a:endParaRPr lang="fr-BE" b="1" i="1"/>
+            </a:p>
+          </p:txBody>
+        </p:sp>
+        <p:sp>
+          <p:nvSpPr>
+            <p:cNvPr id="46" name="Forme libre 45"/>
+            <p:cNvSpPr/>
+            <p:nvPr/>
+          </p:nvSpPr>
+          <p:spPr>
+            <a:xfrm>
+              <a:off x="6515100" y="4587240"/>
+              <a:ext cx="861060" cy="327660"/>
+            </a:xfrm>
+            <a:custGeom>
+              <a:avLst/>
+              <a:gdLst>
+                <a:gd name="connsiteX0" fmla="*/ 0 w 861060"/>
+                <a:gd name="connsiteY0" fmla="*/ 0 h 327660"/>
+                <a:gd name="connsiteX1" fmla="*/ 312420 w 861060"/>
+                <a:gd name="connsiteY1" fmla="*/ 114300 h 327660"/>
+                <a:gd name="connsiteX2" fmla="*/ 662940 w 861060"/>
+                <a:gd name="connsiteY2" fmla="*/ 83820 h 327660"/>
+                <a:gd name="connsiteX3" fmla="*/ 861060 w 861060"/>
+                <a:gd name="connsiteY3" fmla="*/ 327660 h 327660"/>
+              </a:gdLst>
+              <a:ahLst/>
+              <a:cxnLst>
+                <a:cxn ang="0">
+                  <a:pos x="connsiteX0" y="connsiteY0"/>
+                </a:cxn>
+                <a:cxn ang="0">
+                  <a:pos x="connsiteX1" y="connsiteY1"/>
+                </a:cxn>
+                <a:cxn ang="0">
+                  <a:pos x="connsiteX2" y="connsiteY2"/>
+                </a:cxn>
+                <a:cxn ang="0">
+                  <a:pos x="connsiteX3" y="connsiteY3"/>
+                </a:cxn>
+              </a:cxnLst>
+              <a:rect l="l" t="t" r="r" b="b"/>
+              <a:pathLst>
+                <a:path w="861060" h="327660">
+                  <a:moveTo>
+                    <a:pt x="0" y="0"/>
+                  </a:moveTo>
+                  <a:cubicBezTo>
+                    <a:pt x="100965" y="50165"/>
+                    <a:pt x="201930" y="100330"/>
+                    <a:pt x="312420" y="114300"/>
+                  </a:cubicBezTo>
+                  <a:cubicBezTo>
+                    <a:pt x="422910" y="128270"/>
+                    <a:pt x="571500" y="48260"/>
+                    <a:pt x="662940" y="83820"/>
+                  </a:cubicBezTo>
+                  <a:cubicBezTo>
+                    <a:pt x="754380" y="119380"/>
+                    <a:pt x="807720" y="223520"/>
+                    <a:pt x="861060" y="327660"/>
+                  </a:cubicBezTo>
+                </a:path>
+              </a:pathLst>
+            </a:custGeom>
+            <a:ln w="50800">
+              <a:solidFill>
+                <a:srgbClr val="00B050"/>
+              </a:solidFill>
+              <a:prstDash val="dash"/>
+            </a:ln>
+          </p:spPr>
+          <p:style>
+            <a:lnRef idx="1">
+              <a:schemeClr val="accent1"/>
+            </a:lnRef>
+            <a:fillRef idx="0">
+              <a:schemeClr val="accent1"/>
+            </a:fillRef>
+            <a:effectRef idx="0">
+              <a:schemeClr val="accent1"/>
+            </a:effectRef>
+            <a:fontRef idx="minor">
+              <a:schemeClr val="tx1"/>
+            </a:fontRef>
+          </p:style>
+          <p:txBody>
+            <a:bodyPr rtlCol="0" anchor="ctr"/>
+            <a:lstStyle/>
+            <a:p>
+              <a:pPr algn="ctr"/>
+              <a:endParaRPr lang="fr-BE"/>
+            </a:p>
+          </p:txBody>
+        </p:sp>
+      </p:grpSp>
+    </p:spTree>
+  </p:cSld>
+  <p:clrMapOvr>
+    <a:masterClrMapping/>
+  </p:clrMapOvr>
+</p:sld>
+</file>
+
 <file path=ppt/theme/theme1.xml><?xml version="1.0" encoding="utf-8"?>
 <a:theme xmlns:a="http://schemas.openxmlformats.org/drawingml/2006/main" name="Thème Office">
   <a:themeElements>

--- a/writing/images/train.pptx
+++ b/writing/images/train.pptx
@@ -294,7 +294,7 @@
             <a:fld id="{68BDF4EC-5B70-45D8-B718-E56EB4C6B13E}" type="datetimeFigureOut">
               <a:rPr lang="fr-BE" smtClean="0"/>
               <a:pPr/>
-              <a:t>20/05/2011</a:t>
+              <a:t>23/05/2011</a:t>
             </a:fld>
             <a:endParaRPr lang="fr-BE"/>
           </a:p>
@@ -461,7 +461,7 @@
             <a:fld id="{68BDF4EC-5B70-45D8-B718-E56EB4C6B13E}" type="datetimeFigureOut">
               <a:rPr lang="fr-BE" smtClean="0"/>
               <a:pPr/>
-              <a:t>20/05/2011</a:t>
+              <a:t>23/05/2011</a:t>
             </a:fld>
             <a:endParaRPr lang="fr-BE"/>
           </a:p>
@@ -638,7 +638,7 @@
             <a:fld id="{68BDF4EC-5B70-45D8-B718-E56EB4C6B13E}" type="datetimeFigureOut">
               <a:rPr lang="fr-BE" smtClean="0"/>
               <a:pPr/>
-              <a:t>20/05/2011</a:t>
+              <a:t>23/05/2011</a:t>
             </a:fld>
             <a:endParaRPr lang="fr-BE"/>
           </a:p>
@@ -805,7 +805,7 @@
             <a:fld id="{68BDF4EC-5B70-45D8-B718-E56EB4C6B13E}" type="datetimeFigureOut">
               <a:rPr lang="fr-BE" smtClean="0"/>
               <a:pPr/>
-              <a:t>20/05/2011</a:t>
+              <a:t>23/05/2011</a:t>
             </a:fld>
             <a:endParaRPr lang="fr-BE"/>
           </a:p>
@@ -1048,7 +1048,7 @@
             <a:fld id="{68BDF4EC-5B70-45D8-B718-E56EB4C6B13E}" type="datetimeFigureOut">
               <a:rPr lang="fr-BE" smtClean="0"/>
               <a:pPr/>
-              <a:t>20/05/2011</a:t>
+              <a:t>23/05/2011</a:t>
             </a:fld>
             <a:endParaRPr lang="fr-BE"/>
           </a:p>
@@ -1333,7 +1333,7 @@
             <a:fld id="{68BDF4EC-5B70-45D8-B718-E56EB4C6B13E}" type="datetimeFigureOut">
               <a:rPr lang="fr-BE" smtClean="0"/>
               <a:pPr/>
-              <a:t>20/05/2011</a:t>
+              <a:t>23/05/2011</a:t>
             </a:fld>
             <a:endParaRPr lang="fr-BE"/>
           </a:p>
@@ -1752,7 +1752,7 @@
             <a:fld id="{68BDF4EC-5B70-45D8-B718-E56EB4C6B13E}" type="datetimeFigureOut">
               <a:rPr lang="fr-BE" smtClean="0"/>
               <a:pPr/>
-              <a:t>20/05/2011</a:t>
+              <a:t>23/05/2011</a:t>
             </a:fld>
             <a:endParaRPr lang="fr-BE"/>
           </a:p>
@@ -1867,7 +1867,7 @@
             <a:fld id="{68BDF4EC-5B70-45D8-B718-E56EB4C6B13E}" type="datetimeFigureOut">
               <a:rPr lang="fr-BE" smtClean="0"/>
               <a:pPr/>
-              <a:t>20/05/2011</a:t>
+              <a:t>23/05/2011</a:t>
             </a:fld>
             <a:endParaRPr lang="fr-BE"/>
           </a:p>
@@ -1959,7 +1959,7 @@
             <a:fld id="{68BDF4EC-5B70-45D8-B718-E56EB4C6B13E}" type="datetimeFigureOut">
               <a:rPr lang="fr-BE" smtClean="0"/>
               <a:pPr/>
-              <a:t>20/05/2011</a:t>
+              <a:t>23/05/2011</a:t>
             </a:fld>
             <a:endParaRPr lang="fr-BE"/>
           </a:p>
@@ -2233,7 +2233,7 @@
             <a:fld id="{68BDF4EC-5B70-45D8-B718-E56EB4C6B13E}" type="datetimeFigureOut">
               <a:rPr lang="fr-BE" smtClean="0"/>
               <a:pPr/>
-              <a:t>20/05/2011</a:t>
+              <a:t>23/05/2011</a:t>
             </a:fld>
             <a:endParaRPr lang="fr-BE"/>
           </a:p>
@@ -2483,7 +2483,7 @@
             <a:fld id="{68BDF4EC-5B70-45D8-B718-E56EB4C6B13E}" type="datetimeFigureOut">
               <a:rPr lang="fr-BE" smtClean="0"/>
               <a:pPr/>
-              <a:t>20/05/2011</a:t>
+              <a:t>23/05/2011</a:t>
             </a:fld>
             <a:endParaRPr lang="fr-BE"/>
           </a:p>
@@ -2693,7 +2693,7 @@
             <a:fld id="{68BDF4EC-5B70-45D8-B718-E56EB4C6B13E}" type="datetimeFigureOut">
               <a:rPr lang="fr-BE" smtClean="0"/>
               <a:pPr/>
-              <a:t>20/05/2011</a:t>
+              <a:t>23/05/2011</a:t>
             </a:fld>
             <a:endParaRPr lang="fr-BE"/>
           </a:p>
@@ -12087,237 +12087,554 @@
           <a:chExt cx="0" cy="0"/>
         </a:xfrm>
       </p:grpSpPr>
-      <p:sp>
-        <p:nvSpPr>
-          <p:cNvPr id="40" name="Rectangle 39"/>
-          <p:cNvSpPr/>
-          <p:nvPr/>
-        </p:nvSpPr>
-        <p:spPr>
-          <a:xfrm>
-            <a:off x="251520" y="620688"/>
-            <a:ext cx="8280920" cy="5616624"/>
-          </a:xfrm>
-          <a:prstGeom prst="rect">
-            <a:avLst/>
-          </a:prstGeom>
-          <a:ln w="3175"/>
-        </p:spPr>
-        <p:style>
-          <a:lnRef idx="2">
-            <a:schemeClr val="dk1"/>
-          </a:lnRef>
-          <a:fillRef idx="1">
-            <a:schemeClr val="lt1"/>
-          </a:fillRef>
-          <a:effectRef idx="0">
-            <a:schemeClr val="dk1"/>
-          </a:effectRef>
-          <a:fontRef idx="minor">
-            <a:schemeClr val="dk1"/>
-          </a:fontRef>
-        </p:style>
-        <p:txBody>
-          <a:bodyPr rtlCol="0" anchor="ctr"/>
-          <a:lstStyle/>
-          <a:p>
-            <a:pPr algn="ctr"/>
-            <a:endParaRPr lang="fr-BE"/>
-          </a:p>
-        </p:txBody>
-      </p:sp>
       <p:grpSp>
         <p:nvGrpSpPr>
-          <p:cNvPr id="47" name="Groupe 46"/>
+          <p:cNvPr id="48" name="Groupe 47"/>
           <p:cNvGrpSpPr/>
           <p:nvPr/>
         </p:nvGrpSpPr>
         <p:grpSpPr>
           <a:xfrm>
-            <a:off x="251520" y="644203"/>
-            <a:ext cx="8280920" cy="5530393"/>
-            <a:chOff x="251520" y="644203"/>
-            <a:chExt cx="8280920" cy="5530393"/>
+            <a:off x="251520" y="144016"/>
+            <a:ext cx="8541867" cy="6525344"/>
+            <a:chOff x="251520" y="144016"/>
+            <a:chExt cx="8541867" cy="6525344"/>
           </a:xfrm>
         </p:grpSpPr>
+        <p:sp>
+          <p:nvSpPr>
+            <p:cNvPr id="40" name="Rectangle 39"/>
+            <p:cNvSpPr/>
+            <p:nvPr/>
+          </p:nvSpPr>
+          <p:spPr>
+            <a:xfrm>
+              <a:off x="251520" y="144016"/>
+              <a:ext cx="8496944" cy="6497960"/>
+            </a:xfrm>
+            <a:prstGeom prst="rect">
+              <a:avLst/>
+            </a:prstGeom>
+            <a:ln w="3175"/>
+          </p:spPr>
+          <p:style>
+            <a:lnRef idx="2">
+              <a:schemeClr val="dk1"/>
+            </a:lnRef>
+            <a:fillRef idx="1">
+              <a:schemeClr val="lt1"/>
+            </a:fillRef>
+            <a:effectRef idx="0">
+              <a:schemeClr val="dk1"/>
+            </a:effectRef>
+            <a:fontRef idx="minor">
+              <a:schemeClr val="dk1"/>
+            </a:fontRef>
+          </p:style>
+          <p:txBody>
+            <a:bodyPr rtlCol="0" anchor="ctr"/>
+            <a:lstStyle/>
+            <a:p>
+              <a:pPr algn="ctr"/>
+              <a:endParaRPr lang="fr-BE"/>
+            </a:p>
+          </p:txBody>
+        </p:sp>
+        <p:sp>
+          <p:nvSpPr>
+            <p:cNvPr id="33" name="Ellipse 32"/>
+            <p:cNvSpPr/>
+            <p:nvPr/>
+          </p:nvSpPr>
+          <p:spPr>
+            <a:xfrm>
+              <a:off x="2339752" y="1196752"/>
+              <a:ext cx="4464496" cy="4248472"/>
+            </a:xfrm>
+            <a:prstGeom prst="ellipse">
+              <a:avLst/>
+            </a:prstGeom>
+            <a:ln w="50800">
+              <a:solidFill>
+                <a:srgbClr val="00B050"/>
+              </a:solidFill>
+              <a:prstDash val="dash"/>
+            </a:ln>
+          </p:spPr>
+          <p:style>
+            <a:lnRef idx="2">
+              <a:schemeClr val="dk1"/>
+            </a:lnRef>
+            <a:fillRef idx="1">
+              <a:schemeClr val="lt1"/>
+            </a:fillRef>
+            <a:effectRef idx="0">
+              <a:schemeClr val="dk1"/>
+            </a:effectRef>
+            <a:fontRef idx="minor">
+              <a:schemeClr val="dk1"/>
+            </a:fontRef>
+          </p:style>
+          <p:txBody>
+            <a:bodyPr rtlCol="0" anchor="ctr"/>
+            <a:lstStyle/>
+            <a:p>
+              <a:pPr algn="ctr"/>
+              <a:endParaRPr lang="fr-BE"/>
+            </a:p>
+          </p:txBody>
+        </p:sp>
+        <p:sp>
+          <p:nvSpPr>
+            <p:cNvPr id="37" name="Rectangle 36"/>
+            <p:cNvSpPr/>
+            <p:nvPr/>
+          </p:nvSpPr>
+          <p:spPr>
+            <a:xfrm>
+              <a:off x="2339752" y="476672"/>
+              <a:ext cx="4104456" cy="1080120"/>
+            </a:xfrm>
+            <a:prstGeom prst="rect">
+              <a:avLst/>
+            </a:prstGeom>
+            <a:solidFill>
+              <a:schemeClr val="bg1"/>
+            </a:solidFill>
+            <a:ln>
+              <a:noFill/>
+            </a:ln>
+          </p:spPr>
+          <p:style>
+            <a:lnRef idx="2">
+              <a:schemeClr val="accent1">
+                <a:shade val="50000"/>
+              </a:schemeClr>
+            </a:lnRef>
+            <a:fillRef idx="1">
+              <a:schemeClr val="accent1"/>
+            </a:fillRef>
+            <a:effectRef idx="0">
+              <a:schemeClr val="accent1"/>
+            </a:effectRef>
+            <a:fontRef idx="minor">
+              <a:schemeClr val="lt1"/>
+            </a:fontRef>
+          </p:style>
+          <p:txBody>
+            <a:bodyPr rtlCol="0" anchor="ctr"/>
+            <a:lstStyle/>
+            <a:p>
+              <a:pPr algn="ctr"/>
+              <a:endParaRPr lang="fr-BE"/>
+            </a:p>
+          </p:txBody>
+        </p:sp>
+        <p:sp>
+          <p:nvSpPr>
+            <p:cNvPr id="36" name="Rectangle 35"/>
+            <p:cNvSpPr/>
+            <p:nvPr/>
+          </p:nvSpPr>
+          <p:spPr>
+            <a:xfrm>
+              <a:off x="3419872" y="4797152"/>
+              <a:ext cx="2160240" cy="936104"/>
+            </a:xfrm>
+            <a:prstGeom prst="rect">
+              <a:avLst/>
+            </a:prstGeom>
+            <a:solidFill>
+              <a:schemeClr val="bg1"/>
+            </a:solidFill>
+            <a:ln>
+              <a:noFill/>
+            </a:ln>
+          </p:spPr>
+          <p:style>
+            <a:lnRef idx="2">
+              <a:schemeClr val="accent1">
+                <a:shade val="50000"/>
+              </a:schemeClr>
+            </a:lnRef>
+            <a:fillRef idx="1">
+              <a:schemeClr val="accent1"/>
+            </a:fillRef>
+            <a:effectRef idx="0">
+              <a:schemeClr val="accent1"/>
+            </a:effectRef>
+            <a:fontRef idx="minor">
+              <a:schemeClr val="lt1"/>
+            </a:fontRef>
+          </p:style>
+          <p:txBody>
+            <a:bodyPr rtlCol="0" anchor="ctr"/>
+            <a:lstStyle/>
+            <a:p>
+              <a:pPr algn="ctr"/>
+              <a:endParaRPr lang="fr-BE"/>
+            </a:p>
+          </p:txBody>
+        </p:sp>
         <p:grpSp>
           <p:nvGrpSpPr>
-            <p:cNvPr id="38" name="Groupe 37"/>
+            <p:cNvPr id="31" name="Groupe 30"/>
             <p:cNvGrpSpPr/>
             <p:nvPr/>
           </p:nvGrpSpPr>
           <p:grpSpPr>
             <a:xfrm>
-              <a:off x="251520" y="644203"/>
-              <a:ext cx="8280920" cy="5530393"/>
-              <a:chOff x="251520" y="644203"/>
-              <a:chExt cx="8280920" cy="5530393"/>
+              <a:off x="3196227" y="4590420"/>
+              <a:ext cx="2803386" cy="2078940"/>
+              <a:chOff x="5254729" y="2420888"/>
+              <a:chExt cx="2803386" cy="2078940"/>
             </a:xfrm>
           </p:grpSpPr>
+          <p:pic>
+            <p:nvPicPr>
+              <p:cNvPr id="2053" name="Picture 5" descr="D:\blambeau\Work\ucl\thesis\writing\src\2-framework\images\train-hmsc-single.png"/>
+              <p:cNvPicPr>
+                <a:picLocks noChangeAspect="1" noChangeArrowheads="1"/>
+              </p:cNvPicPr>
+              <p:nvPr/>
+            </p:nvPicPr>
+            <p:blipFill>
+              <a:blip r:embed="rId2" cstate="print"/>
+              <a:srcRect/>
+              <a:stretch>
+                <a:fillRect/>
+              </a:stretch>
+            </p:blipFill>
+            <p:spPr bwMode="auto">
+              <a:xfrm>
+                <a:off x="5254729" y="2420888"/>
+                <a:ext cx="2320972" cy="1728192"/>
+              </a:xfrm>
+              <a:prstGeom prst="rect">
+                <a:avLst/>
+              </a:prstGeom>
+              <a:noFill/>
+            </p:spPr>
+          </p:pic>
           <p:sp>
             <p:nvSpPr>
-              <p:cNvPr id="33" name="Ellipse 32"/>
-              <p:cNvSpPr/>
+              <p:cNvPr id="26" name="ZoneTexte 25"/>
+              <p:cNvSpPr txBox="1"/>
               <p:nvPr/>
             </p:nvSpPr>
             <p:spPr>
               <a:xfrm>
-                <a:off x="2339752" y="1412776"/>
-                <a:ext cx="4464496" cy="4248472"/>
+                <a:off x="5262350" y="4130496"/>
+                <a:ext cx="2795765" cy="369332"/>
               </a:xfrm>
-              <a:prstGeom prst="ellipse">
+              <a:prstGeom prst="rect">
                 <a:avLst/>
               </a:prstGeom>
-              <a:ln w="50800">
-                <a:solidFill>
-                  <a:srgbClr val="00B050"/>
-                </a:solidFill>
-                <a:prstDash val="dash"/>
-              </a:ln>
+              <a:noFill/>
             </p:spPr>
-            <p:style>
-              <a:lnRef idx="2">
-                <a:schemeClr val="dk1"/>
-              </a:lnRef>
-              <a:fillRef idx="1">
-                <a:schemeClr val="lt1"/>
-              </a:fillRef>
-              <a:effectRef idx="0">
-                <a:schemeClr val="dk1"/>
-              </a:effectRef>
-              <a:fontRef idx="minor">
-                <a:schemeClr val="dk1"/>
-              </a:fontRef>
-            </p:style>
             <p:txBody>
-              <a:bodyPr rtlCol="0" anchor="ctr"/>
+              <a:bodyPr wrap="none" rtlCol="0">
+                <a:spAutoFit/>
+              </a:bodyPr>
               <a:lstStyle/>
               <a:p>
-                <a:pPr algn="ctr"/>
+                <a:pPr algn="r"/>
+                <a:r>
+                  <a:rPr lang="fr-BE" smtClean="0"/>
+                  <a:t>High-level </a:t>
+                </a:r>
+                <a:r>
+                  <a:rPr lang="fr-BE" smtClean="0"/>
+                  <a:t>scenarios (hMSC)</a:t>
+                </a:r>
+                <a:endParaRPr lang="fr-BE" smtClean="0"/>
+              </a:p>
+            </p:txBody>
+          </p:sp>
+        </p:grpSp>
+        <p:sp>
+          <p:nvSpPr>
+            <p:cNvPr id="35" name="Rectangle 34"/>
+            <p:cNvSpPr/>
+            <p:nvPr/>
+          </p:nvSpPr>
+          <p:spPr>
+            <a:xfrm>
+              <a:off x="5652120" y="2428508"/>
+              <a:ext cx="2016224" cy="1368152"/>
+            </a:xfrm>
+            <a:prstGeom prst="rect">
+              <a:avLst/>
+            </a:prstGeom>
+            <a:solidFill>
+              <a:schemeClr val="bg1"/>
+            </a:solidFill>
+            <a:ln>
+              <a:noFill/>
+            </a:ln>
+          </p:spPr>
+          <p:style>
+            <a:lnRef idx="2">
+              <a:schemeClr val="accent1">
+                <a:shade val="50000"/>
+              </a:schemeClr>
+            </a:lnRef>
+            <a:fillRef idx="1">
+              <a:schemeClr val="accent1"/>
+            </a:fillRef>
+            <a:effectRef idx="0">
+              <a:schemeClr val="accent1"/>
+            </a:effectRef>
+            <a:fontRef idx="minor">
+              <a:schemeClr val="lt1"/>
+            </a:fontRef>
+          </p:style>
+          <p:txBody>
+            <a:bodyPr rtlCol="0" anchor="ctr"/>
+            <a:lstStyle/>
+            <a:p>
+              <a:pPr algn="ctr"/>
+              <a:endParaRPr lang="fr-BE"/>
+            </a:p>
+          </p:txBody>
+        </p:sp>
+        <p:sp>
+          <p:nvSpPr>
+            <p:cNvPr id="34" name="Rectangle 33"/>
+            <p:cNvSpPr/>
+            <p:nvPr/>
+          </p:nvSpPr>
+          <p:spPr>
+            <a:xfrm>
+              <a:off x="1187624" y="2348880"/>
+              <a:ext cx="2016224" cy="2016224"/>
+            </a:xfrm>
+            <a:prstGeom prst="rect">
+              <a:avLst/>
+            </a:prstGeom>
+            <a:solidFill>
+              <a:schemeClr val="bg1"/>
+            </a:solidFill>
+            <a:ln>
+              <a:noFill/>
+            </a:ln>
+          </p:spPr>
+          <p:style>
+            <a:lnRef idx="2">
+              <a:schemeClr val="accent1">
+                <a:shade val="50000"/>
+              </a:schemeClr>
+            </a:lnRef>
+            <a:fillRef idx="1">
+              <a:schemeClr val="accent1"/>
+            </a:fillRef>
+            <a:effectRef idx="0">
+              <a:schemeClr val="accent1"/>
+            </a:effectRef>
+            <a:fontRef idx="minor">
+              <a:schemeClr val="lt1"/>
+            </a:fontRef>
+          </p:style>
+          <p:txBody>
+            <a:bodyPr rtlCol="0" anchor="ctr"/>
+            <a:lstStyle/>
+            <a:p>
+              <a:pPr algn="ctr"/>
+              <a:endParaRPr lang="fr-BE"/>
+            </a:p>
+          </p:txBody>
+        </p:sp>
+        <p:grpSp>
+          <p:nvGrpSpPr>
+            <p:cNvPr id="29" name="Groupe 28"/>
+            <p:cNvGrpSpPr/>
+            <p:nvPr/>
+          </p:nvGrpSpPr>
+          <p:grpSpPr>
+            <a:xfrm>
+              <a:off x="5733790" y="2091328"/>
+              <a:ext cx="3059597" cy="1737484"/>
+              <a:chOff x="2323036" y="481896"/>
+              <a:chExt cx="3059597" cy="1737484"/>
+            </a:xfrm>
+          </p:grpSpPr>
+          <p:pic>
+            <p:nvPicPr>
+              <p:cNvPr id="3077" name="Picture 5" descr="D:\blambeau\Work\ucl\thesis\writing\src\2-framework\images\simple-scenario.png"/>
+              <p:cNvPicPr>
+                <a:picLocks noChangeAspect="1" noChangeArrowheads="1"/>
+              </p:cNvPicPr>
+              <p:nvPr/>
+            </p:nvPicPr>
+            <p:blipFill>
+              <a:blip r:embed="rId3" cstate="print"/>
+              <a:srcRect/>
+              <a:stretch>
+                <a:fillRect/>
+              </a:stretch>
+            </p:blipFill>
+            <p:spPr bwMode="auto">
+              <a:xfrm>
+                <a:off x="2323036" y="874743"/>
+                <a:ext cx="2942666" cy="1344637"/>
+              </a:xfrm>
+              <a:prstGeom prst="rect">
+                <a:avLst/>
+              </a:prstGeom>
+              <a:noFill/>
+            </p:spPr>
+          </p:pic>
+          <p:sp>
+            <p:nvSpPr>
+              <p:cNvPr id="23" name="ZoneTexte 22"/>
+              <p:cNvSpPr txBox="1"/>
+              <p:nvPr/>
+            </p:nvSpPr>
+            <p:spPr>
+              <a:xfrm>
+                <a:off x="3681526" y="481896"/>
+                <a:ext cx="1701107" cy="369332"/>
+              </a:xfrm>
+              <a:prstGeom prst="rect">
+                <a:avLst/>
+              </a:prstGeom>
+              <a:noFill/>
+            </p:spPr>
+            <p:txBody>
+              <a:bodyPr wrap="none" rtlCol="0">
+                <a:spAutoFit/>
+              </a:bodyPr>
+              <a:lstStyle/>
+              <a:p>
+                <a:r>
+                  <a:rPr lang="fr-BE" smtClean="0"/>
+                  <a:t>Scenarios (MSC)</a:t>
+                </a:r>
                 <a:endParaRPr lang="fr-BE"/>
               </a:p>
             </p:txBody>
           </p:sp>
+        </p:grpSp>
+        <p:grpSp>
+          <p:nvGrpSpPr>
+            <p:cNvPr id="30" name="Groupe 29"/>
+            <p:cNvGrpSpPr/>
+            <p:nvPr/>
+          </p:nvGrpSpPr>
+          <p:grpSpPr>
+            <a:xfrm>
+              <a:off x="323528" y="2564904"/>
+              <a:ext cx="2877148" cy="1656184"/>
+              <a:chOff x="182684" y="2707179"/>
+              <a:chExt cx="2877148" cy="1656184"/>
+            </a:xfrm>
+          </p:grpSpPr>
+          <p:pic>
+            <p:nvPicPr>
+              <p:cNvPr id="3074" name="Picture 2" descr="D:\blambeau\Work\ucl\thesis\writing\src\2-framework\images\goal-graph.png"/>
+              <p:cNvPicPr>
+                <a:picLocks noChangeAspect="1" noChangeArrowheads="1"/>
+              </p:cNvPicPr>
+              <p:nvPr/>
+            </p:nvPicPr>
+            <p:blipFill>
+              <a:blip r:embed="rId4" cstate="print"/>
+              <a:srcRect/>
+              <a:stretch>
+                <a:fillRect/>
+              </a:stretch>
+            </p:blipFill>
+            <p:spPr bwMode="auto">
+              <a:xfrm>
+                <a:off x="1072282" y="2707179"/>
+                <a:ext cx="1987550" cy="1249363"/>
+              </a:xfrm>
+              <a:prstGeom prst="rect">
+                <a:avLst/>
+              </a:prstGeom>
+              <a:noFill/>
+            </p:spPr>
+          </p:pic>
           <p:sp>
             <p:nvSpPr>
-              <p:cNvPr id="37" name="Rectangle 36"/>
-              <p:cNvSpPr/>
+              <p:cNvPr id="24" name="ZoneTexte 23"/>
+              <p:cNvSpPr txBox="1"/>
               <p:nvPr/>
             </p:nvSpPr>
             <p:spPr>
               <a:xfrm>
-                <a:off x="2195736" y="4725144"/>
-                <a:ext cx="4104456" cy="1080120"/>
+                <a:off x="182684" y="3717032"/>
+                <a:ext cx="2531655" cy="646331"/>
               </a:xfrm>
               <a:prstGeom prst="rect">
                 <a:avLst/>
               </a:prstGeom>
-              <a:solidFill>
-                <a:schemeClr val="bg1">
-                  <a:alpha val="69000"/>
-                </a:schemeClr>
-              </a:solidFill>
-              <a:ln>
-                <a:noFill/>
-              </a:ln>
+              <a:noFill/>
             </p:spPr>
-            <p:style>
-              <a:lnRef idx="2">
-                <a:schemeClr val="accent1">
-                  <a:shade val="50000"/>
-                </a:schemeClr>
-              </a:lnRef>
-              <a:fillRef idx="1">
-                <a:schemeClr val="accent1"/>
-              </a:fillRef>
-              <a:effectRef idx="0">
-                <a:schemeClr val="accent1"/>
-              </a:effectRef>
-              <a:fontRef idx="minor">
-                <a:schemeClr val="lt1"/>
-              </a:fontRef>
-            </p:style>
             <p:txBody>
-              <a:bodyPr rtlCol="0" anchor="ctr"/>
+              <a:bodyPr wrap="none" rtlCol="0">
+                <a:spAutoFit/>
+              </a:bodyPr>
               <a:lstStyle/>
               <a:p>
-                <a:pPr algn="ctr"/>
+                <a:r>
+                  <a:rPr lang="fr-BE" smtClean="0"/>
+                  <a:t>Goals &amp; </a:t>
+                </a:r>
+                <a:br>
+                  <a:rPr lang="fr-BE" smtClean="0"/>
+                </a:br>
+                <a:r>
+                  <a:rPr lang="fr-BE" smtClean="0"/>
+                  <a:t>Domain </a:t>
+                </a:r>
+                <a:r>
+                  <a:rPr lang="fr-BE" smtClean="0"/>
+                  <a:t>Properties (FLTL)</a:t>
+                </a:r>
                 <a:endParaRPr lang="fr-BE"/>
               </a:p>
             </p:txBody>
           </p:sp>
-          <p:sp>
-            <p:nvSpPr>
-              <p:cNvPr id="36" name="Rectangle 35"/>
-              <p:cNvSpPr/>
-              <p:nvPr/>
-            </p:nvSpPr>
-            <p:spPr>
-              <a:xfrm>
-                <a:off x="5652120" y="2492896"/>
-                <a:ext cx="2736304" cy="1584176"/>
-              </a:xfrm>
-              <a:prstGeom prst="rect">
-                <a:avLst/>
-              </a:prstGeom>
-              <a:solidFill>
-                <a:schemeClr val="bg1">
-                  <a:alpha val="69000"/>
-                </a:schemeClr>
-              </a:solidFill>
-              <a:ln>
-                <a:noFill/>
-              </a:ln>
-            </p:spPr>
-            <p:style>
-              <a:lnRef idx="2">
-                <a:schemeClr val="accent1">
-                  <a:shade val="50000"/>
-                </a:schemeClr>
-              </a:lnRef>
-              <a:fillRef idx="1">
-                <a:schemeClr val="accent1"/>
-              </a:fillRef>
-              <a:effectRef idx="0">
-                <a:schemeClr val="accent1"/>
-              </a:effectRef>
-              <a:fontRef idx="minor">
-                <a:schemeClr val="lt1"/>
-              </a:fontRef>
-            </p:style>
-            <p:txBody>
-              <a:bodyPr rtlCol="0" anchor="ctr"/>
-              <a:lstStyle/>
-              <a:p>
-                <a:pPr algn="ctr"/>
-                <a:endParaRPr lang="fr-BE"/>
-              </a:p>
-            </p:txBody>
-          </p:sp>
+        </p:grpSp>
+        <p:grpSp>
+          <p:nvGrpSpPr>
+            <p:cNvPr id="32" name="Groupe 31"/>
+            <p:cNvGrpSpPr/>
+            <p:nvPr/>
+          </p:nvGrpSpPr>
+          <p:grpSpPr>
+            <a:xfrm>
+              <a:off x="2423550" y="173776"/>
+              <a:ext cx="4162583" cy="1311008"/>
+              <a:chOff x="1547664" y="4077072"/>
+              <a:chExt cx="4162583" cy="1311008"/>
+            </a:xfrm>
+          </p:grpSpPr>
           <p:grpSp>
             <p:nvGrpSpPr>
-              <p:cNvPr id="31" name="Groupe 30"/>
+              <p:cNvPr id="22" name="Groupe 21"/>
               <p:cNvGrpSpPr/>
               <p:nvPr/>
             </p:nvGrpSpPr>
             <p:grpSpPr>
               <a:xfrm>
-                <a:off x="5758785" y="1916832"/>
-                <a:ext cx="2773655" cy="2376264"/>
-                <a:chOff x="5254729" y="1772816"/>
-                <a:chExt cx="2773655" cy="2376264"/>
+                <a:off x="1547664" y="4509120"/>
+                <a:ext cx="3960440" cy="878960"/>
+                <a:chOff x="1458940" y="4653136"/>
+                <a:chExt cx="3960440" cy="878960"/>
               </a:xfrm>
             </p:grpSpPr>
             <p:pic>
               <p:nvPicPr>
-                <p:cNvPr id="2053" name="Picture 5" descr="D:\blambeau\Work\ucl\thesis\writing\src\2-framework\images\train-hmsc-single.png"/>
+                <p:cNvPr id="3078" name="Picture 6" descr="D:\blambeau\Work\ucl\thesis\writing\src\2-framework\images\controller.png"/>
                 <p:cNvPicPr>
                   <a:picLocks noChangeAspect="1" noChangeArrowheads="1"/>
                 </p:cNvPicPr>
                 <p:nvPr/>
               </p:nvPicPr>
               <p:blipFill>
-                <a:blip r:embed="rId2" cstate="print"/>
+                <a:blip r:embed="rId5" cstate="print"/>
                 <a:srcRect/>
                 <a:stretch>
                   <a:fillRect/>
@@ -12325,8 +12642,60 @@
               </p:blipFill>
               <p:spPr bwMode="auto">
                 <a:xfrm>
-                  <a:off x="5254729" y="2420888"/>
-                  <a:ext cx="2320972" cy="1728192"/>
+                  <a:off x="1458940" y="4653136"/>
+                  <a:ext cx="2658618" cy="859536"/>
+                </a:xfrm>
+                <a:prstGeom prst="rect">
+                  <a:avLst/>
+                </a:prstGeom>
+                <a:noFill/>
+              </p:spPr>
+            </p:pic>
+            <p:pic>
+              <p:nvPicPr>
+                <p:cNvPr id="3081" name="Picture 9" descr="D:\blambeau\Work\ucl\thesis\writing\src\2-framework\images\open-close.png"/>
+                <p:cNvPicPr>
+                  <a:picLocks noChangeAspect="1" noChangeArrowheads="1"/>
+                </p:cNvPicPr>
+                <p:nvPr/>
+              </p:nvPicPr>
+              <p:blipFill>
+                <a:blip r:embed="rId6" cstate="print"/>
+                <a:srcRect/>
+                <a:stretch>
+                  <a:fillRect/>
+                </a:stretch>
+              </p:blipFill>
+              <p:spPr bwMode="auto">
+                <a:xfrm>
+                  <a:off x="4589562" y="5157192"/>
+                  <a:ext cx="829818" cy="374904"/>
+                </a:xfrm>
+                <a:prstGeom prst="rect">
+                  <a:avLst/>
+                </a:prstGeom>
+                <a:noFill/>
+              </p:spPr>
+            </p:pic>
+            <p:pic>
+              <p:nvPicPr>
+                <p:cNvPr id="3082" name="Picture 10" descr="D:\blambeau\Work\ucl\thesis\writing\src\2-framework\images\start-stop-2.png"/>
+                <p:cNvPicPr>
+                  <a:picLocks noChangeAspect="1" noChangeArrowheads="1"/>
+                </p:cNvPicPr>
+                <p:nvPr/>
+              </p:nvPicPr>
+              <p:blipFill>
+                <a:blip r:embed="rId7" cstate="print"/>
+                <a:srcRect/>
+                <a:stretch>
+                  <a:fillRect/>
+                </a:stretch>
+              </p:blipFill>
+              <p:spPr bwMode="auto">
+                <a:xfrm>
+                  <a:off x="4604802" y="4684840"/>
+                  <a:ext cx="786384" cy="368046"/>
                 </a:xfrm>
                 <a:prstGeom prst="rect">
                   <a:avLst/>
@@ -12336,188 +12705,14 @@
             </p:pic>
             <p:sp>
               <p:nvSpPr>
-                <p:cNvPr id="26" name="ZoneTexte 25"/>
+                <p:cNvPr id="21" name="ZoneTexte 20"/>
                 <p:cNvSpPr txBox="1"/>
                 <p:nvPr/>
               </p:nvSpPr>
               <p:spPr>
                 <a:xfrm>
-                  <a:off x="5974745" y="1772816"/>
-                  <a:ext cx="2053639" cy="646331"/>
-                </a:xfrm>
-                <a:prstGeom prst="rect">
-                  <a:avLst/>
-                </a:prstGeom>
-                <a:noFill/>
-              </p:spPr>
-              <p:txBody>
-                <a:bodyPr wrap="none" rtlCol="0">
-                  <a:spAutoFit/>
-                </a:bodyPr>
-                <a:lstStyle/>
-                <a:p>
-                  <a:pPr algn="r"/>
-                  <a:r>
-                    <a:rPr lang="fr-BE" smtClean="0"/>
-                    <a:t>High-level scenarios</a:t>
-                  </a:r>
-                </a:p>
-                <a:p>
-                  <a:pPr algn="r"/>
-                  <a:r>
-                    <a:rPr lang="fr-BE" smtClean="0"/>
-                    <a:t>&amp; Task models</a:t>
-                  </a:r>
-                </a:p>
-              </p:txBody>
-            </p:sp>
-          </p:grpSp>
-          <p:sp>
-            <p:nvSpPr>
-              <p:cNvPr id="35" name="Rectangle 34"/>
-              <p:cNvSpPr/>
-              <p:nvPr/>
-            </p:nvSpPr>
-            <p:spPr>
-              <a:xfrm>
-                <a:off x="1187624" y="2708920"/>
-                <a:ext cx="2016224" cy="1368152"/>
-              </a:xfrm>
-              <a:prstGeom prst="rect">
-                <a:avLst/>
-              </a:prstGeom>
-              <a:solidFill>
-                <a:schemeClr val="bg1">
-                  <a:alpha val="69000"/>
-                </a:schemeClr>
-              </a:solidFill>
-              <a:ln>
-                <a:noFill/>
-              </a:ln>
-            </p:spPr>
-            <p:style>
-              <a:lnRef idx="2">
-                <a:schemeClr val="accent1">
-                  <a:shade val="50000"/>
-                </a:schemeClr>
-              </a:lnRef>
-              <a:fillRef idx="1">
-                <a:schemeClr val="accent1"/>
-              </a:fillRef>
-              <a:effectRef idx="0">
-                <a:schemeClr val="accent1"/>
-              </a:effectRef>
-              <a:fontRef idx="minor">
-                <a:schemeClr val="lt1"/>
-              </a:fontRef>
-            </p:style>
-            <p:txBody>
-              <a:bodyPr rtlCol="0" anchor="ctr"/>
-              <a:lstStyle/>
-              <a:p>
-                <a:pPr algn="ctr"/>
-                <a:endParaRPr lang="fr-BE"/>
-              </a:p>
-            </p:txBody>
-          </p:sp>
-          <p:sp>
-            <p:nvSpPr>
-              <p:cNvPr id="34" name="Rectangle 33"/>
-              <p:cNvSpPr/>
-              <p:nvPr/>
-            </p:nvSpPr>
-            <p:spPr>
-              <a:xfrm>
-                <a:off x="3203848" y="908720"/>
-                <a:ext cx="2736304" cy="1368152"/>
-              </a:xfrm>
-              <a:prstGeom prst="rect">
-                <a:avLst/>
-              </a:prstGeom>
-              <a:solidFill>
-                <a:schemeClr val="bg1">
-                  <a:alpha val="69000"/>
-                </a:schemeClr>
-              </a:solidFill>
-              <a:ln>
-                <a:noFill/>
-              </a:ln>
-            </p:spPr>
-            <p:style>
-              <a:lnRef idx="2">
-                <a:schemeClr val="accent1">
-                  <a:shade val="50000"/>
-                </a:schemeClr>
-              </a:lnRef>
-              <a:fillRef idx="1">
-                <a:schemeClr val="accent1"/>
-              </a:fillRef>
-              <a:effectRef idx="0">
-                <a:schemeClr val="accent1"/>
-              </a:effectRef>
-              <a:fontRef idx="minor">
-                <a:schemeClr val="lt1"/>
-              </a:fontRef>
-            </p:style>
-            <p:txBody>
-              <a:bodyPr rtlCol="0" anchor="ctr"/>
-              <a:lstStyle/>
-              <a:p>
-                <a:pPr algn="ctr"/>
-                <a:endParaRPr lang="fr-BE"/>
-              </a:p>
-            </p:txBody>
-          </p:sp>
-          <p:grpSp>
-            <p:nvGrpSpPr>
-              <p:cNvPr id="29" name="Groupe 28"/>
-              <p:cNvGrpSpPr/>
-              <p:nvPr/>
-            </p:nvGrpSpPr>
-            <p:grpSpPr>
-              <a:xfrm>
-                <a:off x="2699792" y="644203"/>
-                <a:ext cx="3213982" cy="1704677"/>
-                <a:chOff x="2051720" y="620688"/>
-                <a:chExt cx="3213982" cy="1704677"/>
-              </a:xfrm>
-            </p:grpSpPr>
-            <p:pic>
-              <p:nvPicPr>
-                <p:cNvPr id="3077" name="Picture 5" descr="D:\blambeau\Work\ucl\thesis\writing\src\2-framework\images\simple-scenario.png"/>
-                <p:cNvPicPr>
-                  <a:picLocks noChangeAspect="1" noChangeArrowheads="1"/>
-                </p:cNvPicPr>
-                <p:nvPr/>
-              </p:nvPicPr>
-              <p:blipFill>
-                <a:blip r:embed="rId3" cstate="print"/>
-                <a:srcRect/>
-                <a:stretch>
-                  <a:fillRect/>
-                </a:stretch>
-              </p:blipFill>
-              <p:spPr bwMode="auto">
-                <a:xfrm>
-                  <a:off x="2323036" y="980728"/>
-                  <a:ext cx="2942666" cy="1344637"/>
-                </a:xfrm>
-                <a:prstGeom prst="rect">
-                  <a:avLst/>
-                </a:prstGeom>
-                <a:noFill/>
-              </p:spPr>
-            </p:pic>
-            <p:sp>
-              <p:nvSpPr>
-                <p:cNvPr id="23" name="ZoneTexte 22"/>
-                <p:cNvSpPr txBox="1"/>
-                <p:nvPr/>
-              </p:nvSpPr>
-              <p:spPr>
-                <a:xfrm>
-                  <a:off x="2051720" y="620688"/>
-                  <a:ext cx="1080745" cy="369332"/>
+                  <a:off x="4164764" y="4868863"/>
+                  <a:ext cx="428322" cy="400110"/>
                 </a:xfrm>
                 <a:prstGeom prst="rect">
                   <a:avLst/>
@@ -12531,320 +12726,108 @@
                 <a:lstStyle/>
                 <a:p>
                   <a:r>
-                    <a:rPr lang="fr-BE" smtClean="0"/>
-                    <a:t>Scenarios</a:t>
+                    <a:rPr lang="fr-BE" sz="2000" b="1" smtClean="0"/>
+                    <a:t>||</a:t>
                   </a:r>
-                  <a:endParaRPr lang="fr-BE"/>
-                </a:p>
-              </p:txBody>
-            </p:sp>
-          </p:grpSp>
-          <p:grpSp>
-            <p:nvGrpSpPr>
-              <p:cNvPr id="30" name="Groupe 29"/>
-              <p:cNvGrpSpPr/>
-              <p:nvPr/>
-            </p:nvGrpSpPr>
-            <p:grpSpPr>
-              <a:xfrm>
-                <a:off x="251520" y="2780928"/>
-                <a:ext cx="2949156" cy="1584176"/>
-                <a:chOff x="110676" y="2780928"/>
-                <a:chExt cx="2949156" cy="1584176"/>
-              </a:xfrm>
-            </p:grpSpPr>
-            <p:pic>
-              <p:nvPicPr>
-                <p:cNvPr id="3074" name="Picture 2" descr="D:\blambeau\Work\ucl\thesis\writing\src\2-framework\images\goal-graph.png"/>
-                <p:cNvPicPr>
-                  <a:picLocks noChangeAspect="1" noChangeArrowheads="1"/>
-                </p:cNvPicPr>
-                <p:nvPr/>
-              </p:nvPicPr>
-              <p:blipFill>
-                <a:blip r:embed="rId4" cstate="print"/>
-                <a:srcRect/>
-                <a:stretch>
-                  <a:fillRect/>
-                </a:stretch>
-              </p:blipFill>
-              <p:spPr bwMode="auto">
-                <a:xfrm>
-                  <a:off x="1072282" y="2780928"/>
-                  <a:ext cx="1987550" cy="1249363"/>
-                </a:xfrm>
-                <a:prstGeom prst="rect">
-                  <a:avLst/>
-                </a:prstGeom>
-                <a:noFill/>
-              </p:spPr>
-            </p:pic>
-            <p:sp>
-              <p:nvSpPr>
-                <p:cNvPr id="24" name="ZoneTexte 23"/>
-                <p:cNvSpPr txBox="1"/>
-                <p:nvPr/>
-              </p:nvSpPr>
-              <p:spPr>
-                <a:xfrm>
-                  <a:off x="110676" y="3718773"/>
-                  <a:ext cx="1941044" cy="646331"/>
-                </a:xfrm>
-                <a:prstGeom prst="rect">
-                  <a:avLst/>
-                </a:prstGeom>
-                <a:noFill/>
-              </p:spPr>
-              <p:txBody>
-                <a:bodyPr wrap="none" rtlCol="0">
-                  <a:spAutoFit/>
-                </a:bodyPr>
-                <a:lstStyle/>
-                <a:p>
-                  <a:r>
-                    <a:rPr lang="fr-BE" smtClean="0"/>
-                    <a:t>Goals &amp; </a:t>
-                  </a:r>
-                  <a:br>
-                    <a:rPr lang="fr-BE" smtClean="0"/>
-                  </a:br>
-                  <a:r>
-                    <a:rPr lang="fr-BE" smtClean="0"/>
-                    <a:t>Domain Properties</a:t>
-                  </a:r>
-                  <a:endParaRPr lang="fr-BE"/>
-                </a:p>
-              </p:txBody>
-            </p:sp>
-          </p:grpSp>
-          <p:grpSp>
-            <p:nvGrpSpPr>
-              <p:cNvPr id="32" name="Groupe 31"/>
-              <p:cNvGrpSpPr/>
-              <p:nvPr/>
-            </p:nvGrpSpPr>
-            <p:grpSpPr>
-              <a:xfrm>
-                <a:off x="2267744" y="4797152"/>
-                <a:ext cx="4296900" cy="1377444"/>
-                <a:chOff x="1547664" y="4509120"/>
-                <a:chExt cx="4296900" cy="1377444"/>
-              </a:xfrm>
-            </p:grpSpPr>
-            <p:grpSp>
-              <p:nvGrpSpPr>
-                <p:cNvPr id="22" name="Groupe 21"/>
-                <p:cNvGrpSpPr/>
-                <p:nvPr/>
-              </p:nvGrpSpPr>
-              <p:grpSpPr>
-                <a:xfrm>
-                  <a:off x="1547664" y="4509120"/>
-                  <a:ext cx="3960440" cy="878960"/>
-                  <a:chOff x="1458940" y="4653136"/>
-                  <a:chExt cx="3960440" cy="878960"/>
-                </a:xfrm>
-              </p:grpSpPr>
-              <p:pic>
-                <p:nvPicPr>
-                  <p:cNvPr id="3078" name="Picture 6" descr="D:\blambeau\Work\ucl\thesis\writing\src\2-framework\images\controller.png"/>
-                  <p:cNvPicPr>
-                    <a:picLocks noChangeAspect="1" noChangeArrowheads="1"/>
-                  </p:cNvPicPr>
-                  <p:nvPr/>
-                </p:nvPicPr>
-                <p:blipFill>
-                  <a:blip r:embed="rId5" cstate="print"/>
-                  <a:srcRect/>
-                  <a:stretch>
-                    <a:fillRect/>
-                  </a:stretch>
-                </p:blipFill>
-                <p:spPr bwMode="auto">
-                  <a:xfrm>
-                    <a:off x="1458940" y="4653136"/>
-                    <a:ext cx="2658618" cy="859536"/>
-                  </a:xfrm>
-                  <a:prstGeom prst="rect">
-                    <a:avLst/>
-                  </a:prstGeom>
-                  <a:noFill/>
-                </p:spPr>
-              </p:pic>
-              <p:pic>
-                <p:nvPicPr>
-                  <p:cNvPr id="3081" name="Picture 9" descr="D:\blambeau\Work\ucl\thesis\writing\src\2-framework\images\open-close.png"/>
-                  <p:cNvPicPr>
-                    <a:picLocks noChangeAspect="1" noChangeArrowheads="1"/>
-                  </p:cNvPicPr>
-                  <p:nvPr/>
-                </p:nvPicPr>
-                <p:blipFill>
-                  <a:blip r:embed="rId6" cstate="print"/>
-                  <a:srcRect/>
-                  <a:stretch>
-                    <a:fillRect/>
-                  </a:stretch>
-                </p:blipFill>
-                <p:spPr bwMode="auto">
-                  <a:xfrm>
-                    <a:off x="4589562" y="5157192"/>
-                    <a:ext cx="829818" cy="374904"/>
-                  </a:xfrm>
-                  <a:prstGeom prst="rect">
-                    <a:avLst/>
-                  </a:prstGeom>
-                  <a:noFill/>
-                </p:spPr>
-              </p:pic>
-              <p:pic>
-                <p:nvPicPr>
-                  <p:cNvPr id="3082" name="Picture 10" descr="D:\blambeau\Work\ucl\thesis\writing\src\2-framework\images\start-stop-2.png"/>
-                  <p:cNvPicPr>
-                    <a:picLocks noChangeAspect="1" noChangeArrowheads="1"/>
-                  </p:cNvPicPr>
-                  <p:nvPr/>
-                </p:nvPicPr>
-                <p:blipFill>
-                  <a:blip r:embed="rId7" cstate="print"/>
-                  <a:srcRect/>
-                  <a:stretch>
-                    <a:fillRect/>
-                  </a:stretch>
-                </p:blipFill>
-                <p:spPr bwMode="auto">
-                  <a:xfrm>
-                    <a:off x="4604802" y="4684840"/>
-                    <a:ext cx="786384" cy="368046"/>
-                  </a:xfrm>
-                  <a:prstGeom prst="rect">
-                    <a:avLst/>
-                  </a:prstGeom>
-                  <a:noFill/>
-                </p:spPr>
-              </p:pic>
-              <p:sp>
-                <p:nvSpPr>
-                  <p:cNvPr id="21" name="ZoneTexte 20"/>
-                  <p:cNvSpPr txBox="1"/>
-                  <p:nvPr/>
-                </p:nvSpPr>
-                <p:spPr>
-                  <a:xfrm>
-                    <a:off x="4164764" y="4868863"/>
-                    <a:ext cx="428322" cy="400110"/>
-                  </a:xfrm>
-                  <a:prstGeom prst="rect">
-                    <a:avLst/>
-                  </a:prstGeom>
-                  <a:noFill/>
-                </p:spPr>
-                <p:txBody>
-                  <a:bodyPr wrap="none" rtlCol="0">
-                    <a:spAutoFit/>
-                  </a:bodyPr>
-                  <a:lstStyle/>
-                  <a:p>
-                    <a:r>
-                      <a:rPr lang="fr-BE" sz="2000" b="1" smtClean="0"/>
-                      <a:t>||</a:t>
-                    </a:r>
-                    <a:endParaRPr lang="fr-BE" sz="2000" b="1"/>
-                  </a:p>
-                </p:txBody>
-              </p:sp>
-            </p:grpSp>
-            <p:sp>
-              <p:nvSpPr>
-                <p:cNvPr id="25" name="ZoneTexte 24"/>
-                <p:cNvSpPr txBox="1"/>
-                <p:nvPr/>
-              </p:nvSpPr>
-              <p:spPr>
-                <a:xfrm>
-                  <a:off x="2699792" y="5517232"/>
-                  <a:ext cx="3144772" cy="369332"/>
-                </a:xfrm>
-                <a:prstGeom prst="rect">
-                  <a:avLst/>
-                </a:prstGeom>
-                <a:noFill/>
-              </p:spPr>
-              <p:txBody>
-                <a:bodyPr wrap="none" rtlCol="0">
-                  <a:spAutoFit/>
-                </a:bodyPr>
-                <a:lstStyle/>
-                <a:p>
-                  <a:r>
-                    <a:rPr lang="fr-BE" smtClean="0"/>
-                    <a:t>Agent &amp; System State machines</a:t>
-                  </a:r>
-                  <a:endParaRPr lang="fr-BE"/>
+                  <a:endParaRPr lang="fr-BE" sz="2000" b="1"/>
                 </a:p>
               </p:txBody>
             </p:sp>
           </p:grpSp>
           <p:sp>
             <p:nvSpPr>
-              <p:cNvPr id="28" name="Nuage 27"/>
-              <p:cNvSpPr/>
+              <p:cNvPr id="25" name="ZoneTexte 24"/>
+              <p:cNvSpPr txBox="1"/>
               <p:nvPr/>
             </p:nvSpPr>
             <p:spPr>
               <a:xfrm>
-                <a:off x="3419872" y="3212976"/>
-                <a:ext cx="2160240" cy="792088"/>
+                <a:off x="3021754" y="4077072"/>
+                <a:ext cx="2688493" cy="369332"/>
               </a:xfrm>
-              <a:prstGeom prst="cloud">
+              <a:prstGeom prst="rect">
                 <a:avLst/>
               </a:prstGeom>
+              <a:noFill/>
             </p:spPr>
-            <p:style>
-              <a:lnRef idx="2">
-                <a:schemeClr val="dk1"/>
-              </a:lnRef>
-              <a:fillRef idx="1">
-                <a:schemeClr val="lt1"/>
-              </a:fillRef>
-              <a:effectRef idx="0">
-                <a:schemeClr val="dk1"/>
-              </a:effectRef>
-              <a:fontRef idx="minor">
-                <a:schemeClr val="dk1"/>
-              </a:fontRef>
-            </p:style>
             <p:txBody>
-              <a:bodyPr wrap="none" tIns="108000" rtlCol="0" anchor="ctr" anchorCtr="1"/>
+              <a:bodyPr wrap="none" rtlCol="0">
+                <a:spAutoFit/>
+              </a:bodyPr>
               <a:lstStyle/>
               <a:p>
-                <a:pPr algn="ctr"/>
                 <a:r>
-                  <a:rPr lang="fr-BE" sz="1600" smtClean="0"/>
-                  <a:t>        Event traces (LTS) </a:t>
+                  <a:rPr lang="fr-BE" smtClean="0"/>
+                  <a:t>Agent state machines (LTS)</a:t>
                 </a:r>
-                <a:br>
-                  <a:rPr lang="fr-BE" sz="1600" smtClean="0"/>
-                </a:br>
-                <a:r>
-                  <a:rPr lang="fr-BE" sz="1600" smtClean="0"/>
-                  <a:t>+ Fluents</a:t>
-                </a:r>
-                <a:endParaRPr lang="fr-BE" sz="1600"/>
+                <a:endParaRPr lang="fr-BE"/>
               </a:p>
             </p:txBody>
           </p:sp>
         </p:grpSp>
         <p:sp>
           <p:nvSpPr>
+            <p:cNvPr id="28" name="Nuage 27"/>
+            <p:cNvSpPr/>
+            <p:nvPr/>
+          </p:nvSpPr>
+          <p:spPr>
+            <a:xfrm>
+              <a:off x="3347864" y="2996952"/>
+              <a:ext cx="2304256" cy="792088"/>
+            </a:xfrm>
+            <a:prstGeom prst="cloud">
+              <a:avLst/>
+            </a:prstGeom>
+          </p:spPr>
+          <p:style>
+            <a:lnRef idx="2">
+              <a:schemeClr val="dk1"/>
+            </a:lnRef>
+            <a:fillRef idx="1">
+              <a:schemeClr val="lt1"/>
+            </a:fillRef>
+            <a:effectRef idx="0">
+              <a:schemeClr val="dk1"/>
+            </a:effectRef>
+            <a:fontRef idx="minor">
+              <a:schemeClr val="dk1"/>
+            </a:fontRef>
+          </p:style>
+          <p:txBody>
+            <a:bodyPr wrap="none" tIns="108000" rtlCol="0" anchor="ctr" anchorCtr="1"/>
+            <a:lstStyle/>
+            <a:p>
+              <a:pPr algn="ctr"/>
+              <a:r>
+                <a:rPr lang="fr-BE" sz="1600" smtClean="0"/>
+                <a:t>       Trace semantics </a:t>
+              </a:r>
+              <a:r>
+                <a:rPr lang="fr-BE" sz="1600" smtClean="0"/>
+                <a:t>(LTS) </a:t>
+              </a:r>
+              <a:br>
+                <a:rPr lang="fr-BE" sz="1600" smtClean="0"/>
+              </a:br>
+              <a:r>
+                <a:rPr lang="fr-BE" sz="1600" smtClean="0"/>
+                <a:t>+ Fluents</a:t>
+              </a:r>
+              <a:endParaRPr lang="fr-BE" sz="1600"/>
+            </a:p>
+          </p:txBody>
+        </p:sp>
+        <p:sp>
+          <p:nvSpPr>
             <p:cNvPr id="39" name="Forme libre 38"/>
             <p:cNvSpPr/>
             <p:nvPr/>
           </p:nvSpPr>
           <p:spPr>
             <a:xfrm>
-              <a:off x="4427220" y="2286000"/>
-              <a:ext cx="243840" cy="762000"/>
+              <a:off x="4427220" y="1628800"/>
+              <a:ext cx="243840" cy="1224136"/>
             </a:xfrm>
             <a:custGeom>
               <a:avLst/>
@@ -12925,7 +12908,7 @@
           </p:nvSpPr>
           <p:spPr>
             <a:xfrm>
-              <a:off x="3055620" y="2933700"/>
+              <a:off x="3055620" y="2717676"/>
               <a:ext cx="655320" cy="274320"/>
             </a:xfrm>
             <a:custGeom>
@@ -13007,7 +12990,7 @@
           </p:nvSpPr>
           <p:spPr>
             <a:xfrm>
-              <a:off x="5280660" y="3962400"/>
+              <a:off x="5280660" y="3746376"/>
               <a:ext cx="914400" cy="229870"/>
             </a:xfrm>
             <a:custGeom>
@@ -13089,8 +13072,8 @@
           </p:nvSpPr>
           <p:spPr>
             <a:xfrm>
-              <a:off x="4212590" y="4152900"/>
-              <a:ext cx="306070" cy="678180"/>
+              <a:off x="4212590" y="3933056"/>
+              <a:ext cx="306070" cy="682000"/>
             </a:xfrm>
             <a:custGeom>
               <a:avLst/>
@@ -13171,8 +13154,8 @@
           </p:nvSpPr>
           <p:spPr>
             <a:xfrm>
-              <a:off x="4011045" y="2500516"/>
-              <a:ext cx="1139543" cy="276999"/>
+              <a:off x="3656785" y="1938898"/>
+              <a:ext cx="1830436" cy="553998"/>
             </a:xfrm>
             <a:prstGeom prst="rect">
               <a:avLst/>
@@ -13187,9 +13170,17 @@
             </a:bodyPr>
             <a:lstStyle/>
             <a:p>
+              <a:pPr algn="ctr"/>
               <a:r>
                 <a:rPr lang="fr-BE" b="1" i="1" smtClean="0"/>
-                <a:t>semantics</a:t>
+                <a:t>Semantics-driven</a:t>
+              </a:r>
+              <a:br>
+                <a:rPr lang="fr-BE" b="1" i="1" smtClean="0"/>
+              </a:br>
+              <a:r>
+                <a:rPr lang="fr-BE" b="1" i="1" smtClean="0"/>
+                <a:t>model synthesis</a:t>
               </a:r>
               <a:endParaRPr lang="fr-BE" b="1" i="1"/>
             </a:p>
@@ -13203,8 +13194,8 @@
           </p:nvSpPr>
           <p:spPr>
             <a:xfrm>
-              <a:off x="6876256" y="4891226"/>
-              <a:ext cx="1304203" cy="553998"/>
+              <a:off x="6876256" y="4675202"/>
+              <a:ext cx="1872436" cy="553998"/>
             </a:xfrm>
             <a:prstGeom prst="rect">
               <a:avLst/>
@@ -13219,15 +13210,18 @@
             </a:bodyPr>
             <a:lstStyle/>
             <a:p>
+              <a:pPr algn="ctr"/>
               <a:r>
                 <a:rPr lang="fr-BE" b="1" i="1" smtClean="0"/>
-                <a:t>inter-model</a:t>
+                <a:t>Multi-view model</a:t>
               </a:r>
+              <a:endParaRPr lang="fr-BE" b="1" i="1" smtClean="0"/>
             </a:p>
             <a:p>
+              <a:pPr algn="ctr"/>
               <a:r>
                 <a:rPr lang="fr-BE" b="1" i="1" smtClean="0"/>
-                <a:t>consistency</a:t>
+                <a:t>synthesis</a:t>
               </a:r>
               <a:endParaRPr lang="fr-BE" b="1" i="1"/>
             </a:p>
@@ -13241,7 +13235,7 @@
           </p:nvSpPr>
           <p:spPr>
             <a:xfrm>
-              <a:off x="6515100" y="4587240"/>
+              <a:off x="6515100" y="4371216"/>
               <a:ext cx="861060" cy="327660"/>
             </a:xfrm>
             <a:custGeom>

--- a/writing/images/train.pptx
+++ b/writing/images/train.pptx
@@ -4,6 +4,9 @@
   <p:sldMasterIdLst>
     <p:sldMasterId id="2147483648" r:id="rId1"/>
   </p:sldMasterIdLst>
+  <p:notesMasterIdLst>
+    <p:notesMasterId r:id="rId9"/>
+  </p:notesMasterIdLst>
   <p:sldIdLst>
     <p:sldId id="256" r:id="rId2"/>
     <p:sldId id="257" r:id="rId3"/>
@@ -11,6 +14,7 @@
     <p:sldId id="259" r:id="rId5"/>
     <p:sldId id="260" r:id="rId6"/>
     <p:sldId id="261" r:id="rId7"/>
+    <p:sldId id="262" r:id="rId8"/>
   </p:sldIdLst>
   <p:sldSz cx="9144000" cy="6858000" type="screen4x3"/>
   <p:notesSz cx="6858000" cy="9144000"/>
@@ -110,6 +114,434 @@
     </a:lvl9pPr>
   </p:defaultTextStyle>
 </p:presentation>
+</file>
+
+<file path=ppt/notesMasters/notesMaster1.xml><?xml version="1.0" encoding="utf-8"?>
+<p:notesMaster xmlns:a="http://schemas.openxmlformats.org/drawingml/2006/main" xmlns:r="http://schemas.openxmlformats.org/officeDocument/2006/relationships" xmlns:p="http://schemas.openxmlformats.org/presentationml/2006/main">
+  <p:cSld>
+    <p:bg>
+      <p:bgRef idx="1001">
+        <a:schemeClr val="bg1"/>
+      </p:bgRef>
+    </p:bg>
+    <p:spTree>
+      <p:nvGrpSpPr>
+        <p:cNvPr id="1" name=""/>
+        <p:cNvGrpSpPr/>
+        <p:nvPr/>
+      </p:nvGrpSpPr>
+      <p:grpSpPr>
+        <a:xfrm>
+          <a:off x="0" y="0"/>
+          <a:ext cx="0" cy="0"/>
+          <a:chOff x="0" y="0"/>
+          <a:chExt cx="0" cy="0"/>
+        </a:xfrm>
+      </p:grpSpPr>
+      <p:sp>
+        <p:nvSpPr>
+          <p:cNvPr id="2" name="Espace réservé de l'en-tête 1"/>
+          <p:cNvSpPr>
+            <a:spLocks noGrp="1"/>
+          </p:cNvSpPr>
+          <p:nvPr>
+            <p:ph type="hdr" sz="quarter"/>
+          </p:nvPr>
+        </p:nvSpPr>
+        <p:spPr>
+          <a:xfrm>
+            <a:off x="0" y="0"/>
+            <a:ext cx="2971800" cy="457200"/>
+          </a:xfrm>
+          <a:prstGeom prst="rect">
+            <a:avLst/>
+          </a:prstGeom>
+        </p:spPr>
+        <p:txBody>
+          <a:bodyPr vert="horz" lIns="91440" tIns="45720" rIns="91440" bIns="45720" rtlCol="0"/>
+          <a:lstStyle>
+            <a:lvl1pPr algn="l">
+              <a:defRPr sz="1200"/>
+            </a:lvl1pPr>
+          </a:lstStyle>
+          <a:p>
+            <a:endParaRPr lang="fr-BE"/>
+          </a:p>
+        </p:txBody>
+      </p:sp>
+      <p:sp>
+        <p:nvSpPr>
+          <p:cNvPr id="3" name="Espace réservé de la date 2"/>
+          <p:cNvSpPr>
+            <a:spLocks noGrp="1"/>
+          </p:cNvSpPr>
+          <p:nvPr>
+            <p:ph type="dt" idx="1"/>
+          </p:nvPr>
+        </p:nvSpPr>
+        <p:spPr>
+          <a:xfrm>
+            <a:off x="3884613" y="0"/>
+            <a:ext cx="2971800" cy="457200"/>
+          </a:xfrm>
+          <a:prstGeom prst="rect">
+            <a:avLst/>
+          </a:prstGeom>
+        </p:spPr>
+        <p:txBody>
+          <a:bodyPr vert="horz" lIns="91440" tIns="45720" rIns="91440" bIns="45720" rtlCol="0"/>
+          <a:lstStyle>
+            <a:lvl1pPr algn="r">
+              <a:defRPr sz="1200"/>
+            </a:lvl1pPr>
+          </a:lstStyle>
+          <a:p>
+            <a:fld id="{1A5CA47D-05BA-47C5-ACE1-040A60204EDF}" type="datetimeFigureOut">
+              <a:rPr lang="fr-FR" smtClean="0"/>
+              <a:t>28/06/2011</a:t>
+            </a:fld>
+            <a:endParaRPr lang="fr-BE"/>
+          </a:p>
+        </p:txBody>
+      </p:sp>
+      <p:sp>
+        <p:nvSpPr>
+          <p:cNvPr id="4" name="Espace réservé de l'image des diapositives 3"/>
+          <p:cNvSpPr>
+            <a:spLocks noGrp="1" noRot="1" noChangeAspect="1"/>
+          </p:cNvSpPr>
+          <p:nvPr>
+            <p:ph type="sldImg" idx="2"/>
+          </p:nvPr>
+        </p:nvSpPr>
+        <p:spPr>
+          <a:xfrm>
+            <a:off x="1143000" y="685800"/>
+            <a:ext cx="4572000" cy="3429000"/>
+          </a:xfrm>
+          <a:prstGeom prst="rect">
+            <a:avLst/>
+          </a:prstGeom>
+          <a:noFill/>
+          <a:ln w="12700">
+            <a:solidFill>
+              <a:prstClr val="black"/>
+            </a:solidFill>
+          </a:ln>
+        </p:spPr>
+        <p:txBody>
+          <a:bodyPr vert="horz" lIns="91440" tIns="45720" rIns="91440" bIns="45720" rtlCol="0" anchor="ctr"/>
+          <a:lstStyle/>
+          <a:p>
+            <a:endParaRPr lang="fr-BE"/>
+          </a:p>
+        </p:txBody>
+      </p:sp>
+      <p:sp>
+        <p:nvSpPr>
+          <p:cNvPr id="5" name="Espace réservé des commentaires 4"/>
+          <p:cNvSpPr>
+            <a:spLocks noGrp="1"/>
+          </p:cNvSpPr>
+          <p:nvPr>
+            <p:ph type="body" sz="quarter" idx="3"/>
+          </p:nvPr>
+        </p:nvSpPr>
+        <p:spPr>
+          <a:xfrm>
+            <a:off x="685800" y="4343400"/>
+            <a:ext cx="5486400" cy="4114800"/>
+          </a:xfrm>
+          <a:prstGeom prst="rect">
+            <a:avLst/>
+          </a:prstGeom>
+        </p:spPr>
+        <p:txBody>
+          <a:bodyPr vert="horz" lIns="91440" tIns="45720" rIns="91440" bIns="45720" rtlCol="0">
+            <a:normAutofit/>
+          </a:bodyPr>
+          <a:lstStyle/>
+          <a:p>
+            <a:pPr lvl="0"/>
+            <a:r>
+              <a:rPr lang="fr-FR" smtClean="0"/>
+              <a:t>Cliquez pour modifier les styles du texte du masque</a:t>
+            </a:r>
+          </a:p>
+          <a:p>
+            <a:pPr lvl="1"/>
+            <a:r>
+              <a:rPr lang="fr-FR" smtClean="0"/>
+              <a:t>Deuxième niveau</a:t>
+            </a:r>
+          </a:p>
+          <a:p>
+            <a:pPr lvl="2"/>
+            <a:r>
+              <a:rPr lang="fr-FR" smtClean="0"/>
+              <a:t>Troisième niveau</a:t>
+            </a:r>
+          </a:p>
+          <a:p>
+            <a:pPr lvl="3"/>
+            <a:r>
+              <a:rPr lang="fr-FR" smtClean="0"/>
+              <a:t>Quatrième niveau</a:t>
+            </a:r>
+          </a:p>
+          <a:p>
+            <a:pPr lvl="4"/>
+            <a:r>
+              <a:rPr lang="fr-FR" smtClean="0"/>
+              <a:t>Cinquième niveau</a:t>
+            </a:r>
+            <a:endParaRPr lang="fr-BE"/>
+          </a:p>
+        </p:txBody>
+      </p:sp>
+      <p:sp>
+        <p:nvSpPr>
+          <p:cNvPr id="6" name="Espace réservé du pied de page 5"/>
+          <p:cNvSpPr>
+            <a:spLocks noGrp="1"/>
+          </p:cNvSpPr>
+          <p:nvPr>
+            <p:ph type="ftr" sz="quarter" idx="4"/>
+          </p:nvPr>
+        </p:nvSpPr>
+        <p:spPr>
+          <a:xfrm>
+            <a:off x="0" y="8685213"/>
+            <a:ext cx="2971800" cy="457200"/>
+          </a:xfrm>
+          <a:prstGeom prst="rect">
+            <a:avLst/>
+          </a:prstGeom>
+        </p:spPr>
+        <p:txBody>
+          <a:bodyPr vert="horz" lIns="91440" tIns="45720" rIns="91440" bIns="45720" rtlCol="0" anchor="b"/>
+          <a:lstStyle>
+            <a:lvl1pPr algn="l">
+              <a:defRPr sz="1200"/>
+            </a:lvl1pPr>
+          </a:lstStyle>
+          <a:p>
+            <a:endParaRPr lang="fr-BE"/>
+          </a:p>
+        </p:txBody>
+      </p:sp>
+      <p:sp>
+        <p:nvSpPr>
+          <p:cNvPr id="7" name="Espace réservé du numéro de diapositive 6"/>
+          <p:cNvSpPr>
+            <a:spLocks noGrp="1"/>
+          </p:cNvSpPr>
+          <p:nvPr>
+            <p:ph type="sldNum" sz="quarter" idx="5"/>
+          </p:nvPr>
+        </p:nvSpPr>
+        <p:spPr>
+          <a:xfrm>
+            <a:off x="3884613" y="8685213"/>
+            <a:ext cx="2971800" cy="457200"/>
+          </a:xfrm>
+          <a:prstGeom prst="rect">
+            <a:avLst/>
+          </a:prstGeom>
+        </p:spPr>
+        <p:txBody>
+          <a:bodyPr vert="horz" lIns="91440" tIns="45720" rIns="91440" bIns="45720" rtlCol="0" anchor="b"/>
+          <a:lstStyle>
+            <a:lvl1pPr algn="r">
+              <a:defRPr sz="1200"/>
+            </a:lvl1pPr>
+          </a:lstStyle>
+          <a:p>
+            <a:fld id="{09EA9A28-56FF-4105-ABFC-73B3B1163A97}" type="slidenum">
+              <a:rPr lang="fr-BE" smtClean="0"/>
+              <a:t>‹N°›</a:t>
+            </a:fld>
+            <a:endParaRPr lang="fr-BE"/>
+          </a:p>
+        </p:txBody>
+      </p:sp>
+    </p:spTree>
+  </p:cSld>
+  <p:clrMap bg1="lt1" tx1="dk1" bg2="lt2" tx2="dk2" accent1="accent1" accent2="accent2" accent3="accent3" accent4="accent4" accent5="accent5" accent6="accent6" hlink="hlink" folHlink="folHlink"/>
+  <p:notesStyle>
+    <a:lvl1pPr marL="0" algn="l" defTabSz="914400" rtl="0" eaLnBrk="1" latinLnBrk="0" hangingPunct="1">
+      <a:defRPr sz="1200" kern="1200">
+        <a:solidFill>
+          <a:schemeClr val="tx1"/>
+        </a:solidFill>
+        <a:latin typeface="+mn-lt"/>
+        <a:ea typeface="+mn-ea"/>
+        <a:cs typeface="+mn-cs"/>
+      </a:defRPr>
+    </a:lvl1pPr>
+    <a:lvl2pPr marL="457200" algn="l" defTabSz="914400" rtl="0" eaLnBrk="1" latinLnBrk="0" hangingPunct="1">
+      <a:defRPr sz="1200" kern="1200">
+        <a:solidFill>
+          <a:schemeClr val="tx1"/>
+        </a:solidFill>
+        <a:latin typeface="+mn-lt"/>
+        <a:ea typeface="+mn-ea"/>
+        <a:cs typeface="+mn-cs"/>
+      </a:defRPr>
+    </a:lvl2pPr>
+    <a:lvl3pPr marL="914400" algn="l" defTabSz="914400" rtl="0" eaLnBrk="1" latinLnBrk="0" hangingPunct="1">
+      <a:defRPr sz="1200" kern="1200">
+        <a:solidFill>
+          <a:schemeClr val="tx1"/>
+        </a:solidFill>
+        <a:latin typeface="+mn-lt"/>
+        <a:ea typeface="+mn-ea"/>
+        <a:cs typeface="+mn-cs"/>
+      </a:defRPr>
+    </a:lvl3pPr>
+    <a:lvl4pPr marL="1371600" algn="l" defTabSz="914400" rtl="0" eaLnBrk="1" latinLnBrk="0" hangingPunct="1">
+      <a:defRPr sz="1200" kern="1200">
+        <a:solidFill>
+          <a:schemeClr val="tx1"/>
+        </a:solidFill>
+        <a:latin typeface="+mn-lt"/>
+        <a:ea typeface="+mn-ea"/>
+        <a:cs typeface="+mn-cs"/>
+      </a:defRPr>
+    </a:lvl4pPr>
+    <a:lvl5pPr marL="1828800" algn="l" defTabSz="914400" rtl="0" eaLnBrk="1" latinLnBrk="0" hangingPunct="1">
+      <a:defRPr sz="1200" kern="1200">
+        <a:solidFill>
+          <a:schemeClr val="tx1"/>
+        </a:solidFill>
+        <a:latin typeface="+mn-lt"/>
+        <a:ea typeface="+mn-ea"/>
+        <a:cs typeface="+mn-cs"/>
+      </a:defRPr>
+    </a:lvl5pPr>
+    <a:lvl6pPr marL="2286000" algn="l" defTabSz="914400" rtl="0" eaLnBrk="1" latinLnBrk="0" hangingPunct="1">
+      <a:defRPr sz="1200" kern="1200">
+        <a:solidFill>
+          <a:schemeClr val="tx1"/>
+        </a:solidFill>
+        <a:latin typeface="+mn-lt"/>
+        <a:ea typeface="+mn-ea"/>
+        <a:cs typeface="+mn-cs"/>
+      </a:defRPr>
+    </a:lvl6pPr>
+    <a:lvl7pPr marL="2743200" algn="l" defTabSz="914400" rtl="0" eaLnBrk="1" latinLnBrk="0" hangingPunct="1">
+      <a:defRPr sz="1200" kern="1200">
+        <a:solidFill>
+          <a:schemeClr val="tx1"/>
+        </a:solidFill>
+        <a:latin typeface="+mn-lt"/>
+        <a:ea typeface="+mn-ea"/>
+        <a:cs typeface="+mn-cs"/>
+      </a:defRPr>
+    </a:lvl7pPr>
+    <a:lvl8pPr marL="3200400" algn="l" defTabSz="914400" rtl="0" eaLnBrk="1" latinLnBrk="0" hangingPunct="1">
+      <a:defRPr sz="1200" kern="1200">
+        <a:solidFill>
+          <a:schemeClr val="tx1"/>
+        </a:solidFill>
+        <a:latin typeface="+mn-lt"/>
+        <a:ea typeface="+mn-ea"/>
+        <a:cs typeface="+mn-cs"/>
+      </a:defRPr>
+    </a:lvl8pPr>
+    <a:lvl9pPr marL="3657600" algn="l" defTabSz="914400" rtl="0" eaLnBrk="1" latinLnBrk="0" hangingPunct="1">
+      <a:defRPr sz="1200" kern="1200">
+        <a:solidFill>
+          <a:schemeClr val="tx1"/>
+        </a:solidFill>
+        <a:latin typeface="+mn-lt"/>
+        <a:ea typeface="+mn-ea"/>
+        <a:cs typeface="+mn-cs"/>
+      </a:defRPr>
+    </a:lvl9pPr>
+  </p:notesStyle>
+</p:notesMaster>
+</file>
+
+<file path=ppt/notesSlides/notesSlide1.xml><?xml version="1.0" encoding="utf-8"?>
+<p:notes xmlns:a="http://schemas.openxmlformats.org/drawingml/2006/main" xmlns:r="http://schemas.openxmlformats.org/officeDocument/2006/relationships" xmlns:p="http://schemas.openxmlformats.org/presentationml/2006/main">
+  <p:cSld>
+    <p:spTree>
+      <p:nvGrpSpPr>
+        <p:cNvPr id="1" name=""/>
+        <p:cNvGrpSpPr/>
+        <p:nvPr/>
+      </p:nvGrpSpPr>
+      <p:grpSpPr>
+        <a:xfrm>
+          <a:off x="0" y="0"/>
+          <a:ext cx="0" cy="0"/>
+          <a:chOff x="0" y="0"/>
+          <a:chExt cx="0" cy="0"/>
+        </a:xfrm>
+      </p:grpSpPr>
+      <p:sp>
+        <p:nvSpPr>
+          <p:cNvPr id="2" name="Espace réservé de l'image des diapositives 1"/>
+          <p:cNvSpPr>
+            <a:spLocks noGrp="1" noRot="1" noChangeAspect="1"/>
+          </p:cNvSpPr>
+          <p:nvPr>
+            <p:ph type="sldImg"/>
+          </p:nvPr>
+        </p:nvSpPr>
+        <p:spPr/>
+      </p:sp>
+      <p:sp>
+        <p:nvSpPr>
+          <p:cNvPr id="3" name="Espace réservé des commentaires 2"/>
+          <p:cNvSpPr>
+            <a:spLocks noGrp="1"/>
+          </p:cNvSpPr>
+          <p:nvPr>
+            <p:ph type="body" idx="1"/>
+          </p:nvPr>
+        </p:nvSpPr>
+        <p:spPr/>
+        <p:txBody>
+          <a:bodyPr>
+            <a:normAutofit/>
+          </a:bodyPr>
+          <a:lstStyle/>
+          <a:p>
+            <a:endParaRPr lang="fr-BE" dirty="0"/>
+          </a:p>
+        </p:txBody>
+      </p:sp>
+      <p:sp>
+        <p:nvSpPr>
+          <p:cNvPr id="4" name="Espace réservé du numéro de diapositive 3"/>
+          <p:cNvSpPr>
+            <a:spLocks noGrp="1"/>
+          </p:cNvSpPr>
+          <p:nvPr>
+            <p:ph type="sldNum" sz="quarter" idx="10"/>
+          </p:nvPr>
+        </p:nvSpPr>
+        <p:spPr/>
+        <p:txBody>
+          <a:bodyPr/>
+          <a:lstStyle/>
+          <a:p>
+            <a:fld id="{09EA9A28-56FF-4105-ABFC-73B3B1163A97}" type="slidenum">
+              <a:rPr lang="fr-BE" smtClean="0"/>
+              <a:t>6</a:t>
+            </a:fld>
+            <a:endParaRPr lang="fr-BE"/>
+          </a:p>
+        </p:txBody>
+      </p:sp>
+    </p:spTree>
+  </p:cSld>
+  <p:clrMapOvr>
+    <a:masterClrMapping/>
+  </p:clrMapOvr>
+</p:notes>
 </file>
 
 <file path=ppt/slideLayouts/slideLayout1.xml><?xml version="1.0" encoding="utf-8"?>
@@ -294,7 +726,7 @@
             <a:fld id="{68BDF4EC-5B70-45D8-B718-E56EB4C6B13E}" type="datetimeFigureOut">
               <a:rPr lang="fr-BE" smtClean="0"/>
               <a:pPr/>
-              <a:t>23/05/2011</a:t>
+              <a:t>28/06/2011</a:t>
             </a:fld>
             <a:endParaRPr lang="fr-BE"/>
           </a:p>
@@ -461,7 +893,7 @@
             <a:fld id="{68BDF4EC-5B70-45D8-B718-E56EB4C6B13E}" type="datetimeFigureOut">
               <a:rPr lang="fr-BE" smtClean="0"/>
               <a:pPr/>
-              <a:t>23/05/2011</a:t>
+              <a:t>28/06/2011</a:t>
             </a:fld>
             <a:endParaRPr lang="fr-BE"/>
           </a:p>
@@ -638,7 +1070,7 @@
             <a:fld id="{68BDF4EC-5B70-45D8-B718-E56EB4C6B13E}" type="datetimeFigureOut">
               <a:rPr lang="fr-BE" smtClean="0"/>
               <a:pPr/>
-              <a:t>23/05/2011</a:t>
+              <a:t>28/06/2011</a:t>
             </a:fld>
             <a:endParaRPr lang="fr-BE"/>
           </a:p>
@@ -805,7 +1237,7 @@
             <a:fld id="{68BDF4EC-5B70-45D8-B718-E56EB4C6B13E}" type="datetimeFigureOut">
               <a:rPr lang="fr-BE" smtClean="0"/>
               <a:pPr/>
-              <a:t>23/05/2011</a:t>
+              <a:t>28/06/2011</a:t>
             </a:fld>
             <a:endParaRPr lang="fr-BE"/>
           </a:p>
@@ -1048,7 +1480,7 @@
             <a:fld id="{68BDF4EC-5B70-45D8-B718-E56EB4C6B13E}" type="datetimeFigureOut">
               <a:rPr lang="fr-BE" smtClean="0"/>
               <a:pPr/>
-              <a:t>23/05/2011</a:t>
+              <a:t>28/06/2011</a:t>
             </a:fld>
             <a:endParaRPr lang="fr-BE"/>
           </a:p>
@@ -1333,7 +1765,7 @@
             <a:fld id="{68BDF4EC-5B70-45D8-B718-E56EB4C6B13E}" type="datetimeFigureOut">
               <a:rPr lang="fr-BE" smtClean="0"/>
               <a:pPr/>
-              <a:t>23/05/2011</a:t>
+              <a:t>28/06/2011</a:t>
             </a:fld>
             <a:endParaRPr lang="fr-BE"/>
           </a:p>
@@ -1752,7 +2184,7 @@
             <a:fld id="{68BDF4EC-5B70-45D8-B718-E56EB4C6B13E}" type="datetimeFigureOut">
               <a:rPr lang="fr-BE" smtClean="0"/>
               <a:pPr/>
-              <a:t>23/05/2011</a:t>
+              <a:t>28/06/2011</a:t>
             </a:fld>
             <a:endParaRPr lang="fr-BE"/>
           </a:p>
@@ -1867,7 +2299,7 @@
             <a:fld id="{68BDF4EC-5B70-45D8-B718-E56EB4C6B13E}" type="datetimeFigureOut">
               <a:rPr lang="fr-BE" smtClean="0"/>
               <a:pPr/>
-              <a:t>23/05/2011</a:t>
+              <a:t>28/06/2011</a:t>
             </a:fld>
             <a:endParaRPr lang="fr-BE"/>
           </a:p>
@@ -1959,7 +2391,7 @@
             <a:fld id="{68BDF4EC-5B70-45D8-B718-E56EB4C6B13E}" type="datetimeFigureOut">
               <a:rPr lang="fr-BE" smtClean="0"/>
               <a:pPr/>
-              <a:t>23/05/2011</a:t>
+              <a:t>28/06/2011</a:t>
             </a:fld>
             <a:endParaRPr lang="fr-BE"/>
           </a:p>
@@ -2233,7 +2665,7 @@
             <a:fld id="{68BDF4EC-5B70-45D8-B718-E56EB4C6B13E}" type="datetimeFigureOut">
               <a:rPr lang="fr-BE" smtClean="0"/>
               <a:pPr/>
-              <a:t>23/05/2011</a:t>
+              <a:t>28/06/2011</a:t>
             </a:fld>
             <a:endParaRPr lang="fr-BE"/>
           </a:p>
@@ -2483,7 +2915,7 @@
             <a:fld id="{68BDF4EC-5B70-45D8-B718-E56EB4C6B13E}" type="datetimeFigureOut">
               <a:rPr lang="fr-BE" smtClean="0"/>
               <a:pPr/>
-              <a:t>23/05/2011</a:t>
+              <a:t>28/06/2011</a:t>
             </a:fld>
             <a:endParaRPr lang="fr-BE"/>
           </a:p>
@@ -2693,7 +3125,7 @@
             <a:fld id="{68BDF4EC-5B70-45D8-B718-E56EB4C6B13E}" type="datetimeFigureOut">
               <a:rPr lang="fr-BE" smtClean="0"/>
               <a:pPr/>
-              <a:t>23/05/2011</a:t>
+              <a:t>28/06/2011</a:t>
             </a:fld>
             <a:endParaRPr lang="fr-BE"/>
           </a:p>
@@ -8732,10 +9164,14 @@
             <a:p>
               <a:pPr algn="ctr"/>
               <a:r>
-                <a:rPr lang="fr-BE" sz="1200" smtClean="0"/>
-                <a:t>Starting train</a:t>
+                <a:rPr lang="fr-BE" sz="1200" dirty="0" err="1" smtClean="0"/>
+                <a:t>Starting</a:t>
               </a:r>
-              <a:endParaRPr lang="fr-BE" sz="1200"/>
+              <a:r>
+                <a:rPr lang="fr-BE" sz="1200" dirty="0" smtClean="0"/>
+                <a:t> train</a:t>
+              </a:r>
+              <a:endParaRPr lang="fr-BE" sz="1200" dirty="0"/>
             </a:p>
           </p:txBody>
         </p:sp>
@@ -9138,7 +9574,7 @@
         </p:nvGrpSpPr>
         <p:grpSpPr>
           <a:xfrm>
-            <a:off x="1448857" y="1147895"/>
+            <a:off x="357158" y="357166"/>
             <a:ext cx="4949082" cy="2713153"/>
             <a:chOff x="1448857" y="1147895"/>
             <a:chExt cx="4949082" cy="2713153"/>
@@ -11160,12 +11596,24 @@
             <a:p>
               <a:pPr algn="ctr"/>
               <a:r>
-                <a:rPr lang="fr-BE" sz="1000" b="1" smtClean="0">
+                <a:rPr lang="fr-BE" sz="1000" b="1" dirty="0" err="1" smtClean="0">
                   <a:latin typeface="+mj-lt"/>
                 </a:rPr>
-                <a:t>Closing doors</a:t>
+                <a:t>Closing</a:t>
               </a:r>
-              <a:endParaRPr lang="fr-BE" sz="1000" b="1">
+              <a:r>
+                <a:rPr lang="fr-BE" sz="1000" b="1" dirty="0" smtClean="0">
+                  <a:latin typeface="+mj-lt"/>
+                </a:rPr>
+                <a:t> </a:t>
+              </a:r>
+              <a:r>
+                <a:rPr lang="fr-BE" sz="1000" b="1" dirty="0" err="1" smtClean="0">
+                  <a:latin typeface="+mj-lt"/>
+                </a:rPr>
+                <a:t>doors</a:t>
+              </a:r>
+              <a:endParaRPr lang="fr-BE" sz="1000" b="1" dirty="0">
                 <a:latin typeface="+mj-lt"/>
               </a:endParaRPr>
             </a:p>
@@ -11483,12 +11931,12 @@
             <a:p>
               <a:pPr algn="ctr"/>
               <a:r>
-                <a:rPr lang="fr-BE" sz="1000" b="1" smtClean="0">
+                <a:rPr lang="fr-BE" sz="1000" b="1" dirty="0" err="1" smtClean="0">
                   <a:latin typeface="+mj-lt"/>
                 </a:rPr>
                 <a:t>Passenger</a:t>
               </a:r>
-              <a:endParaRPr lang="fr-BE" sz="1000" b="1">
+              <a:endParaRPr lang="fr-BE" sz="1000" b="1" dirty="0">
                 <a:latin typeface="+mj-lt"/>
               </a:endParaRPr>
             </a:p>
@@ -12061,6 +12509,609 @@
             </a:p>
           </p:txBody>
         </p:sp>
+      </p:grpSp>
+      <p:grpSp>
+        <p:nvGrpSpPr>
+          <p:cNvPr id="112" name="Groupe 111"/>
+          <p:cNvGrpSpPr/>
+          <p:nvPr/>
+        </p:nvGrpSpPr>
+        <p:grpSpPr>
+          <a:xfrm>
+            <a:off x="1142976" y="2928934"/>
+            <a:ext cx="2286016" cy="2394578"/>
+            <a:chOff x="1134426" y="3929066"/>
+            <a:chExt cx="2286016" cy="2394578"/>
+          </a:xfrm>
+        </p:grpSpPr>
+        <p:sp>
+          <p:nvSpPr>
+            <p:cNvPr id="113" name="Rectangle à coins arrondis 112"/>
+            <p:cNvSpPr/>
+            <p:nvPr/>
+          </p:nvSpPr>
+          <p:spPr>
+            <a:xfrm>
+              <a:off x="2376802" y="4214818"/>
+              <a:ext cx="1043640" cy="396000"/>
+            </a:xfrm>
+            <a:prstGeom prst="roundRect">
+              <a:avLst/>
+            </a:prstGeom>
+            <a:ln w="22225"/>
+          </p:spPr>
+          <p:style>
+            <a:lnRef idx="2">
+              <a:schemeClr val="dk1"/>
+            </a:lnRef>
+            <a:fillRef idx="1">
+              <a:schemeClr val="lt1"/>
+            </a:fillRef>
+            <a:effectRef idx="0">
+              <a:schemeClr val="dk1"/>
+            </a:effectRef>
+            <a:fontRef idx="minor">
+              <a:schemeClr val="dk1"/>
+            </a:fontRef>
+          </p:style>
+          <p:txBody>
+            <a:bodyPr wrap="none" rtlCol="0" anchor="ctr"/>
+            <a:lstStyle/>
+            <a:p>
+              <a:pPr algn="ctr"/>
+              <a:r>
+                <a:rPr lang="fr-BE" sz="1200" dirty="0" err="1" smtClean="0">
+                  <a:latin typeface="+mj-lt"/>
+                </a:rPr>
+                <a:t>Collect</a:t>
+              </a:r>
+              <a:r>
+                <a:rPr lang="fr-BE" sz="1200" dirty="0" smtClean="0">
+                  <a:latin typeface="+mj-lt"/>
+                </a:rPr>
+                <a:t> </a:t>
+              </a:r>
+              <a:br>
+                <a:rPr lang="fr-BE" sz="1200" dirty="0" smtClean="0">
+                  <a:latin typeface="+mj-lt"/>
+                </a:rPr>
+              </a:br>
+              <a:r>
+                <a:rPr lang="fr-BE" sz="1200" dirty="0" err="1" smtClean="0">
+                  <a:latin typeface="+mj-lt"/>
+                </a:rPr>
+                <a:t>Constraints</a:t>
+              </a:r>
+              <a:endParaRPr lang="fr-BE" sz="1200" dirty="0">
+                <a:latin typeface="+mj-lt"/>
+              </a:endParaRPr>
+            </a:p>
+          </p:txBody>
+        </p:sp>
+        <p:sp>
+          <p:nvSpPr>
+            <p:cNvPr id="114" name="Rectangle à coins arrondis 113"/>
+            <p:cNvSpPr/>
+            <p:nvPr/>
+          </p:nvSpPr>
+          <p:spPr>
+            <a:xfrm>
+              <a:off x="1134426" y="4909793"/>
+              <a:ext cx="984448" cy="396000"/>
+            </a:xfrm>
+            <a:prstGeom prst="roundRect">
+              <a:avLst/>
+            </a:prstGeom>
+            <a:ln w="22225"/>
+          </p:spPr>
+          <p:style>
+            <a:lnRef idx="2">
+              <a:schemeClr val="dk1"/>
+            </a:lnRef>
+            <a:fillRef idx="1">
+              <a:schemeClr val="lt1"/>
+            </a:fillRef>
+            <a:effectRef idx="0">
+              <a:schemeClr val="dk1"/>
+            </a:effectRef>
+            <a:fontRef idx="minor">
+              <a:schemeClr val="dk1"/>
+            </a:fontRef>
+          </p:style>
+          <p:txBody>
+            <a:bodyPr wrap="none" rtlCol="0" anchor="ctr"/>
+            <a:lstStyle/>
+            <a:p>
+              <a:pPr algn="ctr"/>
+              <a:r>
+                <a:rPr lang="fr-BE" sz="1200" dirty="0" err="1" smtClean="0">
+                  <a:latin typeface="+mj-lt"/>
+                </a:rPr>
+                <a:t>Weaken</a:t>
+              </a:r>
+              <a:r>
+                <a:rPr lang="fr-BE" sz="1200" dirty="0" smtClean="0">
+                  <a:latin typeface="+mj-lt"/>
+                </a:rPr>
+                <a:t> </a:t>
+              </a:r>
+              <a:br>
+                <a:rPr lang="fr-BE" sz="1200" dirty="0" smtClean="0">
+                  <a:latin typeface="+mj-lt"/>
+                </a:rPr>
+              </a:br>
+              <a:r>
+                <a:rPr lang="fr-BE" sz="1200" dirty="0" err="1" smtClean="0">
+                  <a:latin typeface="+mj-lt"/>
+                </a:rPr>
+                <a:t>Request</a:t>
+              </a:r>
+              <a:endParaRPr lang="fr-BE" sz="1200" dirty="0">
+                <a:latin typeface="+mj-lt"/>
+              </a:endParaRPr>
+            </a:p>
+          </p:txBody>
+        </p:sp>
+        <p:sp>
+          <p:nvSpPr>
+            <p:cNvPr id="115" name="Rectangle à coins arrondis 114"/>
+            <p:cNvSpPr/>
+            <p:nvPr/>
+          </p:nvSpPr>
+          <p:spPr>
+            <a:xfrm>
+              <a:off x="2376802" y="5533330"/>
+              <a:ext cx="1043640" cy="396000"/>
+            </a:xfrm>
+            <a:prstGeom prst="roundRect">
+              <a:avLst/>
+            </a:prstGeom>
+            <a:ln w="22225"/>
+          </p:spPr>
+          <p:style>
+            <a:lnRef idx="2">
+              <a:schemeClr val="dk1"/>
+            </a:lnRef>
+            <a:fillRef idx="1">
+              <a:schemeClr val="lt1"/>
+            </a:fillRef>
+            <a:effectRef idx="0">
+              <a:schemeClr val="dk1"/>
+            </a:effectRef>
+            <a:fontRef idx="minor">
+              <a:schemeClr val="dk1"/>
+            </a:fontRef>
+          </p:style>
+          <p:txBody>
+            <a:bodyPr wrap="none" rtlCol="0" anchor="ctr"/>
+            <a:lstStyle/>
+            <a:p>
+              <a:pPr algn="ctr"/>
+              <a:r>
+                <a:rPr lang="fr-BE" sz="1200" dirty="0" smtClean="0">
+                  <a:latin typeface="+mj-lt"/>
+                </a:rPr>
+                <a:t>Schedule</a:t>
+              </a:r>
+              <a:endParaRPr lang="fr-BE" sz="1200" dirty="0" smtClean="0">
+                <a:latin typeface="+mj-lt"/>
+              </a:endParaRPr>
+            </a:p>
+          </p:txBody>
+        </p:sp>
+        <p:cxnSp>
+          <p:nvCxnSpPr>
+            <p:cNvPr id="116" name="Connecteur droit avec flèche 115"/>
+            <p:cNvCxnSpPr>
+              <a:stCxn id="113" idx="2"/>
+              <a:endCxn id="122" idx="0"/>
+            </p:cNvCxnSpPr>
+            <p:nvPr/>
+          </p:nvCxnSpPr>
+          <p:spPr>
+            <a:xfrm rot="5400000">
+              <a:off x="2775151" y="4734289"/>
+              <a:ext cx="246942" cy="1588"/>
+            </a:xfrm>
+            <a:prstGeom prst="straightConnector1">
+              <a:avLst/>
+            </a:prstGeom>
+            <a:ln w="22225">
+              <a:tailEnd type="arrow"/>
+            </a:ln>
+          </p:spPr>
+          <p:style>
+            <a:lnRef idx="2">
+              <a:schemeClr val="dk1"/>
+            </a:lnRef>
+            <a:fillRef idx="0">
+              <a:schemeClr val="dk1"/>
+            </a:fillRef>
+            <a:effectRef idx="1">
+              <a:schemeClr val="dk1"/>
+            </a:effectRef>
+            <a:fontRef idx="minor">
+              <a:schemeClr val="tx1"/>
+            </a:fontRef>
+          </p:style>
+        </p:cxnSp>
+        <p:cxnSp>
+          <p:nvCxnSpPr>
+            <p:cNvPr id="117" name="Connecteur droit avec flèche 116"/>
+            <p:cNvCxnSpPr>
+              <a:stCxn id="115" idx="2"/>
+              <a:endCxn id="125" idx="0"/>
+            </p:cNvCxnSpPr>
+            <p:nvPr/>
+          </p:nvCxnSpPr>
+          <p:spPr>
+            <a:xfrm rot="5400000">
+              <a:off x="2791465" y="6036487"/>
+              <a:ext cx="214314" cy="1588"/>
+            </a:xfrm>
+            <a:prstGeom prst="straightConnector1">
+              <a:avLst/>
+            </a:prstGeom>
+            <a:ln w="22225">
+              <a:tailEnd type="arrow"/>
+            </a:ln>
+          </p:spPr>
+          <p:style>
+            <a:lnRef idx="2">
+              <a:schemeClr val="dk1"/>
+            </a:lnRef>
+            <a:fillRef idx="0">
+              <a:schemeClr val="dk1"/>
+            </a:fillRef>
+            <a:effectRef idx="1">
+              <a:schemeClr val="dk1"/>
+            </a:effectRef>
+            <a:fontRef idx="minor">
+              <a:schemeClr val="tx1"/>
+            </a:fontRef>
+          </p:style>
+        </p:cxnSp>
+        <p:cxnSp>
+          <p:nvCxnSpPr>
+            <p:cNvPr id="118" name="Connecteur droit avec flèche 117"/>
+            <p:cNvCxnSpPr>
+              <a:stCxn id="122" idx="2"/>
+              <a:endCxn id="115" idx="0"/>
+            </p:cNvCxnSpPr>
+            <p:nvPr/>
+          </p:nvCxnSpPr>
+          <p:spPr>
+            <a:xfrm rot="5400000">
+              <a:off x="2810870" y="5445578"/>
+              <a:ext cx="175504" cy="1588"/>
+            </a:xfrm>
+            <a:prstGeom prst="straightConnector1">
+              <a:avLst/>
+            </a:prstGeom>
+            <a:ln w="22225">
+              <a:tailEnd type="arrow"/>
+            </a:ln>
+          </p:spPr>
+          <p:style>
+            <a:lnRef idx="2">
+              <a:schemeClr val="dk1"/>
+            </a:lnRef>
+            <a:fillRef idx="0">
+              <a:schemeClr val="dk1"/>
+            </a:fillRef>
+            <a:effectRef idx="1">
+              <a:schemeClr val="dk1"/>
+            </a:effectRef>
+            <a:fontRef idx="minor">
+              <a:schemeClr val="tx1"/>
+            </a:fontRef>
+          </p:style>
+        </p:cxnSp>
+        <p:cxnSp>
+          <p:nvCxnSpPr>
+            <p:cNvPr id="119" name="Connecteur en angle 281"/>
+            <p:cNvCxnSpPr>
+              <a:stCxn id="122" idx="1"/>
+              <a:endCxn id="114" idx="3"/>
+            </p:cNvCxnSpPr>
+            <p:nvPr/>
+          </p:nvCxnSpPr>
+          <p:spPr>
+            <a:xfrm rot="10800000">
+              <a:off x="2118874" y="5107793"/>
+              <a:ext cx="400804" cy="1588"/>
+            </a:xfrm>
+            <a:prstGeom prst="bentConnector3">
+              <a:avLst>
+                <a:gd name="adj1" fmla="val 50000"/>
+              </a:avLst>
+            </a:prstGeom>
+            <a:ln w="22225">
+              <a:tailEnd type="arrow"/>
+            </a:ln>
+          </p:spPr>
+          <p:style>
+            <a:lnRef idx="2">
+              <a:schemeClr val="dk1"/>
+            </a:lnRef>
+            <a:fillRef idx="0">
+              <a:schemeClr val="dk1"/>
+            </a:fillRef>
+            <a:effectRef idx="1">
+              <a:schemeClr val="dk1"/>
+            </a:effectRef>
+            <a:fontRef idx="minor">
+              <a:schemeClr val="tx1"/>
+            </a:fontRef>
+          </p:style>
+        </p:cxnSp>
+        <p:sp>
+          <p:nvSpPr>
+            <p:cNvPr id="120" name="Ellipse 119"/>
+            <p:cNvSpPr/>
+            <p:nvPr/>
+          </p:nvSpPr>
+          <p:spPr>
+            <a:xfrm>
+              <a:off x="2862622" y="3929066"/>
+              <a:ext cx="72000" cy="72000"/>
+            </a:xfrm>
+            <a:prstGeom prst="ellipse">
+              <a:avLst/>
+            </a:prstGeom>
+            <a:ln w="22225"/>
+          </p:spPr>
+          <p:style>
+            <a:lnRef idx="2">
+              <a:schemeClr val="dk1">
+                <a:shade val="50000"/>
+              </a:schemeClr>
+            </a:lnRef>
+            <a:fillRef idx="1">
+              <a:schemeClr val="dk1"/>
+            </a:fillRef>
+            <a:effectRef idx="0">
+              <a:schemeClr val="dk1"/>
+            </a:effectRef>
+            <a:fontRef idx="minor">
+              <a:schemeClr val="lt1"/>
+            </a:fontRef>
+          </p:style>
+          <p:txBody>
+            <a:bodyPr rtlCol="0" anchor="ctr"/>
+            <a:lstStyle/>
+            <a:p>
+              <a:pPr algn="ctr"/>
+              <a:endParaRPr lang="fr-BE" sz="1200">
+                <a:latin typeface="+mj-lt"/>
+              </a:endParaRPr>
+            </a:p>
+          </p:txBody>
+        </p:sp>
+        <p:cxnSp>
+          <p:nvCxnSpPr>
+            <p:cNvPr id="121" name="Connecteur droit avec flèche 120"/>
+            <p:cNvCxnSpPr>
+              <a:stCxn id="120" idx="4"/>
+              <a:endCxn id="113" idx="0"/>
+            </p:cNvCxnSpPr>
+            <p:nvPr/>
+          </p:nvCxnSpPr>
+          <p:spPr>
+            <a:xfrm rot="5400000">
+              <a:off x="2791746" y="4107942"/>
+              <a:ext cx="213752" cy="1588"/>
+            </a:xfrm>
+            <a:prstGeom prst="straightConnector1">
+              <a:avLst/>
+            </a:prstGeom>
+            <a:ln w="22225">
+              <a:tailEnd type="arrow"/>
+            </a:ln>
+          </p:spPr>
+          <p:style>
+            <a:lnRef idx="2">
+              <a:schemeClr val="dk1"/>
+            </a:lnRef>
+            <a:fillRef idx="0">
+              <a:schemeClr val="dk1"/>
+            </a:fillRef>
+            <a:effectRef idx="1">
+              <a:schemeClr val="dk1"/>
+            </a:effectRef>
+            <a:fontRef idx="minor">
+              <a:schemeClr val="tx1"/>
+            </a:fontRef>
+          </p:style>
+        </p:cxnSp>
+        <p:sp>
+          <p:nvSpPr>
+            <p:cNvPr id="122" name="Losange 121"/>
+            <p:cNvSpPr/>
+            <p:nvPr/>
+          </p:nvSpPr>
+          <p:spPr>
+            <a:xfrm>
+              <a:off x="2519678" y="4857760"/>
+              <a:ext cx="757888" cy="500066"/>
+            </a:xfrm>
+            <a:prstGeom prst="diamond">
+              <a:avLst/>
+            </a:prstGeom>
+          </p:spPr>
+          <p:style>
+            <a:lnRef idx="2">
+              <a:schemeClr val="dk1"/>
+            </a:lnRef>
+            <a:fillRef idx="1">
+              <a:schemeClr val="lt1"/>
+            </a:fillRef>
+            <a:effectRef idx="0">
+              <a:schemeClr val="dk1"/>
+            </a:effectRef>
+            <a:fontRef idx="minor">
+              <a:schemeClr val="dk1"/>
+            </a:fontRef>
+          </p:style>
+          <p:txBody>
+            <a:bodyPr wrap="none" rtlCol="0" anchor="ctr">
+              <a:noAutofit/>
+            </a:bodyPr>
+            <a:lstStyle/>
+            <a:p>
+              <a:pPr algn="ctr"/>
+              <a:r>
+                <a:rPr lang="fr-BE" sz="1200" dirty="0" err="1" smtClean="0">
+                  <a:latin typeface="+mj-lt"/>
+                </a:rPr>
+                <a:t>Conflict</a:t>
+              </a:r>
+              <a:r>
+                <a:rPr lang="fr-BE" sz="1200" dirty="0" smtClean="0">
+                  <a:latin typeface="+mj-lt"/>
+                </a:rPr>
+                <a:t>?</a:t>
+              </a:r>
+              <a:endParaRPr lang="fr-BE" sz="1200" dirty="0">
+                <a:latin typeface="+mj-lt"/>
+              </a:endParaRPr>
+            </a:p>
+          </p:txBody>
+        </p:sp>
+        <p:cxnSp>
+          <p:nvCxnSpPr>
+            <p:cNvPr id="123" name="Connecteur droit avec flèche 74"/>
+            <p:cNvCxnSpPr>
+              <a:stCxn id="114" idx="0"/>
+              <a:endCxn id="113" idx="1"/>
+            </p:cNvCxnSpPr>
+            <p:nvPr/>
+          </p:nvCxnSpPr>
+          <p:spPr>
+            <a:xfrm rot="5400000" flipH="1" flipV="1">
+              <a:off x="1753239" y="4286230"/>
+              <a:ext cx="496975" cy="750152"/>
+            </a:xfrm>
+            <a:prstGeom prst="bentConnector2">
+              <a:avLst/>
+            </a:prstGeom>
+            <a:ln w="22225">
+              <a:tailEnd type="arrow"/>
+            </a:ln>
+          </p:spPr>
+          <p:style>
+            <a:lnRef idx="2">
+              <a:schemeClr val="dk1"/>
+            </a:lnRef>
+            <a:fillRef idx="0">
+              <a:schemeClr val="dk1"/>
+            </a:fillRef>
+            <a:effectRef idx="1">
+              <a:schemeClr val="dk1"/>
+            </a:effectRef>
+            <a:fontRef idx="minor">
+              <a:schemeClr val="tx1"/>
+            </a:fontRef>
+          </p:style>
+        </p:cxnSp>
+        <p:grpSp>
+          <p:nvGrpSpPr>
+            <p:cNvPr id="124" name="Groupe 109"/>
+            <p:cNvGrpSpPr/>
+            <p:nvPr/>
+          </p:nvGrpSpPr>
+          <p:grpSpPr>
+            <a:xfrm>
+              <a:off x="2808622" y="6143644"/>
+              <a:ext cx="180000" cy="180000"/>
+              <a:chOff x="2786050" y="6143644"/>
+              <a:chExt cx="180000" cy="180000"/>
+            </a:xfrm>
+          </p:grpSpPr>
+          <p:sp>
+            <p:nvSpPr>
+              <p:cNvPr id="125" name="Ellipse 124"/>
+              <p:cNvSpPr/>
+              <p:nvPr/>
+            </p:nvSpPr>
+            <p:spPr>
+              <a:xfrm>
+                <a:off x="2786050" y="6143644"/>
+                <a:ext cx="180000" cy="180000"/>
+              </a:xfrm>
+              <a:prstGeom prst="ellipse">
+                <a:avLst/>
+              </a:prstGeom>
+            </p:spPr>
+            <p:style>
+              <a:lnRef idx="2">
+                <a:schemeClr val="dk1"/>
+              </a:lnRef>
+              <a:fillRef idx="1">
+                <a:schemeClr val="lt1"/>
+              </a:fillRef>
+              <a:effectRef idx="0">
+                <a:schemeClr val="dk1"/>
+              </a:effectRef>
+              <a:fontRef idx="minor">
+                <a:schemeClr val="dk1"/>
+              </a:fontRef>
+            </p:style>
+            <p:txBody>
+              <a:bodyPr rtlCol="0" anchor="ctr"/>
+              <a:lstStyle/>
+              <a:p>
+                <a:pPr algn="ctr"/>
+                <a:endParaRPr lang="fr-BE" sz="1200">
+                  <a:latin typeface="+mj-lt"/>
+                </a:endParaRPr>
+              </a:p>
+            </p:txBody>
+          </p:sp>
+          <p:sp>
+            <p:nvSpPr>
+              <p:cNvPr id="126" name="Ellipse 125"/>
+              <p:cNvSpPr/>
+              <p:nvPr/>
+            </p:nvSpPr>
+            <p:spPr>
+              <a:xfrm>
+                <a:off x="2840050" y="6197644"/>
+                <a:ext cx="72000" cy="72000"/>
+              </a:xfrm>
+              <a:prstGeom prst="ellipse">
+                <a:avLst/>
+              </a:prstGeom>
+              <a:ln w="22225"/>
+            </p:spPr>
+            <p:style>
+              <a:lnRef idx="2">
+                <a:schemeClr val="dk1">
+                  <a:shade val="50000"/>
+                </a:schemeClr>
+              </a:lnRef>
+              <a:fillRef idx="1">
+                <a:schemeClr val="dk1"/>
+              </a:fillRef>
+              <a:effectRef idx="0">
+                <a:schemeClr val="dk1"/>
+              </a:effectRef>
+              <a:fontRef idx="minor">
+                <a:schemeClr val="lt1"/>
+              </a:fontRef>
+            </p:style>
+            <p:txBody>
+              <a:bodyPr rtlCol="0" anchor="ctr"/>
+              <a:lstStyle/>
+              <a:p>
+                <a:pPr algn="ctr"/>
+                <a:endParaRPr lang="fr-BE" sz="1200">
+                  <a:latin typeface="+mj-lt"/>
+                </a:endParaRPr>
+              </a:p>
+            </p:txBody>
+          </p:sp>
+        </p:grpSp>
       </p:grpSp>
     </p:spTree>
   </p:cSld>
@@ -12089,16 +13140,16 @@
       </p:grpSpPr>
       <p:grpSp>
         <p:nvGrpSpPr>
-          <p:cNvPr id="48" name="Groupe 47"/>
+          <p:cNvPr id="89" name="Groupe 88"/>
           <p:cNvGrpSpPr/>
           <p:nvPr/>
         </p:nvGrpSpPr>
         <p:grpSpPr>
           <a:xfrm>
-            <a:off x="251520" y="144016"/>
-            <a:ext cx="8541867" cy="6525344"/>
-            <a:chOff x="251520" y="144016"/>
-            <a:chExt cx="8541867" cy="6525344"/>
+            <a:off x="142844" y="144016"/>
+            <a:ext cx="8929750" cy="6497960"/>
+            <a:chOff x="142844" y="144016"/>
+            <a:chExt cx="8929750" cy="6497960"/>
           </a:xfrm>
         </p:grpSpPr>
         <p:sp>
@@ -12109,8 +13160,8 @@
           </p:nvSpPr>
           <p:spPr>
             <a:xfrm>
-              <a:off x="251520" y="144016"/>
-              <a:ext cx="8496944" cy="6497960"/>
+              <a:off x="142844" y="144016"/>
+              <a:ext cx="8858312" cy="6497960"/>
             </a:xfrm>
             <a:prstGeom prst="rect">
               <a:avLst/>
@@ -12186,13 +13237,59 @@
         </p:sp>
         <p:sp>
           <p:nvSpPr>
+            <p:cNvPr id="82" name="Rectangle 81"/>
+            <p:cNvSpPr/>
+            <p:nvPr/>
+          </p:nvSpPr>
+          <p:spPr>
+            <a:xfrm>
+              <a:off x="1857356" y="2214554"/>
+              <a:ext cx="1285884" cy="1714512"/>
+            </a:xfrm>
+            <a:prstGeom prst="rect">
+              <a:avLst/>
+            </a:prstGeom>
+            <a:solidFill>
+              <a:schemeClr val="bg1"/>
+            </a:solidFill>
+            <a:ln>
+              <a:noFill/>
+            </a:ln>
+          </p:spPr>
+          <p:style>
+            <a:lnRef idx="2">
+              <a:schemeClr val="accent1">
+                <a:shade val="50000"/>
+              </a:schemeClr>
+            </a:lnRef>
+            <a:fillRef idx="1">
+              <a:schemeClr val="accent1"/>
+            </a:fillRef>
+            <a:effectRef idx="0">
+              <a:schemeClr val="accent1"/>
+            </a:effectRef>
+            <a:fontRef idx="minor">
+              <a:schemeClr val="lt1"/>
+            </a:fontRef>
+          </p:style>
+          <p:txBody>
+            <a:bodyPr rtlCol="0" anchor="ctr"/>
+            <a:lstStyle/>
+            <a:p>
+              <a:pPr algn="ctr"/>
+              <a:endParaRPr lang="fr-BE"/>
+            </a:p>
+          </p:txBody>
+        </p:sp>
+        <p:sp>
+          <p:nvSpPr>
             <p:cNvPr id="37" name="Rectangle 36"/>
             <p:cNvSpPr/>
             <p:nvPr/>
           </p:nvSpPr>
           <p:spPr>
             <a:xfrm>
-              <a:off x="2339752" y="476672"/>
+              <a:off x="2339752" y="550230"/>
               <a:ext cx="4104456" cy="1080120"/>
             </a:xfrm>
             <a:prstGeom prst="rect">
@@ -12238,8 +13335,8 @@
           </p:nvSpPr>
           <p:spPr>
             <a:xfrm>
-              <a:off x="3419872" y="4797152"/>
-              <a:ext cx="2160240" cy="936104"/>
+              <a:off x="5269076" y="4187108"/>
+              <a:ext cx="1731612" cy="1285884"/>
             </a:xfrm>
             <a:prstGeom prst="rect">
               <a:avLst/>
@@ -12284,7 +13381,7 @@
           </p:nvGrpSpPr>
           <p:grpSpPr>
             <a:xfrm>
-              <a:off x="3196227" y="4590420"/>
+              <a:off x="4911886" y="4108432"/>
               <a:ext cx="2803386" cy="2078940"/>
               <a:chOff x="5254729" y="2420888"/>
               <a:chExt cx="2803386" cy="2078940"/>
@@ -12299,7 +13396,7 @@
               <p:nvPr/>
             </p:nvPicPr>
             <p:blipFill>
-              <a:blip r:embed="rId2" cstate="print"/>
+              <a:blip r:embed="rId3" cstate="print"/>
               <a:srcRect/>
               <a:stretch>
                 <a:fillRect/>
@@ -12341,13 +13438,8 @@
                 <a:pPr algn="r"/>
                 <a:r>
                   <a:rPr lang="fr-BE" smtClean="0"/>
-                  <a:t>High-level </a:t>
+                  <a:t>High-level scenarios (hMSC)</a:t>
                 </a:r>
-                <a:r>
-                  <a:rPr lang="fr-BE" smtClean="0"/>
-                  <a:t>scenarios (hMSC)</a:t>
-                </a:r>
-                <a:endParaRPr lang="fr-BE" smtClean="0"/>
               </a:p>
             </p:txBody>
           </p:sp>
@@ -12360,8 +13452,8 @@
           </p:nvSpPr>
           <p:spPr>
             <a:xfrm>
-              <a:off x="5652120" y="2428508"/>
-              <a:ext cx="2016224" cy="1368152"/>
+              <a:off x="5929322" y="2203724"/>
+              <a:ext cx="2016224" cy="1511028"/>
             </a:xfrm>
             <a:prstGeom prst="rect">
               <a:avLst/>
@@ -12406,8 +13498,8 @@
           </p:nvSpPr>
           <p:spPr>
             <a:xfrm>
-              <a:off x="1187624" y="2348880"/>
-              <a:ext cx="2016224" cy="2016224"/>
+              <a:off x="2786050" y="4429132"/>
+              <a:ext cx="1285884" cy="1143008"/>
             </a:xfrm>
             <a:prstGeom prst="rect">
               <a:avLst/>
@@ -12452,7 +13544,7 @@
           </p:nvGrpSpPr>
           <p:grpSpPr>
             <a:xfrm>
-              <a:off x="5733790" y="2091328"/>
+              <a:off x="6012997" y="1977268"/>
               <a:ext cx="3059597" cy="1737484"/>
               <a:chOff x="2323036" y="481896"/>
               <a:chExt cx="3059597" cy="1737484"/>
@@ -12467,7 +13559,7 @@
               <p:nvPr/>
             </p:nvPicPr>
             <p:blipFill>
-              <a:blip r:embed="rId3" cstate="print"/>
+              <a:blip r:embed="rId4" cstate="print"/>
               <a:srcRect/>
               <a:stretch>
                 <a:fillRect/>
@@ -12523,7 +13615,7 @@
           </p:nvGrpSpPr>
           <p:grpSpPr>
             <a:xfrm>
-              <a:off x="323528" y="2564904"/>
+              <a:off x="194654" y="2272882"/>
               <a:ext cx="2877148" cy="1656184"/>
               <a:chOff x="182684" y="2707179"/>
               <a:chExt cx="2877148" cy="1656184"/>
@@ -12538,7 +13630,7 @@
               <p:nvPr/>
             </p:nvPicPr>
             <p:blipFill>
-              <a:blip r:embed="rId4" cstate="print"/>
+              <a:blip r:embed="rId5" cstate="print"/>
               <a:srcRect/>
               <a:stretch>
                 <a:fillRect/>
@@ -12578,21 +13670,25 @@
               <a:lstStyle/>
               <a:p>
                 <a:r>
-                  <a:rPr lang="fr-BE" smtClean="0"/>
+                  <a:rPr lang="fr-BE" dirty="0" smtClean="0"/>
                   <a:t>Goals &amp; </a:t>
                 </a:r>
                 <a:br>
-                  <a:rPr lang="fr-BE" smtClean="0"/>
+                  <a:rPr lang="fr-BE" dirty="0" smtClean="0"/>
                 </a:br>
                 <a:r>
-                  <a:rPr lang="fr-BE" smtClean="0"/>
+                  <a:rPr lang="fr-BE" dirty="0" smtClean="0"/>
                   <a:t>Domain </a:t>
                 </a:r>
                 <a:r>
-                  <a:rPr lang="fr-BE" smtClean="0"/>
-                  <a:t>Properties (FLTL)</a:t>
+                  <a:rPr lang="fr-BE" dirty="0" err="1" smtClean="0"/>
+                  <a:t>Properties</a:t>
                 </a:r>
-                <a:endParaRPr lang="fr-BE"/>
+                <a:r>
+                  <a:rPr lang="fr-BE" dirty="0" smtClean="0"/>
+                  <a:t> (FLTL)</a:t>
+                </a:r>
+                <a:endParaRPr lang="fr-BE" dirty="0"/>
               </a:p>
             </p:txBody>
           </p:sp>
@@ -12605,10 +13701,10 @@
           </p:nvGrpSpPr>
           <p:grpSpPr>
             <a:xfrm>
-              <a:off x="2423550" y="173776"/>
-              <a:ext cx="4162583" cy="1311008"/>
-              <a:chOff x="1547664" y="4077072"/>
-              <a:chExt cx="4162583" cy="1311008"/>
+              <a:off x="2643174" y="285728"/>
+              <a:ext cx="4214842" cy="1285884"/>
+              <a:chOff x="1547664" y="4102196"/>
+              <a:chExt cx="4214842" cy="1285884"/>
             </a:xfrm>
           </p:grpSpPr>
           <p:grpSp>
@@ -12634,7 +13730,7 @@
                 <p:nvPr/>
               </p:nvPicPr>
               <p:blipFill>
-                <a:blip r:embed="rId5" cstate="print"/>
+                <a:blip r:embed="rId6" cstate="print"/>
                 <a:srcRect/>
                 <a:stretch>
                   <a:fillRect/>
@@ -12660,7 +13756,7 @@
                 <p:nvPr/>
               </p:nvPicPr>
               <p:blipFill>
-                <a:blip r:embed="rId6" cstate="print"/>
+                <a:blip r:embed="rId7" cstate="print"/>
                 <a:srcRect/>
                 <a:stretch>
                   <a:fillRect/>
@@ -12686,7 +13782,7 @@
                 <p:nvPr/>
               </p:nvPicPr>
               <p:blipFill>
-                <a:blip r:embed="rId7" cstate="print"/>
+                <a:blip r:embed="rId8" cstate="print"/>
                 <a:srcRect/>
                 <a:stretch>
                   <a:fillRect/>
@@ -12726,10 +13822,10 @@
                 <a:lstStyle/>
                 <a:p>
                   <a:r>
-                    <a:rPr lang="fr-BE" sz="2000" b="1" smtClean="0"/>
+                    <a:rPr lang="fr-BE" sz="2000" b="1" dirty="0" smtClean="0"/>
                     <a:t>||</a:t>
                   </a:r>
-                  <a:endParaRPr lang="fr-BE" sz="2000" b="1"/>
+                  <a:endParaRPr lang="fr-BE" sz="2000" b="1" dirty="0"/>
                 </a:p>
               </p:txBody>
             </p:sp>
@@ -12742,7 +13838,7 @@
             </p:nvSpPr>
             <p:spPr>
               <a:xfrm>
-                <a:off x="3021754" y="4077072"/>
+                <a:off x="3074013" y="4102196"/>
                 <a:ext cx="2688493" cy="369332"/>
               </a:xfrm>
               <a:prstGeom prst="rect">
@@ -12757,87 +13853,725 @@
               <a:lstStyle/>
               <a:p>
                 <a:r>
-                  <a:rPr lang="fr-BE" smtClean="0"/>
+                  <a:rPr lang="fr-BE" dirty="0" smtClean="0"/>
                   <a:t>Agent state machines (LTS)</a:t>
                 </a:r>
-                <a:endParaRPr lang="fr-BE"/>
+                <a:endParaRPr lang="fr-BE" dirty="0"/>
+              </a:p>
+            </p:txBody>
+          </p:sp>
+        </p:grpSp>
+        <p:grpSp>
+          <p:nvGrpSpPr>
+            <p:cNvPr id="84" name="Groupe 83"/>
+            <p:cNvGrpSpPr/>
+            <p:nvPr/>
+          </p:nvGrpSpPr>
+          <p:grpSpPr>
+            <a:xfrm>
+              <a:off x="1357290" y="4286256"/>
+              <a:ext cx="2643206" cy="1944990"/>
+              <a:chOff x="142844" y="1857364"/>
+              <a:chExt cx="2643206" cy="1944990"/>
+            </a:xfrm>
+          </p:grpSpPr>
+          <p:pic>
+            <p:nvPicPr>
+              <p:cNvPr id="1032" name="Picture 8" descr="C:\Users\blambeau\Documents\thesis\writing\images\process.png"/>
+              <p:cNvPicPr>
+                <a:picLocks noChangeAspect="1" noChangeArrowheads="1"/>
+              </p:cNvPicPr>
+              <p:nvPr/>
+            </p:nvPicPr>
+            <p:blipFill>
+              <a:blip r:embed="rId9"/>
+              <a:srcRect/>
+              <a:stretch>
+                <a:fillRect/>
+              </a:stretch>
+            </p:blipFill>
+            <p:spPr bwMode="auto">
+              <a:xfrm>
+                <a:off x="928662" y="1857364"/>
+                <a:ext cx="1857388" cy="1944990"/>
+              </a:xfrm>
+              <a:prstGeom prst="rect">
+                <a:avLst/>
+              </a:prstGeom>
+              <a:noFill/>
+            </p:spPr>
+          </p:pic>
+          <p:sp>
+            <p:nvSpPr>
+              <p:cNvPr id="83" name="ZoneTexte 82"/>
+              <p:cNvSpPr txBox="1"/>
+              <p:nvPr/>
+            </p:nvSpPr>
+            <p:spPr>
+              <a:xfrm>
+                <a:off x="142844" y="3143248"/>
+                <a:ext cx="1686167" cy="646331"/>
+              </a:xfrm>
+              <a:prstGeom prst="rect">
+                <a:avLst/>
+              </a:prstGeom>
+              <a:noFill/>
+            </p:spPr>
+            <p:txBody>
+              <a:bodyPr wrap="none" rtlCol="0">
+                <a:spAutoFit/>
+              </a:bodyPr>
+              <a:lstStyle/>
+              <a:p>
+                <a:r>
+                  <a:rPr lang="fr-BE" dirty="0" err="1" smtClean="0"/>
+                  <a:t>Process</a:t>
+                </a:r>
+                <a:r>
+                  <a:rPr lang="fr-BE" dirty="0" smtClean="0"/>
+                  <a:t> </a:t>
+                </a:r>
+                <a:r>
+                  <a:rPr lang="fr-BE" dirty="0" err="1" smtClean="0"/>
+                  <a:t>models</a:t>
+                </a:r>
+                <a:r>
+                  <a:rPr lang="fr-BE" dirty="0" smtClean="0"/>
+                  <a:t> </a:t>
+                </a:r>
+                <a:br>
+                  <a:rPr lang="fr-BE" dirty="0" smtClean="0"/>
+                </a:br>
+                <a:r>
+                  <a:rPr lang="fr-BE" dirty="0" smtClean="0"/>
+                  <a:t>(g-</a:t>
+                </a:r>
+                <a:r>
+                  <a:rPr lang="fr-BE" dirty="0" err="1" smtClean="0"/>
+                  <a:t>hMSC</a:t>
+                </a:r>
+                <a:r>
+                  <a:rPr lang="fr-BE" dirty="0" smtClean="0"/>
+                  <a:t>)</a:t>
+                </a:r>
+                <a:endParaRPr lang="fr-BE" dirty="0"/>
+              </a:p>
+            </p:txBody>
+          </p:sp>
+        </p:grpSp>
+        <p:grpSp>
+          <p:nvGrpSpPr>
+            <p:cNvPr id="88" name="Groupe 87"/>
+            <p:cNvGrpSpPr/>
+            <p:nvPr/>
+          </p:nvGrpSpPr>
+          <p:grpSpPr>
+            <a:xfrm>
+              <a:off x="3286116" y="2571744"/>
+              <a:ext cx="2510020" cy="1214446"/>
+              <a:chOff x="3286116" y="2571744"/>
+              <a:chExt cx="2510020" cy="1214446"/>
+            </a:xfrm>
+          </p:grpSpPr>
+          <p:grpSp>
+            <p:nvGrpSpPr>
+              <p:cNvPr id="87" name="Groupe 86"/>
+              <p:cNvGrpSpPr/>
+              <p:nvPr/>
+            </p:nvGrpSpPr>
+            <p:grpSpPr>
+              <a:xfrm>
+                <a:off x="3286116" y="2571744"/>
+                <a:ext cx="2510020" cy="1214446"/>
+                <a:chOff x="3286116" y="2571744"/>
+                <a:chExt cx="2510020" cy="1214446"/>
+              </a:xfrm>
+            </p:grpSpPr>
+            <p:sp>
+              <p:nvSpPr>
+                <p:cNvPr id="28" name="Nuage 27"/>
+                <p:cNvSpPr/>
+                <p:nvPr/>
+              </p:nvSpPr>
+              <p:spPr>
+                <a:xfrm>
+                  <a:off x="3286116" y="2571744"/>
+                  <a:ext cx="2510020" cy="1214446"/>
+                </a:xfrm>
+                <a:prstGeom prst="cloud">
+                  <a:avLst/>
+                </a:prstGeom>
+              </p:spPr>
+              <p:style>
+                <a:lnRef idx="2">
+                  <a:schemeClr val="dk1"/>
+                </a:lnRef>
+                <a:fillRef idx="1">
+                  <a:schemeClr val="lt1"/>
+                </a:fillRef>
+                <a:effectRef idx="0">
+                  <a:schemeClr val="dk1"/>
+                </a:effectRef>
+                <a:fontRef idx="minor">
+                  <a:schemeClr val="dk1"/>
+                </a:fontRef>
+              </p:style>
+              <p:txBody>
+                <a:bodyPr wrap="none" tIns="108000" rtlCol="0" anchor="ctr" anchorCtr="1"/>
+                <a:lstStyle/>
+                <a:p>
+                  <a:pPr algn="ctr"/>
+                  <a:endParaRPr lang="fr-BE" dirty="0"/>
+                </a:p>
+              </p:txBody>
+            </p:sp>
+            <p:sp>
+              <p:nvSpPr>
+                <p:cNvPr id="86" name="Rectangle à coins arrondis 85"/>
+                <p:cNvSpPr/>
+                <p:nvPr/>
+              </p:nvSpPr>
+              <p:spPr>
+                <a:xfrm>
+                  <a:off x="5000628" y="3000372"/>
+                  <a:ext cx="500066" cy="357190"/>
+                </a:xfrm>
+                <a:prstGeom prst="roundRect">
+                  <a:avLst/>
+                </a:prstGeom>
+                <a:solidFill>
+                  <a:schemeClr val="bg1"/>
+                </a:solidFill>
+                <a:ln>
+                  <a:noFill/>
+                </a:ln>
+              </p:spPr>
+              <p:style>
+                <a:lnRef idx="2">
+                  <a:schemeClr val="accent1">
+                    <a:shade val="50000"/>
+                  </a:schemeClr>
+                </a:lnRef>
+                <a:fillRef idx="1">
+                  <a:schemeClr val="accent1"/>
+                </a:fillRef>
+                <a:effectRef idx="0">
+                  <a:schemeClr val="accent1"/>
+                </a:effectRef>
+                <a:fontRef idx="minor">
+                  <a:schemeClr val="lt1"/>
+                </a:fontRef>
+              </p:style>
+              <p:txBody>
+                <a:bodyPr rtlCol="0" anchor="ctr"/>
+                <a:lstStyle/>
+                <a:p>
+                  <a:pPr algn="ctr"/>
+                  <a:endParaRPr lang="fr-BE"/>
+                </a:p>
+              </p:txBody>
+            </p:sp>
+          </p:grpSp>
+          <p:sp>
+            <p:nvSpPr>
+              <p:cNvPr id="38" name="ZoneTexte 37"/>
+              <p:cNvSpPr txBox="1"/>
+              <p:nvPr/>
+            </p:nvSpPr>
+            <p:spPr>
+              <a:xfrm>
+                <a:off x="3500430" y="2714620"/>
+                <a:ext cx="2070247" cy="923330"/>
+              </a:xfrm>
+              <a:prstGeom prst="rect">
+                <a:avLst/>
+              </a:prstGeom>
+              <a:noFill/>
+            </p:spPr>
+            <p:txBody>
+              <a:bodyPr wrap="none" rtlCol="0">
+                <a:spAutoFit/>
+              </a:bodyPr>
+              <a:lstStyle/>
+              <a:p>
+                <a:pPr algn="ctr">
+                  <a:tabLst>
+                    <a:tab pos="177800" algn="l"/>
+                  </a:tabLst>
+                </a:pPr>
+                <a:r>
+                  <a:rPr lang="fr-BE" dirty="0" smtClean="0"/>
+                  <a:t> </a:t>
+                </a:r>
+                <a:r>
+                  <a:rPr lang="fr-BE" dirty="0" smtClean="0"/>
+                  <a:t>	Event </a:t>
+                </a:r>
+                <a:r>
+                  <a:rPr lang="fr-BE" dirty="0" smtClean="0"/>
+                  <a:t>traces (LTS) </a:t>
+                </a:r>
+                <a:br>
+                  <a:rPr lang="fr-BE" dirty="0" smtClean="0"/>
+                </a:br>
+                <a:r>
+                  <a:rPr lang="fr-BE" dirty="0" smtClean="0"/>
+                  <a:t>+ </a:t>
+                </a:r>
+                <a:r>
+                  <a:rPr lang="fr-BE" dirty="0" smtClean="0"/>
+                  <a:t>	State </a:t>
+                </a:r>
+                <a:r>
+                  <a:rPr lang="fr-BE" dirty="0" smtClean="0"/>
+                  <a:t>annotations </a:t>
+                </a:r>
+                <a:r>
+                  <a:rPr lang="fr-BE" dirty="0" smtClean="0"/>
+                  <a:t/>
+                </a:r>
+                <a:br>
+                  <a:rPr lang="fr-BE" dirty="0" smtClean="0"/>
+                </a:br>
+                <a:r>
+                  <a:rPr lang="fr-BE" dirty="0" smtClean="0"/>
+                  <a:t>(</a:t>
+                </a:r>
+                <a:r>
+                  <a:rPr lang="fr-BE" dirty="0" smtClean="0"/>
+                  <a:t>fluents)</a:t>
+                </a:r>
+                <a:endParaRPr lang="fr-BE" dirty="0"/>
+              </a:p>
+            </p:txBody>
+          </p:sp>
+        </p:grpSp>
+      </p:grpSp>
+    </p:spTree>
+  </p:cSld>
+  <p:clrMapOvr>
+    <a:masterClrMapping/>
+  </p:clrMapOvr>
+</p:sld>
+</file>
+
+<file path=ppt/slides/slide7.xml><?xml version="1.0" encoding="utf-8"?>
+<p:sld xmlns:a="http://schemas.openxmlformats.org/drawingml/2006/main" xmlns:r="http://schemas.openxmlformats.org/officeDocument/2006/relationships" xmlns:p="http://schemas.openxmlformats.org/presentationml/2006/main">
+  <p:cSld>
+    <p:spTree>
+      <p:nvGrpSpPr>
+        <p:cNvPr id="1" name=""/>
+        <p:cNvGrpSpPr/>
+        <p:nvPr/>
+      </p:nvGrpSpPr>
+      <p:grpSpPr>
+        <a:xfrm>
+          <a:off x="0" y="0"/>
+          <a:ext cx="0" cy="0"/>
+          <a:chOff x="0" y="0"/>
+          <a:chExt cx="0" cy="0"/>
+        </a:xfrm>
+      </p:grpSpPr>
+      <p:sp>
+        <p:nvSpPr>
+          <p:cNvPr id="28" name="Rectangle 27"/>
+          <p:cNvSpPr/>
+          <p:nvPr/>
+        </p:nvSpPr>
+        <p:spPr>
+          <a:xfrm>
+            <a:off x="500034" y="214290"/>
+            <a:ext cx="7929618" cy="5857916"/>
+          </a:xfrm>
+          <a:prstGeom prst="rect">
+            <a:avLst/>
+          </a:prstGeom>
+          <a:ln w="3175"/>
+        </p:spPr>
+        <p:style>
+          <a:lnRef idx="2">
+            <a:schemeClr val="dk1"/>
+          </a:lnRef>
+          <a:fillRef idx="1">
+            <a:schemeClr val="lt1"/>
+          </a:fillRef>
+          <a:effectRef idx="0">
+            <a:schemeClr val="dk1"/>
+          </a:effectRef>
+          <a:fontRef idx="minor">
+            <a:schemeClr val="dk1"/>
+          </a:fontRef>
+        </p:style>
+        <p:txBody>
+          <a:bodyPr rtlCol="0" anchor="ctr"/>
+          <a:lstStyle/>
+          <a:p>
+            <a:pPr algn="ctr"/>
+            <a:endParaRPr lang="fr-BE"/>
+          </a:p>
+        </p:txBody>
+      </p:sp>
+      <p:grpSp>
+        <p:nvGrpSpPr>
+          <p:cNvPr id="27" name="Groupe 26"/>
+          <p:cNvGrpSpPr/>
+          <p:nvPr/>
+        </p:nvGrpSpPr>
+        <p:grpSpPr>
+          <a:xfrm>
+            <a:off x="677289" y="500042"/>
+            <a:ext cx="7585782" cy="5304122"/>
+            <a:chOff x="677289" y="500042"/>
+            <a:chExt cx="7585782" cy="5304122"/>
+          </a:xfrm>
+        </p:grpSpPr>
+        <p:sp>
+          <p:nvSpPr>
+            <p:cNvPr id="5" name="ZoneTexte 4"/>
+            <p:cNvSpPr txBox="1"/>
+            <p:nvPr/>
+          </p:nvSpPr>
+          <p:spPr>
+            <a:xfrm>
+              <a:off x="838549" y="500042"/>
+              <a:ext cx="1378903" cy="461665"/>
+            </a:xfrm>
+            <a:prstGeom prst="rect">
+              <a:avLst/>
+            </a:prstGeom>
+            <a:noFill/>
+          </p:spPr>
+          <p:txBody>
+            <a:bodyPr wrap="none" rtlCol="0">
+              <a:spAutoFit/>
+            </a:bodyPr>
+            <a:lstStyle/>
+            <a:p>
+              <a:pPr algn="r"/>
+              <a:r>
+                <a:rPr lang="fr-BE" sz="2400" dirty="0" smtClean="0"/>
+                <a:t>Scenarios</a:t>
+              </a:r>
+            </a:p>
+          </p:txBody>
+        </p:sp>
+        <p:pic>
+          <p:nvPicPr>
+            <p:cNvPr id="6" name="Picture 5" descr="D:\blambeau\Work\ucl\thesis\writing\src\2-framework\images\simple-scenario.png"/>
+            <p:cNvPicPr>
+              <a:picLocks noChangeAspect="1" noChangeArrowheads="1"/>
+            </p:cNvPicPr>
+            <p:nvPr/>
+          </p:nvPicPr>
+          <p:blipFill>
+            <a:blip r:embed="rId2" cstate="print"/>
+            <a:srcRect/>
+            <a:stretch>
+              <a:fillRect/>
+            </a:stretch>
+          </p:blipFill>
+          <p:spPr bwMode="auto">
+            <a:xfrm>
+              <a:off x="2784967" y="527752"/>
+              <a:ext cx="2501413" cy="1143008"/>
+            </a:xfrm>
+            <a:prstGeom prst="rect">
+              <a:avLst/>
+            </a:prstGeom>
+            <a:noFill/>
+          </p:spPr>
+        </p:pic>
+        <p:pic>
+          <p:nvPicPr>
+            <p:cNvPr id="2050" name="Picture 2" descr="C:\Users\blambeau\Documents\thesis\writing\src\4-inductive\images\train-pta.png"/>
+            <p:cNvPicPr>
+              <a:picLocks noChangeAspect="1" noChangeArrowheads="1"/>
+            </p:cNvPicPr>
+            <p:nvPr/>
+          </p:nvPicPr>
+          <p:blipFill>
+            <a:blip r:embed="rId3"/>
+            <a:srcRect/>
+            <a:stretch>
+              <a:fillRect/>
+            </a:stretch>
+          </p:blipFill>
+          <p:spPr bwMode="auto">
+            <a:xfrm>
+              <a:off x="2360328" y="1986385"/>
+              <a:ext cx="3071834" cy="886536"/>
+            </a:xfrm>
+            <a:prstGeom prst="rect">
+              <a:avLst/>
+            </a:prstGeom>
+            <a:noFill/>
+          </p:spPr>
+        </p:pic>
+        <p:pic>
+          <p:nvPicPr>
+            <p:cNvPr id="2051" name="Picture 3" descr="C:\Users\blambeau\Documents\thesis\writing\src\4-inductive\images\composed.png"/>
+            <p:cNvPicPr>
+              <a:picLocks noChangeAspect="1" noChangeArrowheads="1"/>
+            </p:cNvPicPr>
+            <p:nvPr/>
+          </p:nvPicPr>
+          <p:blipFill>
+            <a:blip r:embed="rId4" cstate="print"/>
+            <a:srcRect/>
+            <a:stretch>
+              <a:fillRect/>
+            </a:stretch>
+          </p:blipFill>
+          <p:spPr bwMode="auto">
+            <a:xfrm>
+              <a:off x="2360328" y="3429001"/>
+              <a:ext cx="3250331" cy="857255"/>
+            </a:xfrm>
+            <a:prstGeom prst="rect">
+              <a:avLst/>
+            </a:prstGeom>
+            <a:noFill/>
+          </p:spPr>
+        </p:pic>
+        <p:grpSp>
+          <p:nvGrpSpPr>
+            <p:cNvPr id="15" name="Groupe 14"/>
+            <p:cNvGrpSpPr/>
+            <p:nvPr/>
+          </p:nvGrpSpPr>
+          <p:grpSpPr>
+            <a:xfrm>
+              <a:off x="2346473" y="4956908"/>
+              <a:ext cx="3151217" cy="847256"/>
+              <a:chOff x="1828089" y="5405409"/>
+              <a:chExt cx="3151217" cy="847256"/>
+            </a:xfrm>
+          </p:grpSpPr>
+          <p:pic>
+            <p:nvPicPr>
+              <p:cNvPr id="10" name="Picture 6" descr="D:\blambeau\Work\ucl\thesis\writing\src\2-framework\images\controller.png"/>
+              <p:cNvPicPr>
+                <a:picLocks noChangeAspect="1" noChangeArrowheads="1"/>
+              </p:cNvPicPr>
+              <p:nvPr/>
+            </p:nvPicPr>
+            <p:blipFill>
+              <a:blip r:embed="rId5" cstate="print"/>
+              <a:srcRect/>
+              <a:stretch>
+                <a:fillRect/>
+              </a:stretch>
+            </p:blipFill>
+            <p:spPr bwMode="auto">
+              <a:xfrm>
+                <a:off x="1828089" y="5462992"/>
+                <a:ext cx="1985491" cy="662815"/>
+              </a:xfrm>
+              <a:prstGeom prst="rect">
+                <a:avLst/>
+              </a:prstGeom>
+              <a:noFill/>
+            </p:spPr>
+          </p:pic>
+          <p:pic>
+            <p:nvPicPr>
+              <p:cNvPr id="12" name="Picture 9" descr="D:\blambeau\Work\ucl\thesis\writing\src\2-framework\images\open-close.png"/>
+              <p:cNvPicPr>
+                <a:picLocks noChangeAspect="1" noChangeArrowheads="1"/>
+              </p:cNvPicPr>
+              <p:nvPr/>
+            </p:nvPicPr>
+            <p:blipFill>
+              <a:blip r:embed="rId6" cstate="print"/>
+              <a:srcRect/>
+              <a:stretch>
+                <a:fillRect/>
+              </a:stretch>
+            </p:blipFill>
+            <p:spPr bwMode="auto">
+              <a:xfrm>
+                <a:off x="4149488" y="5877761"/>
+                <a:ext cx="829818" cy="374904"/>
+              </a:xfrm>
+              <a:prstGeom prst="rect">
+                <a:avLst/>
+              </a:prstGeom>
+              <a:noFill/>
+            </p:spPr>
+          </p:pic>
+          <p:pic>
+            <p:nvPicPr>
+              <p:cNvPr id="13" name="Picture 10" descr="D:\blambeau\Work\ucl\thesis\writing\src\2-framework\images\start-stop-2.png"/>
+              <p:cNvPicPr>
+                <a:picLocks noChangeAspect="1" noChangeArrowheads="1"/>
+              </p:cNvPicPr>
+              <p:nvPr/>
+            </p:nvPicPr>
+            <p:blipFill>
+              <a:blip r:embed="rId7" cstate="print"/>
+              <a:srcRect/>
+              <a:stretch>
+                <a:fillRect/>
+              </a:stretch>
+            </p:blipFill>
+            <p:spPr bwMode="auto">
+              <a:xfrm>
+                <a:off x="4164728" y="5405409"/>
+                <a:ext cx="786384" cy="368046"/>
+              </a:xfrm>
+              <a:prstGeom prst="rect">
+                <a:avLst/>
+              </a:prstGeom>
+              <a:noFill/>
+            </p:spPr>
+          </p:pic>
+          <p:sp>
+            <p:nvSpPr>
+              <p:cNvPr id="14" name="ZoneTexte 13"/>
+              <p:cNvSpPr txBox="1"/>
+              <p:nvPr/>
+            </p:nvSpPr>
+            <p:spPr>
+              <a:xfrm>
+                <a:off x="3781719" y="5602013"/>
+                <a:ext cx="428322" cy="400110"/>
+              </a:xfrm>
+              <a:prstGeom prst="rect">
+                <a:avLst/>
+              </a:prstGeom>
+              <a:noFill/>
+            </p:spPr>
+            <p:txBody>
+              <a:bodyPr wrap="none" rtlCol="0">
+                <a:spAutoFit/>
+              </a:bodyPr>
+              <a:lstStyle/>
+              <a:p>
+                <a:r>
+                  <a:rPr lang="fr-BE" sz="2000" b="1" dirty="0" smtClean="0"/>
+                  <a:t>||</a:t>
+                </a:r>
+                <a:endParaRPr lang="fr-BE" sz="2000" b="1" dirty="0"/>
               </a:p>
             </p:txBody>
           </p:sp>
         </p:grpSp>
         <p:sp>
           <p:nvSpPr>
-            <p:cNvPr id="28" name="Nuage 27"/>
-            <p:cNvSpPr/>
+            <p:cNvPr id="17" name="ZoneTexte 16"/>
+            <p:cNvSpPr txBox="1"/>
             <p:nvPr/>
           </p:nvSpPr>
           <p:spPr>
             <a:xfrm>
-              <a:off x="3347864" y="2996952"/>
-              <a:ext cx="2304256" cy="792088"/>
-            </a:xfrm>
-            <a:prstGeom prst="cloud">
-              <a:avLst/>
-            </a:prstGeom>
-          </p:spPr>
-          <p:style>
-            <a:lnRef idx="2">
-              <a:schemeClr val="dk1"/>
-            </a:lnRef>
-            <a:fillRef idx="1">
-              <a:schemeClr val="lt1"/>
-            </a:fillRef>
-            <a:effectRef idx="0">
-              <a:schemeClr val="dk1"/>
-            </a:effectRef>
-            <a:fontRef idx="minor">
-              <a:schemeClr val="dk1"/>
-            </a:fontRef>
-          </p:style>
+              <a:off x="1248661" y="1986385"/>
+              <a:ext cx="968791" cy="461665"/>
+            </a:xfrm>
+            <a:prstGeom prst="rect">
+              <a:avLst/>
+            </a:prstGeom>
+            <a:noFill/>
+          </p:spPr>
           <p:txBody>
-            <a:bodyPr wrap="none" tIns="108000" rtlCol="0" anchor="ctr" anchorCtr="1"/>
+            <a:bodyPr wrap="none" rtlCol="0">
+              <a:spAutoFit/>
+            </a:bodyPr>
             <a:lstStyle/>
             <a:p>
-              <a:pPr algn="ctr"/>
+              <a:pPr algn="r"/>
               <a:r>
-                <a:rPr lang="fr-BE" sz="1600" smtClean="0"/>
-                <a:t>       Trace semantics </a:t>
+                <a:rPr lang="fr-BE" sz="2400" dirty="0" smtClean="0"/>
+                <a:t>Traces</a:t>
               </a:r>
-              <a:r>
-                <a:rPr lang="fr-BE" sz="1600" smtClean="0"/>
-                <a:t>(LTS) </a:t>
-              </a:r>
-              <a:br>
-                <a:rPr lang="fr-BE" sz="1600" smtClean="0"/>
-              </a:br>
-              <a:r>
-                <a:rPr lang="fr-BE" sz="1600" smtClean="0"/>
-                <a:t>+ Fluents</a:t>
-              </a:r>
-              <a:endParaRPr lang="fr-BE" sz="1600"/>
             </a:p>
           </p:txBody>
         </p:sp>
         <p:sp>
           <p:nvSpPr>
-            <p:cNvPr id="39" name="Forme libre 38"/>
+            <p:cNvPr id="18" name="ZoneTexte 17"/>
+            <p:cNvSpPr txBox="1"/>
+            <p:nvPr/>
+          </p:nvSpPr>
+          <p:spPr>
+            <a:xfrm>
+              <a:off x="677289" y="3429001"/>
+              <a:ext cx="1540165" cy="461665"/>
+            </a:xfrm>
+            <a:prstGeom prst="rect">
+              <a:avLst/>
+            </a:prstGeom>
+            <a:noFill/>
+          </p:spPr>
+          <p:txBody>
+            <a:bodyPr wrap="none" rtlCol="0">
+              <a:spAutoFit/>
+            </a:bodyPr>
+            <a:lstStyle/>
+            <a:p>
+              <a:pPr algn="r"/>
+              <a:r>
+                <a:rPr lang="fr-BE" sz="2400" dirty="0" smtClean="0"/>
+                <a:t>System LTS</a:t>
+              </a:r>
+              <a:endParaRPr lang="fr-BE" sz="2400" dirty="0" smtClean="0"/>
+            </a:p>
+          </p:txBody>
+        </p:sp>
+        <p:sp>
+          <p:nvSpPr>
+            <p:cNvPr id="19" name="ZoneTexte 18"/>
+            <p:cNvSpPr txBox="1"/>
+            <p:nvPr/>
+          </p:nvSpPr>
+          <p:spPr>
+            <a:xfrm>
+              <a:off x="714348" y="4980763"/>
+              <a:ext cx="1503105" cy="461665"/>
+            </a:xfrm>
+            <a:prstGeom prst="rect">
+              <a:avLst/>
+            </a:prstGeom>
+            <a:noFill/>
+          </p:spPr>
+          <p:txBody>
+            <a:bodyPr wrap="square" rtlCol="0">
+              <a:spAutoFit/>
+            </a:bodyPr>
+            <a:lstStyle/>
+            <a:p>
+              <a:pPr algn="r"/>
+              <a:r>
+                <a:rPr lang="fr-BE" sz="2400" dirty="0" smtClean="0"/>
+                <a:t>Agent </a:t>
+              </a:r>
+              <a:r>
+                <a:rPr lang="fr-BE" sz="2400" dirty="0" err="1" smtClean="0"/>
+                <a:t>LTSs</a:t>
+              </a:r>
+              <a:endParaRPr lang="fr-BE" sz="2400" dirty="0" smtClean="0"/>
+            </a:p>
+          </p:txBody>
+        </p:sp>
+        <p:sp>
+          <p:nvSpPr>
+            <p:cNvPr id="20" name="Forme libre 19"/>
             <p:cNvSpPr/>
             <p:nvPr/>
           </p:nvSpPr>
           <p:spPr>
             <a:xfrm>
-              <a:off x="4427220" y="1628800"/>
-              <a:ext cx="243840" cy="1224136"/>
+              <a:off x="5715008" y="831273"/>
+              <a:ext cx="417945" cy="1311843"/>
             </a:xfrm>
             <a:custGeom>
               <a:avLst/>
               <a:gdLst>
-                <a:gd name="connsiteX0" fmla="*/ 0 w 243840"/>
-                <a:gd name="connsiteY0" fmla="*/ 0 h 762000"/>
-                <a:gd name="connsiteX1" fmla="*/ 228600 w 243840"/>
-                <a:gd name="connsiteY1" fmla="*/ 365760 h 762000"/>
-                <a:gd name="connsiteX2" fmla="*/ 91440 w 243840"/>
-                <a:gd name="connsiteY2" fmla="*/ 762000 h 762000"/>
+                <a:gd name="connsiteX0" fmla="*/ 13855 w 417945"/>
+                <a:gd name="connsiteY0" fmla="*/ 0 h 1731818"/>
+                <a:gd name="connsiteX1" fmla="*/ 415636 w 417945"/>
+                <a:gd name="connsiteY1" fmla="*/ 831272 h 1731818"/>
+                <a:gd name="connsiteX2" fmla="*/ 0 w 417945"/>
+                <a:gd name="connsiteY2" fmla="*/ 1731818 h 1731818"/>
               </a:gdLst>
               <a:ahLst/>
               <a:cxnLst>
@@ -12853,39 +14587,36 @@
               </a:cxnLst>
               <a:rect l="l" t="t" r="r" b="b"/>
               <a:pathLst>
-                <a:path w="243840" h="762000">
+                <a:path w="417945" h="1731818">
                   <a:moveTo>
-                    <a:pt x="0" y="0"/>
+                    <a:pt x="13855" y="0"/>
                   </a:moveTo>
                   <a:cubicBezTo>
-                    <a:pt x="106680" y="119380"/>
-                    <a:pt x="213360" y="238760"/>
-                    <a:pt x="228600" y="365760"/>
+                    <a:pt x="215900" y="271318"/>
+                    <a:pt x="417945" y="542636"/>
+                    <a:pt x="415636" y="831272"/>
                   </a:cubicBezTo>
                   <a:cubicBezTo>
-                    <a:pt x="243840" y="492760"/>
-                    <a:pt x="167640" y="627380"/>
-                    <a:pt x="91440" y="762000"/>
+                    <a:pt x="413327" y="1119908"/>
+                    <a:pt x="206663" y="1425863"/>
+                    <a:pt x="0" y="1731818"/>
                   </a:cubicBezTo>
                 </a:path>
               </a:pathLst>
             </a:custGeom>
-            <a:ln>
-              <a:solidFill>
-                <a:srgbClr val="00B050"/>
-              </a:solidFill>
-              <a:tailEnd type="triangle" w="lg" len="lg"/>
+            <a:ln w="38100">
+              <a:tailEnd type="triangle" w="med" len="lg"/>
             </a:ln>
           </p:spPr>
           <p:style>
             <a:lnRef idx="2">
-              <a:schemeClr val="accent3"/>
+              <a:schemeClr val="dk1"/>
             </a:lnRef>
             <a:fillRef idx="0">
-              <a:schemeClr val="accent3"/>
+              <a:schemeClr val="dk1"/>
             </a:fillRef>
             <a:effectRef idx="1">
-              <a:schemeClr val="accent3"/>
+              <a:schemeClr val="dk1"/>
             </a:effectRef>
             <a:fontRef idx="minor">
               <a:schemeClr val="tx1"/>
@@ -12902,24 +14633,24 @@
         </p:sp>
         <p:sp>
           <p:nvSpPr>
-            <p:cNvPr id="41" name="Forme libre 40"/>
+            <p:cNvPr id="22" name="Forme libre 21"/>
             <p:cNvSpPr/>
             <p:nvPr/>
           </p:nvSpPr>
           <p:spPr>
             <a:xfrm>
-              <a:off x="3055620" y="2717676"/>
-              <a:ext cx="655320" cy="274320"/>
+              <a:off x="5715008" y="2428868"/>
+              <a:ext cx="417945" cy="1311843"/>
             </a:xfrm>
             <a:custGeom>
               <a:avLst/>
               <a:gdLst>
-                <a:gd name="connsiteX0" fmla="*/ 0 w 655320"/>
-                <a:gd name="connsiteY0" fmla="*/ 91440 h 274320"/>
-                <a:gd name="connsiteX1" fmla="*/ 289560 w 655320"/>
-                <a:gd name="connsiteY1" fmla="*/ 30480 h 274320"/>
-                <a:gd name="connsiteX2" fmla="*/ 655320 w 655320"/>
-                <a:gd name="connsiteY2" fmla="*/ 274320 h 274320"/>
+                <a:gd name="connsiteX0" fmla="*/ 13855 w 417945"/>
+                <a:gd name="connsiteY0" fmla="*/ 0 h 1731818"/>
+                <a:gd name="connsiteX1" fmla="*/ 415636 w 417945"/>
+                <a:gd name="connsiteY1" fmla="*/ 831272 h 1731818"/>
+                <a:gd name="connsiteX2" fmla="*/ 0 w 417945"/>
+                <a:gd name="connsiteY2" fmla="*/ 1731818 h 1731818"/>
               </a:gdLst>
               <a:ahLst/>
               <a:cxnLst>
@@ -12935,39 +14666,36 @@
               </a:cxnLst>
               <a:rect l="l" t="t" r="r" b="b"/>
               <a:pathLst>
-                <a:path w="655320" h="274320">
+                <a:path w="417945" h="1731818">
                   <a:moveTo>
-                    <a:pt x="0" y="91440"/>
+                    <a:pt x="13855" y="0"/>
                   </a:moveTo>
                   <a:cubicBezTo>
-                    <a:pt x="90170" y="45720"/>
-                    <a:pt x="180340" y="0"/>
-                    <a:pt x="289560" y="30480"/>
+                    <a:pt x="215900" y="271318"/>
+                    <a:pt x="417945" y="542636"/>
+                    <a:pt x="415636" y="831272"/>
                   </a:cubicBezTo>
                   <a:cubicBezTo>
-                    <a:pt x="398780" y="60960"/>
-                    <a:pt x="527050" y="167640"/>
-                    <a:pt x="655320" y="274320"/>
+                    <a:pt x="413327" y="1119908"/>
+                    <a:pt x="206663" y="1425863"/>
+                    <a:pt x="0" y="1731818"/>
                   </a:cubicBezTo>
                 </a:path>
               </a:pathLst>
             </a:custGeom>
-            <a:ln>
-              <a:solidFill>
-                <a:srgbClr val="00B050"/>
-              </a:solidFill>
-              <a:tailEnd type="triangle" w="lg" len="lg"/>
+            <a:ln w="38100">
+              <a:tailEnd type="triangle" w="med" len="lg"/>
             </a:ln>
           </p:spPr>
           <p:style>
             <a:lnRef idx="2">
-              <a:schemeClr val="accent3"/>
+              <a:schemeClr val="dk1"/>
             </a:lnRef>
             <a:fillRef idx="0">
-              <a:schemeClr val="accent3"/>
+              <a:schemeClr val="dk1"/>
             </a:fillRef>
             <a:effectRef idx="1">
-              <a:schemeClr val="accent3"/>
+              <a:schemeClr val="dk1"/>
             </a:effectRef>
             <a:fontRef idx="minor">
               <a:schemeClr val="tx1"/>
@@ -12984,24 +14712,24 @@
         </p:sp>
         <p:sp>
           <p:nvSpPr>
-            <p:cNvPr id="42" name="Forme libre 41"/>
+            <p:cNvPr id="23" name="Forme libre 22"/>
             <p:cNvSpPr/>
             <p:nvPr/>
           </p:nvSpPr>
           <p:spPr>
             <a:xfrm>
-              <a:off x="5280660" y="3746376"/>
-              <a:ext cx="914400" cy="229870"/>
+              <a:off x="5715008" y="3929066"/>
+              <a:ext cx="417945" cy="1311843"/>
             </a:xfrm>
             <a:custGeom>
               <a:avLst/>
               <a:gdLst>
-                <a:gd name="connsiteX0" fmla="*/ 914400 w 914400"/>
-                <a:gd name="connsiteY0" fmla="*/ 99060 h 229870"/>
-                <a:gd name="connsiteX1" fmla="*/ 327660 w 914400"/>
-                <a:gd name="connsiteY1" fmla="*/ 213360 h 229870"/>
-                <a:gd name="connsiteX2" fmla="*/ 0 w 914400"/>
-                <a:gd name="connsiteY2" fmla="*/ 0 h 229870"/>
+                <a:gd name="connsiteX0" fmla="*/ 13855 w 417945"/>
+                <a:gd name="connsiteY0" fmla="*/ 0 h 1731818"/>
+                <a:gd name="connsiteX1" fmla="*/ 415636 w 417945"/>
+                <a:gd name="connsiteY1" fmla="*/ 831272 h 1731818"/>
+                <a:gd name="connsiteX2" fmla="*/ 0 w 417945"/>
+                <a:gd name="connsiteY2" fmla="*/ 1731818 h 1731818"/>
               </a:gdLst>
               <a:ahLst/>
               <a:cxnLst>
@@ -13017,39 +14745,36 @@
               </a:cxnLst>
               <a:rect l="l" t="t" r="r" b="b"/>
               <a:pathLst>
-                <a:path w="914400" h="229870">
+                <a:path w="417945" h="1731818">
                   <a:moveTo>
-                    <a:pt x="914400" y="99060"/>
+                    <a:pt x="13855" y="0"/>
                   </a:moveTo>
                   <a:cubicBezTo>
-                    <a:pt x="697230" y="164465"/>
-                    <a:pt x="480060" y="229870"/>
-                    <a:pt x="327660" y="213360"/>
+                    <a:pt x="215900" y="271318"/>
+                    <a:pt x="417945" y="542636"/>
+                    <a:pt x="415636" y="831272"/>
                   </a:cubicBezTo>
                   <a:cubicBezTo>
-                    <a:pt x="175260" y="196850"/>
-                    <a:pt x="87630" y="98425"/>
-                    <a:pt x="0" y="0"/>
+                    <a:pt x="413327" y="1119908"/>
+                    <a:pt x="206663" y="1425863"/>
+                    <a:pt x="0" y="1731818"/>
                   </a:cubicBezTo>
                 </a:path>
               </a:pathLst>
             </a:custGeom>
-            <a:ln>
-              <a:solidFill>
-                <a:srgbClr val="00B050"/>
-              </a:solidFill>
-              <a:tailEnd type="triangle" w="lg" len="lg"/>
+            <a:ln w="38100">
+              <a:tailEnd type="triangle" w="med" len="lg"/>
             </a:ln>
           </p:spPr>
           <p:style>
             <a:lnRef idx="2">
-              <a:schemeClr val="accent3"/>
+              <a:schemeClr val="dk1"/>
             </a:lnRef>
             <a:fillRef idx="0">
-              <a:schemeClr val="accent3"/>
+              <a:schemeClr val="dk1"/>
             </a:fillRef>
             <a:effectRef idx="1">
-              <a:schemeClr val="accent3"/>
+              <a:schemeClr val="dk1"/>
             </a:effectRef>
             <a:fontRef idx="minor">
               <a:schemeClr val="tx1"/>
@@ -13066,256 +14791,91 @@
         </p:sp>
         <p:sp>
           <p:nvSpPr>
-            <p:cNvPr id="43" name="Forme libre 42"/>
-            <p:cNvSpPr/>
+            <p:cNvPr id="24" name="ZoneTexte 23"/>
+            <p:cNvSpPr txBox="1"/>
             <p:nvPr/>
           </p:nvSpPr>
           <p:spPr>
             <a:xfrm>
-              <a:off x="4212590" y="3933056"/>
-              <a:ext cx="306070" cy="682000"/>
-            </a:xfrm>
-            <a:custGeom>
-              <a:avLst/>
-              <a:gdLst>
-                <a:gd name="connsiteX0" fmla="*/ 306070 w 306070"/>
-                <a:gd name="connsiteY0" fmla="*/ 678180 h 678180"/>
-                <a:gd name="connsiteX1" fmla="*/ 31750 w 306070"/>
-                <a:gd name="connsiteY1" fmla="*/ 335280 h 678180"/>
-                <a:gd name="connsiteX2" fmla="*/ 115570 w 306070"/>
-                <a:gd name="connsiteY2" fmla="*/ 0 h 678180"/>
-              </a:gdLst>
-              <a:ahLst/>
-              <a:cxnLst>
-                <a:cxn ang="0">
-                  <a:pos x="connsiteX0" y="connsiteY0"/>
-                </a:cxn>
-                <a:cxn ang="0">
-                  <a:pos x="connsiteX1" y="connsiteY1"/>
-                </a:cxn>
-                <a:cxn ang="0">
-                  <a:pos x="connsiteX2" y="connsiteY2"/>
-                </a:cxn>
-              </a:cxnLst>
-              <a:rect l="l" t="t" r="r" b="b"/>
-              <a:pathLst>
-                <a:path w="306070" h="678180">
-                  <a:moveTo>
-                    <a:pt x="306070" y="678180"/>
-                  </a:moveTo>
-                  <a:cubicBezTo>
-                    <a:pt x="184785" y="563245"/>
-                    <a:pt x="63500" y="448310"/>
-                    <a:pt x="31750" y="335280"/>
-                  </a:cubicBezTo>
-                  <a:cubicBezTo>
-                    <a:pt x="0" y="222250"/>
-                    <a:pt x="57785" y="111125"/>
-                    <a:pt x="115570" y="0"/>
-                  </a:cubicBezTo>
-                </a:path>
-              </a:pathLst>
-            </a:custGeom>
-            <a:ln>
-              <a:solidFill>
-                <a:srgbClr val="00B050"/>
-              </a:solidFill>
-              <a:tailEnd type="triangle" w="lg" len="lg"/>
-            </a:ln>
-          </p:spPr>
-          <p:style>
-            <a:lnRef idx="2">
-              <a:schemeClr val="accent3"/>
-            </a:lnRef>
-            <a:fillRef idx="0">
-              <a:schemeClr val="accent3"/>
-            </a:fillRef>
-            <a:effectRef idx="1">
-              <a:schemeClr val="accent3"/>
-            </a:effectRef>
-            <a:fontRef idx="minor">
-              <a:schemeClr val="tx1"/>
-            </a:fontRef>
-          </p:style>
+              <a:off x="6215074" y="1142984"/>
+              <a:ext cx="1455142" cy="461665"/>
+            </a:xfrm>
+            <a:prstGeom prst="rect">
+              <a:avLst/>
+            </a:prstGeom>
+            <a:noFill/>
+          </p:spPr>
           <p:txBody>
-            <a:bodyPr rtlCol="0" anchor="ctr"/>
+            <a:bodyPr wrap="none" rtlCol="0">
+              <a:spAutoFit/>
+            </a:bodyPr>
             <a:lstStyle/>
             <a:p>
-              <a:pPr algn="ctr"/>
-              <a:endParaRPr lang="fr-BE"/>
+              <a:r>
+                <a:rPr lang="fr-BE" sz="2400" i="1" dirty="0" smtClean="0"/>
+                <a:t>Extraction</a:t>
+              </a:r>
+              <a:endParaRPr lang="fr-BE" sz="2400" i="1" dirty="0"/>
             </a:p>
           </p:txBody>
         </p:sp>
         <p:sp>
           <p:nvSpPr>
-            <p:cNvPr id="44" name="ZoneTexte 43"/>
+            <p:cNvPr id="25" name="ZoneTexte 24"/>
             <p:cNvSpPr txBox="1"/>
             <p:nvPr/>
           </p:nvSpPr>
           <p:spPr>
             <a:xfrm>
-              <a:off x="3656785" y="1938898"/>
-              <a:ext cx="1830436" cy="553998"/>
+              <a:off x="6215074" y="2714620"/>
+              <a:ext cx="2003305" cy="461665"/>
             </a:xfrm>
             <a:prstGeom prst="rect">
               <a:avLst/>
             </a:prstGeom>
-            <a:solidFill>
-              <a:schemeClr val="bg1"/>
-            </a:solidFill>
+            <a:noFill/>
           </p:spPr>
           <p:txBody>
-            <a:bodyPr wrap="none" tIns="0" bIns="0" rtlCol="0">
+            <a:bodyPr wrap="none" rtlCol="0">
               <a:spAutoFit/>
             </a:bodyPr>
             <a:lstStyle/>
             <a:p>
-              <a:pPr algn="ctr"/>
               <a:r>
-                <a:rPr lang="fr-BE" b="1" i="1" smtClean="0"/>
-                <a:t>Semantics-driven</a:t>
+                <a:rPr lang="fr-BE" sz="2400" i="1" dirty="0" err="1" smtClean="0"/>
+                <a:t>Generalization</a:t>
               </a:r>
-              <a:br>
-                <a:rPr lang="fr-BE" b="1" i="1" smtClean="0"/>
-              </a:br>
-              <a:r>
-                <a:rPr lang="fr-BE" b="1" i="1" smtClean="0"/>
-                <a:t>model synthesis</a:t>
-              </a:r>
-              <a:endParaRPr lang="fr-BE" b="1" i="1"/>
+              <a:endParaRPr lang="fr-BE" sz="2400" i="1" dirty="0"/>
             </a:p>
           </p:txBody>
         </p:sp>
         <p:sp>
           <p:nvSpPr>
-            <p:cNvPr id="45" name="ZoneTexte 44"/>
+            <p:cNvPr id="26" name="ZoneTexte 25"/>
             <p:cNvSpPr txBox="1"/>
             <p:nvPr/>
           </p:nvSpPr>
           <p:spPr>
             <a:xfrm>
-              <a:off x="6876256" y="4675202"/>
-              <a:ext cx="1872436" cy="553998"/>
+              <a:off x="6215074" y="4286256"/>
+              <a:ext cx="2047997" cy="461665"/>
             </a:xfrm>
             <a:prstGeom prst="rect">
               <a:avLst/>
             </a:prstGeom>
-            <a:solidFill>
-              <a:schemeClr val="bg1"/>
-            </a:solidFill>
+            <a:noFill/>
           </p:spPr>
           <p:txBody>
-            <a:bodyPr wrap="none" tIns="0" bIns="0" rtlCol="0">
+            <a:bodyPr wrap="none" rtlCol="0">
               <a:spAutoFit/>
             </a:bodyPr>
             <a:lstStyle/>
             <a:p>
-              <a:pPr algn="ctr"/>
               <a:r>
-                <a:rPr lang="fr-BE" b="1" i="1" smtClean="0"/>
-                <a:t>Multi-view model</a:t>
+                <a:rPr lang="fr-BE" sz="2400" i="1" dirty="0" err="1" smtClean="0"/>
+                <a:t>Decomposition</a:t>
               </a:r>
-              <a:endParaRPr lang="fr-BE" b="1" i="1" smtClean="0"/>
-            </a:p>
-            <a:p>
-              <a:pPr algn="ctr"/>
-              <a:r>
-                <a:rPr lang="fr-BE" b="1" i="1" smtClean="0"/>
-                <a:t>synthesis</a:t>
-              </a:r>
-              <a:endParaRPr lang="fr-BE" b="1" i="1"/>
-            </a:p>
-          </p:txBody>
-        </p:sp>
-        <p:sp>
-          <p:nvSpPr>
-            <p:cNvPr id="46" name="Forme libre 45"/>
-            <p:cNvSpPr/>
-            <p:nvPr/>
-          </p:nvSpPr>
-          <p:spPr>
-            <a:xfrm>
-              <a:off x="6515100" y="4371216"/>
-              <a:ext cx="861060" cy="327660"/>
-            </a:xfrm>
-            <a:custGeom>
-              <a:avLst/>
-              <a:gdLst>
-                <a:gd name="connsiteX0" fmla="*/ 0 w 861060"/>
-                <a:gd name="connsiteY0" fmla="*/ 0 h 327660"/>
-                <a:gd name="connsiteX1" fmla="*/ 312420 w 861060"/>
-                <a:gd name="connsiteY1" fmla="*/ 114300 h 327660"/>
-                <a:gd name="connsiteX2" fmla="*/ 662940 w 861060"/>
-                <a:gd name="connsiteY2" fmla="*/ 83820 h 327660"/>
-                <a:gd name="connsiteX3" fmla="*/ 861060 w 861060"/>
-                <a:gd name="connsiteY3" fmla="*/ 327660 h 327660"/>
-              </a:gdLst>
-              <a:ahLst/>
-              <a:cxnLst>
-                <a:cxn ang="0">
-                  <a:pos x="connsiteX0" y="connsiteY0"/>
-                </a:cxn>
-                <a:cxn ang="0">
-                  <a:pos x="connsiteX1" y="connsiteY1"/>
-                </a:cxn>
-                <a:cxn ang="0">
-                  <a:pos x="connsiteX2" y="connsiteY2"/>
-                </a:cxn>
-                <a:cxn ang="0">
-                  <a:pos x="connsiteX3" y="connsiteY3"/>
-                </a:cxn>
-              </a:cxnLst>
-              <a:rect l="l" t="t" r="r" b="b"/>
-              <a:pathLst>
-                <a:path w="861060" h="327660">
-                  <a:moveTo>
-                    <a:pt x="0" y="0"/>
-                  </a:moveTo>
-                  <a:cubicBezTo>
-                    <a:pt x="100965" y="50165"/>
-                    <a:pt x="201930" y="100330"/>
-                    <a:pt x="312420" y="114300"/>
-                  </a:cubicBezTo>
-                  <a:cubicBezTo>
-                    <a:pt x="422910" y="128270"/>
-                    <a:pt x="571500" y="48260"/>
-                    <a:pt x="662940" y="83820"/>
-                  </a:cubicBezTo>
-                  <a:cubicBezTo>
-                    <a:pt x="754380" y="119380"/>
-                    <a:pt x="807720" y="223520"/>
-                    <a:pt x="861060" y="327660"/>
-                  </a:cubicBezTo>
-                </a:path>
-              </a:pathLst>
-            </a:custGeom>
-            <a:ln w="50800">
-              <a:solidFill>
-                <a:srgbClr val="00B050"/>
-              </a:solidFill>
-              <a:prstDash val="dash"/>
-            </a:ln>
-          </p:spPr>
-          <p:style>
-            <a:lnRef idx="1">
-              <a:schemeClr val="accent1"/>
-            </a:lnRef>
-            <a:fillRef idx="0">
-              <a:schemeClr val="accent1"/>
-            </a:fillRef>
-            <a:effectRef idx="0">
-              <a:schemeClr val="accent1"/>
-            </a:effectRef>
-            <a:fontRef idx="minor">
-              <a:schemeClr val="tx1"/>
-            </a:fontRef>
-          </p:style>
-          <p:txBody>
-            <a:bodyPr rtlCol="0" anchor="ctr"/>
-            <a:lstStyle/>
-            <a:p>
-              <a:pPr algn="ctr"/>
-              <a:endParaRPr lang="fr-BE"/>
+              <a:endParaRPr lang="fr-BE" sz="2400" i="1" dirty="0"/>
             </a:p>
           </p:txBody>
         </p:sp>
@@ -13609,4 +15169,287 @@
   <a:objectDefaults/>
   <a:extraClrSchemeLst/>
 </a:theme>
+</file>
+
+<file path=ppt/theme/theme2.xml><?xml version="1.0" encoding="utf-8"?>
+<a:theme xmlns:a="http://schemas.openxmlformats.org/drawingml/2006/main" name="Thème Office">
+  <a:themeElements>
+    <a:clrScheme name="Office">
+      <a:dk1>
+        <a:sysClr val="windowText" lastClr="000000"/>
+      </a:dk1>
+      <a:lt1>
+        <a:sysClr val="window" lastClr="FFFFFF"/>
+      </a:lt1>
+      <a:dk2>
+        <a:srgbClr val="1F497D"/>
+      </a:dk2>
+      <a:lt2>
+        <a:srgbClr val="EEECE1"/>
+      </a:lt2>
+      <a:accent1>
+        <a:srgbClr val="4F81BD"/>
+      </a:accent1>
+      <a:accent2>
+        <a:srgbClr val="C0504D"/>
+      </a:accent2>
+      <a:accent3>
+        <a:srgbClr val="9BBB59"/>
+      </a:accent3>
+      <a:accent4>
+        <a:srgbClr val="8064A2"/>
+      </a:accent4>
+      <a:accent5>
+        <a:srgbClr val="4BACC6"/>
+      </a:accent5>
+      <a:accent6>
+        <a:srgbClr val="F79646"/>
+      </a:accent6>
+      <a:hlink>
+        <a:srgbClr val="0000FF"/>
+      </a:hlink>
+      <a:folHlink>
+        <a:srgbClr val="800080"/>
+      </a:folHlink>
+    </a:clrScheme>
+    <a:fontScheme name="Office">
+      <a:majorFont>
+        <a:latin typeface="Calibri"/>
+        <a:ea typeface=""/>
+        <a:cs typeface=""/>
+        <a:font script="Jpan" typeface="ＭＳ Ｐゴシック"/>
+        <a:font script="Hang" typeface="맑은 고딕"/>
+        <a:font script="Hans" typeface="宋体"/>
+        <a:font script="Hant" typeface="新細明體"/>
+        <a:font script="Arab" typeface="Times New Roman"/>
+        <a:font script="Hebr" typeface="Times New Roman"/>
+        <a:font script="Thai" typeface="Angsana New"/>
+        <a:font script="Ethi" typeface="Nyala"/>
+        <a:font script="Beng" typeface="Vrinda"/>
+        <a:font script="Gujr" typeface="Shruti"/>
+        <a:font script="Khmr" typeface="MoolBoran"/>
+        <a:font script="Knda" typeface="Tunga"/>
+        <a:font script="Guru" typeface="Raavi"/>
+        <a:font script="Cans" typeface="Euphemia"/>
+        <a:font script="Cher" typeface="Plantagenet Cherokee"/>
+        <a:font script="Yiii" typeface="Microsoft Yi Baiti"/>
+        <a:font script="Tibt" typeface="Microsoft Himalaya"/>
+        <a:font script="Thaa" typeface="MV Boli"/>
+        <a:font script="Deva" typeface="Mangal"/>
+        <a:font script="Telu" typeface="Gautami"/>
+        <a:font script="Taml" typeface="Latha"/>
+        <a:font script="Syrc" typeface="Estrangelo Edessa"/>
+        <a:font script="Orya" typeface="Kalinga"/>
+        <a:font script="Mlym" typeface="Kartika"/>
+        <a:font script="Laoo" typeface="DokChampa"/>
+        <a:font script="Sinh" typeface="Iskoola Pota"/>
+        <a:font script="Mong" typeface="Mongolian Baiti"/>
+        <a:font script="Viet" typeface="Times New Roman"/>
+        <a:font script="Uigh" typeface="Microsoft Uighur"/>
+      </a:majorFont>
+      <a:minorFont>
+        <a:latin typeface="Calibri"/>
+        <a:ea typeface=""/>
+        <a:cs typeface=""/>
+        <a:font script="Jpan" typeface="ＭＳ Ｐゴシック"/>
+        <a:font script="Hang" typeface="맑은 고딕"/>
+        <a:font script="Hans" typeface="宋体"/>
+        <a:font script="Hant" typeface="新細明體"/>
+        <a:font script="Arab" typeface="Arial"/>
+        <a:font script="Hebr" typeface="Arial"/>
+        <a:font script="Thai" typeface="Cordia New"/>
+        <a:font script="Ethi" typeface="Nyala"/>
+        <a:font script="Beng" typeface="Vrinda"/>
+        <a:font script="Gujr" typeface="Shruti"/>
+        <a:font script="Khmr" typeface="DaunPenh"/>
+        <a:font script="Knda" typeface="Tunga"/>
+        <a:font script="Guru" typeface="Raavi"/>
+        <a:font script="Cans" typeface="Euphemia"/>
+        <a:font script="Cher" typeface="Plantagenet Cherokee"/>
+        <a:font script="Yiii" typeface="Microsoft Yi Baiti"/>
+        <a:font script="Tibt" typeface="Microsoft Himalaya"/>
+        <a:font script="Thaa" typeface="MV Boli"/>
+        <a:font script="Deva" typeface="Mangal"/>
+        <a:font script="Telu" typeface="Gautami"/>
+        <a:font script="Taml" typeface="Latha"/>
+        <a:font script="Syrc" typeface="Estrangelo Edessa"/>
+        <a:font script="Orya" typeface="Kalinga"/>
+        <a:font script="Mlym" typeface="Kartika"/>
+        <a:font script="Laoo" typeface="DokChampa"/>
+        <a:font script="Sinh" typeface="Iskoola Pota"/>
+        <a:font script="Mong" typeface="Mongolian Baiti"/>
+        <a:font script="Viet" typeface="Arial"/>
+        <a:font script="Uigh" typeface="Microsoft Uighur"/>
+      </a:minorFont>
+    </a:fontScheme>
+    <a:fmtScheme name="Office">
+      <a:fillStyleLst>
+        <a:solidFill>
+          <a:schemeClr val="phClr"/>
+        </a:solidFill>
+        <a:gradFill rotWithShape="1">
+          <a:gsLst>
+            <a:gs pos="0">
+              <a:schemeClr val="phClr">
+                <a:tint val="50000"/>
+                <a:satMod val="300000"/>
+              </a:schemeClr>
+            </a:gs>
+            <a:gs pos="35000">
+              <a:schemeClr val="phClr">
+                <a:tint val="37000"/>
+                <a:satMod val="300000"/>
+              </a:schemeClr>
+            </a:gs>
+            <a:gs pos="100000">
+              <a:schemeClr val="phClr">
+                <a:tint val="15000"/>
+                <a:satMod val="350000"/>
+              </a:schemeClr>
+            </a:gs>
+          </a:gsLst>
+          <a:lin ang="16200000" scaled="1"/>
+        </a:gradFill>
+        <a:gradFill rotWithShape="1">
+          <a:gsLst>
+            <a:gs pos="0">
+              <a:schemeClr val="phClr">
+                <a:shade val="51000"/>
+                <a:satMod val="130000"/>
+              </a:schemeClr>
+            </a:gs>
+            <a:gs pos="80000">
+              <a:schemeClr val="phClr">
+                <a:shade val="93000"/>
+                <a:satMod val="130000"/>
+              </a:schemeClr>
+            </a:gs>
+            <a:gs pos="100000">
+              <a:schemeClr val="phClr">
+                <a:shade val="94000"/>
+                <a:satMod val="135000"/>
+              </a:schemeClr>
+            </a:gs>
+          </a:gsLst>
+          <a:lin ang="16200000" scaled="0"/>
+        </a:gradFill>
+      </a:fillStyleLst>
+      <a:lnStyleLst>
+        <a:ln w="9525" cap="flat" cmpd="sng" algn="ctr">
+          <a:solidFill>
+            <a:schemeClr val="phClr">
+              <a:shade val="95000"/>
+              <a:satMod val="105000"/>
+            </a:schemeClr>
+          </a:solidFill>
+          <a:prstDash val="solid"/>
+        </a:ln>
+        <a:ln w="25400" cap="flat" cmpd="sng" algn="ctr">
+          <a:solidFill>
+            <a:schemeClr val="phClr"/>
+          </a:solidFill>
+          <a:prstDash val="solid"/>
+        </a:ln>
+        <a:ln w="38100" cap="flat" cmpd="sng" algn="ctr">
+          <a:solidFill>
+            <a:schemeClr val="phClr"/>
+          </a:solidFill>
+          <a:prstDash val="solid"/>
+        </a:ln>
+      </a:lnStyleLst>
+      <a:effectStyleLst>
+        <a:effectStyle>
+          <a:effectLst>
+            <a:outerShdw blurRad="40000" dist="20000" dir="5400000" rotWithShape="0">
+              <a:srgbClr val="000000">
+                <a:alpha val="38000"/>
+              </a:srgbClr>
+            </a:outerShdw>
+          </a:effectLst>
+        </a:effectStyle>
+        <a:effectStyle>
+          <a:effectLst>
+            <a:outerShdw blurRad="40000" dist="23000" dir="5400000" rotWithShape="0">
+              <a:srgbClr val="000000">
+                <a:alpha val="35000"/>
+              </a:srgbClr>
+            </a:outerShdw>
+          </a:effectLst>
+        </a:effectStyle>
+        <a:effectStyle>
+          <a:effectLst>
+            <a:outerShdw blurRad="40000" dist="23000" dir="5400000" rotWithShape="0">
+              <a:srgbClr val="000000">
+                <a:alpha val="35000"/>
+              </a:srgbClr>
+            </a:outerShdw>
+          </a:effectLst>
+          <a:scene3d>
+            <a:camera prst="orthographicFront">
+              <a:rot lat="0" lon="0" rev="0"/>
+            </a:camera>
+            <a:lightRig rig="threePt" dir="t">
+              <a:rot lat="0" lon="0" rev="1200000"/>
+            </a:lightRig>
+          </a:scene3d>
+          <a:sp3d>
+            <a:bevelT w="63500" h="25400"/>
+          </a:sp3d>
+        </a:effectStyle>
+      </a:effectStyleLst>
+      <a:bgFillStyleLst>
+        <a:solidFill>
+          <a:schemeClr val="phClr"/>
+        </a:solidFill>
+        <a:gradFill rotWithShape="1">
+          <a:gsLst>
+            <a:gs pos="0">
+              <a:schemeClr val="phClr">
+                <a:tint val="40000"/>
+                <a:satMod val="350000"/>
+              </a:schemeClr>
+            </a:gs>
+            <a:gs pos="40000">
+              <a:schemeClr val="phClr">
+                <a:tint val="45000"/>
+                <a:shade val="99000"/>
+                <a:satMod val="350000"/>
+              </a:schemeClr>
+            </a:gs>
+            <a:gs pos="100000">
+              <a:schemeClr val="phClr">
+                <a:shade val="20000"/>
+                <a:satMod val="255000"/>
+              </a:schemeClr>
+            </a:gs>
+          </a:gsLst>
+          <a:path path="circle">
+            <a:fillToRect l="50000" t="-80000" r="50000" b="180000"/>
+          </a:path>
+        </a:gradFill>
+        <a:gradFill rotWithShape="1">
+          <a:gsLst>
+            <a:gs pos="0">
+              <a:schemeClr val="phClr">
+                <a:tint val="80000"/>
+                <a:satMod val="300000"/>
+              </a:schemeClr>
+            </a:gs>
+            <a:gs pos="100000">
+              <a:schemeClr val="phClr">
+                <a:shade val="30000"/>
+                <a:satMod val="200000"/>
+              </a:schemeClr>
+            </a:gs>
+          </a:gsLst>
+          <a:path path="circle">
+            <a:fillToRect l="50000" t="50000" r="50000" b="50000"/>
+          </a:path>
+        </a:gradFill>
+      </a:bgFillStyleLst>
+    </a:fmtScheme>
+  </a:themeElements>
+  <a:objectDefaults/>
+  <a:extraClrSchemeLst/>
+</a:theme>
 </file>
--- a/writing/images/train.pptx
+++ b/writing/images/train.pptx
@@ -198,6 +198,7 @@
           <a:p>
             <a:fld id="{1A5CA47D-05BA-47C5-ACE1-040A60204EDF}" type="datetimeFigureOut">
               <a:rPr lang="fr-FR" smtClean="0"/>
+              <a:pPr/>
               <a:t>28/06/2011</a:t>
             </a:fld>
             <a:endParaRPr lang="fr-BE"/>
@@ -359,6 +360,7 @@
           <a:p>
             <a:fld id="{09EA9A28-56FF-4105-ABFC-73B3B1163A97}" type="slidenum">
               <a:rPr lang="fr-BE" smtClean="0"/>
+              <a:pPr/>
               <a:t>‹N°›</a:t>
             </a:fld>
             <a:endParaRPr lang="fr-BE"/>
@@ -530,6 +532,7 @@
           <a:p>
             <a:fld id="{09EA9A28-56FF-4105-ABFC-73B3B1163A97}" type="slidenum">
               <a:rPr lang="fr-BE" smtClean="0"/>
+              <a:pPr/>
               <a:t>6</a:t>
             </a:fld>
             <a:endParaRPr lang="fr-BE"/>
@@ -12693,9 +12696,6 @@
                 </a:rPr>
                 <a:t>Schedule</a:t>
               </a:r>
-              <a:endParaRPr lang="fr-BE" sz="1200" dirty="0" smtClean="0">
-                <a:latin typeface="+mj-lt"/>
-              </a:endParaRPr>
             </a:p>
           </p:txBody>
         </p:sp>
@@ -13884,7 +13884,7 @@
               <p:nvPr/>
             </p:nvPicPr>
             <p:blipFill>
-              <a:blip r:embed="rId9"/>
+              <a:blip r:embed="rId9" cstate="print"/>
               <a:srcRect/>
               <a:stretch>
                 <a:fillRect/>
@@ -14101,45 +14101,21 @@
                 </a:pPr>
                 <a:r>
                   <a:rPr lang="fr-BE" dirty="0" smtClean="0"/>
-                  <a:t> </a:t>
-                </a:r>
-                <a:r>
-                  <a:rPr lang="fr-BE" dirty="0" smtClean="0"/>
-                  <a:t>	Event </a:t>
-                </a:r>
-                <a:r>
-                  <a:rPr lang="fr-BE" dirty="0" smtClean="0"/>
-                  <a:t>traces (LTS) </a:t>
+                  <a:t> 	Event traces (LTS) </a:t>
                 </a:r>
                 <a:br>
                   <a:rPr lang="fr-BE" dirty="0" smtClean="0"/>
                 </a:br>
                 <a:r>
                   <a:rPr lang="fr-BE" dirty="0" smtClean="0"/>
-                  <a:t>+ </a:t>
-                </a:r>
-                <a:r>
-                  <a:rPr lang="fr-BE" dirty="0" smtClean="0"/>
-                  <a:t>	State </a:t>
-                </a:r>
-                <a:r>
-                  <a:rPr lang="fr-BE" dirty="0" smtClean="0"/>
-                  <a:t>annotations </a:t>
-                </a:r>
-                <a:r>
-                  <a:rPr lang="fr-BE" dirty="0" smtClean="0"/>
-                  <a:t/>
+                  <a:t>+ 	State annotations </a:t>
                 </a:r>
                 <a:br>
                   <a:rPr lang="fr-BE" dirty="0" smtClean="0"/>
                 </a:br>
                 <a:r>
                   <a:rPr lang="fr-BE" dirty="0" smtClean="0"/>
-                  <a:t>(</a:t>
-                </a:r>
-                <a:r>
-                  <a:rPr lang="fr-BE" dirty="0" smtClean="0"/>
-                  <a:t>fluents)</a:t>
+                  <a:t>(fluents)</a:t>
                 </a:r>
                 <a:endParaRPr lang="fr-BE" dirty="0"/>
               </a:p>
@@ -14181,7 +14157,7 @@
         <p:spPr>
           <a:xfrm>
             <a:off x="500034" y="214290"/>
-            <a:ext cx="7929618" cy="5857916"/>
+            <a:ext cx="7500990" cy="5715040"/>
           </a:xfrm>
           <a:prstGeom prst="rect">
             <a:avLst/>
@@ -14211,60 +14187,91 @@
           </a:p>
         </p:txBody>
       </p:sp>
+      <p:sp>
+        <p:nvSpPr>
+          <p:cNvPr id="5" name="ZoneTexte 4"/>
+          <p:cNvSpPr txBox="1"/>
+          <p:nvPr/>
+        </p:nvSpPr>
+        <p:spPr>
+          <a:xfrm>
+            <a:off x="785786" y="967071"/>
+            <a:ext cx="1378904" cy="461665"/>
+          </a:xfrm>
+          <a:prstGeom prst="rect">
+            <a:avLst/>
+          </a:prstGeom>
+          <a:noFill/>
+        </p:spPr>
+        <p:txBody>
+          <a:bodyPr wrap="none" rtlCol="0">
+            <a:spAutoFit/>
+          </a:bodyPr>
+          <a:lstStyle/>
+          <a:p>
+            <a:pPr algn="r"/>
+            <a:r>
+              <a:rPr lang="fr-BE" sz="2400" dirty="0" smtClean="0"/>
+              <a:t>Scenario</a:t>
+            </a:r>
+            <a:r>
+              <a:rPr lang="fr-BE" sz="2400" dirty="0" smtClean="0"/>
+              <a:t>s</a:t>
+            </a:r>
+            <a:endParaRPr lang="fr-BE" sz="2400" dirty="0" smtClean="0"/>
+          </a:p>
+        </p:txBody>
+      </p:sp>
+      <p:pic>
+        <p:nvPicPr>
+          <p:cNvPr id="2051" name="Picture 3" descr="C:\Users\blambeau\Documents\thesis\writing\src\4-inductive\images\composed.png"/>
+          <p:cNvPicPr>
+            <a:picLocks noChangeAspect="1" noChangeArrowheads="1"/>
+          </p:cNvPicPr>
+          <p:nvPr/>
+        </p:nvPicPr>
+        <p:blipFill>
+          <a:blip r:embed="rId2" cstate="print"/>
+          <a:srcRect/>
+          <a:stretch>
+            <a:fillRect/>
+          </a:stretch>
+        </p:blipFill>
+        <p:spPr bwMode="auto">
+          <a:xfrm>
+            <a:off x="2360328" y="2786059"/>
+            <a:ext cx="3250331" cy="857255"/>
+          </a:xfrm>
+          <a:prstGeom prst="rect">
+            <a:avLst/>
+          </a:prstGeom>
+          <a:noFill/>
+        </p:spPr>
+      </p:pic>
       <p:grpSp>
         <p:nvGrpSpPr>
-          <p:cNvPr id="27" name="Groupe 26"/>
+          <p:cNvPr id="15" name="Groupe 14"/>
           <p:cNvGrpSpPr/>
           <p:nvPr/>
         </p:nvGrpSpPr>
         <p:grpSpPr>
           <a:xfrm>
-            <a:off x="677289" y="500042"/>
-            <a:ext cx="7585782" cy="5304122"/>
-            <a:chOff x="677289" y="500042"/>
-            <a:chExt cx="7585782" cy="5304122"/>
+            <a:off x="2346473" y="4867760"/>
+            <a:ext cx="3151217" cy="847256"/>
+            <a:chOff x="1828089" y="5405409"/>
+            <a:chExt cx="3151217" cy="847256"/>
           </a:xfrm>
         </p:grpSpPr>
-        <p:sp>
-          <p:nvSpPr>
-            <p:cNvPr id="5" name="ZoneTexte 4"/>
-            <p:cNvSpPr txBox="1"/>
-            <p:nvPr/>
-          </p:nvSpPr>
-          <p:spPr>
-            <a:xfrm>
-              <a:off x="838549" y="500042"/>
-              <a:ext cx="1378903" cy="461665"/>
-            </a:xfrm>
-            <a:prstGeom prst="rect">
-              <a:avLst/>
-            </a:prstGeom>
-            <a:noFill/>
-          </p:spPr>
-          <p:txBody>
-            <a:bodyPr wrap="none" rtlCol="0">
-              <a:spAutoFit/>
-            </a:bodyPr>
-            <a:lstStyle/>
-            <a:p>
-              <a:pPr algn="r"/>
-              <a:r>
-                <a:rPr lang="fr-BE" sz="2400" dirty="0" smtClean="0"/>
-                <a:t>Scenarios</a:t>
-              </a:r>
-            </a:p>
-          </p:txBody>
-        </p:sp>
         <p:pic>
           <p:nvPicPr>
-            <p:cNvPr id="6" name="Picture 5" descr="D:\blambeau\Work\ucl\thesis\writing\src\2-framework\images\simple-scenario.png"/>
+            <p:cNvPr id="10" name="Picture 6" descr="D:\blambeau\Work\ucl\thesis\writing\src\2-framework\images\controller.png"/>
             <p:cNvPicPr>
               <a:picLocks noChangeAspect="1" noChangeArrowheads="1"/>
             </p:cNvPicPr>
             <p:nvPr/>
           </p:nvPicPr>
           <p:blipFill>
-            <a:blip r:embed="rId2" cstate="print"/>
+            <a:blip r:embed="rId3" cstate="print"/>
             <a:srcRect/>
             <a:stretch>
               <a:fillRect/>
@@ -14272,8 +14279,8 @@
           </p:blipFill>
           <p:spPr bwMode="auto">
             <a:xfrm>
-              <a:off x="2784967" y="527752"/>
-              <a:ext cx="2501413" cy="1143008"/>
+              <a:off x="1828089" y="5462992"/>
+              <a:ext cx="1985491" cy="662815"/>
             </a:xfrm>
             <a:prstGeom prst="rect">
               <a:avLst/>
@@ -14283,33 +14290,7 @@
         </p:pic>
         <p:pic>
           <p:nvPicPr>
-            <p:cNvPr id="2050" name="Picture 2" descr="C:\Users\blambeau\Documents\thesis\writing\src\4-inductive\images\train-pta.png"/>
-            <p:cNvPicPr>
-              <a:picLocks noChangeAspect="1" noChangeArrowheads="1"/>
-            </p:cNvPicPr>
-            <p:nvPr/>
-          </p:nvPicPr>
-          <p:blipFill>
-            <a:blip r:embed="rId3"/>
-            <a:srcRect/>
-            <a:stretch>
-              <a:fillRect/>
-            </a:stretch>
-          </p:blipFill>
-          <p:spPr bwMode="auto">
-            <a:xfrm>
-              <a:off x="2360328" y="1986385"/>
-              <a:ext cx="3071834" cy="886536"/>
-            </a:xfrm>
-            <a:prstGeom prst="rect">
-              <a:avLst/>
-            </a:prstGeom>
-            <a:noFill/>
-          </p:spPr>
-        </p:pic>
-        <p:pic>
-          <p:nvPicPr>
-            <p:cNvPr id="2051" name="Picture 3" descr="C:\Users\blambeau\Documents\thesis\writing\src\4-inductive\images\composed.png"/>
+            <p:cNvPr id="12" name="Picture 9" descr="D:\blambeau\Work\ucl\thesis\writing\src\2-framework\images\open-close.png"/>
             <p:cNvPicPr>
               <a:picLocks noChangeAspect="1" noChangeArrowheads="1"/>
             </p:cNvPicPr>
@@ -14324,8 +14305,8 @@
           </p:blipFill>
           <p:spPr bwMode="auto">
             <a:xfrm>
-              <a:off x="2360328" y="3429001"/>
-              <a:ext cx="3250331" cy="857255"/>
+              <a:off x="4149488" y="5877761"/>
+              <a:ext cx="829818" cy="374904"/>
             </a:xfrm>
             <a:prstGeom prst="rect">
               <a:avLst/>
@@ -14333,472 +14314,42 @@
             <a:noFill/>
           </p:spPr>
         </p:pic>
-        <p:grpSp>
-          <p:nvGrpSpPr>
-            <p:cNvPr id="15" name="Groupe 14"/>
-            <p:cNvGrpSpPr/>
-            <p:nvPr/>
-          </p:nvGrpSpPr>
-          <p:grpSpPr>
+        <p:pic>
+          <p:nvPicPr>
+            <p:cNvPr id="13" name="Picture 10" descr="D:\blambeau\Work\ucl\thesis\writing\src\2-framework\images\start-stop-2.png"/>
+            <p:cNvPicPr>
+              <a:picLocks noChangeAspect="1" noChangeArrowheads="1"/>
+            </p:cNvPicPr>
+            <p:nvPr/>
+          </p:nvPicPr>
+          <p:blipFill>
+            <a:blip r:embed="rId5" cstate="print"/>
+            <a:srcRect/>
+            <a:stretch>
+              <a:fillRect/>
+            </a:stretch>
+          </p:blipFill>
+          <p:spPr bwMode="auto">
             <a:xfrm>
-              <a:off x="2346473" y="4956908"/>
-              <a:ext cx="3151217" cy="847256"/>
-              <a:chOff x="1828089" y="5405409"/>
-              <a:chExt cx="3151217" cy="847256"/>
-            </a:xfrm>
-          </p:grpSpPr>
-          <p:pic>
-            <p:nvPicPr>
-              <p:cNvPr id="10" name="Picture 6" descr="D:\blambeau\Work\ucl\thesis\writing\src\2-framework\images\controller.png"/>
-              <p:cNvPicPr>
-                <a:picLocks noChangeAspect="1" noChangeArrowheads="1"/>
-              </p:cNvPicPr>
-              <p:nvPr/>
-            </p:nvPicPr>
-            <p:blipFill>
-              <a:blip r:embed="rId5" cstate="print"/>
-              <a:srcRect/>
-              <a:stretch>
-                <a:fillRect/>
-              </a:stretch>
-            </p:blipFill>
-            <p:spPr bwMode="auto">
-              <a:xfrm>
-                <a:off x="1828089" y="5462992"/>
-                <a:ext cx="1985491" cy="662815"/>
-              </a:xfrm>
-              <a:prstGeom prst="rect">
-                <a:avLst/>
-              </a:prstGeom>
-              <a:noFill/>
-            </p:spPr>
-          </p:pic>
-          <p:pic>
-            <p:nvPicPr>
-              <p:cNvPr id="12" name="Picture 9" descr="D:\blambeau\Work\ucl\thesis\writing\src\2-framework\images\open-close.png"/>
-              <p:cNvPicPr>
-                <a:picLocks noChangeAspect="1" noChangeArrowheads="1"/>
-              </p:cNvPicPr>
-              <p:nvPr/>
-            </p:nvPicPr>
-            <p:blipFill>
-              <a:blip r:embed="rId6" cstate="print"/>
-              <a:srcRect/>
-              <a:stretch>
-                <a:fillRect/>
-              </a:stretch>
-            </p:blipFill>
-            <p:spPr bwMode="auto">
-              <a:xfrm>
-                <a:off x="4149488" y="5877761"/>
-                <a:ext cx="829818" cy="374904"/>
-              </a:xfrm>
-              <a:prstGeom prst="rect">
-                <a:avLst/>
-              </a:prstGeom>
-              <a:noFill/>
-            </p:spPr>
-          </p:pic>
-          <p:pic>
-            <p:nvPicPr>
-              <p:cNvPr id="13" name="Picture 10" descr="D:\blambeau\Work\ucl\thesis\writing\src\2-framework\images\start-stop-2.png"/>
-              <p:cNvPicPr>
-                <a:picLocks noChangeAspect="1" noChangeArrowheads="1"/>
-              </p:cNvPicPr>
-              <p:nvPr/>
-            </p:nvPicPr>
-            <p:blipFill>
-              <a:blip r:embed="rId7" cstate="print"/>
-              <a:srcRect/>
-              <a:stretch>
-                <a:fillRect/>
-              </a:stretch>
-            </p:blipFill>
-            <p:spPr bwMode="auto">
-              <a:xfrm>
-                <a:off x="4164728" y="5405409"/>
-                <a:ext cx="786384" cy="368046"/>
-              </a:xfrm>
-              <a:prstGeom prst="rect">
-                <a:avLst/>
-              </a:prstGeom>
-              <a:noFill/>
-            </p:spPr>
-          </p:pic>
-          <p:sp>
-            <p:nvSpPr>
-              <p:cNvPr id="14" name="ZoneTexte 13"/>
-              <p:cNvSpPr txBox="1"/>
-              <p:nvPr/>
-            </p:nvSpPr>
-            <p:spPr>
-              <a:xfrm>
-                <a:off x="3781719" y="5602013"/>
-                <a:ext cx="428322" cy="400110"/>
-              </a:xfrm>
-              <a:prstGeom prst="rect">
-                <a:avLst/>
-              </a:prstGeom>
-              <a:noFill/>
-            </p:spPr>
-            <p:txBody>
-              <a:bodyPr wrap="none" rtlCol="0">
-                <a:spAutoFit/>
-              </a:bodyPr>
-              <a:lstStyle/>
-              <a:p>
-                <a:r>
-                  <a:rPr lang="fr-BE" sz="2000" b="1" dirty="0" smtClean="0"/>
-                  <a:t>||</a:t>
-                </a:r>
-                <a:endParaRPr lang="fr-BE" sz="2000" b="1" dirty="0"/>
-              </a:p>
-            </p:txBody>
-          </p:sp>
-        </p:grpSp>
+              <a:off x="4164728" y="5405409"/>
+              <a:ext cx="786384" cy="368046"/>
+            </a:xfrm>
+            <a:prstGeom prst="rect">
+              <a:avLst/>
+            </a:prstGeom>
+            <a:noFill/>
+          </p:spPr>
+        </p:pic>
         <p:sp>
           <p:nvSpPr>
-            <p:cNvPr id="17" name="ZoneTexte 16"/>
+            <p:cNvPr id="14" name="ZoneTexte 13"/>
             <p:cNvSpPr txBox="1"/>
             <p:nvPr/>
           </p:nvSpPr>
           <p:spPr>
             <a:xfrm>
-              <a:off x="1248661" y="1986385"/>
-              <a:ext cx="968791" cy="461665"/>
-            </a:xfrm>
-            <a:prstGeom prst="rect">
-              <a:avLst/>
-            </a:prstGeom>
-            <a:noFill/>
-          </p:spPr>
-          <p:txBody>
-            <a:bodyPr wrap="none" rtlCol="0">
-              <a:spAutoFit/>
-            </a:bodyPr>
-            <a:lstStyle/>
-            <a:p>
-              <a:pPr algn="r"/>
-              <a:r>
-                <a:rPr lang="fr-BE" sz="2400" dirty="0" smtClean="0"/>
-                <a:t>Traces</a:t>
-              </a:r>
-            </a:p>
-          </p:txBody>
-        </p:sp>
-        <p:sp>
-          <p:nvSpPr>
-            <p:cNvPr id="18" name="ZoneTexte 17"/>
-            <p:cNvSpPr txBox="1"/>
-            <p:nvPr/>
-          </p:nvSpPr>
-          <p:spPr>
-            <a:xfrm>
-              <a:off x="677289" y="3429001"/>
-              <a:ext cx="1540165" cy="461665"/>
-            </a:xfrm>
-            <a:prstGeom prst="rect">
-              <a:avLst/>
-            </a:prstGeom>
-            <a:noFill/>
-          </p:spPr>
-          <p:txBody>
-            <a:bodyPr wrap="none" rtlCol="0">
-              <a:spAutoFit/>
-            </a:bodyPr>
-            <a:lstStyle/>
-            <a:p>
-              <a:pPr algn="r"/>
-              <a:r>
-                <a:rPr lang="fr-BE" sz="2400" dirty="0" smtClean="0"/>
-                <a:t>System LTS</a:t>
-              </a:r>
-              <a:endParaRPr lang="fr-BE" sz="2400" dirty="0" smtClean="0"/>
-            </a:p>
-          </p:txBody>
-        </p:sp>
-        <p:sp>
-          <p:nvSpPr>
-            <p:cNvPr id="19" name="ZoneTexte 18"/>
-            <p:cNvSpPr txBox="1"/>
-            <p:nvPr/>
-          </p:nvSpPr>
-          <p:spPr>
-            <a:xfrm>
-              <a:off x="714348" y="4980763"/>
-              <a:ext cx="1503105" cy="461665"/>
-            </a:xfrm>
-            <a:prstGeom prst="rect">
-              <a:avLst/>
-            </a:prstGeom>
-            <a:noFill/>
-          </p:spPr>
-          <p:txBody>
-            <a:bodyPr wrap="square" rtlCol="0">
-              <a:spAutoFit/>
-            </a:bodyPr>
-            <a:lstStyle/>
-            <a:p>
-              <a:pPr algn="r"/>
-              <a:r>
-                <a:rPr lang="fr-BE" sz="2400" dirty="0" smtClean="0"/>
-                <a:t>Agent </a:t>
-              </a:r>
-              <a:r>
-                <a:rPr lang="fr-BE" sz="2400" dirty="0" err="1" smtClean="0"/>
-                <a:t>LTSs</a:t>
-              </a:r>
-              <a:endParaRPr lang="fr-BE" sz="2400" dirty="0" smtClean="0"/>
-            </a:p>
-          </p:txBody>
-        </p:sp>
-        <p:sp>
-          <p:nvSpPr>
-            <p:cNvPr id="20" name="Forme libre 19"/>
-            <p:cNvSpPr/>
-            <p:nvPr/>
-          </p:nvSpPr>
-          <p:spPr>
-            <a:xfrm>
-              <a:off x="5715008" y="831273"/>
-              <a:ext cx="417945" cy="1311843"/>
-            </a:xfrm>
-            <a:custGeom>
-              <a:avLst/>
-              <a:gdLst>
-                <a:gd name="connsiteX0" fmla="*/ 13855 w 417945"/>
-                <a:gd name="connsiteY0" fmla="*/ 0 h 1731818"/>
-                <a:gd name="connsiteX1" fmla="*/ 415636 w 417945"/>
-                <a:gd name="connsiteY1" fmla="*/ 831272 h 1731818"/>
-                <a:gd name="connsiteX2" fmla="*/ 0 w 417945"/>
-                <a:gd name="connsiteY2" fmla="*/ 1731818 h 1731818"/>
-              </a:gdLst>
-              <a:ahLst/>
-              <a:cxnLst>
-                <a:cxn ang="0">
-                  <a:pos x="connsiteX0" y="connsiteY0"/>
-                </a:cxn>
-                <a:cxn ang="0">
-                  <a:pos x="connsiteX1" y="connsiteY1"/>
-                </a:cxn>
-                <a:cxn ang="0">
-                  <a:pos x="connsiteX2" y="connsiteY2"/>
-                </a:cxn>
-              </a:cxnLst>
-              <a:rect l="l" t="t" r="r" b="b"/>
-              <a:pathLst>
-                <a:path w="417945" h="1731818">
-                  <a:moveTo>
-                    <a:pt x="13855" y="0"/>
-                  </a:moveTo>
-                  <a:cubicBezTo>
-                    <a:pt x="215900" y="271318"/>
-                    <a:pt x="417945" y="542636"/>
-                    <a:pt x="415636" y="831272"/>
-                  </a:cubicBezTo>
-                  <a:cubicBezTo>
-                    <a:pt x="413327" y="1119908"/>
-                    <a:pt x="206663" y="1425863"/>
-                    <a:pt x="0" y="1731818"/>
-                  </a:cubicBezTo>
-                </a:path>
-              </a:pathLst>
-            </a:custGeom>
-            <a:ln w="38100">
-              <a:tailEnd type="triangle" w="med" len="lg"/>
-            </a:ln>
-          </p:spPr>
-          <p:style>
-            <a:lnRef idx="2">
-              <a:schemeClr val="dk1"/>
-            </a:lnRef>
-            <a:fillRef idx="0">
-              <a:schemeClr val="dk1"/>
-            </a:fillRef>
-            <a:effectRef idx="1">
-              <a:schemeClr val="dk1"/>
-            </a:effectRef>
-            <a:fontRef idx="minor">
-              <a:schemeClr val="tx1"/>
-            </a:fontRef>
-          </p:style>
-          <p:txBody>
-            <a:bodyPr rtlCol="0" anchor="ctr"/>
-            <a:lstStyle/>
-            <a:p>
-              <a:pPr algn="ctr"/>
-              <a:endParaRPr lang="fr-BE"/>
-            </a:p>
-          </p:txBody>
-        </p:sp>
-        <p:sp>
-          <p:nvSpPr>
-            <p:cNvPr id="22" name="Forme libre 21"/>
-            <p:cNvSpPr/>
-            <p:nvPr/>
-          </p:nvSpPr>
-          <p:spPr>
-            <a:xfrm>
-              <a:off x="5715008" y="2428868"/>
-              <a:ext cx="417945" cy="1311843"/>
-            </a:xfrm>
-            <a:custGeom>
-              <a:avLst/>
-              <a:gdLst>
-                <a:gd name="connsiteX0" fmla="*/ 13855 w 417945"/>
-                <a:gd name="connsiteY0" fmla="*/ 0 h 1731818"/>
-                <a:gd name="connsiteX1" fmla="*/ 415636 w 417945"/>
-                <a:gd name="connsiteY1" fmla="*/ 831272 h 1731818"/>
-                <a:gd name="connsiteX2" fmla="*/ 0 w 417945"/>
-                <a:gd name="connsiteY2" fmla="*/ 1731818 h 1731818"/>
-              </a:gdLst>
-              <a:ahLst/>
-              <a:cxnLst>
-                <a:cxn ang="0">
-                  <a:pos x="connsiteX0" y="connsiteY0"/>
-                </a:cxn>
-                <a:cxn ang="0">
-                  <a:pos x="connsiteX1" y="connsiteY1"/>
-                </a:cxn>
-                <a:cxn ang="0">
-                  <a:pos x="connsiteX2" y="connsiteY2"/>
-                </a:cxn>
-              </a:cxnLst>
-              <a:rect l="l" t="t" r="r" b="b"/>
-              <a:pathLst>
-                <a:path w="417945" h="1731818">
-                  <a:moveTo>
-                    <a:pt x="13855" y="0"/>
-                  </a:moveTo>
-                  <a:cubicBezTo>
-                    <a:pt x="215900" y="271318"/>
-                    <a:pt x="417945" y="542636"/>
-                    <a:pt x="415636" y="831272"/>
-                  </a:cubicBezTo>
-                  <a:cubicBezTo>
-                    <a:pt x="413327" y="1119908"/>
-                    <a:pt x="206663" y="1425863"/>
-                    <a:pt x="0" y="1731818"/>
-                  </a:cubicBezTo>
-                </a:path>
-              </a:pathLst>
-            </a:custGeom>
-            <a:ln w="38100">
-              <a:tailEnd type="triangle" w="med" len="lg"/>
-            </a:ln>
-          </p:spPr>
-          <p:style>
-            <a:lnRef idx="2">
-              <a:schemeClr val="dk1"/>
-            </a:lnRef>
-            <a:fillRef idx="0">
-              <a:schemeClr val="dk1"/>
-            </a:fillRef>
-            <a:effectRef idx="1">
-              <a:schemeClr val="dk1"/>
-            </a:effectRef>
-            <a:fontRef idx="minor">
-              <a:schemeClr val="tx1"/>
-            </a:fontRef>
-          </p:style>
-          <p:txBody>
-            <a:bodyPr rtlCol="0" anchor="ctr"/>
-            <a:lstStyle/>
-            <a:p>
-              <a:pPr algn="ctr"/>
-              <a:endParaRPr lang="fr-BE"/>
-            </a:p>
-          </p:txBody>
-        </p:sp>
-        <p:sp>
-          <p:nvSpPr>
-            <p:cNvPr id="23" name="Forme libre 22"/>
-            <p:cNvSpPr/>
-            <p:nvPr/>
-          </p:nvSpPr>
-          <p:spPr>
-            <a:xfrm>
-              <a:off x="5715008" y="3929066"/>
-              <a:ext cx="417945" cy="1311843"/>
-            </a:xfrm>
-            <a:custGeom>
-              <a:avLst/>
-              <a:gdLst>
-                <a:gd name="connsiteX0" fmla="*/ 13855 w 417945"/>
-                <a:gd name="connsiteY0" fmla="*/ 0 h 1731818"/>
-                <a:gd name="connsiteX1" fmla="*/ 415636 w 417945"/>
-                <a:gd name="connsiteY1" fmla="*/ 831272 h 1731818"/>
-                <a:gd name="connsiteX2" fmla="*/ 0 w 417945"/>
-                <a:gd name="connsiteY2" fmla="*/ 1731818 h 1731818"/>
-              </a:gdLst>
-              <a:ahLst/>
-              <a:cxnLst>
-                <a:cxn ang="0">
-                  <a:pos x="connsiteX0" y="connsiteY0"/>
-                </a:cxn>
-                <a:cxn ang="0">
-                  <a:pos x="connsiteX1" y="connsiteY1"/>
-                </a:cxn>
-                <a:cxn ang="0">
-                  <a:pos x="connsiteX2" y="connsiteY2"/>
-                </a:cxn>
-              </a:cxnLst>
-              <a:rect l="l" t="t" r="r" b="b"/>
-              <a:pathLst>
-                <a:path w="417945" h="1731818">
-                  <a:moveTo>
-                    <a:pt x="13855" y="0"/>
-                  </a:moveTo>
-                  <a:cubicBezTo>
-                    <a:pt x="215900" y="271318"/>
-                    <a:pt x="417945" y="542636"/>
-                    <a:pt x="415636" y="831272"/>
-                  </a:cubicBezTo>
-                  <a:cubicBezTo>
-                    <a:pt x="413327" y="1119908"/>
-                    <a:pt x="206663" y="1425863"/>
-                    <a:pt x="0" y="1731818"/>
-                  </a:cubicBezTo>
-                </a:path>
-              </a:pathLst>
-            </a:custGeom>
-            <a:ln w="38100">
-              <a:tailEnd type="triangle" w="med" len="lg"/>
-            </a:ln>
-          </p:spPr>
-          <p:style>
-            <a:lnRef idx="2">
-              <a:schemeClr val="dk1"/>
-            </a:lnRef>
-            <a:fillRef idx="0">
-              <a:schemeClr val="dk1"/>
-            </a:fillRef>
-            <a:effectRef idx="1">
-              <a:schemeClr val="dk1"/>
-            </a:effectRef>
-            <a:fontRef idx="minor">
-              <a:schemeClr val="tx1"/>
-            </a:fontRef>
-          </p:style>
-          <p:txBody>
-            <a:bodyPr rtlCol="0" anchor="ctr"/>
-            <a:lstStyle/>
-            <a:p>
-              <a:pPr algn="ctr"/>
-              <a:endParaRPr lang="fr-BE"/>
-            </a:p>
-          </p:txBody>
-        </p:sp>
-        <p:sp>
-          <p:nvSpPr>
-            <p:cNvPr id="24" name="ZoneTexte 23"/>
-            <p:cNvSpPr txBox="1"/>
-            <p:nvPr/>
-          </p:nvSpPr>
-          <p:spPr>
-            <a:xfrm>
-              <a:off x="6215074" y="1142984"/>
-              <a:ext cx="1455142" cy="461665"/>
+              <a:off x="3781719" y="5602013"/>
+              <a:ext cx="428322" cy="400110"/>
             </a:xfrm>
             <a:prstGeom prst="rect">
               <a:avLst/>
@@ -14812,74 +14363,442 @@
             <a:lstStyle/>
             <a:p>
               <a:r>
-                <a:rPr lang="fr-BE" sz="2400" i="1" dirty="0" smtClean="0"/>
-                <a:t>Extraction</a:t>
+                <a:rPr lang="fr-BE" sz="2000" b="1" dirty="0" smtClean="0"/>
+                <a:t>||</a:t>
               </a:r>
-              <a:endParaRPr lang="fr-BE" sz="2400" i="1" dirty="0"/>
-            </a:p>
-          </p:txBody>
-        </p:sp>
-        <p:sp>
-          <p:nvSpPr>
-            <p:cNvPr id="25" name="ZoneTexte 24"/>
-            <p:cNvSpPr txBox="1"/>
-            <p:nvPr/>
-          </p:nvSpPr>
-          <p:spPr>
-            <a:xfrm>
-              <a:off x="6215074" y="2714620"/>
-              <a:ext cx="2003305" cy="461665"/>
-            </a:xfrm>
-            <a:prstGeom prst="rect">
-              <a:avLst/>
-            </a:prstGeom>
-            <a:noFill/>
-          </p:spPr>
-          <p:txBody>
-            <a:bodyPr wrap="none" rtlCol="0">
-              <a:spAutoFit/>
-            </a:bodyPr>
-            <a:lstStyle/>
-            <a:p>
-              <a:r>
-                <a:rPr lang="fr-BE" sz="2400" i="1" dirty="0" err="1" smtClean="0"/>
-                <a:t>Generalization</a:t>
-              </a:r>
-              <a:endParaRPr lang="fr-BE" sz="2400" i="1" dirty="0"/>
-            </a:p>
-          </p:txBody>
-        </p:sp>
-        <p:sp>
-          <p:nvSpPr>
-            <p:cNvPr id="26" name="ZoneTexte 25"/>
-            <p:cNvSpPr txBox="1"/>
-            <p:nvPr/>
-          </p:nvSpPr>
-          <p:spPr>
-            <a:xfrm>
-              <a:off x="6215074" y="4286256"/>
-              <a:ext cx="2047997" cy="461665"/>
-            </a:xfrm>
-            <a:prstGeom prst="rect">
-              <a:avLst/>
-            </a:prstGeom>
-            <a:noFill/>
-          </p:spPr>
-          <p:txBody>
-            <a:bodyPr wrap="none" rtlCol="0">
-              <a:spAutoFit/>
-            </a:bodyPr>
-            <a:lstStyle/>
-            <a:p>
-              <a:r>
-                <a:rPr lang="fr-BE" sz="2400" i="1" dirty="0" err="1" smtClean="0"/>
-                <a:t>Decomposition</a:t>
-              </a:r>
-              <a:endParaRPr lang="fr-BE" sz="2400" i="1" dirty="0"/>
+              <a:endParaRPr lang="fr-BE" sz="2000" b="1" dirty="0"/>
             </a:p>
           </p:txBody>
         </p:sp>
       </p:grpSp>
+      <p:sp>
+        <p:nvSpPr>
+          <p:cNvPr id="18" name="ZoneTexte 17"/>
+          <p:cNvSpPr txBox="1"/>
+          <p:nvPr/>
+        </p:nvSpPr>
+        <p:spPr>
+          <a:xfrm>
+            <a:off x="642910" y="3038773"/>
+            <a:ext cx="1540165" cy="461665"/>
+          </a:xfrm>
+          <a:prstGeom prst="rect">
+            <a:avLst/>
+          </a:prstGeom>
+          <a:noFill/>
+        </p:spPr>
+        <p:txBody>
+          <a:bodyPr wrap="none" rtlCol="0">
+            <a:spAutoFit/>
+          </a:bodyPr>
+          <a:lstStyle/>
+          <a:p>
+            <a:pPr algn="r"/>
+            <a:r>
+              <a:rPr lang="fr-BE" sz="2400" dirty="0" smtClean="0"/>
+              <a:t>System LTS</a:t>
+            </a:r>
+          </a:p>
+        </p:txBody>
+      </p:sp>
+      <p:sp>
+        <p:nvSpPr>
+          <p:cNvPr id="19" name="ZoneTexte 18"/>
+          <p:cNvSpPr txBox="1"/>
+          <p:nvPr/>
+        </p:nvSpPr>
+        <p:spPr>
+          <a:xfrm>
+            <a:off x="642910" y="5092765"/>
+            <a:ext cx="1503105" cy="461665"/>
+          </a:xfrm>
+          <a:prstGeom prst="rect">
+            <a:avLst/>
+          </a:prstGeom>
+          <a:noFill/>
+        </p:spPr>
+        <p:txBody>
+          <a:bodyPr wrap="square" rtlCol="0">
+            <a:spAutoFit/>
+          </a:bodyPr>
+          <a:lstStyle/>
+          <a:p>
+            <a:pPr algn="r"/>
+            <a:r>
+              <a:rPr lang="fr-BE" sz="2400" dirty="0" smtClean="0"/>
+              <a:t>Agent </a:t>
+            </a:r>
+            <a:r>
+              <a:rPr lang="fr-BE" sz="2400" dirty="0" err="1" smtClean="0"/>
+              <a:t>LTSs</a:t>
+            </a:r>
+            <a:endParaRPr lang="fr-BE" sz="2400" dirty="0" smtClean="0"/>
+          </a:p>
+        </p:txBody>
+      </p:sp>
+      <p:sp>
+        <p:nvSpPr>
+          <p:cNvPr id="22" name="Forme libre 21"/>
+          <p:cNvSpPr/>
+          <p:nvPr/>
+        </p:nvSpPr>
+        <p:spPr>
+          <a:xfrm>
+            <a:off x="3929059" y="1785926"/>
+            <a:ext cx="142876" cy="857256"/>
+          </a:xfrm>
+          <a:custGeom>
+            <a:avLst/>
+            <a:gdLst>
+              <a:gd name="connsiteX0" fmla="*/ 13855 w 417945"/>
+              <a:gd name="connsiteY0" fmla="*/ 0 h 1731818"/>
+              <a:gd name="connsiteX1" fmla="*/ 415636 w 417945"/>
+              <a:gd name="connsiteY1" fmla="*/ 831272 h 1731818"/>
+              <a:gd name="connsiteX2" fmla="*/ 0 w 417945"/>
+              <a:gd name="connsiteY2" fmla="*/ 1731818 h 1731818"/>
+            </a:gdLst>
+            <a:ahLst/>
+            <a:cxnLst>
+              <a:cxn ang="0">
+                <a:pos x="connsiteX0" y="connsiteY0"/>
+              </a:cxn>
+              <a:cxn ang="0">
+                <a:pos x="connsiteX1" y="connsiteY1"/>
+              </a:cxn>
+              <a:cxn ang="0">
+                <a:pos x="connsiteX2" y="connsiteY2"/>
+              </a:cxn>
+            </a:cxnLst>
+            <a:rect l="l" t="t" r="r" b="b"/>
+            <a:pathLst>
+              <a:path w="417945" h="1731818">
+                <a:moveTo>
+                  <a:pt x="13855" y="0"/>
+                </a:moveTo>
+                <a:cubicBezTo>
+                  <a:pt x="215900" y="271318"/>
+                  <a:pt x="417945" y="542636"/>
+                  <a:pt x="415636" y="831272"/>
+                </a:cubicBezTo>
+                <a:cubicBezTo>
+                  <a:pt x="413327" y="1119908"/>
+                  <a:pt x="206663" y="1425863"/>
+                  <a:pt x="0" y="1731818"/>
+                </a:cubicBezTo>
+              </a:path>
+            </a:pathLst>
+          </a:custGeom>
+          <a:ln w="38100">
+            <a:tailEnd type="triangle" w="med" len="lg"/>
+          </a:ln>
+        </p:spPr>
+        <p:style>
+          <a:lnRef idx="2">
+            <a:schemeClr val="dk1"/>
+          </a:lnRef>
+          <a:fillRef idx="0">
+            <a:schemeClr val="dk1"/>
+          </a:fillRef>
+          <a:effectRef idx="1">
+            <a:schemeClr val="dk1"/>
+          </a:effectRef>
+          <a:fontRef idx="minor">
+            <a:schemeClr val="tx1"/>
+          </a:fontRef>
+        </p:style>
+        <p:txBody>
+          <a:bodyPr rtlCol="0" anchor="ctr"/>
+          <a:lstStyle/>
+          <a:p>
+            <a:pPr algn="ctr"/>
+            <a:endParaRPr lang="fr-BE"/>
+          </a:p>
+        </p:txBody>
+      </p:sp>
+      <p:sp>
+        <p:nvSpPr>
+          <p:cNvPr id="25" name="ZoneTexte 24"/>
+          <p:cNvSpPr txBox="1"/>
+          <p:nvPr/>
+        </p:nvSpPr>
+        <p:spPr>
+          <a:xfrm>
+            <a:off x="4357686" y="1857364"/>
+            <a:ext cx="2550698" cy="769441"/>
+          </a:xfrm>
+          <a:prstGeom prst="rect">
+            <a:avLst/>
+          </a:prstGeom>
+          <a:noFill/>
+        </p:spPr>
+        <p:txBody>
+          <a:bodyPr wrap="none" rtlCol="0">
+            <a:spAutoFit/>
+          </a:bodyPr>
+          <a:lstStyle/>
+          <a:p>
+            <a:r>
+              <a:rPr lang="fr-BE" sz="2200" i="1" dirty="0" err="1" smtClean="0"/>
+              <a:t>Generalization</a:t>
+            </a:r>
+            <a:endParaRPr lang="fr-BE" sz="2200" i="1" dirty="0" smtClean="0"/>
+          </a:p>
+          <a:p>
+            <a:r>
+              <a:rPr lang="fr-BE" sz="2200" i="1" dirty="0" smtClean="0"/>
+              <a:t>(</a:t>
+            </a:r>
+            <a:r>
+              <a:rPr lang="fr-BE" sz="2200" i="1" dirty="0" err="1" smtClean="0"/>
+              <a:t>grammar</a:t>
+            </a:r>
+            <a:r>
+              <a:rPr lang="fr-BE" sz="2200" i="1" dirty="0" smtClean="0"/>
+              <a:t> induction)</a:t>
+            </a:r>
+            <a:endParaRPr lang="fr-BE" sz="2200" i="1" dirty="0"/>
+          </a:p>
+        </p:txBody>
+      </p:sp>
+      <p:sp>
+        <p:nvSpPr>
+          <p:cNvPr id="26" name="ZoneTexte 25"/>
+          <p:cNvSpPr txBox="1"/>
+          <p:nvPr/>
+        </p:nvSpPr>
+        <p:spPr>
+          <a:xfrm>
+            <a:off x="4357686" y="3857628"/>
+            <a:ext cx="3929090" cy="769441"/>
+          </a:xfrm>
+          <a:prstGeom prst="rect">
+            <a:avLst/>
+          </a:prstGeom>
+          <a:noFill/>
+        </p:spPr>
+        <p:txBody>
+          <a:bodyPr wrap="square" rtlCol="0">
+            <a:spAutoFit/>
+          </a:bodyPr>
+          <a:lstStyle/>
+          <a:p>
+            <a:r>
+              <a:rPr lang="fr-BE" sz="2200" i="1" dirty="0" err="1" smtClean="0"/>
+              <a:t>Decomposition</a:t>
+            </a:r>
+            <a:endParaRPr lang="fr-BE" sz="2200" i="1" dirty="0" smtClean="0"/>
+          </a:p>
+          <a:p>
+            <a:r>
+              <a:rPr lang="fr-BE" sz="2200" i="1" dirty="0" smtClean="0"/>
+              <a:t>(</a:t>
+            </a:r>
+            <a:r>
+              <a:rPr lang="fr-BE" sz="2200" i="1" dirty="0" err="1" smtClean="0"/>
+              <a:t>hiding</a:t>
+            </a:r>
+            <a:r>
+              <a:rPr lang="fr-BE" sz="2200" i="1" dirty="0" smtClean="0"/>
+              <a:t> + </a:t>
+            </a:r>
+            <a:r>
+              <a:rPr lang="fr-BE" sz="2200" i="1" dirty="0" err="1" smtClean="0"/>
+              <a:t>determ</a:t>
+            </a:r>
+            <a:r>
+              <a:rPr lang="fr-BE" sz="2200" i="1" dirty="0" smtClean="0"/>
+              <a:t>. + </a:t>
+            </a:r>
+            <a:r>
+              <a:rPr lang="fr-BE" sz="2200" i="1" dirty="0" err="1" smtClean="0"/>
+              <a:t>minimize</a:t>
+            </a:r>
+            <a:r>
+              <a:rPr lang="fr-BE" sz="2200" i="1" dirty="0" smtClean="0"/>
+              <a:t>)</a:t>
+            </a:r>
+            <a:endParaRPr lang="fr-BE" sz="2200" i="1" dirty="0"/>
+          </a:p>
+        </p:txBody>
+      </p:sp>
+      <p:grpSp>
+        <p:nvGrpSpPr>
+          <p:cNvPr id="33" name="Groupe 32"/>
+          <p:cNvGrpSpPr/>
+          <p:nvPr/>
+        </p:nvGrpSpPr>
+        <p:grpSpPr>
+          <a:xfrm>
+            <a:off x="2685819" y="500042"/>
+            <a:ext cx="2671999" cy="1285884"/>
+            <a:chOff x="2828695" y="1643050"/>
+            <a:chExt cx="2671999" cy="1285884"/>
+          </a:xfrm>
+        </p:grpSpPr>
+        <p:pic>
+          <p:nvPicPr>
+            <p:cNvPr id="32" name="Picture 5" descr="D:\blambeau\Work\ucl\thesis\writing\src\2-framework\images\simple-scenario.png"/>
+            <p:cNvPicPr>
+              <a:picLocks noChangeAspect="1" noChangeArrowheads="1"/>
+            </p:cNvPicPr>
+            <p:nvPr/>
+          </p:nvPicPr>
+          <p:blipFill>
+            <a:blip r:embed="rId6" cstate="print"/>
+            <a:srcRect/>
+            <a:stretch>
+              <a:fillRect/>
+            </a:stretch>
+          </p:blipFill>
+          <p:spPr bwMode="auto">
+            <a:xfrm>
+              <a:off x="2999281" y="1643050"/>
+              <a:ext cx="2501413" cy="1143008"/>
+            </a:xfrm>
+            <a:prstGeom prst="rect">
+              <a:avLst/>
+            </a:prstGeom>
+            <a:solidFill>
+              <a:schemeClr val="bg1"/>
+            </a:solidFill>
+          </p:spPr>
+        </p:pic>
+        <p:pic>
+          <p:nvPicPr>
+            <p:cNvPr id="31" name="Picture 5" descr="D:\blambeau\Work\ucl\thesis\writing\src\2-framework\images\simple-scenario.png"/>
+            <p:cNvPicPr>
+              <a:picLocks noChangeAspect="1" noChangeArrowheads="1"/>
+            </p:cNvPicPr>
+            <p:nvPr/>
+          </p:nvPicPr>
+          <p:blipFill>
+            <a:blip r:embed="rId6" cstate="print"/>
+            <a:srcRect/>
+            <a:stretch>
+              <a:fillRect/>
+            </a:stretch>
+          </p:blipFill>
+          <p:spPr bwMode="auto">
+            <a:xfrm>
+              <a:off x="2927843" y="1714488"/>
+              <a:ext cx="2501413" cy="1143008"/>
+            </a:xfrm>
+            <a:prstGeom prst="rect">
+              <a:avLst/>
+            </a:prstGeom>
+            <a:solidFill>
+              <a:schemeClr val="bg1"/>
+            </a:solidFill>
+          </p:spPr>
+        </p:pic>
+        <p:pic>
+          <p:nvPicPr>
+            <p:cNvPr id="6" name="Picture 5" descr="D:\blambeau\Work\ucl\thesis\writing\src\2-framework\images\simple-scenario.png"/>
+            <p:cNvPicPr>
+              <a:picLocks noChangeAspect="1" noChangeArrowheads="1"/>
+            </p:cNvPicPr>
+            <p:nvPr/>
+          </p:nvPicPr>
+          <p:blipFill>
+            <a:blip r:embed="rId6" cstate="print"/>
+            <a:srcRect/>
+            <a:stretch>
+              <a:fillRect/>
+            </a:stretch>
+          </p:blipFill>
+          <p:spPr bwMode="auto">
+            <a:xfrm>
+              <a:off x="2828695" y="1785926"/>
+              <a:ext cx="2501413" cy="1143008"/>
+            </a:xfrm>
+            <a:prstGeom prst="rect">
+              <a:avLst/>
+            </a:prstGeom>
+            <a:solidFill>
+              <a:schemeClr val="bg1"/>
+            </a:solidFill>
+          </p:spPr>
+        </p:pic>
+      </p:grpSp>
+      <p:sp>
+        <p:nvSpPr>
+          <p:cNvPr id="34" name="Forme libre 33"/>
+          <p:cNvSpPr/>
+          <p:nvPr/>
+        </p:nvSpPr>
+        <p:spPr>
+          <a:xfrm>
+            <a:off x="3929058" y="3786190"/>
+            <a:ext cx="142876" cy="857256"/>
+          </a:xfrm>
+          <a:custGeom>
+            <a:avLst/>
+            <a:gdLst>
+              <a:gd name="connsiteX0" fmla="*/ 13855 w 417945"/>
+              <a:gd name="connsiteY0" fmla="*/ 0 h 1731818"/>
+              <a:gd name="connsiteX1" fmla="*/ 415636 w 417945"/>
+              <a:gd name="connsiteY1" fmla="*/ 831272 h 1731818"/>
+              <a:gd name="connsiteX2" fmla="*/ 0 w 417945"/>
+              <a:gd name="connsiteY2" fmla="*/ 1731818 h 1731818"/>
+            </a:gdLst>
+            <a:ahLst/>
+            <a:cxnLst>
+              <a:cxn ang="0">
+                <a:pos x="connsiteX0" y="connsiteY0"/>
+              </a:cxn>
+              <a:cxn ang="0">
+                <a:pos x="connsiteX1" y="connsiteY1"/>
+              </a:cxn>
+              <a:cxn ang="0">
+                <a:pos x="connsiteX2" y="connsiteY2"/>
+              </a:cxn>
+            </a:cxnLst>
+            <a:rect l="l" t="t" r="r" b="b"/>
+            <a:pathLst>
+              <a:path w="417945" h="1731818">
+                <a:moveTo>
+                  <a:pt x="13855" y="0"/>
+                </a:moveTo>
+                <a:cubicBezTo>
+                  <a:pt x="215900" y="271318"/>
+                  <a:pt x="417945" y="542636"/>
+                  <a:pt x="415636" y="831272"/>
+                </a:cubicBezTo>
+                <a:cubicBezTo>
+                  <a:pt x="413327" y="1119908"/>
+                  <a:pt x="206663" y="1425863"/>
+                  <a:pt x="0" y="1731818"/>
+                </a:cubicBezTo>
+              </a:path>
+            </a:pathLst>
+          </a:custGeom>
+          <a:ln w="38100">
+            <a:tailEnd type="triangle" w="med" len="lg"/>
+          </a:ln>
+        </p:spPr>
+        <p:style>
+          <a:lnRef idx="2">
+            <a:schemeClr val="dk1"/>
+          </a:lnRef>
+          <a:fillRef idx="0">
+            <a:schemeClr val="dk1"/>
+          </a:fillRef>
+          <a:effectRef idx="1">
+            <a:schemeClr val="dk1"/>
+          </a:effectRef>
+          <a:fontRef idx="minor">
+            <a:schemeClr val="tx1"/>
+          </a:fontRef>
+        </p:style>
+        <p:txBody>
+          <a:bodyPr rtlCol="0" anchor="ctr"/>
+          <a:lstStyle/>
+          <a:p>
+            <a:pPr algn="ctr"/>
+            <a:endParaRPr lang="fr-BE"/>
+          </a:p>
+        </p:txBody>
+      </p:sp>
     </p:spTree>
   </p:cSld>
   <p:clrMapOvr>

--- a/writing/images/train.pptx
+++ b/writing/images/train.pptx
@@ -5,7 +5,7 @@
     <p:sldMasterId id="2147483648" r:id="rId1"/>
   </p:sldMasterIdLst>
   <p:notesMasterIdLst>
-    <p:notesMasterId r:id="rId9"/>
+    <p:notesMasterId r:id="rId12"/>
   </p:notesMasterIdLst>
   <p:sldIdLst>
     <p:sldId id="256" r:id="rId2"/>
@@ -15,6 +15,9 @@
     <p:sldId id="260" r:id="rId6"/>
     <p:sldId id="261" r:id="rId7"/>
     <p:sldId id="262" r:id="rId8"/>
+    <p:sldId id="265" r:id="rId9"/>
+    <p:sldId id="267" r:id="rId10"/>
+    <p:sldId id="266" r:id="rId11"/>
   </p:sldIdLst>
   <p:sldSz cx="9144000" cy="6858000" type="screen4x3"/>
   <p:notesSz cx="6858000" cy="9144000"/>
@@ -199,7 +202,7 @@
             <a:fld id="{1A5CA47D-05BA-47C5-ACE1-040A60204EDF}" type="datetimeFigureOut">
               <a:rPr lang="fr-FR" smtClean="0"/>
               <a:pPr/>
-              <a:t>28/06/2011</a:t>
+              <a:t>05/07/2011</a:t>
             </a:fld>
             <a:endParaRPr lang="fr-BE"/>
           </a:p>
@@ -729,7 +732,7 @@
             <a:fld id="{68BDF4EC-5B70-45D8-B718-E56EB4C6B13E}" type="datetimeFigureOut">
               <a:rPr lang="fr-BE" smtClean="0"/>
               <a:pPr/>
-              <a:t>28/06/2011</a:t>
+              <a:t>5/07/2011</a:t>
             </a:fld>
             <a:endParaRPr lang="fr-BE"/>
           </a:p>
@@ -896,7 +899,7 @@
             <a:fld id="{68BDF4EC-5B70-45D8-B718-E56EB4C6B13E}" type="datetimeFigureOut">
               <a:rPr lang="fr-BE" smtClean="0"/>
               <a:pPr/>
-              <a:t>28/06/2011</a:t>
+              <a:t>5/07/2011</a:t>
             </a:fld>
             <a:endParaRPr lang="fr-BE"/>
           </a:p>
@@ -1073,7 +1076,7 @@
             <a:fld id="{68BDF4EC-5B70-45D8-B718-E56EB4C6B13E}" type="datetimeFigureOut">
               <a:rPr lang="fr-BE" smtClean="0"/>
               <a:pPr/>
-              <a:t>28/06/2011</a:t>
+              <a:t>5/07/2011</a:t>
             </a:fld>
             <a:endParaRPr lang="fr-BE"/>
           </a:p>
@@ -1240,7 +1243,7 @@
             <a:fld id="{68BDF4EC-5B70-45D8-B718-E56EB4C6B13E}" type="datetimeFigureOut">
               <a:rPr lang="fr-BE" smtClean="0"/>
               <a:pPr/>
-              <a:t>28/06/2011</a:t>
+              <a:t>5/07/2011</a:t>
             </a:fld>
             <a:endParaRPr lang="fr-BE"/>
           </a:p>
@@ -1483,7 +1486,7 @@
             <a:fld id="{68BDF4EC-5B70-45D8-B718-E56EB4C6B13E}" type="datetimeFigureOut">
               <a:rPr lang="fr-BE" smtClean="0"/>
               <a:pPr/>
-              <a:t>28/06/2011</a:t>
+              <a:t>5/07/2011</a:t>
             </a:fld>
             <a:endParaRPr lang="fr-BE"/>
           </a:p>
@@ -1768,7 +1771,7 @@
             <a:fld id="{68BDF4EC-5B70-45D8-B718-E56EB4C6B13E}" type="datetimeFigureOut">
               <a:rPr lang="fr-BE" smtClean="0"/>
               <a:pPr/>
-              <a:t>28/06/2011</a:t>
+              <a:t>5/07/2011</a:t>
             </a:fld>
             <a:endParaRPr lang="fr-BE"/>
           </a:p>
@@ -2187,7 +2190,7 @@
             <a:fld id="{68BDF4EC-5B70-45D8-B718-E56EB4C6B13E}" type="datetimeFigureOut">
               <a:rPr lang="fr-BE" smtClean="0"/>
               <a:pPr/>
-              <a:t>28/06/2011</a:t>
+              <a:t>5/07/2011</a:t>
             </a:fld>
             <a:endParaRPr lang="fr-BE"/>
           </a:p>
@@ -2302,7 +2305,7 @@
             <a:fld id="{68BDF4EC-5B70-45D8-B718-E56EB4C6B13E}" type="datetimeFigureOut">
               <a:rPr lang="fr-BE" smtClean="0"/>
               <a:pPr/>
-              <a:t>28/06/2011</a:t>
+              <a:t>5/07/2011</a:t>
             </a:fld>
             <a:endParaRPr lang="fr-BE"/>
           </a:p>
@@ -2394,7 +2397,7 @@
             <a:fld id="{68BDF4EC-5B70-45D8-B718-E56EB4C6B13E}" type="datetimeFigureOut">
               <a:rPr lang="fr-BE" smtClean="0"/>
               <a:pPr/>
-              <a:t>28/06/2011</a:t>
+              <a:t>5/07/2011</a:t>
             </a:fld>
             <a:endParaRPr lang="fr-BE"/>
           </a:p>
@@ -2668,7 +2671,7 @@
             <a:fld id="{68BDF4EC-5B70-45D8-B718-E56EB4C6B13E}" type="datetimeFigureOut">
               <a:rPr lang="fr-BE" smtClean="0"/>
               <a:pPr/>
-              <a:t>28/06/2011</a:t>
+              <a:t>5/07/2011</a:t>
             </a:fld>
             <a:endParaRPr lang="fr-BE"/>
           </a:p>
@@ -2918,7 +2921,7 @@
             <a:fld id="{68BDF4EC-5B70-45D8-B718-E56EB4C6B13E}" type="datetimeFigureOut">
               <a:rPr lang="fr-BE" smtClean="0"/>
               <a:pPr/>
-              <a:t>28/06/2011</a:t>
+              <a:t>5/07/2011</a:t>
             </a:fld>
             <a:endParaRPr lang="fr-BE"/>
           </a:p>
@@ -3128,7 +3131,7 @@
             <a:fld id="{68BDF4EC-5B70-45D8-B718-E56EB4C6B13E}" type="datetimeFigureOut">
               <a:rPr lang="fr-BE" smtClean="0"/>
               <a:pPr/>
-              <a:t>28/06/2011</a:t>
+              <a:t>5/07/2011</a:t>
             </a:fld>
             <a:endParaRPr lang="fr-BE"/>
           </a:p>
@@ -3550,7 +3553,7 @@
             <a:lstStyle/>
             <a:p>
               <a:pPr algn="ctr"/>
-              <a:endParaRPr lang="fr-BE"/>
+              <a:endParaRPr lang="fr-BE" dirty="0"/>
             </a:p>
           </p:txBody>
         </p:sp>
@@ -3593,7 +3596,7 @@
                 </a:lnSpc>
               </a:pPr>
               <a:r>
-                <a:rPr lang="fr-BE" sz="1100" smtClean="0"/>
+                <a:rPr lang="fr-BE" sz="1100" dirty="0" err="1" smtClean="0"/>
                 <a:t>Passenger</a:t>
               </a:r>
               <a:endParaRPr lang="fr-BE" sz="1100"/>
@@ -4758,6 +4761,1688 @@
                 <a:t>open</a:t>
               </a:r>
               <a:endParaRPr lang="fr-BE" sz="1100"/>
+            </a:p>
+          </p:txBody>
+        </p:sp>
+      </p:grpSp>
+    </p:spTree>
+  </p:cSld>
+  <p:clrMapOvr>
+    <a:masterClrMapping/>
+  </p:clrMapOvr>
+</p:sld>
+</file>
+
+<file path=ppt/slides/slide10.xml><?xml version="1.0" encoding="utf-8"?>
+<p:sld xmlns:a="http://schemas.openxmlformats.org/drawingml/2006/main" xmlns:r="http://schemas.openxmlformats.org/officeDocument/2006/relationships" xmlns:p="http://schemas.openxmlformats.org/presentationml/2006/main">
+  <p:cSld>
+    <p:spTree>
+      <p:nvGrpSpPr>
+        <p:cNvPr id="1" name=""/>
+        <p:cNvGrpSpPr/>
+        <p:nvPr/>
+      </p:nvGrpSpPr>
+      <p:grpSpPr>
+        <a:xfrm>
+          <a:off x="0" y="0"/>
+          <a:ext cx="0" cy="0"/>
+          <a:chOff x="0" y="0"/>
+          <a:chExt cx="0" cy="0"/>
+        </a:xfrm>
+      </p:grpSpPr>
+      <p:grpSp>
+        <p:nvGrpSpPr>
+          <p:cNvPr id="25" name="Groupe 24"/>
+          <p:cNvGrpSpPr/>
+          <p:nvPr/>
+        </p:nvGrpSpPr>
+        <p:grpSpPr>
+          <a:xfrm>
+            <a:off x="1619672" y="3429000"/>
+            <a:ext cx="4680520" cy="2088232"/>
+            <a:chOff x="1619672" y="999778"/>
+            <a:chExt cx="4680520" cy="2088232"/>
+          </a:xfrm>
+        </p:grpSpPr>
+        <p:sp>
+          <p:nvSpPr>
+            <p:cNvPr id="26" name="Rectangle 25"/>
+            <p:cNvSpPr/>
+            <p:nvPr/>
+          </p:nvSpPr>
+          <p:spPr>
+            <a:xfrm>
+              <a:off x="1619672" y="999778"/>
+              <a:ext cx="4680520" cy="2088232"/>
+            </a:xfrm>
+            <a:prstGeom prst="rect">
+              <a:avLst/>
+            </a:prstGeom>
+            <a:ln w="9525"/>
+          </p:spPr>
+          <p:style>
+            <a:lnRef idx="2">
+              <a:schemeClr val="dk1"/>
+            </a:lnRef>
+            <a:fillRef idx="1">
+              <a:schemeClr val="lt1"/>
+            </a:fillRef>
+            <a:effectRef idx="0">
+              <a:schemeClr val="dk1"/>
+            </a:effectRef>
+            <a:fontRef idx="minor">
+              <a:schemeClr val="dk1"/>
+            </a:fontRef>
+          </p:style>
+          <p:txBody>
+            <a:bodyPr rtlCol="0" anchor="ctr"/>
+            <a:lstStyle/>
+            <a:p>
+              <a:pPr algn="ctr"/>
+              <a:endParaRPr lang="fr-BE"/>
+            </a:p>
+          </p:txBody>
+        </p:sp>
+        <p:grpSp>
+          <p:nvGrpSpPr>
+            <p:cNvPr id="28" name="Groupe 122"/>
+            <p:cNvGrpSpPr/>
+            <p:nvPr/>
+          </p:nvGrpSpPr>
+          <p:grpSpPr>
+            <a:xfrm>
+              <a:off x="1700740" y="1168717"/>
+              <a:ext cx="4529459" cy="1748518"/>
+              <a:chOff x="1700740" y="1168717"/>
+              <a:chExt cx="4529459" cy="1748518"/>
+            </a:xfrm>
+          </p:grpSpPr>
+          <p:sp>
+            <p:nvSpPr>
+              <p:cNvPr id="29" name="Ellipse 3"/>
+              <p:cNvSpPr/>
+              <p:nvPr/>
+            </p:nvSpPr>
+            <p:spPr>
+              <a:xfrm>
+                <a:off x="3834994" y="1308783"/>
+                <a:ext cx="360000" cy="360000"/>
+              </a:xfrm>
+              <a:prstGeom prst="ellipse">
+                <a:avLst/>
+              </a:prstGeom>
+            </p:spPr>
+            <p:style>
+              <a:lnRef idx="2">
+                <a:schemeClr val="dk1"/>
+              </a:lnRef>
+              <a:fillRef idx="1">
+                <a:schemeClr val="lt1"/>
+              </a:fillRef>
+              <a:effectRef idx="0">
+                <a:schemeClr val="dk1"/>
+              </a:effectRef>
+              <a:fontRef idx="minor">
+                <a:schemeClr val="dk1"/>
+              </a:fontRef>
+            </p:style>
+            <p:txBody>
+              <a:bodyPr rtlCol="0" anchor="ctr"/>
+              <a:lstStyle/>
+              <a:p>
+                <a:pPr algn="ctr"/>
+                <a:endParaRPr lang="fr-BE" noProof="1"/>
+              </a:p>
+            </p:txBody>
+          </p:sp>
+          <p:sp>
+            <p:nvSpPr>
+              <p:cNvPr id="30" name="Ellipse 29"/>
+              <p:cNvSpPr/>
+              <p:nvPr/>
+            </p:nvSpPr>
+            <p:spPr>
+              <a:xfrm>
+                <a:off x="4715209" y="2335903"/>
+                <a:ext cx="360000" cy="360000"/>
+              </a:xfrm>
+              <a:prstGeom prst="ellipse">
+                <a:avLst/>
+              </a:prstGeom>
+            </p:spPr>
+            <p:style>
+              <a:lnRef idx="2">
+                <a:schemeClr val="dk1"/>
+              </a:lnRef>
+              <a:fillRef idx="1">
+                <a:schemeClr val="lt1"/>
+              </a:fillRef>
+              <a:effectRef idx="0">
+                <a:schemeClr val="dk1"/>
+              </a:effectRef>
+              <a:fontRef idx="minor">
+                <a:schemeClr val="dk1"/>
+              </a:fontRef>
+            </p:style>
+            <p:txBody>
+              <a:bodyPr wrap="none" rtlCol="0" anchor="ctr"/>
+              <a:lstStyle/>
+              <a:p>
+                <a:pPr algn="ctr"/>
+                <a:r>
+                  <a:rPr lang="fr-BE" sz="1400" noProof="1" smtClean="0"/>
+                  <a:t>q</a:t>
+                </a:r>
+                <a:r>
+                  <a:rPr lang="fr-BE" sz="1400" baseline="-25000" noProof="1" smtClean="0"/>
+                  <a:t>t</a:t>
+                </a:r>
+                <a:endParaRPr lang="fr-BE" sz="1400" baseline="-25000" noProof="1"/>
+              </a:p>
+            </p:txBody>
+          </p:sp>
+          <p:sp>
+            <p:nvSpPr>
+              <p:cNvPr id="32" name="Ellipse 31"/>
+              <p:cNvSpPr/>
+              <p:nvPr/>
+            </p:nvSpPr>
+            <p:spPr>
+              <a:xfrm>
+                <a:off x="2907399" y="2342253"/>
+                <a:ext cx="360000" cy="360000"/>
+              </a:xfrm>
+              <a:prstGeom prst="ellipse">
+                <a:avLst/>
+              </a:prstGeom>
+            </p:spPr>
+            <p:style>
+              <a:lnRef idx="2">
+                <a:schemeClr val="dk1"/>
+              </a:lnRef>
+              <a:fillRef idx="1">
+                <a:schemeClr val="lt1"/>
+              </a:fillRef>
+              <a:effectRef idx="0">
+                <a:schemeClr val="dk1"/>
+              </a:effectRef>
+              <a:fontRef idx="minor">
+                <a:schemeClr val="dk1"/>
+              </a:fontRef>
+            </p:style>
+            <p:txBody>
+              <a:bodyPr wrap="none" rtlCol="0" anchor="ctr"/>
+              <a:lstStyle/>
+              <a:p>
+                <a:pPr algn="ctr"/>
+                <a:r>
+                  <a:rPr lang="fr-BE" sz="1400" noProof="1" smtClean="0"/>
+                  <a:t>q</a:t>
+                </a:r>
+                <a:r>
+                  <a:rPr lang="fr-BE" sz="1400" baseline="-25000" noProof="1" smtClean="0"/>
+                  <a:t>f</a:t>
+                </a:r>
+                <a:endParaRPr lang="fr-BE" sz="1400" baseline="-25000" noProof="1"/>
+              </a:p>
+            </p:txBody>
+          </p:sp>
+          <p:cxnSp>
+            <p:nvCxnSpPr>
+              <p:cNvPr id="33" name="Connecteur droit avec flèche 7"/>
+              <p:cNvCxnSpPr>
+                <a:stCxn id="32" idx="7"/>
+                <a:endCxn id="30" idx="1"/>
+              </p:cNvCxnSpPr>
+              <p:nvPr/>
+            </p:nvCxnSpPr>
+            <p:spPr>
+              <a:xfrm rot="5400000" flipH="1" flipV="1">
+                <a:off x="3988129" y="1615173"/>
+                <a:ext cx="6350" cy="1553252"/>
+              </a:xfrm>
+              <a:prstGeom prst="curvedConnector3">
+                <a:avLst>
+                  <a:gd name="adj1" fmla="val 3330253"/>
+                </a:avLst>
+              </a:prstGeom>
+              <a:ln w="19050">
+                <a:tailEnd type="triangle" w="med" len="lg"/>
+              </a:ln>
+            </p:spPr>
+            <p:style>
+              <a:lnRef idx="1">
+                <a:schemeClr val="dk1"/>
+              </a:lnRef>
+              <a:fillRef idx="0">
+                <a:schemeClr val="dk1"/>
+              </a:fillRef>
+              <a:effectRef idx="0">
+                <a:schemeClr val="dk1"/>
+              </a:effectRef>
+              <a:fontRef idx="minor">
+                <a:schemeClr val="tx1"/>
+              </a:fontRef>
+            </p:style>
+          </p:cxnSp>
+          <p:cxnSp>
+            <p:nvCxnSpPr>
+              <p:cNvPr id="34" name="Connecteur droit avec flèche 7"/>
+              <p:cNvCxnSpPr>
+                <a:stCxn id="30" idx="3"/>
+                <a:endCxn id="32" idx="5"/>
+              </p:cNvCxnSpPr>
+              <p:nvPr/>
+            </p:nvCxnSpPr>
+            <p:spPr>
+              <a:xfrm rot="5400000">
+                <a:off x="3988129" y="1869731"/>
+                <a:ext cx="6350" cy="1553252"/>
+              </a:xfrm>
+              <a:prstGeom prst="curvedConnector3">
+                <a:avLst>
+                  <a:gd name="adj1" fmla="val 3730253"/>
+                </a:avLst>
+              </a:prstGeom>
+              <a:ln w="19050">
+                <a:tailEnd type="triangle" w="med" len="lg"/>
+              </a:ln>
+            </p:spPr>
+            <p:style>
+              <a:lnRef idx="1">
+                <a:schemeClr val="dk1"/>
+              </a:lnRef>
+              <a:fillRef idx="0">
+                <a:schemeClr val="dk1"/>
+              </a:fillRef>
+              <a:effectRef idx="0">
+                <a:schemeClr val="dk1"/>
+              </a:effectRef>
+              <a:fontRef idx="minor">
+                <a:schemeClr val="tx1"/>
+              </a:fontRef>
+            </p:style>
+          </p:cxnSp>
+          <p:cxnSp>
+            <p:nvCxnSpPr>
+              <p:cNvPr id="35" name="Connecteur droit avec flèche 7"/>
+              <p:cNvCxnSpPr>
+                <a:endCxn id="30" idx="0"/>
+              </p:cNvCxnSpPr>
+              <p:nvPr/>
+            </p:nvCxnSpPr>
+            <p:spPr>
+              <a:xfrm rot="16200000" flipH="1">
+                <a:off x="4158821" y="1599514"/>
+                <a:ext cx="719841" cy="752936"/>
+              </a:xfrm>
+              <a:prstGeom prst="straightConnector1">
+                <a:avLst/>
+              </a:prstGeom>
+              <a:ln w="19050">
+                <a:tailEnd type="triangle" w="med" len="lg"/>
+              </a:ln>
+            </p:spPr>
+            <p:style>
+              <a:lnRef idx="1">
+                <a:schemeClr val="dk1"/>
+              </a:lnRef>
+              <a:fillRef idx="0">
+                <a:schemeClr val="dk1"/>
+              </a:fillRef>
+              <a:effectRef idx="0">
+                <a:schemeClr val="dk1"/>
+              </a:effectRef>
+              <a:fontRef idx="minor">
+                <a:schemeClr val="tx1"/>
+              </a:fontRef>
+            </p:style>
+          </p:cxnSp>
+          <p:cxnSp>
+            <p:nvCxnSpPr>
+              <p:cNvPr id="36" name="Connecteur droit avec flèche 7"/>
+              <p:cNvCxnSpPr>
+                <a:endCxn id="32" idx="0"/>
+              </p:cNvCxnSpPr>
+              <p:nvPr/>
+            </p:nvCxnSpPr>
+            <p:spPr>
+              <a:xfrm rot="5400000">
+                <a:off x="3124462" y="1578999"/>
+                <a:ext cx="726191" cy="800316"/>
+              </a:xfrm>
+              <a:prstGeom prst="straightConnector1">
+                <a:avLst/>
+              </a:prstGeom>
+              <a:ln w="19050">
+                <a:tailEnd type="triangle" w="med" len="lg"/>
+              </a:ln>
+            </p:spPr>
+            <p:style>
+              <a:lnRef idx="1">
+                <a:schemeClr val="dk1"/>
+              </a:lnRef>
+              <a:fillRef idx="0">
+                <a:schemeClr val="dk1"/>
+              </a:fillRef>
+              <a:effectRef idx="0">
+                <a:schemeClr val="dk1"/>
+              </a:effectRef>
+              <a:fontRef idx="minor">
+                <a:schemeClr val="tx1"/>
+              </a:fontRef>
+            </p:style>
+          </p:cxnSp>
+          <p:cxnSp>
+            <p:nvCxnSpPr>
+              <p:cNvPr id="38" name="Connecteur droit avec flèche 7"/>
+              <p:cNvCxnSpPr>
+                <a:stCxn id="30" idx="4"/>
+                <a:endCxn id="30" idx="6"/>
+              </p:cNvCxnSpPr>
+              <p:nvPr/>
+            </p:nvCxnSpPr>
+            <p:spPr>
+              <a:xfrm rot="5400000" flipH="1" flipV="1">
+                <a:off x="4895209" y="2515903"/>
+                <a:ext cx="180000" cy="180000"/>
+              </a:xfrm>
+              <a:prstGeom prst="curvedConnector4">
+                <a:avLst>
+                  <a:gd name="adj1" fmla="val -127000"/>
+                  <a:gd name="adj2" fmla="val 227000"/>
+                </a:avLst>
+              </a:prstGeom>
+              <a:ln w="19050">
+                <a:tailEnd type="triangle" w="sm" len="lg"/>
+              </a:ln>
+            </p:spPr>
+            <p:style>
+              <a:lnRef idx="1">
+                <a:schemeClr val="dk1"/>
+              </a:lnRef>
+              <a:fillRef idx="0">
+                <a:schemeClr val="dk1"/>
+              </a:fillRef>
+              <a:effectRef idx="0">
+                <a:schemeClr val="dk1"/>
+              </a:effectRef>
+              <a:fontRef idx="minor">
+                <a:schemeClr val="tx1"/>
+              </a:fontRef>
+            </p:style>
+          </p:cxnSp>
+          <p:cxnSp>
+            <p:nvCxnSpPr>
+              <p:cNvPr id="39" name="Connecteur droit avec flèche 7"/>
+              <p:cNvCxnSpPr>
+                <a:stCxn id="30" idx="0"/>
+                <a:endCxn id="30" idx="6"/>
+              </p:cNvCxnSpPr>
+              <p:nvPr/>
+            </p:nvCxnSpPr>
+            <p:spPr>
+              <a:xfrm rot="16200000" flipH="1">
+                <a:off x="4895209" y="2335903"/>
+                <a:ext cx="180000" cy="180000"/>
+              </a:xfrm>
+              <a:prstGeom prst="curvedConnector4">
+                <a:avLst>
+                  <a:gd name="adj1" fmla="val -127000"/>
+                  <a:gd name="adj2" fmla="val 227000"/>
+                </a:avLst>
+              </a:prstGeom>
+              <a:ln w="19050">
+                <a:tailEnd type="triangle" w="sm" len="lg"/>
+              </a:ln>
+            </p:spPr>
+            <p:style>
+              <a:lnRef idx="1">
+                <a:schemeClr val="dk1"/>
+              </a:lnRef>
+              <a:fillRef idx="0">
+                <a:schemeClr val="dk1"/>
+              </a:fillRef>
+              <a:effectRef idx="0">
+                <a:schemeClr val="dk1"/>
+              </a:effectRef>
+              <a:fontRef idx="minor">
+                <a:schemeClr val="tx1"/>
+              </a:fontRef>
+            </p:style>
+          </p:cxnSp>
+          <p:cxnSp>
+            <p:nvCxnSpPr>
+              <p:cNvPr id="40" name="Connecteur droit avec flèche 7"/>
+              <p:cNvCxnSpPr>
+                <a:stCxn id="32" idx="0"/>
+                <a:endCxn id="32" idx="2"/>
+              </p:cNvCxnSpPr>
+              <p:nvPr/>
+            </p:nvCxnSpPr>
+            <p:spPr>
+              <a:xfrm rot="16200000" flipH="1" flipV="1">
+                <a:off x="2907399" y="2342253"/>
+                <a:ext cx="180000" cy="180000"/>
+              </a:xfrm>
+              <a:prstGeom prst="curvedConnector4">
+                <a:avLst>
+                  <a:gd name="adj1" fmla="val -127000"/>
+                  <a:gd name="adj2" fmla="val 227000"/>
+                </a:avLst>
+              </a:prstGeom>
+              <a:ln w="19050">
+                <a:tailEnd type="triangle" w="sm" len="lg"/>
+              </a:ln>
+            </p:spPr>
+            <p:style>
+              <a:lnRef idx="1">
+                <a:schemeClr val="dk1"/>
+              </a:lnRef>
+              <a:fillRef idx="0">
+                <a:schemeClr val="dk1"/>
+              </a:fillRef>
+              <a:effectRef idx="0">
+                <a:schemeClr val="dk1"/>
+              </a:effectRef>
+              <a:fontRef idx="minor">
+                <a:schemeClr val="tx1"/>
+              </a:fontRef>
+            </p:style>
+          </p:cxnSp>
+          <p:cxnSp>
+            <p:nvCxnSpPr>
+              <p:cNvPr id="41" name="Connecteur droit avec flèche 7"/>
+              <p:cNvCxnSpPr>
+                <a:stCxn id="32" idx="4"/>
+                <a:endCxn id="32" idx="2"/>
+              </p:cNvCxnSpPr>
+              <p:nvPr/>
+            </p:nvCxnSpPr>
+            <p:spPr>
+              <a:xfrm rot="5400000" flipH="1">
+                <a:off x="2907399" y="2522253"/>
+                <a:ext cx="180000" cy="180000"/>
+              </a:xfrm>
+              <a:prstGeom prst="curvedConnector4">
+                <a:avLst>
+                  <a:gd name="adj1" fmla="val -127000"/>
+                  <a:gd name="adj2" fmla="val 227000"/>
+                </a:avLst>
+              </a:prstGeom>
+              <a:ln w="19050">
+                <a:tailEnd type="triangle" w="sm" len="lg"/>
+              </a:ln>
+            </p:spPr>
+            <p:style>
+              <a:lnRef idx="1">
+                <a:schemeClr val="dk1"/>
+              </a:lnRef>
+              <a:fillRef idx="0">
+                <a:schemeClr val="dk1"/>
+              </a:fillRef>
+              <a:effectRef idx="0">
+                <a:schemeClr val="dk1"/>
+              </a:effectRef>
+              <a:fontRef idx="minor">
+                <a:schemeClr val="tx1"/>
+              </a:fontRef>
+            </p:style>
+          </p:cxnSp>
+          <p:cxnSp>
+            <p:nvCxnSpPr>
+              <p:cNvPr id="42" name="Connecteur droit avec flèche 7"/>
+              <p:cNvCxnSpPr/>
+              <p:nvPr/>
+            </p:nvCxnSpPr>
+            <p:spPr>
+              <a:xfrm>
+                <a:off x="3643639" y="1168717"/>
+                <a:ext cx="244076" cy="192787"/>
+              </a:xfrm>
+              <a:prstGeom prst="straightConnector1">
+                <a:avLst/>
+              </a:prstGeom>
+              <a:ln w="19050">
+                <a:tailEnd type="triangle" w="med" len="lg"/>
+              </a:ln>
+            </p:spPr>
+            <p:style>
+              <a:lnRef idx="1">
+                <a:schemeClr val="dk1"/>
+              </a:lnRef>
+              <a:fillRef idx="0">
+                <a:schemeClr val="dk1"/>
+              </a:fillRef>
+              <a:effectRef idx="0">
+                <a:schemeClr val="dk1"/>
+              </a:effectRef>
+              <a:fontRef idx="minor">
+                <a:schemeClr val="tx1"/>
+              </a:fontRef>
+            </p:style>
+          </p:cxnSp>
+          <p:sp>
+            <p:nvSpPr>
+              <p:cNvPr id="43" name="ZoneTexte 42"/>
+              <p:cNvSpPr txBox="1"/>
+              <p:nvPr/>
+            </p:nvSpPr>
+            <p:spPr>
+              <a:xfrm>
+                <a:off x="4143705" y="1811659"/>
+                <a:ext cx="1114088" cy="169277"/>
+              </a:xfrm>
+              <a:prstGeom prst="rect">
+                <a:avLst/>
+              </a:prstGeom>
+              <a:solidFill>
+                <a:schemeClr val="lt1"/>
+              </a:solidFill>
+            </p:spPr>
+            <p:txBody>
+              <a:bodyPr wrap="none" lIns="0" tIns="0" rIns="0" bIns="0" rtlCol="0">
+                <a:spAutoFit/>
+              </a:bodyPr>
+              <a:lstStyle/>
+              <a:p>
+                <a:r>
+                  <a:rPr lang="fr-BE" sz="1100" noProof="1" smtClean="0"/>
+                  <a:t>{[range_extended]}</a:t>
+                </a:r>
+                <a:endParaRPr lang="fr-BE" sz="1100" noProof="1"/>
+              </a:p>
+            </p:txBody>
+          </p:sp>
+          <p:sp>
+            <p:nvSpPr>
+              <p:cNvPr id="44" name="ZoneTexte 43"/>
+              <p:cNvSpPr txBox="1"/>
+              <p:nvPr/>
+            </p:nvSpPr>
+            <p:spPr>
+              <a:xfrm>
+                <a:off x="2643507" y="1811659"/>
+                <a:ext cx="1215076" cy="169277"/>
+              </a:xfrm>
+              <a:prstGeom prst="rect">
+                <a:avLst/>
+              </a:prstGeom>
+              <a:solidFill>
+                <a:schemeClr val="lt1"/>
+              </a:solidFill>
+            </p:spPr>
+            <p:txBody>
+              <a:bodyPr wrap="none" lIns="0" tIns="0" rIns="0" bIns="0" rtlCol="0">
+                <a:spAutoFit/>
+              </a:bodyPr>
+              <a:lstStyle/>
+              <a:p>
+                <a:r>
+                  <a:rPr lang="fr-BE" sz="1100" noProof="1" smtClean="0"/>
+                  <a:t>{[</a:t>
+                </a:r>
+                <a:r>
+                  <a:rPr lang="fr-BE" sz="1100" noProof="1" smtClean="0">
+                    <a:sym typeface="Symbol"/>
+                  </a:rPr>
+                  <a:t></a:t>
+                </a:r>
+                <a:r>
+                  <a:rPr lang="fr-BE" sz="1100" noProof="1" smtClean="0"/>
+                  <a:t>range_extended]}</a:t>
+                </a:r>
+                <a:endParaRPr lang="fr-BE" sz="1100" noProof="1"/>
+              </a:p>
+            </p:txBody>
+          </p:sp>
+          <p:sp>
+            <p:nvSpPr>
+              <p:cNvPr id="45" name="ZoneTexte 44"/>
+              <p:cNvSpPr txBox="1"/>
+              <p:nvPr/>
+            </p:nvSpPr>
+            <p:spPr>
+              <a:xfrm>
+                <a:off x="3528068" y="2123065"/>
+                <a:ext cx="967179" cy="169277"/>
+              </a:xfrm>
+              <a:prstGeom prst="rect">
+                <a:avLst/>
+              </a:prstGeom>
+              <a:solidFill>
+                <a:schemeClr val="lt1"/>
+              </a:solidFill>
+            </p:spPr>
+            <p:txBody>
+              <a:bodyPr wrap="none" lIns="36000" tIns="0" rIns="36000" bIns="0" rtlCol="0">
+                <a:spAutoFit/>
+              </a:bodyPr>
+              <a:lstStyle/>
+              <a:p>
+                <a:r>
+                  <a:rPr lang="fr-BE" sz="1100" noProof="1" smtClean="0"/>
+                  <a:t>ExtendRange</a:t>
+                </a:r>
+                <a:r>
+                  <a:rPr lang="fr-BE" sz="1100" baseline="-25000" noProof="1" smtClean="0"/>
+                  <a:t>end</a:t>
+                </a:r>
+                <a:endParaRPr lang="fr-BE" sz="1100" baseline="-25000" noProof="1"/>
+              </a:p>
+            </p:txBody>
+          </p:sp>
+          <p:sp>
+            <p:nvSpPr>
+              <p:cNvPr id="46" name="ZoneTexte 45"/>
+              <p:cNvSpPr txBox="1"/>
+              <p:nvPr/>
+            </p:nvSpPr>
+            <p:spPr>
+              <a:xfrm>
+                <a:off x="3460742" y="2747958"/>
+                <a:ext cx="1101831" cy="169277"/>
+              </a:xfrm>
+              <a:prstGeom prst="rect">
+                <a:avLst/>
+              </a:prstGeom>
+              <a:solidFill>
+                <a:schemeClr val="lt1"/>
+              </a:solidFill>
+            </p:spPr>
+            <p:txBody>
+              <a:bodyPr wrap="none" lIns="36000" tIns="0" rIns="36000" bIns="0" rtlCol="0">
+                <a:spAutoFit/>
+              </a:bodyPr>
+              <a:lstStyle/>
+              <a:p>
+                <a:r>
+                  <a:rPr lang="fr-BE" sz="1100" noProof="1" smtClean="0"/>
+                  <a:t>InitiateMeeting</a:t>
+                </a:r>
+                <a:r>
+                  <a:rPr lang="fr-BE" sz="1100" baseline="-25000" noProof="1" smtClean="0"/>
+                  <a:t>end</a:t>
+                </a:r>
+                <a:endParaRPr lang="fr-BE" sz="1100" baseline="-25000" noProof="1"/>
+              </a:p>
+            </p:txBody>
+          </p:sp>
+          <p:sp>
+            <p:nvSpPr>
+              <p:cNvPr id="47" name="ZoneTexte 46"/>
+              <p:cNvSpPr txBox="1"/>
+              <p:nvPr/>
+            </p:nvSpPr>
+            <p:spPr>
+              <a:xfrm>
+                <a:off x="5214942" y="2227719"/>
+                <a:ext cx="894476" cy="169277"/>
+              </a:xfrm>
+              <a:prstGeom prst="rect">
+                <a:avLst/>
+              </a:prstGeom>
+              <a:solidFill>
+                <a:schemeClr val="lt1"/>
+              </a:solidFill>
+            </p:spPr>
+            <p:txBody>
+              <a:bodyPr wrap="none" lIns="0" tIns="0" rIns="0" bIns="0" rtlCol="0">
+                <a:spAutoFit/>
+              </a:bodyPr>
+              <a:lstStyle/>
+              <a:p>
+                <a:r>
+                  <a:rPr lang="fr-BE" sz="1100" noProof="1" smtClean="0"/>
+                  <a:t>ExtendRange</a:t>
+                </a:r>
+                <a:r>
+                  <a:rPr lang="fr-BE" sz="1100" baseline="-25000" noProof="1" smtClean="0"/>
+                  <a:t>end</a:t>
+                </a:r>
+                <a:endParaRPr lang="fr-BE" sz="1100" baseline="-25000" noProof="1"/>
+              </a:p>
+            </p:txBody>
+          </p:sp>
+          <p:sp>
+            <p:nvSpPr>
+              <p:cNvPr id="49" name="ZoneTexte 48"/>
+              <p:cNvSpPr txBox="1"/>
+              <p:nvPr/>
+            </p:nvSpPr>
+            <p:spPr>
+              <a:xfrm>
+                <a:off x="1749302" y="2227719"/>
+                <a:ext cx="1029128" cy="169277"/>
+              </a:xfrm>
+              <a:prstGeom prst="rect">
+                <a:avLst/>
+              </a:prstGeom>
+              <a:solidFill>
+                <a:schemeClr val="lt1"/>
+              </a:solidFill>
+            </p:spPr>
+            <p:txBody>
+              <a:bodyPr wrap="none" lIns="0" tIns="0" rIns="0" bIns="0" rtlCol="0">
+                <a:spAutoFit/>
+              </a:bodyPr>
+              <a:lstStyle/>
+              <a:p>
+                <a:r>
+                  <a:rPr lang="fr-BE" sz="1100" noProof="1" smtClean="0"/>
+                  <a:t>InitiateMeeting</a:t>
+                </a:r>
+                <a:r>
+                  <a:rPr lang="fr-BE" sz="1100" baseline="-25000" noProof="1" smtClean="0"/>
+                  <a:t>end</a:t>
+                </a:r>
+                <a:endParaRPr lang="fr-BE" sz="1100" baseline="-25000" noProof="1"/>
+              </a:p>
+            </p:txBody>
+          </p:sp>
+          <p:sp>
+            <p:nvSpPr>
+              <p:cNvPr id="50" name="ZoneTexte 49"/>
+              <p:cNvSpPr txBox="1"/>
+              <p:nvPr/>
+            </p:nvSpPr>
+            <p:spPr>
+              <a:xfrm>
+                <a:off x="1700740" y="2708920"/>
+                <a:ext cx="1215076" cy="169277"/>
+              </a:xfrm>
+              <a:prstGeom prst="rect">
+                <a:avLst/>
+              </a:prstGeom>
+              <a:solidFill>
+                <a:schemeClr val="lt1"/>
+              </a:solidFill>
+            </p:spPr>
+            <p:txBody>
+              <a:bodyPr wrap="none" lIns="0" tIns="0" rIns="0" bIns="0" rtlCol="0">
+                <a:spAutoFit/>
+              </a:bodyPr>
+              <a:lstStyle/>
+              <a:p>
+                <a:r>
+                  <a:rPr lang="fr-BE" sz="1100" noProof="1" smtClean="0"/>
+                  <a:t>{[</a:t>
+                </a:r>
+                <a:r>
+                  <a:rPr lang="fr-BE" sz="1100" noProof="1" smtClean="0">
+                    <a:sym typeface="Symbol"/>
+                  </a:rPr>
+                  <a:t></a:t>
+                </a:r>
+                <a:r>
+                  <a:rPr lang="fr-BE" sz="1100" noProof="1" smtClean="0"/>
+                  <a:t>range_extended]}</a:t>
+                </a:r>
+                <a:endParaRPr lang="fr-BE" sz="1100" noProof="1"/>
+              </a:p>
+            </p:txBody>
+          </p:sp>
+          <p:sp>
+            <p:nvSpPr>
+              <p:cNvPr id="51" name="ZoneTexte 50"/>
+              <p:cNvSpPr txBox="1"/>
+              <p:nvPr/>
+            </p:nvSpPr>
+            <p:spPr>
+              <a:xfrm>
+                <a:off x="5116111" y="2688219"/>
+                <a:ext cx="1114088" cy="169277"/>
+              </a:xfrm>
+              <a:prstGeom prst="rect">
+                <a:avLst/>
+              </a:prstGeom>
+              <a:solidFill>
+                <a:schemeClr val="lt1"/>
+              </a:solidFill>
+            </p:spPr>
+            <p:txBody>
+              <a:bodyPr wrap="none" lIns="0" tIns="0" rIns="0" bIns="0" rtlCol="0">
+                <a:spAutoFit/>
+              </a:bodyPr>
+              <a:lstStyle/>
+              <a:p>
+                <a:r>
+                  <a:rPr lang="fr-BE" sz="1100" noProof="1" smtClean="0"/>
+                  <a:t>{[range_extended]}</a:t>
+                </a:r>
+                <a:endParaRPr lang="fr-BE" sz="1100" noProof="1"/>
+              </a:p>
+            </p:txBody>
+          </p:sp>
+        </p:grpSp>
+      </p:grpSp>
+      <p:grpSp>
+        <p:nvGrpSpPr>
+          <p:cNvPr id="59" name="Groupe 58"/>
+          <p:cNvGrpSpPr/>
+          <p:nvPr/>
+        </p:nvGrpSpPr>
+        <p:grpSpPr>
+          <a:xfrm>
+            <a:off x="2051720" y="548680"/>
+            <a:ext cx="3744416" cy="2088232"/>
+            <a:chOff x="2051720" y="548680"/>
+            <a:chExt cx="3744416" cy="2088232"/>
+          </a:xfrm>
+        </p:grpSpPr>
+        <p:sp>
+          <p:nvSpPr>
+            <p:cNvPr id="23" name="Rectangle 22"/>
+            <p:cNvSpPr/>
+            <p:nvPr/>
+          </p:nvSpPr>
+          <p:spPr>
+            <a:xfrm>
+              <a:off x="2051720" y="548680"/>
+              <a:ext cx="3744416" cy="2088232"/>
+            </a:xfrm>
+            <a:prstGeom prst="rect">
+              <a:avLst/>
+            </a:prstGeom>
+            <a:ln w="9525"/>
+          </p:spPr>
+          <p:style>
+            <a:lnRef idx="2">
+              <a:schemeClr val="dk1"/>
+            </a:lnRef>
+            <a:fillRef idx="1">
+              <a:schemeClr val="lt1"/>
+            </a:fillRef>
+            <a:effectRef idx="0">
+              <a:schemeClr val="dk1"/>
+            </a:effectRef>
+            <a:fontRef idx="minor">
+              <a:schemeClr val="dk1"/>
+            </a:fontRef>
+          </p:style>
+          <p:txBody>
+            <a:bodyPr rtlCol="0" anchor="ctr"/>
+            <a:lstStyle/>
+            <a:p>
+              <a:pPr algn="ctr"/>
+              <a:endParaRPr lang="fr-BE" sz="2400"/>
+            </a:p>
+          </p:txBody>
+        </p:sp>
+        <p:sp>
+          <p:nvSpPr>
+            <p:cNvPr id="4" name="Ellipse 3"/>
+            <p:cNvSpPr/>
+            <p:nvPr/>
+          </p:nvSpPr>
+          <p:spPr>
+            <a:xfrm>
+              <a:off x="3834994" y="857685"/>
+              <a:ext cx="360000" cy="360000"/>
+            </a:xfrm>
+            <a:prstGeom prst="ellipse">
+              <a:avLst/>
+            </a:prstGeom>
+          </p:spPr>
+          <p:style>
+            <a:lnRef idx="2">
+              <a:schemeClr val="dk1"/>
+            </a:lnRef>
+            <a:fillRef idx="1">
+              <a:schemeClr val="lt1"/>
+            </a:fillRef>
+            <a:effectRef idx="0">
+              <a:schemeClr val="dk1"/>
+            </a:effectRef>
+            <a:fontRef idx="minor">
+              <a:schemeClr val="dk1"/>
+            </a:fontRef>
+          </p:style>
+          <p:txBody>
+            <a:bodyPr rtlCol="0" anchor="ctr"/>
+            <a:lstStyle/>
+            <a:p>
+              <a:pPr algn="ctr"/>
+              <a:endParaRPr lang="fr-BE" sz="2400" noProof="1"/>
+            </a:p>
+          </p:txBody>
+        </p:sp>
+        <p:sp>
+          <p:nvSpPr>
+            <p:cNvPr id="5" name="Ellipse 4"/>
+            <p:cNvSpPr/>
+            <p:nvPr/>
+          </p:nvSpPr>
+          <p:spPr>
+            <a:xfrm>
+              <a:off x="4715209" y="1884805"/>
+              <a:ext cx="360000" cy="360000"/>
+            </a:xfrm>
+            <a:prstGeom prst="ellipse">
+              <a:avLst/>
+            </a:prstGeom>
+          </p:spPr>
+          <p:style>
+            <a:lnRef idx="2">
+              <a:schemeClr val="dk1"/>
+            </a:lnRef>
+            <a:fillRef idx="1">
+              <a:schemeClr val="lt1"/>
+            </a:fillRef>
+            <a:effectRef idx="0">
+              <a:schemeClr val="dk1"/>
+            </a:effectRef>
+            <a:fontRef idx="minor">
+              <a:schemeClr val="dk1"/>
+            </a:fontRef>
+          </p:style>
+          <p:txBody>
+            <a:bodyPr wrap="none" rtlCol="0" anchor="ctr"/>
+            <a:lstStyle/>
+            <a:p>
+              <a:pPr algn="ctr"/>
+              <a:r>
+                <a:rPr lang="fr-BE" noProof="1" smtClean="0"/>
+                <a:t>q</a:t>
+              </a:r>
+              <a:r>
+                <a:rPr lang="fr-BE" baseline="-25000" noProof="1" smtClean="0"/>
+                <a:t>t</a:t>
+              </a:r>
+              <a:endParaRPr lang="fr-BE" baseline="-25000" noProof="1"/>
+            </a:p>
+          </p:txBody>
+        </p:sp>
+        <p:sp>
+          <p:nvSpPr>
+            <p:cNvPr id="6" name="Ellipse 5"/>
+            <p:cNvSpPr/>
+            <p:nvPr/>
+          </p:nvSpPr>
+          <p:spPr>
+            <a:xfrm>
+              <a:off x="2907399" y="1891155"/>
+              <a:ext cx="360000" cy="360000"/>
+            </a:xfrm>
+            <a:prstGeom prst="ellipse">
+              <a:avLst/>
+            </a:prstGeom>
+          </p:spPr>
+          <p:style>
+            <a:lnRef idx="2">
+              <a:schemeClr val="dk1"/>
+            </a:lnRef>
+            <a:fillRef idx="1">
+              <a:schemeClr val="lt1"/>
+            </a:fillRef>
+            <a:effectRef idx="0">
+              <a:schemeClr val="dk1"/>
+            </a:effectRef>
+            <a:fontRef idx="minor">
+              <a:schemeClr val="dk1"/>
+            </a:fontRef>
+          </p:style>
+          <p:txBody>
+            <a:bodyPr wrap="none" rtlCol="0" anchor="ctr"/>
+            <a:lstStyle/>
+            <a:p>
+              <a:pPr algn="ctr"/>
+              <a:r>
+                <a:rPr lang="fr-BE" noProof="1" smtClean="0"/>
+                <a:t>q</a:t>
+              </a:r>
+              <a:r>
+                <a:rPr lang="fr-BE" baseline="-25000" noProof="1" smtClean="0"/>
+                <a:t>f</a:t>
+              </a:r>
+              <a:endParaRPr lang="fr-BE" baseline="-25000" noProof="1"/>
+            </a:p>
+          </p:txBody>
+        </p:sp>
+        <p:cxnSp>
+          <p:nvCxnSpPr>
+            <p:cNvPr id="8" name="Connecteur droit avec flèche 7"/>
+            <p:cNvCxnSpPr>
+              <a:stCxn id="6" idx="7"/>
+              <a:endCxn id="5" idx="1"/>
+            </p:cNvCxnSpPr>
+            <p:nvPr/>
+          </p:nvCxnSpPr>
+          <p:spPr>
+            <a:xfrm rot="5400000" flipH="1" flipV="1">
+              <a:off x="3988129" y="1164075"/>
+              <a:ext cx="6350" cy="1553252"/>
+            </a:xfrm>
+            <a:prstGeom prst="curvedConnector3">
+              <a:avLst>
+                <a:gd name="adj1" fmla="val 3330253"/>
+              </a:avLst>
+            </a:prstGeom>
+            <a:ln w="19050">
+              <a:tailEnd type="triangle" w="med" len="lg"/>
+            </a:ln>
+          </p:spPr>
+          <p:style>
+            <a:lnRef idx="1">
+              <a:schemeClr val="dk1"/>
+            </a:lnRef>
+            <a:fillRef idx="0">
+              <a:schemeClr val="dk1"/>
+            </a:fillRef>
+            <a:effectRef idx="0">
+              <a:schemeClr val="dk1"/>
+            </a:effectRef>
+            <a:fontRef idx="minor">
+              <a:schemeClr val="tx1"/>
+            </a:fontRef>
+          </p:style>
+        </p:cxnSp>
+        <p:cxnSp>
+          <p:nvCxnSpPr>
+            <p:cNvPr id="22" name="Connecteur droit avec flèche 7"/>
+            <p:cNvCxnSpPr>
+              <a:stCxn id="5" idx="3"/>
+              <a:endCxn id="6" idx="5"/>
+            </p:cNvCxnSpPr>
+            <p:nvPr/>
+          </p:nvCxnSpPr>
+          <p:spPr>
+            <a:xfrm rot="5400000">
+              <a:off x="3988129" y="1418633"/>
+              <a:ext cx="6350" cy="1553252"/>
+            </a:xfrm>
+            <a:prstGeom prst="curvedConnector3">
+              <a:avLst>
+                <a:gd name="adj1" fmla="val 3730253"/>
+              </a:avLst>
+            </a:prstGeom>
+            <a:ln w="19050">
+              <a:tailEnd type="triangle" w="med" len="lg"/>
+            </a:ln>
+          </p:spPr>
+          <p:style>
+            <a:lnRef idx="1">
+              <a:schemeClr val="dk1"/>
+            </a:lnRef>
+            <a:fillRef idx="0">
+              <a:schemeClr val="dk1"/>
+            </a:fillRef>
+            <a:effectRef idx="0">
+              <a:schemeClr val="dk1"/>
+            </a:effectRef>
+            <a:fontRef idx="minor">
+              <a:schemeClr val="tx1"/>
+            </a:fontRef>
+          </p:style>
+        </p:cxnSp>
+        <p:cxnSp>
+          <p:nvCxnSpPr>
+            <p:cNvPr id="27" name="Connecteur droit avec flèche 7"/>
+            <p:cNvCxnSpPr>
+              <a:stCxn id="4" idx="5"/>
+              <a:endCxn id="5" idx="0"/>
+            </p:cNvCxnSpPr>
+            <p:nvPr/>
+          </p:nvCxnSpPr>
+          <p:spPr>
+            <a:xfrm rot="16200000" flipH="1">
+              <a:off x="4158821" y="1148416"/>
+              <a:ext cx="719841" cy="752936"/>
+            </a:xfrm>
+            <a:prstGeom prst="straightConnector1">
+              <a:avLst/>
+            </a:prstGeom>
+            <a:ln w="19050">
+              <a:tailEnd type="triangle" w="med" len="lg"/>
+            </a:ln>
+          </p:spPr>
+          <p:style>
+            <a:lnRef idx="1">
+              <a:schemeClr val="dk1"/>
+            </a:lnRef>
+            <a:fillRef idx="0">
+              <a:schemeClr val="dk1"/>
+            </a:fillRef>
+            <a:effectRef idx="0">
+              <a:schemeClr val="dk1"/>
+            </a:effectRef>
+            <a:fontRef idx="minor">
+              <a:schemeClr val="tx1"/>
+            </a:fontRef>
+          </p:style>
+        </p:cxnSp>
+        <p:cxnSp>
+          <p:nvCxnSpPr>
+            <p:cNvPr id="31" name="Connecteur droit avec flèche 7"/>
+            <p:cNvCxnSpPr>
+              <a:stCxn id="4" idx="3"/>
+              <a:endCxn id="6" idx="0"/>
+            </p:cNvCxnSpPr>
+            <p:nvPr/>
+          </p:nvCxnSpPr>
+          <p:spPr>
+            <a:xfrm rot="5400000">
+              <a:off x="3124462" y="1127901"/>
+              <a:ext cx="726191" cy="800316"/>
+            </a:xfrm>
+            <a:prstGeom prst="straightConnector1">
+              <a:avLst/>
+            </a:prstGeom>
+            <a:ln w="19050">
+              <a:tailEnd type="triangle" w="med" len="lg"/>
+            </a:ln>
+          </p:spPr>
+          <p:style>
+            <a:lnRef idx="1">
+              <a:schemeClr val="dk1"/>
+            </a:lnRef>
+            <a:fillRef idx="0">
+              <a:schemeClr val="dk1"/>
+            </a:fillRef>
+            <a:effectRef idx="0">
+              <a:schemeClr val="dk1"/>
+            </a:effectRef>
+            <a:fontRef idx="minor">
+              <a:schemeClr val="tx1"/>
+            </a:fontRef>
+          </p:style>
+        </p:cxnSp>
+        <p:cxnSp>
+          <p:nvCxnSpPr>
+            <p:cNvPr id="37" name="Connecteur droit avec flèche 7"/>
+            <p:cNvCxnSpPr>
+              <a:stCxn id="5" idx="4"/>
+              <a:endCxn id="5" idx="6"/>
+            </p:cNvCxnSpPr>
+            <p:nvPr/>
+          </p:nvCxnSpPr>
+          <p:spPr>
+            <a:xfrm rot="5400000" flipH="1" flipV="1">
+              <a:off x="4895209" y="2064805"/>
+              <a:ext cx="180000" cy="180000"/>
+            </a:xfrm>
+            <a:prstGeom prst="curvedConnector4">
+              <a:avLst>
+                <a:gd name="adj1" fmla="val -127000"/>
+                <a:gd name="adj2" fmla="val 227000"/>
+              </a:avLst>
+            </a:prstGeom>
+            <a:ln w="19050">
+              <a:tailEnd type="triangle" w="sm" len="lg"/>
+            </a:ln>
+          </p:spPr>
+          <p:style>
+            <a:lnRef idx="1">
+              <a:schemeClr val="dk1"/>
+            </a:lnRef>
+            <a:fillRef idx="0">
+              <a:schemeClr val="dk1"/>
+            </a:fillRef>
+            <a:effectRef idx="0">
+              <a:schemeClr val="dk1"/>
+            </a:effectRef>
+            <a:fontRef idx="minor">
+              <a:schemeClr val="tx1"/>
+            </a:fontRef>
+          </p:style>
+        </p:cxnSp>
+        <p:cxnSp>
+          <p:nvCxnSpPr>
+            <p:cNvPr id="48" name="Connecteur droit avec flèche 7"/>
+            <p:cNvCxnSpPr>
+              <a:stCxn id="5" idx="0"/>
+              <a:endCxn id="5" idx="6"/>
+            </p:cNvCxnSpPr>
+            <p:nvPr/>
+          </p:nvCxnSpPr>
+          <p:spPr>
+            <a:xfrm rot="16200000" flipH="1">
+              <a:off x="4895209" y="1884805"/>
+              <a:ext cx="180000" cy="180000"/>
+            </a:xfrm>
+            <a:prstGeom prst="curvedConnector4">
+              <a:avLst>
+                <a:gd name="adj1" fmla="val -127000"/>
+                <a:gd name="adj2" fmla="val 227000"/>
+              </a:avLst>
+            </a:prstGeom>
+            <a:ln w="19050">
+              <a:tailEnd type="triangle" w="sm" len="lg"/>
+            </a:ln>
+          </p:spPr>
+          <p:style>
+            <a:lnRef idx="1">
+              <a:schemeClr val="dk1"/>
+            </a:lnRef>
+            <a:fillRef idx="0">
+              <a:schemeClr val="dk1"/>
+            </a:fillRef>
+            <a:effectRef idx="0">
+              <a:schemeClr val="dk1"/>
+            </a:effectRef>
+            <a:fontRef idx="minor">
+              <a:schemeClr val="tx1"/>
+            </a:fontRef>
+          </p:style>
+        </p:cxnSp>
+        <p:cxnSp>
+          <p:nvCxnSpPr>
+            <p:cNvPr id="61" name="Connecteur droit avec flèche 7"/>
+            <p:cNvCxnSpPr>
+              <a:stCxn id="6" idx="0"/>
+              <a:endCxn id="6" idx="2"/>
+            </p:cNvCxnSpPr>
+            <p:nvPr/>
+          </p:nvCxnSpPr>
+          <p:spPr>
+            <a:xfrm rot="16200000" flipH="1" flipV="1">
+              <a:off x="2907399" y="1891155"/>
+              <a:ext cx="180000" cy="180000"/>
+            </a:xfrm>
+            <a:prstGeom prst="curvedConnector4">
+              <a:avLst>
+                <a:gd name="adj1" fmla="val -127000"/>
+                <a:gd name="adj2" fmla="val 227000"/>
+              </a:avLst>
+            </a:prstGeom>
+            <a:ln w="19050">
+              <a:tailEnd type="triangle" w="sm" len="lg"/>
+            </a:ln>
+          </p:spPr>
+          <p:style>
+            <a:lnRef idx="1">
+              <a:schemeClr val="dk1"/>
+            </a:lnRef>
+            <a:fillRef idx="0">
+              <a:schemeClr val="dk1"/>
+            </a:fillRef>
+            <a:effectRef idx="0">
+              <a:schemeClr val="dk1"/>
+            </a:effectRef>
+            <a:fontRef idx="minor">
+              <a:schemeClr val="tx1"/>
+            </a:fontRef>
+          </p:style>
+        </p:cxnSp>
+        <p:cxnSp>
+          <p:nvCxnSpPr>
+            <p:cNvPr id="64" name="Connecteur droit avec flèche 7"/>
+            <p:cNvCxnSpPr>
+              <a:stCxn id="6" idx="4"/>
+              <a:endCxn id="6" idx="2"/>
+            </p:cNvCxnSpPr>
+            <p:nvPr/>
+          </p:nvCxnSpPr>
+          <p:spPr>
+            <a:xfrm rot="5400000" flipH="1">
+              <a:off x="2907399" y="2071155"/>
+              <a:ext cx="180000" cy="180000"/>
+            </a:xfrm>
+            <a:prstGeom prst="curvedConnector4">
+              <a:avLst>
+                <a:gd name="adj1" fmla="val -127000"/>
+                <a:gd name="adj2" fmla="val 227000"/>
+              </a:avLst>
+            </a:prstGeom>
+            <a:ln w="19050">
+              <a:tailEnd type="triangle" w="sm" len="lg"/>
+            </a:ln>
+          </p:spPr>
+          <p:style>
+            <a:lnRef idx="1">
+              <a:schemeClr val="dk1"/>
+            </a:lnRef>
+            <a:fillRef idx="0">
+              <a:schemeClr val="dk1"/>
+            </a:fillRef>
+            <a:effectRef idx="0">
+              <a:schemeClr val="dk1"/>
+            </a:effectRef>
+            <a:fontRef idx="minor">
+              <a:schemeClr val="tx1"/>
+            </a:fontRef>
+          </p:style>
+        </p:cxnSp>
+        <p:cxnSp>
+          <p:nvCxnSpPr>
+            <p:cNvPr id="77" name="Connecteur droit avec flèche 7"/>
+            <p:cNvCxnSpPr>
+              <a:endCxn id="4" idx="1"/>
+            </p:cNvCxnSpPr>
+            <p:nvPr/>
+          </p:nvCxnSpPr>
+          <p:spPr>
+            <a:xfrm>
+              <a:off x="3643639" y="717619"/>
+              <a:ext cx="244076" cy="192787"/>
+            </a:xfrm>
+            <a:prstGeom prst="straightConnector1">
+              <a:avLst/>
+            </a:prstGeom>
+            <a:ln w="19050">
+              <a:tailEnd type="triangle" w="med" len="lg"/>
+            </a:ln>
+          </p:spPr>
+          <p:style>
+            <a:lnRef idx="1">
+              <a:schemeClr val="dk1"/>
+            </a:lnRef>
+            <a:fillRef idx="0">
+              <a:schemeClr val="dk1"/>
+            </a:fillRef>
+            <a:effectRef idx="0">
+              <a:schemeClr val="dk1"/>
+            </a:effectRef>
+            <a:fontRef idx="minor">
+              <a:schemeClr val="tx1"/>
+            </a:fontRef>
+          </p:style>
+        </p:cxnSp>
+        <p:sp>
+          <p:nvSpPr>
+            <p:cNvPr id="80" name="ZoneTexte 79"/>
+            <p:cNvSpPr txBox="1"/>
+            <p:nvPr/>
+          </p:nvSpPr>
+          <p:spPr>
+            <a:xfrm>
+              <a:off x="4317876" y="1360561"/>
+              <a:ext cx="424796" cy="215444"/>
+            </a:xfrm>
+            <a:prstGeom prst="rect">
+              <a:avLst/>
+            </a:prstGeom>
+            <a:solidFill>
+              <a:schemeClr val="lt1"/>
+            </a:solidFill>
+          </p:spPr>
+          <p:txBody>
+            <a:bodyPr wrap="none" lIns="0" tIns="0" rIns="0" bIns="0" rtlCol="0">
+              <a:spAutoFit/>
+            </a:bodyPr>
+            <a:lstStyle/>
+            <a:p>
+              <a:r>
+                <a:rPr lang="fr-BE" sz="1400" noProof="1" smtClean="0"/>
+                <a:t>{[ Fl ]}</a:t>
+              </a:r>
+              <a:endParaRPr lang="fr-BE" sz="1400" noProof="1"/>
+            </a:p>
+          </p:txBody>
+        </p:sp>
+        <p:sp>
+          <p:nvSpPr>
+            <p:cNvPr id="81" name="ZoneTexte 80"/>
+            <p:cNvSpPr txBox="1"/>
+            <p:nvPr/>
+          </p:nvSpPr>
+          <p:spPr>
+            <a:xfrm>
+              <a:off x="3232804" y="1360561"/>
+              <a:ext cx="553037" cy="215444"/>
+            </a:xfrm>
+            <a:prstGeom prst="rect">
+              <a:avLst/>
+            </a:prstGeom>
+            <a:solidFill>
+              <a:schemeClr val="lt1"/>
+            </a:solidFill>
+          </p:spPr>
+          <p:txBody>
+            <a:bodyPr wrap="none" lIns="0" tIns="0" rIns="0" bIns="0" rtlCol="0">
+              <a:spAutoFit/>
+            </a:bodyPr>
+            <a:lstStyle/>
+            <a:p>
+              <a:r>
+                <a:rPr lang="fr-BE" sz="1400" noProof="1" smtClean="0"/>
+                <a:t>{[ </a:t>
+              </a:r>
+              <a:r>
+                <a:rPr lang="fr-BE" sz="1400" noProof="1" smtClean="0">
+                  <a:sym typeface="Symbol"/>
+                </a:rPr>
+                <a:t></a:t>
+              </a:r>
+              <a:r>
+                <a:rPr lang="fr-BE" sz="1400" noProof="1" smtClean="0"/>
+                <a:t>Fl ]}</a:t>
+              </a:r>
+              <a:endParaRPr lang="fr-BE" sz="1400" noProof="1"/>
+            </a:p>
+          </p:txBody>
+        </p:sp>
+        <p:sp>
+          <p:nvSpPr>
+            <p:cNvPr id="88" name="ZoneTexte 87"/>
+            <p:cNvSpPr txBox="1"/>
+            <p:nvPr/>
+          </p:nvSpPr>
+          <p:spPr>
+            <a:xfrm>
+              <a:off x="3770453" y="1652917"/>
+              <a:ext cx="508720" cy="215444"/>
+            </a:xfrm>
+            <a:prstGeom prst="rect">
+              <a:avLst/>
+            </a:prstGeom>
+            <a:solidFill>
+              <a:schemeClr val="lt1"/>
+            </a:solidFill>
+          </p:spPr>
+          <p:txBody>
+            <a:bodyPr wrap="none" lIns="36000" tIns="0" rIns="36000" bIns="0" rtlCol="0">
+              <a:spAutoFit/>
+            </a:bodyPr>
+            <a:lstStyle/>
+            <a:p>
+              <a:r>
+                <a:rPr lang="fr-BE" sz="1400" noProof="1" smtClean="0"/>
+                <a:t>{Init</a:t>
+              </a:r>
+              <a:r>
+                <a:rPr lang="fr-BE" sz="1400" baseline="-25000" noProof="1" smtClean="0"/>
+                <a:t>Fl</a:t>
+              </a:r>
+              <a:r>
+                <a:rPr lang="fr-BE" sz="1400" noProof="1" smtClean="0"/>
+                <a:t>}</a:t>
+              </a:r>
+              <a:endParaRPr lang="fr-BE" sz="1400" baseline="-25000" noProof="1"/>
+            </a:p>
+          </p:txBody>
+        </p:sp>
+        <p:sp>
+          <p:nvSpPr>
+            <p:cNvPr id="52" name="ZoneTexte 51"/>
+            <p:cNvSpPr txBox="1"/>
+            <p:nvPr/>
+          </p:nvSpPr>
+          <p:spPr>
+            <a:xfrm>
+              <a:off x="3707904" y="2323619"/>
+              <a:ext cx="633819" cy="215444"/>
+            </a:xfrm>
+            <a:prstGeom prst="rect">
+              <a:avLst/>
+            </a:prstGeom>
+            <a:solidFill>
+              <a:schemeClr val="lt1"/>
+            </a:solidFill>
+          </p:spPr>
+          <p:txBody>
+            <a:bodyPr wrap="none" lIns="36000" tIns="0" rIns="36000" bIns="0" rtlCol="0">
+              <a:spAutoFit/>
+            </a:bodyPr>
+            <a:lstStyle/>
+            <a:p>
+              <a:r>
+                <a:rPr lang="fr-BE" sz="1400" noProof="1" smtClean="0"/>
+                <a:t>{Term</a:t>
+              </a:r>
+              <a:r>
+                <a:rPr lang="fr-BE" sz="1400" baseline="-25000" noProof="1" smtClean="0"/>
+                <a:t>Fl</a:t>
+              </a:r>
+              <a:r>
+                <a:rPr lang="fr-BE" sz="1400" noProof="1" smtClean="0"/>
+                <a:t>}</a:t>
+              </a:r>
+              <a:endParaRPr lang="fr-BE" sz="1400" baseline="-25000" noProof="1"/>
+            </a:p>
+          </p:txBody>
+        </p:sp>
+        <p:sp>
+          <p:nvSpPr>
+            <p:cNvPr id="53" name="ZoneTexte 52"/>
+            <p:cNvSpPr txBox="1"/>
+            <p:nvPr/>
+          </p:nvSpPr>
+          <p:spPr>
+            <a:xfrm>
+              <a:off x="5160764" y="1747486"/>
+              <a:ext cx="508720" cy="215444"/>
+            </a:xfrm>
+            <a:prstGeom prst="rect">
+              <a:avLst/>
+            </a:prstGeom>
+            <a:solidFill>
+              <a:schemeClr val="lt1"/>
+            </a:solidFill>
+          </p:spPr>
+          <p:txBody>
+            <a:bodyPr wrap="none" lIns="36000" tIns="0" rIns="36000" bIns="0" rtlCol="0">
+              <a:spAutoFit/>
+            </a:bodyPr>
+            <a:lstStyle/>
+            <a:p>
+              <a:r>
+                <a:rPr lang="fr-BE" sz="1400" noProof="1" smtClean="0"/>
+                <a:t>{Init</a:t>
+              </a:r>
+              <a:r>
+                <a:rPr lang="fr-BE" sz="1400" baseline="-25000" noProof="1" smtClean="0"/>
+                <a:t>Fl</a:t>
+              </a:r>
+              <a:r>
+                <a:rPr lang="fr-BE" sz="1400" noProof="1" smtClean="0"/>
+                <a:t>}</a:t>
+              </a:r>
+              <a:endParaRPr lang="fr-BE" sz="1400" baseline="-25000" noProof="1"/>
+            </a:p>
+          </p:txBody>
+        </p:sp>
+        <p:sp>
+          <p:nvSpPr>
+            <p:cNvPr id="54" name="ZoneTexte 53"/>
+            <p:cNvSpPr txBox="1"/>
+            <p:nvPr/>
+          </p:nvSpPr>
+          <p:spPr>
+            <a:xfrm>
+              <a:off x="2209989" y="1747486"/>
+              <a:ext cx="633819" cy="215444"/>
+            </a:xfrm>
+            <a:prstGeom prst="rect">
+              <a:avLst/>
+            </a:prstGeom>
+            <a:solidFill>
+              <a:schemeClr val="lt1"/>
+            </a:solidFill>
+          </p:spPr>
+          <p:txBody>
+            <a:bodyPr wrap="none" lIns="36000" tIns="0" rIns="36000" bIns="0" rtlCol="0">
+              <a:spAutoFit/>
+            </a:bodyPr>
+            <a:lstStyle/>
+            <a:p>
+              <a:r>
+                <a:rPr lang="fr-BE" sz="1400" noProof="1" smtClean="0"/>
+                <a:t>{Term</a:t>
+              </a:r>
+              <a:r>
+                <a:rPr lang="fr-BE" sz="1400" baseline="-25000" noProof="1" smtClean="0"/>
+                <a:t>Fl</a:t>
+              </a:r>
+              <a:r>
+                <a:rPr lang="fr-BE" sz="1400" noProof="1" smtClean="0"/>
+                <a:t>}</a:t>
+              </a:r>
+              <a:endParaRPr lang="fr-BE" sz="1400" baseline="-25000" noProof="1"/>
+            </a:p>
+          </p:txBody>
+        </p:sp>
+        <p:sp>
+          <p:nvSpPr>
+            <p:cNvPr id="55" name="ZoneTexte 54"/>
+            <p:cNvSpPr txBox="1"/>
+            <p:nvPr/>
+          </p:nvSpPr>
+          <p:spPr>
+            <a:xfrm>
+              <a:off x="5199520" y="2204864"/>
+              <a:ext cx="424796" cy="215444"/>
+            </a:xfrm>
+            <a:prstGeom prst="rect">
+              <a:avLst/>
+            </a:prstGeom>
+            <a:solidFill>
+              <a:schemeClr val="lt1"/>
+            </a:solidFill>
+          </p:spPr>
+          <p:txBody>
+            <a:bodyPr wrap="none" lIns="0" tIns="0" rIns="0" bIns="0" rtlCol="0">
+              <a:spAutoFit/>
+            </a:bodyPr>
+            <a:lstStyle/>
+            <a:p>
+              <a:r>
+                <a:rPr lang="fr-BE" sz="1400" noProof="1" smtClean="0"/>
+                <a:t>{[ Fl ]}</a:t>
+              </a:r>
+              <a:endParaRPr lang="fr-BE" sz="1400" noProof="1"/>
+            </a:p>
+          </p:txBody>
+        </p:sp>
+        <p:sp>
+          <p:nvSpPr>
+            <p:cNvPr id="56" name="ZoneTexte 55"/>
+            <p:cNvSpPr txBox="1"/>
+            <p:nvPr/>
+          </p:nvSpPr>
+          <p:spPr>
+            <a:xfrm>
+              <a:off x="2255157" y="2204864"/>
+              <a:ext cx="553037" cy="215444"/>
+            </a:xfrm>
+            <a:prstGeom prst="rect">
+              <a:avLst/>
+            </a:prstGeom>
+            <a:solidFill>
+              <a:schemeClr val="lt1"/>
+            </a:solidFill>
+          </p:spPr>
+          <p:txBody>
+            <a:bodyPr wrap="none" lIns="0" tIns="0" rIns="0" bIns="0" rtlCol="0">
+              <a:spAutoFit/>
+            </a:bodyPr>
+            <a:lstStyle/>
+            <a:p>
+              <a:r>
+                <a:rPr lang="fr-BE" sz="1400" noProof="1" smtClean="0"/>
+                <a:t>{[ </a:t>
+              </a:r>
+              <a:r>
+                <a:rPr lang="fr-BE" sz="1400" noProof="1" smtClean="0">
+                  <a:sym typeface="Symbol"/>
+                </a:rPr>
+                <a:t></a:t>
+              </a:r>
+              <a:r>
+                <a:rPr lang="fr-BE" sz="1400" noProof="1" smtClean="0"/>
+                <a:t>Fl ]}</a:t>
+              </a:r>
+              <a:endParaRPr lang="fr-BE" sz="1400" noProof="1"/>
             </a:p>
           </p:txBody>
         </p:sp>
@@ -10971,12 +12656,12 @@
             <a:lstStyle/>
             <a:p>
               <a:r>
-                <a:rPr lang="fr-BE" smtClean="0">
+                <a:rPr lang="fr-BE" dirty="0" smtClean="0">
                   <a:sym typeface="Symbol"/>
                 </a:rPr>
                 <a:t></a:t>
               </a:r>
-              <a:endParaRPr lang="fr-BE"/>
+              <a:endParaRPr lang="fr-BE" dirty="0"/>
             </a:p>
           </p:txBody>
         </p:sp>
@@ -14212,13 +15897,8 @@
             <a:pPr algn="r"/>
             <a:r>
               <a:rPr lang="fr-BE" sz="2400" dirty="0" smtClean="0"/>
-              <a:t>Scenario</a:t>
+              <a:t>Scenarios</a:t>
             </a:r>
-            <a:r>
-              <a:rPr lang="fr-BE" sz="2400" dirty="0" smtClean="0"/>
-              <a:t>s</a:t>
-            </a:r>
-            <a:endParaRPr lang="fr-BE" sz="2400" dirty="0" smtClean="0"/>
           </a:p>
         </p:txBody>
       </p:sp>
@@ -14799,6 +16479,5945 @@
           </a:p>
         </p:txBody>
       </p:sp>
+    </p:spTree>
+  </p:cSld>
+  <p:clrMapOvr>
+    <a:masterClrMapping/>
+  </p:clrMapOvr>
+</p:sld>
+</file>
+
+<file path=ppt/slides/slide8.xml><?xml version="1.0" encoding="utf-8"?>
+<p:sld xmlns:a="http://schemas.openxmlformats.org/drawingml/2006/main" xmlns:r="http://schemas.openxmlformats.org/officeDocument/2006/relationships" xmlns:p="http://schemas.openxmlformats.org/presentationml/2006/main">
+  <p:cSld>
+    <p:spTree>
+      <p:nvGrpSpPr>
+        <p:cNvPr id="1" name=""/>
+        <p:cNvGrpSpPr/>
+        <p:nvPr/>
+      </p:nvGrpSpPr>
+      <p:grpSpPr>
+        <a:xfrm>
+          <a:off x="0" y="0"/>
+          <a:ext cx="0" cy="0"/>
+          <a:chOff x="0" y="0"/>
+          <a:chExt cx="0" cy="0"/>
+        </a:xfrm>
+      </p:grpSpPr>
+      <p:grpSp>
+        <p:nvGrpSpPr>
+          <p:cNvPr id="85" name="Groupe 84"/>
+          <p:cNvGrpSpPr/>
+          <p:nvPr/>
+        </p:nvGrpSpPr>
+        <p:grpSpPr>
+          <a:xfrm>
+            <a:off x="683568" y="260648"/>
+            <a:ext cx="7848872" cy="4392488"/>
+            <a:chOff x="179512" y="836712"/>
+            <a:chExt cx="7848872" cy="4392488"/>
+          </a:xfrm>
+        </p:grpSpPr>
+        <p:sp>
+          <p:nvSpPr>
+            <p:cNvPr id="31" name="Rectangle 30"/>
+            <p:cNvSpPr/>
+            <p:nvPr/>
+          </p:nvSpPr>
+          <p:spPr>
+            <a:xfrm>
+              <a:off x="179512" y="836712"/>
+              <a:ext cx="7848872" cy="4392488"/>
+            </a:xfrm>
+            <a:prstGeom prst="rect">
+              <a:avLst/>
+            </a:prstGeom>
+            <a:ln w="9525"/>
+          </p:spPr>
+          <p:style>
+            <a:lnRef idx="2">
+              <a:schemeClr val="dk1"/>
+            </a:lnRef>
+            <a:fillRef idx="1">
+              <a:schemeClr val="lt1"/>
+            </a:fillRef>
+            <a:effectRef idx="0">
+              <a:schemeClr val="dk1"/>
+            </a:effectRef>
+            <a:fontRef idx="minor">
+              <a:schemeClr val="dk1"/>
+            </a:fontRef>
+          </p:style>
+          <p:txBody>
+            <a:bodyPr rtlCol="0" anchor="ctr"/>
+            <a:lstStyle/>
+            <a:p>
+              <a:pPr algn="ctr"/>
+              <a:endParaRPr lang="fr-BE"/>
+            </a:p>
+          </p:txBody>
+        </p:sp>
+        <p:grpSp>
+          <p:nvGrpSpPr>
+            <p:cNvPr id="92" name="Groupe 91"/>
+            <p:cNvGrpSpPr/>
+            <p:nvPr/>
+          </p:nvGrpSpPr>
+          <p:grpSpPr>
+            <a:xfrm>
+              <a:off x="259873" y="1446811"/>
+              <a:ext cx="5460478" cy="3643338"/>
+              <a:chOff x="1040348" y="714356"/>
+              <a:chExt cx="5460478" cy="3643338"/>
+            </a:xfrm>
+          </p:grpSpPr>
+          <p:sp>
+            <p:nvSpPr>
+              <p:cNvPr id="20" name="Rectangle à coins arrondis 19"/>
+              <p:cNvSpPr/>
+              <p:nvPr/>
+            </p:nvSpPr>
+            <p:spPr>
+              <a:xfrm>
+                <a:off x="3849656" y="1000108"/>
+                <a:ext cx="1043640" cy="396000"/>
+              </a:xfrm>
+              <a:prstGeom prst="roundRect">
+                <a:avLst/>
+              </a:prstGeom>
+              <a:ln w="22225"/>
+            </p:spPr>
+            <p:style>
+              <a:lnRef idx="2">
+                <a:schemeClr val="dk1"/>
+              </a:lnRef>
+              <a:fillRef idx="1">
+                <a:schemeClr val="lt1"/>
+              </a:fillRef>
+              <a:effectRef idx="0">
+                <a:schemeClr val="dk1"/>
+              </a:effectRef>
+              <a:fontRef idx="minor">
+                <a:schemeClr val="dk1"/>
+              </a:fontRef>
+            </p:style>
+            <p:txBody>
+              <a:bodyPr wrap="none" rtlCol="0" anchor="ctr"/>
+              <a:lstStyle/>
+              <a:p>
+                <a:pPr algn="ctr"/>
+                <a:r>
+                  <a:rPr lang="fr-BE" sz="1200" noProof="1" smtClean="0">
+                    <a:latin typeface="+mj-lt"/>
+                  </a:rPr>
+                  <a:t>Initiate </a:t>
+                </a:r>
+                <a:br>
+                  <a:rPr lang="fr-BE" sz="1200" noProof="1" smtClean="0">
+                    <a:latin typeface="+mj-lt"/>
+                  </a:rPr>
+                </a:br>
+                <a:r>
+                  <a:rPr lang="fr-BE" sz="1200" noProof="1" smtClean="0">
+                    <a:latin typeface="+mj-lt"/>
+                  </a:rPr>
+                  <a:t>Meeting</a:t>
+                </a:r>
+                <a:endParaRPr lang="fr-BE" sz="1200" noProof="1">
+                  <a:latin typeface="+mj-lt"/>
+                </a:endParaRPr>
+              </a:p>
+            </p:txBody>
+          </p:sp>
+          <p:sp>
+            <p:nvSpPr>
+              <p:cNvPr id="21" name="Rectangle à coins arrondis 20"/>
+              <p:cNvSpPr/>
+              <p:nvPr/>
+            </p:nvSpPr>
+            <p:spPr>
+              <a:xfrm>
+                <a:off x="3849656" y="1643050"/>
+                <a:ext cx="1043640" cy="396000"/>
+              </a:xfrm>
+              <a:prstGeom prst="roundRect">
+                <a:avLst/>
+              </a:prstGeom>
+              <a:ln w="22225"/>
+            </p:spPr>
+            <p:style>
+              <a:lnRef idx="2">
+                <a:schemeClr val="dk1"/>
+              </a:lnRef>
+              <a:fillRef idx="1">
+                <a:schemeClr val="lt1"/>
+              </a:fillRef>
+              <a:effectRef idx="0">
+                <a:schemeClr val="dk1"/>
+              </a:effectRef>
+              <a:fontRef idx="minor">
+                <a:schemeClr val="dk1"/>
+              </a:fontRef>
+            </p:style>
+            <p:txBody>
+              <a:bodyPr wrap="none" rtlCol="0" anchor="ctr"/>
+              <a:lstStyle/>
+              <a:p>
+                <a:pPr algn="ctr"/>
+                <a:r>
+                  <a:rPr lang="fr-BE" sz="1200" noProof="1" smtClean="0">
+                    <a:latin typeface="+mj-lt"/>
+                  </a:rPr>
+                  <a:t>Acquire </a:t>
+                </a:r>
+              </a:p>
+              <a:p>
+                <a:pPr algn="ctr"/>
+                <a:r>
+                  <a:rPr lang="fr-BE" sz="1200" noProof="1" smtClean="0">
+                    <a:latin typeface="+mj-lt"/>
+                  </a:rPr>
+                  <a:t>Constraints</a:t>
+                </a:r>
+                <a:endParaRPr lang="fr-BE" sz="1200" noProof="1">
+                  <a:latin typeface="+mj-lt"/>
+                </a:endParaRPr>
+              </a:p>
+            </p:txBody>
+          </p:sp>
+          <p:cxnSp>
+            <p:nvCxnSpPr>
+              <p:cNvPr id="25" name="Connecteur droit avec flèche 74"/>
+              <p:cNvCxnSpPr>
+                <a:stCxn id="20" idx="2"/>
+                <a:endCxn id="21" idx="0"/>
+              </p:cNvCxnSpPr>
+              <p:nvPr/>
+            </p:nvCxnSpPr>
+            <p:spPr>
+              <a:xfrm rot="5400000">
+                <a:off x="4248005" y="1519579"/>
+                <a:ext cx="246942" cy="1588"/>
+              </a:xfrm>
+              <a:prstGeom prst="bentConnector3">
+                <a:avLst>
+                  <a:gd name="adj1" fmla="val 50000"/>
+                </a:avLst>
+              </a:prstGeom>
+              <a:ln w="22225">
+                <a:tailEnd type="arrow"/>
+              </a:ln>
+            </p:spPr>
+            <p:style>
+              <a:lnRef idx="2">
+                <a:schemeClr val="dk1"/>
+              </a:lnRef>
+              <a:fillRef idx="0">
+                <a:schemeClr val="dk1"/>
+              </a:fillRef>
+              <a:effectRef idx="1">
+                <a:schemeClr val="dk1"/>
+              </a:effectRef>
+              <a:fontRef idx="minor">
+                <a:schemeClr val="tx1"/>
+              </a:fontRef>
+            </p:style>
+          </p:cxnSp>
+          <p:sp>
+            <p:nvSpPr>
+              <p:cNvPr id="30" name="Losange 29"/>
+              <p:cNvSpPr/>
+              <p:nvPr/>
+            </p:nvSpPr>
+            <p:spPr>
+              <a:xfrm>
+                <a:off x="4111039" y="2318620"/>
+                <a:ext cx="520874" cy="357190"/>
+              </a:xfrm>
+              <a:prstGeom prst="diamond">
+                <a:avLst/>
+              </a:prstGeom>
+              <a:ln w="22225"/>
+            </p:spPr>
+            <p:style>
+              <a:lnRef idx="2">
+                <a:schemeClr val="dk1"/>
+              </a:lnRef>
+              <a:fillRef idx="1">
+                <a:schemeClr val="lt1"/>
+              </a:fillRef>
+              <a:effectRef idx="0">
+                <a:schemeClr val="dk1"/>
+              </a:effectRef>
+              <a:fontRef idx="minor">
+                <a:schemeClr val="dk1"/>
+              </a:fontRef>
+            </p:style>
+            <p:txBody>
+              <a:bodyPr wrap="none" rtlCol="0" anchor="ctr">
+                <a:noAutofit/>
+              </a:bodyPr>
+              <a:lstStyle/>
+              <a:p>
+                <a:pPr algn="ctr"/>
+                <a:r>
+                  <a:rPr lang="fr-BE" sz="1200" noProof="1" smtClean="0">
+                    <a:latin typeface="+mj-lt"/>
+                  </a:rPr>
+                  <a:t>?</a:t>
+                </a:r>
+                <a:endParaRPr lang="fr-BE" sz="1200" noProof="1">
+                  <a:latin typeface="+mj-lt"/>
+                </a:endParaRPr>
+              </a:p>
+            </p:txBody>
+          </p:sp>
+          <p:sp>
+            <p:nvSpPr>
+              <p:cNvPr id="34" name="Rectangle à coins arrondis 33"/>
+              <p:cNvSpPr/>
+              <p:nvPr/>
+            </p:nvSpPr>
+            <p:spPr>
+              <a:xfrm>
+                <a:off x="2500298" y="3143248"/>
+                <a:ext cx="1043640" cy="396000"/>
+              </a:xfrm>
+              <a:prstGeom prst="roundRect">
+                <a:avLst/>
+              </a:prstGeom>
+              <a:ln w="22225"/>
+            </p:spPr>
+            <p:style>
+              <a:lnRef idx="2">
+                <a:schemeClr val="dk1"/>
+              </a:lnRef>
+              <a:fillRef idx="1">
+                <a:schemeClr val="lt1"/>
+              </a:fillRef>
+              <a:effectRef idx="0">
+                <a:schemeClr val="dk1"/>
+              </a:effectRef>
+              <a:fontRef idx="minor">
+                <a:schemeClr val="dk1"/>
+              </a:fontRef>
+            </p:style>
+            <p:txBody>
+              <a:bodyPr wrap="none" rtlCol="0" anchor="ctr"/>
+              <a:lstStyle/>
+              <a:p>
+                <a:pPr algn="ctr"/>
+                <a:r>
+                  <a:rPr lang="fr-BE" sz="1200" noProof="1" smtClean="0">
+                    <a:latin typeface="+mj-lt"/>
+                  </a:rPr>
+                  <a:t>Arbitrate</a:t>
+                </a:r>
+                <a:endParaRPr lang="fr-BE" sz="1200" noProof="1">
+                  <a:latin typeface="+mj-lt"/>
+                </a:endParaRPr>
+              </a:p>
+            </p:txBody>
+          </p:sp>
+          <p:sp>
+            <p:nvSpPr>
+              <p:cNvPr id="35" name="Rectangle à coins arrondis 34"/>
+              <p:cNvSpPr/>
+              <p:nvPr/>
+            </p:nvSpPr>
+            <p:spPr>
+              <a:xfrm>
+                <a:off x="3849656" y="3143248"/>
+                <a:ext cx="1043640" cy="396000"/>
+              </a:xfrm>
+              <a:prstGeom prst="roundRect">
+                <a:avLst/>
+              </a:prstGeom>
+              <a:ln w="22225"/>
+            </p:spPr>
+            <p:style>
+              <a:lnRef idx="2">
+                <a:schemeClr val="dk1"/>
+              </a:lnRef>
+              <a:fillRef idx="1">
+                <a:schemeClr val="lt1"/>
+              </a:fillRef>
+              <a:effectRef idx="0">
+                <a:schemeClr val="dk1"/>
+              </a:effectRef>
+              <a:fontRef idx="minor">
+                <a:schemeClr val="dk1"/>
+              </a:fontRef>
+            </p:style>
+            <p:txBody>
+              <a:bodyPr wrap="none" rtlCol="0" anchor="ctr"/>
+              <a:lstStyle/>
+              <a:p>
+                <a:pPr algn="ctr"/>
+                <a:r>
+                  <a:rPr lang="fr-BE" sz="1200" noProof="1" smtClean="0">
+                    <a:latin typeface="+mj-lt"/>
+                  </a:rPr>
+                  <a:t>Weaken</a:t>
+                </a:r>
+                <a:br>
+                  <a:rPr lang="fr-BE" sz="1200" noProof="1" smtClean="0">
+                    <a:latin typeface="+mj-lt"/>
+                  </a:rPr>
+                </a:br>
+                <a:r>
+                  <a:rPr lang="fr-BE" sz="1200" noProof="1" smtClean="0">
+                    <a:latin typeface="+mj-lt"/>
+                  </a:rPr>
+                  <a:t>Constraints</a:t>
+                </a:r>
+              </a:p>
+            </p:txBody>
+          </p:sp>
+          <p:sp>
+            <p:nvSpPr>
+              <p:cNvPr id="36" name="Rectangle à coins arrondis 35"/>
+              <p:cNvSpPr/>
+              <p:nvPr/>
+            </p:nvSpPr>
+            <p:spPr>
+              <a:xfrm>
+                <a:off x="5339263" y="3143248"/>
+                <a:ext cx="1043640" cy="396000"/>
+              </a:xfrm>
+              <a:prstGeom prst="roundRect">
+                <a:avLst/>
+              </a:prstGeom>
+              <a:ln w="22225"/>
+            </p:spPr>
+            <p:style>
+              <a:lnRef idx="2">
+                <a:schemeClr val="dk1"/>
+              </a:lnRef>
+              <a:fillRef idx="1">
+                <a:schemeClr val="lt1"/>
+              </a:fillRef>
+              <a:effectRef idx="0">
+                <a:schemeClr val="dk1"/>
+              </a:effectRef>
+              <a:fontRef idx="minor">
+                <a:schemeClr val="dk1"/>
+              </a:fontRef>
+            </p:style>
+            <p:txBody>
+              <a:bodyPr wrap="none" rtlCol="0" anchor="ctr"/>
+              <a:lstStyle/>
+              <a:p>
+                <a:pPr algn="ctr"/>
+                <a:r>
+                  <a:rPr lang="fr-BE" sz="1200" noProof="1" smtClean="0">
+                    <a:latin typeface="+mj-lt"/>
+                  </a:rPr>
+                  <a:t>Schedule</a:t>
+                </a:r>
+              </a:p>
+              <a:p>
+                <a:pPr algn="ctr"/>
+                <a:r>
+                  <a:rPr lang="fr-BE" sz="1200" noProof="1" smtClean="0">
+                    <a:latin typeface="+mj-lt"/>
+                  </a:rPr>
+                  <a:t>Meeting</a:t>
+                </a:r>
+              </a:p>
+            </p:txBody>
+          </p:sp>
+          <p:sp>
+            <p:nvSpPr>
+              <p:cNvPr id="37" name="Rectangle à coins arrondis 36"/>
+              <p:cNvSpPr/>
+              <p:nvPr/>
+            </p:nvSpPr>
+            <p:spPr>
+              <a:xfrm>
+                <a:off x="1357290" y="1643050"/>
+                <a:ext cx="1043640" cy="396000"/>
+              </a:xfrm>
+              <a:prstGeom prst="roundRect">
+                <a:avLst/>
+              </a:prstGeom>
+              <a:ln w="22225"/>
+            </p:spPr>
+            <p:style>
+              <a:lnRef idx="2">
+                <a:schemeClr val="dk1"/>
+              </a:lnRef>
+              <a:fillRef idx="1">
+                <a:schemeClr val="lt1"/>
+              </a:fillRef>
+              <a:effectRef idx="0">
+                <a:schemeClr val="dk1"/>
+              </a:effectRef>
+              <a:fontRef idx="minor">
+                <a:schemeClr val="dk1"/>
+              </a:fontRef>
+            </p:style>
+            <p:txBody>
+              <a:bodyPr wrap="none" rtlCol="0" anchor="ctr"/>
+              <a:lstStyle/>
+              <a:p>
+                <a:pPr algn="ctr"/>
+                <a:r>
+                  <a:rPr lang="fr-BE" sz="1200" noProof="1" smtClean="0">
+                    <a:latin typeface="+mj-lt"/>
+                  </a:rPr>
+                  <a:t>Extend</a:t>
+                </a:r>
+              </a:p>
+              <a:p>
+                <a:pPr algn="ctr"/>
+                <a:r>
+                  <a:rPr lang="fr-BE" sz="1200" noProof="1" smtClean="0">
+                    <a:latin typeface="+mj-lt"/>
+                  </a:rPr>
+                  <a:t>Date Range</a:t>
+                </a:r>
+              </a:p>
+            </p:txBody>
+          </p:sp>
+          <p:sp>
+            <p:nvSpPr>
+              <p:cNvPr id="39" name="Losange 38"/>
+              <p:cNvSpPr/>
+              <p:nvPr/>
+            </p:nvSpPr>
+            <p:spPr>
+              <a:xfrm>
+                <a:off x="2761681" y="4000504"/>
+                <a:ext cx="520874" cy="357190"/>
+              </a:xfrm>
+              <a:prstGeom prst="diamond">
+                <a:avLst/>
+              </a:prstGeom>
+              <a:ln w="22225"/>
+            </p:spPr>
+            <p:style>
+              <a:lnRef idx="2">
+                <a:schemeClr val="dk1"/>
+              </a:lnRef>
+              <a:fillRef idx="1">
+                <a:schemeClr val="lt1"/>
+              </a:fillRef>
+              <a:effectRef idx="0">
+                <a:schemeClr val="dk1"/>
+              </a:effectRef>
+              <a:fontRef idx="minor">
+                <a:schemeClr val="dk1"/>
+              </a:fontRef>
+            </p:style>
+            <p:txBody>
+              <a:bodyPr wrap="none" rtlCol="0" anchor="ctr">
+                <a:noAutofit/>
+              </a:bodyPr>
+              <a:lstStyle/>
+              <a:p>
+                <a:pPr algn="ctr"/>
+                <a:r>
+                  <a:rPr lang="fr-BE" sz="1200" noProof="1" smtClean="0">
+                    <a:latin typeface="+mj-lt"/>
+                  </a:rPr>
+                  <a:t>?</a:t>
+                </a:r>
+                <a:endParaRPr lang="fr-BE" sz="1200" noProof="1">
+                  <a:latin typeface="+mj-lt"/>
+                </a:endParaRPr>
+              </a:p>
+            </p:txBody>
+          </p:sp>
+          <p:sp>
+            <p:nvSpPr>
+              <p:cNvPr id="40" name="Ellipse 39"/>
+              <p:cNvSpPr/>
+              <p:nvPr/>
+            </p:nvSpPr>
+            <p:spPr>
+              <a:xfrm>
+                <a:off x="4335476" y="714356"/>
+                <a:ext cx="72000" cy="72000"/>
+              </a:xfrm>
+              <a:prstGeom prst="ellipse">
+                <a:avLst/>
+              </a:prstGeom>
+              <a:ln w="22225"/>
+            </p:spPr>
+            <p:style>
+              <a:lnRef idx="2">
+                <a:schemeClr val="dk1">
+                  <a:shade val="50000"/>
+                </a:schemeClr>
+              </a:lnRef>
+              <a:fillRef idx="1">
+                <a:schemeClr val="dk1"/>
+              </a:fillRef>
+              <a:effectRef idx="0">
+                <a:schemeClr val="dk1"/>
+              </a:effectRef>
+              <a:fontRef idx="minor">
+                <a:schemeClr val="lt1"/>
+              </a:fontRef>
+            </p:style>
+            <p:txBody>
+              <a:bodyPr rtlCol="0" anchor="ctr"/>
+              <a:lstStyle/>
+              <a:p>
+                <a:pPr algn="ctr"/>
+                <a:endParaRPr lang="fr-BE" sz="1200" noProof="1">
+                  <a:latin typeface="+mj-lt"/>
+                </a:endParaRPr>
+              </a:p>
+            </p:txBody>
+          </p:sp>
+          <p:cxnSp>
+            <p:nvCxnSpPr>
+              <p:cNvPr id="41" name="Connecteur droit avec flèche 40"/>
+              <p:cNvCxnSpPr>
+                <a:stCxn id="40" idx="4"/>
+                <a:endCxn id="20" idx="0"/>
+              </p:cNvCxnSpPr>
+              <p:nvPr/>
+            </p:nvCxnSpPr>
+            <p:spPr>
+              <a:xfrm rot="5400000">
+                <a:off x="4264600" y="893232"/>
+                <a:ext cx="213752" cy="1588"/>
+              </a:xfrm>
+              <a:prstGeom prst="straightConnector1">
+                <a:avLst/>
+              </a:prstGeom>
+              <a:ln w="22225">
+                <a:tailEnd type="arrow"/>
+              </a:ln>
+            </p:spPr>
+            <p:style>
+              <a:lnRef idx="2">
+                <a:schemeClr val="dk1"/>
+              </a:lnRef>
+              <a:fillRef idx="0">
+                <a:schemeClr val="dk1"/>
+              </a:fillRef>
+              <a:effectRef idx="1">
+                <a:schemeClr val="dk1"/>
+              </a:effectRef>
+              <a:fontRef idx="minor">
+                <a:schemeClr val="tx1"/>
+              </a:fontRef>
+            </p:style>
+          </p:cxnSp>
+          <p:cxnSp>
+            <p:nvCxnSpPr>
+              <p:cNvPr id="43" name="Connecteur droit avec flèche 42"/>
+              <p:cNvCxnSpPr>
+                <a:stCxn id="36" idx="2"/>
+                <a:endCxn id="45" idx="0"/>
+              </p:cNvCxnSpPr>
+              <p:nvPr/>
+            </p:nvCxnSpPr>
+            <p:spPr>
+              <a:xfrm rot="16200000" flipH="1">
+                <a:off x="5587754" y="3812577"/>
+                <a:ext cx="549851" cy="3192"/>
+              </a:xfrm>
+              <a:prstGeom prst="straightConnector1">
+                <a:avLst/>
+              </a:prstGeom>
+              <a:ln w="22225">
+                <a:tailEnd type="arrow"/>
+              </a:ln>
+            </p:spPr>
+            <p:style>
+              <a:lnRef idx="2">
+                <a:schemeClr val="dk1"/>
+              </a:lnRef>
+              <a:fillRef idx="0">
+                <a:schemeClr val="dk1"/>
+              </a:fillRef>
+              <a:effectRef idx="1">
+                <a:schemeClr val="dk1"/>
+              </a:effectRef>
+              <a:fontRef idx="minor">
+                <a:schemeClr val="tx1"/>
+              </a:fontRef>
+            </p:style>
+          </p:cxnSp>
+          <p:grpSp>
+            <p:nvGrpSpPr>
+              <p:cNvPr id="2" name="Groupe 109"/>
+              <p:cNvGrpSpPr/>
+              <p:nvPr/>
+            </p:nvGrpSpPr>
+            <p:grpSpPr>
+              <a:xfrm>
+                <a:off x="5774275" y="4089099"/>
+                <a:ext cx="180000" cy="180000"/>
+                <a:chOff x="2786050" y="6143644"/>
+                <a:chExt cx="180000" cy="180000"/>
+              </a:xfrm>
+            </p:grpSpPr>
+            <p:sp>
+              <p:nvSpPr>
+                <p:cNvPr id="45" name="Ellipse 44"/>
+                <p:cNvSpPr/>
+                <p:nvPr/>
+              </p:nvSpPr>
+              <p:spPr>
+                <a:xfrm>
+                  <a:off x="2786050" y="6143644"/>
+                  <a:ext cx="180000" cy="180000"/>
+                </a:xfrm>
+                <a:prstGeom prst="ellipse">
+                  <a:avLst/>
+                </a:prstGeom>
+              </p:spPr>
+              <p:style>
+                <a:lnRef idx="2">
+                  <a:schemeClr val="dk1"/>
+                </a:lnRef>
+                <a:fillRef idx="1">
+                  <a:schemeClr val="lt1"/>
+                </a:fillRef>
+                <a:effectRef idx="0">
+                  <a:schemeClr val="dk1"/>
+                </a:effectRef>
+                <a:fontRef idx="minor">
+                  <a:schemeClr val="dk1"/>
+                </a:fontRef>
+              </p:style>
+              <p:txBody>
+                <a:bodyPr rtlCol="0" anchor="ctr"/>
+                <a:lstStyle/>
+                <a:p>
+                  <a:pPr algn="ctr"/>
+                  <a:endParaRPr lang="fr-BE" sz="1200" noProof="1">
+                    <a:latin typeface="+mj-lt"/>
+                  </a:endParaRPr>
+                </a:p>
+              </p:txBody>
+            </p:sp>
+            <p:sp>
+              <p:nvSpPr>
+                <p:cNvPr id="46" name="Ellipse 45"/>
+                <p:cNvSpPr/>
+                <p:nvPr/>
+              </p:nvSpPr>
+              <p:spPr>
+                <a:xfrm>
+                  <a:off x="2840050" y="6197644"/>
+                  <a:ext cx="72000" cy="72000"/>
+                </a:xfrm>
+                <a:prstGeom prst="ellipse">
+                  <a:avLst/>
+                </a:prstGeom>
+                <a:ln w="22225"/>
+              </p:spPr>
+              <p:style>
+                <a:lnRef idx="2">
+                  <a:schemeClr val="dk1">
+                    <a:shade val="50000"/>
+                  </a:schemeClr>
+                </a:lnRef>
+                <a:fillRef idx="1">
+                  <a:schemeClr val="dk1"/>
+                </a:fillRef>
+                <a:effectRef idx="0">
+                  <a:schemeClr val="dk1"/>
+                </a:effectRef>
+                <a:fontRef idx="minor">
+                  <a:schemeClr val="lt1"/>
+                </a:fontRef>
+              </p:style>
+              <p:txBody>
+                <a:bodyPr rtlCol="0" anchor="ctr"/>
+                <a:lstStyle/>
+                <a:p>
+                  <a:pPr algn="ctr"/>
+                  <a:endParaRPr lang="fr-BE" sz="1200" noProof="1">
+                    <a:latin typeface="+mj-lt"/>
+                  </a:endParaRPr>
+                </a:p>
+              </p:txBody>
+            </p:sp>
+          </p:grpSp>
+          <p:cxnSp>
+            <p:nvCxnSpPr>
+              <p:cNvPr id="48" name="Connecteur droit avec flèche 74"/>
+              <p:cNvCxnSpPr>
+                <a:stCxn id="30" idx="3"/>
+                <a:endCxn id="36" idx="0"/>
+              </p:cNvCxnSpPr>
+              <p:nvPr/>
+            </p:nvCxnSpPr>
+            <p:spPr>
+              <a:xfrm>
+                <a:off x="4631913" y="2497215"/>
+                <a:ext cx="1229170" cy="646033"/>
+              </a:xfrm>
+              <a:prstGeom prst="bentConnector2">
+                <a:avLst/>
+              </a:prstGeom>
+              <a:ln w="22225">
+                <a:tailEnd type="arrow"/>
+              </a:ln>
+            </p:spPr>
+            <p:style>
+              <a:lnRef idx="2">
+                <a:schemeClr val="dk1"/>
+              </a:lnRef>
+              <a:fillRef idx="0">
+                <a:schemeClr val="dk1"/>
+              </a:fillRef>
+              <a:effectRef idx="1">
+                <a:schemeClr val="dk1"/>
+              </a:effectRef>
+              <a:fontRef idx="minor">
+                <a:schemeClr val="tx1"/>
+              </a:fontRef>
+            </p:style>
+          </p:cxnSp>
+          <p:cxnSp>
+            <p:nvCxnSpPr>
+              <p:cNvPr id="51" name="Connecteur droit avec flèche 74"/>
+              <p:cNvCxnSpPr>
+                <a:stCxn id="30" idx="1"/>
+                <a:endCxn id="34" idx="0"/>
+              </p:cNvCxnSpPr>
+              <p:nvPr/>
+            </p:nvCxnSpPr>
+            <p:spPr>
+              <a:xfrm rot="10800000" flipV="1">
+                <a:off x="3022119" y="2497214"/>
+                <a:ext cx="1088921" cy="646033"/>
+              </a:xfrm>
+              <a:prstGeom prst="bentConnector2">
+                <a:avLst/>
+              </a:prstGeom>
+              <a:ln w="22225">
+                <a:tailEnd type="arrow"/>
+              </a:ln>
+            </p:spPr>
+            <p:style>
+              <a:lnRef idx="2">
+                <a:schemeClr val="dk1"/>
+              </a:lnRef>
+              <a:fillRef idx="0">
+                <a:schemeClr val="dk1"/>
+              </a:fillRef>
+              <a:effectRef idx="1">
+                <a:schemeClr val="dk1"/>
+              </a:effectRef>
+              <a:fontRef idx="minor">
+                <a:schemeClr val="tx1"/>
+              </a:fontRef>
+            </p:style>
+          </p:cxnSp>
+          <p:cxnSp>
+            <p:nvCxnSpPr>
+              <p:cNvPr id="54" name="Connecteur droit avec flèche 74"/>
+              <p:cNvCxnSpPr>
+                <a:stCxn id="34" idx="2"/>
+                <a:endCxn id="39" idx="0"/>
+              </p:cNvCxnSpPr>
+              <p:nvPr/>
+            </p:nvCxnSpPr>
+            <p:spPr>
+              <a:xfrm rot="5400000">
+                <a:off x="2791490" y="3769876"/>
+                <a:ext cx="461256" cy="1588"/>
+              </a:xfrm>
+              <a:prstGeom prst="bentConnector3">
+                <a:avLst>
+                  <a:gd name="adj1" fmla="val 50000"/>
+                </a:avLst>
+              </a:prstGeom>
+              <a:ln w="22225">
+                <a:tailEnd type="arrow"/>
+              </a:ln>
+            </p:spPr>
+            <p:style>
+              <a:lnRef idx="2">
+                <a:schemeClr val="dk1"/>
+              </a:lnRef>
+              <a:fillRef idx="0">
+                <a:schemeClr val="dk1"/>
+              </a:fillRef>
+              <a:effectRef idx="1">
+                <a:schemeClr val="dk1"/>
+              </a:effectRef>
+              <a:fontRef idx="minor">
+                <a:schemeClr val="tx1"/>
+              </a:fontRef>
+            </p:style>
+          </p:cxnSp>
+          <p:cxnSp>
+            <p:nvCxnSpPr>
+              <p:cNvPr id="60" name="Connecteur droit avec flèche 74"/>
+              <p:cNvCxnSpPr>
+                <a:stCxn id="39" idx="1"/>
+                <a:endCxn id="37" idx="2"/>
+              </p:cNvCxnSpPr>
+              <p:nvPr/>
+            </p:nvCxnSpPr>
+            <p:spPr>
+              <a:xfrm rot="10800000">
+                <a:off x="1879111" y="2039051"/>
+                <a:ext cx="882571" cy="2140049"/>
+              </a:xfrm>
+              <a:prstGeom prst="bentConnector2">
+                <a:avLst/>
+              </a:prstGeom>
+              <a:ln w="22225">
+                <a:tailEnd type="arrow"/>
+              </a:ln>
+            </p:spPr>
+            <p:style>
+              <a:lnRef idx="2">
+                <a:schemeClr val="dk1"/>
+              </a:lnRef>
+              <a:fillRef idx="0">
+                <a:schemeClr val="dk1"/>
+              </a:fillRef>
+              <a:effectRef idx="1">
+                <a:schemeClr val="dk1"/>
+              </a:effectRef>
+              <a:fontRef idx="minor">
+                <a:schemeClr val="tx1"/>
+              </a:fontRef>
+            </p:style>
+          </p:cxnSp>
+          <p:cxnSp>
+            <p:nvCxnSpPr>
+              <p:cNvPr id="65" name="Connecteur droit avec flèche 74"/>
+              <p:cNvCxnSpPr>
+                <a:stCxn id="39" idx="3"/>
+                <a:endCxn id="35" idx="2"/>
+              </p:cNvCxnSpPr>
+              <p:nvPr/>
+            </p:nvCxnSpPr>
+            <p:spPr>
+              <a:xfrm flipV="1">
+                <a:off x="3282555" y="3539248"/>
+                <a:ext cx="1088921" cy="639851"/>
+              </a:xfrm>
+              <a:prstGeom prst="bentConnector2">
+                <a:avLst/>
+              </a:prstGeom>
+              <a:ln w="22225">
+                <a:tailEnd type="arrow"/>
+              </a:ln>
+            </p:spPr>
+            <p:style>
+              <a:lnRef idx="2">
+                <a:schemeClr val="dk1"/>
+              </a:lnRef>
+              <a:fillRef idx="0">
+                <a:schemeClr val="dk1"/>
+              </a:fillRef>
+              <a:effectRef idx="1">
+                <a:schemeClr val="dk1"/>
+              </a:effectRef>
+              <a:fontRef idx="minor">
+                <a:schemeClr val="tx1"/>
+              </a:fontRef>
+            </p:style>
+          </p:cxnSp>
+          <p:cxnSp>
+            <p:nvCxnSpPr>
+              <p:cNvPr id="68" name="Connecteur droit avec flèche 74"/>
+              <p:cNvCxnSpPr>
+                <a:stCxn id="35" idx="0"/>
+                <a:endCxn id="30" idx="2"/>
+              </p:cNvCxnSpPr>
+              <p:nvPr/>
+            </p:nvCxnSpPr>
+            <p:spPr>
+              <a:xfrm rot="5400000" flipH="1" flipV="1">
+                <a:off x="4137757" y="2909529"/>
+                <a:ext cx="467438" cy="1588"/>
+              </a:xfrm>
+              <a:prstGeom prst="bentConnector3">
+                <a:avLst>
+                  <a:gd name="adj1" fmla="val 50000"/>
+                </a:avLst>
+              </a:prstGeom>
+              <a:ln w="22225">
+                <a:tailEnd type="arrow"/>
+              </a:ln>
+            </p:spPr>
+            <p:style>
+              <a:lnRef idx="2">
+                <a:schemeClr val="dk1"/>
+              </a:lnRef>
+              <a:fillRef idx="0">
+                <a:schemeClr val="dk1"/>
+              </a:fillRef>
+              <a:effectRef idx="1">
+                <a:schemeClr val="dk1"/>
+              </a:effectRef>
+              <a:fontRef idx="minor">
+                <a:schemeClr val="tx1"/>
+              </a:fontRef>
+            </p:style>
+          </p:cxnSp>
+          <p:cxnSp>
+            <p:nvCxnSpPr>
+              <p:cNvPr id="84" name="Connecteur droit avec flèche 74"/>
+              <p:cNvCxnSpPr>
+                <a:stCxn id="21" idx="2"/>
+                <a:endCxn id="30" idx="0"/>
+              </p:cNvCxnSpPr>
+              <p:nvPr/>
+            </p:nvCxnSpPr>
+            <p:spPr>
+              <a:xfrm rot="5400000">
+                <a:off x="4231691" y="2178835"/>
+                <a:ext cx="279570" cy="1588"/>
+              </a:xfrm>
+              <a:prstGeom prst="bentConnector3">
+                <a:avLst>
+                  <a:gd name="adj1" fmla="val 50000"/>
+                </a:avLst>
+              </a:prstGeom>
+              <a:ln w="22225">
+                <a:tailEnd type="arrow"/>
+              </a:ln>
+            </p:spPr>
+            <p:style>
+              <a:lnRef idx="2">
+                <a:schemeClr val="dk1"/>
+              </a:lnRef>
+              <a:fillRef idx="0">
+                <a:schemeClr val="dk1"/>
+              </a:fillRef>
+              <a:effectRef idx="1">
+                <a:schemeClr val="dk1"/>
+              </a:effectRef>
+              <a:fontRef idx="minor">
+                <a:schemeClr val="tx1"/>
+              </a:fontRef>
+            </p:style>
+          </p:cxnSp>
+          <p:sp>
+            <p:nvSpPr>
+              <p:cNvPr id="109" name="ZoneTexte 108"/>
+              <p:cNvSpPr txBox="1"/>
+              <p:nvPr/>
+            </p:nvSpPr>
+            <p:spPr>
+              <a:xfrm>
+                <a:off x="2500298" y="2290755"/>
+                <a:ext cx="1170257" cy="369332"/>
+              </a:xfrm>
+              <a:prstGeom prst="rect">
+                <a:avLst/>
+              </a:prstGeom>
+              <a:solidFill>
+                <a:schemeClr val="lt1">
+                  <a:alpha val="86000"/>
+                </a:schemeClr>
+              </a:solidFill>
+            </p:spPr>
+            <p:txBody>
+              <a:bodyPr wrap="none" lIns="0" tIns="0" rIns="0" bIns="0" rtlCol="0">
+                <a:spAutoFit/>
+              </a:bodyPr>
+              <a:lstStyle/>
+              <a:p>
+                <a:r>
+                  <a:rPr lang="fr-BE" sz="1200" noProof="1" smtClean="0"/>
+                  <a:t>[date_conflict </a:t>
+                </a:r>
+                <a:r>
+                  <a:rPr lang="fr-BE" sz="1200" noProof="1" smtClean="0">
+                    <a:sym typeface="Symbol"/>
+                  </a:rPr>
+                  <a:t> </a:t>
+                </a:r>
+                <a:br>
+                  <a:rPr lang="fr-BE" sz="1200" noProof="1" smtClean="0">
+                    <a:sym typeface="Symbol"/>
+                  </a:rPr>
+                </a:br>
+                <a:r>
+                  <a:rPr lang="fr-BE" sz="1200" noProof="1" smtClean="0">
+                    <a:sym typeface="Symbol"/>
+                  </a:rPr>
+                  <a:t>range_extended</a:t>
+                </a:r>
+                <a:r>
+                  <a:rPr lang="fr-BE" sz="1200" noProof="1" smtClean="0"/>
+                  <a:t>]</a:t>
+                </a:r>
+                <a:endParaRPr lang="fr-BE" sz="1200" noProof="1"/>
+              </a:p>
+            </p:txBody>
+          </p:sp>
+          <p:sp>
+            <p:nvSpPr>
+              <p:cNvPr id="110" name="ZoneTexte 109"/>
+              <p:cNvSpPr txBox="1"/>
+              <p:nvPr/>
+            </p:nvSpPr>
+            <p:spPr>
+              <a:xfrm>
+                <a:off x="5311333" y="2290755"/>
+                <a:ext cx="1189493" cy="369332"/>
+              </a:xfrm>
+              <a:prstGeom prst="rect">
+                <a:avLst/>
+              </a:prstGeom>
+              <a:solidFill>
+                <a:schemeClr val="lt1">
+                  <a:alpha val="86000"/>
+                </a:schemeClr>
+              </a:solidFill>
+            </p:spPr>
+            <p:txBody>
+              <a:bodyPr wrap="none" lIns="0" tIns="0" rIns="0" bIns="0" rtlCol="0">
+                <a:spAutoFit/>
+              </a:bodyPr>
+              <a:lstStyle/>
+              <a:p>
+                <a:r>
+                  <a:rPr lang="fr-BE" sz="1200" noProof="1" smtClean="0"/>
+                  <a:t>[</a:t>
+                </a:r>
+                <a:r>
+                  <a:rPr lang="fr-BE" sz="1200" noProof="1" smtClean="0">
+                    <a:sym typeface="Symbol"/>
+                  </a:rPr>
+                  <a:t> </a:t>
+                </a:r>
+                <a:r>
+                  <a:rPr lang="fr-BE" sz="1200" noProof="1" smtClean="0"/>
+                  <a:t>date_conflict </a:t>
+                </a:r>
+                <a:br>
+                  <a:rPr lang="fr-BE" sz="1200" noProof="1" smtClean="0"/>
+                </a:br>
+                <a:r>
+                  <a:rPr lang="fr-BE" sz="1200" noProof="1" smtClean="0">
+                    <a:sym typeface="Symbol"/>
+                  </a:rPr>
+                  <a:t> range_extended</a:t>
+                </a:r>
+                <a:r>
+                  <a:rPr lang="fr-BE" sz="1200" noProof="1" smtClean="0"/>
+                  <a:t>]</a:t>
+                </a:r>
+                <a:endParaRPr lang="fr-BE" sz="1200" noProof="1"/>
+              </a:p>
+            </p:txBody>
+          </p:sp>
+          <p:sp>
+            <p:nvSpPr>
+              <p:cNvPr id="116" name="ZoneTexte 115"/>
+              <p:cNvSpPr txBox="1"/>
+              <p:nvPr/>
+            </p:nvSpPr>
+            <p:spPr>
+              <a:xfrm>
+                <a:off x="1040348" y="3815838"/>
+                <a:ext cx="1659750" cy="184666"/>
+              </a:xfrm>
+              <a:prstGeom prst="rect">
+                <a:avLst/>
+              </a:prstGeom>
+              <a:solidFill>
+                <a:schemeClr val="lt1"/>
+              </a:solidFill>
+            </p:spPr>
+            <p:txBody>
+              <a:bodyPr wrap="none" lIns="0" tIns="0" rIns="0" bIns="0" rtlCol="0">
+                <a:spAutoFit/>
+              </a:bodyPr>
+              <a:lstStyle/>
+              <a:p>
+                <a:r>
+                  <a:rPr lang="fr-BE" sz="1200" noProof="1" smtClean="0"/>
+                  <a:t>[</a:t>
+                </a:r>
+                <a:r>
+                  <a:rPr lang="fr-BE" sz="1200" noProof="1" smtClean="0">
+                    <a:sym typeface="Symbol"/>
+                  </a:rPr>
+                  <a:t> </a:t>
+                </a:r>
+                <a:r>
+                  <a:rPr lang="fr-BE" sz="1200" noProof="1" smtClean="0"/>
+                  <a:t>resolve_by_weakening]</a:t>
+                </a:r>
+                <a:endParaRPr lang="fr-BE" sz="1200" noProof="1"/>
+              </a:p>
+            </p:txBody>
+          </p:sp>
+          <p:sp>
+            <p:nvSpPr>
+              <p:cNvPr id="117" name="ZoneTexte 116"/>
+              <p:cNvSpPr txBox="1"/>
+              <p:nvPr/>
+            </p:nvSpPr>
+            <p:spPr>
+              <a:xfrm>
+                <a:off x="3618500" y="3815838"/>
+                <a:ext cx="1515479" cy="184666"/>
+              </a:xfrm>
+              <a:prstGeom prst="rect">
+                <a:avLst/>
+              </a:prstGeom>
+              <a:solidFill>
+                <a:schemeClr val="lt1"/>
+              </a:solidFill>
+            </p:spPr>
+            <p:txBody>
+              <a:bodyPr wrap="none" lIns="0" tIns="0" rIns="0" bIns="0" rtlCol="0">
+                <a:spAutoFit/>
+              </a:bodyPr>
+              <a:lstStyle/>
+              <a:p>
+                <a:r>
+                  <a:rPr lang="fr-BE" sz="1200" noProof="1" smtClean="0"/>
+                  <a:t>[resolve_by_weakening]</a:t>
+                </a:r>
+                <a:endParaRPr lang="fr-BE" sz="1200" noProof="1"/>
+              </a:p>
+            </p:txBody>
+          </p:sp>
+          <p:sp>
+            <p:nvSpPr>
+              <p:cNvPr id="50" name="Ellipse 49"/>
+              <p:cNvSpPr/>
+              <p:nvPr/>
+            </p:nvSpPr>
+            <p:spPr>
+              <a:xfrm>
+                <a:off x="1714480" y="2428868"/>
+                <a:ext cx="0" cy="0"/>
+              </a:xfrm>
+              <a:prstGeom prst="ellipse">
+                <a:avLst/>
+              </a:prstGeom>
+            </p:spPr>
+            <p:style>
+              <a:lnRef idx="2">
+                <a:schemeClr val="dk1">
+                  <a:shade val="50000"/>
+                </a:schemeClr>
+              </a:lnRef>
+              <a:fillRef idx="1">
+                <a:schemeClr val="dk1"/>
+              </a:fillRef>
+              <a:effectRef idx="0">
+                <a:schemeClr val="dk1"/>
+              </a:effectRef>
+              <a:fontRef idx="minor">
+                <a:schemeClr val="lt1"/>
+              </a:fontRef>
+            </p:style>
+            <p:txBody>
+              <a:bodyPr rtlCol="0" anchor="ctr"/>
+              <a:lstStyle/>
+              <a:p>
+                <a:pPr algn="ctr"/>
+                <a:endParaRPr lang="fr-BE"/>
+              </a:p>
+            </p:txBody>
+          </p:sp>
+          <p:cxnSp>
+            <p:nvCxnSpPr>
+              <p:cNvPr id="53" name="Connecteur droit avec flèche 74"/>
+              <p:cNvCxnSpPr>
+                <a:stCxn id="37" idx="3"/>
+                <a:endCxn id="21" idx="1"/>
+              </p:cNvCxnSpPr>
+              <p:nvPr/>
+            </p:nvCxnSpPr>
+            <p:spPr>
+              <a:xfrm>
+                <a:off x="2400930" y="1841050"/>
+                <a:ext cx="1448726" cy="1588"/>
+              </a:xfrm>
+              <a:prstGeom prst="bentConnector3">
+                <a:avLst>
+                  <a:gd name="adj1" fmla="val 50000"/>
+                </a:avLst>
+              </a:prstGeom>
+              <a:ln w="22225">
+                <a:tailEnd type="arrow"/>
+              </a:ln>
+            </p:spPr>
+            <p:style>
+              <a:lnRef idx="2">
+                <a:schemeClr val="dk1"/>
+              </a:lnRef>
+              <a:fillRef idx="0">
+                <a:schemeClr val="dk1"/>
+              </a:fillRef>
+              <a:effectRef idx="1">
+                <a:schemeClr val="dk1"/>
+              </a:effectRef>
+              <a:fontRef idx="minor">
+                <a:schemeClr val="tx1"/>
+              </a:fontRef>
+            </p:style>
+          </p:cxnSp>
+        </p:grpSp>
+        <p:grpSp>
+          <p:nvGrpSpPr>
+            <p:cNvPr id="77" name="Groupe 76"/>
+            <p:cNvGrpSpPr/>
+            <p:nvPr/>
+          </p:nvGrpSpPr>
+          <p:grpSpPr>
+            <a:xfrm>
+              <a:off x="4735512" y="980728"/>
+              <a:ext cx="3148856" cy="1523842"/>
+              <a:chOff x="5882433" y="1401102"/>
+              <a:chExt cx="3148856" cy="1523842"/>
+            </a:xfrm>
+          </p:grpSpPr>
+          <p:sp>
+            <p:nvSpPr>
+              <p:cNvPr id="76" name="Rectangle 75"/>
+              <p:cNvSpPr/>
+              <p:nvPr/>
+            </p:nvSpPr>
+            <p:spPr>
+              <a:xfrm>
+                <a:off x="5882433" y="1401102"/>
+                <a:ext cx="3148856" cy="1523842"/>
+              </a:xfrm>
+              <a:prstGeom prst="rect">
+                <a:avLst/>
+              </a:prstGeom>
+              <a:ln w="9525"/>
+            </p:spPr>
+            <p:style>
+              <a:lnRef idx="2">
+                <a:schemeClr val="dk1"/>
+              </a:lnRef>
+              <a:fillRef idx="1">
+                <a:schemeClr val="lt1"/>
+              </a:fillRef>
+              <a:effectRef idx="0">
+                <a:schemeClr val="dk1"/>
+              </a:effectRef>
+              <a:fontRef idx="minor">
+                <a:schemeClr val="dk1"/>
+              </a:fontRef>
+            </p:style>
+            <p:txBody>
+              <a:bodyPr rtlCol="0" anchor="ctr"/>
+              <a:lstStyle/>
+              <a:p>
+                <a:pPr algn="ctr"/>
+                <a:endParaRPr lang="fr-BE"/>
+              </a:p>
+            </p:txBody>
+          </p:sp>
+          <p:sp>
+            <p:nvSpPr>
+              <p:cNvPr id="38" name="Rectangle 37"/>
+              <p:cNvSpPr/>
+              <p:nvPr/>
+            </p:nvSpPr>
+            <p:spPr>
+              <a:xfrm>
+                <a:off x="5959473" y="1498639"/>
+                <a:ext cx="720080" cy="324000"/>
+              </a:xfrm>
+              <a:prstGeom prst="rect">
+                <a:avLst/>
+              </a:prstGeom>
+              <a:ln w="22225"/>
+            </p:spPr>
+            <p:style>
+              <a:lnRef idx="2">
+                <a:schemeClr val="dk1"/>
+              </a:lnRef>
+              <a:fillRef idx="1">
+                <a:schemeClr val="lt1"/>
+              </a:fillRef>
+              <a:effectRef idx="0">
+                <a:schemeClr val="dk1"/>
+              </a:effectRef>
+              <a:fontRef idx="minor">
+                <a:schemeClr val="dk1"/>
+              </a:fontRef>
+            </p:style>
+            <p:txBody>
+              <a:bodyPr lIns="36000" tIns="36000" rIns="36000" bIns="36000" rtlCol="0" anchor="ctr"/>
+              <a:lstStyle/>
+              <a:p>
+                <a:pPr algn="ctr"/>
+                <a:r>
+                  <a:rPr lang="fr-BE" sz="1000" b="1" noProof="1" smtClean="0">
+                    <a:latin typeface="+mj-lt"/>
+                  </a:rPr>
+                  <a:t>Initiator</a:t>
+                </a:r>
+                <a:endParaRPr lang="fr-BE" sz="1000" b="1" noProof="1">
+                  <a:latin typeface="+mj-lt"/>
+                </a:endParaRPr>
+              </a:p>
+            </p:txBody>
+          </p:sp>
+          <p:sp>
+            <p:nvSpPr>
+              <p:cNvPr id="42" name="Rectangle 41"/>
+              <p:cNvSpPr/>
+              <p:nvPr/>
+            </p:nvSpPr>
+            <p:spPr>
+              <a:xfrm>
+                <a:off x="7083291" y="1498639"/>
+                <a:ext cx="864096" cy="324000"/>
+              </a:xfrm>
+              <a:prstGeom prst="rect">
+                <a:avLst/>
+              </a:prstGeom>
+              <a:ln w="22225"/>
+            </p:spPr>
+            <p:style>
+              <a:lnRef idx="2">
+                <a:schemeClr val="dk1"/>
+              </a:lnRef>
+              <a:fillRef idx="1">
+                <a:schemeClr val="lt1"/>
+              </a:fillRef>
+              <a:effectRef idx="0">
+                <a:schemeClr val="dk1"/>
+              </a:effectRef>
+              <a:fontRef idx="minor">
+                <a:schemeClr val="dk1"/>
+              </a:fontRef>
+            </p:style>
+            <p:txBody>
+              <a:bodyPr lIns="36000" tIns="36000" rIns="36000" bIns="36000" rtlCol="0" anchor="ctr" anchorCtr="0"/>
+              <a:lstStyle/>
+              <a:p>
+                <a:pPr algn="ctr"/>
+                <a:r>
+                  <a:rPr lang="fr-BE" sz="1000" b="1" noProof="1" smtClean="0">
+                    <a:latin typeface="+mj-lt"/>
+                  </a:rPr>
+                  <a:t>Scheduler</a:t>
+                </a:r>
+                <a:endParaRPr lang="fr-BE" sz="1000" b="1" noProof="1">
+                  <a:latin typeface="+mj-lt"/>
+                </a:endParaRPr>
+              </a:p>
+            </p:txBody>
+          </p:sp>
+          <p:sp>
+            <p:nvSpPr>
+              <p:cNvPr id="47" name="Rectangle 46"/>
+              <p:cNvSpPr/>
+              <p:nvPr/>
+            </p:nvSpPr>
+            <p:spPr>
+              <a:xfrm>
+                <a:off x="8220179" y="1498639"/>
+                <a:ext cx="720080" cy="324000"/>
+              </a:xfrm>
+              <a:prstGeom prst="rect">
+                <a:avLst/>
+              </a:prstGeom>
+              <a:ln w="22225"/>
+            </p:spPr>
+            <p:style>
+              <a:lnRef idx="2">
+                <a:schemeClr val="dk1"/>
+              </a:lnRef>
+              <a:fillRef idx="1">
+                <a:schemeClr val="lt1"/>
+              </a:fillRef>
+              <a:effectRef idx="0">
+                <a:schemeClr val="dk1"/>
+              </a:effectRef>
+              <a:fontRef idx="minor">
+                <a:schemeClr val="dk1"/>
+              </a:fontRef>
+            </p:style>
+            <p:txBody>
+              <a:bodyPr lIns="36000" tIns="36000" rIns="36000" bIns="36000" rtlCol="0" anchor="ctr"/>
+              <a:lstStyle/>
+              <a:p>
+                <a:pPr algn="ctr"/>
+                <a:r>
+                  <a:rPr lang="fr-BE" sz="1000" b="1" noProof="1" smtClean="0">
+                    <a:latin typeface="+mj-lt"/>
+                  </a:rPr>
+                  <a:t>Participant</a:t>
+                </a:r>
+                <a:endParaRPr lang="fr-BE" sz="1000" b="1" noProof="1" smtClean="0">
+                  <a:latin typeface="+mj-lt"/>
+                </a:endParaRPr>
+              </a:p>
+            </p:txBody>
+          </p:sp>
+          <p:cxnSp>
+            <p:nvCxnSpPr>
+              <p:cNvPr id="49" name="Connecteur droit avec flèche 48"/>
+              <p:cNvCxnSpPr>
+                <a:stCxn id="42" idx="2"/>
+              </p:cNvCxnSpPr>
+              <p:nvPr/>
+            </p:nvCxnSpPr>
+            <p:spPr>
+              <a:xfrm rot="5400000">
+                <a:off x="7010942" y="2326242"/>
+                <a:ext cx="1008000" cy="794"/>
+              </a:xfrm>
+              <a:prstGeom prst="straightConnector1">
+                <a:avLst/>
+              </a:prstGeom>
+              <a:ln w="22225">
+                <a:tailEnd type="triangle"/>
+              </a:ln>
+            </p:spPr>
+            <p:style>
+              <a:lnRef idx="2">
+                <a:schemeClr val="dk1"/>
+              </a:lnRef>
+              <a:fillRef idx="0">
+                <a:schemeClr val="dk1"/>
+              </a:fillRef>
+              <a:effectRef idx="1">
+                <a:schemeClr val="dk1"/>
+              </a:effectRef>
+              <a:fontRef idx="minor">
+                <a:schemeClr val="tx1"/>
+              </a:fontRef>
+            </p:style>
+          </p:cxnSp>
+          <p:cxnSp>
+            <p:nvCxnSpPr>
+              <p:cNvPr id="52" name="Connecteur droit avec flèche 51"/>
+              <p:cNvCxnSpPr>
+                <a:stCxn id="38" idx="2"/>
+              </p:cNvCxnSpPr>
+              <p:nvPr/>
+            </p:nvCxnSpPr>
+            <p:spPr>
+              <a:xfrm rot="5400000">
+                <a:off x="5815116" y="2326242"/>
+                <a:ext cx="1008000" cy="794"/>
+              </a:xfrm>
+              <a:prstGeom prst="straightConnector1">
+                <a:avLst/>
+              </a:prstGeom>
+              <a:ln w="22225">
+                <a:tailEnd type="triangle"/>
+              </a:ln>
+            </p:spPr>
+            <p:style>
+              <a:lnRef idx="2">
+                <a:schemeClr val="dk1"/>
+              </a:lnRef>
+              <a:fillRef idx="0">
+                <a:schemeClr val="dk1"/>
+              </a:fillRef>
+              <a:effectRef idx="1">
+                <a:schemeClr val="dk1"/>
+              </a:effectRef>
+              <a:fontRef idx="minor">
+                <a:schemeClr val="tx1"/>
+              </a:fontRef>
+            </p:style>
+          </p:cxnSp>
+          <p:cxnSp>
+            <p:nvCxnSpPr>
+              <p:cNvPr id="55" name="Connecteur droit avec flèche 54"/>
+              <p:cNvCxnSpPr>
+                <a:stCxn id="47" idx="2"/>
+              </p:cNvCxnSpPr>
+              <p:nvPr/>
+            </p:nvCxnSpPr>
+            <p:spPr>
+              <a:xfrm rot="5400000">
+                <a:off x="8075822" y="2326242"/>
+                <a:ext cx="1008000" cy="794"/>
+              </a:xfrm>
+              <a:prstGeom prst="straightConnector1">
+                <a:avLst/>
+              </a:prstGeom>
+              <a:ln w="22225">
+                <a:tailEnd type="triangle"/>
+              </a:ln>
+            </p:spPr>
+            <p:style>
+              <a:lnRef idx="2">
+                <a:schemeClr val="dk1"/>
+              </a:lnRef>
+              <a:fillRef idx="0">
+                <a:schemeClr val="dk1"/>
+              </a:fillRef>
+              <a:effectRef idx="1">
+                <a:schemeClr val="dk1"/>
+              </a:effectRef>
+              <a:fontRef idx="minor">
+                <a:schemeClr val="tx1"/>
+              </a:fontRef>
+            </p:style>
+          </p:cxnSp>
+          <p:cxnSp>
+            <p:nvCxnSpPr>
+              <p:cNvPr id="57" name="Connecteur droit avec flèche 56"/>
+              <p:cNvCxnSpPr/>
+              <p:nvPr/>
+            </p:nvCxnSpPr>
+            <p:spPr>
+              <a:xfrm>
+                <a:off x="6312091" y="2022166"/>
+                <a:ext cx="1188000" cy="1588"/>
+              </a:xfrm>
+              <a:prstGeom prst="straightConnector1">
+                <a:avLst/>
+              </a:prstGeom>
+              <a:ln w="22225">
+                <a:tailEnd type="triangle"/>
+              </a:ln>
+            </p:spPr>
+            <p:style>
+              <a:lnRef idx="1">
+                <a:schemeClr val="dk1"/>
+              </a:lnRef>
+              <a:fillRef idx="0">
+                <a:schemeClr val="dk1"/>
+              </a:fillRef>
+              <a:effectRef idx="0">
+                <a:schemeClr val="dk1"/>
+              </a:effectRef>
+              <a:fontRef idx="minor">
+                <a:schemeClr val="tx1"/>
+              </a:fontRef>
+            </p:style>
+          </p:cxnSp>
+          <p:sp>
+            <p:nvSpPr>
+              <p:cNvPr id="58" name="ZoneTexte 57"/>
+              <p:cNvSpPr txBox="1"/>
+              <p:nvPr/>
+            </p:nvSpPr>
+            <p:spPr>
+              <a:xfrm>
+                <a:off x="6473550" y="1940430"/>
+                <a:ext cx="876325" cy="153888"/>
+              </a:xfrm>
+              <a:prstGeom prst="rect">
+                <a:avLst/>
+              </a:prstGeom>
+              <a:solidFill>
+                <a:schemeClr val="lt1"/>
+              </a:solidFill>
+              <a:ln w="22225">
+                <a:noFill/>
+              </a:ln>
+            </p:spPr>
+            <p:txBody>
+              <a:bodyPr wrap="none" lIns="18000" tIns="0" rIns="18000" bIns="0" rtlCol="0">
+                <a:spAutoFit/>
+              </a:bodyPr>
+              <a:lstStyle/>
+              <a:p>
+                <a:pPr algn="ctr"/>
+                <a:r>
+                  <a:rPr lang="fr-BE" sz="1000" b="1" noProof="1" smtClean="0">
+                    <a:latin typeface="+mj-lt"/>
+                  </a:rPr>
+                  <a:t>set_date_range</a:t>
+                </a:r>
+                <a:endParaRPr lang="fr-BE" sz="1000" b="1" noProof="1">
+                  <a:latin typeface="+mj-lt"/>
+                </a:endParaRPr>
+              </a:p>
+            </p:txBody>
+          </p:sp>
+          <p:cxnSp>
+            <p:nvCxnSpPr>
+              <p:cNvPr id="64" name="Connecteur droit avec flèche 63"/>
+              <p:cNvCxnSpPr/>
+              <p:nvPr/>
+            </p:nvCxnSpPr>
+            <p:spPr>
+              <a:xfrm>
+                <a:off x="7519718" y="2526759"/>
+                <a:ext cx="1044000" cy="3130"/>
+              </a:xfrm>
+              <a:prstGeom prst="straightConnector1">
+                <a:avLst/>
+              </a:prstGeom>
+              <a:ln w="22225">
+                <a:tailEnd type="triangle"/>
+              </a:ln>
+            </p:spPr>
+            <p:style>
+              <a:lnRef idx="1">
+                <a:schemeClr val="dk1"/>
+              </a:lnRef>
+              <a:fillRef idx="0">
+                <a:schemeClr val="dk1"/>
+              </a:fillRef>
+              <a:effectRef idx="0">
+                <a:schemeClr val="dk1"/>
+              </a:effectRef>
+              <a:fontRef idx="minor">
+                <a:schemeClr val="tx1"/>
+              </a:fontRef>
+            </p:style>
+          </p:cxnSp>
+          <p:cxnSp>
+            <p:nvCxnSpPr>
+              <p:cNvPr id="67" name="Connecteur droit avec flèche 66"/>
+              <p:cNvCxnSpPr/>
+              <p:nvPr/>
+            </p:nvCxnSpPr>
+            <p:spPr>
+              <a:xfrm>
+                <a:off x="6312091" y="2199869"/>
+                <a:ext cx="1188000" cy="1588"/>
+              </a:xfrm>
+              <a:prstGeom prst="straightConnector1">
+                <a:avLst/>
+              </a:prstGeom>
+              <a:ln w="22225">
+                <a:tailEnd type="triangle"/>
+              </a:ln>
+            </p:spPr>
+            <p:style>
+              <a:lnRef idx="1">
+                <a:schemeClr val="dk1"/>
+              </a:lnRef>
+              <a:fillRef idx="0">
+                <a:schemeClr val="dk1"/>
+              </a:fillRef>
+              <a:effectRef idx="0">
+                <a:schemeClr val="dk1"/>
+              </a:effectRef>
+              <a:fontRef idx="minor">
+                <a:schemeClr val="tx1"/>
+              </a:fontRef>
+            </p:style>
+          </p:cxnSp>
+          <p:sp>
+            <p:nvSpPr>
+              <p:cNvPr id="69" name="ZoneTexte 68"/>
+              <p:cNvSpPr txBox="1"/>
+              <p:nvPr/>
+            </p:nvSpPr>
+            <p:spPr>
+              <a:xfrm>
+                <a:off x="6473550" y="2115983"/>
+                <a:ext cx="895562" cy="153888"/>
+              </a:xfrm>
+              <a:prstGeom prst="rect">
+                <a:avLst/>
+              </a:prstGeom>
+              <a:solidFill>
+                <a:schemeClr val="lt1"/>
+              </a:solidFill>
+              <a:ln w="22225">
+                <a:noFill/>
+              </a:ln>
+            </p:spPr>
+            <p:txBody>
+              <a:bodyPr wrap="none" lIns="18000" tIns="0" rIns="18000" bIns="0" rtlCol="0">
+                <a:spAutoFit/>
+              </a:bodyPr>
+              <a:lstStyle/>
+              <a:p>
+                <a:pPr algn="ctr"/>
+                <a:r>
+                  <a:rPr lang="fr-BE" sz="1000" b="1" noProof="1" smtClean="0">
+                    <a:latin typeface="+mj-lt"/>
+                  </a:rPr>
+                  <a:t>set_participants</a:t>
+                </a:r>
+                <a:endParaRPr lang="fr-BE" sz="1000" b="1" noProof="1">
+                  <a:latin typeface="+mj-lt"/>
+                </a:endParaRPr>
+              </a:p>
+            </p:txBody>
+          </p:sp>
+          <p:cxnSp>
+            <p:nvCxnSpPr>
+              <p:cNvPr id="70" name="Connecteur droit avec flèche 69"/>
+              <p:cNvCxnSpPr/>
+              <p:nvPr/>
+            </p:nvCxnSpPr>
+            <p:spPr>
+              <a:xfrm>
+                <a:off x="6312091" y="2358391"/>
+                <a:ext cx="1188000" cy="1588"/>
+              </a:xfrm>
+              <a:prstGeom prst="straightConnector1">
+                <a:avLst/>
+              </a:prstGeom>
+              <a:ln w="22225">
+                <a:tailEnd type="triangle"/>
+              </a:ln>
+            </p:spPr>
+            <p:style>
+              <a:lnRef idx="1">
+                <a:schemeClr val="dk1"/>
+              </a:lnRef>
+              <a:fillRef idx="0">
+                <a:schemeClr val="dk1"/>
+              </a:fillRef>
+              <a:effectRef idx="0">
+                <a:schemeClr val="dk1"/>
+              </a:effectRef>
+              <a:fontRef idx="minor">
+                <a:schemeClr val="tx1"/>
+              </a:fontRef>
+            </p:style>
+          </p:cxnSp>
+          <p:sp>
+            <p:nvSpPr>
+              <p:cNvPr id="71" name="ZoneTexte 70"/>
+              <p:cNvSpPr txBox="1"/>
+              <p:nvPr/>
+            </p:nvSpPr>
+            <p:spPr>
+              <a:xfrm>
+                <a:off x="6697170" y="2280855"/>
+                <a:ext cx="448324" cy="153888"/>
+              </a:xfrm>
+              <a:prstGeom prst="rect">
+                <a:avLst/>
+              </a:prstGeom>
+              <a:solidFill>
+                <a:schemeClr val="lt1"/>
+              </a:solidFill>
+              <a:ln w="22225">
+                <a:noFill/>
+              </a:ln>
+            </p:spPr>
+            <p:txBody>
+              <a:bodyPr wrap="none" lIns="18000" tIns="0" rIns="18000" bIns="0" rtlCol="0">
+                <a:spAutoFit/>
+              </a:bodyPr>
+              <a:lstStyle/>
+              <a:p>
+                <a:pPr algn="ctr"/>
+                <a:r>
+                  <a:rPr lang="fr-BE" sz="1000" b="1" noProof="1" smtClean="0">
+                    <a:latin typeface="+mj-lt"/>
+                  </a:rPr>
+                  <a:t>confirm</a:t>
+                </a:r>
+                <a:endParaRPr lang="fr-BE" sz="1000" b="1" noProof="1">
+                  <a:latin typeface="+mj-lt"/>
+                </a:endParaRPr>
+              </a:p>
+            </p:txBody>
+          </p:sp>
+          <p:cxnSp>
+            <p:nvCxnSpPr>
+              <p:cNvPr id="72" name="Connecteur droit avec flèche 71"/>
+              <p:cNvCxnSpPr/>
+              <p:nvPr/>
+            </p:nvCxnSpPr>
+            <p:spPr>
+              <a:xfrm flipH="1">
+                <a:off x="6326388" y="2646423"/>
+                <a:ext cx="1188000" cy="1588"/>
+              </a:xfrm>
+              <a:prstGeom prst="straightConnector1">
+                <a:avLst/>
+              </a:prstGeom>
+              <a:ln w="22225">
+                <a:tailEnd type="triangle"/>
+              </a:ln>
+            </p:spPr>
+            <p:style>
+              <a:lnRef idx="1">
+                <a:schemeClr val="dk1"/>
+              </a:lnRef>
+              <a:fillRef idx="0">
+                <a:schemeClr val="dk1"/>
+              </a:fillRef>
+              <a:effectRef idx="0">
+                <a:schemeClr val="dk1"/>
+              </a:effectRef>
+              <a:fontRef idx="minor">
+                <a:schemeClr val="tx1"/>
+              </a:fontRef>
+            </p:style>
+          </p:cxnSp>
+          <p:sp>
+            <p:nvSpPr>
+              <p:cNvPr id="73" name="ZoneTexte 72"/>
+              <p:cNvSpPr txBox="1"/>
+              <p:nvPr/>
+            </p:nvSpPr>
+            <p:spPr>
+              <a:xfrm>
+                <a:off x="6481382" y="2568887"/>
+                <a:ext cx="990139" cy="153888"/>
+              </a:xfrm>
+              <a:prstGeom prst="rect">
+                <a:avLst/>
+              </a:prstGeom>
+              <a:solidFill>
+                <a:schemeClr val="lt1"/>
+              </a:solidFill>
+              <a:ln w="22225">
+                <a:noFill/>
+              </a:ln>
+            </p:spPr>
+            <p:txBody>
+              <a:bodyPr wrap="none" lIns="18000" tIns="0" rIns="18000" bIns="0" rtlCol="0">
+                <a:spAutoFit/>
+              </a:bodyPr>
+              <a:lstStyle/>
+              <a:p>
+                <a:pPr algn="ctr"/>
+                <a:r>
+                  <a:rPr lang="fr-BE" sz="1000" b="1" noProof="1" smtClean="0">
+                    <a:latin typeface="+mj-lt"/>
+                  </a:rPr>
+                  <a:t>m</a:t>
+                </a:r>
+                <a:r>
+                  <a:rPr lang="fr-BE" sz="1000" b="1" noProof="1" smtClean="0">
+                    <a:latin typeface="+mj-lt"/>
+                  </a:rPr>
+                  <a:t>eeting_initiated</a:t>
+                </a:r>
+                <a:endParaRPr lang="fr-BE" sz="1000" b="1" noProof="1">
+                  <a:latin typeface="+mj-lt"/>
+                </a:endParaRPr>
+              </a:p>
+            </p:txBody>
+          </p:sp>
+          <p:sp>
+            <p:nvSpPr>
+              <p:cNvPr id="74" name="ZoneTexte 73"/>
+              <p:cNvSpPr txBox="1"/>
+              <p:nvPr/>
+            </p:nvSpPr>
+            <p:spPr>
+              <a:xfrm>
+                <a:off x="7571053" y="2449032"/>
+                <a:ext cx="869913" cy="153888"/>
+              </a:xfrm>
+              <a:prstGeom prst="rect">
+                <a:avLst/>
+              </a:prstGeom>
+              <a:solidFill>
+                <a:schemeClr val="lt1"/>
+              </a:solidFill>
+              <a:ln w="22225">
+                <a:noFill/>
+              </a:ln>
+            </p:spPr>
+            <p:txBody>
+              <a:bodyPr wrap="none" lIns="18000" tIns="0" rIns="18000" bIns="0" rtlCol="0">
+                <a:spAutoFit/>
+              </a:bodyPr>
+              <a:lstStyle/>
+              <a:p>
+                <a:pPr algn="ctr"/>
+                <a:r>
+                  <a:rPr lang="fr-BE" sz="1000" b="1" noProof="1" smtClean="0">
+                    <a:latin typeface="+mj-lt"/>
+                  </a:rPr>
+                  <a:t>send_invitation</a:t>
+                </a:r>
+                <a:endParaRPr lang="fr-BE" sz="1000" b="1" noProof="1">
+                  <a:latin typeface="+mj-lt"/>
+                </a:endParaRPr>
+              </a:p>
+            </p:txBody>
+          </p:sp>
+        </p:grpSp>
+        <p:cxnSp>
+          <p:nvCxnSpPr>
+            <p:cNvPr id="79" name="Connecteur droit 78"/>
+            <p:cNvCxnSpPr/>
+            <p:nvPr/>
+          </p:nvCxnSpPr>
+          <p:spPr>
+            <a:xfrm rot="5400000" flipH="1" flipV="1">
+              <a:off x="4043760" y="1051769"/>
+              <a:ext cx="743297" cy="601216"/>
+            </a:xfrm>
+            <a:prstGeom prst="line">
+              <a:avLst/>
+            </a:prstGeom>
+            <a:ln w="22225">
+              <a:prstDash val="dash"/>
+            </a:ln>
+          </p:spPr>
+          <p:style>
+            <a:lnRef idx="2">
+              <a:schemeClr val="dk1"/>
+            </a:lnRef>
+            <a:fillRef idx="0">
+              <a:schemeClr val="dk1"/>
+            </a:fillRef>
+            <a:effectRef idx="1">
+              <a:schemeClr val="dk1"/>
+            </a:effectRef>
+            <a:fontRef idx="minor">
+              <a:schemeClr val="tx1"/>
+            </a:fontRef>
+          </p:style>
+        </p:cxnSp>
+        <p:cxnSp>
+          <p:nvCxnSpPr>
+            <p:cNvPr id="80" name="Connecteur droit 79"/>
+            <p:cNvCxnSpPr/>
+            <p:nvPr/>
+          </p:nvCxnSpPr>
+          <p:spPr>
+            <a:xfrm>
+              <a:off x="4139952" y="2132856"/>
+              <a:ext cx="576064" cy="360040"/>
+            </a:xfrm>
+            <a:prstGeom prst="line">
+              <a:avLst/>
+            </a:prstGeom>
+            <a:ln w="22225">
+              <a:prstDash val="dash"/>
+            </a:ln>
+          </p:spPr>
+          <p:style>
+            <a:lnRef idx="2">
+              <a:schemeClr val="dk1"/>
+            </a:lnRef>
+            <a:fillRef idx="0">
+              <a:schemeClr val="dk1"/>
+            </a:fillRef>
+            <a:effectRef idx="1">
+              <a:schemeClr val="dk1"/>
+            </a:effectRef>
+            <a:fontRef idx="minor">
+              <a:schemeClr val="tx1"/>
+            </a:fontRef>
+          </p:style>
+        </p:cxnSp>
+      </p:grpSp>
+    </p:spTree>
+  </p:cSld>
+  <p:clrMapOvr>
+    <a:masterClrMapping/>
+  </p:clrMapOvr>
+</p:sld>
+</file>
+
+<file path=ppt/slides/slide9.xml><?xml version="1.0" encoding="utf-8"?>
+<p:sld xmlns:a="http://schemas.openxmlformats.org/drawingml/2006/main" xmlns:r="http://schemas.openxmlformats.org/officeDocument/2006/relationships" xmlns:p="http://schemas.openxmlformats.org/presentationml/2006/main">
+  <p:cSld>
+    <p:spTree>
+      <p:nvGrpSpPr>
+        <p:cNvPr id="1" name=""/>
+        <p:cNvGrpSpPr/>
+        <p:nvPr/>
+      </p:nvGrpSpPr>
+      <p:grpSpPr>
+        <a:xfrm>
+          <a:off x="0" y="0"/>
+          <a:ext cx="0" cy="0"/>
+          <a:chOff x="0" y="0"/>
+          <a:chExt cx="0" cy="0"/>
+        </a:xfrm>
+      </p:grpSpPr>
+      <p:grpSp>
+        <p:nvGrpSpPr>
+          <p:cNvPr id="249" name="Groupe 248"/>
+          <p:cNvGrpSpPr/>
+          <p:nvPr/>
+        </p:nvGrpSpPr>
+        <p:grpSpPr>
+          <a:xfrm>
+            <a:off x="611560" y="836712"/>
+            <a:ext cx="8208912" cy="5184576"/>
+            <a:chOff x="611560" y="836712"/>
+            <a:chExt cx="8208912" cy="5184576"/>
+          </a:xfrm>
+        </p:grpSpPr>
+        <p:sp>
+          <p:nvSpPr>
+            <p:cNvPr id="248" name="Rectangle 247"/>
+            <p:cNvSpPr/>
+            <p:nvPr/>
+          </p:nvSpPr>
+          <p:spPr>
+            <a:xfrm>
+              <a:off x="611560" y="836712"/>
+              <a:ext cx="8208912" cy="5184576"/>
+            </a:xfrm>
+            <a:prstGeom prst="rect">
+              <a:avLst/>
+            </a:prstGeom>
+            <a:ln w="9525"/>
+          </p:spPr>
+          <p:style>
+            <a:lnRef idx="2">
+              <a:schemeClr val="dk1"/>
+            </a:lnRef>
+            <a:fillRef idx="1">
+              <a:schemeClr val="lt1"/>
+            </a:fillRef>
+            <a:effectRef idx="0">
+              <a:schemeClr val="dk1"/>
+            </a:effectRef>
+            <a:fontRef idx="minor">
+              <a:schemeClr val="dk1"/>
+            </a:fontRef>
+          </p:style>
+          <p:txBody>
+            <a:bodyPr rtlCol="0" anchor="ctr"/>
+            <a:lstStyle/>
+            <a:p>
+              <a:pPr algn="ctr"/>
+              <a:endParaRPr lang="fr-BE" sz="2400"/>
+            </a:p>
+          </p:txBody>
+        </p:sp>
+        <p:sp>
+          <p:nvSpPr>
+            <p:cNvPr id="20" name="Rectangle à coins arrondis 19"/>
+            <p:cNvSpPr/>
+            <p:nvPr/>
+          </p:nvSpPr>
+          <p:spPr>
+            <a:xfrm>
+              <a:off x="4171555" y="1075909"/>
+              <a:ext cx="2128638" cy="622434"/>
+            </a:xfrm>
+            <a:prstGeom prst="roundRect">
+              <a:avLst/>
+            </a:prstGeom>
+            <a:ln w="9525">
+              <a:prstDash val="sysDash"/>
+            </a:ln>
+          </p:spPr>
+          <p:style>
+            <a:lnRef idx="2">
+              <a:schemeClr val="dk1"/>
+            </a:lnRef>
+            <a:fillRef idx="1">
+              <a:schemeClr val="lt1"/>
+            </a:fillRef>
+            <a:effectRef idx="0">
+              <a:schemeClr val="dk1"/>
+            </a:effectRef>
+            <a:fontRef idx="minor">
+              <a:schemeClr val="dk1"/>
+            </a:fontRef>
+          </p:style>
+          <p:txBody>
+            <a:bodyPr wrap="none" lIns="36000" tIns="36000" rIns="36000" bIns="36000" rtlCol="0" anchor="t"/>
+            <a:lstStyle/>
+            <a:p>
+              <a:pPr algn="r"/>
+              <a:r>
+                <a:rPr lang="fr-BE" sz="1200" noProof="1" smtClean="0">
+                  <a:latin typeface="+mj-lt"/>
+                </a:rPr>
+                <a:t>Initiate Meeting</a:t>
+              </a:r>
+              <a:endParaRPr lang="fr-BE" sz="1200" noProof="1">
+                <a:latin typeface="+mj-lt"/>
+              </a:endParaRPr>
+            </a:p>
+          </p:txBody>
+        </p:sp>
+        <p:sp>
+          <p:nvSpPr>
+            <p:cNvPr id="30" name="Losange 29"/>
+            <p:cNvSpPr/>
+            <p:nvPr/>
+          </p:nvSpPr>
+          <p:spPr>
+            <a:xfrm>
+              <a:off x="4826518" y="2926249"/>
+              <a:ext cx="818711" cy="561432"/>
+            </a:xfrm>
+            <a:prstGeom prst="diamond">
+              <a:avLst/>
+            </a:prstGeom>
+            <a:ln w="9525">
+              <a:prstDash val="sysDash"/>
+            </a:ln>
+          </p:spPr>
+          <p:style>
+            <a:lnRef idx="2">
+              <a:schemeClr val="dk1"/>
+            </a:lnRef>
+            <a:fillRef idx="1">
+              <a:schemeClr val="lt1"/>
+            </a:fillRef>
+            <a:effectRef idx="0">
+              <a:schemeClr val="dk1"/>
+            </a:effectRef>
+            <a:fontRef idx="minor">
+              <a:schemeClr val="dk1"/>
+            </a:fontRef>
+          </p:style>
+          <p:txBody>
+            <a:bodyPr wrap="none" rtlCol="0" anchor="ctr">
+              <a:noAutofit/>
+            </a:bodyPr>
+            <a:lstStyle/>
+            <a:p>
+              <a:pPr algn="ctr"/>
+              <a:r>
+                <a:rPr lang="fr-BE" sz="1200" noProof="1" smtClean="0">
+                  <a:latin typeface="+mj-lt"/>
+                </a:rPr>
+                <a:t>?</a:t>
+              </a:r>
+              <a:endParaRPr lang="fr-BE" sz="1200" noProof="1">
+                <a:latin typeface="+mj-lt"/>
+              </a:endParaRPr>
+            </a:p>
+          </p:txBody>
+        </p:sp>
+        <p:sp>
+          <p:nvSpPr>
+            <p:cNvPr id="34" name="Rectangle à coins arrondis 33"/>
+            <p:cNvSpPr/>
+            <p:nvPr/>
+          </p:nvSpPr>
+          <p:spPr>
+            <a:xfrm>
+              <a:off x="1651274" y="4005064"/>
+              <a:ext cx="2128638" cy="622434"/>
+            </a:xfrm>
+            <a:prstGeom prst="roundRect">
+              <a:avLst/>
+            </a:prstGeom>
+            <a:ln w="9525">
+              <a:prstDash val="sysDash"/>
+            </a:ln>
+          </p:spPr>
+          <p:style>
+            <a:lnRef idx="2">
+              <a:schemeClr val="dk1"/>
+            </a:lnRef>
+            <a:fillRef idx="1">
+              <a:schemeClr val="lt1"/>
+            </a:fillRef>
+            <a:effectRef idx="0">
+              <a:schemeClr val="dk1"/>
+            </a:effectRef>
+            <a:fontRef idx="minor">
+              <a:schemeClr val="dk1"/>
+            </a:fontRef>
+          </p:style>
+          <p:txBody>
+            <a:bodyPr wrap="none" lIns="36000" tIns="36000" rIns="36000" bIns="36000" rtlCol="0" anchor="t"/>
+            <a:lstStyle/>
+            <a:p>
+              <a:pPr algn="r"/>
+              <a:r>
+                <a:rPr lang="fr-BE" sz="1200" noProof="1" smtClean="0">
+                  <a:latin typeface="+mj-lt"/>
+                </a:rPr>
+                <a:t>Arbitrate</a:t>
+              </a:r>
+              <a:endParaRPr lang="fr-BE" sz="1200" noProof="1">
+                <a:latin typeface="+mj-lt"/>
+              </a:endParaRPr>
+            </a:p>
+          </p:txBody>
+        </p:sp>
+        <p:sp>
+          <p:nvSpPr>
+            <p:cNvPr id="35" name="Rectangle à coins arrondis 34"/>
+            <p:cNvSpPr/>
+            <p:nvPr/>
+          </p:nvSpPr>
+          <p:spPr>
+            <a:xfrm>
+              <a:off x="4067944" y="4005064"/>
+              <a:ext cx="2128638" cy="622434"/>
+            </a:xfrm>
+            <a:prstGeom prst="roundRect">
+              <a:avLst/>
+            </a:prstGeom>
+            <a:ln w="9525">
+              <a:prstDash val="sysDash"/>
+            </a:ln>
+          </p:spPr>
+          <p:style>
+            <a:lnRef idx="2">
+              <a:schemeClr val="dk1"/>
+            </a:lnRef>
+            <a:fillRef idx="1">
+              <a:schemeClr val="lt1"/>
+            </a:fillRef>
+            <a:effectRef idx="0">
+              <a:schemeClr val="dk1"/>
+            </a:effectRef>
+            <a:fontRef idx="minor">
+              <a:schemeClr val="dk1"/>
+            </a:fontRef>
+          </p:style>
+          <p:txBody>
+            <a:bodyPr wrap="none" lIns="36000" tIns="36000" rIns="36000" bIns="36000" rtlCol="0" anchor="t"/>
+            <a:lstStyle/>
+            <a:p>
+              <a:pPr algn="r"/>
+              <a:r>
+                <a:rPr lang="fr-BE" sz="1200" noProof="1" smtClean="0">
+                  <a:latin typeface="+mj-lt"/>
+                </a:rPr>
+                <a:t>Weaken Constraints</a:t>
+              </a:r>
+              <a:endParaRPr lang="fr-BE" sz="1200" noProof="1" smtClean="0">
+                <a:latin typeface="+mj-lt"/>
+              </a:endParaRPr>
+            </a:p>
+          </p:txBody>
+        </p:sp>
+        <p:sp>
+          <p:nvSpPr>
+            <p:cNvPr id="36" name="Rectangle à coins arrondis 35"/>
+            <p:cNvSpPr/>
+            <p:nvPr/>
+          </p:nvSpPr>
+          <p:spPr>
+            <a:xfrm>
+              <a:off x="6512922" y="4005064"/>
+              <a:ext cx="2128638" cy="622434"/>
+            </a:xfrm>
+            <a:prstGeom prst="roundRect">
+              <a:avLst/>
+            </a:prstGeom>
+            <a:ln w="9525">
+              <a:prstDash val="sysDash"/>
+            </a:ln>
+          </p:spPr>
+          <p:style>
+            <a:lnRef idx="2">
+              <a:schemeClr val="dk1"/>
+            </a:lnRef>
+            <a:fillRef idx="1">
+              <a:schemeClr val="lt1"/>
+            </a:fillRef>
+            <a:effectRef idx="0">
+              <a:schemeClr val="dk1"/>
+            </a:effectRef>
+            <a:fontRef idx="minor">
+              <a:schemeClr val="dk1"/>
+            </a:fontRef>
+          </p:style>
+          <p:txBody>
+            <a:bodyPr wrap="none" lIns="36000" tIns="36000" rIns="36000" bIns="36000" rtlCol="0" anchor="t"/>
+            <a:lstStyle/>
+            <a:p>
+              <a:pPr algn="r"/>
+              <a:r>
+                <a:rPr lang="fr-BE" sz="1200" noProof="1" smtClean="0">
+                  <a:latin typeface="+mj-lt"/>
+                </a:rPr>
+                <a:t>Schedule Meeting</a:t>
+              </a:r>
+              <a:endParaRPr lang="fr-BE" sz="1200" noProof="1" smtClean="0">
+                <a:latin typeface="+mj-lt"/>
+              </a:endParaRPr>
+            </a:p>
+          </p:txBody>
+        </p:sp>
+        <p:sp>
+          <p:nvSpPr>
+            <p:cNvPr id="37" name="Rectangle à coins arrondis 36"/>
+            <p:cNvSpPr/>
+            <p:nvPr/>
+          </p:nvSpPr>
+          <p:spPr>
+            <a:xfrm>
+              <a:off x="787178" y="2086486"/>
+              <a:ext cx="2128638" cy="622434"/>
+            </a:xfrm>
+            <a:prstGeom prst="roundRect">
+              <a:avLst/>
+            </a:prstGeom>
+            <a:ln w="9525">
+              <a:prstDash val="sysDash"/>
+            </a:ln>
+          </p:spPr>
+          <p:style>
+            <a:lnRef idx="2">
+              <a:schemeClr val="dk1"/>
+            </a:lnRef>
+            <a:fillRef idx="1">
+              <a:schemeClr val="lt1"/>
+            </a:fillRef>
+            <a:effectRef idx="0">
+              <a:schemeClr val="dk1"/>
+            </a:effectRef>
+            <a:fontRef idx="minor">
+              <a:schemeClr val="dk1"/>
+            </a:fontRef>
+          </p:style>
+          <p:txBody>
+            <a:bodyPr wrap="none" lIns="36000" tIns="36000" rIns="36000" bIns="36000" rtlCol="0" anchor="t"/>
+            <a:lstStyle/>
+            <a:p>
+              <a:pPr algn="r"/>
+              <a:r>
+                <a:rPr lang="fr-BE" sz="1200" noProof="1" smtClean="0">
+                  <a:latin typeface="+mj-lt"/>
+                </a:rPr>
+                <a:t>Extend Date Range</a:t>
+              </a:r>
+              <a:endParaRPr lang="fr-BE" sz="1200" noProof="1" smtClean="0">
+                <a:latin typeface="+mj-lt"/>
+              </a:endParaRPr>
+            </a:p>
+          </p:txBody>
+        </p:sp>
+        <p:sp>
+          <p:nvSpPr>
+            <p:cNvPr id="39" name="Losange 38"/>
+            <p:cNvSpPr/>
+            <p:nvPr/>
+          </p:nvSpPr>
+          <p:spPr>
+            <a:xfrm>
+              <a:off x="2306238" y="5352501"/>
+              <a:ext cx="818711" cy="561432"/>
+            </a:xfrm>
+            <a:prstGeom prst="diamond">
+              <a:avLst/>
+            </a:prstGeom>
+            <a:ln w="9525">
+              <a:prstDash val="sysDash"/>
+            </a:ln>
+          </p:spPr>
+          <p:style>
+            <a:lnRef idx="2">
+              <a:schemeClr val="dk1"/>
+            </a:lnRef>
+            <a:fillRef idx="1">
+              <a:schemeClr val="lt1"/>
+            </a:fillRef>
+            <a:effectRef idx="0">
+              <a:schemeClr val="dk1"/>
+            </a:effectRef>
+            <a:fontRef idx="minor">
+              <a:schemeClr val="dk1"/>
+            </a:fontRef>
+          </p:style>
+          <p:txBody>
+            <a:bodyPr wrap="none" rtlCol="0" anchor="ctr">
+              <a:noAutofit/>
+            </a:bodyPr>
+            <a:lstStyle/>
+            <a:p>
+              <a:pPr algn="ctr"/>
+              <a:r>
+                <a:rPr lang="fr-BE" sz="1200" noProof="1" smtClean="0">
+                  <a:latin typeface="+mj-lt"/>
+                </a:rPr>
+                <a:t>?</a:t>
+              </a:r>
+              <a:endParaRPr lang="fr-BE" sz="1200" noProof="1">
+                <a:latin typeface="+mj-lt"/>
+              </a:endParaRPr>
+            </a:p>
+          </p:txBody>
+        </p:sp>
+        <p:sp>
+          <p:nvSpPr>
+            <p:cNvPr id="50" name="Ellipse 49"/>
+            <p:cNvSpPr/>
+            <p:nvPr/>
+          </p:nvSpPr>
+          <p:spPr>
+            <a:xfrm>
+              <a:off x="1059602" y="3099537"/>
+              <a:ext cx="0" cy="0"/>
+            </a:xfrm>
+            <a:prstGeom prst="ellipse">
+              <a:avLst/>
+            </a:prstGeom>
+          </p:spPr>
+          <p:style>
+            <a:lnRef idx="2">
+              <a:schemeClr val="dk1">
+                <a:shade val="50000"/>
+              </a:schemeClr>
+            </a:lnRef>
+            <a:fillRef idx="1">
+              <a:schemeClr val="dk1"/>
+            </a:fillRef>
+            <a:effectRef idx="0">
+              <a:schemeClr val="dk1"/>
+            </a:effectRef>
+            <a:fontRef idx="minor">
+              <a:schemeClr val="lt1"/>
+            </a:fontRef>
+          </p:style>
+          <p:txBody>
+            <a:bodyPr rtlCol="0" anchor="ctr"/>
+            <a:lstStyle/>
+            <a:p>
+              <a:pPr algn="ctr"/>
+              <a:endParaRPr lang="fr-BE"/>
+            </a:p>
+          </p:txBody>
+        </p:sp>
+        <p:grpSp>
+          <p:nvGrpSpPr>
+            <p:cNvPr id="89" name="Groupe 88"/>
+            <p:cNvGrpSpPr/>
+            <p:nvPr/>
+          </p:nvGrpSpPr>
+          <p:grpSpPr>
+            <a:xfrm>
+              <a:off x="4240535" y="1399801"/>
+              <a:ext cx="1993364" cy="223354"/>
+              <a:chOff x="899592" y="897580"/>
+              <a:chExt cx="1993364" cy="223354"/>
+            </a:xfrm>
+          </p:grpSpPr>
+          <p:sp>
+            <p:nvSpPr>
+              <p:cNvPr id="56" name="Ellipse 55"/>
+              <p:cNvSpPr/>
+              <p:nvPr/>
+            </p:nvSpPr>
+            <p:spPr>
+              <a:xfrm>
+                <a:off x="899592" y="904910"/>
+                <a:ext cx="216024" cy="216024"/>
+              </a:xfrm>
+              <a:prstGeom prst="ellipse">
+                <a:avLst/>
+              </a:prstGeom>
+              <a:ln w="15875"/>
+            </p:spPr>
+            <p:style>
+              <a:lnRef idx="2">
+                <a:schemeClr val="dk1"/>
+              </a:lnRef>
+              <a:fillRef idx="1">
+                <a:schemeClr val="lt1"/>
+              </a:fillRef>
+              <a:effectRef idx="0">
+                <a:schemeClr val="dk1"/>
+              </a:effectRef>
+              <a:fontRef idx="minor">
+                <a:schemeClr val="dk1"/>
+              </a:fontRef>
+            </p:style>
+            <p:txBody>
+              <a:bodyPr rtlCol="0" anchor="ctr"/>
+              <a:lstStyle/>
+              <a:p>
+                <a:pPr algn="ctr"/>
+                <a:endParaRPr lang="fr-BE"/>
+              </a:p>
+            </p:txBody>
+          </p:sp>
+          <p:sp>
+            <p:nvSpPr>
+              <p:cNvPr id="59" name="Ellipse 58"/>
+              <p:cNvSpPr/>
+              <p:nvPr/>
+            </p:nvSpPr>
+            <p:spPr>
+              <a:xfrm>
+                <a:off x="1490896" y="904910"/>
+                <a:ext cx="216024" cy="216024"/>
+              </a:xfrm>
+              <a:prstGeom prst="ellipse">
+                <a:avLst/>
+              </a:prstGeom>
+              <a:ln w="15875"/>
+            </p:spPr>
+            <p:style>
+              <a:lnRef idx="2">
+                <a:schemeClr val="dk1"/>
+              </a:lnRef>
+              <a:fillRef idx="1">
+                <a:schemeClr val="lt1"/>
+              </a:fillRef>
+              <a:effectRef idx="0">
+                <a:schemeClr val="dk1"/>
+              </a:effectRef>
+              <a:fontRef idx="minor">
+                <a:schemeClr val="dk1"/>
+              </a:fontRef>
+            </p:style>
+            <p:txBody>
+              <a:bodyPr rtlCol="0" anchor="ctr"/>
+              <a:lstStyle/>
+              <a:p>
+                <a:pPr algn="ctr"/>
+                <a:endParaRPr lang="fr-BE"/>
+              </a:p>
+            </p:txBody>
+          </p:sp>
+          <p:sp>
+            <p:nvSpPr>
+              <p:cNvPr id="61" name="Ellipse 60"/>
+              <p:cNvSpPr/>
+              <p:nvPr/>
+            </p:nvSpPr>
+            <p:spPr>
+              <a:xfrm>
+                <a:off x="2107346" y="904910"/>
+                <a:ext cx="216024" cy="216024"/>
+              </a:xfrm>
+              <a:prstGeom prst="ellipse">
+                <a:avLst/>
+              </a:prstGeom>
+              <a:ln w="15875"/>
+            </p:spPr>
+            <p:style>
+              <a:lnRef idx="2">
+                <a:schemeClr val="dk1"/>
+              </a:lnRef>
+              <a:fillRef idx="1">
+                <a:schemeClr val="lt1"/>
+              </a:fillRef>
+              <a:effectRef idx="0">
+                <a:schemeClr val="dk1"/>
+              </a:effectRef>
+              <a:fontRef idx="minor">
+                <a:schemeClr val="dk1"/>
+              </a:fontRef>
+            </p:style>
+            <p:txBody>
+              <a:bodyPr rtlCol="0" anchor="ctr"/>
+              <a:lstStyle/>
+              <a:p>
+                <a:pPr algn="ctr"/>
+                <a:endParaRPr lang="fr-BE"/>
+              </a:p>
+            </p:txBody>
+          </p:sp>
+          <p:sp>
+            <p:nvSpPr>
+              <p:cNvPr id="62" name="Ellipse 61"/>
+              <p:cNvSpPr/>
+              <p:nvPr/>
+            </p:nvSpPr>
+            <p:spPr>
+              <a:xfrm>
+                <a:off x="2676932" y="904910"/>
+                <a:ext cx="216024" cy="216024"/>
+              </a:xfrm>
+              <a:prstGeom prst="ellipse">
+                <a:avLst/>
+              </a:prstGeom>
+              <a:ln w="15875"/>
+            </p:spPr>
+            <p:style>
+              <a:lnRef idx="2">
+                <a:schemeClr val="dk1"/>
+              </a:lnRef>
+              <a:fillRef idx="1">
+                <a:schemeClr val="lt1"/>
+              </a:fillRef>
+              <a:effectRef idx="0">
+                <a:schemeClr val="dk1"/>
+              </a:effectRef>
+              <a:fontRef idx="minor">
+                <a:schemeClr val="dk1"/>
+              </a:fontRef>
+            </p:style>
+            <p:txBody>
+              <a:bodyPr rtlCol="0" anchor="ctr"/>
+              <a:lstStyle/>
+              <a:p>
+                <a:pPr algn="ctr"/>
+                <a:endParaRPr lang="fr-BE"/>
+              </a:p>
+            </p:txBody>
+          </p:sp>
+          <p:cxnSp>
+            <p:nvCxnSpPr>
+              <p:cNvPr id="66" name="Connecteur droit avec flèche 65"/>
+              <p:cNvCxnSpPr>
+                <a:stCxn id="56" idx="6"/>
+                <a:endCxn id="59" idx="2"/>
+              </p:cNvCxnSpPr>
+              <p:nvPr/>
+            </p:nvCxnSpPr>
+            <p:spPr>
+              <a:xfrm>
+                <a:off x="1115616" y="1012922"/>
+                <a:ext cx="375280" cy="1588"/>
+              </a:xfrm>
+              <a:prstGeom prst="straightConnector1">
+                <a:avLst/>
+              </a:prstGeom>
+              <a:ln w="12700">
+                <a:solidFill>
+                  <a:schemeClr val="tx1"/>
+                </a:solidFill>
+                <a:tailEnd type="triangle" w="med" len="sm"/>
+              </a:ln>
+            </p:spPr>
+            <p:style>
+              <a:lnRef idx="1">
+                <a:schemeClr val="accent1"/>
+              </a:lnRef>
+              <a:fillRef idx="0">
+                <a:schemeClr val="accent1"/>
+              </a:fillRef>
+              <a:effectRef idx="0">
+                <a:schemeClr val="accent1"/>
+              </a:effectRef>
+              <a:fontRef idx="minor">
+                <a:schemeClr val="tx1"/>
+              </a:fontRef>
+            </p:style>
+          </p:cxnSp>
+          <p:cxnSp>
+            <p:nvCxnSpPr>
+              <p:cNvPr id="75" name="Connecteur droit avec flèche 74"/>
+              <p:cNvCxnSpPr>
+                <a:stCxn id="59" idx="6"/>
+                <a:endCxn id="61" idx="2"/>
+              </p:cNvCxnSpPr>
+              <p:nvPr/>
+            </p:nvCxnSpPr>
+            <p:spPr>
+              <a:xfrm>
+                <a:off x="1706920" y="1012922"/>
+                <a:ext cx="400426" cy="1588"/>
+              </a:xfrm>
+              <a:prstGeom prst="straightConnector1">
+                <a:avLst/>
+              </a:prstGeom>
+              <a:ln w="12700">
+                <a:solidFill>
+                  <a:schemeClr val="tx1"/>
+                </a:solidFill>
+                <a:tailEnd type="triangle" w="med" len="sm"/>
+              </a:ln>
+            </p:spPr>
+            <p:style>
+              <a:lnRef idx="1">
+                <a:schemeClr val="accent1"/>
+              </a:lnRef>
+              <a:fillRef idx="0">
+                <a:schemeClr val="accent1"/>
+              </a:fillRef>
+              <a:effectRef idx="0">
+                <a:schemeClr val="accent1"/>
+              </a:effectRef>
+              <a:fontRef idx="minor">
+                <a:schemeClr val="tx1"/>
+              </a:fontRef>
+            </p:style>
+          </p:cxnSp>
+          <p:cxnSp>
+            <p:nvCxnSpPr>
+              <p:cNvPr id="81" name="Connecteur droit avec flèche 80"/>
+              <p:cNvCxnSpPr>
+                <a:stCxn id="61" idx="6"/>
+                <a:endCxn id="62" idx="2"/>
+              </p:cNvCxnSpPr>
+              <p:nvPr/>
+            </p:nvCxnSpPr>
+            <p:spPr>
+              <a:xfrm>
+                <a:off x="2323370" y="1012922"/>
+                <a:ext cx="353562" cy="1588"/>
+              </a:xfrm>
+              <a:prstGeom prst="straightConnector1">
+                <a:avLst/>
+              </a:prstGeom>
+              <a:ln w="12700">
+                <a:solidFill>
+                  <a:schemeClr val="tx1"/>
+                </a:solidFill>
+                <a:tailEnd type="triangle" w="med" len="sm"/>
+              </a:ln>
+            </p:spPr>
+            <p:style>
+              <a:lnRef idx="1">
+                <a:schemeClr val="accent1"/>
+              </a:lnRef>
+              <a:fillRef idx="0">
+                <a:schemeClr val="accent1"/>
+              </a:fillRef>
+              <a:effectRef idx="0">
+                <a:schemeClr val="accent1"/>
+              </a:effectRef>
+              <a:fontRef idx="minor">
+                <a:schemeClr val="tx1"/>
+              </a:fontRef>
+            </p:style>
+          </p:cxnSp>
+          <p:sp>
+            <p:nvSpPr>
+              <p:cNvPr id="85" name="ZoneTexte 84"/>
+              <p:cNvSpPr txBox="1"/>
+              <p:nvPr/>
+            </p:nvSpPr>
+            <p:spPr>
+              <a:xfrm>
+                <a:off x="1745020" y="897580"/>
+                <a:ext cx="271993" cy="215444"/>
+              </a:xfrm>
+              <a:prstGeom prst="rect">
+                <a:avLst/>
+              </a:prstGeom>
+              <a:solidFill>
+                <a:schemeClr val="bg1"/>
+              </a:solidFill>
+            </p:spPr>
+            <p:txBody>
+              <a:bodyPr wrap="none" lIns="18000" tIns="0" rIns="18000" bIns="0" rtlCol="0">
+                <a:spAutoFit/>
+              </a:bodyPr>
+              <a:lstStyle/>
+              <a:p>
+                <a:r>
+                  <a:rPr lang="fr-BE" sz="1400" dirty="0" smtClean="0"/>
+                  <a:t>{…}</a:t>
+                </a:r>
+                <a:endParaRPr lang="fr-BE" sz="1400" dirty="0"/>
+              </a:p>
+            </p:txBody>
+          </p:sp>
+          <p:sp>
+            <p:nvSpPr>
+              <p:cNvPr id="86" name="ZoneTexte 85"/>
+              <p:cNvSpPr txBox="1"/>
+              <p:nvPr/>
+            </p:nvSpPr>
+            <p:spPr>
+              <a:xfrm>
+                <a:off x="1149861" y="916340"/>
+                <a:ext cx="253787" cy="184666"/>
+              </a:xfrm>
+              <a:prstGeom prst="rect">
+                <a:avLst/>
+              </a:prstGeom>
+              <a:solidFill>
+                <a:schemeClr val="bg1"/>
+              </a:solidFill>
+            </p:spPr>
+            <p:txBody>
+              <a:bodyPr wrap="none" lIns="0" tIns="0" rIns="0" bIns="0" rtlCol="0">
+                <a:spAutoFit/>
+              </a:bodyPr>
+              <a:lstStyle/>
+              <a:p>
+                <a:r>
+                  <a:rPr lang="fr-BE" sz="1200" dirty="0" err="1" smtClean="0"/>
+                  <a:t>T</a:t>
+                </a:r>
+                <a:r>
+                  <a:rPr lang="fr-BE" sz="1200" baseline="-25000" dirty="0" err="1" smtClean="0"/>
+                  <a:t>start</a:t>
+                </a:r>
+                <a:endParaRPr lang="fr-BE" sz="1200" baseline="-25000" dirty="0"/>
+              </a:p>
+            </p:txBody>
+          </p:sp>
+          <p:sp>
+            <p:nvSpPr>
+              <p:cNvPr id="88" name="ZoneTexte 87"/>
+              <p:cNvSpPr txBox="1"/>
+              <p:nvPr/>
+            </p:nvSpPr>
+            <p:spPr>
+              <a:xfrm>
+                <a:off x="2362612" y="916340"/>
+                <a:ext cx="221984" cy="184666"/>
+              </a:xfrm>
+              <a:prstGeom prst="rect">
+                <a:avLst/>
+              </a:prstGeom>
+              <a:solidFill>
+                <a:schemeClr val="bg1"/>
+              </a:solidFill>
+            </p:spPr>
+            <p:txBody>
+              <a:bodyPr wrap="none" lIns="0" tIns="0" rIns="0" bIns="0" rtlCol="0">
+                <a:spAutoFit/>
+              </a:bodyPr>
+              <a:lstStyle/>
+              <a:p>
+                <a:r>
+                  <a:rPr lang="fr-BE" sz="1200" dirty="0" smtClean="0"/>
+                  <a:t>T</a:t>
+                </a:r>
+                <a:r>
+                  <a:rPr lang="fr-BE" sz="1200" baseline="-25000" dirty="0" smtClean="0"/>
+                  <a:t>end</a:t>
+                </a:r>
+                <a:endParaRPr lang="fr-BE" sz="1200" baseline="-25000" dirty="0"/>
+              </a:p>
+            </p:txBody>
+          </p:sp>
+        </p:grpSp>
+        <p:grpSp>
+          <p:nvGrpSpPr>
+            <p:cNvPr id="129" name="Groupe 128"/>
+            <p:cNvGrpSpPr/>
+            <p:nvPr/>
+          </p:nvGrpSpPr>
+          <p:grpSpPr>
+            <a:xfrm>
+              <a:off x="856657" y="2422200"/>
+              <a:ext cx="1993364" cy="223354"/>
+              <a:chOff x="899592" y="897580"/>
+              <a:chExt cx="1993364" cy="223354"/>
+            </a:xfrm>
+          </p:grpSpPr>
+          <p:sp>
+            <p:nvSpPr>
+              <p:cNvPr id="130" name="Ellipse 129"/>
+              <p:cNvSpPr/>
+              <p:nvPr/>
+            </p:nvSpPr>
+            <p:spPr>
+              <a:xfrm>
+                <a:off x="899592" y="904910"/>
+                <a:ext cx="216024" cy="216024"/>
+              </a:xfrm>
+              <a:prstGeom prst="ellipse">
+                <a:avLst/>
+              </a:prstGeom>
+              <a:ln w="15875"/>
+            </p:spPr>
+            <p:style>
+              <a:lnRef idx="2">
+                <a:schemeClr val="dk1"/>
+              </a:lnRef>
+              <a:fillRef idx="1">
+                <a:schemeClr val="lt1"/>
+              </a:fillRef>
+              <a:effectRef idx="0">
+                <a:schemeClr val="dk1"/>
+              </a:effectRef>
+              <a:fontRef idx="minor">
+                <a:schemeClr val="dk1"/>
+              </a:fontRef>
+            </p:style>
+            <p:txBody>
+              <a:bodyPr rtlCol="0" anchor="ctr"/>
+              <a:lstStyle/>
+              <a:p>
+                <a:pPr algn="ctr"/>
+                <a:endParaRPr lang="fr-BE"/>
+              </a:p>
+            </p:txBody>
+          </p:sp>
+          <p:sp>
+            <p:nvSpPr>
+              <p:cNvPr id="131" name="Ellipse 130"/>
+              <p:cNvSpPr/>
+              <p:nvPr/>
+            </p:nvSpPr>
+            <p:spPr>
+              <a:xfrm>
+                <a:off x="1490896" y="904910"/>
+                <a:ext cx="216024" cy="216024"/>
+              </a:xfrm>
+              <a:prstGeom prst="ellipse">
+                <a:avLst/>
+              </a:prstGeom>
+              <a:ln w="15875"/>
+            </p:spPr>
+            <p:style>
+              <a:lnRef idx="2">
+                <a:schemeClr val="dk1"/>
+              </a:lnRef>
+              <a:fillRef idx="1">
+                <a:schemeClr val="lt1"/>
+              </a:fillRef>
+              <a:effectRef idx="0">
+                <a:schemeClr val="dk1"/>
+              </a:effectRef>
+              <a:fontRef idx="minor">
+                <a:schemeClr val="dk1"/>
+              </a:fontRef>
+            </p:style>
+            <p:txBody>
+              <a:bodyPr rtlCol="0" anchor="ctr"/>
+              <a:lstStyle/>
+              <a:p>
+                <a:pPr algn="ctr"/>
+                <a:endParaRPr lang="fr-BE"/>
+              </a:p>
+            </p:txBody>
+          </p:sp>
+          <p:sp>
+            <p:nvSpPr>
+              <p:cNvPr id="132" name="Ellipse 131"/>
+              <p:cNvSpPr/>
+              <p:nvPr/>
+            </p:nvSpPr>
+            <p:spPr>
+              <a:xfrm>
+                <a:off x="2107346" y="904910"/>
+                <a:ext cx="216024" cy="216024"/>
+              </a:xfrm>
+              <a:prstGeom prst="ellipse">
+                <a:avLst/>
+              </a:prstGeom>
+              <a:ln w="15875"/>
+            </p:spPr>
+            <p:style>
+              <a:lnRef idx="2">
+                <a:schemeClr val="dk1"/>
+              </a:lnRef>
+              <a:fillRef idx="1">
+                <a:schemeClr val="lt1"/>
+              </a:fillRef>
+              <a:effectRef idx="0">
+                <a:schemeClr val="dk1"/>
+              </a:effectRef>
+              <a:fontRef idx="minor">
+                <a:schemeClr val="dk1"/>
+              </a:fontRef>
+            </p:style>
+            <p:txBody>
+              <a:bodyPr rtlCol="0" anchor="ctr"/>
+              <a:lstStyle/>
+              <a:p>
+                <a:pPr algn="ctr"/>
+                <a:endParaRPr lang="fr-BE"/>
+              </a:p>
+            </p:txBody>
+          </p:sp>
+          <p:sp>
+            <p:nvSpPr>
+              <p:cNvPr id="133" name="Ellipse 132"/>
+              <p:cNvSpPr/>
+              <p:nvPr/>
+            </p:nvSpPr>
+            <p:spPr>
+              <a:xfrm>
+                <a:off x="2676932" y="904910"/>
+                <a:ext cx="216024" cy="216024"/>
+              </a:xfrm>
+              <a:prstGeom prst="ellipse">
+                <a:avLst/>
+              </a:prstGeom>
+              <a:ln w="15875"/>
+            </p:spPr>
+            <p:style>
+              <a:lnRef idx="2">
+                <a:schemeClr val="dk1"/>
+              </a:lnRef>
+              <a:fillRef idx="1">
+                <a:schemeClr val="lt1"/>
+              </a:fillRef>
+              <a:effectRef idx="0">
+                <a:schemeClr val="dk1"/>
+              </a:effectRef>
+              <a:fontRef idx="minor">
+                <a:schemeClr val="dk1"/>
+              </a:fontRef>
+            </p:style>
+            <p:txBody>
+              <a:bodyPr rtlCol="0" anchor="ctr"/>
+              <a:lstStyle/>
+              <a:p>
+                <a:pPr algn="ctr"/>
+                <a:endParaRPr lang="fr-BE"/>
+              </a:p>
+            </p:txBody>
+          </p:sp>
+          <p:cxnSp>
+            <p:nvCxnSpPr>
+              <p:cNvPr id="134" name="Connecteur droit avec flèche 133"/>
+              <p:cNvCxnSpPr>
+                <a:stCxn id="130" idx="6"/>
+                <a:endCxn id="131" idx="2"/>
+              </p:cNvCxnSpPr>
+              <p:nvPr/>
+            </p:nvCxnSpPr>
+            <p:spPr>
+              <a:xfrm>
+                <a:off x="1115616" y="1012922"/>
+                <a:ext cx="375280" cy="1588"/>
+              </a:xfrm>
+              <a:prstGeom prst="straightConnector1">
+                <a:avLst/>
+              </a:prstGeom>
+              <a:ln w="12700">
+                <a:solidFill>
+                  <a:schemeClr val="tx1"/>
+                </a:solidFill>
+                <a:tailEnd type="triangle" w="med" len="sm"/>
+              </a:ln>
+            </p:spPr>
+            <p:style>
+              <a:lnRef idx="1">
+                <a:schemeClr val="accent1"/>
+              </a:lnRef>
+              <a:fillRef idx="0">
+                <a:schemeClr val="accent1"/>
+              </a:fillRef>
+              <a:effectRef idx="0">
+                <a:schemeClr val="accent1"/>
+              </a:effectRef>
+              <a:fontRef idx="minor">
+                <a:schemeClr val="tx1"/>
+              </a:fontRef>
+            </p:style>
+          </p:cxnSp>
+          <p:cxnSp>
+            <p:nvCxnSpPr>
+              <p:cNvPr id="135" name="Connecteur droit avec flèche 134"/>
+              <p:cNvCxnSpPr>
+                <a:stCxn id="131" idx="6"/>
+                <a:endCxn id="132" idx="2"/>
+              </p:cNvCxnSpPr>
+              <p:nvPr/>
+            </p:nvCxnSpPr>
+            <p:spPr>
+              <a:xfrm>
+                <a:off x="1706920" y="1012922"/>
+                <a:ext cx="400426" cy="1588"/>
+              </a:xfrm>
+              <a:prstGeom prst="straightConnector1">
+                <a:avLst/>
+              </a:prstGeom>
+              <a:ln w="12700">
+                <a:solidFill>
+                  <a:schemeClr val="tx1"/>
+                </a:solidFill>
+                <a:tailEnd type="triangle" w="med" len="sm"/>
+              </a:ln>
+            </p:spPr>
+            <p:style>
+              <a:lnRef idx="1">
+                <a:schemeClr val="accent1"/>
+              </a:lnRef>
+              <a:fillRef idx="0">
+                <a:schemeClr val="accent1"/>
+              </a:fillRef>
+              <a:effectRef idx="0">
+                <a:schemeClr val="accent1"/>
+              </a:effectRef>
+              <a:fontRef idx="minor">
+                <a:schemeClr val="tx1"/>
+              </a:fontRef>
+            </p:style>
+          </p:cxnSp>
+          <p:cxnSp>
+            <p:nvCxnSpPr>
+              <p:cNvPr id="136" name="Connecteur droit avec flèche 135"/>
+              <p:cNvCxnSpPr>
+                <a:stCxn id="132" idx="6"/>
+                <a:endCxn id="133" idx="2"/>
+              </p:cNvCxnSpPr>
+              <p:nvPr/>
+            </p:nvCxnSpPr>
+            <p:spPr>
+              <a:xfrm>
+                <a:off x="2323370" y="1012922"/>
+                <a:ext cx="353562" cy="1588"/>
+              </a:xfrm>
+              <a:prstGeom prst="straightConnector1">
+                <a:avLst/>
+              </a:prstGeom>
+              <a:ln w="12700">
+                <a:solidFill>
+                  <a:schemeClr val="tx1"/>
+                </a:solidFill>
+                <a:tailEnd type="triangle" w="med" len="sm"/>
+              </a:ln>
+            </p:spPr>
+            <p:style>
+              <a:lnRef idx="1">
+                <a:schemeClr val="accent1"/>
+              </a:lnRef>
+              <a:fillRef idx="0">
+                <a:schemeClr val="accent1"/>
+              </a:fillRef>
+              <a:effectRef idx="0">
+                <a:schemeClr val="accent1"/>
+              </a:effectRef>
+              <a:fontRef idx="minor">
+                <a:schemeClr val="tx1"/>
+              </a:fontRef>
+            </p:style>
+          </p:cxnSp>
+          <p:sp>
+            <p:nvSpPr>
+              <p:cNvPr id="137" name="ZoneTexte 136"/>
+              <p:cNvSpPr txBox="1"/>
+              <p:nvPr/>
+            </p:nvSpPr>
+            <p:spPr>
+              <a:xfrm>
+                <a:off x="1745020" y="897580"/>
+                <a:ext cx="271993" cy="215444"/>
+              </a:xfrm>
+              <a:prstGeom prst="rect">
+                <a:avLst/>
+              </a:prstGeom>
+              <a:solidFill>
+                <a:schemeClr val="bg1"/>
+              </a:solidFill>
+            </p:spPr>
+            <p:txBody>
+              <a:bodyPr wrap="none" lIns="18000" tIns="0" rIns="18000" bIns="0" rtlCol="0">
+                <a:spAutoFit/>
+              </a:bodyPr>
+              <a:lstStyle/>
+              <a:p>
+                <a:r>
+                  <a:rPr lang="fr-BE" sz="1400" dirty="0" smtClean="0"/>
+                  <a:t>{…}</a:t>
+                </a:r>
+                <a:endParaRPr lang="fr-BE" sz="1400" dirty="0"/>
+              </a:p>
+            </p:txBody>
+          </p:sp>
+          <p:sp>
+            <p:nvSpPr>
+              <p:cNvPr id="138" name="ZoneTexte 137"/>
+              <p:cNvSpPr txBox="1"/>
+              <p:nvPr/>
+            </p:nvSpPr>
+            <p:spPr>
+              <a:xfrm>
+                <a:off x="1149861" y="916340"/>
+                <a:ext cx="253787" cy="184666"/>
+              </a:xfrm>
+              <a:prstGeom prst="rect">
+                <a:avLst/>
+              </a:prstGeom>
+              <a:solidFill>
+                <a:schemeClr val="bg1"/>
+              </a:solidFill>
+            </p:spPr>
+            <p:txBody>
+              <a:bodyPr wrap="none" lIns="0" tIns="0" rIns="0" bIns="0" rtlCol="0">
+                <a:spAutoFit/>
+              </a:bodyPr>
+              <a:lstStyle/>
+              <a:p>
+                <a:r>
+                  <a:rPr lang="fr-BE" sz="1200" dirty="0" err="1" smtClean="0"/>
+                  <a:t>T</a:t>
+                </a:r>
+                <a:r>
+                  <a:rPr lang="fr-BE" sz="1200" baseline="-25000" dirty="0" err="1" smtClean="0"/>
+                  <a:t>start</a:t>
+                </a:r>
+                <a:endParaRPr lang="fr-BE" sz="1200" baseline="-25000" dirty="0"/>
+              </a:p>
+            </p:txBody>
+          </p:sp>
+          <p:sp>
+            <p:nvSpPr>
+              <p:cNvPr id="139" name="ZoneTexte 138"/>
+              <p:cNvSpPr txBox="1"/>
+              <p:nvPr/>
+            </p:nvSpPr>
+            <p:spPr>
+              <a:xfrm>
+                <a:off x="2362612" y="916340"/>
+                <a:ext cx="221984" cy="184666"/>
+              </a:xfrm>
+              <a:prstGeom prst="rect">
+                <a:avLst/>
+              </a:prstGeom>
+              <a:solidFill>
+                <a:schemeClr val="bg1"/>
+              </a:solidFill>
+            </p:spPr>
+            <p:txBody>
+              <a:bodyPr wrap="none" lIns="0" tIns="0" rIns="0" bIns="0" rtlCol="0">
+                <a:spAutoFit/>
+              </a:bodyPr>
+              <a:lstStyle/>
+              <a:p>
+                <a:r>
+                  <a:rPr lang="fr-BE" sz="1200" dirty="0" smtClean="0"/>
+                  <a:t>T</a:t>
+                </a:r>
+                <a:r>
+                  <a:rPr lang="fr-BE" sz="1200" baseline="-25000" dirty="0" smtClean="0"/>
+                  <a:t>end</a:t>
+                </a:r>
+                <a:endParaRPr lang="fr-BE" sz="1200" baseline="-25000" dirty="0"/>
+              </a:p>
+            </p:txBody>
+          </p:sp>
+        </p:grpSp>
+        <p:grpSp>
+          <p:nvGrpSpPr>
+            <p:cNvPr id="140" name="Groupe 139"/>
+            <p:cNvGrpSpPr/>
+            <p:nvPr/>
+          </p:nvGrpSpPr>
+          <p:grpSpPr>
+            <a:xfrm>
+              <a:off x="1717080" y="4291783"/>
+              <a:ext cx="1993364" cy="223354"/>
+              <a:chOff x="899592" y="897580"/>
+              <a:chExt cx="1993364" cy="223354"/>
+            </a:xfrm>
+          </p:grpSpPr>
+          <p:sp>
+            <p:nvSpPr>
+              <p:cNvPr id="141" name="Ellipse 140"/>
+              <p:cNvSpPr/>
+              <p:nvPr/>
+            </p:nvSpPr>
+            <p:spPr>
+              <a:xfrm>
+                <a:off x="899592" y="904910"/>
+                <a:ext cx="216024" cy="216024"/>
+              </a:xfrm>
+              <a:prstGeom prst="ellipse">
+                <a:avLst/>
+              </a:prstGeom>
+              <a:ln w="15875"/>
+            </p:spPr>
+            <p:style>
+              <a:lnRef idx="2">
+                <a:schemeClr val="dk1"/>
+              </a:lnRef>
+              <a:fillRef idx="1">
+                <a:schemeClr val="lt1"/>
+              </a:fillRef>
+              <a:effectRef idx="0">
+                <a:schemeClr val="dk1"/>
+              </a:effectRef>
+              <a:fontRef idx="minor">
+                <a:schemeClr val="dk1"/>
+              </a:fontRef>
+            </p:style>
+            <p:txBody>
+              <a:bodyPr rtlCol="0" anchor="ctr"/>
+              <a:lstStyle/>
+              <a:p>
+                <a:pPr algn="ctr"/>
+                <a:endParaRPr lang="fr-BE"/>
+              </a:p>
+            </p:txBody>
+          </p:sp>
+          <p:sp>
+            <p:nvSpPr>
+              <p:cNvPr id="142" name="Ellipse 141"/>
+              <p:cNvSpPr/>
+              <p:nvPr/>
+            </p:nvSpPr>
+            <p:spPr>
+              <a:xfrm>
+                <a:off x="1490896" y="904910"/>
+                <a:ext cx="216024" cy="216024"/>
+              </a:xfrm>
+              <a:prstGeom prst="ellipse">
+                <a:avLst/>
+              </a:prstGeom>
+              <a:ln w="15875"/>
+            </p:spPr>
+            <p:style>
+              <a:lnRef idx="2">
+                <a:schemeClr val="dk1"/>
+              </a:lnRef>
+              <a:fillRef idx="1">
+                <a:schemeClr val="lt1"/>
+              </a:fillRef>
+              <a:effectRef idx="0">
+                <a:schemeClr val="dk1"/>
+              </a:effectRef>
+              <a:fontRef idx="minor">
+                <a:schemeClr val="dk1"/>
+              </a:fontRef>
+            </p:style>
+            <p:txBody>
+              <a:bodyPr rtlCol="0" anchor="ctr"/>
+              <a:lstStyle/>
+              <a:p>
+                <a:pPr algn="ctr"/>
+                <a:endParaRPr lang="fr-BE"/>
+              </a:p>
+            </p:txBody>
+          </p:sp>
+          <p:sp>
+            <p:nvSpPr>
+              <p:cNvPr id="143" name="Ellipse 142"/>
+              <p:cNvSpPr/>
+              <p:nvPr/>
+            </p:nvSpPr>
+            <p:spPr>
+              <a:xfrm>
+                <a:off x="2107346" y="904910"/>
+                <a:ext cx="216024" cy="216024"/>
+              </a:xfrm>
+              <a:prstGeom prst="ellipse">
+                <a:avLst/>
+              </a:prstGeom>
+              <a:ln w="15875"/>
+            </p:spPr>
+            <p:style>
+              <a:lnRef idx="2">
+                <a:schemeClr val="dk1"/>
+              </a:lnRef>
+              <a:fillRef idx="1">
+                <a:schemeClr val="lt1"/>
+              </a:fillRef>
+              <a:effectRef idx="0">
+                <a:schemeClr val="dk1"/>
+              </a:effectRef>
+              <a:fontRef idx="minor">
+                <a:schemeClr val="dk1"/>
+              </a:fontRef>
+            </p:style>
+            <p:txBody>
+              <a:bodyPr rtlCol="0" anchor="ctr"/>
+              <a:lstStyle/>
+              <a:p>
+                <a:pPr algn="ctr"/>
+                <a:endParaRPr lang="fr-BE"/>
+              </a:p>
+            </p:txBody>
+          </p:sp>
+          <p:sp>
+            <p:nvSpPr>
+              <p:cNvPr id="144" name="Ellipse 143"/>
+              <p:cNvSpPr/>
+              <p:nvPr/>
+            </p:nvSpPr>
+            <p:spPr>
+              <a:xfrm>
+                <a:off x="2676932" y="904910"/>
+                <a:ext cx="216024" cy="216024"/>
+              </a:xfrm>
+              <a:prstGeom prst="ellipse">
+                <a:avLst/>
+              </a:prstGeom>
+              <a:ln w="15875"/>
+            </p:spPr>
+            <p:style>
+              <a:lnRef idx="2">
+                <a:schemeClr val="dk1"/>
+              </a:lnRef>
+              <a:fillRef idx="1">
+                <a:schemeClr val="lt1"/>
+              </a:fillRef>
+              <a:effectRef idx="0">
+                <a:schemeClr val="dk1"/>
+              </a:effectRef>
+              <a:fontRef idx="minor">
+                <a:schemeClr val="dk1"/>
+              </a:fontRef>
+            </p:style>
+            <p:txBody>
+              <a:bodyPr rtlCol="0" anchor="ctr"/>
+              <a:lstStyle/>
+              <a:p>
+                <a:pPr algn="ctr"/>
+                <a:endParaRPr lang="fr-BE"/>
+              </a:p>
+            </p:txBody>
+          </p:sp>
+          <p:cxnSp>
+            <p:nvCxnSpPr>
+              <p:cNvPr id="145" name="Connecteur droit avec flèche 144"/>
+              <p:cNvCxnSpPr>
+                <a:stCxn id="141" idx="6"/>
+                <a:endCxn id="142" idx="2"/>
+              </p:cNvCxnSpPr>
+              <p:nvPr/>
+            </p:nvCxnSpPr>
+            <p:spPr>
+              <a:xfrm>
+                <a:off x="1115616" y="1012922"/>
+                <a:ext cx="375280" cy="1588"/>
+              </a:xfrm>
+              <a:prstGeom prst="straightConnector1">
+                <a:avLst/>
+              </a:prstGeom>
+              <a:ln w="12700">
+                <a:solidFill>
+                  <a:schemeClr val="tx1"/>
+                </a:solidFill>
+                <a:tailEnd type="triangle" w="med" len="sm"/>
+              </a:ln>
+            </p:spPr>
+            <p:style>
+              <a:lnRef idx="1">
+                <a:schemeClr val="accent1"/>
+              </a:lnRef>
+              <a:fillRef idx="0">
+                <a:schemeClr val="accent1"/>
+              </a:fillRef>
+              <a:effectRef idx="0">
+                <a:schemeClr val="accent1"/>
+              </a:effectRef>
+              <a:fontRef idx="minor">
+                <a:schemeClr val="tx1"/>
+              </a:fontRef>
+            </p:style>
+          </p:cxnSp>
+          <p:cxnSp>
+            <p:nvCxnSpPr>
+              <p:cNvPr id="146" name="Connecteur droit avec flèche 145"/>
+              <p:cNvCxnSpPr>
+                <a:stCxn id="142" idx="6"/>
+                <a:endCxn id="143" idx="2"/>
+              </p:cNvCxnSpPr>
+              <p:nvPr/>
+            </p:nvCxnSpPr>
+            <p:spPr>
+              <a:xfrm>
+                <a:off x="1706920" y="1012922"/>
+                <a:ext cx="400426" cy="1588"/>
+              </a:xfrm>
+              <a:prstGeom prst="straightConnector1">
+                <a:avLst/>
+              </a:prstGeom>
+              <a:ln w="12700">
+                <a:solidFill>
+                  <a:schemeClr val="tx1"/>
+                </a:solidFill>
+                <a:tailEnd type="triangle" w="med" len="sm"/>
+              </a:ln>
+            </p:spPr>
+            <p:style>
+              <a:lnRef idx="1">
+                <a:schemeClr val="accent1"/>
+              </a:lnRef>
+              <a:fillRef idx="0">
+                <a:schemeClr val="accent1"/>
+              </a:fillRef>
+              <a:effectRef idx="0">
+                <a:schemeClr val="accent1"/>
+              </a:effectRef>
+              <a:fontRef idx="minor">
+                <a:schemeClr val="tx1"/>
+              </a:fontRef>
+            </p:style>
+          </p:cxnSp>
+          <p:cxnSp>
+            <p:nvCxnSpPr>
+              <p:cNvPr id="147" name="Connecteur droit avec flèche 146"/>
+              <p:cNvCxnSpPr>
+                <a:stCxn id="143" idx="6"/>
+                <a:endCxn id="144" idx="2"/>
+              </p:cNvCxnSpPr>
+              <p:nvPr/>
+            </p:nvCxnSpPr>
+            <p:spPr>
+              <a:xfrm>
+                <a:off x="2323370" y="1012922"/>
+                <a:ext cx="353562" cy="1588"/>
+              </a:xfrm>
+              <a:prstGeom prst="straightConnector1">
+                <a:avLst/>
+              </a:prstGeom>
+              <a:ln w="12700">
+                <a:solidFill>
+                  <a:schemeClr val="tx1"/>
+                </a:solidFill>
+                <a:tailEnd type="triangle" w="med" len="sm"/>
+              </a:ln>
+            </p:spPr>
+            <p:style>
+              <a:lnRef idx="1">
+                <a:schemeClr val="accent1"/>
+              </a:lnRef>
+              <a:fillRef idx="0">
+                <a:schemeClr val="accent1"/>
+              </a:fillRef>
+              <a:effectRef idx="0">
+                <a:schemeClr val="accent1"/>
+              </a:effectRef>
+              <a:fontRef idx="minor">
+                <a:schemeClr val="tx1"/>
+              </a:fontRef>
+            </p:style>
+          </p:cxnSp>
+          <p:sp>
+            <p:nvSpPr>
+              <p:cNvPr id="148" name="ZoneTexte 147"/>
+              <p:cNvSpPr txBox="1"/>
+              <p:nvPr/>
+            </p:nvSpPr>
+            <p:spPr>
+              <a:xfrm>
+                <a:off x="1745020" y="897580"/>
+                <a:ext cx="271993" cy="215444"/>
+              </a:xfrm>
+              <a:prstGeom prst="rect">
+                <a:avLst/>
+              </a:prstGeom>
+              <a:solidFill>
+                <a:schemeClr val="bg1"/>
+              </a:solidFill>
+            </p:spPr>
+            <p:txBody>
+              <a:bodyPr wrap="none" lIns="18000" tIns="0" rIns="18000" bIns="0" rtlCol="0">
+                <a:spAutoFit/>
+              </a:bodyPr>
+              <a:lstStyle/>
+              <a:p>
+                <a:r>
+                  <a:rPr lang="fr-BE" sz="1400" dirty="0" smtClean="0"/>
+                  <a:t>{…}</a:t>
+                </a:r>
+                <a:endParaRPr lang="fr-BE" sz="1400" dirty="0"/>
+              </a:p>
+            </p:txBody>
+          </p:sp>
+          <p:sp>
+            <p:nvSpPr>
+              <p:cNvPr id="149" name="ZoneTexte 148"/>
+              <p:cNvSpPr txBox="1"/>
+              <p:nvPr/>
+            </p:nvSpPr>
+            <p:spPr>
+              <a:xfrm>
+                <a:off x="1149861" y="916340"/>
+                <a:ext cx="253787" cy="184666"/>
+              </a:xfrm>
+              <a:prstGeom prst="rect">
+                <a:avLst/>
+              </a:prstGeom>
+              <a:solidFill>
+                <a:schemeClr val="bg1"/>
+              </a:solidFill>
+            </p:spPr>
+            <p:txBody>
+              <a:bodyPr wrap="none" lIns="0" tIns="0" rIns="0" bIns="0" rtlCol="0">
+                <a:spAutoFit/>
+              </a:bodyPr>
+              <a:lstStyle/>
+              <a:p>
+                <a:r>
+                  <a:rPr lang="fr-BE" sz="1200" dirty="0" err="1" smtClean="0"/>
+                  <a:t>T</a:t>
+                </a:r>
+                <a:r>
+                  <a:rPr lang="fr-BE" sz="1200" baseline="-25000" dirty="0" err="1" smtClean="0"/>
+                  <a:t>start</a:t>
+                </a:r>
+                <a:endParaRPr lang="fr-BE" sz="1200" baseline="-25000" dirty="0"/>
+              </a:p>
+            </p:txBody>
+          </p:sp>
+          <p:sp>
+            <p:nvSpPr>
+              <p:cNvPr id="150" name="ZoneTexte 149"/>
+              <p:cNvSpPr txBox="1"/>
+              <p:nvPr/>
+            </p:nvSpPr>
+            <p:spPr>
+              <a:xfrm>
+                <a:off x="2362612" y="916340"/>
+                <a:ext cx="221984" cy="184666"/>
+              </a:xfrm>
+              <a:prstGeom prst="rect">
+                <a:avLst/>
+              </a:prstGeom>
+              <a:solidFill>
+                <a:schemeClr val="bg1"/>
+              </a:solidFill>
+            </p:spPr>
+            <p:txBody>
+              <a:bodyPr wrap="none" lIns="0" tIns="0" rIns="0" bIns="0" rtlCol="0">
+                <a:spAutoFit/>
+              </a:bodyPr>
+              <a:lstStyle/>
+              <a:p>
+                <a:r>
+                  <a:rPr lang="fr-BE" sz="1200" dirty="0" smtClean="0"/>
+                  <a:t>T</a:t>
+                </a:r>
+                <a:r>
+                  <a:rPr lang="fr-BE" sz="1200" baseline="-25000" dirty="0" smtClean="0"/>
+                  <a:t>end</a:t>
+                </a:r>
+                <a:endParaRPr lang="fr-BE" sz="1200" baseline="-25000" dirty="0"/>
+              </a:p>
+            </p:txBody>
+          </p:sp>
+        </p:grpSp>
+        <p:grpSp>
+          <p:nvGrpSpPr>
+            <p:cNvPr id="151" name="Groupe 150"/>
+            <p:cNvGrpSpPr/>
+            <p:nvPr/>
+          </p:nvGrpSpPr>
+          <p:grpSpPr>
+            <a:xfrm>
+              <a:off x="4108349" y="4291783"/>
+              <a:ext cx="1993364" cy="223354"/>
+              <a:chOff x="899592" y="897580"/>
+              <a:chExt cx="1993364" cy="223354"/>
+            </a:xfrm>
+          </p:grpSpPr>
+          <p:sp>
+            <p:nvSpPr>
+              <p:cNvPr id="152" name="Ellipse 151"/>
+              <p:cNvSpPr/>
+              <p:nvPr/>
+            </p:nvSpPr>
+            <p:spPr>
+              <a:xfrm>
+                <a:off x="899592" y="904910"/>
+                <a:ext cx="216024" cy="216024"/>
+              </a:xfrm>
+              <a:prstGeom prst="ellipse">
+                <a:avLst/>
+              </a:prstGeom>
+              <a:ln w="15875"/>
+            </p:spPr>
+            <p:style>
+              <a:lnRef idx="2">
+                <a:schemeClr val="dk1"/>
+              </a:lnRef>
+              <a:fillRef idx="1">
+                <a:schemeClr val="lt1"/>
+              </a:fillRef>
+              <a:effectRef idx="0">
+                <a:schemeClr val="dk1"/>
+              </a:effectRef>
+              <a:fontRef idx="minor">
+                <a:schemeClr val="dk1"/>
+              </a:fontRef>
+            </p:style>
+            <p:txBody>
+              <a:bodyPr rtlCol="0" anchor="ctr"/>
+              <a:lstStyle/>
+              <a:p>
+                <a:pPr algn="ctr"/>
+                <a:endParaRPr lang="fr-BE"/>
+              </a:p>
+            </p:txBody>
+          </p:sp>
+          <p:sp>
+            <p:nvSpPr>
+              <p:cNvPr id="153" name="Ellipse 152"/>
+              <p:cNvSpPr/>
+              <p:nvPr/>
+            </p:nvSpPr>
+            <p:spPr>
+              <a:xfrm>
+                <a:off x="1490896" y="904910"/>
+                <a:ext cx="216024" cy="216024"/>
+              </a:xfrm>
+              <a:prstGeom prst="ellipse">
+                <a:avLst/>
+              </a:prstGeom>
+              <a:ln w="15875"/>
+            </p:spPr>
+            <p:style>
+              <a:lnRef idx="2">
+                <a:schemeClr val="dk1"/>
+              </a:lnRef>
+              <a:fillRef idx="1">
+                <a:schemeClr val="lt1"/>
+              </a:fillRef>
+              <a:effectRef idx="0">
+                <a:schemeClr val="dk1"/>
+              </a:effectRef>
+              <a:fontRef idx="minor">
+                <a:schemeClr val="dk1"/>
+              </a:fontRef>
+            </p:style>
+            <p:txBody>
+              <a:bodyPr rtlCol="0" anchor="ctr"/>
+              <a:lstStyle/>
+              <a:p>
+                <a:pPr algn="ctr"/>
+                <a:endParaRPr lang="fr-BE"/>
+              </a:p>
+            </p:txBody>
+          </p:sp>
+          <p:sp>
+            <p:nvSpPr>
+              <p:cNvPr id="154" name="Ellipse 153"/>
+              <p:cNvSpPr/>
+              <p:nvPr/>
+            </p:nvSpPr>
+            <p:spPr>
+              <a:xfrm>
+                <a:off x="2107346" y="904910"/>
+                <a:ext cx="216024" cy="216024"/>
+              </a:xfrm>
+              <a:prstGeom prst="ellipse">
+                <a:avLst/>
+              </a:prstGeom>
+              <a:ln w="15875"/>
+            </p:spPr>
+            <p:style>
+              <a:lnRef idx="2">
+                <a:schemeClr val="dk1"/>
+              </a:lnRef>
+              <a:fillRef idx="1">
+                <a:schemeClr val="lt1"/>
+              </a:fillRef>
+              <a:effectRef idx="0">
+                <a:schemeClr val="dk1"/>
+              </a:effectRef>
+              <a:fontRef idx="minor">
+                <a:schemeClr val="dk1"/>
+              </a:fontRef>
+            </p:style>
+            <p:txBody>
+              <a:bodyPr rtlCol="0" anchor="ctr"/>
+              <a:lstStyle/>
+              <a:p>
+                <a:pPr algn="ctr"/>
+                <a:endParaRPr lang="fr-BE"/>
+              </a:p>
+            </p:txBody>
+          </p:sp>
+          <p:sp>
+            <p:nvSpPr>
+              <p:cNvPr id="155" name="Ellipse 154"/>
+              <p:cNvSpPr/>
+              <p:nvPr/>
+            </p:nvSpPr>
+            <p:spPr>
+              <a:xfrm>
+                <a:off x="2676932" y="904910"/>
+                <a:ext cx="216024" cy="216024"/>
+              </a:xfrm>
+              <a:prstGeom prst="ellipse">
+                <a:avLst/>
+              </a:prstGeom>
+              <a:ln w="15875"/>
+            </p:spPr>
+            <p:style>
+              <a:lnRef idx="2">
+                <a:schemeClr val="dk1"/>
+              </a:lnRef>
+              <a:fillRef idx="1">
+                <a:schemeClr val="lt1"/>
+              </a:fillRef>
+              <a:effectRef idx="0">
+                <a:schemeClr val="dk1"/>
+              </a:effectRef>
+              <a:fontRef idx="minor">
+                <a:schemeClr val="dk1"/>
+              </a:fontRef>
+            </p:style>
+            <p:txBody>
+              <a:bodyPr rtlCol="0" anchor="ctr"/>
+              <a:lstStyle/>
+              <a:p>
+                <a:pPr algn="ctr"/>
+                <a:endParaRPr lang="fr-BE"/>
+              </a:p>
+            </p:txBody>
+          </p:sp>
+          <p:cxnSp>
+            <p:nvCxnSpPr>
+              <p:cNvPr id="156" name="Connecteur droit avec flèche 155"/>
+              <p:cNvCxnSpPr>
+                <a:stCxn id="152" idx="6"/>
+                <a:endCxn id="153" idx="2"/>
+              </p:cNvCxnSpPr>
+              <p:nvPr/>
+            </p:nvCxnSpPr>
+            <p:spPr>
+              <a:xfrm>
+                <a:off x="1115616" y="1012922"/>
+                <a:ext cx="375280" cy="1588"/>
+              </a:xfrm>
+              <a:prstGeom prst="straightConnector1">
+                <a:avLst/>
+              </a:prstGeom>
+              <a:ln w="12700">
+                <a:solidFill>
+                  <a:schemeClr val="tx1"/>
+                </a:solidFill>
+                <a:tailEnd type="triangle" w="med" len="sm"/>
+              </a:ln>
+            </p:spPr>
+            <p:style>
+              <a:lnRef idx="1">
+                <a:schemeClr val="accent1"/>
+              </a:lnRef>
+              <a:fillRef idx="0">
+                <a:schemeClr val="accent1"/>
+              </a:fillRef>
+              <a:effectRef idx="0">
+                <a:schemeClr val="accent1"/>
+              </a:effectRef>
+              <a:fontRef idx="minor">
+                <a:schemeClr val="tx1"/>
+              </a:fontRef>
+            </p:style>
+          </p:cxnSp>
+          <p:cxnSp>
+            <p:nvCxnSpPr>
+              <p:cNvPr id="157" name="Connecteur droit avec flèche 156"/>
+              <p:cNvCxnSpPr>
+                <a:stCxn id="153" idx="6"/>
+                <a:endCxn id="154" idx="2"/>
+              </p:cNvCxnSpPr>
+              <p:nvPr/>
+            </p:nvCxnSpPr>
+            <p:spPr>
+              <a:xfrm>
+                <a:off x="1706920" y="1012922"/>
+                <a:ext cx="400426" cy="1588"/>
+              </a:xfrm>
+              <a:prstGeom prst="straightConnector1">
+                <a:avLst/>
+              </a:prstGeom>
+              <a:ln w="12700">
+                <a:solidFill>
+                  <a:schemeClr val="tx1"/>
+                </a:solidFill>
+                <a:tailEnd type="triangle" w="med" len="sm"/>
+              </a:ln>
+            </p:spPr>
+            <p:style>
+              <a:lnRef idx="1">
+                <a:schemeClr val="accent1"/>
+              </a:lnRef>
+              <a:fillRef idx="0">
+                <a:schemeClr val="accent1"/>
+              </a:fillRef>
+              <a:effectRef idx="0">
+                <a:schemeClr val="accent1"/>
+              </a:effectRef>
+              <a:fontRef idx="minor">
+                <a:schemeClr val="tx1"/>
+              </a:fontRef>
+            </p:style>
+          </p:cxnSp>
+          <p:cxnSp>
+            <p:nvCxnSpPr>
+              <p:cNvPr id="158" name="Connecteur droit avec flèche 157"/>
+              <p:cNvCxnSpPr>
+                <a:stCxn id="154" idx="6"/>
+                <a:endCxn id="155" idx="2"/>
+              </p:cNvCxnSpPr>
+              <p:nvPr/>
+            </p:nvCxnSpPr>
+            <p:spPr>
+              <a:xfrm>
+                <a:off x="2323370" y="1012922"/>
+                <a:ext cx="353562" cy="1588"/>
+              </a:xfrm>
+              <a:prstGeom prst="straightConnector1">
+                <a:avLst/>
+              </a:prstGeom>
+              <a:ln w="12700">
+                <a:solidFill>
+                  <a:schemeClr val="tx1"/>
+                </a:solidFill>
+                <a:tailEnd type="triangle" w="med" len="sm"/>
+              </a:ln>
+            </p:spPr>
+            <p:style>
+              <a:lnRef idx="1">
+                <a:schemeClr val="accent1"/>
+              </a:lnRef>
+              <a:fillRef idx="0">
+                <a:schemeClr val="accent1"/>
+              </a:fillRef>
+              <a:effectRef idx="0">
+                <a:schemeClr val="accent1"/>
+              </a:effectRef>
+              <a:fontRef idx="minor">
+                <a:schemeClr val="tx1"/>
+              </a:fontRef>
+            </p:style>
+          </p:cxnSp>
+          <p:sp>
+            <p:nvSpPr>
+              <p:cNvPr id="159" name="ZoneTexte 158"/>
+              <p:cNvSpPr txBox="1"/>
+              <p:nvPr/>
+            </p:nvSpPr>
+            <p:spPr>
+              <a:xfrm>
+                <a:off x="1745020" y="897580"/>
+                <a:ext cx="271993" cy="215444"/>
+              </a:xfrm>
+              <a:prstGeom prst="rect">
+                <a:avLst/>
+              </a:prstGeom>
+              <a:solidFill>
+                <a:schemeClr val="bg1"/>
+              </a:solidFill>
+            </p:spPr>
+            <p:txBody>
+              <a:bodyPr wrap="none" lIns="18000" tIns="0" rIns="18000" bIns="0" rtlCol="0">
+                <a:spAutoFit/>
+              </a:bodyPr>
+              <a:lstStyle/>
+              <a:p>
+                <a:r>
+                  <a:rPr lang="fr-BE" sz="1400" dirty="0" smtClean="0"/>
+                  <a:t>{…}</a:t>
+                </a:r>
+                <a:endParaRPr lang="fr-BE" sz="1400" dirty="0"/>
+              </a:p>
+            </p:txBody>
+          </p:sp>
+          <p:sp>
+            <p:nvSpPr>
+              <p:cNvPr id="160" name="ZoneTexte 159"/>
+              <p:cNvSpPr txBox="1"/>
+              <p:nvPr/>
+            </p:nvSpPr>
+            <p:spPr>
+              <a:xfrm>
+                <a:off x="1149861" y="916340"/>
+                <a:ext cx="253787" cy="184666"/>
+              </a:xfrm>
+              <a:prstGeom prst="rect">
+                <a:avLst/>
+              </a:prstGeom>
+              <a:solidFill>
+                <a:schemeClr val="bg1"/>
+              </a:solidFill>
+            </p:spPr>
+            <p:txBody>
+              <a:bodyPr wrap="none" lIns="0" tIns="0" rIns="0" bIns="0" rtlCol="0">
+                <a:spAutoFit/>
+              </a:bodyPr>
+              <a:lstStyle/>
+              <a:p>
+                <a:r>
+                  <a:rPr lang="fr-BE" sz="1200" dirty="0" err="1" smtClean="0"/>
+                  <a:t>T</a:t>
+                </a:r>
+                <a:r>
+                  <a:rPr lang="fr-BE" sz="1200" baseline="-25000" dirty="0" err="1" smtClean="0"/>
+                  <a:t>start</a:t>
+                </a:r>
+                <a:endParaRPr lang="fr-BE" sz="1200" baseline="-25000" dirty="0"/>
+              </a:p>
+            </p:txBody>
+          </p:sp>
+          <p:sp>
+            <p:nvSpPr>
+              <p:cNvPr id="161" name="ZoneTexte 160"/>
+              <p:cNvSpPr txBox="1"/>
+              <p:nvPr/>
+            </p:nvSpPr>
+            <p:spPr>
+              <a:xfrm>
+                <a:off x="2362612" y="916340"/>
+                <a:ext cx="221984" cy="184666"/>
+              </a:xfrm>
+              <a:prstGeom prst="rect">
+                <a:avLst/>
+              </a:prstGeom>
+              <a:solidFill>
+                <a:schemeClr val="bg1"/>
+              </a:solidFill>
+            </p:spPr>
+            <p:txBody>
+              <a:bodyPr wrap="none" lIns="0" tIns="0" rIns="0" bIns="0" rtlCol="0">
+                <a:spAutoFit/>
+              </a:bodyPr>
+              <a:lstStyle/>
+              <a:p>
+                <a:r>
+                  <a:rPr lang="fr-BE" sz="1200" dirty="0" smtClean="0"/>
+                  <a:t>T</a:t>
+                </a:r>
+                <a:r>
+                  <a:rPr lang="fr-BE" sz="1200" baseline="-25000" dirty="0" smtClean="0"/>
+                  <a:t>end</a:t>
+                </a:r>
+                <a:endParaRPr lang="fr-BE" sz="1200" baseline="-25000" dirty="0"/>
+              </a:p>
+            </p:txBody>
+          </p:sp>
+        </p:grpSp>
+        <p:grpSp>
+          <p:nvGrpSpPr>
+            <p:cNvPr id="162" name="Groupe 161"/>
+            <p:cNvGrpSpPr/>
+            <p:nvPr/>
+          </p:nvGrpSpPr>
+          <p:grpSpPr>
+            <a:xfrm>
+              <a:off x="6588224" y="4291783"/>
+              <a:ext cx="1993364" cy="223354"/>
+              <a:chOff x="899592" y="897580"/>
+              <a:chExt cx="1993364" cy="223354"/>
+            </a:xfrm>
+          </p:grpSpPr>
+          <p:sp>
+            <p:nvSpPr>
+              <p:cNvPr id="163" name="Ellipse 162"/>
+              <p:cNvSpPr/>
+              <p:nvPr/>
+            </p:nvSpPr>
+            <p:spPr>
+              <a:xfrm>
+                <a:off x="899592" y="904910"/>
+                <a:ext cx="216024" cy="216024"/>
+              </a:xfrm>
+              <a:prstGeom prst="ellipse">
+                <a:avLst/>
+              </a:prstGeom>
+              <a:ln w="15875"/>
+            </p:spPr>
+            <p:style>
+              <a:lnRef idx="2">
+                <a:schemeClr val="dk1"/>
+              </a:lnRef>
+              <a:fillRef idx="1">
+                <a:schemeClr val="lt1"/>
+              </a:fillRef>
+              <a:effectRef idx="0">
+                <a:schemeClr val="dk1"/>
+              </a:effectRef>
+              <a:fontRef idx="minor">
+                <a:schemeClr val="dk1"/>
+              </a:fontRef>
+            </p:style>
+            <p:txBody>
+              <a:bodyPr rtlCol="0" anchor="ctr"/>
+              <a:lstStyle/>
+              <a:p>
+                <a:pPr algn="ctr"/>
+                <a:endParaRPr lang="fr-BE"/>
+              </a:p>
+            </p:txBody>
+          </p:sp>
+          <p:sp>
+            <p:nvSpPr>
+              <p:cNvPr id="164" name="Ellipse 163"/>
+              <p:cNvSpPr/>
+              <p:nvPr/>
+            </p:nvSpPr>
+            <p:spPr>
+              <a:xfrm>
+                <a:off x="1490896" y="904910"/>
+                <a:ext cx="216024" cy="216024"/>
+              </a:xfrm>
+              <a:prstGeom prst="ellipse">
+                <a:avLst/>
+              </a:prstGeom>
+              <a:ln w="15875"/>
+            </p:spPr>
+            <p:style>
+              <a:lnRef idx="2">
+                <a:schemeClr val="dk1"/>
+              </a:lnRef>
+              <a:fillRef idx="1">
+                <a:schemeClr val="lt1"/>
+              </a:fillRef>
+              <a:effectRef idx="0">
+                <a:schemeClr val="dk1"/>
+              </a:effectRef>
+              <a:fontRef idx="minor">
+                <a:schemeClr val="dk1"/>
+              </a:fontRef>
+            </p:style>
+            <p:txBody>
+              <a:bodyPr rtlCol="0" anchor="ctr"/>
+              <a:lstStyle/>
+              <a:p>
+                <a:pPr algn="ctr"/>
+                <a:endParaRPr lang="fr-BE"/>
+              </a:p>
+            </p:txBody>
+          </p:sp>
+          <p:sp>
+            <p:nvSpPr>
+              <p:cNvPr id="165" name="Ellipse 164"/>
+              <p:cNvSpPr/>
+              <p:nvPr/>
+            </p:nvSpPr>
+            <p:spPr>
+              <a:xfrm>
+                <a:off x="2107346" y="904910"/>
+                <a:ext cx="216024" cy="216024"/>
+              </a:xfrm>
+              <a:prstGeom prst="ellipse">
+                <a:avLst/>
+              </a:prstGeom>
+              <a:ln w="15875"/>
+            </p:spPr>
+            <p:style>
+              <a:lnRef idx="2">
+                <a:schemeClr val="dk1"/>
+              </a:lnRef>
+              <a:fillRef idx="1">
+                <a:schemeClr val="lt1"/>
+              </a:fillRef>
+              <a:effectRef idx="0">
+                <a:schemeClr val="dk1"/>
+              </a:effectRef>
+              <a:fontRef idx="minor">
+                <a:schemeClr val="dk1"/>
+              </a:fontRef>
+            </p:style>
+            <p:txBody>
+              <a:bodyPr rtlCol="0" anchor="ctr"/>
+              <a:lstStyle/>
+              <a:p>
+                <a:pPr algn="ctr"/>
+                <a:endParaRPr lang="fr-BE"/>
+              </a:p>
+            </p:txBody>
+          </p:sp>
+          <p:sp>
+            <p:nvSpPr>
+              <p:cNvPr id="166" name="Ellipse 165"/>
+              <p:cNvSpPr/>
+              <p:nvPr/>
+            </p:nvSpPr>
+            <p:spPr>
+              <a:xfrm>
+                <a:off x="2676932" y="904910"/>
+                <a:ext cx="216024" cy="216024"/>
+              </a:xfrm>
+              <a:prstGeom prst="ellipse">
+                <a:avLst/>
+              </a:prstGeom>
+              <a:ln w="15875"/>
+            </p:spPr>
+            <p:style>
+              <a:lnRef idx="2">
+                <a:schemeClr val="dk1"/>
+              </a:lnRef>
+              <a:fillRef idx="1">
+                <a:schemeClr val="lt1"/>
+              </a:fillRef>
+              <a:effectRef idx="0">
+                <a:schemeClr val="dk1"/>
+              </a:effectRef>
+              <a:fontRef idx="minor">
+                <a:schemeClr val="dk1"/>
+              </a:fontRef>
+            </p:style>
+            <p:txBody>
+              <a:bodyPr rtlCol="0" anchor="ctr"/>
+              <a:lstStyle/>
+              <a:p>
+                <a:pPr algn="ctr"/>
+                <a:endParaRPr lang="fr-BE"/>
+              </a:p>
+            </p:txBody>
+          </p:sp>
+          <p:cxnSp>
+            <p:nvCxnSpPr>
+              <p:cNvPr id="167" name="Connecteur droit avec flèche 166"/>
+              <p:cNvCxnSpPr>
+                <a:stCxn id="163" idx="6"/>
+                <a:endCxn id="164" idx="2"/>
+              </p:cNvCxnSpPr>
+              <p:nvPr/>
+            </p:nvCxnSpPr>
+            <p:spPr>
+              <a:xfrm>
+                <a:off x="1115616" y="1012922"/>
+                <a:ext cx="375280" cy="1588"/>
+              </a:xfrm>
+              <a:prstGeom prst="straightConnector1">
+                <a:avLst/>
+              </a:prstGeom>
+              <a:ln w="12700">
+                <a:solidFill>
+                  <a:schemeClr val="tx1"/>
+                </a:solidFill>
+                <a:tailEnd type="triangle" w="med" len="sm"/>
+              </a:ln>
+            </p:spPr>
+            <p:style>
+              <a:lnRef idx="1">
+                <a:schemeClr val="accent1"/>
+              </a:lnRef>
+              <a:fillRef idx="0">
+                <a:schemeClr val="accent1"/>
+              </a:fillRef>
+              <a:effectRef idx="0">
+                <a:schemeClr val="accent1"/>
+              </a:effectRef>
+              <a:fontRef idx="minor">
+                <a:schemeClr val="tx1"/>
+              </a:fontRef>
+            </p:style>
+          </p:cxnSp>
+          <p:cxnSp>
+            <p:nvCxnSpPr>
+              <p:cNvPr id="168" name="Connecteur droit avec flèche 167"/>
+              <p:cNvCxnSpPr>
+                <a:stCxn id="164" idx="6"/>
+                <a:endCxn id="165" idx="2"/>
+              </p:cNvCxnSpPr>
+              <p:nvPr/>
+            </p:nvCxnSpPr>
+            <p:spPr>
+              <a:xfrm>
+                <a:off x="1706920" y="1012922"/>
+                <a:ext cx="400426" cy="1588"/>
+              </a:xfrm>
+              <a:prstGeom prst="straightConnector1">
+                <a:avLst/>
+              </a:prstGeom>
+              <a:ln w="12700">
+                <a:solidFill>
+                  <a:schemeClr val="tx1"/>
+                </a:solidFill>
+                <a:tailEnd type="triangle" w="med" len="sm"/>
+              </a:ln>
+            </p:spPr>
+            <p:style>
+              <a:lnRef idx="1">
+                <a:schemeClr val="accent1"/>
+              </a:lnRef>
+              <a:fillRef idx="0">
+                <a:schemeClr val="accent1"/>
+              </a:fillRef>
+              <a:effectRef idx="0">
+                <a:schemeClr val="accent1"/>
+              </a:effectRef>
+              <a:fontRef idx="minor">
+                <a:schemeClr val="tx1"/>
+              </a:fontRef>
+            </p:style>
+          </p:cxnSp>
+          <p:cxnSp>
+            <p:nvCxnSpPr>
+              <p:cNvPr id="169" name="Connecteur droit avec flèche 168"/>
+              <p:cNvCxnSpPr>
+                <a:stCxn id="165" idx="6"/>
+                <a:endCxn id="166" idx="2"/>
+              </p:cNvCxnSpPr>
+              <p:nvPr/>
+            </p:nvCxnSpPr>
+            <p:spPr>
+              <a:xfrm>
+                <a:off x="2323370" y="1012922"/>
+                <a:ext cx="353562" cy="1588"/>
+              </a:xfrm>
+              <a:prstGeom prst="straightConnector1">
+                <a:avLst/>
+              </a:prstGeom>
+              <a:ln w="12700">
+                <a:solidFill>
+                  <a:schemeClr val="tx1"/>
+                </a:solidFill>
+                <a:tailEnd type="triangle" w="med" len="sm"/>
+              </a:ln>
+            </p:spPr>
+            <p:style>
+              <a:lnRef idx="1">
+                <a:schemeClr val="accent1"/>
+              </a:lnRef>
+              <a:fillRef idx="0">
+                <a:schemeClr val="accent1"/>
+              </a:fillRef>
+              <a:effectRef idx="0">
+                <a:schemeClr val="accent1"/>
+              </a:effectRef>
+              <a:fontRef idx="minor">
+                <a:schemeClr val="tx1"/>
+              </a:fontRef>
+            </p:style>
+          </p:cxnSp>
+          <p:sp>
+            <p:nvSpPr>
+              <p:cNvPr id="170" name="ZoneTexte 169"/>
+              <p:cNvSpPr txBox="1"/>
+              <p:nvPr/>
+            </p:nvSpPr>
+            <p:spPr>
+              <a:xfrm>
+                <a:off x="1745020" y="897580"/>
+                <a:ext cx="271993" cy="215444"/>
+              </a:xfrm>
+              <a:prstGeom prst="rect">
+                <a:avLst/>
+              </a:prstGeom>
+              <a:solidFill>
+                <a:schemeClr val="bg1"/>
+              </a:solidFill>
+            </p:spPr>
+            <p:txBody>
+              <a:bodyPr wrap="none" lIns="18000" tIns="0" rIns="18000" bIns="0" rtlCol="0">
+                <a:spAutoFit/>
+              </a:bodyPr>
+              <a:lstStyle/>
+              <a:p>
+                <a:r>
+                  <a:rPr lang="fr-BE" sz="1400" dirty="0" smtClean="0"/>
+                  <a:t>{…}</a:t>
+                </a:r>
+                <a:endParaRPr lang="fr-BE" sz="1400" dirty="0"/>
+              </a:p>
+            </p:txBody>
+          </p:sp>
+          <p:sp>
+            <p:nvSpPr>
+              <p:cNvPr id="171" name="ZoneTexte 170"/>
+              <p:cNvSpPr txBox="1"/>
+              <p:nvPr/>
+            </p:nvSpPr>
+            <p:spPr>
+              <a:xfrm>
+                <a:off x="1149861" y="916340"/>
+                <a:ext cx="253787" cy="184666"/>
+              </a:xfrm>
+              <a:prstGeom prst="rect">
+                <a:avLst/>
+              </a:prstGeom>
+              <a:solidFill>
+                <a:schemeClr val="bg1"/>
+              </a:solidFill>
+            </p:spPr>
+            <p:txBody>
+              <a:bodyPr wrap="none" lIns="0" tIns="0" rIns="0" bIns="0" rtlCol="0">
+                <a:spAutoFit/>
+              </a:bodyPr>
+              <a:lstStyle/>
+              <a:p>
+                <a:r>
+                  <a:rPr lang="fr-BE" sz="1200" dirty="0" err="1" smtClean="0"/>
+                  <a:t>T</a:t>
+                </a:r>
+                <a:r>
+                  <a:rPr lang="fr-BE" sz="1200" baseline="-25000" dirty="0" err="1" smtClean="0"/>
+                  <a:t>start</a:t>
+                </a:r>
+                <a:endParaRPr lang="fr-BE" sz="1200" baseline="-25000" dirty="0"/>
+              </a:p>
+            </p:txBody>
+          </p:sp>
+          <p:sp>
+            <p:nvSpPr>
+              <p:cNvPr id="172" name="ZoneTexte 171"/>
+              <p:cNvSpPr txBox="1"/>
+              <p:nvPr/>
+            </p:nvSpPr>
+            <p:spPr>
+              <a:xfrm>
+                <a:off x="2362612" y="916340"/>
+                <a:ext cx="221984" cy="184666"/>
+              </a:xfrm>
+              <a:prstGeom prst="rect">
+                <a:avLst/>
+              </a:prstGeom>
+              <a:solidFill>
+                <a:schemeClr val="bg1"/>
+              </a:solidFill>
+            </p:spPr>
+            <p:txBody>
+              <a:bodyPr wrap="none" lIns="0" tIns="0" rIns="0" bIns="0" rtlCol="0">
+                <a:spAutoFit/>
+              </a:bodyPr>
+              <a:lstStyle/>
+              <a:p>
+                <a:r>
+                  <a:rPr lang="fr-BE" sz="1200" dirty="0" smtClean="0"/>
+                  <a:t>T</a:t>
+                </a:r>
+                <a:r>
+                  <a:rPr lang="fr-BE" sz="1200" baseline="-25000" dirty="0" smtClean="0"/>
+                  <a:t>end</a:t>
+                </a:r>
+                <a:endParaRPr lang="fr-BE" sz="1200" baseline="-25000" dirty="0"/>
+              </a:p>
+            </p:txBody>
+          </p:sp>
+        </p:grpSp>
+        <p:sp>
+          <p:nvSpPr>
+            <p:cNvPr id="173" name="Ellipse 172"/>
+            <p:cNvSpPr/>
+            <p:nvPr/>
+          </p:nvSpPr>
+          <p:spPr>
+            <a:xfrm>
+              <a:off x="3491880" y="1130819"/>
+              <a:ext cx="216024" cy="216024"/>
+            </a:xfrm>
+            <a:prstGeom prst="ellipse">
+              <a:avLst/>
+            </a:prstGeom>
+            <a:ln w="15875"/>
+          </p:spPr>
+          <p:style>
+            <a:lnRef idx="2">
+              <a:schemeClr val="dk1"/>
+            </a:lnRef>
+            <a:fillRef idx="1">
+              <a:schemeClr val="lt1"/>
+            </a:fillRef>
+            <a:effectRef idx="0">
+              <a:schemeClr val="dk1"/>
+            </a:effectRef>
+            <a:fontRef idx="minor">
+              <a:schemeClr val="dk1"/>
+            </a:fontRef>
+          </p:style>
+          <p:txBody>
+            <a:bodyPr rtlCol="0" anchor="ctr"/>
+            <a:lstStyle/>
+            <a:p>
+              <a:pPr algn="ctr"/>
+              <a:endParaRPr lang="fr-BE"/>
+            </a:p>
+          </p:txBody>
+        </p:sp>
+        <p:cxnSp>
+          <p:nvCxnSpPr>
+            <p:cNvPr id="178" name="Connecteur en arc 177"/>
+            <p:cNvCxnSpPr>
+              <a:stCxn id="173" idx="6"/>
+            </p:cNvCxnSpPr>
+            <p:nvPr/>
+          </p:nvCxnSpPr>
+          <p:spPr>
+            <a:xfrm>
+              <a:off x="3707904" y="1238831"/>
+              <a:ext cx="532631" cy="276312"/>
+            </a:xfrm>
+            <a:prstGeom prst="curvedConnector3">
+              <a:avLst>
+                <a:gd name="adj1" fmla="val 50000"/>
+              </a:avLst>
+            </a:prstGeom>
+            <a:ln w="15875">
+              <a:solidFill>
+                <a:schemeClr val="tx1"/>
+              </a:solidFill>
+              <a:tailEnd type="triangle" w="med" len="lg"/>
+            </a:ln>
+          </p:spPr>
+          <p:style>
+            <a:lnRef idx="1">
+              <a:schemeClr val="accent1"/>
+            </a:lnRef>
+            <a:fillRef idx="0">
+              <a:schemeClr val="accent1"/>
+            </a:fillRef>
+            <a:effectRef idx="0">
+              <a:schemeClr val="accent1"/>
+            </a:effectRef>
+            <a:fontRef idx="minor">
+              <a:schemeClr val="tx1"/>
+            </a:fontRef>
+          </p:style>
+        </p:cxnSp>
+        <p:cxnSp>
+          <p:nvCxnSpPr>
+            <p:cNvPr id="192" name="Connecteur droit avec flèche 191"/>
+            <p:cNvCxnSpPr>
+              <a:endCxn id="173" idx="1"/>
+            </p:cNvCxnSpPr>
+            <p:nvPr/>
+          </p:nvCxnSpPr>
+          <p:spPr>
+            <a:xfrm>
+              <a:off x="3275856" y="986803"/>
+              <a:ext cx="247660" cy="175652"/>
+            </a:xfrm>
+            <a:prstGeom prst="straightConnector1">
+              <a:avLst/>
+            </a:prstGeom>
+            <a:ln w="12700">
+              <a:solidFill>
+                <a:schemeClr val="tx1"/>
+              </a:solidFill>
+              <a:tailEnd type="triangle" w="med" len="lg"/>
+            </a:ln>
+          </p:spPr>
+          <p:style>
+            <a:lnRef idx="1">
+              <a:schemeClr val="accent1"/>
+            </a:lnRef>
+            <a:fillRef idx="0">
+              <a:schemeClr val="accent1"/>
+            </a:fillRef>
+            <a:effectRef idx="0">
+              <a:schemeClr val="accent1"/>
+            </a:effectRef>
+            <a:fontRef idx="minor">
+              <a:schemeClr val="tx1"/>
+            </a:fontRef>
+          </p:style>
+        </p:cxnSp>
+        <p:cxnSp>
+          <p:nvCxnSpPr>
+            <p:cNvPr id="195" name="Connecteur en arc 194"/>
+            <p:cNvCxnSpPr/>
+            <p:nvPr/>
+          </p:nvCxnSpPr>
+          <p:spPr>
+            <a:xfrm>
+              <a:off x="2850021" y="2537542"/>
+              <a:ext cx="1394324" cy="1588"/>
+            </a:xfrm>
+            <a:prstGeom prst="curvedConnector3">
+              <a:avLst>
+                <a:gd name="adj1" fmla="val 50000"/>
+              </a:avLst>
+            </a:prstGeom>
+            <a:ln w="15875">
+              <a:solidFill>
+                <a:schemeClr val="tx1"/>
+              </a:solidFill>
+              <a:tailEnd type="triangle" w="med" len="lg"/>
+            </a:ln>
+          </p:spPr>
+          <p:style>
+            <a:lnRef idx="1">
+              <a:schemeClr val="accent1"/>
+            </a:lnRef>
+            <a:fillRef idx="0">
+              <a:schemeClr val="accent1"/>
+            </a:fillRef>
+            <a:effectRef idx="0">
+              <a:schemeClr val="accent1"/>
+            </a:effectRef>
+            <a:fontRef idx="minor">
+              <a:schemeClr val="tx1"/>
+            </a:fontRef>
+          </p:style>
+        </p:cxnSp>
+        <p:sp>
+          <p:nvSpPr>
+            <p:cNvPr id="202" name="Ellipse 201"/>
+            <p:cNvSpPr/>
+            <p:nvPr/>
+          </p:nvSpPr>
+          <p:spPr>
+            <a:xfrm>
+              <a:off x="5122664" y="3094360"/>
+              <a:ext cx="216024" cy="216024"/>
+            </a:xfrm>
+            <a:prstGeom prst="ellipse">
+              <a:avLst/>
+            </a:prstGeom>
+            <a:ln w="15875"/>
+          </p:spPr>
+          <p:style>
+            <a:lnRef idx="2">
+              <a:schemeClr val="dk1"/>
+            </a:lnRef>
+            <a:fillRef idx="1">
+              <a:schemeClr val="lt1"/>
+            </a:fillRef>
+            <a:effectRef idx="0">
+              <a:schemeClr val="dk1"/>
+            </a:effectRef>
+            <a:fontRef idx="minor">
+              <a:schemeClr val="dk1"/>
+            </a:fontRef>
+          </p:style>
+          <p:txBody>
+            <a:bodyPr rtlCol="0" anchor="ctr"/>
+            <a:lstStyle/>
+            <a:p>
+              <a:pPr algn="ctr"/>
+              <a:endParaRPr lang="fr-BE"/>
+            </a:p>
+          </p:txBody>
+        </p:sp>
+        <p:cxnSp>
+          <p:nvCxnSpPr>
+            <p:cNvPr id="203" name="Connecteur en arc 202"/>
+            <p:cNvCxnSpPr>
+              <a:stCxn id="122" idx="4"/>
+              <a:endCxn id="202" idx="0"/>
+            </p:cNvCxnSpPr>
+            <p:nvPr/>
+          </p:nvCxnSpPr>
+          <p:spPr>
+            <a:xfrm rot="5400000">
+              <a:off x="5455784" y="2420447"/>
+              <a:ext cx="448806" cy="899021"/>
+            </a:xfrm>
+            <a:prstGeom prst="curvedConnector3">
+              <a:avLst>
+                <a:gd name="adj1" fmla="val 50000"/>
+              </a:avLst>
+            </a:prstGeom>
+            <a:ln w="15875">
+              <a:solidFill>
+                <a:schemeClr val="tx1"/>
+              </a:solidFill>
+              <a:tailEnd type="triangle" w="med" len="lg"/>
+            </a:ln>
+          </p:spPr>
+          <p:style>
+            <a:lnRef idx="1">
+              <a:schemeClr val="accent1"/>
+            </a:lnRef>
+            <a:fillRef idx="0">
+              <a:schemeClr val="accent1"/>
+            </a:fillRef>
+            <a:effectRef idx="0">
+              <a:schemeClr val="accent1"/>
+            </a:effectRef>
+            <a:fontRef idx="minor">
+              <a:schemeClr val="tx1"/>
+            </a:fontRef>
+          </p:style>
+        </p:cxnSp>
+        <p:cxnSp>
+          <p:nvCxnSpPr>
+            <p:cNvPr id="206" name="Connecteur en arc 205"/>
+            <p:cNvCxnSpPr>
+              <a:stCxn id="202" idx="6"/>
+              <a:endCxn id="163" idx="0"/>
+            </p:cNvCxnSpPr>
+            <p:nvPr/>
+          </p:nvCxnSpPr>
+          <p:spPr>
+            <a:xfrm>
+              <a:off x="5338688" y="3202372"/>
+              <a:ext cx="1357548" cy="1096741"/>
+            </a:xfrm>
+            <a:prstGeom prst="curvedConnector2">
+              <a:avLst/>
+            </a:prstGeom>
+            <a:ln w="15875">
+              <a:solidFill>
+                <a:schemeClr val="tx1"/>
+              </a:solidFill>
+              <a:tailEnd type="triangle" w="med" len="lg"/>
+            </a:ln>
+          </p:spPr>
+          <p:style>
+            <a:lnRef idx="1">
+              <a:schemeClr val="accent1"/>
+            </a:lnRef>
+            <a:fillRef idx="0">
+              <a:schemeClr val="accent1"/>
+            </a:fillRef>
+            <a:effectRef idx="0">
+              <a:schemeClr val="accent1"/>
+            </a:effectRef>
+            <a:fontRef idx="minor">
+              <a:schemeClr val="tx1"/>
+            </a:fontRef>
+          </p:style>
+        </p:cxnSp>
+        <p:sp>
+          <p:nvSpPr>
+            <p:cNvPr id="110" name="ZoneTexte 109"/>
+            <p:cNvSpPr txBox="1"/>
+            <p:nvPr/>
+          </p:nvSpPr>
+          <p:spPr>
+            <a:xfrm>
+              <a:off x="6084168" y="3284984"/>
+              <a:ext cx="1224136" cy="369332"/>
+            </a:xfrm>
+            <a:prstGeom prst="rect">
+              <a:avLst/>
+            </a:prstGeom>
+            <a:solidFill>
+              <a:schemeClr val="lt1"/>
+            </a:solidFill>
+          </p:spPr>
+          <p:txBody>
+            <a:bodyPr wrap="square" lIns="0" tIns="0" rIns="0" bIns="0" rtlCol="0">
+              <a:spAutoFit/>
+            </a:bodyPr>
+            <a:lstStyle/>
+            <a:p>
+              <a:r>
+                <a:rPr lang="fr-BE" sz="1200" noProof="1" smtClean="0"/>
+                <a:t>[</a:t>
+              </a:r>
+              <a:r>
+                <a:rPr lang="fr-BE" sz="1200" noProof="1" smtClean="0">
+                  <a:sym typeface="Symbol"/>
+                </a:rPr>
+                <a:t> </a:t>
+              </a:r>
+              <a:r>
+                <a:rPr lang="fr-BE" sz="1200" noProof="1" smtClean="0"/>
+                <a:t>date_conflict </a:t>
+              </a:r>
+              <a:br>
+                <a:rPr lang="fr-BE" sz="1200" noProof="1" smtClean="0"/>
+              </a:br>
+              <a:r>
+                <a:rPr lang="fr-BE" sz="1200" noProof="1" smtClean="0">
+                  <a:sym typeface="Symbol"/>
+                </a:rPr>
+                <a:t> range_extended</a:t>
+              </a:r>
+              <a:r>
+                <a:rPr lang="fr-BE" sz="1200" noProof="1" smtClean="0"/>
+                <a:t>]</a:t>
+              </a:r>
+              <a:endParaRPr lang="fr-BE" sz="1200" noProof="1"/>
+            </a:p>
+          </p:txBody>
+        </p:sp>
+        <p:sp>
+          <p:nvSpPr>
+            <p:cNvPr id="209" name="Ellipse 208"/>
+            <p:cNvSpPr/>
+            <p:nvPr/>
+          </p:nvSpPr>
+          <p:spPr>
+            <a:xfrm>
+              <a:off x="7439620" y="5443911"/>
+              <a:ext cx="216024" cy="216024"/>
+            </a:xfrm>
+            <a:prstGeom prst="ellipse">
+              <a:avLst/>
+            </a:prstGeom>
+            <a:ln w="15875"/>
+          </p:spPr>
+          <p:style>
+            <a:lnRef idx="2">
+              <a:schemeClr val="dk1"/>
+            </a:lnRef>
+            <a:fillRef idx="1">
+              <a:schemeClr val="lt1"/>
+            </a:fillRef>
+            <a:effectRef idx="0">
+              <a:schemeClr val="dk1"/>
+            </a:effectRef>
+            <a:fontRef idx="minor">
+              <a:schemeClr val="dk1"/>
+            </a:fontRef>
+          </p:style>
+          <p:txBody>
+            <a:bodyPr rtlCol="0" anchor="ctr"/>
+            <a:lstStyle/>
+            <a:p>
+              <a:pPr algn="ctr"/>
+              <a:endParaRPr lang="fr-BE"/>
+            </a:p>
+          </p:txBody>
+        </p:sp>
+        <p:cxnSp>
+          <p:nvCxnSpPr>
+            <p:cNvPr id="210" name="Connecteur en arc 209"/>
+            <p:cNvCxnSpPr>
+              <a:endCxn id="209" idx="0"/>
+            </p:cNvCxnSpPr>
+            <p:nvPr/>
+          </p:nvCxnSpPr>
+          <p:spPr>
+            <a:xfrm rot="5400000">
+              <a:off x="7546217" y="4516552"/>
+              <a:ext cx="928774" cy="925944"/>
+            </a:xfrm>
+            <a:prstGeom prst="curvedConnector3">
+              <a:avLst>
+                <a:gd name="adj1" fmla="val 50000"/>
+              </a:avLst>
+            </a:prstGeom>
+            <a:ln w="15875">
+              <a:solidFill>
+                <a:schemeClr val="tx1"/>
+              </a:solidFill>
+              <a:tailEnd type="triangle" w="med" len="lg"/>
+            </a:ln>
+          </p:spPr>
+          <p:style>
+            <a:lnRef idx="1">
+              <a:schemeClr val="accent1"/>
+            </a:lnRef>
+            <a:fillRef idx="0">
+              <a:schemeClr val="accent1"/>
+            </a:fillRef>
+            <a:effectRef idx="0">
+              <a:schemeClr val="accent1"/>
+            </a:effectRef>
+            <a:fontRef idx="minor">
+              <a:schemeClr val="tx1"/>
+            </a:fontRef>
+          </p:style>
+        </p:cxnSp>
+        <p:cxnSp>
+          <p:nvCxnSpPr>
+            <p:cNvPr id="213" name="Connecteur en arc 212"/>
+            <p:cNvCxnSpPr>
+              <a:stCxn id="155" idx="0"/>
+              <a:endCxn id="202" idx="4"/>
+            </p:cNvCxnSpPr>
+            <p:nvPr/>
+          </p:nvCxnSpPr>
+          <p:spPr>
+            <a:xfrm rot="16200000" flipV="1">
+              <a:off x="5117825" y="3423236"/>
+              <a:ext cx="988729" cy="763025"/>
+            </a:xfrm>
+            <a:prstGeom prst="curvedConnector3">
+              <a:avLst>
+                <a:gd name="adj1" fmla="val 50000"/>
+              </a:avLst>
+            </a:prstGeom>
+            <a:ln w="15875">
+              <a:solidFill>
+                <a:schemeClr val="tx1"/>
+              </a:solidFill>
+              <a:tailEnd type="triangle" w="med" len="lg"/>
+            </a:ln>
+          </p:spPr>
+          <p:style>
+            <a:lnRef idx="1">
+              <a:schemeClr val="accent1"/>
+            </a:lnRef>
+            <a:fillRef idx="0">
+              <a:schemeClr val="accent1"/>
+            </a:fillRef>
+            <a:effectRef idx="0">
+              <a:schemeClr val="accent1"/>
+            </a:effectRef>
+            <a:fontRef idx="minor">
+              <a:schemeClr val="tx1"/>
+            </a:fontRef>
+          </p:style>
+        </p:cxnSp>
+        <p:cxnSp>
+          <p:nvCxnSpPr>
+            <p:cNvPr id="216" name="Connecteur en arc 215"/>
+            <p:cNvCxnSpPr>
+              <a:stCxn id="202" idx="2"/>
+              <a:endCxn id="141" idx="0"/>
+            </p:cNvCxnSpPr>
+            <p:nvPr/>
+          </p:nvCxnSpPr>
+          <p:spPr>
+            <a:xfrm rot="10800000" flipV="1">
+              <a:off x="1825092" y="3202371"/>
+              <a:ext cx="3297572" cy="1096741"/>
+            </a:xfrm>
+            <a:prstGeom prst="curvedConnector2">
+              <a:avLst/>
+            </a:prstGeom>
+            <a:ln w="15875">
+              <a:solidFill>
+                <a:schemeClr val="tx1"/>
+              </a:solidFill>
+              <a:tailEnd type="triangle" w="med" len="lg"/>
+            </a:ln>
+          </p:spPr>
+          <p:style>
+            <a:lnRef idx="1">
+              <a:schemeClr val="accent1"/>
+            </a:lnRef>
+            <a:fillRef idx="0">
+              <a:schemeClr val="accent1"/>
+            </a:fillRef>
+            <a:effectRef idx="0">
+              <a:schemeClr val="accent1"/>
+            </a:effectRef>
+            <a:fontRef idx="minor">
+              <a:schemeClr val="tx1"/>
+            </a:fontRef>
+          </p:style>
+        </p:cxnSp>
+        <p:sp>
+          <p:nvSpPr>
+            <p:cNvPr id="109" name="ZoneTexte 108"/>
+            <p:cNvSpPr txBox="1"/>
+            <p:nvPr/>
+          </p:nvSpPr>
+          <p:spPr>
+            <a:xfrm>
+              <a:off x="2555776" y="3284984"/>
+              <a:ext cx="1164437" cy="369332"/>
+            </a:xfrm>
+            <a:prstGeom prst="rect">
+              <a:avLst/>
+            </a:prstGeom>
+            <a:solidFill>
+              <a:schemeClr val="bg1"/>
+            </a:solidFill>
+          </p:spPr>
+          <p:txBody>
+            <a:bodyPr wrap="square" lIns="0" tIns="0" rIns="0" bIns="0" rtlCol="0">
+              <a:spAutoFit/>
+            </a:bodyPr>
+            <a:lstStyle/>
+            <a:p>
+              <a:r>
+                <a:rPr lang="fr-BE" sz="1200" noProof="1" smtClean="0"/>
+                <a:t>[date_conflict </a:t>
+              </a:r>
+              <a:r>
+                <a:rPr lang="fr-BE" sz="1200" noProof="1" smtClean="0">
+                  <a:sym typeface="Symbol"/>
+                </a:rPr>
+                <a:t> </a:t>
+              </a:r>
+              <a:br>
+                <a:rPr lang="fr-BE" sz="1200" noProof="1" smtClean="0">
+                  <a:sym typeface="Symbol"/>
+                </a:rPr>
+              </a:br>
+              <a:r>
+                <a:rPr lang="fr-BE" sz="1200" noProof="1" smtClean="0">
+                  <a:sym typeface="Symbol"/>
+                </a:rPr>
+                <a:t>range_extended</a:t>
+              </a:r>
+              <a:r>
+                <a:rPr lang="fr-BE" sz="1200" noProof="1" smtClean="0"/>
+                <a:t>]</a:t>
+              </a:r>
+              <a:endParaRPr lang="fr-BE" sz="1200" noProof="1"/>
+            </a:p>
+          </p:txBody>
+        </p:sp>
+        <p:sp>
+          <p:nvSpPr>
+            <p:cNvPr id="227" name="Ellipse 226"/>
+            <p:cNvSpPr/>
+            <p:nvPr/>
+          </p:nvSpPr>
+          <p:spPr>
+            <a:xfrm>
+              <a:off x="2607581" y="5525205"/>
+              <a:ext cx="216024" cy="216024"/>
+            </a:xfrm>
+            <a:prstGeom prst="ellipse">
+              <a:avLst/>
+            </a:prstGeom>
+            <a:ln w="15875"/>
+          </p:spPr>
+          <p:style>
+            <a:lnRef idx="2">
+              <a:schemeClr val="dk1"/>
+            </a:lnRef>
+            <a:fillRef idx="1">
+              <a:schemeClr val="lt1"/>
+            </a:fillRef>
+            <a:effectRef idx="0">
+              <a:schemeClr val="dk1"/>
+            </a:effectRef>
+            <a:fontRef idx="minor">
+              <a:schemeClr val="dk1"/>
+            </a:fontRef>
+          </p:style>
+          <p:txBody>
+            <a:bodyPr rtlCol="0" anchor="ctr"/>
+            <a:lstStyle/>
+            <a:p>
+              <a:pPr algn="ctr"/>
+              <a:endParaRPr lang="fr-BE"/>
+            </a:p>
+          </p:txBody>
+        </p:sp>
+        <p:cxnSp>
+          <p:nvCxnSpPr>
+            <p:cNvPr id="228" name="Connecteur en arc 227"/>
+            <p:cNvCxnSpPr>
+              <a:endCxn id="227" idx="0"/>
+            </p:cNvCxnSpPr>
+            <p:nvPr/>
+          </p:nvCxnSpPr>
+          <p:spPr>
+            <a:xfrm rot="5400000">
+              <a:off x="2653979" y="4576752"/>
+              <a:ext cx="1010068" cy="886839"/>
+            </a:xfrm>
+            <a:prstGeom prst="curvedConnector3">
+              <a:avLst>
+                <a:gd name="adj1" fmla="val 50000"/>
+              </a:avLst>
+            </a:prstGeom>
+            <a:ln w="15875">
+              <a:solidFill>
+                <a:schemeClr val="tx1"/>
+              </a:solidFill>
+              <a:tailEnd type="triangle" w="med" len="lg"/>
+            </a:ln>
+          </p:spPr>
+          <p:style>
+            <a:lnRef idx="1">
+              <a:schemeClr val="accent1"/>
+            </a:lnRef>
+            <a:fillRef idx="0">
+              <a:schemeClr val="accent1"/>
+            </a:fillRef>
+            <a:effectRef idx="0">
+              <a:schemeClr val="accent1"/>
+            </a:effectRef>
+            <a:fontRef idx="minor">
+              <a:schemeClr val="tx1"/>
+            </a:fontRef>
+          </p:style>
+        </p:cxnSp>
+        <p:cxnSp>
+          <p:nvCxnSpPr>
+            <p:cNvPr id="232" name="Connecteur en arc 231"/>
+            <p:cNvCxnSpPr>
+              <a:stCxn id="227" idx="6"/>
+              <a:endCxn id="152" idx="4"/>
+            </p:cNvCxnSpPr>
+            <p:nvPr/>
+          </p:nvCxnSpPr>
+          <p:spPr>
+            <a:xfrm flipV="1">
+              <a:off x="2823605" y="4515137"/>
+              <a:ext cx="1392756" cy="1118080"/>
+            </a:xfrm>
+            <a:prstGeom prst="curvedConnector2">
+              <a:avLst/>
+            </a:prstGeom>
+            <a:ln w="15875">
+              <a:solidFill>
+                <a:schemeClr val="tx1"/>
+              </a:solidFill>
+              <a:tailEnd type="triangle" w="med" len="lg"/>
+            </a:ln>
+          </p:spPr>
+          <p:style>
+            <a:lnRef idx="1">
+              <a:schemeClr val="accent1"/>
+            </a:lnRef>
+            <a:fillRef idx="0">
+              <a:schemeClr val="accent1"/>
+            </a:fillRef>
+            <a:effectRef idx="0">
+              <a:schemeClr val="accent1"/>
+            </a:effectRef>
+            <a:fontRef idx="minor">
+              <a:schemeClr val="tx1"/>
+            </a:fontRef>
+          </p:style>
+        </p:cxnSp>
+        <p:sp>
+          <p:nvSpPr>
+            <p:cNvPr id="117" name="ZoneTexte 116"/>
+            <p:cNvSpPr txBox="1"/>
+            <p:nvPr/>
+          </p:nvSpPr>
+          <p:spPr>
+            <a:xfrm>
+              <a:off x="3347864" y="5136210"/>
+              <a:ext cx="1599776" cy="184666"/>
+            </a:xfrm>
+            <a:prstGeom prst="rect">
+              <a:avLst/>
+            </a:prstGeom>
+            <a:solidFill>
+              <a:schemeClr val="bg1"/>
+            </a:solidFill>
+          </p:spPr>
+          <p:txBody>
+            <a:bodyPr wrap="square" lIns="0" tIns="0" rIns="0" bIns="0" rtlCol="0">
+              <a:spAutoFit/>
+            </a:bodyPr>
+            <a:lstStyle/>
+            <a:p>
+              <a:r>
+                <a:rPr lang="fr-BE" sz="1200" noProof="1" smtClean="0"/>
+                <a:t>[resolve_by_weakening]</a:t>
+              </a:r>
+              <a:endParaRPr lang="fr-BE" sz="1200" noProof="1"/>
+            </a:p>
+          </p:txBody>
+        </p:sp>
+        <p:cxnSp>
+          <p:nvCxnSpPr>
+            <p:cNvPr id="235" name="Connecteur en arc 231"/>
+            <p:cNvCxnSpPr>
+              <a:stCxn id="227" idx="2"/>
+              <a:endCxn id="130" idx="4"/>
+            </p:cNvCxnSpPr>
+            <p:nvPr/>
+          </p:nvCxnSpPr>
+          <p:spPr>
+            <a:xfrm rot="10800000">
+              <a:off x="964669" y="2645555"/>
+              <a:ext cx="1642912" cy="2987663"/>
+            </a:xfrm>
+            <a:prstGeom prst="curvedConnector2">
+              <a:avLst/>
+            </a:prstGeom>
+            <a:ln w="15875">
+              <a:solidFill>
+                <a:schemeClr val="tx1"/>
+              </a:solidFill>
+              <a:tailEnd type="triangle" w="med" len="lg"/>
+            </a:ln>
+          </p:spPr>
+          <p:style>
+            <a:lnRef idx="1">
+              <a:schemeClr val="accent1"/>
+            </a:lnRef>
+            <a:fillRef idx="0">
+              <a:schemeClr val="accent1"/>
+            </a:fillRef>
+            <a:effectRef idx="0">
+              <a:schemeClr val="accent1"/>
+            </a:effectRef>
+            <a:fontRef idx="minor">
+              <a:schemeClr val="tx1"/>
+            </a:fontRef>
+          </p:style>
+        </p:cxnSp>
+        <p:sp>
+          <p:nvSpPr>
+            <p:cNvPr id="116" name="ZoneTexte 115"/>
+            <p:cNvSpPr txBox="1"/>
+            <p:nvPr/>
+          </p:nvSpPr>
+          <p:spPr>
+            <a:xfrm>
+              <a:off x="755576" y="5136210"/>
+              <a:ext cx="1728192" cy="184666"/>
+            </a:xfrm>
+            <a:prstGeom prst="rect">
+              <a:avLst/>
+            </a:prstGeom>
+            <a:solidFill>
+              <a:schemeClr val="lt1"/>
+            </a:solidFill>
+          </p:spPr>
+          <p:txBody>
+            <a:bodyPr wrap="square" lIns="0" tIns="0" rIns="0" bIns="0" rtlCol="0">
+              <a:spAutoFit/>
+            </a:bodyPr>
+            <a:lstStyle/>
+            <a:p>
+              <a:r>
+                <a:rPr lang="fr-BE" sz="1200" noProof="1" smtClean="0"/>
+                <a:t>[</a:t>
+              </a:r>
+              <a:r>
+                <a:rPr lang="fr-BE" sz="1200" noProof="1" smtClean="0">
+                  <a:sym typeface="Symbol"/>
+                </a:rPr>
+                <a:t> </a:t>
+              </a:r>
+              <a:r>
+                <a:rPr lang="fr-BE" sz="1200" noProof="1" smtClean="0"/>
+                <a:t>resolve_by_weakening]</a:t>
+              </a:r>
+              <a:endParaRPr lang="fr-BE" sz="1200" noProof="1"/>
+            </a:p>
+          </p:txBody>
+        </p:sp>
+        <p:sp>
+          <p:nvSpPr>
+            <p:cNvPr id="241" name="ZoneTexte 240"/>
+            <p:cNvSpPr txBox="1"/>
+            <p:nvPr/>
+          </p:nvSpPr>
+          <p:spPr>
+            <a:xfrm>
+              <a:off x="3818012" y="1099344"/>
+              <a:ext cx="173693" cy="349702"/>
+            </a:xfrm>
+            <a:prstGeom prst="rect">
+              <a:avLst/>
+            </a:prstGeom>
+            <a:solidFill>
+              <a:schemeClr val="bg1"/>
+            </a:solidFill>
+          </p:spPr>
+          <p:txBody>
+            <a:bodyPr wrap="none" lIns="36000" tIns="36000" rIns="36000" bIns="36000" rtlCol="0" anchor="t" anchorCtr="0">
+              <a:spAutoFit/>
+            </a:bodyPr>
+            <a:lstStyle/>
+            <a:p>
+              <a:r>
+                <a:rPr lang="fr-BE" dirty="0" smtClean="0">
+                  <a:sym typeface="Symbol"/>
+                </a:rPr>
+                <a:t></a:t>
+              </a:r>
+              <a:endParaRPr lang="fr-BE" dirty="0"/>
+            </a:p>
+          </p:txBody>
+        </p:sp>
+        <p:sp>
+          <p:nvSpPr>
+            <p:cNvPr id="243" name="ZoneTexte 242"/>
+            <p:cNvSpPr txBox="1"/>
+            <p:nvPr/>
+          </p:nvSpPr>
+          <p:spPr>
+            <a:xfrm>
+              <a:off x="3275856" y="2348880"/>
+              <a:ext cx="173693" cy="349702"/>
+            </a:xfrm>
+            <a:prstGeom prst="rect">
+              <a:avLst/>
+            </a:prstGeom>
+            <a:solidFill>
+              <a:schemeClr val="bg1"/>
+            </a:solidFill>
+          </p:spPr>
+          <p:txBody>
+            <a:bodyPr wrap="none" lIns="36000" tIns="36000" rIns="36000" bIns="36000" rtlCol="0" anchor="t" anchorCtr="0">
+              <a:spAutoFit/>
+            </a:bodyPr>
+            <a:lstStyle/>
+            <a:p>
+              <a:r>
+                <a:rPr lang="fr-BE" dirty="0" smtClean="0">
+                  <a:sym typeface="Symbol"/>
+                </a:rPr>
+                <a:t></a:t>
+              </a:r>
+              <a:endParaRPr lang="fr-BE" dirty="0"/>
+            </a:p>
+          </p:txBody>
+        </p:sp>
+        <p:sp>
+          <p:nvSpPr>
+            <p:cNvPr id="244" name="ZoneTexte 243"/>
+            <p:cNvSpPr txBox="1"/>
+            <p:nvPr/>
+          </p:nvSpPr>
+          <p:spPr>
+            <a:xfrm>
+              <a:off x="5478427" y="3582541"/>
+              <a:ext cx="173693" cy="349702"/>
+            </a:xfrm>
+            <a:prstGeom prst="rect">
+              <a:avLst/>
+            </a:prstGeom>
+            <a:solidFill>
+              <a:schemeClr val="bg1"/>
+            </a:solidFill>
+          </p:spPr>
+          <p:txBody>
+            <a:bodyPr wrap="none" lIns="36000" tIns="36000" rIns="36000" bIns="36000" rtlCol="0" anchor="t" anchorCtr="0">
+              <a:spAutoFit/>
+            </a:bodyPr>
+            <a:lstStyle/>
+            <a:p>
+              <a:r>
+                <a:rPr lang="fr-BE" dirty="0" smtClean="0">
+                  <a:sym typeface="Symbol"/>
+                </a:rPr>
+                <a:t></a:t>
+              </a:r>
+              <a:endParaRPr lang="fr-BE" dirty="0"/>
+            </a:p>
+          </p:txBody>
+        </p:sp>
+        <p:sp>
+          <p:nvSpPr>
+            <p:cNvPr id="245" name="ZoneTexte 244"/>
+            <p:cNvSpPr txBox="1"/>
+            <p:nvPr/>
+          </p:nvSpPr>
+          <p:spPr>
+            <a:xfrm>
+              <a:off x="7884368" y="4797152"/>
+              <a:ext cx="173693" cy="349702"/>
+            </a:xfrm>
+            <a:prstGeom prst="rect">
+              <a:avLst/>
+            </a:prstGeom>
+            <a:solidFill>
+              <a:schemeClr val="bg1"/>
+            </a:solidFill>
+          </p:spPr>
+          <p:txBody>
+            <a:bodyPr wrap="none" lIns="36000" tIns="36000" rIns="36000" bIns="36000" rtlCol="0" anchor="t" anchorCtr="0">
+              <a:spAutoFit/>
+            </a:bodyPr>
+            <a:lstStyle/>
+            <a:p>
+              <a:r>
+                <a:rPr lang="fr-BE" dirty="0" smtClean="0">
+                  <a:sym typeface="Symbol"/>
+                </a:rPr>
+                <a:t></a:t>
+              </a:r>
+              <a:endParaRPr lang="fr-BE" dirty="0"/>
+            </a:p>
+          </p:txBody>
+        </p:sp>
+        <p:sp>
+          <p:nvSpPr>
+            <p:cNvPr id="246" name="ZoneTexte 245"/>
+            <p:cNvSpPr txBox="1"/>
+            <p:nvPr/>
+          </p:nvSpPr>
+          <p:spPr>
+            <a:xfrm>
+              <a:off x="3050307" y="4835252"/>
+              <a:ext cx="173693" cy="349702"/>
+            </a:xfrm>
+            <a:prstGeom prst="rect">
+              <a:avLst/>
+            </a:prstGeom>
+            <a:solidFill>
+              <a:schemeClr val="bg1"/>
+            </a:solidFill>
+          </p:spPr>
+          <p:txBody>
+            <a:bodyPr wrap="none" lIns="36000" tIns="36000" rIns="36000" bIns="36000" rtlCol="0" anchor="t" anchorCtr="0">
+              <a:spAutoFit/>
+            </a:bodyPr>
+            <a:lstStyle/>
+            <a:p>
+              <a:r>
+                <a:rPr lang="fr-BE" dirty="0" smtClean="0">
+                  <a:sym typeface="Symbol"/>
+                </a:rPr>
+                <a:t></a:t>
+              </a:r>
+              <a:endParaRPr lang="fr-BE" dirty="0"/>
+            </a:p>
+          </p:txBody>
+        </p:sp>
+        <p:sp>
+          <p:nvSpPr>
+            <p:cNvPr id="247" name="ZoneTexte 246"/>
+            <p:cNvSpPr txBox="1"/>
+            <p:nvPr/>
+          </p:nvSpPr>
+          <p:spPr>
+            <a:xfrm>
+              <a:off x="5652120" y="2683520"/>
+              <a:ext cx="173693" cy="349702"/>
+            </a:xfrm>
+            <a:prstGeom prst="rect">
+              <a:avLst/>
+            </a:prstGeom>
+            <a:solidFill>
+              <a:schemeClr val="bg1"/>
+            </a:solidFill>
+          </p:spPr>
+          <p:txBody>
+            <a:bodyPr wrap="none" lIns="36000" tIns="36000" rIns="36000" bIns="36000" rtlCol="0" anchor="t" anchorCtr="0">
+              <a:spAutoFit/>
+            </a:bodyPr>
+            <a:lstStyle/>
+            <a:p>
+              <a:r>
+                <a:rPr lang="fr-BE" dirty="0" smtClean="0">
+                  <a:sym typeface="Symbol"/>
+                </a:rPr>
+                <a:t></a:t>
+              </a:r>
+              <a:endParaRPr lang="fr-BE" dirty="0"/>
+            </a:p>
+          </p:txBody>
+        </p:sp>
+        <p:sp>
+          <p:nvSpPr>
+            <p:cNvPr id="21" name="Rectangle à coins arrondis 20"/>
+            <p:cNvSpPr/>
+            <p:nvPr/>
+          </p:nvSpPr>
+          <p:spPr>
+            <a:xfrm>
+              <a:off x="4171555" y="2086486"/>
+              <a:ext cx="2128638" cy="622434"/>
+            </a:xfrm>
+            <a:prstGeom prst="roundRect">
+              <a:avLst/>
+            </a:prstGeom>
+            <a:ln w="9525">
+              <a:prstDash val="sysDash"/>
+            </a:ln>
+          </p:spPr>
+          <p:style>
+            <a:lnRef idx="2">
+              <a:schemeClr val="dk1"/>
+            </a:lnRef>
+            <a:fillRef idx="1">
+              <a:schemeClr val="lt1"/>
+            </a:fillRef>
+            <a:effectRef idx="0">
+              <a:schemeClr val="dk1"/>
+            </a:effectRef>
+            <a:fontRef idx="minor">
+              <a:schemeClr val="dk1"/>
+            </a:fontRef>
+          </p:style>
+          <p:txBody>
+            <a:bodyPr wrap="none" lIns="36000" tIns="36000" rIns="36000" bIns="36000" rtlCol="0" anchor="t"/>
+            <a:lstStyle/>
+            <a:p>
+              <a:pPr algn="r"/>
+              <a:r>
+                <a:rPr lang="fr-BE" sz="1200" noProof="1" smtClean="0">
+                  <a:latin typeface="+mj-lt"/>
+                </a:rPr>
+                <a:t>Acquire  Constraints</a:t>
+              </a:r>
+              <a:endParaRPr lang="fr-BE" sz="1200" noProof="1">
+                <a:latin typeface="+mj-lt"/>
+              </a:endParaRPr>
+            </a:p>
+          </p:txBody>
+        </p:sp>
+        <p:grpSp>
+          <p:nvGrpSpPr>
+            <p:cNvPr id="118" name="Groupe 117"/>
+            <p:cNvGrpSpPr/>
+            <p:nvPr/>
+          </p:nvGrpSpPr>
+          <p:grpSpPr>
+            <a:xfrm>
+              <a:off x="4244345" y="2422200"/>
+              <a:ext cx="1993364" cy="223354"/>
+              <a:chOff x="899592" y="897580"/>
+              <a:chExt cx="1993364" cy="223354"/>
+            </a:xfrm>
+          </p:grpSpPr>
+          <p:sp>
+            <p:nvSpPr>
+              <p:cNvPr id="119" name="Ellipse 118"/>
+              <p:cNvSpPr/>
+              <p:nvPr/>
+            </p:nvSpPr>
+            <p:spPr>
+              <a:xfrm>
+                <a:off x="899592" y="904910"/>
+                <a:ext cx="216024" cy="216024"/>
+              </a:xfrm>
+              <a:prstGeom prst="ellipse">
+                <a:avLst/>
+              </a:prstGeom>
+              <a:ln w="15875"/>
+            </p:spPr>
+            <p:style>
+              <a:lnRef idx="2">
+                <a:schemeClr val="dk1"/>
+              </a:lnRef>
+              <a:fillRef idx="1">
+                <a:schemeClr val="lt1"/>
+              </a:fillRef>
+              <a:effectRef idx="0">
+                <a:schemeClr val="dk1"/>
+              </a:effectRef>
+              <a:fontRef idx="minor">
+                <a:schemeClr val="dk1"/>
+              </a:fontRef>
+            </p:style>
+            <p:txBody>
+              <a:bodyPr rtlCol="0" anchor="ctr"/>
+              <a:lstStyle/>
+              <a:p>
+                <a:pPr algn="ctr"/>
+                <a:endParaRPr lang="fr-BE"/>
+              </a:p>
+            </p:txBody>
+          </p:sp>
+          <p:sp>
+            <p:nvSpPr>
+              <p:cNvPr id="120" name="Ellipse 119"/>
+              <p:cNvSpPr/>
+              <p:nvPr/>
+            </p:nvSpPr>
+            <p:spPr>
+              <a:xfrm>
+                <a:off x="1490896" y="904910"/>
+                <a:ext cx="216024" cy="216024"/>
+              </a:xfrm>
+              <a:prstGeom prst="ellipse">
+                <a:avLst/>
+              </a:prstGeom>
+              <a:ln w="15875"/>
+            </p:spPr>
+            <p:style>
+              <a:lnRef idx="2">
+                <a:schemeClr val="dk1"/>
+              </a:lnRef>
+              <a:fillRef idx="1">
+                <a:schemeClr val="lt1"/>
+              </a:fillRef>
+              <a:effectRef idx="0">
+                <a:schemeClr val="dk1"/>
+              </a:effectRef>
+              <a:fontRef idx="minor">
+                <a:schemeClr val="dk1"/>
+              </a:fontRef>
+            </p:style>
+            <p:txBody>
+              <a:bodyPr rtlCol="0" anchor="ctr"/>
+              <a:lstStyle/>
+              <a:p>
+                <a:pPr algn="ctr"/>
+                <a:endParaRPr lang="fr-BE"/>
+              </a:p>
+            </p:txBody>
+          </p:sp>
+          <p:sp>
+            <p:nvSpPr>
+              <p:cNvPr id="121" name="Ellipse 120"/>
+              <p:cNvSpPr/>
+              <p:nvPr/>
+            </p:nvSpPr>
+            <p:spPr>
+              <a:xfrm>
+                <a:off x="2107346" y="904910"/>
+                <a:ext cx="216024" cy="216024"/>
+              </a:xfrm>
+              <a:prstGeom prst="ellipse">
+                <a:avLst/>
+              </a:prstGeom>
+              <a:ln w="15875"/>
+            </p:spPr>
+            <p:style>
+              <a:lnRef idx="2">
+                <a:schemeClr val="dk1"/>
+              </a:lnRef>
+              <a:fillRef idx="1">
+                <a:schemeClr val="lt1"/>
+              </a:fillRef>
+              <a:effectRef idx="0">
+                <a:schemeClr val="dk1"/>
+              </a:effectRef>
+              <a:fontRef idx="minor">
+                <a:schemeClr val="dk1"/>
+              </a:fontRef>
+            </p:style>
+            <p:txBody>
+              <a:bodyPr rtlCol="0" anchor="ctr"/>
+              <a:lstStyle/>
+              <a:p>
+                <a:pPr algn="ctr"/>
+                <a:endParaRPr lang="fr-BE"/>
+              </a:p>
+            </p:txBody>
+          </p:sp>
+          <p:sp>
+            <p:nvSpPr>
+              <p:cNvPr id="122" name="Ellipse 121"/>
+              <p:cNvSpPr/>
+              <p:nvPr/>
+            </p:nvSpPr>
+            <p:spPr>
+              <a:xfrm>
+                <a:off x="2676932" y="904910"/>
+                <a:ext cx="216024" cy="216024"/>
+              </a:xfrm>
+              <a:prstGeom prst="ellipse">
+                <a:avLst/>
+              </a:prstGeom>
+              <a:ln w="15875"/>
+            </p:spPr>
+            <p:style>
+              <a:lnRef idx="2">
+                <a:schemeClr val="dk1"/>
+              </a:lnRef>
+              <a:fillRef idx="1">
+                <a:schemeClr val="lt1"/>
+              </a:fillRef>
+              <a:effectRef idx="0">
+                <a:schemeClr val="dk1"/>
+              </a:effectRef>
+              <a:fontRef idx="minor">
+                <a:schemeClr val="dk1"/>
+              </a:fontRef>
+            </p:style>
+            <p:txBody>
+              <a:bodyPr rtlCol="0" anchor="ctr"/>
+              <a:lstStyle/>
+              <a:p>
+                <a:pPr algn="ctr"/>
+                <a:endParaRPr lang="fr-BE"/>
+              </a:p>
+            </p:txBody>
+          </p:sp>
+          <p:cxnSp>
+            <p:nvCxnSpPr>
+              <p:cNvPr id="123" name="Connecteur droit avec flèche 122"/>
+              <p:cNvCxnSpPr>
+                <a:stCxn id="119" idx="6"/>
+                <a:endCxn id="120" idx="2"/>
+              </p:cNvCxnSpPr>
+              <p:nvPr/>
+            </p:nvCxnSpPr>
+            <p:spPr>
+              <a:xfrm>
+                <a:off x="1115616" y="1012922"/>
+                <a:ext cx="375280" cy="1588"/>
+              </a:xfrm>
+              <a:prstGeom prst="straightConnector1">
+                <a:avLst/>
+              </a:prstGeom>
+              <a:ln w="12700">
+                <a:solidFill>
+                  <a:schemeClr val="tx1"/>
+                </a:solidFill>
+                <a:tailEnd type="triangle" w="med" len="sm"/>
+              </a:ln>
+            </p:spPr>
+            <p:style>
+              <a:lnRef idx="1">
+                <a:schemeClr val="accent1"/>
+              </a:lnRef>
+              <a:fillRef idx="0">
+                <a:schemeClr val="accent1"/>
+              </a:fillRef>
+              <a:effectRef idx="0">
+                <a:schemeClr val="accent1"/>
+              </a:effectRef>
+              <a:fontRef idx="minor">
+                <a:schemeClr val="tx1"/>
+              </a:fontRef>
+            </p:style>
+          </p:cxnSp>
+          <p:cxnSp>
+            <p:nvCxnSpPr>
+              <p:cNvPr id="124" name="Connecteur droit avec flèche 123"/>
+              <p:cNvCxnSpPr>
+                <a:stCxn id="120" idx="6"/>
+                <a:endCxn id="121" idx="2"/>
+              </p:cNvCxnSpPr>
+              <p:nvPr/>
+            </p:nvCxnSpPr>
+            <p:spPr>
+              <a:xfrm>
+                <a:off x="1706920" y="1012922"/>
+                <a:ext cx="400426" cy="1588"/>
+              </a:xfrm>
+              <a:prstGeom prst="straightConnector1">
+                <a:avLst/>
+              </a:prstGeom>
+              <a:ln w="12700">
+                <a:solidFill>
+                  <a:schemeClr val="tx1"/>
+                </a:solidFill>
+                <a:tailEnd type="triangle" w="med" len="sm"/>
+              </a:ln>
+            </p:spPr>
+            <p:style>
+              <a:lnRef idx="1">
+                <a:schemeClr val="accent1"/>
+              </a:lnRef>
+              <a:fillRef idx="0">
+                <a:schemeClr val="accent1"/>
+              </a:fillRef>
+              <a:effectRef idx="0">
+                <a:schemeClr val="accent1"/>
+              </a:effectRef>
+              <a:fontRef idx="minor">
+                <a:schemeClr val="tx1"/>
+              </a:fontRef>
+            </p:style>
+          </p:cxnSp>
+          <p:cxnSp>
+            <p:nvCxnSpPr>
+              <p:cNvPr id="125" name="Connecteur droit avec flèche 124"/>
+              <p:cNvCxnSpPr>
+                <a:stCxn id="121" idx="6"/>
+                <a:endCxn id="122" idx="2"/>
+              </p:cNvCxnSpPr>
+              <p:nvPr/>
+            </p:nvCxnSpPr>
+            <p:spPr>
+              <a:xfrm>
+                <a:off x="2323370" y="1012922"/>
+                <a:ext cx="353562" cy="1588"/>
+              </a:xfrm>
+              <a:prstGeom prst="straightConnector1">
+                <a:avLst/>
+              </a:prstGeom>
+              <a:ln w="12700">
+                <a:solidFill>
+                  <a:schemeClr val="tx1"/>
+                </a:solidFill>
+                <a:tailEnd type="triangle" w="med" len="sm"/>
+              </a:ln>
+            </p:spPr>
+            <p:style>
+              <a:lnRef idx="1">
+                <a:schemeClr val="accent1"/>
+              </a:lnRef>
+              <a:fillRef idx="0">
+                <a:schemeClr val="accent1"/>
+              </a:fillRef>
+              <a:effectRef idx="0">
+                <a:schemeClr val="accent1"/>
+              </a:effectRef>
+              <a:fontRef idx="minor">
+                <a:schemeClr val="tx1"/>
+              </a:fontRef>
+            </p:style>
+          </p:cxnSp>
+          <p:sp>
+            <p:nvSpPr>
+              <p:cNvPr id="126" name="ZoneTexte 125"/>
+              <p:cNvSpPr txBox="1"/>
+              <p:nvPr/>
+            </p:nvSpPr>
+            <p:spPr>
+              <a:xfrm>
+                <a:off x="1745020" y="897580"/>
+                <a:ext cx="271993" cy="215444"/>
+              </a:xfrm>
+              <a:prstGeom prst="rect">
+                <a:avLst/>
+              </a:prstGeom>
+              <a:solidFill>
+                <a:schemeClr val="bg1"/>
+              </a:solidFill>
+            </p:spPr>
+            <p:txBody>
+              <a:bodyPr wrap="none" lIns="18000" tIns="0" rIns="18000" bIns="0" rtlCol="0">
+                <a:spAutoFit/>
+              </a:bodyPr>
+              <a:lstStyle/>
+              <a:p>
+                <a:r>
+                  <a:rPr lang="fr-BE" sz="1400" dirty="0" smtClean="0"/>
+                  <a:t>{…}</a:t>
+                </a:r>
+                <a:endParaRPr lang="fr-BE" sz="1400" dirty="0"/>
+              </a:p>
+            </p:txBody>
+          </p:sp>
+          <p:sp>
+            <p:nvSpPr>
+              <p:cNvPr id="127" name="ZoneTexte 126"/>
+              <p:cNvSpPr txBox="1"/>
+              <p:nvPr/>
+            </p:nvSpPr>
+            <p:spPr>
+              <a:xfrm>
+                <a:off x="1149861" y="916340"/>
+                <a:ext cx="253787" cy="184666"/>
+              </a:xfrm>
+              <a:prstGeom prst="rect">
+                <a:avLst/>
+              </a:prstGeom>
+              <a:solidFill>
+                <a:schemeClr val="bg1"/>
+              </a:solidFill>
+            </p:spPr>
+            <p:txBody>
+              <a:bodyPr wrap="none" lIns="0" tIns="0" rIns="0" bIns="0" rtlCol="0">
+                <a:spAutoFit/>
+              </a:bodyPr>
+              <a:lstStyle/>
+              <a:p>
+                <a:r>
+                  <a:rPr lang="fr-BE" sz="1200" dirty="0" err="1" smtClean="0"/>
+                  <a:t>T</a:t>
+                </a:r>
+                <a:r>
+                  <a:rPr lang="fr-BE" sz="1200" baseline="-25000" dirty="0" err="1" smtClean="0"/>
+                  <a:t>start</a:t>
+                </a:r>
+                <a:endParaRPr lang="fr-BE" sz="1200" baseline="-25000" dirty="0"/>
+              </a:p>
+            </p:txBody>
+          </p:sp>
+          <p:sp>
+            <p:nvSpPr>
+              <p:cNvPr id="128" name="ZoneTexte 127"/>
+              <p:cNvSpPr txBox="1"/>
+              <p:nvPr/>
+            </p:nvSpPr>
+            <p:spPr>
+              <a:xfrm>
+                <a:off x="2362612" y="916340"/>
+                <a:ext cx="221984" cy="184666"/>
+              </a:xfrm>
+              <a:prstGeom prst="rect">
+                <a:avLst/>
+              </a:prstGeom>
+              <a:solidFill>
+                <a:schemeClr val="bg1"/>
+              </a:solidFill>
+            </p:spPr>
+            <p:txBody>
+              <a:bodyPr wrap="none" lIns="0" tIns="0" rIns="0" bIns="0" rtlCol="0">
+                <a:spAutoFit/>
+              </a:bodyPr>
+              <a:lstStyle/>
+              <a:p>
+                <a:r>
+                  <a:rPr lang="fr-BE" sz="1200" dirty="0" smtClean="0"/>
+                  <a:t>T</a:t>
+                </a:r>
+                <a:r>
+                  <a:rPr lang="fr-BE" sz="1200" baseline="-25000" dirty="0" smtClean="0"/>
+                  <a:t>end</a:t>
+                </a:r>
+                <a:endParaRPr lang="fr-BE" sz="1200" baseline="-25000" dirty="0"/>
+              </a:p>
+            </p:txBody>
+          </p:sp>
+        </p:grpSp>
+        <p:cxnSp>
+          <p:nvCxnSpPr>
+            <p:cNvPr id="182" name="Connecteur en arc 181"/>
+            <p:cNvCxnSpPr/>
+            <p:nvPr/>
+          </p:nvCxnSpPr>
+          <p:spPr>
+            <a:xfrm rot="5400000">
+              <a:off x="4835935" y="1139577"/>
+              <a:ext cx="806375" cy="1773530"/>
+            </a:xfrm>
+            <a:prstGeom prst="curvedConnector3">
+              <a:avLst>
+                <a:gd name="adj1" fmla="val 50000"/>
+              </a:avLst>
+            </a:prstGeom>
+            <a:ln w="15875">
+              <a:solidFill>
+                <a:schemeClr val="tx1"/>
+              </a:solidFill>
+              <a:tailEnd type="triangle" w="med" len="lg"/>
+            </a:ln>
+          </p:spPr>
+          <p:style>
+            <a:lnRef idx="1">
+              <a:schemeClr val="accent1"/>
+            </a:lnRef>
+            <a:fillRef idx="0">
+              <a:schemeClr val="accent1"/>
+            </a:fillRef>
+            <a:effectRef idx="0">
+              <a:schemeClr val="accent1"/>
+            </a:effectRef>
+            <a:fontRef idx="minor">
+              <a:schemeClr val="tx1"/>
+            </a:fontRef>
+          </p:style>
+        </p:cxnSp>
+        <p:sp>
+          <p:nvSpPr>
+            <p:cNvPr id="242" name="ZoneTexte 241"/>
+            <p:cNvSpPr txBox="1"/>
+            <p:nvPr/>
+          </p:nvSpPr>
+          <p:spPr>
+            <a:xfrm>
+              <a:off x="5796136" y="1700808"/>
+              <a:ext cx="173693" cy="349702"/>
+            </a:xfrm>
+            <a:prstGeom prst="rect">
+              <a:avLst/>
+            </a:prstGeom>
+            <a:solidFill>
+              <a:schemeClr val="bg1"/>
+            </a:solidFill>
+          </p:spPr>
+          <p:txBody>
+            <a:bodyPr wrap="none" lIns="36000" tIns="36000" rIns="36000" bIns="36000" rtlCol="0" anchor="t" anchorCtr="0">
+              <a:spAutoFit/>
+            </a:bodyPr>
+            <a:lstStyle/>
+            <a:p>
+              <a:r>
+                <a:rPr lang="fr-BE" dirty="0" smtClean="0">
+                  <a:sym typeface="Symbol"/>
+                </a:rPr>
+                <a:t></a:t>
+              </a:r>
+              <a:endParaRPr lang="fr-BE" dirty="0"/>
+            </a:p>
+          </p:txBody>
+        </p:sp>
+      </p:grpSp>
     </p:spTree>
   </p:cSld>
   <p:clrMapOvr>

--- a/writing/images/train.pptx
+++ b/writing/images/train.pptx
@@ -4792,832 +4792,6 @@
       </p:grpSpPr>
       <p:grpSp>
         <p:nvGrpSpPr>
-          <p:cNvPr id="25" name="Groupe 24"/>
-          <p:cNvGrpSpPr/>
-          <p:nvPr/>
-        </p:nvGrpSpPr>
-        <p:grpSpPr>
-          <a:xfrm>
-            <a:off x="1619672" y="3429000"/>
-            <a:ext cx="4680520" cy="2088232"/>
-            <a:chOff x="1619672" y="999778"/>
-            <a:chExt cx="4680520" cy="2088232"/>
-          </a:xfrm>
-        </p:grpSpPr>
-        <p:sp>
-          <p:nvSpPr>
-            <p:cNvPr id="26" name="Rectangle 25"/>
-            <p:cNvSpPr/>
-            <p:nvPr/>
-          </p:nvSpPr>
-          <p:spPr>
-            <a:xfrm>
-              <a:off x="1619672" y="999778"/>
-              <a:ext cx="4680520" cy="2088232"/>
-            </a:xfrm>
-            <a:prstGeom prst="rect">
-              <a:avLst/>
-            </a:prstGeom>
-            <a:ln w="9525"/>
-          </p:spPr>
-          <p:style>
-            <a:lnRef idx="2">
-              <a:schemeClr val="dk1"/>
-            </a:lnRef>
-            <a:fillRef idx="1">
-              <a:schemeClr val="lt1"/>
-            </a:fillRef>
-            <a:effectRef idx="0">
-              <a:schemeClr val="dk1"/>
-            </a:effectRef>
-            <a:fontRef idx="minor">
-              <a:schemeClr val="dk1"/>
-            </a:fontRef>
-          </p:style>
-          <p:txBody>
-            <a:bodyPr rtlCol="0" anchor="ctr"/>
-            <a:lstStyle/>
-            <a:p>
-              <a:pPr algn="ctr"/>
-              <a:endParaRPr lang="fr-BE"/>
-            </a:p>
-          </p:txBody>
-        </p:sp>
-        <p:grpSp>
-          <p:nvGrpSpPr>
-            <p:cNvPr id="28" name="Groupe 122"/>
-            <p:cNvGrpSpPr/>
-            <p:nvPr/>
-          </p:nvGrpSpPr>
-          <p:grpSpPr>
-            <a:xfrm>
-              <a:off x="1700740" y="1168717"/>
-              <a:ext cx="4529459" cy="1748518"/>
-              <a:chOff x="1700740" y="1168717"/>
-              <a:chExt cx="4529459" cy="1748518"/>
-            </a:xfrm>
-          </p:grpSpPr>
-          <p:sp>
-            <p:nvSpPr>
-              <p:cNvPr id="29" name="Ellipse 3"/>
-              <p:cNvSpPr/>
-              <p:nvPr/>
-            </p:nvSpPr>
-            <p:spPr>
-              <a:xfrm>
-                <a:off x="3834994" y="1308783"/>
-                <a:ext cx="360000" cy="360000"/>
-              </a:xfrm>
-              <a:prstGeom prst="ellipse">
-                <a:avLst/>
-              </a:prstGeom>
-            </p:spPr>
-            <p:style>
-              <a:lnRef idx="2">
-                <a:schemeClr val="dk1"/>
-              </a:lnRef>
-              <a:fillRef idx="1">
-                <a:schemeClr val="lt1"/>
-              </a:fillRef>
-              <a:effectRef idx="0">
-                <a:schemeClr val="dk1"/>
-              </a:effectRef>
-              <a:fontRef idx="minor">
-                <a:schemeClr val="dk1"/>
-              </a:fontRef>
-            </p:style>
-            <p:txBody>
-              <a:bodyPr rtlCol="0" anchor="ctr"/>
-              <a:lstStyle/>
-              <a:p>
-                <a:pPr algn="ctr"/>
-                <a:endParaRPr lang="fr-BE" noProof="1"/>
-              </a:p>
-            </p:txBody>
-          </p:sp>
-          <p:sp>
-            <p:nvSpPr>
-              <p:cNvPr id="30" name="Ellipse 29"/>
-              <p:cNvSpPr/>
-              <p:nvPr/>
-            </p:nvSpPr>
-            <p:spPr>
-              <a:xfrm>
-                <a:off x="4715209" y="2335903"/>
-                <a:ext cx="360000" cy="360000"/>
-              </a:xfrm>
-              <a:prstGeom prst="ellipse">
-                <a:avLst/>
-              </a:prstGeom>
-            </p:spPr>
-            <p:style>
-              <a:lnRef idx="2">
-                <a:schemeClr val="dk1"/>
-              </a:lnRef>
-              <a:fillRef idx="1">
-                <a:schemeClr val="lt1"/>
-              </a:fillRef>
-              <a:effectRef idx="0">
-                <a:schemeClr val="dk1"/>
-              </a:effectRef>
-              <a:fontRef idx="minor">
-                <a:schemeClr val="dk1"/>
-              </a:fontRef>
-            </p:style>
-            <p:txBody>
-              <a:bodyPr wrap="none" rtlCol="0" anchor="ctr"/>
-              <a:lstStyle/>
-              <a:p>
-                <a:pPr algn="ctr"/>
-                <a:r>
-                  <a:rPr lang="fr-BE" sz="1400" noProof="1" smtClean="0"/>
-                  <a:t>q</a:t>
-                </a:r>
-                <a:r>
-                  <a:rPr lang="fr-BE" sz="1400" baseline="-25000" noProof="1" smtClean="0"/>
-                  <a:t>t</a:t>
-                </a:r>
-                <a:endParaRPr lang="fr-BE" sz="1400" baseline="-25000" noProof="1"/>
-              </a:p>
-            </p:txBody>
-          </p:sp>
-          <p:sp>
-            <p:nvSpPr>
-              <p:cNvPr id="32" name="Ellipse 31"/>
-              <p:cNvSpPr/>
-              <p:nvPr/>
-            </p:nvSpPr>
-            <p:spPr>
-              <a:xfrm>
-                <a:off x="2907399" y="2342253"/>
-                <a:ext cx="360000" cy="360000"/>
-              </a:xfrm>
-              <a:prstGeom prst="ellipse">
-                <a:avLst/>
-              </a:prstGeom>
-            </p:spPr>
-            <p:style>
-              <a:lnRef idx="2">
-                <a:schemeClr val="dk1"/>
-              </a:lnRef>
-              <a:fillRef idx="1">
-                <a:schemeClr val="lt1"/>
-              </a:fillRef>
-              <a:effectRef idx="0">
-                <a:schemeClr val="dk1"/>
-              </a:effectRef>
-              <a:fontRef idx="minor">
-                <a:schemeClr val="dk1"/>
-              </a:fontRef>
-            </p:style>
-            <p:txBody>
-              <a:bodyPr wrap="none" rtlCol="0" anchor="ctr"/>
-              <a:lstStyle/>
-              <a:p>
-                <a:pPr algn="ctr"/>
-                <a:r>
-                  <a:rPr lang="fr-BE" sz="1400" noProof="1" smtClean="0"/>
-                  <a:t>q</a:t>
-                </a:r>
-                <a:r>
-                  <a:rPr lang="fr-BE" sz="1400" baseline="-25000" noProof="1" smtClean="0"/>
-                  <a:t>f</a:t>
-                </a:r>
-                <a:endParaRPr lang="fr-BE" sz="1400" baseline="-25000" noProof="1"/>
-              </a:p>
-            </p:txBody>
-          </p:sp>
-          <p:cxnSp>
-            <p:nvCxnSpPr>
-              <p:cNvPr id="33" name="Connecteur droit avec flèche 7"/>
-              <p:cNvCxnSpPr>
-                <a:stCxn id="32" idx="7"/>
-                <a:endCxn id="30" idx="1"/>
-              </p:cNvCxnSpPr>
-              <p:nvPr/>
-            </p:nvCxnSpPr>
-            <p:spPr>
-              <a:xfrm rot="5400000" flipH="1" flipV="1">
-                <a:off x="3988129" y="1615173"/>
-                <a:ext cx="6350" cy="1553252"/>
-              </a:xfrm>
-              <a:prstGeom prst="curvedConnector3">
-                <a:avLst>
-                  <a:gd name="adj1" fmla="val 3330253"/>
-                </a:avLst>
-              </a:prstGeom>
-              <a:ln w="19050">
-                <a:tailEnd type="triangle" w="med" len="lg"/>
-              </a:ln>
-            </p:spPr>
-            <p:style>
-              <a:lnRef idx="1">
-                <a:schemeClr val="dk1"/>
-              </a:lnRef>
-              <a:fillRef idx="0">
-                <a:schemeClr val="dk1"/>
-              </a:fillRef>
-              <a:effectRef idx="0">
-                <a:schemeClr val="dk1"/>
-              </a:effectRef>
-              <a:fontRef idx="minor">
-                <a:schemeClr val="tx1"/>
-              </a:fontRef>
-            </p:style>
-          </p:cxnSp>
-          <p:cxnSp>
-            <p:nvCxnSpPr>
-              <p:cNvPr id="34" name="Connecteur droit avec flèche 7"/>
-              <p:cNvCxnSpPr>
-                <a:stCxn id="30" idx="3"/>
-                <a:endCxn id="32" idx="5"/>
-              </p:cNvCxnSpPr>
-              <p:nvPr/>
-            </p:nvCxnSpPr>
-            <p:spPr>
-              <a:xfrm rot="5400000">
-                <a:off x="3988129" y="1869731"/>
-                <a:ext cx="6350" cy="1553252"/>
-              </a:xfrm>
-              <a:prstGeom prst="curvedConnector3">
-                <a:avLst>
-                  <a:gd name="adj1" fmla="val 3730253"/>
-                </a:avLst>
-              </a:prstGeom>
-              <a:ln w="19050">
-                <a:tailEnd type="triangle" w="med" len="lg"/>
-              </a:ln>
-            </p:spPr>
-            <p:style>
-              <a:lnRef idx="1">
-                <a:schemeClr val="dk1"/>
-              </a:lnRef>
-              <a:fillRef idx="0">
-                <a:schemeClr val="dk1"/>
-              </a:fillRef>
-              <a:effectRef idx="0">
-                <a:schemeClr val="dk1"/>
-              </a:effectRef>
-              <a:fontRef idx="minor">
-                <a:schemeClr val="tx1"/>
-              </a:fontRef>
-            </p:style>
-          </p:cxnSp>
-          <p:cxnSp>
-            <p:nvCxnSpPr>
-              <p:cNvPr id="35" name="Connecteur droit avec flèche 7"/>
-              <p:cNvCxnSpPr>
-                <a:endCxn id="30" idx="0"/>
-              </p:cNvCxnSpPr>
-              <p:nvPr/>
-            </p:nvCxnSpPr>
-            <p:spPr>
-              <a:xfrm rot="16200000" flipH="1">
-                <a:off x="4158821" y="1599514"/>
-                <a:ext cx="719841" cy="752936"/>
-              </a:xfrm>
-              <a:prstGeom prst="straightConnector1">
-                <a:avLst/>
-              </a:prstGeom>
-              <a:ln w="19050">
-                <a:tailEnd type="triangle" w="med" len="lg"/>
-              </a:ln>
-            </p:spPr>
-            <p:style>
-              <a:lnRef idx="1">
-                <a:schemeClr val="dk1"/>
-              </a:lnRef>
-              <a:fillRef idx="0">
-                <a:schemeClr val="dk1"/>
-              </a:fillRef>
-              <a:effectRef idx="0">
-                <a:schemeClr val="dk1"/>
-              </a:effectRef>
-              <a:fontRef idx="minor">
-                <a:schemeClr val="tx1"/>
-              </a:fontRef>
-            </p:style>
-          </p:cxnSp>
-          <p:cxnSp>
-            <p:nvCxnSpPr>
-              <p:cNvPr id="36" name="Connecteur droit avec flèche 7"/>
-              <p:cNvCxnSpPr>
-                <a:endCxn id="32" idx="0"/>
-              </p:cNvCxnSpPr>
-              <p:nvPr/>
-            </p:nvCxnSpPr>
-            <p:spPr>
-              <a:xfrm rot="5400000">
-                <a:off x="3124462" y="1578999"/>
-                <a:ext cx="726191" cy="800316"/>
-              </a:xfrm>
-              <a:prstGeom prst="straightConnector1">
-                <a:avLst/>
-              </a:prstGeom>
-              <a:ln w="19050">
-                <a:tailEnd type="triangle" w="med" len="lg"/>
-              </a:ln>
-            </p:spPr>
-            <p:style>
-              <a:lnRef idx="1">
-                <a:schemeClr val="dk1"/>
-              </a:lnRef>
-              <a:fillRef idx="0">
-                <a:schemeClr val="dk1"/>
-              </a:fillRef>
-              <a:effectRef idx="0">
-                <a:schemeClr val="dk1"/>
-              </a:effectRef>
-              <a:fontRef idx="minor">
-                <a:schemeClr val="tx1"/>
-              </a:fontRef>
-            </p:style>
-          </p:cxnSp>
-          <p:cxnSp>
-            <p:nvCxnSpPr>
-              <p:cNvPr id="38" name="Connecteur droit avec flèche 7"/>
-              <p:cNvCxnSpPr>
-                <a:stCxn id="30" idx="4"/>
-                <a:endCxn id="30" idx="6"/>
-              </p:cNvCxnSpPr>
-              <p:nvPr/>
-            </p:nvCxnSpPr>
-            <p:spPr>
-              <a:xfrm rot="5400000" flipH="1" flipV="1">
-                <a:off x="4895209" y="2515903"/>
-                <a:ext cx="180000" cy="180000"/>
-              </a:xfrm>
-              <a:prstGeom prst="curvedConnector4">
-                <a:avLst>
-                  <a:gd name="adj1" fmla="val -127000"/>
-                  <a:gd name="adj2" fmla="val 227000"/>
-                </a:avLst>
-              </a:prstGeom>
-              <a:ln w="19050">
-                <a:tailEnd type="triangle" w="sm" len="lg"/>
-              </a:ln>
-            </p:spPr>
-            <p:style>
-              <a:lnRef idx="1">
-                <a:schemeClr val="dk1"/>
-              </a:lnRef>
-              <a:fillRef idx="0">
-                <a:schemeClr val="dk1"/>
-              </a:fillRef>
-              <a:effectRef idx="0">
-                <a:schemeClr val="dk1"/>
-              </a:effectRef>
-              <a:fontRef idx="minor">
-                <a:schemeClr val="tx1"/>
-              </a:fontRef>
-            </p:style>
-          </p:cxnSp>
-          <p:cxnSp>
-            <p:nvCxnSpPr>
-              <p:cNvPr id="39" name="Connecteur droit avec flèche 7"/>
-              <p:cNvCxnSpPr>
-                <a:stCxn id="30" idx="0"/>
-                <a:endCxn id="30" idx="6"/>
-              </p:cNvCxnSpPr>
-              <p:nvPr/>
-            </p:nvCxnSpPr>
-            <p:spPr>
-              <a:xfrm rot="16200000" flipH="1">
-                <a:off x="4895209" y="2335903"/>
-                <a:ext cx="180000" cy="180000"/>
-              </a:xfrm>
-              <a:prstGeom prst="curvedConnector4">
-                <a:avLst>
-                  <a:gd name="adj1" fmla="val -127000"/>
-                  <a:gd name="adj2" fmla="val 227000"/>
-                </a:avLst>
-              </a:prstGeom>
-              <a:ln w="19050">
-                <a:tailEnd type="triangle" w="sm" len="lg"/>
-              </a:ln>
-            </p:spPr>
-            <p:style>
-              <a:lnRef idx="1">
-                <a:schemeClr val="dk1"/>
-              </a:lnRef>
-              <a:fillRef idx="0">
-                <a:schemeClr val="dk1"/>
-              </a:fillRef>
-              <a:effectRef idx="0">
-                <a:schemeClr val="dk1"/>
-              </a:effectRef>
-              <a:fontRef idx="minor">
-                <a:schemeClr val="tx1"/>
-              </a:fontRef>
-            </p:style>
-          </p:cxnSp>
-          <p:cxnSp>
-            <p:nvCxnSpPr>
-              <p:cNvPr id="40" name="Connecteur droit avec flèche 7"/>
-              <p:cNvCxnSpPr>
-                <a:stCxn id="32" idx="0"/>
-                <a:endCxn id="32" idx="2"/>
-              </p:cNvCxnSpPr>
-              <p:nvPr/>
-            </p:nvCxnSpPr>
-            <p:spPr>
-              <a:xfrm rot="16200000" flipH="1" flipV="1">
-                <a:off x="2907399" y="2342253"/>
-                <a:ext cx="180000" cy="180000"/>
-              </a:xfrm>
-              <a:prstGeom prst="curvedConnector4">
-                <a:avLst>
-                  <a:gd name="adj1" fmla="val -127000"/>
-                  <a:gd name="adj2" fmla="val 227000"/>
-                </a:avLst>
-              </a:prstGeom>
-              <a:ln w="19050">
-                <a:tailEnd type="triangle" w="sm" len="lg"/>
-              </a:ln>
-            </p:spPr>
-            <p:style>
-              <a:lnRef idx="1">
-                <a:schemeClr val="dk1"/>
-              </a:lnRef>
-              <a:fillRef idx="0">
-                <a:schemeClr val="dk1"/>
-              </a:fillRef>
-              <a:effectRef idx="0">
-                <a:schemeClr val="dk1"/>
-              </a:effectRef>
-              <a:fontRef idx="minor">
-                <a:schemeClr val="tx1"/>
-              </a:fontRef>
-            </p:style>
-          </p:cxnSp>
-          <p:cxnSp>
-            <p:nvCxnSpPr>
-              <p:cNvPr id="41" name="Connecteur droit avec flèche 7"/>
-              <p:cNvCxnSpPr>
-                <a:stCxn id="32" idx="4"/>
-                <a:endCxn id="32" idx="2"/>
-              </p:cNvCxnSpPr>
-              <p:nvPr/>
-            </p:nvCxnSpPr>
-            <p:spPr>
-              <a:xfrm rot="5400000" flipH="1">
-                <a:off x="2907399" y="2522253"/>
-                <a:ext cx="180000" cy="180000"/>
-              </a:xfrm>
-              <a:prstGeom prst="curvedConnector4">
-                <a:avLst>
-                  <a:gd name="adj1" fmla="val -127000"/>
-                  <a:gd name="adj2" fmla="val 227000"/>
-                </a:avLst>
-              </a:prstGeom>
-              <a:ln w="19050">
-                <a:tailEnd type="triangle" w="sm" len="lg"/>
-              </a:ln>
-            </p:spPr>
-            <p:style>
-              <a:lnRef idx="1">
-                <a:schemeClr val="dk1"/>
-              </a:lnRef>
-              <a:fillRef idx="0">
-                <a:schemeClr val="dk1"/>
-              </a:fillRef>
-              <a:effectRef idx="0">
-                <a:schemeClr val="dk1"/>
-              </a:effectRef>
-              <a:fontRef idx="minor">
-                <a:schemeClr val="tx1"/>
-              </a:fontRef>
-            </p:style>
-          </p:cxnSp>
-          <p:cxnSp>
-            <p:nvCxnSpPr>
-              <p:cNvPr id="42" name="Connecteur droit avec flèche 7"/>
-              <p:cNvCxnSpPr/>
-              <p:nvPr/>
-            </p:nvCxnSpPr>
-            <p:spPr>
-              <a:xfrm>
-                <a:off x="3643639" y="1168717"/>
-                <a:ext cx="244076" cy="192787"/>
-              </a:xfrm>
-              <a:prstGeom prst="straightConnector1">
-                <a:avLst/>
-              </a:prstGeom>
-              <a:ln w="19050">
-                <a:tailEnd type="triangle" w="med" len="lg"/>
-              </a:ln>
-            </p:spPr>
-            <p:style>
-              <a:lnRef idx="1">
-                <a:schemeClr val="dk1"/>
-              </a:lnRef>
-              <a:fillRef idx="0">
-                <a:schemeClr val="dk1"/>
-              </a:fillRef>
-              <a:effectRef idx="0">
-                <a:schemeClr val="dk1"/>
-              </a:effectRef>
-              <a:fontRef idx="minor">
-                <a:schemeClr val="tx1"/>
-              </a:fontRef>
-            </p:style>
-          </p:cxnSp>
-          <p:sp>
-            <p:nvSpPr>
-              <p:cNvPr id="43" name="ZoneTexte 42"/>
-              <p:cNvSpPr txBox="1"/>
-              <p:nvPr/>
-            </p:nvSpPr>
-            <p:spPr>
-              <a:xfrm>
-                <a:off x="4143705" y="1811659"/>
-                <a:ext cx="1114088" cy="169277"/>
-              </a:xfrm>
-              <a:prstGeom prst="rect">
-                <a:avLst/>
-              </a:prstGeom>
-              <a:solidFill>
-                <a:schemeClr val="lt1"/>
-              </a:solidFill>
-            </p:spPr>
-            <p:txBody>
-              <a:bodyPr wrap="none" lIns="0" tIns="0" rIns="0" bIns="0" rtlCol="0">
-                <a:spAutoFit/>
-              </a:bodyPr>
-              <a:lstStyle/>
-              <a:p>
-                <a:r>
-                  <a:rPr lang="fr-BE" sz="1100" noProof="1" smtClean="0"/>
-                  <a:t>{[range_extended]}</a:t>
-                </a:r>
-                <a:endParaRPr lang="fr-BE" sz="1100" noProof="1"/>
-              </a:p>
-            </p:txBody>
-          </p:sp>
-          <p:sp>
-            <p:nvSpPr>
-              <p:cNvPr id="44" name="ZoneTexte 43"/>
-              <p:cNvSpPr txBox="1"/>
-              <p:nvPr/>
-            </p:nvSpPr>
-            <p:spPr>
-              <a:xfrm>
-                <a:off x="2643507" y="1811659"/>
-                <a:ext cx="1215076" cy="169277"/>
-              </a:xfrm>
-              <a:prstGeom prst="rect">
-                <a:avLst/>
-              </a:prstGeom>
-              <a:solidFill>
-                <a:schemeClr val="lt1"/>
-              </a:solidFill>
-            </p:spPr>
-            <p:txBody>
-              <a:bodyPr wrap="none" lIns="0" tIns="0" rIns="0" bIns="0" rtlCol="0">
-                <a:spAutoFit/>
-              </a:bodyPr>
-              <a:lstStyle/>
-              <a:p>
-                <a:r>
-                  <a:rPr lang="fr-BE" sz="1100" noProof="1" smtClean="0"/>
-                  <a:t>{[</a:t>
-                </a:r>
-                <a:r>
-                  <a:rPr lang="fr-BE" sz="1100" noProof="1" smtClean="0">
-                    <a:sym typeface="Symbol"/>
-                  </a:rPr>
-                  <a:t></a:t>
-                </a:r>
-                <a:r>
-                  <a:rPr lang="fr-BE" sz="1100" noProof="1" smtClean="0"/>
-                  <a:t>range_extended]}</a:t>
-                </a:r>
-                <a:endParaRPr lang="fr-BE" sz="1100" noProof="1"/>
-              </a:p>
-            </p:txBody>
-          </p:sp>
-          <p:sp>
-            <p:nvSpPr>
-              <p:cNvPr id="45" name="ZoneTexte 44"/>
-              <p:cNvSpPr txBox="1"/>
-              <p:nvPr/>
-            </p:nvSpPr>
-            <p:spPr>
-              <a:xfrm>
-                <a:off x="3528068" y="2123065"/>
-                <a:ext cx="967179" cy="169277"/>
-              </a:xfrm>
-              <a:prstGeom prst="rect">
-                <a:avLst/>
-              </a:prstGeom>
-              <a:solidFill>
-                <a:schemeClr val="lt1"/>
-              </a:solidFill>
-            </p:spPr>
-            <p:txBody>
-              <a:bodyPr wrap="none" lIns="36000" tIns="0" rIns="36000" bIns="0" rtlCol="0">
-                <a:spAutoFit/>
-              </a:bodyPr>
-              <a:lstStyle/>
-              <a:p>
-                <a:r>
-                  <a:rPr lang="fr-BE" sz="1100" noProof="1" smtClean="0"/>
-                  <a:t>ExtendRange</a:t>
-                </a:r>
-                <a:r>
-                  <a:rPr lang="fr-BE" sz="1100" baseline="-25000" noProof="1" smtClean="0"/>
-                  <a:t>end</a:t>
-                </a:r>
-                <a:endParaRPr lang="fr-BE" sz="1100" baseline="-25000" noProof="1"/>
-              </a:p>
-            </p:txBody>
-          </p:sp>
-          <p:sp>
-            <p:nvSpPr>
-              <p:cNvPr id="46" name="ZoneTexte 45"/>
-              <p:cNvSpPr txBox="1"/>
-              <p:nvPr/>
-            </p:nvSpPr>
-            <p:spPr>
-              <a:xfrm>
-                <a:off x="3460742" y="2747958"/>
-                <a:ext cx="1101831" cy="169277"/>
-              </a:xfrm>
-              <a:prstGeom prst="rect">
-                <a:avLst/>
-              </a:prstGeom>
-              <a:solidFill>
-                <a:schemeClr val="lt1"/>
-              </a:solidFill>
-            </p:spPr>
-            <p:txBody>
-              <a:bodyPr wrap="none" lIns="36000" tIns="0" rIns="36000" bIns="0" rtlCol="0">
-                <a:spAutoFit/>
-              </a:bodyPr>
-              <a:lstStyle/>
-              <a:p>
-                <a:r>
-                  <a:rPr lang="fr-BE" sz="1100" noProof="1" smtClean="0"/>
-                  <a:t>InitiateMeeting</a:t>
-                </a:r>
-                <a:r>
-                  <a:rPr lang="fr-BE" sz="1100" baseline="-25000" noProof="1" smtClean="0"/>
-                  <a:t>end</a:t>
-                </a:r>
-                <a:endParaRPr lang="fr-BE" sz="1100" baseline="-25000" noProof="1"/>
-              </a:p>
-            </p:txBody>
-          </p:sp>
-          <p:sp>
-            <p:nvSpPr>
-              <p:cNvPr id="47" name="ZoneTexte 46"/>
-              <p:cNvSpPr txBox="1"/>
-              <p:nvPr/>
-            </p:nvSpPr>
-            <p:spPr>
-              <a:xfrm>
-                <a:off x="5214942" y="2227719"/>
-                <a:ext cx="894476" cy="169277"/>
-              </a:xfrm>
-              <a:prstGeom prst="rect">
-                <a:avLst/>
-              </a:prstGeom>
-              <a:solidFill>
-                <a:schemeClr val="lt1"/>
-              </a:solidFill>
-            </p:spPr>
-            <p:txBody>
-              <a:bodyPr wrap="none" lIns="0" tIns="0" rIns="0" bIns="0" rtlCol="0">
-                <a:spAutoFit/>
-              </a:bodyPr>
-              <a:lstStyle/>
-              <a:p>
-                <a:r>
-                  <a:rPr lang="fr-BE" sz="1100" noProof="1" smtClean="0"/>
-                  <a:t>ExtendRange</a:t>
-                </a:r>
-                <a:r>
-                  <a:rPr lang="fr-BE" sz="1100" baseline="-25000" noProof="1" smtClean="0"/>
-                  <a:t>end</a:t>
-                </a:r>
-                <a:endParaRPr lang="fr-BE" sz="1100" baseline="-25000" noProof="1"/>
-              </a:p>
-            </p:txBody>
-          </p:sp>
-          <p:sp>
-            <p:nvSpPr>
-              <p:cNvPr id="49" name="ZoneTexte 48"/>
-              <p:cNvSpPr txBox="1"/>
-              <p:nvPr/>
-            </p:nvSpPr>
-            <p:spPr>
-              <a:xfrm>
-                <a:off x="1749302" y="2227719"/>
-                <a:ext cx="1029128" cy="169277"/>
-              </a:xfrm>
-              <a:prstGeom prst="rect">
-                <a:avLst/>
-              </a:prstGeom>
-              <a:solidFill>
-                <a:schemeClr val="lt1"/>
-              </a:solidFill>
-            </p:spPr>
-            <p:txBody>
-              <a:bodyPr wrap="none" lIns="0" tIns="0" rIns="0" bIns="0" rtlCol="0">
-                <a:spAutoFit/>
-              </a:bodyPr>
-              <a:lstStyle/>
-              <a:p>
-                <a:r>
-                  <a:rPr lang="fr-BE" sz="1100" noProof="1" smtClean="0"/>
-                  <a:t>InitiateMeeting</a:t>
-                </a:r>
-                <a:r>
-                  <a:rPr lang="fr-BE" sz="1100" baseline="-25000" noProof="1" smtClean="0"/>
-                  <a:t>end</a:t>
-                </a:r>
-                <a:endParaRPr lang="fr-BE" sz="1100" baseline="-25000" noProof="1"/>
-              </a:p>
-            </p:txBody>
-          </p:sp>
-          <p:sp>
-            <p:nvSpPr>
-              <p:cNvPr id="50" name="ZoneTexte 49"/>
-              <p:cNvSpPr txBox="1"/>
-              <p:nvPr/>
-            </p:nvSpPr>
-            <p:spPr>
-              <a:xfrm>
-                <a:off x="1700740" y="2708920"/>
-                <a:ext cx="1215076" cy="169277"/>
-              </a:xfrm>
-              <a:prstGeom prst="rect">
-                <a:avLst/>
-              </a:prstGeom>
-              <a:solidFill>
-                <a:schemeClr val="lt1"/>
-              </a:solidFill>
-            </p:spPr>
-            <p:txBody>
-              <a:bodyPr wrap="none" lIns="0" tIns="0" rIns="0" bIns="0" rtlCol="0">
-                <a:spAutoFit/>
-              </a:bodyPr>
-              <a:lstStyle/>
-              <a:p>
-                <a:r>
-                  <a:rPr lang="fr-BE" sz="1100" noProof="1" smtClean="0"/>
-                  <a:t>{[</a:t>
-                </a:r>
-                <a:r>
-                  <a:rPr lang="fr-BE" sz="1100" noProof="1" smtClean="0">
-                    <a:sym typeface="Symbol"/>
-                  </a:rPr>
-                  <a:t></a:t>
-                </a:r>
-                <a:r>
-                  <a:rPr lang="fr-BE" sz="1100" noProof="1" smtClean="0"/>
-                  <a:t>range_extended]}</a:t>
-                </a:r>
-                <a:endParaRPr lang="fr-BE" sz="1100" noProof="1"/>
-              </a:p>
-            </p:txBody>
-          </p:sp>
-          <p:sp>
-            <p:nvSpPr>
-              <p:cNvPr id="51" name="ZoneTexte 50"/>
-              <p:cNvSpPr txBox="1"/>
-              <p:nvPr/>
-            </p:nvSpPr>
-            <p:spPr>
-              <a:xfrm>
-                <a:off x="5116111" y="2688219"/>
-                <a:ext cx="1114088" cy="169277"/>
-              </a:xfrm>
-              <a:prstGeom prst="rect">
-                <a:avLst/>
-              </a:prstGeom>
-              <a:solidFill>
-                <a:schemeClr val="lt1"/>
-              </a:solidFill>
-            </p:spPr>
-            <p:txBody>
-              <a:bodyPr wrap="none" lIns="0" tIns="0" rIns="0" bIns="0" rtlCol="0">
-                <a:spAutoFit/>
-              </a:bodyPr>
-              <a:lstStyle/>
-              <a:p>
-                <a:r>
-                  <a:rPr lang="fr-BE" sz="1100" noProof="1" smtClean="0"/>
-                  <a:t>{[range_extended]}</a:t>
-                </a:r>
-                <a:endParaRPr lang="fr-BE" sz="1100" noProof="1"/>
-              </a:p>
-            </p:txBody>
-          </p:sp>
-        </p:grpSp>
-      </p:grpSp>
-      <p:grpSp>
-        <p:nvGrpSpPr>
           <p:cNvPr id="59" name="Groupe 58"/>
           <p:cNvGrpSpPr/>
           <p:nvPr/>
@@ -6443,6 +5617,909 @@
                 <a:t>Fl ]}</a:t>
               </a:r>
               <a:endParaRPr lang="fr-BE" sz="1400" noProof="1"/>
+            </a:p>
+          </p:txBody>
+        </p:sp>
+      </p:grpSp>
+      <p:grpSp>
+        <p:nvGrpSpPr>
+          <p:cNvPr id="73" name="Groupe 72"/>
+          <p:cNvGrpSpPr/>
+          <p:nvPr/>
+        </p:nvGrpSpPr>
+        <p:grpSpPr>
+          <a:xfrm>
+            <a:off x="1619672" y="3356992"/>
+            <a:ext cx="5256584" cy="2160240"/>
+            <a:chOff x="1619672" y="3356992"/>
+            <a:chExt cx="5256584" cy="2160240"/>
+          </a:xfrm>
+        </p:grpSpPr>
+        <p:sp>
+          <p:nvSpPr>
+            <p:cNvPr id="26" name="Rectangle 25"/>
+            <p:cNvSpPr/>
+            <p:nvPr/>
+          </p:nvSpPr>
+          <p:spPr>
+            <a:xfrm>
+              <a:off x="1619672" y="3356992"/>
+              <a:ext cx="5256584" cy="2160240"/>
+            </a:xfrm>
+            <a:prstGeom prst="rect">
+              <a:avLst/>
+            </a:prstGeom>
+            <a:ln w="9525"/>
+          </p:spPr>
+          <p:style>
+            <a:lnRef idx="2">
+              <a:schemeClr val="dk1"/>
+            </a:lnRef>
+            <a:fillRef idx="1">
+              <a:schemeClr val="lt1"/>
+            </a:fillRef>
+            <a:effectRef idx="0">
+              <a:schemeClr val="dk1"/>
+            </a:effectRef>
+            <a:fontRef idx="minor">
+              <a:schemeClr val="dk1"/>
+            </a:fontRef>
+          </p:style>
+          <p:txBody>
+            <a:bodyPr rtlCol="0" anchor="ctr"/>
+            <a:lstStyle/>
+            <a:p>
+              <a:pPr algn="ctr"/>
+              <a:endParaRPr lang="fr-BE"/>
+            </a:p>
+          </p:txBody>
+        </p:sp>
+        <p:sp>
+          <p:nvSpPr>
+            <p:cNvPr id="29" name="Ellipse 3"/>
+            <p:cNvSpPr/>
+            <p:nvPr/>
+          </p:nvSpPr>
+          <p:spPr>
+            <a:xfrm>
+              <a:off x="3939287" y="3573056"/>
+              <a:ext cx="360000" cy="360000"/>
+            </a:xfrm>
+            <a:prstGeom prst="ellipse">
+              <a:avLst/>
+            </a:prstGeom>
+          </p:spPr>
+          <p:style>
+            <a:lnRef idx="2">
+              <a:schemeClr val="dk1"/>
+            </a:lnRef>
+            <a:fillRef idx="1">
+              <a:schemeClr val="lt1"/>
+            </a:fillRef>
+            <a:effectRef idx="0">
+              <a:schemeClr val="dk1"/>
+            </a:effectRef>
+            <a:fontRef idx="minor">
+              <a:schemeClr val="dk1"/>
+            </a:fontRef>
+          </p:style>
+          <p:txBody>
+            <a:bodyPr rtlCol="0" anchor="ctr"/>
+            <a:lstStyle/>
+            <a:p>
+              <a:pPr algn="ctr"/>
+              <a:endParaRPr lang="fr-BE" noProof="1"/>
+            </a:p>
+          </p:txBody>
+        </p:sp>
+        <p:sp>
+          <p:nvSpPr>
+            <p:cNvPr id="30" name="Ellipse 29"/>
+            <p:cNvSpPr/>
+            <p:nvPr/>
+          </p:nvSpPr>
+          <p:spPr>
+            <a:xfrm>
+              <a:off x="5004048" y="4765125"/>
+              <a:ext cx="360000" cy="360000"/>
+            </a:xfrm>
+            <a:prstGeom prst="ellipse">
+              <a:avLst/>
+            </a:prstGeom>
+          </p:spPr>
+          <p:style>
+            <a:lnRef idx="2">
+              <a:schemeClr val="dk1"/>
+            </a:lnRef>
+            <a:fillRef idx="1">
+              <a:schemeClr val="lt1"/>
+            </a:fillRef>
+            <a:effectRef idx="0">
+              <a:schemeClr val="dk1"/>
+            </a:effectRef>
+            <a:fontRef idx="minor">
+              <a:schemeClr val="dk1"/>
+            </a:fontRef>
+          </p:style>
+          <p:txBody>
+            <a:bodyPr wrap="none" rtlCol="0" anchor="ctr"/>
+            <a:lstStyle/>
+            <a:p>
+              <a:pPr algn="ctr"/>
+              <a:r>
+                <a:rPr lang="fr-BE" sz="1400" noProof="1" smtClean="0"/>
+                <a:t>q</a:t>
+              </a:r>
+              <a:r>
+                <a:rPr lang="fr-BE" sz="1400" baseline="-25000" noProof="1" smtClean="0"/>
+                <a:t>t</a:t>
+              </a:r>
+              <a:endParaRPr lang="fr-BE" sz="1400" baseline="-25000" noProof="1"/>
+            </a:p>
+          </p:txBody>
+        </p:sp>
+        <p:sp>
+          <p:nvSpPr>
+            <p:cNvPr id="32" name="Ellipse 31"/>
+            <p:cNvSpPr/>
+            <p:nvPr/>
+          </p:nvSpPr>
+          <p:spPr>
+            <a:xfrm>
+              <a:off x="2907399" y="4771475"/>
+              <a:ext cx="360000" cy="360000"/>
+            </a:xfrm>
+            <a:prstGeom prst="ellipse">
+              <a:avLst/>
+            </a:prstGeom>
+          </p:spPr>
+          <p:style>
+            <a:lnRef idx="2">
+              <a:schemeClr val="dk1"/>
+            </a:lnRef>
+            <a:fillRef idx="1">
+              <a:schemeClr val="lt1"/>
+            </a:fillRef>
+            <a:effectRef idx="0">
+              <a:schemeClr val="dk1"/>
+            </a:effectRef>
+            <a:fontRef idx="minor">
+              <a:schemeClr val="dk1"/>
+            </a:fontRef>
+          </p:style>
+          <p:txBody>
+            <a:bodyPr wrap="none" rtlCol="0" anchor="ctr"/>
+            <a:lstStyle/>
+            <a:p>
+              <a:pPr algn="ctr"/>
+              <a:r>
+                <a:rPr lang="fr-BE" sz="1400" noProof="1" smtClean="0"/>
+                <a:t>q</a:t>
+              </a:r>
+              <a:r>
+                <a:rPr lang="fr-BE" sz="1400" baseline="-25000" noProof="1" smtClean="0"/>
+                <a:t>f</a:t>
+              </a:r>
+              <a:endParaRPr lang="fr-BE" sz="1400" baseline="-25000" noProof="1"/>
+            </a:p>
+          </p:txBody>
+        </p:sp>
+        <p:cxnSp>
+          <p:nvCxnSpPr>
+            <p:cNvPr id="33" name="Connecteur droit avec flèche 7"/>
+            <p:cNvCxnSpPr>
+              <a:stCxn id="32" idx="7"/>
+              <a:endCxn id="30" idx="1"/>
+            </p:cNvCxnSpPr>
+            <p:nvPr/>
+          </p:nvCxnSpPr>
+          <p:spPr>
+            <a:xfrm rot="5400000" flipH="1" flipV="1">
+              <a:off x="4132548" y="3899976"/>
+              <a:ext cx="6350" cy="1842091"/>
+            </a:xfrm>
+            <a:prstGeom prst="curvedConnector3">
+              <a:avLst>
+                <a:gd name="adj1" fmla="val 3690222"/>
+              </a:avLst>
+            </a:prstGeom>
+            <a:ln w="19050">
+              <a:tailEnd type="triangle" w="med" len="lg"/>
+            </a:ln>
+          </p:spPr>
+          <p:style>
+            <a:lnRef idx="1">
+              <a:schemeClr val="dk1"/>
+            </a:lnRef>
+            <a:fillRef idx="0">
+              <a:schemeClr val="dk1"/>
+            </a:fillRef>
+            <a:effectRef idx="0">
+              <a:schemeClr val="dk1"/>
+            </a:effectRef>
+            <a:fontRef idx="minor">
+              <a:schemeClr val="tx1"/>
+            </a:fontRef>
+          </p:style>
+        </p:cxnSp>
+        <p:cxnSp>
+          <p:nvCxnSpPr>
+            <p:cNvPr id="34" name="Connecteur droit avec flèche 7"/>
+            <p:cNvCxnSpPr>
+              <a:stCxn id="30" idx="3"/>
+              <a:endCxn id="32" idx="5"/>
+            </p:cNvCxnSpPr>
+            <p:nvPr/>
+          </p:nvCxnSpPr>
+          <p:spPr>
+            <a:xfrm rot="5400000">
+              <a:off x="4132549" y="4154534"/>
+              <a:ext cx="6350" cy="1842091"/>
+            </a:xfrm>
+            <a:prstGeom prst="curvedConnector3">
+              <a:avLst>
+                <a:gd name="adj1" fmla="val 3930253"/>
+              </a:avLst>
+            </a:prstGeom>
+            <a:ln w="19050">
+              <a:tailEnd type="triangle" w="med" len="lg"/>
+            </a:ln>
+          </p:spPr>
+          <p:style>
+            <a:lnRef idx="1">
+              <a:schemeClr val="dk1"/>
+            </a:lnRef>
+            <a:fillRef idx="0">
+              <a:schemeClr val="dk1"/>
+            </a:fillRef>
+            <a:effectRef idx="0">
+              <a:schemeClr val="dk1"/>
+            </a:effectRef>
+            <a:fontRef idx="minor">
+              <a:schemeClr val="tx1"/>
+            </a:fontRef>
+          </p:style>
+        </p:cxnSp>
+        <p:cxnSp>
+          <p:nvCxnSpPr>
+            <p:cNvPr id="35" name="Connecteur droit avec flèche 7"/>
+            <p:cNvCxnSpPr>
+              <a:stCxn id="29" idx="5"/>
+              <a:endCxn id="30" idx="0"/>
+            </p:cNvCxnSpPr>
+            <p:nvPr/>
+          </p:nvCxnSpPr>
+          <p:spPr>
+            <a:xfrm rot="16200000" flipH="1">
+              <a:off x="4272912" y="3853989"/>
+              <a:ext cx="884790" cy="937482"/>
+            </a:xfrm>
+            <a:prstGeom prst="straightConnector1">
+              <a:avLst/>
+            </a:prstGeom>
+            <a:ln w="19050">
+              <a:tailEnd type="triangle" w="med" len="lg"/>
+            </a:ln>
+          </p:spPr>
+          <p:style>
+            <a:lnRef idx="1">
+              <a:schemeClr val="dk1"/>
+            </a:lnRef>
+            <a:fillRef idx="0">
+              <a:schemeClr val="dk1"/>
+            </a:fillRef>
+            <a:effectRef idx="0">
+              <a:schemeClr val="dk1"/>
+            </a:effectRef>
+            <a:fontRef idx="minor">
+              <a:schemeClr val="tx1"/>
+            </a:fontRef>
+          </p:style>
+        </p:cxnSp>
+        <p:cxnSp>
+          <p:nvCxnSpPr>
+            <p:cNvPr id="36" name="Connecteur droit avec flèche 7"/>
+            <p:cNvCxnSpPr>
+              <a:stCxn id="29" idx="3"/>
+              <a:endCxn id="32" idx="0"/>
+            </p:cNvCxnSpPr>
+            <p:nvPr/>
+          </p:nvCxnSpPr>
+          <p:spPr>
+            <a:xfrm rot="5400000">
+              <a:off x="3094134" y="3873601"/>
+              <a:ext cx="891140" cy="904609"/>
+            </a:xfrm>
+            <a:prstGeom prst="straightConnector1">
+              <a:avLst/>
+            </a:prstGeom>
+            <a:ln w="19050">
+              <a:tailEnd type="triangle" w="med" len="lg"/>
+            </a:ln>
+          </p:spPr>
+          <p:style>
+            <a:lnRef idx="1">
+              <a:schemeClr val="dk1"/>
+            </a:lnRef>
+            <a:fillRef idx="0">
+              <a:schemeClr val="dk1"/>
+            </a:fillRef>
+            <a:effectRef idx="0">
+              <a:schemeClr val="dk1"/>
+            </a:effectRef>
+            <a:fontRef idx="minor">
+              <a:schemeClr val="tx1"/>
+            </a:fontRef>
+          </p:style>
+        </p:cxnSp>
+        <p:cxnSp>
+          <p:nvCxnSpPr>
+            <p:cNvPr id="38" name="Connecteur droit avec flèche 7"/>
+            <p:cNvCxnSpPr>
+              <a:stCxn id="30" idx="4"/>
+              <a:endCxn id="30" idx="6"/>
+            </p:cNvCxnSpPr>
+            <p:nvPr/>
+          </p:nvCxnSpPr>
+          <p:spPr>
+            <a:xfrm rot="5400000" flipH="1" flipV="1">
+              <a:off x="5184048" y="4945125"/>
+              <a:ext cx="180000" cy="180000"/>
+            </a:xfrm>
+            <a:prstGeom prst="curvedConnector4">
+              <a:avLst>
+                <a:gd name="adj1" fmla="val -127000"/>
+                <a:gd name="adj2" fmla="val 227000"/>
+              </a:avLst>
+            </a:prstGeom>
+            <a:ln w="19050">
+              <a:tailEnd type="triangle" w="sm" len="lg"/>
+            </a:ln>
+          </p:spPr>
+          <p:style>
+            <a:lnRef idx="1">
+              <a:schemeClr val="dk1"/>
+            </a:lnRef>
+            <a:fillRef idx="0">
+              <a:schemeClr val="dk1"/>
+            </a:fillRef>
+            <a:effectRef idx="0">
+              <a:schemeClr val="dk1"/>
+            </a:effectRef>
+            <a:fontRef idx="minor">
+              <a:schemeClr val="tx1"/>
+            </a:fontRef>
+          </p:style>
+        </p:cxnSp>
+        <p:cxnSp>
+          <p:nvCxnSpPr>
+            <p:cNvPr id="39" name="Connecteur droit avec flèche 7"/>
+            <p:cNvCxnSpPr>
+              <a:stCxn id="30" idx="0"/>
+              <a:endCxn id="30" idx="6"/>
+            </p:cNvCxnSpPr>
+            <p:nvPr/>
+          </p:nvCxnSpPr>
+          <p:spPr>
+            <a:xfrm rot="16200000" flipH="1">
+              <a:off x="5184048" y="4765125"/>
+              <a:ext cx="180000" cy="180000"/>
+            </a:xfrm>
+            <a:prstGeom prst="curvedConnector4">
+              <a:avLst>
+                <a:gd name="adj1" fmla="val -127000"/>
+                <a:gd name="adj2" fmla="val 227000"/>
+              </a:avLst>
+            </a:prstGeom>
+            <a:ln w="19050">
+              <a:tailEnd type="triangle" w="sm" len="lg"/>
+            </a:ln>
+          </p:spPr>
+          <p:style>
+            <a:lnRef idx="1">
+              <a:schemeClr val="dk1"/>
+            </a:lnRef>
+            <a:fillRef idx="0">
+              <a:schemeClr val="dk1"/>
+            </a:fillRef>
+            <a:effectRef idx="0">
+              <a:schemeClr val="dk1"/>
+            </a:effectRef>
+            <a:fontRef idx="minor">
+              <a:schemeClr val="tx1"/>
+            </a:fontRef>
+          </p:style>
+        </p:cxnSp>
+        <p:cxnSp>
+          <p:nvCxnSpPr>
+            <p:cNvPr id="40" name="Connecteur droit avec flèche 7"/>
+            <p:cNvCxnSpPr>
+              <a:stCxn id="32" idx="0"/>
+              <a:endCxn id="32" idx="2"/>
+            </p:cNvCxnSpPr>
+            <p:nvPr/>
+          </p:nvCxnSpPr>
+          <p:spPr>
+            <a:xfrm rot="16200000" flipH="1" flipV="1">
+              <a:off x="2907399" y="4771475"/>
+              <a:ext cx="180000" cy="180000"/>
+            </a:xfrm>
+            <a:prstGeom prst="curvedConnector4">
+              <a:avLst>
+                <a:gd name="adj1" fmla="val -127000"/>
+                <a:gd name="adj2" fmla="val 227000"/>
+              </a:avLst>
+            </a:prstGeom>
+            <a:ln w="19050">
+              <a:tailEnd type="triangle" w="sm" len="lg"/>
+            </a:ln>
+          </p:spPr>
+          <p:style>
+            <a:lnRef idx="1">
+              <a:schemeClr val="dk1"/>
+            </a:lnRef>
+            <a:fillRef idx="0">
+              <a:schemeClr val="dk1"/>
+            </a:fillRef>
+            <a:effectRef idx="0">
+              <a:schemeClr val="dk1"/>
+            </a:effectRef>
+            <a:fontRef idx="minor">
+              <a:schemeClr val="tx1"/>
+            </a:fontRef>
+          </p:style>
+        </p:cxnSp>
+        <p:cxnSp>
+          <p:nvCxnSpPr>
+            <p:cNvPr id="41" name="Connecteur droit avec flèche 7"/>
+            <p:cNvCxnSpPr>
+              <a:stCxn id="32" idx="4"/>
+              <a:endCxn id="32" idx="2"/>
+            </p:cNvCxnSpPr>
+            <p:nvPr/>
+          </p:nvCxnSpPr>
+          <p:spPr>
+            <a:xfrm rot="5400000" flipH="1">
+              <a:off x="2907399" y="4951475"/>
+              <a:ext cx="180000" cy="180000"/>
+            </a:xfrm>
+            <a:prstGeom prst="curvedConnector4">
+              <a:avLst>
+                <a:gd name="adj1" fmla="val -127000"/>
+                <a:gd name="adj2" fmla="val 227000"/>
+              </a:avLst>
+            </a:prstGeom>
+            <a:ln w="19050">
+              <a:tailEnd type="triangle" w="sm" len="lg"/>
+            </a:ln>
+          </p:spPr>
+          <p:style>
+            <a:lnRef idx="1">
+              <a:schemeClr val="dk1"/>
+            </a:lnRef>
+            <a:fillRef idx="0">
+              <a:schemeClr val="dk1"/>
+            </a:fillRef>
+            <a:effectRef idx="0">
+              <a:schemeClr val="dk1"/>
+            </a:effectRef>
+            <a:fontRef idx="minor">
+              <a:schemeClr val="tx1"/>
+            </a:fontRef>
+          </p:style>
+        </p:cxnSp>
+        <p:cxnSp>
+          <p:nvCxnSpPr>
+            <p:cNvPr id="42" name="Connecteur droit avec flèche 7"/>
+            <p:cNvCxnSpPr>
+              <a:endCxn id="29" idx="1"/>
+            </p:cNvCxnSpPr>
+            <p:nvPr/>
+          </p:nvCxnSpPr>
+          <p:spPr>
+            <a:xfrm>
+              <a:off x="3779912" y="3429000"/>
+              <a:ext cx="212096" cy="196777"/>
+            </a:xfrm>
+            <a:prstGeom prst="straightConnector1">
+              <a:avLst/>
+            </a:prstGeom>
+            <a:ln w="19050">
+              <a:tailEnd type="triangle" w="med" len="lg"/>
+            </a:ln>
+          </p:spPr>
+          <p:style>
+            <a:lnRef idx="1">
+              <a:schemeClr val="dk1"/>
+            </a:lnRef>
+            <a:fillRef idx="0">
+              <a:schemeClr val="dk1"/>
+            </a:fillRef>
+            <a:effectRef idx="0">
+              <a:schemeClr val="dk1"/>
+            </a:effectRef>
+            <a:fontRef idx="minor">
+              <a:schemeClr val="tx1"/>
+            </a:fontRef>
+          </p:style>
+        </p:cxnSp>
+        <p:sp>
+          <p:nvSpPr>
+            <p:cNvPr id="43" name="ZoneTexte 42"/>
+            <p:cNvSpPr txBox="1"/>
+            <p:nvPr/>
+          </p:nvSpPr>
+          <p:spPr>
+            <a:xfrm>
+              <a:off x="4355976" y="4149080"/>
+              <a:ext cx="937757" cy="169277"/>
+            </a:xfrm>
+            <a:prstGeom prst="rect">
+              <a:avLst/>
+            </a:prstGeom>
+            <a:solidFill>
+              <a:schemeClr val="lt1"/>
+            </a:solidFill>
+          </p:spPr>
+          <p:txBody>
+            <a:bodyPr wrap="none" lIns="0" tIns="0" rIns="0" bIns="0" rtlCol="0">
+              <a:spAutoFit/>
+            </a:bodyPr>
+            <a:lstStyle/>
+            <a:p>
+              <a:r>
+                <a:rPr lang="fr-BE" sz="1100" noProof="1" smtClean="0"/>
+                <a:t>{[second_cycle]}</a:t>
+              </a:r>
+              <a:endParaRPr lang="fr-BE" sz="1100" noProof="1"/>
+            </a:p>
+          </p:txBody>
+        </p:sp>
+        <p:sp>
+          <p:nvSpPr>
+            <p:cNvPr id="44" name="ZoneTexte 43"/>
+            <p:cNvSpPr txBox="1"/>
+            <p:nvPr/>
+          </p:nvSpPr>
+          <p:spPr>
+            <a:xfrm>
+              <a:off x="2915816" y="4149080"/>
+              <a:ext cx="1070806" cy="169277"/>
+            </a:xfrm>
+            <a:prstGeom prst="rect">
+              <a:avLst/>
+            </a:prstGeom>
+            <a:solidFill>
+              <a:schemeClr val="lt1"/>
+            </a:solidFill>
+          </p:spPr>
+          <p:txBody>
+            <a:bodyPr wrap="none" lIns="0" tIns="0" rIns="0" bIns="0" rtlCol="0">
+              <a:spAutoFit/>
+            </a:bodyPr>
+            <a:lstStyle/>
+            <a:p>
+              <a:r>
+                <a:rPr lang="fr-BE" sz="1100" noProof="1" smtClean="0"/>
+                <a:t>{[</a:t>
+              </a:r>
+              <a:r>
+                <a:rPr lang="fr-BE" sz="1100" noProof="1" smtClean="0">
+                  <a:sym typeface="Symbol"/>
+                </a:rPr>
+                <a:t> </a:t>
+              </a:r>
+              <a:r>
+                <a:rPr lang="fr-BE" sz="1100" noProof="1" smtClean="0"/>
+                <a:t>second_cycle]}</a:t>
+              </a:r>
+              <a:endParaRPr lang="fr-BE" sz="1100" noProof="1"/>
+            </a:p>
+          </p:txBody>
+        </p:sp>
+        <p:sp>
+          <p:nvSpPr>
+            <p:cNvPr id="45" name="ZoneTexte 44"/>
+            <p:cNvSpPr txBox="1"/>
+            <p:nvPr/>
+          </p:nvSpPr>
+          <p:spPr>
+            <a:xfrm>
+              <a:off x="3635698" y="4509120"/>
+              <a:ext cx="967179" cy="169277"/>
+            </a:xfrm>
+            <a:prstGeom prst="rect">
+              <a:avLst/>
+            </a:prstGeom>
+            <a:solidFill>
+              <a:schemeClr val="lt1"/>
+            </a:solidFill>
+          </p:spPr>
+          <p:txBody>
+            <a:bodyPr wrap="none" lIns="36000" tIns="0" rIns="36000" bIns="0" rtlCol="0">
+              <a:spAutoFit/>
+            </a:bodyPr>
+            <a:lstStyle/>
+            <a:p>
+              <a:r>
+                <a:rPr lang="fr-BE" sz="1100" noProof="1" smtClean="0"/>
+                <a:t>ExtendRange</a:t>
+              </a:r>
+              <a:r>
+                <a:rPr lang="fr-BE" sz="1100" baseline="-25000" noProof="1" smtClean="0"/>
+                <a:t>end</a:t>
+              </a:r>
+              <a:endParaRPr lang="fr-BE" sz="1100" baseline="-25000" noProof="1"/>
+            </a:p>
+          </p:txBody>
+        </p:sp>
+        <p:sp>
+          <p:nvSpPr>
+            <p:cNvPr id="46" name="ZoneTexte 45"/>
+            <p:cNvSpPr txBox="1"/>
+            <p:nvPr/>
+          </p:nvSpPr>
+          <p:spPr>
+            <a:xfrm>
+              <a:off x="3614185" y="5229200"/>
+              <a:ext cx="1101831" cy="169277"/>
+            </a:xfrm>
+            <a:prstGeom prst="rect">
+              <a:avLst/>
+            </a:prstGeom>
+            <a:solidFill>
+              <a:schemeClr val="lt1"/>
+            </a:solidFill>
+          </p:spPr>
+          <p:txBody>
+            <a:bodyPr wrap="none" lIns="36000" tIns="0" rIns="36000" bIns="0" rtlCol="0">
+              <a:spAutoFit/>
+            </a:bodyPr>
+            <a:lstStyle/>
+            <a:p>
+              <a:r>
+                <a:rPr lang="fr-BE" sz="1100" noProof="1" smtClean="0"/>
+                <a:t>InitiateMeeting</a:t>
+              </a:r>
+              <a:r>
+                <a:rPr lang="fr-BE" sz="1100" baseline="-25000" noProof="1" smtClean="0"/>
+                <a:t>end</a:t>
+              </a:r>
+              <a:endParaRPr lang="fr-BE" sz="1100" baseline="-25000" noProof="1"/>
+            </a:p>
+          </p:txBody>
+        </p:sp>
+        <p:sp>
+          <p:nvSpPr>
+            <p:cNvPr id="47" name="ZoneTexte 46"/>
+            <p:cNvSpPr txBox="1"/>
+            <p:nvPr/>
+          </p:nvSpPr>
+          <p:spPr>
+            <a:xfrm>
+              <a:off x="5436096" y="4437112"/>
+              <a:ext cx="1394613" cy="338554"/>
+            </a:xfrm>
+            <a:prstGeom prst="rect">
+              <a:avLst/>
+            </a:prstGeom>
+            <a:solidFill>
+              <a:schemeClr val="lt1"/>
+            </a:solidFill>
+          </p:spPr>
+          <p:txBody>
+            <a:bodyPr wrap="none" lIns="0" tIns="0" rIns="0" bIns="0" rtlCol="0">
+              <a:spAutoFit/>
+            </a:bodyPr>
+            <a:lstStyle/>
+            <a:p>
+              <a:r>
+                <a:rPr lang="fr-BE" sz="1100" noProof="1" smtClean="0"/>
+                <a:t>{ ExtendRange</a:t>
+              </a:r>
+              <a:r>
+                <a:rPr lang="fr-BE" sz="1100" baseline="-25000" noProof="1" smtClean="0"/>
+                <a:t>end,</a:t>
+              </a:r>
+            </a:p>
+            <a:p>
+              <a:r>
+                <a:rPr lang="fr-BE" sz="1100" noProof="1" smtClean="0"/>
+                <a:t>  WeakenConstraints</a:t>
+              </a:r>
+              <a:r>
+                <a:rPr lang="fr-BE" sz="1100" baseline="-25000" noProof="1" smtClean="0"/>
+                <a:t>end </a:t>
+              </a:r>
+              <a:r>
+                <a:rPr lang="fr-BE" sz="1100" noProof="1" smtClean="0"/>
+                <a:t>}</a:t>
+              </a:r>
+              <a:endParaRPr lang="fr-BE" sz="1100" noProof="1"/>
+            </a:p>
+          </p:txBody>
+        </p:sp>
+        <p:sp>
+          <p:nvSpPr>
+            <p:cNvPr id="49" name="ZoneTexte 48"/>
+            <p:cNvSpPr txBox="1"/>
+            <p:nvPr/>
+          </p:nvSpPr>
+          <p:spPr>
+            <a:xfrm>
+              <a:off x="1814680" y="4627875"/>
+              <a:ext cx="1029128" cy="169277"/>
+            </a:xfrm>
+            <a:prstGeom prst="rect">
+              <a:avLst/>
+            </a:prstGeom>
+            <a:solidFill>
+              <a:schemeClr val="lt1"/>
+            </a:solidFill>
+          </p:spPr>
+          <p:txBody>
+            <a:bodyPr wrap="none" lIns="0" tIns="0" rIns="0" bIns="0" rtlCol="0">
+              <a:spAutoFit/>
+            </a:bodyPr>
+            <a:lstStyle/>
+            <a:p>
+              <a:r>
+                <a:rPr lang="fr-BE" sz="1100" noProof="1" smtClean="0"/>
+                <a:t>InitiateMeeting</a:t>
+              </a:r>
+              <a:r>
+                <a:rPr lang="fr-BE" sz="1100" baseline="-25000" noProof="1" smtClean="0"/>
+                <a:t>end</a:t>
+              </a:r>
+              <a:endParaRPr lang="fr-BE" sz="1100" baseline="-25000" noProof="1"/>
+            </a:p>
+          </p:txBody>
+        </p:sp>
+        <p:sp>
+          <p:nvSpPr>
+            <p:cNvPr id="50" name="ZoneTexte 49"/>
+            <p:cNvSpPr txBox="1"/>
+            <p:nvPr/>
+          </p:nvSpPr>
+          <p:spPr>
+            <a:xfrm>
+              <a:off x="1700740" y="5138142"/>
+              <a:ext cx="1038746" cy="169277"/>
+            </a:xfrm>
+            <a:prstGeom prst="rect">
+              <a:avLst/>
+            </a:prstGeom>
+            <a:solidFill>
+              <a:schemeClr val="lt1"/>
+            </a:solidFill>
+          </p:spPr>
+          <p:txBody>
+            <a:bodyPr wrap="none" lIns="0" tIns="0" rIns="0" bIns="0" rtlCol="0">
+              <a:spAutoFit/>
+            </a:bodyPr>
+            <a:lstStyle/>
+            <a:p>
+              <a:r>
+                <a:rPr lang="fr-BE" sz="1100" noProof="1" smtClean="0"/>
+                <a:t>{[</a:t>
+              </a:r>
+              <a:r>
+                <a:rPr lang="fr-BE" sz="1100" noProof="1" smtClean="0">
+                  <a:sym typeface="Symbol"/>
+                </a:rPr>
+                <a:t></a:t>
+              </a:r>
+              <a:r>
+                <a:rPr lang="fr-BE" sz="1100" noProof="1" smtClean="0"/>
+                <a:t>second_cycle]}</a:t>
+              </a:r>
+              <a:endParaRPr lang="fr-BE" sz="1100" noProof="1"/>
+            </a:p>
+          </p:txBody>
+        </p:sp>
+        <p:sp>
+          <p:nvSpPr>
+            <p:cNvPr id="51" name="ZoneTexte 50"/>
+            <p:cNvSpPr txBox="1"/>
+            <p:nvPr/>
+          </p:nvSpPr>
+          <p:spPr>
+            <a:xfrm>
+              <a:off x="5404950" y="5117441"/>
+              <a:ext cx="937757" cy="169277"/>
+            </a:xfrm>
+            <a:prstGeom prst="rect">
+              <a:avLst/>
+            </a:prstGeom>
+            <a:solidFill>
+              <a:schemeClr val="lt1"/>
+            </a:solidFill>
+          </p:spPr>
+          <p:txBody>
+            <a:bodyPr wrap="none" lIns="0" tIns="0" rIns="0" bIns="0" rtlCol="0">
+              <a:spAutoFit/>
+            </a:bodyPr>
+            <a:lstStyle/>
+            <a:p>
+              <a:r>
+                <a:rPr lang="fr-BE" sz="1100" noProof="1" smtClean="0"/>
+                <a:t>{[second_cycle]}</a:t>
+              </a:r>
+              <a:endParaRPr lang="fr-BE" sz="1100" noProof="1"/>
+            </a:p>
+          </p:txBody>
+        </p:sp>
+        <p:cxnSp>
+          <p:nvCxnSpPr>
+            <p:cNvPr id="57" name="Connecteur droit avec flèche 7"/>
+            <p:cNvCxnSpPr>
+              <a:stCxn id="32" idx="6"/>
+              <a:endCxn id="30" idx="2"/>
+            </p:cNvCxnSpPr>
+            <p:nvPr/>
+          </p:nvCxnSpPr>
+          <p:spPr>
+            <a:xfrm flipV="1">
+              <a:off x="3267399" y="4945125"/>
+              <a:ext cx="1736649" cy="6350"/>
+            </a:xfrm>
+            <a:prstGeom prst="curvedConnector3">
+              <a:avLst>
+                <a:gd name="adj1" fmla="val 50000"/>
+              </a:avLst>
+            </a:prstGeom>
+            <a:ln w="19050">
+              <a:tailEnd type="triangle" w="med" len="lg"/>
+            </a:ln>
+          </p:spPr>
+          <p:style>
+            <a:lnRef idx="1">
+              <a:schemeClr val="dk1"/>
+            </a:lnRef>
+            <a:fillRef idx="0">
+              <a:schemeClr val="dk1"/>
+            </a:fillRef>
+            <a:effectRef idx="0">
+              <a:schemeClr val="dk1"/>
+            </a:effectRef>
+            <a:fontRef idx="minor">
+              <a:schemeClr val="tx1"/>
+            </a:fontRef>
+          </p:style>
+        </p:cxnSp>
+        <p:sp>
+          <p:nvSpPr>
+            <p:cNvPr id="62" name="ZoneTexte 61"/>
+            <p:cNvSpPr txBox="1"/>
+            <p:nvPr/>
+          </p:nvSpPr>
+          <p:spPr>
+            <a:xfrm>
+              <a:off x="3458171" y="4869160"/>
+              <a:ext cx="1337473" cy="169277"/>
+            </a:xfrm>
+            <a:prstGeom prst="rect">
+              <a:avLst/>
+            </a:prstGeom>
+            <a:solidFill>
+              <a:schemeClr val="lt1"/>
+            </a:solidFill>
+          </p:spPr>
+          <p:txBody>
+            <a:bodyPr wrap="none" lIns="36000" tIns="0" rIns="36000" bIns="0" rtlCol="0">
+              <a:spAutoFit/>
+            </a:bodyPr>
+            <a:lstStyle/>
+            <a:p>
+              <a:r>
+                <a:rPr lang="fr-BE" sz="1100" noProof="1" smtClean="0"/>
+                <a:t>WeakenConstraints</a:t>
+              </a:r>
+              <a:r>
+                <a:rPr lang="fr-BE" sz="1100" baseline="-25000" noProof="1" smtClean="0"/>
+                <a:t>end</a:t>
+              </a:r>
+              <a:endParaRPr lang="fr-BE" sz="1100" baseline="-25000" noProof="1"/>
             </a:p>
           </p:txBody>
         </p:sp>
@@ -16512,10 +16589,10 @@
         </p:nvGrpSpPr>
         <p:grpSpPr>
           <a:xfrm>
-            <a:off x="683568" y="260648"/>
-            <a:ext cx="7848872" cy="4392488"/>
-            <a:chOff x="179512" y="836712"/>
-            <a:chExt cx="7848872" cy="4392488"/>
+            <a:off x="827584" y="260648"/>
+            <a:ext cx="7704856" cy="4392488"/>
+            <a:chOff x="323528" y="836712"/>
+            <a:chExt cx="7704856" cy="4392488"/>
           </a:xfrm>
         </p:grpSpPr>
         <p:sp>
@@ -16526,8 +16603,8 @@
           </p:nvSpPr>
           <p:spPr>
             <a:xfrm>
-              <a:off x="179512" y="836712"/>
-              <a:ext cx="7848872" cy="4392488"/>
+              <a:off x="323528" y="836712"/>
+              <a:ext cx="7704856" cy="4392488"/>
             </a:xfrm>
             <a:prstGeom prst="rect">
               <a:avLst/>
@@ -16565,10 +16642,10 @@
           </p:nvGrpSpPr>
           <p:grpSpPr>
             <a:xfrm>
-              <a:off x="259873" y="1446811"/>
-              <a:ext cx="5460478" cy="3643338"/>
-              <a:chOff x="1040348" y="714356"/>
-              <a:chExt cx="5460478" cy="3643338"/>
+              <a:off x="416744" y="1446811"/>
+              <a:ext cx="5367662" cy="3643338"/>
+              <a:chOff x="1197219" y="714356"/>
+              <a:chExt cx="5367662" cy="3643338"/>
             </a:xfrm>
           </p:grpSpPr>
           <p:sp>
@@ -17509,14 +17586,14 @@
             <p:spPr>
               <a:xfrm>
                 <a:off x="2500298" y="2290755"/>
-                <a:ext cx="1170257" cy="369332"/>
+                <a:ext cx="1199046" cy="369332"/>
               </a:xfrm>
               <a:prstGeom prst="rect">
                 <a:avLst/>
               </a:prstGeom>
               <a:solidFill>
                 <a:schemeClr val="lt1">
-                  <a:alpha val="86000"/>
+                  <a:alpha val="90000"/>
                 </a:schemeClr>
               </a:solidFill>
             </p:spPr>
@@ -17545,7 +17622,7 @@
                   <a:rPr lang="fr-BE" sz="1200" noProof="1" smtClean="0">
                     <a:sym typeface="Symbol"/>
                   </a:rPr>
-                  <a:t>range_extended</a:t>
+                  <a:t>      second_cycle</a:t>
                 </a:r>
                 <a:r>
                   <a:rPr lang="fr-BE" sz="1200" noProof="1" smtClean="0"/>
@@ -17564,14 +17641,14 @@
             <p:spPr>
               <a:xfrm>
                 <a:off x="5311333" y="2290755"/>
-                <a:ext cx="1189493" cy="369332"/>
+                <a:ext cx="1253548" cy="369332"/>
               </a:xfrm>
               <a:prstGeom prst="rect">
                 <a:avLst/>
               </a:prstGeom>
               <a:solidFill>
                 <a:schemeClr val="lt1">
-                  <a:alpha val="86000"/>
+                  <a:alpha val="90000"/>
                 </a:schemeClr>
               </a:solidFill>
             </p:spPr>
@@ -17599,10 +17676,14 @@
                   <a:rPr lang="fr-BE" sz="1200" noProof="1" smtClean="0"/>
                 </a:br>
                 <a:r>
+                  <a:rPr lang="fr-BE" sz="1200" noProof="1" smtClean="0"/>
+                  <a:t>       </a:t>
+                </a:r>
+                <a:r>
                   <a:rPr lang="fr-BE" sz="1200" noProof="1" smtClean="0">
                     <a:sym typeface="Symbol"/>
                   </a:rPr>
-                  <a:t> range_extended</a:t>
+                  <a:t> second_cycle</a:t>
                 </a:r>
                 <a:r>
                   <a:rPr lang="fr-BE" sz="1200" noProof="1" smtClean="0"/>
@@ -17620,7 +17701,7 @@
             </p:nvSpPr>
             <p:spPr>
               <a:xfrm>
-                <a:off x="1040348" y="3815838"/>
+                <a:off x="1197219" y="3811930"/>
                 <a:ext cx="1659750" cy="184666"/>
               </a:xfrm>
               <a:prstGeom prst="rect">
@@ -17648,7 +17729,11 @@
                 </a:r>
                 <a:r>
                   <a:rPr lang="fr-BE" sz="1200" noProof="1" smtClean="0"/>
-                  <a:t>resolve_by_weakening]</a:t>
+                  <a:t>resolve_by_weakening</a:t>
+                </a:r>
+                <a:r>
+                  <a:rPr lang="fr-BE" sz="1200" noProof="1" smtClean="0"/>
+                  <a:t>]</a:t>
                 </a:r>
                 <a:endParaRPr lang="fr-BE" sz="1200" noProof="1"/>
               </a:p>
@@ -17662,7 +17747,7 @@
             </p:nvSpPr>
             <p:spPr>
               <a:xfrm>
-                <a:off x="3618500" y="3815838"/>
+                <a:off x="3618500" y="3811930"/>
                 <a:ext cx="1515479" cy="184666"/>
               </a:xfrm>
               <a:prstGeom prst="rect">
@@ -17953,9 +18038,6 @@
                   </a:rPr>
                   <a:t>Participant</a:t>
                 </a:r>
-                <a:endParaRPr lang="fr-BE" sz="1000" b="1" noProof="1" smtClean="0">
-                  <a:latin typeface="+mj-lt"/>
-                </a:endParaRPr>
               </a:p>
             </p:txBody>
           </p:sp>
@@ -18381,13 +18463,7 @@
                   <a:rPr lang="fr-BE" sz="1000" b="1" noProof="1" smtClean="0">
                     <a:latin typeface="+mj-lt"/>
                   </a:rPr>
-                  <a:t>m</a:t>
-                </a:r>
-                <a:r>
-                  <a:rPr lang="fr-BE" sz="1000" b="1" noProof="1" smtClean="0">
-                    <a:latin typeface="+mj-lt"/>
-                  </a:rPr>
-                  <a:t>eeting_initiated</a:t>
+                  <a:t>meeting_initiated</a:t>
                 </a:r>
                 <a:endParaRPr lang="fr-BE" sz="1000" b="1" noProof="1">
                   <a:latin typeface="+mj-lt"/>
@@ -18773,9 +18849,6 @@
                 </a:rPr>
                 <a:t>Weaken Constraints</a:t>
               </a:r>
-              <a:endParaRPr lang="fr-BE" sz="1200" noProof="1" smtClean="0">
-                <a:latin typeface="+mj-lt"/>
-              </a:endParaRPr>
             </a:p>
           </p:txBody>
         </p:sp>
@@ -18822,9 +18895,6 @@
                 </a:rPr>
                 <a:t>Schedule Meeting</a:t>
               </a:r>
-              <a:endParaRPr lang="fr-BE" sz="1200" noProof="1" smtClean="0">
-                <a:latin typeface="+mj-lt"/>
-              </a:endParaRPr>
             </a:p>
           </p:txBody>
         </p:sp>
@@ -18871,9 +18941,6 @@
                 </a:rPr>
                 <a:t>Extend Date Range</a:t>
               </a:r>
-              <a:endParaRPr lang="fr-BE" sz="1200" noProof="1" smtClean="0">
-                <a:latin typeface="+mj-lt"/>
-              </a:endParaRPr>
             </a:p>
           </p:txBody>
         </p:sp>
@@ -21210,7 +21277,7 @@
           </p:nvSpPr>
           <p:spPr>
             <a:xfrm>
-              <a:off x="6084168" y="3284984"/>
+              <a:off x="6012160" y="3284984"/>
               <a:ext cx="1224136" cy="369332"/>
             </a:xfrm>
             <a:prstGeom prst="rect">
@@ -21244,10 +21311,14 @@
                 <a:rPr lang="fr-BE" sz="1200" noProof="1" smtClean="0"/>
               </a:br>
               <a:r>
+                <a:rPr lang="fr-BE" sz="1200" noProof="1" smtClean="0"/>
+                <a:t>      </a:t>
+              </a:r>
+              <a:r>
                 <a:rPr lang="fr-BE" sz="1200" noProof="1" smtClean="0">
                   <a:sym typeface="Symbol"/>
                 </a:rPr>
-                <a:t> range_extended</a:t>
+                <a:t> second_cycle</a:t>
               </a:r>
               <a:r>
                 <a:rPr lang="fr-BE" sz="1200" noProof="1" smtClean="0"/>
@@ -21459,7 +21530,7 @@
                 <a:rPr lang="fr-BE" sz="1200" noProof="1" smtClean="0">
                   <a:sym typeface="Symbol"/>
                 </a:rPr>
-                <a:t>range_extended</a:t>
+                <a:t>     second_cycle</a:t>
               </a:r>
               <a:r>
                 <a:rPr lang="fr-BE" sz="1200" noProof="1" smtClean="0"/>

--- a/writing/images/train.pptx
+++ b/writing/images/train.pptx
@@ -202,7 +202,7 @@
             <a:fld id="{1A5CA47D-05BA-47C5-ACE1-040A60204EDF}" type="datetimeFigureOut">
               <a:rPr lang="fr-FR" smtClean="0"/>
               <a:pPr/>
-              <a:t>05/07/2011</a:t>
+              <a:t>06/07/2011</a:t>
             </a:fld>
             <a:endParaRPr lang="fr-BE"/>
           </a:p>
@@ -732,7 +732,7 @@
             <a:fld id="{68BDF4EC-5B70-45D8-B718-E56EB4C6B13E}" type="datetimeFigureOut">
               <a:rPr lang="fr-BE" smtClean="0"/>
               <a:pPr/>
-              <a:t>5/07/2011</a:t>
+              <a:t>6/07/2011</a:t>
             </a:fld>
             <a:endParaRPr lang="fr-BE"/>
           </a:p>
@@ -899,7 +899,7 @@
             <a:fld id="{68BDF4EC-5B70-45D8-B718-E56EB4C6B13E}" type="datetimeFigureOut">
               <a:rPr lang="fr-BE" smtClean="0"/>
               <a:pPr/>
-              <a:t>5/07/2011</a:t>
+              <a:t>6/07/2011</a:t>
             </a:fld>
             <a:endParaRPr lang="fr-BE"/>
           </a:p>
@@ -1076,7 +1076,7 @@
             <a:fld id="{68BDF4EC-5B70-45D8-B718-E56EB4C6B13E}" type="datetimeFigureOut">
               <a:rPr lang="fr-BE" smtClean="0"/>
               <a:pPr/>
-              <a:t>5/07/2011</a:t>
+              <a:t>6/07/2011</a:t>
             </a:fld>
             <a:endParaRPr lang="fr-BE"/>
           </a:p>
@@ -1243,7 +1243,7 @@
             <a:fld id="{68BDF4EC-5B70-45D8-B718-E56EB4C6B13E}" type="datetimeFigureOut">
               <a:rPr lang="fr-BE" smtClean="0"/>
               <a:pPr/>
-              <a:t>5/07/2011</a:t>
+              <a:t>6/07/2011</a:t>
             </a:fld>
             <a:endParaRPr lang="fr-BE"/>
           </a:p>
@@ -1486,7 +1486,7 @@
             <a:fld id="{68BDF4EC-5B70-45D8-B718-E56EB4C6B13E}" type="datetimeFigureOut">
               <a:rPr lang="fr-BE" smtClean="0"/>
               <a:pPr/>
-              <a:t>5/07/2011</a:t>
+              <a:t>6/07/2011</a:t>
             </a:fld>
             <a:endParaRPr lang="fr-BE"/>
           </a:p>
@@ -1771,7 +1771,7 @@
             <a:fld id="{68BDF4EC-5B70-45D8-B718-E56EB4C6B13E}" type="datetimeFigureOut">
               <a:rPr lang="fr-BE" smtClean="0"/>
               <a:pPr/>
-              <a:t>5/07/2011</a:t>
+              <a:t>6/07/2011</a:t>
             </a:fld>
             <a:endParaRPr lang="fr-BE"/>
           </a:p>
@@ -2190,7 +2190,7 @@
             <a:fld id="{68BDF4EC-5B70-45D8-B718-E56EB4C6B13E}" type="datetimeFigureOut">
               <a:rPr lang="fr-BE" smtClean="0"/>
               <a:pPr/>
-              <a:t>5/07/2011</a:t>
+              <a:t>6/07/2011</a:t>
             </a:fld>
             <a:endParaRPr lang="fr-BE"/>
           </a:p>
@@ -2305,7 +2305,7 @@
             <a:fld id="{68BDF4EC-5B70-45D8-B718-E56EB4C6B13E}" type="datetimeFigureOut">
               <a:rPr lang="fr-BE" smtClean="0"/>
               <a:pPr/>
-              <a:t>5/07/2011</a:t>
+              <a:t>6/07/2011</a:t>
             </a:fld>
             <a:endParaRPr lang="fr-BE"/>
           </a:p>
@@ -2397,7 +2397,7 @@
             <a:fld id="{68BDF4EC-5B70-45D8-B718-E56EB4C6B13E}" type="datetimeFigureOut">
               <a:rPr lang="fr-BE" smtClean="0"/>
               <a:pPr/>
-              <a:t>5/07/2011</a:t>
+              <a:t>6/07/2011</a:t>
             </a:fld>
             <a:endParaRPr lang="fr-BE"/>
           </a:p>
@@ -2671,7 +2671,7 @@
             <a:fld id="{68BDF4EC-5B70-45D8-B718-E56EB4C6B13E}" type="datetimeFigureOut">
               <a:rPr lang="fr-BE" smtClean="0"/>
               <a:pPr/>
-              <a:t>5/07/2011</a:t>
+              <a:t>6/07/2011</a:t>
             </a:fld>
             <a:endParaRPr lang="fr-BE"/>
           </a:p>
@@ -2921,7 +2921,7 @@
             <a:fld id="{68BDF4EC-5B70-45D8-B718-E56EB4C6B13E}" type="datetimeFigureOut">
               <a:rPr lang="fr-BE" smtClean="0"/>
               <a:pPr/>
-              <a:t>5/07/2011</a:t>
+              <a:t>6/07/2011</a:t>
             </a:fld>
             <a:endParaRPr lang="fr-BE"/>
           </a:p>
@@ -3131,7 +3131,7 @@
             <a:fld id="{68BDF4EC-5B70-45D8-B718-E56EB4C6B13E}" type="datetimeFigureOut">
               <a:rPr lang="fr-BE" smtClean="0"/>
               <a:pPr/>
-              <a:t>5/07/2011</a:t>
+              <a:t>6/07/2011</a:t>
             </a:fld>
             <a:endParaRPr lang="fr-BE"/>
           </a:p>
@@ -4873,11 +4873,19 @@
             </a:fontRef>
           </p:style>
           <p:txBody>
-            <a:bodyPr rtlCol="0" anchor="ctr"/>
+            <a:bodyPr wrap="none" bIns="108000" rtlCol="0" anchor="ctr"/>
             <a:lstStyle/>
             <a:p>
               <a:pPr algn="ctr"/>
-              <a:endParaRPr lang="fr-BE" sz="2400" noProof="1"/>
+              <a:r>
+                <a:rPr lang="fr-BE" noProof="1" smtClean="0"/>
+                <a:t>q</a:t>
+              </a:r>
+              <a:r>
+                <a:rPr lang="fr-BE" baseline="-25000" noProof="1" smtClean="0"/>
+                <a:t>u</a:t>
+              </a:r>
+              <a:endParaRPr lang="fr-BE" baseline="-25000" noProof="1"/>
             </a:p>
           </p:txBody>
         </p:sp>
@@ -4911,7 +4919,7 @@
             </a:fontRef>
           </p:style>
           <p:txBody>
-            <a:bodyPr wrap="none" rtlCol="0" anchor="ctr"/>
+            <a:bodyPr wrap="none" bIns="108000" rtlCol="0" anchor="ctr"/>
             <a:lstStyle/>
             <a:p>
               <a:pPr algn="ctr"/>
@@ -4957,7 +4965,7 @@
             </a:fontRef>
           </p:style>
           <p:txBody>
-            <a:bodyPr wrap="none" rtlCol="0" anchor="ctr"/>
+            <a:bodyPr wrap="none" bIns="108000" rtlCol="0" anchor="ctr"/>
             <a:lstStyle/>
             <a:p>
               <a:pPr algn="ctr"/>
@@ -5320,8 +5328,8 @@
           </p:nvSpPr>
           <p:spPr>
             <a:xfrm>
-              <a:off x="4317876" y="1360561"/>
-              <a:ext cx="424796" cy="215444"/>
+              <a:off x="4331422" y="1360561"/>
+              <a:ext cx="312586" cy="215444"/>
             </a:xfrm>
             <a:prstGeom prst="rect">
               <a:avLst/>
@@ -5338,7 +5346,15 @@
             <a:p>
               <a:r>
                 <a:rPr lang="fr-BE" sz="1400" noProof="1" smtClean="0"/>
-                <a:t>{[ Fl ]}</a:t>
+                <a:t>[ </a:t>
+              </a:r>
+              <a:r>
+                <a:rPr lang="fr-BE" sz="1400" noProof="1" smtClean="0"/>
+                <a:t>Fl </a:t>
+              </a:r>
+              <a:r>
+                <a:rPr lang="fr-BE" sz="1400" noProof="1" smtClean="0"/>
+                <a:t>]</a:t>
               </a:r>
               <a:endParaRPr lang="fr-BE" sz="1400" noProof="1"/>
             </a:p>
@@ -5352,8 +5368,8 @@
           </p:nvSpPr>
           <p:spPr>
             <a:xfrm>
-              <a:off x="3232804" y="1360561"/>
-              <a:ext cx="553037" cy="215444"/>
+              <a:off x="3316226" y="1360561"/>
+              <a:ext cx="440826" cy="215444"/>
             </a:xfrm>
             <a:prstGeom prst="rect">
               <a:avLst/>
@@ -5370,7 +5386,7 @@
             <a:p>
               <a:r>
                 <a:rPr lang="fr-BE" sz="1400" noProof="1" smtClean="0"/>
-                <a:t>{[ </a:t>
+                <a:t>[ </a:t>
               </a:r>
               <a:r>
                 <a:rPr lang="fr-BE" sz="1400" noProof="1" smtClean="0">
@@ -5380,7 +5396,7 @@
               </a:r>
               <a:r>
                 <a:rPr lang="fr-BE" sz="1400" noProof="1" smtClean="0"/>
-                <a:t>Fl ]}</a:t>
+                <a:t>Fl ]</a:t>
               </a:r>
               <a:endParaRPr lang="fr-BE" sz="1400" noProof="1"/>
             </a:p>
@@ -5555,7 +5571,7 @@
           <p:spPr>
             <a:xfrm>
               <a:off x="5199520" y="2204864"/>
-              <a:ext cx="424796" cy="215444"/>
+              <a:ext cx="312586" cy="215444"/>
             </a:xfrm>
             <a:prstGeom prst="rect">
               <a:avLst/>
@@ -5572,7 +5588,15 @@
             <a:p>
               <a:r>
                 <a:rPr lang="fr-BE" sz="1400" noProof="1" smtClean="0"/>
-                <a:t>{[ Fl ]}</a:t>
+                <a:t>[ </a:t>
+              </a:r>
+              <a:r>
+                <a:rPr lang="fr-BE" sz="1400" noProof="1" smtClean="0"/>
+                <a:t>Fl </a:t>
+              </a:r>
+              <a:r>
+                <a:rPr lang="fr-BE" sz="1400" noProof="1" smtClean="0"/>
+                <a:t>]</a:t>
               </a:r>
               <a:endParaRPr lang="fr-BE" sz="1400" noProof="1"/>
             </a:p>
@@ -5586,8 +5610,8 @@
           </p:nvSpPr>
           <p:spPr>
             <a:xfrm>
-              <a:off x="2255157" y="2204864"/>
-              <a:ext cx="553037" cy="215444"/>
+              <a:off x="2339752" y="2204864"/>
+              <a:ext cx="440826" cy="215444"/>
             </a:xfrm>
             <a:prstGeom prst="rect">
               <a:avLst/>
@@ -5604,7 +5628,7 @@
             <a:p>
               <a:r>
                 <a:rPr lang="fr-BE" sz="1400" noProof="1" smtClean="0"/>
-                <a:t>{[ </a:t>
+                <a:t>[ </a:t>
               </a:r>
               <a:r>
                 <a:rPr lang="fr-BE" sz="1400" noProof="1" smtClean="0">
@@ -5614,7 +5638,11 @@
               </a:r>
               <a:r>
                 <a:rPr lang="fr-BE" sz="1400" noProof="1" smtClean="0"/>
-                <a:t>Fl ]}</a:t>
+                <a:t>Fl </a:t>
+              </a:r>
+              <a:r>
+                <a:rPr lang="fr-BE" sz="1400" noProof="1" smtClean="0"/>
+                <a:t>]</a:t>
               </a:r>
               <a:endParaRPr lang="fr-BE" sz="1400" noProof="1"/>
             </a:p>
@@ -5704,10 +5732,18 @@
             </a:fontRef>
           </p:style>
           <p:txBody>
-            <a:bodyPr rtlCol="0" anchor="ctr"/>
+            <a:bodyPr wrap="none" bIns="108000" rtlCol="0" anchor="ctr"/>
             <a:lstStyle/>
             <a:p>
               <a:pPr algn="ctr"/>
+              <a:r>
+                <a:rPr lang="fr-BE" noProof="1" smtClean="0"/>
+                <a:t>q</a:t>
+              </a:r>
+              <a:r>
+                <a:rPr lang="fr-BE" baseline="-25000" noProof="1" smtClean="0"/>
+                <a:t>u</a:t>
+              </a:r>
               <a:endParaRPr lang="fr-BE" noProof="1"/>
             </a:p>
           </p:txBody>
@@ -5742,7 +5778,7 @@
             </a:fontRef>
           </p:style>
           <p:txBody>
-            <a:bodyPr wrap="none" rtlCol="0" anchor="ctr"/>
+            <a:bodyPr wrap="none" bIns="108000" rtlCol="0" anchor="ctr"/>
             <a:lstStyle/>
             <a:p>
               <a:pPr algn="ctr"/>
@@ -5788,7 +5824,7 @@
             </a:fontRef>
           </p:style>
           <p:txBody>
-            <a:bodyPr wrap="none" rtlCol="0" anchor="ctr"/>
+            <a:bodyPr wrap="none" bIns="108000" rtlCol="0" anchor="ctr"/>
             <a:lstStyle/>
             <a:p>
               <a:pPr algn="ctr"/>
@@ -6152,7 +6188,7 @@
           <p:spPr>
             <a:xfrm>
               <a:off x="4355976" y="4149080"/>
-              <a:ext cx="937757" cy="169277"/>
+              <a:ext cx="847989" cy="169277"/>
             </a:xfrm>
             <a:prstGeom prst="rect">
               <a:avLst/>
@@ -6169,7 +6205,15 @@
             <a:p>
               <a:r>
                 <a:rPr lang="fr-BE" sz="1100" noProof="1" smtClean="0"/>
-                <a:t>{[second_cycle]}</a:t>
+                <a:t>[</a:t>
+              </a:r>
+              <a:r>
+                <a:rPr lang="fr-BE" sz="1100" noProof="1" smtClean="0"/>
+                <a:t>second_cycle</a:t>
+              </a:r>
+              <a:r>
+                <a:rPr lang="fr-BE" sz="1100" noProof="1" smtClean="0"/>
+                <a:t>]</a:t>
               </a:r>
               <a:endParaRPr lang="fr-BE" sz="1100" noProof="1"/>
             </a:p>
@@ -6184,7 +6228,7 @@
           <p:spPr>
             <a:xfrm>
               <a:off x="2915816" y="4149080"/>
-              <a:ext cx="1070806" cy="169277"/>
+              <a:ext cx="981038" cy="169277"/>
             </a:xfrm>
             <a:prstGeom prst="rect">
               <a:avLst/>
@@ -6201,7 +6245,7 @@
             <a:p>
               <a:r>
                 <a:rPr lang="fr-BE" sz="1100" noProof="1" smtClean="0"/>
-                <a:t>{[</a:t>
+                <a:t>[</a:t>
               </a:r>
               <a:r>
                 <a:rPr lang="fr-BE" sz="1100" noProof="1" smtClean="0">
@@ -6211,7 +6255,11 @@
               </a:r>
               <a:r>
                 <a:rPr lang="fr-BE" sz="1100" noProof="1" smtClean="0"/>
-                <a:t>second_cycle]}</a:t>
+                <a:t>second_cycle</a:t>
+              </a:r>
+              <a:r>
+                <a:rPr lang="fr-BE" sz="1100" noProof="1" smtClean="0"/>
+                <a:t>]</a:t>
               </a:r>
               <a:endParaRPr lang="fr-BE" sz="1100" noProof="1"/>
             </a:p>
@@ -6383,8 +6431,8 @@
           </p:nvSpPr>
           <p:spPr>
             <a:xfrm>
-              <a:off x="1700740" y="5138142"/>
-              <a:ext cx="1038746" cy="169277"/>
+              <a:off x="1894830" y="5138142"/>
+              <a:ext cx="948978" cy="169277"/>
             </a:xfrm>
             <a:prstGeom prst="rect">
               <a:avLst/>
@@ -6401,7 +6449,7 @@
             <a:p>
               <a:r>
                 <a:rPr lang="fr-BE" sz="1100" noProof="1" smtClean="0"/>
-                <a:t>{[</a:t>
+                <a:t>[</a:t>
               </a:r>
               <a:r>
                 <a:rPr lang="fr-BE" sz="1100" noProof="1" smtClean="0">
@@ -6411,7 +6459,11 @@
               </a:r>
               <a:r>
                 <a:rPr lang="fr-BE" sz="1100" noProof="1" smtClean="0"/>
-                <a:t>second_cycle]}</a:t>
+                <a:t>second_cycle</a:t>
+              </a:r>
+              <a:r>
+                <a:rPr lang="fr-BE" sz="1100" noProof="1" smtClean="0"/>
+                <a:t>]</a:t>
               </a:r>
               <a:endParaRPr lang="fr-BE" sz="1100" noProof="1"/>
             </a:p>
@@ -6425,8 +6477,8 @@
           </p:nvSpPr>
           <p:spPr>
             <a:xfrm>
-              <a:off x="5404950" y="5117441"/>
-              <a:ext cx="937757" cy="169277"/>
+              <a:off x="5436096" y="5117441"/>
+              <a:ext cx="847989" cy="169277"/>
             </a:xfrm>
             <a:prstGeom prst="rect">
               <a:avLst/>
@@ -6443,7 +6495,15 @@
             <a:p>
               <a:r>
                 <a:rPr lang="fr-BE" sz="1100" noProof="1" smtClean="0"/>
-                <a:t>{[second_cycle]}</a:t>
+                <a:t>[</a:t>
+              </a:r>
+              <a:r>
+                <a:rPr lang="fr-BE" sz="1100" noProof="1" smtClean="0"/>
+                <a:t>second_cycle</a:t>
+              </a:r>
+              <a:r>
+                <a:rPr lang="fr-BE" sz="1100" noProof="1" smtClean="0"/>
+                <a:t>]</a:t>
               </a:r>
               <a:endParaRPr lang="fr-BE" sz="1100" noProof="1"/>
             </a:p>
@@ -17729,11 +17789,7 @@
                 </a:r>
                 <a:r>
                   <a:rPr lang="fr-BE" sz="1200" noProof="1" smtClean="0"/>
-                  <a:t>resolve_by_weakening</a:t>
-                </a:r>
-                <a:r>
-                  <a:rPr lang="fr-BE" sz="1200" noProof="1" smtClean="0"/>
-                  <a:t>]</a:t>
+                  <a:t>resolve_by_weakening]</a:t>
                 </a:r>
                 <a:endParaRPr lang="fr-BE" sz="1200" noProof="1"/>
               </a:p>
@@ -18479,8 +18535,8 @@
             </p:nvSpPr>
             <p:spPr>
               <a:xfrm>
-                <a:off x="7571053" y="2449032"/>
-                <a:ext cx="869913" cy="153888"/>
+                <a:off x="7539055" y="2442682"/>
+                <a:ext cx="921210" cy="153888"/>
               </a:xfrm>
               <a:prstGeom prst="rect">
                 <a:avLst/>
@@ -18503,7 +18559,7 @@
                   <a:rPr lang="fr-BE" sz="1000" b="1" noProof="1" smtClean="0">
                     <a:latin typeface="+mj-lt"/>
                   </a:rPr>
-                  <a:t>send_invitation</a:t>
+                  <a:t>send_invitations</a:t>
                 </a:r>
                 <a:endParaRPr lang="fr-BE" sz="1000" b="1" noProof="1">
                   <a:latin typeface="+mj-lt"/>
@@ -18606,16 +18662,16 @@
       </p:grpSpPr>
       <p:grpSp>
         <p:nvGrpSpPr>
-          <p:cNvPr id="249" name="Groupe 248"/>
+          <p:cNvPr id="207" name="Groupe 206"/>
           <p:cNvGrpSpPr/>
           <p:nvPr/>
         </p:nvGrpSpPr>
         <p:grpSpPr>
           <a:xfrm>
-            <a:off x="611560" y="836712"/>
-            <a:ext cx="8208912" cy="5184576"/>
-            <a:chOff x="611560" y="836712"/>
-            <a:chExt cx="8208912" cy="5184576"/>
+            <a:off x="611560" y="548680"/>
+            <a:ext cx="8208912" cy="5472608"/>
+            <a:chOff x="611560" y="548680"/>
+            <a:chExt cx="8208912" cy="5472608"/>
           </a:xfrm>
         </p:grpSpPr>
         <p:sp>
@@ -18626,8 +18682,8 @@
           </p:nvSpPr>
           <p:spPr>
             <a:xfrm>
-              <a:off x="611560" y="836712"/>
-              <a:ext cx="8208912" cy="5184576"/>
+              <a:off x="611560" y="548680"/>
+              <a:ext cx="8208912" cy="5472608"/>
             </a:xfrm>
             <a:prstGeom prst="rect">
               <a:avLst/>
@@ -18653,56 +18709,7 @@
             <a:lstStyle/>
             <a:p>
               <a:pPr algn="ctr"/>
-              <a:endParaRPr lang="fr-BE" sz="2400"/>
-            </a:p>
-          </p:txBody>
-        </p:sp>
-        <p:sp>
-          <p:nvSpPr>
-            <p:cNvPr id="20" name="Rectangle à coins arrondis 19"/>
-            <p:cNvSpPr/>
-            <p:nvPr/>
-          </p:nvSpPr>
-          <p:spPr>
-            <a:xfrm>
-              <a:off x="4171555" y="1075909"/>
-              <a:ext cx="2128638" cy="622434"/>
-            </a:xfrm>
-            <a:prstGeom prst="roundRect">
-              <a:avLst/>
-            </a:prstGeom>
-            <a:ln w="9525">
-              <a:prstDash val="sysDash"/>
-            </a:ln>
-          </p:spPr>
-          <p:style>
-            <a:lnRef idx="2">
-              <a:schemeClr val="dk1"/>
-            </a:lnRef>
-            <a:fillRef idx="1">
-              <a:schemeClr val="lt1"/>
-            </a:fillRef>
-            <a:effectRef idx="0">
-              <a:schemeClr val="dk1"/>
-            </a:effectRef>
-            <a:fontRef idx="minor">
-              <a:schemeClr val="dk1"/>
-            </a:fontRef>
-          </p:style>
-          <p:txBody>
-            <a:bodyPr wrap="none" lIns="36000" tIns="36000" rIns="36000" bIns="36000" rtlCol="0" anchor="t"/>
-            <a:lstStyle/>
-            <a:p>
-              <a:pPr algn="r"/>
-              <a:r>
-                <a:rPr lang="fr-BE" sz="1200" noProof="1" smtClean="0">
-                  <a:latin typeface="+mj-lt"/>
-                </a:rPr>
-                <a:t>Initiate Meeting</a:t>
-              </a:r>
-              <a:endParaRPr lang="fr-BE" sz="1200" noProof="1">
-                <a:latin typeface="+mj-lt"/>
-              </a:endParaRPr>
+              <a:endParaRPr lang="fr-BE" sz="2400" noProof="1"/>
             </a:p>
           </p:txBody>
         </p:sp>
@@ -19031,402 +19038,10 @@
             <a:lstStyle/>
             <a:p>
               <a:pPr algn="ctr"/>
-              <a:endParaRPr lang="fr-BE"/>
+              <a:endParaRPr lang="fr-BE" noProof="1"/>
             </a:p>
           </p:txBody>
         </p:sp>
-        <p:grpSp>
-          <p:nvGrpSpPr>
-            <p:cNvPr id="89" name="Groupe 88"/>
-            <p:cNvGrpSpPr/>
-            <p:nvPr/>
-          </p:nvGrpSpPr>
-          <p:grpSpPr>
-            <a:xfrm>
-              <a:off x="4240535" y="1399801"/>
-              <a:ext cx="1993364" cy="223354"/>
-              <a:chOff x="899592" y="897580"/>
-              <a:chExt cx="1993364" cy="223354"/>
-            </a:xfrm>
-          </p:grpSpPr>
-          <p:sp>
-            <p:nvSpPr>
-              <p:cNvPr id="56" name="Ellipse 55"/>
-              <p:cNvSpPr/>
-              <p:nvPr/>
-            </p:nvSpPr>
-            <p:spPr>
-              <a:xfrm>
-                <a:off x="899592" y="904910"/>
-                <a:ext cx="216024" cy="216024"/>
-              </a:xfrm>
-              <a:prstGeom prst="ellipse">
-                <a:avLst/>
-              </a:prstGeom>
-              <a:ln w="15875"/>
-            </p:spPr>
-            <p:style>
-              <a:lnRef idx="2">
-                <a:schemeClr val="dk1"/>
-              </a:lnRef>
-              <a:fillRef idx="1">
-                <a:schemeClr val="lt1"/>
-              </a:fillRef>
-              <a:effectRef idx="0">
-                <a:schemeClr val="dk1"/>
-              </a:effectRef>
-              <a:fontRef idx="minor">
-                <a:schemeClr val="dk1"/>
-              </a:fontRef>
-            </p:style>
-            <p:txBody>
-              <a:bodyPr rtlCol="0" anchor="ctr"/>
-              <a:lstStyle/>
-              <a:p>
-                <a:pPr algn="ctr"/>
-                <a:endParaRPr lang="fr-BE"/>
-              </a:p>
-            </p:txBody>
-          </p:sp>
-          <p:sp>
-            <p:nvSpPr>
-              <p:cNvPr id="59" name="Ellipse 58"/>
-              <p:cNvSpPr/>
-              <p:nvPr/>
-            </p:nvSpPr>
-            <p:spPr>
-              <a:xfrm>
-                <a:off x="1490896" y="904910"/>
-                <a:ext cx="216024" cy="216024"/>
-              </a:xfrm>
-              <a:prstGeom prst="ellipse">
-                <a:avLst/>
-              </a:prstGeom>
-              <a:ln w="15875"/>
-            </p:spPr>
-            <p:style>
-              <a:lnRef idx="2">
-                <a:schemeClr val="dk1"/>
-              </a:lnRef>
-              <a:fillRef idx="1">
-                <a:schemeClr val="lt1"/>
-              </a:fillRef>
-              <a:effectRef idx="0">
-                <a:schemeClr val="dk1"/>
-              </a:effectRef>
-              <a:fontRef idx="minor">
-                <a:schemeClr val="dk1"/>
-              </a:fontRef>
-            </p:style>
-            <p:txBody>
-              <a:bodyPr rtlCol="0" anchor="ctr"/>
-              <a:lstStyle/>
-              <a:p>
-                <a:pPr algn="ctr"/>
-                <a:endParaRPr lang="fr-BE"/>
-              </a:p>
-            </p:txBody>
-          </p:sp>
-          <p:sp>
-            <p:nvSpPr>
-              <p:cNvPr id="61" name="Ellipse 60"/>
-              <p:cNvSpPr/>
-              <p:nvPr/>
-            </p:nvSpPr>
-            <p:spPr>
-              <a:xfrm>
-                <a:off x="2107346" y="904910"/>
-                <a:ext cx="216024" cy="216024"/>
-              </a:xfrm>
-              <a:prstGeom prst="ellipse">
-                <a:avLst/>
-              </a:prstGeom>
-              <a:ln w="15875"/>
-            </p:spPr>
-            <p:style>
-              <a:lnRef idx="2">
-                <a:schemeClr val="dk1"/>
-              </a:lnRef>
-              <a:fillRef idx="1">
-                <a:schemeClr val="lt1"/>
-              </a:fillRef>
-              <a:effectRef idx="0">
-                <a:schemeClr val="dk1"/>
-              </a:effectRef>
-              <a:fontRef idx="minor">
-                <a:schemeClr val="dk1"/>
-              </a:fontRef>
-            </p:style>
-            <p:txBody>
-              <a:bodyPr rtlCol="0" anchor="ctr"/>
-              <a:lstStyle/>
-              <a:p>
-                <a:pPr algn="ctr"/>
-                <a:endParaRPr lang="fr-BE"/>
-              </a:p>
-            </p:txBody>
-          </p:sp>
-          <p:sp>
-            <p:nvSpPr>
-              <p:cNvPr id="62" name="Ellipse 61"/>
-              <p:cNvSpPr/>
-              <p:nvPr/>
-            </p:nvSpPr>
-            <p:spPr>
-              <a:xfrm>
-                <a:off x="2676932" y="904910"/>
-                <a:ext cx="216024" cy="216024"/>
-              </a:xfrm>
-              <a:prstGeom prst="ellipse">
-                <a:avLst/>
-              </a:prstGeom>
-              <a:ln w="15875"/>
-            </p:spPr>
-            <p:style>
-              <a:lnRef idx="2">
-                <a:schemeClr val="dk1"/>
-              </a:lnRef>
-              <a:fillRef idx="1">
-                <a:schemeClr val="lt1"/>
-              </a:fillRef>
-              <a:effectRef idx="0">
-                <a:schemeClr val="dk1"/>
-              </a:effectRef>
-              <a:fontRef idx="minor">
-                <a:schemeClr val="dk1"/>
-              </a:fontRef>
-            </p:style>
-            <p:txBody>
-              <a:bodyPr rtlCol="0" anchor="ctr"/>
-              <a:lstStyle/>
-              <a:p>
-                <a:pPr algn="ctr"/>
-                <a:endParaRPr lang="fr-BE"/>
-              </a:p>
-            </p:txBody>
-          </p:sp>
-          <p:cxnSp>
-            <p:nvCxnSpPr>
-              <p:cNvPr id="66" name="Connecteur droit avec flèche 65"/>
-              <p:cNvCxnSpPr>
-                <a:stCxn id="56" idx="6"/>
-                <a:endCxn id="59" idx="2"/>
-              </p:cNvCxnSpPr>
-              <p:nvPr/>
-            </p:nvCxnSpPr>
-            <p:spPr>
-              <a:xfrm>
-                <a:off x="1115616" y="1012922"/>
-                <a:ext cx="375280" cy="1588"/>
-              </a:xfrm>
-              <a:prstGeom prst="straightConnector1">
-                <a:avLst/>
-              </a:prstGeom>
-              <a:ln w="12700">
-                <a:solidFill>
-                  <a:schemeClr val="tx1"/>
-                </a:solidFill>
-                <a:tailEnd type="triangle" w="med" len="sm"/>
-              </a:ln>
-            </p:spPr>
-            <p:style>
-              <a:lnRef idx="1">
-                <a:schemeClr val="accent1"/>
-              </a:lnRef>
-              <a:fillRef idx="0">
-                <a:schemeClr val="accent1"/>
-              </a:fillRef>
-              <a:effectRef idx="0">
-                <a:schemeClr val="accent1"/>
-              </a:effectRef>
-              <a:fontRef idx="minor">
-                <a:schemeClr val="tx1"/>
-              </a:fontRef>
-            </p:style>
-          </p:cxnSp>
-          <p:cxnSp>
-            <p:nvCxnSpPr>
-              <p:cNvPr id="75" name="Connecteur droit avec flèche 74"/>
-              <p:cNvCxnSpPr>
-                <a:stCxn id="59" idx="6"/>
-                <a:endCxn id="61" idx="2"/>
-              </p:cNvCxnSpPr>
-              <p:nvPr/>
-            </p:nvCxnSpPr>
-            <p:spPr>
-              <a:xfrm>
-                <a:off x="1706920" y="1012922"/>
-                <a:ext cx="400426" cy="1588"/>
-              </a:xfrm>
-              <a:prstGeom prst="straightConnector1">
-                <a:avLst/>
-              </a:prstGeom>
-              <a:ln w="12700">
-                <a:solidFill>
-                  <a:schemeClr val="tx1"/>
-                </a:solidFill>
-                <a:tailEnd type="triangle" w="med" len="sm"/>
-              </a:ln>
-            </p:spPr>
-            <p:style>
-              <a:lnRef idx="1">
-                <a:schemeClr val="accent1"/>
-              </a:lnRef>
-              <a:fillRef idx="0">
-                <a:schemeClr val="accent1"/>
-              </a:fillRef>
-              <a:effectRef idx="0">
-                <a:schemeClr val="accent1"/>
-              </a:effectRef>
-              <a:fontRef idx="minor">
-                <a:schemeClr val="tx1"/>
-              </a:fontRef>
-            </p:style>
-          </p:cxnSp>
-          <p:cxnSp>
-            <p:nvCxnSpPr>
-              <p:cNvPr id="81" name="Connecteur droit avec flèche 80"/>
-              <p:cNvCxnSpPr>
-                <a:stCxn id="61" idx="6"/>
-                <a:endCxn id="62" idx="2"/>
-              </p:cNvCxnSpPr>
-              <p:nvPr/>
-            </p:nvCxnSpPr>
-            <p:spPr>
-              <a:xfrm>
-                <a:off x="2323370" y="1012922"/>
-                <a:ext cx="353562" cy="1588"/>
-              </a:xfrm>
-              <a:prstGeom prst="straightConnector1">
-                <a:avLst/>
-              </a:prstGeom>
-              <a:ln w="12700">
-                <a:solidFill>
-                  <a:schemeClr val="tx1"/>
-                </a:solidFill>
-                <a:tailEnd type="triangle" w="med" len="sm"/>
-              </a:ln>
-            </p:spPr>
-            <p:style>
-              <a:lnRef idx="1">
-                <a:schemeClr val="accent1"/>
-              </a:lnRef>
-              <a:fillRef idx="0">
-                <a:schemeClr val="accent1"/>
-              </a:fillRef>
-              <a:effectRef idx="0">
-                <a:schemeClr val="accent1"/>
-              </a:effectRef>
-              <a:fontRef idx="minor">
-                <a:schemeClr val="tx1"/>
-              </a:fontRef>
-            </p:style>
-          </p:cxnSp>
-          <p:sp>
-            <p:nvSpPr>
-              <p:cNvPr id="85" name="ZoneTexte 84"/>
-              <p:cNvSpPr txBox="1"/>
-              <p:nvPr/>
-            </p:nvSpPr>
-            <p:spPr>
-              <a:xfrm>
-                <a:off x="1745020" y="897580"/>
-                <a:ext cx="271993" cy="215444"/>
-              </a:xfrm>
-              <a:prstGeom prst="rect">
-                <a:avLst/>
-              </a:prstGeom>
-              <a:solidFill>
-                <a:schemeClr val="bg1"/>
-              </a:solidFill>
-            </p:spPr>
-            <p:txBody>
-              <a:bodyPr wrap="none" lIns="18000" tIns="0" rIns="18000" bIns="0" rtlCol="0">
-                <a:spAutoFit/>
-              </a:bodyPr>
-              <a:lstStyle/>
-              <a:p>
-                <a:r>
-                  <a:rPr lang="fr-BE" sz="1400" dirty="0" smtClean="0"/>
-                  <a:t>{…}</a:t>
-                </a:r>
-                <a:endParaRPr lang="fr-BE" sz="1400" dirty="0"/>
-              </a:p>
-            </p:txBody>
-          </p:sp>
-          <p:sp>
-            <p:nvSpPr>
-              <p:cNvPr id="86" name="ZoneTexte 85"/>
-              <p:cNvSpPr txBox="1"/>
-              <p:nvPr/>
-            </p:nvSpPr>
-            <p:spPr>
-              <a:xfrm>
-                <a:off x="1149861" y="916340"/>
-                <a:ext cx="253787" cy="184666"/>
-              </a:xfrm>
-              <a:prstGeom prst="rect">
-                <a:avLst/>
-              </a:prstGeom>
-              <a:solidFill>
-                <a:schemeClr val="bg1"/>
-              </a:solidFill>
-            </p:spPr>
-            <p:txBody>
-              <a:bodyPr wrap="none" lIns="0" tIns="0" rIns="0" bIns="0" rtlCol="0">
-                <a:spAutoFit/>
-              </a:bodyPr>
-              <a:lstStyle/>
-              <a:p>
-                <a:r>
-                  <a:rPr lang="fr-BE" sz="1200" dirty="0" err="1" smtClean="0"/>
-                  <a:t>T</a:t>
-                </a:r>
-                <a:r>
-                  <a:rPr lang="fr-BE" sz="1200" baseline="-25000" dirty="0" err="1" smtClean="0"/>
-                  <a:t>start</a:t>
-                </a:r>
-                <a:endParaRPr lang="fr-BE" sz="1200" baseline="-25000" dirty="0"/>
-              </a:p>
-            </p:txBody>
-          </p:sp>
-          <p:sp>
-            <p:nvSpPr>
-              <p:cNvPr id="88" name="ZoneTexte 87"/>
-              <p:cNvSpPr txBox="1"/>
-              <p:nvPr/>
-            </p:nvSpPr>
-            <p:spPr>
-              <a:xfrm>
-                <a:off x="2362612" y="916340"/>
-                <a:ext cx="221984" cy="184666"/>
-              </a:xfrm>
-              <a:prstGeom prst="rect">
-                <a:avLst/>
-              </a:prstGeom>
-              <a:solidFill>
-                <a:schemeClr val="bg1"/>
-              </a:solidFill>
-            </p:spPr>
-            <p:txBody>
-              <a:bodyPr wrap="none" lIns="0" tIns="0" rIns="0" bIns="0" rtlCol="0">
-                <a:spAutoFit/>
-              </a:bodyPr>
-              <a:lstStyle/>
-              <a:p>
-                <a:r>
-                  <a:rPr lang="fr-BE" sz="1200" dirty="0" smtClean="0"/>
-                  <a:t>T</a:t>
-                </a:r>
-                <a:r>
-                  <a:rPr lang="fr-BE" sz="1200" baseline="-25000" dirty="0" smtClean="0"/>
-                  <a:t>end</a:t>
-                </a:r>
-                <a:endParaRPr lang="fr-BE" sz="1200" baseline="-25000" dirty="0"/>
-              </a:p>
-            </p:txBody>
-          </p:sp>
-        </p:grpSp>
         <p:grpSp>
           <p:nvGrpSpPr>
             <p:cNvPr id="129" name="Groupe 128"/>
@@ -19476,7 +19091,7 @@
               <a:lstStyle/>
               <a:p>
                 <a:pPr algn="ctr"/>
-                <a:endParaRPr lang="fr-BE"/>
+                <a:endParaRPr lang="fr-BE" noProof="1"/>
               </a:p>
             </p:txBody>
           </p:sp>
@@ -19515,7 +19130,7 @@
               <a:lstStyle/>
               <a:p>
                 <a:pPr algn="ctr"/>
-                <a:endParaRPr lang="fr-BE"/>
+                <a:endParaRPr lang="fr-BE" noProof="1"/>
               </a:p>
             </p:txBody>
           </p:sp>
@@ -19554,7 +19169,7 @@
               <a:lstStyle/>
               <a:p>
                 <a:pPr algn="ctr"/>
-                <a:endParaRPr lang="fr-BE"/>
+                <a:endParaRPr lang="fr-BE" noProof="1"/>
               </a:p>
             </p:txBody>
           </p:sp>
@@ -19593,7 +19208,7 @@
               <a:lstStyle/>
               <a:p>
                 <a:pPr algn="ctr"/>
-                <a:endParaRPr lang="fr-BE"/>
+                <a:endParaRPr lang="fr-BE" noProof="1"/>
               </a:p>
             </p:txBody>
           </p:sp>
@@ -19739,10 +19354,10 @@
               <a:lstStyle/>
               <a:p>
                 <a:r>
-                  <a:rPr lang="fr-BE" sz="1400" dirty="0" smtClean="0"/>
+                  <a:rPr lang="fr-BE" sz="1400" noProof="1" smtClean="0"/>
                   <a:t>{…}</a:t>
                 </a:r>
-                <a:endParaRPr lang="fr-BE" sz="1400" dirty="0"/>
+                <a:endParaRPr lang="fr-BE" sz="1400" noProof="1"/>
               </a:p>
             </p:txBody>
           </p:sp>
@@ -19771,14 +19386,14 @@
               <a:lstStyle/>
               <a:p>
                 <a:r>
-                  <a:rPr lang="fr-BE" sz="1200" dirty="0" err="1" smtClean="0"/>
+                  <a:rPr lang="fr-BE" sz="1200" noProof="1" smtClean="0"/>
                   <a:t>T</a:t>
                 </a:r>
                 <a:r>
-                  <a:rPr lang="fr-BE" sz="1200" baseline="-25000" dirty="0" err="1" smtClean="0"/>
+                  <a:rPr lang="fr-BE" sz="1200" baseline="-25000" noProof="1" smtClean="0"/>
                   <a:t>start</a:t>
                 </a:r>
-                <a:endParaRPr lang="fr-BE" sz="1200" baseline="-25000" dirty="0"/>
+                <a:endParaRPr lang="fr-BE" sz="1200" baseline="-25000" noProof="1"/>
               </a:p>
             </p:txBody>
           </p:sp>
@@ -19807,14 +19422,14 @@
               <a:lstStyle/>
               <a:p>
                 <a:r>
-                  <a:rPr lang="fr-BE" sz="1200" dirty="0" smtClean="0"/>
+                  <a:rPr lang="fr-BE" sz="1200" noProof="1" smtClean="0"/>
                   <a:t>T</a:t>
                 </a:r>
                 <a:r>
-                  <a:rPr lang="fr-BE" sz="1200" baseline="-25000" dirty="0" smtClean="0"/>
+                  <a:rPr lang="fr-BE" sz="1200" baseline="-25000" noProof="1" smtClean="0"/>
                   <a:t>end</a:t>
                 </a:r>
-                <a:endParaRPr lang="fr-BE" sz="1200" baseline="-25000" dirty="0"/>
+                <a:endParaRPr lang="fr-BE" sz="1200" baseline="-25000" noProof="1"/>
               </a:p>
             </p:txBody>
           </p:sp>
@@ -19868,7 +19483,7 @@
               <a:lstStyle/>
               <a:p>
                 <a:pPr algn="ctr"/>
-                <a:endParaRPr lang="fr-BE"/>
+                <a:endParaRPr lang="fr-BE" noProof="1"/>
               </a:p>
             </p:txBody>
           </p:sp>
@@ -19907,7 +19522,7 @@
               <a:lstStyle/>
               <a:p>
                 <a:pPr algn="ctr"/>
-                <a:endParaRPr lang="fr-BE"/>
+                <a:endParaRPr lang="fr-BE" noProof="1"/>
               </a:p>
             </p:txBody>
           </p:sp>
@@ -19946,7 +19561,7 @@
               <a:lstStyle/>
               <a:p>
                 <a:pPr algn="ctr"/>
-                <a:endParaRPr lang="fr-BE"/>
+                <a:endParaRPr lang="fr-BE" noProof="1"/>
               </a:p>
             </p:txBody>
           </p:sp>
@@ -19985,7 +19600,7 @@
               <a:lstStyle/>
               <a:p>
                 <a:pPr algn="ctr"/>
-                <a:endParaRPr lang="fr-BE"/>
+                <a:endParaRPr lang="fr-BE" noProof="1"/>
               </a:p>
             </p:txBody>
           </p:sp>
@@ -20131,10 +19746,10 @@
               <a:lstStyle/>
               <a:p>
                 <a:r>
-                  <a:rPr lang="fr-BE" sz="1400" dirty="0" smtClean="0"/>
+                  <a:rPr lang="fr-BE" sz="1400" noProof="1" smtClean="0"/>
                   <a:t>{…}</a:t>
                 </a:r>
-                <a:endParaRPr lang="fr-BE" sz="1400" dirty="0"/>
+                <a:endParaRPr lang="fr-BE" sz="1400" noProof="1"/>
               </a:p>
             </p:txBody>
           </p:sp>
@@ -20163,14 +19778,14 @@
               <a:lstStyle/>
               <a:p>
                 <a:r>
-                  <a:rPr lang="fr-BE" sz="1200" dirty="0" err="1" smtClean="0"/>
+                  <a:rPr lang="fr-BE" sz="1200" noProof="1" smtClean="0"/>
                   <a:t>T</a:t>
                 </a:r>
                 <a:r>
-                  <a:rPr lang="fr-BE" sz="1200" baseline="-25000" dirty="0" err="1" smtClean="0"/>
+                  <a:rPr lang="fr-BE" sz="1200" baseline="-25000" noProof="1" smtClean="0"/>
                   <a:t>start</a:t>
                 </a:r>
-                <a:endParaRPr lang="fr-BE" sz="1200" baseline="-25000" dirty="0"/>
+                <a:endParaRPr lang="fr-BE" sz="1200" baseline="-25000" noProof="1"/>
               </a:p>
             </p:txBody>
           </p:sp>
@@ -20199,14 +19814,14 @@
               <a:lstStyle/>
               <a:p>
                 <a:r>
-                  <a:rPr lang="fr-BE" sz="1200" dirty="0" smtClean="0"/>
+                  <a:rPr lang="fr-BE" sz="1200" noProof="1" smtClean="0"/>
                   <a:t>T</a:t>
                 </a:r>
                 <a:r>
-                  <a:rPr lang="fr-BE" sz="1200" baseline="-25000" dirty="0" smtClean="0"/>
+                  <a:rPr lang="fr-BE" sz="1200" baseline="-25000" noProof="1" smtClean="0"/>
                   <a:t>end</a:t>
                 </a:r>
-                <a:endParaRPr lang="fr-BE" sz="1200" baseline="-25000" dirty="0"/>
+                <a:endParaRPr lang="fr-BE" sz="1200" baseline="-25000" noProof="1"/>
               </a:p>
             </p:txBody>
           </p:sp>
@@ -20260,7 +19875,7 @@
               <a:lstStyle/>
               <a:p>
                 <a:pPr algn="ctr"/>
-                <a:endParaRPr lang="fr-BE"/>
+                <a:endParaRPr lang="fr-BE" noProof="1"/>
               </a:p>
             </p:txBody>
           </p:sp>
@@ -20299,7 +19914,7 @@
               <a:lstStyle/>
               <a:p>
                 <a:pPr algn="ctr"/>
-                <a:endParaRPr lang="fr-BE"/>
+                <a:endParaRPr lang="fr-BE" noProof="1"/>
               </a:p>
             </p:txBody>
           </p:sp>
@@ -20338,7 +19953,7 @@
               <a:lstStyle/>
               <a:p>
                 <a:pPr algn="ctr"/>
-                <a:endParaRPr lang="fr-BE"/>
+                <a:endParaRPr lang="fr-BE" noProof="1"/>
               </a:p>
             </p:txBody>
           </p:sp>
@@ -20377,7 +19992,7 @@
               <a:lstStyle/>
               <a:p>
                 <a:pPr algn="ctr"/>
-                <a:endParaRPr lang="fr-BE"/>
+                <a:endParaRPr lang="fr-BE" noProof="1"/>
               </a:p>
             </p:txBody>
           </p:sp>
@@ -20523,10 +20138,10 @@
               <a:lstStyle/>
               <a:p>
                 <a:r>
-                  <a:rPr lang="fr-BE" sz="1400" dirty="0" smtClean="0"/>
+                  <a:rPr lang="fr-BE" sz="1400" noProof="1" smtClean="0"/>
                   <a:t>{…}</a:t>
                 </a:r>
-                <a:endParaRPr lang="fr-BE" sz="1400" dirty="0"/>
+                <a:endParaRPr lang="fr-BE" sz="1400" noProof="1"/>
               </a:p>
             </p:txBody>
           </p:sp>
@@ -20555,14 +20170,14 @@
               <a:lstStyle/>
               <a:p>
                 <a:r>
-                  <a:rPr lang="fr-BE" sz="1200" dirty="0" err="1" smtClean="0"/>
+                  <a:rPr lang="fr-BE" sz="1200" noProof="1" smtClean="0"/>
                   <a:t>T</a:t>
                 </a:r>
                 <a:r>
-                  <a:rPr lang="fr-BE" sz="1200" baseline="-25000" dirty="0" err="1" smtClean="0"/>
+                  <a:rPr lang="fr-BE" sz="1200" baseline="-25000" noProof="1" smtClean="0"/>
                   <a:t>start</a:t>
                 </a:r>
-                <a:endParaRPr lang="fr-BE" sz="1200" baseline="-25000" dirty="0"/>
+                <a:endParaRPr lang="fr-BE" sz="1200" baseline="-25000" noProof="1"/>
               </a:p>
             </p:txBody>
           </p:sp>
@@ -20591,14 +20206,14 @@
               <a:lstStyle/>
               <a:p>
                 <a:r>
-                  <a:rPr lang="fr-BE" sz="1200" dirty="0" smtClean="0"/>
+                  <a:rPr lang="fr-BE" sz="1200" noProof="1" smtClean="0"/>
                   <a:t>T</a:t>
                 </a:r>
                 <a:r>
-                  <a:rPr lang="fr-BE" sz="1200" baseline="-25000" dirty="0" smtClean="0"/>
+                  <a:rPr lang="fr-BE" sz="1200" baseline="-25000" noProof="1" smtClean="0"/>
                   <a:t>end</a:t>
                 </a:r>
-                <a:endParaRPr lang="fr-BE" sz="1200" baseline="-25000" dirty="0"/>
+                <a:endParaRPr lang="fr-BE" sz="1200" baseline="-25000" noProof="1"/>
               </a:p>
             </p:txBody>
           </p:sp>
@@ -20652,7 +20267,7 @@
               <a:lstStyle/>
               <a:p>
                 <a:pPr algn="ctr"/>
-                <a:endParaRPr lang="fr-BE"/>
+                <a:endParaRPr lang="fr-BE" noProof="1"/>
               </a:p>
             </p:txBody>
           </p:sp>
@@ -20691,7 +20306,7 @@
               <a:lstStyle/>
               <a:p>
                 <a:pPr algn="ctr"/>
-                <a:endParaRPr lang="fr-BE"/>
+                <a:endParaRPr lang="fr-BE" noProof="1"/>
               </a:p>
             </p:txBody>
           </p:sp>
@@ -20730,7 +20345,7 @@
               <a:lstStyle/>
               <a:p>
                 <a:pPr algn="ctr"/>
-                <a:endParaRPr lang="fr-BE"/>
+                <a:endParaRPr lang="fr-BE" noProof="1"/>
               </a:p>
             </p:txBody>
           </p:sp>
@@ -20769,7 +20384,7 @@
               <a:lstStyle/>
               <a:p>
                 <a:pPr algn="ctr"/>
-                <a:endParaRPr lang="fr-BE"/>
+                <a:endParaRPr lang="fr-BE" noProof="1"/>
               </a:p>
             </p:txBody>
           </p:sp>
@@ -20915,10 +20530,10 @@
               <a:lstStyle/>
               <a:p>
                 <a:r>
-                  <a:rPr lang="fr-BE" sz="1400" dirty="0" smtClean="0"/>
+                  <a:rPr lang="fr-BE" sz="1400" noProof="1" smtClean="0"/>
                   <a:t>{…}</a:t>
                 </a:r>
-                <a:endParaRPr lang="fr-BE" sz="1400" dirty="0"/>
+                <a:endParaRPr lang="fr-BE" sz="1400" noProof="1"/>
               </a:p>
             </p:txBody>
           </p:sp>
@@ -20947,14 +20562,14 @@
               <a:lstStyle/>
               <a:p>
                 <a:r>
-                  <a:rPr lang="fr-BE" sz="1200" dirty="0" err="1" smtClean="0"/>
+                  <a:rPr lang="fr-BE" sz="1200" noProof="1" smtClean="0"/>
                   <a:t>T</a:t>
                 </a:r>
                 <a:r>
-                  <a:rPr lang="fr-BE" sz="1200" baseline="-25000" dirty="0" err="1" smtClean="0"/>
+                  <a:rPr lang="fr-BE" sz="1200" baseline="-25000" noProof="1" smtClean="0"/>
                   <a:t>start</a:t>
                 </a:r>
-                <a:endParaRPr lang="fr-BE" sz="1200" baseline="-25000" dirty="0"/>
+                <a:endParaRPr lang="fr-BE" sz="1200" baseline="-25000" noProof="1"/>
               </a:p>
             </p:txBody>
           </p:sp>
@@ -20983,14 +20598,14 @@
               <a:lstStyle/>
               <a:p>
                 <a:r>
-                  <a:rPr lang="fr-BE" sz="1200" dirty="0" smtClean="0"/>
+                  <a:rPr lang="fr-BE" sz="1200" noProof="1" smtClean="0"/>
                   <a:t>T</a:t>
                 </a:r>
                 <a:r>
-                  <a:rPr lang="fr-BE" sz="1200" baseline="-25000" dirty="0" smtClean="0"/>
+                  <a:rPr lang="fr-BE" sz="1200" baseline="-25000" noProof="1" smtClean="0"/>
                   <a:t>end</a:t>
                 </a:r>
-                <a:endParaRPr lang="fr-BE" sz="1200" baseline="-25000" dirty="0"/>
+                <a:endParaRPr lang="fr-BE" sz="1200" baseline="-25000" noProof="1"/>
               </a:p>
             </p:txBody>
           </p:sp>
@@ -21003,7 +20618,7 @@
           </p:nvSpPr>
           <p:spPr>
             <a:xfrm>
-              <a:off x="3491880" y="1130819"/>
+              <a:off x="1187624" y="908720"/>
               <a:ext cx="216024" cy="216024"/>
             </a:xfrm>
             <a:prstGeom prst="ellipse">
@@ -21030,50 +20645,10 @@
             <a:lstStyle/>
             <a:p>
               <a:pPr algn="ctr"/>
-              <a:endParaRPr lang="fr-BE"/>
+              <a:endParaRPr lang="fr-BE" noProof="1"/>
             </a:p>
           </p:txBody>
         </p:sp>
-        <p:cxnSp>
-          <p:nvCxnSpPr>
-            <p:cNvPr id="178" name="Connecteur en arc 177"/>
-            <p:cNvCxnSpPr>
-              <a:stCxn id="173" idx="6"/>
-            </p:cNvCxnSpPr>
-            <p:nvPr/>
-          </p:nvCxnSpPr>
-          <p:spPr>
-            <a:xfrm>
-              <a:off x="3707904" y="1238831"/>
-              <a:ext cx="532631" cy="276312"/>
-            </a:xfrm>
-            <a:prstGeom prst="curvedConnector3">
-              <a:avLst>
-                <a:gd name="adj1" fmla="val 50000"/>
-              </a:avLst>
-            </a:prstGeom>
-            <a:ln w="15875">
-              <a:solidFill>
-                <a:schemeClr val="tx1"/>
-              </a:solidFill>
-              <a:tailEnd type="triangle" w="med" len="lg"/>
-            </a:ln>
-          </p:spPr>
-          <p:style>
-            <a:lnRef idx="1">
-              <a:schemeClr val="accent1"/>
-            </a:lnRef>
-            <a:fillRef idx="0">
-              <a:schemeClr val="accent1"/>
-            </a:fillRef>
-            <a:effectRef idx="0">
-              <a:schemeClr val="accent1"/>
-            </a:effectRef>
-            <a:fontRef idx="minor">
-              <a:schemeClr val="tx1"/>
-            </a:fontRef>
-          </p:style>
-        </p:cxnSp>
         <p:cxnSp>
           <p:nvCxnSpPr>
             <p:cNvPr id="192" name="Connecteur droit avec flèche 191"/>
@@ -21084,7 +20659,7 @@
           </p:nvCxnSpPr>
           <p:spPr>
             <a:xfrm>
-              <a:off x="3275856" y="986803"/>
+              <a:off x="971600" y="764704"/>
               <a:ext cx="247660" cy="175652"/>
             </a:xfrm>
             <a:prstGeom prst="straightConnector1">
@@ -21185,7 +20760,7 @@
             <a:lstStyle/>
             <a:p>
               <a:pPr algn="ctr"/>
-              <a:endParaRPr lang="fr-BE"/>
+              <a:endParaRPr lang="fr-BE" noProof="1"/>
             </a:p>
           </p:txBody>
         </p:sp>
@@ -21363,7 +20938,7 @@
             <a:lstStyle/>
             <a:p>
               <a:pPr algn="ctr"/>
-              <a:endParaRPr lang="fr-BE"/>
+              <a:endParaRPr lang="fr-BE" noProof="1"/>
             </a:p>
           </p:txBody>
         </p:sp>
@@ -21575,7 +21150,7 @@
             <a:lstStyle/>
             <a:p>
               <a:pPr algn="ctr"/>
-              <a:endParaRPr lang="fr-BE"/>
+              <a:endParaRPr lang="fr-BE" noProof="1"/>
             </a:p>
           </p:txBody>
         </p:sp>
@@ -21773,13 +21348,13 @@
         </p:sp>
         <p:sp>
           <p:nvSpPr>
-            <p:cNvPr id="241" name="ZoneTexte 240"/>
+            <p:cNvPr id="243" name="ZoneTexte 242"/>
             <p:cNvSpPr txBox="1"/>
             <p:nvPr/>
           </p:nvSpPr>
           <p:spPr>
             <a:xfrm>
-              <a:off x="3818012" y="1099344"/>
+              <a:off x="3275856" y="2348880"/>
               <a:ext cx="173693" cy="349702"/>
             </a:xfrm>
             <a:prstGeom prst="rect">
@@ -21796,24 +21371,24 @@
             <a:lstStyle/>
             <a:p>
               <a:r>
-                <a:rPr lang="fr-BE" dirty="0" smtClean="0">
+                <a:rPr lang="fr-BE" noProof="1" smtClean="0">
                   <a:sym typeface="Symbol"/>
                 </a:rPr>
                 <a:t></a:t>
               </a:r>
-              <a:endParaRPr lang="fr-BE" dirty="0"/>
+              <a:endParaRPr lang="fr-BE" noProof="1"/>
             </a:p>
           </p:txBody>
         </p:sp>
         <p:sp>
           <p:nvSpPr>
-            <p:cNvPr id="243" name="ZoneTexte 242"/>
+            <p:cNvPr id="244" name="ZoneTexte 243"/>
             <p:cNvSpPr txBox="1"/>
             <p:nvPr/>
           </p:nvSpPr>
           <p:spPr>
             <a:xfrm>
-              <a:off x="3275856" y="2348880"/>
+              <a:off x="5478427" y="3582541"/>
               <a:ext cx="173693" cy="349702"/>
             </a:xfrm>
             <a:prstGeom prst="rect">
@@ -21830,24 +21405,24 @@
             <a:lstStyle/>
             <a:p>
               <a:r>
-                <a:rPr lang="fr-BE" dirty="0" smtClean="0">
+                <a:rPr lang="fr-BE" noProof="1" smtClean="0">
                   <a:sym typeface="Symbol"/>
                 </a:rPr>
                 <a:t></a:t>
               </a:r>
-              <a:endParaRPr lang="fr-BE" dirty="0"/>
+              <a:endParaRPr lang="fr-BE" noProof="1"/>
             </a:p>
           </p:txBody>
         </p:sp>
         <p:sp>
           <p:nvSpPr>
-            <p:cNvPr id="244" name="ZoneTexte 243"/>
+            <p:cNvPr id="245" name="ZoneTexte 244"/>
             <p:cNvSpPr txBox="1"/>
             <p:nvPr/>
           </p:nvSpPr>
           <p:spPr>
             <a:xfrm>
-              <a:off x="5478427" y="3582541"/>
+              <a:off x="7884368" y="4797152"/>
               <a:ext cx="173693" cy="349702"/>
             </a:xfrm>
             <a:prstGeom prst="rect">
@@ -21864,24 +21439,24 @@
             <a:lstStyle/>
             <a:p>
               <a:r>
-                <a:rPr lang="fr-BE" dirty="0" smtClean="0">
+                <a:rPr lang="fr-BE" noProof="1" smtClean="0">
                   <a:sym typeface="Symbol"/>
                 </a:rPr>
                 <a:t></a:t>
               </a:r>
-              <a:endParaRPr lang="fr-BE" dirty="0"/>
+              <a:endParaRPr lang="fr-BE" noProof="1"/>
             </a:p>
           </p:txBody>
         </p:sp>
         <p:sp>
           <p:nvSpPr>
-            <p:cNvPr id="245" name="ZoneTexte 244"/>
+            <p:cNvPr id="246" name="ZoneTexte 245"/>
             <p:cNvSpPr txBox="1"/>
             <p:nvPr/>
           </p:nvSpPr>
           <p:spPr>
             <a:xfrm>
-              <a:off x="7884368" y="4797152"/>
+              <a:off x="3050307" y="4835252"/>
               <a:ext cx="173693" cy="349702"/>
             </a:xfrm>
             <a:prstGeom prst="rect">
@@ -21898,24 +21473,24 @@
             <a:lstStyle/>
             <a:p>
               <a:r>
-                <a:rPr lang="fr-BE" dirty="0" smtClean="0">
+                <a:rPr lang="fr-BE" noProof="1" smtClean="0">
                   <a:sym typeface="Symbol"/>
                 </a:rPr>
                 <a:t></a:t>
               </a:r>
-              <a:endParaRPr lang="fr-BE" dirty="0"/>
+              <a:endParaRPr lang="fr-BE" noProof="1"/>
             </a:p>
           </p:txBody>
         </p:sp>
         <p:sp>
           <p:nvSpPr>
-            <p:cNvPr id="246" name="ZoneTexte 245"/>
+            <p:cNvPr id="247" name="ZoneTexte 246"/>
             <p:cNvSpPr txBox="1"/>
             <p:nvPr/>
           </p:nvSpPr>
           <p:spPr>
             <a:xfrm>
-              <a:off x="3050307" y="4835252"/>
+              <a:off x="5652120" y="2683520"/>
               <a:ext cx="173693" cy="349702"/>
             </a:xfrm>
             <a:prstGeom prst="rect">
@@ -21932,46 +21507,12 @@
             <a:lstStyle/>
             <a:p>
               <a:r>
-                <a:rPr lang="fr-BE" dirty="0" smtClean="0">
+                <a:rPr lang="fr-BE" noProof="1" smtClean="0">
                   <a:sym typeface="Symbol"/>
                 </a:rPr>
                 <a:t></a:t>
               </a:r>
-              <a:endParaRPr lang="fr-BE" dirty="0"/>
-            </a:p>
-          </p:txBody>
-        </p:sp>
-        <p:sp>
-          <p:nvSpPr>
-            <p:cNvPr id="247" name="ZoneTexte 246"/>
-            <p:cNvSpPr txBox="1"/>
-            <p:nvPr/>
-          </p:nvSpPr>
-          <p:spPr>
-            <a:xfrm>
-              <a:off x="5652120" y="2683520"/>
-              <a:ext cx="173693" cy="349702"/>
-            </a:xfrm>
-            <a:prstGeom prst="rect">
-              <a:avLst/>
-            </a:prstGeom>
-            <a:solidFill>
-              <a:schemeClr val="bg1"/>
-            </a:solidFill>
-          </p:spPr>
-          <p:txBody>
-            <a:bodyPr wrap="none" lIns="36000" tIns="36000" rIns="36000" bIns="36000" rtlCol="0" anchor="t" anchorCtr="0">
-              <a:spAutoFit/>
-            </a:bodyPr>
-            <a:lstStyle/>
-            <a:p>
-              <a:r>
-                <a:rPr lang="fr-BE" dirty="0" smtClean="0">
-                  <a:sym typeface="Symbol"/>
-                </a:rPr>
-                <a:t></a:t>
-              </a:r>
-              <a:endParaRPr lang="fr-BE" dirty="0"/>
+              <a:endParaRPr lang="fr-BE" noProof="1"/>
             </a:p>
           </p:txBody>
         </p:sp>
@@ -22073,7 +21614,7 @@
               <a:lstStyle/>
               <a:p>
                 <a:pPr algn="ctr"/>
-                <a:endParaRPr lang="fr-BE"/>
+                <a:endParaRPr lang="fr-BE" noProof="1"/>
               </a:p>
             </p:txBody>
           </p:sp>
@@ -22112,7 +21653,7 @@
               <a:lstStyle/>
               <a:p>
                 <a:pPr algn="ctr"/>
-                <a:endParaRPr lang="fr-BE"/>
+                <a:endParaRPr lang="fr-BE" noProof="1"/>
               </a:p>
             </p:txBody>
           </p:sp>
@@ -22151,7 +21692,7 @@
               <a:lstStyle/>
               <a:p>
                 <a:pPr algn="ctr"/>
-                <a:endParaRPr lang="fr-BE"/>
+                <a:endParaRPr lang="fr-BE" noProof="1"/>
               </a:p>
             </p:txBody>
           </p:sp>
@@ -22190,7 +21731,7 @@
               <a:lstStyle/>
               <a:p>
                 <a:pPr algn="ctr"/>
-                <a:endParaRPr lang="fr-BE"/>
+                <a:endParaRPr lang="fr-BE" noProof="1"/>
               </a:p>
             </p:txBody>
           </p:sp>
@@ -22336,10 +21877,10 @@
               <a:lstStyle/>
               <a:p>
                 <a:r>
-                  <a:rPr lang="fr-BE" sz="1400" dirty="0" smtClean="0"/>
+                  <a:rPr lang="fr-BE" sz="1400" noProof="1" smtClean="0"/>
                   <a:t>{…}</a:t>
                 </a:r>
-                <a:endParaRPr lang="fr-BE" sz="1400" dirty="0"/>
+                <a:endParaRPr lang="fr-BE" sz="1400" noProof="1"/>
               </a:p>
             </p:txBody>
           </p:sp>
@@ -22368,14 +21909,14 @@
               <a:lstStyle/>
               <a:p>
                 <a:r>
-                  <a:rPr lang="fr-BE" sz="1200" dirty="0" err="1" smtClean="0"/>
+                  <a:rPr lang="fr-BE" sz="1200" noProof="1" smtClean="0"/>
                   <a:t>T</a:t>
                 </a:r>
                 <a:r>
-                  <a:rPr lang="fr-BE" sz="1200" baseline="-25000" dirty="0" err="1" smtClean="0"/>
+                  <a:rPr lang="fr-BE" sz="1200" baseline="-25000" noProof="1" smtClean="0"/>
                   <a:t>start</a:t>
                 </a:r>
-                <a:endParaRPr lang="fr-BE" sz="1200" baseline="-25000" dirty="0"/>
+                <a:endParaRPr lang="fr-BE" sz="1200" baseline="-25000" noProof="1"/>
               </a:p>
             </p:txBody>
           </p:sp>
@@ -22404,28 +21945,1009 @@
               <a:lstStyle/>
               <a:p>
                 <a:r>
-                  <a:rPr lang="fr-BE" sz="1200" dirty="0" smtClean="0"/>
+                  <a:rPr lang="fr-BE" sz="1200" noProof="1" smtClean="0"/>
                   <a:t>T</a:t>
                 </a:r>
                 <a:r>
-                  <a:rPr lang="fr-BE" sz="1200" baseline="-25000" dirty="0" smtClean="0"/>
+                  <a:rPr lang="fr-BE" sz="1200" baseline="-25000" noProof="1" smtClean="0"/>
                   <a:t>end</a:t>
                 </a:r>
-                <a:endParaRPr lang="fr-BE" sz="1200" baseline="-25000" dirty="0"/>
+                <a:endParaRPr lang="fr-BE" sz="1200" baseline="-25000" noProof="1"/>
+              </a:p>
+            </p:txBody>
+          </p:sp>
+        </p:grpSp>
+        <p:grpSp>
+          <p:nvGrpSpPr>
+            <p:cNvPr id="205" name="Groupe 204"/>
+            <p:cNvGrpSpPr/>
+            <p:nvPr/>
+          </p:nvGrpSpPr>
+          <p:grpSpPr>
+            <a:xfrm>
+              <a:off x="1835696" y="764704"/>
+              <a:ext cx="5040560" cy="1080119"/>
+              <a:chOff x="1547664" y="764704"/>
+              <a:chExt cx="5040560" cy="1080119"/>
+            </a:xfrm>
+          </p:grpSpPr>
+          <p:sp>
+            <p:nvSpPr>
+              <p:cNvPr id="20" name="Rectangle à coins arrondis 19"/>
+              <p:cNvSpPr/>
+              <p:nvPr/>
+            </p:nvSpPr>
+            <p:spPr>
+              <a:xfrm>
+                <a:off x="1547664" y="764704"/>
+                <a:ext cx="5040560" cy="1080119"/>
+              </a:xfrm>
+              <a:prstGeom prst="roundRect">
+                <a:avLst/>
+              </a:prstGeom>
+              <a:ln w="9525">
+                <a:prstDash val="sysDash"/>
+              </a:ln>
+            </p:spPr>
+            <p:style>
+              <a:lnRef idx="2">
+                <a:schemeClr val="dk1"/>
+              </a:lnRef>
+              <a:fillRef idx="1">
+                <a:schemeClr val="lt1"/>
+              </a:fillRef>
+              <a:effectRef idx="0">
+                <a:schemeClr val="dk1"/>
+              </a:effectRef>
+              <a:fontRef idx="minor">
+                <a:schemeClr val="dk1"/>
+              </a:fontRef>
+            </p:style>
+            <p:txBody>
+              <a:bodyPr wrap="none" lIns="36000" tIns="36000" rIns="36000" bIns="36000" rtlCol="0" anchor="t"/>
+              <a:lstStyle/>
+              <a:p>
+                <a:pPr algn="r"/>
+                <a:r>
+                  <a:rPr lang="fr-BE" sz="1200" noProof="1" smtClean="0">
+                    <a:latin typeface="+mj-lt"/>
+                  </a:rPr>
+                  <a:t>Initiate Meeting</a:t>
+                </a:r>
+                <a:endParaRPr lang="fr-BE" sz="1200" noProof="1">
+                  <a:latin typeface="+mj-lt"/>
+                </a:endParaRPr>
+              </a:p>
+            </p:txBody>
+          </p:sp>
+          <p:sp>
+            <p:nvSpPr>
+              <p:cNvPr id="56" name="Ellipse 55"/>
+              <p:cNvSpPr/>
+              <p:nvPr/>
+            </p:nvSpPr>
+            <p:spPr>
+              <a:xfrm>
+                <a:off x="1757973" y="1170620"/>
+                <a:ext cx="216024" cy="216024"/>
+              </a:xfrm>
+              <a:prstGeom prst="ellipse">
+                <a:avLst/>
+              </a:prstGeom>
+              <a:ln w="15875"/>
+            </p:spPr>
+            <p:style>
+              <a:lnRef idx="2">
+                <a:schemeClr val="dk1"/>
+              </a:lnRef>
+              <a:fillRef idx="1">
+                <a:schemeClr val="lt1"/>
+              </a:fillRef>
+              <a:effectRef idx="0">
+                <a:schemeClr val="dk1"/>
+              </a:effectRef>
+              <a:fontRef idx="minor">
+                <a:schemeClr val="dk1"/>
+              </a:fontRef>
+            </p:style>
+            <p:txBody>
+              <a:bodyPr rtlCol="0" anchor="ctr"/>
+              <a:lstStyle/>
+              <a:p>
+                <a:pPr algn="ctr"/>
+                <a:endParaRPr lang="fr-BE" noProof="1"/>
+              </a:p>
+            </p:txBody>
+          </p:sp>
+          <p:sp>
+            <p:nvSpPr>
+              <p:cNvPr id="59" name="Ellipse 58"/>
+              <p:cNvSpPr/>
+              <p:nvPr/>
+            </p:nvSpPr>
+            <p:spPr>
+              <a:xfrm>
+                <a:off x="2787040" y="1170620"/>
+                <a:ext cx="216024" cy="216024"/>
+              </a:xfrm>
+              <a:prstGeom prst="ellipse">
+                <a:avLst/>
+              </a:prstGeom>
+              <a:ln w="15875"/>
+            </p:spPr>
+            <p:style>
+              <a:lnRef idx="2">
+                <a:schemeClr val="dk1"/>
+              </a:lnRef>
+              <a:fillRef idx="1">
+                <a:schemeClr val="lt1"/>
+              </a:fillRef>
+              <a:effectRef idx="0">
+                <a:schemeClr val="dk1"/>
+              </a:effectRef>
+              <a:fontRef idx="minor">
+                <a:schemeClr val="dk1"/>
+              </a:fontRef>
+            </p:style>
+            <p:txBody>
+              <a:bodyPr rtlCol="0" anchor="ctr"/>
+              <a:lstStyle/>
+              <a:p>
+                <a:pPr algn="ctr"/>
+                <a:endParaRPr lang="fr-BE" noProof="1"/>
+              </a:p>
+            </p:txBody>
+          </p:sp>
+          <p:sp>
+            <p:nvSpPr>
+              <p:cNvPr id="61" name="Ellipse 60"/>
+              <p:cNvSpPr/>
+              <p:nvPr/>
+            </p:nvSpPr>
+            <p:spPr>
+              <a:xfrm>
+                <a:off x="4067944" y="1170620"/>
+                <a:ext cx="216024" cy="216024"/>
+              </a:xfrm>
+              <a:prstGeom prst="ellipse">
+                <a:avLst/>
+              </a:prstGeom>
+              <a:ln w="15875"/>
+            </p:spPr>
+            <p:style>
+              <a:lnRef idx="2">
+                <a:schemeClr val="dk1"/>
+              </a:lnRef>
+              <a:fillRef idx="1">
+                <a:schemeClr val="lt1"/>
+              </a:fillRef>
+              <a:effectRef idx="0">
+                <a:schemeClr val="dk1"/>
+              </a:effectRef>
+              <a:fontRef idx="minor">
+                <a:schemeClr val="dk1"/>
+              </a:fontRef>
+            </p:style>
+            <p:txBody>
+              <a:bodyPr rtlCol="0" anchor="ctr"/>
+              <a:lstStyle/>
+              <a:p>
+                <a:pPr algn="ctr"/>
+                <a:endParaRPr lang="fr-BE" noProof="1"/>
+              </a:p>
+            </p:txBody>
+          </p:sp>
+          <p:sp>
+            <p:nvSpPr>
+              <p:cNvPr id="62" name="Ellipse 61"/>
+              <p:cNvSpPr/>
+              <p:nvPr/>
+            </p:nvSpPr>
+            <p:spPr>
+              <a:xfrm>
+                <a:off x="5148064" y="1510915"/>
+                <a:ext cx="216024" cy="216024"/>
+              </a:xfrm>
+              <a:prstGeom prst="ellipse">
+                <a:avLst/>
+              </a:prstGeom>
+              <a:ln w="15875"/>
+            </p:spPr>
+            <p:style>
+              <a:lnRef idx="2">
+                <a:schemeClr val="dk1"/>
+              </a:lnRef>
+              <a:fillRef idx="1">
+                <a:schemeClr val="lt1"/>
+              </a:fillRef>
+              <a:effectRef idx="0">
+                <a:schemeClr val="dk1"/>
+              </a:effectRef>
+              <a:fontRef idx="minor">
+                <a:schemeClr val="dk1"/>
+              </a:fontRef>
+            </p:style>
+            <p:txBody>
+              <a:bodyPr rtlCol="0" anchor="ctr"/>
+              <a:lstStyle/>
+              <a:p>
+                <a:pPr algn="ctr"/>
+                <a:endParaRPr lang="fr-BE" noProof="1"/>
+              </a:p>
+            </p:txBody>
+          </p:sp>
+          <p:cxnSp>
+            <p:nvCxnSpPr>
+              <p:cNvPr id="66" name="Connecteur droit avec flèche 65"/>
+              <p:cNvCxnSpPr>
+                <a:stCxn id="56" idx="6"/>
+                <a:endCxn id="59" idx="2"/>
+              </p:cNvCxnSpPr>
+              <p:nvPr/>
+            </p:nvCxnSpPr>
+            <p:spPr>
+              <a:xfrm>
+                <a:off x="1973997" y="1278632"/>
+                <a:ext cx="813043" cy="1588"/>
+              </a:xfrm>
+              <a:prstGeom prst="straightConnector1">
+                <a:avLst/>
+              </a:prstGeom>
+              <a:ln w="12700">
+                <a:solidFill>
+                  <a:schemeClr val="tx1"/>
+                </a:solidFill>
+                <a:tailEnd type="triangle" w="med" len="sm"/>
+              </a:ln>
+            </p:spPr>
+            <p:style>
+              <a:lnRef idx="1">
+                <a:schemeClr val="accent1"/>
+              </a:lnRef>
+              <a:fillRef idx="0">
+                <a:schemeClr val="accent1"/>
+              </a:fillRef>
+              <a:effectRef idx="0">
+                <a:schemeClr val="accent1"/>
+              </a:effectRef>
+              <a:fontRef idx="minor">
+                <a:schemeClr val="tx1"/>
+              </a:fontRef>
+            </p:style>
+          </p:cxnSp>
+          <p:cxnSp>
+            <p:nvCxnSpPr>
+              <p:cNvPr id="75" name="Connecteur droit avec flèche 74"/>
+              <p:cNvCxnSpPr>
+                <a:stCxn id="59" idx="6"/>
+                <a:endCxn id="61" idx="2"/>
+              </p:cNvCxnSpPr>
+              <p:nvPr/>
+            </p:nvCxnSpPr>
+            <p:spPr>
+              <a:xfrm>
+                <a:off x="3003064" y="1278632"/>
+                <a:ext cx="1064880" cy="1588"/>
+              </a:xfrm>
+              <a:prstGeom prst="straightConnector1">
+                <a:avLst/>
+              </a:prstGeom>
+              <a:ln w="12700">
+                <a:solidFill>
+                  <a:schemeClr val="tx1"/>
+                </a:solidFill>
+                <a:tailEnd type="triangle" w="med" len="sm"/>
+              </a:ln>
+            </p:spPr>
+            <p:style>
+              <a:lnRef idx="1">
+                <a:schemeClr val="accent1"/>
+              </a:lnRef>
+              <a:fillRef idx="0">
+                <a:schemeClr val="accent1"/>
+              </a:fillRef>
+              <a:effectRef idx="0">
+                <a:schemeClr val="accent1"/>
+              </a:effectRef>
+              <a:fontRef idx="minor">
+                <a:schemeClr val="tx1"/>
+              </a:fontRef>
+            </p:style>
+          </p:cxnSp>
+          <p:cxnSp>
+            <p:nvCxnSpPr>
+              <p:cNvPr id="81" name="Connecteur droit avec flèche 80"/>
+              <p:cNvCxnSpPr>
+                <a:stCxn id="61" idx="6"/>
+                <a:endCxn id="107" idx="2"/>
+              </p:cNvCxnSpPr>
+              <p:nvPr/>
+            </p:nvCxnSpPr>
+            <p:spPr>
+              <a:xfrm>
+                <a:off x="4283968" y="1278632"/>
+                <a:ext cx="1080120" cy="1588"/>
+              </a:xfrm>
+              <a:prstGeom prst="straightConnector1">
+                <a:avLst/>
+              </a:prstGeom>
+              <a:ln w="12700">
+                <a:solidFill>
+                  <a:schemeClr val="tx1"/>
+                </a:solidFill>
+                <a:tailEnd type="triangle" w="med" len="sm"/>
+              </a:ln>
+            </p:spPr>
+            <p:style>
+              <a:lnRef idx="1">
+                <a:schemeClr val="accent1"/>
+              </a:lnRef>
+              <a:fillRef idx="0">
+                <a:schemeClr val="accent1"/>
+              </a:fillRef>
+              <a:effectRef idx="0">
+                <a:schemeClr val="accent1"/>
+              </a:effectRef>
+              <a:fontRef idx="minor">
+                <a:schemeClr val="tx1"/>
+              </a:fontRef>
+            </p:style>
+          </p:cxnSp>
+          <p:sp>
+            <p:nvSpPr>
+              <p:cNvPr id="85" name="ZoneTexte 84"/>
+              <p:cNvSpPr txBox="1"/>
+              <p:nvPr/>
+            </p:nvSpPr>
+            <p:spPr>
+              <a:xfrm>
+                <a:off x="3068441" y="1190258"/>
+                <a:ext cx="855487" cy="153888"/>
+              </a:xfrm>
+              <a:prstGeom prst="rect">
+                <a:avLst/>
+              </a:prstGeom>
+              <a:solidFill>
+                <a:schemeClr val="bg1"/>
+              </a:solidFill>
+            </p:spPr>
+            <p:txBody>
+              <a:bodyPr wrap="none" lIns="18000" tIns="0" rIns="18000" bIns="0" rtlCol="0">
+                <a:spAutoFit/>
+              </a:bodyPr>
+              <a:lstStyle/>
+              <a:p>
+                <a:r>
+                  <a:rPr lang="fr-BE" sz="1000" noProof="1" smtClean="0"/>
+                  <a:t>set_date_range</a:t>
+                </a:r>
+                <a:endParaRPr lang="fr-BE" sz="1000" noProof="1"/>
+              </a:p>
+            </p:txBody>
+          </p:sp>
+          <p:sp>
+            <p:nvSpPr>
+              <p:cNvPr id="86" name="ZoneTexte 85"/>
+              <p:cNvSpPr txBox="1"/>
+              <p:nvPr/>
+            </p:nvSpPr>
+            <p:spPr>
+              <a:xfrm>
+                <a:off x="2059340" y="1124744"/>
+                <a:ext cx="601127" cy="307777"/>
+              </a:xfrm>
+              <a:prstGeom prst="rect">
+                <a:avLst/>
+              </a:prstGeom>
+              <a:solidFill>
+                <a:schemeClr val="bg1"/>
+              </a:solidFill>
+            </p:spPr>
+            <p:txBody>
+              <a:bodyPr wrap="none" lIns="0" tIns="0" rIns="0" bIns="0" rtlCol="0">
+                <a:spAutoFit/>
+              </a:bodyPr>
+              <a:lstStyle/>
+              <a:p>
+                <a:r>
+                  <a:rPr lang="fr-BE" sz="1000" noProof="1" smtClean="0"/>
+                  <a:t>Initiate</a:t>
+                </a:r>
+                <a:r>
+                  <a:rPr lang="fr-BE" sz="1000" noProof="1" smtClean="0"/>
+                  <a:t/>
+                </a:r>
+                <a:br>
+                  <a:rPr lang="fr-BE" sz="1000" noProof="1" smtClean="0"/>
+                </a:br>
+                <a:r>
+                  <a:rPr lang="fr-BE" sz="1000" noProof="1" smtClean="0"/>
+                  <a:t>Meeting</a:t>
+                </a:r>
+                <a:r>
+                  <a:rPr lang="fr-BE" sz="1000" baseline="-25000" noProof="1" smtClean="0"/>
+                  <a:t>start</a:t>
+                </a:r>
+                <a:endParaRPr lang="fr-BE" sz="1000" baseline="-25000" noProof="1"/>
+              </a:p>
+            </p:txBody>
+          </p:sp>
+          <p:sp>
+            <p:nvSpPr>
+              <p:cNvPr id="107" name="Ellipse 106"/>
+              <p:cNvSpPr/>
+              <p:nvPr/>
+            </p:nvSpPr>
+            <p:spPr>
+              <a:xfrm>
+                <a:off x="5364088" y="1170620"/>
+                <a:ext cx="216024" cy="216024"/>
+              </a:xfrm>
+              <a:prstGeom prst="ellipse">
+                <a:avLst/>
+              </a:prstGeom>
+              <a:ln w="15875"/>
+            </p:spPr>
+            <p:style>
+              <a:lnRef idx="2">
+                <a:schemeClr val="dk1"/>
+              </a:lnRef>
+              <a:fillRef idx="1">
+                <a:schemeClr val="lt1"/>
+              </a:fillRef>
+              <a:effectRef idx="0">
+                <a:schemeClr val="dk1"/>
+              </a:effectRef>
+              <a:fontRef idx="minor">
+                <a:schemeClr val="dk1"/>
+              </a:fontRef>
+            </p:style>
+            <p:txBody>
+              <a:bodyPr rtlCol="0" anchor="ctr"/>
+              <a:lstStyle/>
+              <a:p>
+                <a:pPr algn="ctr"/>
+                <a:endParaRPr lang="fr-BE" noProof="1"/>
+              </a:p>
+            </p:txBody>
+          </p:sp>
+          <p:sp>
+            <p:nvSpPr>
+              <p:cNvPr id="111" name="Ellipse 110"/>
+              <p:cNvSpPr/>
+              <p:nvPr/>
+            </p:nvSpPr>
+            <p:spPr>
+              <a:xfrm>
+                <a:off x="6228184" y="1170620"/>
+                <a:ext cx="216024" cy="216024"/>
+              </a:xfrm>
+              <a:prstGeom prst="ellipse">
+                <a:avLst/>
+              </a:prstGeom>
+              <a:ln w="15875"/>
+            </p:spPr>
+            <p:style>
+              <a:lnRef idx="2">
+                <a:schemeClr val="dk1"/>
+              </a:lnRef>
+              <a:fillRef idx="1">
+                <a:schemeClr val="lt1"/>
+              </a:fillRef>
+              <a:effectRef idx="0">
+                <a:schemeClr val="dk1"/>
+              </a:effectRef>
+              <a:fontRef idx="minor">
+                <a:schemeClr val="dk1"/>
+              </a:fontRef>
+            </p:style>
+            <p:txBody>
+              <a:bodyPr rtlCol="0" anchor="ctr"/>
+              <a:lstStyle/>
+              <a:p>
+                <a:pPr algn="ctr"/>
+                <a:endParaRPr lang="fr-BE" noProof="1"/>
+              </a:p>
+            </p:txBody>
+          </p:sp>
+          <p:sp>
+            <p:nvSpPr>
+              <p:cNvPr id="112" name="ZoneTexte 111"/>
+              <p:cNvSpPr txBox="1"/>
+              <p:nvPr/>
+            </p:nvSpPr>
+            <p:spPr>
+              <a:xfrm>
+                <a:off x="4355976" y="1190258"/>
+                <a:ext cx="874723" cy="153888"/>
+              </a:xfrm>
+              <a:prstGeom prst="rect">
+                <a:avLst/>
+              </a:prstGeom>
+              <a:solidFill>
+                <a:schemeClr val="bg1"/>
+              </a:solidFill>
+            </p:spPr>
+            <p:txBody>
+              <a:bodyPr wrap="none" lIns="18000" tIns="0" rIns="18000" bIns="0" rtlCol="0">
+                <a:spAutoFit/>
+              </a:bodyPr>
+              <a:lstStyle/>
+              <a:p>
+                <a:r>
+                  <a:rPr lang="fr-BE" sz="1000" noProof="1" smtClean="0"/>
+                  <a:t>set_participants</a:t>
+                </a:r>
+                <a:endParaRPr lang="fr-BE" sz="1000" noProof="1"/>
+              </a:p>
+            </p:txBody>
+          </p:sp>
+          <p:cxnSp>
+            <p:nvCxnSpPr>
+              <p:cNvPr id="174" name="Connecteur droit avec flèche 173"/>
+              <p:cNvCxnSpPr>
+                <a:stCxn id="107" idx="6"/>
+                <a:endCxn id="111" idx="2"/>
+              </p:cNvCxnSpPr>
+              <p:nvPr/>
+            </p:nvCxnSpPr>
+            <p:spPr>
+              <a:xfrm>
+                <a:off x="5580112" y="1278632"/>
+                <a:ext cx="648072" cy="1588"/>
+              </a:xfrm>
+              <a:prstGeom prst="straightConnector1">
+                <a:avLst/>
+              </a:prstGeom>
+              <a:ln w="12700">
+                <a:solidFill>
+                  <a:schemeClr val="tx1"/>
+                </a:solidFill>
+                <a:tailEnd type="triangle" w="med" len="sm"/>
+              </a:ln>
+            </p:spPr>
+            <p:style>
+              <a:lnRef idx="1">
+                <a:schemeClr val="accent1"/>
+              </a:lnRef>
+              <a:fillRef idx="0">
+                <a:schemeClr val="accent1"/>
+              </a:fillRef>
+              <a:effectRef idx="0">
+                <a:schemeClr val="accent1"/>
+              </a:effectRef>
+              <a:fontRef idx="minor">
+                <a:schemeClr val="tx1"/>
+              </a:fontRef>
+            </p:style>
+          </p:cxnSp>
+          <p:sp>
+            <p:nvSpPr>
+              <p:cNvPr id="177" name="ZoneTexte 176"/>
+              <p:cNvSpPr txBox="1"/>
+              <p:nvPr/>
+            </p:nvSpPr>
+            <p:spPr>
+              <a:xfrm>
+                <a:off x="5652120" y="1190258"/>
+                <a:ext cx="440308" cy="153888"/>
+              </a:xfrm>
+              <a:prstGeom prst="rect">
+                <a:avLst/>
+              </a:prstGeom>
+              <a:solidFill>
+                <a:schemeClr val="bg1"/>
+              </a:solidFill>
+            </p:spPr>
+            <p:txBody>
+              <a:bodyPr wrap="none" lIns="18000" tIns="0" rIns="18000" bIns="0" rtlCol="0">
+                <a:spAutoFit/>
+              </a:bodyPr>
+              <a:lstStyle/>
+              <a:p>
+                <a:r>
+                  <a:rPr lang="fr-BE" sz="1000" noProof="1" smtClean="0"/>
+                  <a:t>confirm</a:t>
+                </a:r>
+                <a:endParaRPr lang="fr-BE" sz="1000" noProof="1"/>
+              </a:p>
+            </p:txBody>
+          </p:sp>
+          <p:cxnSp>
+            <p:nvCxnSpPr>
+              <p:cNvPr id="179" name="Connecteur droit avec flèche 178"/>
+              <p:cNvCxnSpPr>
+                <a:stCxn id="111" idx="4"/>
+                <a:endCxn id="62" idx="6"/>
+              </p:cNvCxnSpPr>
+              <p:nvPr/>
+            </p:nvCxnSpPr>
+            <p:spPr>
+              <a:xfrm rot="5400000">
+                <a:off x="5734001" y="1016731"/>
+                <a:ext cx="232283" cy="972108"/>
+              </a:xfrm>
+              <a:prstGeom prst="bentConnector2">
+                <a:avLst/>
+              </a:prstGeom>
+              <a:ln w="12700">
+                <a:solidFill>
+                  <a:schemeClr val="tx1"/>
+                </a:solidFill>
+                <a:tailEnd type="triangle" w="med" len="sm"/>
+              </a:ln>
+            </p:spPr>
+            <p:style>
+              <a:lnRef idx="1">
+                <a:schemeClr val="accent1"/>
+              </a:lnRef>
+              <a:fillRef idx="0">
+                <a:schemeClr val="accent1"/>
+              </a:fillRef>
+              <a:effectRef idx="0">
+                <a:schemeClr val="accent1"/>
+              </a:effectRef>
+              <a:fontRef idx="minor">
+                <a:schemeClr val="tx1"/>
+              </a:fontRef>
+            </p:style>
+          </p:cxnSp>
+          <p:sp>
+            <p:nvSpPr>
+              <p:cNvPr id="183" name="Ellipse 182"/>
+              <p:cNvSpPr/>
+              <p:nvPr/>
+            </p:nvSpPr>
+            <p:spPr>
+              <a:xfrm>
+                <a:off x="2699792" y="1510915"/>
+                <a:ext cx="216024" cy="216024"/>
+              </a:xfrm>
+              <a:prstGeom prst="ellipse">
+                <a:avLst/>
+              </a:prstGeom>
+              <a:ln w="15875"/>
+            </p:spPr>
+            <p:style>
+              <a:lnRef idx="2">
+                <a:schemeClr val="dk1"/>
+              </a:lnRef>
+              <a:fillRef idx="1">
+                <a:schemeClr val="lt1"/>
+              </a:fillRef>
+              <a:effectRef idx="0">
+                <a:schemeClr val="dk1"/>
+              </a:effectRef>
+              <a:fontRef idx="minor">
+                <a:schemeClr val="dk1"/>
+              </a:fontRef>
+            </p:style>
+            <p:txBody>
+              <a:bodyPr rtlCol="0" anchor="ctr"/>
+              <a:lstStyle/>
+              <a:p>
+                <a:pPr algn="ctr"/>
+                <a:endParaRPr lang="fr-BE" noProof="1"/>
+              </a:p>
+            </p:txBody>
+          </p:sp>
+          <p:cxnSp>
+            <p:nvCxnSpPr>
+              <p:cNvPr id="184" name="Connecteur droit avec flèche 183"/>
+              <p:cNvCxnSpPr>
+                <a:stCxn id="191" idx="2"/>
+                <a:endCxn id="183" idx="6"/>
+              </p:cNvCxnSpPr>
+              <p:nvPr/>
+            </p:nvCxnSpPr>
+            <p:spPr>
+              <a:xfrm rot="10800000">
+                <a:off x="2915816" y="1618927"/>
+                <a:ext cx="792088" cy="1588"/>
+              </a:xfrm>
+              <a:prstGeom prst="straightConnector1">
+                <a:avLst/>
+              </a:prstGeom>
+              <a:ln w="12700">
+                <a:solidFill>
+                  <a:schemeClr val="tx1"/>
+                </a:solidFill>
+                <a:tailEnd type="triangle" w="med" len="sm"/>
+              </a:ln>
+            </p:spPr>
+            <p:style>
+              <a:lnRef idx="1">
+                <a:schemeClr val="accent1"/>
+              </a:lnRef>
+              <a:fillRef idx="0">
+                <a:schemeClr val="accent1"/>
+              </a:fillRef>
+              <a:effectRef idx="0">
+                <a:schemeClr val="accent1"/>
+              </a:effectRef>
+              <a:fontRef idx="minor">
+                <a:schemeClr val="tx1"/>
+              </a:fontRef>
+            </p:style>
+          </p:cxnSp>
+          <p:sp>
+            <p:nvSpPr>
+              <p:cNvPr id="187" name="ZoneTexte 186"/>
+              <p:cNvSpPr txBox="1"/>
+              <p:nvPr/>
+            </p:nvSpPr>
+            <p:spPr>
+              <a:xfrm>
+                <a:off x="3064024" y="1449799"/>
+                <a:ext cx="570669" cy="307777"/>
+              </a:xfrm>
+              <a:prstGeom prst="rect">
+                <a:avLst/>
+              </a:prstGeom>
+              <a:solidFill>
+                <a:schemeClr val="bg1"/>
+              </a:solidFill>
+            </p:spPr>
+            <p:txBody>
+              <a:bodyPr wrap="none" lIns="0" tIns="0" rIns="0" bIns="0" rtlCol="0">
+                <a:spAutoFit/>
+              </a:bodyPr>
+              <a:lstStyle/>
+              <a:p>
+                <a:r>
+                  <a:rPr lang="fr-BE" sz="1000" noProof="1" smtClean="0"/>
+                  <a:t>Initiate</a:t>
+                </a:r>
+                <a:r>
+                  <a:rPr lang="fr-BE" sz="1000" noProof="1" smtClean="0"/>
+                  <a:t/>
+                </a:r>
+                <a:br>
+                  <a:rPr lang="fr-BE" sz="1000" noProof="1" smtClean="0"/>
+                </a:br>
+                <a:r>
+                  <a:rPr lang="fr-BE" sz="1000" noProof="1" smtClean="0"/>
+                  <a:t>Meeting</a:t>
+                </a:r>
+                <a:r>
+                  <a:rPr lang="fr-BE" sz="1000" baseline="-25000" noProof="1" smtClean="0"/>
+                  <a:t>end</a:t>
+                </a:r>
+                <a:endParaRPr lang="fr-BE" sz="1000" baseline="-25000" noProof="1"/>
+              </a:p>
+            </p:txBody>
+          </p:sp>
+          <p:sp>
+            <p:nvSpPr>
+              <p:cNvPr id="191" name="Ellipse 190"/>
+              <p:cNvSpPr/>
+              <p:nvPr/>
+            </p:nvSpPr>
+            <p:spPr>
+              <a:xfrm>
+                <a:off x="3707904" y="1510915"/>
+                <a:ext cx="216024" cy="216024"/>
+              </a:xfrm>
+              <a:prstGeom prst="ellipse">
+                <a:avLst/>
+              </a:prstGeom>
+              <a:ln w="15875"/>
+            </p:spPr>
+            <p:style>
+              <a:lnRef idx="2">
+                <a:schemeClr val="dk1"/>
+              </a:lnRef>
+              <a:fillRef idx="1">
+                <a:schemeClr val="lt1"/>
+              </a:fillRef>
+              <a:effectRef idx="0">
+                <a:schemeClr val="dk1"/>
+              </a:effectRef>
+              <a:fontRef idx="minor">
+                <a:schemeClr val="dk1"/>
+              </a:fontRef>
+            </p:style>
+            <p:txBody>
+              <a:bodyPr rtlCol="0" anchor="ctr"/>
+              <a:lstStyle/>
+              <a:p>
+                <a:pPr algn="ctr"/>
+                <a:endParaRPr lang="fr-BE" noProof="1"/>
+              </a:p>
+            </p:txBody>
+          </p:sp>
+          <p:cxnSp>
+            <p:nvCxnSpPr>
+              <p:cNvPr id="194" name="Connecteur droit avec flèche 193"/>
+              <p:cNvCxnSpPr>
+                <a:stCxn id="62" idx="2"/>
+                <a:endCxn id="191" idx="6"/>
+              </p:cNvCxnSpPr>
+              <p:nvPr/>
+            </p:nvCxnSpPr>
+            <p:spPr>
+              <a:xfrm rot="10800000">
+                <a:off x="3923928" y="1618927"/>
+                <a:ext cx="1224136" cy="1588"/>
+              </a:xfrm>
+              <a:prstGeom prst="straightConnector1">
+                <a:avLst/>
+              </a:prstGeom>
+              <a:ln w="12700">
+                <a:solidFill>
+                  <a:schemeClr val="tx1"/>
+                </a:solidFill>
+                <a:tailEnd type="triangle" w="med" len="sm"/>
+              </a:ln>
+            </p:spPr>
+            <p:style>
+              <a:lnRef idx="1">
+                <a:schemeClr val="accent1"/>
+              </a:lnRef>
+              <a:fillRef idx="0">
+                <a:schemeClr val="accent1"/>
+              </a:fillRef>
+              <a:effectRef idx="0">
+                <a:schemeClr val="accent1"/>
+              </a:effectRef>
+              <a:fontRef idx="minor">
+                <a:schemeClr val="tx1"/>
+              </a:fontRef>
+            </p:style>
+          </p:cxnSp>
+          <p:sp>
+            <p:nvSpPr>
+              <p:cNvPr id="190" name="ZoneTexte 189"/>
+              <p:cNvSpPr txBox="1"/>
+              <p:nvPr/>
+            </p:nvSpPr>
+            <p:spPr>
+              <a:xfrm>
+                <a:off x="4092515" y="1539443"/>
+                <a:ext cx="964491" cy="153888"/>
+              </a:xfrm>
+              <a:prstGeom prst="rect">
+                <a:avLst/>
+              </a:prstGeom>
+              <a:solidFill>
+                <a:schemeClr val="bg1"/>
+              </a:solidFill>
+            </p:spPr>
+            <p:txBody>
+              <a:bodyPr wrap="none" lIns="18000" tIns="0" rIns="18000" bIns="0" rtlCol="0">
+                <a:spAutoFit/>
+              </a:bodyPr>
+              <a:lstStyle/>
+              <a:p>
+                <a:r>
+                  <a:rPr lang="fr-BE" sz="1000" noProof="1" smtClean="0"/>
+                  <a:t>meeting_initiated</a:t>
+                </a:r>
+                <a:endParaRPr lang="fr-BE" sz="1000" noProof="1"/>
+              </a:p>
+            </p:txBody>
+          </p:sp>
+          <p:sp>
+            <p:nvSpPr>
+              <p:cNvPr id="204" name="ZoneTexte 203"/>
+              <p:cNvSpPr txBox="1"/>
+              <p:nvPr/>
+            </p:nvSpPr>
+            <p:spPr>
+              <a:xfrm>
+                <a:off x="5508104" y="1526743"/>
+                <a:ext cx="901973" cy="153888"/>
+              </a:xfrm>
+              <a:prstGeom prst="rect">
+                <a:avLst/>
+              </a:prstGeom>
+              <a:solidFill>
+                <a:schemeClr val="bg1"/>
+              </a:solidFill>
+            </p:spPr>
+            <p:txBody>
+              <a:bodyPr wrap="none" lIns="18000" tIns="0" rIns="18000" bIns="0" rtlCol="0">
+                <a:spAutoFit/>
+              </a:bodyPr>
+              <a:lstStyle/>
+              <a:p>
+                <a:r>
+                  <a:rPr lang="fr-BE" sz="1000" noProof="1" smtClean="0"/>
+                  <a:t>send_invitations</a:t>
+                </a:r>
+                <a:endParaRPr lang="fr-BE" sz="1000" noProof="1"/>
               </a:p>
             </p:txBody>
           </p:sp>
         </p:grpSp>
         <p:cxnSp>
           <p:nvCxnSpPr>
+            <p:cNvPr id="178" name="Connecteur en arc 177"/>
+            <p:cNvCxnSpPr>
+              <a:stCxn id="173" idx="6"/>
+              <a:endCxn id="56" idx="2"/>
+            </p:cNvCxnSpPr>
+            <p:nvPr/>
+          </p:nvCxnSpPr>
+          <p:spPr>
+            <a:xfrm>
+              <a:off x="1403648" y="1016732"/>
+              <a:ext cx="642357" cy="261900"/>
+            </a:xfrm>
+            <a:prstGeom prst="curvedConnector3">
+              <a:avLst>
+                <a:gd name="adj1" fmla="val 50000"/>
+              </a:avLst>
+            </a:prstGeom>
+            <a:ln w="15875">
+              <a:solidFill>
+                <a:schemeClr val="tx1"/>
+              </a:solidFill>
+              <a:tailEnd type="triangle" w="med" len="lg"/>
+            </a:ln>
+          </p:spPr>
+          <p:style>
+            <a:lnRef idx="1">
+              <a:schemeClr val="accent1"/>
+            </a:lnRef>
+            <a:fillRef idx="0">
+              <a:schemeClr val="accent1"/>
+            </a:fillRef>
+            <a:effectRef idx="0">
+              <a:schemeClr val="accent1"/>
+            </a:effectRef>
+            <a:fontRef idx="minor">
+              <a:schemeClr val="tx1"/>
+            </a:fontRef>
+          </p:style>
+        </p:cxnSp>
+        <p:sp>
+          <p:nvSpPr>
+            <p:cNvPr id="241" name="ZoneTexte 240"/>
+            <p:cNvSpPr txBox="1"/>
+            <p:nvPr/>
+          </p:nvSpPr>
+          <p:spPr>
+            <a:xfrm>
+              <a:off x="1513756" y="844332"/>
+              <a:ext cx="173693" cy="349702"/>
+            </a:xfrm>
+            <a:prstGeom prst="rect">
+              <a:avLst/>
+            </a:prstGeom>
+            <a:solidFill>
+              <a:schemeClr val="bg1"/>
+            </a:solidFill>
+          </p:spPr>
+          <p:txBody>
+            <a:bodyPr wrap="none" lIns="36000" tIns="36000" rIns="36000" bIns="36000" rtlCol="0" anchor="t" anchorCtr="0">
+              <a:spAutoFit/>
+            </a:bodyPr>
+            <a:lstStyle/>
+            <a:p>
+              <a:r>
+                <a:rPr lang="fr-BE" noProof="1" smtClean="0">
+                  <a:sym typeface="Symbol"/>
+                </a:rPr>
+                <a:t></a:t>
+              </a:r>
+              <a:endParaRPr lang="fr-BE" noProof="1"/>
+            </a:p>
+          </p:txBody>
+        </p:sp>
+        <p:cxnSp>
+          <p:nvCxnSpPr>
             <p:cNvPr id="182" name="Connecteur en arc 181"/>
-            <p:cNvCxnSpPr/>
+            <p:cNvCxnSpPr>
+              <a:stCxn id="183" idx="4"/>
+              <a:endCxn id="119" idx="0"/>
+            </p:cNvCxnSpPr>
             <p:nvPr/>
           </p:nvCxnSpPr>
           <p:spPr>
-            <a:xfrm rot="5400000">
-              <a:off x="4835935" y="1139577"/>
-              <a:ext cx="806375" cy="1773530"/>
+            <a:xfrm rot="16200000" flipH="1">
+              <a:off x="3372801" y="1449973"/>
+              <a:ext cx="702591" cy="1256521"/>
             </a:xfrm>
             <a:prstGeom prst="curvedConnector3">
               <a:avLst>
@@ -22462,7 +22984,7 @@
           </p:nvSpPr>
           <p:spPr>
             <a:xfrm>
-              <a:off x="5796136" y="1700808"/>
+              <a:off x="3779912" y="1927170"/>
               <a:ext cx="173693" cy="349702"/>
             </a:xfrm>
             <a:prstGeom prst="rect">
@@ -22479,12 +23001,12 @@
             <a:lstStyle/>
             <a:p>
               <a:r>
-                <a:rPr lang="fr-BE" dirty="0" smtClean="0">
+                <a:rPr lang="fr-BE" noProof="1" smtClean="0">
                   <a:sym typeface="Symbol"/>
                 </a:rPr>
                 <a:t></a:t>
               </a:r>
-              <a:endParaRPr lang="fr-BE" dirty="0"/>
+              <a:endParaRPr lang="fr-BE" noProof="1"/>
             </a:p>
           </p:txBody>
         </p:sp>

--- a/writing/images/train.pptx
+++ b/writing/images/train.pptx
@@ -5,7 +5,7 @@
     <p:sldMasterId id="2147483648" r:id="rId1"/>
   </p:sldMasterIdLst>
   <p:notesMasterIdLst>
-    <p:notesMasterId r:id="rId12"/>
+    <p:notesMasterId r:id="rId13"/>
   </p:notesMasterIdLst>
   <p:sldIdLst>
     <p:sldId id="256" r:id="rId2"/>
@@ -18,6 +18,7 @@
     <p:sldId id="265" r:id="rId9"/>
     <p:sldId id="267" r:id="rId10"/>
     <p:sldId id="266" r:id="rId11"/>
+    <p:sldId id="268" r:id="rId12"/>
   </p:sldIdLst>
   <p:sldSz cx="9144000" cy="6858000" type="screen4x3"/>
   <p:notesSz cx="6858000" cy="9144000"/>
@@ -202,7 +203,7 @@
             <a:fld id="{1A5CA47D-05BA-47C5-ACE1-040A60204EDF}" type="datetimeFigureOut">
               <a:rPr lang="fr-FR" smtClean="0"/>
               <a:pPr/>
-              <a:t>06/07/2011</a:t>
+              <a:t>07/07/2011</a:t>
             </a:fld>
             <a:endParaRPr lang="fr-BE"/>
           </a:p>
@@ -732,7 +733,7 @@
             <a:fld id="{68BDF4EC-5B70-45D8-B718-E56EB4C6B13E}" type="datetimeFigureOut">
               <a:rPr lang="fr-BE" smtClean="0"/>
               <a:pPr/>
-              <a:t>6/07/2011</a:t>
+              <a:t>7/07/2011</a:t>
             </a:fld>
             <a:endParaRPr lang="fr-BE"/>
           </a:p>
@@ -899,7 +900,7 @@
             <a:fld id="{68BDF4EC-5B70-45D8-B718-E56EB4C6B13E}" type="datetimeFigureOut">
               <a:rPr lang="fr-BE" smtClean="0"/>
               <a:pPr/>
-              <a:t>6/07/2011</a:t>
+              <a:t>7/07/2011</a:t>
             </a:fld>
             <a:endParaRPr lang="fr-BE"/>
           </a:p>
@@ -1076,7 +1077,7 @@
             <a:fld id="{68BDF4EC-5B70-45D8-B718-E56EB4C6B13E}" type="datetimeFigureOut">
               <a:rPr lang="fr-BE" smtClean="0"/>
               <a:pPr/>
-              <a:t>6/07/2011</a:t>
+              <a:t>7/07/2011</a:t>
             </a:fld>
             <a:endParaRPr lang="fr-BE"/>
           </a:p>
@@ -1243,7 +1244,7 @@
             <a:fld id="{68BDF4EC-5B70-45D8-B718-E56EB4C6B13E}" type="datetimeFigureOut">
               <a:rPr lang="fr-BE" smtClean="0"/>
               <a:pPr/>
-              <a:t>6/07/2011</a:t>
+              <a:t>7/07/2011</a:t>
             </a:fld>
             <a:endParaRPr lang="fr-BE"/>
           </a:p>
@@ -1486,7 +1487,7 @@
             <a:fld id="{68BDF4EC-5B70-45D8-B718-E56EB4C6B13E}" type="datetimeFigureOut">
               <a:rPr lang="fr-BE" smtClean="0"/>
               <a:pPr/>
-              <a:t>6/07/2011</a:t>
+              <a:t>7/07/2011</a:t>
             </a:fld>
             <a:endParaRPr lang="fr-BE"/>
           </a:p>
@@ -1771,7 +1772,7 @@
             <a:fld id="{68BDF4EC-5B70-45D8-B718-E56EB4C6B13E}" type="datetimeFigureOut">
               <a:rPr lang="fr-BE" smtClean="0"/>
               <a:pPr/>
-              <a:t>6/07/2011</a:t>
+              <a:t>7/07/2011</a:t>
             </a:fld>
             <a:endParaRPr lang="fr-BE"/>
           </a:p>
@@ -2190,7 +2191,7 @@
             <a:fld id="{68BDF4EC-5B70-45D8-B718-E56EB4C6B13E}" type="datetimeFigureOut">
               <a:rPr lang="fr-BE" smtClean="0"/>
               <a:pPr/>
-              <a:t>6/07/2011</a:t>
+              <a:t>7/07/2011</a:t>
             </a:fld>
             <a:endParaRPr lang="fr-BE"/>
           </a:p>
@@ -2305,7 +2306,7 @@
             <a:fld id="{68BDF4EC-5B70-45D8-B718-E56EB4C6B13E}" type="datetimeFigureOut">
               <a:rPr lang="fr-BE" smtClean="0"/>
               <a:pPr/>
-              <a:t>6/07/2011</a:t>
+              <a:t>7/07/2011</a:t>
             </a:fld>
             <a:endParaRPr lang="fr-BE"/>
           </a:p>
@@ -2397,7 +2398,7 @@
             <a:fld id="{68BDF4EC-5B70-45D8-B718-E56EB4C6B13E}" type="datetimeFigureOut">
               <a:rPr lang="fr-BE" smtClean="0"/>
               <a:pPr/>
-              <a:t>6/07/2011</a:t>
+              <a:t>7/07/2011</a:t>
             </a:fld>
             <a:endParaRPr lang="fr-BE"/>
           </a:p>
@@ -2671,7 +2672,7 @@
             <a:fld id="{68BDF4EC-5B70-45D8-B718-E56EB4C6B13E}" type="datetimeFigureOut">
               <a:rPr lang="fr-BE" smtClean="0"/>
               <a:pPr/>
-              <a:t>6/07/2011</a:t>
+              <a:t>7/07/2011</a:t>
             </a:fld>
             <a:endParaRPr lang="fr-BE"/>
           </a:p>
@@ -2921,7 +2922,7 @@
             <a:fld id="{68BDF4EC-5B70-45D8-B718-E56EB4C6B13E}" type="datetimeFigureOut">
               <a:rPr lang="fr-BE" smtClean="0"/>
               <a:pPr/>
-              <a:t>6/07/2011</a:t>
+              <a:t>7/07/2011</a:t>
             </a:fld>
             <a:endParaRPr lang="fr-BE"/>
           </a:p>
@@ -3131,7 +3132,7 @@
             <a:fld id="{68BDF4EC-5B70-45D8-B718-E56EB4C6B13E}" type="datetimeFigureOut">
               <a:rPr lang="fr-BE" smtClean="0"/>
               <a:pPr/>
-              <a:t>6/07/2011</a:t>
+              <a:t>7/07/2011</a:t>
             </a:fld>
             <a:endParaRPr lang="fr-BE"/>
           </a:p>
@@ -5346,15 +5347,7 @@
             <a:p>
               <a:r>
                 <a:rPr lang="fr-BE" sz="1400" noProof="1" smtClean="0"/>
-                <a:t>[ </a:t>
-              </a:r>
-              <a:r>
-                <a:rPr lang="fr-BE" sz="1400" noProof="1" smtClean="0"/>
-                <a:t>Fl </a:t>
-              </a:r>
-              <a:r>
-                <a:rPr lang="fr-BE" sz="1400" noProof="1" smtClean="0"/>
-                <a:t>]</a:t>
+                <a:t>[ Fl ]</a:t>
               </a:r>
               <a:endParaRPr lang="fr-BE" sz="1400" noProof="1"/>
             </a:p>
@@ -5588,15 +5581,7 @@
             <a:p>
               <a:r>
                 <a:rPr lang="fr-BE" sz="1400" noProof="1" smtClean="0"/>
-                <a:t>[ </a:t>
-              </a:r>
-              <a:r>
-                <a:rPr lang="fr-BE" sz="1400" noProof="1" smtClean="0"/>
-                <a:t>Fl </a:t>
-              </a:r>
-              <a:r>
-                <a:rPr lang="fr-BE" sz="1400" noProof="1" smtClean="0"/>
-                <a:t>]</a:t>
+                <a:t>[ Fl ]</a:t>
               </a:r>
               <a:endParaRPr lang="fr-BE" sz="1400" noProof="1"/>
             </a:p>
@@ -5638,11 +5623,7 @@
               </a:r>
               <a:r>
                 <a:rPr lang="fr-BE" sz="1400" noProof="1" smtClean="0"/>
-                <a:t>Fl </a:t>
-              </a:r>
-              <a:r>
-                <a:rPr lang="fr-BE" sz="1400" noProof="1" smtClean="0"/>
-                <a:t>]</a:t>
+                <a:t>Fl ]</a:t>
               </a:r>
               <a:endParaRPr lang="fr-BE" sz="1400" noProof="1"/>
             </a:p>
@@ -6205,15 +6186,7 @@
             <a:p>
               <a:r>
                 <a:rPr lang="fr-BE" sz="1100" noProof="1" smtClean="0"/>
-                <a:t>[</a:t>
-              </a:r>
-              <a:r>
-                <a:rPr lang="fr-BE" sz="1100" noProof="1" smtClean="0"/>
-                <a:t>second_cycle</a:t>
-              </a:r>
-              <a:r>
-                <a:rPr lang="fr-BE" sz="1100" noProof="1" smtClean="0"/>
-                <a:t>]</a:t>
+                <a:t>[second_cycle]</a:t>
               </a:r>
               <a:endParaRPr lang="fr-BE" sz="1100" noProof="1"/>
             </a:p>
@@ -6255,11 +6228,7 @@
               </a:r>
               <a:r>
                 <a:rPr lang="fr-BE" sz="1100" noProof="1" smtClean="0"/>
-                <a:t>second_cycle</a:t>
-              </a:r>
-              <a:r>
-                <a:rPr lang="fr-BE" sz="1100" noProof="1" smtClean="0"/>
-                <a:t>]</a:t>
+                <a:t>second_cycle]</a:t>
               </a:r>
               <a:endParaRPr lang="fr-BE" sz="1100" noProof="1"/>
             </a:p>
@@ -6459,11 +6428,7 @@
               </a:r>
               <a:r>
                 <a:rPr lang="fr-BE" sz="1100" noProof="1" smtClean="0"/>
-                <a:t>second_cycle</a:t>
-              </a:r>
-              <a:r>
-                <a:rPr lang="fr-BE" sz="1100" noProof="1" smtClean="0"/>
-                <a:t>]</a:t>
+                <a:t>second_cycle]</a:t>
               </a:r>
               <a:endParaRPr lang="fr-BE" sz="1100" noProof="1"/>
             </a:p>
@@ -6495,15 +6460,7 @@
             <a:p>
               <a:r>
                 <a:rPr lang="fr-BE" sz="1100" noProof="1" smtClean="0"/>
-                <a:t>[</a:t>
-              </a:r>
-              <a:r>
-                <a:rPr lang="fr-BE" sz="1100" noProof="1" smtClean="0"/>
-                <a:t>second_cycle</a:t>
-              </a:r>
-              <a:r>
-                <a:rPr lang="fr-BE" sz="1100" noProof="1" smtClean="0"/>
-                <a:t>]</a:t>
+                <a:t>[second_cycle]</a:t>
               </a:r>
               <a:endParaRPr lang="fr-BE" sz="1100" noProof="1"/>
             </a:p>
@@ -6583,6 +6540,3027 @@
             </a:p>
           </p:txBody>
         </p:sp>
+      </p:grpSp>
+    </p:spTree>
+  </p:cSld>
+  <p:clrMapOvr>
+    <a:masterClrMapping/>
+  </p:clrMapOvr>
+</p:sld>
+</file>
+
+<file path=ppt/slides/slide11.xml><?xml version="1.0" encoding="utf-8"?>
+<p:sld xmlns:a="http://schemas.openxmlformats.org/drawingml/2006/main" xmlns:r="http://schemas.openxmlformats.org/officeDocument/2006/relationships" xmlns:p="http://schemas.openxmlformats.org/presentationml/2006/main">
+  <p:cSld>
+    <p:spTree>
+      <p:nvGrpSpPr>
+        <p:cNvPr id="1" name=""/>
+        <p:cNvGrpSpPr/>
+        <p:nvPr/>
+      </p:nvGrpSpPr>
+      <p:grpSpPr>
+        <a:xfrm>
+          <a:off x="0" y="0"/>
+          <a:ext cx="0" cy="0"/>
+          <a:chOff x="0" y="0"/>
+          <a:chExt cx="0" cy="0"/>
+        </a:xfrm>
+      </p:grpSpPr>
+      <p:grpSp>
+        <p:nvGrpSpPr>
+          <p:cNvPr id="158" name="Groupe 157"/>
+          <p:cNvGrpSpPr/>
+          <p:nvPr/>
+        </p:nvGrpSpPr>
+        <p:grpSpPr>
+          <a:xfrm>
+            <a:off x="2866033" y="476672"/>
+            <a:ext cx="3699966" cy="1728192"/>
+            <a:chOff x="2813855" y="476672"/>
+            <a:chExt cx="3699966" cy="1728192"/>
+          </a:xfrm>
+        </p:grpSpPr>
+        <p:sp>
+          <p:nvSpPr>
+            <p:cNvPr id="5" name="Rectangle à coins arrondis 4"/>
+            <p:cNvSpPr/>
+            <p:nvPr/>
+          </p:nvSpPr>
+          <p:spPr>
+            <a:xfrm>
+              <a:off x="4128239" y="762424"/>
+              <a:ext cx="1043640" cy="396000"/>
+            </a:xfrm>
+            <a:prstGeom prst="roundRect">
+              <a:avLst/>
+            </a:prstGeom>
+            <a:ln w="22225"/>
+          </p:spPr>
+          <p:style>
+            <a:lnRef idx="2">
+              <a:schemeClr val="dk1"/>
+            </a:lnRef>
+            <a:fillRef idx="1">
+              <a:schemeClr val="lt1"/>
+            </a:fillRef>
+            <a:effectRef idx="0">
+              <a:schemeClr val="dk1"/>
+            </a:effectRef>
+            <a:fontRef idx="minor">
+              <a:schemeClr val="dk1"/>
+            </a:fontRef>
+          </p:style>
+          <p:txBody>
+            <a:bodyPr wrap="none" rtlCol="0" anchor="ctr"/>
+            <a:lstStyle/>
+            <a:p>
+              <a:pPr algn="ctr"/>
+              <a:r>
+                <a:rPr lang="fr-BE" sz="1200" dirty="0" err="1" smtClean="0">
+                  <a:latin typeface="+mj-lt"/>
+                </a:rPr>
+                <a:t>Collect</a:t>
+              </a:r>
+              <a:r>
+                <a:rPr lang="fr-BE" sz="1200" dirty="0" smtClean="0">
+                  <a:latin typeface="+mj-lt"/>
+                </a:rPr>
+                <a:t> </a:t>
+              </a:r>
+              <a:endParaRPr lang="fr-BE" sz="1200" dirty="0">
+                <a:latin typeface="+mj-lt"/>
+              </a:endParaRPr>
+            </a:p>
+          </p:txBody>
+        </p:sp>
+        <p:sp>
+          <p:nvSpPr>
+            <p:cNvPr id="6" name="Rectangle à coins arrondis 5"/>
+            <p:cNvSpPr/>
+            <p:nvPr/>
+          </p:nvSpPr>
+          <p:spPr>
+            <a:xfrm>
+              <a:off x="2813855" y="1392801"/>
+              <a:ext cx="984448" cy="396000"/>
+            </a:xfrm>
+            <a:prstGeom prst="roundRect">
+              <a:avLst/>
+            </a:prstGeom>
+            <a:ln w="22225"/>
+          </p:spPr>
+          <p:style>
+            <a:lnRef idx="2">
+              <a:schemeClr val="dk1"/>
+            </a:lnRef>
+            <a:fillRef idx="1">
+              <a:schemeClr val="lt1"/>
+            </a:fillRef>
+            <a:effectRef idx="0">
+              <a:schemeClr val="dk1"/>
+            </a:effectRef>
+            <a:fontRef idx="minor">
+              <a:schemeClr val="dk1"/>
+            </a:fontRef>
+          </p:style>
+          <p:txBody>
+            <a:bodyPr wrap="none" rtlCol="0" anchor="ctr"/>
+            <a:lstStyle/>
+            <a:p>
+              <a:pPr algn="ctr"/>
+              <a:r>
+                <a:rPr lang="fr-BE" sz="1200" dirty="0" err="1" smtClean="0">
+                  <a:latin typeface="+mj-lt"/>
+                </a:rPr>
+                <a:t>Abritrate</a:t>
+              </a:r>
+              <a:endParaRPr lang="fr-BE" sz="1200" dirty="0">
+                <a:latin typeface="+mj-lt"/>
+              </a:endParaRPr>
+            </a:p>
+          </p:txBody>
+        </p:sp>
+        <p:sp>
+          <p:nvSpPr>
+            <p:cNvPr id="7" name="Rectangle à coins arrondis 6"/>
+            <p:cNvSpPr/>
+            <p:nvPr/>
+          </p:nvSpPr>
+          <p:spPr>
+            <a:xfrm>
+              <a:off x="5470181" y="1392801"/>
+              <a:ext cx="1043640" cy="396000"/>
+            </a:xfrm>
+            <a:prstGeom prst="roundRect">
+              <a:avLst/>
+            </a:prstGeom>
+            <a:ln w="22225"/>
+          </p:spPr>
+          <p:style>
+            <a:lnRef idx="2">
+              <a:schemeClr val="dk1"/>
+            </a:lnRef>
+            <a:fillRef idx="1">
+              <a:schemeClr val="lt1"/>
+            </a:fillRef>
+            <a:effectRef idx="0">
+              <a:schemeClr val="dk1"/>
+            </a:effectRef>
+            <a:fontRef idx="minor">
+              <a:schemeClr val="dk1"/>
+            </a:fontRef>
+          </p:style>
+          <p:txBody>
+            <a:bodyPr wrap="none" rtlCol="0" anchor="ctr"/>
+            <a:lstStyle/>
+            <a:p>
+              <a:pPr algn="ctr"/>
+              <a:r>
+                <a:rPr lang="fr-BE" sz="1200" dirty="0" smtClean="0">
+                  <a:latin typeface="+mj-lt"/>
+                </a:rPr>
+                <a:t>Schedule</a:t>
+              </a:r>
+            </a:p>
+          </p:txBody>
+        </p:sp>
+        <p:cxnSp>
+          <p:nvCxnSpPr>
+            <p:cNvPr id="8" name="Connecteur droit avec flèche 7"/>
+            <p:cNvCxnSpPr>
+              <a:stCxn id="5" idx="2"/>
+              <a:endCxn id="14" idx="0"/>
+            </p:cNvCxnSpPr>
+            <p:nvPr/>
+          </p:nvCxnSpPr>
+          <p:spPr>
+            <a:xfrm rot="5400000">
+              <a:off x="4558887" y="1249596"/>
+              <a:ext cx="182344" cy="1588"/>
+            </a:xfrm>
+            <a:prstGeom prst="straightConnector1">
+              <a:avLst/>
+            </a:prstGeom>
+            <a:ln w="22225">
+              <a:tailEnd type="arrow"/>
+            </a:ln>
+          </p:spPr>
+          <p:style>
+            <a:lnRef idx="2">
+              <a:schemeClr val="dk1"/>
+            </a:lnRef>
+            <a:fillRef idx="0">
+              <a:schemeClr val="dk1"/>
+            </a:fillRef>
+            <a:effectRef idx="1">
+              <a:schemeClr val="dk1"/>
+            </a:effectRef>
+            <a:fontRef idx="minor">
+              <a:schemeClr val="tx1"/>
+            </a:fontRef>
+          </p:style>
+        </p:cxnSp>
+        <p:cxnSp>
+          <p:nvCxnSpPr>
+            <p:cNvPr id="9" name="Connecteur droit avec flèche 8"/>
+            <p:cNvCxnSpPr>
+              <a:stCxn id="7" idx="2"/>
+            </p:cNvCxnSpPr>
+            <p:nvPr/>
+          </p:nvCxnSpPr>
+          <p:spPr>
+            <a:xfrm rot="5400000">
+              <a:off x="5873856" y="1906718"/>
+              <a:ext cx="236063" cy="228"/>
+            </a:xfrm>
+            <a:prstGeom prst="straightConnector1">
+              <a:avLst/>
+            </a:prstGeom>
+            <a:ln w="22225">
+              <a:tailEnd type="arrow"/>
+            </a:ln>
+          </p:spPr>
+          <p:style>
+            <a:lnRef idx="2">
+              <a:schemeClr val="dk1"/>
+            </a:lnRef>
+            <a:fillRef idx="0">
+              <a:schemeClr val="dk1"/>
+            </a:fillRef>
+            <a:effectRef idx="1">
+              <a:schemeClr val="dk1"/>
+            </a:effectRef>
+            <a:fontRef idx="minor">
+              <a:schemeClr val="tx1"/>
+            </a:fontRef>
+          </p:style>
+        </p:cxnSp>
+        <p:cxnSp>
+          <p:nvCxnSpPr>
+            <p:cNvPr id="10" name="Connecteur droit avec flèche 9"/>
+            <p:cNvCxnSpPr>
+              <a:stCxn id="14" idx="3"/>
+              <a:endCxn id="7" idx="1"/>
+            </p:cNvCxnSpPr>
+            <p:nvPr/>
+          </p:nvCxnSpPr>
+          <p:spPr>
+            <a:xfrm>
+              <a:off x="5029003" y="1590801"/>
+              <a:ext cx="441178" cy="1588"/>
+            </a:xfrm>
+            <a:prstGeom prst="straightConnector1">
+              <a:avLst/>
+            </a:prstGeom>
+            <a:ln w="22225">
+              <a:tailEnd type="arrow"/>
+            </a:ln>
+          </p:spPr>
+          <p:style>
+            <a:lnRef idx="2">
+              <a:schemeClr val="dk1"/>
+            </a:lnRef>
+            <a:fillRef idx="0">
+              <a:schemeClr val="dk1"/>
+            </a:fillRef>
+            <a:effectRef idx="1">
+              <a:schemeClr val="dk1"/>
+            </a:effectRef>
+            <a:fontRef idx="minor">
+              <a:schemeClr val="tx1"/>
+            </a:fontRef>
+          </p:style>
+        </p:cxnSp>
+        <p:cxnSp>
+          <p:nvCxnSpPr>
+            <p:cNvPr id="11" name="Connecteur en angle 281"/>
+            <p:cNvCxnSpPr>
+              <a:stCxn id="14" idx="1"/>
+              <a:endCxn id="6" idx="3"/>
+            </p:cNvCxnSpPr>
+            <p:nvPr/>
+          </p:nvCxnSpPr>
+          <p:spPr>
+            <a:xfrm rot="10800000">
+              <a:off x="3798303" y="1590801"/>
+              <a:ext cx="472812" cy="1588"/>
+            </a:xfrm>
+            <a:prstGeom prst="bentConnector3">
+              <a:avLst>
+                <a:gd name="adj1" fmla="val 50000"/>
+              </a:avLst>
+            </a:prstGeom>
+            <a:ln w="22225">
+              <a:tailEnd type="arrow"/>
+            </a:ln>
+          </p:spPr>
+          <p:style>
+            <a:lnRef idx="2">
+              <a:schemeClr val="dk1"/>
+            </a:lnRef>
+            <a:fillRef idx="0">
+              <a:schemeClr val="dk1"/>
+            </a:fillRef>
+            <a:effectRef idx="1">
+              <a:schemeClr val="dk1"/>
+            </a:effectRef>
+            <a:fontRef idx="minor">
+              <a:schemeClr val="tx1"/>
+            </a:fontRef>
+          </p:style>
+        </p:cxnSp>
+        <p:sp>
+          <p:nvSpPr>
+            <p:cNvPr id="12" name="Ellipse 11"/>
+            <p:cNvSpPr/>
+            <p:nvPr/>
+          </p:nvSpPr>
+          <p:spPr>
+            <a:xfrm>
+              <a:off x="4614059" y="476672"/>
+              <a:ext cx="72000" cy="72000"/>
+            </a:xfrm>
+            <a:prstGeom prst="ellipse">
+              <a:avLst/>
+            </a:prstGeom>
+            <a:ln w="22225"/>
+          </p:spPr>
+          <p:style>
+            <a:lnRef idx="2">
+              <a:schemeClr val="dk1">
+                <a:shade val="50000"/>
+              </a:schemeClr>
+            </a:lnRef>
+            <a:fillRef idx="1">
+              <a:schemeClr val="dk1"/>
+            </a:fillRef>
+            <a:effectRef idx="0">
+              <a:schemeClr val="dk1"/>
+            </a:effectRef>
+            <a:fontRef idx="minor">
+              <a:schemeClr val="lt1"/>
+            </a:fontRef>
+          </p:style>
+          <p:txBody>
+            <a:bodyPr rtlCol="0" anchor="ctr"/>
+            <a:lstStyle/>
+            <a:p>
+              <a:pPr algn="ctr"/>
+              <a:endParaRPr lang="fr-BE" sz="1200">
+                <a:latin typeface="+mj-lt"/>
+              </a:endParaRPr>
+            </a:p>
+          </p:txBody>
+        </p:sp>
+        <p:cxnSp>
+          <p:nvCxnSpPr>
+            <p:cNvPr id="13" name="Connecteur droit avec flèche 12"/>
+            <p:cNvCxnSpPr>
+              <a:stCxn id="12" idx="4"/>
+              <a:endCxn id="5" idx="0"/>
+            </p:cNvCxnSpPr>
+            <p:nvPr/>
+          </p:nvCxnSpPr>
+          <p:spPr>
+            <a:xfrm rot="5400000">
+              <a:off x="4543183" y="655548"/>
+              <a:ext cx="213752" cy="1588"/>
+            </a:xfrm>
+            <a:prstGeom prst="straightConnector1">
+              <a:avLst/>
+            </a:prstGeom>
+            <a:ln w="22225">
+              <a:tailEnd type="arrow"/>
+            </a:ln>
+          </p:spPr>
+          <p:style>
+            <a:lnRef idx="2">
+              <a:schemeClr val="dk1"/>
+            </a:lnRef>
+            <a:fillRef idx="0">
+              <a:schemeClr val="dk1"/>
+            </a:fillRef>
+            <a:effectRef idx="1">
+              <a:schemeClr val="dk1"/>
+            </a:effectRef>
+            <a:fontRef idx="minor">
+              <a:schemeClr val="tx1"/>
+            </a:fontRef>
+          </p:style>
+        </p:cxnSp>
+        <p:sp>
+          <p:nvSpPr>
+            <p:cNvPr id="14" name="Losange 13"/>
+            <p:cNvSpPr/>
+            <p:nvPr/>
+          </p:nvSpPr>
+          <p:spPr>
+            <a:xfrm>
+              <a:off x="4271115" y="1340768"/>
+              <a:ext cx="757888" cy="500066"/>
+            </a:xfrm>
+            <a:prstGeom prst="diamond">
+              <a:avLst/>
+            </a:prstGeom>
+            <a:ln w="22225"/>
+          </p:spPr>
+          <p:style>
+            <a:lnRef idx="2">
+              <a:schemeClr val="dk1"/>
+            </a:lnRef>
+            <a:fillRef idx="1">
+              <a:schemeClr val="lt1"/>
+            </a:fillRef>
+            <a:effectRef idx="0">
+              <a:schemeClr val="dk1"/>
+            </a:effectRef>
+            <a:fontRef idx="minor">
+              <a:schemeClr val="dk1"/>
+            </a:fontRef>
+          </p:style>
+          <p:txBody>
+            <a:bodyPr wrap="none" rtlCol="0" anchor="ctr">
+              <a:noAutofit/>
+            </a:bodyPr>
+            <a:lstStyle/>
+            <a:p>
+              <a:pPr algn="ctr"/>
+              <a:r>
+                <a:rPr lang="fr-BE" sz="1200" dirty="0" err="1" smtClean="0">
+                  <a:latin typeface="+mj-lt"/>
+                </a:rPr>
+                <a:t>Conflict</a:t>
+              </a:r>
+              <a:r>
+                <a:rPr lang="fr-BE" sz="1200" dirty="0" smtClean="0">
+                  <a:latin typeface="+mj-lt"/>
+                </a:rPr>
+                <a:t>?</a:t>
+              </a:r>
+              <a:endParaRPr lang="fr-BE" sz="1200" dirty="0">
+                <a:latin typeface="+mj-lt"/>
+              </a:endParaRPr>
+            </a:p>
+          </p:txBody>
+        </p:sp>
+        <p:cxnSp>
+          <p:nvCxnSpPr>
+            <p:cNvPr id="15" name="Connecteur droit avec flèche 74"/>
+            <p:cNvCxnSpPr>
+              <a:stCxn id="6" idx="0"/>
+              <a:endCxn id="5" idx="1"/>
+            </p:cNvCxnSpPr>
+            <p:nvPr/>
+          </p:nvCxnSpPr>
+          <p:spPr>
+            <a:xfrm rot="5400000" flipH="1" flipV="1">
+              <a:off x="3500971" y="765533"/>
+              <a:ext cx="432377" cy="822160"/>
+            </a:xfrm>
+            <a:prstGeom prst="bentConnector2">
+              <a:avLst/>
+            </a:prstGeom>
+            <a:ln w="22225">
+              <a:tailEnd type="arrow"/>
+            </a:ln>
+          </p:spPr>
+          <p:style>
+            <a:lnRef idx="2">
+              <a:schemeClr val="dk1"/>
+            </a:lnRef>
+            <a:fillRef idx="0">
+              <a:schemeClr val="dk1"/>
+            </a:fillRef>
+            <a:effectRef idx="1">
+              <a:schemeClr val="dk1"/>
+            </a:effectRef>
+            <a:fontRef idx="minor">
+              <a:schemeClr val="tx1"/>
+            </a:fontRef>
+          </p:style>
+        </p:cxnSp>
+        <p:grpSp>
+          <p:nvGrpSpPr>
+            <p:cNvPr id="16" name="Groupe 109"/>
+            <p:cNvGrpSpPr/>
+            <p:nvPr/>
+          </p:nvGrpSpPr>
+          <p:grpSpPr>
+            <a:xfrm>
+              <a:off x="5901773" y="2024864"/>
+              <a:ext cx="180000" cy="180000"/>
+              <a:chOff x="2786050" y="6143644"/>
+              <a:chExt cx="180000" cy="180000"/>
+            </a:xfrm>
+          </p:grpSpPr>
+          <p:sp>
+            <p:nvSpPr>
+              <p:cNvPr id="17" name="Ellipse 16"/>
+              <p:cNvSpPr/>
+              <p:nvPr/>
+            </p:nvSpPr>
+            <p:spPr>
+              <a:xfrm>
+                <a:off x="2786050" y="6143644"/>
+                <a:ext cx="180000" cy="180000"/>
+              </a:xfrm>
+              <a:prstGeom prst="ellipse">
+                <a:avLst/>
+              </a:prstGeom>
+            </p:spPr>
+            <p:style>
+              <a:lnRef idx="2">
+                <a:schemeClr val="dk1"/>
+              </a:lnRef>
+              <a:fillRef idx="1">
+                <a:schemeClr val="lt1"/>
+              </a:fillRef>
+              <a:effectRef idx="0">
+                <a:schemeClr val="dk1"/>
+              </a:effectRef>
+              <a:fontRef idx="minor">
+                <a:schemeClr val="dk1"/>
+              </a:fontRef>
+            </p:style>
+            <p:txBody>
+              <a:bodyPr rtlCol="0" anchor="ctr"/>
+              <a:lstStyle/>
+              <a:p>
+                <a:pPr algn="ctr"/>
+                <a:endParaRPr lang="fr-BE" sz="1200">
+                  <a:latin typeface="+mj-lt"/>
+                </a:endParaRPr>
+              </a:p>
+            </p:txBody>
+          </p:sp>
+          <p:sp>
+            <p:nvSpPr>
+              <p:cNvPr id="18" name="Ellipse 17"/>
+              <p:cNvSpPr/>
+              <p:nvPr/>
+            </p:nvSpPr>
+            <p:spPr>
+              <a:xfrm>
+                <a:off x="2840050" y="6197644"/>
+                <a:ext cx="72000" cy="72000"/>
+              </a:xfrm>
+              <a:prstGeom prst="ellipse">
+                <a:avLst/>
+              </a:prstGeom>
+              <a:ln w="22225"/>
+            </p:spPr>
+            <p:style>
+              <a:lnRef idx="2">
+                <a:schemeClr val="dk1">
+                  <a:shade val="50000"/>
+                </a:schemeClr>
+              </a:lnRef>
+              <a:fillRef idx="1">
+                <a:schemeClr val="dk1"/>
+              </a:fillRef>
+              <a:effectRef idx="0">
+                <a:schemeClr val="dk1"/>
+              </a:effectRef>
+              <a:fontRef idx="minor">
+                <a:schemeClr val="lt1"/>
+              </a:fontRef>
+            </p:style>
+            <p:txBody>
+              <a:bodyPr rtlCol="0" anchor="ctr"/>
+              <a:lstStyle/>
+              <a:p>
+                <a:pPr algn="ctr"/>
+                <a:endParaRPr lang="fr-BE" sz="1200">
+                  <a:latin typeface="+mj-lt"/>
+                </a:endParaRPr>
+              </a:p>
+            </p:txBody>
+          </p:sp>
+        </p:grpSp>
+        <p:sp>
+          <p:nvSpPr>
+            <p:cNvPr id="19" name="ZoneTexte 18"/>
+            <p:cNvSpPr txBox="1"/>
+            <p:nvPr/>
+          </p:nvSpPr>
+          <p:spPr>
+            <a:xfrm>
+              <a:off x="3981223" y="1498468"/>
+              <a:ext cx="241279" cy="184666"/>
+            </a:xfrm>
+            <a:prstGeom prst="rect">
+              <a:avLst/>
+            </a:prstGeom>
+            <a:solidFill>
+              <a:schemeClr val="bg1"/>
+            </a:solidFill>
+          </p:spPr>
+          <p:txBody>
+            <a:bodyPr wrap="none" lIns="18000" tIns="0" rIns="18000" bIns="0" rtlCol="0">
+              <a:spAutoFit/>
+            </a:bodyPr>
+            <a:lstStyle/>
+            <a:p>
+              <a:r>
+                <a:rPr lang="fr-BE" sz="1200" dirty="0" err="1" smtClean="0"/>
+                <a:t>yes</a:t>
+              </a:r>
+              <a:endParaRPr lang="fr-BE" sz="1200" dirty="0"/>
+            </a:p>
+          </p:txBody>
+        </p:sp>
+        <p:sp>
+          <p:nvSpPr>
+            <p:cNvPr id="25" name="ZoneTexte 24"/>
+            <p:cNvSpPr txBox="1"/>
+            <p:nvPr/>
+          </p:nvSpPr>
+          <p:spPr>
+            <a:xfrm>
+              <a:off x="5096031" y="1484784"/>
+              <a:ext cx="198255" cy="184666"/>
+            </a:xfrm>
+            <a:prstGeom prst="rect">
+              <a:avLst/>
+            </a:prstGeom>
+            <a:solidFill>
+              <a:schemeClr val="bg1"/>
+            </a:solidFill>
+          </p:spPr>
+          <p:txBody>
+            <a:bodyPr wrap="none" lIns="18000" tIns="0" rIns="18000" bIns="0" rtlCol="0">
+              <a:spAutoFit/>
+            </a:bodyPr>
+            <a:lstStyle/>
+            <a:p>
+              <a:r>
+                <a:rPr lang="fr-BE" sz="1200" dirty="0" smtClean="0"/>
+                <a:t>no</a:t>
+              </a:r>
+              <a:endParaRPr lang="fr-BE" sz="1200" dirty="0"/>
+            </a:p>
+          </p:txBody>
+        </p:sp>
+      </p:grpSp>
+      <p:grpSp>
+        <p:nvGrpSpPr>
+          <p:cNvPr id="91" name="Groupe 90"/>
+          <p:cNvGrpSpPr/>
+          <p:nvPr/>
+        </p:nvGrpSpPr>
+        <p:grpSpPr>
+          <a:xfrm>
+            <a:off x="2918937" y="2636912"/>
+            <a:ext cx="3594158" cy="2088232"/>
+            <a:chOff x="2706034" y="2132856"/>
+            <a:chExt cx="3594158" cy="2088232"/>
+          </a:xfrm>
+        </p:grpSpPr>
+        <p:sp>
+          <p:nvSpPr>
+            <p:cNvPr id="26" name="Ellipse 25"/>
+            <p:cNvSpPr/>
+            <p:nvPr/>
+          </p:nvSpPr>
+          <p:spPr>
+            <a:xfrm>
+              <a:off x="4067944" y="2265442"/>
+              <a:ext cx="216024" cy="216024"/>
+            </a:xfrm>
+            <a:prstGeom prst="ellipse">
+              <a:avLst/>
+            </a:prstGeom>
+            <a:ln w="22225"/>
+          </p:spPr>
+          <p:style>
+            <a:lnRef idx="2">
+              <a:schemeClr val="dk1"/>
+            </a:lnRef>
+            <a:fillRef idx="1">
+              <a:schemeClr val="lt1"/>
+            </a:fillRef>
+            <a:effectRef idx="0">
+              <a:schemeClr val="dk1"/>
+            </a:effectRef>
+            <a:fontRef idx="minor">
+              <a:schemeClr val="dk1"/>
+            </a:fontRef>
+          </p:style>
+          <p:txBody>
+            <a:bodyPr rtlCol="0" anchor="ctr"/>
+            <a:lstStyle/>
+            <a:p>
+              <a:pPr algn="ctr"/>
+              <a:endParaRPr lang="fr-BE" noProof="1"/>
+            </a:p>
+          </p:txBody>
+        </p:sp>
+        <p:sp>
+          <p:nvSpPr>
+            <p:cNvPr id="27" name="Ellipse 26"/>
+            <p:cNvSpPr/>
+            <p:nvPr/>
+          </p:nvSpPr>
+          <p:spPr>
+            <a:xfrm>
+              <a:off x="5645878" y="2265442"/>
+              <a:ext cx="216024" cy="216024"/>
+            </a:xfrm>
+            <a:prstGeom prst="ellipse">
+              <a:avLst/>
+            </a:prstGeom>
+            <a:ln w="22225"/>
+          </p:spPr>
+          <p:style>
+            <a:lnRef idx="2">
+              <a:schemeClr val="dk1"/>
+            </a:lnRef>
+            <a:fillRef idx="1">
+              <a:schemeClr val="lt1"/>
+            </a:fillRef>
+            <a:effectRef idx="0">
+              <a:schemeClr val="dk1"/>
+            </a:effectRef>
+            <a:fontRef idx="minor">
+              <a:schemeClr val="dk1"/>
+            </a:fontRef>
+          </p:style>
+          <p:txBody>
+            <a:bodyPr rtlCol="0" anchor="ctr"/>
+            <a:lstStyle/>
+            <a:p>
+              <a:pPr algn="ctr"/>
+              <a:endParaRPr lang="fr-BE" noProof="1"/>
+            </a:p>
+          </p:txBody>
+        </p:sp>
+        <p:sp>
+          <p:nvSpPr>
+            <p:cNvPr id="28" name="Ellipse 27"/>
+            <p:cNvSpPr/>
+            <p:nvPr/>
+          </p:nvSpPr>
+          <p:spPr>
+            <a:xfrm>
+              <a:off x="5645878" y="2708920"/>
+              <a:ext cx="216024" cy="216024"/>
+            </a:xfrm>
+            <a:prstGeom prst="ellipse">
+              <a:avLst/>
+            </a:prstGeom>
+            <a:ln w="22225"/>
+          </p:spPr>
+          <p:style>
+            <a:lnRef idx="2">
+              <a:schemeClr val="dk1"/>
+            </a:lnRef>
+            <a:fillRef idx="1">
+              <a:schemeClr val="lt1"/>
+            </a:fillRef>
+            <a:effectRef idx="0">
+              <a:schemeClr val="dk1"/>
+            </a:effectRef>
+            <a:fontRef idx="minor">
+              <a:schemeClr val="dk1"/>
+            </a:fontRef>
+          </p:style>
+          <p:txBody>
+            <a:bodyPr rtlCol="0" anchor="ctr"/>
+            <a:lstStyle/>
+            <a:p>
+              <a:pPr algn="ctr"/>
+              <a:endParaRPr lang="fr-BE" noProof="1"/>
+            </a:p>
+          </p:txBody>
+        </p:sp>
+        <p:sp>
+          <p:nvSpPr>
+            <p:cNvPr id="29" name="Ellipse 28"/>
+            <p:cNvSpPr/>
+            <p:nvPr/>
+          </p:nvSpPr>
+          <p:spPr>
+            <a:xfrm>
+              <a:off x="4386456" y="2708920"/>
+              <a:ext cx="216024" cy="216024"/>
+            </a:xfrm>
+            <a:prstGeom prst="ellipse">
+              <a:avLst/>
+            </a:prstGeom>
+            <a:ln w="22225"/>
+          </p:spPr>
+          <p:style>
+            <a:lnRef idx="2">
+              <a:schemeClr val="dk1"/>
+            </a:lnRef>
+            <a:fillRef idx="1">
+              <a:schemeClr val="lt1"/>
+            </a:fillRef>
+            <a:effectRef idx="0">
+              <a:schemeClr val="dk1"/>
+            </a:effectRef>
+            <a:fontRef idx="minor">
+              <a:schemeClr val="dk1"/>
+            </a:fontRef>
+          </p:style>
+          <p:txBody>
+            <a:bodyPr rtlCol="0" anchor="ctr"/>
+            <a:lstStyle/>
+            <a:p>
+              <a:pPr algn="ctr"/>
+              <a:endParaRPr lang="fr-BE" noProof="1"/>
+            </a:p>
+          </p:txBody>
+        </p:sp>
+        <p:cxnSp>
+          <p:nvCxnSpPr>
+            <p:cNvPr id="30" name="Connecteur droit avec flèche 29"/>
+            <p:cNvCxnSpPr>
+              <a:stCxn id="26" idx="6"/>
+              <a:endCxn id="27" idx="2"/>
+            </p:cNvCxnSpPr>
+            <p:nvPr/>
+          </p:nvCxnSpPr>
+          <p:spPr>
+            <a:xfrm>
+              <a:off x="4283968" y="2373454"/>
+              <a:ext cx="1361910" cy="1588"/>
+            </a:xfrm>
+            <a:prstGeom prst="straightConnector1">
+              <a:avLst/>
+            </a:prstGeom>
+            <a:ln w="22225">
+              <a:solidFill>
+                <a:schemeClr val="tx1"/>
+              </a:solidFill>
+              <a:tailEnd type="triangle" w="med" len="sm"/>
+            </a:ln>
+          </p:spPr>
+          <p:style>
+            <a:lnRef idx="1">
+              <a:schemeClr val="accent1"/>
+            </a:lnRef>
+            <a:fillRef idx="0">
+              <a:schemeClr val="accent1"/>
+            </a:fillRef>
+            <a:effectRef idx="0">
+              <a:schemeClr val="accent1"/>
+            </a:effectRef>
+            <a:fontRef idx="minor">
+              <a:schemeClr val="tx1"/>
+            </a:fontRef>
+          </p:style>
+        </p:cxnSp>
+        <p:cxnSp>
+          <p:nvCxnSpPr>
+            <p:cNvPr id="31" name="Connecteur droit avec flèche 30"/>
+            <p:cNvCxnSpPr>
+              <a:stCxn id="27" idx="4"/>
+              <a:endCxn id="28" idx="0"/>
+            </p:cNvCxnSpPr>
+            <p:nvPr/>
+          </p:nvCxnSpPr>
+          <p:spPr>
+            <a:xfrm rot="5400000">
+              <a:off x="5640163" y="2595193"/>
+              <a:ext cx="227454" cy="1588"/>
+            </a:xfrm>
+            <a:prstGeom prst="straightConnector1">
+              <a:avLst/>
+            </a:prstGeom>
+            <a:ln w="22225">
+              <a:solidFill>
+                <a:schemeClr val="tx1"/>
+              </a:solidFill>
+              <a:tailEnd type="triangle" w="med" len="sm"/>
+            </a:ln>
+          </p:spPr>
+          <p:style>
+            <a:lnRef idx="1">
+              <a:schemeClr val="accent1"/>
+            </a:lnRef>
+            <a:fillRef idx="0">
+              <a:schemeClr val="accent1"/>
+            </a:fillRef>
+            <a:effectRef idx="0">
+              <a:schemeClr val="accent1"/>
+            </a:effectRef>
+            <a:fontRef idx="minor">
+              <a:schemeClr val="tx1"/>
+            </a:fontRef>
+          </p:style>
+        </p:cxnSp>
+        <p:cxnSp>
+          <p:nvCxnSpPr>
+            <p:cNvPr id="32" name="Connecteur droit avec flèche 31"/>
+            <p:cNvCxnSpPr>
+              <a:stCxn id="28" idx="2"/>
+              <a:endCxn id="29" idx="6"/>
+            </p:cNvCxnSpPr>
+            <p:nvPr/>
+          </p:nvCxnSpPr>
+          <p:spPr>
+            <a:xfrm rot="10800000">
+              <a:off x="4602480" y="2816932"/>
+              <a:ext cx="1043398" cy="1588"/>
+            </a:xfrm>
+            <a:prstGeom prst="straightConnector1">
+              <a:avLst/>
+            </a:prstGeom>
+            <a:ln w="22225">
+              <a:solidFill>
+                <a:schemeClr val="tx1"/>
+              </a:solidFill>
+              <a:tailEnd type="triangle" w="med" len="sm"/>
+            </a:ln>
+          </p:spPr>
+          <p:style>
+            <a:lnRef idx="1">
+              <a:schemeClr val="accent1"/>
+            </a:lnRef>
+            <a:fillRef idx="0">
+              <a:schemeClr val="accent1"/>
+            </a:fillRef>
+            <a:effectRef idx="0">
+              <a:schemeClr val="accent1"/>
+            </a:effectRef>
+            <a:fontRef idx="minor">
+              <a:schemeClr val="tx1"/>
+            </a:fontRef>
+          </p:style>
+        </p:cxnSp>
+        <p:sp>
+          <p:nvSpPr>
+            <p:cNvPr id="33" name="ZoneTexte 32"/>
+            <p:cNvSpPr txBox="1"/>
+            <p:nvPr/>
+          </p:nvSpPr>
+          <p:spPr>
+            <a:xfrm>
+              <a:off x="5580112" y="2455376"/>
+              <a:ext cx="159783" cy="215444"/>
+            </a:xfrm>
+            <a:prstGeom prst="rect">
+              <a:avLst/>
+            </a:prstGeom>
+            <a:noFill/>
+          </p:spPr>
+          <p:txBody>
+            <a:bodyPr wrap="none" lIns="18000" tIns="0" rIns="18000" bIns="0" rtlCol="0">
+              <a:spAutoFit/>
+            </a:bodyPr>
+            <a:lstStyle/>
+            <a:p>
+              <a:r>
+                <a:rPr lang="fr-BE" sz="1400" noProof="1" smtClean="0"/>
+                <a:t>…</a:t>
+              </a:r>
+              <a:endParaRPr lang="fr-BE" sz="1400" noProof="1"/>
+            </a:p>
+          </p:txBody>
+        </p:sp>
+        <p:sp>
+          <p:nvSpPr>
+            <p:cNvPr id="34" name="ZoneTexte 33"/>
+            <p:cNvSpPr txBox="1"/>
+            <p:nvPr/>
+          </p:nvSpPr>
+          <p:spPr>
+            <a:xfrm>
+              <a:off x="4860032" y="2273062"/>
+              <a:ext cx="617926" cy="184666"/>
+            </a:xfrm>
+            <a:prstGeom prst="rect">
+              <a:avLst/>
+            </a:prstGeom>
+            <a:solidFill>
+              <a:schemeClr val="bg1"/>
+            </a:solidFill>
+          </p:spPr>
+          <p:txBody>
+            <a:bodyPr wrap="none" lIns="0" tIns="0" rIns="0" bIns="0" rtlCol="0">
+              <a:spAutoFit/>
+            </a:bodyPr>
+            <a:lstStyle/>
+            <a:p>
+              <a:r>
+                <a:rPr lang="fr-BE" sz="1200" noProof="1" smtClean="0"/>
+                <a:t>Collect</a:t>
+              </a:r>
+              <a:r>
+                <a:rPr lang="fr-BE" sz="1200" baseline="-25000" noProof="1" smtClean="0"/>
+                <a:t>start</a:t>
+              </a:r>
+              <a:endParaRPr lang="fr-BE" sz="1200" baseline="-25000" noProof="1"/>
+            </a:p>
+          </p:txBody>
+        </p:sp>
+        <p:sp>
+          <p:nvSpPr>
+            <p:cNvPr id="35" name="ZoneTexte 34"/>
+            <p:cNvSpPr txBox="1"/>
+            <p:nvPr/>
+          </p:nvSpPr>
+          <p:spPr>
+            <a:xfrm>
+              <a:off x="4891323" y="2724160"/>
+              <a:ext cx="586635" cy="184666"/>
+            </a:xfrm>
+            <a:prstGeom prst="rect">
+              <a:avLst/>
+            </a:prstGeom>
+            <a:solidFill>
+              <a:schemeClr val="bg1"/>
+            </a:solidFill>
+          </p:spPr>
+          <p:txBody>
+            <a:bodyPr wrap="none" lIns="0" tIns="0" rIns="0" bIns="0" rtlCol="0">
+              <a:spAutoFit/>
+            </a:bodyPr>
+            <a:lstStyle/>
+            <a:p>
+              <a:r>
+                <a:rPr lang="fr-BE" sz="1200" noProof="1" smtClean="0"/>
+                <a:t>Collect</a:t>
+              </a:r>
+              <a:r>
+                <a:rPr lang="fr-BE" sz="1200" baseline="-25000" noProof="1" smtClean="0"/>
+                <a:t>end</a:t>
+              </a:r>
+              <a:endParaRPr lang="fr-BE" sz="1200" baseline="-25000" noProof="1"/>
+            </a:p>
+          </p:txBody>
+        </p:sp>
+        <p:cxnSp>
+          <p:nvCxnSpPr>
+            <p:cNvPr id="48" name="Connecteur droit avec flèche 7"/>
+            <p:cNvCxnSpPr>
+              <a:endCxn id="26" idx="1"/>
+            </p:cNvCxnSpPr>
+            <p:nvPr/>
+          </p:nvCxnSpPr>
+          <p:spPr>
+            <a:xfrm>
+              <a:off x="3851920" y="2132856"/>
+              <a:ext cx="247660" cy="164222"/>
+            </a:xfrm>
+            <a:prstGeom prst="straightConnector1">
+              <a:avLst/>
+            </a:prstGeom>
+            <a:ln w="22225">
+              <a:tailEnd type="triangle" w="med" len="lg"/>
+            </a:ln>
+          </p:spPr>
+          <p:style>
+            <a:lnRef idx="1">
+              <a:schemeClr val="dk1"/>
+            </a:lnRef>
+            <a:fillRef idx="0">
+              <a:schemeClr val="dk1"/>
+            </a:fillRef>
+            <a:effectRef idx="0">
+              <a:schemeClr val="dk1"/>
+            </a:effectRef>
+            <a:fontRef idx="minor">
+              <a:schemeClr val="tx1"/>
+            </a:fontRef>
+          </p:style>
+        </p:cxnSp>
+        <p:sp>
+          <p:nvSpPr>
+            <p:cNvPr id="50" name="Ellipse 49"/>
+            <p:cNvSpPr/>
+            <p:nvPr/>
+          </p:nvSpPr>
+          <p:spPr>
+            <a:xfrm flipH="1">
+              <a:off x="3848636" y="3561586"/>
+              <a:ext cx="216024" cy="216024"/>
+            </a:xfrm>
+            <a:prstGeom prst="ellipse">
+              <a:avLst/>
+            </a:prstGeom>
+            <a:ln w="22225"/>
+          </p:spPr>
+          <p:style>
+            <a:lnRef idx="2">
+              <a:schemeClr val="dk1"/>
+            </a:lnRef>
+            <a:fillRef idx="1">
+              <a:schemeClr val="lt1"/>
+            </a:fillRef>
+            <a:effectRef idx="0">
+              <a:schemeClr val="dk1"/>
+            </a:effectRef>
+            <a:fontRef idx="minor">
+              <a:schemeClr val="dk1"/>
+            </a:fontRef>
+          </p:style>
+          <p:txBody>
+            <a:bodyPr rtlCol="0" anchor="ctr"/>
+            <a:lstStyle/>
+            <a:p>
+              <a:pPr algn="ctr"/>
+              <a:endParaRPr lang="fr-BE" noProof="1"/>
+            </a:p>
+          </p:txBody>
+        </p:sp>
+        <p:sp>
+          <p:nvSpPr>
+            <p:cNvPr id="51" name="Ellipse 50"/>
+            <p:cNvSpPr/>
+            <p:nvPr/>
+          </p:nvSpPr>
+          <p:spPr>
+            <a:xfrm flipH="1">
+              <a:off x="2706034" y="3561586"/>
+              <a:ext cx="216024" cy="216024"/>
+            </a:xfrm>
+            <a:prstGeom prst="ellipse">
+              <a:avLst/>
+            </a:prstGeom>
+            <a:ln w="22225"/>
+          </p:spPr>
+          <p:style>
+            <a:lnRef idx="2">
+              <a:schemeClr val="dk1"/>
+            </a:lnRef>
+            <a:fillRef idx="1">
+              <a:schemeClr val="lt1"/>
+            </a:fillRef>
+            <a:effectRef idx="0">
+              <a:schemeClr val="dk1"/>
+            </a:effectRef>
+            <a:fontRef idx="minor">
+              <a:schemeClr val="dk1"/>
+            </a:fontRef>
+          </p:style>
+          <p:txBody>
+            <a:bodyPr rtlCol="0" anchor="ctr"/>
+            <a:lstStyle/>
+            <a:p>
+              <a:pPr algn="ctr"/>
+              <a:endParaRPr lang="fr-BE" noProof="1"/>
+            </a:p>
+          </p:txBody>
+        </p:sp>
+        <p:sp>
+          <p:nvSpPr>
+            <p:cNvPr id="52" name="Ellipse 51"/>
+            <p:cNvSpPr/>
+            <p:nvPr/>
+          </p:nvSpPr>
+          <p:spPr>
+            <a:xfrm flipH="1">
+              <a:off x="2706034" y="2780928"/>
+              <a:ext cx="216024" cy="216024"/>
+            </a:xfrm>
+            <a:prstGeom prst="ellipse">
+              <a:avLst/>
+            </a:prstGeom>
+            <a:ln w="22225"/>
+          </p:spPr>
+          <p:style>
+            <a:lnRef idx="2">
+              <a:schemeClr val="dk1"/>
+            </a:lnRef>
+            <a:fillRef idx="1">
+              <a:schemeClr val="lt1"/>
+            </a:fillRef>
+            <a:effectRef idx="0">
+              <a:schemeClr val="dk1"/>
+            </a:effectRef>
+            <a:fontRef idx="minor">
+              <a:schemeClr val="dk1"/>
+            </a:fontRef>
+          </p:style>
+          <p:txBody>
+            <a:bodyPr rtlCol="0" anchor="ctr"/>
+            <a:lstStyle/>
+            <a:p>
+              <a:pPr algn="ctr"/>
+              <a:endParaRPr lang="fr-BE" noProof="1"/>
+            </a:p>
+          </p:txBody>
+        </p:sp>
+        <p:cxnSp>
+          <p:nvCxnSpPr>
+            <p:cNvPr id="54" name="Connecteur droit avec flèche 53"/>
+            <p:cNvCxnSpPr>
+              <a:stCxn id="50" idx="6"/>
+              <a:endCxn id="51" idx="2"/>
+            </p:cNvCxnSpPr>
+            <p:nvPr/>
+          </p:nvCxnSpPr>
+          <p:spPr>
+            <a:xfrm rot="10800000">
+              <a:off x="2922058" y="3669598"/>
+              <a:ext cx="926578" cy="1588"/>
+            </a:xfrm>
+            <a:prstGeom prst="straightConnector1">
+              <a:avLst/>
+            </a:prstGeom>
+            <a:ln w="22225">
+              <a:solidFill>
+                <a:schemeClr val="tx1"/>
+              </a:solidFill>
+              <a:tailEnd type="triangle" w="med" len="sm"/>
+            </a:ln>
+          </p:spPr>
+          <p:style>
+            <a:lnRef idx="1">
+              <a:schemeClr val="accent1"/>
+            </a:lnRef>
+            <a:fillRef idx="0">
+              <a:schemeClr val="accent1"/>
+            </a:fillRef>
+            <a:effectRef idx="0">
+              <a:schemeClr val="accent1"/>
+            </a:effectRef>
+            <a:fontRef idx="minor">
+              <a:schemeClr val="tx1"/>
+            </a:fontRef>
+          </p:style>
+        </p:cxnSp>
+        <p:cxnSp>
+          <p:nvCxnSpPr>
+            <p:cNvPr id="55" name="Connecteur droit avec flèche 54"/>
+            <p:cNvCxnSpPr>
+              <a:stCxn id="51" idx="0"/>
+              <a:endCxn id="52" idx="4"/>
+            </p:cNvCxnSpPr>
+            <p:nvPr/>
+          </p:nvCxnSpPr>
+          <p:spPr>
+            <a:xfrm rot="5400000" flipH="1" flipV="1">
+              <a:off x="2531729" y="3279269"/>
+              <a:ext cx="564634" cy="1588"/>
+            </a:xfrm>
+            <a:prstGeom prst="straightConnector1">
+              <a:avLst/>
+            </a:prstGeom>
+            <a:ln w="22225">
+              <a:solidFill>
+                <a:schemeClr val="tx1"/>
+              </a:solidFill>
+              <a:tailEnd type="triangle" w="med" len="sm"/>
+            </a:ln>
+          </p:spPr>
+          <p:style>
+            <a:lnRef idx="1">
+              <a:schemeClr val="accent1"/>
+            </a:lnRef>
+            <a:fillRef idx="0">
+              <a:schemeClr val="accent1"/>
+            </a:fillRef>
+            <a:effectRef idx="0">
+              <a:schemeClr val="accent1"/>
+            </a:effectRef>
+            <a:fontRef idx="minor">
+              <a:schemeClr val="tx1"/>
+            </a:fontRef>
+          </p:style>
+        </p:cxnSp>
+        <p:cxnSp>
+          <p:nvCxnSpPr>
+            <p:cNvPr id="56" name="Connecteur droit avec flèche 55"/>
+            <p:cNvCxnSpPr>
+              <a:stCxn id="52" idx="2"/>
+              <a:endCxn id="26" idx="2"/>
+            </p:cNvCxnSpPr>
+            <p:nvPr/>
+          </p:nvCxnSpPr>
+          <p:spPr>
+            <a:xfrm flipV="1">
+              <a:off x="2922058" y="2373454"/>
+              <a:ext cx="1145886" cy="515486"/>
+            </a:xfrm>
+            <a:prstGeom prst="bentConnector3">
+              <a:avLst>
+                <a:gd name="adj1" fmla="val 50000"/>
+              </a:avLst>
+            </a:prstGeom>
+            <a:ln w="22225">
+              <a:solidFill>
+                <a:schemeClr val="tx1"/>
+              </a:solidFill>
+              <a:tailEnd type="triangle" w="med" len="sm"/>
+            </a:ln>
+          </p:spPr>
+          <p:style>
+            <a:lnRef idx="1">
+              <a:schemeClr val="accent1"/>
+            </a:lnRef>
+            <a:fillRef idx="0">
+              <a:schemeClr val="accent1"/>
+            </a:fillRef>
+            <a:effectRef idx="0">
+              <a:schemeClr val="accent1"/>
+            </a:effectRef>
+            <a:fontRef idx="minor">
+              <a:schemeClr val="tx1"/>
+            </a:fontRef>
+          </p:style>
+        </p:cxnSp>
+        <p:sp>
+          <p:nvSpPr>
+            <p:cNvPr id="57" name="ZoneTexte 56"/>
+            <p:cNvSpPr txBox="1"/>
+            <p:nvPr/>
+          </p:nvSpPr>
+          <p:spPr>
+            <a:xfrm flipH="1">
+              <a:off x="2843808" y="3141548"/>
+              <a:ext cx="159783" cy="215444"/>
+            </a:xfrm>
+            <a:prstGeom prst="rect">
+              <a:avLst/>
+            </a:prstGeom>
+            <a:noFill/>
+          </p:spPr>
+          <p:txBody>
+            <a:bodyPr wrap="none" lIns="18000" tIns="0" rIns="18000" bIns="0" rtlCol="0">
+              <a:spAutoFit/>
+            </a:bodyPr>
+            <a:lstStyle/>
+            <a:p>
+              <a:r>
+                <a:rPr lang="fr-BE" sz="1400" noProof="1" smtClean="0"/>
+                <a:t>…</a:t>
+              </a:r>
+              <a:endParaRPr lang="fr-BE" sz="1400" noProof="1"/>
+            </a:p>
+          </p:txBody>
+        </p:sp>
+        <p:sp>
+          <p:nvSpPr>
+            <p:cNvPr id="58" name="ZoneTexte 57"/>
+            <p:cNvSpPr txBox="1"/>
+            <p:nvPr/>
+          </p:nvSpPr>
+          <p:spPr>
+            <a:xfrm flipH="1">
+              <a:off x="3030251" y="3561586"/>
+              <a:ext cx="747962" cy="184666"/>
+            </a:xfrm>
+            <a:prstGeom prst="rect">
+              <a:avLst/>
+            </a:prstGeom>
+            <a:solidFill>
+              <a:schemeClr val="bg1"/>
+            </a:solidFill>
+          </p:spPr>
+          <p:txBody>
+            <a:bodyPr wrap="none" lIns="0" tIns="0" rIns="0" bIns="0" rtlCol="0">
+              <a:spAutoFit/>
+            </a:bodyPr>
+            <a:lstStyle/>
+            <a:p>
+              <a:r>
+                <a:rPr lang="fr-BE" sz="1200" noProof="1" smtClean="0"/>
+                <a:t>Arbitrate</a:t>
+              </a:r>
+              <a:r>
+                <a:rPr lang="fr-BE" sz="1200" baseline="-25000" noProof="1" smtClean="0"/>
+                <a:t>start</a:t>
+              </a:r>
+              <a:endParaRPr lang="fr-BE" sz="1200" baseline="-25000" noProof="1"/>
+            </a:p>
+          </p:txBody>
+        </p:sp>
+        <p:sp>
+          <p:nvSpPr>
+            <p:cNvPr id="59" name="ZoneTexte 58"/>
+            <p:cNvSpPr txBox="1"/>
+            <p:nvPr/>
+          </p:nvSpPr>
+          <p:spPr>
+            <a:xfrm flipH="1">
+              <a:off x="3205590" y="2492896"/>
+              <a:ext cx="718338" cy="184666"/>
+            </a:xfrm>
+            <a:prstGeom prst="rect">
+              <a:avLst/>
+            </a:prstGeom>
+            <a:solidFill>
+              <a:schemeClr val="bg1"/>
+            </a:solidFill>
+          </p:spPr>
+          <p:txBody>
+            <a:bodyPr wrap="none" lIns="0" tIns="0" rIns="0" bIns="0" rtlCol="0">
+              <a:spAutoFit/>
+            </a:bodyPr>
+            <a:lstStyle/>
+            <a:p>
+              <a:r>
+                <a:rPr lang="fr-BE" sz="1200" noProof="1" smtClean="0"/>
+                <a:t>Arbitrate</a:t>
+              </a:r>
+              <a:r>
+                <a:rPr lang="fr-BE" sz="1200" baseline="-25000" noProof="1" smtClean="0"/>
+                <a:t>end</a:t>
+              </a:r>
+              <a:endParaRPr lang="fr-BE" sz="1200" baseline="-25000" noProof="1"/>
+            </a:p>
+          </p:txBody>
+        </p:sp>
+        <p:sp>
+          <p:nvSpPr>
+            <p:cNvPr id="64" name="Ellipse 63"/>
+            <p:cNvSpPr/>
+            <p:nvPr/>
+          </p:nvSpPr>
+          <p:spPr>
+            <a:xfrm>
+              <a:off x="4932040" y="3561586"/>
+              <a:ext cx="216024" cy="216024"/>
+            </a:xfrm>
+            <a:prstGeom prst="ellipse">
+              <a:avLst/>
+            </a:prstGeom>
+            <a:ln w="22225"/>
+          </p:spPr>
+          <p:style>
+            <a:lnRef idx="2">
+              <a:schemeClr val="dk1"/>
+            </a:lnRef>
+            <a:fillRef idx="1">
+              <a:schemeClr val="lt1"/>
+            </a:fillRef>
+            <a:effectRef idx="0">
+              <a:schemeClr val="dk1"/>
+            </a:effectRef>
+            <a:fontRef idx="minor">
+              <a:schemeClr val="dk1"/>
+            </a:fontRef>
+          </p:style>
+          <p:txBody>
+            <a:bodyPr rtlCol="0" anchor="ctr"/>
+            <a:lstStyle/>
+            <a:p>
+              <a:pPr algn="ctr"/>
+              <a:endParaRPr lang="fr-BE" noProof="1"/>
+            </a:p>
+          </p:txBody>
+        </p:sp>
+        <p:sp>
+          <p:nvSpPr>
+            <p:cNvPr id="65" name="Ellipse 64"/>
+            <p:cNvSpPr/>
+            <p:nvPr/>
+          </p:nvSpPr>
+          <p:spPr>
+            <a:xfrm>
+              <a:off x="6084168" y="3561586"/>
+              <a:ext cx="216024" cy="216024"/>
+            </a:xfrm>
+            <a:prstGeom prst="ellipse">
+              <a:avLst/>
+            </a:prstGeom>
+            <a:ln w="22225"/>
+          </p:spPr>
+          <p:style>
+            <a:lnRef idx="2">
+              <a:schemeClr val="dk1"/>
+            </a:lnRef>
+            <a:fillRef idx="1">
+              <a:schemeClr val="lt1"/>
+            </a:fillRef>
+            <a:effectRef idx="0">
+              <a:schemeClr val="dk1"/>
+            </a:effectRef>
+            <a:fontRef idx="minor">
+              <a:schemeClr val="dk1"/>
+            </a:fontRef>
+          </p:style>
+          <p:txBody>
+            <a:bodyPr rtlCol="0" anchor="ctr"/>
+            <a:lstStyle/>
+            <a:p>
+              <a:pPr algn="ctr"/>
+              <a:endParaRPr lang="fr-BE" noProof="1"/>
+            </a:p>
+          </p:txBody>
+        </p:sp>
+        <p:sp>
+          <p:nvSpPr>
+            <p:cNvPr id="66" name="Ellipse 65"/>
+            <p:cNvSpPr/>
+            <p:nvPr/>
+          </p:nvSpPr>
+          <p:spPr>
+            <a:xfrm>
+              <a:off x="6084168" y="4005064"/>
+              <a:ext cx="216024" cy="216024"/>
+            </a:xfrm>
+            <a:prstGeom prst="ellipse">
+              <a:avLst/>
+            </a:prstGeom>
+            <a:ln w="22225"/>
+          </p:spPr>
+          <p:style>
+            <a:lnRef idx="2">
+              <a:schemeClr val="dk1"/>
+            </a:lnRef>
+            <a:fillRef idx="1">
+              <a:schemeClr val="lt1"/>
+            </a:fillRef>
+            <a:effectRef idx="0">
+              <a:schemeClr val="dk1"/>
+            </a:effectRef>
+            <a:fontRef idx="minor">
+              <a:schemeClr val="dk1"/>
+            </a:fontRef>
+          </p:style>
+          <p:txBody>
+            <a:bodyPr rtlCol="0" anchor="ctr"/>
+            <a:lstStyle/>
+            <a:p>
+              <a:pPr algn="ctr"/>
+              <a:endParaRPr lang="fr-BE" noProof="1"/>
+            </a:p>
+          </p:txBody>
+        </p:sp>
+        <p:sp>
+          <p:nvSpPr>
+            <p:cNvPr id="67" name="Ellipse 66"/>
+            <p:cNvSpPr/>
+            <p:nvPr/>
+          </p:nvSpPr>
+          <p:spPr>
+            <a:xfrm>
+              <a:off x="4932040" y="4005064"/>
+              <a:ext cx="216024" cy="216024"/>
+            </a:xfrm>
+            <a:prstGeom prst="ellipse">
+              <a:avLst/>
+            </a:prstGeom>
+            <a:ln w="22225"/>
+          </p:spPr>
+          <p:style>
+            <a:lnRef idx="2">
+              <a:schemeClr val="dk1"/>
+            </a:lnRef>
+            <a:fillRef idx="1">
+              <a:schemeClr val="lt1"/>
+            </a:fillRef>
+            <a:effectRef idx="0">
+              <a:schemeClr val="dk1"/>
+            </a:effectRef>
+            <a:fontRef idx="minor">
+              <a:schemeClr val="dk1"/>
+            </a:fontRef>
+          </p:style>
+          <p:txBody>
+            <a:bodyPr rtlCol="0" anchor="ctr"/>
+            <a:lstStyle/>
+            <a:p>
+              <a:pPr algn="ctr"/>
+              <a:endParaRPr lang="fr-BE" noProof="1"/>
+            </a:p>
+          </p:txBody>
+        </p:sp>
+        <p:cxnSp>
+          <p:nvCxnSpPr>
+            <p:cNvPr id="68" name="Connecteur droit avec flèche 67"/>
+            <p:cNvCxnSpPr>
+              <a:stCxn id="64" idx="6"/>
+              <a:endCxn id="65" idx="2"/>
+            </p:cNvCxnSpPr>
+            <p:nvPr/>
+          </p:nvCxnSpPr>
+          <p:spPr>
+            <a:xfrm>
+              <a:off x="5148064" y="3669598"/>
+              <a:ext cx="936104" cy="1588"/>
+            </a:xfrm>
+            <a:prstGeom prst="straightConnector1">
+              <a:avLst/>
+            </a:prstGeom>
+            <a:ln w="22225">
+              <a:solidFill>
+                <a:schemeClr val="tx1"/>
+              </a:solidFill>
+              <a:tailEnd type="triangle" w="med" len="sm"/>
+            </a:ln>
+          </p:spPr>
+          <p:style>
+            <a:lnRef idx="1">
+              <a:schemeClr val="accent1"/>
+            </a:lnRef>
+            <a:fillRef idx="0">
+              <a:schemeClr val="accent1"/>
+            </a:fillRef>
+            <a:effectRef idx="0">
+              <a:schemeClr val="accent1"/>
+            </a:effectRef>
+            <a:fontRef idx="minor">
+              <a:schemeClr val="tx1"/>
+            </a:fontRef>
+          </p:style>
+        </p:cxnSp>
+        <p:cxnSp>
+          <p:nvCxnSpPr>
+            <p:cNvPr id="69" name="Connecteur droit avec flèche 68"/>
+            <p:cNvCxnSpPr>
+              <a:stCxn id="65" idx="4"/>
+              <a:endCxn id="66" idx="0"/>
+            </p:cNvCxnSpPr>
+            <p:nvPr/>
+          </p:nvCxnSpPr>
+          <p:spPr>
+            <a:xfrm rot="5400000">
+              <a:off x="6078453" y="3891337"/>
+              <a:ext cx="227454" cy="1588"/>
+            </a:xfrm>
+            <a:prstGeom prst="straightConnector1">
+              <a:avLst/>
+            </a:prstGeom>
+            <a:ln w="22225">
+              <a:solidFill>
+                <a:schemeClr val="tx1"/>
+              </a:solidFill>
+              <a:tailEnd type="triangle" w="med" len="sm"/>
+            </a:ln>
+          </p:spPr>
+          <p:style>
+            <a:lnRef idx="1">
+              <a:schemeClr val="accent1"/>
+            </a:lnRef>
+            <a:fillRef idx="0">
+              <a:schemeClr val="accent1"/>
+            </a:fillRef>
+            <a:effectRef idx="0">
+              <a:schemeClr val="accent1"/>
+            </a:effectRef>
+            <a:fontRef idx="minor">
+              <a:schemeClr val="tx1"/>
+            </a:fontRef>
+          </p:style>
+        </p:cxnSp>
+        <p:cxnSp>
+          <p:nvCxnSpPr>
+            <p:cNvPr id="70" name="Connecteur droit avec flèche 69"/>
+            <p:cNvCxnSpPr>
+              <a:stCxn id="66" idx="2"/>
+              <a:endCxn id="67" idx="6"/>
+            </p:cNvCxnSpPr>
+            <p:nvPr/>
+          </p:nvCxnSpPr>
+          <p:spPr>
+            <a:xfrm rot="10800000">
+              <a:off x="5148064" y="4113076"/>
+              <a:ext cx="936104" cy="1588"/>
+            </a:xfrm>
+            <a:prstGeom prst="straightConnector1">
+              <a:avLst/>
+            </a:prstGeom>
+            <a:ln w="22225">
+              <a:solidFill>
+                <a:schemeClr val="tx1"/>
+              </a:solidFill>
+              <a:tailEnd type="triangle" w="med" len="sm"/>
+            </a:ln>
+          </p:spPr>
+          <p:style>
+            <a:lnRef idx="1">
+              <a:schemeClr val="accent1"/>
+            </a:lnRef>
+            <a:fillRef idx="0">
+              <a:schemeClr val="accent1"/>
+            </a:fillRef>
+            <a:effectRef idx="0">
+              <a:schemeClr val="accent1"/>
+            </a:effectRef>
+            <a:fontRef idx="minor">
+              <a:schemeClr val="tx1"/>
+            </a:fontRef>
+          </p:style>
+        </p:cxnSp>
+        <p:sp>
+          <p:nvSpPr>
+            <p:cNvPr id="71" name="ZoneTexte 70"/>
+            <p:cNvSpPr txBox="1"/>
+            <p:nvPr/>
+          </p:nvSpPr>
+          <p:spPr>
+            <a:xfrm>
+              <a:off x="5996393" y="3747710"/>
+              <a:ext cx="159783" cy="215444"/>
+            </a:xfrm>
+            <a:prstGeom prst="rect">
+              <a:avLst/>
+            </a:prstGeom>
+            <a:noFill/>
+          </p:spPr>
+          <p:txBody>
+            <a:bodyPr wrap="none" lIns="18000" tIns="0" rIns="18000" bIns="0" rtlCol="0">
+              <a:spAutoFit/>
+            </a:bodyPr>
+            <a:lstStyle/>
+            <a:p>
+              <a:r>
+                <a:rPr lang="fr-BE" sz="1400" noProof="1" smtClean="0"/>
+                <a:t>…</a:t>
+              </a:r>
+              <a:endParaRPr lang="fr-BE" sz="1400" noProof="1"/>
+            </a:p>
+          </p:txBody>
+        </p:sp>
+        <p:sp>
+          <p:nvSpPr>
+            <p:cNvPr id="72" name="ZoneTexte 71"/>
+            <p:cNvSpPr txBox="1"/>
+            <p:nvPr/>
+          </p:nvSpPr>
+          <p:spPr>
+            <a:xfrm>
+              <a:off x="5220072" y="3561586"/>
+              <a:ext cx="755784" cy="184666"/>
+            </a:xfrm>
+            <a:prstGeom prst="rect">
+              <a:avLst/>
+            </a:prstGeom>
+            <a:solidFill>
+              <a:schemeClr val="bg1"/>
+            </a:solidFill>
+          </p:spPr>
+          <p:txBody>
+            <a:bodyPr wrap="none" lIns="0" tIns="0" rIns="0" bIns="0" rtlCol="0">
+              <a:spAutoFit/>
+            </a:bodyPr>
+            <a:lstStyle/>
+            <a:p>
+              <a:r>
+                <a:rPr lang="fr-BE" sz="1200" noProof="1" smtClean="0"/>
+                <a:t>Schedule</a:t>
+              </a:r>
+              <a:r>
+                <a:rPr lang="fr-BE" sz="1200" baseline="-25000" noProof="1" smtClean="0"/>
+                <a:t>start</a:t>
+              </a:r>
+              <a:endParaRPr lang="fr-BE" sz="1200" baseline="-25000" noProof="1"/>
+            </a:p>
+          </p:txBody>
+        </p:sp>
+        <p:sp>
+          <p:nvSpPr>
+            <p:cNvPr id="73" name="ZoneTexte 72"/>
+            <p:cNvSpPr txBox="1"/>
+            <p:nvPr/>
+          </p:nvSpPr>
+          <p:spPr>
+            <a:xfrm>
+              <a:off x="5285999" y="4012684"/>
+              <a:ext cx="726161" cy="184666"/>
+            </a:xfrm>
+            <a:prstGeom prst="rect">
+              <a:avLst/>
+            </a:prstGeom>
+            <a:solidFill>
+              <a:schemeClr val="bg1"/>
+            </a:solidFill>
+          </p:spPr>
+          <p:txBody>
+            <a:bodyPr wrap="none" lIns="0" tIns="0" rIns="0" bIns="0" rtlCol="0">
+              <a:spAutoFit/>
+            </a:bodyPr>
+            <a:lstStyle/>
+            <a:p>
+              <a:r>
+                <a:rPr lang="fr-BE" sz="1200" noProof="1" smtClean="0"/>
+                <a:t>Schedule</a:t>
+              </a:r>
+              <a:r>
+                <a:rPr lang="fr-BE" sz="1200" baseline="-25000" noProof="1" smtClean="0"/>
+                <a:t>end</a:t>
+              </a:r>
+              <a:endParaRPr lang="fr-BE" sz="1200" baseline="-25000" noProof="1"/>
+            </a:p>
+          </p:txBody>
+        </p:sp>
+        <p:cxnSp>
+          <p:nvCxnSpPr>
+            <p:cNvPr id="74" name="Connecteur droit avec flèche 55"/>
+            <p:cNvCxnSpPr>
+              <a:stCxn id="29" idx="4"/>
+              <a:endCxn id="50" idx="0"/>
+            </p:cNvCxnSpPr>
+            <p:nvPr/>
+          </p:nvCxnSpPr>
+          <p:spPr>
+            <a:xfrm rot="5400000">
+              <a:off x="3907237" y="2974355"/>
+              <a:ext cx="636642" cy="537820"/>
+            </a:xfrm>
+            <a:prstGeom prst="bentConnector3">
+              <a:avLst>
+                <a:gd name="adj1" fmla="val 27259"/>
+              </a:avLst>
+            </a:prstGeom>
+            <a:ln w="22225">
+              <a:solidFill>
+                <a:schemeClr val="tx1"/>
+              </a:solidFill>
+              <a:tailEnd type="triangle" w="med" len="sm"/>
+            </a:ln>
+          </p:spPr>
+          <p:style>
+            <a:lnRef idx="1">
+              <a:schemeClr val="accent1"/>
+            </a:lnRef>
+            <a:fillRef idx="0">
+              <a:schemeClr val="accent1"/>
+            </a:fillRef>
+            <a:effectRef idx="0">
+              <a:schemeClr val="accent1"/>
+            </a:effectRef>
+            <a:fontRef idx="minor">
+              <a:schemeClr val="tx1"/>
+            </a:fontRef>
+          </p:style>
+        </p:cxnSp>
+        <p:cxnSp>
+          <p:nvCxnSpPr>
+            <p:cNvPr id="77" name="Connecteur droit avec flèche 55"/>
+            <p:cNvCxnSpPr>
+              <a:stCxn id="29" idx="4"/>
+              <a:endCxn id="64" idx="0"/>
+            </p:cNvCxnSpPr>
+            <p:nvPr/>
+          </p:nvCxnSpPr>
+          <p:spPr>
+            <a:xfrm rot="16200000" flipH="1">
+              <a:off x="4448939" y="2970473"/>
+              <a:ext cx="636642" cy="545584"/>
+            </a:xfrm>
+            <a:prstGeom prst="bentConnector3">
+              <a:avLst>
+                <a:gd name="adj1" fmla="val 27259"/>
+              </a:avLst>
+            </a:prstGeom>
+            <a:ln w="22225">
+              <a:solidFill>
+                <a:schemeClr val="tx1"/>
+              </a:solidFill>
+              <a:tailEnd type="triangle" w="med" len="sm"/>
+            </a:ln>
+          </p:spPr>
+          <p:style>
+            <a:lnRef idx="1">
+              <a:schemeClr val="accent1"/>
+            </a:lnRef>
+            <a:fillRef idx="0">
+              <a:schemeClr val="accent1"/>
+            </a:fillRef>
+            <a:effectRef idx="0">
+              <a:schemeClr val="accent1"/>
+            </a:effectRef>
+            <a:fontRef idx="minor">
+              <a:schemeClr val="tx1"/>
+            </a:fontRef>
+          </p:style>
+        </p:cxnSp>
+        <p:sp>
+          <p:nvSpPr>
+            <p:cNvPr id="86" name="ZoneTexte 85"/>
+            <p:cNvSpPr txBox="1"/>
+            <p:nvPr/>
+          </p:nvSpPr>
+          <p:spPr>
+            <a:xfrm flipH="1">
+              <a:off x="3621544" y="3178884"/>
+              <a:ext cx="664990" cy="215444"/>
+            </a:xfrm>
+            <a:prstGeom prst="rect">
+              <a:avLst/>
+            </a:prstGeom>
+            <a:solidFill>
+              <a:schemeClr val="bg1"/>
+            </a:solidFill>
+          </p:spPr>
+          <p:txBody>
+            <a:bodyPr wrap="none" lIns="0" tIns="0" rIns="0" bIns="0" rtlCol="0">
+              <a:spAutoFit/>
+            </a:bodyPr>
+            <a:lstStyle/>
+            <a:p>
+              <a:r>
+                <a:rPr lang="fr-BE" sz="1400" b="1" noProof="1" smtClean="0"/>
+                <a:t>[conflict]</a:t>
+              </a:r>
+              <a:endParaRPr lang="fr-BE" sz="1400" b="1" baseline="-25000" noProof="1"/>
+            </a:p>
+          </p:txBody>
+        </p:sp>
+        <p:sp>
+          <p:nvSpPr>
+            <p:cNvPr id="87" name="ZoneTexte 86"/>
+            <p:cNvSpPr txBox="1"/>
+            <p:nvPr/>
+          </p:nvSpPr>
+          <p:spPr>
+            <a:xfrm flipH="1">
+              <a:off x="4627116" y="3170381"/>
+              <a:ext cx="833305" cy="215444"/>
+            </a:xfrm>
+            <a:prstGeom prst="rect">
+              <a:avLst/>
+            </a:prstGeom>
+            <a:solidFill>
+              <a:schemeClr val="bg1"/>
+            </a:solidFill>
+          </p:spPr>
+          <p:txBody>
+            <a:bodyPr wrap="none" lIns="0" tIns="0" rIns="0" bIns="0" rtlCol="0">
+              <a:spAutoFit/>
+            </a:bodyPr>
+            <a:lstStyle/>
+            <a:p>
+              <a:r>
+                <a:rPr lang="fr-BE" sz="1400" b="1" noProof="1" smtClean="0"/>
+                <a:t>[</a:t>
+              </a:r>
+              <a:r>
+                <a:rPr lang="fr-BE" sz="1400" b="1" noProof="1" smtClean="0">
+                  <a:sym typeface="Symbol"/>
+                </a:rPr>
+                <a:t> </a:t>
+              </a:r>
+              <a:r>
+                <a:rPr lang="fr-BE" sz="1400" b="1" noProof="1" smtClean="0"/>
+                <a:t>conflict]</a:t>
+              </a:r>
+              <a:endParaRPr lang="fr-BE" sz="1400" b="1" baseline="-25000" noProof="1"/>
+            </a:p>
+          </p:txBody>
+        </p:sp>
+      </p:grpSp>
+      <p:grpSp>
+        <p:nvGrpSpPr>
+          <p:cNvPr id="157" name="Groupe 156"/>
+          <p:cNvGrpSpPr/>
+          <p:nvPr/>
+        </p:nvGrpSpPr>
+        <p:grpSpPr>
+          <a:xfrm>
+            <a:off x="2483768" y="5320258"/>
+            <a:ext cx="4464496" cy="1202303"/>
+            <a:chOff x="2483768" y="5320258"/>
+            <a:chExt cx="4464496" cy="1202303"/>
+          </a:xfrm>
+        </p:grpSpPr>
+        <p:sp>
+          <p:nvSpPr>
+            <p:cNvPr id="137" name="ZoneTexte 136"/>
+            <p:cNvSpPr txBox="1"/>
+            <p:nvPr/>
+          </p:nvSpPr>
+          <p:spPr>
+            <a:xfrm flipH="1">
+              <a:off x="3861445" y="6337895"/>
+              <a:ext cx="726161" cy="184666"/>
+            </a:xfrm>
+            <a:prstGeom prst="rect">
+              <a:avLst/>
+            </a:prstGeom>
+            <a:solidFill>
+              <a:schemeClr val="bg1"/>
+            </a:solidFill>
+          </p:spPr>
+          <p:txBody>
+            <a:bodyPr wrap="none" lIns="0" tIns="0" rIns="0" bIns="0" rtlCol="0">
+              <a:spAutoFit/>
+            </a:bodyPr>
+            <a:lstStyle/>
+            <a:p>
+              <a:r>
+                <a:rPr lang="fr-BE" sz="1200" noProof="1" smtClean="0"/>
+                <a:t>Schedule</a:t>
+              </a:r>
+              <a:r>
+                <a:rPr lang="fr-BE" sz="1200" baseline="-25000" noProof="1" smtClean="0"/>
+                <a:t>end</a:t>
+              </a:r>
+              <a:endParaRPr lang="fr-BE" sz="1200" baseline="-25000" noProof="1"/>
+            </a:p>
+          </p:txBody>
+        </p:sp>
+        <p:sp>
+          <p:nvSpPr>
+            <p:cNvPr id="126" name="ZoneTexte 125"/>
+            <p:cNvSpPr txBox="1"/>
+            <p:nvPr/>
+          </p:nvSpPr>
+          <p:spPr>
+            <a:xfrm flipH="1">
+              <a:off x="3933453" y="5920705"/>
+              <a:ext cx="718338" cy="184666"/>
+            </a:xfrm>
+            <a:prstGeom prst="rect">
+              <a:avLst/>
+            </a:prstGeom>
+            <a:solidFill>
+              <a:schemeClr val="bg1"/>
+            </a:solidFill>
+          </p:spPr>
+          <p:txBody>
+            <a:bodyPr wrap="none" lIns="0" tIns="0" rIns="0" bIns="0" rtlCol="0">
+              <a:spAutoFit/>
+            </a:bodyPr>
+            <a:lstStyle/>
+            <a:p>
+              <a:r>
+                <a:rPr lang="fr-BE" sz="1200" noProof="1" smtClean="0"/>
+                <a:t>Arbitrate</a:t>
+              </a:r>
+              <a:r>
+                <a:rPr lang="fr-BE" sz="1200" baseline="-25000" noProof="1" smtClean="0"/>
+                <a:t>end</a:t>
+              </a:r>
+              <a:endParaRPr lang="fr-BE" sz="1200" baseline="-25000" noProof="1"/>
+            </a:p>
+          </p:txBody>
+        </p:sp>
+        <p:sp>
+          <p:nvSpPr>
+            <p:cNvPr id="93" name="Ellipse 92"/>
+            <p:cNvSpPr/>
+            <p:nvPr/>
+          </p:nvSpPr>
+          <p:spPr>
+            <a:xfrm flipH="1">
+              <a:off x="2627784" y="5824314"/>
+              <a:ext cx="216024" cy="216024"/>
+            </a:xfrm>
+            <a:prstGeom prst="ellipse">
+              <a:avLst/>
+            </a:prstGeom>
+            <a:ln w="22225"/>
+          </p:spPr>
+          <p:style>
+            <a:lnRef idx="2">
+              <a:schemeClr val="dk1"/>
+            </a:lnRef>
+            <a:fillRef idx="1">
+              <a:schemeClr val="lt1"/>
+            </a:fillRef>
+            <a:effectRef idx="0">
+              <a:schemeClr val="dk1"/>
+            </a:effectRef>
+            <a:fontRef idx="minor">
+              <a:schemeClr val="dk1"/>
+            </a:fontRef>
+          </p:style>
+          <p:txBody>
+            <a:bodyPr rtlCol="0" anchor="ctr"/>
+            <a:lstStyle/>
+            <a:p>
+              <a:pPr algn="ctr"/>
+              <a:endParaRPr lang="fr-BE" noProof="1"/>
+            </a:p>
+          </p:txBody>
+        </p:sp>
+        <p:sp>
+          <p:nvSpPr>
+            <p:cNvPr id="94" name="Ellipse 93"/>
+            <p:cNvSpPr/>
+            <p:nvPr/>
+          </p:nvSpPr>
+          <p:spPr>
+            <a:xfrm flipH="1">
+              <a:off x="3347864" y="5464274"/>
+              <a:ext cx="216024" cy="216024"/>
+            </a:xfrm>
+            <a:prstGeom prst="ellipse">
+              <a:avLst/>
+            </a:prstGeom>
+            <a:ln w="22225"/>
+          </p:spPr>
+          <p:style>
+            <a:lnRef idx="2">
+              <a:schemeClr val="dk1"/>
+            </a:lnRef>
+            <a:fillRef idx="1">
+              <a:schemeClr val="lt1"/>
+            </a:fillRef>
+            <a:effectRef idx="0">
+              <a:schemeClr val="dk1"/>
+            </a:effectRef>
+            <a:fontRef idx="minor">
+              <a:schemeClr val="dk1"/>
+            </a:fontRef>
+          </p:style>
+          <p:txBody>
+            <a:bodyPr rtlCol="0" anchor="ctr"/>
+            <a:lstStyle/>
+            <a:p>
+              <a:pPr algn="ctr"/>
+              <a:endParaRPr lang="fr-BE" noProof="1"/>
+            </a:p>
+          </p:txBody>
+        </p:sp>
+        <p:sp>
+          <p:nvSpPr>
+            <p:cNvPr id="95" name="Ellipse 94"/>
+            <p:cNvSpPr/>
+            <p:nvPr/>
+          </p:nvSpPr>
+          <p:spPr>
+            <a:xfrm flipH="1">
+              <a:off x="3851920" y="5464274"/>
+              <a:ext cx="216024" cy="216024"/>
+            </a:xfrm>
+            <a:prstGeom prst="ellipse">
+              <a:avLst/>
+            </a:prstGeom>
+            <a:ln w="22225"/>
+          </p:spPr>
+          <p:style>
+            <a:lnRef idx="2">
+              <a:schemeClr val="dk1"/>
+            </a:lnRef>
+            <a:fillRef idx="1">
+              <a:schemeClr val="lt1"/>
+            </a:fillRef>
+            <a:effectRef idx="0">
+              <a:schemeClr val="dk1"/>
+            </a:effectRef>
+            <a:fontRef idx="minor">
+              <a:schemeClr val="dk1"/>
+            </a:fontRef>
+          </p:style>
+          <p:txBody>
+            <a:bodyPr rtlCol="0" anchor="ctr"/>
+            <a:lstStyle/>
+            <a:p>
+              <a:pPr algn="ctr"/>
+              <a:endParaRPr lang="fr-BE" noProof="1"/>
+            </a:p>
+          </p:txBody>
+        </p:sp>
+        <p:cxnSp>
+          <p:nvCxnSpPr>
+            <p:cNvPr id="96" name="Connecteur droit avec flèche 55"/>
+            <p:cNvCxnSpPr>
+              <a:stCxn id="93" idx="2"/>
+              <a:endCxn id="94" idx="6"/>
+            </p:cNvCxnSpPr>
+            <p:nvPr/>
+          </p:nvCxnSpPr>
+          <p:spPr>
+            <a:xfrm flipV="1">
+              <a:off x="2843808" y="5572286"/>
+              <a:ext cx="504056" cy="360040"/>
+            </a:xfrm>
+            <a:prstGeom prst="straightConnector1">
+              <a:avLst/>
+            </a:prstGeom>
+            <a:ln w="22225">
+              <a:solidFill>
+                <a:schemeClr val="tx1"/>
+              </a:solidFill>
+              <a:tailEnd type="triangle" w="med" len="sm"/>
+            </a:ln>
+          </p:spPr>
+          <p:style>
+            <a:lnRef idx="1">
+              <a:schemeClr val="accent1"/>
+            </a:lnRef>
+            <a:fillRef idx="0">
+              <a:schemeClr val="accent1"/>
+            </a:fillRef>
+            <a:effectRef idx="0">
+              <a:schemeClr val="accent1"/>
+            </a:effectRef>
+            <a:fontRef idx="minor">
+              <a:schemeClr val="tx1"/>
+            </a:fontRef>
+          </p:style>
+        </p:cxnSp>
+        <p:cxnSp>
+          <p:nvCxnSpPr>
+            <p:cNvPr id="99" name="Connecteur droit avec flèche 55"/>
+            <p:cNvCxnSpPr>
+              <a:stCxn id="94" idx="2"/>
+              <a:endCxn id="95" idx="6"/>
+            </p:cNvCxnSpPr>
+            <p:nvPr/>
+          </p:nvCxnSpPr>
+          <p:spPr>
+            <a:xfrm>
+              <a:off x="3563888" y="5572286"/>
+              <a:ext cx="288032" cy="1588"/>
+            </a:xfrm>
+            <a:prstGeom prst="curvedConnector3">
+              <a:avLst>
+                <a:gd name="adj1" fmla="val 50000"/>
+              </a:avLst>
+            </a:prstGeom>
+            <a:ln w="22225">
+              <a:solidFill>
+                <a:schemeClr val="tx1"/>
+              </a:solidFill>
+              <a:tailEnd type="triangle" w="med" len="sm"/>
+            </a:ln>
+          </p:spPr>
+          <p:style>
+            <a:lnRef idx="1">
+              <a:schemeClr val="accent1"/>
+            </a:lnRef>
+            <a:fillRef idx="0">
+              <a:schemeClr val="accent1"/>
+            </a:fillRef>
+            <a:effectRef idx="0">
+              <a:schemeClr val="accent1"/>
+            </a:effectRef>
+            <a:fontRef idx="minor">
+              <a:schemeClr val="tx1"/>
+            </a:fontRef>
+          </p:style>
+        </p:cxnSp>
+        <p:sp>
+          <p:nvSpPr>
+            <p:cNvPr id="102" name="ZoneTexte 101"/>
+            <p:cNvSpPr txBox="1"/>
+            <p:nvPr/>
+          </p:nvSpPr>
+          <p:spPr>
+            <a:xfrm>
+              <a:off x="2555776" y="5495632"/>
+              <a:ext cx="617926" cy="184666"/>
+            </a:xfrm>
+            <a:prstGeom prst="rect">
+              <a:avLst/>
+            </a:prstGeom>
+            <a:solidFill>
+              <a:schemeClr val="bg1"/>
+            </a:solidFill>
+          </p:spPr>
+          <p:txBody>
+            <a:bodyPr wrap="none" lIns="0" tIns="0" rIns="0" bIns="0" rtlCol="0">
+              <a:spAutoFit/>
+            </a:bodyPr>
+            <a:lstStyle/>
+            <a:p>
+              <a:r>
+                <a:rPr lang="fr-BE" sz="1200" noProof="1" smtClean="0"/>
+                <a:t>Collect</a:t>
+              </a:r>
+              <a:r>
+                <a:rPr lang="fr-BE" sz="1200" baseline="-25000" noProof="1" smtClean="0"/>
+                <a:t>start</a:t>
+              </a:r>
+              <a:endParaRPr lang="fr-BE" sz="1200" baseline="-25000" noProof="1"/>
+            </a:p>
+          </p:txBody>
+        </p:sp>
+        <p:sp>
+          <p:nvSpPr>
+            <p:cNvPr id="103" name="Ellipse 102"/>
+            <p:cNvSpPr/>
+            <p:nvPr/>
+          </p:nvSpPr>
+          <p:spPr>
+            <a:xfrm flipH="1">
+              <a:off x="4788024" y="5464274"/>
+              <a:ext cx="216024" cy="216024"/>
+            </a:xfrm>
+            <a:prstGeom prst="ellipse">
+              <a:avLst/>
+            </a:prstGeom>
+            <a:ln w="22225"/>
+          </p:spPr>
+          <p:style>
+            <a:lnRef idx="2">
+              <a:schemeClr val="dk1"/>
+            </a:lnRef>
+            <a:fillRef idx="1">
+              <a:schemeClr val="lt1"/>
+            </a:fillRef>
+            <a:effectRef idx="0">
+              <a:schemeClr val="dk1"/>
+            </a:effectRef>
+            <a:fontRef idx="minor">
+              <a:schemeClr val="dk1"/>
+            </a:fontRef>
+          </p:style>
+          <p:txBody>
+            <a:bodyPr rtlCol="0" anchor="ctr"/>
+            <a:lstStyle/>
+            <a:p>
+              <a:pPr algn="ctr"/>
+              <a:endParaRPr lang="fr-BE" noProof="1"/>
+            </a:p>
+          </p:txBody>
+        </p:sp>
+        <p:cxnSp>
+          <p:nvCxnSpPr>
+            <p:cNvPr id="104" name="Connecteur droit avec flèche 55"/>
+            <p:cNvCxnSpPr>
+              <a:stCxn id="95" idx="2"/>
+              <a:endCxn id="103" idx="6"/>
+            </p:cNvCxnSpPr>
+            <p:nvPr/>
+          </p:nvCxnSpPr>
+          <p:spPr>
+            <a:xfrm>
+              <a:off x="4067944" y="5572286"/>
+              <a:ext cx="720080" cy="1588"/>
+            </a:xfrm>
+            <a:prstGeom prst="curvedConnector3">
+              <a:avLst>
+                <a:gd name="adj1" fmla="val 50000"/>
+              </a:avLst>
+            </a:prstGeom>
+            <a:ln w="22225">
+              <a:solidFill>
+                <a:schemeClr val="tx1"/>
+              </a:solidFill>
+              <a:tailEnd type="triangle" w="med" len="sm"/>
+            </a:ln>
+          </p:spPr>
+          <p:style>
+            <a:lnRef idx="1">
+              <a:schemeClr val="accent1"/>
+            </a:lnRef>
+            <a:fillRef idx="0">
+              <a:schemeClr val="accent1"/>
+            </a:fillRef>
+            <a:effectRef idx="0">
+              <a:schemeClr val="accent1"/>
+            </a:effectRef>
+            <a:fontRef idx="minor">
+              <a:schemeClr val="tx1"/>
+            </a:fontRef>
+          </p:style>
+        </p:cxnSp>
+        <p:sp>
+          <p:nvSpPr>
+            <p:cNvPr id="107" name="ZoneTexte 106"/>
+            <p:cNvSpPr txBox="1"/>
+            <p:nvPr/>
+          </p:nvSpPr>
+          <p:spPr>
+            <a:xfrm>
+              <a:off x="4116681" y="5367883"/>
+              <a:ext cx="586635" cy="184666"/>
+            </a:xfrm>
+            <a:prstGeom prst="rect">
+              <a:avLst/>
+            </a:prstGeom>
+            <a:solidFill>
+              <a:schemeClr val="bg1"/>
+            </a:solidFill>
+          </p:spPr>
+          <p:txBody>
+            <a:bodyPr wrap="none" lIns="0" tIns="0" rIns="0" bIns="0" rtlCol="0">
+              <a:spAutoFit/>
+            </a:bodyPr>
+            <a:lstStyle/>
+            <a:p>
+              <a:r>
+                <a:rPr lang="fr-BE" sz="1200" noProof="1" smtClean="0"/>
+                <a:t>Collect</a:t>
+              </a:r>
+              <a:r>
+                <a:rPr lang="fr-BE" sz="1200" baseline="-25000" noProof="1" smtClean="0"/>
+                <a:t>end</a:t>
+              </a:r>
+              <a:endParaRPr lang="fr-BE" sz="1200" baseline="-25000" noProof="1"/>
+            </a:p>
+          </p:txBody>
+        </p:sp>
+        <p:sp>
+          <p:nvSpPr>
+            <p:cNvPr id="108" name="Ellipse 107"/>
+            <p:cNvSpPr/>
+            <p:nvPr/>
+          </p:nvSpPr>
+          <p:spPr>
+            <a:xfrm flipH="1">
+              <a:off x="5940152" y="5464274"/>
+              <a:ext cx="216024" cy="216024"/>
+            </a:xfrm>
+            <a:prstGeom prst="ellipse">
+              <a:avLst/>
+            </a:prstGeom>
+            <a:ln w="22225"/>
+          </p:spPr>
+          <p:style>
+            <a:lnRef idx="2">
+              <a:schemeClr val="dk1"/>
+            </a:lnRef>
+            <a:fillRef idx="1">
+              <a:schemeClr val="lt1"/>
+            </a:fillRef>
+            <a:effectRef idx="0">
+              <a:schemeClr val="dk1"/>
+            </a:effectRef>
+            <a:fontRef idx="minor">
+              <a:schemeClr val="dk1"/>
+            </a:fontRef>
+          </p:style>
+          <p:txBody>
+            <a:bodyPr rtlCol="0" anchor="ctr"/>
+            <a:lstStyle/>
+            <a:p>
+              <a:pPr algn="ctr"/>
+              <a:endParaRPr lang="fr-BE" noProof="1"/>
+            </a:p>
+          </p:txBody>
+        </p:sp>
+        <p:cxnSp>
+          <p:nvCxnSpPr>
+            <p:cNvPr id="109" name="Connecteur droit avec flèche 55"/>
+            <p:cNvCxnSpPr>
+              <a:stCxn id="103" idx="2"/>
+              <a:endCxn id="108" idx="6"/>
+            </p:cNvCxnSpPr>
+            <p:nvPr/>
+          </p:nvCxnSpPr>
+          <p:spPr>
+            <a:xfrm>
+              <a:off x="5004048" y="5572286"/>
+              <a:ext cx="936104" cy="1588"/>
+            </a:xfrm>
+            <a:prstGeom prst="curvedConnector3">
+              <a:avLst>
+                <a:gd name="adj1" fmla="val 50000"/>
+              </a:avLst>
+            </a:prstGeom>
+            <a:ln w="22225">
+              <a:solidFill>
+                <a:schemeClr val="tx1"/>
+              </a:solidFill>
+              <a:tailEnd type="triangle" w="med" len="sm"/>
+            </a:ln>
+          </p:spPr>
+          <p:style>
+            <a:lnRef idx="1">
+              <a:schemeClr val="accent1"/>
+            </a:lnRef>
+            <a:fillRef idx="0">
+              <a:schemeClr val="accent1"/>
+            </a:fillRef>
+            <a:effectRef idx="0">
+              <a:schemeClr val="accent1"/>
+            </a:effectRef>
+            <a:fontRef idx="minor">
+              <a:schemeClr val="tx1"/>
+            </a:fontRef>
+          </p:style>
+        </p:cxnSp>
+        <p:sp>
+          <p:nvSpPr>
+            <p:cNvPr id="111" name="ZoneTexte 110"/>
+            <p:cNvSpPr txBox="1"/>
+            <p:nvPr/>
+          </p:nvSpPr>
+          <p:spPr>
+            <a:xfrm flipH="1">
+              <a:off x="5042148" y="5367883"/>
+              <a:ext cx="747962" cy="184666"/>
+            </a:xfrm>
+            <a:prstGeom prst="rect">
+              <a:avLst/>
+            </a:prstGeom>
+            <a:solidFill>
+              <a:schemeClr val="bg1"/>
+            </a:solidFill>
+          </p:spPr>
+          <p:txBody>
+            <a:bodyPr wrap="none" lIns="0" tIns="0" rIns="0" bIns="0" rtlCol="0">
+              <a:spAutoFit/>
+            </a:bodyPr>
+            <a:lstStyle/>
+            <a:p>
+              <a:r>
+                <a:rPr lang="fr-BE" sz="1200" noProof="1" smtClean="0"/>
+                <a:t>Arbitrate</a:t>
+              </a:r>
+              <a:r>
+                <a:rPr lang="fr-BE" sz="1200" baseline="-25000" noProof="1" smtClean="0"/>
+                <a:t>start</a:t>
+              </a:r>
+              <a:endParaRPr lang="fr-BE" sz="1200" baseline="-25000" noProof="1"/>
+            </a:p>
+          </p:txBody>
+        </p:sp>
+        <p:sp>
+          <p:nvSpPr>
+            <p:cNvPr id="112" name="Ellipse 111"/>
+            <p:cNvSpPr/>
+            <p:nvPr/>
+          </p:nvSpPr>
+          <p:spPr>
+            <a:xfrm flipH="1">
+              <a:off x="5148064" y="5824314"/>
+              <a:ext cx="216024" cy="216024"/>
+            </a:xfrm>
+            <a:prstGeom prst="ellipse">
+              <a:avLst/>
+            </a:prstGeom>
+            <a:ln w="22225"/>
+          </p:spPr>
+          <p:style>
+            <a:lnRef idx="2">
+              <a:schemeClr val="dk1"/>
+            </a:lnRef>
+            <a:fillRef idx="1">
+              <a:schemeClr val="lt1"/>
+            </a:fillRef>
+            <a:effectRef idx="0">
+              <a:schemeClr val="dk1"/>
+            </a:effectRef>
+            <a:fontRef idx="minor">
+              <a:schemeClr val="dk1"/>
+            </a:fontRef>
+          </p:style>
+          <p:txBody>
+            <a:bodyPr rtlCol="0" anchor="ctr"/>
+            <a:lstStyle/>
+            <a:p>
+              <a:pPr algn="ctr"/>
+              <a:endParaRPr lang="fr-BE" noProof="1"/>
+            </a:p>
+          </p:txBody>
+        </p:sp>
+        <p:cxnSp>
+          <p:nvCxnSpPr>
+            <p:cNvPr id="113" name="Connecteur droit avec flèche 55"/>
+            <p:cNvCxnSpPr>
+              <a:stCxn id="108" idx="4"/>
+              <a:endCxn id="112" idx="2"/>
+            </p:cNvCxnSpPr>
+            <p:nvPr/>
+          </p:nvCxnSpPr>
+          <p:spPr>
+            <a:xfrm rot="5400000">
+              <a:off x="5580112" y="5464274"/>
+              <a:ext cx="252028" cy="684076"/>
+            </a:xfrm>
+            <a:prstGeom prst="curvedConnector2">
+              <a:avLst/>
+            </a:prstGeom>
+            <a:ln w="22225">
+              <a:solidFill>
+                <a:schemeClr val="tx1"/>
+              </a:solidFill>
+              <a:tailEnd type="triangle" w="med" len="sm"/>
+            </a:ln>
+          </p:spPr>
+          <p:style>
+            <a:lnRef idx="1">
+              <a:schemeClr val="accent1"/>
+            </a:lnRef>
+            <a:fillRef idx="0">
+              <a:schemeClr val="accent1"/>
+            </a:fillRef>
+            <a:effectRef idx="0">
+              <a:schemeClr val="accent1"/>
+            </a:effectRef>
+            <a:fontRef idx="minor">
+              <a:schemeClr val="tx1"/>
+            </a:fontRef>
+          </p:style>
+        </p:cxnSp>
+        <p:sp>
+          <p:nvSpPr>
+            <p:cNvPr id="116" name="ZoneTexte 115"/>
+            <p:cNvSpPr txBox="1"/>
+            <p:nvPr/>
+          </p:nvSpPr>
+          <p:spPr>
+            <a:xfrm flipH="1">
+              <a:off x="3635896" y="5320258"/>
+              <a:ext cx="159783" cy="215444"/>
+            </a:xfrm>
+            <a:prstGeom prst="rect">
+              <a:avLst/>
+            </a:prstGeom>
+            <a:noFill/>
+          </p:spPr>
+          <p:txBody>
+            <a:bodyPr wrap="none" lIns="18000" tIns="0" rIns="18000" bIns="0" rtlCol="0">
+              <a:spAutoFit/>
+            </a:bodyPr>
+            <a:lstStyle/>
+            <a:p>
+              <a:r>
+                <a:rPr lang="fr-BE" sz="1400" noProof="1" smtClean="0"/>
+                <a:t>…</a:t>
+              </a:r>
+              <a:endParaRPr lang="fr-BE" sz="1400" noProof="1"/>
+            </a:p>
+          </p:txBody>
+        </p:sp>
+        <p:sp>
+          <p:nvSpPr>
+            <p:cNvPr id="117" name="ZoneTexte 116"/>
+            <p:cNvSpPr txBox="1"/>
+            <p:nvPr/>
+          </p:nvSpPr>
+          <p:spPr>
+            <a:xfrm flipH="1">
+              <a:off x="5580112" y="5689823"/>
+              <a:ext cx="159783" cy="215444"/>
+            </a:xfrm>
+            <a:prstGeom prst="rect">
+              <a:avLst/>
+            </a:prstGeom>
+            <a:noFill/>
+          </p:spPr>
+          <p:txBody>
+            <a:bodyPr wrap="none" lIns="18000" tIns="0" rIns="18000" bIns="0" rtlCol="0">
+              <a:spAutoFit/>
+            </a:bodyPr>
+            <a:lstStyle/>
+            <a:p>
+              <a:r>
+                <a:rPr lang="fr-BE" sz="1400" noProof="1" smtClean="0"/>
+                <a:t>…</a:t>
+              </a:r>
+              <a:endParaRPr lang="fr-BE" sz="1400" noProof="1"/>
+            </a:p>
+          </p:txBody>
+        </p:sp>
+        <p:cxnSp>
+          <p:nvCxnSpPr>
+            <p:cNvPr id="118" name="Connecteur droit avec flèche 55"/>
+            <p:cNvCxnSpPr>
+              <a:stCxn id="112" idx="6"/>
+              <a:endCxn id="93" idx="2"/>
+            </p:cNvCxnSpPr>
+            <p:nvPr/>
+          </p:nvCxnSpPr>
+          <p:spPr>
+            <a:xfrm rot="10800000">
+              <a:off x="2843808" y="5932326"/>
+              <a:ext cx="2304256" cy="1588"/>
+            </a:xfrm>
+            <a:prstGeom prst="straightConnector1">
+              <a:avLst/>
+            </a:prstGeom>
+            <a:ln w="22225">
+              <a:solidFill>
+                <a:schemeClr val="tx1"/>
+              </a:solidFill>
+              <a:tailEnd type="triangle" w="med" len="sm"/>
+            </a:ln>
+          </p:spPr>
+          <p:style>
+            <a:lnRef idx="1">
+              <a:schemeClr val="accent1"/>
+            </a:lnRef>
+            <a:fillRef idx="0">
+              <a:schemeClr val="accent1"/>
+            </a:fillRef>
+            <a:effectRef idx="0">
+              <a:schemeClr val="accent1"/>
+            </a:effectRef>
+            <a:fontRef idx="minor">
+              <a:schemeClr val="tx1"/>
+            </a:fontRef>
+          </p:style>
+        </p:cxnSp>
+        <p:sp>
+          <p:nvSpPr>
+            <p:cNvPr id="132" name="Ellipse 131"/>
+            <p:cNvSpPr/>
+            <p:nvPr/>
+          </p:nvSpPr>
+          <p:spPr>
+            <a:xfrm flipH="1">
+              <a:off x="3275856" y="6237312"/>
+              <a:ext cx="216024" cy="216024"/>
+            </a:xfrm>
+            <a:prstGeom prst="ellipse">
+              <a:avLst/>
+            </a:prstGeom>
+            <a:ln w="22225"/>
+          </p:spPr>
+          <p:style>
+            <a:lnRef idx="2">
+              <a:schemeClr val="dk1"/>
+            </a:lnRef>
+            <a:fillRef idx="1">
+              <a:schemeClr val="lt1"/>
+            </a:fillRef>
+            <a:effectRef idx="0">
+              <a:schemeClr val="dk1"/>
+            </a:effectRef>
+            <a:fontRef idx="minor">
+              <a:schemeClr val="dk1"/>
+            </a:fontRef>
+          </p:style>
+          <p:txBody>
+            <a:bodyPr rtlCol="0" anchor="ctr"/>
+            <a:lstStyle/>
+            <a:p>
+              <a:pPr algn="ctr"/>
+              <a:endParaRPr lang="fr-BE" noProof="1"/>
+            </a:p>
+          </p:txBody>
+        </p:sp>
+        <p:sp>
+          <p:nvSpPr>
+            <p:cNvPr id="133" name="Ellipse 132"/>
+            <p:cNvSpPr/>
+            <p:nvPr/>
+          </p:nvSpPr>
+          <p:spPr>
+            <a:xfrm flipH="1">
+              <a:off x="5220072" y="6237312"/>
+              <a:ext cx="216024" cy="216024"/>
+            </a:xfrm>
+            <a:prstGeom prst="ellipse">
+              <a:avLst/>
+            </a:prstGeom>
+            <a:ln w="22225"/>
+          </p:spPr>
+          <p:style>
+            <a:lnRef idx="2">
+              <a:schemeClr val="dk1"/>
+            </a:lnRef>
+            <a:fillRef idx="1">
+              <a:schemeClr val="lt1"/>
+            </a:fillRef>
+            <a:effectRef idx="0">
+              <a:schemeClr val="dk1"/>
+            </a:effectRef>
+            <a:fontRef idx="minor">
+              <a:schemeClr val="dk1"/>
+            </a:fontRef>
+          </p:style>
+          <p:txBody>
+            <a:bodyPr rtlCol="0" anchor="ctr"/>
+            <a:lstStyle/>
+            <a:p>
+              <a:pPr algn="ctr"/>
+              <a:endParaRPr lang="fr-BE" noProof="1"/>
+            </a:p>
+          </p:txBody>
+        </p:sp>
+        <p:cxnSp>
+          <p:nvCxnSpPr>
+            <p:cNvPr id="134" name="Connecteur droit avec flèche 55"/>
+            <p:cNvCxnSpPr>
+              <a:stCxn id="140" idx="5"/>
+              <a:endCxn id="133" idx="2"/>
+            </p:cNvCxnSpPr>
+            <p:nvPr/>
+          </p:nvCxnSpPr>
+          <p:spPr>
+            <a:xfrm rot="5400000">
+              <a:off x="5598114" y="6043658"/>
+              <a:ext cx="139648" cy="463684"/>
+            </a:xfrm>
+            <a:prstGeom prst="curvedConnector2">
+              <a:avLst/>
+            </a:prstGeom>
+            <a:ln w="22225">
+              <a:solidFill>
+                <a:schemeClr val="tx1"/>
+              </a:solidFill>
+              <a:tailEnd type="triangle" w="med" len="sm"/>
+            </a:ln>
+          </p:spPr>
+          <p:style>
+            <a:lnRef idx="1">
+              <a:schemeClr val="accent1"/>
+            </a:lnRef>
+            <a:fillRef idx="0">
+              <a:schemeClr val="accent1"/>
+            </a:fillRef>
+            <a:effectRef idx="0">
+              <a:schemeClr val="accent1"/>
+            </a:effectRef>
+            <a:fontRef idx="minor">
+              <a:schemeClr val="tx1"/>
+            </a:fontRef>
+          </p:style>
+        </p:cxnSp>
+        <p:sp>
+          <p:nvSpPr>
+            <p:cNvPr id="135" name="ZoneTexte 134"/>
+            <p:cNvSpPr txBox="1"/>
+            <p:nvPr/>
+          </p:nvSpPr>
+          <p:spPr>
+            <a:xfrm flipH="1">
+              <a:off x="5652120" y="6231979"/>
+              <a:ext cx="159783" cy="215444"/>
+            </a:xfrm>
+            <a:prstGeom prst="rect">
+              <a:avLst/>
+            </a:prstGeom>
+            <a:noFill/>
+          </p:spPr>
+          <p:txBody>
+            <a:bodyPr wrap="none" lIns="18000" tIns="0" rIns="18000" bIns="0" rtlCol="0">
+              <a:spAutoFit/>
+            </a:bodyPr>
+            <a:lstStyle/>
+            <a:p>
+              <a:r>
+                <a:rPr lang="fr-BE" sz="1400" noProof="1" smtClean="0"/>
+                <a:t>…</a:t>
+              </a:r>
+              <a:endParaRPr lang="fr-BE" sz="1400" noProof="1"/>
+            </a:p>
+          </p:txBody>
+        </p:sp>
+        <p:cxnSp>
+          <p:nvCxnSpPr>
+            <p:cNvPr id="136" name="Connecteur droit avec flèche 55"/>
+            <p:cNvCxnSpPr>
+              <a:stCxn id="133" idx="6"/>
+              <a:endCxn id="132" idx="2"/>
+            </p:cNvCxnSpPr>
+            <p:nvPr/>
+          </p:nvCxnSpPr>
+          <p:spPr>
+            <a:xfrm rot="10800000">
+              <a:off x="3491880" y="6345324"/>
+              <a:ext cx="1728192" cy="1588"/>
+            </a:xfrm>
+            <a:prstGeom prst="straightConnector1">
+              <a:avLst/>
+            </a:prstGeom>
+            <a:ln w="22225">
+              <a:solidFill>
+                <a:schemeClr val="tx1"/>
+              </a:solidFill>
+              <a:tailEnd type="triangle" w="med" len="sm"/>
+            </a:ln>
+          </p:spPr>
+          <p:style>
+            <a:lnRef idx="1">
+              <a:schemeClr val="accent1"/>
+            </a:lnRef>
+            <a:fillRef idx="0">
+              <a:schemeClr val="accent1"/>
+            </a:fillRef>
+            <a:effectRef idx="0">
+              <a:schemeClr val="accent1"/>
+            </a:effectRef>
+            <a:fontRef idx="minor">
+              <a:schemeClr val="tx1"/>
+            </a:fontRef>
+          </p:style>
+        </p:cxnSp>
+        <p:sp>
+          <p:nvSpPr>
+            <p:cNvPr id="140" name="Ellipse 139"/>
+            <p:cNvSpPr/>
+            <p:nvPr/>
+          </p:nvSpPr>
+          <p:spPr>
+            <a:xfrm flipH="1">
+              <a:off x="5868144" y="6021288"/>
+              <a:ext cx="216024" cy="216024"/>
+            </a:xfrm>
+            <a:prstGeom prst="ellipse">
+              <a:avLst/>
+            </a:prstGeom>
+            <a:ln w="22225"/>
+          </p:spPr>
+          <p:style>
+            <a:lnRef idx="2">
+              <a:schemeClr val="dk1"/>
+            </a:lnRef>
+            <a:fillRef idx="1">
+              <a:schemeClr val="lt1"/>
+            </a:fillRef>
+            <a:effectRef idx="0">
+              <a:schemeClr val="dk1"/>
+            </a:effectRef>
+            <a:fontRef idx="minor">
+              <a:schemeClr val="dk1"/>
+            </a:fontRef>
+          </p:style>
+          <p:txBody>
+            <a:bodyPr rtlCol="0" anchor="ctr"/>
+            <a:lstStyle/>
+            <a:p>
+              <a:pPr algn="ctr"/>
+              <a:endParaRPr lang="fr-BE" noProof="1"/>
+            </a:p>
+          </p:txBody>
+        </p:sp>
+        <p:cxnSp>
+          <p:nvCxnSpPr>
+            <p:cNvPr id="142" name="Connecteur droit avec flèche 55"/>
+            <p:cNvCxnSpPr>
+              <a:stCxn id="108" idx="3"/>
+              <a:endCxn id="140" idx="1"/>
+            </p:cNvCxnSpPr>
+            <p:nvPr/>
+          </p:nvCxnSpPr>
+          <p:spPr>
+            <a:xfrm rot="5400000">
+              <a:off x="5886405" y="5814789"/>
+              <a:ext cx="404262" cy="72008"/>
+            </a:xfrm>
+            <a:prstGeom prst="curvedConnector3">
+              <a:avLst>
+                <a:gd name="adj1" fmla="val 50000"/>
+              </a:avLst>
+            </a:prstGeom>
+            <a:ln w="22225">
+              <a:solidFill>
+                <a:schemeClr val="tx1"/>
+              </a:solidFill>
+              <a:tailEnd type="triangle" w="med" len="sm"/>
+            </a:ln>
+          </p:spPr>
+          <p:style>
+            <a:lnRef idx="1">
+              <a:schemeClr val="accent1"/>
+            </a:lnRef>
+            <a:fillRef idx="0">
+              <a:schemeClr val="accent1"/>
+            </a:fillRef>
+            <a:effectRef idx="0">
+              <a:schemeClr val="accent1"/>
+            </a:effectRef>
+            <a:fontRef idx="minor">
+              <a:schemeClr val="tx1"/>
+            </a:fontRef>
+          </p:style>
+        </p:cxnSp>
+        <p:sp>
+          <p:nvSpPr>
+            <p:cNvPr id="147" name="ZoneTexte 146"/>
+            <p:cNvSpPr txBox="1"/>
+            <p:nvPr/>
+          </p:nvSpPr>
+          <p:spPr>
+            <a:xfrm flipH="1">
+              <a:off x="6192480" y="5805264"/>
+              <a:ext cx="755784" cy="184666"/>
+            </a:xfrm>
+            <a:prstGeom prst="rect">
+              <a:avLst/>
+            </a:prstGeom>
+            <a:solidFill>
+              <a:schemeClr val="bg1"/>
+            </a:solidFill>
+          </p:spPr>
+          <p:txBody>
+            <a:bodyPr wrap="none" lIns="0" tIns="0" rIns="0" bIns="0" rtlCol="0">
+              <a:spAutoFit/>
+            </a:bodyPr>
+            <a:lstStyle/>
+            <a:p>
+              <a:r>
+                <a:rPr lang="fr-BE" sz="1200" noProof="1" smtClean="0"/>
+                <a:t>Schedule</a:t>
+              </a:r>
+              <a:r>
+                <a:rPr lang="fr-BE" sz="1200" baseline="-25000" noProof="1" smtClean="0"/>
+                <a:t>start</a:t>
+              </a:r>
+              <a:endParaRPr lang="fr-BE" sz="1200" baseline="-25000" noProof="1"/>
+            </a:p>
+          </p:txBody>
+        </p:sp>
+        <p:cxnSp>
+          <p:nvCxnSpPr>
+            <p:cNvPr id="150" name="Connecteur droit avec flèche 7"/>
+            <p:cNvCxnSpPr>
+              <a:endCxn id="93" idx="5"/>
+            </p:cNvCxnSpPr>
+            <p:nvPr/>
+          </p:nvCxnSpPr>
+          <p:spPr>
+            <a:xfrm flipV="1">
+              <a:off x="2483768" y="6008702"/>
+              <a:ext cx="175652" cy="156602"/>
+            </a:xfrm>
+            <a:prstGeom prst="straightConnector1">
+              <a:avLst/>
+            </a:prstGeom>
+            <a:ln w="22225">
+              <a:tailEnd type="triangle" w="med" len="lg"/>
+            </a:ln>
+          </p:spPr>
+          <p:style>
+            <a:lnRef idx="1">
+              <a:schemeClr val="dk1"/>
+            </a:lnRef>
+            <a:fillRef idx="0">
+              <a:schemeClr val="dk1"/>
+            </a:fillRef>
+            <a:effectRef idx="0">
+              <a:schemeClr val="dk1"/>
+            </a:effectRef>
+            <a:fontRef idx="minor">
+              <a:schemeClr val="tx1"/>
+            </a:fontRef>
+          </p:style>
+        </p:cxnSp>
       </p:grpSp>
     </p:spTree>
   </p:cSld>
@@ -22353,10 +25331,6 @@
                   <a:rPr lang="fr-BE" sz="1000" noProof="1" smtClean="0"/>
                   <a:t>Initiate</a:t>
                 </a:r>
-                <a:r>
-                  <a:rPr lang="fr-BE" sz="1000" noProof="1" smtClean="0"/>
-                  <a:t/>
-                </a:r>
                 <a:br>
                   <a:rPr lang="fr-BE" sz="1000" noProof="1" smtClean="0"/>
                 </a:br>
@@ -22697,10 +25671,6 @@
                 <a:r>
                   <a:rPr lang="fr-BE" sz="1000" noProof="1" smtClean="0"/>
                   <a:t>Initiate</a:t>
-                </a:r>
-                <a:r>
-                  <a:rPr lang="fr-BE" sz="1000" noProof="1" smtClean="0"/>
-                  <a:t/>
                 </a:r>
                 <a:br>
                   <a:rPr lang="fr-BE" sz="1000" noProof="1" smtClean="0"/>

--- a/writing/images/train.pptx
+++ b/writing/images/train.pptx
@@ -5,7 +5,7 @@
     <p:sldMasterId id="2147483648" r:id="rId1"/>
   </p:sldMasterIdLst>
   <p:notesMasterIdLst>
-    <p:notesMasterId r:id="rId13"/>
+    <p:notesMasterId r:id="rId14"/>
   </p:notesMasterIdLst>
   <p:sldIdLst>
     <p:sldId id="256" r:id="rId2"/>
@@ -18,7 +18,8 @@
     <p:sldId id="265" r:id="rId9"/>
     <p:sldId id="267" r:id="rId10"/>
     <p:sldId id="266" r:id="rId11"/>
-    <p:sldId id="268" r:id="rId12"/>
+    <p:sldId id="269" r:id="rId12"/>
+    <p:sldId id="268" r:id="rId13"/>
   </p:sldIdLst>
   <p:sldSz cx="9144000" cy="6858000" type="screen4x3"/>
   <p:notesSz cx="6858000" cy="9144000"/>
@@ -203,7 +204,7 @@
             <a:fld id="{1A5CA47D-05BA-47C5-ACE1-040A60204EDF}" type="datetimeFigureOut">
               <a:rPr lang="fr-FR" smtClean="0"/>
               <a:pPr/>
-              <a:t>07/07/2011</a:t>
+              <a:t>08/07/2011</a:t>
             </a:fld>
             <a:endParaRPr lang="fr-BE"/>
           </a:p>
@@ -733,7 +734,7 @@
             <a:fld id="{68BDF4EC-5B70-45D8-B718-E56EB4C6B13E}" type="datetimeFigureOut">
               <a:rPr lang="fr-BE" smtClean="0"/>
               <a:pPr/>
-              <a:t>7/07/2011</a:t>
+              <a:t>8/07/2011</a:t>
             </a:fld>
             <a:endParaRPr lang="fr-BE"/>
           </a:p>
@@ -900,7 +901,7 @@
             <a:fld id="{68BDF4EC-5B70-45D8-B718-E56EB4C6B13E}" type="datetimeFigureOut">
               <a:rPr lang="fr-BE" smtClean="0"/>
               <a:pPr/>
-              <a:t>7/07/2011</a:t>
+              <a:t>8/07/2011</a:t>
             </a:fld>
             <a:endParaRPr lang="fr-BE"/>
           </a:p>
@@ -1077,7 +1078,7 @@
             <a:fld id="{68BDF4EC-5B70-45D8-B718-E56EB4C6B13E}" type="datetimeFigureOut">
               <a:rPr lang="fr-BE" smtClean="0"/>
               <a:pPr/>
-              <a:t>7/07/2011</a:t>
+              <a:t>8/07/2011</a:t>
             </a:fld>
             <a:endParaRPr lang="fr-BE"/>
           </a:p>
@@ -1244,7 +1245,7 @@
             <a:fld id="{68BDF4EC-5B70-45D8-B718-E56EB4C6B13E}" type="datetimeFigureOut">
               <a:rPr lang="fr-BE" smtClean="0"/>
               <a:pPr/>
-              <a:t>7/07/2011</a:t>
+              <a:t>8/07/2011</a:t>
             </a:fld>
             <a:endParaRPr lang="fr-BE"/>
           </a:p>
@@ -1487,7 +1488,7 @@
             <a:fld id="{68BDF4EC-5B70-45D8-B718-E56EB4C6B13E}" type="datetimeFigureOut">
               <a:rPr lang="fr-BE" smtClean="0"/>
               <a:pPr/>
-              <a:t>7/07/2011</a:t>
+              <a:t>8/07/2011</a:t>
             </a:fld>
             <a:endParaRPr lang="fr-BE"/>
           </a:p>
@@ -1772,7 +1773,7 @@
             <a:fld id="{68BDF4EC-5B70-45D8-B718-E56EB4C6B13E}" type="datetimeFigureOut">
               <a:rPr lang="fr-BE" smtClean="0"/>
               <a:pPr/>
-              <a:t>7/07/2011</a:t>
+              <a:t>8/07/2011</a:t>
             </a:fld>
             <a:endParaRPr lang="fr-BE"/>
           </a:p>
@@ -2191,7 +2192,7 @@
             <a:fld id="{68BDF4EC-5B70-45D8-B718-E56EB4C6B13E}" type="datetimeFigureOut">
               <a:rPr lang="fr-BE" smtClean="0"/>
               <a:pPr/>
-              <a:t>7/07/2011</a:t>
+              <a:t>8/07/2011</a:t>
             </a:fld>
             <a:endParaRPr lang="fr-BE"/>
           </a:p>
@@ -2306,7 +2307,7 @@
             <a:fld id="{68BDF4EC-5B70-45D8-B718-E56EB4C6B13E}" type="datetimeFigureOut">
               <a:rPr lang="fr-BE" smtClean="0"/>
               <a:pPr/>
-              <a:t>7/07/2011</a:t>
+              <a:t>8/07/2011</a:t>
             </a:fld>
             <a:endParaRPr lang="fr-BE"/>
           </a:p>
@@ -2398,7 +2399,7 @@
             <a:fld id="{68BDF4EC-5B70-45D8-B718-E56EB4C6B13E}" type="datetimeFigureOut">
               <a:rPr lang="fr-BE" smtClean="0"/>
               <a:pPr/>
-              <a:t>7/07/2011</a:t>
+              <a:t>8/07/2011</a:t>
             </a:fld>
             <a:endParaRPr lang="fr-BE"/>
           </a:p>
@@ -2672,7 +2673,7 @@
             <a:fld id="{68BDF4EC-5B70-45D8-B718-E56EB4C6B13E}" type="datetimeFigureOut">
               <a:rPr lang="fr-BE" smtClean="0"/>
               <a:pPr/>
-              <a:t>7/07/2011</a:t>
+              <a:t>8/07/2011</a:t>
             </a:fld>
             <a:endParaRPr lang="fr-BE"/>
           </a:p>
@@ -2922,7 +2923,7 @@
             <a:fld id="{68BDF4EC-5B70-45D8-B718-E56EB4C6B13E}" type="datetimeFigureOut">
               <a:rPr lang="fr-BE" smtClean="0"/>
               <a:pPr/>
-              <a:t>7/07/2011</a:t>
+              <a:t>8/07/2011</a:t>
             </a:fld>
             <a:endParaRPr lang="fr-BE"/>
           </a:p>
@@ -3132,7 +3133,7 @@
             <a:fld id="{68BDF4EC-5B70-45D8-B718-E56EB4C6B13E}" type="datetimeFigureOut">
               <a:rPr lang="fr-BE" smtClean="0"/>
               <a:pPr/>
-              <a:t>7/07/2011</a:t>
+              <a:t>8/07/2011</a:t>
             </a:fld>
             <a:endParaRPr lang="fr-BE"/>
           </a:p>
@@ -6568,13 +6569,13 @@
       </p:grpSpPr>
       <p:grpSp>
         <p:nvGrpSpPr>
-          <p:cNvPr id="158" name="Groupe 157"/>
+          <p:cNvPr id="4" name="Groupe 3"/>
           <p:cNvGrpSpPr/>
           <p:nvPr/>
         </p:nvGrpSpPr>
         <p:grpSpPr>
           <a:xfrm>
-            <a:off x="2866033" y="476672"/>
+            <a:off x="611560" y="404664"/>
             <a:ext cx="3699966" cy="1728192"/>
             <a:chOff x="2813855" y="476672"/>
             <a:chExt cx="3699966" cy="1728192"/>
@@ -7055,7 +7056,7 @@
           </p:grpSpPr>
           <p:sp>
             <p:nvSpPr>
-              <p:cNvPr id="17" name="Ellipse 16"/>
+              <p:cNvPr id="19" name="Ellipse 18"/>
               <p:cNvSpPr/>
               <p:nvPr/>
             </p:nvSpPr>
@@ -7095,7 +7096,7 @@
           </p:sp>
           <p:sp>
             <p:nvSpPr>
-              <p:cNvPr id="18" name="Ellipse 17"/>
+              <p:cNvPr id="20" name="Ellipse 19"/>
               <p:cNvSpPr/>
               <p:nvPr/>
             </p:nvSpPr>
@@ -7139,7 +7140,7 @@
         </p:grpSp>
         <p:sp>
           <p:nvSpPr>
-            <p:cNvPr id="19" name="ZoneTexte 18"/>
+            <p:cNvPr id="17" name="ZoneTexte 16"/>
             <p:cNvSpPr txBox="1"/>
             <p:nvPr/>
           </p:nvSpPr>
@@ -7171,7 +7172,7 @@
         </p:sp>
         <p:sp>
           <p:nvSpPr>
-            <p:cNvPr id="25" name="ZoneTexte 24"/>
+            <p:cNvPr id="18" name="ZoneTexte 17"/>
             <p:cNvSpPr txBox="1"/>
             <p:nvPr/>
           </p:nvSpPr>
@@ -7204,13 +7205,13 @@
       </p:grpSp>
       <p:grpSp>
         <p:nvGrpSpPr>
-          <p:cNvPr id="91" name="Groupe 90"/>
+          <p:cNvPr id="21" name="Groupe 20"/>
           <p:cNvGrpSpPr/>
           <p:nvPr/>
         </p:nvGrpSpPr>
         <p:grpSpPr>
           <a:xfrm>
-            <a:off x="2918937" y="2636912"/>
+            <a:off x="3171265" y="2636912"/>
             <a:ext cx="3594158" cy="2088232"/>
             <a:chOff x="2706034" y="2132856"/>
             <a:chExt cx="3594158" cy="2088232"/>
@@ -7218,7 +7219,7 @@
         </p:grpSpPr>
         <p:sp>
           <p:nvSpPr>
-            <p:cNvPr id="26" name="Ellipse 25"/>
+            <p:cNvPr id="22" name="Ellipse 21"/>
             <p:cNvSpPr/>
             <p:nvPr/>
           </p:nvSpPr>
@@ -7257,7 +7258,7 @@
         </p:sp>
         <p:sp>
           <p:nvSpPr>
-            <p:cNvPr id="27" name="Ellipse 26"/>
+            <p:cNvPr id="23" name="Ellipse 22"/>
             <p:cNvSpPr/>
             <p:nvPr/>
           </p:nvSpPr>
@@ -7296,7 +7297,7 @@
         </p:sp>
         <p:sp>
           <p:nvSpPr>
-            <p:cNvPr id="28" name="Ellipse 27"/>
+            <p:cNvPr id="24" name="Ellipse 23"/>
             <p:cNvSpPr/>
             <p:nvPr/>
           </p:nvSpPr>
@@ -7335,7 +7336,7 @@
         </p:sp>
         <p:sp>
           <p:nvSpPr>
-            <p:cNvPr id="29" name="Ellipse 28"/>
+            <p:cNvPr id="25" name="Ellipse 24"/>
             <p:cNvSpPr/>
             <p:nvPr/>
           </p:nvSpPr>
@@ -7374,10 +7375,10 @@
         </p:sp>
         <p:cxnSp>
           <p:nvCxnSpPr>
-            <p:cNvPr id="30" name="Connecteur droit avec flèche 29"/>
+            <p:cNvPr id="26" name="Connecteur droit avec flèche 25"/>
             <p:cNvCxnSpPr>
-              <a:stCxn id="26" idx="6"/>
-              <a:endCxn id="27" idx="2"/>
+              <a:stCxn id="22" idx="6"/>
+              <a:endCxn id="23" idx="2"/>
             </p:cNvCxnSpPr>
             <p:nvPr/>
           </p:nvCxnSpPr>
@@ -7413,10 +7414,10 @@
         </p:cxnSp>
         <p:cxnSp>
           <p:nvCxnSpPr>
-            <p:cNvPr id="31" name="Connecteur droit avec flèche 30"/>
+            <p:cNvPr id="27" name="Connecteur droit avec flèche 26"/>
             <p:cNvCxnSpPr>
-              <a:stCxn id="27" idx="4"/>
-              <a:endCxn id="28" idx="0"/>
+              <a:stCxn id="23" idx="4"/>
+              <a:endCxn id="24" idx="0"/>
             </p:cNvCxnSpPr>
             <p:nvPr/>
           </p:nvCxnSpPr>
@@ -7452,10 +7453,10 @@
         </p:cxnSp>
         <p:cxnSp>
           <p:nvCxnSpPr>
-            <p:cNvPr id="32" name="Connecteur droit avec flèche 31"/>
+            <p:cNvPr id="28" name="Connecteur droit avec flèche 27"/>
             <p:cNvCxnSpPr>
-              <a:stCxn id="28" idx="2"/>
-              <a:endCxn id="29" idx="6"/>
+              <a:stCxn id="24" idx="2"/>
+              <a:endCxn id="25" idx="6"/>
             </p:cNvCxnSpPr>
             <p:nvPr/>
           </p:nvCxnSpPr>
@@ -7491,7 +7492,7 @@
         </p:cxnSp>
         <p:sp>
           <p:nvSpPr>
-            <p:cNvPr id="33" name="ZoneTexte 32"/>
+            <p:cNvPr id="29" name="ZoneTexte 28"/>
             <p:cNvSpPr txBox="1"/>
             <p:nvPr/>
           </p:nvSpPr>
@@ -7521,7 +7522,7 @@
         </p:sp>
         <p:sp>
           <p:nvSpPr>
-            <p:cNvPr id="34" name="ZoneTexte 33"/>
+            <p:cNvPr id="30" name="ZoneTexte 29"/>
             <p:cNvSpPr txBox="1"/>
             <p:nvPr/>
           </p:nvSpPr>
@@ -7557,7 +7558,7 @@
         </p:sp>
         <p:sp>
           <p:nvSpPr>
-            <p:cNvPr id="35" name="ZoneTexte 34"/>
+            <p:cNvPr id="31" name="ZoneTexte 30"/>
             <p:cNvSpPr txBox="1"/>
             <p:nvPr/>
           </p:nvSpPr>
@@ -7593,9 +7594,9 @@
         </p:sp>
         <p:cxnSp>
           <p:nvCxnSpPr>
-            <p:cNvPr id="48" name="Connecteur droit avec flèche 7"/>
+            <p:cNvPr id="32" name="Connecteur droit avec flèche 7"/>
             <p:cNvCxnSpPr>
-              <a:endCxn id="26" idx="1"/>
+              <a:endCxn id="22" idx="1"/>
             </p:cNvCxnSpPr>
             <p:nvPr/>
           </p:nvCxnSpPr>
@@ -7628,7 +7629,7 @@
         </p:cxnSp>
         <p:sp>
           <p:nvSpPr>
-            <p:cNvPr id="50" name="Ellipse 49"/>
+            <p:cNvPr id="33" name="Ellipse 32"/>
             <p:cNvSpPr/>
             <p:nvPr/>
           </p:nvSpPr>
@@ -7667,7 +7668,7 @@
         </p:sp>
         <p:sp>
           <p:nvSpPr>
-            <p:cNvPr id="51" name="Ellipse 50"/>
+            <p:cNvPr id="34" name="Ellipse 33"/>
             <p:cNvSpPr/>
             <p:nvPr/>
           </p:nvSpPr>
@@ -7706,7 +7707,7 @@
         </p:sp>
         <p:sp>
           <p:nvSpPr>
-            <p:cNvPr id="52" name="Ellipse 51"/>
+            <p:cNvPr id="35" name="Ellipse 34"/>
             <p:cNvSpPr/>
             <p:nvPr/>
           </p:nvSpPr>
@@ -7745,10 +7746,10 @@
         </p:sp>
         <p:cxnSp>
           <p:nvCxnSpPr>
-            <p:cNvPr id="54" name="Connecteur droit avec flèche 53"/>
+            <p:cNvPr id="36" name="Connecteur droit avec flèche 35"/>
             <p:cNvCxnSpPr>
-              <a:stCxn id="50" idx="6"/>
-              <a:endCxn id="51" idx="2"/>
+              <a:stCxn id="33" idx="6"/>
+              <a:endCxn id="34" idx="2"/>
             </p:cNvCxnSpPr>
             <p:nvPr/>
           </p:nvCxnSpPr>
@@ -7784,10 +7785,10 @@
         </p:cxnSp>
         <p:cxnSp>
           <p:nvCxnSpPr>
-            <p:cNvPr id="55" name="Connecteur droit avec flèche 54"/>
+            <p:cNvPr id="37" name="Connecteur droit avec flèche 36"/>
             <p:cNvCxnSpPr>
-              <a:stCxn id="51" idx="0"/>
-              <a:endCxn id="52" idx="4"/>
+              <a:stCxn id="34" idx="0"/>
+              <a:endCxn id="35" idx="4"/>
             </p:cNvCxnSpPr>
             <p:nvPr/>
           </p:nvCxnSpPr>
@@ -7823,10 +7824,10 @@
         </p:cxnSp>
         <p:cxnSp>
           <p:nvCxnSpPr>
-            <p:cNvPr id="56" name="Connecteur droit avec flèche 55"/>
+            <p:cNvPr id="38" name="Connecteur droit avec flèche 55"/>
             <p:cNvCxnSpPr>
-              <a:stCxn id="52" idx="2"/>
-              <a:endCxn id="26" idx="2"/>
+              <a:stCxn id="35" idx="2"/>
+              <a:endCxn id="22" idx="2"/>
             </p:cNvCxnSpPr>
             <p:nvPr/>
           </p:nvCxnSpPr>
@@ -7864,7 +7865,7 @@
         </p:cxnSp>
         <p:sp>
           <p:nvSpPr>
-            <p:cNvPr id="57" name="ZoneTexte 56"/>
+            <p:cNvPr id="39" name="ZoneTexte 38"/>
             <p:cNvSpPr txBox="1"/>
             <p:nvPr/>
           </p:nvSpPr>
@@ -7894,7 +7895,7 @@
         </p:sp>
         <p:sp>
           <p:nvSpPr>
-            <p:cNvPr id="58" name="ZoneTexte 57"/>
+            <p:cNvPr id="40" name="ZoneTexte 39"/>
             <p:cNvSpPr txBox="1"/>
             <p:nvPr/>
           </p:nvSpPr>
@@ -7930,7 +7931,7 @@
         </p:sp>
         <p:sp>
           <p:nvSpPr>
-            <p:cNvPr id="59" name="ZoneTexte 58"/>
+            <p:cNvPr id="41" name="ZoneTexte 40"/>
             <p:cNvSpPr txBox="1"/>
             <p:nvPr/>
           </p:nvSpPr>
@@ -7966,7 +7967,7 @@
         </p:sp>
         <p:sp>
           <p:nvSpPr>
-            <p:cNvPr id="64" name="Ellipse 63"/>
+            <p:cNvPr id="42" name="Ellipse 41"/>
             <p:cNvSpPr/>
             <p:nvPr/>
           </p:nvSpPr>
@@ -8005,7 +8006,7 @@
         </p:sp>
         <p:sp>
           <p:nvSpPr>
-            <p:cNvPr id="65" name="Ellipse 64"/>
+            <p:cNvPr id="43" name="Ellipse 42"/>
             <p:cNvSpPr/>
             <p:nvPr/>
           </p:nvSpPr>
@@ -8044,7 +8045,7 @@
         </p:sp>
         <p:sp>
           <p:nvSpPr>
-            <p:cNvPr id="66" name="Ellipse 65"/>
+            <p:cNvPr id="44" name="Ellipse 43"/>
             <p:cNvSpPr/>
             <p:nvPr/>
           </p:nvSpPr>
@@ -8083,7 +8084,7 @@
         </p:sp>
         <p:sp>
           <p:nvSpPr>
-            <p:cNvPr id="67" name="Ellipse 66"/>
+            <p:cNvPr id="45" name="Ellipse 44"/>
             <p:cNvSpPr/>
             <p:nvPr/>
           </p:nvSpPr>
@@ -8122,10 +8123,10 @@
         </p:sp>
         <p:cxnSp>
           <p:nvCxnSpPr>
-            <p:cNvPr id="68" name="Connecteur droit avec flèche 67"/>
+            <p:cNvPr id="46" name="Connecteur droit avec flèche 45"/>
             <p:cNvCxnSpPr>
-              <a:stCxn id="64" idx="6"/>
-              <a:endCxn id="65" idx="2"/>
+              <a:stCxn id="42" idx="6"/>
+              <a:endCxn id="43" idx="2"/>
             </p:cNvCxnSpPr>
             <p:nvPr/>
           </p:nvCxnSpPr>
@@ -8161,10 +8162,10 @@
         </p:cxnSp>
         <p:cxnSp>
           <p:nvCxnSpPr>
-            <p:cNvPr id="69" name="Connecteur droit avec flèche 68"/>
+            <p:cNvPr id="47" name="Connecteur droit avec flèche 46"/>
             <p:cNvCxnSpPr>
-              <a:stCxn id="65" idx="4"/>
-              <a:endCxn id="66" idx="0"/>
+              <a:stCxn id="43" idx="4"/>
+              <a:endCxn id="44" idx="0"/>
             </p:cNvCxnSpPr>
             <p:nvPr/>
           </p:nvCxnSpPr>
@@ -8200,10 +8201,10 @@
         </p:cxnSp>
         <p:cxnSp>
           <p:nvCxnSpPr>
-            <p:cNvPr id="70" name="Connecteur droit avec flèche 69"/>
+            <p:cNvPr id="48" name="Connecteur droit avec flèche 47"/>
             <p:cNvCxnSpPr>
-              <a:stCxn id="66" idx="2"/>
-              <a:endCxn id="67" idx="6"/>
+              <a:stCxn id="44" idx="2"/>
+              <a:endCxn id="45" idx="6"/>
             </p:cNvCxnSpPr>
             <p:nvPr/>
           </p:nvCxnSpPr>
@@ -8239,7 +8240,7 @@
         </p:cxnSp>
         <p:sp>
           <p:nvSpPr>
-            <p:cNvPr id="71" name="ZoneTexte 70"/>
+            <p:cNvPr id="49" name="ZoneTexte 48"/>
             <p:cNvSpPr txBox="1"/>
             <p:nvPr/>
           </p:nvSpPr>
@@ -8269,7 +8270,7 @@
         </p:sp>
         <p:sp>
           <p:nvSpPr>
-            <p:cNvPr id="72" name="ZoneTexte 71"/>
+            <p:cNvPr id="50" name="ZoneTexte 49"/>
             <p:cNvSpPr txBox="1"/>
             <p:nvPr/>
           </p:nvSpPr>
@@ -8305,7 +8306,7 @@
         </p:sp>
         <p:sp>
           <p:nvSpPr>
-            <p:cNvPr id="73" name="ZoneTexte 72"/>
+            <p:cNvPr id="51" name="ZoneTexte 50"/>
             <p:cNvSpPr txBox="1"/>
             <p:nvPr/>
           </p:nvSpPr>
@@ -8341,10 +8342,10 @@
         </p:sp>
         <p:cxnSp>
           <p:nvCxnSpPr>
-            <p:cNvPr id="74" name="Connecteur droit avec flèche 55"/>
+            <p:cNvPr id="52" name="Connecteur droit avec flèche 55"/>
             <p:cNvCxnSpPr>
-              <a:stCxn id="29" idx="4"/>
-              <a:endCxn id="50" idx="0"/>
+              <a:stCxn id="25" idx="4"/>
+              <a:endCxn id="33" idx="0"/>
             </p:cNvCxnSpPr>
             <p:nvPr/>
           </p:nvCxnSpPr>
@@ -8382,10 +8383,10 @@
         </p:cxnSp>
         <p:cxnSp>
           <p:nvCxnSpPr>
-            <p:cNvPr id="77" name="Connecteur droit avec flèche 55"/>
+            <p:cNvPr id="53" name="Connecteur droit avec flèche 55"/>
             <p:cNvCxnSpPr>
-              <a:stCxn id="29" idx="4"/>
-              <a:endCxn id="64" idx="0"/>
+              <a:stCxn id="25" idx="4"/>
+              <a:endCxn id="42" idx="0"/>
             </p:cNvCxnSpPr>
             <p:nvPr/>
           </p:nvCxnSpPr>
@@ -8423,7 +8424,7 @@
         </p:cxnSp>
         <p:sp>
           <p:nvSpPr>
-            <p:cNvPr id="86" name="ZoneTexte 85"/>
+            <p:cNvPr id="54" name="ZoneTexte 53"/>
             <p:cNvSpPr txBox="1"/>
             <p:nvPr/>
           </p:nvSpPr>
@@ -8455,7 +8456,7 @@
         </p:sp>
         <p:sp>
           <p:nvSpPr>
-            <p:cNvPr id="87" name="ZoneTexte 86"/>
+            <p:cNvPr id="55" name="ZoneTexte 54"/>
             <p:cNvSpPr txBox="1"/>
             <p:nvPr/>
           </p:nvSpPr>
@@ -8498,27 +8499,27 @@
       </p:grpSp>
       <p:grpSp>
         <p:nvGrpSpPr>
-          <p:cNvPr id="157" name="Groupe 156"/>
+          <p:cNvPr id="56" name="Groupe 55"/>
           <p:cNvGrpSpPr/>
           <p:nvPr/>
         </p:nvGrpSpPr>
         <p:grpSpPr>
           <a:xfrm>
-            <a:off x="2483768" y="5320258"/>
-            <a:ext cx="4464496" cy="1202303"/>
+            <a:off x="2952120" y="5320258"/>
+            <a:ext cx="4068152" cy="1130295"/>
             <a:chOff x="2483768" y="5320258"/>
-            <a:chExt cx="4464496" cy="1202303"/>
+            <a:chExt cx="4068152" cy="1130295"/>
           </a:xfrm>
         </p:grpSpPr>
         <p:sp>
           <p:nvSpPr>
-            <p:cNvPr id="137" name="ZoneTexte 136"/>
+            <p:cNvPr id="57" name="ZoneTexte 56"/>
             <p:cNvSpPr txBox="1"/>
             <p:nvPr/>
           </p:nvSpPr>
           <p:spPr>
             <a:xfrm flipH="1">
-              <a:off x="3861445" y="6337895"/>
+              <a:off x="3501405" y="6265887"/>
               <a:ext cx="726161" cy="184666"/>
             </a:xfrm>
             <a:prstGeom prst="rect">
@@ -8548,7 +8549,7 @@
         </p:sp>
         <p:sp>
           <p:nvSpPr>
-            <p:cNvPr id="126" name="ZoneTexte 125"/>
+            <p:cNvPr id="58" name="ZoneTexte 57"/>
             <p:cNvSpPr txBox="1"/>
             <p:nvPr/>
           </p:nvSpPr>
@@ -8584,7 +8585,7 @@
         </p:sp>
         <p:sp>
           <p:nvSpPr>
-            <p:cNvPr id="93" name="Ellipse 92"/>
+            <p:cNvPr id="59" name="Ellipse 58"/>
             <p:cNvSpPr/>
             <p:nvPr/>
           </p:nvSpPr>
@@ -8623,7 +8624,7 @@
         </p:sp>
         <p:sp>
           <p:nvSpPr>
-            <p:cNvPr id="94" name="Ellipse 93"/>
+            <p:cNvPr id="60" name="Ellipse 59"/>
             <p:cNvSpPr/>
             <p:nvPr/>
           </p:nvSpPr>
@@ -8662,7 +8663,7 @@
         </p:sp>
         <p:sp>
           <p:nvSpPr>
-            <p:cNvPr id="95" name="Ellipse 94"/>
+            <p:cNvPr id="61" name="Ellipse 60"/>
             <p:cNvSpPr/>
             <p:nvPr/>
           </p:nvSpPr>
@@ -8701,10 +8702,10 @@
         </p:sp>
         <p:cxnSp>
           <p:nvCxnSpPr>
-            <p:cNvPr id="96" name="Connecteur droit avec flèche 55"/>
+            <p:cNvPr id="62" name="Connecteur droit avec flèche 55"/>
             <p:cNvCxnSpPr>
-              <a:stCxn id="93" idx="2"/>
-              <a:endCxn id="94" idx="6"/>
+              <a:stCxn id="59" idx="2"/>
+              <a:endCxn id="60" idx="6"/>
             </p:cNvCxnSpPr>
             <p:nvPr/>
           </p:nvCxnSpPr>
@@ -8740,10 +8741,10 @@
         </p:cxnSp>
         <p:cxnSp>
           <p:nvCxnSpPr>
-            <p:cNvPr id="99" name="Connecteur droit avec flèche 55"/>
+            <p:cNvPr id="63" name="Connecteur droit avec flèche 55"/>
             <p:cNvCxnSpPr>
-              <a:stCxn id="94" idx="2"/>
-              <a:endCxn id="95" idx="6"/>
+              <a:stCxn id="60" idx="2"/>
+              <a:endCxn id="61" idx="6"/>
             </p:cNvCxnSpPr>
             <p:nvPr/>
           </p:nvCxnSpPr>
@@ -8781,13 +8782,13 @@
         </p:cxnSp>
         <p:sp>
           <p:nvSpPr>
-            <p:cNvPr id="102" name="ZoneTexte 101"/>
+            <p:cNvPr id="64" name="ZoneTexte 63"/>
             <p:cNvSpPr txBox="1"/>
             <p:nvPr/>
           </p:nvSpPr>
           <p:spPr>
             <a:xfrm>
-              <a:off x="2555776" y="5495632"/>
+              <a:off x="2657930" y="5577165"/>
               <a:ext cx="617926" cy="184666"/>
             </a:xfrm>
             <a:prstGeom prst="rect">
@@ -8817,7 +8818,7 @@
         </p:sp>
         <p:sp>
           <p:nvSpPr>
-            <p:cNvPr id="103" name="Ellipse 102"/>
+            <p:cNvPr id="65" name="Ellipse 64"/>
             <p:cNvSpPr/>
             <p:nvPr/>
           </p:nvSpPr>
@@ -8856,10 +8857,10 @@
         </p:sp>
         <p:cxnSp>
           <p:nvCxnSpPr>
-            <p:cNvPr id="104" name="Connecteur droit avec flèche 55"/>
+            <p:cNvPr id="66" name="Connecteur droit avec flèche 55"/>
             <p:cNvCxnSpPr>
-              <a:stCxn id="95" idx="2"/>
-              <a:endCxn id="103" idx="6"/>
+              <a:stCxn id="61" idx="2"/>
+              <a:endCxn id="65" idx="6"/>
             </p:cNvCxnSpPr>
             <p:nvPr/>
           </p:nvCxnSpPr>
@@ -8897,7 +8898,7 @@
         </p:cxnSp>
         <p:sp>
           <p:nvSpPr>
-            <p:cNvPr id="107" name="ZoneTexte 106"/>
+            <p:cNvPr id="67" name="ZoneTexte 66"/>
             <p:cNvSpPr txBox="1"/>
             <p:nvPr/>
           </p:nvSpPr>
@@ -8933,7 +8934,7 @@
         </p:sp>
         <p:sp>
           <p:nvSpPr>
-            <p:cNvPr id="108" name="Ellipse 107"/>
+            <p:cNvPr id="68" name="Ellipse 67"/>
             <p:cNvSpPr/>
             <p:nvPr/>
           </p:nvSpPr>
@@ -8972,10 +8973,10 @@
         </p:sp>
         <p:cxnSp>
           <p:nvCxnSpPr>
-            <p:cNvPr id="109" name="Connecteur droit avec flèche 55"/>
+            <p:cNvPr id="69" name="Connecteur droit avec flèche 55"/>
             <p:cNvCxnSpPr>
-              <a:stCxn id="103" idx="2"/>
-              <a:endCxn id="108" idx="6"/>
+              <a:stCxn id="65" idx="2"/>
+              <a:endCxn id="68" idx="6"/>
             </p:cNvCxnSpPr>
             <p:nvPr/>
           </p:nvCxnSpPr>
@@ -9013,7 +9014,7 @@
         </p:cxnSp>
         <p:sp>
           <p:nvSpPr>
-            <p:cNvPr id="111" name="ZoneTexte 110"/>
+            <p:cNvPr id="70" name="ZoneTexte 69"/>
             <p:cNvSpPr txBox="1"/>
             <p:nvPr/>
           </p:nvSpPr>
@@ -9049,7 +9050,7 @@
         </p:sp>
         <p:sp>
           <p:nvSpPr>
-            <p:cNvPr id="112" name="Ellipse 111"/>
+            <p:cNvPr id="71" name="Ellipse 70"/>
             <p:cNvSpPr/>
             <p:nvPr/>
           </p:nvSpPr>
@@ -9088,10 +9089,10 @@
         </p:sp>
         <p:cxnSp>
           <p:nvCxnSpPr>
-            <p:cNvPr id="113" name="Connecteur droit avec flèche 55"/>
+            <p:cNvPr id="72" name="Connecteur droit avec flèche 55"/>
             <p:cNvCxnSpPr>
-              <a:stCxn id="108" idx="4"/>
-              <a:endCxn id="112" idx="2"/>
+              <a:stCxn id="68" idx="4"/>
+              <a:endCxn id="71" idx="2"/>
             </p:cNvCxnSpPr>
             <p:nvPr/>
           </p:nvCxnSpPr>
@@ -9127,7 +9128,7 @@
         </p:cxnSp>
         <p:sp>
           <p:nvSpPr>
-            <p:cNvPr id="116" name="ZoneTexte 115"/>
+            <p:cNvPr id="73" name="ZoneTexte 72"/>
             <p:cNvSpPr txBox="1"/>
             <p:nvPr/>
           </p:nvSpPr>
@@ -9157,7 +9158,7 @@
         </p:sp>
         <p:sp>
           <p:nvSpPr>
-            <p:cNvPr id="117" name="ZoneTexte 116"/>
+            <p:cNvPr id="74" name="ZoneTexte 73"/>
             <p:cNvSpPr txBox="1"/>
             <p:nvPr/>
           </p:nvSpPr>
@@ -9187,10 +9188,10 @@
         </p:sp>
         <p:cxnSp>
           <p:nvCxnSpPr>
-            <p:cNvPr id="118" name="Connecteur droit avec flèche 55"/>
+            <p:cNvPr id="75" name="Connecteur droit avec flèche 55"/>
             <p:cNvCxnSpPr>
-              <a:stCxn id="112" idx="6"/>
-              <a:endCxn id="93" idx="2"/>
+              <a:stCxn id="71" idx="6"/>
+              <a:endCxn id="59" idx="2"/>
             </p:cNvCxnSpPr>
             <p:nvPr/>
           </p:nvCxnSpPr>
@@ -9226,13 +9227,13 @@
         </p:cxnSp>
         <p:sp>
           <p:nvSpPr>
-            <p:cNvPr id="132" name="Ellipse 131"/>
+            <p:cNvPr id="76" name="Ellipse 75"/>
             <p:cNvSpPr/>
             <p:nvPr/>
           </p:nvSpPr>
           <p:spPr>
             <a:xfrm flipH="1">
-              <a:off x="3275856" y="6237312"/>
+              <a:off x="2915816" y="6165304"/>
               <a:ext cx="216024" cy="216024"/>
             </a:xfrm>
             <a:prstGeom prst="ellipse">
@@ -9265,13 +9266,13 @@
         </p:sp>
         <p:sp>
           <p:nvSpPr>
-            <p:cNvPr id="133" name="Ellipse 132"/>
+            <p:cNvPr id="77" name="Ellipse 76"/>
             <p:cNvSpPr/>
             <p:nvPr/>
           </p:nvSpPr>
           <p:spPr>
             <a:xfrm flipH="1">
-              <a:off x="5220072" y="6237312"/>
+              <a:off x="4860032" y="6165304"/>
               <a:ext cx="216024" cy="216024"/>
             </a:xfrm>
             <a:prstGeom prst="ellipse">
@@ -9304,20 +9305,22 @@
         </p:sp>
         <p:cxnSp>
           <p:nvCxnSpPr>
-            <p:cNvPr id="134" name="Connecteur droit avec flèche 55"/>
+            <p:cNvPr id="78" name="Connecteur droit avec flèche 55"/>
             <p:cNvCxnSpPr>
-              <a:stCxn id="140" idx="5"/>
-              <a:endCxn id="133" idx="2"/>
+              <a:stCxn id="81" idx="6"/>
+              <a:endCxn id="77" idx="2"/>
             </p:cNvCxnSpPr>
             <p:nvPr/>
           </p:nvCxnSpPr>
           <p:spPr>
-            <a:xfrm rot="5400000">
-              <a:off x="5598114" y="6043658"/>
-              <a:ext cx="139648" cy="463684"/>
-            </a:xfrm>
-            <a:prstGeom prst="curvedConnector2">
-              <a:avLst/>
+            <a:xfrm rot="10800000">
+              <a:off x="5076056" y="6273316"/>
+              <a:ext cx="432048" cy="1588"/>
+            </a:xfrm>
+            <a:prstGeom prst="curvedConnector3">
+              <a:avLst>
+                <a:gd name="adj1" fmla="val 50000"/>
+              </a:avLst>
             </a:prstGeom>
             <a:ln w="22225">
               <a:solidFill>
@@ -9343,13 +9346,13 @@
         </p:cxnSp>
         <p:sp>
           <p:nvSpPr>
-            <p:cNvPr id="135" name="ZoneTexte 134"/>
+            <p:cNvPr id="79" name="ZoneTexte 78"/>
             <p:cNvSpPr txBox="1"/>
             <p:nvPr/>
           </p:nvSpPr>
           <p:spPr>
             <a:xfrm flipH="1">
-              <a:off x="5652120" y="6231979"/>
+              <a:off x="5220072" y="6159971"/>
               <a:ext cx="159783" cy="215444"/>
             </a:xfrm>
             <a:prstGeom prst="rect">
@@ -9373,16 +9376,16 @@
         </p:sp>
         <p:cxnSp>
           <p:nvCxnSpPr>
-            <p:cNvPr id="136" name="Connecteur droit avec flèche 55"/>
+            <p:cNvPr id="80" name="Connecteur droit avec flèche 55"/>
             <p:cNvCxnSpPr>
-              <a:stCxn id="133" idx="6"/>
-              <a:endCxn id="132" idx="2"/>
+              <a:stCxn id="77" idx="6"/>
+              <a:endCxn id="76" idx="2"/>
             </p:cNvCxnSpPr>
             <p:nvPr/>
           </p:nvCxnSpPr>
           <p:spPr>
             <a:xfrm rot="10800000">
-              <a:off x="3491880" y="6345324"/>
+              <a:off x="3131840" y="6273316"/>
               <a:ext cx="1728192" cy="1588"/>
             </a:xfrm>
             <a:prstGeom prst="straightConnector1">
@@ -9412,13 +9415,13 @@
         </p:cxnSp>
         <p:sp>
           <p:nvSpPr>
-            <p:cNvPr id="140" name="Ellipse 139"/>
+            <p:cNvPr id="81" name="Ellipse 80"/>
             <p:cNvSpPr/>
             <p:nvPr/>
           </p:nvSpPr>
           <p:spPr>
             <a:xfrm flipH="1">
-              <a:off x="5868144" y="6021288"/>
+              <a:off x="5508104" y="6165304"/>
               <a:ext cx="216024" cy="216024"/>
             </a:xfrm>
             <a:prstGeom prst="ellipse">
@@ -9451,22 +9454,20 @@
         </p:sp>
         <p:cxnSp>
           <p:nvCxnSpPr>
-            <p:cNvPr id="142" name="Connecteur droit avec flèche 55"/>
+            <p:cNvPr id="82" name="Connecteur droit avec flèche 55"/>
             <p:cNvCxnSpPr>
-              <a:stCxn id="108" idx="3"/>
-              <a:endCxn id="140" idx="1"/>
+              <a:stCxn id="68" idx="3"/>
+              <a:endCxn id="81" idx="2"/>
             </p:cNvCxnSpPr>
             <p:nvPr/>
           </p:nvCxnSpPr>
           <p:spPr>
             <a:xfrm rot="5400000">
-              <a:off x="5886405" y="5814789"/>
-              <a:ext cx="404262" cy="72008"/>
-            </a:xfrm>
-            <a:prstGeom prst="curvedConnector3">
-              <a:avLst>
-                <a:gd name="adj1" fmla="val 50000"/>
-              </a:avLst>
+              <a:off x="5612007" y="5760783"/>
+              <a:ext cx="624654" cy="400412"/>
+            </a:xfrm>
+            <a:prstGeom prst="curvedConnector2">
+              <a:avLst/>
             </a:prstGeom>
             <a:ln w="22225">
               <a:solidFill>
@@ -9492,13 +9493,13 @@
         </p:cxnSp>
         <p:sp>
           <p:nvSpPr>
-            <p:cNvPr id="147" name="ZoneTexte 146"/>
+            <p:cNvPr id="83" name="ZoneTexte 82"/>
             <p:cNvSpPr txBox="1"/>
             <p:nvPr/>
           </p:nvSpPr>
           <p:spPr>
             <a:xfrm flipH="1">
-              <a:off x="6192480" y="5805264"/>
+              <a:off x="5796136" y="5915372"/>
               <a:ext cx="755784" cy="184666"/>
             </a:xfrm>
             <a:prstGeom prst="rect">
@@ -9528,9 +9529,9 @@
         </p:sp>
         <p:cxnSp>
           <p:nvCxnSpPr>
-            <p:cNvPr id="150" name="Connecteur droit avec flèche 7"/>
+            <p:cNvPr id="84" name="Connecteur droit avec flèche 7"/>
             <p:cNvCxnSpPr>
-              <a:endCxn id="93" idx="5"/>
+              <a:endCxn id="59" idx="5"/>
             </p:cNvCxnSpPr>
             <p:nvPr/>
           </p:nvCxnSpPr>
@@ -9561,6 +9562,506 @@
             </a:fontRef>
           </p:style>
         </p:cxnSp>
+      </p:grpSp>
+    </p:spTree>
+  </p:cSld>
+  <p:clrMapOvr>
+    <a:masterClrMapping/>
+  </p:clrMapOvr>
+</p:sld>
+</file>
+
+<file path=ppt/slides/slide12.xml><?xml version="1.0" encoding="utf-8"?>
+<p:sld xmlns:a="http://schemas.openxmlformats.org/drawingml/2006/main" xmlns:r="http://schemas.openxmlformats.org/officeDocument/2006/relationships" xmlns:p="http://schemas.openxmlformats.org/presentationml/2006/main">
+  <p:cSld>
+    <p:spTree>
+      <p:nvGrpSpPr>
+        <p:cNvPr id="1" name=""/>
+        <p:cNvGrpSpPr/>
+        <p:nvPr/>
+      </p:nvGrpSpPr>
+      <p:grpSpPr>
+        <a:xfrm>
+          <a:off x="0" y="0"/>
+          <a:ext cx="0" cy="0"/>
+          <a:chOff x="0" y="0"/>
+          <a:chExt cx="0" cy="0"/>
+        </a:xfrm>
+      </p:grpSpPr>
+      <p:grpSp>
+        <p:nvGrpSpPr>
+          <p:cNvPr id="119" name="Groupe 118"/>
+          <p:cNvGrpSpPr/>
+          <p:nvPr/>
+        </p:nvGrpSpPr>
+        <p:grpSpPr>
+          <a:xfrm>
+            <a:off x="500034" y="332656"/>
+            <a:ext cx="6448230" cy="6120680"/>
+            <a:chOff x="500034" y="332656"/>
+            <a:chExt cx="6448230" cy="6120680"/>
+          </a:xfrm>
+        </p:grpSpPr>
+        <p:sp>
+          <p:nvSpPr>
+            <p:cNvPr id="88" name="Rectangle 87"/>
+            <p:cNvSpPr/>
+            <p:nvPr/>
+          </p:nvSpPr>
+          <p:spPr>
+            <a:xfrm>
+              <a:off x="500034" y="332656"/>
+              <a:ext cx="6448230" cy="6120680"/>
+            </a:xfrm>
+            <a:prstGeom prst="rect">
+              <a:avLst/>
+            </a:prstGeom>
+            <a:solidFill>
+              <a:schemeClr val="bg1"/>
+            </a:solidFill>
+            <a:ln w="3175"/>
+          </p:spPr>
+          <p:style>
+            <a:lnRef idx="2">
+              <a:schemeClr val="dk1"/>
+            </a:lnRef>
+            <a:fillRef idx="1">
+              <a:schemeClr val="lt1"/>
+            </a:fillRef>
+            <a:effectRef idx="0">
+              <a:schemeClr val="dk1"/>
+            </a:effectRef>
+            <a:fontRef idx="minor">
+              <a:schemeClr val="dk1"/>
+            </a:fontRef>
+          </p:style>
+          <p:txBody>
+            <a:bodyPr rtlCol="0" anchor="ctr"/>
+            <a:lstStyle/>
+            <a:p>
+              <a:pPr algn="ctr"/>
+              <a:endParaRPr lang="fr-BE"/>
+            </a:p>
+          </p:txBody>
+        </p:sp>
+        <p:sp>
+          <p:nvSpPr>
+            <p:cNvPr id="90" name="ZoneTexte 89"/>
+            <p:cNvSpPr txBox="1"/>
+            <p:nvPr/>
+          </p:nvSpPr>
+          <p:spPr>
+            <a:xfrm>
+              <a:off x="683568" y="3093822"/>
+              <a:ext cx="2554867" cy="1077218"/>
+            </a:xfrm>
+            <a:prstGeom prst="rect">
+              <a:avLst/>
+            </a:prstGeom>
+            <a:noFill/>
+          </p:spPr>
+          <p:txBody>
+            <a:bodyPr wrap="none" rtlCol="0">
+              <a:spAutoFit/>
+            </a:bodyPr>
+            <a:lstStyle/>
+            <a:p>
+              <a:r>
+                <a:rPr lang="fr-BE" sz="2400" dirty="0" err="1" smtClean="0"/>
+                <a:t>Guarded</a:t>
+              </a:r>
+              <a:r>
+                <a:rPr lang="fr-BE" sz="2400" dirty="0" smtClean="0"/>
+                <a:t> LTS</a:t>
+              </a:r>
+              <a:endParaRPr lang="fr-BE" sz="2400" dirty="0" smtClean="0"/>
+            </a:p>
+            <a:p>
+              <a:pPr marL="360363" indent="-180975">
+                <a:buFont typeface="Arial" charset="0"/>
+                <a:buChar char="•"/>
+              </a:pPr>
+              <a:r>
+                <a:rPr lang="fr-BE" sz="2000" dirty="0" err="1" smtClean="0"/>
+                <a:t>Symbolic</a:t>
+              </a:r>
+              <a:r>
+                <a:rPr lang="fr-BE" sz="2000" dirty="0" smtClean="0"/>
+                <a:t> </a:t>
+              </a:r>
+              <a:r>
+                <a:rPr lang="fr-BE" sz="2000" dirty="0" err="1" smtClean="0"/>
+                <a:t>execution</a:t>
+              </a:r>
+              <a:r>
+                <a:rPr lang="fr-BE" sz="2000" dirty="0" smtClean="0"/>
+                <a:t/>
+              </a:r>
+              <a:br>
+                <a:rPr lang="fr-BE" sz="2000" dirty="0" smtClean="0"/>
+              </a:br>
+              <a:r>
+                <a:rPr lang="fr-BE" sz="2000" dirty="0" smtClean="0"/>
+                <a:t>analyses [Dam11]</a:t>
+              </a:r>
+              <a:endParaRPr lang="fr-BE" sz="2000" dirty="0" smtClean="0"/>
+            </a:p>
+          </p:txBody>
+        </p:sp>
+        <p:sp>
+          <p:nvSpPr>
+            <p:cNvPr id="97" name="Forme libre 96"/>
+            <p:cNvSpPr/>
+            <p:nvPr/>
+          </p:nvSpPr>
+          <p:spPr>
+            <a:xfrm>
+              <a:off x="4870270" y="1837809"/>
+              <a:ext cx="142876" cy="857256"/>
+            </a:xfrm>
+            <a:custGeom>
+              <a:avLst/>
+              <a:gdLst>
+                <a:gd name="connsiteX0" fmla="*/ 13855 w 417945"/>
+                <a:gd name="connsiteY0" fmla="*/ 0 h 1731818"/>
+                <a:gd name="connsiteX1" fmla="*/ 415636 w 417945"/>
+                <a:gd name="connsiteY1" fmla="*/ 831272 h 1731818"/>
+                <a:gd name="connsiteX2" fmla="*/ 0 w 417945"/>
+                <a:gd name="connsiteY2" fmla="*/ 1731818 h 1731818"/>
+              </a:gdLst>
+              <a:ahLst/>
+              <a:cxnLst>
+                <a:cxn ang="0">
+                  <a:pos x="connsiteX0" y="connsiteY0"/>
+                </a:cxn>
+                <a:cxn ang="0">
+                  <a:pos x="connsiteX1" y="connsiteY1"/>
+                </a:cxn>
+                <a:cxn ang="0">
+                  <a:pos x="connsiteX2" y="connsiteY2"/>
+                </a:cxn>
+              </a:cxnLst>
+              <a:rect l="l" t="t" r="r" b="b"/>
+              <a:pathLst>
+                <a:path w="417945" h="1731818">
+                  <a:moveTo>
+                    <a:pt x="13855" y="0"/>
+                  </a:moveTo>
+                  <a:cubicBezTo>
+                    <a:pt x="215900" y="271318"/>
+                    <a:pt x="417945" y="542636"/>
+                    <a:pt x="415636" y="831272"/>
+                  </a:cubicBezTo>
+                  <a:cubicBezTo>
+                    <a:pt x="413327" y="1119908"/>
+                    <a:pt x="206663" y="1425863"/>
+                    <a:pt x="0" y="1731818"/>
+                  </a:cubicBezTo>
+                </a:path>
+              </a:pathLst>
+            </a:custGeom>
+            <a:ln w="38100">
+              <a:tailEnd type="triangle" w="med" len="lg"/>
+            </a:ln>
+          </p:spPr>
+          <p:style>
+            <a:lnRef idx="2">
+              <a:schemeClr val="dk1"/>
+            </a:lnRef>
+            <a:fillRef idx="0">
+              <a:schemeClr val="dk1"/>
+            </a:fillRef>
+            <a:effectRef idx="1">
+              <a:schemeClr val="dk1"/>
+            </a:effectRef>
+            <a:fontRef idx="minor">
+              <a:schemeClr val="tx1"/>
+            </a:fontRef>
+          </p:style>
+          <p:txBody>
+            <a:bodyPr rtlCol="0" anchor="ctr"/>
+            <a:lstStyle/>
+            <a:p>
+              <a:pPr algn="ctr"/>
+              <a:endParaRPr lang="fr-BE"/>
+            </a:p>
+          </p:txBody>
+        </p:sp>
+        <p:sp>
+          <p:nvSpPr>
+            <p:cNvPr id="101" name="Forme libre 100"/>
+            <p:cNvSpPr/>
+            <p:nvPr/>
+          </p:nvSpPr>
+          <p:spPr>
+            <a:xfrm>
+              <a:off x="4870270" y="4293666"/>
+              <a:ext cx="142876" cy="857256"/>
+            </a:xfrm>
+            <a:custGeom>
+              <a:avLst/>
+              <a:gdLst>
+                <a:gd name="connsiteX0" fmla="*/ 13855 w 417945"/>
+                <a:gd name="connsiteY0" fmla="*/ 0 h 1731818"/>
+                <a:gd name="connsiteX1" fmla="*/ 415636 w 417945"/>
+                <a:gd name="connsiteY1" fmla="*/ 831272 h 1731818"/>
+                <a:gd name="connsiteX2" fmla="*/ 0 w 417945"/>
+                <a:gd name="connsiteY2" fmla="*/ 1731818 h 1731818"/>
+              </a:gdLst>
+              <a:ahLst/>
+              <a:cxnLst>
+                <a:cxn ang="0">
+                  <a:pos x="connsiteX0" y="connsiteY0"/>
+                </a:cxn>
+                <a:cxn ang="0">
+                  <a:pos x="connsiteX1" y="connsiteY1"/>
+                </a:cxn>
+                <a:cxn ang="0">
+                  <a:pos x="connsiteX2" y="connsiteY2"/>
+                </a:cxn>
+              </a:cxnLst>
+              <a:rect l="l" t="t" r="r" b="b"/>
+              <a:pathLst>
+                <a:path w="417945" h="1731818">
+                  <a:moveTo>
+                    <a:pt x="13855" y="0"/>
+                  </a:moveTo>
+                  <a:cubicBezTo>
+                    <a:pt x="215900" y="271318"/>
+                    <a:pt x="417945" y="542636"/>
+                    <a:pt x="415636" y="831272"/>
+                  </a:cubicBezTo>
+                  <a:cubicBezTo>
+                    <a:pt x="413327" y="1119908"/>
+                    <a:pt x="206663" y="1425863"/>
+                    <a:pt x="0" y="1731818"/>
+                  </a:cubicBezTo>
+                </a:path>
+              </a:pathLst>
+            </a:custGeom>
+            <a:ln w="38100">
+              <a:tailEnd type="triangle" w="med" len="lg"/>
+            </a:ln>
+          </p:spPr>
+          <p:style>
+            <a:lnRef idx="2">
+              <a:schemeClr val="dk1"/>
+            </a:lnRef>
+            <a:fillRef idx="0">
+              <a:schemeClr val="dk1"/>
+            </a:fillRef>
+            <a:effectRef idx="1">
+              <a:schemeClr val="dk1"/>
+            </a:effectRef>
+            <a:fontRef idx="minor">
+              <a:schemeClr val="tx1"/>
+            </a:fontRef>
+          </p:style>
+          <p:txBody>
+            <a:bodyPr rtlCol="0" anchor="ctr"/>
+            <a:lstStyle/>
+            <a:p>
+              <a:pPr algn="ctr"/>
+              <a:endParaRPr lang="fr-BE"/>
+            </a:p>
+          </p:txBody>
+        </p:sp>
+        <p:pic>
+          <p:nvPicPr>
+            <p:cNvPr id="105" name="Image 104" descr="g-hmsc.png"/>
+            <p:cNvPicPr>
+              <a:picLocks noChangeAspect="1"/>
+            </p:cNvPicPr>
+            <p:nvPr/>
+          </p:nvPicPr>
+          <p:blipFill>
+            <a:blip r:embed="rId2" cstate="print"/>
+            <a:stretch>
+              <a:fillRect/>
+            </a:stretch>
+          </p:blipFill>
+          <p:spPr>
+            <a:xfrm>
+              <a:off x="3317604" y="454964"/>
+              <a:ext cx="3248208" cy="1533876"/>
+            </a:xfrm>
+            <a:prstGeom prst="rect">
+              <a:avLst/>
+            </a:prstGeom>
+          </p:spPr>
+        </p:pic>
+        <p:pic>
+          <p:nvPicPr>
+            <p:cNvPr id="106" name="Image 105" descr="g-lts.png"/>
+            <p:cNvPicPr>
+              <a:picLocks noChangeAspect="1"/>
+            </p:cNvPicPr>
+            <p:nvPr/>
+          </p:nvPicPr>
+          <p:blipFill>
+            <a:blip r:embed="rId3" cstate="print"/>
+            <a:stretch>
+              <a:fillRect/>
+            </a:stretch>
+          </p:blipFill>
+          <p:spPr>
+            <a:xfrm>
+              <a:off x="3360064" y="2708920"/>
+              <a:ext cx="3163288" cy="1847022"/>
+            </a:xfrm>
+            <a:prstGeom prst="rect">
+              <a:avLst/>
+            </a:prstGeom>
+          </p:spPr>
+        </p:pic>
+        <p:pic>
+          <p:nvPicPr>
+            <p:cNvPr id="110" name="Image 109" descr="lts.png"/>
+            <p:cNvPicPr>
+              <a:picLocks noChangeAspect="1"/>
+            </p:cNvPicPr>
+            <p:nvPr/>
+          </p:nvPicPr>
+          <p:blipFill>
+            <a:blip r:embed="rId4" cstate="print"/>
+            <a:stretch>
+              <a:fillRect/>
+            </a:stretch>
+          </p:blipFill>
+          <p:spPr>
+            <a:xfrm>
+              <a:off x="3131840" y="5171346"/>
+              <a:ext cx="3619736" cy="1034968"/>
+            </a:xfrm>
+            <a:prstGeom prst="rect">
+              <a:avLst/>
+            </a:prstGeom>
+          </p:spPr>
+        </p:pic>
+        <p:sp>
+          <p:nvSpPr>
+            <p:cNvPr id="114" name="ZoneTexte 113"/>
+            <p:cNvSpPr txBox="1"/>
+            <p:nvPr/>
+          </p:nvSpPr>
+          <p:spPr>
+            <a:xfrm>
+              <a:off x="683568" y="4996333"/>
+              <a:ext cx="2259273" cy="1384995"/>
+            </a:xfrm>
+            <a:prstGeom prst="rect">
+              <a:avLst/>
+            </a:prstGeom>
+            <a:noFill/>
+          </p:spPr>
+          <p:txBody>
+            <a:bodyPr wrap="none" rtlCol="0">
+              <a:spAutoFit/>
+            </a:bodyPr>
+            <a:lstStyle/>
+            <a:p>
+              <a:r>
+                <a:rPr lang="fr-BE" sz="2400" dirty="0" smtClean="0"/>
+                <a:t>LTS</a:t>
+              </a:r>
+              <a:endParaRPr lang="fr-BE" sz="2400" dirty="0" smtClean="0"/>
+            </a:p>
+            <a:p>
+              <a:pPr marL="360363" indent="-180975">
+                <a:buFont typeface="Arial" charset="0"/>
+                <a:buChar char="•"/>
+              </a:pPr>
+              <a:r>
+                <a:rPr lang="fr-BE" sz="2000" dirty="0" smtClean="0"/>
+                <a:t>Trace-</a:t>
+              </a:r>
+              <a:r>
+                <a:rPr lang="fr-BE" sz="2000" dirty="0" err="1" smtClean="0"/>
+                <a:t>based</a:t>
+              </a:r>
+              <a:r>
+                <a:rPr lang="fr-BE" sz="2000" dirty="0" smtClean="0"/>
+                <a:t>  </a:t>
+              </a:r>
+              <a:br>
+                <a:rPr lang="fr-BE" sz="2000" dirty="0" smtClean="0"/>
+              </a:br>
+              <a:r>
+                <a:rPr lang="fr-BE" sz="2000" dirty="0" smtClean="0"/>
+                <a:t>model-</a:t>
+              </a:r>
+              <a:r>
+                <a:rPr lang="fr-BE" sz="2000" dirty="0" err="1" smtClean="0"/>
+                <a:t>checking</a:t>
+              </a:r>
+              <a:r>
+                <a:rPr lang="fr-BE" sz="2000" dirty="0" smtClean="0"/>
+                <a:t> </a:t>
+              </a:r>
+              <a:br>
+                <a:rPr lang="fr-BE" sz="2000" dirty="0" smtClean="0"/>
+              </a:br>
+              <a:r>
+                <a:rPr lang="fr-BE" sz="2000" dirty="0" smtClean="0"/>
+                <a:t>[Dam09, Gia03]</a:t>
+              </a:r>
+              <a:endParaRPr lang="fr-BE" sz="2000" dirty="0" smtClean="0"/>
+            </a:p>
+          </p:txBody>
+        </p:sp>
+        <p:sp>
+          <p:nvSpPr>
+            <p:cNvPr id="115" name="ZoneTexte 114"/>
+            <p:cNvSpPr txBox="1"/>
+            <p:nvPr/>
+          </p:nvSpPr>
+          <p:spPr>
+            <a:xfrm>
+              <a:off x="683568" y="837182"/>
+              <a:ext cx="2341218" cy="769441"/>
+            </a:xfrm>
+            <a:prstGeom prst="rect">
+              <a:avLst/>
+            </a:prstGeom>
+            <a:noFill/>
+          </p:spPr>
+          <p:txBody>
+            <a:bodyPr wrap="none" rtlCol="0">
+              <a:spAutoFit/>
+            </a:bodyPr>
+            <a:lstStyle/>
+            <a:p>
+              <a:r>
+                <a:rPr lang="fr-BE" sz="2400" dirty="0" err="1" smtClean="0"/>
+                <a:t>Guarded</a:t>
+              </a:r>
+              <a:r>
+                <a:rPr lang="fr-BE" sz="2400" dirty="0" smtClean="0"/>
+                <a:t> LTS</a:t>
+              </a:r>
+              <a:endParaRPr lang="fr-BE" sz="2400" dirty="0" smtClean="0"/>
+            </a:p>
+            <a:p>
+              <a:pPr marL="360363" indent="-180975">
+                <a:buFont typeface="Arial" charset="0"/>
+                <a:buChar char="•"/>
+              </a:pPr>
+              <a:r>
+                <a:rPr lang="fr-BE" sz="2000" dirty="0" err="1" smtClean="0"/>
+                <a:t>Process</a:t>
+              </a:r>
+              <a:r>
+                <a:rPr lang="fr-BE" sz="2000" dirty="0" smtClean="0"/>
+                <a:t> </a:t>
+              </a:r>
+              <a:r>
+                <a:rPr lang="fr-BE" sz="2000" dirty="0" err="1" smtClean="0"/>
+                <a:t>language</a:t>
+              </a:r>
+              <a:endParaRPr lang="fr-BE" sz="2000" dirty="0" smtClean="0"/>
+            </a:p>
+          </p:txBody>
+        </p:sp>
       </p:grpSp>
     </p:spTree>
   </p:cSld>
@@ -15900,15 +16401,96 @@
             <a:p>
               <a:pPr algn="ctr"/>
               <a:r>
-                <a:rPr lang="fr-BE" sz="1000" b="1" smtClean="0">
+                <a:rPr lang="fr-BE" sz="1000" b="1" dirty="0" err="1" smtClean="0">
                   <a:solidFill>
                     <a:schemeClr val="tx1"/>
                   </a:solidFill>
                   <a:latin typeface="+mj-lt"/>
                 </a:rPr>
-                <a:t>Maintain[Doors Closed While Moving]</a:t>
+                <a:t>Maintain</a:t>
               </a:r>
-              <a:endParaRPr lang="fr-BE" sz="1000" b="1">
+              <a:r>
+                <a:rPr lang="fr-BE" sz="1000" b="1" dirty="0" smtClean="0">
+                  <a:solidFill>
+                    <a:schemeClr val="tx1"/>
+                  </a:solidFill>
+                  <a:latin typeface="+mj-lt"/>
+                </a:rPr>
+                <a:t>[</a:t>
+              </a:r>
+              <a:r>
+                <a:rPr lang="fr-BE" sz="1000" b="1" dirty="0" err="1" smtClean="0">
+                  <a:solidFill>
+                    <a:schemeClr val="tx1"/>
+                  </a:solidFill>
+                  <a:latin typeface="+mj-lt"/>
+                </a:rPr>
+                <a:t>Doors</a:t>
+              </a:r>
+              <a:r>
+                <a:rPr lang="fr-BE" sz="1000" b="1" dirty="0" smtClean="0">
+                  <a:solidFill>
+                    <a:schemeClr val="tx1"/>
+                  </a:solidFill>
+                  <a:latin typeface="+mj-lt"/>
+                </a:rPr>
+                <a:t> </a:t>
+              </a:r>
+              <a:r>
+                <a:rPr lang="fr-BE" sz="1000" b="1" dirty="0" err="1" smtClean="0">
+                  <a:solidFill>
+                    <a:schemeClr val="tx1"/>
+                  </a:solidFill>
+                  <a:latin typeface="+mj-lt"/>
+                </a:rPr>
+                <a:t>Closed</a:t>
+              </a:r>
+              <a:r>
+                <a:rPr lang="fr-BE" sz="1000" b="1" dirty="0" smtClean="0">
+                  <a:solidFill>
+                    <a:schemeClr val="tx1"/>
+                  </a:solidFill>
+                  <a:latin typeface="+mj-lt"/>
+                </a:rPr>
+                <a:t> </a:t>
+              </a:r>
+              <a:r>
+                <a:rPr lang="fr-BE" sz="1000" b="1" dirty="0" err="1" smtClean="0">
+                  <a:solidFill>
+                    <a:schemeClr val="tx1"/>
+                  </a:solidFill>
+                  <a:latin typeface="+mj-lt"/>
+                </a:rPr>
+                <a:t>While</a:t>
+              </a:r>
+              <a:r>
+                <a:rPr lang="fr-BE" sz="1000" b="1" dirty="0" smtClean="0">
+                  <a:solidFill>
+                    <a:schemeClr val="tx1"/>
+                  </a:solidFill>
+                  <a:latin typeface="+mj-lt"/>
+                </a:rPr>
+                <a:t> </a:t>
+              </a:r>
+              <a:r>
+                <a:rPr lang="fr-BE" sz="1000" b="1" dirty="0" err="1" smtClean="0">
+                  <a:solidFill>
+                    <a:schemeClr val="tx1"/>
+                  </a:solidFill>
+                  <a:latin typeface="+mj-lt"/>
+                </a:rPr>
+                <a:t>Moving</a:t>
+              </a:r>
+              <a:r>
+                <a:rPr lang="fr-BE" sz="1000" b="1" dirty="0" smtClean="0">
+                  <a:solidFill>
+                    <a:schemeClr val="tx1"/>
+                  </a:solidFill>
+                  <a:latin typeface="+mj-lt"/>
+                </a:rPr>
+                <a:t>]</a:t>
+              </a:r>
+              <a:endParaRPr lang="fr-BE" sz="1000" b="1" dirty="0">
                 <a:solidFill>
                   <a:schemeClr val="tx1"/>
                 </a:solidFill>

--- a/writing/images/train.pptx
+++ b/writing/images/train.pptx
@@ -5,7 +5,7 @@
     <p:sldMasterId id="2147483648" r:id="rId1"/>
   </p:sldMasterIdLst>
   <p:notesMasterIdLst>
-    <p:notesMasterId r:id="rId14"/>
+    <p:notesMasterId r:id="rId18"/>
   </p:notesMasterIdLst>
   <p:sldIdLst>
     <p:sldId id="256" r:id="rId2"/>
@@ -20,6 +20,10 @@
     <p:sldId id="266" r:id="rId11"/>
     <p:sldId id="269" r:id="rId12"/>
     <p:sldId id="268" r:id="rId13"/>
+    <p:sldId id="270" r:id="rId14"/>
+    <p:sldId id="271" r:id="rId15"/>
+    <p:sldId id="272" r:id="rId16"/>
+    <p:sldId id="273" r:id="rId17"/>
   </p:sldIdLst>
   <p:sldSz cx="9144000" cy="6858000" type="screen4x3"/>
   <p:notesSz cx="6858000" cy="9144000"/>
@@ -204,7 +208,7 @@
             <a:fld id="{1A5CA47D-05BA-47C5-ACE1-040A60204EDF}" type="datetimeFigureOut">
               <a:rPr lang="fr-FR" smtClean="0"/>
               <a:pPr/>
-              <a:t>08/07/2011</a:t>
+              <a:t>25/07/2011</a:t>
             </a:fld>
             <a:endParaRPr lang="fr-BE"/>
           </a:p>
@@ -734,7 +738,7 @@
             <a:fld id="{68BDF4EC-5B70-45D8-B718-E56EB4C6B13E}" type="datetimeFigureOut">
               <a:rPr lang="fr-BE" smtClean="0"/>
               <a:pPr/>
-              <a:t>8/07/2011</a:t>
+              <a:t>25/07/2011</a:t>
             </a:fld>
             <a:endParaRPr lang="fr-BE"/>
           </a:p>
@@ -901,7 +905,7 @@
             <a:fld id="{68BDF4EC-5B70-45D8-B718-E56EB4C6B13E}" type="datetimeFigureOut">
               <a:rPr lang="fr-BE" smtClean="0"/>
               <a:pPr/>
-              <a:t>8/07/2011</a:t>
+              <a:t>25/07/2011</a:t>
             </a:fld>
             <a:endParaRPr lang="fr-BE"/>
           </a:p>
@@ -1078,7 +1082,7 @@
             <a:fld id="{68BDF4EC-5B70-45D8-B718-E56EB4C6B13E}" type="datetimeFigureOut">
               <a:rPr lang="fr-BE" smtClean="0"/>
               <a:pPr/>
-              <a:t>8/07/2011</a:t>
+              <a:t>25/07/2011</a:t>
             </a:fld>
             <a:endParaRPr lang="fr-BE"/>
           </a:p>
@@ -1245,7 +1249,7 @@
             <a:fld id="{68BDF4EC-5B70-45D8-B718-E56EB4C6B13E}" type="datetimeFigureOut">
               <a:rPr lang="fr-BE" smtClean="0"/>
               <a:pPr/>
-              <a:t>8/07/2011</a:t>
+              <a:t>25/07/2011</a:t>
             </a:fld>
             <a:endParaRPr lang="fr-BE"/>
           </a:p>
@@ -1488,7 +1492,7 @@
             <a:fld id="{68BDF4EC-5B70-45D8-B718-E56EB4C6B13E}" type="datetimeFigureOut">
               <a:rPr lang="fr-BE" smtClean="0"/>
               <a:pPr/>
-              <a:t>8/07/2011</a:t>
+              <a:t>25/07/2011</a:t>
             </a:fld>
             <a:endParaRPr lang="fr-BE"/>
           </a:p>
@@ -1773,7 +1777,7 @@
             <a:fld id="{68BDF4EC-5B70-45D8-B718-E56EB4C6B13E}" type="datetimeFigureOut">
               <a:rPr lang="fr-BE" smtClean="0"/>
               <a:pPr/>
-              <a:t>8/07/2011</a:t>
+              <a:t>25/07/2011</a:t>
             </a:fld>
             <a:endParaRPr lang="fr-BE"/>
           </a:p>
@@ -2192,7 +2196,7 @@
             <a:fld id="{68BDF4EC-5B70-45D8-B718-E56EB4C6B13E}" type="datetimeFigureOut">
               <a:rPr lang="fr-BE" smtClean="0"/>
               <a:pPr/>
-              <a:t>8/07/2011</a:t>
+              <a:t>25/07/2011</a:t>
             </a:fld>
             <a:endParaRPr lang="fr-BE"/>
           </a:p>
@@ -2307,7 +2311,7 @@
             <a:fld id="{68BDF4EC-5B70-45D8-B718-E56EB4C6B13E}" type="datetimeFigureOut">
               <a:rPr lang="fr-BE" smtClean="0"/>
               <a:pPr/>
-              <a:t>8/07/2011</a:t>
+              <a:t>25/07/2011</a:t>
             </a:fld>
             <a:endParaRPr lang="fr-BE"/>
           </a:p>
@@ -2399,7 +2403,7 @@
             <a:fld id="{68BDF4EC-5B70-45D8-B718-E56EB4C6B13E}" type="datetimeFigureOut">
               <a:rPr lang="fr-BE" smtClean="0"/>
               <a:pPr/>
-              <a:t>8/07/2011</a:t>
+              <a:t>25/07/2011</a:t>
             </a:fld>
             <a:endParaRPr lang="fr-BE"/>
           </a:p>
@@ -2673,7 +2677,7 @@
             <a:fld id="{68BDF4EC-5B70-45D8-B718-E56EB4C6B13E}" type="datetimeFigureOut">
               <a:rPr lang="fr-BE" smtClean="0"/>
               <a:pPr/>
-              <a:t>8/07/2011</a:t>
+              <a:t>25/07/2011</a:t>
             </a:fld>
             <a:endParaRPr lang="fr-BE"/>
           </a:p>
@@ -2923,7 +2927,7 @@
             <a:fld id="{68BDF4EC-5B70-45D8-B718-E56EB4C6B13E}" type="datetimeFigureOut">
               <a:rPr lang="fr-BE" smtClean="0"/>
               <a:pPr/>
-              <a:t>8/07/2011</a:t>
+              <a:t>25/07/2011</a:t>
             </a:fld>
             <a:endParaRPr lang="fr-BE"/>
           </a:p>
@@ -3133,7 +3137,7 @@
             <a:fld id="{68BDF4EC-5B70-45D8-B718-E56EB4C6B13E}" type="datetimeFigureOut">
               <a:rPr lang="fr-BE" smtClean="0"/>
               <a:pPr/>
-              <a:t>8/07/2011</a:t>
+              <a:t>25/07/2011</a:t>
             </a:fld>
             <a:endParaRPr lang="fr-BE"/>
           </a:p>
@@ -9674,7 +9678,6 @@
                 <a:rPr lang="fr-BE" sz="2400" dirty="0" smtClean="0"/>
                 <a:t> LTS</a:t>
               </a:r>
-              <a:endParaRPr lang="fr-BE" sz="2400" dirty="0" smtClean="0"/>
             </a:p>
             <a:p>
               <a:pPr marL="360363" indent="-180975">
@@ -9704,7 +9707,6 @@
                 <a:rPr lang="fr-BE" sz="2000" dirty="0" smtClean="0"/>
                 <a:t>analyses [Dam11]</a:t>
               </a:r>
-              <a:endParaRPr lang="fr-BE" sz="2000" dirty="0" smtClean="0"/>
             </a:p>
           </p:txBody>
         </p:sp>
@@ -9964,7 +9966,6 @@
                 <a:rPr lang="fr-BE" sz="2400" dirty="0" smtClean="0"/>
                 <a:t>LTS</a:t>
               </a:r>
-              <a:endParaRPr lang="fr-BE" sz="2400" dirty="0" smtClean="0"/>
             </a:p>
             <a:p>
               <a:pPr marL="360363" indent="-180975">
@@ -10005,7 +10006,6 @@
                 <a:rPr lang="fr-BE" sz="2000" dirty="0" smtClean="0"/>
                 <a:t>[Dam09, Gia03]</a:t>
               </a:r>
-              <a:endParaRPr lang="fr-BE" sz="2000" dirty="0" smtClean="0"/>
             </a:p>
           </p:txBody>
         </p:sp>
@@ -10039,7 +10039,6 @@
                 <a:rPr lang="fr-BE" sz="2400" dirty="0" smtClean="0"/>
                 <a:t> LTS</a:t>
               </a:r>
-              <a:endParaRPr lang="fr-BE" sz="2400" dirty="0" smtClean="0"/>
             </a:p>
             <a:p>
               <a:pPr marL="360363" indent="-180975">
@@ -10059,6 +10058,6625 @@
                 <a:t>language</a:t>
               </a:r>
               <a:endParaRPr lang="fr-BE" sz="2000" dirty="0" smtClean="0"/>
+            </a:p>
+          </p:txBody>
+        </p:sp>
+      </p:grpSp>
+    </p:spTree>
+  </p:cSld>
+  <p:clrMapOvr>
+    <a:masterClrMapping/>
+  </p:clrMapOvr>
+</p:sld>
+</file>
+
+<file path=ppt/slides/slide13.xml><?xml version="1.0" encoding="utf-8"?>
+<p:sld xmlns:a="http://schemas.openxmlformats.org/drawingml/2006/main" xmlns:r="http://schemas.openxmlformats.org/officeDocument/2006/relationships" xmlns:p="http://schemas.openxmlformats.org/presentationml/2006/main">
+  <p:cSld>
+    <p:spTree>
+      <p:nvGrpSpPr>
+        <p:cNvPr id="1" name=""/>
+        <p:cNvGrpSpPr/>
+        <p:nvPr/>
+      </p:nvGrpSpPr>
+      <p:grpSpPr>
+        <a:xfrm>
+          <a:off x="0" y="0"/>
+          <a:ext cx="0" cy="0"/>
+          <a:chOff x="0" y="0"/>
+          <a:chExt cx="0" cy="0"/>
+        </a:xfrm>
+      </p:grpSpPr>
+      <p:sp>
+        <p:nvSpPr>
+          <p:cNvPr id="27" name="Rectangle à coins arrondis 26"/>
+          <p:cNvSpPr/>
+          <p:nvPr/>
+        </p:nvSpPr>
+        <p:spPr>
+          <a:xfrm>
+            <a:off x="2687933" y="1266480"/>
+            <a:ext cx="1043640" cy="396000"/>
+          </a:xfrm>
+          <a:prstGeom prst="roundRect">
+            <a:avLst/>
+          </a:prstGeom>
+          <a:ln w="22225"/>
+        </p:spPr>
+        <p:style>
+          <a:lnRef idx="2">
+            <a:schemeClr val="dk1"/>
+          </a:lnRef>
+          <a:fillRef idx="1">
+            <a:schemeClr val="lt1"/>
+          </a:fillRef>
+          <a:effectRef idx="0">
+            <a:schemeClr val="dk1"/>
+          </a:effectRef>
+          <a:fontRef idx="minor">
+            <a:schemeClr val="dk1"/>
+          </a:fontRef>
+        </p:style>
+        <p:txBody>
+          <a:bodyPr wrap="none" rtlCol="0" anchor="ctr"/>
+          <a:lstStyle/>
+          <a:p>
+            <a:pPr algn="ctr"/>
+            <a:r>
+              <a:rPr lang="fr-BE" sz="1200" noProof="1" smtClean="0">
+                <a:latin typeface="+mj-lt"/>
+              </a:rPr>
+              <a:t>Initiate </a:t>
+            </a:r>
+            <a:br>
+              <a:rPr lang="fr-BE" sz="1200" noProof="1" smtClean="0">
+                <a:latin typeface="+mj-lt"/>
+              </a:rPr>
+            </a:br>
+            <a:r>
+              <a:rPr lang="fr-BE" sz="1200" noProof="1" smtClean="0">
+                <a:latin typeface="+mj-lt"/>
+              </a:rPr>
+              <a:t>Meeting</a:t>
+            </a:r>
+            <a:endParaRPr lang="fr-BE" sz="1200" noProof="1">
+              <a:latin typeface="+mj-lt"/>
+            </a:endParaRPr>
+          </a:p>
+        </p:txBody>
+      </p:sp>
+      <p:sp>
+        <p:nvSpPr>
+          <p:cNvPr id="28" name="Rectangle à coins arrondis 27"/>
+          <p:cNvSpPr/>
+          <p:nvPr/>
+        </p:nvSpPr>
+        <p:spPr>
+          <a:xfrm>
+            <a:off x="2687933" y="2087118"/>
+            <a:ext cx="1043640" cy="396000"/>
+          </a:xfrm>
+          <a:prstGeom prst="roundRect">
+            <a:avLst/>
+          </a:prstGeom>
+          <a:ln w="22225"/>
+        </p:spPr>
+        <p:style>
+          <a:lnRef idx="2">
+            <a:schemeClr val="dk1"/>
+          </a:lnRef>
+          <a:fillRef idx="1">
+            <a:schemeClr val="lt1"/>
+          </a:fillRef>
+          <a:effectRef idx="0">
+            <a:schemeClr val="dk1"/>
+          </a:effectRef>
+          <a:fontRef idx="minor">
+            <a:schemeClr val="dk1"/>
+          </a:fontRef>
+        </p:style>
+        <p:txBody>
+          <a:bodyPr wrap="none" rtlCol="0" anchor="ctr"/>
+          <a:lstStyle/>
+          <a:p>
+            <a:pPr algn="ctr"/>
+            <a:r>
+              <a:rPr lang="fr-BE" sz="1200" noProof="1" smtClean="0">
+                <a:latin typeface="+mj-lt"/>
+              </a:rPr>
+              <a:t>Acquire </a:t>
+            </a:r>
+          </a:p>
+          <a:p>
+            <a:pPr algn="ctr"/>
+            <a:r>
+              <a:rPr lang="fr-BE" sz="1200" noProof="1" smtClean="0">
+                <a:latin typeface="+mj-lt"/>
+              </a:rPr>
+              <a:t>Constraints</a:t>
+            </a:r>
+            <a:endParaRPr lang="fr-BE" sz="1200" noProof="1">
+              <a:latin typeface="+mj-lt"/>
+            </a:endParaRPr>
+          </a:p>
+        </p:txBody>
+      </p:sp>
+      <p:cxnSp>
+        <p:nvCxnSpPr>
+          <p:cNvPr id="29" name="Connecteur droit avec flèche 74"/>
+          <p:cNvCxnSpPr>
+            <a:stCxn id="27" idx="2"/>
+            <a:endCxn id="28" idx="0"/>
+          </p:cNvCxnSpPr>
+          <p:nvPr/>
+        </p:nvCxnSpPr>
+        <p:spPr>
+          <a:xfrm rot="5400000">
+            <a:off x="2997434" y="1874799"/>
+            <a:ext cx="424638" cy="1588"/>
+          </a:xfrm>
+          <a:prstGeom prst="bentConnector3">
+            <a:avLst>
+              <a:gd name="adj1" fmla="val 50000"/>
+            </a:avLst>
+          </a:prstGeom>
+          <a:ln w="22225">
+            <a:tailEnd type="arrow"/>
+          </a:ln>
+        </p:spPr>
+        <p:style>
+          <a:lnRef idx="2">
+            <a:schemeClr val="dk1"/>
+          </a:lnRef>
+          <a:fillRef idx="0">
+            <a:schemeClr val="dk1"/>
+          </a:fillRef>
+          <a:effectRef idx="1">
+            <a:schemeClr val="dk1"/>
+          </a:effectRef>
+          <a:fontRef idx="minor">
+            <a:schemeClr val="tx1"/>
+          </a:fontRef>
+        </p:style>
+      </p:cxnSp>
+      <p:sp>
+        <p:nvSpPr>
+          <p:cNvPr id="30" name="Losange 29"/>
+          <p:cNvSpPr/>
+          <p:nvPr/>
+        </p:nvSpPr>
+        <p:spPr>
+          <a:xfrm>
+            <a:off x="2949316" y="3233064"/>
+            <a:ext cx="520874" cy="357190"/>
+          </a:xfrm>
+          <a:prstGeom prst="diamond">
+            <a:avLst/>
+          </a:prstGeom>
+          <a:ln w="22225"/>
+        </p:spPr>
+        <p:style>
+          <a:lnRef idx="2">
+            <a:schemeClr val="dk1"/>
+          </a:lnRef>
+          <a:fillRef idx="1">
+            <a:schemeClr val="lt1"/>
+          </a:fillRef>
+          <a:effectRef idx="0">
+            <a:schemeClr val="dk1"/>
+          </a:effectRef>
+          <a:fontRef idx="minor">
+            <a:schemeClr val="dk1"/>
+          </a:fontRef>
+        </p:style>
+        <p:txBody>
+          <a:bodyPr wrap="none" rtlCol="0" anchor="ctr">
+            <a:noAutofit/>
+          </a:bodyPr>
+          <a:lstStyle/>
+          <a:p>
+            <a:pPr algn="ctr"/>
+            <a:r>
+              <a:rPr lang="fr-BE" sz="1200" noProof="1" smtClean="0">
+                <a:latin typeface="+mj-lt"/>
+              </a:rPr>
+              <a:t>?</a:t>
+            </a:r>
+            <a:endParaRPr lang="fr-BE" sz="1200" noProof="1">
+              <a:latin typeface="+mj-lt"/>
+            </a:endParaRPr>
+          </a:p>
+        </p:txBody>
+      </p:sp>
+      <p:sp>
+        <p:nvSpPr>
+          <p:cNvPr id="31" name="Rectangle à coins arrondis 30"/>
+          <p:cNvSpPr/>
+          <p:nvPr/>
+        </p:nvSpPr>
+        <p:spPr>
+          <a:xfrm>
+            <a:off x="1338575" y="4232008"/>
+            <a:ext cx="1043640" cy="396000"/>
+          </a:xfrm>
+          <a:prstGeom prst="roundRect">
+            <a:avLst/>
+          </a:prstGeom>
+          <a:ln w="22225"/>
+        </p:spPr>
+        <p:style>
+          <a:lnRef idx="2">
+            <a:schemeClr val="dk1"/>
+          </a:lnRef>
+          <a:fillRef idx="1">
+            <a:schemeClr val="lt1"/>
+          </a:fillRef>
+          <a:effectRef idx="0">
+            <a:schemeClr val="dk1"/>
+          </a:effectRef>
+          <a:fontRef idx="minor">
+            <a:schemeClr val="dk1"/>
+          </a:fontRef>
+        </p:style>
+        <p:txBody>
+          <a:bodyPr wrap="none" rtlCol="0" anchor="ctr"/>
+          <a:lstStyle/>
+          <a:p>
+            <a:pPr algn="ctr"/>
+            <a:r>
+              <a:rPr lang="fr-BE" sz="1200" noProof="1" smtClean="0">
+                <a:latin typeface="+mj-lt"/>
+              </a:rPr>
+              <a:t>Arbitrate</a:t>
+            </a:r>
+            <a:endParaRPr lang="fr-BE" sz="1200" noProof="1">
+              <a:latin typeface="+mj-lt"/>
+            </a:endParaRPr>
+          </a:p>
+        </p:txBody>
+      </p:sp>
+      <p:sp>
+        <p:nvSpPr>
+          <p:cNvPr id="32" name="Rectangle à coins arrondis 31"/>
+          <p:cNvSpPr/>
+          <p:nvPr/>
+        </p:nvSpPr>
+        <p:spPr>
+          <a:xfrm>
+            <a:off x="2687933" y="4232008"/>
+            <a:ext cx="1043640" cy="396000"/>
+          </a:xfrm>
+          <a:prstGeom prst="roundRect">
+            <a:avLst/>
+          </a:prstGeom>
+          <a:ln w="22225"/>
+        </p:spPr>
+        <p:style>
+          <a:lnRef idx="2">
+            <a:schemeClr val="dk1"/>
+          </a:lnRef>
+          <a:fillRef idx="1">
+            <a:schemeClr val="lt1"/>
+          </a:fillRef>
+          <a:effectRef idx="0">
+            <a:schemeClr val="dk1"/>
+          </a:effectRef>
+          <a:fontRef idx="minor">
+            <a:schemeClr val="dk1"/>
+          </a:fontRef>
+        </p:style>
+        <p:txBody>
+          <a:bodyPr wrap="none" rtlCol="0" anchor="ctr"/>
+          <a:lstStyle/>
+          <a:p>
+            <a:pPr algn="ctr"/>
+            <a:r>
+              <a:rPr lang="fr-BE" sz="1200" noProof="1" smtClean="0">
+                <a:latin typeface="+mj-lt"/>
+              </a:rPr>
+              <a:t>Weaken</a:t>
+            </a:r>
+            <a:br>
+              <a:rPr lang="fr-BE" sz="1200" noProof="1" smtClean="0">
+                <a:latin typeface="+mj-lt"/>
+              </a:rPr>
+            </a:br>
+            <a:r>
+              <a:rPr lang="fr-BE" sz="1200" noProof="1" smtClean="0">
+                <a:latin typeface="+mj-lt"/>
+              </a:rPr>
+              <a:t>Constraints</a:t>
+            </a:r>
+          </a:p>
+        </p:txBody>
+      </p:sp>
+      <p:sp>
+        <p:nvSpPr>
+          <p:cNvPr id="33" name="Rectangle à coins arrondis 32"/>
+          <p:cNvSpPr/>
+          <p:nvPr/>
+        </p:nvSpPr>
+        <p:spPr>
+          <a:xfrm>
+            <a:off x="4177540" y="4232008"/>
+            <a:ext cx="1043640" cy="396000"/>
+          </a:xfrm>
+          <a:prstGeom prst="roundRect">
+            <a:avLst/>
+          </a:prstGeom>
+          <a:ln w="22225"/>
+        </p:spPr>
+        <p:style>
+          <a:lnRef idx="2">
+            <a:schemeClr val="dk1"/>
+          </a:lnRef>
+          <a:fillRef idx="1">
+            <a:schemeClr val="lt1"/>
+          </a:fillRef>
+          <a:effectRef idx="0">
+            <a:schemeClr val="dk1"/>
+          </a:effectRef>
+          <a:fontRef idx="minor">
+            <a:schemeClr val="dk1"/>
+          </a:fontRef>
+        </p:style>
+        <p:txBody>
+          <a:bodyPr wrap="none" rtlCol="0" anchor="ctr"/>
+          <a:lstStyle/>
+          <a:p>
+            <a:pPr algn="ctr"/>
+            <a:r>
+              <a:rPr lang="fr-BE" sz="1200" noProof="1" smtClean="0">
+                <a:latin typeface="+mj-lt"/>
+              </a:rPr>
+              <a:t>Schedule</a:t>
+            </a:r>
+          </a:p>
+          <a:p>
+            <a:pPr algn="ctr"/>
+            <a:r>
+              <a:rPr lang="fr-BE" sz="1200" noProof="1" smtClean="0">
+                <a:latin typeface="+mj-lt"/>
+              </a:rPr>
+              <a:t>Meeting</a:t>
+            </a:r>
+          </a:p>
+        </p:txBody>
+      </p:sp>
+      <p:sp>
+        <p:nvSpPr>
+          <p:cNvPr id="34" name="Rectangle à coins arrondis 33"/>
+          <p:cNvSpPr/>
+          <p:nvPr/>
+        </p:nvSpPr>
+        <p:spPr>
+          <a:xfrm>
+            <a:off x="195567" y="2087118"/>
+            <a:ext cx="1043640" cy="396000"/>
+          </a:xfrm>
+          <a:prstGeom prst="roundRect">
+            <a:avLst/>
+          </a:prstGeom>
+          <a:ln w="22225"/>
+        </p:spPr>
+        <p:style>
+          <a:lnRef idx="2">
+            <a:schemeClr val="dk1"/>
+          </a:lnRef>
+          <a:fillRef idx="1">
+            <a:schemeClr val="lt1"/>
+          </a:fillRef>
+          <a:effectRef idx="0">
+            <a:schemeClr val="dk1"/>
+          </a:effectRef>
+          <a:fontRef idx="minor">
+            <a:schemeClr val="dk1"/>
+          </a:fontRef>
+        </p:style>
+        <p:txBody>
+          <a:bodyPr wrap="none" rtlCol="0" anchor="ctr"/>
+          <a:lstStyle/>
+          <a:p>
+            <a:pPr algn="ctr"/>
+            <a:r>
+              <a:rPr lang="fr-BE" sz="1200" noProof="1" smtClean="0">
+                <a:latin typeface="+mj-lt"/>
+              </a:rPr>
+              <a:t>Extend</a:t>
+            </a:r>
+          </a:p>
+          <a:p>
+            <a:pPr algn="ctr"/>
+            <a:r>
+              <a:rPr lang="fr-BE" sz="1200" noProof="1" smtClean="0">
+                <a:latin typeface="+mj-lt"/>
+              </a:rPr>
+              <a:t>Date Range</a:t>
+            </a:r>
+          </a:p>
+        </p:txBody>
+      </p:sp>
+      <p:sp>
+        <p:nvSpPr>
+          <p:cNvPr id="35" name="Losange 34"/>
+          <p:cNvSpPr/>
+          <p:nvPr/>
+        </p:nvSpPr>
+        <p:spPr>
+          <a:xfrm>
+            <a:off x="1599958" y="5304058"/>
+            <a:ext cx="520874" cy="357190"/>
+          </a:xfrm>
+          <a:prstGeom prst="diamond">
+            <a:avLst/>
+          </a:prstGeom>
+          <a:ln w="22225"/>
+        </p:spPr>
+        <p:style>
+          <a:lnRef idx="2">
+            <a:schemeClr val="dk1"/>
+          </a:lnRef>
+          <a:fillRef idx="1">
+            <a:schemeClr val="lt1"/>
+          </a:fillRef>
+          <a:effectRef idx="0">
+            <a:schemeClr val="dk1"/>
+          </a:effectRef>
+          <a:fontRef idx="minor">
+            <a:schemeClr val="dk1"/>
+          </a:fontRef>
+        </p:style>
+        <p:txBody>
+          <a:bodyPr wrap="none" rtlCol="0" anchor="ctr">
+            <a:noAutofit/>
+          </a:bodyPr>
+          <a:lstStyle/>
+          <a:p>
+            <a:pPr algn="ctr"/>
+            <a:r>
+              <a:rPr lang="fr-BE" sz="1200" noProof="1" smtClean="0">
+                <a:latin typeface="+mj-lt"/>
+              </a:rPr>
+              <a:t>?</a:t>
+            </a:r>
+            <a:endParaRPr lang="fr-BE" sz="1200" noProof="1">
+              <a:latin typeface="+mj-lt"/>
+            </a:endParaRPr>
+          </a:p>
+        </p:txBody>
+      </p:sp>
+      <p:sp>
+        <p:nvSpPr>
+          <p:cNvPr id="36" name="Ellipse 35"/>
+          <p:cNvSpPr/>
+          <p:nvPr/>
+        </p:nvSpPr>
+        <p:spPr>
+          <a:xfrm>
+            <a:off x="3173753" y="980728"/>
+            <a:ext cx="72000" cy="72000"/>
+          </a:xfrm>
+          <a:prstGeom prst="ellipse">
+            <a:avLst/>
+          </a:prstGeom>
+          <a:ln w="22225"/>
+        </p:spPr>
+        <p:style>
+          <a:lnRef idx="2">
+            <a:schemeClr val="dk1">
+              <a:shade val="50000"/>
+            </a:schemeClr>
+          </a:lnRef>
+          <a:fillRef idx="1">
+            <a:schemeClr val="dk1"/>
+          </a:fillRef>
+          <a:effectRef idx="0">
+            <a:schemeClr val="dk1"/>
+          </a:effectRef>
+          <a:fontRef idx="minor">
+            <a:schemeClr val="lt1"/>
+          </a:fontRef>
+        </p:style>
+        <p:txBody>
+          <a:bodyPr rtlCol="0" anchor="ctr"/>
+          <a:lstStyle/>
+          <a:p>
+            <a:pPr algn="ctr"/>
+            <a:endParaRPr lang="fr-BE" sz="1200" noProof="1">
+              <a:latin typeface="+mj-lt"/>
+            </a:endParaRPr>
+          </a:p>
+        </p:txBody>
+      </p:sp>
+      <p:cxnSp>
+        <p:nvCxnSpPr>
+          <p:cNvPr id="37" name="Connecteur droit avec flèche 36"/>
+          <p:cNvCxnSpPr>
+            <a:stCxn id="36" idx="4"/>
+            <a:endCxn id="27" idx="0"/>
+          </p:cNvCxnSpPr>
+          <p:nvPr/>
+        </p:nvCxnSpPr>
+        <p:spPr>
+          <a:xfrm rot="5400000">
+            <a:off x="3102877" y="1159604"/>
+            <a:ext cx="213752" cy="1588"/>
+          </a:xfrm>
+          <a:prstGeom prst="straightConnector1">
+            <a:avLst/>
+          </a:prstGeom>
+          <a:ln w="22225">
+            <a:tailEnd type="arrow"/>
+          </a:ln>
+        </p:spPr>
+        <p:style>
+          <a:lnRef idx="2">
+            <a:schemeClr val="dk1"/>
+          </a:lnRef>
+          <a:fillRef idx="0">
+            <a:schemeClr val="dk1"/>
+          </a:fillRef>
+          <a:effectRef idx="1">
+            <a:schemeClr val="dk1"/>
+          </a:effectRef>
+          <a:fontRef idx="minor">
+            <a:schemeClr val="tx1"/>
+          </a:fontRef>
+        </p:style>
+      </p:cxnSp>
+      <p:cxnSp>
+        <p:nvCxnSpPr>
+          <p:cNvPr id="38" name="Connecteur droit avec flèche 37"/>
+          <p:cNvCxnSpPr>
+            <a:stCxn id="33" idx="2"/>
+          </p:cNvCxnSpPr>
+          <p:nvPr/>
+        </p:nvCxnSpPr>
+        <p:spPr>
+          <a:xfrm rot="16200000" flipH="1">
+            <a:off x="4426031" y="4901337"/>
+            <a:ext cx="549851" cy="3192"/>
+          </a:xfrm>
+          <a:prstGeom prst="straightConnector1">
+            <a:avLst/>
+          </a:prstGeom>
+          <a:ln w="22225">
+            <a:tailEnd type="arrow"/>
+          </a:ln>
+        </p:spPr>
+        <p:style>
+          <a:lnRef idx="2">
+            <a:schemeClr val="dk1"/>
+          </a:lnRef>
+          <a:fillRef idx="0">
+            <a:schemeClr val="dk1"/>
+          </a:fillRef>
+          <a:effectRef idx="1">
+            <a:schemeClr val="dk1"/>
+          </a:effectRef>
+          <a:fontRef idx="minor">
+            <a:schemeClr val="tx1"/>
+          </a:fontRef>
+        </p:style>
+      </p:cxnSp>
+      <p:grpSp>
+        <p:nvGrpSpPr>
+          <p:cNvPr id="39" name="Groupe 109"/>
+          <p:cNvGrpSpPr/>
+          <p:nvPr/>
+        </p:nvGrpSpPr>
+        <p:grpSpPr>
+          <a:xfrm>
+            <a:off x="4612552" y="5177859"/>
+            <a:ext cx="180000" cy="180000"/>
+            <a:chOff x="2786050" y="6143644"/>
+            <a:chExt cx="180000" cy="180000"/>
+          </a:xfrm>
+        </p:grpSpPr>
+        <p:sp>
+          <p:nvSpPr>
+            <p:cNvPr id="53" name="Ellipse 52"/>
+            <p:cNvSpPr/>
+            <p:nvPr/>
+          </p:nvSpPr>
+          <p:spPr>
+            <a:xfrm>
+              <a:off x="2786050" y="6143644"/>
+              <a:ext cx="180000" cy="180000"/>
+            </a:xfrm>
+            <a:prstGeom prst="ellipse">
+              <a:avLst/>
+            </a:prstGeom>
+          </p:spPr>
+          <p:style>
+            <a:lnRef idx="2">
+              <a:schemeClr val="dk1"/>
+            </a:lnRef>
+            <a:fillRef idx="1">
+              <a:schemeClr val="lt1"/>
+            </a:fillRef>
+            <a:effectRef idx="0">
+              <a:schemeClr val="dk1"/>
+            </a:effectRef>
+            <a:fontRef idx="minor">
+              <a:schemeClr val="dk1"/>
+            </a:fontRef>
+          </p:style>
+          <p:txBody>
+            <a:bodyPr rtlCol="0" anchor="ctr"/>
+            <a:lstStyle/>
+            <a:p>
+              <a:pPr algn="ctr"/>
+              <a:endParaRPr lang="fr-BE" sz="1200" noProof="1">
+                <a:latin typeface="+mj-lt"/>
+              </a:endParaRPr>
+            </a:p>
+          </p:txBody>
+        </p:sp>
+        <p:sp>
+          <p:nvSpPr>
+            <p:cNvPr id="54" name="Ellipse 53"/>
+            <p:cNvSpPr/>
+            <p:nvPr/>
+          </p:nvSpPr>
+          <p:spPr>
+            <a:xfrm>
+              <a:off x="2840050" y="6207169"/>
+              <a:ext cx="72000" cy="72000"/>
+            </a:xfrm>
+            <a:prstGeom prst="ellipse">
+              <a:avLst/>
+            </a:prstGeom>
+            <a:ln w="22225"/>
+          </p:spPr>
+          <p:style>
+            <a:lnRef idx="2">
+              <a:schemeClr val="dk1">
+                <a:shade val="50000"/>
+              </a:schemeClr>
+            </a:lnRef>
+            <a:fillRef idx="1">
+              <a:schemeClr val="dk1"/>
+            </a:fillRef>
+            <a:effectRef idx="0">
+              <a:schemeClr val="dk1"/>
+            </a:effectRef>
+            <a:fontRef idx="minor">
+              <a:schemeClr val="lt1"/>
+            </a:fontRef>
+          </p:style>
+          <p:txBody>
+            <a:bodyPr rtlCol="0" anchor="ctr"/>
+            <a:lstStyle/>
+            <a:p>
+              <a:pPr algn="ctr"/>
+              <a:endParaRPr lang="fr-BE" sz="1200" noProof="1">
+                <a:latin typeface="+mj-lt"/>
+              </a:endParaRPr>
+            </a:p>
+          </p:txBody>
+        </p:sp>
+      </p:grpSp>
+      <p:cxnSp>
+        <p:nvCxnSpPr>
+          <p:cNvPr id="40" name="Connecteur droit avec flèche 74"/>
+          <p:cNvCxnSpPr>
+            <a:stCxn id="30" idx="3"/>
+            <a:endCxn id="33" idx="0"/>
+          </p:cNvCxnSpPr>
+          <p:nvPr/>
+        </p:nvCxnSpPr>
+        <p:spPr>
+          <a:xfrm>
+            <a:off x="3470190" y="3411659"/>
+            <a:ext cx="1229170" cy="820349"/>
+          </a:xfrm>
+          <a:prstGeom prst="bentConnector2">
+            <a:avLst/>
+          </a:prstGeom>
+          <a:ln w="22225">
+            <a:tailEnd type="arrow"/>
+          </a:ln>
+        </p:spPr>
+        <p:style>
+          <a:lnRef idx="2">
+            <a:schemeClr val="dk1"/>
+          </a:lnRef>
+          <a:fillRef idx="0">
+            <a:schemeClr val="dk1"/>
+          </a:fillRef>
+          <a:effectRef idx="1">
+            <a:schemeClr val="dk1"/>
+          </a:effectRef>
+          <a:fontRef idx="minor">
+            <a:schemeClr val="tx1"/>
+          </a:fontRef>
+        </p:style>
+      </p:cxnSp>
+      <p:cxnSp>
+        <p:nvCxnSpPr>
+          <p:cNvPr id="41" name="Connecteur droit avec flèche 74"/>
+          <p:cNvCxnSpPr>
+            <a:stCxn id="30" idx="1"/>
+            <a:endCxn id="31" idx="0"/>
+          </p:cNvCxnSpPr>
+          <p:nvPr/>
+        </p:nvCxnSpPr>
+        <p:spPr>
+          <a:xfrm rot="10800000" flipV="1">
+            <a:off x="1860396" y="3411658"/>
+            <a:ext cx="1088921" cy="820349"/>
+          </a:xfrm>
+          <a:prstGeom prst="bentConnector2">
+            <a:avLst/>
+          </a:prstGeom>
+          <a:ln w="22225">
+            <a:tailEnd type="arrow"/>
+          </a:ln>
+        </p:spPr>
+        <p:style>
+          <a:lnRef idx="2">
+            <a:schemeClr val="dk1"/>
+          </a:lnRef>
+          <a:fillRef idx="0">
+            <a:schemeClr val="dk1"/>
+          </a:fillRef>
+          <a:effectRef idx="1">
+            <a:schemeClr val="dk1"/>
+          </a:effectRef>
+          <a:fontRef idx="minor">
+            <a:schemeClr val="tx1"/>
+          </a:fontRef>
+        </p:style>
+      </p:cxnSp>
+      <p:cxnSp>
+        <p:nvCxnSpPr>
+          <p:cNvPr id="42" name="Connecteur droit avec flèche 74"/>
+          <p:cNvCxnSpPr>
+            <a:stCxn id="31" idx="2"/>
+            <a:endCxn id="35" idx="0"/>
+          </p:cNvCxnSpPr>
+          <p:nvPr/>
+        </p:nvCxnSpPr>
+        <p:spPr>
+          <a:xfrm rot="5400000">
+            <a:off x="1522370" y="4966033"/>
+            <a:ext cx="676050" cy="1588"/>
+          </a:xfrm>
+          <a:prstGeom prst="bentConnector3">
+            <a:avLst>
+              <a:gd name="adj1" fmla="val 50000"/>
+            </a:avLst>
+          </a:prstGeom>
+          <a:ln w="22225">
+            <a:tailEnd type="arrow"/>
+          </a:ln>
+        </p:spPr>
+        <p:style>
+          <a:lnRef idx="2">
+            <a:schemeClr val="dk1"/>
+          </a:lnRef>
+          <a:fillRef idx="0">
+            <a:schemeClr val="dk1"/>
+          </a:fillRef>
+          <a:effectRef idx="1">
+            <a:schemeClr val="dk1"/>
+          </a:effectRef>
+          <a:fontRef idx="minor">
+            <a:schemeClr val="tx1"/>
+          </a:fontRef>
+        </p:style>
+      </p:cxnSp>
+      <p:cxnSp>
+        <p:nvCxnSpPr>
+          <p:cNvPr id="43" name="Connecteur droit avec flèche 74"/>
+          <p:cNvCxnSpPr>
+            <a:stCxn id="35" idx="1"/>
+            <a:endCxn id="34" idx="2"/>
+          </p:cNvCxnSpPr>
+          <p:nvPr/>
+        </p:nvCxnSpPr>
+        <p:spPr>
+          <a:xfrm rot="10800000">
+            <a:off x="717388" y="2483119"/>
+            <a:ext cx="882571" cy="2999535"/>
+          </a:xfrm>
+          <a:prstGeom prst="bentConnector2">
+            <a:avLst/>
+          </a:prstGeom>
+          <a:ln w="22225">
+            <a:tailEnd type="arrow"/>
+          </a:ln>
+        </p:spPr>
+        <p:style>
+          <a:lnRef idx="2">
+            <a:schemeClr val="dk1"/>
+          </a:lnRef>
+          <a:fillRef idx="0">
+            <a:schemeClr val="dk1"/>
+          </a:fillRef>
+          <a:effectRef idx="1">
+            <a:schemeClr val="dk1"/>
+          </a:effectRef>
+          <a:fontRef idx="minor">
+            <a:schemeClr val="tx1"/>
+          </a:fontRef>
+        </p:style>
+      </p:cxnSp>
+      <p:cxnSp>
+        <p:nvCxnSpPr>
+          <p:cNvPr id="44" name="Connecteur droit avec flèche 74"/>
+          <p:cNvCxnSpPr>
+            <a:stCxn id="35" idx="3"/>
+            <a:endCxn id="32" idx="2"/>
+          </p:cNvCxnSpPr>
+          <p:nvPr/>
+        </p:nvCxnSpPr>
+        <p:spPr>
+          <a:xfrm flipV="1">
+            <a:off x="2120832" y="4628008"/>
+            <a:ext cx="1088921" cy="854645"/>
+          </a:xfrm>
+          <a:prstGeom prst="bentConnector2">
+            <a:avLst/>
+          </a:prstGeom>
+          <a:ln w="22225">
+            <a:tailEnd type="arrow"/>
+          </a:ln>
+        </p:spPr>
+        <p:style>
+          <a:lnRef idx="2">
+            <a:schemeClr val="dk1"/>
+          </a:lnRef>
+          <a:fillRef idx="0">
+            <a:schemeClr val="dk1"/>
+          </a:fillRef>
+          <a:effectRef idx="1">
+            <a:schemeClr val="dk1"/>
+          </a:effectRef>
+          <a:fontRef idx="minor">
+            <a:schemeClr val="tx1"/>
+          </a:fontRef>
+        </p:style>
+      </p:cxnSp>
+      <p:cxnSp>
+        <p:nvCxnSpPr>
+          <p:cNvPr id="45" name="Connecteur droit avec flèche 74"/>
+          <p:cNvCxnSpPr>
+            <a:stCxn id="32" idx="0"/>
+            <a:endCxn id="30" idx="2"/>
+          </p:cNvCxnSpPr>
+          <p:nvPr/>
+        </p:nvCxnSpPr>
+        <p:spPr>
+          <a:xfrm rot="5400000" flipH="1" flipV="1">
+            <a:off x="2888876" y="3911131"/>
+            <a:ext cx="641754" cy="1588"/>
+          </a:xfrm>
+          <a:prstGeom prst="bentConnector3">
+            <a:avLst>
+              <a:gd name="adj1" fmla="val 50000"/>
+            </a:avLst>
+          </a:prstGeom>
+          <a:ln w="22225">
+            <a:tailEnd type="arrow"/>
+          </a:ln>
+        </p:spPr>
+        <p:style>
+          <a:lnRef idx="2">
+            <a:schemeClr val="dk1"/>
+          </a:lnRef>
+          <a:fillRef idx="0">
+            <a:schemeClr val="dk1"/>
+          </a:fillRef>
+          <a:effectRef idx="1">
+            <a:schemeClr val="dk1"/>
+          </a:effectRef>
+          <a:fontRef idx="minor">
+            <a:schemeClr val="tx1"/>
+          </a:fontRef>
+        </p:style>
+      </p:cxnSp>
+      <p:cxnSp>
+        <p:nvCxnSpPr>
+          <p:cNvPr id="46" name="Connecteur droit avec flèche 74"/>
+          <p:cNvCxnSpPr>
+            <a:stCxn id="28" idx="2"/>
+            <a:endCxn id="30" idx="0"/>
+          </p:cNvCxnSpPr>
+          <p:nvPr/>
+        </p:nvCxnSpPr>
+        <p:spPr>
+          <a:xfrm rot="5400000">
+            <a:off x="2834780" y="2858091"/>
+            <a:ext cx="749946" cy="1588"/>
+          </a:xfrm>
+          <a:prstGeom prst="bentConnector3">
+            <a:avLst>
+              <a:gd name="adj1" fmla="val 50000"/>
+            </a:avLst>
+          </a:prstGeom>
+          <a:ln w="22225">
+            <a:tailEnd type="arrow"/>
+          </a:ln>
+        </p:spPr>
+        <p:style>
+          <a:lnRef idx="2">
+            <a:schemeClr val="dk1"/>
+          </a:lnRef>
+          <a:fillRef idx="0">
+            <a:schemeClr val="dk1"/>
+          </a:fillRef>
+          <a:effectRef idx="1">
+            <a:schemeClr val="dk1"/>
+          </a:effectRef>
+          <a:fontRef idx="minor">
+            <a:schemeClr val="tx1"/>
+          </a:fontRef>
+        </p:style>
+      </p:cxnSp>
+      <p:sp>
+        <p:nvSpPr>
+          <p:cNvPr id="47" name="ZoneTexte 46"/>
+          <p:cNvSpPr txBox="1"/>
+          <p:nvPr/>
+        </p:nvSpPr>
+        <p:spPr>
+          <a:xfrm>
+            <a:off x="1422698" y="3316342"/>
+            <a:ext cx="908454" cy="184666"/>
+          </a:xfrm>
+          <a:prstGeom prst="rect">
+            <a:avLst/>
+          </a:prstGeom>
+          <a:solidFill>
+            <a:schemeClr val="lt1">
+              <a:alpha val="90000"/>
+            </a:schemeClr>
+          </a:solidFill>
+        </p:spPr>
+        <p:txBody>
+          <a:bodyPr wrap="none" lIns="0" tIns="0" rIns="0" bIns="0" rtlCol="0">
+            <a:spAutoFit/>
+          </a:bodyPr>
+          <a:lstStyle/>
+          <a:p>
+            <a:r>
+              <a:rPr lang="fr-BE" sz="1200" noProof="1" smtClean="0"/>
+              <a:t>[date_conflict]</a:t>
+            </a:r>
+            <a:endParaRPr lang="fr-BE" sz="1200" noProof="1"/>
+          </a:p>
+        </p:txBody>
+      </p:sp>
+      <p:sp>
+        <p:nvSpPr>
+          <p:cNvPr id="48" name="ZoneTexte 47"/>
+          <p:cNvSpPr txBox="1"/>
+          <p:nvPr/>
+        </p:nvSpPr>
+        <p:spPr>
+          <a:xfrm>
+            <a:off x="4149610" y="3306817"/>
+            <a:ext cx="1087990" cy="184666"/>
+          </a:xfrm>
+          <a:prstGeom prst="rect">
+            <a:avLst/>
+          </a:prstGeom>
+          <a:solidFill>
+            <a:schemeClr val="lt1">
+              <a:alpha val="90000"/>
+            </a:schemeClr>
+          </a:solidFill>
+        </p:spPr>
+        <p:txBody>
+          <a:bodyPr wrap="none" lIns="0" tIns="0" rIns="0" bIns="0" rtlCol="0">
+            <a:spAutoFit/>
+          </a:bodyPr>
+          <a:lstStyle/>
+          <a:p>
+            <a:r>
+              <a:rPr lang="fr-BE" sz="1200" noProof="1" smtClean="0"/>
+              <a:t>[</a:t>
+            </a:r>
+            <a:r>
+              <a:rPr lang="fr-BE" sz="1200" noProof="1" smtClean="0">
+                <a:sym typeface="Symbol"/>
+              </a:rPr>
+              <a:t> </a:t>
+            </a:r>
+            <a:r>
+              <a:rPr lang="fr-BE" sz="1200" noProof="1" smtClean="0"/>
+              <a:t>date_conflict]</a:t>
+            </a:r>
+            <a:endParaRPr lang="fr-BE" sz="1200" noProof="1"/>
+          </a:p>
+        </p:txBody>
+      </p:sp>
+      <p:sp>
+        <p:nvSpPr>
+          <p:cNvPr id="49" name="ZoneTexte 48"/>
+          <p:cNvSpPr txBox="1"/>
+          <p:nvPr/>
+        </p:nvSpPr>
+        <p:spPr>
+          <a:xfrm>
+            <a:off x="35496" y="5115484"/>
+            <a:ext cx="1659750" cy="184666"/>
+          </a:xfrm>
+          <a:prstGeom prst="rect">
+            <a:avLst/>
+          </a:prstGeom>
+          <a:solidFill>
+            <a:schemeClr val="lt1"/>
+          </a:solidFill>
+        </p:spPr>
+        <p:txBody>
+          <a:bodyPr wrap="none" lIns="0" tIns="0" rIns="0" bIns="0" rtlCol="0">
+            <a:spAutoFit/>
+          </a:bodyPr>
+          <a:lstStyle/>
+          <a:p>
+            <a:r>
+              <a:rPr lang="fr-BE" sz="1200" noProof="1" smtClean="0"/>
+              <a:t>[</a:t>
+            </a:r>
+            <a:r>
+              <a:rPr lang="fr-BE" sz="1200" noProof="1" smtClean="0">
+                <a:sym typeface="Symbol"/>
+              </a:rPr>
+              <a:t> </a:t>
+            </a:r>
+            <a:r>
+              <a:rPr lang="fr-BE" sz="1200" noProof="1" smtClean="0"/>
+              <a:t>resolve_by_weakening]</a:t>
+            </a:r>
+            <a:endParaRPr lang="fr-BE" sz="1200" noProof="1"/>
+          </a:p>
+        </p:txBody>
+      </p:sp>
+      <p:sp>
+        <p:nvSpPr>
+          <p:cNvPr id="50" name="ZoneTexte 49"/>
+          <p:cNvSpPr txBox="1"/>
+          <p:nvPr/>
+        </p:nvSpPr>
+        <p:spPr>
+          <a:xfrm>
+            <a:off x="2456777" y="5115484"/>
+            <a:ext cx="1515479" cy="184666"/>
+          </a:xfrm>
+          <a:prstGeom prst="rect">
+            <a:avLst/>
+          </a:prstGeom>
+          <a:solidFill>
+            <a:schemeClr val="lt1"/>
+          </a:solidFill>
+        </p:spPr>
+        <p:txBody>
+          <a:bodyPr wrap="none" lIns="0" tIns="0" rIns="0" bIns="0" rtlCol="0">
+            <a:spAutoFit/>
+          </a:bodyPr>
+          <a:lstStyle/>
+          <a:p>
+            <a:r>
+              <a:rPr lang="fr-BE" sz="1200" noProof="1" smtClean="0"/>
+              <a:t>[resolve_by_weakening]</a:t>
+            </a:r>
+            <a:endParaRPr lang="fr-BE" sz="1200" noProof="1"/>
+          </a:p>
+        </p:txBody>
+      </p:sp>
+      <p:sp>
+        <p:nvSpPr>
+          <p:cNvPr id="51" name="Ellipse 50"/>
+          <p:cNvSpPr/>
+          <p:nvPr/>
+        </p:nvSpPr>
+        <p:spPr>
+          <a:xfrm>
+            <a:off x="552757" y="3343312"/>
+            <a:ext cx="0" cy="0"/>
+          </a:xfrm>
+          <a:prstGeom prst="ellipse">
+            <a:avLst/>
+          </a:prstGeom>
+        </p:spPr>
+        <p:style>
+          <a:lnRef idx="2">
+            <a:schemeClr val="dk1">
+              <a:shade val="50000"/>
+            </a:schemeClr>
+          </a:lnRef>
+          <a:fillRef idx="1">
+            <a:schemeClr val="dk1"/>
+          </a:fillRef>
+          <a:effectRef idx="0">
+            <a:schemeClr val="dk1"/>
+          </a:effectRef>
+          <a:fontRef idx="minor">
+            <a:schemeClr val="lt1"/>
+          </a:fontRef>
+        </p:style>
+        <p:txBody>
+          <a:bodyPr rtlCol="0" anchor="ctr"/>
+          <a:lstStyle/>
+          <a:p>
+            <a:pPr algn="ctr"/>
+            <a:endParaRPr lang="fr-BE"/>
+          </a:p>
+        </p:txBody>
+      </p:sp>
+      <p:cxnSp>
+        <p:nvCxnSpPr>
+          <p:cNvPr id="52" name="Connecteur droit avec flèche 74"/>
+          <p:cNvCxnSpPr>
+            <a:stCxn id="34" idx="3"/>
+            <a:endCxn id="28" idx="1"/>
+          </p:cNvCxnSpPr>
+          <p:nvPr/>
+        </p:nvCxnSpPr>
+        <p:spPr>
+          <a:xfrm>
+            <a:off x="1239207" y="2285118"/>
+            <a:ext cx="1448726" cy="1588"/>
+          </a:xfrm>
+          <a:prstGeom prst="bentConnector3">
+            <a:avLst>
+              <a:gd name="adj1" fmla="val 50000"/>
+            </a:avLst>
+          </a:prstGeom>
+          <a:ln w="22225">
+            <a:tailEnd type="arrow"/>
+          </a:ln>
+        </p:spPr>
+        <p:style>
+          <a:lnRef idx="2">
+            <a:schemeClr val="dk1"/>
+          </a:lnRef>
+          <a:fillRef idx="0">
+            <a:schemeClr val="dk1"/>
+          </a:fillRef>
+          <a:effectRef idx="1">
+            <a:schemeClr val="dk1"/>
+          </a:effectRef>
+          <a:fontRef idx="minor">
+            <a:schemeClr val="tx1"/>
+          </a:fontRef>
+        </p:style>
+      </p:cxnSp>
+      <p:sp>
+        <p:nvSpPr>
+          <p:cNvPr id="55" name="Ellipse 54"/>
+          <p:cNvSpPr/>
+          <p:nvPr/>
+        </p:nvSpPr>
+        <p:spPr>
+          <a:xfrm>
+            <a:off x="3131840" y="1758791"/>
+            <a:ext cx="144016" cy="144016"/>
+          </a:xfrm>
+          <a:prstGeom prst="ellipse">
+            <a:avLst/>
+          </a:prstGeom>
+        </p:spPr>
+        <p:style>
+          <a:lnRef idx="2">
+            <a:schemeClr val="accent1">
+              <a:shade val="50000"/>
+            </a:schemeClr>
+          </a:lnRef>
+          <a:fillRef idx="1">
+            <a:schemeClr val="accent1"/>
+          </a:fillRef>
+          <a:effectRef idx="0">
+            <a:schemeClr val="accent1"/>
+          </a:effectRef>
+          <a:fontRef idx="minor">
+            <a:schemeClr val="lt1"/>
+          </a:fontRef>
+        </p:style>
+        <p:txBody>
+          <a:bodyPr rtlCol="0" anchor="ctr"/>
+          <a:lstStyle/>
+          <a:p>
+            <a:pPr algn="ctr"/>
+            <a:endParaRPr lang="fr-BE"/>
+          </a:p>
+        </p:txBody>
+      </p:sp>
+      <p:sp>
+        <p:nvSpPr>
+          <p:cNvPr id="56" name="Ellipse 55"/>
+          <p:cNvSpPr/>
+          <p:nvPr/>
+        </p:nvSpPr>
+        <p:spPr>
+          <a:xfrm>
+            <a:off x="3131840" y="2570653"/>
+            <a:ext cx="144016" cy="144016"/>
+          </a:xfrm>
+          <a:prstGeom prst="ellipse">
+            <a:avLst/>
+          </a:prstGeom>
+        </p:spPr>
+        <p:style>
+          <a:lnRef idx="2">
+            <a:schemeClr val="accent1">
+              <a:shade val="50000"/>
+            </a:schemeClr>
+          </a:lnRef>
+          <a:fillRef idx="1">
+            <a:schemeClr val="accent1"/>
+          </a:fillRef>
+          <a:effectRef idx="0">
+            <a:schemeClr val="accent1"/>
+          </a:effectRef>
+          <a:fontRef idx="minor">
+            <a:schemeClr val="lt1"/>
+          </a:fontRef>
+        </p:style>
+        <p:txBody>
+          <a:bodyPr rtlCol="0" anchor="ctr"/>
+          <a:lstStyle/>
+          <a:p>
+            <a:pPr algn="ctr"/>
+            <a:endParaRPr lang="fr-BE"/>
+          </a:p>
+        </p:txBody>
+      </p:sp>
+      <p:sp>
+        <p:nvSpPr>
+          <p:cNvPr id="57" name="Ellipse 56"/>
+          <p:cNvSpPr/>
+          <p:nvPr/>
+        </p:nvSpPr>
+        <p:spPr>
+          <a:xfrm>
+            <a:off x="2318544" y="2204864"/>
+            <a:ext cx="144016" cy="144016"/>
+          </a:xfrm>
+          <a:prstGeom prst="ellipse">
+            <a:avLst/>
+          </a:prstGeom>
+        </p:spPr>
+        <p:style>
+          <a:lnRef idx="2">
+            <a:schemeClr val="accent1">
+              <a:shade val="50000"/>
+            </a:schemeClr>
+          </a:lnRef>
+          <a:fillRef idx="1">
+            <a:schemeClr val="accent1"/>
+          </a:fillRef>
+          <a:effectRef idx="0">
+            <a:schemeClr val="accent1"/>
+          </a:effectRef>
+          <a:fontRef idx="minor">
+            <a:schemeClr val="lt1"/>
+          </a:fontRef>
+        </p:style>
+        <p:txBody>
+          <a:bodyPr rtlCol="0" anchor="ctr"/>
+          <a:lstStyle/>
+          <a:p>
+            <a:pPr algn="ctr"/>
+            <a:endParaRPr lang="fr-BE"/>
+          </a:p>
+        </p:txBody>
+      </p:sp>
+      <p:sp>
+        <p:nvSpPr>
+          <p:cNvPr id="58" name="Ellipse 57"/>
+          <p:cNvSpPr/>
+          <p:nvPr/>
+        </p:nvSpPr>
+        <p:spPr>
+          <a:xfrm>
+            <a:off x="645468" y="2858452"/>
+            <a:ext cx="144016" cy="144016"/>
+          </a:xfrm>
+          <a:prstGeom prst="ellipse">
+            <a:avLst/>
+          </a:prstGeom>
+        </p:spPr>
+        <p:style>
+          <a:lnRef idx="2">
+            <a:schemeClr val="accent1">
+              <a:shade val="50000"/>
+            </a:schemeClr>
+          </a:lnRef>
+          <a:fillRef idx="1">
+            <a:schemeClr val="accent1"/>
+          </a:fillRef>
+          <a:effectRef idx="0">
+            <a:schemeClr val="accent1"/>
+          </a:effectRef>
+          <a:fontRef idx="minor">
+            <a:schemeClr val="lt1"/>
+          </a:fontRef>
+        </p:style>
+        <p:txBody>
+          <a:bodyPr rtlCol="0" anchor="ctr"/>
+          <a:lstStyle/>
+          <a:p>
+            <a:pPr algn="ctr"/>
+            <a:endParaRPr lang="fr-BE"/>
+          </a:p>
+        </p:txBody>
+      </p:sp>
+      <p:sp>
+        <p:nvSpPr>
+          <p:cNvPr id="59" name="Ellipse 58"/>
+          <p:cNvSpPr/>
+          <p:nvPr/>
+        </p:nvSpPr>
+        <p:spPr>
+          <a:xfrm>
+            <a:off x="1782738" y="3879914"/>
+            <a:ext cx="144016" cy="144016"/>
+          </a:xfrm>
+          <a:prstGeom prst="ellipse">
+            <a:avLst/>
+          </a:prstGeom>
+        </p:spPr>
+        <p:style>
+          <a:lnRef idx="2">
+            <a:schemeClr val="accent1">
+              <a:shade val="50000"/>
+            </a:schemeClr>
+          </a:lnRef>
+          <a:fillRef idx="1">
+            <a:schemeClr val="accent1"/>
+          </a:fillRef>
+          <a:effectRef idx="0">
+            <a:schemeClr val="accent1"/>
+          </a:effectRef>
+          <a:fontRef idx="minor">
+            <a:schemeClr val="lt1"/>
+          </a:fontRef>
+        </p:style>
+        <p:txBody>
+          <a:bodyPr rtlCol="0" anchor="ctr"/>
+          <a:lstStyle/>
+          <a:p>
+            <a:pPr algn="ctr"/>
+            <a:endParaRPr lang="fr-BE"/>
+          </a:p>
+        </p:txBody>
+      </p:sp>
+      <p:sp>
+        <p:nvSpPr>
+          <p:cNvPr id="60" name="Ellipse 59"/>
+          <p:cNvSpPr/>
+          <p:nvPr/>
+        </p:nvSpPr>
+        <p:spPr>
+          <a:xfrm>
+            <a:off x="3131840" y="4821935"/>
+            <a:ext cx="144016" cy="144016"/>
+          </a:xfrm>
+          <a:prstGeom prst="ellipse">
+            <a:avLst/>
+          </a:prstGeom>
+        </p:spPr>
+        <p:style>
+          <a:lnRef idx="2">
+            <a:schemeClr val="accent1">
+              <a:shade val="50000"/>
+            </a:schemeClr>
+          </a:lnRef>
+          <a:fillRef idx="1">
+            <a:schemeClr val="accent1"/>
+          </a:fillRef>
+          <a:effectRef idx="0">
+            <a:schemeClr val="accent1"/>
+          </a:effectRef>
+          <a:fontRef idx="minor">
+            <a:schemeClr val="lt1"/>
+          </a:fontRef>
+        </p:style>
+        <p:txBody>
+          <a:bodyPr rtlCol="0" anchor="ctr"/>
+          <a:lstStyle/>
+          <a:p>
+            <a:pPr algn="ctr"/>
+            <a:endParaRPr lang="fr-BE"/>
+          </a:p>
+        </p:txBody>
+      </p:sp>
+      <p:sp>
+        <p:nvSpPr>
+          <p:cNvPr id="61" name="Ellipse 60"/>
+          <p:cNvSpPr/>
+          <p:nvPr/>
+        </p:nvSpPr>
+        <p:spPr>
+          <a:xfrm>
+            <a:off x="4624958" y="3578532"/>
+            <a:ext cx="144016" cy="144016"/>
+          </a:xfrm>
+          <a:prstGeom prst="ellipse">
+            <a:avLst/>
+          </a:prstGeom>
+        </p:spPr>
+        <p:style>
+          <a:lnRef idx="2">
+            <a:schemeClr val="accent1">
+              <a:shade val="50000"/>
+            </a:schemeClr>
+          </a:lnRef>
+          <a:fillRef idx="1">
+            <a:schemeClr val="accent1"/>
+          </a:fillRef>
+          <a:effectRef idx="0">
+            <a:schemeClr val="accent1"/>
+          </a:effectRef>
+          <a:fontRef idx="minor">
+            <a:schemeClr val="lt1"/>
+          </a:fontRef>
+        </p:style>
+        <p:txBody>
+          <a:bodyPr rtlCol="0" anchor="ctr"/>
+          <a:lstStyle/>
+          <a:p>
+            <a:pPr algn="ctr"/>
+            <a:endParaRPr lang="fr-BE"/>
+          </a:p>
+        </p:txBody>
+      </p:sp>
+      <p:sp>
+        <p:nvSpPr>
+          <p:cNvPr id="62" name="ZoneTexte 61"/>
+          <p:cNvSpPr txBox="1"/>
+          <p:nvPr/>
+        </p:nvSpPr>
+        <p:spPr>
+          <a:xfrm>
+            <a:off x="5076056" y="1692300"/>
+            <a:ext cx="3190297" cy="276999"/>
+          </a:xfrm>
+          <a:prstGeom prst="rect">
+            <a:avLst/>
+          </a:prstGeom>
+          <a:noFill/>
+        </p:spPr>
+        <p:txBody>
+          <a:bodyPr wrap="none" rtlCol="0">
+            <a:spAutoFit/>
+          </a:bodyPr>
+          <a:lstStyle/>
+          <a:p>
+            <a:r>
+              <a:rPr lang="fr-BE" sz="1200" b="1" dirty="0" err="1" smtClean="0">
+                <a:latin typeface="Consolas" pitchFamily="49" charset="0"/>
+                <a:cs typeface="Consolas" pitchFamily="49" charset="0"/>
+              </a:rPr>
+              <a:t>Initiated</a:t>
+            </a:r>
+            <a:r>
+              <a:rPr lang="fr-BE" sz="1200" b="1" dirty="0" smtClean="0">
+                <a:latin typeface="Consolas" pitchFamily="49" charset="0"/>
+                <a:cs typeface="Consolas" pitchFamily="49" charset="0"/>
+              </a:rPr>
+              <a:t>(m) </a:t>
+            </a:r>
+            <a:r>
+              <a:rPr lang="fr-BE" sz="1200" b="1" dirty="0" smtClean="0">
+                <a:latin typeface="Consolas" pitchFamily="49" charset="0"/>
+                <a:cs typeface="Consolas" pitchFamily="49" charset="0"/>
+                <a:sym typeface="Symbol"/>
+              </a:rPr>
+              <a:t> </a:t>
+            </a:r>
+            <a:r>
+              <a:rPr lang="fr-BE" sz="1200" b="1" dirty="0" err="1" smtClean="0">
+                <a:latin typeface="Consolas" pitchFamily="49" charset="0"/>
+                <a:cs typeface="Consolas" pitchFamily="49" charset="0"/>
+                <a:sym typeface="Symbol"/>
+              </a:rPr>
+              <a:t>InvitationsSent</a:t>
+            </a:r>
+            <a:r>
+              <a:rPr lang="fr-BE" sz="1200" b="1" dirty="0" smtClean="0">
+                <a:latin typeface="Consolas" pitchFamily="49" charset="0"/>
+                <a:cs typeface="Consolas" pitchFamily="49" charset="0"/>
+                <a:sym typeface="Symbol"/>
+              </a:rPr>
+              <a:t> (m)</a:t>
+            </a:r>
+            <a:endParaRPr lang="fr-BE" sz="1200" b="1" dirty="0">
+              <a:latin typeface="Consolas" pitchFamily="49" charset="0"/>
+              <a:cs typeface="Consolas" pitchFamily="49" charset="0"/>
+            </a:endParaRPr>
+          </a:p>
+        </p:txBody>
+      </p:sp>
+      <p:cxnSp>
+        <p:nvCxnSpPr>
+          <p:cNvPr id="64" name="Connecteur droit avec flèche 63"/>
+          <p:cNvCxnSpPr>
+            <a:stCxn id="55" idx="6"/>
+            <a:endCxn id="62" idx="1"/>
+          </p:cNvCxnSpPr>
+          <p:nvPr/>
+        </p:nvCxnSpPr>
+        <p:spPr>
+          <a:xfrm>
+            <a:off x="3275856" y="1830799"/>
+            <a:ext cx="1800200" cy="1"/>
+          </a:xfrm>
+          <a:prstGeom prst="straightConnector1">
+            <a:avLst/>
+          </a:prstGeom>
+          <a:ln>
+            <a:tailEnd type="arrow"/>
+          </a:ln>
+        </p:spPr>
+        <p:style>
+          <a:lnRef idx="2">
+            <a:schemeClr val="accent1"/>
+          </a:lnRef>
+          <a:fillRef idx="0">
+            <a:schemeClr val="accent1"/>
+          </a:fillRef>
+          <a:effectRef idx="1">
+            <a:schemeClr val="accent1"/>
+          </a:effectRef>
+          <a:fontRef idx="minor">
+            <a:schemeClr val="tx1"/>
+          </a:fontRef>
+        </p:style>
+      </p:cxnSp>
+      <p:sp>
+        <p:nvSpPr>
+          <p:cNvPr id="66" name="ZoneTexte 65"/>
+          <p:cNvSpPr txBox="1"/>
+          <p:nvPr/>
+        </p:nvSpPr>
+        <p:spPr>
+          <a:xfrm>
+            <a:off x="5076056" y="2503929"/>
+            <a:ext cx="2053767" cy="276999"/>
+          </a:xfrm>
+          <a:prstGeom prst="rect">
+            <a:avLst/>
+          </a:prstGeom>
+          <a:noFill/>
+        </p:spPr>
+        <p:txBody>
+          <a:bodyPr wrap="none" rtlCol="0">
+            <a:spAutoFit/>
+          </a:bodyPr>
+          <a:lstStyle/>
+          <a:p>
+            <a:r>
+              <a:rPr lang="fr-BE" sz="1200" b="1" dirty="0" err="1" smtClean="0">
+                <a:latin typeface="Consolas" pitchFamily="49" charset="0"/>
+                <a:cs typeface="Consolas" pitchFamily="49" charset="0"/>
+                <a:sym typeface="Symbol"/>
+              </a:rPr>
+              <a:t>AllConstraintsKnown</a:t>
+            </a:r>
+            <a:r>
+              <a:rPr lang="fr-BE" sz="1200" b="1" dirty="0" smtClean="0">
+                <a:latin typeface="Consolas" pitchFamily="49" charset="0"/>
+                <a:cs typeface="Consolas" pitchFamily="49" charset="0"/>
+                <a:sym typeface="Symbol"/>
+              </a:rPr>
+              <a:t>(m)</a:t>
+            </a:r>
+          </a:p>
+        </p:txBody>
+      </p:sp>
+      <p:cxnSp>
+        <p:nvCxnSpPr>
+          <p:cNvPr id="67" name="Connecteur droit avec flèche 66"/>
+          <p:cNvCxnSpPr>
+            <a:stCxn id="56" idx="6"/>
+            <a:endCxn id="66" idx="1"/>
+          </p:cNvCxnSpPr>
+          <p:nvPr/>
+        </p:nvCxnSpPr>
+        <p:spPr>
+          <a:xfrm flipV="1">
+            <a:off x="3275856" y="2642429"/>
+            <a:ext cx="1800200" cy="232"/>
+          </a:xfrm>
+          <a:prstGeom prst="straightConnector1">
+            <a:avLst/>
+          </a:prstGeom>
+          <a:ln>
+            <a:tailEnd type="arrow"/>
+          </a:ln>
+        </p:spPr>
+        <p:style>
+          <a:lnRef idx="2">
+            <a:schemeClr val="accent1"/>
+          </a:lnRef>
+          <a:fillRef idx="0">
+            <a:schemeClr val="accent1"/>
+          </a:fillRef>
+          <a:effectRef idx="1">
+            <a:schemeClr val="accent1"/>
+          </a:effectRef>
+          <a:fontRef idx="minor">
+            <a:schemeClr val="tx1"/>
+          </a:fontRef>
+        </p:style>
+      </p:cxnSp>
+      <p:sp>
+        <p:nvSpPr>
+          <p:cNvPr id="69" name="ZoneTexte 68"/>
+          <p:cNvSpPr txBox="1"/>
+          <p:nvPr/>
+        </p:nvSpPr>
+        <p:spPr>
+          <a:xfrm>
+            <a:off x="5076056" y="3512041"/>
+            <a:ext cx="3785011" cy="276999"/>
+          </a:xfrm>
+          <a:prstGeom prst="rect">
+            <a:avLst/>
+          </a:prstGeom>
+          <a:noFill/>
+        </p:spPr>
+        <p:txBody>
+          <a:bodyPr wrap="none" rtlCol="0">
+            <a:spAutoFit/>
+          </a:bodyPr>
+          <a:lstStyle/>
+          <a:p>
+            <a:r>
+              <a:rPr lang="fr-BE" sz="1200" b="1" dirty="0" err="1" smtClean="0">
+                <a:latin typeface="Consolas" pitchFamily="49" charset="0"/>
+                <a:cs typeface="Consolas" pitchFamily="49" charset="0"/>
+                <a:sym typeface="Symbol"/>
+              </a:rPr>
+              <a:t>AllConstraintsKnown</a:t>
+            </a:r>
+            <a:r>
+              <a:rPr lang="fr-BE" sz="1200" b="1" dirty="0" smtClean="0">
+                <a:latin typeface="Consolas" pitchFamily="49" charset="0"/>
+                <a:cs typeface="Consolas" pitchFamily="49" charset="0"/>
+                <a:sym typeface="Symbol"/>
+              </a:rPr>
+              <a:t>(m)  </a:t>
+            </a:r>
+            <a:r>
+              <a:rPr lang="fr-BE" sz="1200" b="1" dirty="0" err="1" smtClean="0">
+                <a:latin typeface="Consolas" pitchFamily="49" charset="0"/>
+                <a:cs typeface="Consolas" pitchFamily="49" charset="0"/>
+                <a:sym typeface="Symbol"/>
+              </a:rPr>
+              <a:t>DateConflict</a:t>
+            </a:r>
+            <a:r>
+              <a:rPr lang="fr-BE" sz="1200" b="1" dirty="0" smtClean="0">
+                <a:latin typeface="Consolas" pitchFamily="49" charset="0"/>
+                <a:cs typeface="Consolas" pitchFamily="49" charset="0"/>
+                <a:sym typeface="Symbol"/>
+              </a:rPr>
+              <a:t>(m) </a:t>
+            </a:r>
+            <a:endParaRPr lang="fr-BE" sz="1200" b="1" dirty="0">
+              <a:latin typeface="Consolas" pitchFamily="49" charset="0"/>
+              <a:cs typeface="Consolas" pitchFamily="49" charset="0"/>
+            </a:endParaRPr>
+          </a:p>
+        </p:txBody>
+      </p:sp>
+      <p:cxnSp>
+        <p:nvCxnSpPr>
+          <p:cNvPr id="70" name="Connecteur droit avec flèche 69"/>
+          <p:cNvCxnSpPr>
+            <a:stCxn id="61" idx="6"/>
+            <a:endCxn id="69" idx="1"/>
+          </p:cNvCxnSpPr>
+          <p:nvPr/>
+        </p:nvCxnSpPr>
+        <p:spPr>
+          <a:xfrm>
+            <a:off x="4768974" y="3650540"/>
+            <a:ext cx="307082" cy="1"/>
+          </a:xfrm>
+          <a:prstGeom prst="straightConnector1">
+            <a:avLst/>
+          </a:prstGeom>
+          <a:ln>
+            <a:tailEnd type="arrow"/>
+          </a:ln>
+        </p:spPr>
+        <p:style>
+          <a:lnRef idx="2">
+            <a:schemeClr val="accent1"/>
+          </a:lnRef>
+          <a:fillRef idx="0">
+            <a:schemeClr val="accent1"/>
+          </a:fillRef>
+          <a:effectRef idx="1">
+            <a:schemeClr val="accent1"/>
+          </a:effectRef>
+          <a:fontRef idx="minor">
+            <a:schemeClr val="tx1"/>
+          </a:fontRef>
+        </p:style>
+      </p:cxnSp>
+      <p:sp>
+        <p:nvSpPr>
+          <p:cNvPr id="72" name="ZoneTexte 71"/>
+          <p:cNvSpPr txBox="1"/>
+          <p:nvPr/>
+        </p:nvSpPr>
+        <p:spPr>
+          <a:xfrm>
+            <a:off x="5076056" y="4755444"/>
+            <a:ext cx="3615092" cy="276999"/>
+          </a:xfrm>
+          <a:prstGeom prst="rect">
+            <a:avLst/>
+          </a:prstGeom>
+          <a:noFill/>
+        </p:spPr>
+        <p:txBody>
+          <a:bodyPr wrap="none" rtlCol="0">
+            <a:spAutoFit/>
+          </a:bodyPr>
+          <a:lstStyle/>
+          <a:p>
+            <a:r>
+              <a:rPr lang="fr-BE" sz="1200" b="1" dirty="0" err="1" smtClean="0">
+                <a:latin typeface="Consolas" pitchFamily="49" charset="0"/>
+                <a:cs typeface="Consolas" pitchFamily="49" charset="0"/>
+                <a:sym typeface="Symbol"/>
+              </a:rPr>
+              <a:t>DateConflict</a:t>
+            </a:r>
+            <a:r>
+              <a:rPr lang="fr-BE" sz="1200" b="1" dirty="0" smtClean="0">
+                <a:latin typeface="Consolas" pitchFamily="49" charset="0"/>
+                <a:cs typeface="Consolas" pitchFamily="49" charset="0"/>
+                <a:sym typeface="Symbol"/>
+              </a:rPr>
+              <a:t>(m)  </a:t>
+            </a:r>
+            <a:r>
+              <a:rPr lang="fr-BE" sz="1200" b="1" dirty="0" err="1" smtClean="0">
+                <a:latin typeface="Consolas" pitchFamily="49" charset="0"/>
+                <a:cs typeface="Consolas" pitchFamily="49" charset="0"/>
+                <a:sym typeface="Symbol"/>
+              </a:rPr>
+              <a:t>ResolveByWeakening</a:t>
+            </a:r>
+            <a:r>
+              <a:rPr lang="fr-BE" sz="1200" b="1" dirty="0" smtClean="0">
+                <a:latin typeface="Consolas" pitchFamily="49" charset="0"/>
+                <a:cs typeface="Consolas" pitchFamily="49" charset="0"/>
+                <a:sym typeface="Symbol"/>
+              </a:rPr>
+              <a:t>(m)</a:t>
+            </a:r>
+            <a:endParaRPr lang="fr-BE" sz="1200" b="1" dirty="0">
+              <a:latin typeface="Consolas" pitchFamily="49" charset="0"/>
+              <a:cs typeface="Consolas" pitchFamily="49" charset="0"/>
+            </a:endParaRPr>
+          </a:p>
+        </p:txBody>
+      </p:sp>
+      <p:cxnSp>
+        <p:nvCxnSpPr>
+          <p:cNvPr id="73" name="Connecteur droit avec flèche 72"/>
+          <p:cNvCxnSpPr>
+            <a:stCxn id="60" idx="6"/>
+            <a:endCxn id="72" idx="1"/>
+          </p:cNvCxnSpPr>
+          <p:nvPr/>
+        </p:nvCxnSpPr>
+        <p:spPr>
+          <a:xfrm>
+            <a:off x="3275856" y="4893943"/>
+            <a:ext cx="1800200" cy="1"/>
+          </a:xfrm>
+          <a:prstGeom prst="straightConnector1">
+            <a:avLst/>
+          </a:prstGeom>
+          <a:ln>
+            <a:tailEnd type="arrow"/>
+          </a:ln>
+        </p:spPr>
+        <p:style>
+          <a:lnRef idx="2">
+            <a:schemeClr val="accent1"/>
+          </a:lnRef>
+          <a:fillRef idx="0">
+            <a:schemeClr val="accent1"/>
+          </a:fillRef>
+          <a:effectRef idx="1">
+            <a:schemeClr val="accent1"/>
+          </a:effectRef>
+          <a:fontRef idx="minor">
+            <a:schemeClr val="tx1"/>
+          </a:fontRef>
+        </p:style>
+      </p:cxnSp>
+      <p:sp>
+        <p:nvSpPr>
+          <p:cNvPr id="77" name="ZoneTexte 76"/>
+          <p:cNvSpPr txBox="1"/>
+          <p:nvPr/>
+        </p:nvSpPr>
+        <p:spPr>
+          <a:xfrm>
+            <a:off x="5076056" y="3813423"/>
+            <a:ext cx="3785011" cy="276999"/>
+          </a:xfrm>
+          <a:prstGeom prst="rect">
+            <a:avLst/>
+          </a:prstGeom>
+          <a:noFill/>
+        </p:spPr>
+        <p:txBody>
+          <a:bodyPr wrap="none" rtlCol="0">
+            <a:spAutoFit/>
+          </a:bodyPr>
+          <a:lstStyle/>
+          <a:p>
+            <a:r>
+              <a:rPr lang="fr-BE" sz="1200" b="1" dirty="0" err="1" smtClean="0">
+                <a:latin typeface="Consolas" pitchFamily="49" charset="0"/>
+                <a:cs typeface="Consolas" pitchFamily="49" charset="0"/>
+                <a:sym typeface="Symbol"/>
+              </a:rPr>
+              <a:t>AllConstraintsKnown</a:t>
+            </a:r>
+            <a:r>
+              <a:rPr lang="fr-BE" sz="1200" b="1" dirty="0" smtClean="0">
+                <a:latin typeface="Consolas" pitchFamily="49" charset="0"/>
+                <a:cs typeface="Consolas" pitchFamily="49" charset="0"/>
+                <a:sym typeface="Symbol"/>
+              </a:rPr>
+              <a:t>(m)  </a:t>
+            </a:r>
+            <a:r>
+              <a:rPr lang="fr-BE" sz="1200" b="1" dirty="0" err="1" smtClean="0">
+                <a:latin typeface="Consolas" pitchFamily="49" charset="0"/>
+                <a:cs typeface="Consolas" pitchFamily="49" charset="0"/>
+                <a:sym typeface="Symbol"/>
+              </a:rPr>
+              <a:t>DateConflict</a:t>
+            </a:r>
+            <a:r>
+              <a:rPr lang="fr-BE" sz="1200" b="1" dirty="0" smtClean="0">
+                <a:latin typeface="Consolas" pitchFamily="49" charset="0"/>
+                <a:cs typeface="Consolas" pitchFamily="49" charset="0"/>
+                <a:sym typeface="Symbol"/>
+              </a:rPr>
+              <a:t>(m) </a:t>
+            </a:r>
+            <a:endParaRPr lang="fr-BE" sz="1200" b="1" dirty="0">
+              <a:latin typeface="Consolas" pitchFamily="49" charset="0"/>
+              <a:cs typeface="Consolas" pitchFamily="49" charset="0"/>
+            </a:endParaRPr>
+          </a:p>
+        </p:txBody>
+      </p:sp>
+      <p:cxnSp>
+        <p:nvCxnSpPr>
+          <p:cNvPr id="78" name="Connecteur droit avec flèche 77"/>
+          <p:cNvCxnSpPr>
+            <a:stCxn id="59" idx="6"/>
+            <a:endCxn id="77" idx="1"/>
+          </p:cNvCxnSpPr>
+          <p:nvPr/>
+        </p:nvCxnSpPr>
+        <p:spPr>
+          <a:xfrm>
+            <a:off x="1926754" y="3951922"/>
+            <a:ext cx="3149302" cy="1"/>
+          </a:xfrm>
+          <a:prstGeom prst="straightConnector1">
+            <a:avLst/>
+          </a:prstGeom>
+          <a:ln>
+            <a:tailEnd type="arrow"/>
+          </a:ln>
+        </p:spPr>
+        <p:style>
+          <a:lnRef idx="2">
+            <a:schemeClr val="accent1"/>
+          </a:lnRef>
+          <a:fillRef idx="0">
+            <a:schemeClr val="accent1"/>
+          </a:fillRef>
+          <a:effectRef idx="1">
+            <a:schemeClr val="accent1"/>
+          </a:effectRef>
+          <a:fontRef idx="minor">
+            <a:schemeClr val="tx1"/>
+          </a:fontRef>
+        </p:style>
+      </p:cxnSp>
+      <p:sp>
+        <p:nvSpPr>
+          <p:cNvPr id="80" name="ZoneTexte 79"/>
+          <p:cNvSpPr txBox="1"/>
+          <p:nvPr/>
+        </p:nvSpPr>
+        <p:spPr>
+          <a:xfrm>
+            <a:off x="5076056" y="2791961"/>
+            <a:ext cx="3785011" cy="276999"/>
+          </a:xfrm>
+          <a:prstGeom prst="rect">
+            <a:avLst/>
+          </a:prstGeom>
+          <a:noFill/>
+        </p:spPr>
+        <p:txBody>
+          <a:bodyPr wrap="none" rtlCol="0">
+            <a:spAutoFit/>
+          </a:bodyPr>
+          <a:lstStyle/>
+          <a:p>
+            <a:r>
+              <a:rPr lang="fr-BE" sz="1200" b="1" dirty="0" err="1" smtClean="0">
+                <a:latin typeface="Consolas" pitchFamily="49" charset="0"/>
+                <a:cs typeface="Consolas" pitchFamily="49" charset="0"/>
+                <a:sym typeface="Symbol"/>
+              </a:rPr>
+              <a:t>DateConflict</a:t>
+            </a:r>
+            <a:r>
+              <a:rPr lang="fr-BE" sz="1200" b="1" dirty="0" smtClean="0">
+                <a:latin typeface="Consolas" pitchFamily="49" charset="0"/>
+                <a:cs typeface="Consolas" pitchFamily="49" charset="0"/>
+                <a:sym typeface="Symbol"/>
+              </a:rPr>
+              <a:t>(m)  </a:t>
+            </a:r>
+            <a:r>
+              <a:rPr lang="fr-BE" sz="1200" b="1" dirty="0" err="1" smtClean="0">
+                <a:latin typeface="Consolas" pitchFamily="49" charset="0"/>
+                <a:cs typeface="Consolas" pitchFamily="49" charset="0"/>
+                <a:sym typeface="Symbol"/>
+              </a:rPr>
+              <a:t>ResolveByWeakening</a:t>
+            </a:r>
+            <a:r>
+              <a:rPr lang="fr-BE" sz="1200" b="1" dirty="0" smtClean="0">
+                <a:latin typeface="Consolas" pitchFamily="49" charset="0"/>
+                <a:cs typeface="Consolas" pitchFamily="49" charset="0"/>
+                <a:sym typeface="Symbol"/>
+              </a:rPr>
+              <a:t>(m)  </a:t>
+            </a:r>
+            <a:endParaRPr lang="fr-BE" sz="1200" b="1" dirty="0">
+              <a:latin typeface="Consolas" pitchFamily="49" charset="0"/>
+              <a:cs typeface="Consolas" pitchFamily="49" charset="0"/>
+            </a:endParaRPr>
+          </a:p>
+        </p:txBody>
+      </p:sp>
+      <p:cxnSp>
+        <p:nvCxnSpPr>
+          <p:cNvPr id="81" name="Connecteur droit avec flèche 80"/>
+          <p:cNvCxnSpPr>
+            <a:stCxn id="58" idx="6"/>
+            <a:endCxn id="80" idx="1"/>
+          </p:cNvCxnSpPr>
+          <p:nvPr/>
+        </p:nvCxnSpPr>
+        <p:spPr>
+          <a:xfrm>
+            <a:off x="789484" y="2930460"/>
+            <a:ext cx="4286572" cy="1"/>
+          </a:xfrm>
+          <a:prstGeom prst="straightConnector1">
+            <a:avLst/>
+          </a:prstGeom>
+          <a:ln>
+            <a:tailEnd type="arrow"/>
+          </a:ln>
+        </p:spPr>
+        <p:style>
+          <a:lnRef idx="2">
+            <a:schemeClr val="accent1"/>
+          </a:lnRef>
+          <a:fillRef idx="0">
+            <a:schemeClr val="accent1"/>
+          </a:fillRef>
+          <a:effectRef idx="1">
+            <a:schemeClr val="accent1"/>
+          </a:effectRef>
+          <a:fontRef idx="minor">
+            <a:schemeClr val="tx1"/>
+          </a:fontRef>
+        </p:style>
+      </p:cxnSp>
+      <p:sp>
+        <p:nvSpPr>
+          <p:cNvPr id="83" name="ZoneTexte 82"/>
+          <p:cNvSpPr txBox="1"/>
+          <p:nvPr/>
+        </p:nvSpPr>
+        <p:spPr>
+          <a:xfrm>
+            <a:off x="467544" y="6093296"/>
+            <a:ext cx="5416868" cy="276999"/>
+          </a:xfrm>
+          <a:prstGeom prst="rect">
+            <a:avLst/>
+          </a:prstGeom>
+          <a:noFill/>
+        </p:spPr>
+        <p:txBody>
+          <a:bodyPr wrap="none" rtlCol="0">
+            <a:spAutoFit/>
+          </a:bodyPr>
+          <a:lstStyle/>
+          <a:p>
+            <a:r>
+              <a:rPr lang="fr-BE" sz="1200" b="1" dirty="0" err="1" smtClean="0">
+                <a:latin typeface="Consolas" pitchFamily="49" charset="0"/>
+                <a:cs typeface="Consolas" pitchFamily="49" charset="0"/>
+                <a:sym typeface="Symbol"/>
+              </a:rPr>
+              <a:t>AllConstraintsKnown</a:t>
+            </a:r>
+            <a:r>
+              <a:rPr lang="fr-BE" sz="1200" b="1" dirty="0" smtClean="0">
+                <a:latin typeface="Consolas" pitchFamily="49" charset="0"/>
+                <a:cs typeface="Consolas" pitchFamily="49" charset="0"/>
+                <a:sym typeface="Symbol"/>
+              </a:rPr>
+              <a:t>(m)  </a:t>
+            </a:r>
+            <a:r>
+              <a:rPr lang="fr-BE" sz="1200" b="1" dirty="0" err="1" smtClean="0">
+                <a:latin typeface="Consolas" pitchFamily="49" charset="0"/>
+                <a:cs typeface="Consolas" pitchFamily="49" charset="0"/>
+                <a:sym typeface="Symbol"/>
+              </a:rPr>
+              <a:t>Initiated</a:t>
+            </a:r>
+            <a:r>
+              <a:rPr lang="fr-BE" sz="1200" b="1" dirty="0" smtClean="0">
+                <a:latin typeface="Consolas" pitchFamily="49" charset="0"/>
+                <a:cs typeface="Consolas" pitchFamily="49" charset="0"/>
+                <a:sym typeface="Symbol"/>
+              </a:rPr>
+              <a:t>(m)  </a:t>
+            </a:r>
+            <a:r>
+              <a:rPr lang="fr-BE" sz="1200" b="1" dirty="0" err="1" smtClean="0">
+                <a:latin typeface="Consolas" pitchFamily="49" charset="0"/>
+                <a:cs typeface="Consolas" pitchFamily="49" charset="0"/>
+                <a:sym typeface="Symbol"/>
+              </a:rPr>
+              <a:t>InvitationsSent</a:t>
+            </a:r>
+            <a:r>
+              <a:rPr lang="fr-BE" sz="1200" b="1" dirty="0" smtClean="0">
+                <a:latin typeface="Consolas" pitchFamily="49" charset="0"/>
+                <a:cs typeface="Consolas" pitchFamily="49" charset="0"/>
+                <a:sym typeface="Symbol"/>
+              </a:rPr>
+              <a:t>(m)  </a:t>
+            </a:r>
+            <a:endParaRPr lang="fr-BE" sz="1200" b="1" dirty="0">
+              <a:latin typeface="Consolas" pitchFamily="49" charset="0"/>
+              <a:cs typeface="Consolas" pitchFamily="49" charset="0"/>
+            </a:endParaRPr>
+          </a:p>
+        </p:txBody>
+      </p:sp>
+      <p:sp>
+        <p:nvSpPr>
+          <p:cNvPr id="84" name="ZoneTexte 83"/>
+          <p:cNvSpPr txBox="1"/>
+          <p:nvPr/>
+        </p:nvSpPr>
+        <p:spPr>
+          <a:xfrm>
+            <a:off x="5076056" y="2132856"/>
+            <a:ext cx="2247731" cy="276999"/>
+          </a:xfrm>
+          <a:prstGeom prst="rect">
+            <a:avLst/>
+          </a:prstGeom>
+          <a:noFill/>
+        </p:spPr>
+        <p:txBody>
+          <a:bodyPr wrap="none" rtlCol="0">
+            <a:spAutoFit/>
+          </a:bodyPr>
+          <a:lstStyle/>
+          <a:p>
+            <a:r>
+              <a:rPr lang="fr-BE" sz="1200" b="1" dirty="0" smtClean="0">
+                <a:latin typeface="Consolas" pitchFamily="49" charset="0"/>
+                <a:cs typeface="Consolas" pitchFamily="49" charset="0"/>
+                <a:sym typeface="Symbol"/>
+              </a:rPr>
+              <a:t> </a:t>
+            </a:r>
+            <a:r>
+              <a:rPr lang="fr-BE" sz="1200" b="1" dirty="0" err="1" smtClean="0">
+                <a:latin typeface="Consolas" pitchFamily="49" charset="0"/>
+                <a:cs typeface="Consolas" pitchFamily="49" charset="0"/>
+                <a:sym typeface="Symbol"/>
+              </a:rPr>
+              <a:t>AllConstraintsKnown</a:t>
+            </a:r>
+            <a:r>
+              <a:rPr lang="fr-BE" sz="1200" b="1" dirty="0" smtClean="0">
+                <a:latin typeface="Consolas" pitchFamily="49" charset="0"/>
+                <a:cs typeface="Consolas" pitchFamily="49" charset="0"/>
+                <a:sym typeface="Symbol"/>
+              </a:rPr>
+              <a:t>(m)</a:t>
+            </a:r>
+          </a:p>
+        </p:txBody>
+      </p:sp>
+      <p:cxnSp>
+        <p:nvCxnSpPr>
+          <p:cNvPr id="85" name="Connecteur droit avec flèche 84"/>
+          <p:cNvCxnSpPr>
+            <a:stCxn id="57" idx="6"/>
+            <a:endCxn id="84" idx="1"/>
+          </p:cNvCxnSpPr>
+          <p:nvPr/>
+        </p:nvCxnSpPr>
+        <p:spPr>
+          <a:xfrm flipV="1">
+            <a:off x="2462560" y="2271356"/>
+            <a:ext cx="2613496" cy="5516"/>
+          </a:xfrm>
+          <a:prstGeom prst="straightConnector1">
+            <a:avLst/>
+          </a:prstGeom>
+          <a:ln>
+            <a:tailEnd type="arrow"/>
+          </a:ln>
+        </p:spPr>
+        <p:style>
+          <a:lnRef idx="2">
+            <a:schemeClr val="accent1"/>
+          </a:lnRef>
+          <a:fillRef idx="0">
+            <a:schemeClr val="accent1"/>
+          </a:fillRef>
+          <a:effectRef idx="1">
+            <a:schemeClr val="accent1"/>
+          </a:effectRef>
+          <a:fontRef idx="minor">
+            <a:schemeClr val="tx1"/>
+          </a:fontRef>
+        </p:style>
+      </p:cxnSp>
+    </p:spTree>
+  </p:cSld>
+  <p:clrMapOvr>
+    <a:masterClrMapping/>
+  </p:clrMapOvr>
+</p:sld>
+</file>
+
+<file path=ppt/slides/slide14.xml><?xml version="1.0" encoding="utf-8"?>
+<p:sld xmlns:a="http://schemas.openxmlformats.org/drawingml/2006/main" xmlns:r="http://schemas.openxmlformats.org/officeDocument/2006/relationships" xmlns:p="http://schemas.openxmlformats.org/presentationml/2006/main">
+  <p:cSld>
+    <p:spTree>
+      <p:nvGrpSpPr>
+        <p:cNvPr id="1" name=""/>
+        <p:cNvGrpSpPr/>
+        <p:nvPr/>
+      </p:nvGrpSpPr>
+      <p:grpSpPr>
+        <a:xfrm>
+          <a:off x="0" y="0"/>
+          <a:ext cx="0" cy="0"/>
+          <a:chOff x="0" y="0"/>
+          <a:chExt cx="0" cy="0"/>
+        </a:xfrm>
+      </p:grpSpPr>
+      <p:sp>
+        <p:nvSpPr>
+          <p:cNvPr id="93" name="Rectangle 92"/>
+          <p:cNvSpPr/>
+          <p:nvPr/>
+        </p:nvSpPr>
+        <p:spPr>
+          <a:xfrm>
+            <a:off x="323528" y="188640"/>
+            <a:ext cx="8064896" cy="3744416"/>
+          </a:xfrm>
+          <a:prstGeom prst="rect">
+            <a:avLst/>
+          </a:prstGeom>
+          <a:solidFill>
+            <a:schemeClr val="bg1"/>
+          </a:solidFill>
+          <a:ln w="3175"/>
+        </p:spPr>
+        <p:style>
+          <a:lnRef idx="2">
+            <a:schemeClr val="dk1"/>
+          </a:lnRef>
+          <a:fillRef idx="1">
+            <a:schemeClr val="lt1"/>
+          </a:fillRef>
+          <a:effectRef idx="0">
+            <a:schemeClr val="dk1"/>
+          </a:effectRef>
+          <a:fontRef idx="minor">
+            <a:schemeClr val="dk1"/>
+          </a:fontRef>
+        </p:style>
+        <p:txBody>
+          <a:bodyPr rtlCol="0" anchor="ctr"/>
+          <a:lstStyle/>
+          <a:p>
+            <a:pPr algn="ctr"/>
+            <a:endParaRPr lang="fr-BE"/>
+          </a:p>
+        </p:txBody>
+      </p:sp>
+      <p:grpSp>
+        <p:nvGrpSpPr>
+          <p:cNvPr id="85" name="Groupe 84"/>
+          <p:cNvGrpSpPr/>
+          <p:nvPr/>
+        </p:nvGrpSpPr>
+        <p:grpSpPr>
+          <a:xfrm>
+            <a:off x="462558" y="332656"/>
+            <a:ext cx="3748608" cy="1476000"/>
+            <a:chOff x="391344" y="489629"/>
+            <a:chExt cx="3748608" cy="1476000"/>
+          </a:xfrm>
+        </p:grpSpPr>
+        <p:sp>
+          <p:nvSpPr>
+            <p:cNvPr id="5" name="Rectangle 4"/>
+            <p:cNvSpPr/>
+            <p:nvPr/>
+          </p:nvSpPr>
+          <p:spPr>
+            <a:xfrm>
+              <a:off x="391344" y="489629"/>
+              <a:ext cx="1084312" cy="324000"/>
+            </a:xfrm>
+            <a:prstGeom prst="rect">
+              <a:avLst/>
+            </a:prstGeom>
+          </p:spPr>
+          <p:style>
+            <a:lnRef idx="2">
+              <a:schemeClr val="dk1"/>
+            </a:lnRef>
+            <a:fillRef idx="1">
+              <a:schemeClr val="lt1"/>
+            </a:fillRef>
+            <a:effectRef idx="0">
+              <a:schemeClr val="dk1"/>
+            </a:effectRef>
+            <a:fontRef idx="minor">
+              <a:schemeClr val="dk1"/>
+            </a:fontRef>
+          </p:style>
+          <p:txBody>
+            <a:bodyPr lIns="36000" tIns="36000" rIns="36000" bIns="36000" rtlCol="0" anchor="ctr" anchorCtr="0"/>
+            <a:lstStyle/>
+            <a:p>
+              <a:pPr algn="ctr"/>
+              <a:r>
+                <a:rPr lang="fr-BE" sz="1100" dirty="0" smtClean="0"/>
+                <a:t>Train Controller</a:t>
+              </a:r>
+              <a:endParaRPr lang="fr-BE" sz="1100" dirty="0"/>
+            </a:p>
+          </p:txBody>
+        </p:sp>
+        <p:sp>
+          <p:nvSpPr>
+            <p:cNvPr id="6" name="Rectangle 5"/>
+            <p:cNvSpPr/>
+            <p:nvPr/>
+          </p:nvSpPr>
+          <p:spPr>
+            <a:xfrm>
+              <a:off x="1691680" y="489629"/>
+              <a:ext cx="1440160" cy="324000"/>
+            </a:xfrm>
+            <a:prstGeom prst="rect">
+              <a:avLst/>
+            </a:prstGeom>
+          </p:spPr>
+          <p:style>
+            <a:lnRef idx="2">
+              <a:schemeClr val="dk1"/>
+            </a:lnRef>
+            <a:fillRef idx="1">
+              <a:schemeClr val="lt1"/>
+            </a:fillRef>
+            <a:effectRef idx="0">
+              <a:schemeClr val="dk1"/>
+            </a:effectRef>
+            <a:fontRef idx="minor">
+              <a:schemeClr val="dk1"/>
+            </a:fontRef>
+          </p:style>
+          <p:txBody>
+            <a:bodyPr lIns="36000" tIns="36000" rIns="36000" bIns="36000" rtlCol="0" anchor="ctr"/>
+            <a:lstStyle/>
+            <a:p>
+              <a:pPr algn="ctr"/>
+              <a:r>
+                <a:rPr lang="fr-BE" sz="1100" dirty="0" smtClean="0"/>
+                <a:t>Train </a:t>
+              </a:r>
+              <a:r>
+                <a:rPr lang="fr-BE" sz="1100" dirty="0" err="1" smtClean="0"/>
+                <a:t>Actuator</a:t>
+              </a:r>
+              <a:r>
+                <a:rPr lang="fr-BE" sz="1100" dirty="0" smtClean="0"/>
+                <a:t>/</a:t>
+              </a:r>
+              <a:r>
+                <a:rPr lang="fr-BE" sz="1100" dirty="0" err="1" smtClean="0"/>
+                <a:t>Sensor</a:t>
+              </a:r>
+              <a:endParaRPr lang="fr-BE" sz="1100" dirty="0"/>
+            </a:p>
+          </p:txBody>
+        </p:sp>
+        <p:sp>
+          <p:nvSpPr>
+            <p:cNvPr id="8" name="Rectangle 7"/>
+            <p:cNvSpPr/>
+            <p:nvPr/>
+          </p:nvSpPr>
+          <p:spPr>
+            <a:xfrm>
+              <a:off x="3419872" y="489629"/>
+              <a:ext cx="720080" cy="324000"/>
+            </a:xfrm>
+            <a:prstGeom prst="rect">
+              <a:avLst/>
+            </a:prstGeom>
+          </p:spPr>
+          <p:style>
+            <a:lnRef idx="2">
+              <a:schemeClr val="dk1"/>
+            </a:lnRef>
+            <a:fillRef idx="1">
+              <a:schemeClr val="lt1"/>
+            </a:fillRef>
+            <a:effectRef idx="0">
+              <a:schemeClr val="dk1"/>
+            </a:effectRef>
+            <a:fontRef idx="minor">
+              <a:schemeClr val="dk1"/>
+            </a:fontRef>
+          </p:style>
+          <p:txBody>
+            <a:bodyPr lIns="36000" tIns="36000" rIns="36000" bIns="36000" rtlCol="0" anchor="ctr"/>
+            <a:lstStyle/>
+            <a:p>
+              <a:pPr algn="ctr"/>
+              <a:r>
+                <a:rPr lang="fr-BE" sz="1100" dirty="0" err="1" smtClean="0"/>
+                <a:t>Passenger</a:t>
+              </a:r>
+              <a:endParaRPr lang="fr-BE" sz="1100" dirty="0" smtClean="0"/>
+            </a:p>
+          </p:txBody>
+        </p:sp>
+        <p:cxnSp>
+          <p:nvCxnSpPr>
+            <p:cNvPr id="9" name="Connecteur droit avec flèche 8"/>
+            <p:cNvCxnSpPr>
+              <a:stCxn id="5" idx="2"/>
+            </p:cNvCxnSpPr>
+            <p:nvPr/>
+          </p:nvCxnSpPr>
+          <p:spPr>
+            <a:xfrm rot="5400000">
+              <a:off x="357103" y="1389232"/>
+              <a:ext cx="1152000" cy="794"/>
+            </a:xfrm>
+            <a:prstGeom prst="straightConnector1">
+              <a:avLst/>
+            </a:prstGeom>
+            <a:ln>
+              <a:tailEnd type="triangle"/>
+            </a:ln>
+          </p:spPr>
+          <p:style>
+            <a:lnRef idx="2">
+              <a:schemeClr val="dk1"/>
+            </a:lnRef>
+            <a:fillRef idx="0">
+              <a:schemeClr val="dk1"/>
+            </a:fillRef>
+            <a:effectRef idx="1">
+              <a:schemeClr val="dk1"/>
+            </a:effectRef>
+            <a:fontRef idx="minor">
+              <a:schemeClr val="tx1"/>
+            </a:fontRef>
+          </p:style>
+        </p:cxnSp>
+        <p:cxnSp>
+          <p:nvCxnSpPr>
+            <p:cNvPr id="10" name="Connecteur droit avec flèche 9"/>
+            <p:cNvCxnSpPr>
+              <a:stCxn id="6" idx="2"/>
+            </p:cNvCxnSpPr>
+            <p:nvPr/>
+          </p:nvCxnSpPr>
+          <p:spPr>
+            <a:xfrm rot="5400000">
+              <a:off x="1835363" y="1389232"/>
+              <a:ext cx="1152000" cy="794"/>
+            </a:xfrm>
+            <a:prstGeom prst="straightConnector1">
+              <a:avLst/>
+            </a:prstGeom>
+            <a:ln>
+              <a:tailEnd type="triangle"/>
+            </a:ln>
+          </p:spPr>
+          <p:style>
+            <a:lnRef idx="2">
+              <a:schemeClr val="dk1"/>
+            </a:lnRef>
+            <a:fillRef idx="0">
+              <a:schemeClr val="dk1"/>
+            </a:fillRef>
+            <a:effectRef idx="1">
+              <a:schemeClr val="dk1"/>
+            </a:effectRef>
+            <a:fontRef idx="minor">
+              <a:schemeClr val="tx1"/>
+            </a:fontRef>
+          </p:style>
+        </p:cxnSp>
+        <p:cxnSp>
+          <p:nvCxnSpPr>
+            <p:cNvPr id="11" name="Connecteur droit avec flèche 10"/>
+            <p:cNvCxnSpPr>
+              <a:stCxn id="8" idx="2"/>
+            </p:cNvCxnSpPr>
+            <p:nvPr/>
+          </p:nvCxnSpPr>
+          <p:spPr>
+            <a:xfrm rot="5400000">
+              <a:off x="3203515" y="1389232"/>
+              <a:ext cx="1152000" cy="794"/>
+            </a:xfrm>
+            <a:prstGeom prst="straightConnector1">
+              <a:avLst/>
+            </a:prstGeom>
+            <a:ln>
+              <a:tailEnd type="triangle"/>
+            </a:ln>
+          </p:spPr>
+          <p:style>
+            <a:lnRef idx="2">
+              <a:schemeClr val="dk1"/>
+            </a:lnRef>
+            <a:fillRef idx="0">
+              <a:schemeClr val="dk1"/>
+            </a:fillRef>
+            <a:effectRef idx="1">
+              <a:schemeClr val="dk1"/>
+            </a:effectRef>
+            <a:fontRef idx="minor">
+              <a:schemeClr val="tx1"/>
+            </a:fontRef>
+          </p:style>
+        </p:cxnSp>
+        <p:cxnSp>
+          <p:nvCxnSpPr>
+            <p:cNvPr id="13" name="Connecteur droit avec flèche 12"/>
+            <p:cNvCxnSpPr/>
+            <p:nvPr/>
+          </p:nvCxnSpPr>
+          <p:spPr>
+            <a:xfrm>
+              <a:off x="933500" y="1022088"/>
+              <a:ext cx="1471563" cy="1588"/>
+            </a:xfrm>
+            <a:prstGeom prst="straightConnector1">
+              <a:avLst/>
+            </a:prstGeom>
+            <a:ln>
+              <a:tailEnd type="triangle"/>
+            </a:ln>
+          </p:spPr>
+          <p:style>
+            <a:lnRef idx="1">
+              <a:schemeClr val="dk1"/>
+            </a:lnRef>
+            <a:fillRef idx="0">
+              <a:schemeClr val="dk1"/>
+            </a:fillRef>
+            <a:effectRef idx="0">
+              <a:schemeClr val="dk1"/>
+            </a:effectRef>
+            <a:fontRef idx="minor">
+              <a:schemeClr val="tx1"/>
+            </a:fontRef>
+          </p:style>
+        </p:cxnSp>
+        <p:sp>
+          <p:nvSpPr>
+            <p:cNvPr id="14" name="ZoneTexte 13"/>
+            <p:cNvSpPr txBox="1"/>
+            <p:nvPr/>
+          </p:nvSpPr>
+          <p:spPr>
+            <a:xfrm>
+              <a:off x="1274570" y="911025"/>
+              <a:ext cx="720000" cy="169277"/>
+            </a:xfrm>
+            <a:prstGeom prst="rect">
+              <a:avLst/>
+            </a:prstGeom>
+            <a:solidFill>
+              <a:schemeClr val="lt1"/>
+            </a:solidFill>
+            <a:ln>
+              <a:noFill/>
+            </a:ln>
+          </p:spPr>
+          <p:txBody>
+            <a:bodyPr wrap="square" lIns="18000" tIns="0" rIns="18000" bIns="0" rtlCol="0">
+              <a:spAutoFit/>
+            </a:bodyPr>
+            <a:lstStyle/>
+            <a:p>
+              <a:pPr algn="ctr"/>
+              <a:r>
+                <a:rPr lang="fr-BE" sz="1100" dirty="0" smtClean="0"/>
+                <a:t>open </a:t>
+              </a:r>
+              <a:r>
+                <a:rPr lang="fr-BE" sz="1100" dirty="0" err="1" smtClean="0"/>
+                <a:t>doors</a:t>
+              </a:r>
+              <a:endParaRPr lang="fr-BE" sz="1100" dirty="0"/>
+            </a:p>
+          </p:txBody>
+        </p:sp>
+        <p:cxnSp>
+          <p:nvCxnSpPr>
+            <p:cNvPr id="40" name="Connecteur droit avec flèche 39"/>
+            <p:cNvCxnSpPr/>
+            <p:nvPr/>
+          </p:nvCxnSpPr>
+          <p:spPr>
+            <a:xfrm>
+              <a:off x="933500" y="1195216"/>
+              <a:ext cx="1471563" cy="1588"/>
+            </a:xfrm>
+            <a:prstGeom prst="straightConnector1">
+              <a:avLst/>
+            </a:prstGeom>
+            <a:ln>
+              <a:tailEnd type="triangle"/>
+            </a:ln>
+          </p:spPr>
+          <p:style>
+            <a:lnRef idx="1">
+              <a:schemeClr val="dk1"/>
+            </a:lnRef>
+            <a:fillRef idx="0">
+              <a:schemeClr val="dk1"/>
+            </a:fillRef>
+            <a:effectRef idx="0">
+              <a:schemeClr val="dk1"/>
+            </a:effectRef>
+            <a:fontRef idx="minor">
+              <a:schemeClr val="tx1"/>
+            </a:fontRef>
+          </p:style>
+        </p:cxnSp>
+        <p:sp>
+          <p:nvSpPr>
+            <p:cNvPr id="41" name="ZoneTexte 40"/>
+            <p:cNvSpPr txBox="1"/>
+            <p:nvPr/>
+          </p:nvSpPr>
+          <p:spPr>
+            <a:xfrm>
+              <a:off x="1274570" y="1084153"/>
+              <a:ext cx="720000" cy="169277"/>
+            </a:xfrm>
+            <a:prstGeom prst="rect">
+              <a:avLst/>
+            </a:prstGeom>
+            <a:solidFill>
+              <a:schemeClr val="lt1"/>
+            </a:solidFill>
+            <a:ln>
+              <a:noFill/>
+            </a:ln>
+          </p:spPr>
+          <p:txBody>
+            <a:bodyPr wrap="square" lIns="18000" tIns="0" rIns="18000" bIns="0" rtlCol="0">
+              <a:spAutoFit/>
+            </a:bodyPr>
+            <a:lstStyle/>
+            <a:p>
+              <a:pPr algn="ctr"/>
+              <a:r>
+                <a:rPr lang="fr-BE" sz="1100" dirty="0" smtClean="0"/>
+                <a:t>c</a:t>
+              </a:r>
+              <a:r>
+                <a:rPr lang="fr-BE" sz="1100" dirty="0" smtClean="0"/>
+                <a:t>lose </a:t>
+              </a:r>
+              <a:r>
+                <a:rPr lang="fr-BE" sz="1100" dirty="0" err="1" smtClean="0"/>
+                <a:t>doors</a:t>
+              </a:r>
+              <a:endParaRPr lang="fr-BE" sz="1100" dirty="0"/>
+            </a:p>
+          </p:txBody>
+        </p:sp>
+        <p:cxnSp>
+          <p:nvCxnSpPr>
+            <p:cNvPr id="42" name="Connecteur droit avec flèche 41"/>
+            <p:cNvCxnSpPr/>
+            <p:nvPr/>
+          </p:nvCxnSpPr>
+          <p:spPr>
+            <a:xfrm>
+              <a:off x="933500" y="1368344"/>
+              <a:ext cx="1471563" cy="1588"/>
+            </a:xfrm>
+            <a:prstGeom prst="straightConnector1">
+              <a:avLst/>
+            </a:prstGeom>
+            <a:ln>
+              <a:tailEnd type="triangle"/>
+            </a:ln>
+          </p:spPr>
+          <p:style>
+            <a:lnRef idx="1">
+              <a:schemeClr val="dk1"/>
+            </a:lnRef>
+            <a:fillRef idx="0">
+              <a:schemeClr val="dk1"/>
+            </a:fillRef>
+            <a:effectRef idx="0">
+              <a:schemeClr val="dk1"/>
+            </a:effectRef>
+            <a:fontRef idx="minor">
+              <a:schemeClr val="tx1"/>
+            </a:fontRef>
+          </p:style>
+        </p:cxnSp>
+        <p:sp>
+          <p:nvSpPr>
+            <p:cNvPr id="43" name="ZoneTexte 42"/>
+            <p:cNvSpPr txBox="1"/>
+            <p:nvPr/>
+          </p:nvSpPr>
+          <p:spPr>
+            <a:xfrm>
+              <a:off x="1433444" y="1257281"/>
+              <a:ext cx="402252" cy="169277"/>
+            </a:xfrm>
+            <a:prstGeom prst="rect">
+              <a:avLst/>
+            </a:prstGeom>
+            <a:solidFill>
+              <a:schemeClr val="lt1"/>
+            </a:solidFill>
+            <a:ln>
+              <a:noFill/>
+            </a:ln>
+          </p:spPr>
+          <p:txBody>
+            <a:bodyPr wrap="square" lIns="18000" tIns="0" rIns="18000" bIns="0" rtlCol="0">
+              <a:spAutoFit/>
+            </a:bodyPr>
+            <a:lstStyle/>
+            <a:p>
+              <a:pPr algn="ctr"/>
+              <a:r>
+                <a:rPr lang="fr-BE" sz="1100" dirty="0" err="1" smtClean="0"/>
+                <a:t>start</a:t>
+              </a:r>
+              <a:endParaRPr lang="fr-BE" sz="1100" dirty="0"/>
+            </a:p>
+          </p:txBody>
+        </p:sp>
+        <p:cxnSp>
+          <p:nvCxnSpPr>
+            <p:cNvPr id="44" name="Connecteur droit avec flèche 43"/>
+            <p:cNvCxnSpPr/>
+            <p:nvPr/>
+          </p:nvCxnSpPr>
+          <p:spPr>
+            <a:xfrm>
+              <a:off x="933500" y="1541472"/>
+              <a:ext cx="1471563" cy="1588"/>
+            </a:xfrm>
+            <a:prstGeom prst="straightConnector1">
+              <a:avLst/>
+            </a:prstGeom>
+            <a:ln>
+              <a:tailEnd type="triangle"/>
+            </a:ln>
+          </p:spPr>
+          <p:style>
+            <a:lnRef idx="1">
+              <a:schemeClr val="dk1"/>
+            </a:lnRef>
+            <a:fillRef idx="0">
+              <a:schemeClr val="dk1"/>
+            </a:fillRef>
+            <a:effectRef idx="0">
+              <a:schemeClr val="dk1"/>
+            </a:effectRef>
+            <a:fontRef idx="minor">
+              <a:schemeClr val="tx1"/>
+            </a:fontRef>
+          </p:style>
+        </p:cxnSp>
+        <p:sp>
+          <p:nvSpPr>
+            <p:cNvPr id="45" name="ZoneTexte 44"/>
+            <p:cNvSpPr txBox="1"/>
+            <p:nvPr/>
+          </p:nvSpPr>
+          <p:spPr>
+            <a:xfrm>
+              <a:off x="1433444" y="1430409"/>
+              <a:ext cx="402252" cy="169277"/>
+            </a:xfrm>
+            <a:prstGeom prst="rect">
+              <a:avLst/>
+            </a:prstGeom>
+            <a:solidFill>
+              <a:schemeClr val="lt1"/>
+            </a:solidFill>
+            <a:ln>
+              <a:noFill/>
+            </a:ln>
+          </p:spPr>
+          <p:txBody>
+            <a:bodyPr wrap="square" lIns="18000" tIns="0" rIns="18000" bIns="0" rtlCol="0">
+              <a:spAutoFit/>
+            </a:bodyPr>
+            <a:lstStyle/>
+            <a:p>
+              <a:pPr algn="ctr"/>
+              <a:r>
+                <a:rPr lang="fr-BE" sz="1100" dirty="0" smtClean="0"/>
+                <a:t>stop</a:t>
+              </a:r>
+              <a:endParaRPr lang="fr-BE" sz="1100" dirty="0"/>
+            </a:p>
+          </p:txBody>
+        </p:sp>
+        <p:cxnSp>
+          <p:nvCxnSpPr>
+            <p:cNvPr id="46" name="Connecteur droit avec flèche 45"/>
+            <p:cNvCxnSpPr/>
+            <p:nvPr/>
+          </p:nvCxnSpPr>
+          <p:spPr>
+            <a:xfrm>
+              <a:off x="933500" y="1714602"/>
+              <a:ext cx="1471563" cy="1588"/>
+            </a:xfrm>
+            <a:prstGeom prst="straightConnector1">
+              <a:avLst/>
+            </a:prstGeom>
+            <a:ln>
+              <a:tailEnd type="triangle"/>
+            </a:ln>
+          </p:spPr>
+          <p:style>
+            <a:lnRef idx="1">
+              <a:schemeClr val="dk1"/>
+            </a:lnRef>
+            <a:fillRef idx="0">
+              <a:schemeClr val="dk1"/>
+            </a:fillRef>
+            <a:effectRef idx="0">
+              <a:schemeClr val="dk1"/>
+            </a:effectRef>
+            <a:fontRef idx="minor">
+              <a:schemeClr val="tx1"/>
+            </a:fontRef>
+          </p:style>
+        </p:cxnSp>
+        <p:sp>
+          <p:nvSpPr>
+            <p:cNvPr id="47" name="ZoneTexte 46"/>
+            <p:cNvSpPr txBox="1"/>
+            <p:nvPr/>
+          </p:nvSpPr>
+          <p:spPr>
+            <a:xfrm>
+              <a:off x="1433444" y="1603539"/>
+              <a:ext cx="402252" cy="169277"/>
+            </a:xfrm>
+            <a:prstGeom prst="rect">
+              <a:avLst/>
+            </a:prstGeom>
+            <a:solidFill>
+              <a:schemeClr val="lt1"/>
+            </a:solidFill>
+            <a:ln>
+              <a:noFill/>
+            </a:ln>
+          </p:spPr>
+          <p:txBody>
+            <a:bodyPr wrap="square" lIns="18000" tIns="0" rIns="18000" bIns="0" rtlCol="0">
+              <a:spAutoFit/>
+            </a:bodyPr>
+            <a:lstStyle/>
+            <a:p>
+              <a:pPr algn="ctr"/>
+              <a:r>
+                <a:rPr lang="fr-BE" sz="1100" dirty="0" err="1" smtClean="0"/>
+                <a:t>start</a:t>
+              </a:r>
+              <a:endParaRPr lang="fr-BE" sz="1100" dirty="0"/>
+            </a:p>
+          </p:txBody>
+        </p:sp>
+      </p:grpSp>
+      <p:grpSp>
+        <p:nvGrpSpPr>
+          <p:cNvPr id="86" name="Groupe 85"/>
+          <p:cNvGrpSpPr/>
+          <p:nvPr/>
+        </p:nvGrpSpPr>
+        <p:grpSpPr>
+          <a:xfrm>
+            <a:off x="463352" y="2277048"/>
+            <a:ext cx="3748608" cy="1584000"/>
+            <a:chOff x="392138" y="2096888"/>
+            <a:chExt cx="3748608" cy="1584000"/>
+          </a:xfrm>
+        </p:grpSpPr>
+        <p:sp>
+          <p:nvSpPr>
+            <p:cNvPr id="48" name="Rectangle 47"/>
+            <p:cNvSpPr/>
+            <p:nvPr/>
+          </p:nvSpPr>
+          <p:spPr>
+            <a:xfrm>
+              <a:off x="392138" y="2096888"/>
+              <a:ext cx="1084312" cy="324000"/>
+            </a:xfrm>
+            <a:prstGeom prst="rect">
+              <a:avLst/>
+            </a:prstGeom>
+          </p:spPr>
+          <p:style>
+            <a:lnRef idx="2">
+              <a:schemeClr val="dk1"/>
+            </a:lnRef>
+            <a:fillRef idx="1">
+              <a:schemeClr val="lt1"/>
+            </a:fillRef>
+            <a:effectRef idx="0">
+              <a:schemeClr val="dk1"/>
+            </a:effectRef>
+            <a:fontRef idx="minor">
+              <a:schemeClr val="dk1"/>
+            </a:fontRef>
+          </p:style>
+          <p:txBody>
+            <a:bodyPr lIns="36000" tIns="36000" rIns="36000" bIns="36000" rtlCol="0" anchor="ctr" anchorCtr="0"/>
+            <a:lstStyle/>
+            <a:p>
+              <a:pPr algn="ctr"/>
+              <a:r>
+                <a:rPr lang="fr-BE" sz="1100" dirty="0" smtClean="0"/>
+                <a:t>Train Controller</a:t>
+              </a:r>
+              <a:endParaRPr lang="fr-BE" sz="1100" dirty="0"/>
+            </a:p>
+          </p:txBody>
+        </p:sp>
+        <p:sp>
+          <p:nvSpPr>
+            <p:cNvPr id="49" name="Rectangle 48"/>
+            <p:cNvSpPr/>
+            <p:nvPr/>
+          </p:nvSpPr>
+          <p:spPr>
+            <a:xfrm>
+              <a:off x="1692474" y="2096888"/>
+              <a:ext cx="1440160" cy="324000"/>
+            </a:xfrm>
+            <a:prstGeom prst="rect">
+              <a:avLst/>
+            </a:prstGeom>
+          </p:spPr>
+          <p:style>
+            <a:lnRef idx="2">
+              <a:schemeClr val="dk1"/>
+            </a:lnRef>
+            <a:fillRef idx="1">
+              <a:schemeClr val="lt1"/>
+            </a:fillRef>
+            <a:effectRef idx="0">
+              <a:schemeClr val="dk1"/>
+            </a:effectRef>
+            <a:fontRef idx="minor">
+              <a:schemeClr val="dk1"/>
+            </a:fontRef>
+          </p:style>
+          <p:txBody>
+            <a:bodyPr lIns="36000" tIns="36000" rIns="36000" bIns="36000" rtlCol="0" anchor="ctr"/>
+            <a:lstStyle/>
+            <a:p>
+              <a:pPr algn="ctr"/>
+              <a:r>
+                <a:rPr lang="fr-BE" sz="1100" dirty="0" smtClean="0"/>
+                <a:t>Train </a:t>
+              </a:r>
+              <a:r>
+                <a:rPr lang="fr-BE" sz="1100" dirty="0" err="1" smtClean="0"/>
+                <a:t>Actuator</a:t>
+              </a:r>
+              <a:r>
+                <a:rPr lang="fr-BE" sz="1100" dirty="0" smtClean="0"/>
+                <a:t>/</a:t>
+              </a:r>
+              <a:r>
+                <a:rPr lang="fr-BE" sz="1100" dirty="0" err="1" smtClean="0"/>
+                <a:t>Sensor</a:t>
+              </a:r>
+              <a:endParaRPr lang="fr-BE" sz="1100" dirty="0"/>
+            </a:p>
+          </p:txBody>
+        </p:sp>
+        <p:sp>
+          <p:nvSpPr>
+            <p:cNvPr id="50" name="Rectangle 49"/>
+            <p:cNvSpPr/>
+            <p:nvPr/>
+          </p:nvSpPr>
+          <p:spPr>
+            <a:xfrm>
+              <a:off x="3420666" y="2096888"/>
+              <a:ext cx="720080" cy="324000"/>
+            </a:xfrm>
+            <a:prstGeom prst="rect">
+              <a:avLst/>
+            </a:prstGeom>
+          </p:spPr>
+          <p:style>
+            <a:lnRef idx="2">
+              <a:schemeClr val="dk1"/>
+            </a:lnRef>
+            <a:fillRef idx="1">
+              <a:schemeClr val="lt1"/>
+            </a:fillRef>
+            <a:effectRef idx="0">
+              <a:schemeClr val="dk1"/>
+            </a:effectRef>
+            <a:fontRef idx="minor">
+              <a:schemeClr val="dk1"/>
+            </a:fontRef>
+          </p:style>
+          <p:txBody>
+            <a:bodyPr lIns="36000" tIns="36000" rIns="36000" bIns="36000" rtlCol="0" anchor="ctr"/>
+            <a:lstStyle/>
+            <a:p>
+              <a:pPr algn="ctr"/>
+              <a:r>
+                <a:rPr lang="fr-BE" sz="1100" dirty="0" err="1" smtClean="0"/>
+                <a:t>Passenger</a:t>
+              </a:r>
+              <a:endParaRPr lang="fr-BE" sz="1100" dirty="0" smtClean="0"/>
+            </a:p>
+          </p:txBody>
+        </p:sp>
+        <p:cxnSp>
+          <p:nvCxnSpPr>
+            <p:cNvPr id="51" name="Connecteur droit avec flèche 50"/>
+            <p:cNvCxnSpPr>
+              <a:stCxn id="48" idx="2"/>
+            </p:cNvCxnSpPr>
+            <p:nvPr/>
+          </p:nvCxnSpPr>
+          <p:spPr>
+            <a:xfrm rot="5400000">
+              <a:off x="303897" y="3050491"/>
+              <a:ext cx="1260000" cy="794"/>
+            </a:xfrm>
+            <a:prstGeom prst="straightConnector1">
+              <a:avLst/>
+            </a:prstGeom>
+            <a:ln>
+              <a:tailEnd type="triangle"/>
+            </a:ln>
+          </p:spPr>
+          <p:style>
+            <a:lnRef idx="2">
+              <a:schemeClr val="dk1"/>
+            </a:lnRef>
+            <a:fillRef idx="0">
+              <a:schemeClr val="dk1"/>
+            </a:fillRef>
+            <a:effectRef idx="1">
+              <a:schemeClr val="dk1"/>
+            </a:effectRef>
+            <a:fontRef idx="minor">
+              <a:schemeClr val="tx1"/>
+            </a:fontRef>
+          </p:style>
+        </p:cxnSp>
+        <p:cxnSp>
+          <p:nvCxnSpPr>
+            <p:cNvPr id="52" name="Connecteur droit avec flèche 51"/>
+            <p:cNvCxnSpPr>
+              <a:stCxn id="49" idx="2"/>
+            </p:cNvCxnSpPr>
+            <p:nvPr/>
+          </p:nvCxnSpPr>
+          <p:spPr>
+            <a:xfrm rot="5400000">
+              <a:off x="1782157" y="3050491"/>
+              <a:ext cx="1260000" cy="794"/>
+            </a:xfrm>
+            <a:prstGeom prst="straightConnector1">
+              <a:avLst/>
+            </a:prstGeom>
+            <a:ln>
+              <a:tailEnd type="triangle"/>
+            </a:ln>
+          </p:spPr>
+          <p:style>
+            <a:lnRef idx="2">
+              <a:schemeClr val="dk1"/>
+            </a:lnRef>
+            <a:fillRef idx="0">
+              <a:schemeClr val="dk1"/>
+            </a:fillRef>
+            <a:effectRef idx="1">
+              <a:schemeClr val="dk1"/>
+            </a:effectRef>
+            <a:fontRef idx="minor">
+              <a:schemeClr val="tx1"/>
+            </a:fontRef>
+          </p:style>
+        </p:cxnSp>
+        <p:cxnSp>
+          <p:nvCxnSpPr>
+            <p:cNvPr id="53" name="Connecteur droit avec flèche 52"/>
+            <p:cNvCxnSpPr>
+              <a:stCxn id="50" idx="2"/>
+            </p:cNvCxnSpPr>
+            <p:nvPr/>
+          </p:nvCxnSpPr>
+          <p:spPr>
+            <a:xfrm rot="5400000">
+              <a:off x="3150309" y="3050491"/>
+              <a:ext cx="1260000" cy="794"/>
+            </a:xfrm>
+            <a:prstGeom prst="straightConnector1">
+              <a:avLst/>
+            </a:prstGeom>
+            <a:ln>
+              <a:tailEnd type="triangle"/>
+            </a:ln>
+          </p:spPr>
+          <p:style>
+            <a:lnRef idx="2">
+              <a:schemeClr val="dk1"/>
+            </a:lnRef>
+            <a:fillRef idx="0">
+              <a:schemeClr val="dk1"/>
+            </a:fillRef>
+            <a:effectRef idx="1">
+              <a:schemeClr val="dk1"/>
+            </a:effectRef>
+            <a:fontRef idx="minor">
+              <a:schemeClr val="tx1"/>
+            </a:fontRef>
+          </p:style>
+        </p:cxnSp>
+        <p:cxnSp>
+          <p:nvCxnSpPr>
+            <p:cNvPr id="54" name="Connecteur droit avec flèche 53"/>
+            <p:cNvCxnSpPr/>
+            <p:nvPr/>
+          </p:nvCxnSpPr>
+          <p:spPr>
+            <a:xfrm>
+              <a:off x="934294" y="2629347"/>
+              <a:ext cx="1471563" cy="1588"/>
+            </a:xfrm>
+            <a:prstGeom prst="straightConnector1">
+              <a:avLst/>
+            </a:prstGeom>
+            <a:ln>
+              <a:tailEnd type="triangle"/>
+            </a:ln>
+          </p:spPr>
+          <p:style>
+            <a:lnRef idx="1">
+              <a:schemeClr val="dk1"/>
+            </a:lnRef>
+            <a:fillRef idx="0">
+              <a:schemeClr val="dk1"/>
+            </a:fillRef>
+            <a:effectRef idx="0">
+              <a:schemeClr val="dk1"/>
+            </a:effectRef>
+            <a:fontRef idx="minor">
+              <a:schemeClr val="tx1"/>
+            </a:fontRef>
+          </p:style>
+        </p:cxnSp>
+        <p:sp>
+          <p:nvSpPr>
+            <p:cNvPr id="55" name="ZoneTexte 54"/>
+            <p:cNvSpPr txBox="1"/>
+            <p:nvPr/>
+          </p:nvSpPr>
+          <p:spPr>
+            <a:xfrm>
+              <a:off x="1490848" y="2518284"/>
+              <a:ext cx="300848" cy="169277"/>
+            </a:xfrm>
+            <a:prstGeom prst="rect">
+              <a:avLst/>
+            </a:prstGeom>
+            <a:solidFill>
+              <a:schemeClr val="lt1"/>
+            </a:solidFill>
+            <a:ln>
+              <a:noFill/>
+            </a:ln>
+          </p:spPr>
+          <p:txBody>
+            <a:bodyPr wrap="none" lIns="18000" tIns="0" rIns="18000" bIns="0" rtlCol="0">
+              <a:spAutoFit/>
+            </a:bodyPr>
+            <a:lstStyle/>
+            <a:p>
+              <a:pPr algn="ctr"/>
+              <a:r>
+                <a:rPr lang="fr-BE" sz="1100" dirty="0" err="1" smtClean="0"/>
+                <a:t>start</a:t>
+              </a:r>
+              <a:endParaRPr lang="fr-BE" sz="1100" dirty="0"/>
+            </a:p>
+          </p:txBody>
+        </p:sp>
+        <p:cxnSp>
+          <p:nvCxnSpPr>
+            <p:cNvPr id="56" name="Connecteur droit avec flèche 55"/>
+            <p:cNvCxnSpPr/>
+            <p:nvPr/>
+          </p:nvCxnSpPr>
+          <p:spPr>
+            <a:xfrm>
+              <a:off x="934294" y="2802475"/>
+              <a:ext cx="1471563" cy="1588"/>
+            </a:xfrm>
+            <a:prstGeom prst="straightConnector1">
+              <a:avLst/>
+            </a:prstGeom>
+            <a:ln>
+              <a:tailEnd type="triangle"/>
+            </a:ln>
+          </p:spPr>
+          <p:style>
+            <a:lnRef idx="1">
+              <a:schemeClr val="dk1"/>
+            </a:lnRef>
+            <a:fillRef idx="0">
+              <a:schemeClr val="dk1"/>
+            </a:fillRef>
+            <a:effectRef idx="0">
+              <a:schemeClr val="dk1"/>
+            </a:effectRef>
+            <a:fontRef idx="minor">
+              <a:schemeClr val="tx1"/>
+            </a:fontRef>
+          </p:style>
+        </p:cxnSp>
+        <p:sp>
+          <p:nvSpPr>
+            <p:cNvPr id="57" name="ZoneTexte 56"/>
+            <p:cNvSpPr txBox="1"/>
+            <p:nvPr/>
+          </p:nvSpPr>
+          <p:spPr>
+            <a:xfrm>
+              <a:off x="1498864" y="2691412"/>
+              <a:ext cx="284817" cy="169277"/>
+            </a:xfrm>
+            <a:prstGeom prst="rect">
+              <a:avLst/>
+            </a:prstGeom>
+            <a:solidFill>
+              <a:schemeClr val="lt1"/>
+            </a:solidFill>
+            <a:ln>
+              <a:noFill/>
+            </a:ln>
+          </p:spPr>
+          <p:txBody>
+            <a:bodyPr wrap="none" lIns="18000" tIns="0" rIns="18000" bIns="0" rtlCol="0">
+              <a:spAutoFit/>
+            </a:bodyPr>
+            <a:lstStyle/>
+            <a:p>
+              <a:pPr algn="ctr"/>
+              <a:r>
+                <a:rPr lang="fr-BE" sz="1100" dirty="0" smtClean="0"/>
+                <a:t>stop</a:t>
+              </a:r>
+              <a:endParaRPr lang="fr-BE" sz="1100" dirty="0"/>
+            </a:p>
+          </p:txBody>
+        </p:sp>
+        <p:cxnSp>
+          <p:nvCxnSpPr>
+            <p:cNvPr id="58" name="Connecteur droit avec flèche 57"/>
+            <p:cNvCxnSpPr/>
+            <p:nvPr/>
+          </p:nvCxnSpPr>
+          <p:spPr>
+            <a:xfrm flipH="1">
+              <a:off x="2438387" y="2975603"/>
+              <a:ext cx="1332000" cy="1588"/>
+            </a:xfrm>
+            <a:prstGeom prst="straightConnector1">
+              <a:avLst/>
+            </a:prstGeom>
+            <a:ln>
+              <a:tailEnd type="triangle"/>
+            </a:ln>
+          </p:spPr>
+          <p:style>
+            <a:lnRef idx="1">
+              <a:schemeClr val="dk1"/>
+            </a:lnRef>
+            <a:fillRef idx="0">
+              <a:schemeClr val="dk1"/>
+            </a:fillRef>
+            <a:effectRef idx="0">
+              <a:schemeClr val="dk1"/>
+            </a:effectRef>
+            <a:fontRef idx="minor">
+              <a:schemeClr val="tx1"/>
+            </a:fontRef>
+          </p:style>
+        </p:cxnSp>
+        <p:sp>
+          <p:nvSpPr>
+            <p:cNvPr id="59" name="ZoneTexte 58"/>
+            <p:cNvSpPr txBox="1"/>
+            <p:nvPr/>
+          </p:nvSpPr>
+          <p:spPr>
+            <a:xfrm>
+              <a:off x="2686145" y="2852936"/>
+              <a:ext cx="858693" cy="169277"/>
+            </a:xfrm>
+            <a:prstGeom prst="rect">
+              <a:avLst/>
+            </a:prstGeom>
+            <a:solidFill>
+              <a:schemeClr val="lt1"/>
+            </a:solidFill>
+            <a:ln>
+              <a:noFill/>
+            </a:ln>
+          </p:spPr>
+          <p:txBody>
+            <a:bodyPr wrap="none" lIns="18000" tIns="0" rIns="18000" bIns="0" rtlCol="0">
+              <a:spAutoFit/>
+            </a:bodyPr>
+            <a:lstStyle/>
+            <a:p>
+              <a:pPr algn="ctr"/>
+              <a:r>
+                <a:rPr lang="fr-BE" sz="1100" dirty="0" err="1" smtClean="0"/>
+                <a:t>alarm</a:t>
+              </a:r>
+              <a:r>
+                <a:rPr lang="fr-BE" sz="1100" dirty="0" smtClean="0"/>
+                <a:t> </a:t>
+              </a:r>
+              <a:r>
+                <a:rPr lang="fr-BE" sz="1100" dirty="0" err="1" smtClean="0"/>
+                <a:t>pressed</a:t>
+              </a:r>
+              <a:endParaRPr lang="fr-BE" sz="1100" dirty="0"/>
+            </a:p>
+          </p:txBody>
+        </p:sp>
+        <p:cxnSp>
+          <p:nvCxnSpPr>
+            <p:cNvPr id="60" name="Connecteur droit avec flèche 59"/>
+            <p:cNvCxnSpPr/>
+            <p:nvPr/>
+          </p:nvCxnSpPr>
+          <p:spPr>
+            <a:xfrm>
+              <a:off x="934294" y="3269664"/>
+              <a:ext cx="1471563" cy="1588"/>
+            </a:xfrm>
+            <a:prstGeom prst="straightConnector1">
+              <a:avLst/>
+            </a:prstGeom>
+            <a:ln>
+              <a:tailEnd type="triangle"/>
+            </a:ln>
+          </p:spPr>
+          <p:style>
+            <a:lnRef idx="1">
+              <a:schemeClr val="dk1"/>
+            </a:lnRef>
+            <a:fillRef idx="0">
+              <a:schemeClr val="dk1"/>
+            </a:fillRef>
+            <a:effectRef idx="0">
+              <a:schemeClr val="dk1"/>
+            </a:effectRef>
+            <a:fontRef idx="minor">
+              <a:schemeClr val="tx1"/>
+            </a:fontRef>
+          </p:style>
+        </p:cxnSp>
+        <p:sp>
+          <p:nvSpPr>
+            <p:cNvPr id="61" name="ZoneTexte 60"/>
+            <p:cNvSpPr txBox="1"/>
+            <p:nvPr/>
+          </p:nvSpPr>
+          <p:spPr>
+            <a:xfrm>
+              <a:off x="1142997" y="3158601"/>
+              <a:ext cx="996551" cy="169277"/>
+            </a:xfrm>
+            <a:prstGeom prst="rect">
+              <a:avLst/>
+            </a:prstGeom>
+            <a:solidFill>
+              <a:schemeClr val="lt1"/>
+            </a:solidFill>
+            <a:ln>
+              <a:noFill/>
+            </a:ln>
+          </p:spPr>
+          <p:txBody>
+            <a:bodyPr wrap="none" lIns="18000" tIns="0" rIns="18000" bIns="0" rtlCol="0">
+              <a:spAutoFit/>
+            </a:bodyPr>
+            <a:lstStyle/>
+            <a:p>
+              <a:pPr algn="ctr"/>
+              <a:r>
+                <a:rPr lang="fr-BE" sz="1100" dirty="0" smtClean="0"/>
+                <a:t>emergency open</a:t>
+              </a:r>
+              <a:endParaRPr lang="fr-BE" sz="1100" dirty="0"/>
+            </a:p>
+          </p:txBody>
+        </p:sp>
+        <p:cxnSp>
+          <p:nvCxnSpPr>
+            <p:cNvPr id="62" name="Connecteur droit avec flèche 61"/>
+            <p:cNvCxnSpPr/>
+            <p:nvPr/>
+          </p:nvCxnSpPr>
+          <p:spPr>
+            <a:xfrm>
+              <a:off x="934294" y="3442794"/>
+              <a:ext cx="1471563" cy="1588"/>
+            </a:xfrm>
+            <a:prstGeom prst="straightConnector1">
+              <a:avLst/>
+            </a:prstGeom>
+            <a:ln>
+              <a:tailEnd type="triangle"/>
+            </a:ln>
+          </p:spPr>
+          <p:style>
+            <a:lnRef idx="1">
+              <a:schemeClr val="dk1"/>
+            </a:lnRef>
+            <a:fillRef idx="0">
+              <a:schemeClr val="dk1"/>
+            </a:fillRef>
+            <a:effectRef idx="0">
+              <a:schemeClr val="dk1"/>
+            </a:effectRef>
+            <a:fontRef idx="minor">
+              <a:schemeClr val="tx1"/>
+            </a:fontRef>
+          </p:style>
+        </p:cxnSp>
+        <p:sp>
+          <p:nvSpPr>
+            <p:cNvPr id="63" name="ZoneTexte 62"/>
+            <p:cNvSpPr txBox="1"/>
+            <p:nvPr/>
+          </p:nvSpPr>
+          <p:spPr>
+            <a:xfrm>
+              <a:off x="1299289" y="3331731"/>
+              <a:ext cx="683966" cy="169277"/>
+            </a:xfrm>
+            <a:prstGeom prst="rect">
+              <a:avLst/>
+            </a:prstGeom>
+            <a:solidFill>
+              <a:schemeClr val="lt1"/>
+            </a:solidFill>
+            <a:ln>
+              <a:noFill/>
+            </a:ln>
+          </p:spPr>
+          <p:txBody>
+            <a:bodyPr wrap="none" lIns="18000" tIns="0" rIns="18000" bIns="0" rtlCol="0">
+              <a:spAutoFit/>
+            </a:bodyPr>
+            <a:lstStyle/>
+            <a:p>
+              <a:pPr algn="ctr"/>
+              <a:r>
+                <a:rPr lang="fr-BE" sz="1100" dirty="0" smtClean="0"/>
+                <a:t>close </a:t>
+              </a:r>
+              <a:r>
+                <a:rPr lang="fr-BE" sz="1100" dirty="0" err="1" smtClean="0"/>
+                <a:t>doors</a:t>
+              </a:r>
+              <a:endParaRPr lang="fr-BE" sz="1100" dirty="0"/>
+            </a:p>
+          </p:txBody>
+        </p:sp>
+        <p:cxnSp>
+          <p:nvCxnSpPr>
+            <p:cNvPr id="64" name="Connecteur droit avec flèche 63"/>
+            <p:cNvCxnSpPr/>
+            <p:nvPr/>
+          </p:nvCxnSpPr>
+          <p:spPr>
+            <a:xfrm flipH="1">
+              <a:off x="940197" y="3108015"/>
+              <a:ext cx="1471563" cy="1588"/>
+            </a:xfrm>
+            <a:prstGeom prst="straightConnector1">
+              <a:avLst/>
+            </a:prstGeom>
+            <a:ln>
+              <a:tailEnd type="triangle"/>
+            </a:ln>
+          </p:spPr>
+          <p:style>
+            <a:lnRef idx="1">
+              <a:schemeClr val="dk1"/>
+            </a:lnRef>
+            <a:fillRef idx="0">
+              <a:schemeClr val="dk1"/>
+            </a:fillRef>
+            <a:effectRef idx="0">
+              <a:schemeClr val="dk1"/>
+            </a:effectRef>
+            <a:fontRef idx="minor">
+              <a:schemeClr val="tx1"/>
+            </a:fontRef>
+          </p:style>
+        </p:cxnSp>
+        <p:sp>
+          <p:nvSpPr>
+            <p:cNvPr id="65" name="ZoneTexte 64"/>
+            <p:cNvSpPr txBox="1"/>
+            <p:nvPr/>
+          </p:nvSpPr>
+          <p:spPr>
+            <a:xfrm>
+              <a:off x="1104525" y="2996952"/>
+              <a:ext cx="1073495" cy="169277"/>
+            </a:xfrm>
+            <a:prstGeom prst="rect">
+              <a:avLst/>
+            </a:prstGeom>
+            <a:solidFill>
+              <a:schemeClr val="lt1"/>
+            </a:solidFill>
+            <a:ln>
+              <a:noFill/>
+            </a:ln>
+          </p:spPr>
+          <p:txBody>
+            <a:bodyPr wrap="none" lIns="18000" tIns="0" rIns="18000" bIns="0" rtlCol="0">
+              <a:spAutoFit/>
+            </a:bodyPr>
+            <a:lstStyle/>
+            <a:p>
+              <a:pPr algn="ctr"/>
+              <a:r>
+                <a:rPr lang="fr-BE" sz="1100" dirty="0" err="1" smtClean="0"/>
+                <a:t>alarm</a:t>
+              </a:r>
+              <a:r>
+                <a:rPr lang="fr-BE" sz="1100" dirty="0" smtClean="0"/>
+                <a:t> </a:t>
+              </a:r>
+              <a:r>
+                <a:rPr lang="fr-BE" sz="1100" dirty="0" err="1" smtClean="0"/>
+                <a:t>propagated</a:t>
+              </a:r>
+              <a:endParaRPr lang="fr-BE" sz="1100" dirty="0"/>
+            </a:p>
+          </p:txBody>
+        </p:sp>
+      </p:grpSp>
+      <p:grpSp>
+        <p:nvGrpSpPr>
+          <p:cNvPr id="87" name="Groupe 86"/>
+          <p:cNvGrpSpPr/>
+          <p:nvPr/>
+        </p:nvGrpSpPr>
+        <p:grpSpPr>
+          <a:xfrm>
+            <a:off x="4495800" y="2277048"/>
+            <a:ext cx="3748608" cy="1476000"/>
+            <a:chOff x="4495800" y="2060848"/>
+            <a:chExt cx="3748608" cy="1476000"/>
+          </a:xfrm>
+        </p:grpSpPr>
+        <p:cxnSp>
+          <p:nvCxnSpPr>
+            <p:cNvPr id="26" name="Connecteur droit 25"/>
+            <p:cNvCxnSpPr/>
+            <p:nvPr/>
+          </p:nvCxnSpPr>
+          <p:spPr>
+            <a:xfrm>
+              <a:off x="4794374" y="2924944"/>
+              <a:ext cx="3348000" cy="0"/>
+            </a:xfrm>
+            <a:prstGeom prst="line">
+              <a:avLst/>
+            </a:prstGeom>
+            <a:ln>
+              <a:prstDash val="sysDash"/>
+            </a:ln>
+          </p:spPr>
+          <p:style>
+            <a:lnRef idx="2">
+              <a:schemeClr val="dk1"/>
+            </a:lnRef>
+            <a:fillRef idx="0">
+              <a:schemeClr val="dk1"/>
+            </a:fillRef>
+            <a:effectRef idx="1">
+              <a:schemeClr val="dk1"/>
+            </a:effectRef>
+            <a:fontRef idx="minor">
+              <a:schemeClr val="tx1"/>
+            </a:fontRef>
+          </p:style>
+        </p:cxnSp>
+        <p:sp>
+          <p:nvSpPr>
+            <p:cNvPr id="27" name="Rectangle 26"/>
+            <p:cNvSpPr/>
+            <p:nvPr/>
+          </p:nvSpPr>
+          <p:spPr>
+            <a:xfrm>
+              <a:off x="4495800" y="2060848"/>
+              <a:ext cx="1084312" cy="324000"/>
+            </a:xfrm>
+            <a:prstGeom prst="rect">
+              <a:avLst/>
+            </a:prstGeom>
+          </p:spPr>
+          <p:style>
+            <a:lnRef idx="2">
+              <a:schemeClr val="dk1"/>
+            </a:lnRef>
+            <a:fillRef idx="1">
+              <a:schemeClr val="lt1"/>
+            </a:fillRef>
+            <a:effectRef idx="0">
+              <a:schemeClr val="dk1"/>
+            </a:effectRef>
+            <a:fontRef idx="minor">
+              <a:schemeClr val="dk1"/>
+            </a:fontRef>
+          </p:style>
+          <p:txBody>
+            <a:bodyPr lIns="36000" tIns="36000" rIns="36000" bIns="36000" rtlCol="0" anchor="ctr" anchorCtr="0"/>
+            <a:lstStyle/>
+            <a:p>
+              <a:pPr algn="ctr"/>
+              <a:r>
+                <a:rPr lang="fr-BE" sz="1100" dirty="0" smtClean="0"/>
+                <a:t>Train Controller</a:t>
+              </a:r>
+              <a:endParaRPr lang="fr-BE" sz="1100" dirty="0"/>
+            </a:p>
+          </p:txBody>
+        </p:sp>
+        <p:sp>
+          <p:nvSpPr>
+            <p:cNvPr id="28" name="Rectangle 27"/>
+            <p:cNvSpPr/>
+            <p:nvPr/>
+          </p:nvSpPr>
+          <p:spPr>
+            <a:xfrm>
+              <a:off x="5796136" y="2060848"/>
+              <a:ext cx="1440160" cy="324000"/>
+            </a:xfrm>
+            <a:prstGeom prst="rect">
+              <a:avLst/>
+            </a:prstGeom>
+          </p:spPr>
+          <p:style>
+            <a:lnRef idx="2">
+              <a:schemeClr val="dk1"/>
+            </a:lnRef>
+            <a:fillRef idx="1">
+              <a:schemeClr val="lt1"/>
+            </a:fillRef>
+            <a:effectRef idx="0">
+              <a:schemeClr val="dk1"/>
+            </a:effectRef>
+            <a:fontRef idx="minor">
+              <a:schemeClr val="dk1"/>
+            </a:fontRef>
+          </p:style>
+          <p:txBody>
+            <a:bodyPr lIns="36000" tIns="36000" rIns="36000" bIns="36000" rtlCol="0" anchor="ctr"/>
+            <a:lstStyle/>
+            <a:p>
+              <a:pPr algn="ctr"/>
+              <a:r>
+                <a:rPr lang="fr-BE" sz="1100" dirty="0" smtClean="0"/>
+                <a:t>Train </a:t>
+              </a:r>
+              <a:r>
+                <a:rPr lang="fr-BE" sz="1100" dirty="0" err="1" smtClean="0"/>
+                <a:t>Actuator</a:t>
+              </a:r>
+              <a:r>
+                <a:rPr lang="fr-BE" sz="1100" dirty="0" smtClean="0"/>
+                <a:t>/</a:t>
+              </a:r>
+              <a:r>
+                <a:rPr lang="fr-BE" sz="1100" dirty="0" err="1" smtClean="0"/>
+                <a:t>Sensor</a:t>
+              </a:r>
+              <a:endParaRPr lang="fr-BE" sz="1100" dirty="0"/>
+            </a:p>
+          </p:txBody>
+        </p:sp>
+        <p:sp>
+          <p:nvSpPr>
+            <p:cNvPr id="29" name="Rectangle 28"/>
+            <p:cNvSpPr/>
+            <p:nvPr/>
+          </p:nvSpPr>
+          <p:spPr>
+            <a:xfrm>
+              <a:off x="7524328" y="2060848"/>
+              <a:ext cx="720080" cy="324000"/>
+            </a:xfrm>
+            <a:prstGeom prst="rect">
+              <a:avLst/>
+            </a:prstGeom>
+          </p:spPr>
+          <p:style>
+            <a:lnRef idx="2">
+              <a:schemeClr val="dk1"/>
+            </a:lnRef>
+            <a:fillRef idx="1">
+              <a:schemeClr val="lt1"/>
+            </a:fillRef>
+            <a:effectRef idx="0">
+              <a:schemeClr val="dk1"/>
+            </a:effectRef>
+            <a:fontRef idx="minor">
+              <a:schemeClr val="dk1"/>
+            </a:fontRef>
+          </p:style>
+          <p:txBody>
+            <a:bodyPr lIns="36000" tIns="36000" rIns="36000" bIns="36000" rtlCol="0" anchor="ctr"/>
+            <a:lstStyle/>
+            <a:p>
+              <a:pPr algn="ctr"/>
+              <a:r>
+                <a:rPr lang="fr-BE" sz="1100" dirty="0" err="1" smtClean="0"/>
+                <a:t>Passenger</a:t>
+              </a:r>
+              <a:endParaRPr lang="fr-BE" sz="1100" dirty="0" smtClean="0"/>
+            </a:p>
+          </p:txBody>
+        </p:sp>
+        <p:cxnSp>
+          <p:nvCxnSpPr>
+            <p:cNvPr id="30" name="Connecteur droit avec flèche 29"/>
+            <p:cNvCxnSpPr>
+              <a:stCxn id="27" idx="2"/>
+            </p:cNvCxnSpPr>
+            <p:nvPr/>
+          </p:nvCxnSpPr>
+          <p:spPr>
+            <a:xfrm rot="5400000">
+              <a:off x="4461559" y="2960451"/>
+              <a:ext cx="1152000" cy="794"/>
+            </a:xfrm>
+            <a:prstGeom prst="straightConnector1">
+              <a:avLst/>
+            </a:prstGeom>
+            <a:ln>
+              <a:tailEnd type="triangle"/>
+            </a:ln>
+          </p:spPr>
+          <p:style>
+            <a:lnRef idx="2">
+              <a:schemeClr val="dk1"/>
+            </a:lnRef>
+            <a:fillRef idx="0">
+              <a:schemeClr val="dk1"/>
+            </a:fillRef>
+            <a:effectRef idx="1">
+              <a:schemeClr val="dk1"/>
+            </a:effectRef>
+            <a:fontRef idx="minor">
+              <a:schemeClr val="tx1"/>
+            </a:fontRef>
+          </p:style>
+        </p:cxnSp>
+        <p:cxnSp>
+          <p:nvCxnSpPr>
+            <p:cNvPr id="31" name="Connecteur droit avec flèche 30"/>
+            <p:cNvCxnSpPr>
+              <a:stCxn id="28" idx="2"/>
+            </p:cNvCxnSpPr>
+            <p:nvPr/>
+          </p:nvCxnSpPr>
+          <p:spPr>
+            <a:xfrm rot="5400000">
+              <a:off x="5939819" y="2960451"/>
+              <a:ext cx="1152000" cy="794"/>
+            </a:xfrm>
+            <a:prstGeom prst="straightConnector1">
+              <a:avLst/>
+            </a:prstGeom>
+            <a:ln>
+              <a:tailEnd type="triangle"/>
+            </a:ln>
+          </p:spPr>
+          <p:style>
+            <a:lnRef idx="2">
+              <a:schemeClr val="dk1"/>
+            </a:lnRef>
+            <a:fillRef idx="0">
+              <a:schemeClr val="dk1"/>
+            </a:fillRef>
+            <a:effectRef idx="1">
+              <a:schemeClr val="dk1"/>
+            </a:effectRef>
+            <a:fontRef idx="minor">
+              <a:schemeClr val="tx1"/>
+            </a:fontRef>
+          </p:style>
+        </p:cxnSp>
+        <p:cxnSp>
+          <p:nvCxnSpPr>
+            <p:cNvPr id="32" name="Connecteur droit avec flèche 31"/>
+            <p:cNvCxnSpPr>
+              <a:stCxn id="29" idx="2"/>
+            </p:cNvCxnSpPr>
+            <p:nvPr/>
+          </p:nvCxnSpPr>
+          <p:spPr>
+            <a:xfrm rot="5400000">
+              <a:off x="7307971" y="2960451"/>
+              <a:ext cx="1152000" cy="794"/>
+            </a:xfrm>
+            <a:prstGeom prst="straightConnector1">
+              <a:avLst/>
+            </a:prstGeom>
+            <a:ln>
+              <a:tailEnd type="triangle"/>
+            </a:ln>
+          </p:spPr>
+          <p:style>
+            <a:lnRef idx="2">
+              <a:schemeClr val="dk1"/>
+            </a:lnRef>
+            <a:fillRef idx="0">
+              <a:schemeClr val="dk1"/>
+            </a:fillRef>
+            <a:effectRef idx="1">
+              <a:schemeClr val="dk1"/>
+            </a:effectRef>
+            <a:fontRef idx="minor">
+              <a:schemeClr val="tx1"/>
+            </a:fontRef>
+          </p:style>
+        </p:cxnSp>
+        <p:cxnSp>
+          <p:nvCxnSpPr>
+            <p:cNvPr id="33" name="Connecteur droit avec flèche 32"/>
+            <p:cNvCxnSpPr/>
+            <p:nvPr/>
+          </p:nvCxnSpPr>
+          <p:spPr>
+            <a:xfrm>
+              <a:off x="5037956" y="2659905"/>
+              <a:ext cx="1471563" cy="1588"/>
+            </a:xfrm>
+            <a:prstGeom prst="straightConnector1">
+              <a:avLst/>
+            </a:prstGeom>
+            <a:ln>
+              <a:tailEnd type="triangle"/>
+            </a:ln>
+          </p:spPr>
+          <p:style>
+            <a:lnRef idx="1">
+              <a:schemeClr val="dk1"/>
+            </a:lnRef>
+            <a:fillRef idx="0">
+              <a:schemeClr val="dk1"/>
+            </a:fillRef>
+            <a:effectRef idx="0">
+              <a:schemeClr val="dk1"/>
+            </a:effectRef>
+            <a:fontRef idx="minor">
+              <a:schemeClr val="tx1"/>
+            </a:fontRef>
+          </p:style>
+        </p:cxnSp>
+        <p:cxnSp>
+          <p:nvCxnSpPr>
+            <p:cNvPr id="37" name="Connecteur droit avec flèche 36"/>
+            <p:cNvCxnSpPr/>
+            <p:nvPr/>
+          </p:nvCxnSpPr>
+          <p:spPr>
+            <a:xfrm flipV="1">
+              <a:off x="5037956" y="3278377"/>
+              <a:ext cx="1476000" cy="862"/>
+            </a:xfrm>
+            <a:prstGeom prst="straightConnector1">
+              <a:avLst/>
+            </a:prstGeom>
+            <a:ln>
+              <a:tailEnd type="triangle"/>
+            </a:ln>
+          </p:spPr>
+          <p:style>
+            <a:lnRef idx="1">
+              <a:schemeClr val="dk1"/>
+            </a:lnRef>
+            <a:fillRef idx="0">
+              <a:schemeClr val="dk1"/>
+            </a:fillRef>
+            <a:effectRef idx="0">
+              <a:schemeClr val="dk1"/>
+            </a:effectRef>
+            <a:fontRef idx="minor">
+              <a:schemeClr val="tx1"/>
+            </a:fontRef>
+          </p:style>
+        </p:cxnSp>
+        <p:sp>
+          <p:nvSpPr>
+            <p:cNvPr id="38" name="ZoneTexte 37"/>
+            <p:cNvSpPr txBox="1"/>
+            <p:nvPr/>
+          </p:nvSpPr>
+          <p:spPr>
+            <a:xfrm>
+              <a:off x="5436176" y="3184238"/>
+              <a:ext cx="720000" cy="169277"/>
+            </a:xfrm>
+            <a:prstGeom prst="rect">
+              <a:avLst/>
+            </a:prstGeom>
+            <a:solidFill>
+              <a:schemeClr val="lt1"/>
+            </a:solidFill>
+            <a:ln>
+              <a:noFill/>
+            </a:ln>
+          </p:spPr>
+          <p:txBody>
+            <a:bodyPr wrap="square" lIns="18000" tIns="0" rIns="18000" bIns="0" rtlCol="0">
+              <a:spAutoFit/>
+            </a:bodyPr>
+            <a:lstStyle/>
+            <a:p>
+              <a:pPr algn="ctr"/>
+              <a:r>
+                <a:rPr lang="fr-BE" sz="1100" dirty="0" smtClean="0"/>
+                <a:t>o</a:t>
+              </a:r>
+              <a:r>
+                <a:rPr lang="fr-BE" sz="1100" dirty="0" smtClean="0"/>
+                <a:t>pen </a:t>
+              </a:r>
+              <a:r>
+                <a:rPr lang="fr-BE" sz="1100" dirty="0" err="1" smtClean="0"/>
+                <a:t>d</a:t>
+              </a:r>
+              <a:r>
+                <a:rPr lang="fr-BE" sz="1100" dirty="0" err="1" smtClean="0"/>
+                <a:t>oors</a:t>
+              </a:r>
+              <a:endParaRPr lang="fr-BE" sz="1100" dirty="0"/>
+            </a:p>
+          </p:txBody>
+        </p:sp>
+        <p:sp>
+          <p:nvSpPr>
+            <p:cNvPr id="39" name="ZoneTexte 38"/>
+            <p:cNvSpPr txBox="1"/>
+            <p:nvPr/>
+          </p:nvSpPr>
+          <p:spPr>
+            <a:xfrm>
+              <a:off x="5091130" y="3049653"/>
+              <a:ext cx="344966" cy="461665"/>
+            </a:xfrm>
+            <a:prstGeom prst="rect">
+              <a:avLst/>
+            </a:prstGeom>
+            <a:noFill/>
+          </p:spPr>
+          <p:txBody>
+            <a:bodyPr wrap="none" rtlCol="0">
+              <a:spAutoFit/>
+            </a:bodyPr>
+            <a:lstStyle/>
+            <a:p>
+              <a:r>
+                <a:rPr lang="fr-BE" sz="2400" dirty="0" smtClean="0"/>
+                <a:t>X</a:t>
+              </a:r>
+              <a:endParaRPr lang="fr-BE" sz="2400" dirty="0"/>
+            </a:p>
+          </p:txBody>
+        </p:sp>
+        <p:sp>
+          <p:nvSpPr>
+            <p:cNvPr id="66" name="ZoneTexte 65"/>
+            <p:cNvSpPr txBox="1"/>
+            <p:nvPr/>
+          </p:nvSpPr>
+          <p:spPr>
+            <a:xfrm>
+              <a:off x="5645752" y="2564904"/>
+              <a:ext cx="300848" cy="169277"/>
+            </a:xfrm>
+            <a:prstGeom prst="rect">
+              <a:avLst/>
+            </a:prstGeom>
+            <a:solidFill>
+              <a:schemeClr val="lt1"/>
+            </a:solidFill>
+            <a:ln>
+              <a:noFill/>
+            </a:ln>
+          </p:spPr>
+          <p:txBody>
+            <a:bodyPr wrap="none" lIns="18000" tIns="0" rIns="18000" bIns="0" rtlCol="0">
+              <a:spAutoFit/>
+            </a:bodyPr>
+            <a:lstStyle/>
+            <a:p>
+              <a:pPr algn="ctr"/>
+              <a:r>
+                <a:rPr lang="fr-BE" sz="1100" dirty="0" err="1" smtClean="0"/>
+                <a:t>start</a:t>
+              </a:r>
+              <a:endParaRPr lang="fr-BE" sz="1100" dirty="0"/>
+            </a:p>
+          </p:txBody>
+        </p:sp>
+      </p:grpSp>
+      <p:grpSp>
+        <p:nvGrpSpPr>
+          <p:cNvPr id="88" name="Groupe 87"/>
+          <p:cNvGrpSpPr/>
+          <p:nvPr/>
+        </p:nvGrpSpPr>
+        <p:grpSpPr>
+          <a:xfrm>
+            <a:off x="4495800" y="332656"/>
+            <a:ext cx="3748608" cy="1584000"/>
+            <a:chOff x="4495800" y="404664"/>
+            <a:chExt cx="3748608" cy="1584000"/>
+          </a:xfrm>
+        </p:grpSpPr>
+        <p:sp>
+          <p:nvSpPr>
+            <p:cNvPr id="67" name="Rectangle 66"/>
+            <p:cNvSpPr/>
+            <p:nvPr/>
+          </p:nvSpPr>
+          <p:spPr>
+            <a:xfrm>
+              <a:off x="4495800" y="404664"/>
+              <a:ext cx="1084312" cy="324000"/>
+            </a:xfrm>
+            <a:prstGeom prst="rect">
+              <a:avLst/>
+            </a:prstGeom>
+          </p:spPr>
+          <p:style>
+            <a:lnRef idx="2">
+              <a:schemeClr val="dk1"/>
+            </a:lnRef>
+            <a:fillRef idx="1">
+              <a:schemeClr val="lt1"/>
+            </a:fillRef>
+            <a:effectRef idx="0">
+              <a:schemeClr val="dk1"/>
+            </a:effectRef>
+            <a:fontRef idx="minor">
+              <a:schemeClr val="dk1"/>
+            </a:fontRef>
+          </p:style>
+          <p:txBody>
+            <a:bodyPr lIns="36000" tIns="36000" rIns="36000" bIns="36000" rtlCol="0" anchor="ctr" anchorCtr="0"/>
+            <a:lstStyle/>
+            <a:p>
+              <a:pPr algn="ctr"/>
+              <a:r>
+                <a:rPr lang="fr-BE" sz="1100" dirty="0" smtClean="0"/>
+                <a:t>Train Controller</a:t>
+              </a:r>
+              <a:endParaRPr lang="fr-BE" sz="1100" dirty="0"/>
+            </a:p>
+          </p:txBody>
+        </p:sp>
+        <p:sp>
+          <p:nvSpPr>
+            <p:cNvPr id="68" name="Rectangle 67"/>
+            <p:cNvSpPr/>
+            <p:nvPr/>
+          </p:nvSpPr>
+          <p:spPr>
+            <a:xfrm>
+              <a:off x="5796136" y="404664"/>
+              <a:ext cx="1440160" cy="324000"/>
+            </a:xfrm>
+            <a:prstGeom prst="rect">
+              <a:avLst/>
+            </a:prstGeom>
+          </p:spPr>
+          <p:style>
+            <a:lnRef idx="2">
+              <a:schemeClr val="dk1"/>
+            </a:lnRef>
+            <a:fillRef idx="1">
+              <a:schemeClr val="lt1"/>
+            </a:fillRef>
+            <a:effectRef idx="0">
+              <a:schemeClr val="dk1"/>
+            </a:effectRef>
+            <a:fontRef idx="minor">
+              <a:schemeClr val="dk1"/>
+            </a:fontRef>
+          </p:style>
+          <p:txBody>
+            <a:bodyPr lIns="36000" tIns="36000" rIns="36000" bIns="36000" rtlCol="0" anchor="ctr"/>
+            <a:lstStyle/>
+            <a:p>
+              <a:pPr algn="ctr"/>
+              <a:r>
+                <a:rPr lang="fr-BE" sz="1100" dirty="0" smtClean="0"/>
+                <a:t>Train </a:t>
+              </a:r>
+              <a:r>
+                <a:rPr lang="fr-BE" sz="1100" dirty="0" err="1" smtClean="0"/>
+                <a:t>Actuator</a:t>
+              </a:r>
+              <a:r>
+                <a:rPr lang="fr-BE" sz="1100" dirty="0" smtClean="0"/>
+                <a:t>/</a:t>
+              </a:r>
+              <a:r>
+                <a:rPr lang="fr-BE" sz="1100" dirty="0" err="1" smtClean="0"/>
+                <a:t>Sensor</a:t>
+              </a:r>
+              <a:endParaRPr lang="fr-BE" sz="1100" dirty="0"/>
+            </a:p>
+          </p:txBody>
+        </p:sp>
+        <p:sp>
+          <p:nvSpPr>
+            <p:cNvPr id="69" name="Rectangle 68"/>
+            <p:cNvSpPr/>
+            <p:nvPr/>
+          </p:nvSpPr>
+          <p:spPr>
+            <a:xfrm>
+              <a:off x="7524328" y="404664"/>
+              <a:ext cx="720080" cy="324000"/>
+            </a:xfrm>
+            <a:prstGeom prst="rect">
+              <a:avLst/>
+            </a:prstGeom>
+          </p:spPr>
+          <p:style>
+            <a:lnRef idx="2">
+              <a:schemeClr val="dk1"/>
+            </a:lnRef>
+            <a:fillRef idx="1">
+              <a:schemeClr val="lt1"/>
+            </a:fillRef>
+            <a:effectRef idx="0">
+              <a:schemeClr val="dk1"/>
+            </a:effectRef>
+            <a:fontRef idx="minor">
+              <a:schemeClr val="dk1"/>
+            </a:fontRef>
+          </p:style>
+          <p:txBody>
+            <a:bodyPr lIns="36000" tIns="36000" rIns="36000" bIns="36000" rtlCol="0" anchor="ctr"/>
+            <a:lstStyle/>
+            <a:p>
+              <a:pPr algn="ctr"/>
+              <a:r>
+                <a:rPr lang="fr-BE" sz="1100" dirty="0" err="1" smtClean="0"/>
+                <a:t>Passenger</a:t>
+              </a:r>
+              <a:endParaRPr lang="fr-BE" sz="1100" dirty="0" smtClean="0"/>
+            </a:p>
+          </p:txBody>
+        </p:sp>
+        <p:cxnSp>
+          <p:nvCxnSpPr>
+            <p:cNvPr id="70" name="Connecteur droit avec flèche 69"/>
+            <p:cNvCxnSpPr>
+              <a:stCxn id="67" idx="2"/>
+            </p:cNvCxnSpPr>
+            <p:nvPr/>
+          </p:nvCxnSpPr>
+          <p:spPr>
+            <a:xfrm rot="5400000">
+              <a:off x="4407559" y="1358267"/>
+              <a:ext cx="1260000" cy="794"/>
+            </a:xfrm>
+            <a:prstGeom prst="straightConnector1">
+              <a:avLst/>
+            </a:prstGeom>
+            <a:ln>
+              <a:tailEnd type="triangle"/>
+            </a:ln>
+          </p:spPr>
+          <p:style>
+            <a:lnRef idx="2">
+              <a:schemeClr val="dk1"/>
+            </a:lnRef>
+            <a:fillRef idx="0">
+              <a:schemeClr val="dk1"/>
+            </a:fillRef>
+            <a:effectRef idx="1">
+              <a:schemeClr val="dk1"/>
+            </a:effectRef>
+            <a:fontRef idx="minor">
+              <a:schemeClr val="tx1"/>
+            </a:fontRef>
+          </p:style>
+        </p:cxnSp>
+        <p:cxnSp>
+          <p:nvCxnSpPr>
+            <p:cNvPr id="71" name="Connecteur droit avec flèche 70"/>
+            <p:cNvCxnSpPr>
+              <a:stCxn id="68" idx="2"/>
+            </p:cNvCxnSpPr>
+            <p:nvPr/>
+          </p:nvCxnSpPr>
+          <p:spPr>
+            <a:xfrm rot="5400000">
+              <a:off x="5885819" y="1358267"/>
+              <a:ext cx="1260000" cy="794"/>
+            </a:xfrm>
+            <a:prstGeom prst="straightConnector1">
+              <a:avLst/>
+            </a:prstGeom>
+            <a:ln>
+              <a:tailEnd type="triangle"/>
+            </a:ln>
+          </p:spPr>
+          <p:style>
+            <a:lnRef idx="2">
+              <a:schemeClr val="dk1"/>
+            </a:lnRef>
+            <a:fillRef idx="0">
+              <a:schemeClr val="dk1"/>
+            </a:fillRef>
+            <a:effectRef idx="1">
+              <a:schemeClr val="dk1"/>
+            </a:effectRef>
+            <a:fontRef idx="minor">
+              <a:schemeClr val="tx1"/>
+            </a:fontRef>
+          </p:style>
+        </p:cxnSp>
+        <p:cxnSp>
+          <p:nvCxnSpPr>
+            <p:cNvPr id="72" name="Connecteur droit avec flèche 71"/>
+            <p:cNvCxnSpPr>
+              <a:stCxn id="69" idx="2"/>
+            </p:cNvCxnSpPr>
+            <p:nvPr/>
+          </p:nvCxnSpPr>
+          <p:spPr>
+            <a:xfrm rot="5400000">
+              <a:off x="7253971" y="1358267"/>
+              <a:ext cx="1260000" cy="794"/>
+            </a:xfrm>
+            <a:prstGeom prst="straightConnector1">
+              <a:avLst/>
+            </a:prstGeom>
+            <a:ln>
+              <a:tailEnd type="triangle"/>
+            </a:ln>
+          </p:spPr>
+          <p:style>
+            <a:lnRef idx="2">
+              <a:schemeClr val="dk1"/>
+            </a:lnRef>
+            <a:fillRef idx="0">
+              <a:schemeClr val="dk1"/>
+            </a:fillRef>
+            <a:effectRef idx="1">
+              <a:schemeClr val="dk1"/>
+            </a:effectRef>
+            <a:fontRef idx="minor">
+              <a:schemeClr val="tx1"/>
+            </a:fontRef>
+          </p:style>
+        </p:cxnSp>
+        <p:cxnSp>
+          <p:nvCxnSpPr>
+            <p:cNvPr id="73" name="Connecteur droit avec flèche 72"/>
+            <p:cNvCxnSpPr/>
+            <p:nvPr/>
+          </p:nvCxnSpPr>
+          <p:spPr>
+            <a:xfrm>
+              <a:off x="5037956" y="937123"/>
+              <a:ext cx="1471563" cy="1588"/>
+            </a:xfrm>
+            <a:prstGeom prst="straightConnector1">
+              <a:avLst/>
+            </a:prstGeom>
+            <a:ln>
+              <a:tailEnd type="triangle"/>
+            </a:ln>
+          </p:spPr>
+          <p:style>
+            <a:lnRef idx="1">
+              <a:schemeClr val="dk1"/>
+            </a:lnRef>
+            <a:fillRef idx="0">
+              <a:schemeClr val="dk1"/>
+            </a:fillRef>
+            <a:effectRef idx="0">
+              <a:schemeClr val="dk1"/>
+            </a:effectRef>
+            <a:fontRef idx="minor">
+              <a:schemeClr val="tx1"/>
+            </a:fontRef>
+          </p:style>
+        </p:cxnSp>
+        <p:sp>
+          <p:nvSpPr>
+            <p:cNvPr id="74" name="ZoneTexte 73"/>
+            <p:cNvSpPr txBox="1"/>
+            <p:nvPr/>
+          </p:nvSpPr>
+          <p:spPr>
+            <a:xfrm>
+              <a:off x="5594510" y="826060"/>
+              <a:ext cx="300848" cy="169277"/>
+            </a:xfrm>
+            <a:prstGeom prst="rect">
+              <a:avLst/>
+            </a:prstGeom>
+            <a:solidFill>
+              <a:schemeClr val="lt1"/>
+            </a:solidFill>
+            <a:ln>
+              <a:noFill/>
+            </a:ln>
+          </p:spPr>
+          <p:txBody>
+            <a:bodyPr wrap="none" lIns="18000" tIns="0" rIns="18000" bIns="0" rtlCol="0">
+              <a:spAutoFit/>
+            </a:bodyPr>
+            <a:lstStyle/>
+            <a:p>
+              <a:pPr algn="ctr"/>
+              <a:r>
+                <a:rPr lang="fr-BE" sz="1100" dirty="0" err="1" smtClean="0"/>
+                <a:t>start</a:t>
+              </a:r>
+              <a:endParaRPr lang="fr-BE" sz="1100" dirty="0"/>
+            </a:p>
+          </p:txBody>
+        </p:sp>
+        <p:cxnSp>
+          <p:nvCxnSpPr>
+            <p:cNvPr id="77" name="Connecteur droit avec flèche 76"/>
+            <p:cNvCxnSpPr/>
+            <p:nvPr/>
+          </p:nvCxnSpPr>
+          <p:spPr>
+            <a:xfrm flipH="1">
+              <a:off x="6542049" y="1283379"/>
+              <a:ext cx="1332000" cy="1588"/>
+            </a:xfrm>
+            <a:prstGeom prst="straightConnector1">
+              <a:avLst/>
+            </a:prstGeom>
+            <a:ln>
+              <a:tailEnd type="triangle"/>
+            </a:ln>
+          </p:spPr>
+          <p:style>
+            <a:lnRef idx="1">
+              <a:schemeClr val="dk1"/>
+            </a:lnRef>
+            <a:fillRef idx="0">
+              <a:schemeClr val="dk1"/>
+            </a:fillRef>
+            <a:effectRef idx="0">
+              <a:schemeClr val="dk1"/>
+            </a:effectRef>
+            <a:fontRef idx="minor">
+              <a:schemeClr val="tx1"/>
+            </a:fontRef>
+          </p:style>
+        </p:cxnSp>
+        <p:sp>
+          <p:nvSpPr>
+            <p:cNvPr id="78" name="ZoneTexte 77"/>
+            <p:cNvSpPr txBox="1"/>
+            <p:nvPr/>
+          </p:nvSpPr>
+          <p:spPr>
+            <a:xfrm>
+              <a:off x="6789807" y="1160712"/>
+              <a:ext cx="858693" cy="169277"/>
+            </a:xfrm>
+            <a:prstGeom prst="rect">
+              <a:avLst/>
+            </a:prstGeom>
+            <a:solidFill>
+              <a:schemeClr val="lt1"/>
+            </a:solidFill>
+            <a:ln>
+              <a:noFill/>
+            </a:ln>
+          </p:spPr>
+          <p:txBody>
+            <a:bodyPr wrap="none" lIns="18000" tIns="0" rIns="18000" bIns="0" rtlCol="0">
+              <a:spAutoFit/>
+            </a:bodyPr>
+            <a:lstStyle/>
+            <a:p>
+              <a:pPr algn="ctr"/>
+              <a:r>
+                <a:rPr lang="fr-BE" sz="1100" dirty="0" err="1" smtClean="0"/>
+                <a:t>alarm</a:t>
+              </a:r>
+              <a:r>
+                <a:rPr lang="fr-BE" sz="1100" dirty="0" smtClean="0"/>
+                <a:t> </a:t>
+              </a:r>
+              <a:r>
+                <a:rPr lang="fr-BE" sz="1100" dirty="0" err="1" smtClean="0"/>
+                <a:t>pressed</a:t>
+              </a:r>
+              <a:endParaRPr lang="fr-BE" sz="1100" dirty="0"/>
+            </a:p>
+          </p:txBody>
+        </p:sp>
+        <p:cxnSp>
+          <p:nvCxnSpPr>
+            <p:cNvPr id="79" name="Connecteur droit avec flèche 78"/>
+            <p:cNvCxnSpPr/>
+            <p:nvPr/>
+          </p:nvCxnSpPr>
+          <p:spPr>
+            <a:xfrm>
+              <a:off x="5037956" y="1577440"/>
+              <a:ext cx="1471563" cy="1588"/>
+            </a:xfrm>
+            <a:prstGeom prst="straightConnector1">
+              <a:avLst/>
+            </a:prstGeom>
+            <a:ln>
+              <a:tailEnd type="triangle"/>
+            </a:ln>
+          </p:spPr>
+          <p:style>
+            <a:lnRef idx="1">
+              <a:schemeClr val="dk1"/>
+            </a:lnRef>
+            <a:fillRef idx="0">
+              <a:schemeClr val="dk1"/>
+            </a:fillRef>
+            <a:effectRef idx="0">
+              <a:schemeClr val="dk1"/>
+            </a:effectRef>
+            <a:fontRef idx="minor">
+              <a:schemeClr val="tx1"/>
+            </a:fontRef>
+          </p:style>
+        </p:cxnSp>
+        <p:sp>
+          <p:nvSpPr>
+            <p:cNvPr id="80" name="ZoneTexte 79"/>
+            <p:cNvSpPr txBox="1"/>
+            <p:nvPr/>
+          </p:nvSpPr>
+          <p:spPr>
+            <a:xfrm>
+              <a:off x="5269103" y="1466377"/>
+              <a:ext cx="951667" cy="169277"/>
+            </a:xfrm>
+            <a:prstGeom prst="rect">
+              <a:avLst/>
+            </a:prstGeom>
+            <a:solidFill>
+              <a:schemeClr val="lt1"/>
+            </a:solidFill>
+            <a:ln>
+              <a:noFill/>
+            </a:ln>
+          </p:spPr>
+          <p:txBody>
+            <a:bodyPr wrap="none" lIns="18000" tIns="0" rIns="18000" bIns="0" rtlCol="0">
+              <a:spAutoFit/>
+            </a:bodyPr>
+            <a:lstStyle/>
+            <a:p>
+              <a:pPr algn="ctr"/>
+              <a:r>
+                <a:rPr lang="fr-BE" sz="1100" dirty="0" smtClean="0"/>
+                <a:t>emergency stop</a:t>
+              </a:r>
+              <a:endParaRPr lang="fr-BE" sz="1100" dirty="0"/>
+            </a:p>
+          </p:txBody>
+        </p:sp>
+        <p:cxnSp>
+          <p:nvCxnSpPr>
+            <p:cNvPr id="81" name="Connecteur droit avec flèche 80"/>
+            <p:cNvCxnSpPr/>
+            <p:nvPr/>
+          </p:nvCxnSpPr>
+          <p:spPr>
+            <a:xfrm>
+              <a:off x="5037956" y="1750570"/>
+              <a:ext cx="1471563" cy="1588"/>
+            </a:xfrm>
+            <a:prstGeom prst="straightConnector1">
+              <a:avLst/>
+            </a:prstGeom>
+            <a:ln>
+              <a:tailEnd type="triangle"/>
+            </a:ln>
+          </p:spPr>
+          <p:style>
+            <a:lnRef idx="1">
+              <a:schemeClr val="dk1"/>
+            </a:lnRef>
+            <a:fillRef idx="0">
+              <a:schemeClr val="dk1"/>
+            </a:fillRef>
+            <a:effectRef idx="0">
+              <a:schemeClr val="dk1"/>
+            </a:effectRef>
+            <a:fontRef idx="minor">
+              <a:schemeClr val="tx1"/>
+            </a:fontRef>
+          </p:style>
+        </p:cxnSp>
+        <p:sp>
+          <p:nvSpPr>
+            <p:cNvPr id="82" name="ZoneTexte 81"/>
+            <p:cNvSpPr txBox="1"/>
+            <p:nvPr/>
+          </p:nvSpPr>
+          <p:spPr>
+            <a:xfrm>
+              <a:off x="5246659" y="1639507"/>
+              <a:ext cx="996551" cy="169277"/>
+            </a:xfrm>
+            <a:prstGeom prst="rect">
+              <a:avLst/>
+            </a:prstGeom>
+            <a:solidFill>
+              <a:schemeClr val="lt1"/>
+            </a:solidFill>
+            <a:ln>
+              <a:noFill/>
+            </a:ln>
+          </p:spPr>
+          <p:txBody>
+            <a:bodyPr wrap="none" lIns="18000" tIns="0" rIns="18000" bIns="0" rtlCol="0">
+              <a:spAutoFit/>
+            </a:bodyPr>
+            <a:lstStyle/>
+            <a:p>
+              <a:pPr algn="ctr"/>
+              <a:r>
+                <a:rPr lang="fr-BE" sz="1100" dirty="0" smtClean="0"/>
+                <a:t>emergency open</a:t>
+              </a:r>
+              <a:endParaRPr lang="fr-BE" sz="1100" dirty="0"/>
+            </a:p>
+          </p:txBody>
+        </p:sp>
+        <p:cxnSp>
+          <p:nvCxnSpPr>
+            <p:cNvPr id="83" name="Connecteur droit avec flèche 82"/>
+            <p:cNvCxnSpPr/>
+            <p:nvPr/>
+          </p:nvCxnSpPr>
+          <p:spPr>
+            <a:xfrm flipH="1">
+              <a:off x="5043859" y="1415791"/>
+              <a:ext cx="1471563" cy="1588"/>
+            </a:xfrm>
+            <a:prstGeom prst="straightConnector1">
+              <a:avLst/>
+            </a:prstGeom>
+            <a:ln>
+              <a:tailEnd type="triangle"/>
+            </a:ln>
+          </p:spPr>
+          <p:style>
+            <a:lnRef idx="1">
+              <a:schemeClr val="dk1"/>
+            </a:lnRef>
+            <a:fillRef idx="0">
+              <a:schemeClr val="dk1"/>
+            </a:fillRef>
+            <a:effectRef idx="0">
+              <a:schemeClr val="dk1"/>
+            </a:effectRef>
+            <a:fontRef idx="minor">
+              <a:schemeClr val="tx1"/>
+            </a:fontRef>
+          </p:style>
+        </p:cxnSp>
+        <p:sp>
+          <p:nvSpPr>
+            <p:cNvPr id="84" name="ZoneTexte 83"/>
+            <p:cNvSpPr txBox="1"/>
+            <p:nvPr/>
+          </p:nvSpPr>
+          <p:spPr>
+            <a:xfrm>
+              <a:off x="5208187" y="1304728"/>
+              <a:ext cx="1073495" cy="169277"/>
+            </a:xfrm>
+            <a:prstGeom prst="rect">
+              <a:avLst/>
+            </a:prstGeom>
+            <a:solidFill>
+              <a:schemeClr val="lt1"/>
+            </a:solidFill>
+            <a:ln>
+              <a:noFill/>
+            </a:ln>
+          </p:spPr>
+          <p:txBody>
+            <a:bodyPr wrap="none" lIns="18000" tIns="0" rIns="18000" bIns="0" rtlCol="0">
+              <a:spAutoFit/>
+            </a:bodyPr>
+            <a:lstStyle/>
+            <a:p>
+              <a:pPr algn="ctr"/>
+              <a:r>
+                <a:rPr lang="fr-BE" sz="1100" dirty="0" err="1" smtClean="0"/>
+                <a:t>alarm</a:t>
+              </a:r>
+              <a:r>
+                <a:rPr lang="fr-BE" sz="1100" dirty="0" smtClean="0"/>
+                <a:t> </a:t>
+              </a:r>
+              <a:r>
+                <a:rPr lang="fr-BE" sz="1100" dirty="0" err="1" smtClean="0"/>
+                <a:t>propagated</a:t>
+              </a:r>
+              <a:endParaRPr lang="fr-BE" sz="1100" dirty="0"/>
+            </a:p>
+          </p:txBody>
+        </p:sp>
+      </p:grpSp>
+      <p:cxnSp>
+        <p:nvCxnSpPr>
+          <p:cNvPr id="90" name="Connecteur droit 89"/>
+          <p:cNvCxnSpPr/>
+          <p:nvPr/>
+        </p:nvCxnSpPr>
+        <p:spPr>
+          <a:xfrm rot="5400000">
+            <a:off x="2483976" y="2060640"/>
+            <a:ext cx="3744000" cy="0"/>
+          </a:xfrm>
+          <a:prstGeom prst="line">
+            <a:avLst/>
+          </a:prstGeom>
+          <a:ln>
+            <a:solidFill>
+              <a:schemeClr val="tx1"/>
+            </a:solidFill>
+          </a:ln>
+        </p:spPr>
+        <p:style>
+          <a:lnRef idx="1">
+            <a:schemeClr val="accent1"/>
+          </a:lnRef>
+          <a:fillRef idx="0">
+            <a:schemeClr val="accent1"/>
+          </a:fillRef>
+          <a:effectRef idx="0">
+            <a:schemeClr val="accent1"/>
+          </a:effectRef>
+          <a:fontRef idx="minor">
+            <a:schemeClr val="tx1"/>
+          </a:fontRef>
+        </p:style>
+      </p:cxnSp>
+      <p:cxnSp>
+        <p:nvCxnSpPr>
+          <p:cNvPr id="91" name="Connecteur droit 90"/>
+          <p:cNvCxnSpPr/>
+          <p:nvPr/>
+        </p:nvCxnSpPr>
+        <p:spPr>
+          <a:xfrm rot="10800000" flipV="1">
+            <a:off x="315230" y="2060848"/>
+            <a:ext cx="8064000" cy="0"/>
+          </a:xfrm>
+          <a:prstGeom prst="line">
+            <a:avLst/>
+          </a:prstGeom>
+          <a:ln>
+            <a:solidFill>
+              <a:schemeClr val="tx1"/>
+            </a:solidFill>
+          </a:ln>
+        </p:spPr>
+        <p:style>
+          <a:lnRef idx="1">
+            <a:schemeClr val="accent1"/>
+          </a:lnRef>
+          <a:fillRef idx="0">
+            <a:schemeClr val="accent1"/>
+          </a:fillRef>
+          <a:effectRef idx="0">
+            <a:schemeClr val="accent1"/>
+          </a:effectRef>
+          <a:fontRef idx="minor">
+            <a:schemeClr val="tx1"/>
+          </a:fontRef>
+        </p:style>
+      </p:cxnSp>
+      <p:grpSp>
+        <p:nvGrpSpPr>
+          <p:cNvPr id="111" name="Groupe 110"/>
+          <p:cNvGrpSpPr/>
+          <p:nvPr/>
+        </p:nvGrpSpPr>
+        <p:grpSpPr>
+          <a:xfrm>
+            <a:off x="2483768" y="4509120"/>
+            <a:ext cx="4032448" cy="1728192"/>
+            <a:chOff x="2483768" y="4509120"/>
+            <a:chExt cx="4032448" cy="1728192"/>
+          </a:xfrm>
+        </p:grpSpPr>
+        <p:sp>
+          <p:nvSpPr>
+            <p:cNvPr id="110" name="Rectangle 109"/>
+            <p:cNvSpPr/>
+            <p:nvPr/>
+          </p:nvSpPr>
+          <p:spPr>
+            <a:xfrm>
+              <a:off x="2483768" y="4509120"/>
+              <a:ext cx="4032448" cy="1728192"/>
+            </a:xfrm>
+            <a:prstGeom prst="rect">
+              <a:avLst/>
+            </a:prstGeom>
+            <a:solidFill>
+              <a:schemeClr val="bg1"/>
+            </a:solidFill>
+            <a:ln w="3175"/>
+          </p:spPr>
+          <p:style>
+            <a:lnRef idx="2">
+              <a:schemeClr val="dk1"/>
+            </a:lnRef>
+            <a:fillRef idx="1">
+              <a:schemeClr val="lt1"/>
+            </a:fillRef>
+            <a:effectRef idx="0">
+              <a:schemeClr val="dk1"/>
+            </a:effectRef>
+            <a:fontRef idx="minor">
+              <a:schemeClr val="dk1"/>
+            </a:fontRef>
+          </p:style>
+          <p:txBody>
+            <a:bodyPr rtlCol="0" anchor="ctr"/>
+            <a:lstStyle/>
+            <a:p>
+              <a:pPr algn="ctr"/>
+              <a:endParaRPr lang="fr-BE"/>
+            </a:p>
+          </p:txBody>
+        </p:sp>
+        <p:grpSp>
+          <p:nvGrpSpPr>
+            <p:cNvPr id="109" name="Groupe 108"/>
+            <p:cNvGrpSpPr/>
+            <p:nvPr/>
+          </p:nvGrpSpPr>
+          <p:grpSpPr>
+            <a:xfrm>
+              <a:off x="2627784" y="4653136"/>
+              <a:ext cx="3748608" cy="1476000"/>
+              <a:chOff x="2627784" y="4653136"/>
+              <a:chExt cx="3748608" cy="1476000"/>
+            </a:xfrm>
+          </p:grpSpPr>
+          <p:cxnSp>
+            <p:nvCxnSpPr>
+              <p:cNvPr id="95" name="Connecteur droit 94"/>
+              <p:cNvCxnSpPr/>
+              <p:nvPr/>
+            </p:nvCxnSpPr>
+            <p:spPr>
+              <a:xfrm>
+                <a:off x="2926358" y="5623148"/>
+                <a:ext cx="3348000" cy="0"/>
+              </a:xfrm>
+              <a:prstGeom prst="line">
+                <a:avLst/>
+              </a:prstGeom>
+              <a:ln>
+                <a:prstDash val="sysDash"/>
+              </a:ln>
+            </p:spPr>
+            <p:style>
+              <a:lnRef idx="2">
+                <a:schemeClr val="dk1"/>
+              </a:lnRef>
+              <a:fillRef idx="0">
+                <a:schemeClr val="dk1"/>
+              </a:fillRef>
+              <a:effectRef idx="1">
+                <a:schemeClr val="dk1"/>
+              </a:effectRef>
+              <a:fontRef idx="minor">
+                <a:schemeClr val="tx1"/>
+              </a:fontRef>
+            </p:style>
+          </p:cxnSp>
+          <p:sp>
+            <p:nvSpPr>
+              <p:cNvPr id="96" name="Rectangle 95"/>
+              <p:cNvSpPr/>
+              <p:nvPr/>
+            </p:nvSpPr>
+            <p:spPr>
+              <a:xfrm>
+                <a:off x="2627784" y="4653136"/>
+                <a:ext cx="1084312" cy="324000"/>
+              </a:xfrm>
+              <a:prstGeom prst="rect">
+                <a:avLst/>
+              </a:prstGeom>
+            </p:spPr>
+            <p:style>
+              <a:lnRef idx="2">
+                <a:schemeClr val="dk1"/>
+              </a:lnRef>
+              <a:fillRef idx="1">
+                <a:schemeClr val="lt1"/>
+              </a:fillRef>
+              <a:effectRef idx="0">
+                <a:schemeClr val="dk1"/>
+              </a:effectRef>
+              <a:fontRef idx="minor">
+                <a:schemeClr val="dk1"/>
+              </a:fontRef>
+            </p:style>
+            <p:txBody>
+              <a:bodyPr lIns="36000" tIns="36000" rIns="36000" bIns="36000" rtlCol="0" anchor="ctr" anchorCtr="0"/>
+              <a:lstStyle/>
+              <a:p>
+                <a:pPr algn="ctr"/>
+                <a:r>
+                  <a:rPr lang="fr-BE" sz="1100" dirty="0" smtClean="0"/>
+                  <a:t>Train Controller</a:t>
+                </a:r>
+                <a:endParaRPr lang="fr-BE" sz="1100" dirty="0"/>
+              </a:p>
+            </p:txBody>
+          </p:sp>
+          <p:sp>
+            <p:nvSpPr>
+              <p:cNvPr id="97" name="Rectangle 96"/>
+              <p:cNvSpPr/>
+              <p:nvPr/>
+            </p:nvSpPr>
+            <p:spPr>
+              <a:xfrm>
+                <a:off x="3928120" y="4653136"/>
+                <a:ext cx="1440160" cy="324000"/>
+              </a:xfrm>
+              <a:prstGeom prst="rect">
+                <a:avLst/>
+              </a:prstGeom>
+            </p:spPr>
+            <p:style>
+              <a:lnRef idx="2">
+                <a:schemeClr val="dk1"/>
+              </a:lnRef>
+              <a:fillRef idx="1">
+                <a:schemeClr val="lt1"/>
+              </a:fillRef>
+              <a:effectRef idx="0">
+                <a:schemeClr val="dk1"/>
+              </a:effectRef>
+              <a:fontRef idx="minor">
+                <a:schemeClr val="dk1"/>
+              </a:fontRef>
+            </p:style>
+            <p:txBody>
+              <a:bodyPr lIns="36000" tIns="36000" rIns="36000" bIns="36000" rtlCol="0" anchor="ctr"/>
+              <a:lstStyle/>
+              <a:p>
+                <a:pPr algn="ctr"/>
+                <a:r>
+                  <a:rPr lang="fr-BE" sz="1100" dirty="0" smtClean="0"/>
+                  <a:t>Train </a:t>
+                </a:r>
+                <a:r>
+                  <a:rPr lang="fr-BE" sz="1100" dirty="0" err="1" smtClean="0"/>
+                  <a:t>Actuator</a:t>
+                </a:r>
+                <a:r>
+                  <a:rPr lang="fr-BE" sz="1100" dirty="0" smtClean="0"/>
+                  <a:t>/</a:t>
+                </a:r>
+                <a:r>
+                  <a:rPr lang="fr-BE" sz="1100" dirty="0" err="1" smtClean="0"/>
+                  <a:t>Sensor</a:t>
+                </a:r>
+                <a:endParaRPr lang="fr-BE" sz="1100" dirty="0"/>
+              </a:p>
+            </p:txBody>
+          </p:sp>
+          <p:sp>
+            <p:nvSpPr>
+              <p:cNvPr id="98" name="Rectangle 97"/>
+              <p:cNvSpPr/>
+              <p:nvPr/>
+            </p:nvSpPr>
+            <p:spPr>
+              <a:xfrm>
+                <a:off x="5656312" y="4653136"/>
+                <a:ext cx="720080" cy="324000"/>
+              </a:xfrm>
+              <a:prstGeom prst="rect">
+                <a:avLst/>
+              </a:prstGeom>
+            </p:spPr>
+            <p:style>
+              <a:lnRef idx="2">
+                <a:schemeClr val="dk1"/>
+              </a:lnRef>
+              <a:fillRef idx="1">
+                <a:schemeClr val="lt1"/>
+              </a:fillRef>
+              <a:effectRef idx="0">
+                <a:schemeClr val="dk1"/>
+              </a:effectRef>
+              <a:fontRef idx="minor">
+                <a:schemeClr val="dk1"/>
+              </a:fontRef>
+            </p:style>
+            <p:txBody>
+              <a:bodyPr lIns="36000" tIns="36000" rIns="36000" bIns="36000" rtlCol="0" anchor="ctr"/>
+              <a:lstStyle/>
+              <a:p>
+                <a:pPr algn="ctr"/>
+                <a:r>
+                  <a:rPr lang="fr-BE" sz="1100" dirty="0" err="1" smtClean="0"/>
+                  <a:t>Passenger</a:t>
+                </a:r>
+                <a:endParaRPr lang="fr-BE" sz="1100" dirty="0" smtClean="0"/>
+              </a:p>
+            </p:txBody>
+          </p:sp>
+          <p:cxnSp>
+            <p:nvCxnSpPr>
+              <p:cNvPr id="99" name="Connecteur droit avec flèche 98"/>
+              <p:cNvCxnSpPr>
+                <a:stCxn id="96" idx="2"/>
+              </p:cNvCxnSpPr>
+              <p:nvPr/>
+            </p:nvCxnSpPr>
+            <p:spPr>
+              <a:xfrm rot="5400000">
+                <a:off x="2593543" y="5552739"/>
+                <a:ext cx="1152000" cy="794"/>
+              </a:xfrm>
+              <a:prstGeom prst="straightConnector1">
+                <a:avLst/>
+              </a:prstGeom>
+              <a:ln>
+                <a:tailEnd type="triangle"/>
+              </a:ln>
+            </p:spPr>
+            <p:style>
+              <a:lnRef idx="2">
+                <a:schemeClr val="dk1"/>
+              </a:lnRef>
+              <a:fillRef idx="0">
+                <a:schemeClr val="dk1"/>
+              </a:fillRef>
+              <a:effectRef idx="1">
+                <a:schemeClr val="dk1"/>
+              </a:effectRef>
+              <a:fontRef idx="minor">
+                <a:schemeClr val="tx1"/>
+              </a:fontRef>
+            </p:style>
+          </p:cxnSp>
+          <p:cxnSp>
+            <p:nvCxnSpPr>
+              <p:cNvPr id="100" name="Connecteur droit avec flèche 99"/>
+              <p:cNvCxnSpPr>
+                <a:stCxn id="97" idx="2"/>
+              </p:cNvCxnSpPr>
+              <p:nvPr/>
+            </p:nvCxnSpPr>
+            <p:spPr>
+              <a:xfrm rot="5400000">
+                <a:off x="4071803" y="5552739"/>
+                <a:ext cx="1152000" cy="794"/>
+              </a:xfrm>
+              <a:prstGeom prst="straightConnector1">
+                <a:avLst/>
+              </a:prstGeom>
+              <a:ln>
+                <a:tailEnd type="triangle"/>
+              </a:ln>
+            </p:spPr>
+            <p:style>
+              <a:lnRef idx="2">
+                <a:schemeClr val="dk1"/>
+              </a:lnRef>
+              <a:fillRef idx="0">
+                <a:schemeClr val="dk1"/>
+              </a:fillRef>
+              <a:effectRef idx="1">
+                <a:schemeClr val="dk1"/>
+              </a:effectRef>
+              <a:fontRef idx="minor">
+                <a:schemeClr val="tx1"/>
+              </a:fontRef>
+            </p:style>
+          </p:cxnSp>
+          <p:cxnSp>
+            <p:nvCxnSpPr>
+              <p:cNvPr id="101" name="Connecteur droit avec flèche 100"/>
+              <p:cNvCxnSpPr>
+                <a:stCxn id="98" idx="2"/>
+              </p:cNvCxnSpPr>
+              <p:nvPr/>
+            </p:nvCxnSpPr>
+            <p:spPr>
+              <a:xfrm rot="5400000">
+                <a:off x="5439955" y="5552739"/>
+                <a:ext cx="1152000" cy="794"/>
+              </a:xfrm>
+              <a:prstGeom prst="straightConnector1">
+                <a:avLst/>
+              </a:prstGeom>
+              <a:ln>
+                <a:tailEnd type="triangle"/>
+              </a:ln>
+            </p:spPr>
+            <p:style>
+              <a:lnRef idx="2">
+                <a:schemeClr val="dk1"/>
+              </a:lnRef>
+              <a:fillRef idx="0">
+                <a:schemeClr val="dk1"/>
+              </a:fillRef>
+              <a:effectRef idx="1">
+                <a:schemeClr val="dk1"/>
+              </a:effectRef>
+              <a:fontRef idx="minor">
+                <a:schemeClr val="tx1"/>
+              </a:fontRef>
+            </p:style>
+          </p:cxnSp>
+          <p:cxnSp>
+            <p:nvCxnSpPr>
+              <p:cNvPr id="102" name="Connecteur droit avec flèche 101"/>
+              <p:cNvCxnSpPr/>
+              <p:nvPr/>
+            </p:nvCxnSpPr>
+            <p:spPr>
+              <a:xfrm>
+                <a:off x="3169940" y="5180185"/>
+                <a:ext cx="1471563" cy="1588"/>
+              </a:xfrm>
+              <a:prstGeom prst="straightConnector1">
+                <a:avLst/>
+              </a:prstGeom>
+              <a:ln>
+                <a:tailEnd type="triangle"/>
+              </a:ln>
+            </p:spPr>
+            <p:style>
+              <a:lnRef idx="1">
+                <a:schemeClr val="dk1"/>
+              </a:lnRef>
+              <a:fillRef idx="0">
+                <a:schemeClr val="dk1"/>
+              </a:fillRef>
+              <a:effectRef idx="0">
+                <a:schemeClr val="dk1"/>
+              </a:effectRef>
+              <a:fontRef idx="minor">
+                <a:schemeClr val="tx1"/>
+              </a:fontRef>
+            </p:style>
+          </p:cxnSp>
+          <p:cxnSp>
+            <p:nvCxnSpPr>
+              <p:cNvPr id="103" name="Connecteur droit avec flèche 102"/>
+              <p:cNvCxnSpPr/>
+              <p:nvPr/>
+            </p:nvCxnSpPr>
+            <p:spPr>
+              <a:xfrm flipV="1">
+                <a:off x="3169940" y="5870665"/>
+                <a:ext cx="1476000" cy="862"/>
+              </a:xfrm>
+              <a:prstGeom prst="straightConnector1">
+                <a:avLst/>
+              </a:prstGeom>
+              <a:ln>
+                <a:tailEnd type="triangle"/>
+              </a:ln>
+            </p:spPr>
+            <p:style>
+              <a:lnRef idx="1">
+                <a:schemeClr val="dk1"/>
+              </a:lnRef>
+              <a:fillRef idx="0">
+                <a:schemeClr val="dk1"/>
+              </a:fillRef>
+              <a:effectRef idx="0">
+                <a:schemeClr val="dk1"/>
+              </a:effectRef>
+              <a:fontRef idx="minor">
+                <a:schemeClr val="tx1"/>
+              </a:fontRef>
+            </p:style>
+          </p:cxnSp>
+          <p:sp>
+            <p:nvSpPr>
+              <p:cNvPr id="104" name="ZoneTexte 103"/>
+              <p:cNvSpPr txBox="1"/>
+              <p:nvPr/>
+            </p:nvSpPr>
+            <p:spPr>
+              <a:xfrm>
+                <a:off x="3568160" y="5776526"/>
+                <a:ext cx="720000" cy="169277"/>
+              </a:xfrm>
+              <a:prstGeom prst="rect">
+                <a:avLst/>
+              </a:prstGeom>
+              <a:solidFill>
+                <a:schemeClr val="lt1"/>
+              </a:solidFill>
+              <a:ln>
+                <a:noFill/>
+              </a:ln>
+            </p:spPr>
+            <p:txBody>
+              <a:bodyPr wrap="square" lIns="18000" tIns="0" rIns="18000" bIns="0" rtlCol="0">
+                <a:spAutoFit/>
+              </a:bodyPr>
+              <a:lstStyle/>
+              <a:p>
+                <a:pPr algn="ctr"/>
+                <a:r>
+                  <a:rPr lang="fr-BE" sz="1100" dirty="0" err="1" smtClean="0"/>
+                  <a:t>start</a:t>
+                </a:r>
+                <a:endParaRPr lang="fr-BE" sz="1100" dirty="0"/>
+              </a:p>
+            </p:txBody>
+          </p:sp>
+          <p:sp>
+            <p:nvSpPr>
+              <p:cNvPr id="106" name="ZoneTexte 105"/>
+              <p:cNvSpPr txBox="1"/>
+              <p:nvPr/>
+            </p:nvSpPr>
+            <p:spPr>
+              <a:xfrm>
+                <a:off x="3777736" y="5085184"/>
+                <a:ext cx="300848" cy="169277"/>
+              </a:xfrm>
+              <a:prstGeom prst="rect">
+                <a:avLst/>
+              </a:prstGeom>
+              <a:solidFill>
+                <a:schemeClr val="lt1"/>
+              </a:solidFill>
+              <a:ln>
+                <a:noFill/>
+              </a:ln>
+            </p:spPr>
+            <p:txBody>
+              <a:bodyPr wrap="none" lIns="18000" tIns="0" rIns="18000" bIns="0" rtlCol="0">
+                <a:spAutoFit/>
+              </a:bodyPr>
+              <a:lstStyle/>
+              <a:p>
+                <a:pPr algn="ctr"/>
+                <a:r>
+                  <a:rPr lang="fr-BE" sz="1100" dirty="0" err="1" smtClean="0"/>
+                  <a:t>start</a:t>
+                </a:r>
+                <a:endParaRPr lang="fr-BE" sz="1100" dirty="0"/>
+              </a:p>
+            </p:txBody>
+          </p:sp>
+          <p:cxnSp>
+            <p:nvCxnSpPr>
+              <p:cNvPr id="107" name="Connecteur droit avec flèche 106"/>
+              <p:cNvCxnSpPr/>
+              <p:nvPr/>
+            </p:nvCxnSpPr>
+            <p:spPr>
+              <a:xfrm>
+                <a:off x="3166095" y="5370948"/>
+                <a:ext cx="1471563" cy="1588"/>
+              </a:xfrm>
+              <a:prstGeom prst="straightConnector1">
+                <a:avLst/>
+              </a:prstGeom>
+              <a:ln>
+                <a:tailEnd type="triangle"/>
+              </a:ln>
+            </p:spPr>
+            <p:style>
+              <a:lnRef idx="1">
+                <a:schemeClr val="dk1"/>
+              </a:lnRef>
+              <a:fillRef idx="0">
+                <a:schemeClr val="dk1"/>
+              </a:fillRef>
+              <a:effectRef idx="0">
+                <a:schemeClr val="dk1"/>
+              </a:effectRef>
+              <a:fontRef idx="minor">
+                <a:schemeClr val="tx1"/>
+              </a:fontRef>
+            </p:style>
+          </p:cxnSp>
+          <p:sp>
+            <p:nvSpPr>
+              <p:cNvPr id="108" name="ZoneTexte 107"/>
+              <p:cNvSpPr txBox="1"/>
+              <p:nvPr/>
+            </p:nvSpPr>
+            <p:spPr>
+              <a:xfrm>
+                <a:off x="3781907" y="5275947"/>
+                <a:ext cx="284818" cy="169277"/>
+              </a:xfrm>
+              <a:prstGeom prst="rect">
+                <a:avLst/>
+              </a:prstGeom>
+              <a:solidFill>
+                <a:schemeClr val="lt1"/>
+              </a:solidFill>
+              <a:ln>
+                <a:noFill/>
+              </a:ln>
+            </p:spPr>
+            <p:txBody>
+              <a:bodyPr wrap="none" lIns="18000" tIns="0" rIns="18000" bIns="0" rtlCol="0">
+                <a:spAutoFit/>
+              </a:bodyPr>
+              <a:lstStyle/>
+              <a:p>
+                <a:pPr algn="ctr"/>
+                <a:r>
+                  <a:rPr lang="fr-BE" sz="1100" dirty="0" smtClean="0"/>
+                  <a:t>stop</a:t>
+                </a:r>
+                <a:endParaRPr lang="fr-BE" sz="1100" dirty="0"/>
+              </a:p>
+            </p:txBody>
+          </p:sp>
+          <p:sp>
+            <p:nvSpPr>
+              <p:cNvPr id="105" name="ZoneTexte 104"/>
+              <p:cNvSpPr txBox="1"/>
+              <p:nvPr/>
+            </p:nvSpPr>
+            <p:spPr>
+              <a:xfrm>
+                <a:off x="4540250" y="5445224"/>
+                <a:ext cx="215371" cy="369332"/>
+              </a:xfrm>
+              <a:prstGeom prst="rect">
+                <a:avLst/>
+              </a:prstGeom>
+              <a:solidFill>
+                <a:schemeClr val="bg1"/>
+              </a:solidFill>
+            </p:spPr>
+            <p:txBody>
+              <a:bodyPr wrap="none" lIns="36000" tIns="0" rIns="36000" bIns="0" rtlCol="0">
+                <a:spAutoFit/>
+              </a:bodyPr>
+              <a:lstStyle/>
+              <a:p>
+                <a:r>
+                  <a:rPr lang="fr-BE" sz="2400" dirty="0" smtClean="0"/>
+                  <a:t>?</a:t>
+                </a:r>
+                <a:endParaRPr lang="fr-BE" sz="2400" dirty="0"/>
+              </a:p>
+            </p:txBody>
+          </p:sp>
+        </p:grpSp>
+      </p:grpSp>
+    </p:spTree>
+  </p:cSld>
+  <p:clrMapOvr>
+    <a:masterClrMapping/>
+  </p:clrMapOvr>
+</p:sld>
+</file>
+
+<file path=ppt/slides/slide15.xml><?xml version="1.0" encoding="utf-8"?>
+<p:sld xmlns:a="http://schemas.openxmlformats.org/drawingml/2006/main" xmlns:r="http://schemas.openxmlformats.org/officeDocument/2006/relationships" xmlns:p="http://schemas.openxmlformats.org/presentationml/2006/main">
+  <p:cSld>
+    <p:spTree>
+      <p:nvGrpSpPr>
+        <p:cNvPr id="1" name=""/>
+        <p:cNvGrpSpPr/>
+        <p:nvPr/>
+      </p:nvGrpSpPr>
+      <p:grpSpPr>
+        <a:xfrm>
+          <a:off x="0" y="0"/>
+          <a:ext cx="0" cy="0"/>
+          <a:chOff x="0" y="0"/>
+          <a:chExt cx="0" cy="0"/>
+        </a:xfrm>
+      </p:grpSpPr>
+      <p:grpSp>
+        <p:nvGrpSpPr>
+          <p:cNvPr id="16" name="Groupe 15"/>
+          <p:cNvGrpSpPr/>
+          <p:nvPr/>
+        </p:nvGrpSpPr>
+        <p:grpSpPr>
+          <a:xfrm>
+            <a:off x="1403648" y="404664"/>
+            <a:ext cx="6768752" cy="5904656"/>
+            <a:chOff x="1403648" y="404664"/>
+            <a:chExt cx="6768752" cy="5904656"/>
+          </a:xfrm>
+        </p:grpSpPr>
+        <p:sp>
+          <p:nvSpPr>
+            <p:cNvPr id="15" name="Rectangle 14"/>
+            <p:cNvSpPr/>
+            <p:nvPr/>
+          </p:nvSpPr>
+          <p:spPr>
+            <a:xfrm>
+              <a:off x="1403648" y="404664"/>
+              <a:ext cx="6768752" cy="5904656"/>
+            </a:xfrm>
+            <a:prstGeom prst="rect">
+              <a:avLst/>
+            </a:prstGeom>
+            <a:solidFill>
+              <a:schemeClr val="bg1"/>
+            </a:solidFill>
+            <a:ln w="3175"/>
+          </p:spPr>
+          <p:style>
+            <a:lnRef idx="2">
+              <a:schemeClr val="dk1"/>
+            </a:lnRef>
+            <a:fillRef idx="1">
+              <a:schemeClr val="lt1"/>
+            </a:fillRef>
+            <a:effectRef idx="0">
+              <a:schemeClr val="dk1"/>
+            </a:effectRef>
+            <a:fontRef idx="minor">
+              <a:schemeClr val="dk1"/>
+            </a:fontRef>
+          </p:style>
+          <p:txBody>
+            <a:bodyPr rtlCol="0" anchor="ctr"/>
+            <a:lstStyle/>
+            <a:p>
+              <a:pPr algn="ctr"/>
+              <a:endParaRPr lang="fr-BE"/>
+            </a:p>
+          </p:txBody>
+        </p:sp>
+        <p:pic>
+          <p:nvPicPr>
+            <p:cNvPr id="1027" name="Picture 3" descr="C:\Users\blambeau\Documents\thesis\writing\src\4-inductive\images\algo-step4.png"/>
+            <p:cNvPicPr>
+              <a:picLocks noChangeAspect="1" noChangeArrowheads="1"/>
+            </p:cNvPicPr>
+            <p:nvPr/>
+          </p:nvPicPr>
+          <p:blipFill>
+            <a:blip r:embed="rId2" cstate="print"/>
+            <a:srcRect/>
+            <a:stretch>
+              <a:fillRect/>
+            </a:stretch>
+          </p:blipFill>
+          <p:spPr bwMode="auto">
+            <a:xfrm>
+              <a:off x="3402607" y="4820758"/>
+              <a:ext cx="4409753" cy="1416554"/>
+            </a:xfrm>
+            <a:prstGeom prst="rect">
+              <a:avLst/>
+            </a:prstGeom>
+            <a:noFill/>
+          </p:spPr>
+        </p:pic>
+        <p:pic>
+          <p:nvPicPr>
+            <p:cNvPr id="1028" name="Picture 4" descr="C:\Users\blambeau\Documents\thesis\writing\src\4-inductive\images\algo-step1.png"/>
+            <p:cNvPicPr>
+              <a:picLocks noChangeAspect="1" noChangeArrowheads="1"/>
+            </p:cNvPicPr>
+            <p:nvPr/>
+          </p:nvPicPr>
+          <p:blipFill>
+            <a:blip r:embed="rId3" cstate="print"/>
+            <a:srcRect/>
+            <a:stretch>
+              <a:fillRect/>
+            </a:stretch>
+          </p:blipFill>
+          <p:spPr bwMode="auto">
+            <a:xfrm>
+              <a:off x="1746423" y="620688"/>
+              <a:ext cx="4409753" cy="1140035"/>
+            </a:xfrm>
+            <a:prstGeom prst="rect">
+              <a:avLst/>
+            </a:prstGeom>
+            <a:noFill/>
+          </p:spPr>
+        </p:pic>
+        <p:pic>
+          <p:nvPicPr>
+            <p:cNvPr id="1029" name="Picture 5" descr="C:\Users\blambeau\Documents\thesis\writing\src\4-inductive\images\algo-step2.png"/>
+            <p:cNvPicPr>
+              <a:picLocks noChangeAspect="1" noChangeArrowheads="1"/>
+            </p:cNvPicPr>
+            <p:nvPr/>
+          </p:nvPicPr>
+          <p:blipFill>
+            <a:blip r:embed="rId4" cstate="print"/>
+            <a:srcRect/>
+            <a:stretch>
+              <a:fillRect/>
+            </a:stretch>
+          </p:blipFill>
+          <p:spPr bwMode="auto">
+            <a:xfrm>
+              <a:off x="3402607" y="2044260"/>
+              <a:ext cx="4409753" cy="1203101"/>
+            </a:xfrm>
+            <a:prstGeom prst="rect">
+              <a:avLst/>
+            </a:prstGeom>
+            <a:noFill/>
+          </p:spPr>
+        </p:pic>
+        <p:pic>
+          <p:nvPicPr>
+            <p:cNvPr id="1026" name="Picture 2" descr="C:\Users\blambeau\Documents\thesis\writing\src\4-inductive\images\algo-step3.png"/>
+            <p:cNvPicPr>
+              <a:picLocks noChangeAspect="1" noChangeArrowheads="1"/>
+            </p:cNvPicPr>
+            <p:nvPr/>
+          </p:nvPicPr>
+          <p:blipFill>
+            <a:blip r:embed="rId5" cstate="print"/>
+            <a:srcRect/>
+            <a:stretch>
+              <a:fillRect/>
+            </a:stretch>
+          </p:blipFill>
+          <p:spPr bwMode="auto">
+            <a:xfrm>
+              <a:off x="1746423" y="3429000"/>
+              <a:ext cx="4409753" cy="1203101"/>
+            </a:xfrm>
+            <a:prstGeom prst="rect">
+              <a:avLst/>
+            </a:prstGeom>
+            <a:noFill/>
+          </p:spPr>
+        </p:pic>
+        <p:sp>
+          <p:nvSpPr>
+            <p:cNvPr id="10" name="Forme libre 9"/>
+            <p:cNvSpPr/>
+            <p:nvPr/>
+          </p:nvSpPr>
+          <p:spPr>
+            <a:xfrm>
+              <a:off x="5962650" y="1187227"/>
+              <a:ext cx="1155700" cy="771525"/>
+            </a:xfrm>
+            <a:custGeom>
+              <a:avLst/>
+              <a:gdLst>
+                <a:gd name="connsiteX0" fmla="*/ 0 w 1155700"/>
+                <a:gd name="connsiteY0" fmla="*/ 28575 h 771525"/>
+                <a:gd name="connsiteX1" fmla="*/ 1000125 w 1155700"/>
+                <a:gd name="connsiteY1" fmla="*/ 123825 h 771525"/>
+                <a:gd name="connsiteX2" fmla="*/ 933450 w 1155700"/>
+                <a:gd name="connsiteY2" fmla="*/ 771525 h 771525"/>
+              </a:gdLst>
+              <a:ahLst/>
+              <a:cxnLst>
+                <a:cxn ang="0">
+                  <a:pos x="connsiteX0" y="connsiteY0"/>
+                </a:cxn>
+                <a:cxn ang="0">
+                  <a:pos x="connsiteX1" y="connsiteY1"/>
+                </a:cxn>
+                <a:cxn ang="0">
+                  <a:pos x="connsiteX2" y="connsiteY2"/>
+                </a:cxn>
+              </a:cxnLst>
+              <a:rect l="l" t="t" r="r" b="b"/>
+              <a:pathLst>
+                <a:path w="1155700" h="771525">
+                  <a:moveTo>
+                    <a:pt x="0" y="28575"/>
+                  </a:moveTo>
+                  <a:cubicBezTo>
+                    <a:pt x="422275" y="14287"/>
+                    <a:pt x="844550" y="0"/>
+                    <a:pt x="1000125" y="123825"/>
+                  </a:cubicBezTo>
+                  <a:cubicBezTo>
+                    <a:pt x="1155700" y="247650"/>
+                    <a:pt x="1044575" y="509587"/>
+                    <a:pt x="933450" y="771525"/>
+                  </a:cubicBezTo>
+                </a:path>
+              </a:pathLst>
+            </a:custGeom>
+            <a:ln w="22225">
+              <a:solidFill>
+                <a:schemeClr val="tx1"/>
+              </a:solidFill>
+              <a:tailEnd type="stealth" w="lg" len="lg"/>
+            </a:ln>
+          </p:spPr>
+          <p:style>
+            <a:lnRef idx="1">
+              <a:schemeClr val="accent1"/>
+            </a:lnRef>
+            <a:fillRef idx="0">
+              <a:schemeClr val="accent1"/>
+            </a:fillRef>
+            <a:effectRef idx="0">
+              <a:schemeClr val="accent1"/>
+            </a:effectRef>
+            <a:fontRef idx="minor">
+              <a:schemeClr val="tx1"/>
+            </a:fontRef>
+          </p:style>
+          <p:txBody>
+            <a:bodyPr rtlCol="0" anchor="ctr"/>
+            <a:lstStyle/>
+            <a:p>
+              <a:pPr algn="ctr"/>
+              <a:endParaRPr lang="fr-BE" noProof="1"/>
+            </a:p>
+          </p:txBody>
+        </p:sp>
+        <p:sp>
+          <p:nvSpPr>
+            <p:cNvPr id="11" name="Forme libre 10"/>
+            <p:cNvSpPr/>
+            <p:nvPr/>
+          </p:nvSpPr>
+          <p:spPr>
+            <a:xfrm flipH="1">
+              <a:off x="2051720" y="2420889"/>
+              <a:ext cx="1155700" cy="936104"/>
+            </a:xfrm>
+            <a:custGeom>
+              <a:avLst/>
+              <a:gdLst>
+                <a:gd name="connsiteX0" fmla="*/ 0 w 1155700"/>
+                <a:gd name="connsiteY0" fmla="*/ 28575 h 771525"/>
+                <a:gd name="connsiteX1" fmla="*/ 1000125 w 1155700"/>
+                <a:gd name="connsiteY1" fmla="*/ 123825 h 771525"/>
+                <a:gd name="connsiteX2" fmla="*/ 933450 w 1155700"/>
+                <a:gd name="connsiteY2" fmla="*/ 771525 h 771525"/>
+              </a:gdLst>
+              <a:ahLst/>
+              <a:cxnLst>
+                <a:cxn ang="0">
+                  <a:pos x="connsiteX0" y="connsiteY0"/>
+                </a:cxn>
+                <a:cxn ang="0">
+                  <a:pos x="connsiteX1" y="connsiteY1"/>
+                </a:cxn>
+                <a:cxn ang="0">
+                  <a:pos x="connsiteX2" y="connsiteY2"/>
+                </a:cxn>
+              </a:cxnLst>
+              <a:rect l="l" t="t" r="r" b="b"/>
+              <a:pathLst>
+                <a:path w="1155700" h="771525">
+                  <a:moveTo>
+                    <a:pt x="0" y="28575"/>
+                  </a:moveTo>
+                  <a:cubicBezTo>
+                    <a:pt x="422275" y="14287"/>
+                    <a:pt x="844550" y="0"/>
+                    <a:pt x="1000125" y="123825"/>
+                  </a:cubicBezTo>
+                  <a:cubicBezTo>
+                    <a:pt x="1155700" y="247650"/>
+                    <a:pt x="1044575" y="509587"/>
+                    <a:pt x="933450" y="771525"/>
+                  </a:cubicBezTo>
+                </a:path>
+              </a:pathLst>
+            </a:custGeom>
+            <a:ln w="22225">
+              <a:solidFill>
+                <a:schemeClr val="tx1"/>
+              </a:solidFill>
+              <a:tailEnd type="stealth" w="lg" len="lg"/>
+            </a:ln>
+          </p:spPr>
+          <p:style>
+            <a:lnRef idx="1">
+              <a:schemeClr val="accent1"/>
+            </a:lnRef>
+            <a:fillRef idx="0">
+              <a:schemeClr val="accent1"/>
+            </a:fillRef>
+            <a:effectRef idx="0">
+              <a:schemeClr val="accent1"/>
+            </a:effectRef>
+            <a:fontRef idx="minor">
+              <a:schemeClr val="tx1"/>
+            </a:fontRef>
+          </p:style>
+          <p:txBody>
+            <a:bodyPr rtlCol="0" anchor="ctr"/>
+            <a:lstStyle/>
+            <a:p>
+              <a:pPr algn="ctr"/>
+              <a:endParaRPr lang="fr-BE" noProof="1"/>
+            </a:p>
+          </p:txBody>
+        </p:sp>
+        <p:sp>
+          <p:nvSpPr>
+            <p:cNvPr id="9" name="ZoneTexte 8"/>
+            <p:cNvSpPr txBox="1"/>
+            <p:nvPr/>
+          </p:nvSpPr>
+          <p:spPr>
+            <a:xfrm>
+              <a:off x="6248475" y="1393031"/>
+              <a:ext cx="1923925" cy="307777"/>
+            </a:xfrm>
+            <a:prstGeom prst="rect">
+              <a:avLst/>
+            </a:prstGeom>
+            <a:solidFill>
+              <a:schemeClr val="bg1"/>
+            </a:solidFill>
+          </p:spPr>
+          <p:txBody>
+            <a:bodyPr wrap="none" rtlCol="0">
+              <a:spAutoFit/>
+            </a:bodyPr>
+            <a:lstStyle/>
+            <a:p>
+              <a:r>
+                <a:rPr lang="fr-BE" sz="1400" noProof="1" smtClean="0">
+                  <a:latin typeface="Arial" pitchFamily="34" charset="0"/>
+                  <a:cs typeface="Arial" pitchFamily="34" charset="0"/>
+                </a:rPr>
+                <a:t>Merging</a:t>
+              </a:r>
+              <a:r>
+                <a:rPr lang="fr-BE" sz="1400" noProof="1" smtClean="0">
+                  <a:latin typeface="Arial" pitchFamily="34" charset="0"/>
+                  <a:cs typeface="Arial" pitchFamily="34" charset="0"/>
+                </a:rPr>
+                <a:t> q=3 and </a:t>
+              </a:r>
+              <a:r>
+                <a:rPr lang="fr-BE" sz="1400" noProof="1" smtClean="0">
+                  <a:latin typeface="Arial" pitchFamily="34" charset="0"/>
+                  <a:cs typeface="Arial" pitchFamily="34" charset="0"/>
+                </a:rPr>
+                <a:t>q’=0</a:t>
+              </a:r>
+              <a:endParaRPr lang="fr-BE" sz="1400" noProof="1">
+                <a:latin typeface="Arial" pitchFamily="34" charset="0"/>
+                <a:cs typeface="Arial" pitchFamily="34" charset="0"/>
+              </a:endParaRPr>
+            </a:p>
+          </p:txBody>
+        </p:sp>
+        <p:sp>
+          <p:nvSpPr>
+            <p:cNvPr id="12" name="ZoneTexte 11"/>
+            <p:cNvSpPr txBox="1"/>
+            <p:nvPr/>
+          </p:nvSpPr>
+          <p:spPr>
+            <a:xfrm>
+              <a:off x="1468958" y="2603004"/>
+              <a:ext cx="1662882" cy="430887"/>
+            </a:xfrm>
+            <a:prstGeom prst="rect">
+              <a:avLst/>
+            </a:prstGeom>
+            <a:solidFill>
+              <a:schemeClr val="bg1"/>
+            </a:solidFill>
+          </p:spPr>
+          <p:txBody>
+            <a:bodyPr wrap="none" lIns="36000" tIns="0" rIns="36000" bIns="0" rtlCol="0">
+              <a:spAutoFit/>
+            </a:bodyPr>
+            <a:lstStyle/>
+            <a:p>
+              <a:pPr algn="ctr"/>
+              <a:r>
+                <a:rPr lang="fr-BE" sz="1400" noProof="1" smtClean="0">
+                  <a:latin typeface="Arial" pitchFamily="34" charset="0"/>
+                  <a:cs typeface="Arial" pitchFamily="34" charset="0"/>
+                </a:rPr>
+                <a:t>Merging</a:t>
+              </a:r>
+              <a:r>
+                <a:rPr lang="fr-BE" sz="1400" noProof="1" smtClean="0">
+                  <a:latin typeface="Arial" pitchFamily="34" charset="0"/>
+                  <a:cs typeface="Arial" pitchFamily="34" charset="0"/>
+                </a:rPr>
+                <a:t> </a:t>
+              </a:r>
+              <a:r>
+                <a:rPr lang="fr-BE" sz="1400" noProof="1" smtClean="0">
+                  <a:latin typeface="Arial" pitchFamily="34" charset="0"/>
+                  <a:cs typeface="Arial" pitchFamily="34" charset="0"/>
+                </a:rPr>
+                <a:t>2 and 6</a:t>
+              </a:r>
+            </a:p>
+            <a:p>
+              <a:pPr algn="ctr"/>
+              <a:r>
+                <a:rPr lang="fr-BE" sz="1400" noProof="1" smtClean="0">
+                  <a:latin typeface="Arial" pitchFamily="34" charset="0"/>
+                  <a:cs typeface="Arial" pitchFamily="34" charset="0"/>
+                </a:rPr>
+                <a:t>(for determinization)</a:t>
+              </a:r>
+              <a:endParaRPr lang="fr-BE" sz="1400" noProof="1">
+                <a:latin typeface="Arial" pitchFamily="34" charset="0"/>
+                <a:cs typeface="Arial" pitchFamily="34" charset="0"/>
+              </a:endParaRPr>
+            </a:p>
+          </p:txBody>
+        </p:sp>
+        <p:sp>
+          <p:nvSpPr>
+            <p:cNvPr id="13" name="Forme libre 12"/>
+            <p:cNvSpPr/>
+            <p:nvPr/>
+          </p:nvSpPr>
+          <p:spPr>
+            <a:xfrm>
+              <a:off x="6372200" y="4005064"/>
+              <a:ext cx="1155700" cy="936104"/>
+            </a:xfrm>
+            <a:custGeom>
+              <a:avLst/>
+              <a:gdLst>
+                <a:gd name="connsiteX0" fmla="*/ 0 w 1155700"/>
+                <a:gd name="connsiteY0" fmla="*/ 28575 h 771525"/>
+                <a:gd name="connsiteX1" fmla="*/ 1000125 w 1155700"/>
+                <a:gd name="connsiteY1" fmla="*/ 123825 h 771525"/>
+                <a:gd name="connsiteX2" fmla="*/ 933450 w 1155700"/>
+                <a:gd name="connsiteY2" fmla="*/ 771525 h 771525"/>
+              </a:gdLst>
+              <a:ahLst/>
+              <a:cxnLst>
+                <a:cxn ang="0">
+                  <a:pos x="connsiteX0" y="connsiteY0"/>
+                </a:cxn>
+                <a:cxn ang="0">
+                  <a:pos x="connsiteX1" y="connsiteY1"/>
+                </a:cxn>
+                <a:cxn ang="0">
+                  <a:pos x="connsiteX2" y="connsiteY2"/>
+                </a:cxn>
+              </a:cxnLst>
+              <a:rect l="l" t="t" r="r" b="b"/>
+              <a:pathLst>
+                <a:path w="1155700" h="771525">
+                  <a:moveTo>
+                    <a:pt x="0" y="28575"/>
+                  </a:moveTo>
+                  <a:cubicBezTo>
+                    <a:pt x="422275" y="14287"/>
+                    <a:pt x="844550" y="0"/>
+                    <a:pt x="1000125" y="123825"/>
+                  </a:cubicBezTo>
+                  <a:cubicBezTo>
+                    <a:pt x="1155700" y="247650"/>
+                    <a:pt x="1044575" y="509587"/>
+                    <a:pt x="933450" y="771525"/>
+                  </a:cubicBezTo>
+                </a:path>
+              </a:pathLst>
+            </a:custGeom>
+            <a:ln w="22225">
+              <a:solidFill>
+                <a:schemeClr val="tx1"/>
+              </a:solidFill>
+              <a:tailEnd type="stealth" w="lg" len="lg"/>
+            </a:ln>
+          </p:spPr>
+          <p:style>
+            <a:lnRef idx="1">
+              <a:schemeClr val="accent1"/>
+            </a:lnRef>
+            <a:fillRef idx="0">
+              <a:schemeClr val="accent1"/>
+            </a:fillRef>
+            <a:effectRef idx="0">
+              <a:schemeClr val="accent1"/>
+            </a:effectRef>
+            <a:fontRef idx="minor">
+              <a:schemeClr val="tx1"/>
+            </a:fontRef>
+          </p:style>
+          <p:txBody>
+            <a:bodyPr rtlCol="0" anchor="ctr"/>
+            <a:lstStyle/>
+            <a:p>
+              <a:pPr algn="ctr"/>
+              <a:endParaRPr lang="fr-BE" noProof="1"/>
+            </a:p>
+          </p:txBody>
+        </p:sp>
+        <p:sp>
+          <p:nvSpPr>
+            <p:cNvPr id="14" name="ZoneTexte 13"/>
+            <p:cNvSpPr txBox="1"/>
+            <p:nvPr/>
+          </p:nvSpPr>
+          <p:spPr>
+            <a:xfrm>
+              <a:off x="6300192" y="4221088"/>
+              <a:ext cx="1662882" cy="430887"/>
+            </a:xfrm>
+            <a:prstGeom prst="rect">
+              <a:avLst/>
+            </a:prstGeom>
+            <a:solidFill>
+              <a:schemeClr val="bg1"/>
+            </a:solidFill>
+          </p:spPr>
+          <p:txBody>
+            <a:bodyPr wrap="none" lIns="36000" tIns="0" rIns="36000" bIns="0" rtlCol="0">
+              <a:spAutoFit/>
+            </a:bodyPr>
+            <a:lstStyle/>
+            <a:p>
+              <a:pPr algn="ctr"/>
+              <a:r>
+                <a:rPr lang="fr-BE" sz="1400" noProof="1" smtClean="0">
+                  <a:latin typeface="Arial" pitchFamily="34" charset="0"/>
+                  <a:cs typeface="Arial" pitchFamily="34" charset="0"/>
+                </a:rPr>
+                <a:t>Merging</a:t>
+              </a:r>
+              <a:r>
+                <a:rPr lang="fr-BE" sz="1400" noProof="1" smtClean="0">
+                  <a:latin typeface="Arial" pitchFamily="34" charset="0"/>
+                  <a:cs typeface="Arial" pitchFamily="34" charset="0"/>
+                </a:rPr>
+                <a:t> </a:t>
+              </a:r>
+              <a:r>
+                <a:rPr lang="fr-BE" sz="1400" noProof="1" smtClean="0">
+                  <a:latin typeface="Arial" pitchFamily="34" charset="0"/>
+                  <a:cs typeface="Arial" pitchFamily="34" charset="0"/>
+                </a:rPr>
+                <a:t>5</a:t>
+              </a:r>
+              <a:r>
+                <a:rPr lang="fr-BE" sz="1400" noProof="1" smtClean="0">
+                  <a:latin typeface="Arial" pitchFamily="34" charset="0"/>
+                  <a:cs typeface="Arial" pitchFamily="34" charset="0"/>
+                </a:rPr>
+                <a:t> and 9</a:t>
+              </a:r>
+            </a:p>
+            <a:p>
+              <a:pPr algn="ctr"/>
+              <a:r>
+                <a:rPr lang="fr-BE" sz="1400" noProof="1" smtClean="0">
+                  <a:latin typeface="Arial" pitchFamily="34" charset="0"/>
+                  <a:cs typeface="Arial" pitchFamily="34" charset="0"/>
+                </a:rPr>
+                <a:t>(for determinization)</a:t>
+              </a:r>
+              <a:endParaRPr lang="fr-BE" sz="1400" noProof="1">
+                <a:latin typeface="Arial" pitchFamily="34" charset="0"/>
+                <a:cs typeface="Arial" pitchFamily="34" charset="0"/>
+              </a:endParaRPr>
+            </a:p>
+          </p:txBody>
+        </p:sp>
+      </p:grpSp>
+    </p:spTree>
+  </p:cSld>
+  <p:clrMapOvr>
+    <a:masterClrMapping/>
+  </p:clrMapOvr>
+</p:sld>
+</file>
+
+<file path=ppt/slides/slide16.xml><?xml version="1.0" encoding="utf-8"?>
+<p:sld xmlns:a="http://schemas.openxmlformats.org/drawingml/2006/main" xmlns:r="http://schemas.openxmlformats.org/officeDocument/2006/relationships" xmlns:p="http://schemas.openxmlformats.org/presentationml/2006/main">
+  <p:cSld>
+    <p:spTree>
+      <p:nvGrpSpPr>
+        <p:cNvPr id="1" name=""/>
+        <p:cNvGrpSpPr/>
+        <p:nvPr/>
+      </p:nvGrpSpPr>
+      <p:grpSpPr>
+        <a:xfrm>
+          <a:off x="0" y="0"/>
+          <a:ext cx="0" cy="0"/>
+          <a:chOff x="0" y="0"/>
+          <a:chExt cx="0" cy="0"/>
+        </a:xfrm>
+      </p:grpSpPr>
+      <p:grpSp>
+        <p:nvGrpSpPr>
+          <p:cNvPr id="10" name="Groupe 9"/>
+          <p:cNvGrpSpPr/>
+          <p:nvPr/>
+        </p:nvGrpSpPr>
+        <p:grpSpPr>
+          <a:xfrm>
+            <a:off x="323528" y="1387376"/>
+            <a:ext cx="8064896" cy="2880320"/>
+            <a:chOff x="323528" y="1387376"/>
+            <a:chExt cx="8064896" cy="2880320"/>
+          </a:xfrm>
+        </p:grpSpPr>
+        <p:sp>
+          <p:nvSpPr>
+            <p:cNvPr id="9" name="Rectangle 8"/>
+            <p:cNvSpPr/>
+            <p:nvPr/>
+          </p:nvSpPr>
+          <p:spPr>
+            <a:xfrm>
+              <a:off x="323528" y="1387376"/>
+              <a:ext cx="8064896" cy="2880320"/>
+            </a:xfrm>
+            <a:prstGeom prst="rect">
+              <a:avLst/>
+            </a:prstGeom>
+            <a:solidFill>
+              <a:schemeClr val="bg1"/>
+            </a:solidFill>
+            <a:ln w="3175"/>
+          </p:spPr>
+          <p:style>
+            <a:lnRef idx="2">
+              <a:schemeClr val="dk1"/>
+            </a:lnRef>
+            <a:fillRef idx="1">
+              <a:schemeClr val="lt1"/>
+            </a:fillRef>
+            <a:effectRef idx="0">
+              <a:schemeClr val="dk1"/>
+            </a:effectRef>
+            <a:fontRef idx="minor">
+              <a:schemeClr val="dk1"/>
+            </a:fontRef>
+          </p:style>
+          <p:txBody>
+            <a:bodyPr rtlCol="0" anchor="ctr"/>
+            <a:lstStyle/>
+            <a:p>
+              <a:pPr algn="ctr"/>
+              <a:endParaRPr lang="fr-BE"/>
+            </a:p>
+          </p:txBody>
+        </p:sp>
+        <p:sp>
+          <p:nvSpPr>
+            <p:cNvPr id="8" name="ZoneTexte 7"/>
+            <p:cNvSpPr txBox="1"/>
+            <p:nvPr/>
+          </p:nvSpPr>
+          <p:spPr>
+            <a:xfrm>
+              <a:off x="3387314" y="1537047"/>
+              <a:ext cx="1040670" cy="307777"/>
+            </a:xfrm>
+            <a:prstGeom prst="rect">
+              <a:avLst/>
+            </a:prstGeom>
+            <a:noFill/>
+          </p:spPr>
+          <p:txBody>
+            <a:bodyPr wrap="none" rtlCol="0">
+              <a:spAutoFit/>
+            </a:bodyPr>
+            <a:lstStyle/>
+            <a:p>
+              <a:r>
+                <a:rPr lang="fr-BE" sz="1400" noProof="1" smtClean="0">
+                  <a:latin typeface="Arial" pitchFamily="34" charset="0"/>
+                  <a:cs typeface="Arial" pitchFamily="34" charset="0"/>
+                </a:rPr>
+                <a:t>blue fringe</a:t>
+              </a:r>
+              <a:endParaRPr lang="fr-BE" sz="1400" noProof="1">
+                <a:latin typeface="Arial" pitchFamily="34" charset="0"/>
+                <a:cs typeface="Arial" pitchFamily="34" charset="0"/>
+              </a:endParaRPr>
+            </a:p>
+          </p:txBody>
+        </p:sp>
+        <p:pic>
+          <p:nvPicPr>
+            <p:cNvPr id="4" name="Picture 3" descr="C:\Users\blambeau\Documents\thesis\writing\src\4-inductive\images\algo-step4.png"/>
+            <p:cNvPicPr>
+              <a:picLocks noChangeAspect="1" noChangeArrowheads="1"/>
+            </p:cNvPicPr>
+            <p:nvPr/>
+          </p:nvPicPr>
+          <p:blipFill>
+            <a:blip r:embed="rId2" cstate="print"/>
+            <a:srcRect/>
+            <a:stretch>
+              <a:fillRect/>
+            </a:stretch>
+          </p:blipFill>
+          <p:spPr bwMode="auto">
+            <a:xfrm>
+              <a:off x="899592" y="1844824"/>
+              <a:ext cx="7359491" cy="2364105"/>
+            </a:xfrm>
+            <a:prstGeom prst="rect">
+              <a:avLst/>
+            </a:prstGeom>
+            <a:noFill/>
+          </p:spPr>
+        </p:pic>
+        <p:sp>
+          <p:nvSpPr>
+            <p:cNvPr id="5" name="Forme libre 4"/>
+            <p:cNvSpPr/>
+            <p:nvPr/>
+          </p:nvSpPr>
+          <p:spPr>
+            <a:xfrm>
+              <a:off x="813597" y="1730188"/>
+              <a:ext cx="2117460" cy="1575233"/>
+            </a:xfrm>
+            <a:custGeom>
+              <a:avLst/>
+              <a:gdLst>
+                <a:gd name="connsiteX0" fmla="*/ 205509 w 2262909"/>
+                <a:gd name="connsiteY0" fmla="*/ 226290 h 1849581"/>
+                <a:gd name="connsiteX1" fmla="*/ 288636 w 2262909"/>
+                <a:gd name="connsiteY1" fmla="*/ 198581 h 1849581"/>
+                <a:gd name="connsiteX2" fmla="*/ 1216891 w 2262909"/>
+                <a:gd name="connsiteY2" fmla="*/ 60036 h 1849581"/>
+                <a:gd name="connsiteX3" fmla="*/ 2117436 w 2262909"/>
+                <a:gd name="connsiteY3" fmla="*/ 115454 h 1849581"/>
+                <a:gd name="connsiteX4" fmla="*/ 2089727 w 2262909"/>
+                <a:gd name="connsiteY4" fmla="*/ 752763 h 1849581"/>
+                <a:gd name="connsiteX5" fmla="*/ 1978891 w 2262909"/>
+                <a:gd name="connsiteY5" fmla="*/ 974436 h 1849581"/>
+                <a:gd name="connsiteX6" fmla="*/ 2159000 w 2262909"/>
+                <a:gd name="connsiteY6" fmla="*/ 1390072 h 1849581"/>
+                <a:gd name="connsiteX7" fmla="*/ 1895763 w 2262909"/>
+                <a:gd name="connsiteY7" fmla="*/ 1819563 h 1849581"/>
+                <a:gd name="connsiteX8" fmla="*/ 288636 w 2262909"/>
+                <a:gd name="connsiteY8" fmla="*/ 1209963 h 1849581"/>
+                <a:gd name="connsiteX9" fmla="*/ 205509 w 2262909"/>
+                <a:gd name="connsiteY9" fmla="*/ 226290 h 1849581"/>
+                <a:gd name="connsiteX0" fmla="*/ 205509 w 2262909"/>
+                <a:gd name="connsiteY0" fmla="*/ 226290 h 1849581"/>
+                <a:gd name="connsiteX1" fmla="*/ 1216891 w 2262909"/>
+                <a:gd name="connsiteY1" fmla="*/ 60036 h 1849581"/>
+                <a:gd name="connsiteX2" fmla="*/ 2117436 w 2262909"/>
+                <a:gd name="connsiteY2" fmla="*/ 115454 h 1849581"/>
+                <a:gd name="connsiteX3" fmla="*/ 2089727 w 2262909"/>
+                <a:gd name="connsiteY3" fmla="*/ 752763 h 1849581"/>
+                <a:gd name="connsiteX4" fmla="*/ 1978891 w 2262909"/>
+                <a:gd name="connsiteY4" fmla="*/ 974436 h 1849581"/>
+                <a:gd name="connsiteX5" fmla="*/ 2159000 w 2262909"/>
+                <a:gd name="connsiteY5" fmla="*/ 1390072 h 1849581"/>
+                <a:gd name="connsiteX6" fmla="*/ 1895763 w 2262909"/>
+                <a:gd name="connsiteY6" fmla="*/ 1819563 h 1849581"/>
+                <a:gd name="connsiteX7" fmla="*/ 288636 w 2262909"/>
+                <a:gd name="connsiteY7" fmla="*/ 1209963 h 1849581"/>
+                <a:gd name="connsiteX8" fmla="*/ 205509 w 2262909"/>
+                <a:gd name="connsiteY8" fmla="*/ 226290 h 1849581"/>
+                <a:gd name="connsiteX0" fmla="*/ 232424 w 2249214"/>
+                <a:gd name="connsiteY0" fmla="*/ 430629 h 1849581"/>
+                <a:gd name="connsiteX1" fmla="*/ 1203196 w 2249214"/>
+                <a:gd name="connsiteY1" fmla="*/ 60036 h 1849581"/>
+                <a:gd name="connsiteX2" fmla="*/ 2103741 w 2249214"/>
+                <a:gd name="connsiteY2" fmla="*/ 115454 h 1849581"/>
+                <a:gd name="connsiteX3" fmla="*/ 2076032 w 2249214"/>
+                <a:gd name="connsiteY3" fmla="*/ 752763 h 1849581"/>
+                <a:gd name="connsiteX4" fmla="*/ 1965196 w 2249214"/>
+                <a:gd name="connsiteY4" fmla="*/ 974436 h 1849581"/>
+                <a:gd name="connsiteX5" fmla="*/ 2145305 w 2249214"/>
+                <a:gd name="connsiteY5" fmla="*/ 1390072 h 1849581"/>
+                <a:gd name="connsiteX6" fmla="*/ 1882068 w 2249214"/>
+                <a:gd name="connsiteY6" fmla="*/ 1819563 h 1849581"/>
+                <a:gd name="connsiteX7" fmla="*/ 274941 w 2249214"/>
+                <a:gd name="connsiteY7" fmla="*/ 1209963 h 1849581"/>
+                <a:gd name="connsiteX8" fmla="*/ 232424 w 2249214"/>
+                <a:gd name="connsiteY8" fmla="*/ 430629 h 1849581"/>
+                <a:gd name="connsiteX0" fmla="*/ 232424 w 2230741"/>
+                <a:gd name="connsiteY0" fmla="*/ 467575 h 1886527"/>
+                <a:gd name="connsiteX1" fmla="*/ 1203196 w 2230741"/>
+                <a:gd name="connsiteY1" fmla="*/ 96982 h 1886527"/>
+                <a:gd name="connsiteX2" fmla="*/ 2103741 w 2230741"/>
+                <a:gd name="connsiteY2" fmla="*/ 152400 h 1886527"/>
+                <a:gd name="connsiteX3" fmla="*/ 1965196 w 2230741"/>
+                <a:gd name="connsiteY3" fmla="*/ 1011382 h 1886527"/>
+                <a:gd name="connsiteX4" fmla="*/ 2145305 w 2230741"/>
+                <a:gd name="connsiteY4" fmla="*/ 1427018 h 1886527"/>
+                <a:gd name="connsiteX5" fmla="*/ 1882068 w 2230741"/>
+                <a:gd name="connsiteY5" fmla="*/ 1856509 h 1886527"/>
+                <a:gd name="connsiteX6" fmla="*/ 274941 w 2230741"/>
+                <a:gd name="connsiteY6" fmla="*/ 1246909 h 1886527"/>
+                <a:gd name="connsiteX7" fmla="*/ 232424 w 2230741"/>
+                <a:gd name="connsiteY7" fmla="*/ 467575 h 1886527"/>
+                <a:gd name="connsiteX0" fmla="*/ 232424 w 2236769"/>
+                <a:gd name="connsiteY0" fmla="*/ 447363 h 1866315"/>
+                <a:gd name="connsiteX1" fmla="*/ 1203196 w 2236769"/>
+                <a:gd name="connsiteY1" fmla="*/ 76770 h 1866315"/>
+                <a:gd name="connsiteX2" fmla="*/ 2103741 w 2236769"/>
+                <a:gd name="connsiteY2" fmla="*/ 132188 h 1866315"/>
+                <a:gd name="connsiteX3" fmla="*/ 2001364 w 2236769"/>
+                <a:gd name="connsiteY3" fmla="*/ 869899 h 1866315"/>
+                <a:gd name="connsiteX4" fmla="*/ 2145305 w 2236769"/>
+                <a:gd name="connsiteY4" fmla="*/ 1406806 h 1866315"/>
+                <a:gd name="connsiteX5" fmla="*/ 1882068 w 2236769"/>
+                <a:gd name="connsiteY5" fmla="*/ 1836297 h 1866315"/>
+                <a:gd name="connsiteX6" fmla="*/ 274941 w 2236769"/>
+                <a:gd name="connsiteY6" fmla="*/ 1226697 h 1866315"/>
+                <a:gd name="connsiteX7" fmla="*/ 232424 w 2236769"/>
+                <a:gd name="connsiteY7" fmla="*/ 447363 h 1866315"/>
+                <a:gd name="connsiteX0" fmla="*/ 232424 w 2236769"/>
+                <a:gd name="connsiteY0" fmla="*/ 447363 h 1866315"/>
+                <a:gd name="connsiteX1" fmla="*/ 1203196 w 2236769"/>
+                <a:gd name="connsiteY1" fmla="*/ 76770 h 1866315"/>
+                <a:gd name="connsiteX2" fmla="*/ 2103741 w 2236769"/>
+                <a:gd name="connsiteY2" fmla="*/ 132188 h 1866315"/>
+                <a:gd name="connsiteX3" fmla="*/ 2001364 w 2236769"/>
+                <a:gd name="connsiteY3" fmla="*/ 869899 h 1866315"/>
+                <a:gd name="connsiteX4" fmla="*/ 2145305 w 2236769"/>
+                <a:gd name="connsiteY4" fmla="*/ 1406806 h 1866315"/>
+                <a:gd name="connsiteX5" fmla="*/ 1882068 w 2236769"/>
+                <a:gd name="connsiteY5" fmla="*/ 1836297 h 1866315"/>
+                <a:gd name="connsiteX6" fmla="*/ 274941 w 2236769"/>
+                <a:gd name="connsiteY6" fmla="*/ 1226697 h 1866315"/>
+                <a:gd name="connsiteX7" fmla="*/ 232424 w 2236769"/>
+                <a:gd name="connsiteY7" fmla="*/ 447363 h 1866315"/>
+                <a:gd name="connsiteX0" fmla="*/ 232424 w 2288342"/>
+                <a:gd name="connsiteY0" fmla="*/ 456963 h 1875915"/>
+                <a:gd name="connsiteX1" fmla="*/ 1203196 w 2288342"/>
+                <a:gd name="connsiteY1" fmla="*/ 86370 h 1875915"/>
+                <a:gd name="connsiteX2" fmla="*/ 2155314 w 2288342"/>
+                <a:gd name="connsiteY2" fmla="*/ 132188 h 1875915"/>
+                <a:gd name="connsiteX3" fmla="*/ 2001364 w 2288342"/>
+                <a:gd name="connsiteY3" fmla="*/ 879499 h 1875915"/>
+                <a:gd name="connsiteX4" fmla="*/ 2145305 w 2288342"/>
+                <a:gd name="connsiteY4" fmla="*/ 1416406 h 1875915"/>
+                <a:gd name="connsiteX5" fmla="*/ 1882068 w 2288342"/>
+                <a:gd name="connsiteY5" fmla="*/ 1845897 h 1875915"/>
+                <a:gd name="connsiteX6" fmla="*/ 274941 w 2288342"/>
+                <a:gd name="connsiteY6" fmla="*/ 1236297 h 1875915"/>
+                <a:gd name="connsiteX7" fmla="*/ 232424 w 2288342"/>
+                <a:gd name="connsiteY7" fmla="*/ 456963 h 1875915"/>
+                <a:gd name="connsiteX0" fmla="*/ 232424 w 2288342"/>
+                <a:gd name="connsiteY0" fmla="*/ 456963 h 1875915"/>
+                <a:gd name="connsiteX1" fmla="*/ 1203196 w 2288342"/>
+                <a:gd name="connsiteY1" fmla="*/ 86370 h 1875915"/>
+                <a:gd name="connsiteX2" fmla="*/ 2155314 w 2288342"/>
+                <a:gd name="connsiteY2" fmla="*/ 132188 h 1875915"/>
+                <a:gd name="connsiteX3" fmla="*/ 2001364 w 2288342"/>
+                <a:gd name="connsiteY3" fmla="*/ 879499 h 1875915"/>
+                <a:gd name="connsiteX4" fmla="*/ 2145305 w 2288342"/>
+                <a:gd name="connsiteY4" fmla="*/ 1416406 h 1875915"/>
+                <a:gd name="connsiteX5" fmla="*/ 1882068 w 2288342"/>
+                <a:gd name="connsiteY5" fmla="*/ 1845897 h 1875915"/>
+                <a:gd name="connsiteX6" fmla="*/ 274941 w 2288342"/>
+                <a:gd name="connsiteY6" fmla="*/ 1236297 h 1875915"/>
+                <a:gd name="connsiteX7" fmla="*/ 232424 w 2288342"/>
+                <a:gd name="connsiteY7" fmla="*/ 456963 h 1875915"/>
+                <a:gd name="connsiteX0" fmla="*/ 207616 w 2263534"/>
+                <a:gd name="connsiteY0" fmla="*/ 456963 h 1822898"/>
+                <a:gd name="connsiteX1" fmla="*/ 1178388 w 2263534"/>
+                <a:gd name="connsiteY1" fmla="*/ 86370 h 1822898"/>
+                <a:gd name="connsiteX2" fmla="*/ 2130506 w 2263534"/>
+                <a:gd name="connsiteY2" fmla="*/ 132188 h 1822898"/>
+                <a:gd name="connsiteX3" fmla="*/ 1976556 w 2263534"/>
+                <a:gd name="connsiteY3" fmla="*/ 879499 h 1822898"/>
+                <a:gd name="connsiteX4" fmla="*/ 2120497 w 2263534"/>
+                <a:gd name="connsiteY4" fmla="*/ 1416406 h 1822898"/>
+                <a:gd name="connsiteX5" fmla="*/ 1708414 w 2263534"/>
+                <a:gd name="connsiteY5" fmla="*/ 1792880 h 1822898"/>
+                <a:gd name="connsiteX6" fmla="*/ 250133 w 2263534"/>
+                <a:gd name="connsiteY6" fmla="*/ 1236297 h 1822898"/>
+                <a:gd name="connsiteX7" fmla="*/ 207616 w 2263534"/>
+                <a:gd name="connsiteY7" fmla="*/ 456963 h 1822898"/>
+                <a:gd name="connsiteX0" fmla="*/ 207616 w 2263534"/>
+                <a:gd name="connsiteY0" fmla="*/ 456963 h 1816449"/>
+                <a:gd name="connsiteX1" fmla="*/ 1178388 w 2263534"/>
+                <a:gd name="connsiteY1" fmla="*/ 86370 h 1816449"/>
+                <a:gd name="connsiteX2" fmla="*/ 2130506 w 2263534"/>
+                <a:gd name="connsiteY2" fmla="*/ 132188 h 1816449"/>
+                <a:gd name="connsiteX3" fmla="*/ 1976556 w 2263534"/>
+                <a:gd name="connsiteY3" fmla="*/ 879499 h 1816449"/>
+                <a:gd name="connsiteX4" fmla="*/ 2093291 w 2263534"/>
+                <a:gd name="connsiteY4" fmla="*/ 1377708 h 1816449"/>
+                <a:gd name="connsiteX5" fmla="*/ 1708414 w 2263534"/>
+                <a:gd name="connsiteY5" fmla="*/ 1792880 h 1816449"/>
+                <a:gd name="connsiteX6" fmla="*/ 250133 w 2263534"/>
+                <a:gd name="connsiteY6" fmla="*/ 1236297 h 1816449"/>
+                <a:gd name="connsiteX7" fmla="*/ 207616 w 2263534"/>
+                <a:gd name="connsiteY7" fmla="*/ 456963 h 1816449"/>
+              </a:gdLst>
+              <a:ahLst/>
+              <a:cxnLst>
+                <a:cxn ang="0">
+                  <a:pos x="connsiteX0" y="connsiteY0"/>
+                </a:cxn>
+                <a:cxn ang="0">
+                  <a:pos x="connsiteX1" y="connsiteY1"/>
+                </a:cxn>
+                <a:cxn ang="0">
+                  <a:pos x="connsiteX2" y="connsiteY2"/>
+                </a:cxn>
+                <a:cxn ang="0">
+                  <a:pos x="connsiteX3" y="connsiteY3"/>
+                </a:cxn>
+                <a:cxn ang="0">
+                  <a:pos x="connsiteX4" y="connsiteY4"/>
+                </a:cxn>
+                <a:cxn ang="0">
+                  <a:pos x="connsiteX5" y="connsiteY5"/>
+                </a:cxn>
+                <a:cxn ang="0">
+                  <a:pos x="connsiteX6" y="connsiteY6"/>
+                </a:cxn>
+                <a:cxn ang="0">
+                  <a:pos x="connsiteX7" y="connsiteY7"/>
+                </a:cxn>
+              </a:cxnLst>
+              <a:rect l="l" t="t" r="r" b="b"/>
+              <a:pathLst>
+                <a:path w="2263534" h="1816449">
+                  <a:moveTo>
+                    <a:pt x="207616" y="456963"/>
+                  </a:moveTo>
+                  <a:cubicBezTo>
+                    <a:pt x="362325" y="265309"/>
+                    <a:pt x="857906" y="140499"/>
+                    <a:pt x="1178388" y="86370"/>
+                  </a:cubicBezTo>
+                  <a:cubicBezTo>
+                    <a:pt x="1498870" y="32241"/>
+                    <a:pt x="1997478" y="0"/>
+                    <a:pt x="2130506" y="132188"/>
+                  </a:cubicBezTo>
+                  <a:cubicBezTo>
+                    <a:pt x="2263534" y="264376"/>
+                    <a:pt x="1982758" y="671912"/>
+                    <a:pt x="1976556" y="879499"/>
+                  </a:cubicBezTo>
+                  <a:cubicBezTo>
+                    <a:pt x="1970354" y="1087086"/>
+                    <a:pt x="2058164" y="1225858"/>
+                    <a:pt x="2093291" y="1377708"/>
+                  </a:cubicBezTo>
+                  <a:cubicBezTo>
+                    <a:pt x="2119811" y="1611260"/>
+                    <a:pt x="2015607" y="1816449"/>
+                    <a:pt x="1708414" y="1792880"/>
+                  </a:cubicBezTo>
+                  <a:cubicBezTo>
+                    <a:pt x="1401221" y="1769311"/>
+                    <a:pt x="500266" y="1458950"/>
+                    <a:pt x="250133" y="1236297"/>
+                  </a:cubicBezTo>
+                  <a:cubicBezTo>
+                    <a:pt x="0" y="1013644"/>
+                    <a:pt x="52907" y="648618"/>
+                    <a:pt x="207616" y="456963"/>
+                  </a:cubicBezTo>
+                  <a:close/>
+                </a:path>
+              </a:pathLst>
+            </a:custGeom>
+            <a:noFill/>
+            <a:ln>
+              <a:solidFill>
+                <a:schemeClr val="tx1"/>
+              </a:solidFill>
+            </a:ln>
+          </p:spPr>
+          <p:style>
+            <a:lnRef idx="2">
+              <a:schemeClr val="accent1">
+                <a:shade val="50000"/>
+              </a:schemeClr>
+            </a:lnRef>
+            <a:fillRef idx="1">
+              <a:schemeClr val="accent1"/>
+            </a:fillRef>
+            <a:effectRef idx="0">
+              <a:schemeClr val="accent1"/>
+            </a:effectRef>
+            <a:fontRef idx="minor">
+              <a:schemeClr val="lt1"/>
+            </a:fontRef>
+          </p:style>
+          <p:txBody>
+            <a:bodyPr rtlCol="0" anchor="ctr"/>
+            <a:lstStyle/>
+            <a:p>
+              <a:pPr algn="ctr"/>
+              <a:endParaRPr lang="fr-BE"/>
+            </a:p>
+          </p:txBody>
+        </p:sp>
+        <p:sp>
+          <p:nvSpPr>
+            <p:cNvPr id="6" name="Forme libre 5"/>
+            <p:cNvSpPr/>
+            <p:nvPr/>
+          </p:nvSpPr>
+          <p:spPr>
+            <a:xfrm>
+              <a:off x="1665392" y="1549171"/>
+              <a:ext cx="2285628" cy="2179861"/>
+            </a:xfrm>
+            <a:custGeom>
+              <a:avLst/>
+              <a:gdLst>
+                <a:gd name="connsiteX0" fmla="*/ 0 w 2379980"/>
+                <a:gd name="connsiteY0" fmla="*/ 146050 h 2223770"/>
+                <a:gd name="connsiteX1" fmla="*/ 1287780 w 2379980"/>
+                <a:gd name="connsiteY1" fmla="*/ 69850 h 2223770"/>
+                <a:gd name="connsiteX2" fmla="*/ 2118360 w 2379980"/>
+                <a:gd name="connsiteY2" fmla="*/ 565150 h 2223770"/>
+                <a:gd name="connsiteX3" fmla="*/ 2179320 w 2379980"/>
+                <a:gd name="connsiteY3" fmla="*/ 1578610 h 2223770"/>
+                <a:gd name="connsiteX4" fmla="*/ 2156460 w 2379980"/>
+                <a:gd name="connsiteY4" fmla="*/ 2150110 h 2223770"/>
+                <a:gd name="connsiteX5" fmla="*/ 838200 w 2379980"/>
+                <a:gd name="connsiteY5" fmla="*/ 2020570 h 2223770"/>
+                <a:gd name="connsiteX6" fmla="*/ 15240 w 2379980"/>
+                <a:gd name="connsiteY6" fmla="*/ 1769110 h 2223770"/>
+                <a:gd name="connsiteX0" fmla="*/ 0 w 2293124"/>
+                <a:gd name="connsiteY0" fmla="*/ 146050 h 2169512"/>
+                <a:gd name="connsiteX1" fmla="*/ 1287780 w 2293124"/>
+                <a:gd name="connsiteY1" fmla="*/ 69850 h 2169512"/>
+                <a:gd name="connsiteX2" fmla="*/ 2118360 w 2293124"/>
+                <a:gd name="connsiteY2" fmla="*/ 565150 h 2169512"/>
+                <a:gd name="connsiteX3" fmla="*/ 2179320 w 2293124"/>
+                <a:gd name="connsiteY3" fmla="*/ 1578610 h 2169512"/>
+                <a:gd name="connsiteX4" fmla="*/ 2069604 w 2293124"/>
+                <a:gd name="connsiteY4" fmla="*/ 2095852 h 2169512"/>
+                <a:gd name="connsiteX5" fmla="*/ 838200 w 2293124"/>
+                <a:gd name="connsiteY5" fmla="*/ 2020570 h 2169512"/>
+                <a:gd name="connsiteX6" fmla="*/ 15240 w 2293124"/>
+                <a:gd name="connsiteY6" fmla="*/ 1769110 h 2169512"/>
+                <a:gd name="connsiteX0" fmla="*/ 0 w 2294325"/>
+                <a:gd name="connsiteY0" fmla="*/ 146050 h 2215320"/>
+                <a:gd name="connsiteX1" fmla="*/ 1287780 w 2294325"/>
+                <a:gd name="connsiteY1" fmla="*/ 69850 h 2215320"/>
+                <a:gd name="connsiteX2" fmla="*/ 2118360 w 2294325"/>
+                <a:gd name="connsiteY2" fmla="*/ 565150 h 2215320"/>
+                <a:gd name="connsiteX3" fmla="*/ 2186528 w 2294325"/>
+                <a:gd name="connsiteY3" fmla="*/ 1303764 h 2215320"/>
+                <a:gd name="connsiteX4" fmla="*/ 2069604 w 2294325"/>
+                <a:gd name="connsiteY4" fmla="*/ 2095852 h 2215320"/>
+                <a:gd name="connsiteX5" fmla="*/ 838200 w 2294325"/>
+                <a:gd name="connsiteY5" fmla="*/ 2020570 h 2215320"/>
+                <a:gd name="connsiteX6" fmla="*/ 15240 w 2294325"/>
+                <a:gd name="connsiteY6" fmla="*/ 1769110 h 2215320"/>
+                <a:gd name="connsiteX0" fmla="*/ 0 w 2294325"/>
+                <a:gd name="connsiteY0" fmla="*/ 146050 h 2215320"/>
+                <a:gd name="connsiteX1" fmla="*/ 1287780 w 2294325"/>
+                <a:gd name="connsiteY1" fmla="*/ 69850 h 2215320"/>
+                <a:gd name="connsiteX2" fmla="*/ 2118360 w 2294325"/>
+                <a:gd name="connsiteY2" fmla="*/ 565150 h 2215320"/>
+                <a:gd name="connsiteX3" fmla="*/ 2186528 w 2294325"/>
+                <a:gd name="connsiteY3" fmla="*/ 1303764 h 2215320"/>
+                <a:gd name="connsiteX4" fmla="*/ 2069604 w 2294325"/>
+                <a:gd name="connsiteY4" fmla="*/ 2095852 h 2215320"/>
+                <a:gd name="connsiteX5" fmla="*/ 838200 w 2294325"/>
+                <a:gd name="connsiteY5" fmla="*/ 2020570 h 2215320"/>
+                <a:gd name="connsiteX6" fmla="*/ 15240 w 2294325"/>
+                <a:gd name="connsiteY6" fmla="*/ 1769110 h 2215320"/>
+                <a:gd name="connsiteX0" fmla="*/ 0 w 2294325"/>
+                <a:gd name="connsiteY0" fmla="*/ 146050 h 2215320"/>
+                <a:gd name="connsiteX1" fmla="*/ 1287780 w 2294325"/>
+                <a:gd name="connsiteY1" fmla="*/ 69850 h 2215320"/>
+                <a:gd name="connsiteX2" fmla="*/ 2118360 w 2294325"/>
+                <a:gd name="connsiteY2" fmla="*/ 565150 h 2215320"/>
+                <a:gd name="connsiteX3" fmla="*/ 2186528 w 2294325"/>
+                <a:gd name="connsiteY3" fmla="*/ 1303764 h 2215320"/>
+                <a:gd name="connsiteX4" fmla="*/ 2069604 w 2294325"/>
+                <a:gd name="connsiteY4" fmla="*/ 2095852 h 2215320"/>
+                <a:gd name="connsiteX5" fmla="*/ 838200 w 2294325"/>
+                <a:gd name="connsiteY5" fmla="*/ 2020570 h 2215320"/>
+                <a:gd name="connsiteX6" fmla="*/ 15240 w 2294325"/>
+                <a:gd name="connsiteY6" fmla="*/ 1769110 h 2215320"/>
+                <a:gd name="connsiteX0" fmla="*/ 0 w 2282324"/>
+                <a:gd name="connsiteY0" fmla="*/ 146050 h 2203318"/>
+                <a:gd name="connsiteX1" fmla="*/ 1287780 w 2282324"/>
+                <a:gd name="connsiteY1" fmla="*/ 69850 h 2203318"/>
+                <a:gd name="connsiteX2" fmla="*/ 2118360 w 2282324"/>
+                <a:gd name="connsiteY2" fmla="*/ 565150 h 2203318"/>
+                <a:gd name="connsiteX3" fmla="*/ 2114520 w 2282324"/>
+                <a:gd name="connsiteY3" fmla="*/ 1375772 h 2203318"/>
+                <a:gd name="connsiteX4" fmla="*/ 2069604 w 2282324"/>
+                <a:gd name="connsiteY4" fmla="*/ 2095852 h 2203318"/>
+                <a:gd name="connsiteX5" fmla="*/ 838200 w 2282324"/>
+                <a:gd name="connsiteY5" fmla="*/ 2020570 h 2203318"/>
+                <a:gd name="connsiteX6" fmla="*/ 15240 w 2282324"/>
+                <a:gd name="connsiteY6" fmla="*/ 1769110 h 2203318"/>
+                <a:gd name="connsiteX0" fmla="*/ 0 w 2285628"/>
+                <a:gd name="connsiteY0" fmla="*/ 146050 h 2179861"/>
+                <a:gd name="connsiteX1" fmla="*/ 1287780 w 2285628"/>
+                <a:gd name="connsiteY1" fmla="*/ 69850 h 2179861"/>
+                <a:gd name="connsiteX2" fmla="*/ 2118360 w 2285628"/>
+                <a:gd name="connsiteY2" fmla="*/ 565150 h 2179861"/>
+                <a:gd name="connsiteX3" fmla="*/ 2114520 w 2285628"/>
+                <a:gd name="connsiteY3" fmla="*/ 1375772 h 2179861"/>
+                <a:gd name="connsiteX4" fmla="*/ 2069604 w 2285628"/>
+                <a:gd name="connsiteY4" fmla="*/ 2095852 h 2179861"/>
+                <a:gd name="connsiteX5" fmla="*/ 818376 w 2285628"/>
+                <a:gd name="connsiteY5" fmla="*/ 1879828 h 2179861"/>
+                <a:gd name="connsiteX6" fmla="*/ 15240 w 2285628"/>
+                <a:gd name="connsiteY6" fmla="*/ 1769110 h 2179861"/>
+                <a:gd name="connsiteX0" fmla="*/ 0 w 2285628"/>
+                <a:gd name="connsiteY0" fmla="*/ 146050 h 2179861"/>
+                <a:gd name="connsiteX1" fmla="*/ 1287780 w 2285628"/>
+                <a:gd name="connsiteY1" fmla="*/ 69850 h 2179861"/>
+                <a:gd name="connsiteX2" fmla="*/ 2118360 w 2285628"/>
+                <a:gd name="connsiteY2" fmla="*/ 565150 h 2179861"/>
+                <a:gd name="connsiteX3" fmla="*/ 2114520 w 2285628"/>
+                <a:gd name="connsiteY3" fmla="*/ 1375772 h 2179861"/>
+                <a:gd name="connsiteX4" fmla="*/ 2069604 w 2285628"/>
+                <a:gd name="connsiteY4" fmla="*/ 2095852 h 2179861"/>
+                <a:gd name="connsiteX5" fmla="*/ 818376 w 2285628"/>
+                <a:gd name="connsiteY5" fmla="*/ 1879828 h 2179861"/>
+                <a:gd name="connsiteX6" fmla="*/ 15240 w 2285628"/>
+                <a:gd name="connsiteY6" fmla="*/ 1769110 h 2179861"/>
+              </a:gdLst>
+              <a:ahLst/>
+              <a:cxnLst>
+                <a:cxn ang="0">
+                  <a:pos x="connsiteX0" y="connsiteY0"/>
+                </a:cxn>
+                <a:cxn ang="0">
+                  <a:pos x="connsiteX1" y="connsiteY1"/>
+                </a:cxn>
+                <a:cxn ang="0">
+                  <a:pos x="connsiteX2" y="connsiteY2"/>
+                </a:cxn>
+                <a:cxn ang="0">
+                  <a:pos x="connsiteX3" y="connsiteY3"/>
+                </a:cxn>
+                <a:cxn ang="0">
+                  <a:pos x="connsiteX4" y="connsiteY4"/>
+                </a:cxn>
+                <a:cxn ang="0">
+                  <a:pos x="connsiteX5" y="connsiteY5"/>
+                </a:cxn>
+                <a:cxn ang="0">
+                  <a:pos x="connsiteX6" y="connsiteY6"/>
+                </a:cxn>
+              </a:cxnLst>
+              <a:rect l="l" t="t" r="r" b="b"/>
+              <a:pathLst>
+                <a:path w="2285628" h="2179861">
+                  <a:moveTo>
+                    <a:pt x="0" y="146050"/>
+                  </a:moveTo>
+                  <a:cubicBezTo>
+                    <a:pt x="467360" y="73025"/>
+                    <a:pt x="934720" y="0"/>
+                    <a:pt x="1287780" y="69850"/>
+                  </a:cubicBezTo>
+                  <a:cubicBezTo>
+                    <a:pt x="1640840" y="139700"/>
+                    <a:pt x="1980570" y="347496"/>
+                    <a:pt x="2118360" y="565150"/>
+                  </a:cubicBezTo>
+                  <a:cubicBezTo>
+                    <a:pt x="2256150" y="782804"/>
+                    <a:pt x="2156926" y="1097403"/>
+                    <a:pt x="2114520" y="1375772"/>
+                  </a:cubicBezTo>
+                  <a:cubicBezTo>
+                    <a:pt x="2155914" y="1670889"/>
+                    <a:pt x="2285628" y="2011843"/>
+                    <a:pt x="2069604" y="2095852"/>
+                  </a:cubicBezTo>
+                  <a:cubicBezTo>
+                    <a:pt x="1853580" y="2179861"/>
+                    <a:pt x="1160770" y="1934285"/>
+                    <a:pt x="818376" y="1879828"/>
+                  </a:cubicBezTo>
+                  <a:cubicBezTo>
+                    <a:pt x="475982" y="1825371"/>
+                    <a:pt x="298921" y="1764030"/>
+                    <a:pt x="15240" y="1769110"/>
+                  </a:cubicBezTo>
+                </a:path>
+              </a:pathLst>
+            </a:custGeom>
+            <a:noFill/>
+            <a:ln w="22225">
+              <a:solidFill>
+                <a:schemeClr val="tx1"/>
+              </a:solidFill>
+              <a:prstDash val="dash"/>
+            </a:ln>
+          </p:spPr>
+          <p:style>
+            <a:lnRef idx="1">
+              <a:schemeClr val="accent1"/>
+            </a:lnRef>
+            <a:fillRef idx="0">
+              <a:schemeClr val="accent1"/>
+            </a:fillRef>
+            <a:effectRef idx="0">
+              <a:schemeClr val="accent1"/>
+            </a:effectRef>
+            <a:fontRef idx="minor">
+              <a:schemeClr val="tx1"/>
+            </a:fontRef>
+          </p:style>
+          <p:txBody>
+            <a:bodyPr rtlCol="0" anchor="ctr"/>
+            <a:lstStyle/>
+            <a:p>
+              <a:pPr algn="ctr"/>
+              <a:endParaRPr lang="fr-BE"/>
+            </a:p>
+          </p:txBody>
+        </p:sp>
+        <p:sp>
+          <p:nvSpPr>
+            <p:cNvPr id="7" name="ZoneTexte 6"/>
+            <p:cNvSpPr txBox="1"/>
+            <p:nvPr/>
+          </p:nvSpPr>
+          <p:spPr>
+            <a:xfrm>
+              <a:off x="357915" y="2977207"/>
+              <a:ext cx="1189749" cy="307777"/>
+            </a:xfrm>
+            <a:prstGeom prst="rect">
+              <a:avLst/>
+            </a:prstGeom>
+            <a:noFill/>
+          </p:spPr>
+          <p:txBody>
+            <a:bodyPr wrap="none" rtlCol="0">
+              <a:spAutoFit/>
+            </a:bodyPr>
+            <a:lstStyle/>
+            <a:p>
+              <a:r>
+                <a:rPr lang="fr-BE" sz="1400" noProof="1" smtClean="0">
+                  <a:latin typeface="Arial" pitchFamily="34" charset="0"/>
+                  <a:cs typeface="Arial" pitchFamily="34" charset="0"/>
+                </a:rPr>
+                <a:t>consolidated</a:t>
+              </a:r>
+              <a:endParaRPr lang="fr-BE" sz="1400" noProof="1">
+                <a:latin typeface="Arial" pitchFamily="34" charset="0"/>
+                <a:cs typeface="Arial" pitchFamily="34" charset="0"/>
+              </a:endParaRPr>
             </a:p>
           </p:txBody>
         </p:sp>
@@ -19530,125 +26148,98 @@
           <a:chExt cx="0" cy="0"/>
         </a:xfrm>
       </p:grpSpPr>
-      <p:sp>
-        <p:nvSpPr>
-          <p:cNvPr id="28" name="Rectangle 27"/>
-          <p:cNvSpPr/>
-          <p:nvPr/>
-        </p:nvSpPr>
-        <p:spPr>
-          <a:xfrm>
-            <a:off x="500034" y="214290"/>
-            <a:ext cx="7500990" cy="5715040"/>
-          </a:xfrm>
-          <a:prstGeom prst="rect">
-            <a:avLst/>
-          </a:prstGeom>
-          <a:ln w="3175"/>
-        </p:spPr>
-        <p:style>
-          <a:lnRef idx="2">
-            <a:schemeClr val="dk1"/>
-          </a:lnRef>
-          <a:fillRef idx="1">
-            <a:schemeClr val="lt1"/>
-          </a:fillRef>
-          <a:effectRef idx="0">
-            <a:schemeClr val="dk1"/>
-          </a:effectRef>
-          <a:fontRef idx="minor">
-            <a:schemeClr val="dk1"/>
-          </a:fontRef>
-        </p:style>
-        <p:txBody>
-          <a:bodyPr rtlCol="0" anchor="ctr"/>
-          <a:lstStyle/>
-          <a:p>
-            <a:pPr algn="ctr"/>
-            <a:endParaRPr lang="fr-BE"/>
-          </a:p>
-        </p:txBody>
-      </p:sp>
-      <p:sp>
-        <p:nvSpPr>
-          <p:cNvPr id="5" name="ZoneTexte 4"/>
-          <p:cNvSpPr txBox="1"/>
-          <p:nvPr/>
-        </p:nvSpPr>
-        <p:spPr>
-          <a:xfrm>
-            <a:off x="785786" y="967071"/>
-            <a:ext cx="1378904" cy="461665"/>
-          </a:xfrm>
-          <a:prstGeom prst="rect">
-            <a:avLst/>
-          </a:prstGeom>
-          <a:noFill/>
-        </p:spPr>
-        <p:txBody>
-          <a:bodyPr wrap="none" rtlCol="0">
-            <a:spAutoFit/>
-          </a:bodyPr>
-          <a:lstStyle/>
-          <a:p>
-            <a:pPr algn="r"/>
-            <a:r>
-              <a:rPr lang="fr-BE" sz="2400" dirty="0" smtClean="0"/>
-              <a:t>Scenarios</a:t>
-            </a:r>
-          </a:p>
-        </p:txBody>
-      </p:sp>
-      <p:pic>
-        <p:nvPicPr>
-          <p:cNvPr id="2051" name="Picture 3" descr="C:\Users\blambeau\Documents\thesis\writing\src\4-inductive\images\composed.png"/>
-          <p:cNvPicPr>
-            <a:picLocks noChangeAspect="1" noChangeArrowheads="1"/>
-          </p:cNvPicPr>
-          <p:nvPr/>
-        </p:nvPicPr>
-        <p:blipFill>
-          <a:blip r:embed="rId2" cstate="print"/>
-          <a:srcRect/>
-          <a:stretch>
-            <a:fillRect/>
-          </a:stretch>
-        </p:blipFill>
-        <p:spPr bwMode="auto">
-          <a:xfrm>
-            <a:off x="2360328" y="2786059"/>
-            <a:ext cx="3250331" cy="857255"/>
-          </a:xfrm>
-          <a:prstGeom prst="rect">
-            <a:avLst/>
-          </a:prstGeom>
-          <a:noFill/>
-        </p:spPr>
-      </p:pic>
       <p:grpSp>
         <p:nvGrpSpPr>
-          <p:cNvPr id="15" name="Groupe 14"/>
+          <p:cNvPr id="21" name="Groupe 20"/>
           <p:cNvGrpSpPr/>
           <p:nvPr/>
         </p:nvGrpSpPr>
         <p:grpSpPr>
           <a:xfrm>
-            <a:off x="2346473" y="4867760"/>
-            <a:ext cx="3151217" cy="847256"/>
-            <a:chOff x="1828089" y="5405409"/>
-            <a:chExt cx="3151217" cy="847256"/>
+            <a:off x="899592" y="72008"/>
+            <a:ext cx="7086424" cy="6669360"/>
+            <a:chOff x="899592" y="72008"/>
+            <a:chExt cx="7086424" cy="6669360"/>
           </a:xfrm>
         </p:grpSpPr>
+        <p:sp>
+          <p:nvSpPr>
+            <p:cNvPr id="28" name="Rectangle 27"/>
+            <p:cNvSpPr/>
+            <p:nvPr/>
+          </p:nvSpPr>
+          <p:spPr>
+            <a:xfrm>
+              <a:off x="899592" y="72008"/>
+              <a:ext cx="7086424" cy="6669360"/>
+            </a:xfrm>
+            <a:prstGeom prst="rect">
+              <a:avLst/>
+            </a:prstGeom>
+            <a:ln w="3175"/>
+          </p:spPr>
+          <p:style>
+            <a:lnRef idx="2">
+              <a:schemeClr val="dk1"/>
+            </a:lnRef>
+            <a:fillRef idx="1">
+              <a:schemeClr val="lt1"/>
+            </a:fillRef>
+            <a:effectRef idx="0">
+              <a:schemeClr val="dk1"/>
+            </a:effectRef>
+            <a:fontRef idx="minor">
+              <a:schemeClr val="dk1"/>
+            </a:fontRef>
+          </p:style>
+          <p:txBody>
+            <a:bodyPr rtlCol="0" anchor="ctr"/>
+            <a:lstStyle/>
+            <a:p>
+              <a:pPr algn="ctr"/>
+              <a:endParaRPr lang="fr-BE"/>
+            </a:p>
+          </p:txBody>
+        </p:sp>
+        <p:sp>
+          <p:nvSpPr>
+            <p:cNvPr id="5" name="ZoneTexte 4"/>
+            <p:cNvSpPr txBox="1"/>
+            <p:nvPr/>
+          </p:nvSpPr>
+          <p:spPr>
+            <a:xfrm>
+              <a:off x="987901" y="910793"/>
+              <a:ext cx="1378904" cy="461665"/>
+            </a:xfrm>
+            <a:prstGeom prst="rect">
+              <a:avLst/>
+            </a:prstGeom>
+            <a:noFill/>
+          </p:spPr>
+          <p:txBody>
+            <a:bodyPr wrap="none" rtlCol="0">
+              <a:spAutoFit/>
+            </a:bodyPr>
+            <a:lstStyle/>
+            <a:p>
+              <a:r>
+                <a:rPr lang="fr-BE" sz="2400" dirty="0" smtClean="0"/>
+                <a:t>Scenarios</a:t>
+              </a:r>
+            </a:p>
+          </p:txBody>
+        </p:sp>
         <p:pic>
           <p:nvPicPr>
-            <p:cNvPr id="10" name="Picture 6" descr="D:\blambeau\Work\ucl\thesis\writing\src\2-framework\images\controller.png"/>
+            <p:cNvPr id="2051" name="Picture 3" descr="C:\Users\blambeau\Documents\thesis\writing\src\4-inductive\images\composed.png"/>
             <p:cNvPicPr>
               <a:picLocks noChangeAspect="1" noChangeArrowheads="1"/>
             </p:cNvPicPr>
             <p:nvPr/>
           </p:nvPicPr>
           <p:blipFill>
-            <a:blip r:embed="rId3" cstate="print"/>
+            <a:blip r:embed="rId2" cstate="print"/>
             <a:srcRect/>
             <a:stretch>
               <a:fillRect/>
@@ -19656,8 +26247,8 @@
           </p:blipFill>
           <p:spPr bwMode="auto">
             <a:xfrm>
-              <a:off x="1828089" y="5462992"/>
-              <a:ext cx="1985491" cy="662815"/>
+              <a:off x="2869262" y="3035208"/>
+              <a:ext cx="4496330" cy="1185880"/>
             </a:xfrm>
             <a:prstGeom prst="rect">
               <a:avLst/>
@@ -19665,68 +26256,139 @@
             <a:noFill/>
           </p:spPr>
         </p:pic>
-        <p:pic>
-          <p:nvPicPr>
-            <p:cNvPr id="12" name="Picture 9" descr="D:\blambeau\Work\ucl\thesis\writing\src\2-framework\images\open-close.png"/>
-            <p:cNvPicPr>
-              <a:picLocks noChangeAspect="1" noChangeArrowheads="1"/>
-            </p:cNvPicPr>
-            <p:nvPr/>
-          </p:nvPicPr>
-          <p:blipFill>
-            <a:blip r:embed="rId4" cstate="print"/>
-            <a:srcRect/>
-            <a:stretch>
-              <a:fillRect/>
-            </a:stretch>
-          </p:blipFill>
-          <p:spPr bwMode="auto">
+        <p:grpSp>
+          <p:nvGrpSpPr>
+            <p:cNvPr id="15" name="Groupe 14"/>
+            <p:cNvGrpSpPr/>
+            <p:nvPr/>
+          </p:nvGrpSpPr>
+          <p:grpSpPr>
             <a:xfrm>
-              <a:off x="4149488" y="5877761"/>
-              <a:ext cx="829818" cy="374904"/>
-            </a:xfrm>
-            <a:prstGeom prst="rect">
-              <a:avLst/>
-            </a:prstGeom>
-            <a:noFill/>
-          </p:spPr>
-        </p:pic>
-        <p:pic>
-          <p:nvPicPr>
-            <p:cNvPr id="13" name="Picture 10" descr="D:\blambeau\Work\ucl\thesis\writing\src\2-framework\images\start-stop-2.png"/>
-            <p:cNvPicPr>
-              <a:picLocks noChangeAspect="1" noChangeArrowheads="1"/>
-            </p:cNvPicPr>
-            <p:nvPr/>
-          </p:nvPicPr>
-          <p:blipFill>
-            <a:blip r:embed="rId5" cstate="print"/>
-            <a:srcRect/>
-            <a:stretch>
-              <a:fillRect/>
-            </a:stretch>
-          </p:blipFill>
-          <p:spPr bwMode="auto">
-            <a:xfrm>
-              <a:off x="4164728" y="5405409"/>
-              <a:ext cx="786384" cy="368046"/>
-            </a:xfrm>
-            <a:prstGeom prst="rect">
-              <a:avLst/>
-            </a:prstGeom>
-            <a:noFill/>
-          </p:spPr>
-        </p:pic>
+              <a:off x="2771800" y="5398193"/>
+              <a:ext cx="4872126" cy="1217399"/>
+              <a:chOff x="1945463" y="5467926"/>
+              <a:chExt cx="3158040" cy="784739"/>
+            </a:xfrm>
+          </p:grpSpPr>
+          <p:pic>
+            <p:nvPicPr>
+              <p:cNvPr id="10" name="Picture 6" descr="D:\blambeau\Work\ucl\thesis\writing\src\2-framework\images\controller.png"/>
+              <p:cNvPicPr>
+                <a:picLocks noChangeAspect="1" noChangeArrowheads="1"/>
+              </p:cNvPicPr>
+              <p:nvPr/>
+            </p:nvPicPr>
+            <p:blipFill>
+              <a:blip r:embed="rId3" cstate="print"/>
+              <a:srcRect/>
+              <a:stretch>
+                <a:fillRect/>
+              </a:stretch>
+            </p:blipFill>
+            <p:spPr bwMode="auto">
+              <a:xfrm>
+                <a:off x="1945463" y="5531676"/>
+                <a:ext cx="1985491" cy="662815"/>
+              </a:xfrm>
+              <a:prstGeom prst="rect">
+                <a:avLst/>
+              </a:prstGeom>
+              <a:noFill/>
+            </p:spPr>
+          </p:pic>
+          <p:pic>
+            <p:nvPicPr>
+              <p:cNvPr id="12" name="Picture 9" descr="D:\blambeau\Work\ucl\thesis\writing\src\2-framework\images\open-close.png"/>
+              <p:cNvPicPr>
+                <a:picLocks noChangeAspect="1" noChangeArrowheads="1"/>
+              </p:cNvPicPr>
+              <p:nvPr/>
+            </p:nvPicPr>
+            <p:blipFill>
+              <a:blip r:embed="rId4" cstate="print"/>
+              <a:srcRect/>
+              <a:stretch>
+                <a:fillRect/>
+              </a:stretch>
+            </p:blipFill>
+            <p:spPr bwMode="auto">
+              <a:xfrm>
+                <a:off x="4273685" y="5877761"/>
+                <a:ext cx="829818" cy="374904"/>
+              </a:xfrm>
+              <a:prstGeom prst="rect">
+                <a:avLst/>
+              </a:prstGeom>
+              <a:noFill/>
+            </p:spPr>
+          </p:pic>
+          <p:pic>
+            <p:nvPicPr>
+              <p:cNvPr id="13" name="Picture 10" descr="D:\blambeau\Work\ucl\thesis\writing\src\2-framework\images\start-stop-2.png"/>
+              <p:cNvPicPr>
+                <a:picLocks noChangeAspect="1" noChangeArrowheads="1"/>
+              </p:cNvPicPr>
+              <p:nvPr/>
+            </p:nvPicPr>
+            <p:blipFill>
+              <a:blip r:embed="rId5" cstate="print"/>
+              <a:srcRect/>
+              <a:stretch>
+                <a:fillRect/>
+              </a:stretch>
+            </p:blipFill>
+            <p:spPr bwMode="auto">
+              <a:xfrm>
+                <a:off x="4288925" y="5467926"/>
+                <a:ext cx="786384" cy="368046"/>
+              </a:xfrm>
+              <a:prstGeom prst="rect">
+                <a:avLst/>
+              </a:prstGeom>
+              <a:noFill/>
+            </p:spPr>
+          </p:pic>
+          <p:sp>
+            <p:nvSpPr>
+              <p:cNvPr id="14" name="ZoneTexte 13"/>
+              <p:cNvSpPr txBox="1"/>
+              <p:nvPr/>
+            </p:nvSpPr>
+            <p:spPr>
+              <a:xfrm>
+                <a:off x="3968395" y="5695344"/>
+                <a:ext cx="341640" cy="311762"/>
+              </a:xfrm>
+              <a:prstGeom prst="rect">
+                <a:avLst/>
+              </a:prstGeom>
+              <a:noFill/>
+            </p:spPr>
+            <p:txBody>
+              <a:bodyPr wrap="square" rtlCol="0">
+                <a:spAutoFit/>
+              </a:bodyPr>
+              <a:lstStyle/>
+              <a:p>
+                <a:r>
+                  <a:rPr lang="fr-BE" sz="2800" b="1" dirty="0" smtClean="0"/>
+                  <a:t>||</a:t>
+                </a:r>
+                <a:endParaRPr lang="fr-BE" sz="2800" b="1" dirty="0"/>
+              </a:p>
+            </p:txBody>
+          </p:sp>
+        </p:grpSp>
         <p:sp>
           <p:nvSpPr>
-            <p:cNvPr id="14" name="ZoneTexte 13"/>
+            <p:cNvPr id="18" name="ZoneTexte 17"/>
             <p:cNvSpPr txBox="1"/>
             <p:nvPr/>
           </p:nvSpPr>
           <p:spPr>
             <a:xfrm>
-              <a:off x="3781719" y="5602013"/>
-              <a:ext cx="428322" cy="400110"/>
+              <a:off x="987901" y="3544311"/>
+              <a:ext cx="1540165" cy="461665"/>
             </a:xfrm>
             <a:prstGeom prst="rect">
               <a:avLst/>
@@ -19740,442 +26402,414 @@
             <a:lstStyle/>
             <a:p>
               <a:r>
-                <a:rPr lang="fr-BE" sz="2000" b="1" dirty="0" smtClean="0"/>
-                <a:t>||</a:t>
+                <a:rPr lang="fr-BE" sz="2400" dirty="0" smtClean="0"/>
+                <a:t>System LTS</a:t>
               </a:r>
-              <a:endParaRPr lang="fr-BE" sz="2000" b="1" dirty="0"/>
+            </a:p>
+          </p:txBody>
+        </p:sp>
+        <p:sp>
+          <p:nvSpPr>
+            <p:cNvPr id="19" name="ZoneTexte 18"/>
+            <p:cNvSpPr txBox="1"/>
+            <p:nvPr/>
+          </p:nvSpPr>
+          <p:spPr>
+            <a:xfrm>
+              <a:off x="987901" y="5808213"/>
+              <a:ext cx="1503105" cy="461665"/>
+            </a:xfrm>
+            <a:prstGeom prst="rect">
+              <a:avLst/>
+            </a:prstGeom>
+            <a:noFill/>
+          </p:spPr>
+          <p:txBody>
+            <a:bodyPr wrap="square" rtlCol="0">
+              <a:spAutoFit/>
+            </a:bodyPr>
+            <a:lstStyle/>
+            <a:p>
+              <a:r>
+                <a:rPr lang="fr-BE" sz="2400" dirty="0" smtClean="0"/>
+                <a:t>Agent </a:t>
+              </a:r>
+              <a:r>
+                <a:rPr lang="fr-BE" sz="2400" dirty="0" err="1" smtClean="0"/>
+                <a:t>LTSs</a:t>
+              </a:r>
+              <a:endParaRPr lang="fr-BE" sz="2400" dirty="0" smtClean="0"/>
+            </a:p>
+          </p:txBody>
+        </p:sp>
+        <p:sp>
+          <p:nvSpPr>
+            <p:cNvPr id="25" name="ZoneTexte 24"/>
+            <p:cNvSpPr txBox="1"/>
+            <p:nvPr/>
+          </p:nvSpPr>
+          <p:spPr>
+            <a:xfrm>
+              <a:off x="4387326" y="2190439"/>
+              <a:ext cx="2776962" cy="707886"/>
+            </a:xfrm>
+            <a:prstGeom prst="rect">
+              <a:avLst/>
+            </a:prstGeom>
+            <a:noFill/>
+          </p:spPr>
+          <p:txBody>
+            <a:bodyPr wrap="square" rtlCol="0">
+              <a:spAutoFit/>
+            </a:bodyPr>
+            <a:lstStyle/>
+            <a:p>
+              <a:r>
+                <a:rPr lang="fr-BE" sz="2000" i="1" dirty="0" err="1" smtClean="0"/>
+                <a:t>Generalization</a:t>
+              </a:r>
+              <a:endParaRPr lang="fr-BE" sz="2000" i="1" dirty="0" smtClean="0"/>
+            </a:p>
+            <a:p>
+              <a:r>
+                <a:rPr lang="fr-BE" sz="2000" i="1" dirty="0" smtClean="0"/>
+                <a:t>(</a:t>
+              </a:r>
+              <a:r>
+                <a:rPr lang="fr-BE" sz="2000" i="1" dirty="0" err="1" smtClean="0"/>
+                <a:t>grammar</a:t>
+              </a:r>
+              <a:r>
+                <a:rPr lang="fr-BE" sz="2000" i="1" dirty="0" smtClean="0"/>
+                <a:t> </a:t>
+              </a:r>
+              <a:r>
+                <a:rPr lang="fr-BE" sz="2000" i="1" dirty="0" smtClean="0"/>
+                <a:t>induction)</a:t>
+              </a:r>
+              <a:endParaRPr lang="fr-BE" sz="2000" i="1" dirty="0"/>
+            </a:p>
+          </p:txBody>
+        </p:sp>
+        <p:sp>
+          <p:nvSpPr>
+            <p:cNvPr id="26" name="ZoneTexte 25"/>
+            <p:cNvSpPr txBox="1"/>
+            <p:nvPr/>
+          </p:nvSpPr>
+          <p:spPr>
+            <a:xfrm>
+              <a:off x="4387326" y="4487680"/>
+              <a:ext cx="3281018" cy="707886"/>
+            </a:xfrm>
+            <a:prstGeom prst="rect">
+              <a:avLst/>
+            </a:prstGeom>
+            <a:noFill/>
+          </p:spPr>
+          <p:txBody>
+            <a:bodyPr wrap="square" rtlCol="0">
+              <a:spAutoFit/>
+            </a:bodyPr>
+            <a:lstStyle/>
+            <a:p>
+              <a:r>
+                <a:rPr lang="fr-BE" sz="2000" i="1" dirty="0" err="1" smtClean="0"/>
+                <a:t>Decomposition</a:t>
+              </a:r>
+              <a:endParaRPr lang="fr-BE" sz="2000" i="1" dirty="0" smtClean="0"/>
+            </a:p>
+            <a:p>
+              <a:r>
+                <a:rPr lang="fr-BE" sz="2000" i="1" dirty="0" smtClean="0"/>
+                <a:t>(</a:t>
+              </a:r>
+              <a:r>
+                <a:rPr lang="fr-BE" sz="2000" i="1" dirty="0" err="1" smtClean="0"/>
+                <a:t>hiding</a:t>
+              </a:r>
+              <a:r>
+                <a:rPr lang="fr-BE" sz="2000" i="1" dirty="0" smtClean="0"/>
+                <a:t> + </a:t>
+              </a:r>
+              <a:r>
+                <a:rPr lang="fr-BE" sz="2000" i="1" dirty="0" err="1" smtClean="0"/>
+                <a:t>determ</a:t>
+              </a:r>
+              <a:r>
+                <a:rPr lang="fr-BE" sz="2000" i="1" dirty="0" smtClean="0"/>
+                <a:t>. + </a:t>
+              </a:r>
+              <a:r>
+                <a:rPr lang="fr-BE" sz="2000" i="1" dirty="0" err="1" smtClean="0"/>
+                <a:t>minimize</a:t>
+              </a:r>
+              <a:r>
+                <a:rPr lang="fr-BE" sz="2000" i="1" dirty="0" smtClean="0"/>
+                <a:t>)</a:t>
+              </a:r>
+              <a:endParaRPr lang="fr-BE" sz="2000" i="1" dirty="0"/>
+            </a:p>
+          </p:txBody>
+        </p:sp>
+        <p:grpSp>
+          <p:nvGrpSpPr>
+            <p:cNvPr id="33" name="Groupe 32"/>
+            <p:cNvGrpSpPr/>
+            <p:nvPr/>
+          </p:nvGrpSpPr>
+          <p:grpSpPr>
+            <a:xfrm>
+              <a:off x="2896482" y="188640"/>
+              <a:ext cx="4122276" cy="1994846"/>
+              <a:chOff x="2828695" y="1643050"/>
+              <a:chExt cx="2671999" cy="1285884"/>
+            </a:xfrm>
+          </p:grpSpPr>
+          <p:pic>
+            <p:nvPicPr>
+              <p:cNvPr id="32" name="Picture 5" descr="D:\blambeau\Work\ucl\thesis\writing\src\2-framework\images\simple-scenario.png"/>
+              <p:cNvPicPr>
+                <a:picLocks noChangeAspect="1" noChangeArrowheads="1"/>
+              </p:cNvPicPr>
+              <p:nvPr/>
+            </p:nvPicPr>
+            <p:blipFill>
+              <a:blip r:embed="rId6" cstate="print"/>
+              <a:srcRect/>
+              <a:stretch>
+                <a:fillRect/>
+              </a:stretch>
+            </p:blipFill>
+            <p:spPr bwMode="auto">
+              <a:xfrm>
+                <a:off x="2999281" y="1643050"/>
+                <a:ext cx="2501413" cy="1143008"/>
+              </a:xfrm>
+              <a:prstGeom prst="rect">
+                <a:avLst/>
+              </a:prstGeom>
+              <a:solidFill>
+                <a:schemeClr val="bg1"/>
+              </a:solidFill>
+            </p:spPr>
+          </p:pic>
+          <p:pic>
+            <p:nvPicPr>
+              <p:cNvPr id="31" name="Picture 5" descr="D:\blambeau\Work\ucl\thesis\writing\src\2-framework\images\simple-scenario.png"/>
+              <p:cNvPicPr>
+                <a:picLocks noChangeAspect="1" noChangeArrowheads="1"/>
+              </p:cNvPicPr>
+              <p:nvPr/>
+            </p:nvPicPr>
+            <p:blipFill>
+              <a:blip r:embed="rId6" cstate="print"/>
+              <a:srcRect/>
+              <a:stretch>
+                <a:fillRect/>
+              </a:stretch>
+            </p:blipFill>
+            <p:spPr bwMode="auto">
+              <a:xfrm>
+                <a:off x="2927843" y="1714488"/>
+                <a:ext cx="2501413" cy="1143008"/>
+              </a:xfrm>
+              <a:prstGeom prst="rect">
+                <a:avLst/>
+              </a:prstGeom>
+              <a:solidFill>
+                <a:schemeClr val="bg1"/>
+              </a:solidFill>
+            </p:spPr>
+          </p:pic>
+          <p:pic>
+            <p:nvPicPr>
+              <p:cNvPr id="6" name="Picture 5" descr="D:\blambeau\Work\ucl\thesis\writing\src\2-framework\images\simple-scenario.png"/>
+              <p:cNvPicPr>
+                <a:picLocks noChangeAspect="1" noChangeArrowheads="1"/>
+              </p:cNvPicPr>
+              <p:nvPr/>
+            </p:nvPicPr>
+            <p:blipFill>
+              <a:blip r:embed="rId6" cstate="print"/>
+              <a:srcRect/>
+              <a:stretch>
+                <a:fillRect/>
+              </a:stretch>
+            </p:blipFill>
+            <p:spPr bwMode="auto">
+              <a:xfrm>
+                <a:off x="2828695" y="1785926"/>
+                <a:ext cx="2501413" cy="1143008"/>
+              </a:xfrm>
+              <a:prstGeom prst="rect">
+                <a:avLst/>
+              </a:prstGeom>
+              <a:solidFill>
+                <a:schemeClr val="bg1"/>
+              </a:solidFill>
+            </p:spPr>
+          </p:pic>
+        </p:grpSp>
+        <p:sp>
+          <p:nvSpPr>
+            <p:cNvPr id="22" name="Forme libre 21"/>
+            <p:cNvSpPr/>
+            <p:nvPr/>
+          </p:nvSpPr>
+          <p:spPr>
+            <a:xfrm>
+              <a:off x="3958699" y="2132856"/>
+              <a:ext cx="142876" cy="857256"/>
+            </a:xfrm>
+            <a:custGeom>
+              <a:avLst/>
+              <a:gdLst>
+                <a:gd name="connsiteX0" fmla="*/ 13855 w 417945"/>
+                <a:gd name="connsiteY0" fmla="*/ 0 h 1731818"/>
+                <a:gd name="connsiteX1" fmla="*/ 415636 w 417945"/>
+                <a:gd name="connsiteY1" fmla="*/ 831272 h 1731818"/>
+                <a:gd name="connsiteX2" fmla="*/ 0 w 417945"/>
+                <a:gd name="connsiteY2" fmla="*/ 1731818 h 1731818"/>
+              </a:gdLst>
+              <a:ahLst/>
+              <a:cxnLst>
+                <a:cxn ang="0">
+                  <a:pos x="connsiteX0" y="connsiteY0"/>
+                </a:cxn>
+                <a:cxn ang="0">
+                  <a:pos x="connsiteX1" y="connsiteY1"/>
+                </a:cxn>
+                <a:cxn ang="0">
+                  <a:pos x="connsiteX2" y="connsiteY2"/>
+                </a:cxn>
+              </a:cxnLst>
+              <a:rect l="l" t="t" r="r" b="b"/>
+              <a:pathLst>
+                <a:path w="417945" h="1731818">
+                  <a:moveTo>
+                    <a:pt x="13855" y="0"/>
+                  </a:moveTo>
+                  <a:cubicBezTo>
+                    <a:pt x="215900" y="271318"/>
+                    <a:pt x="417945" y="542636"/>
+                    <a:pt x="415636" y="831272"/>
+                  </a:cubicBezTo>
+                  <a:cubicBezTo>
+                    <a:pt x="413327" y="1119908"/>
+                    <a:pt x="206663" y="1425863"/>
+                    <a:pt x="0" y="1731818"/>
+                  </a:cubicBezTo>
+                </a:path>
+              </a:pathLst>
+            </a:custGeom>
+            <a:ln w="38100">
+              <a:tailEnd type="triangle" w="med" len="lg"/>
+            </a:ln>
+          </p:spPr>
+          <p:style>
+            <a:lnRef idx="2">
+              <a:schemeClr val="dk1"/>
+            </a:lnRef>
+            <a:fillRef idx="0">
+              <a:schemeClr val="dk1"/>
+            </a:fillRef>
+            <a:effectRef idx="1">
+              <a:schemeClr val="dk1"/>
+            </a:effectRef>
+            <a:fontRef idx="minor">
+              <a:schemeClr val="tx1"/>
+            </a:fontRef>
+          </p:style>
+          <p:txBody>
+            <a:bodyPr rtlCol="0" anchor="ctr"/>
+            <a:lstStyle/>
+            <a:p>
+              <a:pPr algn="ctr"/>
+              <a:endParaRPr lang="fr-BE"/>
+            </a:p>
+          </p:txBody>
+        </p:sp>
+        <p:sp>
+          <p:nvSpPr>
+            <p:cNvPr id="34" name="Forme libre 33"/>
+            <p:cNvSpPr/>
+            <p:nvPr/>
+          </p:nvSpPr>
+          <p:spPr>
+            <a:xfrm>
+              <a:off x="3958698" y="4416242"/>
+              <a:ext cx="142876" cy="857256"/>
+            </a:xfrm>
+            <a:custGeom>
+              <a:avLst/>
+              <a:gdLst>
+                <a:gd name="connsiteX0" fmla="*/ 13855 w 417945"/>
+                <a:gd name="connsiteY0" fmla="*/ 0 h 1731818"/>
+                <a:gd name="connsiteX1" fmla="*/ 415636 w 417945"/>
+                <a:gd name="connsiteY1" fmla="*/ 831272 h 1731818"/>
+                <a:gd name="connsiteX2" fmla="*/ 0 w 417945"/>
+                <a:gd name="connsiteY2" fmla="*/ 1731818 h 1731818"/>
+              </a:gdLst>
+              <a:ahLst/>
+              <a:cxnLst>
+                <a:cxn ang="0">
+                  <a:pos x="connsiteX0" y="connsiteY0"/>
+                </a:cxn>
+                <a:cxn ang="0">
+                  <a:pos x="connsiteX1" y="connsiteY1"/>
+                </a:cxn>
+                <a:cxn ang="0">
+                  <a:pos x="connsiteX2" y="connsiteY2"/>
+                </a:cxn>
+              </a:cxnLst>
+              <a:rect l="l" t="t" r="r" b="b"/>
+              <a:pathLst>
+                <a:path w="417945" h="1731818">
+                  <a:moveTo>
+                    <a:pt x="13855" y="0"/>
+                  </a:moveTo>
+                  <a:cubicBezTo>
+                    <a:pt x="215900" y="271318"/>
+                    <a:pt x="417945" y="542636"/>
+                    <a:pt x="415636" y="831272"/>
+                  </a:cubicBezTo>
+                  <a:cubicBezTo>
+                    <a:pt x="413327" y="1119908"/>
+                    <a:pt x="206663" y="1425863"/>
+                    <a:pt x="0" y="1731818"/>
+                  </a:cubicBezTo>
+                </a:path>
+              </a:pathLst>
+            </a:custGeom>
+            <a:ln w="38100">
+              <a:tailEnd type="triangle" w="med" len="lg"/>
+            </a:ln>
+          </p:spPr>
+          <p:style>
+            <a:lnRef idx="2">
+              <a:schemeClr val="dk1"/>
+            </a:lnRef>
+            <a:fillRef idx="0">
+              <a:schemeClr val="dk1"/>
+            </a:fillRef>
+            <a:effectRef idx="1">
+              <a:schemeClr val="dk1"/>
+            </a:effectRef>
+            <a:fontRef idx="minor">
+              <a:schemeClr val="tx1"/>
+            </a:fontRef>
+          </p:style>
+          <p:txBody>
+            <a:bodyPr rtlCol="0" anchor="ctr"/>
+            <a:lstStyle/>
+            <a:p>
+              <a:pPr algn="ctr"/>
+              <a:endParaRPr lang="fr-BE"/>
             </a:p>
           </p:txBody>
         </p:sp>
       </p:grpSp>
-      <p:sp>
-        <p:nvSpPr>
-          <p:cNvPr id="18" name="ZoneTexte 17"/>
-          <p:cNvSpPr txBox="1"/>
-          <p:nvPr/>
-        </p:nvSpPr>
-        <p:spPr>
-          <a:xfrm>
-            <a:off x="642910" y="3038773"/>
-            <a:ext cx="1540165" cy="461665"/>
-          </a:xfrm>
-          <a:prstGeom prst="rect">
-            <a:avLst/>
-          </a:prstGeom>
-          <a:noFill/>
-        </p:spPr>
-        <p:txBody>
-          <a:bodyPr wrap="none" rtlCol="0">
-            <a:spAutoFit/>
-          </a:bodyPr>
-          <a:lstStyle/>
-          <a:p>
-            <a:pPr algn="r"/>
-            <a:r>
-              <a:rPr lang="fr-BE" sz="2400" dirty="0" smtClean="0"/>
-              <a:t>System LTS</a:t>
-            </a:r>
-          </a:p>
-        </p:txBody>
-      </p:sp>
-      <p:sp>
-        <p:nvSpPr>
-          <p:cNvPr id="19" name="ZoneTexte 18"/>
-          <p:cNvSpPr txBox="1"/>
-          <p:nvPr/>
-        </p:nvSpPr>
-        <p:spPr>
-          <a:xfrm>
-            <a:off x="642910" y="5092765"/>
-            <a:ext cx="1503105" cy="461665"/>
-          </a:xfrm>
-          <a:prstGeom prst="rect">
-            <a:avLst/>
-          </a:prstGeom>
-          <a:noFill/>
-        </p:spPr>
-        <p:txBody>
-          <a:bodyPr wrap="square" rtlCol="0">
-            <a:spAutoFit/>
-          </a:bodyPr>
-          <a:lstStyle/>
-          <a:p>
-            <a:pPr algn="r"/>
-            <a:r>
-              <a:rPr lang="fr-BE" sz="2400" dirty="0" smtClean="0"/>
-              <a:t>Agent </a:t>
-            </a:r>
-            <a:r>
-              <a:rPr lang="fr-BE" sz="2400" dirty="0" err="1" smtClean="0"/>
-              <a:t>LTSs</a:t>
-            </a:r>
-            <a:endParaRPr lang="fr-BE" sz="2400" dirty="0" smtClean="0"/>
-          </a:p>
-        </p:txBody>
-      </p:sp>
-      <p:sp>
-        <p:nvSpPr>
-          <p:cNvPr id="22" name="Forme libre 21"/>
-          <p:cNvSpPr/>
-          <p:nvPr/>
-        </p:nvSpPr>
-        <p:spPr>
-          <a:xfrm>
-            <a:off x="3929059" y="1785926"/>
-            <a:ext cx="142876" cy="857256"/>
-          </a:xfrm>
-          <a:custGeom>
-            <a:avLst/>
-            <a:gdLst>
-              <a:gd name="connsiteX0" fmla="*/ 13855 w 417945"/>
-              <a:gd name="connsiteY0" fmla="*/ 0 h 1731818"/>
-              <a:gd name="connsiteX1" fmla="*/ 415636 w 417945"/>
-              <a:gd name="connsiteY1" fmla="*/ 831272 h 1731818"/>
-              <a:gd name="connsiteX2" fmla="*/ 0 w 417945"/>
-              <a:gd name="connsiteY2" fmla="*/ 1731818 h 1731818"/>
-            </a:gdLst>
-            <a:ahLst/>
-            <a:cxnLst>
-              <a:cxn ang="0">
-                <a:pos x="connsiteX0" y="connsiteY0"/>
-              </a:cxn>
-              <a:cxn ang="0">
-                <a:pos x="connsiteX1" y="connsiteY1"/>
-              </a:cxn>
-              <a:cxn ang="0">
-                <a:pos x="connsiteX2" y="connsiteY2"/>
-              </a:cxn>
-            </a:cxnLst>
-            <a:rect l="l" t="t" r="r" b="b"/>
-            <a:pathLst>
-              <a:path w="417945" h="1731818">
-                <a:moveTo>
-                  <a:pt x="13855" y="0"/>
-                </a:moveTo>
-                <a:cubicBezTo>
-                  <a:pt x="215900" y="271318"/>
-                  <a:pt x="417945" y="542636"/>
-                  <a:pt x="415636" y="831272"/>
-                </a:cubicBezTo>
-                <a:cubicBezTo>
-                  <a:pt x="413327" y="1119908"/>
-                  <a:pt x="206663" y="1425863"/>
-                  <a:pt x="0" y="1731818"/>
-                </a:cubicBezTo>
-              </a:path>
-            </a:pathLst>
-          </a:custGeom>
-          <a:ln w="38100">
-            <a:tailEnd type="triangle" w="med" len="lg"/>
-          </a:ln>
-        </p:spPr>
-        <p:style>
-          <a:lnRef idx="2">
-            <a:schemeClr val="dk1"/>
-          </a:lnRef>
-          <a:fillRef idx="0">
-            <a:schemeClr val="dk1"/>
-          </a:fillRef>
-          <a:effectRef idx="1">
-            <a:schemeClr val="dk1"/>
-          </a:effectRef>
-          <a:fontRef idx="minor">
-            <a:schemeClr val="tx1"/>
-          </a:fontRef>
-        </p:style>
-        <p:txBody>
-          <a:bodyPr rtlCol="0" anchor="ctr"/>
-          <a:lstStyle/>
-          <a:p>
-            <a:pPr algn="ctr"/>
-            <a:endParaRPr lang="fr-BE"/>
-          </a:p>
-        </p:txBody>
-      </p:sp>
-      <p:sp>
-        <p:nvSpPr>
-          <p:cNvPr id="25" name="ZoneTexte 24"/>
-          <p:cNvSpPr txBox="1"/>
-          <p:nvPr/>
-        </p:nvSpPr>
-        <p:spPr>
-          <a:xfrm>
-            <a:off x="4357686" y="1857364"/>
-            <a:ext cx="2550698" cy="769441"/>
-          </a:xfrm>
-          <a:prstGeom prst="rect">
-            <a:avLst/>
-          </a:prstGeom>
-          <a:noFill/>
-        </p:spPr>
-        <p:txBody>
-          <a:bodyPr wrap="none" rtlCol="0">
-            <a:spAutoFit/>
-          </a:bodyPr>
-          <a:lstStyle/>
-          <a:p>
-            <a:r>
-              <a:rPr lang="fr-BE" sz="2200" i="1" dirty="0" err="1" smtClean="0"/>
-              <a:t>Generalization</a:t>
-            </a:r>
-            <a:endParaRPr lang="fr-BE" sz="2200" i="1" dirty="0" smtClean="0"/>
-          </a:p>
-          <a:p>
-            <a:r>
-              <a:rPr lang="fr-BE" sz="2200" i="1" dirty="0" smtClean="0"/>
-              <a:t>(</a:t>
-            </a:r>
-            <a:r>
-              <a:rPr lang="fr-BE" sz="2200" i="1" dirty="0" err="1" smtClean="0"/>
-              <a:t>grammar</a:t>
-            </a:r>
-            <a:r>
-              <a:rPr lang="fr-BE" sz="2200" i="1" dirty="0" smtClean="0"/>
-              <a:t> induction)</a:t>
-            </a:r>
-            <a:endParaRPr lang="fr-BE" sz="2200" i="1" dirty="0"/>
-          </a:p>
-        </p:txBody>
-      </p:sp>
-      <p:sp>
-        <p:nvSpPr>
-          <p:cNvPr id="26" name="ZoneTexte 25"/>
-          <p:cNvSpPr txBox="1"/>
-          <p:nvPr/>
-        </p:nvSpPr>
-        <p:spPr>
-          <a:xfrm>
-            <a:off x="4357686" y="3857628"/>
-            <a:ext cx="3929090" cy="769441"/>
-          </a:xfrm>
-          <a:prstGeom prst="rect">
-            <a:avLst/>
-          </a:prstGeom>
-          <a:noFill/>
-        </p:spPr>
-        <p:txBody>
-          <a:bodyPr wrap="square" rtlCol="0">
-            <a:spAutoFit/>
-          </a:bodyPr>
-          <a:lstStyle/>
-          <a:p>
-            <a:r>
-              <a:rPr lang="fr-BE" sz="2200" i="1" dirty="0" err="1" smtClean="0"/>
-              <a:t>Decomposition</a:t>
-            </a:r>
-            <a:endParaRPr lang="fr-BE" sz="2200" i="1" dirty="0" smtClean="0"/>
-          </a:p>
-          <a:p>
-            <a:r>
-              <a:rPr lang="fr-BE" sz="2200" i="1" dirty="0" smtClean="0"/>
-              <a:t>(</a:t>
-            </a:r>
-            <a:r>
-              <a:rPr lang="fr-BE" sz="2200" i="1" dirty="0" err="1" smtClean="0"/>
-              <a:t>hiding</a:t>
-            </a:r>
-            <a:r>
-              <a:rPr lang="fr-BE" sz="2200" i="1" dirty="0" smtClean="0"/>
-              <a:t> + </a:t>
-            </a:r>
-            <a:r>
-              <a:rPr lang="fr-BE" sz="2200" i="1" dirty="0" err="1" smtClean="0"/>
-              <a:t>determ</a:t>
-            </a:r>
-            <a:r>
-              <a:rPr lang="fr-BE" sz="2200" i="1" dirty="0" smtClean="0"/>
-              <a:t>. + </a:t>
-            </a:r>
-            <a:r>
-              <a:rPr lang="fr-BE" sz="2200" i="1" dirty="0" err="1" smtClean="0"/>
-              <a:t>minimize</a:t>
-            </a:r>
-            <a:r>
-              <a:rPr lang="fr-BE" sz="2200" i="1" dirty="0" smtClean="0"/>
-              <a:t>)</a:t>
-            </a:r>
-            <a:endParaRPr lang="fr-BE" sz="2200" i="1" dirty="0"/>
-          </a:p>
-        </p:txBody>
-      </p:sp>
-      <p:grpSp>
-        <p:nvGrpSpPr>
-          <p:cNvPr id="33" name="Groupe 32"/>
-          <p:cNvGrpSpPr/>
-          <p:nvPr/>
-        </p:nvGrpSpPr>
-        <p:grpSpPr>
-          <a:xfrm>
-            <a:off x="2685819" y="500042"/>
-            <a:ext cx="2671999" cy="1285884"/>
-            <a:chOff x="2828695" y="1643050"/>
-            <a:chExt cx="2671999" cy="1285884"/>
-          </a:xfrm>
-        </p:grpSpPr>
-        <p:pic>
-          <p:nvPicPr>
-            <p:cNvPr id="32" name="Picture 5" descr="D:\blambeau\Work\ucl\thesis\writing\src\2-framework\images\simple-scenario.png"/>
-            <p:cNvPicPr>
-              <a:picLocks noChangeAspect="1" noChangeArrowheads="1"/>
-            </p:cNvPicPr>
-            <p:nvPr/>
-          </p:nvPicPr>
-          <p:blipFill>
-            <a:blip r:embed="rId6" cstate="print"/>
-            <a:srcRect/>
-            <a:stretch>
-              <a:fillRect/>
-            </a:stretch>
-          </p:blipFill>
-          <p:spPr bwMode="auto">
-            <a:xfrm>
-              <a:off x="2999281" y="1643050"/>
-              <a:ext cx="2501413" cy="1143008"/>
-            </a:xfrm>
-            <a:prstGeom prst="rect">
-              <a:avLst/>
-            </a:prstGeom>
-            <a:solidFill>
-              <a:schemeClr val="bg1"/>
-            </a:solidFill>
-          </p:spPr>
-        </p:pic>
-        <p:pic>
-          <p:nvPicPr>
-            <p:cNvPr id="31" name="Picture 5" descr="D:\blambeau\Work\ucl\thesis\writing\src\2-framework\images\simple-scenario.png"/>
-            <p:cNvPicPr>
-              <a:picLocks noChangeAspect="1" noChangeArrowheads="1"/>
-            </p:cNvPicPr>
-            <p:nvPr/>
-          </p:nvPicPr>
-          <p:blipFill>
-            <a:blip r:embed="rId6" cstate="print"/>
-            <a:srcRect/>
-            <a:stretch>
-              <a:fillRect/>
-            </a:stretch>
-          </p:blipFill>
-          <p:spPr bwMode="auto">
-            <a:xfrm>
-              <a:off x="2927843" y="1714488"/>
-              <a:ext cx="2501413" cy="1143008"/>
-            </a:xfrm>
-            <a:prstGeom prst="rect">
-              <a:avLst/>
-            </a:prstGeom>
-            <a:solidFill>
-              <a:schemeClr val="bg1"/>
-            </a:solidFill>
-          </p:spPr>
-        </p:pic>
-        <p:pic>
-          <p:nvPicPr>
-            <p:cNvPr id="6" name="Picture 5" descr="D:\blambeau\Work\ucl\thesis\writing\src\2-framework\images\simple-scenario.png"/>
-            <p:cNvPicPr>
-              <a:picLocks noChangeAspect="1" noChangeArrowheads="1"/>
-            </p:cNvPicPr>
-            <p:nvPr/>
-          </p:nvPicPr>
-          <p:blipFill>
-            <a:blip r:embed="rId6" cstate="print"/>
-            <a:srcRect/>
-            <a:stretch>
-              <a:fillRect/>
-            </a:stretch>
-          </p:blipFill>
-          <p:spPr bwMode="auto">
-            <a:xfrm>
-              <a:off x="2828695" y="1785926"/>
-              <a:ext cx="2501413" cy="1143008"/>
-            </a:xfrm>
-            <a:prstGeom prst="rect">
-              <a:avLst/>
-            </a:prstGeom>
-            <a:solidFill>
-              <a:schemeClr val="bg1"/>
-            </a:solidFill>
-          </p:spPr>
-        </p:pic>
-      </p:grpSp>
-      <p:sp>
-        <p:nvSpPr>
-          <p:cNvPr id="34" name="Forme libre 33"/>
-          <p:cNvSpPr/>
-          <p:nvPr/>
-        </p:nvSpPr>
-        <p:spPr>
-          <a:xfrm>
-            <a:off x="3929058" y="3786190"/>
-            <a:ext cx="142876" cy="857256"/>
-          </a:xfrm>
-          <a:custGeom>
-            <a:avLst/>
-            <a:gdLst>
-              <a:gd name="connsiteX0" fmla="*/ 13855 w 417945"/>
-              <a:gd name="connsiteY0" fmla="*/ 0 h 1731818"/>
-              <a:gd name="connsiteX1" fmla="*/ 415636 w 417945"/>
-              <a:gd name="connsiteY1" fmla="*/ 831272 h 1731818"/>
-              <a:gd name="connsiteX2" fmla="*/ 0 w 417945"/>
-              <a:gd name="connsiteY2" fmla="*/ 1731818 h 1731818"/>
-            </a:gdLst>
-            <a:ahLst/>
-            <a:cxnLst>
-              <a:cxn ang="0">
-                <a:pos x="connsiteX0" y="connsiteY0"/>
-              </a:cxn>
-              <a:cxn ang="0">
-                <a:pos x="connsiteX1" y="connsiteY1"/>
-              </a:cxn>
-              <a:cxn ang="0">
-                <a:pos x="connsiteX2" y="connsiteY2"/>
-              </a:cxn>
-            </a:cxnLst>
-            <a:rect l="l" t="t" r="r" b="b"/>
-            <a:pathLst>
-              <a:path w="417945" h="1731818">
-                <a:moveTo>
-                  <a:pt x="13855" y="0"/>
-                </a:moveTo>
-                <a:cubicBezTo>
-                  <a:pt x="215900" y="271318"/>
-                  <a:pt x="417945" y="542636"/>
-                  <a:pt x="415636" y="831272"/>
-                </a:cubicBezTo>
-                <a:cubicBezTo>
-                  <a:pt x="413327" y="1119908"/>
-                  <a:pt x="206663" y="1425863"/>
-                  <a:pt x="0" y="1731818"/>
-                </a:cubicBezTo>
-              </a:path>
-            </a:pathLst>
-          </a:custGeom>
-          <a:ln w="38100">
-            <a:tailEnd type="triangle" w="med" len="lg"/>
-          </a:ln>
-        </p:spPr>
-        <p:style>
-          <a:lnRef idx="2">
-            <a:schemeClr val="dk1"/>
-          </a:lnRef>
-          <a:fillRef idx="0">
-            <a:schemeClr val="dk1"/>
-          </a:fillRef>
-          <a:effectRef idx="1">
-            <a:schemeClr val="dk1"/>
-          </a:effectRef>
-          <a:fontRef idx="minor">
-            <a:schemeClr val="tx1"/>
-          </a:fontRef>
-        </p:style>
-        <p:txBody>
-          <a:bodyPr rtlCol="0" anchor="ctr"/>
-          <a:lstStyle/>
-          <a:p>
-            <a:pPr algn="ctr"/>
-            <a:endParaRPr lang="fr-BE"/>
-          </a:p>
-        </p:txBody>
-      </p:sp>
     </p:spTree>
   </p:cSld>
   <p:clrMapOvr>

--- a/writing/images/train.pptx
+++ b/writing/images/train.pptx
@@ -5,7 +5,7 @@
     <p:sldMasterId id="2147483648" r:id="rId1"/>
   </p:sldMasterIdLst>
   <p:notesMasterIdLst>
-    <p:notesMasterId r:id="rId18"/>
+    <p:notesMasterId r:id="rId19"/>
   </p:notesMasterIdLst>
   <p:sldIdLst>
     <p:sldId id="256" r:id="rId2"/>
@@ -24,6 +24,7 @@
     <p:sldId id="271" r:id="rId15"/>
     <p:sldId id="272" r:id="rId16"/>
     <p:sldId id="273" r:id="rId17"/>
+    <p:sldId id="274" r:id="rId18"/>
   </p:sldIdLst>
   <p:sldSz cx="9144000" cy="6858000" type="screen4x3"/>
   <p:notesSz cx="6858000" cy="9144000"/>
@@ -208,7 +209,7 @@
             <a:fld id="{1A5CA47D-05BA-47C5-ACE1-040A60204EDF}" type="datetimeFigureOut">
               <a:rPr lang="fr-FR" smtClean="0"/>
               <a:pPr/>
-              <a:t>25/07/2011</a:t>
+              <a:t>26/07/2011</a:t>
             </a:fld>
             <a:endParaRPr lang="fr-BE"/>
           </a:p>
@@ -738,7 +739,7 @@
             <a:fld id="{68BDF4EC-5B70-45D8-B718-E56EB4C6B13E}" type="datetimeFigureOut">
               <a:rPr lang="fr-BE" smtClean="0"/>
               <a:pPr/>
-              <a:t>25/07/2011</a:t>
+              <a:t>26/07/2011</a:t>
             </a:fld>
             <a:endParaRPr lang="fr-BE"/>
           </a:p>
@@ -905,7 +906,7 @@
             <a:fld id="{68BDF4EC-5B70-45D8-B718-E56EB4C6B13E}" type="datetimeFigureOut">
               <a:rPr lang="fr-BE" smtClean="0"/>
               <a:pPr/>
-              <a:t>25/07/2011</a:t>
+              <a:t>26/07/2011</a:t>
             </a:fld>
             <a:endParaRPr lang="fr-BE"/>
           </a:p>
@@ -1082,7 +1083,7 @@
             <a:fld id="{68BDF4EC-5B70-45D8-B718-E56EB4C6B13E}" type="datetimeFigureOut">
               <a:rPr lang="fr-BE" smtClean="0"/>
               <a:pPr/>
-              <a:t>25/07/2011</a:t>
+              <a:t>26/07/2011</a:t>
             </a:fld>
             <a:endParaRPr lang="fr-BE"/>
           </a:p>
@@ -1249,7 +1250,7 @@
             <a:fld id="{68BDF4EC-5B70-45D8-B718-E56EB4C6B13E}" type="datetimeFigureOut">
               <a:rPr lang="fr-BE" smtClean="0"/>
               <a:pPr/>
-              <a:t>25/07/2011</a:t>
+              <a:t>26/07/2011</a:t>
             </a:fld>
             <a:endParaRPr lang="fr-BE"/>
           </a:p>
@@ -1492,7 +1493,7 @@
             <a:fld id="{68BDF4EC-5B70-45D8-B718-E56EB4C6B13E}" type="datetimeFigureOut">
               <a:rPr lang="fr-BE" smtClean="0"/>
               <a:pPr/>
-              <a:t>25/07/2011</a:t>
+              <a:t>26/07/2011</a:t>
             </a:fld>
             <a:endParaRPr lang="fr-BE"/>
           </a:p>
@@ -1777,7 +1778,7 @@
             <a:fld id="{68BDF4EC-5B70-45D8-B718-E56EB4C6B13E}" type="datetimeFigureOut">
               <a:rPr lang="fr-BE" smtClean="0"/>
               <a:pPr/>
-              <a:t>25/07/2011</a:t>
+              <a:t>26/07/2011</a:t>
             </a:fld>
             <a:endParaRPr lang="fr-BE"/>
           </a:p>
@@ -2196,7 +2197,7 @@
             <a:fld id="{68BDF4EC-5B70-45D8-B718-E56EB4C6B13E}" type="datetimeFigureOut">
               <a:rPr lang="fr-BE" smtClean="0"/>
               <a:pPr/>
-              <a:t>25/07/2011</a:t>
+              <a:t>26/07/2011</a:t>
             </a:fld>
             <a:endParaRPr lang="fr-BE"/>
           </a:p>
@@ -2311,7 +2312,7 @@
             <a:fld id="{68BDF4EC-5B70-45D8-B718-E56EB4C6B13E}" type="datetimeFigureOut">
               <a:rPr lang="fr-BE" smtClean="0"/>
               <a:pPr/>
-              <a:t>25/07/2011</a:t>
+              <a:t>26/07/2011</a:t>
             </a:fld>
             <a:endParaRPr lang="fr-BE"/>
           </a:p>
@@ -2403,7 +2404,7 @@
             <a:fld id="{68BDF4EC-5B70-45D8-B718-E56EB4C6B13E}" type="datetimeFigureOut">
               <a:rPr lang="fr-BE" smtClean="0"/>
               <a:pPr/>
-              <a:t>25/07/2011</a:t>
+              <a:t>26/07/2011</a:t>
             </a:fld>
             <a:endParaRPr lang="fr-BE"/>
           </a:p>
@@ -2677,7 +2678,7 @@
             <a:fld id="{68BDF4EC-5B70-45D8-B718-E56EB4C6B13E}" type="datetimeFigureOut">
               <a:rPr lang="fr-BE" smtClean="0"/>
               <a:pPr/>
-              <a:t>25/07/2011</a:t>
+              <a:t>26/07/2011</a:t>
             </a:fld>
             <a:endParaRPr lang="fr-BE"/>
           </a:p>
@@ -2927,7 +2928,7 @@
             <a:fld id="{68BDF4EC-5B70-45D8-B718-E56EB4C6B13E}" type="datetimeFigureOut">
               <a:rPr lang="fr-BE" smtClean="0"/>
               <a:pPr/>
-              <a:t>25/07/2011</a:t>
+              <a:t>26/07/2011</a:t>
             </a:fld>
             <a:endParaRPr lang="fr-BE"/>
           </a:p>
@@ -3137,7 +3138,7 @@
             <a:fld id="{68BDF4EC-5B70-45D8-B718-E56EB4C6B13E}" type="datetimeFigureOut">
               <a:rPr lang="fr-BE" smtClean="0"/>
               <a:pPr/>
-              <a:t>25/07/2011</a:t>
+              <a:t>26/07/2011</a:t>
             </a:fld>
             <a:endParaRPr lang="fr-BE"/>
           </a:p>
@@ -12280,76 +12281,38 @@
           <a:chExt cx="0" cy="0"/>
         </a:xfrm>
       </p:grpSpPr>
-      <p:sp>
-        <p:nvSpPr>
-          <p:cNvPr id="93" name="Rectangle 92"/>
-          <p:cNvSpPr/>
-          <p:nvPr/>
-        </p:nvSpPr>
-        <p:spPr>
-          <a:xfrm>
-            <a:off x="323528" y="188640"/>
-            <a:ext cx="8064896" cy="3744416"/>
-          </a:xfrm>
-          <a:prstGeom prst="rect">
-            <a:avLst/>
-          </a:prstGeom>
-          <a:solidFill>
-            <a:schemeClr val="bg1"/>
-          </a:solidFill>
-          <a:ln w="3175"/>
-        </p:spPr>
-        <p:style>
-          <a:lnRef idx="2">
-            <a:schemeClr val="dk1"/>
-          </a:lnRef>
-          <a:fillRef idx="1">
-            <a:schemeClr val="lt1"/>
-          </a:fillRef>
-          <a:effectRef idx="0">
-            <a:schemeClr val="dk1"/>
-          </a:effectRef>
-          <a:fontRef idx="minor">
-            <a:schemeClr val="dk1"/>
-          </a:fontRef>
-        </p:style>
-        <p:txBody>
-          <a:bodyPr rtlCol="0" anchor="ctr"/>
-          <a:lstStyle/>
-          <a:p>
-            <a:pPr algn="ctr"/>
-            <a:endParaRPr lang="fr-BE"/>
-          </a:p>
-        </p:txBody>
-      </p:sp>
       <p:grpSp>
         <p:nvGrpSpPr>
-          <p:cNvPr id="85" name="Groupe 84"/>
+          <p:cNvPr id="134" name="Groupe 133"/>
           <p:cNvGrpSpPr/>
           <p:nvPr/>
         </p:nvGrpSpPr>
         <p:grpSpPr>
           <a:xfrm>
-            <a:off x="462558" y="332656"/>
-            <a:ext cx="3748608" cy="1476000"/>
-            <a:chOff x="391344" y="489629"/>
-            <a:chExt cx="3748608" cy="1476000"/>
+            <a:off x="315230" y="188640"/>
+            <a:ext cx="8073194" cy="3744416"/>
+            <a:chOff x="315230" y="188640"/>
+            <a:chExt cx="8073194" cy="3744416"/>
           </a:xfrm>
         </p:grpSpPr>
         <p:sp>
           <p:nvSpPr>
-            <p:cNvPr id="5" name="Rectangle 4"/>
+            <p:cNvPr id="93" name="Rectangle 92"/>
             <p:cNvSpPr/>
             <p:nvPr/>
           </p:nvSpPr>
           <p:spPr>
             <a:xfrm>
-              <a:off x="391344" y="489629"/>
-              <a:ext cx="1084312" cy="324000"/>
+              <a:off x="323528" y="188640"/>
+              <a:ext cx="8064896" cy="3744416"/>
             </a:xfrm>
             <a:prstGeom prst="rect">
               <a:avLst/>
             </a:prstGeom>
+            <a:solidFill>
+              <a:schemeClr val="bg1"/>
+            </a:solidFill>
+            <a:ln w="3175"/>
           </p:spPr>
           <p:style>
             <a:lnRef idx="2">
@@ -12366,15 +12329,53 @@
             </a:fontRef>
           </p:style>
           <p:txBody>
-            <a:bodyPr lIns="36000" tIns="36000" rIns="36000" bIns="36000" rtlCol="0" anchor="ctr" anchorCtr="0"/>
+            <a:bodyPr rtlCol="0" anchor="ctr"/>
             <a:lstStyle/>
             <a:p>
               <a:pPr algn="ctr"/>
-              <a:r>
-                <a:rPr lang="fr-BE" sz="1100" dirty="0" smtClean="0"/>
+              <a:endParaRPr lang="fr-BE"/>
+            </a:p>
+          </p:txBody>
+        </p:sp>
+        <p:sp>
+          <p:nvSpPr>
+            <p:cNvPr id="5" name="Rectangle 4"/>
+            <p:cNvSpPr/>
+            <p:nvPr/>
+          </p:nvSpPr>
+          <p:spPr>
+            <a:xfrm>
+              <a:off x="413395" y="332656"/>
+              <a:ext cx="1182638" cy="324000"/>
+            </a:xfrm>
+            <a:prstGeom prst="rect">
+              <a:avLst/>
+            </a:prstGeom>
+          </p:spPr>
+          <p:style>
+            <a:lnRef idx="2">
+              <a:schemeClr val="dk1"/>
+            </a:lnRef>
+            <a:fillRef idx="1">
+              <a:schemeClr val="lt1"/>
+            </a:fillRef>
+            <a:effectRef idx="0">
+              <a:schemeClr val="dk1"/>
+            </a:effectRef>
+            <a:fontRef idx="minor">
+              <a:schemeClr val="dk1"/>
+            </a:fontRef>
+          </p:style>
+          <p:txBody>
+            <a:bodyPr lIns="0" tIns="0" rIns="0" bIns="0" rtlCol="0" anchor="ctr" anchorCtr="0"/>
+            <a:lstStyle/>
+            <a:p>
+              <a:pPr algn="ctr"/>
+              <a:r>
+                <a:rPr lang="fr-BE" sz="1300" dirty="0" smtClean="0"/>
                 <a:t>Train Controller</a:t>
               </a:r>
-              <a:endParaRPr lang="fr-BE" sz="1100" dirty="0"/>
+              <a:endParaRPr lang="fr-BE" sz="1300" dirty="0"/>
             </a:p>
           </p:txBody>
         </p:sp>
@@ -12386,8 +12387,8 @@
           </p:nvSpPr>
           <p:spPr>
             <a:xfrm>
-              <a:off x="1691680" y="489629"/>
-              <a:ext cx="1440160" cy="324000"/>
+              <a:off x="1839094" y="332656"/>
+              <a:ext cx="1287760" cy="324000"/>
             </a:xfrm>
             <a:prstGeom prst="rect">
               <a:avLst/>
@@ -12408,27 +12409,23 @@
             </a:fontRef>
           </p:style>
           <p:txBody>
-            <a:bodyPr lIns="36000" tIns="36000" rIns="36000" bIns="36000" rtlCol="0" anchor="ctr"/>
+            <a:bodyPr lIns="0" tIns="0" rIns="0" bIns="0" rtlCol="0" anchor="ctr"/>
             <a:lstStyle/>
             <a:p>
               <a:pPr algn="ctr"/>
               <a:r>
-                <a:rPr lang="fr-BE" sz="1100" dirty="0" smtClean="0"/>
-                <a:t>Train </a:t>
-              </a:r>
-              <a:r>
-                <a:rPr lang="fr-BE" sz="1100" dirty="0" err="1" smtClean="0"/>
+                <a:rPr lang="fr-BE" sz="1300" dirty="0" err="1" smtClean="0"/>
                 <a:t>Actuator</a:t>
               </a:r>
               <a:r>
-                <a:rPr lang="fr-BE" sz="1100" dirty="0" smtClean="0"/>
+                <a:rPr lang="fr-BE" sz="1300" dirty="0" smtClean="0"/>
                 <a:t>/</a:t>
               </a:r>
               <a:r>
-                <a:rPr lang="fr-BE" sz="1100" dirty="0" err="1" smtClean="0"/>
+                <a:rPr lang="fr-BE" sz="1300" dirty="0" err="1" smtClean="0"/>
                 <a:t>Sensor</a:t>
               </a:r>
-              <a:endParaRPr lang="fr-BE" sz="1100" dirty="0"/>
+              <a:endParaRPr lang="fr-BE" sz="1300" dirty="0"/>
             </a:p>
           </p:txBody>
         </p:sp>
@@ -12440,8 +12437,8 @@
           </p:nvSpPr>
           <p:spPr>
             <a:xfrm>
-              <a:off x="3419872" y="489629"/>
-              <a:ext cx="720080" cy="324000"/>
+              <a:off x="3435846" y="332656"/>
+              <a:ext cx="830560" cy="324000"/>
             </a:xfrm>
             <a:prstGeom prst="rect">
               <a:avLst/>
@@ -12462,15 +12459,15 @@
             </a:fontRef>
           </p:style>
           <p:txBody>
-            <a:bodyPr lIns="36000" tIns="36000" rIns="36000" bIns="36000" rtlCol="0" anchor="ctr"/>
+            <a:bodyPr lIns="0" tIns="0" rIns="0" bIns="0" rtlCol="0" anchor="ctr"/>
             <a:lstStyle/>
             <a:p>
               <a:pPr algn="ctr"/>
               <a:r>
-                <a:rPr lang="fr-BE" sz="1100" dirty="0" err="1" smtClean="0"/>
+                <a:rPr lang="fr-BE" sz="1300" dirty="0" err="1" smtClean="0"/>
                 <a:t>Passenger</a:t>
               </a:r>
-              <a:endParaRPr lang="fr-BE" sz="1100" dirty="0" smtClean="0"/>
+              <a:endParaRPr lang="fr-BE" sz="1300" dirty="0" smtClean="0"/>
             </a:p>
           </p:txBody>
         </p:sp>
@@ -12484,7 +12481,7 @@
           </p:nvCxnSpPr>
           <p:spPr>
             <a:xfrm rot="5400000">
-              <a:off x="357103" y="1389232"/>
+              <a:off x="428317" y="1232259"/>
               <a:ext cx="1152000" cy="794"/>
             </a:xfrm>
             <a:prstGeom prst="straightConnector1">
@@ -12519,7 +12516,7 @@
           </p:nvCxnSpPr>
           <p:spPr>
             <a:xfrm rot="5400000">
-              <a:off x="1835363" y="1389232"/>
+              <a:off x="1906577" y="1232259"/>
               <a:ext cx="1152000" cy="794"/>
             </a:xfrm>
             <a:prstGeom prst="straightConnector1">
@@ -12554,7 +12551,7 @@
           </p:nvCxnSpPr>
           <p:spPr>
             <a:xfrm rot="5400000">
-              <a:off x="3203515" y="1389232"/>
+              <a:off x="3274729" y="1232259"/>
               <a:ext cx="1152000" cy="794"/>
             </a:xfrm>
             <a:prstGeom prst="straightConnector1">
@@ -12587,7 +12584,7 @@
           </p:nvCxnSpPr>
           <p:spPr>
             <a:xfrm>
-              <a:off x="933500" y="1022088"/>
+              <a:off x="1004714" y="865115"/>
               <a:ext cx="1471563" cy="1588"/>
             </a:xfrm>
             <a:prstGeom prst="straightConnector1">
@@ -12620,8 +12617,8 @@
           </p:nvSpPr>
           <p:spPr>
             <a:xfrm>
-              <a:off x="1274570" y="911025"/>
-              <a:ext cx="720000" cy="169277"/>
+              <a:off x="1301894" y="754052"/>
+              <a:ext cx="807781" cy="200055"/>
             </a:xfrm>
             <a:prstGeom prst="rect">
               <a:avLst/>
@@ -12634,21 +12631,21 @@
             </a:ln>
           </p:spPr>
           <p:txBody>
-            <a:bodyPr wrap="square" lIns="18000" tIns="0" rIns="18000" bIns="0" rtlCol="0">
+            <a:bodyPr wrap="none" lIns="18000" tIns="0" rIns="18000" bIns="0" rtlCol="0">
               <a:spAutoFit/>
             </a:bodyPr>
             <a:lstStyle/>
             <a:p>
               <a:pPr algn="ctr"/>
               <a:r>
-                <a:rPr lang="fr-BE" sz="1100" dirty="0" smtClean="0"/>
+                <a:rPr lang="fr-BE" sz="1300" dirty="0" smtClean="0"/>
                 <a:t>open </a:t>
               </a:r>
               <a:r>
-                <a:rPr lang="fr-BE" sz="1100" dirty="0" err="1" smtClean="0"/>
+                <a:rPr lang="fr-BE" sz="1300" dirty="0" err="1" smtClean="0"/>
                 <a:t>doors</a:t>
               </a:r>
-              <a:endParaRPr lang="fr-BE" sz="1100" dirty="0"/>
+              <a:endParaRPr lang="fr-BE" sz="1300" dirty="0"/>
             </a:p>
           </p:txBody>
         </p:sp>
@@ -12660,7 +12657,7 @@
           </p:nvCxnSpPr>
           <p:spPr>
             <a:xfrm>
-              <a:off x="933500" y="1195216"/>
+              <a:off x="1004714" y="1038243"/>
               <a:ext cx="1471563" cy="1588"/>
             </a:xfrm>
             <a:prstGeom prst="straightConnector1">
@@ -12693,8 +12690,8 @@
           </p:nvSpPr>
           <p:spPr>
             <a:xfrm>
-              <a:off x="1274570" y="1084153"/>
-              <a:ext cx="720000" cy="169277"/>
+              <a:off x="1302694" y="927180"/>
+              <a:ext cx="806179" cy="200055"/>
             </a:xfrm>
             <a:prstGeom prst="rect">
               <a:avLst/>
@@ -12707,25 +12704,21 @@
             </a:ln>
           </p:spPr>
           <p:txBody>
-            <a:bodyPr wrap="square" lIns="18000" tIns="0" rIns="18000" bIns="0" rtlCol="0">
+            <a:bodyPr wrap="none" lIns="18000" tIns="0" rIns="18000" bIns="0" rtlCol="0">
               <a:spAutoFit/>
             </a:bodyPr>
             <a:lstStyle/>
             <a:p>
               <a:pPr algn="ctr"/>
               <a:r>
-                <a:rPr lang="fr-BE" sz="1100" dirty="0" smtClean="0"/>
-                <a:t>c</a:t>
-              </a:r>
-              <a:r>
-                <a:rPr lang="fr-BE" sz="1100" dirty="0" smtClean="0"/>
-                <a:t>lose </a:t>
-              </a:r>
-              <a:r>
-                <a:rPr lang="fr-BE" sz="1100" dirty="0" err="1" smtClean="0"/>
+                <a:rPr lang="fr-BE" sz="1300" dirty="0" smtClean="0"/>
+                <a:t>close </a:t>
+              </a:r>
+              <a:r>
+                <a:rPr lang="fr-BE" sz="1300" dirty="0" err="1" smtClean="0"/>
                 <a:t>doors</a:t>
               </a:r>
-              <a:endParaRPr lang="fr-BE" sz="1100" dirty="0"/>
+              <a:endParaRPr lang="fr-BE" sz="1300" dirty="0"/>
             </a:p>
           </p:txBody>
         </p:sp>
@@ -12737,7 +12730,7 @@
           </p:nvCxnSpPr>
           <p:spPr>
             <a:xfrm>
-              <a:off x="933500" y="1368344"/>
+              <a:off x="1004714" y="1211371"/>
               <a:ext cx="1471563" cy="1588"/>
             </a:xfrm>
             <a:prstGeom prst="straightConnector1">
@@ -12770,8 +12763,8 @@
           </p:nvSpPr>
           <p:spPr>
             <a:xfrm>
-              <a:off x="1433444" y="1257281"/>
-              <a:ext cx="402252" cy="169277"/>
+              <a:off x="1531669" y="1100308"/>
+              <a:ext cx="348232" cy="200055"/>
             </a:xfrm>
             <a:prstGeom prst="rect">
               <a:avLst/>
@@ -12784,17 +12777,17 @@
             </a:ln>
           </p:spPr>
           <p:txBody>
-            <a:bodyPr wrap="square" lIns="18000" tIns="0" rIns="18000" bIns="0" rtlCol="0">
+            <a:bodyPr wrap="none" lIns="18000" tIns="0" rIns="18000" bIns="0" rtlCol="0">
               <a:spAutoFit/>
             </a:bodyPr>
             <a:lstStyle/>
             <a:p>
               <a:pPr algn="ctr"/>
               <a:r>
-                <a:rPr lang="fr-BE" sz="1100" dirty="0" err="1" smtClean="0"/>
+                <a:rPr lang="fr-BE" sz="1300" dirty="0" err="1" smtClean="0"/>
                 <a:t>start</a:t>
               </a:r>
-              <a:endParaRPr lang="fr-BE" sz="1100" dirty="0"/>
+              <a:endParaRPr lang="fr-BE" sz="1300" dirty="0"/>
             </a:p>
           </p:txBody>
         </p:sp>
@@ -12806,7 +12799,7 @@
           </p:nvCxnSpPr>
           <p:spPr>
             <a:xfrm>
-              <a:off x="933500" y="1541472"/>
+              <a:off x="1004714" y="1384499"/>
               <a:ext cx="1471563" cy="1588"/>
             </a:xfrm>
             <a:prstGeom prst="straightConnector1">
@@ -12839,8 +12832,8 @@
           </p:nvSpPr>
           <p:spPr>
             <a:xfrm>
-              <a:off x="1433444" y="1430409"/>
-              <a:ext cx="402252" cy="169277"/>
+              <a:off x="1540260" y="1273436"/>
+              <a:ext cx="331049" cy="200055"/>
             </a:xfrm>
             <a:prstGeom prst="rect">
               <a:avLst/>
@@ -12853,17 +12846,17 @@
             </a:ln>
           </p:spPr>
           <p:txBody>
-            <a:bodyPr wrap="square" lIns="18000" tIns="0" rIns="18000" bIns="0" rtlCol="0">
+            <a:bodyPr wrap="none" lIns="18000" tIns="0" rIns="18000" bIns="0" rtlCol="0">
               <a:spAutoFit/>
             </a:bodyPr>
             <a:lstStyle/>
             <a:p>
               <a:pPr algn="ctr"/>
               <a:r>
-                <a:rPr lang="fr-BE" sz="1100" dirty="0" smtClean="0"/>
+                <a:rPr lang="fr-BE" sz="1300" dirty="0" smtClean="0"/>
                 <a:t>stop</a:t>
               </a:r>
-              <a:endParaRPr lang="fr-BE" sz="1100" dirty="0"/>
+              <a:endParaRPr lang="fr-BE" sz="1300" dirty="0"/>
             </a:p>
           </p:txBody>
         </p:sp>
@@ -12875,7 +12868,7 @@
           </p:nvCxnSpPr>
           <p:spPr>
             <a:xfrm>
-              <a:off x="933500" y="1714602"/>
+              <a:off x="1004714" y="1557629"/>
               <a:ext cx="1471563" cy="1588"/>
             </a:xfrm>
             <a:prstGeom prst="straightConnector1">
@@ -12908,8 +12901,8 @@
           </p:nvSpPr>
           <p:spPr>
             <a:xfrm>
-              <a:off x="1433444" y="1603539"/>
-              <a:ext cx="402252" cy="169277"/>
+              <a:off x="1531669" y="1446566"/>
+              <a:ext cx="348232" cy="200055"/>
             </a:xfrm>
             <a:prstGeom prst="rect">
               <a:avLst/>
@@ -12922,35 +12915,20 @@
             </a:ln>
           </p:spPr>
           <p:txBody>
-            <a:bodyPr wrap="square" lIns="18000" tIns="0" rIns="18000" bIns="0" rtlCol="0">
+            <a:bodyPr wrap="none" lIns="18000" tIns="0" rIns="18000" bIns="0" rtlCol="0">
               <a:spAutoFit/>
             </a:bodyPr>
             <a:lstStyle/>
             <a:p>
               <a:pPr algn="ctr"/>
               <a:r>
-                <a:rPr lang="fr-BE" sz="1100" dirty="0" err="1" smtClean="0"/>
+                <a:rPr lang="fr-BE" sz="1300" dirty="0" err="1" smtClean="0"/>
                 <a:t>start</a:t>
               </a:r>
-              <a:endParaRPr lang="fr-BE" sz="1100" dirty="0"/>
+              <a:endParaRPr lang="fr-BE" sz="1300" dirty="0"/>
             </a:p>
           </p:txBody>
         </p:sp>
-      </p:grpSp>
-      <p:grpSp>
-        <p:nvGrpSpPr>
-          <p:cNvPr id="86" name="Groupe 85"/>
-          <p:cNvGrpSpPr/>
-          <p:nvPr/>
-        </p:nvGrpSpPr>
-        <p:grpSpPr>
-          <a:xfrm>
-            <a:off x="463352" y="2277048"/>
-            <a:ext cx="3748608" cy="1584000"/>
-            <a:chOff x="392138" y="2096888"/>
-            <a:chExt cx="3748608" cy="1584000"/>
-          </a:xfrm>
-        </p:grpSpPr>
         <p:sp>
           <p:nvSpPr>
             <p:cNvPr id="48" name="Rectangle 47"/>
@@ -12959,8 +12937,8 @@
           </p:nvSpPr>
           <p:spPr>
             <a:xfrm>
-              <a:off x="392138" y="2096888"/>
-              <a:ext cx="1084312" cy="324000"/>
+              <a:off x="414189" y="2277048"/>
+              <a:ext cx="1182638" cy="324000"/>
             </a:xfrm>
             <a:prstGeom prst="rect">
               <a:avLst/>
@@ -12981,15 +12959,15 @@
             </a:fontRef>
           </p:style>
           <p:txBody>
-            <a:bodyPr lIns="36000" tIns="36000" rIns="36000" bIns="36000" rtlCol="0" anchor="ctr" anchorCtr="0"/>
+            <a:bodyPr lIns="0" tIns="0" rIns="0" bIns="0" rtlCol="0" anchor="ctr" anchorCtr="0"/>
             <a:lstStyle/>
             <a:p>
               <a:pPr algn="ctr"/>
               <a:r>
-                <a:rPr lang="fr-BE" sz="1100" dirty="0" smtClean="0"/>
+                <a:rPr lang="fr-BE" sz="1300" dirty="0" smtClean="0"/>
                 <a:t>Train Controller</a:t>
               </a:r>
-              <a:endParaRPr lang="fr-BE" sz="1100" dirty="0"/>
+              <a:endParaRPr lang="fr-BE" sz="1300" dirty="0"/>
             </a:p>
           </p:txBody>
         </p:sp>
@@ -13001,8 +12979,8 @@
           </p:nvSpPr>
           <p:spPr>
             <a:xfrm>
-              <a:off x="1692474" y="2096888"/>
-              <a:ext cx="1440160" cy="324000"/>
+              <a:off x="1839888" y="2277048"/>
+              <a:ext cx="1287760" cy="324000"/>
             </a:xfrm>
             <a:prstGeom prst="rect">
               <a:avLst/>
@@ -13023,27 +13001,23 @@
             </a:fontRef>
           </p:style>
           <p:txBody>
-            <a:bodyPr lIns="36000" tIns="36000" rIns="36000" bIns="36000" rtlCol="0" anchor="ctr"/>
+            <a:bodyPr lIns="0" tIns="0" rIns="0" bIns="0" rtlCol="0" anchor="ctr"/>
             <a:lstStyle/>
             <a:p>
               <a:pPr algn="ctr"/>
               <a:r>
-                <a:rPr lang="fr-BE" sz="1100" dirty="0" smtClean="0"/>
-                <a:t>Train </a:t>
-              </a:r>
-              <a:r>
-                <a:rPr lang="fr-BE" sz="1100" dirty="0" err="1" smtClean="0"/>
+                <a:rPr lang="fr-BE" sz="1300" dirty="0" err="1" smtClean="0"/>
                 <a:t>Actuator</a:t>
               </a:r>
               <a:r>
-                <a:rPr lang="fr-BE" sz="1100" dirty="0" smtClean="0"/>
+                <a:rPr lang="fr-BE" sz="1300" dirty="0" smtClean="0"/>
                 <a:t>/</a:t>
               </a:r>
               <a:r>
-                <a:rPr lang="fr-BE" sz="1100" dirty="0" err="1" smtClean="0"/>
+                <a:rPr lang="fr-BE" sz="1300" dirty="0" err="1" smtClean="0"/>
                 <a:t>Sensor</a:t>
               </a:r>
-              <a:endParaRPr lang="fr-BE" sz="1100" dirty="0"/>
+              <a:endParaRPr lang="fr-BE" sz="1300" dirty="0"/>
             </a:p>
           </p:txBody>
         </p:sp>
@@ -13055,8 +13029,8 @@
           </p:nvSpPr>
           <p:spPr>
             <a:xfrm>
-              <a:off x="3420666" y="2096888"/>
-              <a:ext cx="720080" cy="324000"/>
+              <a:off x="3436640" y="2277048"/>
+              <a:ext cx="830560" cy="324000"/>
             </a:xfrm>
             <a:prstGeom prst="rect">
               <a:avLst/>
@@ -13077,15 +13051,15 @@
             </a:fontRef>
           </p:style>
           <p:txBody>
-            <a:bodyPr lIns="36000" tIns="36000" rIns="36000" bIns="36000" rtlCol="0" anchor="ctr"/>
+            <a:bodyPr lIns="0" tIns="0" rIns="0" bIns="0" rtlCol="0" anchor="ctr"/>
             <a:lstStyle/>
             <a:p>
               <a:pPr algn="ctr"/>
               <a:r>
-                <a:rPr lang="fr-BE" sz="1100" dirty="0" err="1" smtClean="0"/>
+                <a:rPr lang="fr-BE" sz="1300" dirty="0" err="1" smtClean="0"/>
                 <a:t>Passenger</a:t>
               </a:r>
-              <a:endParaRPr lang="fr-BE" sz="1100" dirty="0" smtClean="0"/>
+              <a:endParaRPr lang="fr-BE" sz="1300" dirty="0" smtClean="0"/>
             </a:p>
           </p:txBody>
         </p:sp>
@@ -13099,7 +13073,7 @@
           </p:nvCxnSpPr>
           <p:spPr>
             <a:xfrm rot="5400000">
-              <a:off x="303897" y="3050491"/>
+              <a:off x="375111" y="3230651"/>
               <a:ext cx="1260000" cy="794"/>
             </a:xfrm>
             <a:prstGeom prst="straightConnector1">
@@ -13134,7 +13108,7 @@
           </p:nvCxnSpPr>
           <p:spPr>
             <a:xfrm rot="5400000">
-              <a:off x="1782157" y="3050491"/>
+              <a:off x="1853371" y="3230651"/>
               <a:ext cx="1260000" cy="794"/>
             </a:xfrm>
             <a:prstGeom prst="straightConnector1">
@@ -13169,7 +13143,7 @@
           </p:nvCxnSpPr>
           <p:spPr>
             <a:xfrm rot="5400000">
-              <a:off x="3150309" y="3050491"/>
+              <a:off x="3221523" y="3230651"/>
               <a:ext cx="1260000" cy="794"/>
             </a:xfrm>
             <a:prstGeom prst="straightConnector1">
@@ -13202,7 +13176,7 @@
           </p:nvCxnSpPr>
           <p:spPr>
             <a:xfrm>
-              <a:off x="934294" y="2629347"/>
+              <a:off x="1005508" y="2809507"/>
               <a:ext cx="1471563" cy="1588"/>
             </a:xfrm>
             <a:prstGeom prst="straightConnector1">
@@ -13235,8 +13209,8 @@
           </p:nvSpPr>
           <p:spPr>
             <a:xfrm>
-              <a:off x="1490848" y="2518284"/>
-              <a:ext cx="300848" cy="169277"/>
+              <a:off x="1538371" y="2698444"/>
+              <a:ext cx="348232" cy="200055"/>
             </a:xfrm>
             <a:prstGeom prst="rect">
               <a:avLst/>
@@ -13256,10 +13230,10 @@
             <a:p>
               <a:pPr algn="ctr"/>
               <a:r>
-                <a:rPr lang="fr-BE" sz="1100" dirty="0" err="1" smtClean="0"/>
+                <a:rPr lang="fr-BE" sz="1300" dirty="0" err="1" smtClean="0"/>
                 <a:t>start</a:t>
               </a:r>
-              <a:endParaRPr lang="fr-BE" sz="1100" dirty="0"/>
+              <a:endParaRPr lang="fr-BE" sz="1300" dirty="0"/>
             </a:p>
           </p:txBody>
         </p:sp>
@@ -13271,7 +13245,7 @@
           </p:nvCxnSpPr>
           <p:spPr>
             <a:xfrm>
-              <a:off x="934294" y="2802475"/>
+              <a:off x="1005508" y="2982635"/>
               <a:ext cx="1471563" cy="1588"/>
             </a:xfrm>
             <a:prstGeom prst="straightConnector1">
@@ -13304,8 +13278,8 @@
           </p:nvSpPr>
           <p:spPr>
             <a:xfrm>
-              <a:off x="1498864" y="2691412"/>
-              <a:ext cx="284817" cy="169277"/>
+              <a:off x="1546963" y="2871572"/>
+              <a:ext cx="331049" cy="200055"/>
             </a:xfrm>
             <a:prstGeom prst="rect">
               <a:avLst/>
@@ -13325,10 +13299,10 @@
             <a:p>
               <a:pPr algn="ctr"/>
               <a:r>
-                <a:rPr lang="fr-BE" sz="1100" dirty="0" smtClean="0"/>
+                <a:rPr lang="fr-BE" sz="1300" dirty="0" smtClean="0"/>
                 <a:t>stop</a:t>
               </a:r>
-              <a:endParaRPr lang="fr-BE" sz="1100" dirty="0"/>
+              <a:endParaRPr lang="fr-BE" sz="1300" dirty="0"/>
             </a:p>
           </p:txBody>
         </p:sp>
@@ -13340,7 +13314,7 @@
           </p:nvCxnSpPr>
           <p:spPr>
             <a:xfrm flipH="1">
-              <a:off x="2438387" y="2975603"/>
+              <a:off x="2509601" y="3155763"/>
               <a:ext cx="1332000" cy="1588"/>
             </a:xfrm>
             <a:prstGeom prst="straightConnector1">
@@ -13373,8 +13347,8 @@
           </p:nvSpPr>
           <p:spPr>
             <a:xfrm>
-              <a:off x="2686145" y="2852936"/>
-              <a:ext cx="858693" cy="169277"/>
+              <a:off x="2689520" y="3033096"/>
+              <a:ext cx="994371" cy="200055"/>
             </a:xfrm>
             <a:prstGeom prst="rect">
               <a:avLst/>
@@ -13394,18 +13368,18 @@
             <a:p>
               <a:pPr algn="ctr"/>
               <a:r>
-                <a:rPr lang="fr-BE" sz="1100" dirty="0" err="1" smtClean="0"/>
+                <a:rPr lang="fr-BE" sz="1300" dirty="0" err="1" smtClean="0"/>
                 <a:t>alarm</a:t>
               </a:r>
               <a:r>
-                <a:rPr lang="fr-BE" sz="1100" dirty="0" smtClean="0"/>
+                <a:rPr lang="fr-BE" sz="1300" dirty="0" smtClean="0"/>
                 <a:t> </a:t>
               </a:r>
               <a:r>
-                <a:rPr lang="fr-BE" sz="1100" dirty="0" err="1" smtClean="0"/>
+                <a:rPr lang="fr-BE" sz="1300" dirty="0" err="1" smtClean="0"/>
                 <a:t>pressed</a:t>
               </a:r>
-              <a:endParaRPr lang="fr-BE" sz="1100" dirty="0"/>
+              <a:endParaRPr lang="fr-BE" sz="1300" dirty="0"/>
             </a:p>
           </p:txBody>
         </p:sp>
@@ -13417,7 +13391,7 @@
           </p:nvCxnSpPr>
           <p:spPr>
             <a:xfrm>
-              <a:off x="934294" y="3269664"/>
+              <a:off x="1005508" y="3468874"/>
               <a:ext cx="1471563" cy="1588"/>
             </a:xfrm>
             <a:prstGeom prst="straightConnector1">
@@ -13450,8 +13424,8 @@
           </p:nvSpPr>
           <p:spPr>
             <a:xfrm>
-              <a:off x="1142997" y="3158601"/>
-              <a:ext cx="996551" cy="169277"/>
+              <a:off x="1154878" y="3357811"/>
+              <a:ext cx="1172368" cy="200055"/>
             </a:xfrm>
             <a:prstGeom prst="rect">
               <a:avLst/>
@@ -13471,10 +13445,10 @@
             <a:p>
               <a:pPr algn="ctr"/>
               <a:r>
-                <a:rPr lang="fr-BE" sz="1100" dirty="0" smtClean="0"/>
+                <a:rPr lang="fr-BE" sz="1300" dirty="0" smtClean="0"/>
                 <a:t>emergency open</a:t>
               </a:r>
-              <a:endParaRPr lang="fr-BE" sz="1100" dirty="0"/>
+              <a:endParaRPr lang="fr-BE" sz="1300" dirty="0"/>
             </a:p>
           </p:txBody>
         </p:sp>
@@ -13486,7 +13460,7 @@
           </p:nvCxnSpPr>
           <p:spPr>
             <a:xfrm>
-              <a:off x="934294" y="3442794"/>
+              <a:off x="1005508" y="3651529"/>
               <a:ext cx="1471563" cy="1588"/>
             </a:xfrm>
             <a:prstGeom prst="straightConnector1">
@@ -13519,8 +13493,8 @@
           </p:nvSpPr>
           <p:spPr>
             <a:xfrm>
-              <a:off x="1299289" y="3331731"/>
-              <a:ext cx="683966" cy="169277"/>
+              <a:off x="1337972" y="3540466"/>
+              <a:ext cx="806179" cy="200055"/>
             </a:xfrm>
             <a:prstGeom prst="rect">
               <a:avLst/>
@@ -13540,14 +13514,14 @@
             <a:p>
               <a:pPr algn="ctr"/>
               <a:r>
-                <a:rPr lang="fr-BE" sz="1100" dirty="0" smtClean="0"/>
+                <a:rPr lang="fr-BE" sz="1300" dirty="0" smtClean="0"/>
                 <a:t>close </a:t>
               </a:r>
               <a:r>
-                <a:rPr lang="fr-BE" sz="1100" dirty="0" err="1" smtClean="0"/>
+                <a:rPr lang="fr-BE" sz="1300" dirty="0" err="1" smtClean="0"/>
                 <a:t>doors</a:t>
               </a:r>
-              <a:endParaRPr lang="fr-BE" sz="1100" dirty="0"/>
+              <a:endParaRPr lang="fr-BE" sz="1300" dirty="0"/>
             </a:p>
           </p:txBody>
         </p:sp>
@@ -13559,7 +13533,7 @@
           </p:nvCxnSpPr>
           <p:spPr>
             <a:xfrm flipH="1">
-              <a:off x="940197" y="3108015"/>
+              <a:off x="1011411" y="3288175"/>
               <a:ext cx="1471563" cy="1588"/>
             </a:xfrm>
             <a:prstGeom prst="straightConnector1">
@@ -13592,8 +13566,8 @@
           </p:nvSpPr>
           <p:spPr>
             <a:xfrm>
-              <a:off x="1104525" y="2996952"/>
-              <a:ext cx="1073495" cy="169277"/>
+              <a:off x="1119099" y="3177112"/>
+              <a:ext cx="1243926" cy="200055"/>
             </a:xfrm>
             <a:prstGeom prst="rect">
               <a:avLst/>
@@ -13613,36 +13587,21 @@
             <a:p>
               <a:pPr algn="ctr"/>
               <a:r>
-                <a:rPr lang="fr-BE" sz="1100" dirty="0" err="1" smtClean="0"/>
+                <a:rPr lang="fr-BE" sz="1300" dirty="0" err="1" smtClean="0"/>
                 <a:t>alarm</a:t>
               </a:r>
               <a:r>
-                <a:rPr lang="fr-BE" sz="1100" dirty="0" smtClean="0"/>
+                <a:rPr lang="fr-BE" sz="1300" dirty="0" smtClean="0"/>
                 <a:t> </a:t>
               </a:r>
               <a:r>
-                <a:rPr lang="fr-BE" sz="1100" dirty="0" err="1" smtClean="0"/>
+                <a:rPr lang="fr-BE" sz="1300" dirty="0" err="1" smtClean="0"/>
                 <a:t>propagated</a:t>
               </a:r>
-              <a:endParaRPr lang="fr-BE" sz="1100" dirty="0"/>
+              <a:endParaRPr lang="fr-BE" sz="1300" dirty="0"/>
             </a:p>
           </p:txBody>
         </p:sp>
-      </p:grpSp>
-      <p:grpSp>
-        <p:nvGrpSpPr>
-          <p:cNvPr id="87" name="Groupe 86"/>
-          <p:cNvGrpSpPr/>
-          <p:nvPr/>
-        </p:nvGrpSpPr>
-        <p:grpSpPr>
-          <a:xfrm>
-            <a:off x="4495800" y="2277048"/>
-            <a:ext cx="3748608" cy="1476000"/>
-            <a:chOff x="4495800" y="2060848"/>
-            <a:chExt cx="3748608" cy="1476000"/>
-          </a:xfrm>
-        </p:grpSpPr>
         <p:cxnSp>
           <p:nvCxnSpPr>
             <p:cNvPr id="26" name="Connecteur droit 25"/>
@@ -13651,7 +13610,7 @@
           </p:nvCxnSpPr>
           <p:spPr>
             <a:xfrm>
-              <a:off x="4794374" y="2924944"/>
+              <a:off x="4794374" y="3141144"/>
               <a:ext cx="3348000" cy="0"/>
             </a:xfrm>
             <a:prstGeom prst="line">
@@ -13684,8 +13643,8 @@
           </p:nvSpPr>
           <p:spPr>
             <a:xfrm>
-              <a:off x="4495800" y="2060848"/>
-              <a:ext cx="1084312" cy="324000"/>
+              <a:off x="4446637" y="2277048"/>
+              <a:ext cx="1182638" cy="324000"/>
             </a:xfrm>
             <a:prstGeom prst="rect">
               <a:avLst/>
@@ -13706,15 +13665,15 @@
             </a:fontRef>
           </p:style>
           <p:txBody>
-            <a:bodyPr lIns="36000" tIns="36000" rIns="36000" bIns="36000" rtlCol="0" anchor="ctr" anchorCtr="0"/>
+            <a:bodyPr lIns="0" tIns="0" rIns="0" bIns="0" rtlCol="0" anchor="ctr" anchorCtr="0"/>
             <a:lstStyle/>
             <a:p>
               <a:pPr algn="ctr"/>
               <a:r>
-                <a:rPr lang="fr-BE" sz="1100" dirty="0" smtClean="0"/>
+                <a:rPr lang="fr-BE" sz="1300" dirty="0" smtClean="0"/>
                 <a:t>Train Controller</a:t>
               </a:r>
-              <a:endParaRPr lang="fr-BE" sz="1100" dirty="0"/>
+              <a:endParaRPr lang="fr-BE" sz="1300" dirty="0"/>
             </a:p>
           </p:txBody>
         </p:sp>
@@ -13726,8 +13685,8 @@
           </p:nvSpPr>
           <p:spPr>
             <a:xfrm>
-              <a:off x="5796136" y="2060848"/>
-              <a:ext cx="1440160" cy="324000"/>
+              <a:off x="5872336" y="2277048"/>
+              <a:ext cx="1287760" cy="324000"/>
             </a:xfrm>
             <a:prstGeom prst="rect">
               <a:avLst/>
@@ -13748,27 +13707,23 @@
             </a:fontRef>
           </p:style>
           <p:txBody>
-            <a:bodyPr lIns="36000" tIns="36000" rIns="36000" bIns="36000" rtlCol="0" anchor="ctr"/>
+            <a:bodyPr lIns="0" tIns="0" rIns="0" bIns="0" rtlCol="0" anchor="ctr"/>
             <a:lstStyle/>
             <a:p>
               <a:pPr algn="ctr"/>
               <a:r>
-                <a:rPr lang="fr-BE" sz="1100" dirty="0" smtClean="0"/>
-                <a:t>Train </a:t>
-              </a:r>
-              <a:r>
-                <a:rPr lang="fr-BE" sz="1100" dirty="0" err="1" smtClean="0"/>
+                <a:rPr lang="fr-BE" sz="1300" dirty="0" err="1" smtClean="0"/>
                 <a:t>Actuator</a:t>
               </a:r>
               <a:r>
-                <a:rPr lang="fr-BE" sz="1100" dirty="0" smtClean="0"/>
+                <a:rPr lang="fr-BE" sz="1300" dirty="0" smtClean="0"/>
                 <a:t>/</a:t>
               </a:r>
               <a:r>
-                <a:rPr lang="fr-BE" sz="1100" dirty="0" err="1" smtClean="0"/>
+                <a:rPr lang="fr-BE" sz="1300" dirty="0" err="1" smtClean="0"/>
                 <a:t>Sensor</a:t>
               </a:r>
-              <a:endParaRPr lang="fr-BE" sz="1100" dirty="0"/>
+              <a:endParaRPr lang="fr-BE" sz="1300" dirty="0"/>
             </a:p>
           </p:txBody>
         </p:sp>
@@ -13780,8 +13735,8 @@
           </p:nvSpPr>
           <p:spPr>
             <a:xfrm>
-              <a:off x="7524328" y="2060848"/>
-              <a:ext cx="720080" cy="324000"/>
+              <a:off x="7469088" y="2277048"/>
+              <a:ext cx="830560" cy="324000"/>
             </a:xfrm>
             <a:prstGeom prst="rect">
               <a:avLst/>
@@ -13802,15 +13757,15 @@
             </a:fontRef>
           </p:style>
           <p:txBody>
-            <a:bodyPr lIns="36000" tIns="36000" rIns="36000" bIns="36000" rtlCol="0" anchor="ctr"/>
+            <a:bodyPr lIns="0" tIns="0" rIns="0" bIns="0" rtlCol="0" anchor="ctr"/>
             <a:lstStyle/>
             <a:p>
               <a:pPr algn="ctr"/>
               <a:r>
-                <a:rPr lang="fr-BE" sz="1100" dirty="0" err="1" smtClean="0"/>
+                <a:rPr lang="fr-BE" sz="1300" dirty="0" err="1" smtClean="0"/>
                 <a:t>Passenger</a:t>
               </a:r>
-              <a:endParaRPr lang="fr-BE" sz="1100" dirty="0" smtClean="0"/>
+              <a:endParaRPr lang="fr-BE" sz="1300" dirty="0" smtClean="0"/>
             </a:p>
           </p:txBody>
         </p:sp>
@@ -13824,7 +13779,7 @@
           </p:nvCxnSpPr>
           <p:spPr>
             <a:xfrm rot="5400000">
-              <a:off x="4461559" y="2960451"/>
+              <a:off x="4461559" y="3176651"/>
               <a:ext cx="1152000" cy="794"/>
             </a:xfrm>
             <a:prstGeom prst="straightConnector1">
@@ -13859,7 +13814,7 @@
           </p:nvCxnSpPr>
           <p:spPr>
             <a:xfrm rot="5400000">
-              <a:off x="5939819" y="2960451"/>
+              <a:off x="5939819" y="3176651"/>
               <a:ext cx="1152000" cy="794"/>
             </a:xfrm>
             <a:prstGeom prst="straightConnector1">
@@ -13894,7 +13849,7 @@
           </p:nvCxnSpPr>
           <p:spPr>
             <a:xfrm rot="5400000">
-              <a:off x="7307971" y="2960451"/>
+              <a:off x="7307971" y="3176651"/>
               <a:ext cx="1152000" cy="794"/>
             </a:xfrm>
             <a:prstGeom prst="straightConnector1">
@@ -13927,7 +13882,7 @@
           </p:nvCxnSpPr>
           <p:spPr>
             <a:xfrm>
-              <a:off x="5037956" y="2659905"/>
+              <a:off x="5037956" y="2876105"/>
               <a:ext cx="1471563" cy="1588"/>
             </a:xfrm>
             <a:prstGeom prst="straightConnector1">
@@ -13960,7 +13915,7 @@
           </p:nvCxnSpPr>
           <p:spPr>
             <a:xfrm flipV="1">
-              <a:off x="5037956" y="3278377"/>
+              <a:off x="5037956" y="3494577"/>
               <a:ext cx="1476000" cy="862"/>
             </a:xfrm>
             <a:prstGeom prst="straightConnector1">
@@ -13993,8 +13948,8 @@
           </p:nvSpPr>
           <p:spPr>
             <a:xfrm>
-              <a:off x="5436176" y="3184238"/>
-              <a:ext cx="720000" cy="169277"/>
+              <a:off x="5392286" y="3400438"/>
+              <a:ext cx="807781" cy="200055"/>
             </a:xfrm>
             <a:prstGeom prst="rect">
               <a:avLst/>
@@ -14007,29 +13962,21 @@
             </a:ln>
           </p:spPr>
           <p:txBody>
-            <a:bodyPr wrap="square" lIns="18000" tIns="0" rIns="18000" bIns="0" rtlCol="0">
+            <a:bodyPr wrap="none" lIns="18000" tIns="0" rIns="18000" bIns="0" rtlCol="0">
               <a:spAutoFit/>
             </a:bodyPr>
             <a:lstStyle/>
             <a:p>
               <a:pPr algn="ctr"/>
               <a:r>
-                <a:rPr lang="fr-BE" sz="1100" dirty="0" smtClean="0"/>
-                <a:t>o</a:t>
-              </a:r>
-              <a:r>
-                <a:rPr lang="fr-BE" sz="1100" dirty="0" smtClean="0"/>
-                <a:t>pen </a:t>
-              </a:r>
-              <a:r>
-                <a:rPr lang="fr-BE" sz="1100" dirty="0" err="1" smtClean="0"/>
-                <a:t>d</a:t>
-              </a:r>
-              <a:r>
-                <a:rPr lang="fr-BE" sz="1100" dirty="0" err="1" smtClean="0"/>
-                <a:t>oors</a:t>
-              </a:r>
-              <a:endParaRPr lang="fr-BE" sz="1100" dirty="0"/>
+                <a:rPr lang="fr-BE" sz="1300" dirty="0" smtClean="0"/>
+                <a:t>open </a:t>
+              </a:r>
+              <a:r>
+                <a:rPr lang="fr-BE" sz="1300" dirty="0" err="1" smtClean="0"/>
+                <a:t>doors</a:t>
+              </a:r>
+              <a:endParaRPr lang="fr-BE" sz="1300" dirty="0"/>
             </a:p>
           </p:txBody>
         </p:sp>
@@ -14041,7 +13988,7 @@
           </p:nvSpPr>
           <p:spPr>
             <a:xfrm>
-              <a:off x="5091130" y="3049653"/>
+              <a:off x="5091130" y="3265853"/>
               <a:ext cx="344966" cy="461665"/>
             </a:xfrm>
             <a:prstGeom prst="rect">
@@ -14071,8 +14018,8 @@
           </p:nvSpPr>
           <p:spPr>
             <a:xfrm>
-              <a:off x="5645752" y="2564904"/>
-              <a:ext cx="300848" cy="169277"/>
+              <a:off x="5622061" y="2781104"/>
+              <a:ext cx="348232" cy="200055"/>
             </a:xfrm>
             <a:prstGeom prst="rect">
               <a:avLst/>
@@ -14092,28 +14039,13 @@
             <a:p>
               <a:pPr algn="ctr"/>
               <a:r>
-                <a:rPr lang="fr-BE" sz="1100" dirty="0" err="1" smtClean="0"/>
+                <a:rPr lang="fr-BE" sz="1300" dirty="0" err="1" smtClean="0"/>
                 <a:t>start</a:t>
               </a:r>
-              <a:endParaRPr lang="fr-BE" sz="1100" dirty="0"/>
+              <a:endParaRPr lang="fr-BE" sz="1300" dirty="0"/>
             </a:p>
           </p:txBody>
         </p:sp>
-      </p:grpSp>
-      <p:grpSp>
-        <p:nvGrpSpPr>
-          <p:cNvPr id="88" name="Groupe 87"/>
-          <p:cNvGrpSpPr/>
-          <p:nvPr/>
-        </p:nvGrpSpPr>
-        <p:grpSpPr>
-          <a:xfrm>
-            <a:off x="4495800" y="332656"/>
-            <a:ext cx="3748608" cy="1584000"/>
-            <a:chOff x="4495800" y="404664"/>
-            <a:chExt cx="3748608" cy="1584000"/>
-          </a:xfrm>
-        </p:grpSpPr>
         <p:sp>
           <p:nvSpPr>
             <p:cNvPr id="67" name="Rectangle 66"/>
@@ -14122,8 +14054,8 @@
           </p:nvSpPr>
           <p:spPr>
             <a:xfrm>
-              <a:off x="4495800" y="404664"/>
-              <a:ext cx="1084312" cy="324000"/>
+              <a:off x="4446637" y="332656"/>
+              <a:ext cx="1182638" cy="324000"/>
             </a:xfrm>
             <a:prstGeom prst="rect">
               <a:avLst/>
@@ -14144,15 +14076,15 @@
             </a:fontRef>
           </p:style>
           <p:txBody>
-            <a:bodyPr lIns="36000" tIns="36000" rIns="36000" bIns="36000" rtlCol="0" anchor="ctr" anchorCtr="0"/>
+            <a:bodyPr lIns="0" tIns="0" rIns="0" bIns="0" rtlCol="0" anchor="ctr" anchorCtr="0"/>
             <a:lstStyle/>
             <a:p>
               <a:pPr algn="ctr"/>
               <a:r>
-                <a:rPr lang="fr-BE" sz="1100" dirty="0" smtClean="0"/>
+                <a:rPr lang="fr-BE" sz="1300" dirty="0" smtClean="0"/>
                 <a:t>Train Controller</a:t>
               </a:r>
-              <a:endParaRPr lang="fr-BE" sz="1100" dirty="0"/>
+              <a:endParaRPr lang="fr-BE" sz="1300" dirty="0"/>
             </a:p>
           </p:txBody>
         </p:sp>
@@ -14164,8 +14096,8 @@
           </p:nvSpPr>
           <p:spPr>
             <a:xfrm>
-              <a:off x="5796136" y="404664"/>
-              <a:ext cx="1440160" cy="324000"/>
+              <a:off x="5872336" y="332656"/>
+              <a:ext cx="1287760" cy="324000"/>
             </a:xfrm>
             <a:prstGeom prst="rect">
               <a:avLst/>
@@ -14186,27 +14118,23 @@
             </a:fontRef>
           </p:style>
           <p:txBody>
-            <a:bodyPr lIns="36000" tIns="36000" rIns="36000" bIns="36000" rtlCol="0" anchor="ctr"/>
+            <a:bodyPr lIns="0" tIns="0" rIns="0" bIns="0" rtlCol="0" anchor="ctr"/>
             <a:lstStyle/>
             <a:p>
               <a:pPr algn="ctr"/>
               <a:r>
-                <a:rPr lang="fr-BE" sz="1100" dirty="0" smtClean="0"/>
-                <a:t>Train </a:t>
-              </a:r>
-              <a:r>
-                <a:rPr lang="fr-BE" sz="1100" dirty="0" err="1" smtClean="0"/>
+                <a:rPr lang="fr-BE" sz="1300" dirty="0" err="1" smtClean="0"/>
                 <a:t>Actuator</a:t>
               </a:r>
               <a:r>
-                <a:rPr lang="fr-BE" sz="1100" dirty="0" smtClean="0"/>
+                <a:rPr lang="fr-BE" sz="1300" dirty="0" smtClean="0"/>
                 <a:t>/</a:t>
               </a:r>
               <a:r>
-                <a:rPr lang="fr-BE" sz="1100" dirty="0" err="1" smtClean="0"/>
+                <a:rPr lang="fr-BE" sz="1300" dirty="0" err="1" smtClean="0"/>
                 <a:t>Sensor</a:t>
               </a:r>
-              <a:endParaRPr lang="fr-BE" sz="1100" dirty="0"/>
+              <a:endParaRPr lang="fr-BE" sz="1300" dirty="0"/>
             </a:p>
           </p:txBody>
         </p:sp>
@@ -14218,8 +14146,8 @@
           </p:nvSpPr>
           <p:spPr>
             <a:xfrm>
-              <a:off x="7524328" y="404664"/>
-              <a:ext cx="720080" cy="324000"/>
+              <a:off x="7469088" y="332656"/>
+              <a:ext cx="830560" cy="324000"/>
             </a:xfrm>
             <a:prstGeom prst="rect">
               <a:avLst/>
@@ -14240,15 +14168,15 @@
             </a:fontRef>
           </p:style>
           <p:txBody>
-            <a:bodyPr lIns="36000" tIns="36000" rIns="36000" bIns="36000" rtlCol="0" anchor="ctr"/>
+            <a:bodyPr lIns="0" tIns="0" rIns="0" bIns="0" rtlCol="0" anchor="ctr"/>
             <a:lstStyle/>
             <a:p>
               <a:pPr algn="ctr"/>
               <a:r>
-                <a:rPr lang="fr-BE" sz="1100" dirty="0" err="1" smtClean="0"/>
+                <a:rPr lang="fr-BE" sz="1300" dirty="0" err="1" smtClean="0"/>
                 <a:t>Passenger</a:t>
               </a:r>
-              <a:endParaRPr lang="fr-BE" sz="1100" dirty="0" smtClean="0"/>
+              <a:endParaRPr lang="fr-BE" sz="1300" dirty="0" smtClean="0"/>
             </a:p>
           </p:txBody>
         </p:sp>
@@ -14262,7 +14190,7 @@
           </p:nvCxnSpPr>
           <p:spPr>
             <a:xfrm rot="5400000">
-              <a:off x="4407559" y="1358267"/>
+              <a:off x="4407559" y="1286259"/>
               <a:ext cx="1260000" cy="794"/>
             </a:xfrm>
             <a:prstGeom prst="straightConnector1">
@@ -14297,7 +14225,7 @@
           </p:nvCxnSpPr>
           <p:spPr>
             <a:xfrm rot="5400000">
-              <a:off x="5885819" y="1358267"/>
+              <a:off x="5885819" y="1286259"/>
               <a:ext cx="1260000" cy="794"/>
             </a:xfrm>
             <a:prstGeom prst="straightConnector1">
@@ -14332,7 +14260,7 @@
           </p:nvCxnSpPr>
           <p:spPr>
             <a:xfrm rot="5400000">
-              <a:off x="7253971" y="1358267"/>
+              <a:off x="7253971" y="1286259"/>
               <a:ext cx="1260000" cy="794"/>
             </a:xfrm>
             <a:prstGeom prst="straightConnector1">
@@ -14365,7 +14293,7 @@
           </p:nvCxnSpPr>
           <p:spPr>
             <a:xfrm>
-              <a:off x="5037956" y="937123"/>
+              <a:off x="5037956" y="865115"/>
               <a:ext cx="1471563" cy="1588"/>
             </a:xfrm>
             <a:prstGeom prst="straightConnector1">
@@ -14398,8 +14326,8 @@
           </p:nvSpPr>
           <p:spPr>
             <a:xfrm>
-              <a:off x="5594510" y="826060"/>
-              <a:ext cx="300848" cy="169277"/>
+              <a:off x="5570819" y="754052"/>
+              <a:ext cx="348232" cy="200055"/>
             </a:xfrm>
             <a:prstGeom prst="rect">
               <a:avLst/>
@@ -14419,10 +14347,10 @@
             <a:p>
               <a:pPr algn="ctr"/>
               <a:r>
-                <a:rPr lang="fr-BE" sz="1100" dirty="0" err="1" smtClean="0"/>
+                <a:rPr lang="fr-BE" sz="1300" dirty="0" err="1" smtClean="0"/>
                 <a:t>start</a:t>
               </a:r>
-              <a:endParaRPr lang="fr-BE" sz="1100" dirty="0"/>
+              <a:endParaRPr lang="fr-BE" sz="1300" dirty="0"/>
             </a:p>
           </p:txBody>
         </p:sp>
@@ -14434,7 +14362,7 @@
           </p:nvCxnSpPr>
           <p:spPr>
             <a:xfrm flipH="1">
-              <a:off x="6542049" y="1283379"/>
+              <a:off x="6542049" y="1211371"/>
               <a:ext cx="1332000" cy="1588"/>
             </a:xfrm>
             <a:prstGeom prst="straightConnector1">
@@ -14467,8 +14395,8 @@
           </p:nvSpPr>
           <p:spPr>
             <a:xfrm>
-              <a:off x="6789807" y="1160712"/>
-              <a:ext cx="858693" cy="169277"/>
+              <a:off x="6721968" y="1088704"/>
+              <a:ext cx="994371" cy="200055"/>
             </a:xfrm>
             <a:prstGeom prst="rect">
               <a:avLst/>
@@ -14488,18 +14416,18 @@
             <a:p>
               <a:pPr algn="ctr"/>
               <a:r>
-                <a:rPr lang="fr-BE" sz="1100" dirty="0" err="1" smtClean="0"/>
+                <a:rPr lang="fr-BE" sz="1300" dirty="0" err="1" smtClean="0"/>
                 <a:t>alarm</a:t>
               </a:r>
               <a:r>
-                <a:rPr lang="fr-BE" sz="1100" dirty="0" smtClean="0"/>
+                <a:rPr lang="fr-BE" sz="1300" dirty="0" smtClean="0"/>
                 <a:t> </a:t>
               </a:r>
               <a:r>
-                <a:rPr lang="fr-BE" sz="1100" dirty="0" err="1" smtClean="0"/>
+                <a:rPr lang="fr-BE" sz="1300" dirty="0" err="1" smtClean="0"/>
                 <a:t>pressed</a:t>
               </a:r>
-              <a:endParaRPr lang="fr-BE" sz="1100" dirty="0"/>
+              <a:endParaRPr lang="fr-BE" sz="1300" dirty="0"/>
             </a:p>
           </p:txBody>
         </p:sp>
@@ -14511,7 +14439,7 @@
           </p:nvCxnSpPr>
           <p:spPr>
             <a:xfrm>
-              <a:off x="5037956" y="1577440"/>
+              <a:off x="5037956" y="1505432"/>
               <a:ext cx="1471563" cy="1588"/>
             </a:xfrm>
             <a:prstGeom prst="straightConnector1">
@@ -14544,8 +14472,8 @@
           </p:nvSpPr>
           <p:spPr>
             <a:xfrm>
-              <a:off x="5269103" y="1466377"/>
-              <a:ext cx="951667" cy="169277"/>
+              <a:off x="5185331" y="1394369"/>
+              <a:ext cx="1119212" cy="200055"/>
             </a:xfrm>
             <a:prstGeom prst="rect">
               <a:avLst/>
@@ -14565,10 +14493,10 @@
             <a:p>
               <a:pPr algn="ctr"/>
               <a:r>
-                <a:rPr lang="fr-BE" sz="1100" dirty="0" smtClean="0"/>
+                <a:rPr lang="fr-BE" sz="1300" dirty="0" smtClean="0"/>
                 <a:t>emergency stop</a:t>
               </a:r>
-              <a:endParaRPr lang="fr-BE" sz="1100" dirty="0"/>
+              <a:endParaRPr lang="fr-BE" sz="1300" dirty="0"/>
             </a:p>
           </p:txBody>
         </p:sp>
@@ -14580,7 +14508,7 @@
           </p:nvCxnSpPr>
           <p:spPr>
             <a:xfrm>
-              <a:off x="5037956" y="1750570"/>
+              <a:off x="5037956" y="1678562"/>
               <a:ext cx="1471563" cy="1588"/>
             </a:xfrm>
             <a:prstGeom prst="straightConnector1">
@@ -14613,8 +14541,8 @@
           </p:nvSpPr>
           <p:spPr>
             <a:xfrm>
-              <a:off x="5246659" y="1639507"/>
-              <a:ext cx="996551" cy="169277"/>
+              <a:off x="5158751" y="1567499"/>
+              <a:ext cx="1172368" cy="200055"/>
             </a:xfrm>
             <a:prstGeom prst="rect">
               <a:avLst/>
@@ -14634,10 +14562,10 @@
             <a:p>
               <a:pPr algn="ctr"/>
               <a:r>
-                <a:rPr lang="fr-BE" sz="1100" dirty="0" smtClean="0"/>
+                <a:rPr lang="fr-BE" sz="1300" dirty="0" smtClean="0"/>
                 <a:t>emergency open</a:t>
               </a:r>
-              <a:endParaRPr lang="fr-BE" sz="1100" dirty="0"/>
+              <a:endParaRPr lang="fr-BE" sz="1300" dirty="0"/>
             </a:p>
           </p:txBody>
         </p:sp>
@@ -14649,7 +14577,7 @@
           </p:nvCxnSpPr>
           <p:spPr>
             <a:xfrm flipH="1">
-              <a:off x="5043859" y="1415791"/>
+              <a:off x="5043859" y="1343783"/>
               <a:ext cx="1471563" cy="1588"/>
             </a:xfrm>
             <a:prstGeom prst="straightConnector1">
@@ -14682,8 +14610,8 @@
           </p:nvSpPr>
           <p:spPr>
             <a:xfrm>
-              <a:off x="5208187" y="1304728"/>
-              <a:ext cx="1073495" cy="169277"/>
+              <a:off x="5151547" y="1232720"/>
+              <a:ext cx="1243926" cy="200055"/>
             </a:xfrm>
             <a:prstGeom prst="rect">
               <a:avLst/>
@@ -14703,95 +14631,95 @@
             <a:p>
               <a:pPr algn="ctr"/>
               <a:r>
-                <a:rPr lang="fr-BE" sz="1100" dirty="0" err="1" smtClean="0"/>
+                <a:rPr lang="fr-BE" sz="1300" dirty="0" err="1" smtClean="0"/>
                 <a:t>alarm</a:t>
               </a:r>
               <a:r>
-                <a:rPr lang="fr-BE" sz="1100" dirty="0" smtClean="0"/>
+                <a:rPr lang="fr-BE" sz="1300" dirty="0" smtClean="0"/>
                 <a:t> </a:t>
               </a:r>
               <a:r>
-                <a:rPr lang="fr-BE" sz="1100" dirty="0" err="1" smtClean="0"/>
+                <a:rPr lang="fr-BE" sz="1300" dirty="0" err="1" smtClean="0"/>
                 <a:t>propagated</a:t>
               </a:r>
-              <a:endParaRPr lang="fr-BE" sz="1100" dirty="0"/>
+              <a:endParaRPr lang="fr-BE" sz="1300" dirty="0"/>
             </a:p>
           </p:txBody>
         </p:sp>
+        <p:cxnSp>
+          <p:nvCxnSpPr>
+            <p:cNvPr id="90" name="Connecteur droit 89"/>
+            <p:cNvCxnSpPr/>
+            <p:nvPr/>
+          </p:nvCxnSpPr>
+          <p:spPr>
+            <a:xfrm rot="5400000">
+              <a:off x="2483976" y="2060640"/>
+              <a:ext cx="3744000" cy="0"/>
+            </a:xfrm>
+            <a:prstGeom prst="line">
+              <a:avLst/>
+            </a:prstGeom>
+            <a:ln>
+              <a:solidFill>
+                <a:schemeClr val="tx1"/>
+              </a:solidFill>
+            </a:ln>
+          </p:spPr>
+          <p:style>
+            <a:lnRef idx="1">
+              <a:schemeClr val="accent1"/>
+            </a:lnRef>
+            <a:fillRef idx="0">
+              <a:schemeClr val="accent1"/>
+            </a:fillRef>
+            <a:effectRef idx="0">
+              <a:schemeClr val="accent1"/>
+            </a:effectRef>
+            <a:fontRef idx="minor">
+              <a:schemeClr val="tx1"/>
+            </a:fontRef>
+          </p:style>
+        </p:cxnSp>
+        <p:cxnSp>
+          <p:nvCxnSpPr>
+            <p:cNvPr id="91" name="Connecteur droit 90"/>
+            <p:cNvCxnSpPr/>
+            <p:nvPr/>
+          </p:nvCxnSpPr>
+          <p:spPr>
+            <a:xfrm rot="10800000" flipV="1">
+              <a:off x="315230" y="2060848"/>
+              <a:ext cx="8064000" cy="0"/>
+            </a:xfrm>
+            <a:prstGeom prst="line">
+              <a:avLst/>
+            </a:prstGeom>
+            <a:ln>
+              <a:solidFill>
+                <a:schemeClr val="tx1"/>
+              </a:solidFill>
+            </a:ln>
+          </p:spPr>
+          <p:style>
+            <a:lnRef idx="1">
+              <a:schemeClr val="accent1"/>
+            </a:lnRef>
+            <a:fillRef idx="0">
+              <a:schemeClr val="accent1"/>
+            </a:fillRef>
+            <a:effectRef idx="0">
+              <a:schemeClr val="accent1"/>
+            </a:effectRef>
+            <a:fontRef idx="minor">
+              <a:schemeClr val="tx1"/>
+            </a:fontRef>
+          </p:style>
+        </p:cxnSp>
       </p:grpSp>
-      <p:cxnSp>
-        <p:nvCxnSpPr>
-          <p:cNvPr id="90" name="Connecteur droit 89"/>
-          <p:cNvCxnSpPr/>
-          <p:nvPr/>
-        </p:nvCxnSpPr>
-        <p:spPr>
-          <a:xfrm rot="5400000">
-            <a:off x="2483976" y="2060640"/>
-            <a:ext cx="3744000" cy="0"/>
-          </a:xfrm>
-          <a:prstGeom prst="line">
-            <a:avLst/>
-          </a:prstGeom>
-          <a:ln>
-            <a:solidFill>
-              <a:schemeClr val="tx1"/>
-            </a:solidFill>
-          </a:ln>
-        </p:spPr>
-        <p:style>
-          <a:lnRef idx="1">
-            <a:schemeClr val="accent1"/>
-          </a:lnRef>
-          <a:fillRef idx="0">
-            <a:schemeClr val="accent1"/>
-          </a:fillRef>
-          <a:effectRef idx="0">
-            <a:schemeClr val="accent1"/>
-          </a:effectRef>
-          <a:fontRef idx="minor">
-            <a:schemeClr val="tx1"/>
-          </a:fontRef>
-        </p:style>
-      </p:cxnSp>
-      <p:cxnSp>
-        <p:nvCxnSpPr>
-          <p:cNvPr id="91" name="Connecteur droit 90"/>
-          <p:cNvCxnSpPr/>
-          <p:nvPr/>
-        </p:nvCxnSpPr>
-        <p:spPr>
-          <a:xfrm rot="10800000" flipV="1">
-            <a:off x="315230" y="2060848"/>
-            <a:ext cx="8064000" cy="0"/>
-          </a:xfrm>
-          <a:prstGeom prst="line">
-            <a:avLst/>
-          </a:prstGeom>
-          <a:ln>
-            <a:solidFill>
-              <a:schemeClr val="tx1"/>
-            </a:solidFill>
-          </a:ln>
-        </p:spPr>
-        <p:style>
-          <a:lnRef idx="1">
-            <a:schemeClr val="accent1"/>
-          </a:lnRef>
-          <a:fillRef idx="0">
-            <a:schemeClr val="accent1"/>
-          </a:fillRef>
-          <a:effectRef idx="0">
-            <a:schemeClr val="accent1"/>
-          </a:effectRef>
-          <a:fontRef idx="minor">
-            <a:schemeClr val="tx1"/>
-          </a:fontRef>
-        </p:style>
-      </p:cxnSp>
       <p:grpSp>
         <p:nvGrpSpPr>
-          <p:cNvPr id="111" name="Groupe 110"/>
+          <p:cNvPr id="135" name="Groupe 134"/>
           <p:cNvGrpSpPr/>
           <p:nvPr/>
         </p:nvGrpSpPr>
@@ -14845,536 +14773,517 @@
             </a:p>
           </p:txBody>
         </p:sp>
-        <p:grpSp>
-          <p:nvGrpSpPr>
-            <p:cNvPr id="109" name="Groupe 108"/>
-            <p:cNvGrpSpPr/>
-            <p:nvPr/>
-          </p:nvGrpSpPr>
-          <p:grpSpPr>
+        <p:cxnSp>
+          <p:nvCxnSpPr>
+            <p:cNvPr id="95" name="Connecteur droit 94"/>
+            <p:cNvCxnSpPr/>
+            <p:nvPr/>
+          </p:nvCxnSpPr>
+          <p:spPr>
             <a:xfrm>
-              <a:off x="2627784" y="4653136"/>
-              <a:ext cx="3748608" cy="1476000"/>
-              <a:chOff x="2627784" y="4653136"/>
-              <a:chExt cx="3748608" cy="1476000"/>
-            </a:xfrm>
-          </p:grpSpPr>
-          <p:cxnSp>
-            <p:nvCxnSpPr>
-              <p:cNvPr id="95" name="Connecteur droit 94"/>
-              <p:cNvCxnSpPr/>
-              <p:nvPr/>
-            </p:nvCxnSpPr>
-            <p:spPr>
-              <a:xfrm>
-                <a:off x="2926358" y="5623148"/>
-                <a:ext cx="3348000" cy="0"/>
-              </a:xfrm>
-              <a:prstGeom prst="line">
-                <a:avLst/>
-              </a:prstGeom>
-              <a:ln>
-                <a:prstDash val="sysDash"/>
-              </a:ln>
-            </p:spPr>
-            <p:style>
-              <a:lnRef idx="2">
-                <a:schemeClr val="dk1"/>
-              </a:lnRef>
-              <a:fillRef idx="0">
-                <a:schemeClr val="dk1"/>
-              </a:fillRef>
-              <a:effectRef idx="1">
-                <a:schemeClr val="dk1"/>
-              </a:effectRef>
-              <a:fontRef idx="minor">
-                <a:schemeClr val="tx1"/>
-              </a:fontRef>
-            </p:style>
-          </p:cxnSp>
-          <p:sp>
-            <p:nvSpPr>
-              <p:cNvPr id="96" name="Rectangle 95"/>
-              <p:cNvSpPr/>
-              <p:nvPr/>
-            </p:nvSpPr>
-            <p:spPr>
-              <a:xfrm>
-                <a:off x="2627784" y="4653136"/>
-                <a:ext cx="1084312" cy="324000"/>
-              </a:xfrm>
-              <a:prstGeom prst="rect">
-                <a:avLst/>
-              </a:prstGeom>
-            </p:spPr>
-            <p:style>
-              <a:lnRef idx="2">
-                <a:schemeClr val="dk1"/>
-              </a:lnRef>
-              <a:fillRef idx="1">
-                <a:schemeClr val="lt1"/>
-              </a:fillRef>
-              <a:effectRef idx="0">
-                <a:schemeClr val="dk1"/>
-              </a:effectRef>
-              <a:fontRef idx="minor">
-                <a:schemeClr val="dk1"/>
-              </a:fontRef>
-            </p:style>
-            <p:txBody>
-              <a:bodyPr lIns="36000" tIns="36000" rIns="36000" bIns="36000" rtlCol="0" anchor="ctr" anchorCtr="0"/>
-              <a:lstStyle/>
-              <a:p>
-                <a:pPr algn="ctr"/>
-                <a:r>
-                  <a:rPr lang="fr-BE" sz="1100" dirty="0" smtClean="0"/>
-                  <a:t>Train Controller</a:t>
-                </a:r>
-                <a:endParaRPr lang="fr-BE" sz="1100" dirty="0"/>
-              </a:p>
-            </p:txBody>
-          </p:sp>
-          <p:sp>
-            <p:nvSpPr>
-              <p:cNvPr id="97" name="Rectangle 96"/>
-              <p:cNvSpPr/>
-              <p:nvPr/>
-            </p:nvSpPr>
-            <p:spPr>
-              <a:xfrm>
-                <a:off x="3928120" y="4653136"/>
-                <a:ext cx="1440160" cy="324000"/>
-              </a:xfrm>
-              <a:prstGeom prst="rect">
-                <a:avLst/>
-              </a:prstGeom>
-            </p:spPr>
-            <p:style>
-              <a:lnRef idx="2">
-                <a:schemeClr val="dk1"/>
-              </a:lnRef>
-              <a:fillRef idx="1">
-                <a:schemeClr val="lt1"/>
-              </a:fillRef>
-              <a:effectRef idx="0">
-                <a:schemeClr val="dk1"/>
-              </a:effectRef>
-              <a:fontRef idx="minor">
-                <a:schemeClr val="dk1"/>
-              </a:fontRef>
-            </p:style>
-            <p:txBody>
-              <a:bodyPr lIns="36000" tIns="36000" rIns="36000" bIns="36000" rtlCol="0" anchor="ctr"/>
-              <a:lstStyle/>
-              <a:p>
-                <a:pPr algn="ctr"/>
-                <a:r>
-                  <a:rPr lang="fr-BE" sz="1100" dirty="0" smtClean="0"/>
-                  <a:t>Train </a:t>
-                </a:r>
-                <a:r>
-                  <a:rPr lang="fr-BE" sz="1100" dirty="0" err="1" smtClean="0"/>
-                  <a:t>Actuator</a:t>
-                </a:r>
-                <a:r>
-                  <a:rPr lang="fr-BE" sz="1100" dirty="0" smtClean="0"/>
-                  <a:t>/</a:t>
-                </a:r>
-                <a:r>
-                  <a:rPr lang="fr-BE" sz="1100" dirty="0" err="1" smtClean="0"/>
-                  <a:t>Sensor</a:t>
-                </a:r>
-                <a:endParaRPr lang="fr-BE" sz="1100" dirty="0"/>
-              </a:p>
-            </p:txBody>
-          </p:sp>
-          <p:sp>
-            <p:nvSpPr>
-              <p:cNvPr id="98" name="Rectangle 97"/>
-              <p:cNvSpPr/>
-              <p:nvPr/>
-            </p:nvSpPr>
-            <p:spPr>
-              <a:xfrm>
-                <a:off x="5656312" y="4653136"/>
-                <a:ext cx="720080" cy="324000"/>
-              </a:xfrm>
-              <a:prstGeom prst="rect">
-                <a:avLst/>
-              </a:prstGeom>
-            </p:spPr>
-            <p:style>
-              <a:lnRef idx="2">
-                <a:schemeClr val="dk1"/>
-              </a:lnRef>
-              <a:fillRef idx="1">
-                <a:schemeClr val="lt1"/>
-              </a:fillRef>
-              <a:effectRef idx="0">
-                <a:schemeClr val="dk1"/>
-              </a:effectRef>
-              <a:fontRef idx="minor">
-                <a:schemeClr val="dk1"/>
-              </a:fontRef>
-            </p:style>
-            <p:txBody>
-              <a:bodyPr lIns="36000" tIns="36000" rIns="36000" bIns="36000" rtlCol="0" anchor="ctr"/>
-              <a:lstStyle/>
-              <a:p>
-                <a:pPr algn="ctr"/>
-                <a:r>
-                  <a:rPr lang="fr-BE" sz="1100" dirty="0" err="1" smtClean="0"/>
-                  <a:t>Passenger</a:t>
-                </a:r>
-                <a:endParaRPr lang="fr-BE" sz="1100" dirty="0" smtClean="0"/>
-              </a:p>
-            </p:txBody>
-          </p:sp>
-          <p:cxnSp>
-            <p:nvCxnSpPr>
-              <p:cNvPr id="99" name="Connecteur droit avec flèche 98"/>
-              <p:cNvCxnSpPr>
-                <a:stCxn id="96" idx="2"/>
-              </p:cNvCxnSpPr>
-              <p:nvPr/>
-            </p:nvCxnSpPr>
-            <p:spPr>
-              <a:xfrm rot="5400000">
-                <a:off x="2593543" y="5552739"/>
-                <a:ext cx="1152000" cy="794"/>
-              </a:xfrm>
-              <a:prstGeom prst="straightConnector1">
-                <a:avLst/>
-              </a:prstGeom>
-              <a:ln>
-                <a:tailEnd type="triangle"/>
-              </a:ln>
-            </p:spPr>
-            <p:style>
-              <a:lnRef idx="2">
-                <a:schemeClr val="dk1"/>
-              </a:lnRef>
-              <a:fillRef idx="0">
-                <a:schemeClr val="dk1"/>
-              </a:fillRef>
-              <a:effectRef idx="1">
-                <a:schemeClr val="dk1"/>
-              </a:effectRef>
-              <a:fontRef idx="minor">
-                <a:schemeClr val="tx1"/>
-              </a:fontRef>
-            </p:style>
-          </p:cxnSp>
-          <p:cxnSp>
-            <p:nvCxnSpPr>
-              <p:cNvPr id="100" name="Connecteur droit avec flèche 99"/>
-              <p:cNvCxnSpPr>
-                <a:stCxn id="97" idx="2"/>
-              </p:cNvCxnSpPr>
-              <p:nvPr/>
-            </p:nvCxnSpPr>
-            <p:spPr>
-              <a:xfrm rot="5400000">
-                <a:off x="4071803" y="5552739"/>
-                <a:ext cx="1152000" cy="794"/>
-              </a:xfrm>
-              <a:prstGeom prst="straightConnector1">
-                <a:avLst/>
-              </a:prstGeom>
-              <a:ln>
-                <a:tailEnd type="triangle"/>
-              </a:ln>
-            </p:spPr>
-            <p:style>
-              <a:lnRef idx="2">
-                <a:schemeClr val="dk1"/>
-              </a:lnRef>
-              <a:fillRef idx="0">
-                <a:schemeClr val="dk1"/>
-              </a:fillRef>
-              <a:effectRef idx="1">
-                <a:schemeClr val="dk1"/>
-              </a:effectRef>
-              <a:fontRef idx="minor">
-                <a:schemeClr val="tx1"/>
-              </a:fontRef>
-            </p:style>
-          </p:cxnSp>
-          <p:cxnSp>
-            <p:nvCxnSpPr>
-              <p:cNvPr id="101" name="Connecteur droit avec flèche 100"/>
-              <p:cNvCxnSpPr>
-                <a:stCxn id="98" idx="2"/>
-              </p:cNvCxnSpPr>
-              <p:nvPr/>
-            </p:nvCxnSpPr>
-            <p:spPr>
-              <a:xfrm rot="5400000">
-                <a:off x="5439955" y="5552739"/>
-                <a:ext cx="1152000" cy="794"/>
-              </a:xfrm>
-              <a:prstGeom prst="straightConnector1">
-                <a:avLst/>
-              </a:prstGeom>
-              <a:ln>
-                <a:tailEnd type="triangle"/>
-              </a:ln>
-            </p:spPr>
-            <p:style>
-              <a:lnRef idx="2">
-                <a:schemeClr val="dk1"/>
-              </a:lnRef>
-              <a:fillRef idx="0">
-                <a:schemeClr val="dk1"/>
-              </a:fillRef>
-              <a:effectRef idx="1">
-                <a:schemeClr val="dk1"/>
-              </a:effectRef>
-              <a:fontRef idx="minor">
-                <a:schemeClr val="tx1"/>
-              </a:fontRef>
-            </p:style>
-          </p:cxnSp>
-          <p:cxnSp>
-            <p:nvCxnSpPr>
-              <p:cNvPr id="102" name="Connecteur droit avec flèche 101"/>
-              <p:cNvCxnSpPr/>
-              <p:nvPr/>
-            </p:nvCxnSpPr>
-            <p:spPr>
-              <a:xfrm>
-                <a:off x="3169940" y="5180185"/>
-                <a:ext cx="1471563" cy="1588"/>
-              </a:xfrm>
-              <a:prstGeom prst="straightConnector1">
-                <a:avLst/>
-              </a:prstGeom>
-              <a:ln>
-                <a:tailEnd type="triangle"/>
-              </a:ln>
-            </p:spPr>
-            <p:style>
-              <a:lnRef idx="1">
-                <a:schemeClr val="dk1"/>
-              </a:lnRef>
-              <a:fillRef idx="0">
-                <a:schemeClr val="dk1"/>
-              </a:fillRef>
-              <a:effectRef idx="0">
-                <a:schemeClr val="dk1"/>
-              </a:effectRef>
-              <a:fontRef idx="minor">
-                <a:schemeClr val="tx1"/>
-              </a:fontRef>
-            </p:style>
-          </p:cxnSp>
-          <p:cxnSp>
-            <p:nvCxnSpPr>
-              <p:cNvPr id="103" name="Connecteur droit avec flèche 102"/>
-              <p:cNvCxnSpPr/>
-              <p:nvPr/>
-            </p:nvCxnSpPr>
-            <p:spPr>
-              <a:xfrm flipV="1">
-                <a:off x="3169940" y="5870665"/>
-                <a:ext cx="1476000" cy="862"/>
-              </a:xfrm>
-              <a:prstGeom prst="straightConnector1">
-                <a:avLst/>
-              </a:prstGeom>
-              <a:ln>
-                <a:tailEnd type="triangle"/>
-              </a:ln>
-            </p:spPr>
-            <p:style>
-              <a:lnRef idx="1">
-                <a:schemeClr val="dk1"/>
-              </a:lnRef>
-              <a:fillRef idx="0">
-                <a:schemeClr val="dk1"/>
-              </a:fillRef>
-              <a:effectRef idx="0">
-                <a:schemeClr val="dk1"/>
-              </a:effectRef>
-              <a:fontRef idx="minor">
-                <a:schemeClr val="tx1"/>
-              </a:fontRef>
-            </p:style>
-          </p:cxnSp>
-          <p:sp>
-            <p:nvSpPr>
-              <p:cNvPr id="104" name="ZoneTexte 103"/>
-              <p:cNvSpPr txBox="1"/>
-              <p:nvPr/>
-            </p:nvSpPr>
-            <p:spPr>
-              <a:xfrm>
-                <a:off x="3568160" y="5776526"/>
-                <a:ext cx="720000" cy="169277"/>
-              </a:xfrm>
-              <a:prstGeom prst="rect">
-                <a:avLst/>
-              </a:prstGeom>
-              <a:solidFill>
-                <a:schemeClr val="lt1"/>
-              </a:solidFill>
-              <a:ln>
-                <a:noFill/>
-              </a:ln>
-            </p:spPr>
-            <p:txBody>
-              <a:bodyPr wrap="square" lIns="18000" tIns="0" rIns="18000" bIns="0" rtlCol="0">
-                <a:spAutoFit/>
-              </a:bodyPr>
-              <a:lstStyle/>
-              <a:p>
-                <a:pPr algn="ctr"/>
-                <a:r>
-                  <a:rPr lang="fr-BE" sz="1100" dirty="0" err="1" smtClean="0"/>
-                  <a:t>start</a:t>
-                </a:r>
-                <a:endParaRPr lang="fr-BE" sz="1100" dirty="0"/>
-              </a:p>
-            </p:txBody>
-          </p:sp>
-          <p:sp>
-            <p:nvSpPr>
-              <p:cNvPr id="106" name="ZoneTexte 105"/>
-              <p:cNvSpPr txBox="1"/>
-              <p:nvPr/>
-            </p:nvSpPr>
-            <p:spPr>
-              <a:xfrm>
-                <a:off x="3777736" y="5085184"/>
-                <a:ext cx="300848" cy="169277"/>
-              </a:xfrm>
-              <a:prstGeom prst="rect">
-                <a:avLst/>
-              </a:prstGeom>
-              <a:solidFill>
-                <a:schemeClr val="lt1"/>
-              </a:solidFill>
-              <a:ln>
-                <a:noFill/>
-              </a:ln>
-            </p:spPr>
-            <p:txBody>
-              <a:bodyPr wrap="none" lIns="18000" tIns="0" rIns="18000" bIns="0" rtlCol="0">
-                <a:spAutoFit/>
-              </a:bodyPr>
-              <a:lstStyle/>
-              <a:p>
-                <a:pPr algn="ctr"/>
-                <a:r>
-                  <a:rPr lang="fr-BE" sz="1100" dirty="0" err="1" smtClean="0"/>
-                  <a:t>start</a:t>
-                </a:r>
-                <a:endParaRPr lang="fr-BE" sz="1100" dirty="0"/>
-              </a:p>
-            </p:txBody>
-          </p:sp>
-          <p:cxnSp>
-            <p:nvCxnSpPr>
-              <p:cNvPr id="107" name="Connecteur droit avec flèche 106"/>
-              <p:cNvCxnSpPr/>
-              <p:nvPr/>
-            </p:nvCxnSpPr>
-            <p:spPr>
-              <a:xfrm>
-                <a:off x="3166095" y="5370948"/>
-                <a:ext cx="1471563" cy="1588"/>
-              </a:xfrm>
-              <a:prstGeom prst="straightConnector1">
-                <a:avLst/>
-              </a:prstGeom>
-              <a:ln>
-                <a:tailEnd type="triangle"/>
-              </a:ln>
-            </p:spPr>
-            <p:style>
-              <a:lnRef idx="1">
-                <a:schemeClr val="dk1"/>
-              </a:lnRef>
-              <a:fillRef idx="0">
-                <a:schemeClr val="dk1"/>
-              </a:fillRef>
-              <a:effectRef idx="0">
-                <a:schemeClr val="dk1"/>
-              </a:effectRef>
-              <a:fontRef idx="minor">
-                <a:schemeClr val="tx1"/>
-              </a:fontRef>
-            </p:style>
-          </p:cxnSp>
-          <p:sp>
-            <p:nvSpPr>
-              <p:cNvPr id="108" name="ZoneTexte 107"/>
-              <p:cNvSpPr txBox="1"/>
-              <p:nvPr/>
-            </p:nvSpPr>
-            <p:spPr>
-              <a:xfrm>
-                <a:off x="3781907" y="5275947"/>
-                <a:ext cx="284818" cy="169277"/>
-              </a:xfrm>
-              <a:prstGeom prst="rect">
-                <a:avLst/>
-              </a:prstGeom>
-              <a:solidFill>
-                <a:schemeClr val="lt1"/>
-              </a:solidFill>
-              <a:ln>
-                <a:noFill/>
-              </a:ln>
-            </p:spPr>
-            <p:txBody>
-              <a:bodyPr wrap="none" lIns="18000" tIns="0" rIns="18000" bIns="0" rtlCol="0">
-                <a:spAutoFit/>
-              </a:bodyPr>
-              <a:lstStyle/>
-              <a:p>
-                <a:pPr algn="ctr"/>
-                <a:r>
-                  <a:rPr lang="fr-BE" sz="1100" dirty="0" smtClean="0"/>
-                  <a:t>stop</a:t>
-                </a:r>
-                <a:endParaRPr lang="fr-BE" sz="1100" dirty="0"/>
-              </a:p>
-            </p:txBody>
-          </p:sp>
-          <p:sp>
-            <p:nvSpPr>
-              <p:cNvPr id="105" name="ZoneTexte 104"/>
-              <p:cNvSpPr txBox="1"/>
-              <p:nvPr/>
-            </p:nvSpPr>
-            <p:spPr>
-              <a:xfrm>
-                <a:off x="4540250" y="5445224"/>
-                <a:ext cx="215371" cy="369332"/>
-              </a:xfrm>
-              <a:prstGeom prst="rect">
-                <a:avLst/>
-              </a:prstGeom>
-              <a:solidFill>
-                <a:schemeClr val="bg1"/>
-              </a:solidFill>
-            </p:spPr>
-            <p:txBody>
-              <a:bodyPr wrap="none" lIns="36000" tIns="0" rIns="36000" bIns="0" rtlCol="0">
-                <a:spAutoFit/>
-              </a:bodyPr>
-              <a:lstStyle/>
-              <a:p>
-                <a:r>
-                  <a:rPr lang="fr-BE" sz="2400" dirty="0" smtClean="0"/>
-                  <a:t>?</a:t>
-                </a:r>
-                <a:endParaRPr lang="fr-BE" sz="2400" dirty="0"/>
-              </a:p>
-            </p:txBody>
-          </p:sp>
-        </p:grpSp>
+              <a:off x="2926358" y="5623148"/>
+              <a:ext cx="3348000" cy="0"/>
+            </a:xfrm>
+            <a:prstGeom prst="line">
+              <a:avLst/>
+            </a:prstGeom>
+            <a:ln>
+              <a:prstDash val="sysDash"/>
+            </a:ln>
+          </p:spPr>
+          <p:style>
+            <a:lnRef idx="2">
+              <a:schemeClr val="dk1"/>
+            </a:lnRef>
+            <a:fillRef idx="0">
+              <a:schemeClr val="dk1"/>
+            </a:fillRef>
+            <a:effectRef idx="1">
+              <a:schemeClr val="dk1"/>
+            </a:effectRef>
+            <a:fontRef idx="minor">
+              <a:schemeClr val="tx1"/>
+            </a:fontRef>
+          </p:style>
+        </p:cxnSp>
+        <p:sp>
+          <p:nvSpPr>
+            <p:cNvPr id="96" name="Rectangle 95"/>
+            <p:cNvSpPr/>
+            <p:nvPr/>
+          </p:nvSpPr>
+          <p:spPr>
+            <a:xfrm>
+              <a:off x="2578621" y="4653136"/>
+              <a:ext cx="1182638" cy="324000"/>
+            </a:xfrm>
+            <a:prstGeom prst="rect">
+              <a:avLst/>
+            </a:prstGeom>
+          </p:spPr>
+          <p:style>
+            <a:lnRef idx="2">
+              <a:schemeClr val="dk1"/>
+            </a:lnRef>
+            <a:fillRef idx="1">
+              <a:schemeClr val="lt1"/>
+            </a:fillRef>
+            <a:effectRef idx="0">
+              <a:schemeClr val="dk1"/>
+            </a:effectRef>
+            <a:fontRef idx="minor">
+              <a:schemeClr val="dk1"/>
+            </a:fontRef>
+          </p:style>
+          <p:txBody>
+            <a:bodyPr lIns="0" tIns="0" rIns="0" bIns="0" rtlCol="0" anchor="ctr" anchorCtr="0"/>
+            <a:lstStyle/>
+            <a:p>
+              <a:pPr algn="ctr"/>
+              <a:r>
+                <a:rPr lang="fr-BE" sz="1300" dirty="0" smtClean="0"/>
+                <a:t>Train Controller</a:t>
+              </a:r>
+              <a:endParaRPr lang="fr-BE" sz="1300" dirty="0"/>
+            </a:p>
+          </p:txBody>
+        </p:sp>
+        <p:sp>
+          <p:nvSpPr>
+            <p:cNvPr id="97" name="Rectangle 96"/>
+            <p:cNvSpPr/>
+            <p:nvPr/>
+          </p:nvSpPr>
+          <p:spPr>
+            <a:xfrm>
+              <a:off x="4004320" y="4653136"/>
+              <a:ext cx="1287760" cy="324000"/>
+            </a:xfrm>
+            <a:prstGeom prst="rect">
+              <a:avLst/>
+            </a:prstGeom>
+          </p:spPr>
+          <p:style>
+            <a:lnRef idx="2">
+              <a:schemeClr val="dk1"/>
+            </a:lnRef>
+            <a:fillRef idx="1">
+              <a:schemeClr val="lt1"/>
+            </a:fillRef>
+            <a:effectRef idx="0">
+              <a:schemeClr val="dk1"/>
+            </a:effectRef>
+            <a:fontRef idx="minor">
+              <a:schemeClr val="dk1"/>
+            </a:fontRef>
+          </p:style>
+          <p:txBody>
+            <a:bodyPr lIns="0" tIns="0" rIns="0" bIns="0" rtlCol="0" anchor="ctr"/>
+            <a:lstStyle/>
+            <a:p>
+              <a:pPr algn="ctr"/>
+              <a:r>
+                <a:rPr lang="fr-BE" sz="1300" dirty="0" err="1" smtClean="0"/>
+                <a:t>Actuator</a:t>
+              </a:r>
+              <a:r>
+                <a:rPr lang="fr-BE" sz="1300" dirty="0" smtClean="0"/>
+                <a:t>/</a:t>
+              </a:r>
+              <a:r>
+                <a:rPr lang="fr-BE" sz="1300" dirty="0" err="1" smtClean="0"/>
+                <a:t>Sensor</a:t>
+              </a:r>
+              <a:endParaRPr lang="fr-BE" sz="1300" dirty="0"/>
+            </a:p>
+          </p:txBody>
+        </p:sp>
+        <p:sp>
+          <p:nvSpPr>
+            <p:cNvPr id="98" name="Rectangle 97"/>
+            <p:cNvSpPr/>
+            <p:nvPr/>
+          </p:nvSpPr>
+          <p:spPr>
+            <a:xfrm>
+              <a:off x="5601072" y="4653136"/>
+              <a:ext cx="830560" cy="324000"/>
+            </a:xfrm>
+            <a:prstGeom prst="rect">
+              <a:avLst/>
+            </a:prstGeom>
+          </p:spPr>
+          <p:style>
+            <a:lnRef idx="2">
+              <a:schemeClr val="dk1"/>
+            </a:lnRef>
+            <a:fillRef idx="1">
+              <a:schemeClr val="lt1"/>
+            </a:fillRef>
+            <a:effectRef idx="0">
+              <a:schemeClr val="dk1"/>
+            </a:effectRef>
+            <a:fontRef idx="minor">
+              <a:schemeClr val="dk1"/>
+            </a:fontRef>
+          </p:style>
+          <p:txBody>
+            <a:bodyPr lIns="0" tIns="0" rIns="0" bIns="0" rtlCol="0" anchor="ctr"/>
+            <a:lstStyle/>
+            <a:p>
+              <a:pPr algn="ctr"/>
+              <a:r>
+                <a:rPr lang="fr-BE" sz="1300" dirty="0" err="1" smtClean="0"/>
+                <a:t>Passenger</a:t>
+              </a:r>
+              <a:endParaRPr lang="fr-BE" sz="1300" dirty="0" smtClean="0"/>
+            </a:p>
+          </p:txBody>
+        </p:sp>
+        <p:cxnSp>
+          <p:nvCxnSpPr>
+            <p:cNvPr id="99" name="Connecteur droit avec flèche 98"/>
+            <p:cNvCxnSpPr>
+              <a:stCxn id="96" idx="2"/>
+            </p:cNvCxnSpPr>
+            <p:nvPr/>
+          </p:nvCxnSpPr>
+          <p:spPr>
+            <a:xfrm rot="5400000">
+              <a:off x="2593543" y="5552739"/>
+              <a:ext cx="1152000" cy="794"/>
+            </a:xfrm>
+            <a:prstGeom prst="straightConnector1">
+              <a:avLst/>
+            </a:prstGeom>
+            <a:ln>
+              <a:tailEnd type="triangle"/>
+            </a:ln>
+          </p:spPr>
+          <p:style>
+            <a:lnRef idx="2">
+              <a:schemeClr val="dk1"/>
+            </a:lnRef>
+            <a:fillRef idx="0">
+              <a:schemeClr val="dk1"/>
+            </a:fillRef>
+            <a:effectRef idx="1">
+              <a:schemeClr val="dk1"/>
+            </a:effectRef>
+            <a:fontRef idx="minor">
+              <a:schemeClr val="tx1"/>
+            </a:fontRef>
+          </p:style>
+        </p:cxnSp>
+        <p:cxnSp>
+          <p:nvCxnSpPr>
+            <p:cNvPr id="100" name="Connecteur droit avec flèche 99"/>
+            <p:cNvCxnSpPr>
+              <a:stCxn id="97" idx="2"/>
+            </p:cNvCxnSpPr>
+            <p:nvPr/>
+          </p:nvCxnSpPr>
+          <p:spPr>
+            <a:xfrm rot="5400000">
+              <a:off x="4071803" y="5552739"/>
+              <a:ext cx="1152000" cy="794"/>
+            </a:xfrm>
+            <a:prstGeom prst="straightConnector1">
+              <a:avLst/>
+            </a:prstGeom>
+            <a:ln>
+              <a:tailEnd type="triangle"/>
+            </a:ln>
+          </p:spPr>
+          <p:style>
+            <a:lnRef idx="2">
+              <a:schemeClr val="dk1"/>
+            </a:lnRef>
+            <a:fillRef idx="0">
+              <a:schemeClr val="dk1"/>
+            </a:fillRef>
+            <a:effectRef idx="1">
+              <a:schemeClr val="dk1"/>
+            </a:effectRef>
+            <a:fontRef idx="minor">
+              <a:schemeClr val="tx1"/>
+            </a:fontRef>
+          </p:style>
+        </p:cxnSp>
+        <p:cxnSp>
+          <p:nvCxnSpPr>
+            <p:cNvPr id="101" name="Connecteur droit avec flèche 100"/>
+            <p:cNvCxnSpPr>
+              <a:stCxn id="98" idx="2"/>
+            </p:cNvCxnSpPr>
+            <p:nvPr/>
+          </p:nvCxnSpPr>
+          <p:spPr>
+            <a:xfrm rot="5400000">
+              <a:off x="5439955" y="5552739"/>
+              <a:ext cx="1152000" cy="794"/>
+            </a:xfrm>
+            <a:prstGeom prst="straightConnector1">
+              <a:avLst/>
+            </a:prstGeom>
+            <a:ln>
+              <a:tailEnd type="triangle"/>
+            </a:ln>
+          </p:spPr>
+          <p:style>
+            <a:lnRef idx="2">
+              <a:schemeClr val="dk1"/>
+            </a:lnRef>
+            <a:fillRef idx="0">
+              <a:schemeClr val="dk1"/>
+            </a:fillRef>
+            <a:effectRef idx="1">
+              <a:schemeClr val="dk1"/>
+            </a:effectRef>
+            <a:fontRef idx="minor">
+              <a:schemeClr val="tx1"/>
+            </a:fontRef>
+          </p:style>
+        </p:cxnSp>
+        <p:cxnSp>
+          <p:nvCxnSpPr>
+            <p:cNvPr id="102" name="Connecteur droit avec flèche 101"/>
+            <p:cNvCxnSpPr/>
+            <p:nvPr/>
+          </p:nvCxnSpPr>
+          <p:spPr>
+            <a:xfrm>
+              <a:off x="3169940" y="5180185"/>
+              <a:ext cx="1471563" cy="1588"/>
+            </a:xfrm>
+            <a:prstGeom prst="straightConnector1">
+              <a:avLst/>
+            </a:prstGeom>
+            <a:ln>
+              <a:tailEnd type="triangle"/>
+            </a:ln>
+          </p:spPr>
+          <p:style>
+            <a:lnRef idx="1">
+              <a:schemeClr val="dk1"/>
+            </a:lnRef>
+            <a:fillRef idx="0">
+              <a:schemeClr val="dk1"/>
+            </a:fillRef>
+            <a:effectRef idx="0">
+              <a:schemeClr val="dk1"/>
+            </a:effectRef>
+            <a:fontRef idx="minor">
+              <a:schemeClr val="tx1"/>
+            </a:fontRef>
+          </p:style>
+        </p:cxnSp>
+        <p:cxnSp>
+          <p:nvCxnSpPr>
+            <p:cNvPr id="103" name="Connecteur droit avec flèche 102"/>
+            <p:cNvCxnSpPr/>
+            <p:nvPr/>
+          </p:nvCxnSpPr>
+          <p:spPr>
+            <a:xfrm flipV="1">
+              <a:off x="3169940" y="5870665"/>
+              <a:ext cx="1476000" cy="862"/>
+            </a:xfrm>
+            <a:prstGeom prst="straightConnector1">
+              <a:avLst/>
+            </a:prstGeom>
+            <a:ln>
+              <a:tailEnd type="triangle"/>
+            </a:ln>
+          </p:spPr>
+          <p:style>
+            <a:lnRef idx="1">
+              <a:schemeClr val="dk1"/>
+            </a:lnRef>
+            <a:fillRef idx="0">
+              <a:schemeClr val="dk1"/>
+            </a:fillRef>
+            <a:effectRef idx="0">
+              <a:schemeClr val="dk1"/>
+            </a:effectRef>
+            <a:fontRef idx="minor">
+              <a:schemeClr val="tx1"/>
+            </a:fontRef>
+          </p:style>
+        </p:cxnSp>
+        <p:sp>
+          <p:nvSpPr>
+            <p:cNvPr id="104" name="ZoneTexte 103"/>
+            <p:cNvSpPr txBox="1"/>
+            <p:nvPr/>
+          </p:nvSpPr>
+          <p:spPr>
+            <a:xfrm>
+              <a:off x="3754045" y="5776526"/>
+              <a:ext cx="348232" cy="200055"/>
+            </a:xfrm>
+            <a:prstGeom prst="rect">
+              <a:avLst/>
+            </a:prstGeom>
+            <a:solidFill>
+              <a:schemeClr val="lt1"/>
+            </a:solidFill>
+            <a:ln>
+              <a:noFill/>
+            </a:ln>
+          </p:spPr>
+          <p:txBody>
+            <a:bodyPr wrap="none" lIns="18000" tIns="0" rIns="18000" bIns="0" rtlCol="0">
+              <a:spAutoFit/>
+            </a:bodyPr>
+            <a:lstStyle/>
+            <a:p>
+              <a:pPr algn="ctr"/>
+              <a:r>
+                <a:rPr lang="fr-BE" sz="1300" dirty="0" err="1" smtClean="0"/>
+                <a:t>start</a:t>
+              </a:r>
+              <a:endParaRPr lang="fr-BE" sz="1300" dirty="0"/>
+            </a:p>
+          </p:txBody>
+        </p:sp>
+        <p:sp>
+          <p:nvSpPr>
+            <p:cNvPr id="106" name="ZoneTexte 105"/>
+            <p:cNvSpPr txBox="1"/>
+            <p:nvPr/>
+          </p:nvSpPr>
+          <p:spPr>
+            <a:xfrm>
+              <a:off x="3754045" y="5085184"/>
+              <a:ext cx="348232" cy="200055"/>
+            </a:xfrm>
+            <a:prstGeom prst="rect">
+              <a:avLst/>
+            </a:prstGeom>
+            <a:solidFill>
+              <a:schemeClr val="lt1"/>
+            </a:solidFill>
+            <a:ln>
+              <a:noFill/>
+            </a:ln>
+          </p:spPr>
+          <p:txBody>
+            <a:bodyPr wrap="none" lIns="18000" tIns="0" rIns="18000" bIns="0" rtlCol="0">
+              <a:spAutoFit/>
+            </a:bodyPr>
+            <a:lstStyle/>
+            <a:p>
+              <a:pPr algn="ctr"/>
+              <a:r>
+                <a:rPr lang="fr-BE" sz="1300" dirty="0" err="1" smtClean="0"/>
+                <a:t>start</a:t>
+              </a:r>
+              <a:endParaRPr lang="fr-BE" sz="1300" dirty="0"/>
+            </a:p>
+          </p:txBody>
+        </p:sp>
+        <p:cxnSp>
+          <p:nvCxnSpPr>
+            <p:cNvPr id="107" name="Connecteur droit avec flèche 106"/>
+            <p:cNvCxnSpPr/>
+            <p:nvPr/>
+          </p:nvCxnSpPr>
+          <p:spPr>
+            <a:xfrm>
+              <a:off x="3166095" y="5370948"/>
+              <a:ext cx="1471563" cy="1588"/>
+            </a:xfrm>
+            <a:prstGeom prst="straightConnector1">
+              <a:avLst/>
+            </a:prstGeom>
+            <a:ln>
+              <a:tailEnd type="triangle"/>
+            </a:ln>
+          </p:spPr>
+          <p:style>
+            <a:lnRef idx="1">
+              <a:schemeClr val="dk1"/>
+            </a:lnRef>
+            <a:fillRef idx="0">
+              <a:schemeClr val="dk1"/>
+            </a:fillRef>
+            <a:effectRef idx="0">
+              <a:schemeClr val="dk1"/>
+            </a:effectRef>
+            <a:fontRef idx="minor">
+              <a:schemeClr val="tx1"/>
+            </a:fontRef>
+          </p:style>
+        </p:cxnSp>
+        <p:sp>
+          <p:nvSpPr>
+            <p:cNvPr id="108" name="ZoneTexte 107"/>
+            <p:cNvSpPr txBox="1"/>
+            <p:nvPr/>
+          </p:nvSpPr>
+          <p:spPr>
+            <a:xfrm>
+              <a:off x="3758792" y="5275947"/>
+              <a:ext cx="331049" cy="200055"/>
+            </a:xfrm>
+            <a:prstGeom prst="rect">
+              <a:avLst/>
+            </a:prstGeom>
+            <a:solidFill>
+              <a:schemeClr val="lt1"/>
+            </a:solidFill>
+            <a:ln>
+              <a:noFill/>
+            </a:ln>
+          </p:spPr>
+          <p:txBody>
+            <a:bodyPr wrap="none" lIns="18000" tIns="0" rIns="18000" bIns="0" rtlCol="0">
+              <a:spAutoFit/>
+            </a:bodyPr>
+            <a:lstStyle/>
+            <a:p>
+              <a:pPr algn="ctr"/>
+              <a:r>
+                <a:rPr lang="fr-BE" sz="1300" dirty="0" smtClean="0"/>
+                <a:t>stop</a:t>
+              </a:r>
+              <a:endParaRPr lang="fr-BE" sz="1300" dirty="0"/>
+            </a:p>
+          </p:txBody>
+        </p:sp>
+        <p:sp>
+          <p:nvSpPr>
+            <p:cNvPr id="105" name="ZoneTexte 104"/>
+            <p:cNvSpPr txBox="1"/>
+            <p:nvPr/>
+          </p:nvSpPr>
+          <p:spPr>
+            <a:xfrm>
+              <a:off x="4540250" y="5445224"/>
+              <a:ext cx="215371" cy="369332"/>
+            </a:xfrm>
+            <a:prstGeom prst="rect">
+              <a:avLst/>
+            </a:prstGeom>
+            <a:solidFill>
+              <a:schemeClr val="bg1"/>
+            </a:solidFill>
+          </p:spPr>
+          <p:txBody>
+            <a:bodyPr wrap="none" lIns="36000" tIns="0" rIns="36000" bIns="0" rtlCol="0">
+              <a:spAutoFit/>
+            </a:bodyPr>
+            <a:lstStyle/>
+            <a:p>
+              <a:r>
+                <a:rPr lang="fr-BE" sz="2400" dirty="0" smtClean="0"/>
+                <a:t>?</a:t>
+              </a:r>
+              <a:endParaRPr lang="fr-BE" sz="2400" dirty="0"/>
+            </a:p>
+          </p:txBody>
+        </p:sp>
       </p:grpSp>
     </p:spTree>
   </p:cSld>
@@ -15409,10 +15318,10 @@
         </p:nvGrpSpPr>
         <p:grpSpPr>
           <a:xfrm>
-            <a:off x="1403648" y="404664"/>
-            <a:ext cx="6768752" cy="5904656"/>
-            <a:chOff x="1403648" y="404664"/>
-            <a:chExt cx="6768752" cy="5904656"/>
+            <a:off x="1979712" y="404664"/>
+            <a:ext cx="6048672" cy="5904656"/>
+            <a:chOff x="1979712" y="404664"/>
+            <a:chExt cx="6048672" cy="5904656"/>
           </a:xfrm>
         </p:grpSpPr>
         <p:sp>
@@ -15423,8 +15332,8 @@
           </p:nvSpPr>
           <p:spPr>
             <a:xfrm>
-              <a:off x="1403648" y="404664"/>
-              <a:ext cx="6768752" cy="5904656"/>
+              <a:off x="1979712" y="404664"/>
+              <a:ext cx="6048672" cy="5904656"/>
             </a:xfrm>
             <a:prstGeom prst="rect">
               <a:avLst/>
@@ -15457,120 +15366,16 @@
             </a:p>
           </p:txBody>
         </p:sp>
-        <p:pic>
-          <p:nvPicPr>
-            <p:cNvPr id="1027" name="Picture 3" descr="C:\Users\blambeau\Documents\thesis\writing\src\4-inductive\images\algo-step4.png"/>
-            <p:cNvPicPr>
-              <a:picLocks noChangeAspect="1" noChangeArrowheads="1"/>
-            </p:cNvPicPr>
-            <p:nvPr/>
-          </p:nvPicPr>
-          <p:blipFill>
-            <a:blip r:embed="rId2" cstate="print"/>
-            <a:srcRect/>
-            <a:stretch>
-              <a:fillRect/>
-            </a:stretch>
-          </p:blipFill>
-          <p:spPr bwMode="auto">
-            <a:xfrm>
-              <a:off x="3402607" y="4820758"/>
-              <a:ext cx="4409753" cy="1416554"/>
-            </a:xfrm>
-            <a:prstGeom prst="rect">
-              <a:avLst/>
-            </a:prstGeom>
-            <a:noFill/>
-          </p:spPr>
-        </p:pic>
-        <p:pic>
-          <p:nvPicPr>
-            <p:cNvPr id="1028" name="Picture 4" descr="C:\Users\blambeau\Documents\thesis\writing\src\4-inductive\images\algo-step1.png"/>
-            <p:cNvPicPr>
-              <a:picLocks noChangeAspect="1" noChangeArrowheads="1"/>
-            </p:cNvPicPr>
-            <p:nvPr/>
-          </p:nvPicPr>
-          <p:blipFill>
-            <a:blip r:embed="rId3" cstate="print"/>
-            <a:srcRect/>
-            <a:stretch>
-              <a:fillRect/>
-            </a:stretch>
-          </p:blipFill>
-          <p:spPr bwMode="auto">
-            <a:xfrm>
-              <a:off x="1746423" y="620688"/>
-              <a:ext cx="4409753" cy="1140035"/>
-            </a:xfrm>
-            <a:prstGeom prst="rect">
-              <a:avLst/>
-            </a:prstGeom>
-            <a:noFill/>
-          </p:spPr>
-        </p:pic>
-        <p:pic>
-          <p:nvPicPr>
-            <p:cNvPr id="1029" name="Picture 5" descr="C:\Users\blambeau\Documents\thesis\writing\src\4-inductive\images\algo-step2.png"/>
-            <p:cNvPicPr>
-              <a:picLocks noChangeAspect="1" noChangeArrowheads="1"/>
-            </p:cNvPicPr>
-            <p:nvPr/>
-          </p:nvPicPr>
-          <p:blipFill>
-            <a:blip r:embed="rId4" cstate="print"/>
-            <a:srcRect/>
-            <a:stretch>
-              <a:fillRect/>
-            </a:stretch>
-          </p:blipFill>
-          <p:spPr bwMode="auto">
-            <a:xfrm>
-              <a:off x="3402607" y="2044260"/>
-              <a:ext cx="4409753" cy="1203101"/>
-            </a:xfrm>
-            <a:prstGeom prst="rect">
-              <a:avLst/>
-            </a:prstGeom>
-            <a:noFill/>
-          </p:spPr>
-        </p:pic>
-        <p:pic>
-          <p:nvPicPr>
-            <p:cNvPr id="1026" name="Picture 2" descr="C:\Users\blambeau\Documents\thesis\writing\src\4-inductive\images\algo-step3.png"/>
-            <p:cNvPicPr>
-              <a:picLocks noChangeAspect="1" noChangeArrowheads="1"/>
-            </p:cNvPicPr>
-            <p:nvPr/>
-          </p:nvPicPr>
-          <p:blipFill>
-            <a:blip r:embed="rId5" cstate="print"/>
-            <a:srcRect/>
-            <a:stretch>
-              <a:fillRect/>
-            </a:stretch>
-          </p:blipFill>
-          <p:spPr bwMode="auto">
-            <a:xfrm>
-              <a:off x="1746423" y="3429000"/>
-              <a:ext cx="4409753" cy="1203101"/>
-            </a:xfrm>
-            <a:prstGeom prst="rect">
-              <a:avLst/>
-            </a:prstGeom>
-            <a:noFill/>
-          </p:spPr>
-        </p:pic>
         <p:sp>
           <p:nvSpPr>
-            <p:cNvPr id="10" name="Forme libre 9"/>
+            <p:cNvPr id="11" name="Forme libre 10"/>
             <p:cNvSpPr/>
             <p:nvPr/>
           </p:nvSpPr>
           <p:spPr>
-            <a:xfrm>
-              <a:off x="5962650" y="1187227"/>
-              <a:ext cx="1155700" cy="771525"/>
+            <a:xfrm flipH="1">
+              <a:off x="2555776" y="2484388"/>
+              <a:ext cx="651644" cy="936104"/>
             </a:xfrm>
             <a:custGeom>
               <a:avLst/>
@@ -15643,16 +15448,68 @@
             </a:p>
           </p:txBody>
         </p:sp>
+        <p:pic>
+          <p:nvPicPr>
+            <p:cNvPr id="1027" name="Picture 3" descr="C:\Users\blambeau\Documents\thesis\writing\src\4-inductive\images\algo-step4.png"/>
+            <p:cNvPicPr>
+              <a:picLocks noChangeAspect="1" noChangeArrowheads="1"/>
+            </p:cNvPicPr>
+            <p:nvPr/>
+          </p:nvPicPr>
+          <p:blipFill>
+            <a:blip r:embed="rId2" cstate="print"/>
+            <a:srcRect/>
+            <a:stretch>
+              <a:fillRect/>
+            </a:stretch>
+          </p:blipFill>
+          <p:spPr bwMode="auto">
+            <a:xfrm>
+              <a:off x="3402607" y="4820758"/>
+              <a:ext cx="4409753" cy="1416554"/>
+            </a:xfrm>
+            <a:prstGeom prst="rect">
+              <a:avLst/>
+            </a:prstGeom>
+            <a:noFill/>
+          </p:spPr>
+        </p:pic>
+        <p:pic>
+          <p:nvPicPr>
+            <p:cNvPr id="1029" name="Picture 5" descr="C:\Users\blambeau\Documents\thesis\writing\src\4-inductive\images\algo-step2.png"/>
+            <p:cNvPicPr>
+              <a:picLocks noChangeAspect="1" noChangeArrowheads="1"/>
+            </p:cNvPicPr>
+            <p:nvPr/>
+          </p:nvPicPr>
+          <p:blipFill>
+            <a:blip r:embed="rId3" cstate="print"/>
+            <a:srcRect/>
+            <a:stretch>
+              <a:fillRect/>
+            </a:stretch>
+          </p:blipFill>
+          <p:spPr bwMode="auto">
+            <a:xfrm>
+              <a:off x="3474615" y="1988840"/>
+              <a:ext cx="4409753" cy="1203101"/>
+            </a:xfrm>
+            <a:prstGeom prst="rect">
+              <a:avLst/>
+            </a:prstGeom>
+            <a:noFill/>
+          </p:spPr>
+        </p:pic>
         <p:sp>
           <p:nvSpPr>
-            <p:cNvPr id="11" name="Forme libre 10"/>
+            <p:cNvPr id="13" name="Forme libre 12"/>
             <p:cNvSpPr/>
             <p:nvPr/>
           </p:nvSpPr>
           <p:spPr>
-            <a:xfrm flipH="1">
-              <a:off x="2051720" y="2420889"/>
-              <a:ext cx="1155700" cy="936104"/>
+            <a:xfrm>
+              <a:off x="6804248" y="4005064"/>
+              <a:ext cx="723652" cy="1152128"/>
             </a:xfrm>
             <a:custGeom>
               <a:avLst/>
@@ -15725,6 +15582,32 @@
             </a:p>
           </p:txBody>
         </p:sp>
+        <p:pic>
+          <p:nvPicPr>
+            <p:cNvPr id="1028" name="Picture 4" descr="C:\Users\blambeau\Documents\thesis\writing\src\4-inductive\images\algo-step1.png"/>
+            <p:cNvPicPr>
+              <a:picLocks noChangeAspect="1" noChangeArrowheads="1"/>
+            </p:cNvPicPr>
+            <p:nvPr/>
+          </p:nvPicPr>
+          <p:blipFill>
+            <a:blip r:embed="rId4" cstate="print"/>
+            <a:srcRect/>
+            <a:stretch>
+              <a:fillRect/>
+            </a:stretch>
+          </p:blipFill>
+          <p:spPr bwMode="auto">
+            <a:xfrm>
+              <a:off x="2250479" y="620688"/>
+              <a:ext cx="4409753" cy="1140035"/>
+            </a:xfrm>
+            <a:prstGeom prst="rect">
+              <a:avLst/>
+            </a:prstGeom>
+            <a:noFill/>
+          </p:spPr>
+        </p:pic>
         <p:sp>
           <p:nvSpPr>
             <p:cNvPr id="9" name="ZoneTexte 8"/>
@@ -15733,8 +15616,8 @@
           </p:nvSpPr>
           <p:spPr>
             <a:xfrm>
-              <a:off x="6248475" y="1393031"/>
-              <a:ext cx="1923925" cy="307777"/>
+              <a:off x="6516216" y="620688"/>
+              <a:ext cx="1228221" cy="523220"/>
             </a:xfrm>
             <a:prstGeom prst="rect">
               <a:avLst/>
@@ -15754,21 +15637,109 @@
                   <a:latin typeface="Arial" pitchFamily="34" charset="0"/>
                   <a:cs typeface="Arial" pitchFamily="34" charset="0"/>
                 </a:rPr>
-                <a:t>Merging</a:t>
+                <a:t>Merging </a:t>
               </a:r>
               <a:r>
                 <a:rPr lang="fr-BE" sz="1400" noProof="1" smtClean="0">
                   <a:latin typeface="Arial" pitchFamily="34" charset="0"/>
                   <a:cs typeface="Arial" pitchFamily="34" charset="0"/>
                 </a:rPr>
-                <a:t> q=3 and </a:t>
-              </a:r>
-              <a:r>
+                <a:t/>
+              </a:r>
+              <a:br>
                 <a:rPr lang="fr-BE" sz="1400" noProof="1" smtClean="0">
                   <a:latin typeface="Arial" pitchFamily="34" charset="0"/>
                   <a:cs typeface="Arial" pitchFamily="34" charset="0"/>
                 </a:rPr>
-                <a:t>q’=0</a:t>
+              </a:br>
+              <a:r>
+                <a:rPr lang="fr-BE" sz="1400" noProof="1" smtClean="0">
+                  <a:latin typeface="Arial" pitchFamily="34" charset="0"/>
+                  <a:cs typeface="Arial" pitchFamily="34" charset="0"/>
+                </a:rPr>
+                <a:t>q=3 </a:t>
+              </a:r>
+              <a:r>
+                <a:rPr lang="fr-BE" sz="1400" noProof="1" smtClean="0">
+                  <a:latin typeface="Arial" pitchFamily="34" charset="0"/>
+                  <a:cs typeface="Arial" pitchFamily="34" charset="0"/>
+                </a:rPr>
+                <a:t>and q’=0</a:t>
+              </a:r>
+              <a:endParaRPr lang="fr-BE" sz="1400" noProof="1">
+                <a:latin typeface="Arial" pitchFamily="34" charset="0"/>
+                <a:cs typeface="Arial" pitchFamily="34" charset="0"/>
+              </a:endParaRPr>
+            </a:p>
+          </p:txBody>
+        </p:sp>
+        <p:pic>
+          <p:nvPicPr>
+            <p:cNvPr id="1026" name="Picture 2" descr="C:\Users\blambeau\Documents\thesis\writing\src\4-inductive\images\algo-step3.png"/>
+            <p:cNvPicPr>
+              <a:picLocks noChangeAspect="1" noChangeArrowheads="1"/>
+            </p:cNvPicPr>
+            <p:nvPr/>
+          </p:nvPicPr>
+          <p:blipFill>
+            <a:blip r:embed="rId5" cstate="print"/>
+            <a:srcRect/>
+            <a:stretch>
+              <a:fillRect/>
+            </a:stretch>
+          </p:blipFill>
+          <p:spPr bwMode="auto">
+            <a:xfrm>
+              <a:off x="2250479" y="3429000"/>
+              <a:ext cx="4409753" cy="1203101"/>
+            </a:xfrm>
+            <a:prstGeom prst="rect">
+              <a:avLst/>
+            </a:prstGeom>
+            <a:noFill/>
+          </p:spPr>
+        </p:pic>
+        <p:sp>
+          <p:nvSpPr>
+            <p:cNvPr id="14" name="ZoneTexte 13"/>
+            <p:cNvSpPr txBox="1"/>
+            <p:nvPr/>
+          </p:nvSpPr>
+          <p:spPr>
+            <a:xfrm>
+              <a:off x="6300192" y="4351714"/>
+              <a:ext cx="1662882" cy="430887"/>
+            </a:xfrm>
+            <a:prstGeom prst="rect">
+              <a:avLst/>
+            </a:prstGeom>
+            <a:solidFill>
+              <a:schemeClr val="bg1"/>
+            </a:solidFill>
+          </p:spPr>
+          <p:txBody>
+            <a:bodyPr wrap="none" lIns="36000" tIns="0" rIns="36000" bIns="0" rtlCol="0">
+              <a:spAutoFit/>
+            </a:bodyPr>
+            <a:lstStyle/>
+            <a:p>
+              <a:pPr algn="ctr"/>
+              <a:r>
+                <a:rPr lang="fr-BE" sz="1400" noProof="1" smtClean="0">
+                  <a:latin typeface="Arial" pitchFamily="34" charset="0"/>
+                  <a:cs typeface="Arial" pitchFamily="34" charset="0"/>
+                </a:rPr>
+                <a:t>Merging 5 and 9</a:t>
+              </a:r>
+            </a:p>
+            <a:p>
+              <a:pPr algn="ctr"/>
+              <a:r>
+                <a:rPr lang="fr-BE" sz="1400" noProof="1" smtClean="0">
+                  <a:latin typeface="Arial" pitchFamily="34" charset="0"/>
+                  <a:cs typeface="Arial" pitchFamily="34" charset="0"/>
+                </a:rPr>
+                <a:t>(for determinization)</a:t>
               </a:r>
               <a:endParaRPr lang="fr-BE" sz="1400" noProof="1">
                 <a:latin typeface="Arial" pitchFamily="34" charset="0"/>
@@ -15785,7 +15756,7 @@
           </p:nvSpPr>
           <p:spPr>
             <a:xfrm>
-              <a:off x="1468958" y="2603004"/>
+              <a:off x="2045022" y="2773581"/>
               <a:ext cx="1662882" cy="430887"/>
             </a:xfrm>
             <a:prstGeom prst="rect">
@@ -15807,21 +15778,7 @@
                   <a:latin typeface="Arial" pitchFamily="34" charset="0"/>
                   <a:cs typeface="Arial" pitchFamily="34" charset="0"/>
                 </a:rPr>
-                <a:t>Merging</a:t>
-              </a:r>
-              <a:r>
-                <a:rPr lang="fr-BE" sz="1400" noProof="1" smtClean="0">
-                  <a:latin typeface="Arial" pitchFamily="34" charset="0"/>
-                  <a:cs typeface="Arial" pitchFamily="34" charset="0"/>
-                </a:rPr>
-                <a:t> </a:t>
-              </a:r>
-              <a:r>
-                <a:rPr lang="fr-BE" sz="1400" noProof="1" smtClean="0">
-                  <a:latin typeface="Arial" pitchFamily="34" charset="0"/>
-                  <a:cs typeface="Arial" pitchFamily="34" charset="0"/>
-                </a:rPr>
-                <a:t>2 and 6</a:t>
+                <a:t>Merging 2 and 6</a:t>
               </a:r>
             </a:p>
             <a:p>
@@ -15842,14 +15799,14 @@
         </p:sp>
         <p:sp>
           <p:nvSpPr>
-            <p:cNvPr id="13" name="Forme libre 12"/>
+            <p:cNvPr id="10" name="Forme libre 9"/>
             <p:cNvSpPr/>
             <p:nvPr/>
           </p:nvSpPr>
           <p:spPr>
             <a:xfrm>
-              <a:off x="6372200" y="4005064"/>
-              <a:ext cx="1155700" cy="936104"/>
+              <a:off x="6156176" y="1187227"/>
+              <a:ext cx="962174" cy="771525"/>
             </a:xfrm>
             <a:custGeom>
               <a:avLst/>
@@ -15919,76 +15876,6 @@
             <a:p>
               <a:pPr algn="ctr"/>
               <a:endParaRPr lang="fr-BE" noProof="1"/>
-            </a:p>
-          </p:txBody>
-        </p:sp>
-        <p:sp>
-          <p:nvSpPr>
-            <p:cNvPr id="14" name="ZoneTexte 13"/>
-            <p:cNvSpPr txBox="1"/>
-            <p:nvPr/>
-          </p:nvSpPr>
-          <p:spPr>
-            <a:xfrm>
-              <a:off x="6300192" y="4221088"/>
-              <a:ext cx="1662882" cy="430887"/>
-            </a:xfrm>
-            <a:prstGeom prst="rect">
-              <a:avLst/>
-            </a:prstGeom>
-            <a:solidFill>
-              <a:schemeClr val="bg1"/>
-            </a:solidFill>
-          </p:spPr>
-          <p:txBody>
-            <a:bodyPr wrap="none" lIns="36000" tIns="0" rIns="36000" bIns="0" rtlCol="0">
-              <a:spAutoFit/>
-            </a:bodyPr>
-            <a:lstStyle/>
-            <a:p>
-              <a:pPr algn="ctr"/>
-              <a:r>
-                <a:rPr lang="fr-BE" sz="1400" noProof="1" smtClean="0">
-                  <a:latin typeface="Arial" pitchFamily="34" charset="0"/>
-                  <a:cs typeface="Arial" pitchFamily="34" charset="0"/>
-                </a:rPr>
-                <a:t>Merging</a:t>
-              </a:r>
-              <a:r>
-                <a:rPr lang="fr-BE" sz="1400" noProof="1" smtClean="0">
-                  <a:latin typeface="Arial" pitchFamily="34" charset="0"/>
-                  <a:cs typeface="Arial" pitchFamily="34" charset="0"/>
-                </a:rPr>
-                <a:t> </a:t>
-              </a:r>
-              <a:r>
-                <a:rPr lang="fr-BE" sz="1400" noProof="1" smtClean="0">
-                  <a:latin typeface="Arial" pitchFamily="34" charset="0"/>
-                  <a:cs typeface="Arial" pitchFamily="34" charset="0"/>
-                </a:rPr>
-                <a:t>5</a:t>
-              </a:r>
-              <a:r>
-                <a:rPr lang="fr-BE" sz="1400" noProof="1" smtClean="0">
-                  <a:latin typeface="Arial" pitchFamily="34" charset="0"/>
-                  <a:cs typeface="Arial" pitchFamily="34" charset="0"/>
-                </a:rPr>
-                <a:t> and 9</a:t>
-              </a:r>
-            </a:p>
-            <a:p>
-              <a:pPr algn="ctr"/>
-              <a:r>
-                <a:rPr lang="fr-BE" sz="1400" noProof="1" smtClean="0">
-                  <a:latin typeface="Arial" pitchFamily="34" charset="0"/>
-                  <a:cs typeface="Arial" pitchFamily="34" charset="0"/>
-                </a:rPr>
-                <a:t>(for determinization)</a:t>
-              </a:r>
-              <a:endParaRPr lang="fr-BE" sz="1400" noProof="1">
-                <a:latin typeface="Arial" pitchFamily="34" charset="0"/>
-                <a:cs typeface="Arial" pitchFamily="34" charset="0"/>
-              </a:endParaRPr>
             </a:p>
           </p:txBody>
         </p:sp>
@@ -16689,6 +16576,711 @@
 </p:sld>
 </file>
 
+<file path=ppt/slides/slide17.xml><?xml version="1.0" encoding="utf-8"?>
+<p:sld xmlns:a="http://schemas.openxmlformats.org/drawingml/2006/main" xmlns:r="http://schemas.openxmlformats.org/officeDocument/2006/relationships" xmlns:p="http://schemas.openxmlformats.org/presentationml/2006/main">
+  <p:cSld>
+    <p:spTree>
+      <p:nvGrpSpPr>
+        <p:cNvPr id="1" name=""/>
+        <p:cNvGrpSpPr/>
+        <p:nvPr/>
+      </p:nvGrpSpPr>
+      <p:grpSpPr>
+        <a:xfrm>
+          <a:off x="0" y="0"/>
+          <a:ext cx="0" cy="0"/>
+          <a:chOff x="0" y="0"/>
+          <a:chExt cx="0" cy="0"/>
+        </a:xfrm>
+      </p:grpSpPr>
+      <p:sp>
+        <p:nvSpPr>
+          <p:cNvPr id="59" name="Rectangle 58"/>
+          <p:cNvSpPr/>
+          <p:nvPr/>
+        </p:nvSpPr>
+        <p:spPr>
+          <a:xfrm>
+            <a:off x="1763688" y="836712"/>
+            <a:ext cx="4320480" cy="1368152"/>
+          </a:xfrm>
+          <a:prstGeom prst="rect">
+            <a:avLst/>
+          </a:prstGeom>
+          <a:solidFill>
+            <a:schemeClr val="bg1"/>
+          </a:solidFill>
+          <a:ln w="3175"/>
+        </p:spPr>
+        <p:style>
+          <a:lnRef idx="2">
+            <a:schemeClr val="dk1"/>
+          </a:lnRef>
+          <a:fillRef idx="1">
+            <a:schemeClr val="lt1"/>
+          </a:fillRef>
+          <a:effectRef idx="0">
+            <a:schemeClr val="dk1"/>
+          </a:effectRef>
+          <a:fontRef idx="minor">
+            <a:schemeClr val="dk1"/>
+          </a:fontRef>
+        </p:style>
+        <p:txBody>
+          <a:bodyPr rtlCol="0" anchor="ctr"/>
+          <a:lstStyle/>
+          <a:p>
+            <a:pPr algn="ctr"/>
+            <a:endParaRPr lang="fr-BE"/>
+          </a:p>
+        </p:txBody>
+      </p:sp>
+      <p:grpSp>
+        <p:nvGrpSpPr>
+          <p:cNvPr id="58" name="Groupe 57"/>
+          <p:cNvGrpSpPr/>
+          <p:nvPr/>
+        </p:nvGrpSpPr>
+        <p:grpSpPr>
+          <a:xfrm>
+            <a:off x="1867508" y="948916"/>
+            <a:ext cx="4112840" cy="1143744"/>
+            <a:chOff x="1899320" y="980728"/>
+            <a:chExt cx="4112840" cy="1143744"/>
+          </a:xfrm>
+        </p:grpSpPr>
+        <p:sp>
+          <p:nvSpPr>
+            <p:cNvPr id="30" name="Rectangle à coins arrondis 29"/>
+            <p:cNvSpPr/>
+            <p:nvPr/>
+          </p:nvSpPr>
+          <p:spPr>
+            <a:xfrm>
+              <a:off x="1899320" y="980728"/>
+              <a:ext cx="4112840" cy="1143744"/>
+            </a:xfrm>
+            <a:prstGeom prst="roundRect">
+              <a:avLst/>
+            </a:prstGeom>
+            <a:ln w="22225"/>
+          </p:spPr>
+          <p:style>
+            <a:lnRef idx="2">
+              <a:schemeClr val="dk1"/>
+            </a:lnRef>
+            <a:fillRef idx="1">
+              <a:schemeClr val="lt1"/>
+            </a:fillRef>
+            <a:effectRef idx="0">
+              <a:schemeClr val="dk1"/>
+            </a:effectRef>
+            <a:fontRef idx="minor">
+              <a:schemeClr val="dk1"/>
+            </a:fontRef>
+          </p:style>
+          <p:txBody>
+            <a:bodyPr wrap="none" rtlCol="0" anchor="t"/>
+            <a:lstStyle/>
+            <a:p>
+              <a:r>
+                <a:rPr lang="fr-BE" b="1" noProof="1" smtClean="0">
+                  <a:latin typeface="+mj-lt"/>
+                </a:rPr>
+                <a:t>H</a:t>
+              </a:r>
+              <a:endParaRPr lang="fr-BE" b="1" baseline="-25000" noProof="1">
+                <a:latin typeface="+mj-lt"/>
+              </a:endParaRPr>
+            </a:p>
+          </p:txBody>
+        </p:sp>
+        <p:sp>
+          <p:nvSpPr>
+            <p:cNvPr id="5" name="Rectangle à coins arrondis 4"/>
+            <p:cNvSpPr/>
+            <p:nvPr/>
+          </p:nvSpPr>
+          <p:spPr>
+            <a:xfrm>
+              <a:off x="2123728" y="1628800"/>
+              <a:ext cx="507232" cy="360040"/>
+            </a:xfrm>
+            <a:prstGeom prst="roundRect">
+              <a:avLst/>
+            </a:prstGeom>
+            <a:ln w="22225"/>
+          </p:spPr>
+          <p:style>
+            <a:lnRef idx="2">
+              <a:schemeClr val="dk1"/>
+            </a:lnRef>
+            <a:fillRef idx="1">
+              <a:schemeClr val="lt1"/>
+            </a:fillRef>
+            <a:effectRef idx="0">
+              <a:schemeClr val="dk1"/>
+            </a:effectRef>
+            <a:fontRef idx="minor">
+              <a:schemeClr val="dk1"/>
+            </a:fontRef>
+          </p:style>
+          <p:txBody>
+            <a:bodyPr wrap="none" rtlCol="0" anchor="ctr"/>
+            <a:lstStyle/>
+            <a:p>
+              <a:pPr algn="ctr"/>
+              <a:r>
+                <a:rPr lang="fr-BE" b="1" noProof="1" smtClean="0">
+                  <a:latin typeface="+mj-lt"/>
+                </a:rPr>
+                <a:t>H</a:t>
+              </a:r>
+              <a:r>
+                <a:rPr lang="fr-BE" b="1" baseline="-25000" noProof="1" smtClean="0">
+                  <a:latin typeface="+mj-lt"/>
+                </a:rPr>
+                <a:t>1</a:t>
+              </a:r>
+              <a:endParaRPr lang="fr-BE" b="1" baseline="-25000" noProof="1">
+                <a:latin typeface="+mj-lt"/>
+              </a:endParaRPr>
+            </a:p>
+          </p:txBody>
+        </p:sp>
+        <p:sp>
+          <p:nvSpPr>
+            <p:cNvPr id="14" name="Ellipse 13"/>
+            <p:cNvSpPr/>
+            <p:nvPr/>
+          </p:nvSpPr>
+          <p:spPr>
+            <a:xfrm>
+              <a:off x="3923928" y="1124752"/>
+              <a:ext cx="108000" cy="108000"/>
+            </a:xfrm>
+            <a:prstGeom prst="ellipse">
+              <a:avLst/>
+            </a:prstGeom>
+            <a:ln w="22225"/>
+          </p:spPr>
+          <p:style>
+            <a:lnRef idx="2">
+              <a:schemeClr val="dk1">
+                <a:shade val="50000"/>
+              </a:schemeClr>
+            </a:lnRef>
+            <a:fillRef idx="1">
+              <a:schemeClr val="dk1"/>
+            </a:fillRef>
+            <a:effectRef idx="0">
+              <a:schemeClr val="dk1"/>
+            </a:effectRef>
+            <a:fontRef idx="minor">
+              <a:schemeClr val="lt1"/>
+            </a:fontRef>
+          </p:style>
+          <p:txBody>
+            <a:bodyPr rtlCol="0" anchor="ctr"/>
+            <a:lstStyle/>
+            <a:p>
+              <a:pPr algn="ctr"/>
+              <a:endParaRPr lang="fr-BE" sz="1000" b="1" noProof="1">
+                <a:latin typeface="+mj-lt"/>
+              </a:endParaRPr>
+            </a:p>
+          </p:txBody>
+        </p:sp>
+        <p:cxnSp>
+          <p:nvCxnSpPr>
+            <p:cNvPr id="15" name="Connecteur droit avec flèche 14"/>
+            <p:cNvCxnSpPr>
+              <a:stCxn id="14" idx="2"/>
+              <a:endCxn id="5" idx="0"/>
+            </p:cNvCxnSpPr>
+            <p:nvPr/>
+          </p:nvCxnSpPr>
+          <p:spPr>
+            <a:xfrm rot="10800000" flipV="1">
+              <a:off x="2377344" y="1178752"/>
+              <a:ext cx="1546584" cy="450048"/>
+            </a:xfrm>
+            <a:prstGeom prst="straightConnector1">
+              <a:avLst/>
+            </a:prstGeom>
+            <a:ln w="22225">
+              <a:tailEnd type="triangle" w="med" len="lg"/>
+            </a:ln>
+          </p:spPr>
+          <p:style>
+            <a:lnRef idx="2">
+              <a:schemeClr val="dk1"/>
+            </a:lnRef>
+            <a:fillRef idx="0">
+              <a:schemeClr val="dk1"/>
+            </a:fillRef>
+            <a:effectRef idx="1">
+              <a:schemeClr val="dk1"/>
+            </a:effectRef>
+            <a:fontRef idx="minor">
+              <a:schemeClr val="tx1"/>
+            </a:fontRef>
+          </p:style>
+        </p:cxnSp>
+        <p:sp>
+          <p:nvSpPr>
+            <p:cNvPr id="21" name="Rectangle à coins arrondis 20"/>
+            <p:cNvSpPr/>
+            <p:nvPr/>
+          </p:nvSpPr>
+          <p:spPr>
+            <a:xfrm>
+              <a:off x="2771800" y="1628800"/>
+              <a:ext cx="507232" cy="360040"/>
+            </a:xfrm>
+            <a:prstGeom prst="roundRect">
+              <a:avLst/>
+            </a:prstGeom>
+            <a:ln w="22225"/>
+          </p:spPr>
+          <p:style>
+            <a:lnRef idx="2">
+              <a:schemeClr val="dk1"/>
+            </a:lnRef>
+            <a:fillRef idx="1">
+              <a:schemeClr val="lt1"/>
+            </a:fillRef>
+            <a:effectRef idx="0">
+              <a:schemeClr val="dk1"/>
+            </a:effectRef>
+            <a:fontRef idx="minor">
+              <a:schemeClr val="dk1"/>
+            </a:fontRef>
+          </p:style>
+          <p:txBody>
+            <a:bodyPr wrap="none" rtlCol="0" anchor="ctr"/>
+            <a:lstStyle/>
+            <a:p>
+              <a:pPr algn="ctr"/>
+              <a:r>
+                <a:rPr lang="fr-BE" b="1" baseline="-25000" noProof="1" smtClean="0">
+                  <a:latin typeface="+mj-lt"/>
+                </a:rPr>
+                <a:t>…</a:t>
+              </a:r>
+              <a:endParaRPr lang="fr-BE" b="1" baseline="-25000" noProof="1">
+                <a:latin typeface="+mj-lt"/>
+              </a:endParaRPr>
+            </a:p>
+          </p:txBody>
+        </p:sp>
+        <p:sp>
+          <p:nvSpPr>
+            <p:cNvPr id="22" name="Rectangle à coins arrondis 21"/>
+            <p:cNvSpPr/>
+            <p:nvPr/>
+          </p:nvSpPr>
+          <p:spPr>
+            <a:xfrm>
+              <a:off x="3419872" y="1628800"/>
+              <a:ext cx="507232" cy="360040"/>
+            </a:xfrm>
+            <a:prstGeom prst="roundRect">
+              <a:avLst/>
+            </a:prstGeom>
+            <a:ln w="22225"/>
+          </p:spPr>
+          <p:style>
+            <a:lnRef idx="2">
+              <a:schemeClr val="dk1"/>
+            </a:lnRef>
+            <a:fillRef idx="1">
+              <a:schemeClr val="lt1"/>
+            </a:fillRef>
+            <a:effectRef idx="0">
+              <a:schemeClr val="dk1"/>
+            </a:effectRef>
+            <a:fontRef idx="minor">
+              <a:schemeClr val="dk1"/>
+            </a:fontRef>
+          </p:style>
+          <p:txBody>
+            <a:bodyPr wrap="none" rtlCol="0" anchor="ctr"/>
+            <a:lstStyle/>
+            <a:p>
+              <a:pPr algn="ctr"/>
+              <a:r>
+                <a:rPr lang="fr-BE" b="1" noProof="1" smtClean="0">
+                  <a:latin typeface="+mj-lt"/>
+                </a:rPr>
+                <a:t>H</a:t>
+              </a:r>
+              <a:r>
+                <a:rPr lang="fr-BE" b="1" baseline="-25000" noProof="1" smtClean="0">
+                  <a:latin typeface="+mj-lt"/>
+                </a:rPr>
+                <a:t>n</a:t>
+              </a:r>
+              <a:endParaRPr lang="fr-BE" b="1" baseline="-25000" noProof="1">
+                <a:latin typeface="+mj-lt"/>
+              </a:endParaRPr>
+            </a:p>
+          </p:txBody>
+        </p:sp>
+        <p:cxnSp>
+          <p:nvCxnSpPr>
+            <p:cNvPr id="23" name="Connecteur droit avec flèche 22"/>
+            <p:cNvCxnSpPr>
+              <a:stCxn id="14" idx="3"/>
+              <a:endCxn id="21" idx="0"/>
+            </p:cNvCxnSpPr>
+            <p:nvPr/>
+          </p:nvCxnSpPr>
+          <p:spPr>
+            <a:xfrm rot="5400000">
+              <a:off x="3276648" y="965704"/>
+              <a:ext cx="411864" cy="914328"/>
+            </a:xfrm>
+            <a:prstGeom prst="straightConnector1">
+              <a:avLst/>
+            </a:prstGeom>
+            <a:ln w="22225">
+              <a:tailEnd type="triangle" w="med" len="lg"/>
+            </a:ln>
+          </p:spPr>
+          <p:style>
+            <a:lnRef idx="2">
+              <a:schemeClr val="dk1"/>
+            </a:lnRef>
+            <a:fillRef idx="0">
+              <a:schemeClr val="dk1"/>
+            </a:fillRef>
+            <a:effectRef idx="1">
+              <a:schemeClr val="dk1"/>
+            </a:effectRef>
+            <a:fontRef idx="minor">
+              <a:schemeClr val="tx1"/>
+            </a:fontRef>
+          </p:style>
+        </p:cxnSp>
+        <p:cxnSp>
+          <p:nvCxnSpPr>
+            <p:cNvPr id="27" name="Connecteur droit avec flèche 26"/>
+            <p:cNvCxnSpPr>
+              <a:stCxn id="14" idx="4"/>
+              <a:endCxn id="22" idx="0"/>
+            </p:cNvCxnSpPr>
+            <p:nvPr/>
+          </p:nvCxnSpPr>
+          <p:spPr>
+            <a:xfrm rot="5400000">
+              <a:off x="3627684" y="1278556"/>
+              <a:ext cx="396048" cy="304440"/>
+            </a:xfrm>
+            <a:prstGeom prst="straightConnector1">
+              <a:avLst/>
+            </a:prstGeom>
+            <a:ln w="22225">
+              <a:tailEnd type="triangle" w="med" len="lg"/>
+            </a:ln>
+          </p:spPr>
+          <p:style>
+            <a:lnRef idx="2">
+              <a:schemeClr val="dk1"/>
+            </a:lnRef>
+            <a:fillRef idx="0">
+              <a:schemeClr val="dk1"/>
+            </a:fillRef>
+            <a:effectRef idx="1">
+              <a:schemeClr val="dk1"/>
+            </a:effectRef>
+            <a:fontRef idx="minor">
+              <a:schemeClr val="tx1"/>
+            </a:fontRef>
+          </p:style>
+        </p:cxnSp>
+        <p:sp>
+          <p:nvSpPr>
+            <p:cNvPr id="32" name="Rectangle à coins arrondis 31"/>
+            <p:cNvSpPr/>
+            <p:nvPr/>
+          </p:nvSpPr>
+          <p:spPr>
+            <a:xfrm>
+              <a:off x="4067944" y="1628800"/>
+              <a:ext cx="507232" cy="360040"/>
+            </a:xfrm>
+            <a:prstGeom prst="roundRect">
+              <a:avLst/>
+            </a:prstGeom>
+            <a:ln w="22225"/>
+          </p:spPr>
+          <p:style>
+            <a:lnRef idx="2">
+              <a:schemeClr val="dk1"/>
+            </a:lnRef>
+            <a:fillRef idx="1">
+              <a:schemeClr val="lt1"/>
+            </a:fillRef>
+            <a:effectRef idx="0">
+              <a:schemeClr val="dk1"/>
+            </a:effectRef>
+            <a:fontRef idx="minor">
+              <a:schemeClr val="dk1"/>
+            </a:fontRef>
+          </p:style>
+          <p:txBody>
+            <a:bodyPr wrap="none" rtlCol="0" anchor="ctr"/>
+            <a:lstStyle/>
+            <a:p>
+              <a:pPr algn="ctr"/>
+              <a:r>
+                <a:rPr lang="fr-BE" b="1" noProof="1" smtClean="0">
+                  <a:latin typeface="+mj-lt"/>
+                </a:rPr>
+                <a:t>S</a:t>
+              </a:r>
+              <a:r>
+                <a:rPr lang="fr-BE" b="1" baseline="30000" noProof="1" smtClean="0">
+                  <a:latin typeface="+mj-lt"/>
+                </a:rPr>
+                <a:t>+</a:t>
+              </a:r>
+              <a:r>
+                <a:rPr lang="fr-BE" b="1" baseline="-25000" noProof="1" smtClean="0">
+                  <a:latin typeface="+mj-lt"/>
+                </a:rPr>
+                <a:t>1</a:t>
+              </a:r>
+              <a:endParaRPr lang="fr-BE" b="1" baseline="-25000" noProof="1">
+                <a:latin typeface="+mj-lt"/>
+              </a:endParaRPr>
+            </a:p>
+          </p:txBody>
+        </p:sp>
+        <p:cxnSp>
+          <p:nvCxnSpPr>
+            <p:cNvPr id="33" name="Connecteur droit avec flèche 32"/>
+            <p:cNvCxnSpPr>
+              <a:stCxn id="14" idx="4"/>
+              <a:endCxn id="32" idx="0"/>
+            </p:cNvCxnSpPr>
+            <p:nvPr/>
+          </p:nvCxnSpPr>
+          <p:spPr>
+            <a:xfrm rot="16200000" flipH="1">
+              <a:off x="3951720" y="1258960"/>
+              <a:ext cx="396048" cy="343632"/>
+            </a:xfrm>
+            <a:prstGeom prst="straightConnector1">
+              <a:avLst/>
+            </a:prstGeom>
+            <a:ln w="22225">
+              <a:tailEnd type="triangle" w="med" len="lg"/>
+            </a:ln>
+          </p:spPr>
+          <p:style>
+            <a:lnRef idx="2">
+              <a:schemeClr val="dk1"/>
+            </a:lnRef>
+            <a:fillRef idx="0">
+              <a:schemeClr val="dk1"/>
+            </a:fillRef>
+            <a:effectRef idx="1">
+              <a:schemeClr val="dk1"/>
+            </a:effectRef>
+            <a:fontRef idx="minor">
+              <a:schemeClr val="tx1"/>
+            </a:fontRef>
+          </p:style>
+        </p:cxnSp>
+        <p:sp>
+          <p:nvSpPr>
+            <p:cNvPr id="37" name="Rectangle à coins arrondis 36"/>
+            <p:cNvSpPr/>
+            <p:nvPr/>
+          </p:nvSpPr>
+          <p:spPr>
+            <a:xfrm>
+              <a:off x="4716016" y="1628800"/>
+              <a:ext cx="507232" cy="360040"/>
+            </a:xfrm>
+            <a:prstGeom prst="roundRect">
+              <a:avLst/>
+            </a:prstGeom>
+            <a:ln w="22225"/>
+          </p:spPr>
+          <p:style>
+            <a:lnRef idx="2">
+              <a:schemeClr val="dk1"/>
+            </a:lnRef>
+            <a:fillRef idx="1">
+              <a:schemeClr val="lt1"/>
+            </a:fillRef>
+            <a:effectRef idx="0">
+              <a:schemeClr val="dk1"/>
+            </a:effectRef>
+            <a:fontRef idx="minor">
+              <a:schemeClr val="dk1"/>
+            </a:fontRef>
+          </p:style>
+          <p:txBody>
+            <a:bodyPr wrap="none" rtlCol="0" anchor="ctr"/>
+            <a:lstStyle/>
+            <a:p>
+              <a:pPr algn="ctr"/>
+              <a:r>
+                <a:rPr lang="fr-BE" b="1" baseline="-25000" noProof="1" smtClean="0">
+                  <a:latin typeface="+mj-lt"/>
+                </a:rPr>
+                <a:t>…</a:t>
+              </a:r>
+              <a:endParaRPr lang="fr-BE" b="1" baseline="-25000" noProof="1">
+                <a:latin typeface="+mj-lt"/>
+              </a:endParaRPr>
+            </a:p>
+          </p:txBody>
+        </p:sp>
+        <p:sp>
+          <p:nvSpPr>
+            <p:cNvPr id="38" name="Rectangle à coins arrondis 37"/>
+            <p:cNvSpPr/>
+            <p:nvPr/>
+          </p:nvSpPr>
+          <p:spPr>
+            <a:xfrm>
+              <a:off x="5364088" y="1628800"/>
+              <a:ext cx="507232" cy="360040"/>
+            </a:xfrm>
+            <a:prstGeom prst="roundRect">
+              <a:avLst/>
+            </a:prstGeom>
+            <a:ln w="22225"/>
+          </p:spPr>
+          <p:style>
+            <a:lnRef idx="2">
+              <a:schemeClr val="dk1"/>
+            </a:lnRef>
+            <a:fillRef idx="1">
+              <a:schemeClr val="lt1"/>
+            </a:fillRef>
+            <a:effectRef idx="0">
+              <a:schemeClr val="dk1"/>
+            </a:effectRef>
+            <a:fontRef idx="minor">
+              <a:schemeClr val="dk1"/>
+            </a:fontRef>
+          </p:style>
+          <p:txBody>
+            <a:bodyPr wrap="none" rtlCol="0" anchor="ctr"/>
+            <a:lstStyle/>
+            <a:p>
+              <a:pPr algn="ctr"/>
+              <a:r>
+                <a:rPr lang="fr-BE" b="1" noProof="1" smtClean="0">
+                  <a:latin typeface="+mj-lt"/>
+                </a:rPr>
+                <a:t>S</a:t>
+              </a:r>
+              <a:r>
+                <a:rPr lang="fr-BE" b="1" baseline="30000" noProof="1" smtClean="0">
+                  <a:latin typeface="+mj-lt"/>
+                </a:rPr>
+                <a:t>+</a:t>
+              </a:r>
+              <a:r>
+                <a:rPr lang="fr-BE" b="1" baseline="-25000" noProof="1" smtClean="0">
+                  <a:latin typeface="+mj-lt"/>
+                </a:rPr>
+                <a:t>n</a:t>
+              </a:r>
+              <a:endParaRPr lang="fr-BE" b="1" baseline="-25000" noProof="1">
+                <a:latin typeface="+mj-lt"/>
+              </a:endParaRPr>
+            </a:p>
+          </p:txBody>
+        </p:sp>
+        <p:cxnSp>
+          <p:nvCxnSpPr>
+            <p:cNvPr id="39" name="Connecteur droit avec flèche 38"/>
+            <p:cNvCxnSpPr>
+              <a:stCxn id="14" idx="5"/>
+              <a:endCxn id="37" idx="0"/>
+            </p:cNvCxnSpPr>
+            <p:nvPr/>
+          </p:nvCxnSpPr>
+          <p:spPr>
+            <a:xfrm rot="16200000" flipH="1">
+              <a:off x="4286940" y="946108"/>
+              <a:ext cx="411864" cy="953520"/>
+            </a:xfrm>
+            <a:prstGeom prst="straightConnector1">
+              <a:avLst/>
+            </a:prstGeom>
+            <a:ln w="22225">
+              <a:tailEnd type="triangle" w="med" len="lg"/>
+            </a:ln>
+          </p:spPr>
+          <p:style>
+            <a:lnRef idx="2">
+              <a:schemeClr val="dk1"/>
+            </a:lnRef>
+            <a:fillRef idx="0">
+              <a:schemeClr val="dk1"/>
+            </a:fillRef>
+            <a:effectRef idx="1">
+              <a:schemeClr val="dk1"/>
+            </a:effectRef>
+            <a:fontRef idx="minor">
+              <a:schemeClr val="tx1"/>
+            </a:fontRef>
+          </p:style>
+        </p:cxnSp>
+        <p:cxnSp>
+          <p:nvCxnSpPr>
+            <p:cNvPr id="42" name="Connecteur droit avec flèche 41"/>
+            <p:cNvCxnSpPr>
+              <a:stCxn id="14" idx="6"/>
+              <a:endCxn id="38" idx="0"/>
+            </p:cNvCxnSpPr>
+            <p:nvPr/>
+          </p:nvCxnSpPr>
+          <p:spPr>
+            <a:xfrm>
+              <a:off x="4031928" y="1178752"/>
+              <a:ext cx="1585776" cy="450048"/>
+            </a:xfrm>
+            <a:prstGeom prst="straightConnector1">
+              <a:avLst/>
+            </a:prstGeom>
+            <a:ln w="22225">
+              <a:tailEnd type="triangle" w="med" len="lg"/>
+            </a:ln>
+          </p:spPr>
+          <p:style>
+            <a:lnRef idx="2">
+              <a:schemeClr val="dk1"/>
+            </a:lnRef>
+            <a:fillRef idx="0">
+              <a:schemeClr val="dk1"/>
+            </a:fillRef>
+            <a:effectRef idx="1">
+              <a:schemeClr val="dk1"/>
+            </a:effectRef>
+            <a:fontRef idx="minor">
+              <a:schemeClr val="tx1"/>
+            </a:fontRef>
+          </p:style>
+        </p:cxnSp>
+      </p:grpSp>
+    </p:spTree>
+  </p:cSld>
+  <p:clrMapOvr>
+    <a:masterClrMapping/>
+  </p:clrMapOvr>
+</p:sld>
+</file>
+
 <file path=ppt/slides/slide2.xml><?xml version="1.0" encoding="utf-8"?>
 <p:sld xmlns:a="http://schemas.openxmlformats.org/drawingml/2006/main" xmlns:r="http://schemas.openxmlformats.org/officeDocument/2006/relationships" xmlns:p="http://schemas.openxmlformats.org/presentationml/2006/main">
   <p:cSld>
@@ -16714,10 +17306,10 @@
         </p:nvGrpSpPr>
         <p:grpSpPr>
           <a:xfrm>
-            <a:off x="107504" y="288206"/>
-            <a:ext cx="5760640" cy="2736304"/>
-            <a:chOff x="107504" y="288206"/>
-            <a:chExt cx="5760640" cy="2736304"/>
+            <a:off x="683568" y="116632"/>
+            <a:ext cx="5976664" cy="2736304"/>
+            <a:chOff x="-108520" y="288206"/>
+            <a:chExt cx="5976664" cy="2736304"/>
           </a:xfrm>
         </p:grpSpPr>
         <p:sp>
@@ -16774,7 +17366,7 @@
           </p:nvSpPr>
           <p:spPr>
             <a:xfrm>
-              <a:off x="958900" y="332656"/>
+              <a:off x="827584" y="332656"/>
               <a:ext cx="720080" cy="216024"/>
             </a:xfrm>
             <a:prstGeom prst="rect">
@@ -16804,10 +17396,10 @@
             <a:p>
               <a:pPr algn="ctr"/>
               <a:r>
-                <a:rPr lang="fr-BE" sz="1100" smtClean="0"/>
+                <a:rPr lang="fr-BE" sz="1300" dirty="0" smtClean="0"/>
                 <a:t>Machine</a:t>
               </a:r>
-              <a:endParaRPr lang="fr-BE" sz="1100"/>
+              <a:endParaRPr lang="fr-BE" sz="1300" dirty="0"/>
             </a:p>
           </p:txBody>
         </p:sp>
@@ -16819,8 +17411,8 @@
           </p:nvSpPr>
           <p:spPr>
             <a:xfrm>
-              <a:off x="1077516" y="561636"/>
-              <a:ext cx="2952328" cy="2304000"/>
+              <a:off x="899592" y="561636"/>
+              <a:ext cx="3130252" cy="2304000"/>
             </a:xfrm>
             <a:prstGeom prst="rect">
               <a:avLst/>
@@ -16860,8 +17452,8 @@
           </p:nvSpPr>
           <p:spPr>
             <a:xfrm>
-              <a:off x="179512" y="705653"/>
-              <a:ext cx="720080" cy="324000"/>
+              <a:off x="-108520" y="705653"/>
+              <a:ext cx="851296" cy="324000"/>
             </a:xfrm>
             <a:prstGeom prst="rect">
               <a:avLst/>
@@ -16887,10 +17479,10 @@
             <a:p>
               <a:pPr algn="ctr"/>
               <a:r>
-                <a:rPr lang="fr-BE" sz="1100" smtClean="0"/>
+                <a:rPr lang="fr-BE" sz="1300" dirty="0" err="1" smtClean="0"/>
                 <a:t>Passenger</a:t>
               </a:r>
-              <a:endParaRPr lang="fr-BE" sz="1100"/>
+              <a:endParaRPr lang="fr-BE" sz="1300" dirty="0"/>
             </a:p>
           </p:txBody>
         </p:sp>
@@ -16929,10 +17521,10 @@
             <a:p>
               <a:pPr algn="ctr"/>
               <a:r>
-                <a:rPr lang="fr-BE" sz="1100" smtClean="0"/>
+                <a:rPr lang="fr-BE" sz="1300" smtClean="0"/>
                 <a:t>Controller</a:t>
               </a:r>
-              <a:endParaRPr lang="fr-BE" sz="1100"/>
+              <a:endParaRPr lang="fr-BE" sz="1300"/>
             </a:p>
           </p:txBody>
         </p:sp>
@@ -16971,10 +17563,10 @@
             <a:p>
               <a:pPr algn="ctr"/>
               <a:r>
-                <a:rPr lang="fr-BE" sz="1100" smtClean="0"/>
+                <a:rPr lang="fr-BE" sz="1300" smtClean="0"/>
                 <a:t>Actuators</a:t>
               </a:r>
-              <a:endParaRPr lang="fr-BE" sz="1100"/>
+              <a:endParaRPr lang="fr-BE" sz="1300"/>
             </a:p>
           </p:txBody>
         </p:sp>
@@ -17013,7 +17605,7 @@
             <a:p>
               <a:pPr algn="ctr"/>
               <a:r>
-                <a:rPr lang="fr-BE" sz="1100" smtClean="0"/>
+                <a:rPr lang="fr-BE" sz="1300" smtClean="0"/>
                 <a:t>Engine</a:t>
               </a:r>
             </a:p>
@@ -17054,7 +17646,7 @@
             <a:p>
               <a:pPr algn="ctr"/>
               <a:r>
-                <a:rPr lang="fr-BE" sz="1100" smtClean="0"/>
+                <a:rPr lang="fr-BE" sz="1300" smtClean="0"/>
                 <a:t>Doors</a:t>
               </a:r>
             </a:p>
@@ -17068,7 +17660,7 @@
           </p:nvSpPr>
           <p:spPr>
             <a:xfrm>
-              <a:off x="1199788" y="705653"/>
+              <a:off x="1123588" y="705653"/>
               <a:ext cx="720080" cy="324000"/>
             </a:xfrm>
             <a:prstGeom prst="rect">
@@ -17095,7 +17687,7 @@
             <a:p>
               <a:pPr algn="ctr"/>
               <a:r>
-                <a:rPr lang="fr-BE" sz="1100" smtClean="0"/>
+                <a:rPr lang="fr-BE" sz="1300" smtClean="0"/>
                 <a:t>Sensors</a:t>
               </a:r>
             </a:p>
@@ -17146,7 +17738,7 @@
           </p:nvCxnSpPr>
           <p:spPr>
             <a:xfrm rot="5400000">
-              <a:off x="-324845" y="1893256"/>
+              <a:off x="-547269" y="1893256"/>
               <a:ext cx="1728000" cy="794"/>
             </a:xfrm>
             <a:prstGeom prst="straightConnector1">
@@ -17216,7 +17808,7 @@
           </p:nvCxnSpPr>
           <p:spPr>
             <a:xfrm rot="5400000">
-              <a:off x="695431" y="1893256"/>
+              <a:off x="619231" y="1893256"/>
               <a:ext cx="1728000" cy="794"/>
             </a:xfrm>
             <a:prstGeom prst="straightConnector1">
@@ -17319,8 +17911,8 @@
           </p:nvCxnSpPr>
           <p:spPr>
             <a:xfrm>
-              <a:off x="539552" y="1672752"/>
-              <a:ext cx="1008112" cy="1588"/>
+              <a:off x="318281" y="1672752"/>
+              <a:ext cx="1152000" cy="1588"/>
             </a:xfrm>
             <a:prstGeom prst="straightConnector1">
               <a:avLst/>
@@ -17352,8 +17944,8 @@
           </p:nvSpPr>
           <p:spPr>
             <a:xfrm>
-              <a:off x="563244" y="1571401"/>
-              <a:ext cx="864000" cy="180000"/>
+              <a:off x="367864" y="1571401"/>
+              <a:ext cx="970843" cy="200055"/>
             </a:xfrm>
             <a:prstGeom prst="rect">
               <a:avLst/>
@@ -17366,17 +17958,25 @@
             </a:ln>
           </p:spPr>
           <p:txBody>
-            <a:bodyPr wrap="square" lIns="18000" tIns="0" rIns="18000" bIns="0" rtlCol="0">
+            <a:bodyPr wrap="none" lIns="0" tIns="0" rIns="0" bIns="0" rtlCol="0">
               <a:spAutoFit/>
             </a:bodyPr>
             <a:lstStyle/>
             <a:p>
               <a:pPr algn="ctr"/>
               <a:r>
-                <a:rPr lang="fr-BE" sz="1100" smtClean="0"/>
-                <a:t>alarm-pressed</a:t>
-              </a:r>
-              <a:endParaRPr lang="fr-BE" sz="1100"/>
+                <a:rPr lang="fr-BE" sz="1300" dirty="0" err="1" smtClean="0"/>
+                <a:t>alarm</a:t>
+              </a:r>
+              <a:r>
+                <a:rPr lang="fr-BE" sz="1300" dirty="0" smtClean="0"/>
+                <a:t>-</a:t>
+              </a:r>
+              <a:r>
+                <a:rPr lang="fr-BE" sz="1300" dirty="0" err="1" smtClean="0"/>
+                <a:t>pressed</a:t>
+              </a:r>
+              <a:endParaRPr lang="fr-BE" sz="1300" dirty="0"/>
             </a:p>
           </p:txBody>
         </p:sp>
@@ -17421,8 +18021,8 @@
           </p:nvSpPr>
           <p:spPr>
             <a:xfrm>
-              <a:off x="2617545" y="1204758"/>
-              <a:ext cx="720000" cy="169277"/>
+              <a:off x="2601192" y="1204758"/>
+              <a:ext cx="752707" cy="200055"/>
             </a:xfrm>
             <a:prstGeom prst="rect">
               <a:avLst/>
@@ -17435,17 +18035,17 @@
             </a:ln>
           </p:spPr>
           <p:txBody>
-            <a:bodyPr wrap="square" lIns="18000" tIns="0" rIns="18000" bIns="0" rtlCol="0">
+            <a:bodyPr wrap="none" lIns="0" tIns="0" rIns="0" bIns="0" rtlCol="0">
               <a:spAutoFit/>
             </a:bodyPr>
             <a:lstStyle/>
             <a:p>
               <a:pPr algn="ctr"/>
               <a:r>
-                <a:rPr lang="fr-BE" sz="1100" smtClean="0"/>
+                <a:rPr lang="fr-BE" sz="1300" smtClean="0"/>
                 <a:t>start-signal</a:t>
               </a:r>
-              <a:endParaRPr lang="fr-BE" sz="1100"/>
+              <a:endParaRPr lang="fr-BE" sz="1300"/>
             </a:p>
           </p:txBody>
         </p:sp>
@@ -17490,8 +18090,8 @@
           </p:nvSpPr>
           <p:spPr>
             <a:xfrm>
-              <a:off x="4364370" y="1357168"/>
-              <a:ext cx="324000" cy="169277"/>
+              <a:off x="4370429" y="1357168"/>
+              <a:ext cx="311881" cy="200055"/>
             </a:xfrm>
             <a:prstGeom prst="rect">
               <a:avLst/>
@@ -17504,17 +18104,17 @@
             </a:ln>
           </p:spPr>
           <p:txBody>
-            <a:bodyPr wrap="square" lIns="18000" tIns="0" rIns="18000" bIns="0" rtlCol="0">
+            <a:bodyPr wrap="none" lIns="0" tIns="0" rIns="0" bIns="0" rtlCol="0">
               <a:spAutoFit/>
             </a:bodyPr>
             <a:lstStyle/>
             <a:p>
               <a:pPr algn="ctr"/>
               <a:r>
-                <a:rPr lang="fr-BE" sz="1100" smtClean="0"/>
+                <a:rPr lang="fr-BE" sz="1300" smtClean="0"/>
                 <a:t>start</a:t>
               </a:r>
-              <a:endParaRPr lang="fr-BE" sz="1100"/>
+              <a:endParaRPr lang="fr-BE" sz="1300"/>
             </a:p>
           </p:txBody>
         </p:sp>
@@ -17559,8 +18159,8 @@
           </p:nvSpPr>
           <p:spPr>
             <a:xfrm>
-              <a:off x="2617545" y="1929789"/>
-              <a:ext cx="720000" cy="169277"/>
+              <a:off x="2609784" y="1929789"/>
+              <a:ext cx="735522" cy="200055"/>
             </a:xfrm>
             <a:prstGeom prst="rect">
               <a:avLst/>
@@ -17573,17 +18173,17 @@
             </a:ln>
           </p:spPr>
           <p:txBody>
-            <a:bodyPr wrap="square" lIns="18000" tIns="0" rIns="18000" bIns="0" rtlCol="0">
+            <a:bodyPr wrap="none" lIns="0" tIns="0" rIns="0" bIns="0" rtlCol="0">
               <a:spAutoFit/>
             </a:bodyPr>
             <a:lstStyle/>
             <a:p>
               <a:pPr algn="ctr"/>
               <a:r>
-                <a:rPr lang="fr-BE" sz="1100" smtClean="0"/>
+                <a:rPr lang="fr-BE" sz="1300" smtClean="0"/>
                 <a:t>stop-signal</a:t>
               </a:r>
-              <a:endParaRPr lang="fr-BE" sz="1100"/>
+              <a:endParaRPr lang="fr-BE" sz="1300"/>
             </a:p>
           </p:txBody>
         </p:sp>
@@ -17628,8 +18228,8 @@
           </p:nvSpPr>
           <p:spPr>
             <a:xfrm>
-              <a:off x="4364370" y="2112550"/>
-              <a:ext cx="324000" cy="169277"/>
+              <a:off x="4379022" y="2112550"/>
+              <a:ext cx="294696" cy="200055"/>
             </a:xfrm>
             <a:prstGeom prst="rect">
               <a:avLst/>
@@ -17642,17 +18242,17 @@
             </a:ln>
           </p:spPr>
           <p:txBody>
-            <a:bodyPr wrap="square" lIns="18000" tIns="0" rIns="18000" bIns="0" rtlCol="0">
+            <a:bodyPr wrap="none" lIns="0" tIns="0" rIns="0" bIns="0" rtlCol="0">
               <a:spAutoFit/>
             </a:bodyPr>
             <a:lstStyle/>
             <a:p>
               <a:pPr algn="ctr"/>
               <a:r>
-                <a:rPr lang="fr-BE" sz="1100" smtClean="0"/>
+                <a:rPr lang="fr-BE" sz="1300" smtClean="0"/>
                 <a:t>stop</a:t>
               </a:r>
-              <a:endParaRPr lang="fr-BE" sz="1100"/>
+              <a:endParaRPr lang="fr-BE" sz="1300"/>
             </a:p>
           </p:txBody>
         </p:sp>
@@ -17697,8 +18297,8 @@
           </p:nvSpPr>
           <p:spPr>
             <a:xfrm>
-              <a:off x="2617545" y="2272317"/>
-              <a:ext cx="720000" cy="169277"/>
+              <a:off x="2583206" y="2272317"/>
+              <a:ext cx="788677" cy="200055"/>
             </a:xfrm>
             <a:prstGeom prst="rect">
               <a:avLst/>
@@ -17711,17 +18311,17 @@
             </a:ln>
           </p:spPr>
           <p:txBody>
-            <a:bodyPr wrap="square" lIns="18000" tIns="0" rIns="18000" bIns="0" rtlCol="0">
+            <a:bodyPr wrap="none" lIns="0" tIns="0" rIns="0" bIns="0" rtlCol="0">
               <a:spAutoFit/>
             </a:bodyPr>
             <a:lstStyle/>
             <a:p>
               <a:pPr algn="ctr"/>
               <a:r>
-                <a:rPr lang="fr-BE" sz="1100" smtClean="0"/>
+                <a:rPr lang="fr-BE" sz="1300" smtClean="0"/>
                 <a:t>open-signal</a:t>
               </a:r>
-              <a:endParaRPr lang="fr-BE" sz="1100"/>
+              <a:endParaRPr lang="fr-BE" sz="1300"/>
             </a:p>
           </p:txBody>
         </p:sp>
@@ -17766,8 +18366,8 @@
           </p:nvSpPr>
           <p:spPr>
             <a:xfrm>
-              <a:off x="3860354" y="2408584"/>
-              <a:ext cx="360000" cy="169277"/>
+              <a:off x="3866428" y="2408584"/>
+              <a:ext cx="347852" cy="200055"/>
             </a:xfrm>
             <a:prstGeom prst="rect">
               <a:avLst/>
@@ -17780,17 +18380,17 @@
             </a:ln>
           </p:spPr>
           <p:txBody>
-            <a:bodyPr wrap="square" lIns="18000" tIns="0" rIns="18000" bIns="0" rtlCol="0">
+            <a:bodyPr wrap="none" lIns="0" tIns="0" rIns="0" bIns="0" rtlCol="0">
               <a:spAutoFit/>
             </a:bodyPr>
             <a:lstStyle/>
             <a:p>
               <a:pPr algn="ctr"/>
               <a:r>
-                <a:rPr lang="fr-BE" sz="1100" smtClean="0"/>
+                <a:rPr lang="fr-BE" sz="1300" smtClean="0"/>
                 <a:t>open</a:t>
               </a:r>
-              <a:endParaRPr lang="fr-BE" sz="1100"/>
+              <a:endParaRPr lang="fr-BE" sz="1300"/>
             </a:p>
           </p:txBody>
         </p:sp>
@@ -17802,8 +18402,8 @@
           </p:nvCxnSpPr>
           <p:spPr>
             <a:xfrm>
-              <a:off x="1575326" y="1847764"/>
-              <a:ext cx="936000" cy="1588"/>
+              <a:off x="1494706" y="1847764"/>
+              <a:ext cx="1008000" cy="1588"/>
             </a:xfrm>
             <a:prstGeom prst="straightConnector1">
               <a:avLst/>
@@ -17835,8 +18435,8 @@
           </p:nvSpPr>
           <p:spPr>
             <a:xfrm>
-              <a:off x="1624873" y="1754162"/>
-              <a:ext cx="756000" cy="169277"/>
+              <a:off x="1530544" y="1744637"/>
+              <a:ext cx="830357" cy="200055"/>
             </a:xfrm>
             <a:prstGeom prst="rect">
               <a:avLst/>
@@ -17849,17 +18449,21 @@
             </a:ln>
           </p:spPr>
           <p:txBody>
-            <a:bodyPr wrap="square" lIns="18000" tIns="0" rIns="18000" bIns="0" rtlCol="0">
+            <a:bodyPr wrap="none" lIns="0" tIns="0" rIns="0" bIns="0" rtlCol="0">
               <a:spAutoFit/>
             </a:bodyPr>
             <a:lstStyle/>
             <a:p>
               <a:pPr algn="ctr"/>
               <a:r>
-                <a:rPr lang="fr-BE" sz="1100" smtClean="0"/>
-                <a:t>alarm-signal</a:t>
-              </a:r>
-              <a:endParaRPr lang="fr-BE" sz="1100"/>
+                <a:rPr lang="fr-BE" sz="1300" dirty="0" err="1" smtClean="0"/>
+                <a:t>alarm</a:t>
+              </a:r>
+              <a:r>
+                <a:rPr lang="fr-BE" sz="1300" dirty="0" smtClean="0"/>
+                <a:t>-signal</a:t>
+              </a:r>
+              <a:endParaRPr lang="fr-BE" sz="1300" dirty="0"/>
             </a:p>
           </p:txBody>
         </p:sp>
@@ -17992,10 +18596,10 @@
             <a:p>
               <a:pPr algn="ctr"/>
               <a:r>
-                <a:rPr lang="fr-BE" sz="1100" smtClean="0"/>
+                <a:rPr lang="fr-BE" sz="1300" dirty="0" smtClean="0"/>
                 <a:t>Controller</a:t>
               </a:r>
-              <a:endParaRPr lang="fr-BE" sz="1100"/>
+              <a:endParaRPr lang="fr-BE" sz="1300" dirty="0"/>
             </a:p>
           </p:txBody>
         </p:sp>
@@ -18007,8 +18611,8 @@
           </p:nvSpPr>
           <p:spPr>
             <a:xfrm>
-              <a:off x="3347864" y="3513965"/>
-              <a:ext cx="720080" cy="324000"/>
+              <a:off x="3329583" y="3513965"/>
+              <a:ext cx="756642" cy="324000"/>
             </a:xfrm>
             <a:prstGeom prst="rect">
               <a:avLst/>
@@ -18034,10 +18638,10 @@
             <a:p>
               <a:pPr algn="ctr"/>
               <a:r>
-                <a:rPr lang="fr-BE" sz="1100" smtClean="0"/>
+                <a:rPr lang="fr-BE" sz="1300" dirty="0" err="1" smtClean="0"/>
                 <a:t>Actuators</a:t>
               </a:r>
-              <a:endParaRPr lang="fr-BE" sz="1100"/>
+              <a:endParaRPr lang="fr-BE" sz="1300" dirty="0"/>
             </a:p>
           </p:txBody>
         </p:sp>
@@ -18076,7 +18680,7 @@
             <a:p>
               <a:pPr algn="ctr"/>
               <a:r>
-                <a:rPr lang="fr-BE" sz="1100" smtClean="0"/>
+                <a:rPr lang="fr-BE" sz="1300" smtClean="0"/>
                 <a:t>Engine</a:t>
               </a:r>
             </a:p>
@@ -18117,7 +18721,7 @@
             <a:p>
               <a:pPr algn="ctr"/>
               <a:r>
-                <a:rPr lang="fr-BE" sz="1100" smtClean="0"/>
+                <a:rPr lang="fr-BE" sz="1300" smtClean="0"/>
                 <a:t>Doors</a:t>
               </a:r>
             </a:p>
@@ -18304,8 +18908,8 @@
           </p:nvSpPr>
           <p:spPr>
             <a:xfrm>
-              <a:off x="2689553" y="4013070"/>
-              <a:ext cx="720000" cy="169277"/>
+              <a:off x="2721699" y="4013070"/>
+              <a:ext cx="789058" cy="200055"/>
             </a:xfrm>
             <a:prstGeom prst="rect">
               <a:avLst/>
@@ -18318,17 +18922,21 @@
             </a:ln>
           </p:spPr>
           <p:txBody>
-            <a:bodyPr wrap="square" lIns="18000" tIns="0" rIns="18000" bIns="0" rtlCol="0">
+            <a:bodyPr wrap="none" lIns="18000" tIns="0" rIns="18000" bIns="0" rtlCol="0">
               <a:spAutoFit/>
             </a:bodyPr>
             <a:lstStyle/>
             <a:p>
               <a:pPr algn="ctr"/>
               <a:r>
-                <a:rPr lang="fr-BE" sz="1100" smtClean="0"/>
-                <a:t>start-signal</a:t>
-              </a:r>
-              <a:endParaRPr lang="fr-BE" sz="1100"/>
+                <a:rPr lang="fr-BE" sz="1300" dirty="0" err="1" smtClean="0"/>
+                <a:t>start</a:t>
+              </a:r>
+              <a:r>
+                <a:rPr lang="fr-BE" sz="1300" dirty="0" smtClean="0"/>
+                <a:t>-signal</a:t>
+              </a:r>
+              <a:endParaRPr lang="fr-BE" sz="1300" dirty="0"/>
             </a:p>
           </p:txBody>
         </p:sp>
@@ -18373,8 +18981,8 @@
           </p:nvSpPr>
           <p:spPr>
             <a:xfrm>
-              <a:off x="4436378" y="4165480"/>
-              <a:ext cx="324000" cy="169277"/>
+              <a:off x="4424262" y="4165480"/>
+              <a:ext cx="348233" cy="200055"/>
             </a:xfrm>
             <a:prstGeom prst="rect">
               <a:avLst/>
@@ -18387,17 +18995,17 @@
             </a:ln>
           </p:spPr>
           <p:txBody>
-            <a:bodyPr wrap="square" lIns="18000" tIns="0" rIns="18000" bIns="0" rtlCol="0">
+            <a:bodyPr wrap="none" lIns="18000" tIns="0" rIns="18000" bIns="0" rtlCol="0">
               <a:spAutoFit/>
             </a:bodyPr>
             <a:lstStyle/>
             <a:p>
               <a:pPr algn="ctr"/>
               <a:r>
-                <a:rPr lang="fr-BE" sz="1100" smtClean="0"/>
+                <a:rPr lang="fr-BE" sz="1300" smtClean="0"/>
                 <a:t>start</a:t>
               </a:r>
-              <a:endParaRPr lang="fr-BE" sz="1100"/>
+              <a:endParaRPr lang="fr-BE" sz="1300"/>
             </a:p>
           </p:txBody>
         </p:sp>
@@ -18442,8 +19050,8 @@
           </p:nvSpPr>
           <p:spPr>
             <a:xfrm>
-              <a:off x="2843808" y="4637355"/>
-              <a:ext cx="720000" cy="169277"/>
+              <a:off x="2809469" y="4627830"/>
+              <a:ext cx="788677" cy="200055"/>
             </a:xfrm>
             <a:prstGeom prst="rect">
               <a:avLst/>
@@ -18456,17 +19064,17 @@
             </a:ln>
           </p:spPr>
           <p:txBody>
-            <a:bodyPr wrap="square" lIns="18000" tIns="0" rIns="18000" bIns="0" rtlCol="0">
+            <a:bodyPr wrap="none" lIns="0" tIns="0" rIns="0" bIns="0" rtlCol="0">
               <a:spAutoFit/>
             </a:bodyPr>
             <a:lstStyle/>
             <a:p>
               <a:pPr algn="ctr"/>
               <a:r>
-                <a:rPr lang="fr-BE" sz="1100" smtClean="0"/>
+                <a:rPr lang="fr-BE" sz="1300" dirty="0" smtClean="0"/>
                 <a:t>open-signal</a:t>
               </a:r>
-              <a:endParaRPr lang="fr-BE" sz="1100"/>
+              <a:endParaRPr lang="fr-BE" sz="1300" dirty="0"/>
             </a:p>
           </p:txBody>
         </p:sp>
@@ -22968,10 +23576,10 @@
         </p:nvGrpSpPr>
         <p:grpSpPr>
           <a:xfrm>
-            <a:off x="3707904" y="548680"/>
-            <a:ext cx="1958620" cy="1224136"/>
-            <a:chOff x="5089052" y="3881083"/>
-            <a:chExt cx="3248493" cy="2030307"/>
+            <a:off x="3610694" y="445968"/>
+            <a:ext cx="2113434" cy="1398856"/>
+            <a:chOff x="4927823" y="3710729"/>
+            <a:chExt cx="3505262" cy="2320092"/>
           </a:xfrm>
         </p:grpSpPr>
         <p:sp>
@@ -22982,8 +23590,8 @@
           </p:nvSpPr>
           <p:spPr>
             <a:xfrm>
-              <a:off x="5089052" y="5244780"/>
-              <a:ext cx="2943945" cy="666610"/>
+              <a:off x="4927823" y="5244781"/>
+              <a:ext cx="3266402" cy="786040"/>
             </a:xfrm>
             <a:prstGeom prst="parallelogram">
               <a:avLst/>
@@ -23019,7 +23627,7 @@
             <a:p>
               <a:pPr algn="ctr"/>
               <a:r>
-                <a:rPr lang="fr-BE" sz="1000" b="1" dirty="0" err="1" smtClean="0">
+                <a:rPr lang="fr-BE" sz="1300" b="1" noProof="1" smtClean="0">
                   <a:solidFill>
                     <a:schemeClr val="tx1"/>
                   </a:solidFill>
@@ -23028,87 +23636,24 @@
                 <a:t>Maintain</a:t>
               </a:r>
               <a:r>
-                <a:rPr lang="fr-BE" sz="1000" b="1" dirty="0" smtClean="0">
+                <a:rPr lang="fr-BE" sz="1300" b="1" noProof="1" smtClean="0">
                   <a:solidFill>
                     <a:schemeClr val="tx1"/>
                   </a:solidFill>
                   <a:latin typeface="+mj-lt"/>
                 </a:rPr>
-                <a:t>[</a:t>
-              </a:r>
-              <a:r>
-                <a:rPr lang="fr-BE" sz="1000" b="1" dirty="0" err="1" smtClean="0">
+                <a:t>[Doors Closed While </a:t>
+              </a:r>
+              <a:r>
+                <a:rPr lang="fr-BE" sz="1300" b="1" noProof="1" smtClean="0">
                   <a:solidFill>
                     <a:schemeClr val="tx1"/>
                   </a:solidFill>
                   <a:latin typeface="+mj-lt"/>
                 </a:rPr>
-                <a:t>Doors</a:t>
-              </a:r>
-              <a:r>
-                <a:rPr lang="fr-BE" sz="1000" b="1" dirty="0" smtClean="0">
-                  <a:solidFill>
-                    <a:schemeClr val="tx1"/>
-                  </a:solidFill>
-                  <a:latin typeface="+mj-lt"/>
-                </a:rPr>
-                <a:t> </a:t>
-              </a:r>
-              <a:r>
-                <a:rPr lang="fr-BE" sz="1000" b="1" dirty="0" err="1" smtClean="0">
-                  <a:solidFill>
-                    <a:schemeClr val="tx1"/>
-                  </a:solidFill>
-                  <a:latin typeface="+mj-lt"/>
-                </a:rPr>
-                <a:t>Closed</a:t>
-              </a:r>
-              <a:r>
-                <a:rPr lang="fr-BE" sz="1000" b="1" dirty="0" smtClean="0">
-                  <a:solidFill>
-                    <a:schemeClr val="tx1"/>
-                  </a:solidFill>
-                  <a:latin typeface="+mj-lt"/>
-                </a:rPr>
-                <a:t> </a:t>
-              </a:r>
-              <a:r>
-                <a:rPr lang="fr-BE" sz="1000" b="1" dirty="0" err="1" smtClean="0">
-                  <a:solidFill>
-                    <a:schemeClr val="tx1"/>
-                  </a:solidFill>
-                  <a:latin typeface="+mj-lt"/>
-                </a:rPr>
-                <a:t>While</a:t>
-              </a:r>
-              <a:r>
-                <a:rPr lang="fr-BE" sz="1000" b="1" dirty="0" smtClean="0">
-                  <a:solidFill>
-                    <a:schemeClr val="tx1"/>
-                  </a:solidFill>
-                  <a:latin typeface="+mj-lt"/>
-                </a:rPr>
-                <a:t> </a:t>
-              </a:r>
-              <a:r>
-                <a:rPr lang="fr-BE" sz="1000" b="1" dirty="0" err="1" smtClean="0">
-                  <a:solidFill>
-                    <a:schemeClr val="tx1"/>
-                  </a:solidFill>
-                  <a:latin typeface="+mj-lt"/>
-                </a:rPr>
-                <a:t>Moving</a:t>
-              </a:r>
-              <a:r>
-                <a:rPr lang="fr-BE" sz="1000" b="1" dirty="0" smtClean="0">
-                  <a:solidFill>
-                    <a:schemeClr val="tx1"/>
-                  </a:solidFill>
-                  <a:latin typeface="+mj-lt"/>
-                </a:rPr>
-                <a:t>]</a:t>
-              </a:r>
-              <a:endParaRPr lang="fr-BE" sz="1000" b="1" dirty="0">
+                <a:t>Moving]</a:t>
+              </a:r>
+              <a:endParaRPr lang="fr-BE" sz="1300" b="1" noProof="1">
                 <a:solidFill>
                   <a:schemeClr val="tx1"/>
                 </a:solidFill>
@@ -23125,8 +23670,8 @@
           </p:nvSpPr>
           <p:spPr>
             <a:xfrm>
-              <a:off x="5799657" y="3881083"/>
-              <a:ext cx="2088233" cy="648072"/>
+              <a:off x="5732179" y="3710729"/>
+              <a:ext cx="2342616" cy="767502"/>
             </a:xfrm>
             <a:prstGeom prst="parallelogram">
               <a:avLst/>
@@ -23162,15 +23707,33 @@
             <a:p>
               <a:pPr algn="ctr"/>
               <a:r>
-                <a:rPr lang="fr-BE" sz="1000" b="1" smtClean="0">
+                <a:rPr lang="fr-BE" sz="1300" b="1" noProof="1" smtClean="0">
                   <a:solidFill>
                     <a:schemeClr val="tx1"/>
                   </a:solidFill>
                   <a:latin typeface="+mj-lt"/>
                 </a:rPr>
-                <a:t>Maintain[Safe Transportation]</a:t>
-              </a:r>
-              <a:endParaRPr lang="fr-BE" sz="1000" b="1">
+                <a:t>Maintain</a:t>
+              </a:r>
+              <a:r>
+                <a:rPr lang="fr-BE" sz="1300" b="1" noProof="1" smtClean="0">
+                  <a:solidFill>
+                    <a:schemeClr val="tx1"/>
+                  </a:solidFill>
+                  <a:latin typeface="+mj-lt"/>
+                </a:rPr>
+                <a:t>[Safe </a:t>
+              </a:r>
+              <a:r>
+                <a:rPr lang="fr-BE" sz="1300" b="1" noProof="1" smtClean="0">
+                  <a:solidFill>
+                    <a:schemeClr val="tx1"/>
+                  </a:solidFill>
+                  <a:latin typeface="+mj-lt"/>
+                </a:rPr>
+                <a:t>Transportation]</a:t>
+              </a:r>
+              <a:endParaRPr lang="fr-BE" sz="1300" b="1" noProof="1">
                 <a:solidFill>
                   <a:schemeClr val="tx1"/>
                 </a:solidFill>
@@ -23223,7 +23786,7 @@
             <a:lstStyle/>
             <a:p>
               <a:pPr algn="ctr"/>
-              <a:endParaRPr lang="fr-BE" sz="1000" b="1">
+              <a:endParaRPr lang="fr-BE" sz="1000" b="1" noProof="1">
                 <a:latin typeface="+mj-lt"/>
               </a:endParaRPr>
             </a:p>
@@ -23240,8 +23803,8 @@
           </p:nvCxnSpPr>
           <p:spPr>
             <a:xfrm rot="5400000" flipH="1" flipV="1">
-              <a:off x="6592824" y="4982755"/>
-              <a:ext cx="230228" cy="293825"/>
+              <a:off x="6592825" y="4982755"/>
+              <a:ext cx="230227" cy="293828"/>
             </a:xfrm>
             <a:prstGeom prst="straightConnector1">
               <a:avLst/>
@@ -23276,8 +23839,8 @@
           </p:nvCxnSpPr>
           <p:spPr>
             <a:xfrm rot="16200000" flipV="1">
-              <a:off x="6653032" y="4638889"/>
-              <a:ext cx="362473" cy="143004"/>
+              <a:off x="6649963" y="4635819"/>
+              <a:ext cx="413395" cy="98220"/>
             </a:xfrm>
             <a:prstGeom prst="straightConnector1">
               <a:avLst/>
@@ -23309,7 +23872,7 @@
           </p:nvSpPr>
           <p:spPr>
             <a:xfrm>
-              <a:off x="7481835" y="4747611"/>
+              <a:off x="7577375" y="4717090"/>
               <a:ext cx="855710" cy="351657"/>
             </a:xfrm>
             <a:prstGeom prst="parallelogram">
@@ -23346,7 +23909,7 @@
             <a:p>
               <a:pPr algn="ctr"/>
               <a:r>
-                <a:rPr lang="fr-BE" sz="1000" b="1" smtClean="0">
+                <a:rPr lang="fr-BE" sz="1300" b="1" noProof="1" smtClean="0">
                   <a:solidFill>
                     <a:schemeClr val="tx1"/>
                   </a:solidFill>
@@ -23354,7 +23917,7 @@
                 </a:rPr>
                 <a:t>...</a:t>
               </a:r>
-              <a:endParaRPr lang="fr-BE" sz="1000" b="1">
+              <a:endParaRPr lang="fr-BE" sz="1300" b="1" noProof="1">
                 <a:solidFill>
                   <a:schemeClr val="tx1"/>
                 </a:solidFill>
@@ -23374,8 +23937,8 @@
           </p:nvCxnSpPr>
           <p:spPr>
             <a:xfrm rot="10800000" flipV="1">
-              <a:off x="6977777" y="4923440"/>
-              <a:ext cx="548015" cy="40196"/>
+              <a:off x="6977779" y="4892920"/>
+              <a:ext cx="643554" cy="70714"/>
             </a:xfrm>
             <a:prstGeom prst="straightConnector1">
               <a:avLst/>
@@ -23408,10 +23971,10 @@
         </p:nvGrpSpPr>
         <p:grpSpPr>
           <a:xfrm>
-            <a:off x="179512" y="188640"/>
-            <a:ext cx="2449860" cy="2094582"/>
-            <a:chOff x="3059832" y="254298"/>
-            <a:chExt cx="2449860" cy="2094582"/>
+            <a:off x="346323" y="188640"/>
+            <a:ext cx="2569493" cy="2094582"/>
+            <a:chOff x="3012207" y="254298"/>
+            <a:chExt cx="2569493" cy="2094582"/>
           </a:xfrm>
         </p:grpSpPr>
         <p:sp>
@@ -23422,8 +23985,8 @@
           </p:nvSpPr>
           <p:spPr>
             <a:xfrm>
-              <a:off x="4427984" y="548680"/>
-              <a:ext cx="1080120" cy="360040"/>
+              <a:off x="4355976" y="548680"/>
+              <a:ext cx="1224136" cy="360040"/>
             </a:xfrm>
             <a:prstGeom prst="roundRect">
               <a:avLst/>
@@ -23450,12 +24013,24 @@
             <a:p>
               <a:pPr algn="ctr"/>
               <a:r>
-                <a:rPr lang="fr-BE" sz="1000" b="1" smtClean="0">
+                <a:rPr lang="fr-BE" sz="1300" b="1" noProof="1" smtClean="0">
                   <a:latin typeface="+mj-lt"/>
                 </a:rPr>
-                <a:t>Starting train</a:t>
-              </a:r>
-              <a:endParaRPr lang="fr-BE" sz="1000" b="1">
+                <a:t>Starting</a:t>
+              </a:r>
+              <a:r>
+                <a:rPr lang="fr-BE" sz="1300" b="1" noProof="1" smtClean="0">
+                  <a:latin typeface="+mj-lt"/>
+                </a:rPr>
+                <a:t> </a:t>
+              </a:r>
+              <a:r>
+                <a:rPr lang="fr-BE" sz="1300" b="1" noProof="1" smtClean="0">
+                  <a:latin typeface="+mj-lt"/>
+                </a:rPr>
+                <a:t>train</a:t>
+              </a:r>
+              <a:endParaRPr lang="fr-BE" sz="1300" b="1" noProof="1">
                 <a:latin typeface="+mj-lt"/>
               </a:endParaRPr>
             </a:p>
@@ -23469,7 +24044,7 @@
           </p:nvSpPr>
           <p:spPr>
             <a:xfrm>
-              <a:off x="3059832" y="1268760"/>
+              <a:off x="3012207" y="1268760"/>
               <a:ext cx="1080120" cy="360040"/>
             </a:xfrm>
             <a:prstGeom prst="roundRect">
@@ -23497,12 +24072,18 @@
             <a:p>
               <a:pPr algn="ctr"/>
               <a:r>
-                <a:rPr lang="fr-BE" sz="1000" b="1" smtClean="0">
+                <a:rPr lang="fr-BE" sz="1300" b="1" noProof="1" smtClean="0">
                   <a:latin typeface="+mj-lt"/>
                 </a:rPr>
-                <a:t>Pressing alarm</a:t>
-              </a:r>
-              <a:endParaRPr lang="fr-BE" sz="1000" b="1">
+                <a:t>Pressing </a:t>
+              </a:r>
+              <a:r>
+                <a:rPr lang="fr-BE" sz="1300" b="1" noProof="1" smtClean="0">
+                  <a:latin typeface="+mj-lt"/>
+                </a:rPr>
+                <a:t>alarm</a:t>
+              </a:r>
+              <a:endParaRPr lang="fr-BE" sz="1300" b="1" noProof="1">
                 <a:latin typeface="+mj-lt"/>
               </a:endParaRPr>
             </a:p>
@@ -23516,8 +24097,8 @@
           </p:nvSpPr>
           <p:spPr>
             <a:xfrm>
-              <a:off x="4427984" y="1196752"/>
-              <a:ext cx="1080120" cy="504056"/>
+              <a:off x="4355976" y="1196752"/>
+              <a:ext cx="1224136" cy="504056"/>
             </a:xfrm>
             <a:prstGeom prst="roundRect">
               <a:avLst/>
@@ -23544,22 +24125,37 @@
             <a:p>
               <a:pPr algn="ctr"/>
               <a:r>
-                <a:rPr lang="fr-BE" sz="1000" b="1" smtClean="0">
+                <a:rPr lang="fr-BE" sz="1300" b="1" noProof="1" smtClean="0">
                   <a:latin typeface="+mj-lt"/>
                 </a:rPr>
-                <a:t>Stopping &amp; </a:t>
+                <a:t>Stopping</a:t>
+              </a:r>
+              <a:r>
+                <a:rPr lang="fr-BE" sz="1300" b="1" noProof="1" smtClean="0">
+                  <a:latin typeface="+mj-lt"/>
+                </a:rPr>
+                <a:t> &amp; </a:t>
               </a:r>
               <a:br>
-                <a:rPr lang="fr-BE" sz="1000" b="1" smtClean="0">
+                <a:rPr lang="fr-BE" sz="1300" b="1" noProof="1" smtClean="0">
                   <a:latin typeface="+mj-lt"/>
                 </a:rPr>
               </a:br>
               <a:r>
-                <a:rPr lang="fr-BE" sz="1000" b="1" smtClean="0">
+                <a:rPr lang="fr-BE" sz="1300" b="1" noProof="1" smtClean="0">
                   <a:latin typeface="+mj-lt"/>
                 </a:rPr>
-                <a:t>Opening doors</a:t>
-              </a:r>
+                <a:t>Opening </a:t>
+              </a:r>
+              <a:r>
+                <a:rPr lang="fr-BE" sz="1300" b="1" noProof="1" smtClean="0">
+                  <a:latin typeface="+mj-lt"/>
+                </a:rPr>
+                <a:t>doors</a:t>
+              </a:r>
+              <a:endParaRPr lang="fr-BE" sz="1300" b="1" noProof="1" smtClean="0">
+                <a:latin typeface="+mj-lt"/>
+              </a:endParaRPr>
             </a:p>
           </p:txBody>
         </p:sp>
@@ -23571,8 +24167,8 @@
           </p:nvSpPr>
           <p:spPr>
             <a:xfrm>
-              <a:off x="4427984" y="1988840"/>
-              <a:ext cx="1080120" cy="360040"/>
+              <a:off x="4355976" y="1988840"/>
+              <a:ext cx="1224136" cy="360040"/>
             </a:xfrm>
             <a:prstGeom prst="roundRect">
               <a:avLst/>
@@ -23599,24 +24195,24 @@
             <a:p>
               <a:pPr algn="ctr"/>
               <a:r>
-                <a:rPr lang="fr-BE" sz="1000" b="1" dirty="0" err="1" smtClean="0">
+                <a:rPr lang="fr-BE" sz="1300" b="1" noProof="1" smtClean="0">
                   <a:latin typeface="+mj-lt"/>
                 </a:rPr>
                 <a:t>Closing</a:t>
               </a:r>
               <a:r>
-                <a:rPr lang="fr-BE" sz="1000" b="1" dirty="0" smtClean="0">
+                <a:rPr lang="fr-BE" sz="1300" b="1" noProof="1" smtClean="0">
                   <a:latin typeface="+mj-lt"/>
                 </a:rPr>
                 <a:t> </a:t>
               </a:r>
               <a:r>
-                <a:rPr lang="fr-BE" sz="1000" b="1" dirty="0" err="1" smtClean="0">
+                <a:rPr lang="fr-BE" sz="1300" b="1" noProof="1" smtClean="0">
                   <a:latin typeface="+mj-lt"/>
                 </a:rPr>
                 <a:t>doors</a:t>
               </a:r>
-              <a:endParaRPr lang="fr-BE" sz="1000" b="1" dirty="0">
+              <a:endParaRPr lang="fr-BE" sz="1300" b="1" noProof="1">
                 <a:latin typeface="+mj-lt"/>
               </a:endParaRPr>
             </a:p>
@@ -23705,8 +24301,8 @@
           </p:nvCxnSpPr>
           <p:spPr>
             <a:xfrm>
-              <a:off x="4139952" y="1448780"/>
-              <a:ext cx="288032" cy="1588"/>
+              <a:off x="4092327" y="1448780"/>
+              <a:ext cx="263649" cy="1588"/>
             </a:xfrm>
             <a:prstGeom prst="straightConnector1">
               <a:avLst/>
@@ -23741,12 +24337,12 @@
           </p:nvCxnSpPr>
           <p:spPr>
             <a:xfrm flipV="1">
-              <a:off x="5508104" y="728700"/>
+              <a:off x="5580112" y="728700"/>
               <a:ext cx="1588" cy="1440160"/>
             </a:xfrm>
             <a:prstGeom prst="bentConnector3">
               <a:avLst>
-                <a:gd name="adj1" fmla="val 21193332"/>
+                <a:gd name="adj1" fmla="val 17394527"/>
               </a:avLst>
             </a:prstGeom>
             <a:ln w="22225">
@@ -23779,8 +24375,8 @@
           </p:nvCxnSpPr>
           <p:spPr>
             <a:xfrm rot="10800000" flipV="1">
-              <a:off x="3599892" y="728700"/>
-              <a:ext cx="828092" cy="540060"/>
+              <a:off x="3552268" y="728700"/>
+              <a:ext cx="803709" cy="540060"/>
             </a:xfrm>
             <a:prstGeom prst="bentConnector2">
               <a:avLst/>
@@ -23841,7 +24437,7 @@
             <a:lstStyle/>
             <a:p>
               <a:pPr algn="ctr"/>
-              <a:endParaRPr lang="fr-BE" sz="1000" b="1">
+              <a:endParaRPr lang="fr-BE" sz="1000" b="1" noProof="1">
                 <a:latin typeface="+mj-lt"/>
               </a:endParaRPr>
             </a:p>
@@ -23892,10 +24488,10 @@
         </p:nvGrpSpPr>
         <p:grpSpPr>
           <a:xfrm>
-            <a:off x="4716016" y="3140968"/>
-            <a:ext cx="3634308" cy="1512000"/>
-            <a:chOff x="2987824" y="3342391"/>
-            <a:chExt cx="3634308" cy="1512000"/>
+            <a:off x="4644008" y="3140968"/>
+            <a:ext cx="3706316" cy="1512000"/>
+            <a:chOff x="2915816" y="3342391"/>
+            <a:chExt cx="3706316" cy="1512000"/>
           </a:xfrm>
         </p:grpSpPr>
         <p:sp>
@@ -23906,8 +24502,8 @@
           </p:nvSpPr>
           <p:spPr>
             <a:xfrm>
-              <a:off x="2987824" y="3342391"/>
-              <a:ext cx="720080" cy="324000"/>
+              <a:off x="2915816" y="3342391"/>
+              <a:ext cx="864096" cy="324000"/>
             </a:xfrm>
             <a:prstGeom prst="rect">
               <a:avLst/>
@@ -23934,12 +24530,12 @@
             <a:p>
               <a:pPr algn="ctr"/>
               <a:r>
-                <a:rPr lang="fr-BE" sz="1000" b="1" dirty="0" err="1" smtClean="0">
+                <a:rPr lang="fr-BE" sz="1300" b="1" noProof="1" smtClean="0">
                   <a:latin typeface="+mj-lt"/>
                 </a:rPr>
                 <a:t>Passenger</a:t>
               </a:r>
-              <a:endParaRPr lang="fr-BE" sz="1000" b="1" dirty="0">
+              <a:endParaRPr lang="fr-BE" sz="1300" b="1" noProof="1">
                 <a:latin typeface="+mj-lt"/>
               </a:endParaRPr>
             </a:p>
@@ -23981,12 +24577,12 @@
             <a:p>
               <a:pPr algn="ctr"/>
               <a:r>
-                <a:rPr lang="fr-BE" sz="1000" b="1" smtClean="0">
+                <a:rPr lang="fr-BE" sz="1300" b="1" noProof="1" smtClean="0">
                   <a:latin typeface="+mj-lt"/>
                 </a:rPr>
                 <a:t>Controller</a:t>
               </a:r>
-              <a:endParaRPr lang="fr-BE" sz="1000" b="1">
+              <a:endParaRPr lang="fr-BE" sz="1300" b="1" noProof="1">
                 <a:latin typeface="+mj-lt"/>
               </a:endParaRPr>
             </a:p>
@@ -24028,11 +24624,14 @@
             <a:p>
               <a:pPr algn="ctr"/>
               <a:r>
-                <a:rPr lang="fr-BE" sz="1000" b="1" smtClean="0">
+                <a:rPr lang="fr-BE" sz="1300" b="1" noProof="1" smtClean="0">
                   <a:latin typeface="+mj-lt"/>
                 </a:rPr>
                 <a:t>Engine</a:t>
               </a:r>
+              <a:endParaRPr lang="fr-BE" sz="1300" b="1" noProof="1" smtClean="0">
+                <a:latin typeface="+mj-lt"/>
+              </a:endParaRPr>
             </a:p>
           </p:txBody>
         </p:sp>
@@ -24072,11 +24671,14 @@
             <a:p>
               <a:pPr algn="ctr"/>
               <a:r>
-                <a:rPr lang="fr-BE" sz="1000" b="1" smtClean="0">
+                <a:rPr lang="fr-BE" sz="1300" b="1" noProof="1" smtClean="0">
                   <a:latin typeface="+mj-lt"/>
                 </a:rPr>
                 <a:t>Doors</a:t>
               </a:r>
+              <a:endParaRPr lang="fr-BE" sz="1300" b="1" noProof="1" smtClean="0">
+                <a:latin typeface="+mj-lt"/>
+              </a:endParaRPr>
             </a:p>
           </p:txBody>
         </p:sp>
@@ -24261,8 +24863,8 @@
           </p:nvSpPr>
           <p:spPr>
             <a:xfrm>
-              <a:off x="3632293" y="4051811"/>
-              <a:ext cx="342526" cy="153888"/>
+              <a:off x="3585005" y="4051811"/>
+              <a:ext cx="437103" cy="200055"/>
             </a:xfrm>
             <a:prstGeom prst="rect">
               <a:avLst/>
@@ -24282,12 +24884,12 @@
             <a:p>
               <a:pPr algn="ctr"/>
               <a:r>
-                <a:rPr lang="fr-BE" sz="1000" b="1" smtClean="0">
+                <a:rPr lang="fr-BE" sz="1300" b="1" noProof="1" smtClean="0">
                   <a:latin typeface="+mj-lt"/>
                 </a:rPr>
                 <a:t>alarm</a:t>
               </a:r>
-              <a:endParaRPr lang="fr-BE" sz="1000" b="1">
+              <a:endParaRPr lang="fr-BE" sz="1300" b="1" noProof="1">
                 <a:latin typeface="+mj-lt"/>
               </a:endParaRPr>
             </a:p>
@@ -24334,8 +24936,8 @@
           </p:nvSpPr>
           <p:spPr>
             <a:xfrm>
-              <a:off x="5228466" y="3837578"/>
-              <a:ext cx="324000" cy="153888"/>
+              <a:off x="5212920" y="3837578"/>
+              <a:ext cx="355093" cy="200055"/>
             </a:xfrm>
             <a:prstGeom prst="rect">
               <a:avLst/>
@@ -24348,19 +24950,19 @@
             </a:ln>
           </p:spPr>
           <p:txBody>
-            <a:bodyPr wrap="square" lIns="18000" tIns="0" rIns="18000" bIns="0" rtlCol="0">
+            <a:bodyPr wrap="none" lIns="18000" tIns="0" rIns="18000" bIns="0" rtlCol="0">
               <a:spAutoFit/>
             </a:bodyPr>
             <a:lstStyle/>
             <a:p>
               <a:pPr algn="ctr"/>
               <a:r>
-                <a:rPr lang="fr-BE" sz="1000" b="1" smtClean="0">
+                <a:rPr lang="fr-BE" sz="1300" b="1" noProof="1" smtClean="0">
                   <a:latin typeface="+mj-lt"/>
                 </a:rPr>
                 <a:t>start</a:t>
               </a:r>
-              <a:endParaRPr lang="fr-BE" sz="1000" b="1">
+              <a:endParaRPr lang="fr-BE" sz="1300" b="1" noProof="1">
                 <a:latin typeface="+mj-lt"/>
               </a:endParaRPr>
             </a:p>
@@ -24407,8 +25009,8 @@
           </p:nvSpPr>
           <p:spPr>
             <a:xfrm>
-              <a:off x="5228466" y="4221088"/>
-              <a:ext cx="324000" cy="153888"/>
+              <a:off x="5222538" y="4202038"/>
+              <a:ext cx="335857" cy="200055"/>
             </a:xfrm>
             <a:prstGeom prst="rect">
               <a:avLst/>
@@ -24421,19 +25023,19 @@
             </a:ln>
           </p:spPr>
           <p:txBody>
-            <a:bodyPr wrap="square" lIns="18000" tIns="0" rIns="18000" bIns="0" rtlCol="0">
+            <a:bodyPr wrap="none" lIns="18000" tIns="0" rIns="18000" bIns="0" rtlCol="0">
               <a:spAutoFit/>
             </a:bodyPr>
             <a:lstStyle/>
             <a:p>
               <a:pPr algn="ctr"/>
               <a:r>
-                <a:rPr lang="fr-BE" sz="1000" b="1" smtClean="0">
+                <a:rPr lang="fr-BE" sz="1300" b="1" noProof="1" smtClean="0">
                   <a:latin typeface="+mj-lt"/>
                 </a:rPr>
                 <a:t>stop</a:t>
               </a:r>
-              <a:endParaRPr lang="fr-BE" sz="1000" b="1">
+              <a:endParaRPr lang="fr-BE" sz="1300" b="1" noProof="1">
                 <a:latin typeface="+mj-lt"/>
               </a:endParaRPr>
             </a:p>
@@ -24480,8 +25082,8 @@
           </p:nvSpPr>
           <p:spPr>
             <a:xfrm>
-              <a:off x="4724450" y="4517122"/>
-              <a:ext cx="360000" cy="153888"/>
+              <a:off x="4709944" y="4517122"/>
+              <a:ext cx="389012" cy="200055"/>
             </a:xfrm>
             <a:prstGeom prst="rect">
               <a:avLst/>
@@ -24494,19 +25096,19 @@
             </a:ln>
           </p:spPr>
           <p:txBody>
-            <a:bodyPr wrap="square" lIns="18000" tIns="0" rIns="18000" bIns="0" rtlCol="0">
+            <a:bodyPr wrap="none" lIns="18000" tIns="0" rIns="18000" bIns="0" rtlCol="0">
               <a:spAutoFit/>
             </a:bodyPr>
             <a:lstStyle/>
             <a:p>
               <a:pPr algn="ctr"/>
               <a:r>
-                <a:rPr lang="fr-BE" sz="1000" b="1" smtClean="0">
+                <a:rPr lang="fr-BE" sz="1300" b="1" noProof="1" smtClean="0">
                   <a:latin typeface="+mj-lt"/>
                 </a:rPr>
                 <a:t>open</a:t>
               </a:r>
-              <a:endParaRPr lang="fr-BE" sz="1000" b="1">
+              <a:endParaRPr lang="fr-BE" sz="1300" b="1" noProof="1">
                 <a:latin typeface="+mj-lt"/>
               </a:endParaRPr>
             </a:p>
@@ -24521,7 +25123,7 @@
         </p:nvGrpSpPr>
         <p:grpSpPr>
           <a:xfrm>
-            <a:off x="1142976" y="2928934"/>
+            <a:off x="6156176" y="332656"/>
             <a:ext cx="2286016" cy="2394578"/>
             <a:chOff x="1134426" y="3929066"/>
             <a:chExt cx="2286016" cy="2394578"/>
@@ -24563,29 +25165,29 @@
             <a:p>
               <a:pPr algn="ctr"/>
               <a:r>
-                <a:rPr lang="fr-BE" sz="1200" dirty="0" err="1" smtClean="0">
+                <a:rPr lang="fr-BE" sz="1300" b="1" noProof="1" smtClean="0">
                   <a:latin typeface="+mj-lt"/>
                 </a:rPr>
                 <a:t>Collect</a:t>
               </a:r>
               <a:r>
-                <a:rPr lang="fr-BE" sz="1200" dirty="0" smtClean="0">
+                <a:rPr lang="fr-BE" sz="1300" b="1" noProof="1" smtClean="0">
                   <a:latin typeface="+mj-lt"/>
                 </a:rPr>
                 <a:t> </a:t>
               </a:r>
               <a:br>
-                <a:rPr lang="fr-BE" sz="1200" dirty="0" smtClean="0">
+                <a:rPr lang="fr-BE" sz="1300" b="1" noProof="1" smtClean="0">
                   <a:latin typeface="+mj-lt"/>
                 </a:rPr>
               </a:br>
               <a:r>
-                <a:rPr lang="fr-BE" sz="1200" dirty="0" err="1" smtClean="0">
+                <a:rPr lang="fr-BE" sz="1300" b="1" noProof="1" smtClean="0">
                   <a:latin typeface="+mj-lt"/>
                 </a:rPr>
                 <a:t>Constraints</a:t>
               </a:r>
-              <a:endParaRPr lang="fr-BE" sz="1200" dirty="0">
+              <a:endParaRPr lang="fr-BE" sz="1300" b="1" noProof="1">
                 <a:latin typeface="+mj-lt"/>
               </a:endParaRPr>
             </a:p>
@@ -24627,29 +25229,29 @@
             <a:p>
               <a:pPr algn="ctr"/>
               <a:r>
-                <a:rPr lang="fr-BE" sz="1200" dirty="0" err="1" smtClean="0">
+                <a:rPr lang="fr-BE" sz="1300" b="1" noProof="1" smtClean="0">
                   <a:latin typeface="+mj-lt"/>
                 </a:rPr>
                 <a:t>Weaken</a:t>
               </a:r>
               <a:r>
-                <a:rPr lang="fr-BE" sz="1200" dirty="0" smtClean="0">
+                <a:rPr lang="fr-BE" sz="1300" b="1" noProof="1" smtClean="0">
                   <a:latin typeface="+mj-lt"/>
                 </a:rPr>
                 <a:t> </a:t>
               </a:r>
               <a:br>
-                <a:rPr lang="fr-BE" sz="1200" dirty="0" smtClean="0">
+                <a:rPr lang="fr-BE" sz="1300" b="1" noProof="1" smtClean="0">
                   <a:latin typeface="+mj-lt"/>
                 </a:rPr>
               </a:br>
               <a:r>
-                <a:rPr lang="fr-BE" sz="1200" dirty="0" err="1" smtClean="0">
+                <a:rPr lang="fr-BE" sz="1300" b="1" noProof="1" smtClean="0">
                   <a:latin typeface="+mj-lt"/>
                 </a:rPr>
                 <a:t>Request</a:t>
               </a:r>
-              <a:endParaRPr lang="fr-BE" sz="1200" dirty="0">
+              <a:endParaRPr lang="fr-BE" sz="1300" b="1" noProof="1">
                 <a:latin typeface="+mj-lt"/>
               </a:endParaRPr>
             </a:p>
@@ -24691,11 +25293,14 @@
             <a:p>
               <a:pPr algn="ctr"/>
               <a:r>
-                <a:rPr lang="fr-BE" sz="1200" dirty="0" smtClean="0">
+                <a:rPr lang="fr-BE" sz="1300" b="1" noProof="1" smtClean="0">
                   <a:latin typeface="+mj-lt"/>
                 </a:rPr>
                 <a:t>Schedule</a:t>
               </a:r>
+              <a:endParaRPr lang="fr-BE" sz="1300" b="1" noProof="1" smtClean="0">
+                <a:latin typeface="+mj-lt"/>
+              </a:endParaRPr>
             </a:p>
           </p:txBody>
         </p:sp>
@@ -24819,7 +25424,7 @@
           <p:spPr>
             <a:xfrm rot="10800000">
               <a:off x="2118874" y="5107793"/>
-              <a:ext cx="400804" cy="1588"/>
+              <a:ext cx="339056" cy="1588"/>
             </a:xfrm>
             <a:prstGeom prst="bentConnector3">
               <a:avLst>
@@ -24882,7 +25487,7 @@
             <a:lstStyle/>
             <a:p>
               <a:pPr algn="ctr"/>
-              <a:endParaRPr lang="fr-BE" sz="1200">
+              <a:endParaRPr lang="fr-BE" sz="1200" noProof="1">
                 <a:latin typeface="+mj-lt"/>
               </a:endParaRPr>
             </a:p>
@@ -24932,12 +25537,13 @@
           </p:nvSpPr>
           <p:spPr>
             <a:xfrm>
-              <a:off x="2519678" y="4857760"/>
-              <a:ext cx="757888" cy="500066"/>
+              <a:off x="2457930" y="4857760"/>
+              <a:ext cx="881384" cy="500066"/>
             </a:xfrm>
             <a:prstGeom prst="diamond">
               <a:avLst/>
             </a:prstGeom>
+            <a:ln w="22225"/>
           </p:spPr>
           <p:style>
             <a:lnRef idx="2">
@@ -24961,18 +25567,12 @@
             <a:p>
               <a:pPr algn="ctr"/>
               <a:r>
-                <a:rPr lang="fr-BE" sz="1200" dirty="0" err="1" smtClean="0">
+                <a:rPr lang="fr-BE" sz="1300" b="1" noProof="1" smtClean="0">
                   <a:latin typeface="+mj-lt"/>
                 </a:rPr>
-                <a:t>Conflict</a:t>
-              </a:r>
-              <a:r>
-                <a:rPr lang="fr-BE" sz="1200" dirty="0" smtClean="0">
-                  <a:latin typeface="+mj-lt"/>
-                </a:rPr>
-                <a:t>?</a:t>
-              </a:r>
-              <a:endParaRPr lang="fr-BE" sz="1200" dirty="0">
+                <a:t>Conflict?</a:t>
+              </a:r>
+              <a:endParaRPr lang="fr-BE" sz="1300" b="1" noProof="1">
                 <a:latin typeface="+mj-lt"/>
               </a:endParaRPr>
             </a:p>
@@ -25062,7 +25662,7 @@
               <a:lstStyle/>
               <a:p>
                 <a:pPr algn="ctr"/>
-                <a:endParaRPr lang="fr-BE" sz="1200">
+                <a:endParaRPr lang="fr-BE" sz="1200" noProof="1">
                   <a:latin typeface="+mj-lt"/>
                 </a:endParaRPr>
               </a:p>
@@ -25105,13 +25705,157 @@
               <a:lstStyle/>
               <a:p>
                 <a:pPr algn="ctr"/>
-                <a:endParaRPr lang="fr-BE" sz="1200">
+                <a:endParaRPr lang="fr-BE" sz="1200" noProof="1">
                   <a:latin typeface="+mj-lt"/>
                 </a:endParaRPr>
               </a:p>
             </p:txBody>
           </p:sp>
         </p:grpSp>
+      </p:grpSp>
+      <p:grpSp>
+        <p:nvGrpSpPr>
+          <p:cNvPr id="90" name="Groupe 89"/>
+          <p:cNvGrpSpPr/>
+          <p:nvPr/>
+        </p:nvGrpSpPr>
+        <p:grpSpPr>
+          <a:xfrm>
+            <a:off x="323528" y="4929784"/>
+            <a:ext cx="4824536" cy="1019496"/>
+            <a:chOff x="899592" y="4869805"/>
+            <a:chExt cx="4824536" cy="1019496"/>
+          </a:xfrm>
+        </p:grpSpPr>
+        <p:pic>
+          <p:nvPicPr>
+            <p:cNvPr id="2057" name="Picture 9" descr="C:\Users\blambeau\Documents\thesis\writing\src\2-framework\images\controller.png"/>
+            <p:cNvPicPr>
+              <a:picLocks noChangeAspect="1" noChangeArrowheads="1"/>
+            </p:cNvPicPr>
+            <p:nvPr/>
+          </p:nvPicPr>
+          <p:blipFill>
+            <a:blip r:embed="rId2" cstate="print"/>
+            <a:srcRect/>
+            <a:stretch>
+              <a:fillRect/>
+            </a:stretch>
+          </p:blipFill>
+          <p:spPr bwMode="auto">
+            <a:xfrm>
+              <a:off x="899592" y="4870204"/>
+              <a:ext cx="3389090" cy="1018699"/>
+            </a:xfrm>
+            <a:prstGeom prst="rect">
+              <a:avLst/>
+            </a:prstGeom>
+            <a:noFill/>
+          </p:spPr>
+        </p:pic>
+        <p:grpSp>
+          <p:nvGrpSpPr>
+            <p:cNvPr id="89" name="Groupe 88"/>
+            <p:cNvGrpSpPr/>
+            <p:nvPr/>
+          </p:nvGrpSpPr>
+          <p:grpSpPr>
+            <a:xfrm>
+              <a:off x="4683522" y="4869805"/>
+              <a:ext cx="1040606" cy="1019496"/>
+              <a:chOff x="4683522" y="4870450"/>
+              <a:chExt cx="1040606" cy="1019496"/>
+            </a:xfrm>
+          </p:grpSpPr>
+          <p:pic>
+            <p:nvPicPr>
+              <p:cNvPr id="2058" name="Picture 10" descr="C:\Users\blambeau\Documents\thesis\writing\src\2-framework\images\open-close.png"/>
+              <p:cNvPicPr>
+                <a:picLocks noChangeAspect="1" noChangeArrowheads="1"/>
+              </p:cNvPicPr>
+              <p:nvPr/>
+            </p:nvPicPr>
+            <p:blipFill>
+              <a:blip r:embed="rId3" cstate="print"/>
+              <a:srcRect/>
+              <a:stretch>
+                <a:fillRect/>
+              </a:stretch>
+            </p:blipFill>
+            <p:spPr bwMode="auto">
+              <a:xfrm>
+                <a:off x="4683522" y="4870450"/>
+                <a:ext cx="1040606" cy="455676"/>
+              </a:xfrm>
+              <a:prstGeom prst="rect">
+                <a:avLst/>
+              </a:prstGeom>
+              <a:noFill/>
+            </p:spPr>
+          </p:pic>
+          <p:pic>
+            <p:nvPicPr>
+              <p:cNvPr id="2059" name="Picture 11" descr="C:\Users\blambeau\Documents\thesis\writing\src\2-framework\images\start-stop-2.png"/>
+              <p:cNvPicPr>
+                <a:picLocks noChangeAspect="1" noChangeArrowheads="1"/>
+              </p:cNvPicPr>
+              <p:nvPr/>
+            </p:nvPicPr>
+            <p:blipFill>
+              <a:blip r:embed="rId4" cstate="print"/>
+              <a:srcRect/>
+              <a:stretch>
+                <a:fillRect/>
+              </a:stretch>
+            </p:blipFill>
+            <p:spPr bwMode="auto">
+              <a:xfrm>
+                <a:off x="4719241" y="5445224"/>
+                <a:ext cx="974884" cy="444722"/>
+              </a:xfrm>
+              <a:prstGeom prst="rect">
+                <a:avLst/>
+              </a:prstGeom>
+              <a:noFill/>
+            </p:spPr>
+          </p:pic>
+        </p:grpSp>
+        <p:sp>
+          <p:nvSpPr>
+            <p:cNvPr id="88" name="ZoneTexte 87"/>
+            <p:cNvSpPr txBox="1"/>
+            <p:nvPr/>
+          </p:nvSpPr>
+          <p:spPr>
+            <a:xfrm>
+              <a:off x="4355976" y="5117943"/>
+              <a:ext cx="386644" cy="523220"/>
+            </a:xfrm>
+            <a:prstGeom prst="rect">
+              <a:avLst/>
+            </a:prstGeom>
+            <a:noFill/>
+          </p:spPr>
+          <p:txBody>
+            <a:bodyPr wrap="none" rtlCol="0">
+              <a:spAutoFit/>
+            </a:bodyPr>
+            <a:lstStyle/>
+            <a:p>
+              <a:r>
+                <a:rPr lang="fr-BE" sz="2800" b="1" dirty="0" smtClean="0">
+                  <a:latin typeface="Arial" pitchFamily="34" charset="0"/>
+                  <a:cs typeface="Arial" pitchFamily="34" charset="0"/>
+                </a:rPr>
+                <a:t>||</a:t>
+              </a:r>
+              <a:endParaRPr lang="fr-BE" sz="2800" b="1" dirty="0">
+                <a:latin typeface="Arial" pitchFamily="34" charset="0"/>
+                <a:cs typeface="Arial" pitchFamily="34" charset="0"/>
+              </a:endParaRPr>
+            </a:p>
+          </p:txBody>
+        </p:sp>
       </p:grpSp>
     </p:spTree>
   </p:cSld>
@@ -25140,16 +25884,16 @@
       </p:grpSpPr>
       <p:grpSp>
         <p:nvGrpSpPr>
-          <p:cNvPr id="89" name="Groupe 88"/>
+          <p:cNvPr id="44" name="Groupe 43"/>
           <p:cNvGrpSpPr/>
           <p:nvPr/>
         </p:nvGrpSpPr>
         <p:grpSpPr>
           <a:xfrm>
-            <a:off x="142844" y="144016"/>
-            <a:ext cx="8929750" cy="6497960"/>
-            <a:chOff x="142844" y="144016"/>
-            <a:chExt cx="8929750" cy="6497960"/>
+            <a:off x="107504" y="157871"/>
+            <a:ext cx="8906340" cy="6326056"/>
+            <a:chOff x="107504" y="157871"/>
+            <a:chExt cx="8906340" cy="6326056"/>
           </a:xfrm>
         </p:grpSpPr>
         <p:sp>
@@ -25160,8 +25904,8 @@
           </p:nvSpPr>
           <p:spPr>
             <a:xfrm>
-              <a:off x="142844" y="144016"/>
-              <a:ext cx="8858312" cy="6497960"/>
+              <a:off x="107504" y="157871"/>
+              <a:ext cx="8898107" cy="6326056"/>
             </a:xfrm>
             <a:prstGeom prst="rect">
               <a:avLst/>
@@ -25199,7 +25943,7 @@
           </p:nvSpPr>
           <p:spPr>
             <a:xfrm>
-              <a:off x="2339752" y="1196752"/>
+              <a:off x="2281002" y="1196752"/>
               <a:ext cx="4464496" cy="4248472"/>
             </a:xfrm>
             <a:prstGeom prst="ellipse">
@@ -25243,8 +25987,8 @@
           </p:nvSpPr>
           <p:spPr>
             <a:xfrm>
-              <a:off x="1857356" y="2214554"/>
-              <a:ext cx="1285884" cy="1714512"/>
+              <a:off x="1798606" y="2204864"/>
+              <a:ext cx="1285884" cy="1694284"/>
             </a:xfrm>
             <a:prstGeom prst="rect">
               <a:avLst/>
@@ -25289,7 +26033,7 @@
           </p:nvSpPr>
           <p:spPr>
             <a:xfrm>
-              <a:off x="2339752" y="550230"/>
+              <a:off x="2281002" y="550230"/>
               <a:ext cx="4104456" cy="1080120"/>
             </a:xfrm>
             <a:prstGeom prst="rect">
@@ -25335,8 +26079,8 @@
           </p:nvSpPr>
           <p:spPr>
             <a:xfrm>
-              <a:off x="5269076" y="4187108"/>
-              <a:ext cx="1731612" cy="1285884"/>
+              <a:off x="5377346" y="4221088"/>
+              <a:ext cx="1564592" cy="1251904"/>
             </a:xfrm>
             <a:prstGeom prst="rect">
               <a:avLst/>
@@ -25373,77 +26117,52 @@
             </a:p>
           </p:txBody>
         </p:sp>
-        <p:grpSp>
-          <p:nvGrpSpPr>
-            <p:cNvPr id="31" name="Groupe 30"/>
-            <p:cNvGrpSpPr/>
-            <p:nvPr/>
-          </p:nvGrpSpPr>
-          <p:grpSpPr>
+        <p:sp>
+          <p:nvSpPr>
+            <p:cNvPr id="26" name="ZoneTexte 25"/>
+            <p:cNvSpPr txBox="1"/>
+            <p:nvPr/>
+          </p:nvSpPr>
+          <p:spPr>
             <a:xfrm>
-              <a:off x="4911886" y="4108432"/>
-              <a:ext cx="2803386" cy="2078940"/>
-              <a:chOff x="5254729" y="2420888"/>
-              <a:chExt cx="2803386" cy="2078940"/>
-            </a:xfrm>
-          </p:grpSpPr>
-          <p:pic>
-            <p:nvPicPr>
-              <p:cNvPr id="2053" name="Picture 5" descr="D:\blambeau\Work\ucl\thesis\writing\src\2-framework\images\train-hmsc-single.png"/>
-              <p:cNvPicPr>
-                <a:picLocks noChangeAspect="1" noChangeArrowheads="1"/>
-              </p:cNvPicPr>
-              <p:nvPr/>
-            </p:nvPicPr>
-            <p:blipFill>
-              <a:blip r:embed="rId3" cstate="print"/>
-              <a:srcRect/>
-              <a:stretch>
-                <a:fillRect/>
-              </a:stretch>
-            </p:blipFill>
-            <p:spPr bwMode="auto">
-              <a:xfrm>
-                <a:off x="5254729" y="2420888"/>
-                <a:ext cx="2320972" cy="1728192"/>
-              </a:xfrm>
-              <a:prstGeom prst="rect">
-                <a:avLst/>
-              </a:prstGeom>
-              <a:noFill/>
-            </p:spPr>
-          </p:pic>
-          <p:sp>
-            <p:nvSpPr>
-              <p:cNvPr id="26" name="ZoneTexte 25"/>
-              <p:cNvSpPr txBox="1"/>
-              <p:nvPr/>
-            </p:nvSpPr>
-            <p:spPr>
-              <a:xfrm>
-                <a:off x="5262350" y="4130496"/>
-                <a:ext cx="2795765" cy="369332"/>
-              </a:xfrm>
-              <a:prstGeom prst="rect">
-                <a:avLst/>
-              </a:prstGeom>
-              <a:noFill/>
-            </p:spPr>
-            <p:txBody>
-              <a:bodyPr wrap="none" rtlCol="0">
-                <a:spAutoFit/>
-              </a:bodyPr>
-              <a:lstStyle/>
-              <a:p>
-                <a:pPr algn="r"/>
-                <a:r>
-                  <a:rPr lang="fr-BE" smtClean="0"/>
-                  <a:t>High-level scenarios (hMSC)</a:t>
-                </a:r>
-              </a:p>
-            </p:txBody>
-          </p:sp>
-        </p:grpSp>
+              <a:off x="5029853" y="5733256"/>
+              <a:ext cx="2795765" cy="369332"/>
+            </a:xfrm>
+            <a:prstGeom prst="rect">
+              <a:avLst/>
+            </a:prstGeom>
+            <a:noFill/>
+          </p:spPr>
+          <p:txBody>
+            <a:bodyPr wrap="none" rtlCol="0">
+              <a:spAutoFit/>
+            </a:bodyPr>
+            <a:lstStyle/>
+            <a:p>
+              <a:pPr algn="r"/>
+              <a:r>
+                <a:rPr lang="fr-BE" dirty="0" smtClean="0"/>
+                <a:t>High-</a:t>
+              </a:r>
+              <a:r>
+                <a:rPr lang="fr-BE" dirty="0" err="1" smtClean="0"/>
+                <a:t>level</a:t>
+              </a:r>
+              <a:r>
+                <a:rPr lang="fr-BE" dirty="0" smtClean="0"/>
+                <a:t> scenarios (</a:t>
+              </a:r>
+              <a:r>
+                <a:rPr lang="fr-BE" dirty="0" err="1" smtClean="0"/>
+                <a:t>hMSC</a:t>
+              </a:r>
+              <a:r>
+                <a:rPr lang="fr-BE" dirty="0" smtClean="0"/>
+                <a:t>)</a:t>
+              </a:r>
+            </a:p>
+          </p:txBody>
+        </p:sp>
         <p:sp>
           <p:nvSpPr>
             <p:cNvPr id="35" name="Rectangle 34"/>
@@ -25452,8 +26171,8 @@
           </p:nvSpPr>
           <p:spPr>
             <a:xfrm>
-              <a:off x="5929322" y="2203724"/>
-              <a:ext cx="2016224" cy="1511028"/>
+              <a:off x="5870572" y="2276872"/>
+              <a:ext cx="2016224" cy="1437880"/>
             </a:xfrm>
             <a:prstGeom prst="rect">
               <a:avLst/>
@@ -25498,7 +26217,7 @@
           </p:nvSpPr>
           <p:spPr>
             <a:xfrm>
-              <a:off x="2786050" y="4429132"/>
+              <a:off x="2727300" y="4429132"/>
               <a:ext cx="1285884" cy="1143008"/>
             </a:xfrm>
             <a:prstGeom prst="rect">
@@ -25536,429 +26255,168 @@
             </a:p>
           </p:txBody>
         </p:sp>
-        <p:grpSp>
-          <p:nvGrpSpPr>
-            <p:cNvPr id="29" name="Groupe 28"/>
-            <p:cNvGrpSpPr/>
-            <p:nvPr/>
-          </p:nvGrpSpPr>
-          <p:grpSpPr>
+        <p:sp>
+          <p:nvSpPr>
+            <p:cNvPr id="23" name="ZoneTexte 22"/>
+            <p:cNvSpPr txBox="1"/>
+            <p:nvPr/>
+          </p:nvSpPr>
+          <p:spPr>
             <a:xfrm>
-              <a:off x="6012997" y="1977268"/>
-              <a:ext cx="3059597" cy="1737484"/>
-              <a:chOff x="2323036" y="481896"/>
-              <a:chExt cx="3059597" cy="1737484"/>
-            </a:xfrm>
-          </p:grpSpPr>
-          <p:pic>
-            <p:nvPicPr>
-              <p:cNvPr id="3077" name="Picture 5" descr="D:\blambeau\Work\ucl\thesis\writing\src\2-framework\images\simple-scenario.png"/>
-              <p:cNvPicPr>
-                <a:picLocks noChangeAspect="1" noChangeArrowheads="1"/>
-              </p:cNvPicPr>
-              <p:nvPr/>
-            </p:nvPicPr>
-            <p:blipFill>
-              <a:blip r:embed="rId4" cstate="print"/>
-              <a:srcRect/>
-              <a:stretch>
-                <a:fillRect/>
-              </a:stretch>
-            </p:blipFill>
-            <p:spPr bwMode="auto">
-              <a:xfrm>
-                <a:off x="2323036" y="874743"/>
-                <a:ext cx="2942666" cy="1344637"/>
-              </a:xfrm>
-              <a:prstGeom prst="rect">
-                <a:avLst/>
-              </a:prstGeom>
-              <a:noFill/>
-            </p:spPr>
-          </p:pic>
-          <p:sp>
-            <p:nvSpPr>
-              <p:cNvPr id="23" name="ZoneTexte 22"/>
-              <p:cNvSpPr txBox="1"/>
-              <p:nvPr/>
-            </p:nvSpPr>
-            <p:spPr>
-              <a:xfrm>
-                <a:off x="3681526" y="481896"/>
-                <a:ext cx="1701107" cy="369332"/>
-              </a:xfrm>
-              <a:prstGeom prst="rect">
-                <a:avLst/>
-              </a:prstGeom>
-              <a:noFill/>
-            </p:spPr>
-            <p:txBody>
-              <a:bodyPr wrap="none" rtlCol="0">
-                <a:spAutoFit/>
-              </a:bodyPr>
-              <a:lstStyle/>
-              <a:p>
-                <a:r>
-                  <a:rPr lang="fr-BE" smtClean="0"/>
-                  <a:t>Scenarios (MSC)</a:t>
-                </a:r>
-                <a:endParaRPr lang="fr-BE"/>
-              </a:p>
-            </p:txBody>
-          </p:sp>
-        </p:grpSp>
-        <p:grpSp>
-          <p:nvGrpSpPr>
-            <p:cNvPr id="30" name="Groupe 29"/>
-            <p:cNvGrpSpPr/>
-            <p:nvPr/>
-          </p:nvGrpSpPr>
-          <p:grpSpPr>
+              <a:off x="7312737" y="1977268"/>
+              <a:ext cx="1701107" cy="369332"/>
+            </a:xfrm>
+            <a:prstGeom prst="rect">
+              <a:avLst/>
+            </a:prstGeom>
+            <a:noFill/>
+          </p:spPr>
+          <p:txBody>
+            <a:bodyPr wrap="none" rtlCol="0">
+              <a:spAutoFit/>
+            </a:bodyPr>
+            <a:lstStyle/>
+            <a:p>
+              <a:r>
+                <a:rPr lang="fr-BE" smtClean="0"/>
+                <a:t>Scenarios (MSC)</a:t>
+              </a:r>
+              <a:endParaRPr lang="fr-BE"/>
+            </a:p>
+          </p:txBody>
+        </p:sp>
+        <p:sp>
+          <p:nvSpPr>
+            <p:cNvPr id="24" name="ZoneTexte 23"/>
+            <p:cNvSpPr txBox="1"/>
+            <p:nvPr/>
+          </p:nvSpPr>
+          <p:spPr>
             <a:xfrm>
-              <a:off x="194654" y="2272882"/>
-              <a:ext cx="2877148" cy="1656184"/>
-              <a:chOff x="182684" y="2707179"/>
-              <a:chExt cx="2877148" cy="1656184"/>
-            </a:xfrm>
-          </p:grpSpPr>
-          <p:pic>
-            <p:nvPicPr>
-              <p:cNvPr id="3074" name="Picture 2" descr="D:\blambeau\Work\ucl\thesis\writing\src\2-framework\images\goal-graph.png"/>
-              <p:cNvPicPr>
-                <a:picLocks noChangeAspect="1" noChangeArrowheads="1"/>
-              </p:cNvPicPr>
-              <p:nvPr/>
-            </p:nvPicPr>
-            <p:blipFill>
-              <a:blip r:embed="rId5" cstate="print"/>
-              <a:srcRect/>
-              <a:stretch>
-                <a:fillRect/>
-              </a:stretch>
-            </p:blipFill>
-            <p:spPr bwMode="auto">
-              <a:xfrm>
-                <a:off x="1072282" y="2707179"/>
-                <a:ext cx="1987550" cy="1249363"/>
-              </a:xfrm>
-              <a:prstGeom prst="rect">
-                <a:avLst/>
-              </a:prstGeom>
-              <a:noFill/>
-            </p:spPr>
-          </p:pic>
-          <p:sp>
-            <p:nvSpPr>
-              <p:cNvPr id="24" name="ZoneTexte 23"/>
-              <p:cNvSpPr txBox="1"/>
-              <p:nvPr/>
-            </p:nvSpPr>
-            <p:spPr>
-              <a:xfrm>
-                <a:off x="182684" y="3717032"/>
-                <a:ext cx="2531655" cy="646331"/>
-              </a:xfrm>
-              <a:prstGeom prst="rect">
-                <a:avLst/>
-              </a:prstGeom>
-              <a:noFill/>
-            </p:spPr>
-            <p:txBody>
-              <a:bodyPr wrap="none" rtlCol="0">
-                <a:spAutoFit/>
-              </a:bodyPr>
-              <a:lstStyle/>
-              <a:p>
-                <a:r>
-                  <a:rPr lang="fr-BE" dirty="0" smtClean="0"/>
-                  <a:t>Goals &amp; </a:t>
-                </a:r>
-                <a:br>
-                  <a:rPr lang="fr-BE" dirty="0" smtClean="0"/>
-                </a:br>
-                <a:r>
-                  <a:rPr lang="fr-BE" dirty="0" smtClean="0"/>
-                  <a:t>Domain </a:t>
-                </a:r>
-                <a:r>
-                  <a:rPr lang="fr-BE" dirty="0" err="1" smtClean="0"/>
-                  <a:t>Properties</a:t>
-                </a:r>
-                <a:r>
-                  <a:rPr lang="fr-BE" dirty="0" smtClean="0"/>
-                  <a:t> (FLTL)</a:t>
-                </a:r>
-                <a:endParaRPr lang="fr-BE" dirty="0"/>
-              </a:p>
-            </p:txBody>
-          </p:sp>
-        </p:grpSp>
-        <p:grpSp>
-          <p:nvGrpSpPr>
-            <p:cNvPr id="32" name="Groupe 31"/>
-            <p:cNvGrpSpPr/>
-            <p:nvPr/>
-          </p:nvGrpSpPr>
-          <p:grpSpPr>
+              <a:off x="135904" y="3204468"/>
+              <a:ext cx="2531655" cy="646331"/>
+            </a:xfrm>
+            <a:prstGeom prst="rect">
+              <a:avLst/>
+            </a:prstGeom>
+            <a:noFill/>
+          </p:spPr>
+          <p:txBody>
+            <a:bodyPr wrap="none" rtlCol="0">
+              <a:spAutoFit/>
+            </a:bodyPr>
+            <a:lstStyle/>
+            <a:p>
+              <a:r>
+                <a:rPr lang="fr-BE" dirty="0" smtClean="0"/>
+                <a:t>Goals &amp; </a:t>
+              </a:r>
+              <a:br>
+                <a:rPr lang="fr-BE" dirty="0" smtClean="0"/>
+              </a:br>
+              <a:r>
+                <a:rPr lang="fr-BE" dirty="0" smtClean="0"/>
+                <a:t>Domain </a:t>
+              </a:r>
+              <a:r>
+                <a:rPr lang="fr-BE" dirty="0" err="1" smtClean="0"/>
+                <a:t>Properties</a:t>
+              </a:r>
+              <a:r>
+                <a:rPr lang="fr-BE" dirty="0" smtClean="0"/>
+                <a:t> (FLTL)</a:t>
+              </a:r>
+              <a:endParaRPr lang="fr-BE" dirty="0"/>
+            </a:p>
+          </p:txBody>
+        </p:sp>
+        <p:sp>
+          <p:nvSpPr>
+            <p:cNvPr id="25" name="ZoneTexte 24"/>
+            <p:cNvSpPr txBox="1"/>
+            <p:nvPr/>
+          </p:nvSpPr>
+          <p:spPr>
             <a:xfrm>
-              <a:off x="2643174" y="285728"/>
-              <a:ext cx="4214842" cy="1285884"/>
-              <a:chOff x="1547664" y="4102196"/>
-              <a:chExt cx="4214842" cy="1285884"/>
-            </a:xfrm>
-          </p:grpSpPr>
-          <p:grpSp>
-            <p:nvGrpSpPr>
-              <p:cNvPr id="22" name="Groupe 21"/>
-              <p:cNvGrpSpPr/>
-              <p:nvPr/>
-            </p:nvGrpSpPr>
-            <p:grpSpPr>
-              <a:xfrm>
-                <a:off x="1547664" y="4509120"/>
-                <a:ext cx="3960440" cy="878960"/>
-                <a:chOff x="1458940" y="4653136"/>
-                <a:chExt cx="3960440" cy="878960"/>
-              </a:xfrm>
-            </p:grpSpPr>
-            <p:pic>
-              <p:nvPicPr>
-                <p:cNvPr id="3078" name="Picture 6" descr="D:\blambeau\Work\ucl\thesis\writing\src\2-framework\images\controller.png"/>
-                <p:cNvPicPr>
-                  <a:picLocks noChangeAspect="1" noChangeArrowheads="1"/>
-                </p:cNvPicPr>
-                <p:nvPr/>
-              </p:nvPicPr>
-              <p:blipFill>
-                <a:blip r:embed="rId6" cstate="print"/>
-                <a:srcRect/>
-                <a:stretch>
-                  <a:fillRect/>
-                </a:stretch>
-              </p:blipFill>
-              <p:spPr bwMode="auto">
-                <a:xfrm>
-                  <a:off x="1458940" y="4653136"/>
-                  <a:ext cx="2658618" cy="859536"/>
-                </a:xfrm>
-                <a:prstGeom prst="rect">
-                  <a:avLst/>
-                </a:prstGeom>
-                <a:noFill/>
-              </p:spPr>
-            </p:pic>
-            <p:pic>
-              <p:nvPicPr>
-                <p:cNvPr id="3081" name="Picture 9" descr="D:\blambeau\Work\ucl\thesis\writing\src\2-framework\images\open-close.png"/>
-                <p:cNvPicPr>
-                  <a:picLocks noChangeAspect="1" noChangeArrowheads="1"/>
-                </p:cNvPicPr>
-                <p:nvPr/>
-              </p:nvPicPr>
-              <p:blipFill>
-                <a:blip r:embed="rId7" cstate="print"/>
-                <a:srcRect/>
-                <a:stretch>
-                  <a:fillRect/>
-                </a:stretch>
-              </p:blipFill>
-              <p:spPr bwMode="auto">
-                <a:xfrm>
-                  <a:off x="4589562" y="5157192"/>
-                  <a:ext cx="829818" cy="374904"/>
-                </a:xfrm>
-                <a:prstGeom prst="rect">
-                  <a:avLst/>
-                </a:prstGeom>
-                <a:noFill/>
-              </p:spPr>
-            </p:pic>
-            <p:pic>
-              <p:nvPicPr>
-                <p:cNvPr id="3082" name="Picture 10" descr="D:\blambeau\Work\ucl\thesis\writing\src\2-framework\images\start-stop-2.png"/>
-                <p:cNvPicPr>
-                  <a:picLocks noChangeAspect="1" noChangeArrowheads="1"/>
-                </p:cNvPicPr>
-                <p:nvPr/>
-              </p:nvPicPr>
-              <p:blipFill>
-                <a:blip r:embed="rId8" cstate="print"/>
-                <a:srcRect/>
-                <a:stretch>
-                  <a:fillRect/>
-                </a:stretch>
-              </p:blipFill>
-              <p:spPr bwMode="auto">
-                <a:xfrm>
-                  <a:off x="4604802" y="4684840"/>
-                  <a:ext cx="786384" cy="368046"/>
-                </a:xfrm>
-                <a:prstGeom prst="rect">
-                  <a:avLst/>
-                </a:prstGeom>
-                <a:noFill/>
-              </p:spPr>
-            </p:pic>
-            <p:sp>
-              <p:nvSpPr>
-                <p:cNvPr id="21" name="ZoneTexte 20"/>
-                <p:cNvSpPr txBox="1"/>
-                <p:nvPr/>
-              </p:nvSpPr>
-              <p:spPr>
-                <a:xfrm>
-                  <a:off x="4164764" y="4868863"/>
-                  <a:ext cx="428322" cy="400110"/>
-                </a:xfrm>
-                <a:prstGeom prst="rect">
-                  <a:avLst/>
-                </a:prstGeom>
-                <a:noFill/>
-              </p:spPr>
-              <p:txBody>
-                <a:bodyPr wrap="none" rtlCol="0">
-                  <a:spAutoFit/>
-                </a:bodyPr>
-                <a:lstStyle/>
-                <a:p>
-                  <a:r>
-                    <a:rPr lang="fr-BE" sz="2000" b="1" dirty="0" smtClean="0"/>
-                    <a:t>||</a:t>
-                  </a:r>
-                  <a:endParaRPr lang="fr-BE" sz="2000" b="1" dirty="0"/>
-                </a:p>
-              </p:txBody>
-            </p:sp>
-          </p:grpSp>
-          <p:sp>
-            <p:nvSpPr>
-              <p:cNvPr id="25" name="ZoneTexte 24"/>
-              <p:cNvSpPr txBox="1"/>
-              <p:nvPr/>
-            </p:nvSpPr>
-            <p:spPr>
-              <a:xfrm>
-                <a:off x="3074013" y="4102196"/>
-                <a:ext cx="2688493" cy="369332"/>
-              </a:xfrm>
-              <a:prstGeom prst="rect">
-                <a:avLst/>
-              </a:prstGeom>
-              <a:noFill/>
-            </p:spPr>
-            <p:txBody>
-              <a:bodyPr wrap="none" rtlCol="0">
-                <a:spAutoFit/>
-              </a:bodyPr>
-              <a:lstStyle/>
-              <a:p>
-                <a:r>
-                  <a:rPr lang="fr-BE" dirty="0" smtClean="0"/>
-                  <a:t>Agent state machines (LTS)</a:t>
-                </a:r>
-                <a:endParaRPr lang="fr-BE" dirty="0"/>
-              </a:p>
-            </p:txBody>
-          </p:sp>
-        </p:grpSp>
-        <p:grpSp>
-          <p:nvGrpSpPr>
-            <p:cNvPr id="84" name="Groupe 83"/>
-            <p:cNvGrpSpPr/>
-            <p:nvPr/>
-          </p:nvGrpSpPr>
-          <p:grpSpPr>
+              <a:off x="4110773" y="285728"/>
+              <a:ext cx="2688493" cy="369332"/>
+            </a:xfrm>
+            <a:prstGeom prst="rect">
+              <a:avLst/>
+            </a:prstGeom>
+            <a:noFill/>
+          </p:spPr>
+          <p:txBody>
+            <a:bodyPr wrap="none" rtlCol="0">
+              <a:spAutoFit/>
+            </a:bodyPr>
+            <a:lstStyle/>
+            <a:p>
+              <a:r>
+                <a:rPr lang="fr-BE" dirty="0" smtClean="0"/>
+                <a:t>Agent state machines (LTS)</a:t>
+              </a:r>
+              <a:endParaRPr lang="fr-BE" dirty="0"/>
+            </a:p>
+          </p:txBody>
+        </p:sp>
+        <p:sp>
+          <p:nvSpPr>
+            <p:cNvPr id="83" name="ZoneTexte 82"/>
+            <p:cNvSpPr txBox="1"/>
+            <p:nvPr/>
+          </p:nvSpPr>
+          <p:spPr>
             <a:xfrm>
-              <a:off x="1357290" y="4286256"/>
-              <a:ext cx="2643206" cy="1944990"/>
-              <a:chOff x="142844" y="1857364"/>
-              <a:chExt cx="2643206" cy="1944990"/>
-            </a:xfrm>
-          </p:grpSpPr>
-          <p:pic>
-            <p:nvPicPr>
-              <p:cNvPr id="1032" name="Picture 8" descr="C:\Users\blambeau\Documents\thesis\writing\images\process.png"/>
-              <p:cNvPicPr>
-                <a:picLocks noChangeAspect="1" noChangeArrowheads="1"/>
-              </p:cNvPicPr>
-              <p:nvPr/>
-            </p:nvPicPr>
-            <p:blipFill>
-              <a:blip r:embed="rId9" cstate="print"/>
-              <a:srcRect/>
-              <a:stretch>
-                <a:fillRect/>
-              </a:stretch>
-            </p:blipFill>
-            <p:spPr bwMode="auto">
-              <a:xfrm>
-                <a:off x="928662" y="1857364"/>
-                <a:ext cx="1857388" cy="1944990"/>
-              </a:xfrm>
-              <a:prstGeom prst="rect">
-                <a:avLst/>
-              </a:prstGeom>
-              <a:noFill/>
-            </p:spPr>
-          </p:pic>
-          <p:sp>
-            <p:nvSpPr>
-              <p:cNvPr id="83" name="ZoneTexte 82"/>
-              <p:cNvSpPr txBox="1"/>
-              <p:nvPr/>
-            </p:nvSpPr>
-            <p:spPr>
-              <a:xfrm>
-                <a:off x="142844" y="3143248"/>
-                <a:ext cx="1686167" cy="646331"/>
-              </a:xfrm>
-              <a:prstGeom prst="rect">
-                <a:avLst/>
-              </a:prstGeom>
-              <a:noFill/>
-            </p:spPr>
-            <p:txBody>
-              <a:bodyPr wrap="none" rtlCol="0">
-                <a:spAutoFit/>
-              </a:bodyPr>
-              <a:lstStyle/>
-              <a:p>
-                <a:r>
-                  <a:rPr lang="fr-BE" dirty="0" err="1" smtClean="0"/>
-                  <a:t>Process</a:t>
-                </a:r>
-                <a:r>
-                  <a:rPr lang="fr-BE" dirty="0" smtClean="0"/>
-                  <a:t> </a:t>
-                </a:r>
-                <a:r>
-                  <a:rPr lang="fr-BE" dirty="0" err="1" smtClean="0"/>
-                  <a:t>models</a:t>
-                </a:r>
-                <a:r>
-                  <a:rPr lang="fr-BE" dirty="0" smtClean="0"/>
-                  <a:t> </a:t>
-                </a:r>
-                <a:br>
-                  <a:rPr lang="fr-BE" dirty="0" smtClean="0"/>
-                </a:br>
-                <a:r>
-                  <a:rPr lang="fr-BE" dirty="0" smtClean="0"/>
-                  <a:t>(g-</a:t>
-                </a:r>
-                <a:r>
-                  <a:rPr lang="fr-BE" dirty="0" err="1" smtClean="0"/>
-                  <a:t>hMSC</a:t>
-                </a:r>
-                <a:r>
-                  <a:rPr lang="fr-BE" dirty="0" smtClean="0"/>
-                  <a:t>)</a:t>
-                </a:r>
-                <a:endParaRPr lang="fr-BE" dirty="0"/>
-              </a:p>
-            </p:txBody>
-          </p:sp>
-        </p:grpSp>
+              <a:off x="1298540" y="5572140"/>
+              <a:ext cx="1686167" cy="646331"/>
+            </a:xfrm>
+            <a:prstGeom prst="rect">
+              <a:avLst/>
+            </a:prstGeom>
+            <a:noFill/>
+          </p:spPr>
+          <p:txBody>
+            <a:bodyPr wrap="none" rtlCol="0">
+              <a:spAutoFit/>
+            </a:bodyPr>
+            <a:lstStyle/>
+            <a:p>
+              <a:r>
+                <a:rPr lang="fr-BE" dirty="0" err="1" smtClean="0"/>
+                <a:t>Process</a:t>
+              </a:r>
+              <a:r>
+                <a:rPr lang="fr-BE" dirty="0" smtClean="0"/>
+                <a:t> </a:t>
+              </a:r>
+              <a:r>
+                <a:rPr lang="fr-BE" dirty="0" err="1" smtClean="0"/>
+                <a:t>models</a:t>
+              </a:r>
+              <a:r>
+                <a:rPr lang="fr-BE" dirty="0" smtClean="0"/>
+                <a:t> </a:t>
+              </a:r>
+              <a:br>
+                <a:rPr lang="fr-BE" dirty="0" smtClean="0"/>
+              </a:br>
+              <a:r>
+                <a:rPr lang="fr-BE" dirty="0" smtClean="0"/>
+                <a:t>(g-</a:t>
+              </a:r>
+              <a:r>
+                <a:rPr lang="fr-BE" dirty="0" err="1" smtClean="0"/>
+                <a:t>hMSC</a:t>
+              </a:r>
+              <a:r>
+                <a:rPr lang="fr-BE" dirty="0" smtClean="0"/>
+                <a:t>)</a:t>
+              </a:r>
+              <a:endParaRPr lang="fr-BE" dirty="0"/>
+            </a:p>
+          </p:txBody>
+        </p:sp>
         <p:grpSp>
           <p:nvGrpSpPr>
             <p:cNvPr id="88" name="Groupe 87"/>
@@ -25967,7 +26425,7 @@
           </p:nvGrpSpPr>
           <p:grpSpPr>
             <a:xfrm>
-              <a:off x="3286116" y="2571744"/>
+              <a:off x="3227366" y="2571744"/>
               <a:ext cx="2510020" cy="1214446"/>
               <a:chOff x="3286116" y="2571744"/>
               <a:chExt cx="2510020" cy="1214446"/>
@@ -26122,6 +26580,136 @@
             </p:txBody>
           </p:sp>
         </p:grpSp>
+        <p:pic>
+          <p:nvPicPr>
+            <p:cNvPr id="1026" name="Picture 2" descr="C:\Users\blambeau\Documents\thesis\writing\src\2-framework\images\goal-graph.png"/>
+            <p:cNvPicPr>
+              <a:picLocks noChangeAspect="1" noChangeArrowheads="1"/>
+            </p:cNvPicPr>
+            <p:nvPr/>
+          </p:nvPicPr>
+          <p:blipFill>
+            <a:blip r:embed="rId3" cstate="print"/>
+            <a:srcRect/>
+            <a:stretch>
+              <a:fillRect/>
+            </a:stretch>
+          </p:blipFill>
+          <p:spPr bwMode="auto">
+            <a:xfrm>
+              <a:off x="1143155" y="2273114"/>
+              <a:ext cx="1785919" cy="1193986"/>
+            </a:xfrm>
+            <a:prstGeom prst="rect">
+              <a:avLst/>
+            </a:prstGeom>
+            <a:noFill/>
+          </p:spPr>
+        </p:pic>
+        <p:pic>
+          <p:nvPicPr>
+            <p:cNvPr id="1027" name="Picture 3" descr="C:\Users\blambeau\Documents\thesis\writing\src\2-framework\images\train-hmsc-single.png"/>
+            <p:cNvPicPr>
+              <a:picLocks noChangeAspect="1" noChangeArrowheads="1"/>
+            </p:cNvPicPr>
+            <p:nvPr/>
+          </p:nvPicPr>
+          <p:blipFill>
+            <a:blip r:embed="rId4" cstate="print"/>
+            <a:srcRect/>
+            <a:stretch>
+              <a:fillRect/>
+            </a:stretch>
+          </p:blipFill>
+          <p:spPr bwMode="auto">
+            <a:xfrm>
+              <a:off x="5222801" y="3933056"/>
+              <a:ext cx="2458801" cy="1770742"/>
+            </a:xfrm>
+            <a:prstGeom prst="rect">
+              <a:avLst/>
+            </a:prstGeom>
+            <a:noFill/>
+          </p:spPr>
+        </p:pic>
+        <p:pic>
+          <p:nvPicPr>
+            <p:cNvPr id="1029" name="Picture 5" descr="C:\Users\blambeau\Documents\thesis\writing\src\2-framework\images\process.png"/>
+            <p:cNvPicPr>
+              <a:picLocks noChangeAspect="1" noChangeArrowheads="1"/>
+            </p:cNvPicPr>
+            <p:nvPr/>
+          </p:nvPicPr>
+          <p:blipFill>
+            <a:blip r:embed="rId5" cstate="print"/>
+            <a:srcRect/>
+            <a:stretch>
+              <a:fillRect/>
+            </a:stretch>
+          </p:blipFill>
+          <p:spPr bwMode="auto">
+            <a:xfrm>
+              <a:off x="1992972" y="4293096"/>
+              <a:ext cx="1927579" cy="2018645"/>
+            </a:xfrm>
+            <a:prstGeom prst="rect">
+              <a:avLst/>
+            </a:prstGeom>
+            <a:noFill/>
+          </p:spPr>
+        </p:pic>
+        <p:pic>
+          <p:nvPicPr>
+            <p:cNvPr id="1030" name="Picture 6" descr="C:\Users\blambeau\Documents\thesis\writing\src\2-framework\images\simple-scenario.png"/>
+            <p:cNvPicPr>
+              <a:picLocks noChangeAspect="1" noChangeArrowheads="1"/>
+            </p:cNvPicPr>
+            <p:nvPr/>
+          </p:nvPicPr>
+          <p:blipFill>
+            <a:blip r:embed="rId6" cstate="print"/>
+            <a:srcRect/>
+            <a:stretch>
+              <a:fillRect/>
+            </a:stretch>
+          </p:blipFill>
+          <p:spPr bwMode="auto">
+            <a:xfrm>
+              <a:off x="5853365" y="2385043"/>
+              <a:ext cx="3068961" cy="1374535"/>
+            </a:xfrm>
+            <a:prstGeom prst="rect">
+              <a:avLst/>
+            </a:prstGeom>
+            <a:noFill/>
+          </p:spPr>
+        </p:pic>
+        <p:pic>
+          <p:nvPicPr>
+            <p:cNvPr id="2" name="Picture 8" descr="C:\Users\blambeau\Documents\thesis\writing\src\2-framework\images\composed-system.png"/>
+            <p:cNvPicPr>
+              <a:picLocks noChangeAspect="1" noChangeArrowheads="1"/>
+            </p:cNvPicPr>
+            <p:nvPr/>
+          </p:nvPicPr>
+          <p:blipFill>
+            <a:blip r:embed="rId7" cstate="print"/>
+            <a:srcRect/>
+            <a:stretch>
+              <a:fillRect/>
+            </a:stretch>
+          </p:blipFill>
+          <p:spPr bwMode="auto">
+            <a:xfrm>
+              <a:off x="2627784" y="778559"/>
+              <a:ext cx="3709714" cy="790675"/>
+            </a:xfrm>
+            <a:prstGeom prst="rect">
+              <a:avLst/>
+            </a:prstGeom>
+            <a:noFill/>
+          </p:spPr>
+        </p:pic>
       </p:grpSp>
     </p:spTree>
   </p:cSld>
@@ -26150,7 +26738,7 @@
       </p:grpSpPr>
       <p:grpSp>
         <p:nvGrpSpPr>
-          <p:cNvPr id="21" name="Groupe 20"/>
+          <p:cNvPr id="30" name="Groupe 29"/>
           <p:cNvGrpSpPr/>
           <p:nvPr/>
         </p:nvGrpSpPr>
@@ -26230,155 +26818,6 @@
             </a:p>
           </p:txBody>
         </p:sp>
-        <p:pic>
-          <p:nvPicPr>
-            <p:cNvPr id="2051" name="Picture 3" descr="C:\Users\blambeau\Documents\thesis\writing\src\4-inductive\images\composed.png"/>
-            <p:cNvPicPr>
-              <a:picLocks noChangeAspect="1" noChangeArrowheads="1"/>
-            </p:cNvPicPr>
-            <p:nvPr/>
-          </p:nvPicPr>
-          <p:blipFill>
-            <a:blip r:embed="rId2" cstate="print"/>
-            <a:srcRect/>
-            <a:stretch>
-              <a:fillRect/>
-            </a:stretch>
-          </p:blipFill>
-          <p:spPr bwMode="auto">
-            <a:xfrm>
-              <a:off x="2869262" y="3035208"/>
-              <a:ext cx="4496330" cy="1185880"/>
-            </a:xfrm>
-            <a:prstGeom prst="rect">
-              <a:avLst/>
-            </a:prstGeom>
-            <a:noFill/>
-          </p:spPr>
-        </p:pic>
-        <p:grpSp>
-          <p:nvGrpSpPr>
-            <p:cNvPr id="15" name="Groupe 14"/>
-            <p:cNvGrpSpPr/>
-            <p:nvPr/>
-          </p:nvGrpSpPr>
-          <p:grpSpPr>
-            <a:xfrm>
-              <a:off x="2771800" y="5398193"/>
-              <a:ext cx="4872126" cy="1217399"/>
-              <a:chOff x="1945463" y="5467926"/>
-              <a:chExt cx="3158040" cy="784739"/>
-            </a:xfrm>
-          </p:grpSpPr>
-          <p:pic>
-            <p:nvPicPr>
-              <p:cNvPr id="10" name="Picture 6" descr="D:\blambeau\Work\ucl\thesis\writing\src\2-framework\images\controller.png"/>
-              <p:cNvPicPr>
-                <a:picLocks noChangeAspect="1" noChangeArrowheads="1"/>
-              </p:cNvPicPr>
-              <p:nvPr/>
-            </p:nvPicPr>
-            <p:blipFill>
-              <a:blip r:embed="rId3" cstate="print"/>
-              <a:srcRect/>
-              <a:stretch>
-                <a:fillRect/>
-              </a:stretch>
-            </p:blipFill>
-            <p:spPr bwMode="auto">
-              <a:xfrm>
-                <a:off x="1945463" y="5531676"/>
-                <a:ext cx="1985491" cy="662815"/>
-              </a:xfrm>
-              <a:prstGeom prst="rect">
-                <a:avLst/>
-              </a:prstGeom>
-              <a:noFill/>
-            </p:spPr>
-          </p:pic>
-          <p:pic>
-            <p:nvPicPr>
-              <p:cNvPr id="12" name="Picture 9" descr="D:\blambeau\Work\ucl\thesis\writing\src\2-framework\images\open-close.png"/>
-              <p:cNvPicPr>
-                <a:picLocks noChangeAspect="1" noChangeArrowheads="1"/>
-              </p:cNvPicPr>
-              <p:nvPr/>
-            </p:nvPicPr>
-            <p:blipFill>
-              <a:blip r:embed="rId4" cstate="print"/>
-              <a:srcRect/>
-              <a:stretch>
-                <a:fillRect/>
-              </a:stretch>
-            </p:blipFill>
-            <p:spPr bwMode="auto">
-              <a:xfrm>
-                <a:off x="4273685" y="5877761"/>
-                <a:ext cx="829818" cy="374904"/>
-              </a:xfrm>
-              <a:prstGeom prst="rect">
-                <a:avLst/>
-              </a:prstGeom>
-              <a:noFill/>
-            </p:spPr>
-          </p:pic>
-          <p:pic>
-            <p:nvPicPr>
-              <p:cNvPr id="13" name="Picture 10" descr="D:\blambeau\Work\ucl\thesis\writing\src\2-framework\images\start-stop-2.png"/>
-              <p:cNvPicPr>
-                <a:picLocks noChangeAspect="1" noChangeArrowheads="1"/>
-              </p:cNvPicPr>
-              <p:nvPr/>
-            </p:nvPicPr>
-            <p:blipFill>
-              <a:blip r:embed="rId5" cstate="print"/>
-              <a:srcRect/>
-              <a:stretch>
-                <a:fillRect/>
-              </a:stretch>
-            </p:blipFill>
-            <p:spPr bwMode="auto">
-              <a:xfrm>
-                <a:off x="4288925" y="5467926"/>
-                <a:ext cx="786384" cy="368046"/>
-              </a:xfrm>
-              <a:prstGeom prst="rect">
-                <a:avLst/>
-              </a:prstGeom>
-              <a:noFill/>
-            </p:spPr>
-          </p:pic>
-          <p:sp>
-            <p:nvSpPr>
-              <p:cNvPr id="14" name="ZoneTexte 13"/>
-              <p:cNvSpPr txBox="1"/>
-              <p:nvPr/>
-            </p:nvSpPr>
-            <p:spPr>
-              <a:xfrm>
-                <a:off x="3968395" y="5695344"/>
-                <a:ext cx="341640" cy="311762"/>
-              </a:xfrm>
-              <a:prstGeom prst="rect">
-                <a:avLst/>
-              </a:prstGeom>
-              <a:noFill/>
-            </p:spPr>
-            <p:txBody>
-              <a:bodyPr wrap="square" rtlCol="0">
-                <a:spAutoFit/>
-              </a:bodyPr>
-              <a:lstStyle/>
-              <a:p>
-                <a:r>
-                  <a:rPr lang="fr-BE" sz="2800" b="1" dirty="0" smtClean="0"/>
-                  <a:t>||</a:t>
-                </a:r>
-                <a:endParaRPr lang="fr-BE" sz="2800" b="1" dirty="0"/>
-              </a:p>
-            </p:txBody>
-          </p:sp>
-        </p:grpSp>
         <p:sp>
           <p:nvSpPr>
             <p:cNvPr id="18" name="ZoneTexte 17"/>
@@ -26416,7 +26855,7 @@
           </p:nvSpPr>
           <p:spPr>
             <a:xfrm>
-              <a:off x="987901" y="5808213"/>
+              <a:off x="987901" y="5752793"/>
               <a:ext cx="1503105" cy="461665"/>
             </a:xfrm>
             <a:prstGeom prst="rect">
@@ -26481,11 +26920,7 @@
               </a:r>
               <a:r>
                 <a:rPr lang="fr-BE" sz="2000" i="1" dirty="0" smtClean="0"/>
-                <a:t> </a:t>
-              </a:r>
-              <a:r>
-                <a:rPr lang="fr-BE" sz="2000" i="1" dirty="0" smtClean="0"/>
-                <a:t>induction)</a:t>
+                <a:t> induction)</a:t>
               </a:r>
               <a:endParaRPr lang="fr-BE" sz="2000" i="1" dirty="0"/>
             </a:p>
@@ -26552,105 +26987,6 @@
             </a:p>
           </p:txBody>
         </p:sp>
-        <p:grpSp>
-          <p:nvGrpSpPr>
-            <p:cNvPr id="33" name="Groupe 32"/>
-            <p:cNvGrpSpPr/>
-            <p:nvPr/>
-          </p:nvGrpSpPr>
-          <p:grpSpPr>
-            <a:xfrm>
-              <a:off x="2896482" y="188640"/>
-              <a:ext cx="4122276" cy="1994846"/>
-              <a:chOff x="2828695" y="1643050"/>
-              <a:chExt cx="2671999" cy="1285884"/>
-            </a:xfrm>
-          </p:grpSpPr>
-          <p:pic>
-            <p:nvPicPr>
-              <p:cNvPr id="32" name="Picture 5" descr="D:\blambeau\Work\ucl\thesis\writing\src\2-framework\images\simple-scenario.png"/>
-              <p:cNvPicPr>
-                <a:picLocks noChangeAspect="1" noChangeArrowheads="1"/>
-              </p:cNvPicPr>
-              <p:nvPr/>
-            </p:nvPicPr>
-            <p:blipFill>
-              <a:blip r:embed="rId6" cstate="print"/>
-              <a:srcRect/>
-              <a:stretch>
-                <a:fillRect/>
-              </a:stretch>
-            </p:blipFill>
-            <p:spPr bwMode="auto">
-              <a:xfrm>
-                <a:off x="2999281" y="1643050"/>
-                <a:ext cx="2501413" cy="1143008"/>
-              </a:xfrm>
-              <a:prstGeom prst="rect">
-                <a:avLst/>
-              </a:prstGeom>
-              <a:solidFill>
-                <a:schemeClr val="bg1"/>
-              </a:solidFill>
-            </p:spPr>
-          </p:pic>
-          <p:pic>
-            <p:nvPicPr>
-              <p:cNvPr id="31" name="Picture 5" descr="D:\blambeau\Work\ucl\thesis\writing\src\2-framework\images\simple-scenario.png"/>
-              <p:cNvPicPr>
-                <a:picLocks noChangeAspect="1" noChangeArrowheads="1"/>
-              </p:cNvPicPr>
-              <p:nvPr/>
-            </p:nvPicPr>
-            <p:blipFill>
-              <a:blip r:embed="rId6" cstate="print"/>
-              <a:srcRect/>
-              <a:stretch>
-                <a:fillRect/>
-              </a:stretch>
-            </p:blipFill>
-            <p:spPr bwMode="auto">
-              <a:xfrm>
-                <a:off x="2927843" y="1714488"/>
-                <a:ext cx="2501413" cy="1143008"/>
-              </a:xfrm>
-              <a:prstGeom prst="rect">
-                <a:avLst/>
-              </a:prstGeom>
-              <a:solidFill>
-                <a:schemeClr val="bg1"/>
-              </a:solidFill>
-            </p:spPr>
-          </p:pic>
-          <p:pic>
-            <p:nvPicPr>
-              <p:cNvPr id="6" name="Picture 5" descr="D:\blambeau\Work\ucl\thesis\writing\src\2-framework\images\simple-scenario.png"/>
-              <p:cNvPicPr>
-                <a:picLocks noChangeAspect="1" noChangeArrowheads="1"/>
-              </p:cNvPicPr>
-              <p:nvPr/>
-            </p:nvPicPr>
-            <p:blipFill>
-              <a:blip r:embed="rId6" cstate="print"/>
-              <a:srcRect/>
-              <a:stretch>
-                <a:fillRect/>
-              </a:stretch>
-            </p:blipFill>
-            <p:spPr bwMode="auto">
-              <a:xfrm>
-                <a:off x="2828695" y="1785926"/>
-                <a:ext cx="2501413" cy="1143008"/>
-              </a:xfrm>
-              <a:prstGeom prst="rect">
-                <a:avLst/>
-              </a:prstGeom>
-              <a:solidFill>
-                <a:schemeClr val="bg1"/>
-              </a:solidFill>
-            </p:spPr>
-          </p:pic>
-        </p:grpSp>
         <p:sp>
           <p:nvSpPr>
             <p:cNvPr id="22" name="Forme libre 21"/>
@@ -26809,6 +27145,151 @@
             </a:p>
           </p:txBody>
         </p:sp>
+        <p:grpSp>
+          <p:nvGrpSpPr>
+            <p:cNvPr id="29" name="Groupe 28"/>
+            <p:cNvGrpSpPr/>
+            <p:nvPr/>
+          </p:nvGrpSpPr>
+          <p:grpSpPr>
+            <a:xfrm>
+              <a:off x="3263059" y="210774"/>
+              <a:ext cx="3851419" cy="1798282"/>
+              <a:chOff x="3203848" y="210774"/>
+              <a:chExt cx="3851419" cy="1798282"/>
+            </a:xfrm>
+          </p:grpSpPr>
+          <p:pic>
+            <p:nvPicPr>
+              <p:cNvPr id="27" name="Picture 2" descr="C:\Users\blambeau\Documents\thesis\writing\src\2-framework\images\simple-scenario.png"/>
+              <p:cNvPicPr>
+                <a:picLocks noChangeAspect="1" noChangeArrowheads="1"/>
+              </p:cNvPicPr>
+              <p:nvPr/>
+            </p:nvPicPr>
+            <p:blipFill>
+              <a:blip r:embed="rId2" cstate="print"/>
+              <a:srcRect b="79463"/>
+              <a:stretch>
+                <a:fillRect/>
+              </a:stretch>
+            </p:blipFill>
+            <p:spPr bwMode="auto">
+              <a:xfrm>
+                <a:off x="3311942" y="210774"/>
+                <a:ext cx="3743325" cy="344280"/>
+              </a:xfrm>
+              <a:prstGeom prst="rect">
+                <a:avLst/>
+              </a:prstGeom>
+              <a:noFill/>
+            </p:spPr>
+          </p:pic>
+          <p:pic>
+            <p:nvPicPr>
+              <p:cNvPr id="24" name="Picture 2" descr="C:\Users\blambeau\Documents\thesis\writing\src\2-framework\images\simple-scenario.png"/>
+              <p:cNvPicPr>
+                <a:picLocks noChangeAspect="1" noChangeArrowheads="1"/>
+              </p:cNvPicPr>
+              <p:nvPr/>
+            </p:nvPicPr>
+            <p:blipFill>
+              <a:blip r:embed="rId2" cstate="print"/>
+              <a:srcRect b="79463"/>
+              <a:stretch>
+                <a:fillRect/>
+              </a:stretch>
+            </p:blipFill>
+            <p:spPr bwMode="auto">
+              <a:xfrm>
+                <a:off x="3261342" y="275272"/>
+                <a:ext cx="3743325" cy="344280"/>
+              </a:xfrm>
+              <a:prstGeom prst="rect">
+                <a:avLst/>
+              </a:prstGeom>
+              <a:noFill/>
+            </p:spPr>
+          </p:pic>
+          <p:pic>
+            <p:nvPicPr>
+              <p:cNvPr id="3074" name="Picture 2" descr="C:\Users\blambeau\Documents\thesis\writing\src\2-framework\images\simple-scenario.png"/>
+              <p:cNvPicPr>
+                <a:picLocks noChangeAspect="1" noChangeArrowheads="1"/>
+              </p:cNvPicPr>
+              <p:nvPr/>
+            </p:nvPicPr>
+            <p:blipFill>
+              <a:blip r:embed="rId2" cstate="print"/>
+              <a:srcRect/>
+              <a:stretch>
+                <a:fillRect/>
+              </a:stretch>
+            </p:blipFill>
+            <p:spPr bwMode="auto">
+              <a:xfrm>
+                <a:off x="3203848" y="332656"/>
+                <a:ext cx="3743325" cy="1676400"/>
+              </a:xfrm>
+              <a:prstGeom prst="rect">
+                <a:avLst/>
+              </a:prstGeom>
+              <a:noFill/>
+            </p:spPr>
+          </p:pic>
+        </p:grpSp>
+        <p:pic>
+          <p:nvPicPr>
+            <p:cNvPr id="3076" name="Picture 4" descr="C:\Users\blambeau\Documents\thesis\writing\src\2-framework\images\composed.png"/>
+            <p:cNvPicPr>
+              <a:picLocks noChangeAspect="1" noChangeArrowheads="1"/>
+            </p:cNvPicPr>
+            <p:nvPr/>
+          </p:nvPicPr>
+          <p:blipFill>
+            <a:blip r:embed="rId3" cstate="print"/>
+            <a:srcRect/>
+            <a:stretch>
+              <a:fillRect/>
+            </a:stretch>
+          </p:blipFill>
+          <p:spPr bwMode="auto">
+            <a:xfrm>
+              <a:off x="2812729" y="2996952"/>
+              <a:ext cx="4752079" cy="1224136"/>
+            </a:xfrm>
+            <a:prstGeom prst="rect">
+              <a:avLst/>
+            </a:prstGeom>
+            <a:noFill/>
+          </p:spPr>
+        </p:pic>
+        <p:pic>
+          <p:nvPicPr>
+            <p:cNvPr id="3077" name="Picture 5" descr="C:\Users\blambeau\Documents\thesis\writing\src\2-framework\images\composed-system.png"/>
+            <p:cNvPicPr>
+              <a:picLocks noChangeAspect="1" noChangeArrowheads="1"/>
+            </p:cNvPicPr>
+            <p:nvPr/>
+          </p:nvPicPr>
+          <p:blipFill>
+            <a:blip r:embed="rId4" cstate="print"/>
+            <a:srcRect/>
+            <a:stretch>
+              <a:fillRect/>
+            </a:stretch>
+          </p:blipFill>
+          <p:spPr bwMode="auto">
+            <a:xfrm>
+              <a:off x="2771800" y="5373216"/>
+              <a:ext cx="4833937" cy="1030287"/>
+            </a:xfrm>
+            <a:prstGeom prst="rect">
+              <a:avLst/>
+            </a:prstGeom>
+            <a:noFill/>
+          </p:spPr>
+        </p:pic>
       </p:grpSp>
     </p:spTree>
   </p:cSld>

--- a/writing/images/train.pptx
+++ b/writing/images/train.pptx
@@ -5,7 +5,7 @@
     <p:sldMasterId id="2147483648" r:id="rId1"/>
   </p:sldMasterIdLst>
   <p:notesMasterIdLst>
-    <p:notesMasterId r:id="rId19"/>
+    <p:notesMasterId r:id="rId21"/>
   </p:notesMasterIdLst>
   <p:sldIdLst>
     <p:sldId id="256" r:id="rId2"/>
@@ -25,6 +25,8 @@
     <p:sldId id="272" r:id="rId16"/>
     <p:sldId id="273" r:id="rId17"/>
     <p:sldId id="274" r:id="rId18"/>
+    <p:sldId id="275" r:id="rId19"/>
+    <p:sldId id="276" r:id="rId20"/>
   </p:sldIdLst>
   <p:sldSz cx="9144000" cy="6858000" type="screen4x3"/>
   <p:notesSz cx="6858000" cy="9144000"/>
@@ -209,7 +211,7 @@
             <a:fld id="{1A5CA47D-05BA-47C5-ACE1-040A60204EDF}" type="datetimeFigureOut">
               <a:rPr lang="fr-FR" smtClean="0"/>
               <a:pPr/>
-              <a:t>26/07/2011</a:t>
+              <a:t>17/08/2011</a:t>
             </a:fld>
             <a:endParaRPr lang="fr-BE"/>
           </a:p>
@@ -739,7 +741,7 @@
             <a:fld id="{68BDF4EC-5B70-45D8-B718-E56EB4C6B13E}" type="datetimeFigureOut">
               <a:rPr lang="fr-BE" smtClean="0"/>
               <a:pPr/>
-              <a:t>26/07/2011</a:t>
+              <a:t>17/08/2011</a:t>
             </a:fld>
             <a:endParaRPr lang="fr-BE"/>
           </a:p>
@@ -906,7 +908,7 @@
             <a:fld id="{68BDF4EC-5B70-45D8-B718-E56EB4C6B13E}" type="datetimeFigureOut">
               <a:rPr lang="fr-BE" smtClean="0"/>
               <a:pPr/>
-              <a:t>26/07/2011</a:t>
+              <a:t>17/08/2011</a:t>
             </a:fld>
             <a:endParaRPr lang="fr-BE"/>
           </a:p>
@@ -1083,7 +1085,7 @@
             <a:fld id="{68BDF4EC-5B70-45D8-B718-E56EB4C6B13E}" type="datetimeFigureOut">
               <a:rPr lang="fr-BE" smtClean="0"/>
               <a:pPr/>
-              <a:t>26/07/2011</a:t>
+              <a:t>17/08/2011</a:t>
             </a:fld>
             <a:endParaRPr lang="fr-BE"/>
           </a:p>
@@ -1250,7 +1252,7 @@
             <a:fld id="{68BDF4EC-5B70-45D8-B718-E56EB4C6B13E}" type="datetimeFigureOut">
               <a:rPr lang="fr-BE" smtClean="0"/>
               <a:pPr/>
-              <a:t>26/07/2011</a:t>
+              <a:t>17/08/2011</a:t>
             </a:fld>
             <a:endParaRPr lang="fr-BE"/>
           </a:p>
@@ -1493,7 +1495,7 @@
             <a:fld id="{68BDF4EC-5B70-45D8-B718-E56EB4C6B13E}" type="datetimeFigureOut">
               <a:rPr lang="fr-BE" smtClean="0"/>
               <a:pPr/>
-              <a:t>26/07/2011</a:t>
+              <a:t>17/08/2011</a:t>
             </a:fld>
             <a:endParaRPr lang="fr-BE"/>
           </a:p>
@@ -1778,7 +1780,7 @@
             <a:fld id="{68BDF4EC-5B70-45D8-B718-E56EB4C6B13E}" type="datetimeFigureOut">
               <a:rPr lang="fr-BE" smtClean="0"/>
               <a:pPr/>
-              <a:t>26/07/2011</a:t>
+              <a:t>17/08/2011</a:t>
             </a:fld>
             <a:endParaRPr lang="fr-BE"/>
           </a:p>
@@ -2197,7 +2199,7 @@
             <a:fld id="{68BDF4EC-5B70-45D8-B718-E56EB4C6B13E}" type="datetimeFigureOut">
               <a:rPr lang="fr-BE" smtClean="0"/>
               <a:pPr/>
-              <a:t>26/07/2011</a:t>
+              <a:t>17/08/2011</a:t>
             </a:fld>
             <a:endParaRPr lang="fr-BE"/>
           </a:p>
@@ -2312,7 +2314,7 @@
             <a:fld id="{68BDF4EC-5B70-45D8-B718-E56EB4C6B13E}" type="datetimeFigureOut">
               <a:rPr lang="fr-BE" smtClean="0"/>
               <a:pPr/>
-              <a:t>26/07/2011</a:t>
+              <a:t>17/08/2011</a:t>
             </a:fld>
             <a:endParaRPr lang="fr-BE"/>
           </a:p>
@@ -2404,7 +2406,7 @@
             <a:fld id="{68BDF4EC-5B70-45D8-B718-E56EB4C6B13E}" type="datetimeFigureOut">
               <a:rPr lang="fr-BE" smtClean="0"/>
               <a:pPr/>
-              <a:t>26/07/2011</a:t>
+              <a:t>17/08/2011</a:t>
             </a:fld>
             <a:endParaRPr lang="fr-BE"/>
           </a:p>
@@ -2678,7 +2680,7 @@
             <a:fld id="{68BDF4EC-5B70-45D8-B718-E56EB4C6B13E}" type="datetimeFigureOut">
               <a:rPr lang="fr-BE" smtClean="0"/>
               <a:pPr/>
-              <a:t>26/07/2011</a:t>
+              <a:t>17/08/2011</a:t>
             </a:fld>
             <a:endParaRPr lang="fr-BE"/>
           </a:p>
@@ -2928,7 +2930,7 @@
             <a:fld id="{68BDF4EC-5B70-45D8-B718-E56EB4C6B13E}" type="datetimeFigureOut">
               <a:rPr lang="fr-BE" smtClean="0"/>
               <a:pPr/>
-              <a:t>26/07/2011</a:t>
+              <a:t>17/08/2011</a:t>
             </a:fld>
             <a:endParaRPr lang="fr-BE"/>
           </a:p>
@@ -3138,7 +3140,7 @@
             <a:fld id="{68BDF4EC-5B70-45D8-B718-E56EB4C6B13E}" type="datetimeFigureOut">
               <a:rPr lang="fr-BE" smtClean="0"/>
               <a:pPr/>
-              <a:t>26/07/2011</a:t>
+              <a:t>17/08/2011</a:t>
             </a:fld>
             <a:endParaRPr lang="fr-BE"/>
           </a:p>
@@ -15639,13 +15641,6 @@
                 </a:rPr>
                 <a:t>Merging </a:t>
               </a:r>
-              <a:r>
-                <a:rPr lang="fr-BE" sz="1400" noProof="1" smtClean="0">
-                  <a:latin typeface="Arial" pitchFamily="34" charset="0"/>
-                  <a:cs typeface="Arial" pitchFamily="34" charset="0"/>
-                </a:rPr>
-                <a:t/>
-              </a:r>
               <a:br>
                 <a:rPr lang="fr-BE" sz="1400" noProof="1" smtClean="0">
                   <a:latin typeface="Arial" pitchFamily="34" charset="0"/>
@@ -15657,14 +15652,7 @@
                   <a:latin typeface="Arial" pitchFamily="34" charset="0"/>
                   <a:cs typeface="Arial" pitchFamily="34" charset="0"/>
                 </a:rPr>
-                <a:t>q=3 </a:t>
-              </a:r>
-              <a:r>
-                <a:rPr lang="fr-BE" sz="1400" noProof="1" smtClean="0">
-                  <a:latin typeface="Arial" pitchFamily="34" charset="0"/>
-                  <a:cs typeface="Arial" pitchFamily="34" charset="0"/>
-                </a:rPr>
-                <a:t>and q’=0</a:t>
+                <a:t>q=3 and q’=0</a:t>
               </a:r>
               <a:endParaRPr lang="fr-BE" sz="1400" noProof="1">
                 <a:latin typeface="Arial" pitchFamily="34" charset="0"/>
@@ -17272,6 +17260,1247 @@
             </a:fontRef>
           </p:style>
         </p:cxnSp>
+      </p:grpSp>
+    </p:spTree>
+  </p:cSld>
+  <p:clrMapOvr>
+    <a:masterClrMapping/>
+  </p:clrMapOvr>
+</p:sld>
+</file>
+
+<file path=ppt/slides/slide18.xml><?xml version="1.0" encoding="utf-8"?>
+<p:sld xmlns:a="http://schemas.openxmlformats.org/drawingml/2006/main" xmlns:r="http://schemas.openxmlformats.org/officeDocument/2006/relationships" xmlns:p="http://schemas.openxmlformats.org/presentationml/2006/main">
+  <p:cSld>
+    <p:spTree>
+      <p:nvGrpSpPr>
+        <p:cNvPr id="1" name=""/>
+        <p:cNvGrpSpPr/>
+        <p:nvPr/>
+      </p:nvGrpSpPr>
+      <p:grpSpPr>
+        <a:xfrm>
+          <a:off x="0" y="0"/>
+          <a:ext cx="0" cy="0"/>
+          <a:chOff x="0" y="0"/>
+          <a:chExt cx="0" cy="0"/>
+        </a:xfrm>
+      </p:grpSpPr>
+      <p:sp>
+        <p:nvSpPr>
+          <p:cNvPr id="15" name="Rectangle 14"/>
+          <p:cNvSpPr/>
+          <p:nvPr/>
+        </p:nvSpPr>
+        <p:spPr>
+          <a:xfrm>
+            <a:off x="179512" y="332656"/>
+            <a:ext cx="8784976" cy="6264696"/>
+          </a:xfrm>
+          <a:prstGeom prst="rect">
+            <a:avLst/>
+          </a:prstGeom>
+          <a:solidFill>
+            <a:schemeClr val="bg1"/>
+          </a:solidFill>
+          <a:ln w="3175"/>
+        </p:spPr>
+        <p:style>
+          <a:lnRef idx="2">
+            <a:schemeClr val="dk1"/>
+          </a:lnRef>
+          <a:fillRef idx="1">
+            <a:schemeClr val="lt1"/>
+          </a:fillRef>
+          <a:effectRef idx="0">
+            <a:schemeClr val="dk1"/>
+          </a:effectRef>
+          <a:fontRef idx="minor">
+            <a:schemeClr val="dk1"/>
+          </a:fontRef>
+        </p:style>
+        <p:txBody>
+          <a:bodyPr rtlCol="0" anchor="ctr"/>
+          <a:lstStyle/>
+          <a:p>
+            <a:pPr algn="ctr"/>
+            <a:endParaRPr lang="fr-BE"/>
+          </a:p>
+        </p:txBody>
+      </p:sp>
+      <p:pic>
+        <p:nvPicPr>
+          <p:cNvPr id="4" name="Image 4" descr="tool.png"/>
+          <p:cNvPicPr>
+            <a:picLocks noChangeAspect="1"/>
+          </p:cNvPicPr>
+          <p:nvPr/>
+        </p:nvPicPr>
+        <p:blipFill>
+          <a:blip r:embed="rId2" cstate="print"/>
+          <a:stretch>
+            <a:fillRect/>
+          </a:stretch>
+        </p:blipFill>
+        <p:spPr bwMode="auto">
+          <a:xfrm>
+            <a:off x="323528" y="476672"/>
+            <a:ext cx="8501062" cy="5616575"/>
+          </a:xfrm>
+          <a:prstGeom prst="rect">
+            <a:avLst/>
+          </a:prstGeom>
+          <a:ln w="31750">
+            <a:solidFill>
+              <a:schemeClr val="tx2"/>
+            </a:solidFill>
+          </a:ln>
+          <a:effectLst>
+            <a:outerShdw blurRad="292100" dist="139700" dir="2700000" algn="tl" rotWithShape="0">
+              <a:srgbClr val="333333">
+                <a:alpha val="65000"/>
+              </a:srgbClr>
+            </a:outerShdw>
+          </a:effectLst>
+        </p:spPr>
+      </p:pic>
+      <p:cxnSp>
+        <p:nvCxnSpPr>
+          <p:cNvPr id="6" name="Connecteur droit 15"/>
+          <p:cNvCxnSpPr>
+            <a:cxnSpLocks noChangeShapeType="1"/>
+          </p:cNvCxnSpPr>
+          <p:nvPr/>
+        </p:nvCxnSpPr>
+        <p:spPr bwMode="auto">
+          <a:xfrm flipV="1">
+            <a:off x="3635896" y="2924946"/>
+            <a:ext cx="1440160" cy="576062"/>
+          </a:xfrm>
+          <a:prstGeom prst="line">
+            <a:avLst/>
+          </a:prstGeom>
+          <a:noFill/>
+          <a:ln w="57150" algn="ctr">
+            <a:solidFill>
+              <a:schemeClr val="tx2"/>
+            </a:solidFill>
+            <a:prstDash val="sysDash"/>
+            <a:round/>
+            <a:headEnd/>
+            <a:tailEnd/>
+          </a:ln>
+        </p:spPr>
+      </p:cxnSp>
+      <p:cxnSp>
+        <p:nvCxnSpPr>
+          <p:cNvPr id="9" name="Connecteur droit 15"/>
+          <p:cNvCxnSpPr>
+            <a:cxnSpLocks noChangeShapeType="1"/>
+          </p:cNvCxnSpPr>
+          <p:nvPr/>
+        </p:nvCxnSpPr>
+        <p:spPr bwMode="auto">
+          <a:xfrm rot="16200000" flipH="1">
+            <a:off x="2984314" y="4368614"/>
+            <a:ext cx="2747268" cy="1444104"/>
+          </a:xfrm>
+          <a:prstGeom prst="line">
+            <a:avLst/>
+          </a:prstGeom>
+          <a:noFill/>
+          <a:ln w="57150" algn="ctr">
+            <a:solidFill>
+              <a:schemeClr val="tx2"/>
+            </a:solidFill>
+            <a:prstDash val="sysDash"/>
+            <a:round/>
+            <a:headEnd/>
+            <a:tailEnd/>
+          </a:ln>
+        </p:spPr>
+      </p:cxnSp>
+      <p:pic>
+        <p:nvPicPr>
+          <p:cNvPr id="5" name="Picture 9" descr="C:\Documents and Settings\blambeau\Mes documents\Downloads\guard_hmsc.png"/>
+          <p:cNvPicPr>
+            <a:picLocks noChangeAspect="1" noChangeArrowheads="1"/>
+          </p:cNvPicPr>
+          <p:nvPr/>
+        </p:nvPicPr>
+        <p:blipFill>
+          <a:blip r:embed="rId3" cstate="print"/>
+          <a:srcRect t="-2687"/>
+          <a:stretch>
+            <a:fillRect/>
+          </a:stretch>
+        </p:blipFill>
+        <p:spPr bwMode="auto">
+          <a:xfrm>
+            <a:off x="5076056" y="2924944"/>
+            <a:ext cx="2460625" cy="3541712"/>
+          </a:xfrm>
+          <a:prstGeom prst="rect">
+            <a:avLst/>
+          </a:prstGeom>
+          <a:solidFill>
+            <a:schemeClr val="bg1"/>
+          </a:solidFill>
+          <a:ln w="31750">
+            <a:solidFill>
+              <a:schemeClr val="tx2"/>
+            </a:solidFill>
+          </a:ln>
+          <a:effectLst>
+            <a:outerShdw blurRad="292100" dist="139700" dir="2700000" algn="tl" rotWithShape="0">
+              <a:srgbClr val="333333">
+                <a:alpha val="65000"/>
+              </a:srgbClr>
+            </a:outerShdw>
+          </a:effectLst>
+        </p:spPr>
+      </p:pic>
+    </p:spTree>
+  </p:cSld>
+  <p:clrMapOvr>
+    <a:masterClrMapping/>
+  </p:clrMapOvr>
+</p:sld>
+</file>
+
+<file path=ppt/slides/slide19.xml><?xml version="1.0" encoding="utf-8"?>
+<p:sld xmlns:a="http://schemas.openxmlformats.org/drawingml/2006/main" xmlns:r="http://schemas.openxmlformats.org/officeDocument/2006/relationships" xmlns:p="http://schemas.openxmlformats.org/presentationml/2006/main">
+  <p:cSld>
+    <p:spTree>
+      <p:nvGrpSpPr>
+        <p:cNvPr id="1" name=""/>
+        <p:cNvGrpSpPr/>
+        <p:nvPr/>
+      </p:nvGrpSpPr>
+      <p:grpSpPr>
+        <a:xfrm>
+          <a:off x="0" y="0"/>
+          <a:ext cx="0" cy="0"/>
+          <a:chOff x="0" y="0"/>
+          <a:chExt cx="0" cy="0"/>
+        </a:xfrm>
+      </p:grpSpPr>
+      <p:sp>
+        <p:nvSpPr>
+          <p:cNvPr id="93" name="Rectangle 92"/>
+          <p:cNvSpPr/>
+          <p:nvPr/>
+        </p:nvSpPr>
+        <p:spPr>
+          <a:xfrm>
+            <a:off x="179512" y="908720"/>
+            <a:ext cx="8784976" cy="5112568"/>
+          </a:xfrm>
+          <a:prstGeom prst="rect">
+            <a:avLst/>
+          </a:prstGeom>
+          <a:solidFill>
+            <a:schemeClr val="bg1"/>
+          </a:solidFill>
+          <a:ln w="3175"/>
+        </p:spPr>
+        <p:style>
+          <a:lnRef idx="2">
+            <a:schemeClr val="dk1"/>
+          </a:lnRef>
+          <a:fillRef idx="1">
+            <a:schemeClr val="lt1"/>
+          </a:fillRef>
+          <a:effectRef idx="0">
+            <a:schemeClr val="dk1"/>
+          </a:effectRef>
+          <a:fontRef idx="minor">
+            <a:schemeClr val="dk1"/>
+          </a:fontRef>
+        </p:style>
+        <p:txBody>
+          <a:bodyPr rtlCol="0" anchor="ctr"/>
+          <a:lstStyle/>
+          <a:p>
+            <a:pPr algn="ctr"/>
+            <a:endParaRPr lang="fr-BE"/>
+          </a:p>
+        </p:txBody>
+      </p:sp>
+      <p:grpSp>
+        <p:nvGrpSpPr>
+          <p:cNvPr id="92" name="Groupe 91"/>
+          <p:cNvGrpSpPr/>
+          <p:nvPr/>
+        </p:nvGrpSpPr>
+        <p:grpSpPr>
+          <a:xfrm>
+            <a:off x="323528" y="1124744"/>
+            <a:ext cx="8568952" cy="4689812"/>
+            <a:chOff x="323528" y="1124744"/>
+            <a:chExt cx="8568952" cy="4689812"/>
+          </a:xfrm>
+        </p:grpSpPr>
+        <p:sp>
+          <p:nvSpPr>
+            <p:cNvPr id="4" name="Rectangle à coins arrondis 3"/>
+            <p:cNvSpPr/>
+            <p:nvPr/>
+          </p:nvSpPr>
+          <p:spPr>
+            <a:xfrm>
+              <a:off x="4932040" y="2001638"/>
+              <a:ext cx="3960000" cy="648000"/>
+            </a:xfrm>
+            <a:prstGeom prst="roundRect">
+              <a:avLst/>
+            </a:prstGeom>
+          </p:spPr>
+          <p:style>
+            <a:lnRef idx="2">
+              <a:schemeClr val="dk1"/>
+            </a:lnRef>
+            <a:fillRef idx="1">
+              <a:schemeClr val="lt1"/>
+            </a:fillRef>
+            <a:effectRef idx="0">
+              <a:schemeClr val="dk1"/>
+            </a:effectRef>
+            <a:fontRef idx="minor">
+              <a:schemeClr val="dk1"/>
+            </a:fontRef>
+          </p:style>
+          <p:txBody>
+            <a:bodyPr rtlCol="0" anchor="ctr"/>
+            <a:lstStyle/>
+            <a:p>
+              <a:pPr algn="ctr"/>
+              <a:r>
+                <a:rPr lang="fr-BE" noProof="1" smtClean="0"/>
+                <a:t>Automaton</a:t>
+              </a:r>
+              <a:r>
+                <a:rPr lang="fr-BE" noProof="1" smtClean="0"/>
+                <a:t> </a:t>
+              </a:r>
+              <a:r>
+                <a:rPr lang="fr-BE" noProof="1" smtClean="0"/>
+                <a:t>Toolkit (LTS + g-LTS)</a:t>
+              </a:r>
+              <a:endParaRPr lang="fr-BE" noProof="1" smtClean="0"/>
+            </a:p>
+            <a:p>
+              <a:pPr algn="ctr"/>
+              <a:r>
+                <a:rPr lang="fr-BE" noProof="1" smtClean="0"/>
+                <a:t>(stamina)</a:t>
+              </a:r>
+              <a:endParaRPr lang="fr-BE" noProof="1"/>
+            </a:p>
+          </p:txBody>
+        </p:sp>
+        <p:sp>
+          <p:nvSpPr>
+            <p:cNvPr id="5" name="Rectangle à coins arrondis 4"/>
+            <p:cNvSpPr/>
+            <p:nvPr/>
+          </p:nvSpPr>
+          <p:spPr>
+            <a:xfrm>
+              <a:off x="4932040" y="2816968"/>
+              <a:ext cx="1512168" cy="648000"/>
+            </a:xfrm>
+            <a:prstGeom prst="roundRect">
+              <a:avLst/>
+            </a:prstGeom>
+          </p:spPr>
+          <p:style>
+            <a:lnRef idx="2">
+              <a:schemeClr val="dk1"/>
+            </a:lnRef>
+            <a:fillRef idx="1">
+              <a:schemeClr val="lt1"/>
+            </a:fillRef>
+            <a:effectRef idx="0">
+              <a:schemeClr val="dk1"/>
+            </a:effectRef>
+            <a:fontRef idx="minor">
+              <a:schemeClr val="dk1"/>
+            </a:fontRef>
+          </p:style>
+          <p:txBody>
+            <a:bodyPr rtlCol="0" anchor="ctr"/>
+            <a:lstStyle/>
+            <a:p>
+              <a:pPr algn="ctr"/>
+              <a:r>
+                <a:rPr lang="fr-BE" noProof="1" smtClean="0"/>
+                <a:t>Graph Toolkit </a:t>
+              </a:r>
+              <a:endParaRPr lang="fr-BE" noProof="1" smtClean="0"/>
+            </a:p>
+            <a:p>
+              <a:pPr algn="ctr"/>
+              <a:r>
+                <a:rPr lang="fr-BE" noProof="1" smtClean="0"/>
+                <a:t>(yargi)</a:t>
+              </a:r>
+              <a:endParaRPr lang="fr-BE" noProof="1"/>
+            </a:p>
+          </p:txBody>
+        </p:sp>
+        <p:sp>
+          <p:nvSpPr>
+            <p:cNvPr id="6" name="Rectangle à coins arrondis 5"/>
+            <p:cNvSpPr/>
+            <p:nvPr/>
+          </p:nvSpPr>
+          <p:spPr>
+            <a:xfrm>
+              <a:off x="323528" y="1124744"/>
+              <a:ext cx="1008112" cy="4032448"/>
+            </a:xfrm>
+            <a:prstGeom prst="roundRect">
+              <a:avLst/>
+            </a:prstGeom>
+          </p:spPr>
+          <p:style>
+            <a:lnRef idx="2">
+              <a:schemeClr val="dk1"/>
+            </a:lnRef>
+            <a:fillRef idx="1">
+              <a:schemeClr val="lt1"/>
+            </a:fillRef>
+            <a:effectRef idx="0">
+              <a:schemeClr val="dk1"/>
+            </a:effectRef>
+            <a:fontRef idx="minor">
+              <a:schemeClr val="dk1"/>
+            </a:fontRef>
+          </p:style>
+          <p:txBody>
+            <a:bodyPr rtlCol="0" anchor="ctr"/>
+            <a:lstStyle/>
+            <a:p>
+              <a:pPr algn="ctr"/>
+              <a:r>
+                <a:rPr lang="fr-BE" noProof="1" smtClean="0"/>
+                <a:t>Web GUI</a:t>
+              </a:r>
+            </a:p>
+          </p:txBody>
+        </p:sp>
+        <p:sp>
+          <p:nvSpPr>
+            <p:cNvPr id="7" name="Rectangle à coins arrondis 6"/>
+            <p:cNvSpPr/>
+            <p:nvPr/>
+          </p:nvSpPr>
+          <p:spPr>
+            <a:xfrm>
+              <a:off x="1619672" y="1124744"/>
+              <a:ext cx="1080120" cy="4032448"/>
+            </a:xfrm>
+            <a:prstGeom prst="roundRect">
+              <a:avLst/>
+            </a:prstGeom>
+          </p:spPr>
+          <p:style>
+            <a:lnRef idx="2">
+              <a:schemeClr val="dk1"/>
+            </a:lnRef>
+            <a:fillRef idx="1">
+              <a:schemeClr val="lt1"/>
+            </a:fillRef>
+            <a:effectRef idx="0">
+              <a:schemeClr val="dk1"/>
+            </a:effectRef>
+            <a:fontRef idx="minor">
+              <a:schemeClr val="dk1"/>
+            </a:fontRef>
+          </p:style>
+          <p:txBody>
+            <a:bodyPr rtlCol="0" anchor="ctr"/>
+            <a:lstStyle/>
+            <a:p>
+              <a:pPr algn="ctr"/>
+              <a:r>
+                <a:rPr lang="fr-BE" noProof="1" smtClean="0"/>
+                <a:t>Pathway</a:t>
+              </a:r>
+            </a:p>
+            <a:p>
+              <a:pPr algn="ctr"/>
+              <a:r>
+                <a:rPr lang="fr-BE" noProof="1" smtClean="0"/>
+                <a:t>Rich Model</a:t>
+              </a:r>
+            </a:p>
+          </p:txBody>
+        </p:sp>
+        <p:sp>
+          <p:nvSpPr>
+            <p:cNvPr id="8" name="Rectangle à coins arrondis 7"/>
+            <p:cNvSpPr/>
+            <p:nvPr/>
+          </p:nvSpPr>
+          <p:spPr>
+            <a:xfrm>
+              <a:off x="4932040" y="1124744"/>
+              <a:ext cx="3960440" cy="648000"/>
+            </a:xfrm>
+            <a:prstGeom prst="roundRect">
+              <a:avLst/>
+            </a:prstGeom>
+          </p:spPr>
+          <p:style>
+            <a:lnRef idx="2">
+              <a:schemeClr val="dk1"/>
+            </a:lnRef>
+            <a:fillRef idx="1">
+              <a:schemeClr val="lt1"/>
+            </a:fillRef>
+            <a:effectRef idx="0">
+              <a:schemeClr val="dk1"/>
+            </a:effectRef>
+            <a:fontRef idx="minor">
+              <a:schemeClr val="dk1"/>
+            </a:fontRef>
+          </p:style>
+          <p:txBody>
+            <a:bodyPr rtlCol="0" anchor="ctr"/>
+            <a:lstStyle/>
+            <a:p>
+              <a:pPr algn="ctr"/>
+              <a:r>
+                <a:rPr lang="fr-BE" noProof="1" smtClean="0"/>
+                <a:t>Binary Decision Diagrams  (Buddy)</a:t>
+              </a:r>
+              <a:endParaRPr lang="fr-BE" noProof="1"/>
+            </a:p>
+          </p:txBody>
+        </p:sp>
+        <p:sp>
+          <p:nvSpPr>
+            <p:cNvPr id="10" name="Rectangle à coins arrondis 9"/>
+            <p:cNvSpPr/>
+            <p:nvPr/>
+          </p:nvSpPr>
+          <p:spPr>
+            <a:xfrm>
+              <a:off x="6732286" y="3658680"/>
+              <a:ext cx="2159755" cy="648000"/>
+            </a:xfrm>
+            <a:prstGeom prst="roundRect">
+              <a:avLst/>
+            </a:prstGeom>
+          </p:spPr>
+          <p:style>
+            <a:lnRef idx="2">
+              <a:schemeClr val="dk1"/>
+            </a:lnRef>
+            <a:fillRef idx="1">
+              <a:schemeClr val="lt1"/>
+            </a:fillRef>
+            <a:effectRef idx="0">
+              <a:schemeClr val="dk1"/>
+            </a:effectRef>
+            <a:fontRef idx="minor">
+              <a:schemeClr val="dk1"/>
+            </a:fontRef>
+          </p:style>
+          <p:txBody>
+            <a:bodyPr rtlCol="0" anchor="ctr"/>
+            <a:lstStyle/>
+            <a:p>
+              <a:pPr algn="ctr"/>
+              <a:r>
+                <a:rPr lang="fr-BE" noProof="1" smtClean="0"/>
+                <a:t>Parsing &amp; AST Rewriting (anagram)</a:t>
+              </a:r>
+              <a:endParaRPr lang="fr-BE" noProof="1"/>
+            </a:p>
+          </p:txBody>
+        </p:sp>
+        <p:sp>
+          <p:nvSpPr>
+            <p:cNvPr id="11" name="Rectangle à coins arrondis 10"/>
+            <p:cNvSpPr/>
+            <p:nvPr/>
+          </p:nvSpPr>
+          <p:spPr>
+            <a:xfrm>
+              <a:off x="3059832" y="1124744"/>
+              <a:ext cx="1512168" cy="648000"/>
+            </a:xfrm>
+            <a:prstGeom prst="roundRect">
+              <a:avLst/>
+            </a:prstGeom>
+          </p:spPr>
+          <p:style>
+            <a:lnRef idx="2">
+              <a:schemeClr val="dk1"/>
+            </a:lnRef>
+            <a:fillRef idx="1">
+              <a:schemeClr val="lt1"/>
+            </a:fillRef>
+            <a:effectRef idx="0">
+              <a:schemeClr val="dk1"/>
+            </a:effectRef>
+            <a:fontRef idx="minor">
+              <a:schemeClr val="dk1"/>
+            </a:fontRef>
+          </p:style>
+          <p:txBody>
+            <a:bodyPr rtlCol="0" anchor="ctr"/>
+            <a:lstStyle/>
+            <a:p>
+              <a:pPr algn="ctr"/>
+              <a:r>
+                <a:rPr lang="fr-BE" noProof="1" smtClean="0"/>
+                <a:t>Pathway </a:t>
+              </a:r>
+            </a:p>
+            <a:p>
+              <a:pPr algn="ctr"/>
+              <a:r>
+                <a:rPr lang="fr-BE" noProof="1" smtClean="0"/>
+                <a:t>Analyser</a:t>
+              </a:r>
+            </a:p>
+          </p:txBody>
+        </p:sp>
+        <p:sp>
+          <p:nvSpPr>
+            <p:cNvPr id="12" name="Rectangle à coins arrondis 11"/>
+            <p:cNvSpPr/>
+            <p:nvPr/>
+          </p:nvSpPr>
+          <p:spPr>
+            <a:xfrm>
+              <a:off x="6732240" y="2816968"/>
+              <a:ext cx="2159985" cy="648000"/>
+            </a:xfrm>
+            <a:prstGeom prst="roundRect">
+              <a:avLst/>
+            </a:prstGeom>
+          </p:spPr>
+          <p:style>
+            <a:lnRef idx="2">
+              <a:schemeClr val="dk1"/>
+            </a:lnRef>
+            <a:fillRef idx="1">
+              <a:schemeClr val="lt1"/>
+            </a:fillRef>
+            <a:effectRef idx="0">
+              <a:schemeClr val="dk1"/>
+            </a:effectRef>
+            <a:fontRef idx="minor">
+              <a:schemeClr val="dk1"/>
+            </a:fontRef>
+          </p:style>
+          <p:txBody>
+            <a:bodyPr rtlCol="0" anchor="ctr"/>
+            <a:lstStyle/>
+            <a:p>
+              <a:pPr algn="ctr"/>
+              <a:r>
+                <a:rPr lang="fr-BE" noProof="1" smtClean="0"/>
+                <a:t>Graphviz dot </a:t>
+              </a:r>
+              <a:endParaRPr lang="fr-BE" noProof="1" smtClean="0"/>
+            </a:p>
+            <a:p>
+              <a:pPr algn="ctr"/>
+              <a:r>
+                <a:rPr lang="fr-BE" noProof="1" smtClean="0"/>
+                <a:t>(graphviz.org)</a:t>
+              </a:r>
+              <a:endParaRPr lang="fr-BE" noProof="1"/>
+            </a:p>
+          </p:txBody>
+        </p:sp>
+        <p:sp>
+          <p:nvSpPr>
+            <p:cNvPr id="13" name="Rectangle à coins arrondis 12"/>
+            <p:cNvSpPr/>
+            <p:nvPr/>
+          </p:nvSpPr>
+          <p:spPr>
+            <a:xfrm>
+              <a:off x="3059832" y="2816968"/>
+              <a:ext cx="1512168" cy="648000"/>
+            </a:xfrm>
+            <a:prstGeom prst="roundRect">
+              <a:avLst/>
+            </a:prstGeom>
+          </p:spPr>
+          <p:style>
+            <a:lnRef idx="2">
+              <a:schemeClr val="dk1"/>
+            </a:lnRef>
+            <a:fillRef idx="1">
+              <a:schemeClr val="lt1"/>
+            </a:fillRef>
+            <a:effectRef idx="0">
+              <a:schemeClr val="dk1"/>
+            </a:effectRef>
+            <a:fontRef idx="minor">
+              <a:schemeClr val="dk1"/>
+            </a:fontRef>
+          </p:style>
+          <p:txBody>
+            <a:bodyPr rtlCol="0" anchor="ctr"/>
+            <a:lstStyle/>
+            <a:p>
+              <a:pPr algn="ctr"/>
+              <a:r>
+                <a:rPr lang="fr-BE" noProof="1" smtClean="0"/>
+                <a:t>Pathway </a:t>
+              </a:r>
+            </a:p>
+            <a:p>
+              <a:pPr algn="ctr"/>
+              <a:r>
+                <a:rPr lang="fr-BE" noProof="1" smtClean="0"/>
+                <a:t>Converter</a:t>
+              </a:r>
+            </a:p>
+          </p:txBody>
+        </p:sp>
+        <p:cxnSp>
+          <p:nvCxnSpPr>
+            <p:cNvPr id="16" name="Connecteur en angle 15"/>
+            <p:cNvCxnSpPr>
+              <a:stCxn id="5" idx="3"/>
+              <a:endCxn id="12" idx="1"/>
+            </p:cNvCxnSpPr>
+            <p:nvPr/>
+          </p:nvCxnSpPr>
+          <p:spPr>
+            <a:xfrm>
+              <a:off x="6444208" y="3140968"/>
+              <a:ext cx="288032" cy="1588"/>
+            </a:xfrm>
+            <a:prstGeom prst="bentConnector3">
+              <a:avLst>
+                <a:gd name="adj1" fmla="val 50000"/>
+              </a:avLst>
+            </a:prstGeom>
+            <a:ln>
+              <a:tailEnd type="arrow"/>
+            </a:ln>
+          </p:spPr>
+          <p:style>
+            <a:lnRef idx="2">
+              <a:schemeClr val="dk1"/>
+            </a:lnRef>
+            <a:fillRef idx="0">
+              <a:schemeClr val="dk1"/>
+            </a:fillRef>
+            <a:effectRef idx="1">
+              <a:schemeClr val="dk1"/>
+            </a:effectRef>
+            <a:fontRef idx="minor">
+              <a:schemeClr val="tx1"/>
+            </a:fontRef>
+          </p:style>
+        </p:cxnSp>
+        <p:cxnSp>
+          <p:nvCxnSpPr>
+            <p:cNvPr id="17" name="Connecteur en angle 16"/>
+            <p:cNvCxnSpPr>
+              <a:stCxn id="13" idx="3"/>
+              <a:endCxn id="5" idx="1"/>
+            </p:cNvCxnSpPr>
+            <p:nvPr/>
+          </p:nvCxnSpPr>
+          <p:spPr>
+            <a:xfrm>
+              <a:off x="4572000" y="3140968"/>
+              <a:ext cx="360040" cy="1588"/>
+            </a:xfrm>
+            <a:prstGeom prst="bentConnector3">
+              <a:avLst>
+                <a:gd name="adj1" fmla="val 50000"/>
+              </a:avLst>
+            </a:prstGeom>
+            <a:ln>
+              <a:tailEnd type="arrow"/>
+            </a:ln>
+          </p:spPr>
+          <p:style>
+            <a:lnRef idx="2">
+              <a:schemeClr val="dk1"/>
+            </a:lnRef>
+            <a:fillRef idx="0">
+              <a:schemeClr val="dk1"/>
+            </a:fillRef>
+            <a:effectRef idx="1">
+              <a:schemeClr val="dk1"/>
+            </a:effectRef>
+            <a:fontRef idx="minor">
+              <a:schemeClr val="tx1"/>
+            </a:fontRef>
+          </p:style>
+        </p:cxnSp>
+        <p:cxnSp>
+          <p:nvCxnSpPr>
+            <p:cNvPr id="27" name="Connecteur en angle 26"/>
+            <p:cNvCxnSpPr>
+              <a:stCxn id="13" idx="2"/>
+              <a:endCxn id="64" idx="1"/>
+            </p:cNvCxnSpPr>
+            <p:nvPr/>
+          </p:nvCxnSpPr>
+          <p:spPr>
+            <a:xfrm rot="16200000" flipH="1">
+              <a:off x="4115122" y="3165762"/>
+              <a:ext cx="517712" cy="1116124"/>
+            </a:xfrm>
+            <a:prstGeom prst="bentConnector2">
+              <a:avLst/>
+            </a:prstGeom>
+            <a:ln>
+              <a:tailEnd type="arrow"/>
+            </a:ln>
+          </p:spPr>
+          <p:style>
+            <a:lnRef idx="2">
+              <a:schemeClr val="dk1"/>
+            </a:lnRef>
+            <a:fillRef idx="0">
+              <a:schemeClr val="dk1"/>
+            </a:fillRef>
+            <a:effectRef idx="1">
+              <a:schemeClr val="dk1"/>
+            </a:effectRef>
+            <a:fontRef idx="minor">
+              <a:schemeClr val="tx1"/>
+            </a:fontRef>
+          </p:style>
+        </p:cxnSp>
+        <p:cxnSp>
+          <p:nvCxnSpPr>
+            <p:cNvPr id="30" name="Connecteur en angle 26"/>
+            <p:cNvCxnSpPr>
+              <a:stCxn id="13" idx="0"/>
+            </p:cNvCxnSpPr>
+            <p:nvPr/>
+          </p:nvCxnSpPr>
+          <p:spPr>
+            <a:xfrm rot="5400000" flipH="1" flipV="1">
+              <a:off x="4211942" y="2096870"/>
+              <a:ext cx="324072" cy="1116124"/>
+            </a:xfrm>
+            <a:prstGeom prst="bentConnector2">
+              <a:avLst/>
+            </a:prstGeom>
+            <a:ln>
+              <a:tailEnd type="arrow"/>
+            </a:ln>
+          </p:spPr>
+          <p:style>
+            <a:lnRef idx="2">
+              <a:schemeClr val="dk1"/>
+            </a:lnRef>
+            <a:fillRef idx="0">
+              <a:schemeClr val="dk1"/>
+            </a:fillRef>
+            <a:effectRef idx="1">
+              <a:schemeClr val="dk1"/>
+            </a:effectRef>
+            <a:fontRef idx="minor">
+              <a:schemeClr val="tx1"/>
+            </a:fontRef>
+          </p:style>
+        </p:cxnSp>
+        <p:cxnSp>
+          <p:nvCxnSpPr>
+            <p:cNvPr id="34" name="Connecteur en angle 26"/>
+            <p:cNvCxnSpPr>
+              <a:stCxn id="11" idx="2"/>
+            </p:cNvCxnSpPr>
+            <p:nvPr/>
+          </p:nvCxnSpPr>
+          <p:spPr>
+            <a:xfrm rot="16200000" flipH="1">
+              <a:off x="4157918" y="1430742"/>
+              <a:ext cx="432120" cy="1116124"/>
+            </a:xfrm>
+            <a:prstGeom prst="bentConnector2">
+              <a:avLst/>
+            </a:prstGeom>
+            <a:ln>
+              <a:tailEnd type="arrow"/>
+            </a:ln>
+          </p:spPr>
+          <p:style>
+            <a:lnRef idx="2">
+              <a:schemeClr val="dk1"/>
+            </a:lnRef>
+            <a:fillRef idx="0">
+              <a:schemeClr val="dk1"/>
+            </a:fillRef>
+            <a:effectRef idx="1">
+              <a:schemeClr val="dk1"/>
+            </a:effectRef>
+            <a:fontRef idx="minor">
+              <a:schemeClr val="tx1"/>
+            </a:fontRef>
+          </p:style>
+        </p:cxnSp>
+        <p:cxnSp>
+          <p:nvCxnSpPr>
+            <p:cNvPr id="37" name="Connecteur en angle 26"/>
+            <p:cNvCxnSpPr>
+              <a:stCxn id="11" idx="3"/>
+              <a:endCxn id="8" idx="1"/>
+            </p:cNvCxnSpPr>
+            <p:nvPr/>
+          </p:nvCxnSpPr>
+          <p:spPr>
+            <a:xfrm>
+              <a:off x="4572000" y="1448744"/>
+              <a:ext cx="360040" cy="1588"/>
+            </a:xfrm>
+            <a:prstGeom prst="bentConnector3">
+              <a:avLst>
+                <a:gd name="adj1" fmla="val 50000"/>
+              </a:avLst>
+            </a:prstGeom>
+            <a:ln>
+              <a:tailEnd type="arrow"/>
+            </a:ln>
+          </p:spPr>
+          <p:style>
+            <a:lnRef idx="2">
+              <a:schemeClr val="dk1"/>
+            </a:lnRef>
+            <a:fillRef idx="0">
+              <a:schemeClr val="dk1"/>
+            </a:fillRef>
+            <a:effectRef idx="1">
+              <a:schemeClr val="dk1"/>
+            </a:effectRef>
+            <a:fontRef idx="minor">
+              <a:schemeClr val="tx1"/>
+            </a:fontRef>
+          </p:style>
+        </p:cxnSp>
+        <p:cxnSp>
+          <p:nvCxnSpPr>
+            <p:cNvPr id="46" name="Connecteur en angle 26"/>
+            <p:cNvCxnSpPr>
+              <a:endCxn id="11" idx="1"/>
+            </p:cNvCxnSpPr>
+            <p:nvPr/>
+          </p:nvCxnSpPr>
+          <p:spPr>
+            <a:xfrm>
+              <a:off x="2699657" y="1448744"/>
+              <a:ext cx="360175" cy="0"/>
+            </a:xfrm>
+            <a:prstGeom prst="bentConnector3">
+              <a:avLst>
+                <a:gd name="adj1" fmla="val 50000"/>
+              </a:avLst>
+            </a:prstGeom>
+            <a:ln>
+              <a:tailEnd type="arrow"/>
+            </a:ln>
+          </p:spPr>
+          <p:style>
+            <a:lnRef idx="2">
+              <a:schemeClr val="dk1"/>
+            </a:lnRef>
+            <a:fillRef idx="0">
+              <a:schemeClr val="dk1"/>
+            </a:fillRef>
+            <a:effectRef idx="1">
+              <a:schemeClr val="dk1"/>
+            </a:effectRef>
+            <a:fontRef idx="minor">
+              <a:schemeClr val="tx1"/>
+            </a:fontRef>
+          </p:style>
+        </p:cxnSp>
+        <p:cxnSp>
+          <p:nvCxnSpPr>
+            <p:cNvPr id="50" name="Connecteur en angle 26"/>
+            <p:cNvCxnSpPr>
+              <a:stCxn id="7" idx="3"/>
+              <a:endCxn id="13" idx="1"/>
+            </p:cNvCxnSpPr>
+            <p:nvPr/>
+          </p:nvCxnSpPr>
+          <p:spPr>
+            <a:xfrm>
+              <a:off x="2699792" y="3140968"/>
+              <a:ext cx="360040" cy="1588"/>
+            </a:xfrm>
+            <a:prstGeom prst="bentConnector3">
+              <a:avLst>
+                <a:gd name="adj1" fmla="val 50000"/>
+              </a:avLst>
+            </a:prstGeom>
+            <a:ln>
+              <a:tailEnd type="arrow"/>
+            </a:ln>
+          </p:spPr>
+          <p:style>
+            <a:lnRef idx="2">
+              <a:schemeClr val="dk1"/>
+            </a:lnRef>
+            <a:fillRef idx="0">
+              <a:schemeClr val="dk1"/>
+            </a:fillRef>
+            <a:effectRef idx="1">
+              <a:schemeClr val="dk1"/>
+            </a:effectRef>
+            <a:fontRef idx="minor">
+              <a:schemeClr val="tx1"/>
+            </a:fontRef>
+          </p:style>
+        </p:cxnSp>
+        <p:cxnSp>
+          <p:nvCxnSpPr>
+            <p:cNvPr id="52" name="Connecteur en angle 26"/>
+            <p:cNvCxnSpPr>
+              <a:endCxn id="56" idx="1"/>
+            </p:cNvCxnSpPr>
+            <p:nvPr/>
+          </p:nvCxnSpPr>
+          <p:spPr>
+            <a:xfrm>
+              <a:off x="2695575" y="4829175"/>
+              <a:ext cx="2236465" cy="0"/>
+            </a:xfrm>
+            <a:prstGeom prst="bentConnector3">
+              <a:avLst>
+                <a:gd name="adj1" fmla="val 50000"/>
+              </a:avLst>
+            </a:prstGeom>
+            <a:ln>
+              <a:tailEnd type="arrow"/>
+            </a:ln>
+          </p:spPr>
+          <p:style>
+            <a:lnRef idx="2">
+              <a:schemeClr val="dk1"/>
+            </a:lnRef>
+            <a:fillRef idx="0">
+              <a:schemeClr val="dk1"/>
+            </a:fillRef>
+            <a:effectRef idx="1">
+              <a:schemeClr val="dk1"/>
+            </a:effectRef>
+            <a:fontRef idx="minor">
+              <a:schemeClr val="tx1"/>
+            </a:fontRef>
+          </p:style>
+        </p:cxnSp>
+        <p:sp>
+          <p:nvSpPr>
+            <p:cNvPr id="56" name="Rectangle à coins arrondis 55"/>
+            <p:cNvSpPr/>
+            <p:nvPr/>
+          </p:nvSpPr>
+          <p:spPr>
+            <a:xfrm>
+              <a:off x="4932040" y="4509120"/>
+              <a:ext cx="3960440" cy="648000"/>
+            </a:xfrm>
+            <a:prstGeom prst="roundRect">
+              <a:avLst/>
+            </a:prstGeom>
+          </p:spPr>
+          <p:style>
+            <a:lnRef idx="2">
+              <a:schemeClr val="dk1"/>
+            </a:lnRef>
+            <a:fillRef idx="1">
+              <a:schemeClr val="lt1"/>
+            </a:fillRef>
+            <a:effectRef idx="0">
+              <a:schemeClr val="dk1"/>
+            </a:effectRef>
+            <a:fontRef idx="minor">
+              <a:schemeClr val="dk1"/>
+            </a:fontRef>
+          </p:style>
+          <p:txBody>
+            <a:bodyPr rtlCol="0" anchor="ctr"/>
+            <a:lstStyle/>
+            <a:p>
+              <a:pPr algn="ctr"/>
+              <a:r>
+                <a:rPr lang="fr-BE" noProof="1" smtClean="0"/>
+                <a:t>SQL Persistence (sqlite)</a:t>
+              </a:r>
+            </a:p>
+          </p:txBody>
+        </p:sp>
+        <p:sp>
+          <p:nvSpPr>
+            <p:cNvPr id="64" name="Rectangle à coins arrondis 63"/>
+            <p:cNvSpPr/>
+            <p:nvPr/>
+          </p:nvSpPr>
+          <p:spPr>
+            <a:xfrm>
+              <a:off x="4932040" y="3658680"/>
+              <a:ext cx="1512168" cy="648000"/>
+            </a:xfrm>
+            <a:prstGeom prst="roundRect">
+              <a:avLst/>
+            </a:prstGeom>
+          </p:spPr>
+          <p:style>
+            <a:lnRef idx="2">
+              <a:schemeClr val="dk1"/>
+            </a:lnRef>
+            <a:fillRef idx="1">
+              <a:schemeClr val="lt1"/>
+            </a:fillRef>
+            <a:effectRef idx="0">
+              <a:schemeClr val="dk1"/>
+            </a:effectRef>
+            <a:fontRef idx="minor">
+              <a:schemeClr val="dk1"/>
+            </a:fontRef>
+          </p:style>
+          <p:txBody>
+            <a:bodyPr rtlCol="0" anchor="ctr"/>
+            <a:lstStyle/>
+            <a:p>
+              <a:pPr algn="ctr"/>
+              <a:r>
+                <a:rPr lang="fr-BE" noProof="1" smtClean="0"/>
+                <a:t>Pathway language</a:t>
+              </a:r>
+              <a:endParaRPr lang="fr-BE" noProof="1"/>
+            </a:p>
+          </p:txBody>
+        </p:sp>
+        <p:cxnSp>
+          <p:nvCxnSpPr>
+            <p:cNvPr id="83" name="Connecteur en angle 82"/>
+            <p:cNvCxnSpPr>
+              <a:stCxn id="64" idx="3"/>
+              <a:endCxn id="10" idx="1"/>
+            </p:cNvCxnSpPr>
+            <p:nvPr/>
+          </p:nvCxnSpPr>
+          <p:spPr>
+            <a:xfrm>
+              <a:off x="6444208" y="3982680"/>
+              <a:ext cx="288078" cy="1588"/>
+            </a:xfrm>
+            <a:prstGeom prst="bentConnector3">
+              <a:avLst>
+                <a:gd name="adj1" fmla="val 50000"/>
+              </a:avLst>
+            </a:prstGeom>
+            <a:ln>
+              <a:tailEnd type="arrow"/>
+            </a:ln>
+          </p:spPr>
+          <p:style>
+            <a:lnRef idx="2">
+              <a:schemeClr val="dk1"/>
+            </a:lnRef>
+            <a:fillRef idx="0">
+              <a:schemeClr val="dk1"/>
+            </a:fillRef>
+            <a:effectRef idx="1">
+              <a:schemeClr val="dk1"/>
+            </a:effectRef>
+            <a:fontRef idx="minor">
+              <a:schemeClr val="tx1"/>
+            </a:fontRef>
+          </p:style>
+        </p:cxnSp>
+        <p:grpSp>
+          <p:nvGrpSpPr>
+            <p:cNvPr id="90" name="Groupe 89"/>
+            <p:cNvGrpSpPr/>
+            <p:nvPr/>
+          </p:nvGrpSpPr>
+          <p:grpSpPr>
+            <a:xfrm>
+              <a:off x="7740352" y="5445224"/>
+              <a:ext cx="1152128" cy="369332"/>
+              <a:chOff x="899592" y="5445224"/>
+              <a:chExt cx="1152128" cy="369332"/>
+            </a:xfrm>
+          </p:grpSpPr>
+          <p:cxnSp>
+            <p:nvCxnSpPr>
+              <p:cNvPr id="86" name="Connecteur en angle 26"/>
+              <p:cNvCxnSpPr/>
+              <p:nvPr/>
+            </p:nvCxnSpPr>
+            <p:spPr>
+              <a:xfrm>
+                <a:off x="899592" y="5805264"/>
+                <a:ext cx="1152128" cy="1588"/>
+              </a:xfrm>
+              <a:prstGeom prst="bentConnector3">
+                <a:avLst>
+                  <a:gd name="adj1" fmla="val 50000"/>
+                </a:avLst>
+              </a:prstGeom>
+              <a:ln>
+                <a:tailEnd type="arrow"/>
+              </a:ln>
+            </p:spPr>
+            <p:style>
+              <a:lnRef idx="2">
+                <a:schemeClr val="dk1"/>
+              </a:lnRef>
+              <a:fillRef idx="0">
+                <a:schemeClr val="dk1"/>
+              </a:fillRef>
+              <a:effectRef idx="1">
+                <a:schemeClr val="dk1"/>
+              </a:effectRef>
+              <a:fontRef idx="minor">
+                <a:schemeClr val="tx1"/>
+              </a:fontRef>
+            </p:style>
+          </p:cxnSp>
+          <p:sp>
+            <p:nvSpPr>
+              <p:cNvPr id="89" name="ZoneTexte 88"/>
+              <p:cNvSpPr txBox="1"/>
+              <p:nvPr/>
+            </p:nvSpPr>
+            <p:spPr>
+              <a:xfrm>
+                <a:off x="1187624" y="5445224"/>
+                <a:ext cx="537327" cy="369332"/>
+              </a:xfrm>
+              <a:prstGeom prst="rect">
+                <a:avLst/>
+              </a:prstGeom>
+              <a:noFill/>
+            </p:spPr>
+            <p:txBody>
+              <a:bodyPr wrap="none" rtlCol="0">
+                <a:spAutoFit/>
+              </a:bodyPr>
+              <a:lstStyle/>
+              <a:p>
+                <a:r>
+                  <a:rPr lang="fr-BE" dirty="0" smtClean="0"/>
+                  <a:t>Use</a:t>
+                </a:r>
+                <a:endParaRPr lang="fr-BE" dirty="0"/>
+              </a:p>
+            </p:txBody>
+          </p:sp>
+        </p:grpSp>
       </p:grpSp>
     </p:spTree>
   </p:cSld>
@@ -23633,25 +24862,7 @@
                   </a:solidFill>
                   <a:latin typeface="+mj-lt"/>
                 </a:rPr>
-                <a:t>Maintain</a:t>
-              </a:r>
-              <a:r>
-                <a:rPr lang="fr-BE" sz="1300" b="1" noProof="1" smtClean="0">
-                  <a:solidFill>
-                    <a:schemeClr val="tx1"/>
-                  </a:solidFill>
-                  <a:latin typeface="+mj-lt"/>
-                </a:rPr>
-                <a:t>[Doors Closed While </a:t>
-              </a:r>
-              <a:r>
-                <a:rPr lang="fr-BE" sz="1300" b="1" noProof="1" smtClean="0">
-                  <a:solidFill>
-                    <a:schemeClr val="tx1"/>
-                  </a:solidFill>
-                  <a:latin typeface="+mj-lt"/>
-                </a:rPr>
-                <a:t>Moving]</a:t>
+                <a:t>Maintain[Doors Closed While Moving]</a:t>
               </a:r>
               <a:endParaRPr lang="fr-BE" sz="1300" b="1" noProof="1">
                 <a:solidFill>
@@ -23713,25 +24924,7 @@
                   </a:solidFill>
                   <a:latin typeface="+mj-lt"/>
                 </a:rPr>
-                <a:t>Maintain</a:t>
-              </a:r>
-              <a:r>
-                <a:rPr lang="fr-BE" sz="1300" b="1" noProof="1" smtClean="0">
-                  <a:solidFill>
-                    <a:schemeClr val="tx1"/>
-                  </a:solidFill>
-                  <a:latin typeface="+mj-lt"/>
-                </a:rPr>
-                <a:t>[Safe </a:t>
-              </a:r>
-              <a:r>
-                <a:rPr lang="fr-BE" sz="1300" b="1" noProof="1" smtClean="0">
-                  <a:solidFill>
-                    <a:schemeClr val="tx1"/>
-                  </a:solidFill>
-                  <a:latin typeface="+mj-lt"/>
-                </a:rPr>
-                <a:t>Transportation]</a:t>
+                <a:t>Maintain[Safe Transportation]</a:t>
               </a:r>
               <a:endParaRPr lang="fr-BE" sz="1300" b="1" noProof="1">
                 <a:solidFill>
@@ -24016,19 +25209,7 @@
                 <a:rPr lang="fr-BE" sz="1300" b="1" noProof="1" smtClean="0">
                   <a:latin typeface="+mj-lt"/>
                 </a:rPr>
-                <a:t>Starting</a:t>
-              </a:r>
-              <a:r>
-                <a:rPr lang="fr-BE" sz="1300" b="1" noProof="1" smtClean="0">
-                  <a:latin typeface="+mj-lt"/>
-                </a:rPr>
-                <a:t> </a:t>
-              </a:r>
-              <a:r>
-                <a:rPr lang="fr-BE" sz="1300" b="1" noProof="1" smtClean="0">
-                  <a:latin typeface="+mj-lt"/>
-                </a:rPr>
-                <a:t>train</a:t>
+                <a:t>Starting train</a:t>
               </a:r>
               <a:endParaRPr lang="fr-BE" sz="1300" b="1" noProof="1">
                 <a:latin typeface="+mj-lt"/>
@@ -24075,13 +25256,7 @@
                 <a:rPr lang="fr-BE" sz="1300" b="1" noProof="1" smtClean="0">
                   <a:latin typeface="+mj-lt"/>
                 </a:rPr>
-                <a:t>Pressing </a:t>
-              </a:r>
-              <a:r>
-                <a:rPr lang="fr-BE" sz="1300" b="1" noProof="1" smtClean="0">
-                  <a:latin typeface="+mj-lt"/>
-                </a:rPr>
-                <a:t>alarm</a:t>
+                <a:t>Pressing alarm</a:t>
               </a:r>
               <a:endParaRPr lang="fr-BE" sz="1300" b="1" noProof="1">
                 <a:latin typeface="+mj-lt"/>
@@ -24128,13 +25303,7 @@
                 <a:rPr lang="fr-BE" sz="1300" b="1" noProof="1" smtClean="0">
                   <a:latin typeface="+mj-lt"/>
                 </a:rPr>
-                <a:t>Stopping</a:t>
-              </a:r>
-              <a:r>
-                <a:rPr lang="fr-BE" sz="1300" b="1" noProof="1" smtClean="0">
-                  <a:latin typeface="+mj-lt"/>
-                </a:rPr>
-                <a:t> &amp; </a:t>
+                <a:t>Stopping &amp; </a:t>
               </a:r>
               <a:br>
                 <a:rPr lang="fr-BE" sz="1300" b="1" noProof="1" smtClean="0">
@@ -24145,17 +25314,8 @@
                 <a:rPr lang="fr-BE" sz="1300" b="1" noProof="1" smtClean="0">
                   <a:latin typeface="+mj-lt"/>
                 </a:rPr>
-                <a:t>Opening </a:t>
-              </a:r>
-              <a:r>
-                <a:rPr lang="fr-BE" sz="1300" b="1" noProof="1" smtClean="0">
-                  <a:latin typeface="+mj-lt"/>
-                </a:rPr>
-                <a:t>doors</a:t>
-              </a:r>
-              <a:endParaRPr lang="fr-BE" sz="1300" b="1" noProof="1" smtClean="0">
-                <a:latin typeface="+mj-lt"/>
-              </a:endParaRPr>
+                <a:t>Opening doors</a:t>
+              </a:r>
             </a:p>
           </p:txBody>
         </p:sp>
@@ -24198,19 +25358,7 @@
                 <a:rPr lang="fr-BE" sz="1300" b="1" noProof="1" smtClean="0">
                   <a:latin typeface="+mj-lt"/>
                 </a:rPr>
-                <a:t>Closing</a:t>
-              </a:r>
-              <a:r>
-                <a:rPr lang="fr-BE" sz="1300" b="1" noProof="1" smtClean="0">
-                  <a:latin typeface="+mj-lt"/>
-                </a:rPr>
-                <a:t> </a:t>
-              </a:r>
-              <a:r>
-                <a:rPr lang="fr-BE" sz="1300" b="1" noProof="1" smtClean="0">
-                  <a:latin typeface="+mj-lt"/>
-                </a:rPr>
-                <a:t>doors</a:t>
+                <a:t>Closing doors</a:t>
               </a:r>
               <a:endParaRPr lang="fr-BE" sz="1300" b="1" noProof="1">
                 <a:latin typeface="+mj-lt"/>
@@ -24629,9 +25777,6 @@
                 </a:rPr>
                 <a:t>Engine</a:t>
               </a:r>
-              <a:endParaRPr lang="fr-BE" sz="1300" b="1" noProof="1" smtClean="0">
-                <a:latin typeface="+mj-lt"/>
-              </a:endParaRPr>
             </a:p>
           </p:txBody>
         </p:sp>
@@ -24676,9 +25821,6 @@
                 </a:rPr>
                 <a:t>Doors</a:t>
               </a:r>
-              <a:endParaRPr lang="fr-BE" sz="1300" b="1" noProof="1" smtClean="0">
-                <a:latin typeface="+mj-lt"/>
-              </a:endParaRPr>
             </a:p>
           </p:txBody>
         </p:sp>
@@ -25168,13 +26310,7 @@
                 <a:rPr lang="fr-BE" sz="1300" b="1" noProof="1" smtClean="0">
                   <a:latin typeface="+mj-lt"/>
                 </a:rPr>
-                <a:t>Collect</a:t>
-              </a:r>
-              <a:r>
-                <a:rPr lang="fr-BE" sz="1300" b="1" noProof="1" smtClean="0">
-                  <a:latin typeface="+mj-lt"/>
-                </a:rPr>
-                <a:t> </a:t>
+                <a:t>Collect </a:t>
               </a:r>
               <a:br>
                 <a:rPr lang="fr-BE" sz="1300" b="1" noProof="1" smtClean="0">
@@ -25232,13 +26368,7 @@
                 <a:rPr lang="fr-BE" sz="1300" b="1" noProof="1" smtClean="0">
                   <a:latin typeface="+mj-lt"/>
                 </a:rPr>
-                <a:t>Weaken</a:t>
-              </a:r>
-              <a:r>
-                <a:rPr lang="fr-BE" sz="1300" b="1" noProof="1" smtClean="0">
-                  <a:latin typeface="+mj-lt"/>
-                </a:rPr>
-                <a:t> </a:t>
+                <a:t>Weaken </a:t>
               </a:r>
               <a:br>
                 <a:rPr lang="fr-BE" sz="1300" b="1" noProof="1" smtClean="0">
@@ -25298,9 +26428,6 @@
                 </a:rPr>
                 <a:t>Schedule</a:t>
               </a:r>
-              <a:endParaRPr lang="fr-BE" sz="1300" b="1" noProof="1" smtClean="0">
-                <a:latin typeface="+mj-lt"/>
-              </a:endParaRPr>
             </a:p>
           </p:txBody>
         </p:sp>

--- a/writing/images/train.pptx
+++ b/writing/images/train.pptx
@@ -5,7 +5,7 @@
     <p:sldMasterId id="2147483648" r:id="rId1"/>
   </p:sldMasterIdLst>
   <p:notesMasterIdLst>
-    <p:notesMasterId r:id="rId21"/>
+    <p:notesMasterId r:id="rId23"/>
   </p:notesMasterIdLst>
   <p:sldIdLst>
     <p:sldId id="256" r:id="rId2"/>
@@ -27,6 +27,8 @@
     <p:sldId id="274" r:id="rId18"/>
     <p:sldId id="275" r:id="rId19"/>
     <p:sldId id="276" r:id="rId20"/>
+    <p:sldId id="278" r:id="rId21"/>
+    <p:sldId id="279" r:id="rId22"/>
   </p:sldIdLst>
   <p:sldSz cx="9144000" cy="6858000" type="screen4x3"/>
   <p:notesSz cx="6858000" cy="9144000"/>
@@ -211,7 +213,7 @@
             <a:fld id="{1A5CA47D-05BA-47C5-ACE1-040A60204EDF}" type="datetimeFigureOut">
               <a:rPr lang="fr-FR" smtClean="0"/>
               <a:pPr/>
-              <a:t>17/08/2011</a:t>
+              <a:t>25/08/2011</a:t>
             </a:fld>
             <a:endParaRPr lang="fr-BE"/>
           </a:p>
@@ -741,7 +743,7 @@
             <a:fld id="{68BDF4EC-5B70-45D8-B718-E56EB4C6B13E}" type="datetimeFigureOut">
               <a:rPr lang="fr-BE" smtClean="0"/>
               <a:pPr/>
-              <a:t>17/08/2011</a:t>
+              <a:t>25/08/2011</a:t>
             </a:fld>
             <a:endParaRPr lang="fr-BE"/>
           </a:p>
@@ -908,7 +910,7 @@
             <a:fld id="{68BDF4EC-5B70-45D8-B718-E56EB4C6B13E}" type="datetimeFigureOut">
               <a:rPr lang="fr-BE" smtClean="0"/>
               <a:pPr/>
-              <a:t>17/08/2011</a:t>
+              <a:t>25/08/2011</a:t>
             </a:fld>
             <a:endParaRPr lang="fr-BE"/>
           </a:p>
@@ -1085,7 +1087,7 @@
             <a:fld id="{68BDF4EC-5B70-45D8-B718-E56EB4C6B13E}" type="datetimeFigureOut">
               <a:rPr lang="fr-BE" smtClean="0"/>
               <a:pPr/>
-              <a:t>17/08/2011</a:t>
+              <a:t>25/08/2011</a:t>
             </a:fld>
             <a:endParaRPr lang="fr-BE"/>
           </a:p>
@@ -1252,7 +1254,7 @@
             <a:fld id="{68BDF4EC-5B70-45D8-B718-E56EB4C6B13E}" type="datetimeFigureOut">
               <a:rPr lang="fr-BE" smtClean="0"/>
               <a:pPr/>
-              <a:t>17/08/2011</a:t>
+              <a:t>25/08/2011</a:t>
             </a:fld>
             <a:endParaRPr lang="fr-BE"/>
           </a:p>
@@ -1495,7 +1497,7 @@
             <a:fld id="{68BDF4EC-5B70-45D8-B718-E56EB4C6B13E}" type="datetimeFigureOut">
               <a:rPr lang="fr-BE" smtClean="0"/>
               <a:pPr/>
-              <a:t>17/08/2011</a:t>
+              <a:t>25/08/2011</a:t>
             </a:fld>
             <a:endParaRPr lang="fr-BE"/>
           </a:p>
@@ -1780,7 +1782,7 @@
             <a:fld id="{68BDF4EC-5B70-45D8-B718-E56EB4C6B13E}" type="datetimeFigureOut">
               <a:rPr lang="fr-BE" smtClean="0"/>
               <a:pPr/>
-              <a:t>17/08/2011</a:t>
+              <a:t>25/08/2011</a:t>
             </a:fld>
             <a:endParaRPr lang="fr-BE"/>
           </a:p>
@@ -2199,7 +2201,7 @@
             <a:fld id="{68BDF4EC-5B70-45D8-B718-E56EB4C6B13E}" type="datetimeFigureOut">
               <a:rPr lang="fr-BE" smtClean="0"/>
               <a:pPr/>
-              <a:t>17/08/2011</a:t>
+              <a:t>25/08/2011</a:t>
             </a:fld>
             <a:endParaRPr lang="fr-BE"/>
           </a:p>
@@ -2314,7 +2316,7 @@
             <a:fld id="{68BDF4EC-5B70-45D8-B718-E56EB4C6B13E}" type="datetimeFigureOut">
               <a:rPr lang="fr-BE" smtClean="0"/>
               <a:pPr/>
-              <a:t>17/08/2011</a:t>
+              <a:t>25/08/2011</a:t>
             </a:fld>
             <a:endParaRPr lang="fr-BE"/>
           </a:p>
@@ -2406,7 +2408,7 @@
             <a:fld id="{68BDF4EC-5B70-45D8-B718-E56EB4C6B13E}" type="datetimeFigureOut">
               <a:rPr lang="fr-BE" smtClean="0"/>
               <a:pPr/>
-              <a:t>17/08/2011</a:t>
+              <a:t>25/08/2011</a:t>
             </a:fld>
             <a:endParaRPr lang="fr-BE"/>
           </a:p>
@@ -2680,7 +2682,7 @@
             <a:fld id="{68BDF4EC-5B70-45D8-B718-E56EB4C6B13E}" type="datetimeFigureOut">
               <a:rPr lang="fr-BE" smtClean="0"/>
               <a:pPr/>
-              <a:t>17/08/2011</a:t>
+              <a:t>25/08/2011</a:t>
             </a:fld>
             <a:endParaRPr lang="fr-BE"/>
           </a:p>
@@ -2930,7 +2932,7 @@
             <a:fld id="{68BDF4EC-5B70-45D8-B718-E56EB4C6B13E}" type="datetimeFigureOut">
               <a:rPr lang="fr-BE" smtClean="0"/>
               <a:pPr/>
-              <a:t>17/08/2011</a:t>
+              <a:t>25/08/2011</a:t>
             </a:fld>
             <a:endParaRPr lang="fr-BE"/>
           </a:p>
@@ -3140,7 +3142,7 @@
             <a:fld id="{68BDF4EC-5B70-45D8-B718-E56EB4C6B13E}" type="datetimeFigureOut">
               <a:rPr lang="fr-BE" smtClean="0"/>
               <a:pPr/>
-              <a:t>17/08/2011</a:t>
+              <a:t>25/08/2011</a:t>
             </a:fld>
             <a:endParaRPr lang="fr-BE"/>
           </a:p>
@@ -17494,7 +17496,7 @@
         <p:spPr>
           <a:xfrm>
             <a:off x="179512" y="908720"/>
-            <a:ext cx="8784976" cy="5112568"/>
+            <a:ext cx="8784976" cy="4824536"/>
           </a:xfrm>
           <a:prstGeom prst="rect">
             <a:avLst/>
@@ -17536,9 +17538,9 @@
         <p:grpSpPr>
           <a:xfrm>
             <a:off x="323528" y="1124744"/>
-            <a:ext cx="8568952" cy="4689812"/>
+            <a:ext cx="8568952" cy="4464496"/>
             <a:chOff x="323528" y="1124744"/>
-            <a:chExt cx="8568952" cy="4689812"/>
+            <a:chExt cx="8568952" cy="4464496"/>
           </a:xfrm>
         </p:grpSpPr>
         <p:sp>
@@ -17577,23 +17579,22 @@
               <a:pPr algn="ctr"/>
               <a:r>
                 <a:rPr lang="fr-BE" noProof="1" smtClean="0"/>
-                <a:t>Automaton</a:t>
+                <a:t>Automaton </a:t>
               </a:r>
               <a:r>
                 <a:rPr lang="fr-BE" noProof="1" smtClean="0"/>
-                <a:t> </a:t>
+                <a:t>toolkit </a:t>
+              </a:r>
+              <a:br>
+                <a:rPr lang="fr-BE" noProof="1" smtClean="0"/>
+              </a:br>
+              <a:r>
+                <a:rPr lang="fr-BE" noProof="1" smtClean="0"/>
+                <a:t>(</a:t>
               </a:r>
               <a:r>
                 <a:rPr lang="fr-BE" noProof="1" smtClean="0"/>
-                <a:t>Toolkit (LTS + g-LTS)</a:t>
-              </a:r>
-              <a:endParaRPr lang="fr-BE" noProof="1" smtClean="0"/>
-            </a:p>
-            <a:p>
-              <a:pPr algn="ctr"/>
-              <a:r>
-                <a:rPr lang="fr-BE" noProof="1" smtClean="0"/>
-                <a:t>(stamina)</a:t>
+                <a:t>stamina)</a:t>
               </a:r>
               <a:endParaRPr lang="fr-BE" noProof="1"/>
             </a:p>
@@ -17637,7 +17638,6 @@
                 <a:rPr lang="fr-BE" noProof="1" smtClean="0"/>
                 <a:t>Graph Toolkit </a:t>
               </a:r>
-              <a:endParaRPr lang="fr-BE" noProof="1" smtClean="0"/>
             </a:p>
             <a:p>
               <a:pPr algn="ctr"/>
@@ -17726,15 +17726,16 @@
               <a:pPr algn="ctr"/>
               <a:r>
                 <a:rPr lang="fr-BE" noProof="1" smtClean="0"/>
-                <a:t>Pathway</a:t>
+                <a:t>Rich </a:t>
               </a:r>
             </a:p>
             <a:p>
               <a:pPr algn="ctr"/>
               <a:r>
                 <a:rPr lang="fr-BE" noProof="1" smtClean="0"/>
-                <a:t>Rich Model</a:t>
+                <a:t>Pathway Model</a:t>
               </a:r>
+              <a:endParaRPr lang="fr-BE" noProof="1" smtClean="0"/>
             </a:p>
           </p:txBody>
         </p:sp>
@@ -17774,7 +17775,22 @@
               <a:pPr algn="ctr"/>
               <a:r>
                 <a:rPr lang="fr-BE" noProof="1" smtClean="0"/>
-                <a:t>Binary Decision Diagrams  (Buddy)</a:t>
+                <a:t>Binary Decision Diagrams  </a:t>
+              </a:r>
+              <a:r>
+                <a:rPr lang="fr-BE" noProof="1" smtClean="0"/>
+                <a:t/>
+              </a:r>
+              <a:br>
+                <a:rPr lang="fr-BE" noProof="1" smtClean="0"/>
+              </a:br>
+              <a:r>
+                <a:rPr lang="fr-BE" noProof="1" smtClean="0"/>
+                <a:t>(</a:t>
+              </a:r>
+              <a:r>
+                <a:rPr lang="fr-BE" noProof="1" smtClean="0"/>
+                <a:t>Buddy)</a:t>
               </a:r>
               <a:endParaRPr lang="fr-BE" noProof="1"/>
             </a:p>
@@ -17816,7 +17832,15 @@
               <a:pPr algn="ctr"/>
               <a:r>
                 <a:rPr lang="fr-BE" noProof="1" smtClean="0"/>
-                <a:t>Parsing &amp; AST Rewriting (anagram)</a:t>
+                <a:t>Parsing &amp; AST </a:t>
+              </a:r>
+              <a:r>
+                <a:rPr lang="fr-BE" noProof="1" smtClean="0"/>
+                <a:t>rewriting </a:t>
+              </a:r>
+              <a:r>
+                <a:rPr lang="fr-BE" noProof="1" smtClean="0"/>
+                <a:t>(anagram)</a:t>
               </a:r>
               <a:endParaRPr lang="fr-BE" noProof="1"/>
             </a:p>
@@ -17858,15 +17882,16 @@
               <a:pPr algn="ctr"/>
               <a:r>
                 <a:rPr lang="fr-BE" noProof="1" smtClean="0"/>
-                <a:t>Pathway </a:t>
+                <a:t>Process</a:t>
               </a:r>
             </a:p>
             <a:p>
               <a:pPr algn="ctr"/>
               <a:r>
                 <a:rPr lang="fr-BE" noProof="1" smtClean="0"/>
-                <a:t>Analyser</a:t>
+                <a:t>analyzer</a:t>
               </a:r>
+              <a:endParaRPr lang="fr-BE" noProof="1" smtClean="0"/>
             </a:p>
           </p:txBody>
         </p:sp>
@@ -17908,7 +17933,6 @@
                 <a:rPr lang="fr-BE" noProof="1" smtClean="0"/>
                 <a:t>Graphviz dot </a:t>
               </a:r>
-              <a:endParaRPr lang="fr-BE" noProof="1" smtClean="0"/>
             </a:p>
             <a:p>
               <a:pPr algn="ctr"/>
@@ -17956,15 +17980,20 @@
               <a:pPr algn="ctr"/>
               <a:r>
                 <a:rPr lang="fr-BE" noProof="1" smtClean="0"/>
-                <a:t>Pathway </a:t>
+                <a:t>Process </a:t>
               </a:r>
             </a:p>
             <a:p>
               <a:pPr algn="ctr"/>
               <a:r>
                 <a:rPr lang="fr-BE" noProof="1" smtClean="0"/>
-                <a:t>Converter</a:t>
+                <a:t>r</a:t>
               </a:r>
+              <a:r>
+                <a:rPr lang="fr-BE" noProof="1" smtClean="0"/>
+                <a:t>ewriting</a:t>
+              </a:r>
+              <a:endParaRPr lang="fr-BE" noProof="1" smtClean="0"/>
             </a:p>
           </p:txBody>
         </p:sp>
@@ -18336,7 +18365,22 @@
               <a:pPr algn="ctr"/>
               <a:r>
                 <a:rPr lang="fr-BE" noProof="1" smtClean="0"/>
-                <a:t>SQL Persistence (sqlite)</a:t>
+                <a:t>SQL Persistence </a:t>
+              </a:r>
+              <a:r>
+                <a:rPr lang="fr-BE" noProof="1" smtClean="0"/>
+                <a:t/>
+              </a:r>
+              <a:br>
+                <a:rPr lang="fr-BE" noProof="1" smtClean="0"/>
+              </a:br>
+              <a:r>
+                <a:rPr lang="fr-BE" noProof="1" smtClean="0"/>
+                <a:t>(</a:t>
+              </a:r>
+              <a:r>
+                <a:rPr lang="fr-BE" noProof="1" smtClean="0"/>
+                <a:t>sqlite)</a:t>
               </a:r>
             </a:p>
           </p:txBody>
@@ -18377,7 +18421,14 @@
               <a:pPr algn="ctr"/>
               <a:r>
                 <a:rPr lang="fr-BE" noProof="1" smtClean="0"/>
-                <a:t>Pathway language</a:t>
+                <a:t>Process</a:t>
+              </a:r>
+              <a:br>
+                <a:rPr lang="fr-BE" noProof="1" smtClean="0"/>
+              </a:br>
+              <a:r>
+                <a:rPr lang="fr-BE" noProof="1" smtClean="0"/>
+                <a:t>language</a:t>
               </a:r>
               <a:endParaRPr lang="fr-BE" noProof="1"/>
             </a:p>
@@ -18429,9 +18480,9 @@
           </p:nvGrpSpPr>
           <p:grpSpPr>
             <a:xfrm>
-              <a:off x="7740352" y="5445224"/>
+              <a:off x="7740352" y="5219908"/>
               <a:ext cx="1152128" cy="369332"/>
-              <a:chOff x="899592" y="5445224"/>
+              <a:chOff x="899592" y="5219908"/>
               <a:chExt cx="1152128" cy="369332"/>
             </a:xfrm>
           </p:grpSpPr>
@@ -18443,7 +18494,7 @@
             </p:nvCxnSpPr>
             <p:spPr>
               <a:xfrm>
-                <a:off x="899592" y="5805264"/>
+                <a:off x="899592" y="5579948"/>
                 <a:ext cx="1152128" cy="1588"/>
               </a:xfrm>
               <a:prstGeom prst="bentConnector3">
@@ -18478,7 +18529,7 @@
             </p:nvSpPr>
             <p:spPr>
               <a:xfrm>
-                <a:off x="1187624" y="5445224"/>
+                <a:off x="1187624" y="5219908"/>
                 <a:ext cx="537327" cy="369332"/>
               </a:xfrm>
               <a:prstGeom prst="rect">
@@ -20337,6 +20388,3485 @@
             </a:p>
           </p:txBody>
         </p:sp>
+      </p:grpSp>
+    </p:spTree>
+  </p:cSld>
+  <p:clrMapOvr>
+    <a:masterClrMapping/>
+  </p:clrMapOvr>
+</p:sld>
+</file>
+
+<file path=ppt/slides/slide20.xml><?xml version="1.0" encoding="utf-8"?>
+<p:sld xmlns:a="http://schemas.openxmlformats.org/drawingml/2006/main" xmlns:r="http://schemas.openxmlformats.org/officeDocument/2006/relationships" xmlns:p="http://schemas.openxmlformats.org/presentationml/2006/main">
+  <p:cSld>
+    <p:spTree>
+      <p:nvGrpSpPr>
+        <p:cNvPr id="1" name=""/>
+        <p:cNvGrpSpPr/>
+        <p:nvPr/>
+      </p:nvGrpSpPr>
+      <p:grpSpPr>
+        <a:xfrm>
+          <a:off x="0" y="0"/>
+          <a:ext cx="0" cy="0"/>
+          <a:chOff x="0" y="0"/>
+          <a:chExt cx="0" cy="0"/>
+        </a:xfrm>
+      </p:grpSpPr>
+      <p:grpSp>
+        <p:nvGrpSpPr>
+          <p:cNvPr id="4" name="Groupe 3"/>
+          <p:cNvGrpSpPr/>
+          <p:nvPr/>
+        </p:nvGrpSpPr>
+        <p:grpSpPr>
+          <a:xfrm>
+            <a:off x="1187624" y="1412776"/>
+            <a:ext cx="6408712" cy="3672408"/>
+            <a:chOff x="1403648" y="1700808"/>
+            <a:chExt cx="6408712" cy="3672408"/>
+          </a:xfrm>
+        </p:grpSpPr>
+        <p:sp>
+          <p:nvSpPr>
+            <p:cNvPr id="5" name="Rectangle 4"/>
+            <p:cNvSpPr/>
+            <p:nvPr/>
+          </p:nvSpPr>
+          <p:spPr>
+            <a:xfrm>
+              <a:off x="1403648" y="1700808"/>
+              <a:ext cx="6408712" cy="3672408"/>
+            </a:xfrm>
+            <a:prstGeom prst="rect">
+              <a:avLst/>
+            </a:prstGeom>
+            <a:solidFill>
+              <a:schemeClr val="bg1"/>
+            </a:solidFill>
+            <a:ln w="3175"/>
+          </p:spPr>
+          <p:style>
+            <a:lnRef idx="2">
+              <a:schemeClr val="dk1"/>
+            </a:lnRef>
+            <a:fillRef idx="1">
+              <a:schemeClr val="lt1"/>
+            </a:fillRef>
+            <a:effectRef idx="0">
+              <a:schemeClr val="dk1"/>
+            </a:effectRef>
+            <a:fontRef idx="minor">
+              <a:schemeClr val="dk1"/>
+            </a:fontRef>
+          </p:style>
+          <p:txBody>
+            <a:bodyPr rtlCol="0" anchor="ctr"/>
+            <a:lstStyle/>
+            <a:p>
+              <a:pPr algn="ctr"/>
+              <a:endParaRPr lang="fr-BE"/>
+            </a:p>
+          </p:txBody>
+        </p:sp>
+        <p:sp>
+          <p:nvSpPr>
+            <p:cNvPr id="6" name="Rectangle à coins arrondis 5"/>
+            <p:cNvSpPr/>
+            <p:nvPr/>
+          </p:nvSpPr>
+          <p:spPr>
+            <a:xfrm>
+              <a:off x="4932040" y="3573016"/>
+              <a:ext cx="2664296" cy="648000"/>
+            </a:xfrm>
+            <a:prstGeom prst="roundRect">
+              <a:avLst/>
+            </a:prstGeom>
+          </p:spPr>
+          <p:style>
+            <a:lnRef idx="2">
+              <a:schemeClr val="dk1"/>
+            </a:lnRef>
+            <a:fillRef idx="1">
+              <a:schemeClr val="lt1"/>
+            </a:fillRef>
+            <a:effectRef idx="0">
+              <a:schemeClr val="dk1"/>
+            </a:effectRef>
+            <a:fontRef idx="minor">
+              <a:schemeClr val="dk1"/>
+            </a:fontRef>
+          </p:style>
+          <p:txBody>
+            <a:bodyPr rtlCol="0" anchor="ctr"/>
+            <a:lstStyle/>
+            <a:p>
+              <a:pPr algn="ctr"/>
+              <a:r>
+                <a:rPr lang="fr-BE" noProof="1" smtClean="0"/>
+                <a:t>Automaton </a:t>
+              </a:r>
+              <a:r>
+                <a:rPr lang="fr-BE" noProof="1" smtClean="0"/>
+                <a:t>Toolkit</a:t>
+              </a:r>
+              <a:endParaRPr lang="fr-BE" noProof="1" smtClean="0"/>
+            </a:p>
+            <a:p>
+              <a:pPr algn="ctr"/>
+              <a:r>
+                <a:rPr lang="fr-BE" noProof="1" smtClean="0"/>
+                <a:t>(Jail)</a:t>
+              </a:r>
+              <a:endParaRPr lang="fr-BE" noProof="1"/>
+            </a:p>
+          </p:txBody>
+        </p:sp>
+        <p:sp>
+          <p:nvSpPr>
+            <p:cNvPr id="7" name="Rectangle à coins arrondis 6"/>
+            <p:cNvSpPr/>
+            <p:nvPr/>
+          </p:nvSpPr>
+          <p:spPr>
+            <a:xfrm>
+              <a:off x="4932040" y="4509192"/>
+              <a:ext cx="2664296" cy="648000"/>
+            </a:xfrm>
+            <a:prstGeom prst="roundRect">
+              <a:avLst/>
+            </a:prstGeom>
+          </p:spPr>
+          <p:style>
+            <a:lnRef idx="2">
+              <a:schemeClr val="dk1"/>
+            </a:lnRef>
+            <a:fillRef idx="1">
+              <a:schemeClr val="lt1"/>
+            </a:fillRef>
+            <a:effectRef idx="0">
+              <a:schemeClr val="dk1"/>
+            </a:effectRef>
+            <a:fontRef idx="minor">
+              <a:schemeClr val="dk1"/>
+            </a:fontRef>
+          </p:style>
+          <p:txBody>
+            <a:bodyPr rtlCol="0" anchor="ctr"/>
+            <a:lstStyle/>
+            <a:p>
+              <a:pPr algn="ctr"/>
+              <a:r>
+                <a:rPr lang="fr-BE" noProof="1" smtClean="0"/>
+                <a:t>LTL2Buchi</a:t>
+              </a:r>
+              <a:endParaRPr lang="fr-BE" noProof="1" smtClean="0"/>
+            </a:p>
+          </p:txBody>
+        </p:sp>
+        <p:sp>
+          <p:nvSpPr>
+            <p:cNvPr id="8" name="Rectangle à coins arrondis 7"/>
+            <p:cNvSpPr/>
+            <p:nvPr/>
+          </p:nvSpPr>
+          <p:spPr>
+            <a:xfrm>
+              <a:off x="1619672" y="1916832"/>
+              <a:ext cx="1080120" cy="3240360"/>
+            </a:xfrm>
+            <a:prstGeom prst="roundRect">
+              <a:avLst/>
+            </a:prstGeom>
+          </p:spPr>
+          <p:style>
+            <a:lnRef idx="2">
+              <a:schemeClr val="dk1"/>
+            </a:lnRef>
+            <a:fillRef idx="1">
+              <a:schemeClr val="lt1"/>
+            </a:fillRef>
+            <a:effectRef idx="0">
+              <a:schemeClr val="dk1"/>
+            </a:effectRef>
+            <a:fontRef idx="minor">
+              <a:schemeClr val="dk1"/>
+            </a:fontRef>
+          </p:style>
+          <p:txBody>
+            <a:bodyPr rtlCol="0" anchor="ctr"/>
+            <a:lstStyle/>
+            <a:p>
+              <a:pPr algn="ctr"/>
+              <a:r>
+                <a:rPr lang="fr-BE" noProof="1" smtClean="0"/>
+                <a:t>Model</a:t>
+              </a:r>
+            </a:p>
+            <a:p>
+              <a:pPr algn="ctr"/>
+              <a:r>
+                <a:rPr lang="fr-BE" noProof="1" smtClean="0"/>
+                <a:t>Checker</a:t>
+              </a:r>
+            </a:p>
+          </p:txBody>
+        </p:sp>
+        <p:sp>
+          <p:nvSpPr>
+            <p:cNvPr id="9" name="Rectangle à coins arrondis 8"/>
+            <p:cNvSpPr/>
+            <p:nvPr/>
+          </p:nvSpPr>
+          <p:spPr>
+            <a:xfrm>
+              <a:off x="4932040" y="2636984"/>
+              <a:ext cx="2664592" cy="648000"/>
+            </a:xfrm>
+            <a:prstGeom prst="roundRect">
+              <a:avLst/>
+            </a:prstGeom>
+          </p:spPr>
+          <p:style>
+            <a:lnRef idx="2">
+              <a:schemeClr val="dk1"/>
+            </a:lnRef>
+            <a:fillRef idx="1">
+              <a:schemeClr val="lt1"/>
+            </a:fillRef>
+            <a:effectRef idx="0">
+              <a:schemeClr val="dk1"/>
+            </a:effectRef>
+            <a:fontRef idx="minor">
+              <a:schemeClr val="dk1"/>
+            </a:fontRef>
+          </p:style>
+          <p:txBody>
+            <a:bodyPr rtlCol="0" anchor="ctr"/>
+            <a:lstStyle/>
+            <a:p>
+              <a:pPr algn="ctr"/>
+              <a:r>
+                <a:rPr lang="fr-BE" noProof="1" smtClean="0"/>
+                <a:t>Binary Decision Diagrams  </a:t>
+              </a:r>
+              <a:endParaRPr lang="fr-BE" noProof="1" smtClean="0"/>
+            </a:p>
+            <a:p>
+              <a:pPr algn="ctr"/>
+              <a:r>
+                <a:rPr lang="fr-BE" noProof="1" smtClean="0"/>
+                <a:t>(JBuddy</a:t>
+              </a:r>
+              <a:r>
+                <a:rPr lang="fr-BE" noProof="1" smtClean="0"/>
+                <a:t>)</a:t>
+              </a:r>
+              <a:endParaRPr lang="fr-BE" noProof="1"/>
+            </a:p>
+          </p:txBody>
+        </p:sp>
+        <p:sp>
+          <p:nvSpPr>
+            <p:cNvPr id="10" name="Rectangle à coins arrondis 9"/>
+            <p:cNvSpPr/>
+            <p:nvPr/>
+          </p:nvSpPr>
+          <p:spPr>
+            <a:xfrm>
+              <a:off x="3059832" y="3112084"/>
+              <a:ext cx="1512168" cy="648000"/>
+            </a:xfrm>
+            <a:prstGeom prst="roundRect">
+              <a:avLst/>
+            </a:prstGeom>
+          </p:spPr>
+          <p:style>
+            <a:lnRef idx="2">
+              <a:schemeClr val="dk1"/>
+            </a:lnRef>
+            <a:fillRef idx="1">
+              <a:schemeClr val="lt1"/>
+            </a:fillRef>
+            <a:effectRef idx="0">
+              <a:schemeClr val="dk1"/>
+            </a:effectRef>
+            <a:fontRef idx="minor">
+              <a:schemeClr val="dk1"/>
+            </a:fontRef>
+          </p:style>
+          <p:txBody>
+            <a:bodyPr rtlCol="0" anchor="ctr"/>
+            <a:lstStyle/>
+            <a:p>
+              <a:pPr algn="ctr"/>
+              <a:r>
+                <a:rPr lang="fr-BE" noProof="1" smtClean="0"/>
+                <a:t>g-</a:t>
+              </a:r>
+              <a:r>
+                <a:rPr lang="fr-BE" noProof="1" smtClean="0"/>
+                <a:t>LTS</a:t>
+              </a:r>
+              <a:endParaRPr lang="fr-BE" noProof="1" smtClean="0"/>
+            </a:p>
+          </p:txBody>
+        </p:sp>
+        <p:sp>
+          <p:nvSpPr>
+            <p:cNvPr id="11" name="Rectangle à coins arrondis 10"/>
+            <p:cNvSpPr/>
+            <p:nvPr/>
+          </p:nvSpPr>
+          <p:spPr>
+            <a:xfrm>
+              <a:off x="3059832" y="4509192"/>
+              <a:ext cx="1512168" cy="648000"/>
+            </a:xfrm>
+            <a:prstGeom prst="roundRect">
+              <a:avLst/>
+            </a:prstGeom>
+          </p:spPr>
+          <p:style>
+            <a:lnRef idx="2">
+              <a:schemeClr val="dk1"/>
+            </a:lnRef>
+            <a:fillRef idx="1">
+              <a:schemeClr val="lt1"/>
+            </a:fillRef>
+            <a:effectRef idx="0">
+              <a:schemeClr val="dk1"/>
+            </a:effectRef>
+            <a:fontRef idx="minor">
+              <a:schemeClr val="dk1"/>
+            </a:fontRef>
+          </p:style>
+          <p:txBody>
+            <a:bodyPr rtlCol="0" anchor="ctr"/>
+            <a:lstStyle/>
+            <a:p>
+              <a:pPr algn="ctr"/>
+              <a:r>
+                <a:rPr lang="fr-BE" noProof="1" smtClean="0"/>
+                <a:t>FLTL</a:t>
+              </a:r>
+              <a:endParaRPr lang="fr-BE" noProof="1" smtClean="0"/>
+            </a:p>
+          </p:txBody>
+        </p:sp>
+        <p:cxnSp>
+          <p:nvCxnSpPr>
+            <p:cNvPr id="12" name="Connecteur en angle 11"/>
+            <p:cNvCxnSpPr>
+              <a:stCxn id="11" idx="3"/>
+              <a:endCxn id="7" idx="1"/>
+            </p:cNvCxnSpPr>
+            <p:nvPr/>
+          </p:nvCxnSpPr>
+          <p:spPr>
+            <a:xfrm>
+              <a:off x="4572000" y="4833192"/>
+              <a:ext cx="360040" cy="1588"/>
+            </a:xfrm>
+            <a:prstGeom prst="bentConnector3">
+              <a:avLst>
+                <a:gd name="adj1" fmla="val 50000"/>
+              </a:avLst>
+            </a:prstGeom>
+            <a:ln>
+              <a:tailEnd type="arrow"/>
+            </a:ln>
+          </p:spPr>
+          <p:style>
+            <a:lnRef idx="2">
+              <a:schemeClr val="dk1"/>
+            </a:lnRef>
+            <a:fillRef idx="0">
+              <a:schemeClr val="dk1"/>
+            </a:fillRef>
+            <a:effectRef idx="1">
+              <a:schemeClr val="dk1"/>
+            </a:effectRef>
+            <a:fontRef idx="minor">
+              <a:schemeClr val="tx1"/>
+            </a:fontRef>
+          </p:style>
+        </p:cxnSp>
+        <p:cxnSp>
+          <p:nvCxnSpPr>
+            <p:cNvPr id="13" name="Connecteur en angle 26"/>
+            <p:cNvCxnSpPr>
+              <a:stCxn id="10" idx="2"/>
+              <a:endCxn id="6" idx="1"/>
+            </p:cNvCxnSpPr>
+            <p:nvPr/>
+          </p:nvCxnSpPr>
+          <p:spPr>
+            <a:xfrm rot="16200000" flipH="1">
+              <a:off x="4305512" y="3270488"/>
+              <a:ext cx="136932" cy="1116124"/>
+            </a:xfrm>
+            <a:prstGeom prst="bentConnector2">
+              <a:avLst/>
+            </a:prstGeom>
+            <a:ln>
+              <a:tailEnd type="arrow"/>
+            </a:ln>
+          </p:spPr>
+          <p:style>
+            <a:lnRef idx="2">
+              <a:schemeClr val="dk1"/>
+            </a:lnRef>
+            <a:fillRef idx="0">
+              <a:schemeClr val="dk1"/>
+            </a:fillRef>
+            <a:effectRef idx="1">
+              <a:schemeClr val="dk1"/>
+            </a:effectRef>
+            <a:fontRef idx="minor">
+              <a:schemeClr val="tx1"/>
+            </a:fontRef>
+          </p:style>
+        </p:cxnSp>
+        <p:cxnSp>
+          <p:nvCxnSpPr>
+            <p:cNvPr id="14" name="Connecteur en angle 26"/>
+            <p:cNvCxnSpPr>
+              <a:stCxn id="10" idx="0"/>
+              <a:endCxn id="9" idx="1"/>
+            </p:cNvCxnSpPr>
+            <p:nvPr/>
+          </p:nvCxnSpPr>
+          <p:spPr>
+            <a:xfrm rot="5400000" flipH="1" flipV="1">
+              <a:off x="4298428" y="2478472"/>
+              <a:ext cx="151100" cy="1116124"/>
+            </a:xfrm>
+            <a:prstGeom prst="bentConnector2">
+              <a:avLst/>
+            </a:prstGeom>
+            <a:ln>
+              <a:tailEnd type="arrow"/>
+            </a:ln>
+          </p:spPr>
+          <p:style>
+            <a:lnRef idx="2">
+              <a:schemeClr val="dk1"/>
+            </a:lnRef>
+            <a:fillRef idx="0">
+              <a:schemeClr val="dk1"/>
+            </a:fillRef>
+            <a:effectRef idx="1">
+              <a:schemeClr val="dk1"/>
+            </a:effectRef>
+            <a:fontRef idx="minor">
+              <a:schemeClr val="tx1"/>
+            </a:fontRef>
+          </p:style>
+        </p:cxnSp>
+        <p:cxnSp>
+          <p:nvCxnSpPr>
+            <p:cNvPr id="15" name="Connecteur en angle 26"/>
+            <p:cNvCxnSpPr>
+              <a:endCxn id="10" idx="1"/>
+            </p:cNvCxnSpPr>
+            <p:nvPr/>
+          </p:nvCxnSpPr>
+          <p:spPr>
+            <a:xfrm>
+              <a:off x="2699657" y="3436084"/>
+              <a:ext cx="360175" cy="0"/>
+            </a:xfrm>
+            <a:prstGeom prst="bentConnector3">
+              <a:avLst>
+                <a:gd name="adj1" fmla="val 50000"/>
+              </a:avLst>
+            </a:prstGeom>
+            <a:ln>
+              <a:tailEnd type="arrow"/>
+            </a:ln>
+          </p:spPr>
+          <p:style>
+            <a:lnRef idx="2">
+              <a:schemeClr val="dk1"/>
+            </a:lnRef>
+            <a:fillRef idx="0">
+              <a:schemeClr val="dk1"/>
+            </a:fillRef>
+            <a:effectRef idx="1">
+              <a:schemeClr val="dk1"/>
+            </a:effectRef>
+            <a:fontRef idx="minor">
+              <a:schemeClr val="tx1"/>
+            </a:fontRef>
+          </p:style>
+        </p:cxnSp>
+        <p:cxnSp>
+          <p:nvCxnSpPr>
+            <p:cNvPr id="16" name="Connecteur en angle 26"/>
+            <p:cNvCxnSpPr>
+              <a:endCxn id="11" idx="1"/>
+            </p:cNvCxnSpPr>
+            <p:nvPr/>
+          </p:nvCxnSpPr>
+          <p:spPr>
+            <a:xfrm>
+              <a:off x="2699792" y="4833192"/>
+              <a:ext cx="360040" cy="1588"/>
+            </a:xfrm>
+            <a:prstGeom prst="bentConnector3">
+              <a:avLst>
+                <a:gd name="adj1" fmla="val 50000"/>
+              </a:avLst>
+            </a:prstGeom>
+            <a:ln>
+              <a:tailEnd type="arrow"/>
+            </a:ln>
+          </p:spPr>
+          <p:style>
+            <a:lnRef idx="2">
+              <a:schemeClr val="dk1"/>
+            </a:lnRef>
+            <a:fillRef idx="0">
+              <a:schemeClr val="dk1"/>
+            </a:fillRef>
+            <a:effectRef idx="1">
+              <a:schemeClr val="dk1"/>
+            </a:effectRef>
+            <a:fontRef idx="minor">
+              <a:schemeClr val="tx1"/>
+            </a:fontRef>
+          </p:style>
+        </p:cxnSp>
+        <p:grpSp>
+          <p:nvGrpSpPr>
+            <p:cNvPr id="17" name="Groupe 89"/>
+            <p:cNvGrpSpPr/>
+            <p:nvPr/>
+          </p:nvGrpSpPr>
+          <p:grpSpPr>
+            <a:xfrm>
+              <a:off x="6444208" y="1844824"/>
+              <a:ext cx="1152128" cy="369332"/>
+              <a:chOff x="899592" y="5445224"/>
+              <a:chExt cx="1152128" cy="369332"/>
+            </a:xfrm>
+          </p:grpSpPr>
+          <p:cxnSp>
+            <p:nvCxnSpPr>
+              <p:cNvPr id="20" name="Connecteur en angle 26"/>
+              <p:cNvCxnSpPr/>
+              <p:nvPr/>
+            </p:nvCxnSpPr>
+            <p:spPr>
+              <a:xfrm>
+                <a:off x="899592" y="5805264"/>
+                <a:ext cx="1152128" cy="1588"/>
+              </a:xfrm>
+              <a:prstGeom prst="bentConnector3">
+                <a:avLst>
+                  <a:gd name="adj1" fmla="val 50000"/>
+                </a:avLst>
+              </a:prstGeom>
+              <a:ln>
+                <a:tailEnd type="arrow"/>
+              </a:ln>
+            </p:spPr>
+            <p:style>
+              <a:lnRef idx="2">
+                <a:schemeClr val="dk1"/>
+              </a:lnRef>
+              <a:fillRef idx="0">
+                <a:schemeClr val="dk1"/>
+              </a:fillRef>
+              <a:effectRef idx="1">
+                <a:schemeClr val="dk1"/>
+              </a:effectRef>
+              <a:fontRef idx="minor">
+                <a:schemeClr val="tx1"/>
+              </a:fontRef>
+            </p:style>
+          </p:cxnSp>
+          <p:sp>
+            <p:nvSpPr>
+              <p:cNvPr id="21" name="ZoneTexte 20"/>
+              <p:cNvSpPr txBox="1"/>
+              <p:nvPr/>
+            </p:nvSpPr>
+            <p:spPr>
+              <a:xfrm>
+                <a:off x="1187624" y="5445224"/>
+                <a:ext cx="537327" cy="369332"/>
+              </a:xfrm>
+              <a:prstGeom prst="rect">
+                <a:avLst/>
+              </a:prstGeom>
+              <a:noFill/>
+            </p:spPr>
+            <p:txBody>
+              <a:bodyPr wrap="none" rtlCol="0">
+                <a:spAutoFit/>
+              </a:bodyPr>
+              <a:lstStyle/>
+              <a:p>
+                <a:r>
+                  <a:rPr lang="fr-BE" dirty="0" smtClean="0"/>
+                  <a:t>Use</a:t>
+                </a:r>
+                <a:endParaRPr lang="fr-BE" dirty="0"/>
+              </a:p>
+            </p:txBody>
+          </p:sp>
+        </p:grpSp>
+        <p:sp>
+          <p:nvSpPr>
+            <p:cNvPr id="18" name="Rectangle à coins arrondis 17"/>
+            <p:cNvSpPr/>
+            <p:nvPr/>
+          </p:nvSpPr>
+          <p:spPr>
+            <a:xfrm>
+              <a:off x="3059832" y="1916832"/>
+              <a:ext cx="1512168" cy="648000"/>
+            </a:xfrm>
+            <a:prstGeom prst="roundRect">
+              <a:avLst/>
+            </a:prstGeom>
+          </p:spPr>
+          <p:style>
+            <a:lnRef idx="2">
+              <a:schemeClr val="dk1"/>
+            </a:lnRef>
+            <a:fillRef idx="1">
+              <a:schemeClr val="lt1"/>
+            </a:fillRef>
+            <a:effectRef idx="0">
+              <a:schemeClr val="dk1"/>
+            </a:effectRef>
+            <a:fontRef idx="minor">
+              <a:schemeClr val="dk1"/>
+            </a:fontRef>
+          </p:style>
+          <p:txBody>
+            <a:bodyPr rtlCol="0" anchor="ctr"/>
+            <a:lstStyle/>
+            <a:p>
+              <a:pPr algn="ctr"/>
+              <a:r>
+                <a:rPr lang="fr-BE" noProof="1" smtClean="0"/>
+                <a:t>g</a:t>
+              </a:r>
+              <a:r>
+                <a:rPr lang="fr-BE" noProof="1" smtClean="0"/>
+                <a:t>-hMSC</a:t>
+              </a:r>
+              <a:endParaRPr lang="fr-BE" noProof="1" smtClean="0"/>
+            </a:p>
+          </p:txBody>
+        </p:sp>
+        <p:cxnSp>
+          <p:nvCxnSpPr>
+            <p:cNvPr id="19" name="Connecteur en angle 26"/>
+            <p:cNvCxnSpPr>
+              <a:endCxn id="18" idx="1"/>
+            </p:cNvCxnSpPr>
+            <p:nvPr/>
+          </p:nvCxnSpPr>
+          <p:spPr>
+            <a:xfrm flipV="1">
+              <a:off x="2699792" y="2240832"/>
+              <a:ext cx="360040" cy="0"/>
+            </a:xfrm>
+            <a:prstGeom prst="bentConnector3">
+              <a:avLst>
+                <a:gd name="adj1" fmla="val 50000"/>
+              </a:avLst>
+            </a:prstGeom>
+            <a:ln>
+              <a:tailEnd type="arrow"/>
+            </a:ln>
+          </p:spPr>
+          <p:style>
+            <a:lnRef idx="2">
+              <a:schemeClr val="dk1"/>
+            </a:lnRef>
+            <a:fillRef idx="0">
+              <a:schemeClr val="dk1"/>
+            </a:fillRef>
+            <a:effectRef idx="1">
+              <a:schemeClr val="dk1"/>
+            </a:effectRef>
+            <a:fontRef idx="minor">
+              <a:schemeClr val="tx1"/>
+            </a:fontRef>
+          </p:style>
+        </p:cxnSp>
+      </p:grpSp>
+    </p:spTree>
+  </p:cSld>
+  <p:clrMapOvr>
+    <a:masterClrMapping/>
+  </p:clrMapOvr>
+</p:sld>
+</file>
+
+<file path=ppt/slides/slide21.xml><?xml version="1.0" encoding="utf-8"?>
+<p:sld xmlns:a="http://schemas.openxmlformats.org/drawingml/2006/main" xmlns:r="http://schemas.openxmlformats.org/officeDocument/2006/relationships" xmlns:p="http://schemas.openxmlformats.org/presentationml/2006/main">
+  <p:cSld>
+    <p:spTree>
+      <p:nvGrpSpPr>
+        <p:cNvPr id="1" name=""/>
+        <p:cNvGrpSpPr/>
+        <p:nvPr/>
+      </p:nvGrpSpPr>
+      <p:grpSpPr>
+        <a:xfrm>
+          <a:off x="0" y="0"/>
+          <a:ext cx="0" cy="0"/>
+          <a:chOff x="0" y="0"/>
+          <a:chExt cx="0" cy="0"/>
+        </a:xfrm>
+      </p:grpSpPr>
+      <p:grpSp>
+        <p:nvGrpSpPr>
+          <p:cNvPr id="381" name="Groupe 380"/>
+          <p:cNvGrpSpPr/>
+          <p:nvPr/>
+        </p:nvGrpSpPr>
+        <p:grpSpPr>
+          <a:xfrm>
+            <a:off x="360040" y="836712"/>
+            <a:ext cx="8460432" cy="4608512"/>
+            <a:chOff x="0" y="836712"/>
+            <a:chExt cx="8460432" cy="4608512"/>
+          </a:xfrm>
+        </p:grpSpPr>
+        <p:sp>
+          <p:nvSpPr>
+            <p:cNvPr id="380" name="Rectangle 379"/>
+            <p:cNvSpPr/>
+            <p:nvPr/>
+          </p:nvSpPr>
+          <p:spPr>
+            <a:xfrm>
+              <a:off x="0" y="836712"/>
+              <a:ext cx="8460432" cy="4608512"/>
+            </a:xfrm>
+            <a:prstGeom prst="rect">
+              <a:avLst/>
+            </a:prstGeom>
+            <a:solidFill>
+              <a:schemeClr val="bg1"/>
+            </a:solidFill>
+            <a:ln w="3175"/>
+          </p:spPr>
+          <p:style>
+            <a:lnRef idx="2">
+              <a:schemeClr val="dk1"/>
+            </a:lnRef>
+            <a:fillRef idx="1">
+              <a:schemeClr val="lt1"/>
+            </a:fillRef>
+            <a:effectRef idx="0">
+              <a:schemeClr val="dk1"/>
+            </a:effectRef>
+            <a:fontRef idx="minor">
+              <a:schemeClr val="dk1"/>
+            </a:fontRef>
+          </p:style>
+          <p:txBody>
+            <a:bodyPr rtlCol="0" anchor="ctr"/>
+            <a:lstStyle/>
+            <a:p>
+              <a:pPr algn="ctr"/>
+              <a:endParaRPr lang="fr-BE"/>
+            </a:p>
+          </p:txBody>
+        </p:sp>
+        <p:grpSp>
+          <p:nvGrpSpPr>
+            <p:cNvPr id="378" name="Groupe 377"/>
+            <p:cNvGrpSpPr/>
+            <p:nvPr/>
+          </p:nvGrpSpPr>
+          <p:grpSpPr>
+            <a:xfrm>
+              <a:off x="179512" y="944824"/>
+              <a:ext cx="8094480" cy="4356384"/>
+              <a:chOff x="179512" y="944824"/>
+              <a:chExt cx="8094480" cy="4356384"/>
+            </a:xfrm>
+          </p:grpSpPr>
+          <p:cxnSp>
+            <p:nvCxnSpPr>
+              <p:cNvPr id="54" name="Connecteur droit avec flèche 53"/>
+              <p:cNvCxnSpPr>
+                <a:stCxn id="149" idx="6"/>
+                <a:endCxn id="161" idx="1"/>
+              </p:cNvCxnSpPr>
+              <p:nvPr/>
+            </p:nvCxnSpPr>
+            <p:spPr>
+              <a:xfrm>
+                <a:off x="5436184" y="1934784"/>
+                <a:ext cx="216056" cy="1588"/>
+              </a:xfrm>
+              <a:prstGeom prst="straightConnector1">
+                <a:avLst/>
+              </a:prstGeom>
+              <a:ln>
+                <a:tailEnd type="arrow"/>
+              </a:ln>
+            </p:spPr>
+            <p:style>
+              <a:lnRef idx="2">
+                <a:schemeClr val="dk1"/>
+              </a:lnRef>
+              <a:fillRef idx="0">
+                <a:schemeClr val="dk1"/>
+              </a:fillRef>
+              <a:effectRef idx="1">
+                <a:schemeClr val="dk1"/>
+              </a:effectRef>
+              <a:fontRef idx="minor">
+                <a:schemeClr val="tx1"/>
+              </a:fontRef>
+            </p:style>
+          </p:cxnSp>
+          <p:cxnSp>
+            <p:nvCxnSpPr>
+              <p:cNvPr id="86" name="Connecteur droit avec flèche 85"/>
+              <p:cNvCxnSpPr>
+                <a:stCxn id="128" idx="6"/>
+              </p:cNvCxnSpPr>
+              <p:nvPr/>
+            </p:nvCxnSpPr>
+            <p:spPr>
+              <a:xfrm>
+                <a:off x="2422264" y="2654864"/>
+                <a:ext cx="232520" cy="1588"/>
+              </a:xfrm>
+              <a:prstGeom prst="straightConnector1">
+                <a:avLst/>
+              </a:prstGeom>
+              <a:ln>
+                <a:tailEnd type="arrow"/>
+              </a:ln>
+            </p:spPr>
+            <p:style>
+              <a:lnRef idx="2">
+                <a:schemeClr val="dk1"/>
+              </a:lnRef>
+              <a:fillRef idx="0">
+                <a:schemeClr val="dk1"/>
+              </a:fillRef>
+              <a:effectRef idx="1">
+                <a:schemeClr val="dk1"/>
+              </a:effectRef>
+              <a:fontRef idx="minor">
+                <a:schemeClr val="tx1"/>
+              </a:fontRef>
+            </p:style>
+          </p:cxnSp>
+          <p:grpSp>
+            <p:nvGrpSpPr>
+              <p:cNvPr id="235" name="Groupe 234"/>
+              <p:cNvGrpSpPr/>
+              <p:nvPr/>
+            </p:nvGrpSpPr>
+            <p:grpSpPr>
+              <a:xfrm>
+                <a:off x="179512" y="1088824"/>
+                <a:ext cx="1116000" cy="612000"/>
+                <a:chOff x="206642" y="386696"/>
+                <a:chExt cx="1080000" cy="612000"/>
+              </a:xfrm>
+            </p:grpSpPr>
+            <p:sp>
+              <p:nvSpPr>
+                <p:cNvPr id="42" name="Rectangle 41"/>
+                <p:cNvSpPr/>
+                <p:nvPr/>
+              </p:nvSpPr>
+              <p:spPr>
+                <a:xfrm>
+                  <a:off x="206642" y="386696"/>
+                  <a:ext cx="1080000" cy="612000"/>
+                </a:xfrm>
+                <a:prstGeom prst="rect">
+                  <a:avLst/>
+                </a:prstGeom>
+                <a:noFill/>
+                <a:ln>
+                  <a:noFill/>
+                </a:ln>
+              </p:spPr>
+              <p:style>
+                <a:lnRef idx="2">
+                  <a:schemeClr val="accent1">
+                    <a:shade val="50000"/>
+                  </a:schemeClr>
+                </a:lnRef>
+                <a:fillRef idx="1">
+                  <a:schemeClr val="accent1"/>
+                </a:fillRef>
+                <a:effectRef idx="0">
+                  <a:schemeClr val="accent1"/>
+                </a:effectRef>
+                <a:fontRef idx="minor">
+                  <a:schemeClr val="lt1"/>
+                </a:fontRef>
+              </p:style>
+              <p:txBody>
+                <a:bodyPr rtlCol="0" anchor="ctr"/>
+                <a:lstStyle/>
+                <a:p>
+                  <a:pPr algn="ctr"/>
+                  <a:r>
+                    <a:rPr lang="fr-BE" noProof="1" smtClean="0">
+                      <a:solidFill>
+                        <a:schemeClr val="tx1"/>
+                      </a:solidFill>
+                    </a:rPr>
+                    <a:t>g</a:t>
+                  </a:r>
+                  <a:r>
+                    <a:rPr lang="fr-BE" noProof="1" smtClean="0">
+                      <a:solidFill>
+                        <a:schemeClr val="tx1"/>
+                      </a:solidFill>
+                    </a:rPr>
+                    <a:t>-hMSC  </a:t>
+                  </a:r>
+                  <a:endParaRPr lang="fr-BE" noProof="1" smtClean="0">
+                    <a:solidFill>
+                      <a:schemeClr val="tx1"/>
+                    </a:solidFill>
+                  </a:endParaRPr>
+                </a:p>
+                <a:p>
+                  <a:pPr algn="ctr"/>
+                  <a:r>
+                    <a:rPr lang="fr-BE" noProof="1" smtClean="0">
+                      <a:solidFill>
+                        <a:schemeClr val="tx1"/>
+                      </a:solidFill>
+                    </a:rPr>
+                    <a:t>model</a:t>
+                  </a:r>
+                  <a:endParaRPr lang="fr-BE" noProof="1">
+                    <a:solidFill>
+                      <a:schemeClr val="tx1"/>
+                    </a:solidFill>
+                  </a:endParaRPr>
+                </a:p>
+              </p:txBody>
+            </p:sp>
+            <p:cxnSp>
+              <p:nvCxnSpPr>
+                <p:cNvPr id="39" name="Connecteur droit 38"/>
+                <p:cNvCxnSpPr/>
+                <p:nvPr/>
+              </p:nvCxnSpPr>
+              <p:spPr>
+                <a:xfrm>
+                  <a:off x="206642" y="404664"/>
+                  <a:ext cx="1080000" cy="0"/>
+                </a:xfrm>
+                <a:prstGeom prst="line">
+                  <a:avLst/>
+                </a:prstGeom>
+              </p:spPr>
+              <p:style>
+                <a:lnRef idx="2">
+                  <a:schemeClr val="dk1"/>
+                </a:lnRef>
+                <a:fillRef idx="0">
+                  <a:schemeClr val="dk1"/>
+                </a:fillRef>
+                <a:effectRef idx="1">
+                  <a:schemeClr val="dk1"/>
+                </a:effectRef>
+                <a:fontRef idx="minor">
+                  <a:schemeClr val="tx1"/>
+                </a:fontRef>
+              </p:style>
+            </p:cxnSp>
+            <p:cxnSp>
+              <p:nvCxnSpPr>
+                <p:cNvPr id="40" name="Connecteur droit 39"/>
+                <p:cNvCxnSpPr/>
+                <p:nvPr/>
+              </p:nvCxnSpPr>
+              <p:spPr>
+                <a:xfrm>
+                  <a:off x="206642" y="980728"/>
+                  <a:ext cx="1080000" cy="0"/>
+                </a:xfrm>
+                <a:prstGeom prst="line">
+                  <a:avLst/>
+                </a:prstGeom>
+              </p:spPr>
+              <p:style>
+                <a:lnRef idx="2">
+                  <a:schemeClr val="dk1"/>
+                </a:lnRef>
+                <a:fillRef idx="0">
+                  <a:schemeClr val="dk1"/>
+                </a:fillRef>
+                <a:effectRef idx="1">
+                  <a:schemeClr val="dk1"/>
+                </a:effectRef>
+                <a:fontRef idx="minor">
+                  <a:schemeClr val="tx1"/>
+                </a:fontRef>
+              </p:style>
+            </p:cxnSp>
+          </p:grpSp>
+          <p:grpSp>
+            <p:nvGrpSpPr>
+              <p:cNvPr id="236" name="Groupe 235"/>
+              <p:cNvGrpSpPr/>
+              <p:nvPr/>
+            </p:nvGrpSpPr>
+            <p:grpSpPr>
+              <a:xfrm>
+                <a:off x="179512" y="2348864"/>
+                <a:ext cx="1116000" cy="612000"/>
+                <a:chOff x="206642" y="1610832"/>
+                <a:chExt cx="1080000" cy="612000"/>
+              </a:xfrm>
+            </p:grpSpPr>
+            <p:sp>
+              <p:nvSpPr>
+                <p:cNvPr id="85" name="Rectangle 84"/>
+                <p:cNvSpPr/>
+                <p:nvPr/>
+              </p:nvSpPr>
+              <p:spPr>
+                <a:xfrm>
+                  <a:off x="206642" y="1610832"/>
+                  <a:ext cx="1080000" cy="612000"/>
+                </a:xfrm>
+                <a:prstGeom prst="rect">
+                  <a:avLst/>
+                </a:prstGeom>
+                <a:noFill/>
+                <a:ln>
+                  <a:noFill/>
+                </a:ln>
+              </p:spPr>
+              <p:style>
+                <a:lnRef idx="2">
+                  <a:schemeClr val="accent1">
+                    <a:shade val="50000"/>
+                  </a:schemeClr>
+                </a:lnRef>
+                <a:fillRef idx="1">
+                  <a:schemeClr val="accent1"/>
+                </a:fillRef>
+                <a:effectRef idx="0">
+                  <a:schemeClr val="accent1"/>
+                </a:effectRef>
+                <a:fontRef idx="minor">
+                  <a:schemeClr val="lt1"/>
+                </a:fontRef>
+              </p:style>
+              <p:txBody>
+                <a:bodyPr lIns="0" rIns="0" rtlCol="0" anchor="ctr"/>
+                <a:lstStyle/>
+                <a:p>
+                  <a:pPr algn="ctr"/>
+                  <a:r>
+                    <a:rPr lang="fr-BE" noProof="1" smtClean="0">
+                      <a:solidFill>
+                        <a:schemeClr val="tx1"/>
+                      </a:solidFill>
+                    </a:rPr>
+                    <a:t>Fluent  </a:t>
+                  </a:r>
+                </a:p>
+                <a:p>
+                  <a:pPr algn="ctr"/>
+                  <a:r>
+                    <a:rPr lang="fr-BE" noProof="1" smtClean="0">
+                      <a:solidFill>
+                        <a:schemeClr val="tx1"/>
+                      </a:solidFill>
+                    </a:rPr>
+                    <a:t>definitions</a:t>
+                  </a:r>
+                  <a:endParaRPr lang="fr-BE" noProof="1">
+                    <a:solidFill>
+                      <a:schemeClr val="tx1"/>
+                    </a:solidFill>
+                  </a:endParaRPr>
+                </a:p>
+              </p:txBody>
+            </p:sp>
+            <p:cxnSp>
+              <p:nvCxnSpPr>
+                <p:cNvPr id="46" name="Connecteur droit 45"/>
+                <p:cNvCxnSpPr/>
+                <p:nvPr/>
+              </p:nvCxnSpPr>
+              <p:spPr>
+                <a:xfrm>
+                  <a:off x="206642" y="1628800"/>
+                  <a:ext cx="1080000" cy="0"/>
+                </a:xfrm>
+                <a:prstGeom prst="line">
+                  <a:avLst/>
+                </a:prstGeom>
+              </p:spPr>
+              <p:style>
+                <a:lnRef idx="2">
+                  <a:schemeClr val="dk1"/>
+                </a:lnRef>
+                <a:fillRef idx="0">
+                  <a:schemeClr val="dk1"/>
+                </a:fillRef>
+                <a:effectRef idx="1">
+                  <a:schemeClr val="dk1"/>
+                </a:effectRef>
+                <a:fontRef idx="minor">
+                  <a:schemeClr val="tx1"/>
+                </a:fontRef>
+              </p:style>
+            </p:cxnSp>
+            <p:cxnSp>
+              <p:nvCxnSpPr>
+                <p:cNvPr id="49" name="Connecteur droit 48"/>
+                <p:cNvCxnSpPr/>
+                <p:nvPr/>
+              </p:nvCxnSpPr>
+              <p:spPr>
+                <a:xfrm>
+                  <a:off x="206642" y="2204864"/>
+                  <a:ext cx="1080000" cy="0"/>
+                </a:xfrm>
+                <a:prstGeom prst="line">
+                  <a:avLst/>
+                </a:prstGeom>
+              </p:spPr>
+              <p:style>
+                <a:lnRef idx="2">
+                  <a:schemeClr val="dk1"/>
+                </a:lnRef>
+                <a:fillRef idx="0">
+                  <a:schemeClr val="dk1"/>
+                </a:fillRef>
+                <a:effectRef idx="1">
+                  <a:schemeClr val="dk1"/>
+                </a:effectRef>
+                <a:fontRef idx="minor">
+                  <a:schemeClr val="tx1"/>
+                </a:fontRef>
+              </p:style>
+            </p:cxnSp>
+          </p:grpSp>
+          <p:grpSp>
+            <p:nvGrpSpPr>
+              <p:cNvPr id="237" name="Groupe 236"/>
+              <p:cNvGrpSpPr/>
+              <p:nvPr/>
+            </p:nvGrpSpPr>
+            <p:grpSpPr>
+              <a:xfrm>
+                <a:off x="179512" y="4545224"/>
+                <a:ext cx="1116000" cy="612000"/>
+                <a:chOff x="206642" y="2780928"/>
+                <a:chExt cx="1080000" cy="612000"/>
+              </a:xfrm>
+            </p:grpSpPr>
+            <p:sp>
+              <p:nvSpPr>
+                <p:cNvPr id="44" name="Organigramme : Processus 43"/>
+                <p:cNvSpPr/>
+                <p:nvPr/>
+              </p:nvSpPr>
+              <p:spPr>
+                <a:xfrm>
+                  <a:off x="206642" y="2780928"/>
+                  <a:ext cx="1080000" cy="612000"/>
+                </a:xfrm>
+                <a:prstGeom prst="flowChartProcess">
+                  <a:avLst/>
+                </a:prstGeom>
+                <a:noFill/>
+                <a:ln>
+                  <a:noFill/>
+                </a:ln>
+              </p:spPr>
+              <p:style>
+                <a:lnRef idx="2">
+                  <a:schemeClr val="accent1">
+                    <a:shade val="50000"/>
+                  </a:schemeClr>
+                </a:lnRef>
+                <a:fillRef idx="1">
+                  <a:schemeClr val="accent1"/>
+                </a:fillRef>
+                <a:effectRef idx="0">
+                  <a:schemeClr val="accent1"/>
+                </a:effectRef>
+                <a:fontRef idx="minor">
+                  <a:schemeClr val="lt1"/>
+                </a:fontRef>
+              </p:style>
+              <p:txBody>
+                <a:bodyPr wrap="none" lIns="0" tIns="0" rIns="0" bIns="0" rtlCol="0" anchor="ctr"/>
+                <a:lstStyle/>
+                <a:p>
+                  <a:pPr algn="ctr"/>
+                  <a:r>
+                    <a:rPr lang="fr-BE" noProof="1" smtClean="0">
+                      <a:solidFill>
+                        <a:schemeClr val="tx1"/>
+                      </a:solidFill>
+                    </a:rPr>
+                    <a:t>FLTL </a:t>
+                  </a:r>
+                  <a:r>
+                    <a:rPr lang="fr-BE" noProof="1" smtClean="0">
+                      <a:solidFill>
+                        <a:schemeClr val="tx1"/>
+                      </a:solidFill>
+                    </a:rPr>
+                    <a:t>(</a:t>
+                  </a:r>
+                  <a:r>
+                    <a:rPr lang="fr-BE" noProof="1" smtClean="0">
+                      <a:solidFill>
+                        <a:schemeClr val="tx1"/>
+                      </a:solidFill>
+                      <a:sym typeface="Symbol"/>
+                    </a:rPr>
+                    <a:t></a:t>
+                  </a:r>
+                  <a:r>
+                    <a:rPr lang="fr-BE" noProof="1" smtClean="0">
+                      <a:solidFill>
+                        <a:schemeClr val="tx1"/>
+                      </a:solidFill>
+                      <a:sym typeface="Symbol"/>
+                    </a:rPr>
+                    <a:t>) </a:t>
+                  </a:r>
+                  <a:r>
+                    <a:rPr lang="fr-BE" noProof="1" smtClean="0">
+                      <a:solidFill>
+                        <a:schemeClr val="tx1"/>
+                      </a:solidFill>
+                      <a:sym typeface="Symbol"/>
+                    </a:rPr>
+                    <a:t/>
+                  </a:r>
+                  <a:br>
+                    <a:rPr lang="fr-BE" noProof="1" smtClean="0">
+                      <a:solidFill>
+                        <a:schemeClr val="tx1"/>
+                      </a:solidFill>
+                      <a:sym typeface="Symbol"/>
+                    </a:rPr>
+                  </a:br>
+                  <a:r>
+                    <a:rPr lang="fr-BE" noProof="1" smtClean="0">
+                      <a:solidFill>
+                        <a:schemeClr val="tx1"/>
+                      </a:solidFill>
+                    </a:rPr>
+                    <a:t>Property </a:t>
+                  </a:r>
+                  <a:endParaRPr lang="fr-BE" noProof="1">
+                    <a:solidFill>
+                      <a:schemeClr val="tx1"/>
+                    </a:solidFill>
+                  </a:endParaRPr>
+                </a:p>
+              </p:txBody>
+            </p:sp>
+            <p:cxnSp>
+              <p:nvCxnSpPr>
+                <p:cNvPr id="52" name="Connecteur droit 51"/>
+                <p:cNvCxnSpPr/>
+                <p:nvPr/>
+              </p:nvCxnSpPr>
+              <p:spPr>
+                <a:xfrm>
+                  <a:off x="206642" y="2798896"/>
+                  <a:ext cx="1080000" cy="0"/>
+                </a:xfrm>
+                <a:prstGeom prst="line">
+                  <a:avLst/>
+                </a:prstGeom>
+              </p:spPr>
+              <p:style>
+                <a:lnRef idx="2">
+                  <a:schemeClr val="dk1"/>
+                </a:lnRef>
+                <a:fillRef idx="0">
+                  <a:schemeClr val="dk1"/>
+                </a:fillRef>
+                <a:effectRef idx="1">
+                  <a:schemeClr val="dk1"/>
+                </a:effectRef>
+                <a:fontRef idx="minor">
+                  <a:schemeClr val="tx1"/>
+                </a:fontRef>
+              </p:style>
+            </p:cxnSp>
+            <p:cxnSp>
+              <p:nvCxnSpPr>
+                <p:cNvPr id="53" name="Connecteur droit 52"/>
+                <p:cNvCxnSpPr/>
+                <p:nvPr/>
+              </p:nvCxnSpPr>
+              <p:spPr>
+                <a:xfrm>
+                  <a:off x="206642" y="3374960"/>
+                  <a:ext cx="1080000" cy="0"/>
+                </a:xfrm>
+                <a:prstGeom prst="line">
+                  <a:avLst/>
+                </a:prstGeom>
+              </p:spPr>
+              <p:style>
+                <a:lnRef idx="2">
+                  <a:schemeClr val="dk1"/>
+                </a:lnRef>
+                <a:fillRef idx="0">
+                  <a:schemeClr val="dk1"/>
+                </a:fillRef>
+                <a:effectRef idx="1">
+                  <a:schemeClr val="dk1"/>
+                </a:effectRef>
+                <a:fontRef idx="minor">
+                  <a:schemeClr val="tx1"/>
+                </a:fontRef>
+              </p:style>
+            </p:cxnSp>
+          </p:grpSp>
+          <p:sp>
+            <p:nvSpPr>
+              <p:cNvPr id="94" name="Ellipse 93"/>
+              <p:cNvSpPr/>
+              <p:nvPr/>
+            </p:nvSpPr>
+            <p:spPr>
+              <a:xfrm>
+                <a:off x="1522264" y="944824"/>
+                <a:ext cx="900000" cy="900000"/>
+              </a:xfrm>
+              <a:prstGeom prst="ellipse">
+                <a:avLst/>
+              </a:prstGeom>
+            </p:spPr>
+            <p:style>
+              <a:lnRef idx="2">
+                <a:schemeClr val="dk1"/>
+              </a:lnRef>
+              <a:fillRef idx="1">
+                <a:schemeClr val="lt1"/>
+              </a:fillRef>
+              <a:effectRef idx="0">
+                <a:schemeClr val="dk1"/>
+              </a:effectRef>
+              <a:fontRef idx="minor">
+                <a:schemeClr val="dk1"/>
+              </a:fontRef>
+            </p:style>
+            <p:txBody>
+              <a:bodyPr wrap="none" lIns="0" tIns="0" rIns="0" bIns="0" rtlCol="0" anchor="ctr"/>
+              <a:lstStyle/>
+              <a:p>
+                <a:pPr algn="ctr"/>
+                <a:r>
+                  <a:rPr lang="fr-BE" sz="1600" dirty="0" err="1" smtClean="0"/>
+                  <a:t>Algo</a:t>
+                </a:r>
+                <a:endParaRPr lang="fr-BE" sz="1600" dirty="0" smtClean="0"/>
+              </a:p>
+              <a:p>
+                <a:pPr algn="ctr"/>
+                <a:r>
+                  <a:rPr lang="fr-BE" sz="1600" dirty="0" smtClean="0"/>
+                  <a:t>Chap. 3</a:t>
+                </a:r>
+              </a:p>
+            </p:txBody>
+          </p:sp>
+          <p:cxnSp>
+            <p:nvCxnSpPr>
+              <p:cNvPr id="96" name="Connecteur droit avec flèche 95"/>
+              <p:cNvCxnSpPr>
+                <a:endCxn id="94" idx="2"/>
+              </p:cNvCxnSpPr>
+              <p:nvPr/>
+            </p:nvCxnSpPr>
+            <p:spPr>
+              <a:xfrm>
+                <a:off x="1270112" y="1394824"/>
+                <a:ext cx="252152" cy="1588"/>
+              </a:xfrm>
+              <a:prstGeom prst="straightConnector1">
+                <a:avLst/>
+              </a:prstGeom>
+              <a:ln>
+                <a:tailEnd type="arrow"/>
+              </a:ln>
+            </p:spPr>
+            <p:style>
+              <a:lnRef idx="2">
+                <a:schemeClr val="dk1"/>
+              </a:lnRef>
+              <a:fillRef idx="0">
+                <a:schemeClr val="dk1"/>
+              </a:fillRef>
+              <a:effectRef idx="1">
+                <a:schemeClr val="dk1"/>
+              </a:effectRef>
+              <a:fontRef idx="minor">
+                <a:schemeClr val="tx1"/>
+              </a:fontRef>
+            </p:style>
+          </p:cxnSp>
+          <p:grpSp>
+            <p:nvGrpSpPr>
+              <p:cNvPr id="240" name="Groupe 239"/>
+              <p:cNvGrpSpPr/>
+              <p:nvPr/>
+            </p:nvGrpSpPr>
+            <p:grpSpPr>
+              <a:xfrm>
+                <a:off x="2654784" y="1088824"/>
+                <a:ext cx="1188000" cy="612000"/>
+                <a:chOff x="2843928" y="386696"/>
+                <a:chExt cx="1080000" cy="612000"/>
+              </a:xfrm>
+            </p:grpSpPr>
+            <p:sp>
+              <p:nvSpPr>
+                <p:cNvPr id="104" name="Rectangle 103"/>
+                <p:cNvSpPr/>
+                <p:nvPr/>
+              </p:nvSpPr>
+              <p:spPr>
+                <a:xfrm>
+                  <a:off x="2843928" y="386696"/>
+                  <a:ext cx="1080000" cy="612000"/>
+                </a:xfrm>
+                <a:prstGeom prst="rect">
+                  <a:avLst/>
+                </a:prstGeom>
+                <a:noFill/>
+                <a:ln>
+                  <a:noFill/>
+                </a:ln>
+              </p:spPr>
+              <p:style>
+                <a:lnRef idx="2">
+                  <a:schemeClr val="accent1">
+                    <a:shade val="50000"/>
+                  </a:schemeClr>
+                </a:lnRef>
+                <a:fillRef idx="1">
+                  <a:schemeClr val="accent1"/>
+                </a:fillRef>
+                <a:effectRef idx="0">
+                  <a:schemeClr val="accent1"/>
+                </a:effectRef>
+                <a:fontRef idx="minor">
+                  <a:schemeClr val="lt1"/>
+                </a:fontRef>
+              </p:style>
+              <p:txBody>
+                <a:bodyPr rtlCol="0" anchor="ctr"/>
+                <a:lstStyle/>
+                <a:p>
+                  <a:pPr algn="ctr"/>
+                  <a:r>
+                    <a:rPr lang="fr-BE" noProof="1" smtClean="0">
+                      <a:solidFill>
+                        <a:schemeClr val="tx1"/>
+                      </a:solidFill>
+                    </a:rPr>
+                    <a:t>Model</a:t>
+                  </a:r>
+                </a:p>
+                <a:p>
+                  <a:pPr algn="ctr"/>
+                  <a:r>
+                    <a:rPr lang="fr-BE" noProof="1" smtClean="0">
+                      <a:solidFill>
+                        <a:schemeClr val="tx1"/>
+                      </a:solidFill>
+                    </a:rPr>
+                    <a:t>g</a:t>
+                  </a:r>
+                  <a:r>
+                    <a:rPr lang="fr-BE" noProof="1" smtClean="0">
+                      <a:solidFill>
+                        <a:schemeClr val="tx1"/>
+                      </a:solidFill>
+                    </a:rPr>
+                    <a:t>-LTS</a:t>
+                  </a:r>
+                  <a:endParaRPr lang="fr-BE" noProof="1" smtClean="0">
+                    <a:solidFill>
+                      <a:schemeClr val="tx1"/>
+                    </a:solidFill>
+                  </a:endParaRPr>
+                </a:p>
+              </p:txBody>
+            </p:sp>
+            <p:cxnSp>
+              <p:nvCxnSpPr>
+                <p:cNvPr id="107" name="Connecteur droit 106"/>
+                <p:cNvCxnSpPr/>
+                <p:nvPr/>
+              </p:nvCxnSpPr>
+              <p:spPr>
+                <a:xfrm>
+                  <a:off x="2843928" y="404664"/>
+                  <a:ext cx="1080000" cy="0"/>
+                </a:xfrm>
+                <a:prstGeom prst="line">
+                  <a:avLst/>
+                </a:prstGeom>
+              </p:spPr>
+              <p:style>
+                <a:lnRef idx="2">
+                  <a:schemeClr val="dk1"/>
+                </a:lnRef>
+                <a:fillRef idx="0">
+                  <a:schemeClr val="dk1"/>
+                </a:fillRef>
+                <a:effectRef idx="1">
+                  <a:schemeClr val="dk1"/>
+                </a:effectRef>
+                <a:fontRef idx="minor">
+                  <a:schemeClr val="tx1"/>
+                </a:fontRef>
+              </p:style>
+            </p:cxnSp>
+            <p:cxnSp>
+              <p:nvCxnSpPr>
+                <p:cNvPr id="108" name="Connecteur droit 107"/>
+                <p:cNvCxnSpPr/>
+                <p:nvPr/>
+              </p:nvCxnSpPr>
+              <p:spPr>
+                <a:xfrm>
+                  <a:off x="2843928" y="980728"/>
+                  <a:ext cx="1080000" cy="0"/>
+                </a:xfrm>
+                <a:prstGeom prst="line">
+                  <a:avLst/>
+                </a:prstGeom>
+              </p:spPr>
+              <p:style>
+                <a:lnRef idx="2">
+                  <a:schemeClr val="dk1"/>
+                </a:lnRef>
+                <a:fillRef idx="0">
+                  <a:schemeClr val="dk1"/>
+                </a:fillRef>
+                <a:effectRef idx="1">
+                  <a:schemeClr val="dk1"/>
+                </a:effectRef>
+                <a:fontRef idx="minor">
+                  <a:schemeClr val="tx1"/>
+                </a:fontRef>
+              </p:style>
+            </p:cxnSp>
+          </p:grpSp>
+          <p:cxnSp>
+            <p:nvCxnSpPr>
+              <p:cNvPr id="109" name="Connecteur droit avec flèche 108"/>
+              <p:cNvCxnSpPr>
+                <a:stCxn id="94" idx="6"/>
+              </p:cNvCxnSpPr>
+              <p:nvPr/>
+            </p:nvCxnSpPr>
+            <p:spPr>
+              <a:xfrm>
+                <a:off x="2422264" y="1394824"/>
+                <a:ext cx="252128" cy="1588"/>
+              </a:xfrm>
+              <a:prstGeom prst="straightConnector1">
+                <a:avLst/>
+              </a:prstGeom>
+              <a:ln>
+                <a:tailEnd type="arrow"/>
+              </a:ln>
+            </p:spPr>
+            <p:style>
+              <a:lnRef idx="2">
+                <a:schemeClr val="dk1"/>
+              </a:lnRef>
+              <a:fillRef idx="0">
+                <a:schemeClr val="dk1"/>
+              </a:fillRef>
+              <a:effectRef idx="1">
+                <a:schemeClr val="dk1"/>
+              </a:effectRef>
+              <a:fontRef idx="minor">
+                <a:schemeClr val="tx1"/>
+              </a:fontRef>
+            </p:style>
+          </p:cxnSp>
+          <p:sp>
+            <p:nvSpPr>
+              <p:cNvPr id="128" name="Ellipse 127"/>
+              <p:cNvSpPr/>
+              <p:nvPr/>
+            </p:nvSpPr>
+            <p:spPr>
+              <a:xfrm>
+                <a:off x="1522264" y="2204864"/>
+                <a:ext cx="900000" cy="900000"/>
+              </a:xfrm>
+              <a:prstGeom prst="ellipse">
+                <a:avLst/>
+              </a:prstGeom>
+            </p:spPr>
+            <p:style>
+              <a:lnRef idx="2">
+                <a:schemeClr val="dk1"/>
+              </a:lnRef>
+              <a:fillRef idx="1">
+                <a:schemeClr val="lt1"/>
+              </a:fillRef>
+              <a:effectRef idx="0">
+                <a:schemeClr val="dk1"/>
+              </a:effectRef>
+              <a:fontRef idx="minor">
+                <a:schemeClr val="dk1"/>
+              </a:fontRef>
+            </p:style>
+            <p:txBody>
+              <a:bodyPr lIns="0" tIns="0" rIns="0" bIns="0" rtlCol="0" anchor="ctr"/>
+              <a:lstStyle/>
+              <a:p>
+                <a:pPr algn="ctr"/>
+                <a:r>
+                  <a:rPr lang="fr-BE" sz="1600" dirty="0" err="1" smtClean="0"/>
+                  <a:t>Def</a:t>
+                </a:r>
+                <a:r>
+                  <a:rPr lang="fr-BE" sz="1600" dirty="0" smtClean="0"/>
+                  <a:t>. 3.1</a:t>
+                </a:r>
+                <a:endParaRPr lang="fr-BE" sz="1600" dirty="0"/>
+              </a:p>
+            </p:txBody>
+          </p:sp>
+          <p:cxnSp>
+            <p:nvCxnSpPr>
+              <p:cNvPr id="129" name="Connecteur droit avec flèche 128"/>
+              <p:cNvCxnSpPr>
+                <a:endCxn id="128" idx="2"/>
+              </p:cNvCxnSpPr>
+              <p:nvPr/>
+            </p:nvCxnSpPr>
+            <p:spPr>
+              <a:xfrm>
+                <a:off x="1295512" y="2654864"/>
+                <a:ext cx="226752" cy="1588"/>
+              </a:xfrm>
+              <a:prstGeom prst="straightConnector1">
+                <a:avLst/>
+              </a:prstGeom>
+              <a:ln>
+                <a:tailEnd type="arrow"/>
+              </a:ln>
+            </p:spPr>
+            <p:style>
+              <a:lnRef idx="2">
+                <a:schemeClr val="dk1"/>
+              </a:lnRef>
+              <a:fillRef idx="0">
+                <a:schemeClr val="dk1"/>
+              </a:fillRef>
+              <a:effectRef idx="1">
+                <a:schemeClr val="dk1"/>
+              </a:effectRef>
+              <a:fontRef idx="minor">
+                <a:schemeClr val="tx1"/>
+              </a:fontRef>
+            </p:style>
+          </p:cxnSp>
+          <p:grpSp>
+            <p:nvGrpSpPr>
+              <p:cNvPr id="241" name="Groupe 240"/>
+              <p:cNvGrpSpPr/>
+              <p:nvPr/>
+            </p:nvGrpSpPr>
+            <p:grpSpPr>
+              <a:xfrm>
+                <a:off x="2654784" y="2348864"/>
+                <a:ext cx="1188000" cy="612000"/>
+                <a:chOff x="2843928" y="1610832"/>
+                <a:chExt cx="1080000" cy="612000"/>
+              </a:xfrm>
+            </p:grpSpPr>
+            <p:sp>
+              <p:nvSpPr>
+                <p:cNvPr id="141" name="Rectangle 140"/>
+                <p:cNvSpPr/>
+                <p:nvPr/>
+              </p:nvSpPr>
+              <p:spPr>
+                <a:xfrm>
+                  <a:off x="2843928" y="1610832"/>
+                  <a:ext cx="1080000" cy="612000"/>
+                </a:xfrm>
+                <a:prstGeom prst="rect">
+                  <a:avLst/>
+                </a:prstGeom>
+                <a:noFill/>
+                <a:ln>
+                  <a:noFill/>
+                </a:ln>
+              </p:spPr>
+              <p:style>
+                <a:lnRef idx="2">
+                  <a:schemeClr val="accent1">
+                    <a:shade val="50000"/>
+                  </a:schemeClr>
+                </a:lnRef>
+                <a:fillRef idx="1">
+                  <a:schemeClr val="accent1"/>
+                </a:fillRef>
+                <a:effectRef idx="0">
+                  <a:schemeClr val="accent1"/>
+                </a:effectRef>
+                <a:fontRef idx="minor">
+                  <a:schemeClr val="lt1"/>
+                </a:fontRef>
+              </p:style>
+              <p:txBody>
+                <a:bodyPr lIns="0" tIns="0" rIns="0" bIns="0" rtlCol="0" anchor="ctr"/>
+                <a:lstStyle/>
+                <a:p>
+                  <a:pPr algn="ctr"/>
+                  <a:r>
+                    <a:rPr lang="fr-BE" noProof="1" smtClean="0">
+                      <a:solidFill>
+                        <a:schemeClr val="tx1"/>
+                      </a:solidFill>
+                    </a:rPr>
+                    <a:t>Fluent  </a:t>
+                  </a:r>
+                </a:p>
+                <a:p>
+                  <a:pPr algn="ctr"/>
+                  <a:r>
+                    <a:rPr lang="fr-BE" noProof="1" smtClean="0">
+                      <a:solidFill>
+                        <a:schemeClr val="tx1"/>
+                      </a:solidFill>
+                    </a:rPr>
+                    <a:t>automata</a:t>
+                  </a:r>
+                  <a:endParaRPr lang="fr-BE" noProof="1">
+                    <a:solidFill>
+                      <a:schemeClr val="tx1"/>
+                    </a:solidFill>
+                  </a:endParaRPr>
+                </a:p>
+              </p:txBody>
+            </p:sp>
+            <p:cxnSp>
+              <p:nvCxnSpPr>
+                <p:cNvPr id="143" name="Connecteur droit 142"/>
+                <p:cNvCxnSpPr/>
+                <p:nvPr/>
+              </p:nvCxnSpPr>
+              <p:spPr>
+                <a:xfrm>
+                  <a:off x="2843928" y="1628800"/>
+                  <a:ext cx="1080000" cy="0"/>
+                </a:xfrm>
+                <a:prstGeom prst="line">
+                  <a:avLst/>
+                </a:prstGeom>
+              </p:spPr>
+              <p:style>
+                <a:lnRef idx="2">
+                  <a:schemeClr val="dk1"/>
+                </a:lnRef>
+                <a:fillRef idx="0">
+                  <a:schemeClr val="dk1"/>
+                </a:fillRef>
+                <a:effectRef idx="1">
+                  <a:schemeClr val="dk1"/>
+                </a:effectRef>
+                <a:fontRef idx="minor">
+                  <a:schemeClr val="tx1"/>
+                </a:fontRef>
+              </p:style>
+            </p:cxnSp>
+            <p:cxnSp>
+              <p:nvCxnSpPr>
+                <p:cNvPr id="144" name="Connecteur droit 143"/>
+                <p:cNvCxnSpPr/>
+                <p:nvPr/>
+              </p:nvCxnSpPr>
+              <p:spPr>
+                <a:xfrm>
+                  <a:off x="2843928" y="2204864"/>
+                  <a:ext cx="1080000" cy="0"/>
+                </a:xfrm>
+                <a:prstGeom prst="line">
+                  <a:avLst/>
+                </a:prstGeom>
+              </p:spPr>
+              <p:style>
+                <a:lnRef idx="2">
+                  <a:schemeClr val="dk1"/>
+                </a:lnRef>
+                <a:fillRef idx="0">
+                  <a:schemeClr val="dk1"/>
+                </a:fillRef>
+                <a:effectRef idx="1">
+                  <a:schemeClr val="dk1"/>
+                </a:effectRef>
+                <a:fontRef idx="minor">
+                  <a:schemeClr val="tx1"/>
+                </a:fontRef>
+              </p:style>
+            </p:cxnSp>
+          </p:grpSp>
+          <p:sp>
+            <p:nvSpPr>
+              <p:cNvPr id="149" name="Ellipse 148"/>
+              <p:cNvSpPr/>
+              <p:nvPr/>
+            </p:nvSpPr>
+            <p:spPr>
+              <a:xfrm>
+                <a:off x="4536184" y="1484784"/>
+                <a:ext cx="900000" cy="900000"/>
+              </a:xfrm>
+              <a:prstGeom prst="ellipse">
+                <a:avLst/>
+              </a:prstGeom>
+            </p:spPr>
+            <p:style>
+              <a:lnRef idx="2">
+                <a:schemeClr val="dk1"/>
+              </a:lnRef>
+              <a:fillRef idx="1">
+                <a:schemeClr val="lt1"/>
+              </a:fillRef>
+              <a:effectRef idx="0">
+                <a:schemeClr val="dk1"/>
+              </a:effectRef>
+              <a:fontRef idx="minor">
+                <a:schemeClr val="dk1"/>
+              </a:fontRef>
+            </p:style>
+            <p:txBody>
+              <a:bodyPr lIns="0" tIns="0" rIns="0" bIns="0" rtlCol="0" anchor="ctr"/>
+              <a:lstStyle/>
+              <a:p>
+                <a:pPr algn="ctr"/>
+                <a:r>
+                  <a:rPr lang="fr-BE" sz="1600" dirty="0" smtClean="0"/>
+                  <a:t>g</a:t>
+                </a:r>
+                <a:r>
+                  <a:rPr lang="fr-BE" sz="1600" dirty="0" smtClean="0"/>
+                  <a:t>-LTS </a:t>
+                </a:r>
+                <a:r>
+                  <a:rPr lang="fr-BE" sz="1600" dirty="0" smtClean="0">
+                    <a:latin typeface="Arial" pitchFamily="34" charset="0"/>
+                    <a:cs typeface="Arial" pitchFamily="34" charset="0"/>
+                  </a:rPr>
+                  <a:t> ||</a:t>
+                </a:r>
+                <a:r>
+                  <a:rPr lang="fr-BE" sz="1600" dirty="0" smtClean="0"/>
+                  <a:t/>
+                </a:r>
+                <a:br>
+                  <a:rPr lang="fr-BE" sz="1600" dirty="0" smtClean="0"/>
+                </a:br>
+                <a:r>
+                  <a:rPr lang="fr-BE" sz="1600" dirty="0" smtClean="0"/>
+                  <a:t>+</a:t>
+                </a:r>
+                <a:r>
+                  <a:rPr lang="fr-BE" sz="1600" dirty="0" err="1" smtClean="0"/>
+                  <a:t>hiding</a:t>
+                </a:r>
+                <a:endParaRPr lang="fr-BE" sz="1600" dirty="0"/>
+              </a:p>
+            </p:txBody>
+          </p:sp>
+          <p:cxnSp>
+            <p:nvCxnSpPr>
+              <p:cNvPr id="150" name="Connecteur droit avec flèche 149"/>
+              <p:cNvCxnSpPr>
+                <a:stCxn id="104" idx="3"/>
+                <a:endCxn id="358" idx="0"/>
+              </p:cNvCxnSpPr>
+              <p:nvPr/>
+            </p:nvCxnSpPr>
+            <p:spPr>
+              <a:xfrm>
+                <a:off x="3842784" y="1394824"/>
+                <a:ext cx="315168" cy="522008"/>
+              </a:xfrm>
+              <a:prstGeom prst="bentConnector2">
+                <a:avLst/>
+              </a:prstGeom>
+              <a:ln>
+                <a:tailEnd type="none"/>
+              </a:ln>
+            </p:spPr>
+            <p:style>
+              <a:lnRef idx="2">
+                <a:schemeClr val="dk1"/>
+              </a:lnRef>
+              <a:fillRef idx="0">
+                <a:schemeClr val="dk1"/>
+              </a:fillRef>
+              <a:effectRef idx="1">
+                <a:schemeClr val="dk1"/>
+              </a:effectRef>
+              <a:fontRef idx="minor">
+                <a:schemeClr val="tx1"/>
+              </a:fontRef>
+            </p:style>
+          </p:cxnSp>
+          <p:cxnSp>
+            <p:nvCxnSpPr>
+              <p:cNvPr id="155" name="Connecteur droit avec flèche 154"/>
+              <p:cNvCxnSpPr>
+                <a:stCxn id="374" idx="6"/>
+                <a:endCxn id="358" idx="4"/>
+              </p:cNvCxnSpPr>
+              <p:nvPr/>
+            </p:nvCxnSpPr>
+            <p:spPr>
+              <a:xfrm flipV="1">
+                <a:off x="3806201" y="1952832"/>
+                <a:ext cx="351751" cy="612072"/>
+              </a:xfrm>
+              <a:prstGeom prst="bentConnector2">
+                <a:avLst/>
+              </a:prstGeom>
+              <a:ln>
+                <a:tailEnd type="none"/>
+              </a:ln>
+            </p:spPr>
+            <p:style>
+              <a:lnRef idx="2">
+                <a:schemeClr val="dk1"/>
+              </a:lnRef>
+              <a:fillRef idx="0">
+                <a:schemeClr val="dk1"/>
+              </a:fillRef>
+              <a:effectRef idx="1">
+                <a:schemeClr val="dk1"/>
+              </a:effectRef>
+              <a:fontRef idx="minor">
+                <a:schemeClr val="tx1"/>
+              </a:fontRef>
+            </p:style>
+          </p:cxnSp>
+          <p:grpSp>
+            <p:nvGrpSpPr>
+              <p:cNvPr id="245" name="Groupe 244"/>
+              <p:cNvGrpSpPr/>
+              <p:nvPr/>
+            </p:nvGrpSpPr>
+            <p:grpSpPr>
+              <a:xfrm>
+                <a:off x="5652240" y="1628784"/>
+                <a:ext cx="1080000" cy="612000"/>
+                <a:chOff x="5724128" y="962760"/>
+                <a:chExt cx="1080000" cy="612000"/>
+              </a:xfrm>
+            </p:grpSpPr>
+            <p:sp>
+              <p:nvSpPr>
+                <p:cNvPr id="161" name="Rectangle 160"/>
+                <p:cNvSpPr/>
+                <p:nvPr/>
+              </p:nvSpPr>
+              <p:spPr>
+                <a:xfrm>
+                  <a:off x="5724128" y="962760"/>
+                  <a:ext cx="1080000" cy="612000"/>
+                </a:xfrm>
+                <a:prstGeom prst="rect">
+                  <a:avLst/>
+                </a:prstGeom>
+                <a:noFill/>
+                <a:ln>
+                  <a:noFill/>
+                </a:ln>
+              </p:spPr>
+              <p:style>
+                <a:lnRef idx="2">
+                  <a:schemeClr val="accent1">
+                    <a:shade val="50000"/>
+                  </a:schemeClr>
+                </a:lnRef>
+                <a:fillRef idx="1">
+                  <a:schemeClr val="accent1"/>
+                </a:fillRef>
+                <a:effectRef idx="0">
+                  <a:schemeClr val="accent1"/>
+                </a:effectRef>
+                <a:fontRef idx="minor">
+                  <a:schemeClr val="lt1"/>
+                </a:fontRef>
+              </p:style>
+              <p:txBody>
+                <a:bodyPr rtlCol="0" anchor="ctr"/>
+                <a:lstStyle/>
+                <a:p>
+                  <a:pPr algn="ctr"/>
+                  <a:r>
+                    <a:rPr lang="fr-BE" noProof="1" smtClean="0">
+                      <a:solidFill>
+                        <a:schemeClr val="tx1"/>
+                      </a:solidFill>
+                    </a:rPr>
+                    <a:t>Model</a:t>
+                  </a:r>
+                </a:p>
+                <a:p>
+                  <a:pPr algn="ctr"/>
+                  <a:r>
+                    <a:rPr lang="fr-BE" noProof="1" smtClean="0">
+                      <a:solidFill>
+                        <a:schemeClr val="tx1"/>
+                      </a:solidFill>
+                    </a:rPr>
+                    <a:t>LTS</a:t>
+                  </a:r>
+                  <a:endParaRPr lang="fr-BE" noProof="1">
+                    <a:solidFill>
+                      <a:schemeClr val="tx1"/>
+                    </a:solidFill>
+                  </a:endParaRPr>
+                </a:p>
+              </p:txBody>
+            </p:sp>
+            <p:cxnSp>
+              <p:nvCxnSpPr>
+                <p:cNvPr id="164" name="Connecteur droit 163"/>
+                <p:cNvCxnSpPr/>
+                <p:nvPr/>
+              </p:nvCxnSpPr>
+              <p:spPr>
+                <a:xfrm>
+                  <a:off x="5724128" y="980728"/>
+                  <a:ext cx="1080000" cy="0"/>
+                </a:xfrm>
+                <a:prstGeom prst="line">
+                  <a:avLst/>
+                </a:prstGeom>
+              </p:spPr>
+              <p:style>
+                <a:lnRef idx="2">
+                  <a:schemeClr val="dk1"/>
+                </a:lnRef>
+                <a:fillRef idx="0">
+                  <a:schemeClr val="dk1"/>
+                </a:fillRef>
+                <a:effectRef idx="1">
+                  <a:schemeClr val="dk1"/>
+                </a:effectRef>
+                <a:fontRef idx="minor">
+                  <a:schemeClr val="tx1"/>
+                </a:fontRef>
+              </p:style>
+            </p:cxnSp>
+            <p:cxnSp>
+              <p:nvCxnSpPr>
+                <p:cNvPr id="165" name="Connecteur droit 164"/>
+                <p:cNvCxnSpPr/>
+                <p:nvPr/>
+              </p:nvCxnSpPr>
+              <p:spPr>
+                <a:xfrm>
+                  <a:off x="5724128" y="1556792"/>
+                  <a:ext cx="1080000" cy="0"/>
+                </a:xfrm>
+                <a:prstGeom prst="line">
+                  <a:avLst/>
+                </a:prstGeom>
+              </p:spPr>
+              <p:style>
+                <a:lnRef idx="2">
+                  <a:schemeClr val="dk1"/>
+                </a:lnRef>
+                <a:fillRef idx="0">
+                  <a:schemeClr val="dk1"/>
+                </a:fillRef>
+                <a:effectRef idx="1">
+                  <a:schemeClr val="dk1"/>
+                </a:effectRef>
+                <a:fontRef idx="minor">
+                  <a:schemeClr val="tx1"/>
+                </a:fontRef>
+              </p:style>
+            </p:cxnSp>
+          </p:grpSp>
+          <p:sp>
+            <p:nvSpPr>
+              <p:cNvPr id="182" name="Ellipse 181"/>
+              <p:cNvSpPr/>
+              <p:nvPr/>
+            </p:nvSpPr>
+            <p:spPr>
+              <a:xfrm>
+                <a:off x="1522264" y="4401208"/>
+                <a:ext cx="900000" cy="900000"/>
+              </a:xfrm>
+              <a:prstGeom prst="ellipse">
+                <a:avLst/>
+              </a:prstGeom>
+            </p:spPr>
+            <p:style>
+              <a:lnRef idx="2">
+                <a:schemeClr val="dk1"/>
+              </a:lnRef>
+              <a:fillRef idx="1">
+                <a:schemeClr val="lt1"/>
+              </a:fillRef>
+              <a:effectRef idx="0">
+                <a:schemeClr val="dk1"/>
+              </a:effectRef>
+              <a:fontRef idx="minor">
+                <a:schemeClr val="dk1"/>
+              </a:fontRef>
+            </p:style>
+            <p:txBody>
+              <a:bodyPr wrap="none" lIns="0" tIns="0" rIns="0" bIns="0" rtlCol="0" anchor="ctr"/>
+              <a:lstStyle/>
+              <a:p>
+                <a:pPr algn="ctr"/>
+                <a:r>
+                  <a:rPr lang="fr-BE" sz="1600" dirty="0" smtClean="0"/>
+                  <a:t>LTL2</a:t>
+                </a:r>
+                <a:br>
+                  <a:rPr lang="fr-BE" sz="1600" dirty="0" smtClean="0"/>
+                </a:br>
+                <a:r>
+                  <a:rPr lang="fr-BE" sz="1600" dirty="0" err="1" smtClean="0"/>
+                  <a:t>Buchi</a:t>
+                </a:r>
+                <a:endParaRPr lang="fr-BE" sz="1600" dirty="0"/>
+              </a:p>
+            </p:txBody>
+          </p:sp>
+          <p:grpSp>
+            <p:nvGrpSpPr>
+              <p:cNvPr id="242" name="Groupe 241"/>
+              <p:cNvGrpSpPr/>
+              <p:nvPr/>
+            </p:nvGrpSpPr>
+            <p:grpSpPr>
+              <a:xfrm>
+                <a:off x="2654784" y="4545224"/>
+                <a:ext cx="1188000" cy="612000"/>
+                <a:chOff x="2843928" y="2780928"/>
+                <a:chExt cx="1080000" cy="612000"/>
+              </a:xfrm>
+            </p:grpSpPr>
+            <p:sp>
+              <p:nvSpPr>
+                <p:cNvPr id="184" name="Rectangle 183"/>
+                <p:cNvSpPr/>
+                <p:nvPr/>
+              </p:nvSpPr>
+              <p:spPr>
+                <a:xfrm>
+                  <a:off x="2843928" y="2780928"/>
+                  <a:ext cx="1080000" cy="612000"/>
+                </a:xfrm>
+                <a:prstGeom prst="rect">
+                  <a:avLst/>
+                </a:prstGeom>
+                <a:noFill/>
+                <a:ln>
+                  <a:noFill/>
+                </a:ln>
+              </p:spPr>
+              <p:style>
+                <a:lnRef idx="2">
+                  <a:schemeClr val="accent1">
+                    <a:shade val="50000"/>
+                  </a:schemeClr>
+                </a:lnRef>
+                <a:fillRef idx="1">
+                  <a:schemeClr val="accent1"/>
+                </a:fillRef>
+                <a:effectRef idx="0">
+                  <a:schemeClr val="accent1"/>
+                </a:effectRef>
+                <a:fontRef idx="minor">
+                  <a:schemeClr val="lt1"/>
+                </a:fontRef>
+              </p:style>
+              <p:txBody>
+                <a:bodyPr wrap="none" lIns="0" tIns="0" rIns="0" bIns="0" rtlCol="0" anchor="ctr"/>
+                <a:lstStyle/>
+                <a:p>
+                  <a:pPr algn="ctr"/>
+                  <a:r>
+                    <a:rPr lang="fr-BE" noProof="1" smtClean="0">
+                      <a:solidFill>
+                        <a:schemeClr val="tx1"/>
+                      </a:solidFill>
+                    </a:rPr>
+                    <a:t>Buchi</a:t>
+                  </a:r>
+                  <a:r>
+                    <a:rPr lang="fr-BE" noProof="1" smtClean="0">
+                      <a:solidFill>
+                        <a:schemeClr val="tx1"/>
+                      </a:solidFill>
+                    </a:rPr>
+                    <a:t> </a:t>
+                  </a:r>
+                  <a:r>
+                    <a:rPr lang="fr-BE" noProof="1" smtClean="0">
+                      <a:solidFill>
+                        <a:schemeClr val="tx1"/>
+                      </a:solidFill>
+                    </a:rPr>
+                    <a:t>(</a:t>
+                  </a:r>
+                  <a:r>
+                    <a:rPr lang="fr-BE" noProof="1" smtClean="0">
+                      <a:solidFill>
+                        <a:schemeClr val="tx1"/>
+                      </a:solidFill>
+                      <a:sym typeface="Symbol"/>
+                    </a:rPr>
+                    <a:t></a:t>
+                  </a:r>
+                  <a:r>
+                    <a:rPr lang="fr-BE" noProof="1" smtClean="0">
+                      <a:solidFill>
+                        <a:schemeClr val="tx1"/>
+                      </a:solidFill>
+                    </a:rPr>
+                    <a:t>)</a:t>
+                  </a:r>
+                  <a:endParaRPr lang="fr-BE" noProof="1" smtClean="0">
+                    <a:solidFill>
+                      <a:schemeClr val="tx1"/>
+                    </a:solidFill>
+                  </a:endParaRPr>
+                </a:p>
+                <a:p>
+                  <a:pPr algn="ctr"/>
+                  <a:r>
+                    <a:rPr lang="fr-BE" noProof="1" smtClean="0">
+                      <a:solidFill>
+                        <a:schemeClr val="tx1"/>
+                      </a:solidFill>
+                    </a:rPr>
+                    <a:t>automaton</a:t>
+                  </a:r>
+                  <a:endParaRPr lang="fr-BE" noProof="1">
+                    <a:solidFill>
+                      <a:schemeClr val="tx1"/>
+                    </a:solidFill>
+                  </a:endParaRPr>
+                </a:p>
+              </p:txBody>
+            </p:sp>
+            <p:cxnSp>
+              <p:nvCxnSpPr>
+                <p:cNvPr id="186" name="Connecteur droit 185"/>
+                <p:cNvCxnSpPr/>
+                <p:nvPr/>
+              </p:nvCxnSpPr>
+              <p:spPr>
+                <a:xfrm>
+                  <a:off x="2843928" y="2798896"/>
+                  <a:ext cx="1080000" cy="0"/>
+                </a:xfrm>
+                <a:prstGeom prst="line">
+                  <a:avLst/>
+                </a:prstGeom>
+              </p:spPr>
+              <p:style>
+                <a:lnRef idx="2">
+                  <a:schemeClr val="dk1"/>
+                </a:lnRef>
+                <a:fillRef idx="0">
+                  <a:schemeClr val="dk1"/>
+                </a:fillRef>
+                <a:effectRef idx="1">
+                  <a:schemeClr val="dk1"/>
+                </a:effectRef>
+                <a:fontRef idx="minor">
+                  <a:schemeClr val="tx1"/>
+                </a:fontRef>
+              </p:style>
+            </p:cxnSp>
+            <p:cxnSp>
+              <p:nvCxnSpPr>
+                <p:cNvPr id="187" name="Connecteur droit 186"/>
+                <p:cNvCxnSpPr/>
+                <p:nvPr/>
+              </p:nvCxnSpPr>
+              <p:spPr>
+                <a:xfrm>
+                  <a:off x="2843928" y="3374960"/>
+                  <a:ext cx="1080000" cy="0"/>
+                </a:xfrm>
+                <a:prstGeom prst="line">
+                  <a:avLst/>
+                </a:prstGeom>
+              </p:spPr>
+              <p:style>
+                <a:lnRef idx="2">
+                  <a:schemeClr val="dk1"/>
+                </a:lnRef>
+                <a:fillRef idx="0">
+                  <a:schemeClr val="dk1"/>
+                </a:fillRef>
+                <a:effectRef idx="1">
+                  <a:schemeClr val="dk1"/>
+                </a:effectRef>
+                <a:fontRef idx="minor">
+                  <a:schemeClr val="tx1"/>
+                </a:fontRef>
+              </p:style>
+            </p:cxnSp>
+          </p:grpSp>
+          <p:cxnSp>
+            <p:nvCxnSpPr>
+              <p:cNvPr id="188" name="Connecteur droit avec flèche 187"/>
+              <p:cNvCxnSpPr>
+                <a:endCxn id="182" idx="2"/>
+              </p:cNvCxnSpPr>
+              <p:nvPr/>
+            </p:nvCxnSpPr>
+            <p:spPr>
+              <a:xfrm flipV="1">
+                <a:off x="1295512" y="4851208"/>
+                <a:ext cx="226752" cy="16"/>
+              </a:xfrm>
+              <a:prstGeom prst="bentConnector3">
+                <a:avLst>
+                  <a:gd name="adj1" fmla="val 50000"/>
+                </a:avLst>
+              </a:prstGeom>
+              <a:ln>
+                <a:tailEnd type="arrow"/>
+              </a:ln>
+            </p:spPr>
+            <p:style>
+              <a:lnRef idx="2">
+                <a:schemeClr val="dk1"/>
+              </a:lnRef>
+              <a:fillRef idx="0">
+                <a:schemeClr val="dk1"/>
+              </a:fillRef>
+              <a:effectRef idx="1">
+                <a:schemeClr val="dk1"/>
+              </a:effectRef>
+              <a:fontRef idx="minor">
+                <a:schemeClr val="tx1"/>
+              </a:fontRef>
+            </p:style>
+          </p:cxnSp>
+          <p:grpSp>
+            <p:nvGrpSpPr>
+              <p:cNvPr id="243" name="Groupe 242"/>
+              <p:cNvGrpSpPr/>
+              <p:nvPr/>
+            </p:nvGrpSpPr>
+            <p:grpSpPr>
+              <a:xfrm>
+                <a:off x="2654784" y="3609088"/>
+                <a:ext cx="1188000" cy="612000"/>
+                <a:chOff x="2771800" y="3861048"/>
+                <a:chExt cx="1152000" cy="612000"/>
+              </a:xfrm>
+            </p:grpSpPr>
+            <p:sp>
+              <p:nvSpPr>
+                <p:cNvPr id="196" name="Rectangle 195"/>
+                <p:cNvSpPr/>
+                <p:nvPr/>
+              </p:nvSpPr>
+              <p:spPr>
+                <a:xfrm>
+                  <a:off x="2771800" y="3861048"/>
+                  <a:ext cx="1152000" cy="612000"/>
+                </a:xfrm>
+                <a:prstGeom prst="rect">
+                  <a:avLst/>
+                </a:prstGeom>
+                <a:noFill/>
+                <a:ln>
+                  <a:noFill/>
+                </a:ln>
+              </p:spPr>
+              <p:style>
+                <a:lnRef idx="2">
+                  <a:schemeClr val="accent1">
+                    <a:shade val="50000"/>
+                  </a:schemeClr>
+                </a:lnRef>
+                <a:fillRef idx="1">
+                  <a:schemeClr val="accent1"/>
+                </a:fillRef>
+                <a:effectRef idx="0">
+                  <a:schemeClr val="accent1"/>
+                </a:effectRef>
+                <a:fontRef idx="minor">
+                  <a:schemeClr val="lt1"/>
+                </a:fontRef>
+              </p:style>
+              <p:txBody>
+                <a:bodyPr wrap="none" lIns="0" tIns="0" rIns="0" bIns="0" rtlCol="0" anchor="ctr"/>
+                <a:lstStyle/>
+                <a:p>
+                  <a:pPr algn="ctr"/>
+                  <a:r>
+                    <a:rPr lang="fr-BE" noProof="1" smtClean="0">
+                      <a:solidFill>
+                        <a:schemeClr val="tx1"/>
+                      </a:solidFill>
+                    </a:rPr>
+                    <a:t>Synchronizer</a:t>
+                  </a:r>
+                  <a:endParaRPr lang="fr-BE" noProof="1" smtClean="0">
+                    <a:solidFill>
+                      <a:schemeClr val="tx1"/>
+                    </a:solidFill>
+                  </a:endParaRPr>
+                </a:p>
+                <a:p>
+                  <a:pPr algn="ctr"/>
+                  <a:r>
+                    <a:rPr lang="fr-BE" noProof="1" smtClean="0">
+                      <a:solidFill>
+                        <a:schemeClr val="tx1"/>
+                      </a:solidFill>
+                    </a:rPr>
+                    <a:t>automaton</a:t>
+                  </a:r>
+                  <a:endParaRPr lang="fr-BE" noProof="1">
+                    <a:solidFill>
+                      <a:schemeClr val="tx1"/>
+                    </a:solidFill>
+                  </a:endParaRPr>
+                </a:p>
+              </p:txBody>
+            </p:sp>
+            <p:cxnSp>
+              <p:nvCxnSpPr>
+                <p:cNvPr id="198" name="Connecteur droit 197"/>
+                <p:cNvCxnSpPr/>
+                <p:nvPr/>
+              </p:nvCxnSpPr>
+              <p:spPr>
+                <a:xfrm>
+                  <a:off x="2771800" y="3879016"/>
+                  <a:ext cx="1152000" cy="0"/>
+                </a:xfrm>
+                <a:prstGeom prst="line">
+                  <a:avLst/>
+                </a:prstGeom>
+              </p:spPr>
+              <p:style>
+                <a:lnRef idx="2">
+                  <a:schemeClr val="dk1"/>
+                </a:lnRef>
+                <a:fillRef idx="0">
+                  <a:schemeClr val="dk1"/>
+                </a:fillRef>
+                <a:effectRef idx="1">
+                  <a:schemeClr val="dk1"/>
+                </a:effectRef>
+                <a:fontRef idx="minor">
+                  <a:schemeClr val="tx1"/>
+                </a:fontRef>
+              </p:style>
+            </p:cxnSp>
+            <p:cxnSp>
+              <p:nvCxnSpPr>
+                <p:cNvPr id="199" name="Connecteur droit 198"/>
+                <p:cNvCxnSpPr/>
+                <p:nvPr/>
+              </p:nvCxnSpPr>
+              <p:spPr>
+                <a:xfrm>
+                  <a:off x="2771800" y="4455080"/>
+                  <a:ext cx="1152000" cy="0"/>
+                </a:xfrm>
+                <a:prstGeom prst="line">
+                  <a:avLst/>
+                </a:prstGeom>
+              </p:spPr>
+              <p:style>
+                <a:lnRef idx="2">
+                  <a:schemeClr val="dk1"/>
+                </a:lnRef>
+                <a:fillRef idx="0">
+                  <a:schemeClr val="dk1"/>
+                </a:fillRef>
+                <a:effectRef idx="1">
+                  <a:schemeClr val="dk1"/>
+                </a:effectRef>
+                <a:fontRef idx="minor">
+                  <a:schemeClr val="tx1"/>
+                </a:fontRef>
+              </p:style>
+            </p:cxnSp>
+          </p:grpSp>
+          <p:sp>
+            <p:nvSpPr>
+              <p:cNvPr id="200" name="Ellipse 199"/>
+              <p:cNvSpPr/>
+              <p:nvPr/>
+            </p:nvSpPr>
+            <p:spPr>
+              <a:xfrm>
+                <a:off x="4536184" y="3465104"/>
+                <a:ext cx="900000" cy="900000"/>
+              </a:xfrm>
+              <a:prstGeom prst="ellipse">
+                <a:avLst/>
+              </a:prstGeom>
+            </p:spPr>
+            <p:style>
+              <a:lnRef idx="2">
+                <a:schemeClr val="dk1"/>
+              </a:lnRef>
+              <a:fillRef idx="1">
+                <a:schemeClr val="lt1"/>
+              </a:fillRef>
+              <a:effectRef idx="0">
+                <a:schemeClr val="dk1"/>
+              </a:effectRef>
+              <a:fontRef idx="minor">
+                <a:schemeClr val="dk1"/>
+              </a:fontRef>
+            </p:style>
+            <p:txBody>
+              <a:bodyPr lIns="0" tIns="0" rIns="0" bIns="0" rtlCol="0" anchor="ctr"/>
+              <a:lstStyle/>
+              <a:p>
+                <a:pPr algn="ctr"/>
+                <a:r>
+                  <a:rPr lang="fr-BE" sz="1600" dirty="0" smtClean="0"/>
+                  <a:t>g</a:t>
+                </a:r>
+                <a:r>
+                  <a:rPr lang="fr-BE" sz="1600" dirty="0" smtClean="0"/>
+                  <a:t>-LTS </a:t>
+                </a:r>
+                <a:r>
+                  <a:rPr lang="fr-BE" sz="1600" dirty="0" smtClean="0">
+                    <a:latin typeface="Arial" pitchFamily="34" charset="0"/>
+                    <a:cs typeface="Arial" pitchFamily="34" charset="0"/>
+                  </a:rPr>
+                  <a:t> ||</a:t>
+                </a:r>
+                <a:r>
+                  <a:rPr lang="fr-BE" sz="1600" dirty="0" smtClean="0"/>
+                  <a:t/>
+                </a:r>
+                <a:br>
+                  <a:rPr lang="fr-BE" sz="1600" dirty="0" smtClean="0"/>
+                </a:br>
+                <a:r>
+                  <a:rPr lang="fr-BE" sz="1600" dirty="0" smtClean="0"/>
+                  <a:t>+</a:t>
+                </a:r>
+                <a:r>
+                  <a:rPr lang="fr-BE" sz="1600" dirty="0" err="1" smtClean="0"/>
+                  <a:t>hiding</a:t>
+                </a:r>
+                <a:endParaRPr lang="fr-BE" sz="1600" dirty="0"/>
+              </a:p>
+            </p:txBody>
+          </p:sp>
+          <p:cxnSp>
+            <p:nvCxnSpPr>
+              <p:cNvPr id="201" name="Connecteur droit avec flèche 200"/>
+              <p:cNvCxnSpPr>
+                <a:stCxn id="376" idx="6"/>
+                <a:endCxn id="359" idx="0"/>
+              </p:cNvCxnSpPr>
+              <p:nvPr/>
+            </p:nvCxnSpPr>
+            <p:spPr>
+              <a:xfrm>
+                <a:off x="3806201" y="2780928"/>
+                <a:ext cx="351751" cy="1116128"/>
+              </a:xfrm>
+              <a:prstGeom prst="bentConnector2">
+                <a:avLst/>
+              </a:prstGeom>
+              <a:ln>
+                <a:tailEnd type="none"/>
+              </a:ln>
+            </p:spPr>
+            <p:style>
+              <a:lnRef idx="2">
+                <a:schemeClr val="dk1"/>
+              </a:lnRef>
+              <a:fillRef idx="0">
+                <a:schemeClr val="dk1"/>
+              </a:fillRef>
+              <a:effectRef idx="1">
+                <a:schemeClr val="dk1"/>
+              </a:effectRef>
+              <a:fontRef idx="minor">
+                <a:schemeClr val="tx1"/>
+              </a:fontRef>
+            </p:style>
+          </p:cxnSp>
+          <p:cxnSp>
+            <p:nvCxnSpPr>
+              <p:cNvPr id="204" name="Connecteur droit avec flèche 203"/>
+              <p:cNvCxnSpPr>
+                <a:stCxn id="184" idx="3"/>
+                <a:endCxn id="359" idx="4"/>
+              </p:cNvCxnSpPr>
+              <p:nvPr/>
+            </p:nvCxnSpPr>
+            <p:spPr>
+              <a:xfrm flipV="1">
+                <a:off x="3842784" y="3933056"/>
+                <a:ext cx="315168" cy="918168"/>
+              </a:xfrm>
+              <a:prstGeom prst="bentConnector2">
+                <a:avLst/>
+              </a:prstGeom>
+              <a:ln>
+                <a:tailEnd type="none"/>
+              </a:ln>
+            </p:spPr>
+            <p:style>
+              <a:lnRef idx="2">
+                <a:schemeClr val="dk1"/>
+              </a:lnRef>
+              <a:fillRef idx="0">
+                <a:schemeClr val="dk1"/>
+              </a:fillRef>
+              <a:effectRef idx="1">
+                <a:schemeClr val="dk1"/>
+              </a:effectRef>
+              <a:fontRef idx="minor">
+                <a:schemeClr val="tx1"/>
+              </a:fontRef>
+            </p:style>
+          </p:cxnSp>
+          <p:cxnSp>
+            <p:nvCxnSpPr>
+              <p:cNvPr id="207" name="Connecteur droit avec flèche 206"/>
+              <p:cNvCxnSpPr>
+                <a:stCxn id="359" idx="6"/>
+                <a:endCxn id="200" idx="2"/>
+              </p:cNvCxnSpPr>
+              <p:nvPr/>
+            </p:nvCxnSpPr>
+            <p:spPr>
+              <a:xfrm>
+                <a:off x="4175952" y="3915056"/>
+                <a:ext cx="360232" cy="48"/>
+              </a:xfrm>
+              <a:prstGeom prst="straightConnector1">
+                <a:avLst/>
+              </a:prstGeom>
+              <a:ln>
+                <a:tailEnd type="arrow"/>
+              </a:ln>
+            </p:spPr>
+            <p:style>
+              <a:lnRef idx="2">
+                <a:schemeClr val="dk1"/>
+              </a:lnRef>
+              <a:fillRef idx="0">
+                <a:schemeClr val="dk1"/>
+              </a:fillRef>
+              <a:effectRef idx="1">
+                <a:schemeClr val="dk1"/>
+              </a:effectRef>
+              <a:fontRef idx="minor">
+                <a:schemeClr val="tx1"/>
+              </a:fontRef>
+            </p:style>
+          </p:cxnSp>
+          <p:grpSp>
+            <p:nvGrpSpPr>
+              <p:cNvPr id="246" name="Groupe 245"/>
+              <p:cNvGrpSpPr/>
+              <p:nvPr/>
+            </p:nvGrpSpPr>
+            <p:grpSpPr>
+              <a:xfrm>
+                <a:off x="5652240" y="3609104"/>
+                <a:ext cx="1080000" cy="612000"/>
+                <a:chOff x="5688124" y="2708920"/>
+                <a:chExt cx="1080000" cy="612000"/>
+              </a:xfrm>
+            </p:grpSpPr>
+            <p:sp>
+              <p:nvSpPr>
+                <p:cNvPr id="211" name="Rectangle 210"/>
+                <p:cNvSpPr/>
+                <p:nvPr/>
+              </p:nvSpPr>
+              <p:spPr>
+                <a:xfrm>
+                  <a:off x="5688124" y="2708920"/>
+                  <a:ext cx="1080000" cy="612000"/>
+                </a:xfrm>
+                <a:prstGeom prst="rect">
+                  <a:avLst/>
+                </a:prstGeom>
+                <a:noFill/>
+                <a:ln>
+                  <a:noFill/>
+                </a:ln>
+              </p:spPr>
+              <p:style>
+                <a:lnRef idx="2">
+                  <a:schemeClr val="accent1">
+                    <a:shade val="50000"/>
+                  </a:schemeClr>
+                </a:lnRef>
+                <a:fillRef idx="1">
+                  <a:schemeClr val="accent1"/>
+                </a:fillRef>
+                <a:effectRef idx="0">
+                  <a:schemeClr val="accent1"/>
+                </a:effectRef>
+                <a:fontRef idx="minor">
+                  <a:schemeClr val="lt1"/>
+                </a:fontRef>
+              </p:style>
+              <p:txBody>
+                <a:bodyPr wrap="none" lIns="0" tIns="0" rIns="0" bIns="0" rtlCol="0" anchor="ctr"/>
+                <a:lstStyle/>
+                <a:p>
+                  <a:pPr algn="ctr"/>
+                  <a:r>
+                    <a:rPr lang="fr-BE" noProof="1" smtClean="0">
+                      <a:solidFill>
+                        <a:schemeClr val="tx1"/>
+                      </a:solidFill>
+                    </a:rPr>
+                    <a:t>Tester</a:t>
+                  </a:r>
+                </a:p>
+                <a:p>
+                  <a:pPr algn="ctr"/>
+                  <a:r>
+                    <a:rPr lang="fr-BE" noProof="1" smtClean="0">
+                      <a:solidFill>
+                        <a:schemeClr val="tx1"/>
+                      </a:solidFill>
+                    </a:rPr>
+                    <a:t>automaton</a:t>
+                  </a:r>
+                  <a:endParaRPr lang="fr-BE" noProof="1">
+                    <a:solidFill>
+                      <a:schemeClr val="tx1"/>
+                    </a:solidFill>
+                  </a:endParaRPr>
+                </a:p>
+              </p:txBody>
+            </p:sp>
+            <p:cxnSp>
+              <p:nvCxnSpPr>
+                <p:cNvPr id="213" name="Connecteur droit 212"/>
+                <p:cNvCxnSpPr/>
+                <p:nvPr/>
+              </p:nvCxnSpPr>
+              <p:spPr>
+                <a:xfrm>
+                  <a:off x="5688124" y="2726888"/>
+                  <a:ext cx="1080000" cy="0"/>
+                </a:xfrm>
+                <a:prstGeom prst="line">
+                  <a:avLst/>
+                </a:prstGeom>
+              </p:spPr>
+              <p:style>
+                <a:lnRef idx="2">
+                  <a:schemeClr val="dk1"/>
+                </a:lnRef>
+                <a:fillRef idx="0">
+                  <a:schemeClr val="dk1"/>
+                </a:fillRef>
+                <a:effectRef idx="1">
+                  <a:schemeClr val="dk1"/>
+                </a:effectRef>
+                <a:fontRef idx="minor">
+                  <a:schemeClr val="tx1"/>
+                </a:fontRef>
+              </p:style>
+            </p:cxnSp>
+            <p:cxnSp>
+              <p:nvCxnSpPr>
+                <p:cNvPr id="214" name="Connecteur droit 213"/>
+                <p:cNvCxnSpPr/>
+                <p:nvPr/>
+              </p:nvCxnSpPr>
+              <p:spPr>
+                <a:xfrm>
+                  <a:off x="5688124" y="3302952"/>
+                  <a:ext cx="1080000" cy="0"/>
+                </a:xfrm>
+                <a:prstGeom prst="line">
+                  <a:avLst/>
+                </a:prstGeom>
+              </p:spPr>
+              <p:style>
+                <a:lnRef idx="2">
+                  <a:schemeClr val="dk1"/>
+                </a:lnRef>
+                <a:fillRef idx="0">
+                  <a:schemeClr val="dk1"/>
+                </a:fillRef>
+                <a:effectRef idx="1">
+                  <a:schemeClr val="dk1"/>
+                </a:effectRef>
+                <a:fontRef idx="minor">
+                  <a:schemeClr val="tx1"/>
+                </a:fontRef>
+              </p:style>
+            </p:cxnSp>
+          </p:grpSp>
+          <p:cxnSp>
+            <p:nvCxnSpPr>
+              <p:cNvPr id="215" name="Connecteur droit avec flèche 214"/>
+              <p:cNvCxnSpPr>
+                <a:stCxn id="200" idx="6"/>
+                <a:endCxn id="211" idx="1"/>
+              </p:cNvCxnSpPr>
+              <p:nvPr/>
+            </p:nvCxnSpPr>
+            <p:spPr>
+              <a:xfrm>
+                <a:off x="5436184" y="3915104"/>
+                <a:ext cx="216056" cy="1588"/>
+              </a:xfrm>
+              <a:prstGeom prst="bentConnector3">
+                <a:avLst>
+                  <a:gd name="adj1" fmla="val 50000"/>
+                </a:avLst>
+              </a:prstGeom>
+              <a:ln>
+                <a:tailEnd type="arrow"/>
+              </a:ln>
+            </p:spPr>
+            <p:style>
+              <a:lnRef idx="2">
+                <a:schemeClr val="dk1"/>
+              </a:lnRef>
+              <a:fillRef idx="0">
+                <a:schemeClr val="dk1"/>
+              </a:fillRef>
+              <a:effectRef idx="1">
+                <a:schemeClr val="dk1"/>
+              </a:effectRef>
+              <a:fontRef idx="minor">
+                <a:schemeClr val="tx1"/>
+              </a:fontRef>
+            </p:style>
+          </p:cxnSp>
+          <p:grpSp>
+            <p:nvGrpSpPr>
+              <p:cNvPr id="247" name="Groupe 246"/>
+              <p:cNvGrpSpPr/>
+              <p:nvPr/>
+            </p:nvGrpSpPr>
+            <p:grpSpPr>
+              <a:xfrm>
+                <a:off x="6977992" y="2605568"/>
+                <a:ext cx="1296000" cy="612000"/>
+                <a:chOff x="7463402" y="1844824"/>
+                <a:chExt cx="1296000" cy="612000"/>
+              </a:xfrm>
+            </p:grpSpPr>
+            <p:sp>
+              <p:nvSpPr>
+                <p:cNvPr id="219" name="Rectangle 218"/>
+                <p:cNvSpPr/>
+                <p:nvPr/>
+              </p:nvSpPr>
+              <p:spPr>
+                <a:xfrm>
+                  <a:off x="7463402" y="1844824"/>
+                  <a:ext cx="1296000" cy="612000"/>
+                </a:xfrm>
+                <a:prstGeom prst="rect">
+                  <a:avLst/>
+                </a:prstGeom>
+                <a:noFill/>
+                <a:ln>
+                  <a:noFill/>
+                </a:ln>
+              </p:spPr>
+              <p:style>
+                <a:lnRef idx="2">
+                  <a:schemeClr val="accent1">
+                    <a:shade val="50000"/>
+                  </a:schemeClr>
+                </a:lnRef>
+                <a:fillRef idx="1">
+                  <a:schemeClr val="accent1"/>
+                </a:fillRef>
+                <a:effectRef idx="0">
+                  <a:schemeClr val="accent1"/>
+                </a:effectRef>
+                <a:fontRef idx="minor">
+                  <a:schemeClr val="lt1"/>
+                </a:fontRef>
+              </p:style>
+              <p:txBody>
+                <a:bodyPr wrap="none" lIns="0" tIns="0" rIns="0" bIns="0" rtlCol="0" anchor="ctr"/>
+                <a:lstStyle/>
+                <a:p>
+                  <a:pPr algn="ctr"/>
+                  <a:r>
+                    <a:rPr lang="fr-BE" noProof="1" smtClean="0">
+                      <a:solidFill>
+                        <a:schemeClr val="tx1"/>
+                      </a:solidFill>
+                    </a:rPr>
+                    <a:t>Search space </a:t>
+                  </a:r>
+                  <a:br>
+                    <a:rPr lang="fr-BE" noProof="1" smtClean="0">
+                      <a:solidFill>
+                        <a:schemeClr val="tx1"/>
+                      </a:solidFill>
+                    </a:rPr>
+                  </a:br>
+                  <a:r>
+                    <a:rPr lang="fr-BE" noProof="1" smtClean="0">
+                      <a:solidFill>
+                        <a:schemeClr val="tx1"/>
+                      </a:solidFill>
+                    </a:rPr>
+                    <a:t>automaton</a:t>
+                  </a:r>
+                  <a:endParaRPr lang="fr-BE" noProof="1">
+                    <a:solidFill>
+                      <a:schemeClr val="tx1"/>
+                    </a:solidFill>
+                  </a:endParaRPr>
+                </a:p>
+              </p:txBody>
+            </p:sp>
+            <p:cxnSp>
+              <p:nvCxnSpPr>
+                <p:cNvPr id="221" name="Connecteur droit 220"/>
+                <p:cNvCxnSpPr/>
+                <p:nvPr/>
+              </p:nvCxnSpPr>
+              <p:spPr>
+                <a:xfrm>
+                  <a:off x="7463402" y="1862792"/>
+                  <a:ext cx="1296000" cy="0"/>
+                </a:xfrm>
+                <a:prstGeom prst="line">
+                  <a:avLst/>
+                </a:prstGeom>
+              </p:spPr>
+              <p:style>
+                <a:lnRef idx="2">
+                  <a:schemeClr val="dk1"/>
+                </a:lnRef>
+                <a:fillRef idx="0">
+                  <a:schemeClr val="dk1"/>
+                </a:fillRef>
+                <a:effectRef idx="1">
+                  <a:schemeClr val="dk1"/>
+                </a:effectRef>
+                <a:fontRef idx="minor">
+                  <a:schemeClr val="tx1"/>
+                </a:fontRef>
+              </p:style>
+            </p:cxnSp>
+            <p:cxnSp>
+              <p:nvCxnSpPr>
+                <p:cNvPr id="222" name="Connecteur droit 221"/>
+                <p:cNvCxnSpPr/>
+                <p:nvPr/>
+              </p:nvCxnSpPr>
+              <p:spPr>
+                <a:xfrm>
+                  <a:off x="7463402" y="2438856"/>
+                  <a:ext cx="1296000" cy="0"/>
+                </a:xfrm>
+                <a:prstGeom prst="line">
+                  <a:avLst/>
+                </a:prstGeom>
+              </p:spPr>
+              <p:style>
+                <a:lnRef idx="2">
+                  <a:schemeClr val="dk1"/>
+                </a:lnRef>
+                <a:fillRef idx="0">
+                  <a:schemeClr val="dk1"/>
+                </a:fillRef>
+                <a:effectRef idx="1">
+                  <a:schemeClr val="dk1"/>
+                </a:effectRef>
+                <a:fontRef idx="minor">
+                  <a:schemeClr val="tx1"/>
+                </a:fontRef>
+              </p:style>
+            </p:cxnSp>
+          </p:grpSp>
+          <p:sp>
+            <p:nvSpPr>
+              <p:cNvPr id="248" name="Ellipse 247"/>
+              <p:cNvSpPr/>
+              <p:nvPr/>
+            </p:nvSpPr>
+            <p:spPr>
+              <a:xfrm>
+                <a:off x="5742240" y="2461568"/>
+                <a:ext cx="900000" cy="900000"/>
+              </a:xfrm>
+              <a:prstGeom prst="ellipse">
+                <a:avLst/>
+              </a:prstGeom>
+            </p:spPr>
+            <p:style>
+              <a:lnRef idx="2">
+                <a:schemeClr val="dk1"/>
+              </a:lnRef>
+              <a:fillRef idx="1">
+                <a:schemeClr val="lt1"/>
+              </a:fillRef>
+              <a:effectRef idx="0">
+                <a:schemeClr val="dk1"/>
+              </a:effectRef>
+              <a:fontRef idx="minor">
+                <a:schemeClr val="dk1"/>
+              </a:fontRef>
+            </p:style>
+            <p:txBody>
+              <a:bodyPr lIns="0" tIns="0" rIns="0" bIns="0" rtlCol="0" anchor="ctr"/>
+              <a:lstStyle/>
+              <a:p>
+                <a:pPr algn="ctr"/>
+                <a:r>
+                  <a:rPr lang="fr-BE" sz="1600" dirty="0" smtClean="0"/>
+                  <a:t>LTS </a:t>
+                </a:r>
+                <a:r>
+                  <a:rPr lang="fr-BE" sz="1600" dirty="0" smtClean="0">
+                    <a:latin typeface="Arial" pitchFamily="34" charset="0"/>
+                    <a:cs typeface="Arial" pitchFamily="34" charset="0"/>
+                  </a:rPr>
+                  <a:t> ||</a:t>
+                </a:r>
+                <a:endParaRPr lang="fr-BE" sz="1600" dirty="0"/>
+              </a:p>
+            </p:txBody>
+          </p:sp>
+          <p:cxnSp>
+            <p:nvCxnSpPr>
+              <p:cNvPr id="254" name="Connecteur droit avec flèche 253"/>
+              <p:cNvCxnSpPr>
+                <a:endCxn id="248" idx="0"/>
+              </p:cNvCxnSpPr>
+              <p:nvPr/>
+            </p:nvCxnSpPr>
+            <p:spPr>
+              <a:xfrm rot="5400000">
+                <a:off x="6081848" y="2351176"/>
+                <a:ext cx="220784" cy="1588"/>
+              </a:xfrm>
+              <a:prstGeom prst="straightConnector1">
+                <a:avLst/>
+              </a:prstGeom>
+              <a:ln>
+                <a:tailEnd type="arrow"/>
+              </a:ln>
+            </p:spPr>
+            <p:style>
+              <a:lnRef idx="2">
+                <a:schemeClr val="dk1"/>
+              </a:lnRef>
+              <a:fillRef idx="0">
+                <a:schemeClr val="dk1"/>
+              </a:fillRef>
+              <a:effectRef idx="1">
+                <a:schemeClr val="dk1"/>
+              </a:effectRef>
+              <a:fontRef idx="minor">
+                <a:schemeClr val="tx1"/>
+              </a:fontRef>
+            </p:style>
+          </p:cxnSp>
+          <p:cxnSp>
+            <p:nvCxnSpPr>
+              <p:cNvPr id="258" name="Connecteur droit avec flèche 257"/>
+              <p:cNvCxnSpPr>
+                <a:endCxn id="248" idx="4"/>
+              </p:cNvCxnSpPr>
+              <p:nvPr/>
+            </p:nvCxnSpPr>
+            <p:spPr>
+              <a:xfrm rot="5400000" flipH="1" flipV="1">
+                <a:off x="6067678" y="3485336"/>
+                <a:ext cx="248330" cy="794"/>
+              </a:xfrm>
+              <a:prstGeom prst="straightConnector1">
+                <a:avLst/>
+              </a:prstGeom>
+              <a:ln>
+                <a:tailEnd type="arrow"/>
+              </a:ln>
+            </p:spPr>
+            <p:style>
+              <a:lnRef idx="2">
+                <a:schemeClr val="dk1"/>
+              </a:lnRef>
+              <a:fillRef idx="0">
+                <a:schemeClr val="dk1"/>
+              </a:fillRef>
+              <a:effectRef idx="1">
+                <a:schemeClr val="dk1"/>
+              </a:effectRef>
+              <a:fontRef idx="minor">
+                <a:schemeClr val="tx1"/>
+              </a:fontRef>
+            </p:style>
+          </p:cxnSp>
+          <p:cxnSp>
+            <p:nvCxnSpPr>
+              <p:cNvPr id="261" name="Connecteur droit avec flèche 260"/>
+              <p:cNvCxnSpPr>
+                <a:stCxn id="248" idx="6"/>
+                <a:endCxn id="219" idx="1"/>
+              </p:cNvCxnSpPr>
+              <p:nvPr/>
+            </p:nvCxnSpPr>
+            <p:spPr>
+              <a:xfrm>
+                <a:off x="6642240" y="2911568"/>
+                <a:ext cx="335752" cy="1588"/>
+              </a:xfrm>
+              <a:prstGeom prst="straightConnector1">
+                <a:avLst/>
+              </a:prstGeom>
+              <a:ln>
+                <a:tailEnd type="arrow"/>
+              </a:ln>
+            </p:spPr>
+            <p:style>
+              <a:lnRef idx="2">
+                <a:schemeClr val="dk1"/>
+              </a:lnRef>
+              <a:fillRef idx="0">
+                <a:schemeClr val="dk1"/>
+              </a:fillRef>
+              <a:effectRef idx="1">
+                <a:schemeClr val="dk1"/>
+              </a:effectRef>
+              <a:fontRef idx="minor">
+                <a:schemeClr val="tx1"/>
+              </a:fontRef>
+            </p:style>
+          </p:cxnSp>
+          <p:cxnSp>
+            <p:nvCxnSpPr>
+              <p:cNvPr id="192" name="Connecteur droit avec flèche 191"/>
+              <p:cNvCxnSpPr>
+                <a:stCxn id="182" idx="6"/>
+              </p:cNvCxnSpPr>
+              <p:nvPr/>
+            </p:nvCxnSpPr>
+            <p:spPr>
+              <a:xfrm>
+                <a:off x="2422264" y="4851208"/>
+                <a:ext cx="232520" cy="16"/>
+              </a:xfrm>
+              <a:prstGeom prst="bentConnector3">
+                <a:avLst>
+                  <a:gd name="adj1" fmla="val 50000"/>
+                </a:avLst>
+              </a:prstGeom>
+              <a:ln>
+                <a:tailEnd type="arrow"/>
+              </a:ln>
+            </p:spPr>
+            <p:style>
+              <a:lnRef idx="2">
+                <a:schemeClr val="dk1"/>
+              </a:lnRef>
+              <a:fillRef idx="0">
+                <a:schemeClr val="dk1"/>
+              </a:fillRef>
+              <a:effectRef idx="1">
+                <a:schemeClr val="dk1"/>
+              </a:effectRef>
+              <a:fontRef idx="minor">
+                <a:schemeClr val="tx1"/>
+              </a:fontRef>
+            </p:style>
+          </p:cxnSp>
+          <p:sp>
+            <p:nvSpPr>
+              <p:cNvPr id="358" name="Ellipse 357"/>
+              <p:cNvSpPr/>
+              <p:nvPr/>
+            </p:nvSpPr>
+            <p:spPr>
+              <a:xfrm>
+                <a:off x="4139952" y="1916832"/>
+                <a:ext cx="36000" cy="36000"/>
+              </a:xfrm>
+              <a:prstGeom prst="ellipse">
+                <a:avLst/>
+              </a:prstGeom>
+            </p:spPr>
+            <p:style>
+              <a:lnRef idx="2">
+                <a:schemeClr val="dk1">
+                  <a:shade val="50000"/>
+                </a:schemeClr>
+              </a:lnRef>
+              <a:fillRef idx="1">
+                <a:schemeClr val="dk1"/>
+              </a:fillRef>
+              <a:effectRef idx="0">
+                <a:schemeClr val="dk1"/>
+              </a:effectRef>
+              <a:fontRef idx="minor">
+                <a:schemeClr val="lt1"/>
+              </a:fontRef>
+            </p:style>
+            <p:txBody>
+              <a:bodyPr rtlCol="0" anchor="ctr"/>
+              <a:lstStyle/>
+              <a:p>
+                <a:pPr algn="ctr"/>
+                <a:endParaRPr lang="fr-BE"/>
+              </a:p>
+            </p:txBody>
+          </p:sp>
+          <p:sp>
+            <p:nvSpPr>
+              <p:cNvPr id="359" name="Ellipse 358"/>
+              <p:cNvSpPr/>
+              <p:nvPr/>
+            </p:nvSpPr>
+            <p:spPr>
+              <a:xfrm>
+                <a:off x="4139952" y="3897056"/>
+                <a:ext cx="36000" cy="36000"/>
+              </a:xfrm>
+              <a:prstGeom prst="ellipse">
+                <a:avLst/>
+              </a:prstGeom>
+            </p:spPr>
+            <p:style>
+              <a:lnRef idx="2">
+                <a:schemeClr val="dk1">
+                  <a:shade val="50000"/>
+                </a:schemeClr>
+              </a:lnRef>
+              <a:fillRef idx="1">
+                <a:schemeClr val="dk1"/>
+              </a:fillRef>
+              <a:effectRef idx="0">
+                <a:schemeClr val="dk1"/>
+              </a:effectRef>
+              <a:fontRef idx="minor">
+                <a:schemeClr val="lt1"/>
+              </a:fontRef>
+            </p:style>
+            <p:txBody>
+              <a:bodyPr rtlCol="0" anchor="ctr"/>
+              <a:lstStyle/>
+              <a:p>
+                <a:pPr algn="ctr"/>
+                <a:endParaRPr lang="fr-BE"/>
+              </a:p>
+            </p:txBody>
+          </p:sp>
+          <p:cxnSp>
+            <p:nvCxnSpPr>
+              <p:cNvPr id="362" name="Connecteur droit avec flèche 149"/>
+              <p:cNvCxnSpPr>
+                <a:stCxn id="358" idx="6"/>
+                <a:endCxn id="149" idx="2"/>
+              </p:cNvCxnSpPr>
+              <p:nvPr/>
+            </p:nvCxnSpPr>
+            <p:spPr>
+              <a:xfrm flipV="1">
+                <a:off x="4175952" y="1934784"/>
+                <a:ext cx="360232" cy="48"/>
+              </a:xfrm>
+              <a:prstGeom prst="bentConnector3">
+                <a:avLst>
+                  <a:gd name="adj1" fmla="val 50000"/>
+                </a:avLst>
+              </a:prstGeom>
+              <a:ln>
+                <a:tailEnd type="arrow"/>
+              </a:ln>
+            </p:spPr>
+            <p:style>
+              <a:lnRef idx="2">
+                <a:schemeClr val="dk1"/>
+              </a:lnRef>
+              <a:fillRef idx="0">
+                <a:schemeClr val="dk1"/>
+              </a:fillRef>
+              <a:effectRef idx="1">
+                <a:schemeClr val="dk1"/>
+              </a:effectRef>
+              <a:fontRef idx="minor">
+                <a:schemeClr val="tx1"/>
+              </a:fontRef>
+            </p:style>
+          </p:cxnSp>
+          <p:cxnSp>
+            <p:nvCxnSpPr>
+              <p:cNvPr id="371" name="Connecteur droit avec flèche 200"/>
+              <p:cNvCxnSpPr>
+                <a:stCxn id="196" idx="3"/>
+                <a:endCxn id="359" idx="2"/>
+              </p:cNvCxnSpPr>
+              <p:nvPr/>
+            </p:nvCxnSpPr>
+            <p:spPr>
+              <a:xfrm flipV="1">
+                <a:off x="3842784" y="3915056"/>
+                <a:ext cx="297168" cy="32"/>
+              </a:xfrm>
+              <a:prstGeom prst="bentConnector3">
+                <a:avLst>
+                  <a:gd name="adj1" fmla="val 50000"/>
+                </a:avLst>
+              </a:prstGeom>
+              <a:ln>
+                <a:tailEnd type="none"/>
+              </a:ln>
+            </p:spPr>
+            <p:style>
+              <a:lnRef idx="2">
+                <a:schemeClr val="dk1"/>
+              </a:lnRef>
+              <a:fillRef idx="0">
+                <a:schemeClr val="dk1"/>
+              </a:fillRef>
+              <a:effectRef idx="1">
+                <a:schemeClr val="dk1"/>
+              </a:effectRef>
+              <a:fontRef idx="minor">
+                <a:schemeClr val="tx1"/>
+              </a:fontRef>
+            </p:style>
+          </p:cxnSp>
+          <p:sp>
+            <p:nvSpPr>
+              <p:cNvPr id="374" name="Ellipse 373"/>
+              <p:cNvSpPr/>
+              <p:nvPr/>
+            </p:nvSpPr>
+            <p:spPr>
+              <a:xfrm flipV="1">
+                <a:off x="3806201" y="2564904"/>
+                <a:ext cx="0" cy="0"/>
+              </a:xfrm>
+              <a:prstGeom prst="ellipse">
+                <a:avLst/>
+              </a:prstGeom>
+            </p:spPr>
+            <p:style>
+              <a:lnRef idx="2">
+                <a:schemeClr val="dk1">
+                  <a:shade val="50000"/>
+                </a:schemeClr>
+              </a:lnRef>
+              <a:fillRef idx="1">
+                <a:schemeClr val="dk1"/>
+              </a:fillRef>
+              <a:effectRef idx="0">
+                <a:schemeClr val="dk1"/>
+              </a:effectRef>
+              <a:fontRef idx="minor">
+                <a:schemeClr val="lt1"/>
+              </a:fontRef>
+            </p:style>
+            <p:txBody>
+              <a:bodyPr rtlCol="0" anchor="ctr"/>
+              <a:lstStyle/>
+              <a:p>
+                <a:pPr algn="ctr"/>
+                <a:endParaRPr lang="fr-BE"/>
+              </a:p>
+            </p:txBody>
+          </p:sp>
+          <p:sp>
+            <p:nvSpPr>
+              <p:cNvPr id="376" name="Ellipse 375"/>
+              <p:cNvSpPr/>
+              <p:nvPr/>
+            </p:nvSpPr>
+            <p:spPr>
+              <a:xfrm flipV="1">
+                <a:off x="3806201" y="2780928"/>
+                <a:ext cx="0" cy="0"/>
+              </a:xfrm>
+              <a:prstGeom prst="ellipse">
+                <a:avLst/>
+              </a:prstGeom>
+            </p:spPr>
+            <p:style>
+              <a:lnRef idx="2">
+                <a:schemeClr val="dk1">
+                  <a:shade val="50000"/>
+                </a:schemeClr>
+              </a:lnRef>
+              <a:fillRef idx="1">
+                <a:schemeClr val="dk1"/>
+              </a:fillRef>
+              <a:effectRef idx="0">
+                <a:schemeClr val="dk1"/>
+              </a:effectRef>
+              <a:fontRef idx="minor">
+                <a:schemeClr val="lt1"/>
+              </a:fontRef>
+            </p:style>
+            <p:txBody>
+              <a:bodyPr rtlCol="0" anchor="ctr"/>
+              <a:lstStyle/>
+              <a:p>
+                <a:pPr algn="ctr"/>
+                <a:endParaRPr lang="fr-BE"/>
+              </a:p>
+            </p:txBody>
+          </p:sp>
+        </p:grpSp>
       </p:grpSp>
     </p:spTree>
   </p:cSld>

--- a/writing/images/train.pptx
+++ b/writing/images/train.pptx
@@ -213,7 +213,7 @@
             <a:fld id="{1A5CA47D-05BA-47C5-ACE1-040A60204EDF}" type="datetimeFigureOut">
               <a:rPr lang="fr-FR" smtClean="0"/>
               <a:pPr/>
-              <a:t>25/08/2011</a:t>
+              <a:t>06/09/2011</a:t>
             </a:fld>
             <a:endParaRPr lang="fr-BE"/>
           </a:p>
@@ -743,7 +743,7 @@
             <a:fld id="{68BDF4EC-5B70-45D8-B718-E56EB4C6B13E}" type="datetimeFigureOut">
               <a:rPr lang="fr-BE" smtClean="0"/>
               <a:pPr/>
-              <a:t>25/08/2011</a:t>
+              <a:t>6/09/2011</a:t>
             </a:fld>
             <a:endParaRPr lang="fr-BE"/>
           </a:p>
@@ -910,7 +910,7 @@
             <a:fld id="{68BDF4EC-5B70-45D8-B718-E56EB4C6B13E}" type="datetimeFigureOut">
               <a:rPr lang="fr-BE" smtClean="0"/>
               <a:pPr/>
-              <a:t>25/08/2011</a:t>
+              <a:t>6/09/2011</a:t>
             </a:fld>
             <a:endParaRPr lang="fr-BE"/>
           </a:p>
@@ -1087,7 +1087,7 @@
             <a:fld id="{68BDF4EC-5B70-45D8-B718-E56EB4C6B13E}" type="datetimeFigureOut">
               <a:rPr lang="fr-BE" smtClean="0"/>
               <a:pPr/>
-              <a:t>25/08/2011</a:t>
+              <a:t>6/09/2011</a:t>
             </a:fld>
             <a:endParaRPr lang="fr-BE"/>
           </a:p>
@@ -1254,7 +1254,7 @@
             <a:fld id="{68BDF4EC-5B70-45D8-B718-E56EB4C6B13E}" type="datetimeFigureOut">
               <a:rPr lang="fr-BE" smtClean="0"/>
               <a:pPr/>
-              <a:t>25/08/2011</a:t>
+              <a:t>6/09/2011</a:t>
             </a:fld>
             <a:endParaRPr lang="fr-BE"/>
           </a:p>
@@ -1497,7 +1497,7 @@
             <a:fld id="{68BDF4EC-5B70-45D8-B718-E56EB4C6B13E}" type="datetimeFigureOut">
               <a:rPr lang="fr-BE" smtClean="0"/>
               <a:pPr/>
-              <a:t>25/08/2011</a:t>
+              <a:t>6/09/2011</a:t>
             </a:fld>
             <a:endParaRPr lang="fr-BE"/>
           </a:p>
@@ -1782,7 +1782,7 @@
             <a:fld id="{68BDF4EC-5B70-45D8-B718-E56EB4C6B13E}" type="datetimeFigureOut">
               <a:rPr lang="fr-BE" smtClean="0"/>
               <a:pPr/>
-              <a:t>25/08/2011</a:t>
+              <a:t>6/09/2011</a:t>
             </a:fld>
             <a:endParaRPr lang="fr-BE"/>
           </a:p>
@@ -2201,7 +2201,7 @@
             <a:fld id="{68BDF4EC-5B70-45D8-B718-E56EB4C6B13E}" type="datetimeFigureOut">
               <a:rPr lang="fr-BE" smtClean="0"/>
               <a:pPr/>
-              <a:t>25/08/2011</a:t>
+              <a:t>6/09/2011</a:t>
             </a:fld>
             <a:endParaRPr lang="fr-BE"/>
           </a:p>
@@ -2316,7 +2316,7 @@
             <a:fld id="{68BDF4EC-5B70-45D8-B718-E56EB4C6B13E}" type="datetimeFigureOut">
               <a:rPr lang="fr-BE" smtClean="0"/>
               <a:pPr/>
-              <a:t>25/08/2011</a:t>
+              <a:t>6/09/2011</a:t>
             </a:fld>
             <a:endParaRPr lang="fr-BE"/>
           </a:p>
@@ -2408,7 +2408,7 @@
             <a:fld id="{68BDF4EC-5B70-45D8-B718-E56EB4C6B13E}" type="datetimeFigureOut">
               <a:rPr lang="fr-BE" smtClean="0"/>
               <a:pPr/>
-              <a:t>25/08/2011</a:t>
+              <a:t>6/09/2011</a:t>
             </a:fld>
             <a:endParaRPr lang="fr-BE"/>
           </a:p>
@@ -2682,7 +2682,7 @@
             <a:fld id="{68BDF4EC-5B70-45D8-B718-E56EB4C6B13E}" type="datetimeFigureOut">
               <a:rPr lang="fr-BE" smtClean="0"/>
               <a:pPr/>
-              <a:t>25/08/2011</a:t>
+              <a:t>6/09/2011</a:t>
             </a:fld>
             <a:endParaRPr lang="fr-BE"/>
           </a:p>
@@ -2932,7 +2932,7 @@
             <a:fld id="{68BDF4EC-5B70-45D8-B718-E56EB4C6B13E}" type="datetimeFigureOut">
               <a:rPr lang="fr-BE" smtClean="0"/>
               <a:pPr/>
-              <a:t>25/08/2011</a:t>
+              <a:t>6/09/2011</a:t>
             </a:fld>
             <a:endParaRPr lang="fr-BE"/>
           </a:p>
@@ -3142,7 +3142,7 @@
             <a:fld id="{68BDF4EC-5B70-45D8-B718-E56EB4C6B13E}" type="datetimeFigureOut">
               <a:rPr lang="fr-BE" smtClean="0"/>
               <a:pPr/>
-              <a:t>25/08/2011</a:t>
+              <a:t>6/09/2011</a:t>
             </a:fld>
             <a:endParaRPr lang="fr-BE"/>
           </a:p>
@@ -6578,16 +6578,16 @@
       </p:grpSpPr>
       <p:grpSp>
         <p:nvGrpSpPr>
-          <p:cNvPr id="4" name="Groupe 3"/>
+          <p:cNvPr id="97" name="Groupe 96"/>
           <p:cNvGrpSpPr/>
           <p:nvPr/>
         </p:nvGrpSpPr>
         <p:grpSpPr>
           <a:xfrm>
-            <a:off x="611560" y="404664"/>
-            <a:ext cx="3699966" cy="1728192"/>
-            <a:chOff x="2813855" y="476672"/>
-            <a:chExt cx="3699966" cy="1728192"/>
+            <a:off x="2051720" y="116632"/>
+            <a:ext cx="4104456" cy="1728192"/>
+            <a:chOff x="467544" y="404664"/>
+            <a:chExt cx="4104456" cy="1728192"/>
           </a:xfrm>
         </p:grpSpPr>
         <p:sp>
@@ -6598,7 +6598,7 @@
           </p:nvSpPr>
           <p:spPr>
             <a:xfrm>
-              <a:off x="4128239" y="762424"/>
+              <a:off x="1997952" y="690416"/>
               <a:ext cx="1043640" cy="396000"/>
             </a:xfrm>
             <a:prstGeom prst="roundRect">
@@ -6626,18 +6626,18 @@
             <a:p>
               <a:pPr algn="ctr"/>
               <a:r>
-                <a:rPr lang="fr-BE" sz="1200" dirty="0" err="1" smtClean="0">
+                <a:rPr lang="fr-BE" sz="1600" dirty="0" err="1" smtClean="0">
                   <a:latin typeface="+mj-lt"/>
                 </a:rPr>
                 <a:t>Collect</a:t>
               </a:r>
               <a:r>
-                <a:rPr lang="fr-BE" sz="1200" dirty="0" smtClean="0">
+                <a:rPr lang="fr-BE" sz="1600" dirty="0" smtClean="0">
                   <a:latin typeface="+mj-lt"/>
                 </a:rPr>
                 <a:t> </a:t>
               </a:r>
-              <a:endParaRPr lang="fr-BE" sz="1200" dirty="0">
+              <a:endParaRPr lang="fr-BE" sz="1600" dirty="0">
                 <a:latin typeface="+mj-lt"/>
               </a:endParaRPr>
             </a:p>
@@ -6651,7 +6651,7 @@
           </p:nvSpPr>
           <p:spPr>
             <a:xfrm>
-              <a:off x="2813855" y="1392801"/>
+              <a:off x="467544" y="1320793"/>
               <a:ext cx="984448" cy="396000"/>
             </a:xfrm>
             <a:prstGeom prst="roundRect">
@@ -6679,12 +6679,12 @@
             <a:p>
               <a:pPr algn="ctr"/>
               <a:r>
-                <a:rPr lang="fr-BE" sz="1200" dirty="0" err="1" smtClean="0">
+                <a:rPr lang="fr-BE" sz="1600" dirty="0" err="1" smtClean="0">
                   <a:latin typeface="+mj-lt"/>
                 </a:rPr>
                 <a:t>Abritrate</a:t>
               </a:r>
-              <a:endParaRPr lang="fr-BE" sz="1200" dirty="0">
+              <a:endParaRPr lang="fr-BE" sz="1600" dirty="0">
                 <a:latin typeface="+mj-lt"/>
               </a:endParaRPr>
             </a:p>
@@ -6698,7 +6698,7 @@
           </p:nvSpPr>
           <p:spPr>
             <a:xfrm>
-              <a:off x="5470181" y="1392801"/>
+              <a:off x="3528360" y="1320793"/>
               <a:ext cx="1043640" cy="396000"/>
             </a:xfrm>
             <a:prstGeom prst="roundRect">
@@ -6726,7 +6726,7 @@
             <a:p>
               <a:pPr algn="ctr"/>
               <a:r>
-                <a:rPr lang="fr-BE" sz="1200" dirty="0" smtClean="0">
+                <a:rPr lang="fr-BE" sz="1600" dirty="0" smtClean="0">
                   <a:latin typeface="+mj-lt"/>
                 </a:rPr>
                 <a:t>Schedule</a:t>
@@ -6745,7 +6745,7 @@
           </p:nvCxnSpPr>
           <p:spPr>
             <a:xfrm rot="5400000">
-              <a:off x="4558887" y="1249596"/>
+              <a:off x="2428600" y="1177588"/>
               <a:ext cx="182344" cy="1588"/>
             </a:xfrm>
             <a:prstGeom prst="straightConnector1">
@@ -6780,7 +6780,7 @@
           </p:nvCxnSpPr>
           <p:spPr>
             <a:xfrm rot="5400000">
-              <a:off x="5873856" y="1906718"/>
+              <a:off x="3932035" y="1834710"/>
               <a:ext cx="236063" cy="228"/>
             </a:xfrm>
             <a:prstGeom prst="straightConnector1">
@@ -6816,8 +6816,8 @@
           </p:nvCxnSpPr>
           <p:spPr>
             <a:xfrm>
-              <a:off x="5029003" y="1590801"/>
-              <a:ext cx="441178" cy="1588"/>
+              <a:off x="2987824" y="1518793"/>
+              <a:ext cx="540536" cy="1588"/>
             </a:xfrm>
             <a:prstGeom prst="straightConnector1">
               <a:avLst/>
@@ -6852,8 +6852,8 @@
           </p:nvCxnSpPr>
           <p:spPr>
             <a:xfrm rot="10800000">
-              <a:off x="3798303" y="1590801"/>
-              <a:ext cx="472812" cy="1588"/>
+              <a:off x="1451992" y="1518793"/>
+              <a:ext cx="599728" cy="1588"/>
             </a:xfrm>
             <a:prstGeom prst="bentConnector3">
               <a:avLst>
@@ -6887,7 +6887,7 @@
           </p:nvSpPr>
           <p:spPr>
             <a:xfrm>
-              <a:off x="4614059" y="476672"/>
+              <a:off x="2483772" y="404664"/>
               <a:ext cx="72000" cy="72000"/>
             </a:xfrm>
             <a:prstGeom prst="ellipse">
@@ -6933,7 +6933,7 @@
           </p:nvCxnSpPr>
           <p:spPr>
             <a:xfrm rot="5400000">
-              <a:off x="4543183" y="655548"/>
+              <a:off x="2412896" y="583540"/>
               <a:ext cx="213752" cy="1588"/>
             </a:xfrm>
             <a:prstGeom prst="straightConnector1">
@@ -6966,8 +6966,8 @@
           </p:nvSpPr>
           <p:spPr>
             <a:xfrm>
-              <a:off x="4271115" y="1340768"/>
-              <a:ext cx="757888" cy="500066"/>
+              <a:off x="2051720" y="1268760"/>
+              <a:ext cx="936104" cy="500066"/>
             </a:xfrm>
             <a:prstGeom prst="diamond">
               <a:avLst/>
@@ -6996,18 +6996,18 @@
             <a:p>
               <a:pPr algn="ctr"/>
               <a:r>
-                <a:rPr lang="fr-BE" sz="1200" dirty="0" err="1" smtClean="0">
+                <a:rPr lang="fr-BE" sz="1400" dirty="0" err="1" smtClean="0">
                   <a:latin typeface="+mj-lt"/>
                 </a:rPr>
                 <a:t>Conflict</a:t>
               </a:r>
               <a:r>
-                <a:rPr lang="fr-BE" sz="1200" dirty="0" smtClean="0">
+                <a:rPr lang="fr-BE" sz="1400" dirty="0" smtClean="0">
                   <a:latin typeface="+mj-lt"/>
                 </a:rPr>
                 <a:t>?</a:t>
               </a:r>
-              <a:endParaRPr lang="fr-BE" sz="1200" dirty="0">
+              <a:endParaRPr lang="fr-BE" sz="1400" dirty="0">
                 <a:latin typeface="+mj-lt"/>
               </a:endParaRPr>
             </a:p>
@@ -7024,8 +7024,8 @@
           </p:nvCxnSpPr>
           <p:spPr>
             <a:xfrm rot="5400000" flipH="1" flipV="1">
-              <a:off x="3500971" y="765533"/>
-              <a:ext cx="432377" cy="822160"/>
+              <a:off x="1262672" y="585513"/>
+              <a:ext cx="432377" cy="1038184"/>
             </a:xfrm>
             <a:prstGeom prst="bentConnector2">
               <a:avLst/>
@@ -7057,7 +7057,7 @@
           </p:nvGrpSpPr>
           <p:grpSpPr>
             <a:xfrm>
-              <a:off x="5901773" y="2024864"/>
+              <a:off x="3959952" y="1952856"/>
               <a:ext cx="180000" cy="180000"/>
               <a:chOff x="2786050" y="6143644"/>
               <a:chExt cx="180000" cy="180000"/>
@@ -7155,8 +7155,8 @@
           </p:nvSpPr>
           <p:spPr>
             <a:xfrm>
-              <a:off x="3981223" y="1498468"/>
-              <a:ext cx="241279" cy="184666"/>
+              <a:off x="1627655" y="1382918"/>
+              <a:ext cx="309568" cy="246221"/>
             </a:xfrm>
             <a:prstGeom prst="rect">
               <a:avLst/>
@@ -7172,10 +7172,10 @@
             <a:lstStyle/>
             <a:p>
               <a:r>
-                <a:rPr lang="fr-BE" sz="1200" dirty="0" err="1" smtClean="0"/>
+                <a:rPr lang="fr-BE" sz="1600" dirty="0" err="1" smtClean="0"/>
                 <a:t>yes</a:t>
               </a:r>
-              <a:endParaRPr lang="fr-BE" sz="1200" dirty="0"/>
+              <a:endParaRPr lang="fr-BE" sz="1600" dirty="0"/>
             </a:p>
           </p:txBody>
         </p:sp>
@@ -7187,8 +7187,8 @@
           </p:nvSpPr>
           <p:spPr>
             <a:xfrm>
-              <a:off x="5096031" y="1484784"/>
-              <a:ext cx="198255" cy="184666"/>
+              <a:off x="3131840" y="1391005"/>
+              <a:ext cx="252757" cy="246221"/>
             </a:xfrm>
             <a:prstGeom prst="rect">
               <a:avLst/>
@@ -7204,37 +7204,73 @@
             <a:lstStyle/>
             <a:p>
               <a:r>
-                <a:rPr lang="fr-BE" sz="1200" dirty="0" smtClean="0"/>
+                <a:rPr lang="fr-BE" sz="1600" dirty="0" smtClean="0"/>
                 <a:t>no</a:t>
               </a:r>
-              <a:endParaRPr lang="fr-BE" sz="1200" dirty="0"/>
+              <a:endParaRPr lang="fr-BE" sz="1600" dirty="0"/>
             </a:p>
           </p:txBody>
         </p:sp>
       </p:grpSp>
       <p:grpSp>
         <p:nvGrpSpPr>
-          <p:cNvPr id="21" name="Groupe 20"/>
+          <p:cNvPr id="98" name="Groupe 97"/>
           <p:cNvGrpSpPr/>
           <p:nvPr/>
         </p:nvGrpSpPr>
         <p:grpSpPr>
           <a:xfrm>
-            <a:off x="3171265" y="2636912"/>
-            <a:ext cx="3594158" cy="2088232"/>
-            <a:chOff x="2706034" y="2132856"/>
-            <a:chExt cx="3594158" cy="2088232"/>
+            <a:off x="2123728" y="1988840"/>
+            <a:ext cx="4201756" cy="2104278"/>
+            <a:chOff x="2114203" y="2204864"/>
+            <a:chExt cx="4201756" cy="2104278"/>
           </a:xfrm>
         </p:grpSpPr>
         <p:sp>
           <p:nvSpPr>
+            <p:cNvPr id="40" name="ZoneTexte 39"/>
+            <p:cNvSpPr txBox="1"/>
+            <p:nvPr/>
+          </p:nvSpPr>
+          <p:spPr>
+            <a:xfrm flipH="1">
+              <a:off x="2416712" y="3789040"/>
+              <a:ext cx="1003160" cy="246221"/>
+            </a:xfrm>
+            <a:prstGeom prst="rect">
+              <a:avLst/>
+            </a:prstGeom>
+            <a:solidFill>
+              <a:schemeClr val="bg1"/>
+            </a:solidFill>
+          </p:spPr>
+          <p:txBody>
+            <a:bodyPr wrap="none" lIns="0" tIns="0" rIns="0" bIns="0" rtlCol="0">
+              <a:spAutoFit/>
+            </a:bodyPr>
+            <a:lstStyle/>
+            <a:p>
+              <a:r>
+                <a:rPr lang="fr-BE" sz="1600" noProof="1" smtClean="0"/>
+                <a:t>Arbitrate</a:t>
+              </a:r>
+              <a:r>
+                <a:rPr lang="fr-BE" sz="1600" baseline="-25000" noProof="1" smtClean="0"/>
+                <a:t>start</a:t>
+              </a:r>
+              <a:endParaRPr lang="fr-BE" sz="1600" baseline="-25000" noProof="1"/>
+            </a:p>
+          </p:txBody>
+        </p:sp>
+        <p:sp>
+          <p:nvSpPr>
             <p:cNvPr id="22" name="Ellipse 21"/>
             <p:cNvSpPr/>
             <p:nvPr/>
           </p:nvSpPr>
           <p:spPr>
             <a:xfrm>
-              <a:off x="4067944" y="2265442"/>
+              <a:off x="3629654" y="2337450"/>
               <a:ext cx="216024" cy="216024"/>
             </a:xfrm>
             <a:prstGeom prst="ellipse">
@@ -7273,7 +7309,7 @@
           </p:nvSpPr>
           <p:spPr>
             <a:xfrm>
-              <a:off x="5645878" y="2265442"/>
+              <a:off x="5207588" y="2337450"/>
               <a:ext cx="216024" cy="216024"/>
             </a:xfrm>
             <a:prstGeom prst="ellipse">
@@ -7312,7 +7348,7 @@
           </p:nvSpPr>
           <p:spPr>
             <a:xfrm>
-              <a:off x="5645878" y="2708920"/>
+              <a:off x="5207588" y="2780928"/>
               <a:ext cx="216024" cy="216024"/>
             </a:xfrm>
             <a:prstGeom prst="ellipse">
@@ -7351,7 +7387,7 @@
           </p:nvSpPr>
           <p:spPr>
             <a:xfrm>
-              <a:off x="4386456" y="2708920"/>
+              <a:off x="3948166" y="2780928"/>
               <a:ext cx="216024" cy="216024"/>
             </a:xfrm>
             <a:prstGeom prst="ellipse">
@@ -7393,7 +7429,7 @@
           </p:nvCxnSpPr>
           <p:spPr>
             <a:xfrm>
-              <a:off x="4283968" y="2373454"/>
+              <a:off x="3845678" y="2445462"/>
               <a:ext cx="1361910" cy="1588"/>
             </a:xfrm>
             <a:prstGeom prst="straightConnector1">
@@ -7432,7 +7468,7 @@
           </p:nvCxnSpPr>
           <p:spPr>
             <a:xfrm rot="5400000">
-              <a:off x="5640163" y="2595193"/>
+              <a:off x="5201873" y="2667201"/>
               <a:ext cx="227454" cy="1588"/>
             </a:xfrm>
             <a:prstGeom prst="straightConnector1">
@@ -7471,7 +7507,7 @@
           </p:nvCxnSpPr>
           <p:spPr>
             <a:xfrm rot="10800000">
-              <a:off x="4602480" y="2816932"/>
+              <a:off x="4164190" y="2888940"/>
               <a:ext cx="1043398" cy="1588"/>
             </a:xfrm>
             <a:prstGeom prst="straightConnector1">
@@ -7507,7 +7543,7 @@
           </p:nvSpPr>
           <p:spPr>
             <a:xfrm>
-              <a:off x="5580112" y="2455376"/>
+              <a:off x="5141822" y="2527384"/>
               <a:ext cx="159783" cy="215444"/>
             </a:xfrm>
             <a:prstGeom prst="rect">
@@ -7537,8 +7573,8 @@
           </p:nvSpPr>
           <p:spPr>
             <a:xfrm>
-              <a:off x="4860032" y="2273062"/>
-              <a:ext cx="617926" cy="184666"/>
+              <a:off x="4211960" y="2318683"/>
+              <a:ext cx="825547" cy="246221"/>
             </a:xfrm>
             <a:prstGeom prst="rect">
               <a:avLst/>
@@ -7554,14 +7590,14 @@
             <a:lstStyle/>
             <a:p>
               <a:r>
-                <a:rPr lang="fr-BE" sz="1200" noProof="1" smtClean="0"/>
+                <a:rPr lang="fr-BE" sz="1600" noProof="1" smtClean="0"/>
                 <a:t>Collect</a:t>
               </a:r>
               <a:r>
-                <a:rPr lang="fr-BE" sz="1200" baseline="-25000" noProof="1" smtClean="0"/>
+                <a:rPr lang="fr-BE" sz="1600" baseline="-25000" noProof="1" smtClean="0"/>
                 <a:t>start</a:t>
               </a:r>
-              <a:endParaRPr lang="fr-BE" sz="1200" baseline="-25000" noProof="1"/>
+              <a:endParaRPr lang="fr-BE" sz="1600" baseline="-25000" noProof="1"/>
             </a:p>
           </p:txBody>
         </p:sp>
@@ -7573,8 +7609,8 @@
           </p:nvSpPr>
           <p:spPr>
             <a:xfrm>
-              <a:off x="4891323" y="2724160"/>
-              <a:ext cx="586635" cy="184666"/>
+              <a:off x="4304830" y="2752462"/>
+              <a:ext cx="778483" cy="246221"/>
             </a:xfrm>
             <a:prstGeom prst="rect">
               <a:avLst/>
@@ -7590,14 +7626,14 @@
             <a:lstStyle/>
             <a:p>
               <a:r>
-                <a:rPr lang="fr-BE" sz="1200" noProof="1" smtClean="0"/>
+                <a:rPr lang="fr-BE" sz="1600" noProof="1" smtClean="0"/>
                 <a:t>Collect</a:t>
               </a:r>
               <a:r>
-                <a:rPr lang="fr-BE" sz="1200" baseline="-25000" noProof="1" smtClean="0"/>
+                <a:rPr lang="fr-BE" sz="1600" baseline="-25000" noProof="1" smtClean="0"/>
                 <a:t>end</a:t>
               </a:r>
-              <a:endParaRPr lang="fr-BE" sz="1200" baseline="-25000" noProof="1"/>
+              <a:endParaRPr lang="fr-BE" sz="1600" baseline="-25000" noProof="1"/>
             </a:p>
           </p:txBody>
         </p:sp>
@@ -7611,7 +7647,7 @@
           </p:nvCxnSpPr>
           <p:spPr>
             <a:xfrm>
-              <a:off x="3851920" y="2132856"/>
+              <a:off x="3413630" y="2204864"/>
               <a:ext cx="247660" cy="164222"/>
             </a:xfrm>
             <a:prstGeom prst="straightConnector1">
@@ -7644,7 +7680,7 @@
           </p:nvSpPr>
           <p:spPr>
             <a:xfrm flipH="1">
-              <a:off x="3848636" y="3561586"/>
+              <a:off x="3410346" y="3633594"/>
               <a:ext cx="216024" cy="216024"/>
             </a:xfrm>
             <a:prstGeom prst="ellipse">
@@ -7683,7 +7719,7 @@
           </p:nvSpPr>
           <p:spPr>
             <a:xfrm flipH="1">
-              <a:off x="2706034" y="3561586"/>
+              <a:off x="2114203" y="3633594"/>
               <a:ext cx="216024" cy="216024"/>
             </a:xfrm>
             <a:prstGeom prst="ellipse">
@@ -7722,7 +7758,7 @@
           </p:nvSpPr>
           <p:spPr>
             <a:xfrm flipH="1">
-              <a:off x="2706034" y="2780928"/>
+              <a:off x="2114203" y="2852936"/>
               <a:ext cx="216024" cy="216024"/>
             </a:xfrm>
             <a:prstGeom prst="ellipse">
@@ -7764,8 +7800,8 @@
           </p:nvCxnSpPr>
           <p:spPr>
             <a:xfrm rot="10800000">
-              <a:off x="2922058" y="3669598"/>
-              <a:ext cx="926578" cy="1588"/>
+              <a:off x="2330228" y="3741606"/>
+              <a:ext cx="1080119" cy="1588"/>
             </a:xfrm>
             <a:prstGeom prst="straightConnector1">
               <a:avLst/>
@@ -7803,7 +7839,7 @@
           </p:nvCxnSpPr>
           <p:spPr>
             <a:xfrm rot="5400000" flipH="1" flipV="1">
-              <a:off x="2531729" y="3279269"/>
+              <a:off x="1939898" y="3351277"/>
               <a:ext cx="564634" cy="1588"/>
             </a:xfrm>
             <a:prstGeom prst="straightConnector1">
@@ -7842,8 +7878,8 @@
           </p:nvCxnSpPr>
           <p:spPr>
             <a:xfrm flipV="1">
-              <a:off x="2922058" y="2373454"/>
-              <a:ext cx="1145886" cy="515486"/>
+              <a:off x="2330227" y="2445462"/>
+              <a:ext cx="1299427" cy="515486"/>
             </a:xfrm>
             <a:prstGeom prst="bentConnector3">
               <a:avLst>
@@ -7880,7 +7916,7 @@
           </p:nvSpPr>
           <p:spPr>
             <a:xfrm flipH="1">
-              <a:off x="2843808" y="3141548"/>
+              <a:off x="2251977" y="3213556"/>
               <a:ext cx="159783" cy="215444"/>
             </a:xfrm>
             <a:prstGeom prst="rect">
@@ -7904,14 +7940,14 @@
         </p:sp>
         <p:sp>
           <p:nvSpPr>
-            <p:cNvPr id="40" name="ZoneTexte 39"/>
+            <p:cNvPr id="41" name="ZoneTexte 40"/>
             <p:cNvSpPr txBox="1"/>
             <p:nvPr/>
           </p:nvSpPr>
           <p:spPr>
             <a:xfrm flipH="1">
-              <a:off x="3030251" y="3561586"/>
-              <a:ext cx="747962" cy="184666"/>
+              <a:off x="2767300" y="2564904"/>
+              <a:ext cx="958276" cy="246221"/>
             </a:xfrm>
             <a:prstGeom prst="rect">
               <a:avLst/>
@@ -7927,50 +7963,14 @@
             <a:lstStyle/>
             <a:p>
               <a:r>
-                <a:rPr lang="fr-BE" sz="1200" noProof="1" smtClean="0"/>
+                <a:rPr lang="fr-BE" sz="1600" noProof="1" smtClean="0"/>
                 <a:t>Arbitrate</a:t>
               </a:r>
               <a:r>
-                <a:rPr lang="fr-BE" sz="1200" baseline="-25000" noProof="1" smtClean="0"/>
-                <a:t>start</a:t>
-              </a:r>
-              <a:endParaRPr lang="fr-BE" sz="1200" baseline="-25000" noProof="1"/>
-            </a:p>
-          </p:txBody>
-        </p:sp>
-        <p:sp>
-          <p:nvSpPr>
-            <p:cNvPr id="41" name="ZoneTexte 40"/>
-            <p:cNvSpPr txBox="1"/>
-            <p:nvPr/>
-          </p:nvSpPr>
-          <p:spPr>
-            <a:xfrm flipH="1">
-              <a:off x="3205590" y="2492896"/>
-              <a:ext cx="718338" cy="184666"/>
-            </a:xfrm>
-            <a:prstGeom prst="rect">
-              <a:avLst/>
-            </a:prstGeom>
-            <a:solidFill>
-              <a:schemeClr val="bg1"/>
-            </a:solidFill>
-          </p:spPr>
-          <p:txBody>
-            <a:bodyPr wrap="none" lIns="0" tIns="0" rIns="0" bIns="0" rtlCol="0">
-              <a:spAutoFit/>
-            </a:bodyPr>
-            <a:lstStyle/>
-            <a:p>
-              <a:r>
-                <a:rPr lang="fr-BE" sz="1200" noProof="1" smtClean="0"/>
-                <a:t>Arbitrate</a:t>
-              </a:r>
-              <a:r>
-                <a:rPr lang="fr-BE" sz="1200" baseline="-25000" noProof="1" smtClean="0"/>
+                <a:rPr lang="fr-BE" sz="1600" baseline="-25000" noProof="1" smtClean="0"/>
                 <a:t>end</a:t>
               </a:r>
-              <a:endParaRPr lang="fr-BE" sz="1200" baseline="-25000" noProof="1"/>
+              <a:endParaRPr lang="fr-BE" sz="1600" baseline="-25000" noProof="1"/>
             </a:p>
           </p:txBody>
         </p:sp>
@@ -7982,7 +7982,7 @@
           </p:nvSpPr>
           <p:spPr>
             <a:xfrm>
-              <a:off x="4932040" y="3561586"/>
+              <a:off x="4493750" y="3633594"/>
               <a:ext cx="216024" cy="216024"/>
             </a:xfrm>
             <a:prstGeom prst="ellipse">
@@ -8021,7 +8021,7 @@
           </p:nvSpPr>
           <p:spPr>
             <a:xfrm>
-              <a:off x="6084168" y="3561586"/>
+              <a:off x="5940152" y="3633594"/>
               <a:ext cx="216024" cy="216024"/>
             </a:xfrm>
             <a:prstGeom prst="ellipse">
@@ -8060,7 +8060,7 @@
           </p:nvSpPr>
           <p:spPr>
             <a:xfrm>
-              <a:off x="6084168" y="4005064"/>
+              <a:off x="5940152" y="4077072"/>
               <a:ext cx="216024" cy="216024"/>
             </a:xfrm>
             <a:prstGeom prst="ellipse">
@@ -8099,7 +8099,7 @@
           </p:nvSpPr>
           <p:spPr>
             <a:xfrm>
-              <a:off x="4932040" y="4005064"/>
+              <a:off x="4493750" y="4077072"/>
               <a:ext cx="216024" cy="216024"/>
             </a:xfrm>
             <a:prstGeom prst="ellipse">
@@ -8141,8 +8141,8 @@
           </p:nvCxnSpPr>
           <p:spPr>
             <a:xfrm>
-              <a:off x="5148064" y="3669598"/>
-              <a:ext cx="936104" cy="1588"/>
+              <a:off x="4709774" y="3741606"/>
+              <a:ext cx="1230378" cy="1588"/>
             </a:xfrm>
             <a:prstGeom prst="straightConnector1">
               <a:avLst/>
@@ -8180,7 +8180,7 @@
           </p:nvCxnSpPr>
           <p:spPr>
             <a:xfrm rot="5400000">
-              <a:off x="6078453" y="3891337"/>
+              <a:off x="5934437" y="3963345"/>
               <a:ext cx="227454" cy="1588"/>
             </a:xfrm>
             <a:prstGeom prst="straightConnector1">
@@ -8219,8 +8219,8 @@
           </p:nvCxnSpPr>
           <p:spPr>
             <a:xfrm rot="10800000">
-              <a:off x="5148064" y="4113076"/>
-              <a:ext cx="936104" cy="1588"/>
+              <a:off x="4709774" y="4185084"/>
+              <a:ext cx="1230378" cy="1588"/>
             </a:xfrm>
             <a:prstGeom prst="straightConnector1">
               <a:avLst/>
@@ -8255,7 +8255,7 @@
           </p:nvSpPr>
           <p:spPr>
             <a:xfrm>
-              <a:off x="5996393" y="3747710"/>
+              <a:off x="6156176" y="3861048"/>
               <a:ext cx="159783" cy="215444"/>
             </a:xfrm>
             <a:prstGeom prst="rect">
@@ -8285,8 +8285,8 @@
           </p:nvSpPr>
           <p:spPr>
             <a:xfrm>
-              <a:off x="5220072" y="3561586"/>
-              <a:ext cx="755784" cy="184666"/>
+              <a:off x="4814075" y="3611823"/>
+              <a:ext cx="1011495" cy="246221"/>
             </a:xfrm>
             <a:prstGeom prst="rect">
               <a:avLst/>
@@ -8302,14 +8302,14 @@
             <a:lstStyle/>
             <a:p>
               <a:r>
-                <a:rPr lang="fr-BE" sz="1200" noProof="1" smtClean="0"/>
+                <a:rPr lang="fr-BE" sz="1600" noProof="1" smtClean="0"/>
                 <a:t>Schedule</a:t>
               </a:r>
               <a:r>
-                <a:rPr lang="fr-BE" sz="1200" baseline="-25000" noProof="1" smtClean="0"/>
+                <a:rPr lang="fr-BE" sz="1600" baseline="-25000" noProof="1" smtClean="0"/>
                 <a:t>start</a:t>
               </a:r>
-              <a:endParaRPr lang="fr-BE" sz="1200" baseline="-25000" noProof="1"/>
+              <a:endParaRPr lang="fr-BE" sz="1600" baseline="-25000" noProof="1"/>
             </a:p>
           </p:txBody>
         </p:sp>
@@ -8321,8 +8321,8 @@
           </p:nvSpPr>
           <p:spPr>
             <a:xfrm>
-              <a:off x="5285999" y="4012684"/>
-              <a:ext cx="726161" cy="184666"/>
+              <a:off x="4836517" y="4062921"/>
+              <a:ext cx="966611" cy="246221"/>
             </a:xfrm>
             <a:prstGeom prst="rect">
               <a:avLst/>
@@ -8338,14 +8338,14 @@
             <a:lstStyle/>
             <a:p>
               <a:r>
-                <a:rPr lang="fr-BE" sz="1200" noProof="1" smtClean="0"/>
+                <a:rPr lang="fr-BE" sz="1600" noProof="1" smtClean="0"/>
                 <a:t>Schedule</a:t>
               </a:r>
               <a:r>
-                <a:rPr lang="fr-BE" sz="1200" baseline="-25000" noProof="1" smtClean="0"/>
+                <a:rPr lang="fr-BE" sz="1600" baseline="-25000" noProof="1" smtClean="0"/>
                 <a:t>end</a:t>
               </a:r>
-              <a:endParaRPr lang="fr-BE" sz="1200" baseline="-25000" noProof="1"/>
+              <a:endParaRPr lang="fr-BE" sz="1600" baseline="-25000" noProof="1"/>
             </a:p>
           </p:txBody>
         </p:sp>
@@ -8360,7 +8360,7 @@
           </p:nvCxnSpPr>
           <p:spPr>
             <a:xfrm rot="5400000">
-              <a:off x="3907237" y="2974355"/>
+              <a:off x="3468947" y="3046363"/>
               <a:ext cx="636642" cy="537820"/>
             </a:xfrm>
             <a:prstGeom prst="bentConnector3">
@@ -8401,7 +8401,7 @@
           </p:nvCxnSpPr>
           <p:spPr>
             <a:xfrm rot="16200000" flipH="1">
-              <a:off x="4448939" y="2970473"/>
+              <a:off x="4010649" y="3042481"/>
               <a:ext cx="636642" cy="545584"/>
             </a:xfrm>
             <a:prstGeom prst="bentConnector3">
@@ -8439,8 +8439,8 @@
           </p:nvSpPr>
           <p:spPr>
             <a:xfrm flipH="1">
-              <a:off x="3621544" y="3178884"/>
-              <a:ext cx="664990" cy="215444"/>
+              <a:off x="3183254" y="3250892"/>
+              <a:ext cx="762516" cy="246221"/>
             </a:xfrm>
             <a:prstGeom prst="rect">
               <a:avLst/>
@@ -8456,10 +8456,10 @@
             <a:lstStyle/>
             <a:p>
               <a:r>
-                <a:rPr lang="fr-BE" sz="1400" b="1" noProof="1" smtClean="0"/>
+                <a:rPr lang="fr-BE" sz="1600" b="1" noProof="1" smtClean="0"/>
                 <a:t>[conflict]</a:t>
               </a:r>
-              <a:endParaRPr lang="fr-BE" sz="1400" b="1" baseline="-25000" noProof="1"/>
+              <a:endParaRPr lang="fr-BE" sz="1600" b="1" baseline="-25000" noProof="1"/>
             </a:p>
           </p:txBody>
         </p:sp>
@@ -8471,8 +8471,8 @@
           </p:nvSpPr>
           <p:spPr>
             <a:xfrm flipH="1">
-              <a:off x="4627116" y="3170381"/>
-              <a:ext cx="833305" cy="215444"/>
+              <a:off x="4188826" y="3242389"/>
+              <a:ext cx="954877" cy="246221"/>
             </a:xfrm>
             <a:prstGeom prst="rect">
               <a:avLst/>
@@ -8488,20 +8488,20 @@
             <a:lstStyle/>
             <a:p>
               <a:r>
-                <a:rPr lang="fr-BE" sz="1400" b="1" noProof="1" smtClean="0"/>
+                <a:rPr lang="fr-BE" sz="1600" b="1" noProof="1" smtClean="0"/>
                 <a:t>[</a:t>
               </a:r>
               <a:r>
-                <a:rPr lang="fr-BE" sz="1400" b="1" noProof="1" smtClean="0">
+                <a:rPr lang="fr-BE" sz="1600" b="1" noProof="1" smtClean="0">
                   <a:sym typeface="Symbol"/>
                 </a:rPr>
                 <a:t> </a:t>
               </a:r>
               <a:r>
-                <a:rPr lang="fr-BE" sz="1400" b="1" noProof="1" smtClean="0"/>
+                <a:rPr lang="fr-BE" sz="1600" b="1" noProof="1" smtClean="0"/>
                 <a:t>conflict]</a:t>
               </a:r>
-              <a:endParaRPr lang="fr-BE" sz="1400" b="1" baseline="-25000" noProof="1"/>
+              <a:endParaRPr lang="fr-BE" sz="1600" b="1" baseline="-25000" noProof="1"/>
             </a:p>
           </p:txBody>
         </p:sp>
@@ -8514,84 +8514,12 @@
         </p:nvGrpSpPr>
         <p:grpSpPr>
           <a:xfrm>
-            <a:off x="2952120" y="5320258"/>
-            <a:ext cx="4068152" cy="1130295"/>
-            <a:chOff x="2483768" y="5320258"/>
-            <a:chExt cx="4068152" cy="1130295"/>
+            <a:off x="2162277" y="4746915"/>
+            <a:ext cx="4573346" cy="1047900"/>
+            <a:chOff x="2378301" y="5342029"/>
+            <a:chExt cx="4573346" cy="1047900"/>
           </a:xfrm>
         </p:grpSpPr>
-        <p:sp>
-          <p:nvSpPr>
-            <p:cNvPr id="57" name="ZoneTexte 56"/>
-            <p:cNvSpPr txBox="1"/>
-            <p:nvPr/>
-          </p:nvSpPr>
-          <p:spPr>
-            <a:xfrm flipH="1">
-              <a:off x="3501405" y="6265887"/>
-              <a:ext cx="726161" cy="184666"/>
-            </a:xfrm>
-            <a:prstGeom prst="rect">
-              <a:avLst/>
-            </a:prstGeom>
-            <a:solidFill>
-              <a:schemeClr val="bg1"/>
-            </a:solidFill>
-          </p:spPr>
-          <p:txBody>
-            <a:bodyPr wrap="none" lIns="0" tIns="0" rIns="0" bIns="0" rtlCol="0">
-              <a:spAutoFit/>
-            </a:bodyPr>
-            <a:lstStyle/>
-            <a:p>
-              <a:r>
-                <a:rPr lang="fr-BE" sz="1200" noProof="1" smtClean="0"/>
-                <a:t>Schedule</a:t>
-              </a:r>
-              <a:r>
-                <a:rPr lang="fr-BE" sz="1200" baseline="-25000" noProof="1" smtClean="0"/>
-                <a:t>end</a:t>
-              </a:r>
-              <a:endParaRPr lang="fr-BE" sz="1200" baseline="-25000" noProof="1"/>
-            </a:p>
-          </p:txBody>
-        </p:sp>
-        <p:sp>
-          <p:nvSpPr>
-            <p:cNvPr id="58" name="ZoneTexte 57"/>
-            <p:cNvSpPr txBox="1"/>
-            <p:nvPr/>
-          </p:nvSpPr>
-          <p:spPr>
-            <a:xfrm flipH="1">
-              <a:off x="3933453" y="5920705"/>
-              <a:ext cx="718338" cy="184666"/>
-            </a:xfrm>
-            <a:prstGeom prst="rect">
-              <a:avLst/>
-            </a:prstGeom>
-            <a:solidFill>
-              <a:schemeClr val="bg1"/>
-            </a:solidFill>
-          </p:spPr>
-          <p:txBody>
-            <a:bodyPr wrap="none" lIns="0" tIns="0" rIns="0" bIns="0" rtlCol="0">
-              <a:spAutoFit/>
-            </a:bodyPr>
-            <a:lstStyle/>
-            <a:p>
-              <a:r>
-                <a:rPr lang="fr-BE" sz="1200" noProof="1" smtClean="0"/>
-                <a:t>Arbitrate</a:t>
-              </a:r>
-              <a:r>
-                <a:rPr lang="fr-BE" sz="1200" baseline="-25000" noProof="1" smtClean="0"/>
-                <a:t>end</a:t>
-              </a:r>
-              <a:endParaRPr lang="fr-BE" sz="1200" baseline="-25000" noProof="1"/>
-            </a:p>
-          </p:txBody>
-        </p:sp>
         <p:sp>
           <p:nvSpPr>
             <p:cNvPr id="59" name="Ellipse 58"/>
@@ -8713,15 +8641,15 @@
           <p:nvCxnSpPr>
             <p:cNvPr id="62" name="Connecteur droit avec flèche 55"/>
             <p:cNvCxnSpPr>
-              <a:stCxn id="59" idx="2"/>
+              <a:stCxn id="59" idx="1"/>
               <a:endCxn id="60" idx="6"/>
             </p:cNvCxnSpPr>
             <p:nvPr/>
           </p:nvCxnSpPr>
           <p:spPr>
-            <a:xfrm flipV="1">
-              <a:off x="2843808" y="5572286"/>
-              <a:ext cx="504056" cy="360040"/>
+            <a:xfrm rot="5400000" flipH="1" flipV="1">
+              <a:off x="2938186" y="5446272"/>
+              <a:ext cx="283664" cy="535692"/>
             </a:xfrm>
             <a:prstGeom prst="straightConnector1">
               <a:avLst/>
@@ -8797,8 +8725,8 @@
           </p:nvSpPr>
           <p:spPr>
             <a:xfrm>
-              <a:off x="2657930" y="5577165"/>
-              <a:ext cx="617926" cy="184666"/>
+              <a:off x="2378301" y="5536282"/>
+              <a:ext cx="825547" cy="246221"/>
             </a:xfrm>
             <a:prstGeom prst="rect">
               <a:avLst/>
@@ -8814,14 +8742,14 @@
             <a:lstStyle/>
             <a:p>
               <a:r>
-                <a:rPr lang="fr-BE" sz="1200" noProof="1" smtClean="0"/>
+                <a:rPr lang="fr-BE" sz="1600" noProof="1" smtClean="0"/>
                 <a:t>Collect</a:t>
               </a:r>
               <a:r>
-                <a:rPr lang="fr-BE" sz="1200" baseline="-25000" noProof="1" smtClean="0"/>
+                <a:rPr lang="fr-BE" sz="1600" baseline="-25000" noProof="1" smtClean="0"/>
                 <a:t>start</a:t>
               </a:r>
-              <a:endParaRPr lang="fr-BE" sz="1200" baseline="-25000" noProof="1"/>
+              <a:endParaRPr lang="fr-BE" sz="1600" baseline="-25000" noProof="1"/>
             </a:p>
           </p:txBody>
         </p:sp>
@@ -8833,7 +8761,7 @@
           </p:nvSpPr>
           <p:spPr>
             <a:xfrm flipH="1">
-              <a:off x="4788024" y="5464274"/>
+              <a:off x="5076056" y="5464274"/>
               <a:ext cx="216024" cy="216024"/>
             </a:xfrm>
             <a:prstGeom prst="ellipse">
@@ -8876,7 +8804,7 @@
           <p:spPr>
             <a:xfrm>
               <a:off x="4067944" y="5572286"/>
-              <a:ext cx="720080" cy="1588"/>
+              <a:ext cx="1008112" cy="1588"/>
             </a:xfrm>
             <a:prstGeom prst="curvedConnector3">
               <a:avLst>
@@ -8913,8 +8841,8 @@
           </p:nvSpPr>
           <p:spPr>
             <a:xfrm>
-              <a:off x="4116681" y="5367883"/>
-              <a:ext cx="586635" cy="184666"/>
+              <a:off x="4175328" y="5449760"/>
+              <a:ext cx="778483" cy="246221"/>
             </a:xfrm>
             <a:prstGeom prst="rect">
               <a:avLst/>
@@ -8930,14 +8858,14 @@
             <a:lstStyle/>
             <a:p>
               <a:r>
-                <a:rPr lang="fr-BE" sz="1200" noProof="1" smtClean="0"/>
+                <a:rPr lang="fr-BE" sz="1600" noProof="1" smtClean="0"/>
                 <a:t>Collect</a:t>
               </a:r>
               <a:r>
-                <a:rPr lang="fr-BE" sz="1200" baseline="-25000" noProof="1" smtClean="0"/>
+                <a:rPr lang="fr-BE" sz="1600" baseline="-25000" noProof="1" smtClean="0"/>
                 <a:t>end</a:t>
               </a:r>
-              <a:endParaRPr lang="fr-BE" sz="1200" baseline="-25000" noProof="1"/>
+              <a:endParaRPr lang="fr-BE" sz="1600" baseline="-25000" noProof="1"/>
             </a:p>
           </p:txBody>
         </p:sp>
@@ -8949,7 +8877,7 @@
           </p:nvSpPr>
           <p:spPr>
             <a:xfrm flipH="1">
-              <a:off x="5940152" y="5464274"/>
+              <a:off x="6588224" y="5464274"/>
               <a:ext cx="216024" cy="216024"/>
             </a:xfrm>
             <a:prstGeom prst="ellipse">
@@ -8991,8 +8919,8 @@
           </p:nvCxnSpPr>
           <p:spPr>
             <a:xfrm>
-              <a:off x="5004048" y="5572286"/>
-              <a:ext cx="936104" cy="1588"/>
+              <a:off x="5292080" y="5572286"/>
+              <a:ext cx="1296144" cy="1588"/>
             </a:xfrm>
             <a:prstGeom prst="curvedConnector3">
               <a:avLst>
@@ -9029,8 +8957,8 @@
           </p:nvSpPr>
           <p:spPr>
             <a:xfrm flipH="1">
-              <a:off x="5042148" y="5367883"/>
-              <a:ext cx="747962" cy="184666"/>
+              <a:off x="5404763" y="5455848"/>
+              <a:ext cx="1003160" cy="246221"/>
             </a:xfrm>
             <a:prstGeom prst="rect">
               <a:avLst/>
@@ -9046,14 +8974,14 @@
             <a:lstStyle/>
             <a:p>
               <a:r>
-                <a:rPr lang="fr-BE" sz="1200" noProof="1" smtClean="0"/>
+                <a:rPr lang="fr-BE" sz="1600" noProof="1" smtClean="0"/>
                 <a:t>Arbitrate</a:t>
               </a:r>
               <a:r>
-                <a:rPr lang="fr-BE" sz="1200" baseline="-25000" noProof="1" smtClean="0"/>
+                <a:rPr lang="fr-BE" sz="1600" baseline="-25000" noProof="1" smtClean="0"/>
                 <a:t>start</a:t>
               </a:r>
-              <a:endParaRPr lang="fr-BE" sz="1200" baseline="-25000" noProof="1"/>
+              <a:endParaRPr lang="fr-BE" sz="1600" baseline="-25000" noProof="1"/>
             </a:p>
           </p:txBody>
         </p:sp>
@@ -9107,8 +9035,8 @@
           </p:nvCxnSpPr>
           <p:spPr>
             <a:xfrm rot="5400000">
-              <a:off x="5580112" y="5464274"/>
-              <a:ext cx="252028" cy="684076"/>
+              <a:off x="5904148" y="5140238"/>
+              <a:ext cx="252028" cy="1332148"/>
             </a:xfrm>
             <a:prstGeom prst="curvedConnector2">
               <a:avLst/>
@@ -9143,7 +9071,7 @@
           </p:nvSpPr>
           <p:spPr>
             <a:xfrm flipH="1">
-              <a:off x="3635896" y="5320258"/>
+              <a:off x="3635896" y="5342029"/>
               <a:ext cx="159783" cy="215444"/>
             </a:xfrm>
             <a:prstGeom prst="rect">
@@ -9173,7 +9101,7 @@
           </p:nvSpPr>
           <p:spPr>
             <a:xfrm flipH="1">
-              <a:off x="5580112" y="5689823"/>
+              <a:off x="5580112" y="5824894"/>
               <a:ext cx="159783" cy="215444"/>
             </a:xfrm>
             <a:prstGeom prst="rect">
@@ -9281,7 +9209,7 @@
           </p:nvSpPr>
           <p:spPr>
             <a:xfrm flipH="1">
-              <a:off x="4860032" y="6165304"/>
+              <a:off x="4788024" y="6165304"/>
               <a:ext cx="216024" cy="216024"/>
             </a:xfrm>
             <a:prstGeom prst="ellipse">
@@ -9323,7 +9251,7 @@
           </p:nvCxnSpPr>
           <p:spPr>
             <a:xfrm rot="10800000">
-              <a:off x="5076056" y="6273316"/>
+              <a:off x="5004048" y="6273316"/>
               <a:ext cx="432048" cy="1588"/>
             </a:xfrm>
             <a:prstGeom prst="curvedConnector3">
@@ -9361,7 +9289,7 @@
           </p:nvSpPr>
           <p:spPr>
             <a:xfrm flipH="1">
-              <a:off x="5220072" y="6159971"/>
+              <a:off x="5162578" y="6174485"/>
               <a:ext cx="159783" cy="215444"/>
             </a:xfrm>
             <a:prstGeom prst="rect">
@@ -9395,7 +9323,7 @@
           <p:spPr>
             <a:xfrm rot="10800000">
               <a:off x="3131840" y="6273316"/>
-              <a:ext cx="1728192" cy="1588"/>
+              <a:ext cx="1656184" cy="1588"/>
             </a:xfrm>
             <a:prstGeom prst="straightConnector1">
               <a:avLst/>
@@ -9430,7 +9358,7 @@
           </p:nvSpPr>
           <p:spPr>
             <a:xfrm flipH="1">
-              <a:off x="5508104" y="6165304"/>
+              <a:off x="5436096" y="6165304"/>
               <a:ext cx="216024" cy="216024"/>
             </a:xfrm>
             <a:prstGeom prst="ellipse">
@@ -9472,8 +9400,8 @@
           </p:nvCxnSpPr>
           <p:spPr>
             <a:xfrm rot="5400000">
-              <a:off x="5612007" y="5760783"/>
-              <a:ext cx="624654" cy="400412"/>
+              <a:off x="5900039" y="5400743"/>
+              <a:ext cx="624654" cy="1120492"/>
             </a:xfrm>
             <a:prstGeom prst="curvedConnector2">
               <a:avLst/>
@@ -9508,8 +9436,8 @@
           </p:nvSpPr>
           <p:spPr>
             <a:xfrm flipH="1">
-              <a:off x="5796136" y="5915372"/>
-              <a:ext cx="755784" cy="184666"/>
+              <a:off x="5940152" y="6040338"/>
+              <a:ext cx="1011495" cy="246221"/>
             </a:xfrm>
             <a:prstGeom prst="rect">
               <a:avLst/>
@@ -9525,14 +9453,14 @@
             <a:lstStyle/>
             <a:p>
               <a:r>
-                <a:rPr lang="fr-BE" sz="1200" noProof="1" smtClean="0"/>
+                <a:rPr lang="fr-BE" sz="1600" noProof="1" smtClean="0"/>
                 <a:t>Schedule</a:t>
               </a:r>
               <a:r>
-                <a:rPr lang="fr-BE" sz="1200" baseline="-25000" noProof="1" smtClean="0"/>
+                <a:rPr lang="fr-BE" sz="1600" baseline="-25000" noProof="1" smtClean="0"/>
                 <a:t>start</a:t>
               </a:r>
-              <a:endParaRPr lang="fr-BE" sz="1200" baseline="-25000" noProof="1"/>
+              <a:endParaRPr lang="fr-BE" sz="1600" baseline="-25000" noProof="1"/>
             </a:p>
           </p:txBody>
         </p:sp>
@@ -9571,6 +9499,78 @@
             </a:fontRef>
           </p:style>
         </p:cxnSp>
+        <p:sp>
+          <p:nvSpPr>
+            <p:cNvPr id="58" name="ZoneTexte 57"/>
+            <p:cNvSpPr txBox="1"/>
+            <p:nvPr/>
+          </p:nvSpPr>
+          <p:spPr>
+            <a:xfrm flipH="1">
+              <a:off x="3571145" y="5795848"/>
+              <a:ext cx="958276" cy="246221"/>
+            </a:xfrm>
+            <a:prstGeom prst="rect">
+              <a:avLst/>
+            </a:prstGeom>
+            <a:solidFill>
+              <a:schemeClr val="bg1"/>
+            </a:solidFill>
+          </p:spPr>
+          <p:txBody>
+            <a:bodyPr wrap="none" lIns="0" tIns="0" rIns="0" bIns="0" rtlCol="0">
+              <a:spAutoFit/>
+            </a:bodyPr>
+            <a:lstStyle/>
+            <a:p>
+              <a:r>
+                <a:rPr lang="fr-BE" sz="1600" noProof="1" smtClean="0"/>
+                <a:t>Arbitrate</a:t>
+              </a:r>
+              <a:r>
+                <a:rPr lang="fr-BE" sz="1600" baseline="-25000" noProof="1" smtClean="0"/>
+                <a:t>end</a:t>
+              </a:r>
+              <a:endParaRPr lang="fr-BE" sz="1600" baseline="-25000" noProof="1"/>
+            </a:p>
+          </p:txBody>
+        </p:sp>
+        <p:sp>
+          <p:nvSpPr>
+            <p:cNvPr id="57" name="ZoneTexte 56"/>
+            <p:cNvSpPr txBox="1"/>
+            <p:nvPr/>
+          </p:nvSpPr>
+          <p:spPr>
+            <a:xfrm flipH="1">
+              <a:off x="3605389" y="6141374"/>
+              <a:ext cx="966611" cy="246221"/>
+            </a:xfrm>
+            <a:prstGeom prst="rect">
+              <a:avLst/>
+            </a:prstGeom>
+            <a:solidFill>
+              <a:schemeClr val="bg1"/>
+            </a:solidFill>
+          </p:spPr>
+          <p:txBody>
+            <a:bodyPr wrap="none" lIns="0" tIns="0" rIns="0" bIns="0" rtlCol="0">
+              <a:spAutoFit/>
+            </a:bodyPr>
+            <a:lstStyle/>
+            <a:p>
+              <a:r>
+                <a:rPr lang="fr-BE" sz="1600" noProof="1" smtClean="0"/>
+                <a:t>Schedule</a:t>
+              </a:r>
+              <a:r>
+                <a:rPr lang="fr-BE" sz="1600" baseline="-25000" noProof="1" smtClean="0"/>
+                <a:t>end</a:t>
+              </a:r>
+              <a:endParaRPr lang="fr-BE" sz="1600" baseline="-25000" noProof="1"/>
+            </a:p>
+          </p:txBody>
+        </p:sp>
       </p:grpSp>
     </p:spTree>
   </p:cSld>
@@ -9599,16 +9599,16 @@
       </p:grpSpPr>
       <p:grpSp>
         <p:nvGrpSpPr>
-          <p:cNvPr id="119" name="Groupe 118"/>
+          <p:cNvPr id="15" name="Groupe 14"/>
           <p:cNvGrpSpPr/>
           <p:nvPr/>
         </p:nvGrpSpPr>
         <p:grpSpPr>
           <a:xfrm>
-            <a:off x="500034" y="332656"/>
-            <a:ext cx="6448230" cy="6120680"/>
-            <a:chOff x="500034" y="332656"/>
-            <a:chExt cx="6448230" cy="6120680"/>
+            <a:off x="500034" y="288032"/>
+            <a:ext cx="7312326" cy="6453336"/>
+            <a:chOff x="500034" y="288032"/>
+            <a:chExt cx="7312326" cy="6453336"/>
           </a:xfrm>
         </p:grpSpPr>
         <p:sp>
@@ -9619,8 +9619,8 @@
           </p:nvSpPr>
           <p:spPr>
             <a:xfrm>
-              <a:off x="500034" y="332656"/>
-              <a:ext cx="6448230" cy="6120680"/>
+              <a:off x="500034" y="288032"/>
+              <a:ext cx="7312326" cy="6453336"/>
             </a:xfrm>
             <a:prstGeom prst="rect">
               <a:avLst/>
@@ -9661,8 +9661,8 @@
           </p:nvSpPr>
           <p:spPr>
             <a:xfrm>
-              <a:off x="683568" y="3093822"/>
-              <a:ext cx="2554867" cy="1077218"/>
+              <a:off x="683568" y="3185046"/>
+              <a:ext cx="2138278" cy="1384995"/>
             </a:xfrm>
             <a:prstGeom prst="rect">
               <a:avLst/>
@@ -9690,28 +9690,24 @@
                 <a:buChar char="•"/>
               </a:pPr>
               <a:r>
-                <a:rPr lang="fr-BE" sz="2000" dirty="0" err="1" smtClean="0"/>
-                <a:t>Symbolic</a:t>
+                <a:rPr lang="fr-BE" sz="2000" smtClean="0"/>
+                <a:t>Analyses based</a:t>
               </a:r>
+              <a:br>
+                <a:rPr lang="fr-BE" sz="2000" smtClean="0"/>
+              </a:br>
               <a:r>
-                <a:rPr lang="fr-BE" sz="2000" dirty="0" smtClean="0"/>
-                <a:t> </a:t>
+                <a:rPr lang="fr-BE" sz="2000" smtClean="0"/>
+                <a:t>on symbolic </a:t>
               </a:r>
+              <a:br>
+                <a:rPr lang="fr-BE" sz="2000" smtClean="0"/>
+              </a:br>
               <a:r>
-                <a:rPr lang="fr-BE" sz="2000" dirty="0" err="1" smtClean="0"/>
+                <a:rPr lang="fr-BE" sz="2000" smtClean="0"/>
                 <a:t>execution</a:t>
               </a:r>
-              <a:r>
-                <a:rPr lang="fr-BE" sz="2000" dirty="0" smtClean="0"/>
-                <a:t/>
-              </a:r>
-              <a:br>
-                <a:rPr lang="fr-BE" sz="2000" dirty="0" smtClean="0"/>
-              </a:br>
-              <a:r>
-                <a:rPr lang="fr-BE" sz="2000" dirty="0" smtClean="0"/>
-                <a:t>analyses [Dam11]</a:t>
-              </a:r>
+              <a:endParaRPr lang="fr-BE" sz="2000" dirty="0" smtClean="0"/>
             </a:p>
           </p:txBody>
         </p:sp>
@@ -9723,7 +9719,7 @@
           </p:nvSpPr>
           <p:spPr>
             <a:xfrm>
-              <a:off x="4870270" y="1837809"/>
+              <a:off x="5260838" y="1988840"/>
               <a:ext cx="142876" cy="857256"/>
             </a:xfrm>
             <a:custGeom>
@@ -9802,7 +9798,7 @@
           </p:nvSpPr>
           <p:spPr>
             <a:xfrm>
-              <a:off x="4870270" y="4293666"/>
+              <a:off x="5260838" y="4509120"/>
               <a:ext cx="142876" cy="857256"/>
             </a:xfrm>
             <a:custGeom>
@@ -9873,78 +9869,6 @@
             </a:p>
           </p:txBody>
         </p:sp>
-        <p:pic>
-          <p:nvPicPr>
-            <p:cNvPr id="105" name="Image 104" descr="g-hmsc.png"/>
-            <p:cNvPicPr>
-              <a:picLocks noChangeAspect="1"/>
-            </p:cNvPicPr>
-            <p:nvPr/>
-          </p:nvPicPr>
-          <p:blipFill>
-            <a:blip r:embed="rId2" cstate="print"/>
-            <a:stretch>
-              <a:fillRect/>
-            </a:stretch>
-          </p:blipFill>
-          <p:spPr>
-            <a:xfrm>
-              <a:off x="3317604" y="454964"/>
-              <a:ext cx="3248208" cy="1533876"/>
-            </a:xfrm>
-            <a:prstGeom prst="rect">
-              <a:avLst/>
-            </a:prstGeom>
-          </p:spPr>
-        </p:pic>
-        <p:pic>
-          <p:nvPicPr>
-            <p:cNvPr id="106" name="Image 105" descr="g-lts.png"/>
-            <p:cNvPicPr>
-              <a:picLocks noChangeAspect="1"/>
-            </p:cNvPicPr>
-            <p:nvPr/>
-          </p:nvPicPr>
-          <p:blipFill>
-            <a:blip r:embed="rId3" cstate="print"/>
-            <a:stretch>
-              <a:fillRect/>
-            </a:stretch>
-          </p:blipFill>
-          <p:spPr>
-            <a:xfrm>
-              <a:off x="3360064" y="2708920"/>
-              <a:ext cx="3163288" cy="1847022"/>
-            </a:xfrm>
-            <a:prstGeom prst="rect">
-              <a:avLst/>
-            </a:prstGeom>
-          </p:spPr>
-        </p:pic>
-        <p:pic>
-          <p:nvPicPr>
-            <p:cNvPr id="110" name="Image 109" descr="lts.png"/>
-            <p:cNvPicPr>
-              <a:picLocks noChangeAspect="1"/>
-            </p:cNvPicPr>
-            <p:nvPr/>
-          </p:nvPicPr>
-          <p:blipFill>
-            <a:blip r:embed="rId4" cstate="print"/>
-            <a:stretch>
-              <a:fillRect/>
-            </a:stretch>
-          </p:blipFill>
-          <p:spPr>
-            <a:xfrm>
-              <a:off x="3131840" y="5171346"/>
-              <a:ext cx="3619736" cy="1034968"/>
-            </a:xfrm>
-            <a:prstGeom prst="rect">
-              <a:avLst/>
-            </a:prstGeom>
-          </p:spPr>
-        </p:pic>
         <p:sp>
           <p:nvSpPr>
             <p:cNvPr id="114" name="ZoneTexte 113"/>
@@ -9953,8 +9877,8 @@
           </p:nvSpPr>
           <p:spPr>
             <a:xfrm>
-              <a:off x="683568" y="4996333"/>
-              <a:ext cx="2259273" cy="1384995"/>
+              <a:off x="683568" y="5431903"/>
+              <a:ext cx="2259273" cy="1077218"/>
             </a:xfrm>
             <a:prstGeom prst="rect">
               <a:avLst/>
@@ -9993,24 +9917,18 @@
                 <a:rPr lang="fr-BE" sz="2000" dirty="0" smtClean="0"/>
               </a:br>
               <a:r>
-                <a:rPr lang="fr-BE" sz="2000" dirty="0" smtClean="0"/>
+                <a:rPr lang="fr-BE" sz="2000" smtClean="0"/>
                 <a:t>model-</a:t>
               </a:r>
               <a:r>
-                <a:rPr lang="fr-BE" sz="2000" dirty="0" err="1" smtClean="0"/>
+                <a:rPr lang="fr-BE" sz="2000" err="1" smtClean="0"/>
                 <a:t>checking</a:t>
               </a:r>
               <a:r>
-                <a:rPr lang="fr-BE" sz="2000" dirty="0" smtClean="0"/>
+                <a:rPr lang="fr-BE" sz="2000" smtClean="0"/>
                 <a:t> </a:t>
               </a:r>
-              <a:br>
-                <a:rPr lang="fr-BE" sz="2000" dirty="0" smtClean="0"/>
-              </a:br>
-              <a:r>
-                <a:rPr lang="fr-BE" sz="2000" dirty="0" smtClean="0"/>
-                <a:t>[Dam09, Gia03]</a:t>
-              </a:r>
+              <a:endParaRPr lang="fr-BE" sz="2000" dirty="0" smtClean="0"/>
             </a:p>
           </p:txBody>
         </p:sp>
@@ -10022,8 +9940,8 @@
           </p:nvSpPr>
           <p:spPr>
             <a:xfrm>
-              <a:off x="683568" y="837182"/>
-              <a:ext cx="2341218" cy="769441"/>
+              <a:off x="683568" y="782017"/>
+              <a:ext cx="2375394" cy="1077218"/>
             </a:xfrm>
             <a:prstGeom prst="rect">
               <a:avLst/>
@@ -10037,13 +9955,18 @@
             <a:lstStyle/>
             <a:p>
               <a:r>
-                <a:rPr lang="fr-BE" sz="2400" dirty="0" err="1" smtClean="0"/>
+                <a:rPr lang="fr-BE" sz="2400" err="1" smtClean="0"/>
                 <a:t>Guarded</a:t>
               </a:r>
               <a:r>
-                <a:rPr lang="fr-BE" sz="2400" dirty="0" smtClean="0"/>
-                <a:t> LTS</a:t>
+                <a:rPr lang="fr-BE" sz="2400" smtClean="0"/>
+                <a:t> </a:t>
               </a:r>
+              <a:r>
+                <a:rPr lang="fr-BE" sz="2400" smtClean="0"/>
+                <a:t>hMSC</a:t>
+              </a:r>
+              <a:endParaRPr lang="fr-BE" sz="2400" dirty="0" smtClean="0"/>
             </a:p>
             <a:p>
               <a:pPr marL="360363" indent="-180975">
@@ -10051,21 +9974,98 @@
                 <a:buChar char="•"/>
               </a:pPr>
               <a:r>
-                <a:rPr lang="fr-BE" sz="2000" dirty="0" err="1" smtClean="0"/>
-                <a:t>Process</a:t>
+                <a:rPr lang="fr-BE" sz="2000" smtClean="0"/>
+                <a:t>Process modeling</a:t>
               </a:r>
+              <a:br>
+                <a:rPr lang="fr-BE" sz="2000" smtClean="0"/>
+              </a:br>
               <a:r>
-                <a:rPr lang="fr-BE" sz="2000" dirty="0" smtClean="0"/>
-                <a:t> </a:t>
-              </a:r>
-              <a:r>
-                <a:rPr lang="fr-BE" sz="2000" dirty="0" err="1" smtClean="0"/>
+                <a:rPr lang="fr-BE" sz="2000" smtClean="0"/>
                 <a:t>language</a:t>
               </a:r>
               <a:endParaRPr lang="fr-BE" sz="2000" dirty="0" smtClean="0"/>
             </a:p>
           </p:txBody>
         </p:sp>
+        <p:pic>
+          <p:nvPicPr>
+            <p:cNvPr id="1026" name="Picture 2" descr="D:\blambeau\thesis\writing\src\3-deductive\images\g-hmsc.png"/>
+            <p:cNvPicPr>
+              <a:picLocks noChangeAspect="1" noChangeArrowheads="1"/>
+            </p:cNvPicPr>
+            <p:nvPr/>
+          </p:nvPicPr>
+          <p:blipFill>
+            <a:blip r:embed="rId2" cstate="print"/>
+            <a:srcRect/>
+            <a:stretch>
+              <a:fillRect/>
+            </a:stretch>
+          </p:blipFill>
+          <p:spPr bwMode="auto">
+            <a:xfrm>
+              <a:off x="3262970" y="436389"/>
+              <a:ext cx="4138613" cy="1768475"/>
+            </a:xfrm>
+            <a:prstGeom prst="rect">
+              <a:avLst/>
+            </a:prstGeom>
+            <a:noFill/>
+          </p:spPr>
+        </p:pic>
+        <p:pic>
+          <p:nvPicPr>
+            <p:cNvPr id="1027" name="Picture 3" descr="D:\blambeau\thesis\writing\src\3-deductive\images\g-lts.png"/>
+            <p:cNvPicPr>
+              <a:picLocks noChangeAspect="1" noChangeArrowheads="1"/>
+            </p:cNvPicPr>
+            <p:nvPr/>
+          </p:nvPicPr>
+          <p:blipFill>
+            <a:blip r:embed="rId3" cstate="print"/>
+            <a:srcRect/>
+            <a:stretch>
+              <a:fillRect/>
+            </a:stretch>
+          </p:blipFill>
+          <p:spPr bwMode="auto">
+            <a:xfrm>
+              <a:off x="3174864" y="2813918"/>
+              <a:ext cx="4314825" cy="2127250"/>
+            </a:xfrm>
+            <a:prstGeom prst="rect">
+              <a:avLst/>
+            </a:prstGeom>
+            <a:noFill/>
+          </p:spPr>
+        </p:pic>
+        <p:pic>
+          <p:nvPicPr>
+            <p:cNvPr id="1028" name="Picture 4" descr="D:\blambeau\thesis\writing\src\3-deductive\images\lts.png"/>
+            <p:cNvPicPr>
+              <a:picLocks noChangeAspect="1" noChangeArrowheads="1"/>
+            </p:cNvPicPr>
+            <p:nvPr/>
+          </p:nvPicPr>
+          <p:blipFill>
+            <a:blip r:embed="rId4" cstate="print"/>
+            <a:srcRect/>
+            <a:stretch>
+              <a:fillRect/>
+            </a:stretch>
+          </p:blipFill>
+          <p:spPr bwMode="auto">
+            <a:xfrm>
+              <a:off x="2951820" y="5415681"/>
+              <a:ext cx="4760913" cy="1109663"/>
+            </a:xfrm>
+            <a:prstGeom prst="rect">
+              <a:avLst/>
+            </a:prstGeom>
+            <a:noFill/>
+          </p:spPr>
+        </p:pic>
       </p:grpSp>
     </p:spTree>
   </p:cSld>
@@ -17579,22 +17579,14 @@
               <a:pPr algn="ctr"/>
               <a:r>
                 <a:rPr lang="fr-BE" noProof="1" smtClean="0"/>
-                <a:t>Automaton </a:t>
-              </a:r>
-              <a:r>
-                <a:rPr lang="fr-BE" noProof="1" smtClean="0"/>
-                <a:t>toolkit </a:t>
+                <a:t>Automaton toolkit </a:t>
               </a:r>
               <a:br>
                 <a:rPr lang="fr-BE" noProof="1" smtClean="0"/>
               </a:br>
               <a:r>
                 <a:rPr lang="fr-BE" noProof="1" smtClean="0"/>
-                <a:t>(</a:t>
-              </a:r>
-              <a:r>
-                <a:rPr lang="fr-BE" noProof="1" smtClean="0"/>
-                <a:t>stamina)</a:t>
+                <a:t>(stamina)</a:t>
               </a:r>
               <a:endParaRPr lang="fr-BE" noProof="1"/>
             </a:p>
@@ -17735,7 +17727,6 @@
                 <a:rPr lang="fr-BE" noProof="1" smtClean="0"/>
                 <a:t>Pathway Model</a:t>
               </a:r>
-              <a:endParaRPr lang="fr-BE" noProof="1" smtClean="0"/>
             </a:p>
           </p:txBody>
         </p:sp>
@@ -17777,20 +17768,12 @@
                 <a:rPr lang="fr-BE" noProof="1" smtClean="0"/>
                 <a:t>Binary Decision Diagrams  </a:t>
               </a:r>
-              <a:r>
-                <a:rPr lang="fr-BE" noProof="1" smtClean="0"/>
-                <a:t/>
-              </a:r>
               <a:br>
                 <a:rPr lang="fr-BE" noProof="1" smtClean="0"/>
               </a:br>
               <a:r>
                 <a:rPr lang="fr-BE" noProof="1" smtClean="0"/>
-                <a:t>(</a:t>
-              </a:r>
-              <a:r>
-                <a:rPr lang="fr-BE" noProof="1" smtClean="0"/>
-                <a:t>Buddy)</a:t>
+                <a:t>(Buddy)</a:t>
               </a:r>
               <a:endParaRPr lang="fr-BE" noProof="1"/>
             </a:p>
@@ -17832,15 +17815,7 @@
               <a:pPr algn="ctr"/>
               <a:r>
                 <a:rPr lang="fr-BE" noProof="1" smtClean="0"/>
-                <a:t>Parsing &amp; AST </a:t>
-              </a:r>
-              <a:r>
-                <a:rPr lang="fr-BE" noProof="1" smtClean="0"/>
-                <a:t>rewriting </a:t>
-              </a:r>
-              <a:r>
-                <a:rPr lang="fr-BE" noProof="1" smtClean="0"/>
-                <a:t>(anagram)</a:t>
+                <a:t>Parsing &amp; AST rewriting (anagram)</a:t>
               </a:r>
               <a:endParaRPr lang="fr-BE" noProof="1"/>
             </a:p>
@@ -17891,7 +17866,6 @@
                 <a:rPr lang="fr-BE" noProof="1" smtClean="0"/>
                 <a:t>analyzer</a:t>
               </a:r>
-              <a:endParaRPr lang="fr-BE" noProof="1" smtClean="0"/>
             </a:p>
           </p:txBody>
         </p:sp>
@@ -17987,13 +17961,8 @@
               <a:pPr algn="ctr"/>
               <a:r>
                 <a:rPr lang="fr-BE" noProof="1" smtClean="0"/>
-                <a:t>r</a:t>
+                <a:t>rewriting</a:t>
               </a:r>
-              <a:r>
-                <a:rPr lang="fr-BE" noProof="1" smtClean="0"/>
-                <a:t>ewriting</a:t>
-              </a:r>
-              <a:endParaRPr lang="fr-BE" noProof="1" smtClean="0"/>
             </a:p>
           </p:txBody>
         </p:sp>
@@ -18367,20 +18336,12 @@
                 <a:rPr lang="fr-BE" noProof="1" smtClean="0"/>
                 <a:t>SQL Persistence </a:t>
               </a:r>
-              <a:r>
-                <a:rPr lang="fr-BE" noProof="1" smtClean="0"/>
-                <a:t/>
-              </a:r>
               <a:br>
                 <a:rPr lang="fr-BE" noProof="1" smtClean="0"/>
               </a:br>
               <a:r>
                 <a:rPr lang="fr-BE" noProof="1" smtClean="0"/>
-                <a:t>(</a:t>
-              </a:r>
-              <a:r>
-                <a:rPr lang="fr-BE" noProof="1" smtClean="0"/>
-                <a:t>sqlite)</a:t>
+                <a:t>(sqlite)</a:t>
               </a:r>
             </a:p>
           </p:txBody>
@@ -20506,13 +20467,8 @@
               <a:pPr algn="ctr"/>
               <a:r>
                 <a:rPr lang="fr-BE" noProof="1" smtClean="0"/>
-                <a:t>Automaton </a:t>
+                <a:t>Automaton Toolkit</a:t>
               </a:r>
-              <a:r>
-                <a:rPr lang="fr-BE" noProof="1" smtClean="0"/>
-                <a:t>Toolkit</a:t>
-              </a:r>
-              <a:endParaRPr lang="fr-BE" noProof="1" smtClean="0"/>
             </a:p>
             <a:p>
               <a:pPr algn="ctr"/>
@@ -20562,7 +20518,6 @@
                 <a:rPr lang="fr-BE" noProof="1" smtClean="0"/>
                 <a:t>LTL2Buchi</a:t>
               </a:r>
-              <a:endParaRPr lang="fr-BE" noProof="1" smtClean="0"/>
             </a:p>
           </p:txBody>
         </p:sp>
@@ -20652,17 +20607,12 @@
                 <a:rPr lang="fr-BE" noProof="1" smtClean="0"/>
                 <a:t>Binary Decision Diagrams  </a:t>
               </a:r>
-              <a:endParaRPr lang="fr-BE" noProof="1" smtClean="0"/>
             </a:p>
             <a:p>
               <a:pPr algn="ctr"/>
               <a:r>
                 <a:rPr lang="fr-BE" noProof="1" smtClean="0"/>
-                <a:t>(JBuddy</a:t>
-              </a:r>
-              <a:r>
-                <a:rPr lang="fr-BE" noProof="1" smtClean="0"/>
-                <a:t>)</a:t>
+                <a:t>(JBuddy)</a:t>
               </a:r>
               <a:endParaRPr lang="fr-BE" noProof="1"/>
             </a:p>
@@ -20704,13 +20654,8 @@
               <a:pPr algn="ctr"/>
               <a:r>
                 <a:rPr lang="fr-BE" noProof="1" smtClean="0"/>
-                <a:t>g-</a:t>
+                <a:t>g-LTS</a:t>
               </a:r>
-              <a:r>
-                <a:rPr lang="fr-BE" noProof="1" smtClean="0"/>
-                <a:t>LTS</a:t>
-              </a:r>
-              <a:endParaRPr lang="fr-BE" noProof="1" smtClean="0"/>
             </a:p>
           </p:txBody>
         </p:sp>
@@ -20752,7 +20697,6 @@
                 <a:rPr lang="fr-BE" noProof="1" smtClean="0"/>
                 <a:t>FLTL</a:t>
               </a:r>
-              <a:endParaRPr lang="fr-BE" noProof="1" smtClean="0"/>
             </a:p>
           </p:txBody>
         </p:sp>
@@ -21056,13 +21000,8 @@
               <a:pPr algn="ctr"/>
               <a:r>
                 <a:rPr lang="fr-BE" noProof="1" smtClean="0"/>
-                <a:t>g</a:t>
+                <a:t>g-hMSC</a:t>
               </a:r>
-              <a:r>
-                <a:rPr lang="fr-BE" noProof="1" smtClean="0"/>
-                <a:t>-hMSC</a:t>
-              </a:r>
-              <a:endParaRPr lang="fr-BE" noProof="1" smtClean="0"/>
             </a:p>
           </p:txBody>
         </p:sp>
@@ -21330,21 +21269,8 @@
                         <a:schemeClr val="tx1"/>
                       </a:solidFill>
                     </a:rPr>
-                    <a:t>g</a:t>
+                    <a:t>g-hMSC  </a:t>
                   </a:r>
-                  <a:r>
-                    <a:rPr lang="fr-BE" noProof="1" smtClean="0">
-                      <a:solidFill>
-                        <a:schemeClr val="tx1"/>
-                      </a:solidFill>
-                    </a:rPr>
-                    <a:t>-hMSC  </a:t>
-                  </a:r>
-                  <a:endParaRPr lang="fr-BE" noProof="1" smtClean="0">
-                    <a:solidFill>
-                      <a:schemeClr val="tx1"/>
-                    </a:solidFill>
-                  </a:endParaRPr>
                 </a:p>
                 <a:p>
                   <a:pPr algn="ctr"/>
@@ -21627,15 +21553,7 @@
                         <a:schemeClr val="tx1"/>
                       </a:solidFill>
                     </a:rPr>
-                    <a:t>FLTL </a:t>
-                  </a:r>
-                  <a:r>
-                    <a:rPr lang="fr-BE" noProof="1" smtClean="0">
-                      <a:solidFill>
-                        <a:schemeClr val="tx1"/>
-                      </a:solidFill>
-                    </a:rPr>
-                    <a:t>(</a:t>
+                    <a:t>FLTL (</a:t>
                   </a:r>
                   <a:r>
                     <a:rPr lang="fr-BE" noProof="1" smtClean="0">
@@ -21644,25 +21562,7 @@
                       </a:solidFill>
                       <a:sym typeface="Symbol"/>
                     </a:rPr>
-                    <a:t></a:t>
-                  </a:r>
-                  <a:r>
-                    <a:rPr lang="fr-BE" noProof="1" smtClean="0">
-                      <a:solidFill>
-                        <a:schemeClr val="tx1"/>
-                      </a:solidFill>
-                      <a:sym typeface="Symbol"/>
-                    </a:rPr>
-                    <a:t>) </a:t>
-                  </a:r>
-                  <a:r>
-                    <a:rPr lang="fr-BE" noProof="1" smtClean="0">
-                      <a:solidFill>
-                        <a:schemeClr val="tx1"/>
-                      </a:solidFill>
-                      <a:sym typeface="Symbol"/>
-                    </a:rPr>
-                    <a:t/>
+                    <a:t>) </a:t>
                   </a:r>
                   <a:br>
                     <a:rPr lang="fr-BE" noProof="1" smtClean="0">
@@ -21904,21 +21804,8 @@
                         <a:schemeClr val="tx1"/>
                       </a:solidFill>
                     </a:rPr>
-                    <a:t>g</a:t>
+                    <a:t>g-LTS</a:t>
                   </a:r>
-                  <a:r>
-                    <a:rPr lang="fr-BE" noProof="1" smtClean="0">
-                      <a:solidFill>
-                        <a:schemeClr val="tx1"/>
-                      </a:solidFill>
-                    </a:rPr>
-                    <a:t>-LTS</a:t>
-                  </a:r>
-                  <a:endParaRPr lang="fr-BE" noProof="1" smtClean="0">
-                    <a:solidFill>
-                      <a:schemeClr val="tx1"/>
-                    </a:solidFill>
-                  </a:endParaRPr>
                 </a:p>
               </p:txBody>
             </p:sp>
@@ -22277,11 +22164,7 @@
                 <a:pPr algn="ctr"/>
                 <a:r>
                   <a:rPr lang="fr-BE" sz="1600" dirty="0" smtClean="0"/>
-                  <a:t>g</a:t>
-                </a:r>
-                <a:r>
-                  <a:rPr lang="fr-BE" sz="1600" dirty="0" smtClean="0"/>
-                  <a:t>-LTS </a:t>
+                  <a:t>g-LTS </a:t>
                 </a:r>
                 <a:r>
                   <a:rPr lang="fr-BE" sz="1600" dirty="0" smtClean="0">
@@ -22632,23 +22515,7 @@
                         <a:schemeClr val="tx1"/>
                       </a:solidFill>
                     </a:rPr>
-                    <a:t>Buchi</a:t>
-                  </a:r>
-                  <a:r>
-                    <a:rPr lang="fr-BE" noProof="1" smtClean="0">
-                      <a:solidFill>
-                        <a:schemeClr val="tx1"/>
-                      </a:solidFill>
-                    </a:rPr>
-                    <a:t> </a:t>
-                  </a:r>
-                  <a:r>
-                    <a:rPr lang="fr-BE" noProof="1" smtClean="0">
-                      <a:solidFill>
-                        <a:schemeClr val="tx1"/>
-                      </a:solidFill>
-                    </a:rPr>
-                    <a:t>(</a:t>
+                    <a:t>Buchi (</a:t>
                   </a:r>
                   <a:r>
                     <a:rPr lang="fr-BE" noProof="1" smtClean="0">
@@ -22667,11 +22534,6 @@
                     </a:rPr>
                     <a:t>)</a:t>
                   </a:r>
-                  <a:endParaRPr lang="fr-BE" noProof="1" smtClean="0">
-                    <a:solidFill>
-                      <a:schemeClr val="tx1"/>
-                    </a:solidFill>
-                  </a:endParaRPr>
                 </a:p>
                 <a:p>
                   <a:pPr algn="ctr"/>
@@ -22851,11 +22713,6 @@
                     </a:rPr>
                     <a:t>Synchronizer</a:t>
                   </a:r>
-                  <a:endParaRPr lang="fr-BE" noProof="1" smtClean="0">
-                    <a:solidFill>
-                      <a:schemeClr val="tx1"/>
-                    </a:solidFill>
-                  </a:endParaRPr>
                 </a:p>
                 <a:p>
                   <a:pPr algn="ctr"/>
@@ -22972,11 +22829,7 @@
                 <a:pPr algn="ctr"/>
                 <a:r>
                   <a:rPr lang="fr-BE" sz="1600" dirty="0" smtClean="0"/>
-                  <a:t>g</a:t>
-                </a:r>
-                <a:r>
-                  <a:rPr lang="fr-BE" sz="1600" dirty="0" smtClean="0"/>
-                  <a:t>-LTS </a:t>
+                  <a:t>g-LTS </a:t>
                 </a:r>
                 <a:r>
                   <a:rPr lang="fr-BE" sz="1600" dirty="0" smtClean="0">

--- a/writing/images/train.pptx
+++ b/writing/images/train.pptx
@@ -33847,7 +33847,7 @@
       </p:grpSpPr>
       <p:grpSp>
         <p:nvGrpSpPr>
-          <p:cNvPr id="207" name="Groupe 206"/>
+          <p:cNvPr id="196" name="Groupe 195"/>
           <p:cNvGrpSpPr/>
           <p:nvPr/>
         </p:nvGrpSpPr>
@@ -33951,14 +33951,14 @@
         </p:sp>
         <p:sp>
           <p:nvSpPr>
-            <p:cNvPr id="34" name="Rectangle à coins arrondis 33"/>
+            <p:cNvPr id="35" name="Rectangle à coins arrondis 34"/>
             <p:cNvSpPr/>
             <p:nvPr/>
           </p:nvSpPr>
           <p:spPr>
             <a:xfrm>
-              <a:off x="1651274" y="4005064"/>
-              <a:ext cx="2128638" cy="622434"/>
+              <a:off x="3667498" y="4005064"/>
+              <a:ext cx="2488678" cy="622434"/>
             </a:xfrm>
             <a:prstGeom prst="roundRect">
               <a:avLst/>
@@ -33982,61 +33982,12 @@
             </a:fontRef>
           </p:style>
           <p:txBody>
-            <a:bodyPr wrap="none" lIns="36000" tIns="36000" rIns="36000" bIns="36000" rtlCol="0" anchor="t"/>
+            <a:bodyPr wrap="none" lIns="36000" tIns="0" rIns="36000" bIns="36000" rtlCol="0" anchor="t"/>
             <a:lstStyle/>
             <a:p>
               <a:pPr algn="r"/>
               <a:r>
-                <a:rPr lang="fr-BE" sz="1200" noProof="1" smtClean="0">
-                  <a:latin typeface="+mj-lt"/>
-                </a:rPr>
-                <a:t>Arbitrate</a:t>
-              </a:r>
-              <a:endParaRPr lang="fr-BE" sz="1200" noProof="1">
-                <a:latin typeface="+mj-lt"/>
-              </a:endParaRPr>
-            </a:p>
-          </p:txBody>
-        </p:sp>
-        <p:sp>
-          <p:nvSpPr>
-            <p:cNvPr id="35" name="Rectangle à coins arrondis 34"/>
-            <p:cNvSpPr/>
-            <p:nvPr/>
-          </p:nvSpPr>
-          <p:spPr>
-            <a:xfrm>
-              <a:off x="4067944" y="4005064"/>
-              <a:ext cx="2128638" cy="622434"/>
-            </a:xfrm>
-            <a:prstGeom prst="roundRect">
-              <a:avLst/>
-            </a:prstGeom>
-            <a:ln w="9525">
-              <a:prstDash val="sysDash"/>
-            </a:ln>
-          </p:spPr>
-          <p:style>
-            <a:lnRef idx="2">
-              <a:schemeClr val="dk1"/>
-            </a:lnRef>
-            <a:fillRef idx="1">
-              <a:schemeClr val="lt1"/>
-            </a:fillRef>
-            <a:effectRef idx="0">
-              <a:schemeClr val="dk1"/>
-            </a:effectRef>
-            <a:fontRef idx="minor">
-              <a:schemeClr val="dk1"/>
-            </a:fontRef>
-          </p:style>
-          <p:txBody>
-            <a:bodyPr wrap="none" lIns="36000" tIns="36000" rIns="36000" bIns="36000" rtlCol="0" anchor="t"/>
-            <a:lstStyle/>
-            <a:p>
-              <a:pPr algn="r"/>
-              <a:r>
-                <a:rPr lang="fr-BE" sz="1200" noProof="1" smtClean="0">
+                <a:rPr lang="fr-BE" sz="1400" noProof="1" smtClean="0">
                   <a:latin typeface="+mj-lt"/>
                 </a:rPr>
                 <a:t>Weaken Constraints</a:t>
@@ -34052,8 +34003,8 @@
           </p:nvSpPr>
           <p:spPr>
             <a:xfrm>
-              <a:off x="6512922" y="4005064"/>
-              <a:ext cx="2128638" cy="622434"/>
+              <a:off x="6300192" y="4005064"/>
+              <a:ext cx="2341368" cy="622434"/>
             </a:xfrm>
             <a:prstGeom prst="roundRect">
               <a:avLst/>
@@ -34077,12 +34028,12 @@
             </a:fontRef>
           </p:style>
           <p:txBody>
-            <a:bodyPr wrap="none" lIns="36000" tIns="36000" rIns="36000" bIns="36000" rtlCol="0" anchor="t"/>
+            <a:bodyPr wrap="none" lIns="36000" tIns="0" rIns="36000" bIns="36000" rtlCol="0" anchor="t"/>
             <a:lstStyle/>
             <a:p>
               <a:pPr algn="r"/>
               <a:r>
-                <a:rPr lang="fr-BE" sz="1200" noProof="1" smtClean="0">
+                <a:rPr lang="fr-BE" sz="1400" noProof="1" smtClean="0">
                   <a:latin typeface="+mj-lt"/>
                 </a:rPr>
                 <a:t>Schedule Meeting</a:t>
@@ -34099,7 +34050,7 @@
           <p:spPr>
             <a:xfrm>
               <a:off x="787178" y="2086486"/>
-              <a:ext cx="2128638" cy="622434"/>
+              <a:ext cx="2488678" cy="622434"/>
             </a:xfrm>
             <a:prstGeom prst="roundRect">
               <a:avLst/>
@@ -34123,12 +34074,12 @@
             </a:fontRef>
           </p:style>
           <p:txBody>
-            <a:bodyPr wrap="none" lIns="36000" tIns="36000" rIns="36000" bIns="36000" rtlCol="0" anchor="t"/>
+            <a:bodyPr wrap="none" lIns="36000" tIns="0" rIns="36000" bIns="36000" rtlCol="0" anchor="t"/>
             <a:lstStyle/>
             <a:p>
               <a:pPr algn="r"/>
               <a:r>
-                <a:rPr lang="fr-BE" sz="1200" noProof="1" smtClean="0">
+                <a:rPr lang="fr-BE" sz="1400" noProof="1" smtClean="0">
                   <a:latin typeface="+mj-lt"/>
                 </a:rPr>
                 <a:t>Extend Date Range</a:t>
@@ -34235,10 +34186,10 @@
           </p:nvGrpSpPr>
           <p:grpSpPr>
             <a:xfrm>
-              <a:off x="856657" y="2422200"/>
-              <a:ext cx="1993364" cy="223354"/>
-              <a:chOff x="899592" y="897580"/>
-              <a:chExt cx="1993364" cy="223354"/>
+              <a:off x="842143" y="2422200"/>
+              <a:ext cx="2361705" cy="223354"/>
+              <a:chOff x="885078" y="897580"/>
+              <a:chExt cx="2361705" cy="223354"/>
             </a:xfrm>
           </p:grpSpPr>
           <p:sp>
@@ -34249,7 +34200,7 @@
             </p:nvSpPr>
             <p:spPr>
               <a:xfrm>
-                <a:off x="899592" y="904910"/>
+                <a:off x="885078" y="904910"/>
                 <a:ext cx="216024" cy="216024"/>
               </a:xfrm>
               <a:prstGeom prst="ellipse">
@@ -34288,7 +34239,7 @@
             </p:nvSpPr>
             <p:spPr>
               <a:xfrm>
-                <a:off x="1490896" y="904910"/>
+                <a:off x="1677121" y="904910"/>
                 <a:ext cx="216024" cy="216024"/>
               </a:xfrm>
               <a:prstGeom prst="ellipse">
@@ -34327,7 +34278,7 @@
             </p:nvSpPr>
             <p:spPr>
               <a:xfrm>
-                <a:off x="2107346" y="904910"/>
+                <a:off x="2292603" y="904910"/>
                 <a:ext cx="216024" cy="216024"/>
               </a:xfrm>
               <a:prstGeom prst="ellipse">
@@ -34366,7 +34317,7 @@
             </p:nvSpPr>
             <p:spPr>
               <a:xfrm>
-                <a:off x="2676932" y="904910"/>
+                <a:off x="3030759" y="904910"/>
                 <a:ext cx="216024" cy="216024"/>
               </a:xfrm>
               <a:prstGeom prst="ellipse">
@@ -34408,8 +34359,8 @@
             </p:nvCxnSpPr>
             <p:spPr>
               <a:xfrm>
-                <a:off x="1115616" y="1012922"/>
-                <a:ext cx="375280" cy="1588"/>
+                <a:off x="1101102" y="1012922"/>
+                <a:ext cx="576019" cy="1588"/>
               </a:xfrm>
               <a:prstGeom prst="straightConnector1">
                 <a:avLst/>
@@ -34447,8 +34398,8 @@
             </p:nvCxnSpPr>
             <p:spPr>
               <a:xfrm>
-                <a:off x="1706920" y="1012922"/>
-                <a:ext cx="400426" cy="1588"/>
+                <a:off x="1893145" y="1012922"/>
+                <a:ext cx="399458" cy="1588"/>
               </a:xfrm>
               <a:prstGeom prst="straightConnector1">
                 <a:avLst/>
@@ -34486,8 +34437,8 @@
             </p:nvCxnSpPr>
             <p:spPr>
               <a:xfrm>
-                <a:off x="2323370" y="1012922"/>
-                <a:ext cx="353562" cy="1588"/>
+                <a:off x="2508627" y="1012922"/>
+                <a:ext cx="522132" cy="1588"/>
               </a:xfrm>
               <a:prstGeom prst="straightConnector1">
                 <a:avLst/>
@@ -34522,7 +34473,7 @@
             </p:nvSpPr>
             <p:spPr>
               <a:xfrm>
-                <a:off x="1745020" y="897580"/>
+                <a:off x="1931245" y="897580"/>
                 <a:ext cx="271993" cy="215444"/>
               </a:xfrm>
               <a:prstGeom prst="rect">
@@ -34554,8 +34505,8 @@
             </p:nvSpPr>
             <p:spPr>
               <a:xfrm>
-                <a:off x="1149861" y="916340"/>
-                <a:ext cx="253787" cy="184666"/>
+                <a:off x="1135347" y="916340"/>
+                <a:ext cx="443198" cy="184666"/>
               </a:xfrm>
               <a:prstGeom prst="rect">
                 <a:avLst/>
@@ -34572,7 +34523,7 @@
               <a:p>
                 <a:r>
                   <a:rPr lang="fr-BE" sz="1200" noProof="1" smtClean="0"/>
-                  <a:t>T</a:t>
+                  <a:t>EDR</a:t>
                 </a:r>
                 <a:r>
                   <a:rPr lang="fr-BE" sz="1200" baseline="-25000" noProof="1" smtClean="0"/>
@@ -34590,8 +34541,8 @@
             </p:nvSpPr>
             <p:spPr>
               <a:xfrm>
-                <a:off x="2362612" y="916340"/>
-                <a:ext cx="221984" cy="184666"/>
+                <a:off x="2540612" y="916340"/>
+                <a:ext cx="410882" cy="184666"/>
               </a:xfrm>
               <a:prstGeom prst="rect">
                 <a:avLst/>
@@ -34608,7 +34559,7 @@
               <a:p>
                 <a:r>
                   <a:rPr lang="fr-BE" sz="1200" noProof="1" smtClean="0"/>
-                  <a:t>T</a:t>
+                  <a:t>EDR</a:t>
                 </a:r>
                 <a:r>
                   <a:rPr lang="fr-BE" sz="1200" baseline="-25000" noProof="1" smtClean="0"/>
@@ -34621,21 +34572,1450 @@
         </p:grpSp>
         <p:grpSp>
           <p:nvGrpSpPr>
-            <p:cNvPr id="140" name="Groupe 139"/>
+            <p:cNvPr id="151" name="Groupe 150"/>
             <p:cNvGrpSpPr/>
             <p:nvPr/>
           </p:nvGrpSpPr>
           <p:grpSpPr>
             <a:xfrm>
-              <a:off x="1717080" y="4291783"/>
-              <a:ext cx="1993364" cy="223354"/>
-              <a:chOff x="899592" y="897580"/>
-              <a:chExt cx="1993364" cy="223354"/>
+              <a:off x="3739506" y="4291783"/>
+              <a:ext cx="2344514" cy="223354"/>
+              <a:chOff x="643163" y="897580"/>
+              <a:chExt cx="2344514" cy="223354"/>
             </a:xfrm>
           </p:grpSpPr>
           <p:sp>
             <p:nvSpPr>
-              <p:cNvPr id="141" name="Ellipse 140"/>
+              <p:cNvPr id="152" name="Ellipse 151"/>
+              <p:cNvSpPr/>
+              <p:nvPr/>
+            </p:nvSpPr>
+            <p:spPr>
+              <a:xfrm>
+                <a:off x="643163" y="904910"/>
+                <a:ext cx="216024" cy="216024"/>
+              </a:xfrm>
+              <a:prstGeom prst="ellipse">
+                <a:avLst/>
+              </a:prstGeom>
+              <a:ln w="15875"/>
+            </p:spPr>
+            <p:style>
+              <a:lnRef idx="2">
+                <a:schemeClr val="dk1"/>
+              </a:lnRef>
+              <a:fillRef idx="1">
+                <a:schemeClr val="lt1"/>
+              </a:fillRef>
+              <a:effectRef idx="0">
+                <a:schemeClr val="dk1"/>
+              </a:effectRef>
+              <a:fontRef idx="minor">
+                <a:schemeClr val="dk1"/>
+              </a:fontRef>
+            </p:style>
+            <p:txBody>
+              <a:bodyPr rtlCol="0" anchor="ctr"/>
+              <a:lstStyle/>
+              <a:p>
+                <a:pPr algn="ctr"/>
+                <a:endParaRPr lang="fr-BE" noProof="1"/>
+              </a:p>
+            </p:txBody>
+          </p:sp>
+          <p:sp>
+            <p:nvSpPr>
+              <p:cNvPr id="153" name="Ellipse 152"/>
+              <p:cNvSpPr/>
+              <p:nvPr/>
+            </p:nvSpPr>
+            <p:spPr>
+              <a:xfrm>
+                <a:off x="1408346" y="904910"/>
+                <a:ext cx="216024" cy="216024"/>
+              </a:xfrm>
+              <a:prstGeom prst="ellipse">
+                <a:avLst/>
+              </a:prstGeom>
+              <a:ln w="15875"/>
+            </p:spPr>
+            <p:style>
+              <a:lnRef idx="2">
+                <a:schemeClr val="dk1"/>
+              </a:lnRef>
+              <a:fillRef idx="1">
+                <a:schemeClr val="lt1"/>
+              </a:fillRef>
+              <a:effectRef idx="0">
+                <a:schemeClr val="dk1"/>
+              </a:effectRef>
+              <a:fontRef idx="minor">
+                <a:schemeClr val="dk1"/>
+              </a:fontRef>
+            </p:style>
+            <p:txBody>
+              <a:bodyPr rtlCol="0" anchor="ctr"/>
+              <a:lstStyle/>
+              <a:p>
+                <a:pPr algn="ctr"/>
+                <a:endParaRPr lang="fr-BE" noProof="1"/>
+              </a:p>
+            </p:txBody>
+          </p:sp>
+          <p:sp>
+            <p:nvSpPr>
+              <p:cNvPr id="154" name="Ellipse 153"/>
+              <p:cNvSpPr/>
+              <p:nvPr/>
+            </p:nvSpPr>
+            <p:spPr>
+              <a:xfrm>
+                <a:off x="2043846" y="904910"/>
+                <a:ext cx="216024" cy="216024"/>
+              </a:xfrm>
+              <a:prstGeom prst="ellipse">
+                <a:avLst/>
+              </a:prstGeom>
+              <a:ln w="15875"/>
+            </p:spPr>
+            <p:style>
+              <a:lnRef idx="2">
+                <a:schemeClr val="dk1"/>
+              </a:lnRef>
+              <a:fillRef idx="1">
+                <a:schemeClr val="lt1"/>
+              </a:fillRef>
+              <a:effectRef idx="0">
+                <a:schemeClr val="dk1"/>
+              </a:effectRef>
+              <a:fontRef idx="minor">
+                <a:schemeClr val="dk1"/>
+              </a:fontRef>
+            </p:style>
+            <p:txBody>
+              <a:bodyPr rtlCol="0" anchor="ctr"/>
+              <a:lstStyle/>
+              <a:p>
+                <a:pPr algn="ctr"/>
+                <a:endParaRPr lang="fr-BE" noProof="1"/>
+              </a:p>
+            </p:txBody>
+          </p:sp>
+          <p:sp>
+            <p:nvSpPr>
+              <p:cNvPr id="155" name="Ellipse 154"/>
+              <p:cNvSpPr/>
+              <p:nvPr/>
+            </p:nvSpPr>
+            <p:spPr>
+              <a:xfrm>
+                <a:off x="2771653" y="904910"/>
+                <a:ext cx="216024" cy="216024"/>
+              </a:xfrm>
+              <a:prstGeom prst="ellipse">
+                <a:avLst/>
+              </a:prstGeom>
+              <a:ln w="15875"/>
+            </p:spPr>
+            <p:style>
+              <a:lnRef idx="2">
+                <a:schemeClr val="dk1"/>
+              </a:lnRef>
+              <a:fillRef idx="1">
+                <a:schemeClr val="lt1"/>
+              </a:fillRef>
+              <a:effectRef idx="0">
+                <a:schemeClr val="dk1"/>
+              </a:effectRef>
+              <a:fontRef idx="minor">
+                <a:schemeClr val="dk1"/>
+              </a:fontRef>
+            </p:style>
+            <p:txBody>
+              <a:bodyPr rtlCol="0" anchor="ctr"/>
+              <a:lstStyle/>
+              <a:p>
+                <a:pPr algn="ctr"/>
+                <a:endParaRPr lang="fr-BE" noProof="1"/>
+              </a:p>
+            </p:txBody>
+          </p:sp>
+          <p:cxnSp>
+            <p:nvCxnSpPr>
+              <p:cNvPr id="156" name="Connecteur droit avec flèche 155"/>
+              <p:cNvCxnSpPr>
+                <a:stCxn id="152" idx="6"/>
+                <a:endCxn id="153" idx="2"/>
+              </p:cNvCxnSpPr>
+              <p:nvPr/>
+            </p:nvCxnSpPr>
+            <p:spPr>
+              <a:xfrm>
+                <a:off x="859187" y="1012922"/>
+                <a:ext cx="549159" cy="1588"/>
+              </a:xfrm>
+              <a:prstGeom prst="straightConnector1">
+                <a:avLst/>
+              </a:prstGeom>
+              <a:ln w="12700">
+                <a:solidFill>
+                  <a:schemeClr val="tx1"/>
+                </a:solidFill>
+                <a:tailEnd type="triangle" w="med" len="sm"/>
+              </a:ln>
+            </p:spPr>
+            <p:style>
+              <a:lnRef idx="1">
+                <a:schemeClr val="accent1"/>
+              </a:lnRef>
+              <a:fillRef idx="0">
+                <a:schemeClr val="accent1"/>
+              </a:fillRef>
+              <a:effectRef idx="0">
+                <a:schemeClr val="accent1"/>
+              </a:effectRef>
+              <a:fontRef idx="minor">
+                <a:schemeClr val="tx1"/>
+              </a:fontRef>
+            </p:style>
+          </p:cxnSp>
+          <p:cxnSp>
+            <p:nvCxnSpPr>
+              <p:cNvPr id="157" name="Connecteur droit avec flèche 156"/>
+              <p:cNvCxnSpPr>
+                <a:stCxn id="153" idx="6"/>
+                <a:endCxn id="154" idx="2"/>
+              </p:cNvCxnSpPr>
+              <p:nvPr/>
+            </p:nvCxnSpPr>
+            <p:spPr>
+              <a:xfrm>
+                <a:off x="1624370" y="1012922"/>
+                <a:ext cx="419476" cy="1588"/>
+              </a:xfrm>
+              <a:prstGeom prst="straightConnector1">
+                <a:avLst/>
+              </a:prstGeom>
+              <a:ln w="12700">
+                <a:solidFill>
+                  <a:schemeClr val="tx1"/>
+                </a:solidFill>
+                <a:tailEnd type="triangle" w="med" len="sm"/>
+              </a:ln>
+            </p:spPr>
+            <p:style>
+              <a:lnRef idx="1">
+                <a:schemeClr val="accent1"/>
+              </a:lnRef>
+              <a:fillRef idx="0">
+                <a:schemeClr val="accent1"/>
+              </a:fillRef>
+              <a:effectRef idx="0">
+                <a:schemeClr val="accent1"/>
+              </a:effectRef>
+              <a:fontRef idx="minor">
+                <a:schemeClr val="tx1"/>
+              </a:fontRef>
+            </p:style>
+          </p:cxnSp>
+          <p:cxnSp>
+            <p:nvCxnSpPr>
+              <p:cNvPr id="158" name="Connecteur droit avec flèche 157"/>
+              <p:cNvCxnSpPr>
+                <a:stCxn id="154" idx="6"/>
+                <a:endCxn id="155" idx="2"/>
+              </p:cNvCxnSpPr>
+              <p:nvPr/>
+            </p:nvCxnSpPr>
+            <p:spPr>
+              <a:xfrm>
+                <a:off x="2259870" y="1012922"/>
+                <a:ext cx="511783" cy="1588"/>
+              </a:xfrm>
+              <a:prstGeom prst="straightConnector1">
+                <a:avLst/>
+              </a:prstGeom>
+              <a:ln w="12700">
+                <a:solidFill>
+                  <a:schemeClr val="tx1"/>
+                </a:solidFill>
+                <a:tailEnd type="triangle" w="med" len="sm"/>
+              </a:ln>
+            </p:spPr>
+            <p:style>
+              <a:lnRef idx="1">
+                <a:schemeClr val="accent1"/>
+              </a:lnRef>
+              <a:fillRef idx="0">
+                <a:schemeClr val="accent1"/>
+              </a:fillRef>
+              <a:effectRef idx="0">
+                <a:schemeClr val="accent1"/>
+              </a:effectRef>
+              <a:fontRef idx="minor">
+                <a:schemeClr val="tx1"/>
+              </a:fontRef>
+            </p:style>
+          </p:cxnSp>
+          <p:sp>
+            <p:nvSpPr>
+              <p:cNvPr id="159" name="ZoneTexte 158"/>
+              <p:cNvSpPr txBox="1"/>
+              <p:nvPr/>
+            </p:nvSpPr>
+            <p:spPr>
+              <a:xfrm>
+                <a:off x="1681520" y="897580"/>
+                <a:ext cx="271993" cy="215444"/>
+              </a:xfrm>
+              <a:prstGeom prst="rect">
+                <a:avLst/>
+              </a:prstGeom>
+              <a:solidFill>
+                <a:sch